--- a/node-js.pptx
+++ b/node-js.pptx
@@ -1,29 +1,455 @@
 
 <file path=ppt/presentation.xml><?xml version="1.0" encoding="utf-8"?>
-<p:presentation xmlns:a="http://schemas.openxmlformats.org/drawingml/2006/main" xmlns:p="http://schemas.openxmlformats.org/presentationml/2006/main" xmlns:r="http://schemas.openxmlformats.org/officeDocument/2006/relationships" xmlns:p14="http://schemas.microsoft.com/office/powerpoint/2010/main" xmlns:p15="http://schemas.microsoft.com/office/powerpoint/2012/main" xmlns:mc="http://schemas.openxmlformats.org/markup-compatibility/2006">
+<p:presentation xmlns:a="http://schemas.openxmlformats.org/drawingml/2006/main" xmlns:r="http://schemas.openxmlformats.org/officeDocument/2006/relationships" xmlns:p="http://schemas.openxmlformats.org/presentationml/2006/main">
   <p:sldMasterIdLst>
-    <p:sldMasterId id="2147483648" r:id="rId2"/>
-    <p:sldMasterId id="2147483661" r:id="rId3"/>
+    <p:sldMasterId id="2147483648" r:id="rId1"/>
+    <p:sldMasterId id="2147483661" r:id="rId2"/>
   </p:sldMasterIdLst>
   <p:notesMasterIdLst>
-    <p:notesMasterId r:id="rId4"/>
+    <p:notesMasterId r:id="rId11"/>
   </p:notesMasterIdLst>
   <p:sldIdLst>
-    <p:sldId id="256" r:id="rId5"/>
-    <p:sldId id="257" r:id="rId6"/>
-    <p:sldId id="258" r:id="rId7"/>
-    <p:sldId id="259" r:id="rId8"/>
-    <p:sldId id="260" r:id="rId9"/>
-    <p:sldId id="261" r:id="rId10"/>
-    <p:sldId id="262" r:id="rId11"/>
+    <p:sldId id="256" r:id="rId3"/>
+    <p:sldId id="257" r:id="rId4"/>
+    <p:sldId id="258" r:id="rId5"/>
+    <p:sldId id="259" r:id="rId6"/>
+    <p:sldId id="263" r:id="rId7"/>
+    <p:sldId id="260" r:id="rId8"/>
+    <p:sldId id="261" r:id="rId9"/>
+    <p:sldId id="262" r:id="rId10"/>
   </p:sldIdLst>
   <p:sldSz cx="12192000" cy="6858000"/>
   <p:notesSz cx="6858000" cy="9144000"/>
+  <p:defaultTextStyle>
+    <a:defPPr>
+      <a:defRPr lang="pt-BR"/>
+    </a:defPPr>
+    <a:lvl1pPr marL="0" algn="l" defTabSz="914400" rtl="0" eaLnBrk="1" latinLnBrk="0" hangingPunct="1">
+      <a:defRPr sz="1800" kern="1200">
+        <a:solidFill>
+          <a:schemeClr val="tx1"/>
+        </a:solidFill>
+        <a:latin typeface="+mn-lt"/>
+        <a:ea typeface="+mn-ea"/>
+        <a:cs typeface="+mn-cs"/>
+      </a:defRPr>
+    </a:lvl1pPr>
+    <a:lvl2pPr marL="457200" algn="l" defTabSz="914400" rtl="0" eaLnBrk="1" latinLnBrk="0" hangingPunct="1">
+      <a:defRPr sz="1800" kern="1200">
+        <a:solidFill>
+          <a:schemeClr val="tx1"/>
+        </a:solidFill>
+        <a:latin typeface="+mn-lt"/>
+        <a:ea typeface="+mn-ea"/>
+        <a:cs typeface="+mn-cs"/>
+      </a:defRPr>
+    </a:lvl2pPr>
+    <a:lvl3pPr marL="914400" algn="l" defTabSz="914400" rtl="0" eaLnBrk="1" latinLnBrk="0" hangingPunct="1">
+      <a:defRPr sz="1800" kern="1200">
+        <a:solidFill>
+          <a:schemeClr val="tx1"/>
+        </a:solidFill>
+        <a:latin typeface="+mn-lt"/>
+        <a:ea typeface="+mn-ea"/>
+        <a:cs typeface="+mn-cs"/>
+      </a:defRPr>
+    </a:lvl3pPr>
+    <a:lvl4pPr marL="1371600" algn="l" defTabSz="914400" rtl="0" eaLnBrk="1" latinLnBrk="0" hangingPunct="1">
+      <a:defRPr sz="1800" kern="1200">
+        <a:solidFill>
+          <a:schemeClr val="tx1"/>
+        </a:solidFill>
+        <a:latin typeface="+mn-lt"/>
+        <a:ea typeface="+mn-ea"/>
+        <a:cs typeface="+mn-cs"/>
+      </a:defRPr>
+    </a:lvl4pPr>
+    <a:lvl5pPr marL="1828800" algn="l" defTabSz="914400" rtl="0" eaLnBrk="1" latinLnBrk="0" hangingPunct="1">
+      <a:defRPr sz="1800" kern="1200">
+        <a:solidFill>
+          <a:schemeClr val="tx1"/>
+        </a:solidFill>
+        <a:latin typeface="+mn-lt"/>
+        <a:ea typeface="+mn-ea"/>
+        <a:cs typeface="+mn-cs"/>
+      </a:defRPr>
+    </a:lvl5pPr>
+    <a:lvl6pPr marL="2286000" algn="l" defTabSz="914400" rtl="0" eaLnBrk="1" latinLnBrk="0" hangingPunct="1">
+      <a:defRPr sz="1800" kern="1200">
+        <a:solidFill>
+          <a:schemeClr val="tx1"/>
+        </a:solidFill>
+        <a:latin typeface="+mn-lt"/>
+        <a:ea typeface="+mn-ea"/>
+        <a:cs typeface="+mn-cs"/>
+      </a:defRPr>
+    </a:lvl6pPr>
+    <a:lvl7pPr marL="2743200" algn="l" defTabSz="914400" rtl="0" eaLnBrk="1" latinLnBrk="0" hangingPunct="1">
+      <a:defRPr sz="1800" kern="1200">
+        <a:solidFill>
+          <a:schemeClr val="tx1"/>
+        </a:solidFill>
+        <a:latin typeface="+mn-lt"/>
+        <a:ea typeface="+mn-ea"/>
+        <a:cs typeface="+mn-cs"/>
+      </a:defRPr>
+    </a:lvl7pPr>
+    <a:lvl8pPr marL="3200400" algn="l" defTabSz="914400" rtl="0" eaLnBrk="1" latinLnBrk="0" hangingPunct="1">
+      <a:defRPr sz="1800" kern="1200">
+        <a:solidFill>
+          <a:schemeClr val="tx1"/>
+        </a:solidFill>
+        <a:latin typeface="+mn-lt"/>
+        <a:ea typeface="+mn-ea"/>
+        <a:cs typeface="+mn-cs"/>
+      </a:defRPr>
+    </a:lvl8pPr>
+    <a:lvl9pPr marL="3657600" algn="l" defTabSz="914400" rtl="0" eaLnBrk="1" latinLnBrk="0" hangingPunct="1">
+      <a:defRPr sz="1800" kern="1200">
+        <a:solidFill>
+          <a:schemeClr val="tx1"/>
+        </a:solidFill>
+        <a:latin typeface="+mn-lt"/>
+        <a:ea typeface="+mn-ea"/>
+        <a:cs typeface="+mn-cs"/>
+      </a:defRPr>
+    </a:lvl9pPr>
+  </p:defaultTextStyle>
 </p:presentation>
 </file>
 
 <file path=ppt/notesMasters/notesMaster1.xml><?xml version="1.0" encoding="utf-8"?>
-<p:notesMaster xmlns:a="http://schemas.openxmlformats.org/drawingml/2006/main" xmlns:p="http://schemas.openxmlformats.org/presentationml/2006/main" xmlns:r="http://schemas.openxmlformats.org/officeDocument/2006/relationships" xmlns:p14="http://schemas.microsoft.com/office/powerpoint/2010/main" xmlns:p15="http://schemas.microsoft.com/office/powerpoint/2012/main" xmlns:mc="http://schemas.openxmlformats.org/markup-compatibility/2006">
+<p:notesMaster xmlns:a="http://schemas.openxmlformats.org/drawingml/2006/main" xmlns:r="http://schemas.openxmlformats.org/officeDocument/2006/relationships" xmlns:p="http://schemas.openxmlformats.org/presentationml/2006/main">
+  <p:cSld>
+    <p:bg>
+      <p:bgRef idx="1001">
+        <a:schemeClr val="bg1"/>
+      </p:bgRef>
+    </p:bg>
+    <p:spTree>
+      <p:nvGrpSpPr>
+        <p:cNvPr id="1" name=""/>
+        <p:cNvGrpSpPr/>
+        <p:nvPr/>
+      </p:nvGrpSpPr>
+      <p:grpSpPr>
+        <a:xfrm>
+          <a:off x="0" y="0"/>
+          <a:ext cx="0" cy="0"/>
+          <a:chOff x="0" y="0"/>
+          <a:chExt cx="0" cy="0"/>
+        </a:xfrm>
+      </p:grpSpPr>
+      <p:sp>
+        <p:nvSpPr>
+          <p:cNvPr id="76" name="PlaceHolder 1"/>
+          <p:cNvSpPr>
+            <a:spLocks noGrp="1" noRot="1" noChangeAspect="1"/>
+          </p:cNvSpPr>
+          <p:nvPr>
+            <p:ph type="sldImg"/>
+          </p:nvPr>
+        </p:nvSpPr>
+        <p:spPr>
+          <a:xfrm>
+            <a:off x="216000" y="812520"/>
+            <a:ext cx="7127280" cy="4008960"/>
+          </a:xfrm>
+          <a:prstGeom prst="rect">
+            <a:avLst/>
+          </a:prstGeom>
+        </p:spPr>
+        <p:txBody>
+          <a:bodyPr lIns="0" tIns="0" rIns="0" bIns="0" anchor="ctr">
+            <a:noAutofit/>
+          </a:bodyPr>
+          <a:lstStyle/>
+          <a:p>
+            <a:pPr algn="ctr"/>
+            <a:r>
+              <a:rPr lang="pt-BR" sz="4400" b="0" strike="noStrike" spc="-1">
+                <a:latin typeface="Arial"/>
+              </a:rPr>
+              <a:t>Click to move the slide</a:t>
+            </a:r>
+          </a:p>
+        </p:txBody>
+      </p:sp>
+      <p:sp>
+        <p:nvSpPr>
+          <p:cNvPr id="77" name="PlaceHolder 2"/>
+          <p:cNvSpPr>
+            <a:spLocks noGrp="1"/>
+          </p:cNvSpPr>
+          <p:nvPr>
+            <p:ph type="body"/>
+          </p:nvPr>
+        </p:nvSpPr>
+        <p:spPr>
+          <a:xfrm>
+            <a:off x="756000" y="5078520"/>
+            <a:ext cx="6047640" cy="4811040"/>
+          </a:xfrm>
+          <a:prstGeom prst="rect">
+            <a:avLst/>
+          </a:prstGeom>
+        </p:spPr>
+        <p:txBody>
+          <a:bodyPr lIns="0" tIns="0" rIns="0" bIns="0">
+            <a:noAutofit/>
+          </a:bodyPr>
+          <a:lstStyle/>
+          <a:p>
+            <a:r>
+              <a:rPr lang="pt-BR" sz="2000" b="0" strike="noStrike" spc="-1">
+                <a:latin typeface="Arial"/>
+              </a:rPr>
+              <a:t>Click to edit the notes format</a:t>
+            </a:r>
+          </a:p>
+        </p:txBody>
+      </p:sp>
+      <p:sp>
+        <p:nvSpPr>
+          <p:cNvPr id="78" name="PlaceHolder 3"/>
+          <p:cNvSpPr>
+            <a:spLocks noGrp="1"/>
+          </p:cNvSpPr>
+          <p:nvPr>
+            <p:ph type="hdr"/>
+          </p:nvPr>
+        </p:nvSpPr>
+        <p:spPr>
+          <a:xfrm>
+            <a:off x="0" y="0"/>
+            <a:ext cx="3280680" cy="534240"/>
+          </a:xfrm>
+          <a:prstGeom prst="rect">
+            <a:avLst/>
+          </a:prstGeom>
+        </p:spPr>
+        <p:txBody>
+          <a:bodyPr lIns="0" tIns="0" rIns="0" bIns="0">
+            <a:noAutofit/>
+          </a:bodyPr>
+          <a:lstStyle/>
+          <a:p>
+            <a:r>
+              <a:rPr lang="pt-BR" sz="1400" b="0" strike="noStrike" spc="-1">
+                <a:latin typeface="Times New Roman"/>
+              </a:rPr>
+              <a:t>&lt;header&gt;</a:t>
+            </a:r>
+          </a:p>
+        </p:txBody>
+      </p:sp>
+      <p:sp>
+        <p:nvSpPr>
+          <p:cNvPr id="79" name="PlaceHolder 4"/>
+          <p:cNvSpPr>
+            <a:spLocks noGrp="1"/>
+          </p:cNvSpPr>
+          <p:nvPr>
+            <p:ph type="dt"/>
+          </p:nvPr>
+        </p:nvSpPr>
+        <p:spPr>
+          <a:xfrm>
+            <a:off x="4278960" y="0"/>
+            <a:ext cx="3280680" cy="534240"/>
+          </a:xfrm>
+          <a:prstGeom prst="rect">
+            <a:avLst/>
+          </a:prstGeom>
+        </p:spPr>
+        <p:txBody>
+          <a:bodyPr lIns="0" tIns="0" rIns="0" bIns="0">
+            <a:noAutofit/>
+          </a:bodyPr>
+          <a:lstStyle/>
+          <a:p>
+            <a:pPr algn="r"/>
+            <a:r>
+              <a:rPr lang="pt-BR" sz="1400" b="0" strike="noStrike" spc="-1">
+                <a:latin typeface="Times New Roman"/>
+              </a:rPr>
+              <a:t>&lt;date/time&gt;</a:t>
+            </a:r>
+          </a:p>
+        </p:txBody>
+      </p:sp>
+      <p:sp>
+        <p:nvSpPr>
+          <p:cNvPr id="80" name="PlaceHolder 5"/>
+          <p:cNvSpPr>
+            <a:spLocks noGrp="1"/>
+          </p:cNvSpPr>
+          <p:nvPr>
+            <p:ph type="ftr"/>
+          </p:nvPr>
+        </p:nvSpPr>
+        <p:spPr>
+          <a:xfrm>
+            <a:off x="0" y="10157400"/>
+            <a:ext cx="3280680" cy="534240"/>
+          </a:xfrm>
+          <a:prstGeom prst="rect">
+            <a:avLst/>
+          </a:prstGeom>
+        </p:spPr>
+        <p:txBody>
+          <a:bodyPr lIns="0" tIns="0" rIns="0" bIns="0" anchor="b">
+            <a:noAutofit/>
+          </a:bodyPr>
+          <a:lstStyle/>
+          <a:p>
+            <a:r>
+              <a:rPr lang="pt-BR" sz="1400" b="0" strike="noStrike" spc="-1">
+                <a:latin typeface="Times New Roman"/>
+              </a:rPr>
+              <a:t>&lt;footer&gt;</a:t>
+            </a:r>
+          </a:p>
+        </p:txBody>
+      </p:sp>
+      <p:sp>
+        <p:nvSpPr>
+          <p:cNvPr id="81" name="PlaceHolder 6"/>
+          <p:cNvSpPr>
+            <a:spLocks noGrp="1"/>
+          </p:cNvSpPr>
+          <p:nvPr>
+            <p:ph type="sldNum"/>
+          </p:nvPr>
+        </p:nvSpPr>
+        <p:spPr>
+          <a:xfrm>
+            <a:off x="4278960" y="10157400"/>
+            <a:ext cx="3280680" cy="534240"/>
+          </a:xfrm>
+          <a:prstGeom prst="rect">
+            <a:avLst/>
+          </a:prstGeom>
+        </p:spPr>
+        <p:txBody>
+          <a:bodyPr lIns="0" tIns="0" rIns="0" bIns="0" anchor="b">
+            <a:noAutofit/>
+          </a:bodyPr>
+          <a:lstStyle/>
+          <a:p>
+            <a:pPr algn="r"/>
+            <a:fld id="{C6214E54-B41B-4F55-A320-87292413B838}" type="slidenum">
+              <a:rPr lang="pt-BR" sz="1400" b="0" strike="noStrike" spc="-1">
+                <a:latin typeface="Times New Roman"/>
+              </a:rPr>
+              <a:t>‹nº›</a:t>
+            </a:fld>
+            <a:endParaRPr lang="pt-BR" sz="1400" b="0" strike="noStrike" spc="-1">
+              <a:latin typeface="Times New Roman"/>
+            </a:endParaRPr>
+          </a:p>
+        </p:txBody>
+      </p:sp>
+    </p:spTree>
+  </p:cSld>
+  <p:clrMap bg1="lt1" tx1="dk1" bg2="lt2" tx2="dk2" accent1="accent1" accent2="accent2" accent3="accent3" accent4="accent4" accent5="accent5" accent6="accent6" hlink="hlink" folHlink="folHlink"/>
+  <p:notesStyle>
+    <a:lvl1pPr marL="0" algn="l" defTabSz="914400" rtl="0" eaLnBrk="1" latinLnBrk="0" hangingPunct="1">
+      <a:defRPr sz="1200" kern="1200">
+        <a:solidFill>
+          <a:schemeClr val="tx1"/>
+        </a:solidFill>
+        <a:latin typeface="+mn-lt"/>
+        <a:ea typeface="+mn-ea"/>
+        <a:cs typeface="+mn-cs"/>
+      </a:defRPr>
+    </a:lvl1pPr>
+    <a:lvl2pPr marL="457200" algn="l" defTabSz="914400" rtl="0" eaLnBrk="1" latinLnBrk="0" hangingPunct="1">
+      <a:defRPr sz="1200" kern="1200">
+        <a:solidFill>
+          <a:schemeClr val="tx1"/>
+        </a:solidFill>
+        <a:latin typeface="+mn-lt"/>
+        <a:ea typeface="+mn-ea"/>
+        <a:cs typeface="+mn-cs"/>
+      </a:defRPr>
+    </a:lvl2pPr>
+    <a:lvl3pPr marL="914400" algn="l" defTabSz="914400" rtl="0" eaLnBrk="1" latinLnBrk="0" hangingPunct="1">
+      <a:defRPr sz="1200" kern="1200">
+        <a:solidFill>
+          <a:schemeClr val="tx1"/>
+        </a:solidFill>
+        <a:latin typeface="+mn-lt"/>
+        <a:ea typeface="+mn-ea"/>
+        <a:cs typeface="+mn-cs"/>
+      </a:defRPr>
+    </a:lvl3pPr>
+    <a:lvl4pPr marL="1371600" algn="l" defTabSz="914400" rtl="0" eaLnBrk="1" latinLnBrk="0" hangingPunct="1">
+      <a:defRPr sz="1200" kern="1200">
+        <a:solidFill>
+          <a:schemeClr val="tx1"/>
+        </a:solidFill>
+        <a:latin typeface="+mn-lt"/>
+        <a:ea typeface="+mn-ea"/>
+        <a:cs typeface="+mn-cs"/>
+      </a:defRPr>
+    </a:lvl4pPr>
+    <a:lvl5pPr marL="1828800" algn="l" defTabSz="914400" rtl="0" eaLnBrk="1" latinLnBrk="0" hangingPunct="1">
+      <a:defRPr sz="1200" kern="1200">
+        <a:solidFill>
+          <a:schemeClr val="tx1"/>
+        </a:solidFill>
+        <a:latin typeface="+mn-lt"/>
+        <a:ea typeface="+mn-ea"/>
+        <a:cs typeface="+mn-cs"/>
+      </a:defRPr>
+    </a:lvl5pPr>
+    <a:lvl6pPr marL="2286000" algn="l" defTabSz="914400" rtl="0" eaLnBrk="1" latinLnBrk="0" hangingPunct="1">
+      <a:defRPr sz="1200" kern="1200">
+        <a:solidFill>
+          <a:schemeClr val="tx1"/>
+        </a:solidFill>
+        <a:latin typeface="+mn-lt"/>
+        <a:ea typeface="+mn-ea"/>
+        <a:cs typeface="+mn-cs"/>
+      </a:defRPr>
+    </a:lvl6pPr>
+    <a:lvl7pPr marL="2743200" algn="l" defTabSz="914400" rtl="0" eaLnBrk="1" latinLnBrk="0" hangingPunct="1">
+      <a:defRPr sz="1200" kern="1200">
+        <a:solidFill>
+          <a:schemeClr val="tx1"/>
+        </a:solidFill>
+        <a:latin typeface="+mn-lt"/>
+        <a:ea typeface="+mn-ea"/>
+        <a:cs typeface="+mn-cs"/>
+      </a:defRPr>
+    </a:lvl7pPr>
+    <a:lvl8pPr marL="3200400" algn="l" defTabSz="914400" rtl="0" eaLnBrk="1" latinLnBrk="0" hangingPunct="1">
+      <a:defRPr sz="1200" kern="1200">
+        <a:solidFill>
+          <a:schemeClr val="tx1"/>
+        </a:solidFill>
+        <a:latin typeface="+mn-lt"/>
+        <a:ea typeface="+mn-ea"/>
+        <a:cs typeface="+mn-cs"/>
+      </a:defRPr>
+    </a:lvl8pPr>
+    <a:lvl9pPr marL="3657600" algn="l" defTabSz="914400" rtl="0" eaLnBrk="1" latinLnBrk="0" hangingPunct="1">
+      <a:defRPr sz="1200" kern="1200">
+        <a:solidFill>
+          <a:schemeClr val="tx1"/>
+        </a:solidFill>
+        <a:latin typeface="+mn-lt"/>
+        <a:ea typeface="+mn-ea"/>
+        <a:cs typeface="+mn-cs"/>
+      </a:defRPr>
+    </a:lvl9pPr>
+  </p:notesStyle>
+</p:notesMaster>
+</file>
+
+<file path=ppt/notesSlides/notesSlide1.xml><?xml version="1.0" encoding="utf-8"?>
+<p:notes xmlns:a="http://schemas.openxmlformats.org/drawingml/2006/main" xmlns:r="http://schemas.openxmlformats.org/officeDocument/2006/relationships" xmlns:p="http://schemas.openxmlformats.org/presentationml/2006/main">
   <p:cSld>
     <p:spTree>
       <p:nvGrpSpPr>
@@ -41,9 +467,9 @@
       </p:grpSpPr>
       <p:sp>
         <p:nvSpPr>
-          <p:cNvPr id="76" name="PlaceHolder 1"/>
-          <p:cNvSpPr>
-            <a:spLocks noGrp="1"/>
+          <p:cNvPr id="97" name="PlaceHolder 1"/>
+          <p:cNvSpPr>
+            <a:spLocks noGrp="1" noRot="1" noChangeAspect="1"/>
           </p:cNvSpPr>
           <p:nvPr>
             <p:ph type="sldImg"/>
@@ -51,221 +477,113 @@
         </p:nvSpPr>
         <p:spPr>
           <a:xfrm>
-            <a:off x="216000" y="812520"/>
-            <a:ext cx="7127280" cy="4008960"/>
-          </a:xfrm>
-          <a:prstGeom prst="rect">
-            <a:avLst/>
-          </a:prstGeom>
-        </p:spPr>
-        <p:txBody>
-          <a:bodyPr lIns="0" rIns="0" tIns="0" bIns="0" anchor="ctr">
+            <a:off x="685800" y="1143000"/>
+            <a:ext cx="5484813" cy="3084513"/>
+          </a:xfrm>
+          <a:prstGeom prst="rect">
+            <a:avLst/>
+          </a:prstGeom>
+        </p:spPr>
+      </p:sp>
+      <p:sp>
+        <p:nvSpPr>
+          <p:cNvPr id="98" name="PlaceHolder 2"/>
+          <p:cNvSpPr>
+            <a:spLocks noGrp="1"/>
+          </p:cNvSpPr>
+          <p:nvPr>
+            <p:ph type="body"/>
+          </p:nvPr>
+        </p:nvSpPr>
+        <p:spPr>
+          <a:xfrm>
+            <a:off x="685800" y="4400640"/>
+            <a:ext cx="5484600" cy="3598560"/>
+          </a:xfrm>
+          <a:prstGeom prst="rect">
+            <a:avLst/>
+          </a:prstGeom>
+        </p:spPr>
+        <p:txBody>
+          <a:bodyPr lIns="0" tIns="0" rIns="0" bIns="0">
             <a:noAutofit/>
           </a:bodyPr>
-          <a:p>
-            <a:pPr algn="ctr"/>
-            <a:r>
-              <a:rPr b="0" lang="pt-BR" sz="4400" spc="-1" strike="noStrike">
-                <a:latin typeface="Arial"/>
-              </a:rPr>
-              <a:t>Click to move the slide</a:t>
-            </a:r>
-            <a:endParaRPr b="0" lang="pt-BR" sz="4400" spc="-1" strike="noStrike">
-              <a:latin typeface="Arial"/>
-            </a:endParaRPr>
-          </a:p>
-        </p:txBody>
-      </p:sp>
-      <p:sp>
-        <p:nvSpPr>
-          <p:cNvPr id="77" name="PlaceHolder 2"/>
-          <p:cNvSpPr>
-            <a:spLocks noGrp="1"/>
-          </p:cNvSpPr>
-          <p:nvPr>
-            <p:ph type="body"/>
-          </p:nvPr>
-        </p:nvSpPr>
-        <p:spPr>
-          <a:xfrm>
-            <a:off x="756000" y="5078520"/>
-            <a:ext cx="6047640" cy="4811040"/>
-          </a:xfrm>
-          <a:prstGeom prst="rect">
-            <a:avLst/>
-          </a:prstGeom>
-        </p:spPr>
-        <p:txBody>
-          <a:bodyPr lIns="0" rIns="0" tIns="0" bIns="0">
+          <a:lstStyle/>
+          <a:p>
+            <a:endParaRPr lang="pt-BR" sz="2000" b="0" strike="noStrike" spc="-1">
+              <a:latin typeface="Arial"/>
+            </a:endParaRPr>
+          </a:p>
+        </p:txBody>
+      </p:sp>
+      <p:sp>
+        <p:nvSpPr>
+          <p:cNvPr id="99" name="CustomShape 3"/>
+          <p:cNvSpPr/>
+          <p:nvPr/>
+        </p:nvSpPr>
+        <p:spPr>
+          <a:xfrm>
+            <a:off x="3884760" y="8685360"/>
+            <a:ext cx="2970000" cy="456840"/>
+          </a:xfrm>
+          <a:prstGeom prst="rect">
+            <a:avLst/>
+          </a:prstGeom>
+          <a:noFill/>
+          <a:ln>
+            <a:noFill/>
+          </a:ln>
+        </p:spPr>
+        <p:style>
+          <a:lnRef idx="0">
+            <a:scrgbClr r="0" g="0" b="0"/>
+          </a:lnRef>
+          <a:fillRef idx="0">
+            <a:scrgbClr r="0" g="0" b="0"/>
+          </a:fillRef>
+          <a:effectRef idx="0">
+            <a:scrgbClr r="0" g="0" b="0"/>
+          </a:effectRef>
+          <a:fontRef idx="minor"/>
+        </p:style>
+        <p:txBody>
+          <a:bodyPr lIns="90000" tIns="45000" rIns="90000" bIns="45000" anchor="b">
             <a:noAutofit/>
           </a:bodyPr>
-          <a:p>
-            <a:r>
-              <a:rPr b="0" lang="pt-BR" sz="2000" spc="-1" strike="noStrike">
-                <a:latin typeface="Arial"/>
-              </a:rPr>
-              <a:t>Click to edit the notes format</a:t>
-            </a:r>
-            <a:endParaRPr b="0" lang="pt-BR" sz="2000" spc="-1" strike="noStrike">
-              <a:latin typeface="Arial"/>
-            </a:endParaRPr>
-          </a:p>
-        </p:txBody>
-      </p:sp>
-      <p:sp>
-        <p:nvSpPr>
-          <p:cNvPr id="78" name="PlaceHolder 3"/>
-          <p:cNvSpPr>
-            <a:spLocks noGrp="1"/>
-          </p:cNvSpPr>
-          <p:nvPr>
-            <p:ph type="hdr"/>
-          </p:nvPr>
-        </p:nvSpPr>
-        <p:spPr>
-          <a:xfrm>
-            <a:off x="0" y="0"/>
-            <a:ext cx="3280680" cy="534240"/>
-          </a:xfrm>
-          <a:prstGeom prst="rect">
-            <a:avLst/>
-          </a:prstGeom>
-        </p:spPr>
-        <p:txBody>
-          <a:bodyPr lIns="0" rIns="0" tIns="0" bIns="0">
-            <a:noAutofit/>
-          </a:bodyPr>
-          <a:p>
-            <a:r>
-              <a:rPr b="0" lang="pt-BR" sz="1400" spc="-1" strike="noStrike">
-                <a:latin typeface="Times New Roman"/>
-              </a:rPr>
-              <a:t>&lt;header&gt;</a:t>
-            </a:r>
-            <a:endParaRPr b="0" lang="pt-BR" sz="1400" spc="-1" strike="noStrike">
-              <a:latin typeface="Times New Roman"/>
-            </a:endParaRPr>
-          </a:p>
-        </p:txBody>
-      </p:sp>
-      <p:sp>
-        <p:nvSpPr>
-          <p:cNvPr id="79" name="PlaceHolder 4"/>
-          <p:cNvSpPr>
-            <a:spLocks noGrp="1"/>
-          </p:cNvSpPr>
-          <p:nvPr>
-            <p:ph type="dt"/>
-          </p:nvPr>
-        </p:nvSpPr>
-        <p:spPr>
-          <a:xfrm>
-            <a:off x="4278960" y="0"/>
-            <a:ext cx="3280680" cy="534240"/>
-          </a:xfrm>
-          <a:prstGeom prst="rect">
-            <a:avLst/>
-          </a:prstGeom>
-        </p:spPr>
-        <p:txBody>
-          <a:bodyPr lIns="0" rIns="0" tIns="0" bIns="0">
-            <a:noAutofit/>
-          </a:bodyPr>
-          <a:p>
-            <a:pPr algn="r"/>
-            <a:r>
-              <a:rPr b="0" lang="pt-BR" sz="1400" spc="-1" strike="noStrike">
-                <a:latin typeface="Times New Roman"/>
-              </a:rPr>
-              <a:t>&lt;date/time&gt;</a:t>
-            </a:r>
-            <a:endParaRPr b="0" lang="pt-BR" sz="1400" spc="-1" strike="noStrike">
-              <a:latin typeface="Times New Roman"/>
-            </a:endParaRPr>
-          </a:p>
-        </p:txBody>
-      </p:sp>
-      <p:sp>
-        <p:nvSpPr>
-          <p:cNvPr id="80" name="PlaceHolder 5"/>
-          <p:cNvSpPr>
-            <a:spLocks noGrp="1"/>
-          </p:cNvSpPr>
-          <p:nvPr>
-            <p:ph type="ftr"/>
-          </p:nvPr>
-        </p:nvSpPr>
-        <p:spPr>
-          <a:xfrm>
-            <a:off x="0" y="10157400"/>
-            <a:ext cx="3280680" cy="534240"/>
-          </a:xfrm>
-          <a:prstGeom prst="rect">
-            <a:avLst/>
-          </a:prstGeom>
-        </p:spPr>
-        <p:txBody>
-          <a:bodyPr lIns="0" rIns="0" tIns="0" bIns="0" anchor="b">
-            <a:noAutofit/>
-          </a:bodyPr>
-          <a:p>
-            <a:r>
-              <a:rPr b="0" lang="pt-BR" sz="1400" spc="-1" strike="noStrike">
-                <a:latin typeface="Times New Roman"/>
-              </a:rPr>
-              <a:t>&lt;footer&gt;</a:t>
-            </a:r>
-            <a:endParaRPr b="0" lang="pt-BR" sz="1400" spc="-1" strike="noStrike">
-              <a:latin typeface="Times New Roman"/>
-            </a:endParaRPr>
-          </a:p>
-        </p:txBody>
-      </p:sp>
-      <p:sp>
-        <p:nvSpPr>
-          <p:cNvPr id="81" name="PlaceHolder 6"/>
-          <p:cNvSpPr>
-            <a:spLocks noGrp="1"/>
-          </p:cNvSpPr>
-          <p:nvPr>
-            <p:ph type="sldNum"/>
-          </p:nvPr>
-        </p:nvSpPr>
-        <p:spPr>
-          <a:xfrm>
-            <a:off x="4278960" y="10157400"/>
-            <a:ext cx="3280680" cy="534240"/>
-          </a:xfrm>
-          <a:prstGeom prst="rect">
-            <a:avLst/>
-          </a:prstGeom>
-        </p:spPr>
-        <p:txBody>
-          <a:bodyPr lIns="0" rIns="0" tIns="0" bIns="0" anchor="b">
-            <a:noAutofit/>
-          </a:bodyPr>
-          <a:p>
-            <a:pPr algn="r"/>
-            <a:fld id="{C6214E54-B41B-4F55-A320-87292413B838}" type="slidenum">
-              <a:rPr b="0" lang="pt-BR" sz="1400" spc="-1" strike="noStrike">
-                <a:latin typeface="Times New Roman"/>
-              </a:rPr>
-              <a:t>&lt;number&gt;</a:t>
+          <a:lstStyle/>
+          <a:p>
+            <a:pPr algn="r">
+              <a:lnSpc>
+                <a:spcPct val="100000"/>
+              </a:lnSpc>
+            </a:pPr>
+            <a:fld id="{2E5BBA99-14BB-443A-B76D-551F52FF1213}" type="slidenum">
+              <a:rPr lang="pt-BR" sz="1200" b="0" strike="noStrike" spc="-1">
+                <a:solidFill>
+                  <a:srgbClr val="000000"/>
+                </a:solidFill>
+                <a:latin typeface="+mn-lt"/>
+                <a:ea typeface="+mn-ea"/>
+              </a:rPr>
+              <a:t>1</a:t>
             </a:fld>
-            <a:endParaRPr b="0" lang="pt-BR" sz="1400" spc="-1" strike="noStrike">
-              <a:latin typeface="Times New Roman"/>
+            <a:endParaRPr lang="pt-BR" sz="1200" b="0" strike="noStrike" spc="-1">
+              <a:latin typeface="Arial"/>
             </a:endParaRPr>
           </a:p>
         </p:txBody>
       </p:sp>
     </p:spTree>
   </p:cSld>
-  <p:clrMap bg1="lt1" bg2="lt2" tx1="dk1" tx2="dk2" accent1="accent1" accent2="accent2" accent3="accent3" accent4="accent4" accent5="accent5" accent6="accent6" hlink="hlink" folHlink="folHlink"/>
-</p:notesMaster>
+  <p:clrMapOvr>
+    <a:masterClrMapping/>
+  </p:clrMapOvr>
+</p:notes>
 </file>
 
-<file path=ppt/notesSlides/notesSlide1.xml><?xml version="1.0" encoding="utf-8"?>
-<p:notes xmlns:a="http://schemas.openxmlformats.org/drawingml/2006/main" xmlns:p="http://schemas.openxmlformats.org/presentationml/2006/main" xmlns:r="http://schemas.openxmlformats.org/officeDocument/2006/relationships" xmlns:p14="http://schemas.microsoft.com/office/powerpoint/2010/main" xmlns:p15="http://schemas.microsoft.com/office/powerpoint/2012/main" xmlns:mc="http://schemas.openxmlformats.org/markup-compatibility/2006">
+<file path=ppt/notesSlides/notesSlide2.xml><?xml version="1.0" encoding="utf-8"?>
+<p:notes xmlns:a="http://schemas.openxmlformats.org/drawingml/2006/main" xmlns:r="http://schemas.openxmlformats.org/officeDocument/2006/relationships" xmlns:p="http://schemas.openxmlformats.org/presentationml/2006/main">
   <p:cSld>
     <p:spTree>
       <p:nvGrpSpPr>
@@ -283,9 +601,9 @@
       </p:grpSpPr>
       <p:sp>
         <p:nvSpPr>
-          <p:cNvPr id="97" name="PlaceHolder 1"/>
-          <p:cNvSpPr>
-            <a:spLocks noGrp="1"/>
+          <p:cNvPr id="100" name="PlaceHolder 1"/>
+          <p:cNvSpPr>
+            <a:spLocks noGrp="1" noRot="1" noChangeAspect="1"/>
           </p:cNvSpPr>
           <p:nvPr>
             <p:ph type="sldImg"/>
@@ -303,7 +621,7 @@
       </p:sp>
       <p:sp>
         <p:nvSpPr>
-          <p:cNvPr id="98" name="PlaceHolder 2"/>
+          <p:cNvPr id="101" name="PlaceHolder 2"/>
           <p:cNvSpPr>
             <a:spLocks noGrp="1"/>
           </p:cNvSpPr>
@@ -321,19 +639,20 @@
           </a:prstGeom>
         </p:spPr>
         <p:txBody>
-          <a:bodyPr lIns="0" rIns="0" tIns="0" bIns="0">
+          <a:bodyPr lIns="0" tIns="0" rIns="0" bIns="0">
             <a:noAutofit/>
           </a:bodyPr>
-          <a:p>
-            <a:endParaRPr b="0" lang="pt-BR" sz="2000" spc="-1" strike="noStrike">
-              <a:latin typeface="Arial"/>
-            </a:endParaRPr>
-          </a:p>
-        </p:txBody>
-      </p:sp>
-      <p:sp>
-        <p:nvSpPr>
-          <p:cNvPr id="99" name="CustomShape 3"/>
+          <a:lstStyle/>
+          <a:p>
+            <a:endParaRPr lang="pt-BR" sz="2000" b="0" strike="noStrike" spc="-1">
+              <a:latin typeface="Arial"/>
+            </a:endParaRPr>
+          </a:p>
+        </p:txBody>
+      </p:sp>
+      <p:sp>
+        <p:nvSpPr>
+          <p:cNvPr id="102" name="CustomShape 3"/>
           <p:cNvSpPr/>
           <p:nvPr/>
         </p:nvSpPr>
@@ -351,32 +670,38 @@
           </a:ln>
         </p:spPr>
         <p:style>
-          <a:lnRef idx="0"/>
-          <a:fillRef idx="0"/>
-          <a:effectRef idx="0"/>
+          <a:lnRef idx="0">
+            <a:scrgbClr r="0" g="0" b="0"/>
+          </a:lnRef>
+          <a:fillRef idx="0">
+            <a:scrgbClr r="0" g="0" b="0"/>
+          </a:fillRef>
+          <a:effectRef idx="0">
+            <a:scrgbClr r="0" g="0" b="0"/>
+          </a:effectRef>
           <a:fontRef idx="minor"/>
         </p:style>
         <p:txBody>
-          <a:bodyPr lIns="90000" rIns="90000" tIns="45000" bIns="45000" anchor="b">
+          <a:bodyPr lIns="90000" tIns="45000" rIns="90000" bIns="45000" anchor="b">
             <a:noAutofit/>
           </a:bodyPr>
+          <a:lstStyle/>
           <a:p>
             <a:pPr algn="r">
               <a:lnSpc>
                 <a:spcPct val="100000"/>
               </a:lnSpc>
             </a:pPr>
-            <a:fld id="{2E5BBA99-14BB-443A-B76D-551F52FF1213}" type="slidenum">
-              <a:rPr b="0" lang="pt-BR" sz="1200" spc="-1" strike="noStrike">
+            <a:fld id="{0CD7C2C0-7722-433A-8351-F9D16B34DE7A}" type="slidenum">
+              <a:rPr lang="pt-BR" sz="1200" b="0" strike="noStrike" spc="-1">
                 <a:solidFill>
                   <a:srgbClr val="000000"/>
                 </a:solidFill>
-                <a:latin typeface="+mn-lt"/>
-                <a:ea typeface="+mn-ea"/>
-              </a:rPr>
-              <a:t>7</a:t>
+                <a:latin typeface="Times New Roman"/>
+              </a:rPr>
+              <a:t>2</a:t>
             </a:fld>
-            <a:endParaRPr b="0" lang="pt-BR" sz="1200" spc="-1" strike="noStrike">
+            <a:endParaRPr lang="pt-BR" sz="1200" b="0" strike="noStrike" spc="-1">
               <a:latin typeface="Arial"/>
             </a:endParaRPr>
           </a:p>
@@ -384,11 +709,14 @@
       </p:sp>
     </p:spTree>
   </p:cSld>
+  <p:clrMapOvr>
+    <a:masterClrMapping/>
+  </p:clrMapOvr>
 </p:notes>
 </file>
 
-<file path=ppt/notesSlides/notesSlide2.xml><?xml version="1.0" encoding="utf-8"?>
-<p:notes xmlns:a="http://schemas.openxmlformats.org/drawingml/2006/main" xmlns:p="http://schemas.openxmlformats.org/presentationml/2006/main" xmlns:r="http://schemas.openxmlformats.org/officeDocument/2006/relationships" xmlns:p14="http://schemas.microsoft.com/office/powerpoint/2010/main" xmlns:p15="http://schemas.microsoft.com/office/powerpoint/2012/main" xmlns:mc="http://schemas.openxmlformats.org/markup-compatibility/2006">
+<file path=ppt/notesSlides/notesSlide3.xml><?xml version="1.0" encoding="utf-8"?>
+<p:notes xmlns:a="http://schemas.openxmlformats.org/drawingml/2006/main" xmlns:r="http://schemas.openxmlformats.org/officeDocument/2006/relationships" xmlns:p="http://schemas.openxmlformats.org/presentationml/2006/main">
   <p:cSld>
     <p:spTree>
       <p:nvGrpSpPr>
@@ -406,9 +734,9 @@
       </p:grpSpPr>
       <p:sp>
         <p:nvSpPr>
-          <p:cNvPr id="100" name="PlaceHolder 1"/>
-          <p:cNvSpPr>
-            <a:spLocks noGrp="1"/>
+          <p:cNvPr id="103" name="PlaceHolder 1"/>
+          <p:cNvSpPr>
+            <a:spLocks noGrp="1" noRot="1" noChangeAspect="1"/>
           </p:cNvSpPr>
           <p:nvPr>
             <p:ph type="sldImg"/>
@@ -426,7 +754,7 @@
       </p:sp>
       <p:sp>
         <p:nvSpPr>
-          <p:cNvPr id="101" name="PlaceHolder 2"/>
+          <p:cNvPr id="104" name="PlaceHolder 2"/>
           <p:cNvSpPr>
             <a:spLocks noGrp="1"/>
           </p:cNvSpPr>
@@ -444,19 +772,20 @@
           </a:prstGeom>
         </p:spPr>
         <p:txBody>
-          <a:bodyPr lIns="0" rIns="0" tIns="0" bIns="0">
+          <a:bodyPr lIns="0" tIns="0" rIns="0" bIns="0">
             <a:noAutofit/>
           </a:bodyPr>
-          <a:p>
-            <a:endParaRPr b="0" lang="pt-BR" sz="2000" spc="-1" strike="noStrike">
-              <a:latin typeface="Arial"/>
-            </a:endParaRPr>
-          </a:p>
-        </p:txBody>
-      </p:sp>
-      <p:sp>
-        <p:nvSpPr>
-          <p:cNvPr id="102" name="CustomShape 3"/>
+          <a:lstStyle/>
+          <a:p>
+            <a:endParaRPr lang="pt-BR" sz="2000" b="0" strike="noStrike" spc="-1">
+              <a:latin typeface="Arial"/>
+            </a:endParaRPr>
+          </a:p>
+        </p:txBody>
+      </p:sp>
+      <p:sp>
+        <p:nvSpPr>
+          <p:cNvPr id="105" name="CustomShape 3"/>
           <p:cNvSpPr/>
           <p:nvPr/>
         </p:nvSpPr>
@@ -474,31 +803,38 @@
           </a:ln>
         </p:spPr>
         <p:style>
-          <a:lnRef idx="0"/>
-          <a:fillRef idx="0"/>
-          <a:effectRef idx="0"/>
+          <a:lnRef idx="0">
+            <a:scrgbClr r="0" g="0" b="0"/>
+          </a:lnRef>
+          <a:fillRef idx="0">
+            <a:scrgbClr r="0" g="0" b="0"/>
+          </a:fillRef>
+          <a:effectRef idx="0">
+            <a:scrgbClr r="0" g="0" b="0"/>
+          </a:effectRef>
           <a:fontRef idx="minor"/>
         </p:style>
         <p:txBody>
-          <a:bodyPr lIns="90000" rIns="90000" tIns="45000" bIns="45000" anchor="b">
+          <a:bodyPr lIns="90000" tIns="45000" rIns="90000" bIns="45000" anchor="b">
             <a:noAutofit/>
           </a:bodyPr>
+          <a:lstStyle/>
           <a:p>
             <a:pPr algn="r">
               <a:lnSpc>
                 <a:spcPct val="100000"/>
               </a:lnSpc>
             </a:pPr>
-            <a:fld id="{0CD7C2C0-7722-433A-8351-F9D16B34DE7A}" type="slidenum">
-              <a:rPr b="0" lang="pt-BR" sz="1200" spc="-1" strike="noStrike">
+            <a:fld id="{326A40F5-EE5A-4B72-A20A-A45CABA8854D}" type="slidenum">
+              <a:rPr lang="pt-BR" sz="1200" b="0" strike="noStrike" spc="-1">
                 <a:solidFill>
                   <a:srgbClr val="000000"/>
                 </a:solidFill>
                 <a:latin typeface="Times New Roman"/>
               </a:rPr>
-              <a:t>7</a:t>
+              <a:t>3</a:t>
             </a:fld>
-            <a:endParaRPr b="0" lang="pt-BR" sz="1200" spc="-1" strike="noStrike">
+            <a:endParaRPr lang="pt-BR" sz="1200" b="0" strike="noStrike" spc="-1">
               <a:latin typeface="Arial"/>
             </a:endParaRPr>
           </a:p>
@@ -506,11 +842,14 @@
       </p:sp>
     </p:spTree>
   </p:cSld>
+  <p:clrMapOvr>
+    <a:masterClrMapping/>
+  </p:clrMapOvr>
 </p:notes>
 </file>
 
-<file path=ppt/notesSlides/notesSlide3.xml><?xml version="1.0" encoding="utf-8"?>
-<p:notes xmlns:a="http://schemas.openxmlformats.org/drawingml/2006/main" xmlns:p="http://schemas.openxmlformats.org/presentationml/2006/main" xmlns:r="http://schemas.openxmlformats.org/officeDocument/2006/relationships" xmlns:p14="http://schemas.microsoft.com/office/powerpoint/2010/main" xmlns:p15="http://schemas.microsoft.com/office/powerpoint/2012/main" xmlns:mc="http://schemas.openxmlformats.org/markup-compatibility/2006">
+<file path=ppt/notesSlides/notesSlide4.xml><?xml version="1.0" encoding="utf-8"?>
+<p:notes xmlns:a="http://schemas.openxmlformats.org/drawingml/2006/main" xmlns:r="http://schemas.openxmlformats.org/officeDocument/2006/relationships" xmlns:p="http://schemas.openxmlformats.org/presentationml/2006/main">
   <p:cSld>
     <p:spTree>
       <p:nvGrpSpPr>
@@ -528,9 +867,9 @@
       </p:grpSpPr>
       <p:sp>
         <p:nvSpPr>
-          <p:cNvPr id="103" name="PlaceHolder 1"/>
-          <p:cNvSpPr>
-            <a:spLocks noGrp="1"/>
+          <p:cNvPr id="106" name="PlaceHolder 1"/>
+          <p:cNvSpPr>
+            <a:spLocks noGrp="1" noRot="1" noChangeAspect="1"/>
           </p:cNvSpPr>
           <p:nvPr>
             <p:ph type="sldImg"/>
@@ -548,7 +887,7 @@
       </p:sp>
       <p:sp>
         <p:nvSpPr>
-          <p:cNvPr id="104" name="PlaceHolder 2"/>
+          <p:cNvPr id="107" name="PlaceHolder 2"/>
           <p:cNvSpPr>
             <a:spLocks noGrp="1"/>
           </p:cNvSpPr>
@@ -566,19 +905,20 @@
           </a:prstGeom>
         </p:spPr>
         <p:txBody>
-          <a:bodyPr lIns="0" rIns="0" tIns="0" bIns="0">
+          <a:bodyPr lIns="0" tIns="0" rIns="0" bIns="0">
             <a:noAutofit/>
           </a:bodyPr>
-          <a:p>
-            <a:endParaRPr b="0" lang="pt-BR" sz="2000" spc="-1" strike="noStrike">
-              <a:latin typeface="Arial"/>
-            </a:endParaRPr>
-          </a:p>
-        </p:txBody>
-      </p:sp>
-      <p:sp>
-        <p:nvSpPr>
-          <p:cNvPr id="105" name="CustomShape 3"/>
+          <a:lstStyle/>
+          <a:p>
+            <a:endParaRPr lang="pt-BR" sz="2000" b="0" strike="noStrike" spc="-1">
+              <a:latin typeface="Arial"/>
+            </a:endParaRPr>
+          </a:p>
+        </p:txBody>
+      </p:sp>
+      <p:sp>
+        <p:nvSpPr>
+          <p:cNvPr id="108" name="CustomShape 3"/>
           <p:cNvSpPr/>
           <p:nvPr/>
         </p:nvSpPr>
@@ -596,31 +936,38 @@
           </a:ln>
         </p:spPr>
         <p:style>
-          <a:lnRef idx="0"/>
-          <a:fillRef idx="0"/>
-          <a:effectRef idx="0"/>
+          <a:lnRef idx="0">
+            <a:scrgbClr r="0" g="0" b="0"/>
+          </a:lnRef>
+          <a:fillRef idx="0">
+            <a:scrgbClr r="0" g="0" b="0"/>
+          </a:fillRef>
+          <a:effectRef idx="0">
+            <a:scrgbClr r="0" g="0" b="0"/>
+          </a:effectRef>
           <a:fontRef idx="minor"/>
         </p:style>
         <p:txBody>
-          <a:bodyPr lIns="90000" rIns="90000" tIns="45000" bIns="45000" anchor="b">
+          <a:bodyPr lIns="90000" tIns="45000" rIns="90000" bIns="45000" anchor="b">
             <a:noAutofit/>
           </a:bodyPr>
+          <a:lstStyle/>
           <a:p>
             <a:pPr algn="r">
               <a:lnSpc>
                 <a:spcPct val="100000"/>
               </a:lnSpc>
             </a:pPr>
-            <a:fld id="{326A40F5-EE5A-4B72-A20A-A45CABA8854D}" type="slidenum">
-              <a:rPr b="0" lang="pt-BR" sz="1200" spc="-1" strike="noStrike">
+            <a:fld id="{66B45400-D6EC-41F8-B3D6-B9AC63879012}" type="slidenum">
+              <a:rPr lang="pt-BR" sz="1200" b="0" strike="noStrike" spc="-1">
                 <a:solidFill>
                   <a:srgbClr val="000000"/>
                 </a:solidFill>
                 <a:latin typeface="Times New Roman"/>
               </a:rPr>
-              <a:t>7</a:t>
+              <a:t>4</a:t>
             </a:fld>
-            <a:endParaRPr b="0" lang="pt-BR" sz="1200" spc="-1" strike="noStrike">
+            <a:endParaRPr lang="pt-BR" sz="1200" b="0" strike="noStrike" spc="-1">
               <a:latin typeface="Arial"/>
             </a:endParaRPr>
           </a:p>
@@ -628,11 +975,14 @@
       </p:sp>
     </p:spTree>
   </p:cSld>
+  <p:clrMapOvr>
+    <a:masterClrMapping/>
+  </p:clrMapOvr>
 </p:notes>
 </file>
 
-<file path=ppt/notesSlides/notesSlide4.xml><?xml version="1.0" encoding="utf-8"?>
-<p:notes xmlns:a="http://schemas.openxmlformats.org/drawingml/2006/main" xmlns:p="http://schemas.openxmlformats.org/presentationml/2006/main" xmlns:r="http://schemas.openxmlformats.org/officeDocument/2006/relationships" xmlns:p14="http://schemas.microsoft.com/office/powerpoint/2010/main" xmlns:p15="http://schemas.microsoft.com/office/powerpoint/2012/main" xmlns:mc="http://schemas.openxmlformats.org/markup-compatibility/2006">
+<file path=ppt/notesSlides/notesSlide5.xml><?xml version="1.0" encoding="utf-8"?>
+<p:notes xmlns:a="http://schemas.openxmlformats.org/drawingml/2006/main" xmlns:r="http://schemas.openxmlformats.org/officeDocument/2006/relationships" xmlns:p="http://schemas.openxmlformats.org/presentationml/2006/main">
   <p:cSld>
     <p:spTree>
       <p:nvGrpSpPr>
@@ -652,7 +1002,7 @@
         <p:nvSpPr>
           <p:cNvPr id="106" name="PlaceHolder 1"/>
           <p:cNvSpPr>
-            <a:spLocks noGrp="1"/>
+            <a:spLocks noGrp="1" noRot="1" noChangeAspect="1"/>
           </p:cNvSpPr>
           <p:nvPr>
             <p:ph type="sldImg"/>
@@ -661,7 +1011,7 @@
         <p:spPr>
           <a:xfrm>
             <a:off x="685800" y="1143000"/>
-            <a:ext cx="5484600" cy="3084480"/>
+            <a:ext cx="5484813" cy="3084513"/>
           </a:xfrm>
           <a:prstGeom prst="rect">
             <a:avLst/>
@@ -688,11 +1038,12 @@
           </a:prstGeom>
         </p:spPr>
         <p:txBody>
-          <a:bodyPr lIns="0" rIns="0" tIns="0" bIns="0">
+          <a:bodyPr lIns="0" tIns="0" rIns="0" bIns="0">
             <a:noAutofit/>
           </a:bodyPr>
-          <a:p>
-            <a:endParaRPr b="0" lang="pt-BR" sz="2000" spc="-1" strike="noStrike">
+          <a:lstStyle/>
+          <a:p>
+            <a:endParaRPr lang="pt-BR" sz="2000" b="0" strike="noStrike" spc="-1">
               <a:latin typeface="Arial"/>
             </a:endParaRPr>
           </a:p>
@@ -718,15 +1069,22 @@
           </a:ln>
         </p:spPr>
         <p:style>
-          <a:lnRef idx="0"/>
-          <a:fillRef idx="0"/>
-          <a:effectRef idx="0"/>
+          <a:lnRef idx="0">
+            <a:scrgbClr r="0" g="0" b="0"/>
+          </a:lnRef>
+          <a:fillRef idx="0">
+            <a:scrgbClr r="0" g="0" b="0"/>
+          </a:fillRef>
+          <a:effectRef idx="0">
+            <a:scrgbClr r="0" g="0" b="0"/>
+          </a:effectRef>
           <a:fontRef idx="minor"/>
         </p:style>
         <p:txBody>
-          <a:bodyPr lIns="90000" rIns="90000" tIns="45000" bIns="45000" anchor="b">
+          <a:bodyPr lIns="90000" tIns="45000" rIns="90000" bIns="45000" anchor="b">
             <a:noAutofit/>
           </a:bodyPr>
+          <a:lstStyle/>
           <a:p>
             <a:pPr algn="r">
               <a:lnSpc>
@@ -734,27 +1092,35 @@
               </a:lnSpc>
             </a:pPr>
             <a:fld id="{66B45400-D6EC-41F8-B3D6-B9AC63879012}" type="slidenum">
-              <a:rPr b="0" lang="pt-BR" sz="1200" spc="-1" strike="noStrike">
+              <a:rPr lang="pt-BR" sz="1200" b="0" strike="noStrike" spc="-1">
                 <a:solidFill>
                   <a:srgbClr val="000000"/>
                 </a:solidFill>
                 <a:latin typeface="Times New Roman"/>
               </a:rPr>
-              <a:t>7</a:t>
+              <a:t>5</a:t>
             </a:fld>
-            <a:endParaRPr b="0" lang="pt-BR" sz="1200" spc="-1" strike="noStrike">
+            <a:endParaRPr lang="pt-BR" sz="1200" b="0" strike="noStrike" spc="-1">
               <a:latin typeface="Arial"/>
             </a:endParaRPr>
           </a:p>
         </p:txBody>
       </p:sp>
     </p:spTree>
+    <p:extLst>
+      <p:ext uri="{BB962C8B-B14F-4D97-AF65-F5344CB8AC3E}">
+        <p14:creationId xmlns:p14="http://schemas.microsoft.com/office/powerpoint/2010/main" val="3701185479"/>
+      </p:ext>
+    </p:extLst>
   </p:cSld>
+  <p:clrMapOvr>
+    <a:masterClrMapping/>
+  </p:clrMapOvr>
 </p:notes>
 </file>
 
-<file path=ppt/notesSlides/notesSlide5.xml><?xml version="1.0" encoding="utf-8"?>
-<p:notes xmlns:a="http://schemas.openxmlformats.org/drawingml/2006/main" xmlns:p="http://schemas.openxmlformats.org/presentationml/2006/main" xmlns:r="http://schemas.openxmlformats.org/officeDocument/2006/relationships" xmlns:p14="http://schemas.microsoft.com/office/powerpoint/2010/main" xmlns:p15="http://schemas.microsoft.com/office/powerpoint/2012/main" xmlns:mc="http://schemas.openxmlformats.org/markup-compatibility/2006">
+<file path=ppt/notesSlides/notesSlide6.xml><?xml version="1.0" encoding="utf-8"?>
+<p:notes xmlns:a="http://schemas.openxmlformats.org/drawingml/2006/main" xmlns:r="http://schemas.openxmlformats.org/officeDocument/2006/relationships" xmlns:p="http://schemas.openxmlformats.org/presentationml/2006/main">
   <p:cSld>
     <p:spTree>
       <p:nvGrpSpPr>
@@ -774,7 +1140,7 @@
         <p:nvSpPr>
           <p:cNvPr id="109" name="PlaceHolder 1"/>
           <p:cNvSpPr>
-            <a:spLocks noGrp="1"/>
+            <a:spLocks noGrp="1" noRot="1" noChangeAspect="1"/>
           </p:cNvSpPr>
           <p:nvPr>
             <p:ph type="sldImg"/>
@@ -810,11 +1176,12 @@
           </a:prstGeom>
         </p:spPr>
         <p:txBody>
-          <a:bodyPr lIns="0" rIns="0" tIns="0" bIns="0">
+          <a:bodyPr lIns="0" tIns="0" rIns="0" bIns="0">
             <a:noAutofit/>
           </a:bodyPr>
-          <a:p>
-            <a:endParaRPr b="0" lang="pt-BR" sz="2000" spc="-1" strike="noStrike">
+          <a:lstStyle/>
+          <a:p>
+            <a:endParaRPr lang="pt-BR" sz="2000" b="0" strike="noStrike" spc="-1">
               <a:latin typeface="Arial"/>
             </a:endParaRPr>
           </a:p>
@@ -840,15 +1207,22 @@
           </a:ln>
         </p:spPr>
         <p:style>
-          <a:lnRef idx="0"/>
-          <a:fillRef idx="0"/>
-          <a:effectRef idx="0"/>
+          <a:lnRef idx="0">
+            <a:scrgbClr r="0" g="0" b="0"/>
+          </a:lnRef>
+          <a:fillRef idx="0">
+            <a:scrgbClr r="0" g="0" b="0"/>
+          </a:fillRef>
+          <a:effectRef idx="0">
+            <a:scrgbClr r="0" g="0" b="0"/>
+          </a:effectRef>
           <a:fontRef idx="minor"/>
         </p:style>
         <p:txBody>
-          <a:bodyPr lIns="90000" rIns="90000" tIns="45000" bIns="45000" anchor="b">
+          <a:bodyPr lIns="90000" tIns="45000" rIns="90000" bIns="45000" anchor="b">
             <a:noAutofit/>
           </a:bodyPr>
+          <a:lstStyle/>
           <a:p>
             <a:pPr algn="r">
               <a:lnSpc>
@@ -856,15 +1230,15 @@
               </a:lnSpc>
             </a:pPr>
             <a:fld id="{54B33D91-D37A-40BA-9726-21321948EAAD}" type="slidenum">
-              <a:rPr b="0" lang="pt-BR" sz="1200" spc="-1" strike="noStrike">
+              <a:rPr lang="pt-BR" sz="1200" b="0" strike="noStrike" spc="-1">
                 <a:solidFill>
                   <a:srgbClr val="000000"/>
                 </a:solidFill>
                 <a:latin typeface="Times New Roman"/>
               </a:rPr>
-              <a:t>&lt;number&gt;</a:t>
+              <a:t>6</a:t>
             </a:fld>
-            <a:endParaRPr b="0" lang="pt-BR" sz="1200" spc="-1" strike="noStrike">
+            <a:endParaRPr lang="pt-BR" sz="1200" b="0" strike="noStrike" spc="-1">
               <a:latin typeface="Arial"/>
             </a:endParaRPr>
           </a:p>
@@ -872,11 +1246,14 @@
       </p:sp>
     </p:spTree>
   </p:cSld>
+  <p:clrMapOvr>
+    <a:masterClrMapping/>
+  </p:clrMapOvr>
 </p:notes>
 </file>
 
-<file path=ppt/notesSlides/notesSlide6.xml><?xml version="1.0" encoding="utf-8"?>
-<p:notes xmlns:a="http://schemas.openxmlformats.org/drawingml/2006/main" xmlns:p="http://schemas.openxmlformats.org/presentationml/2006/main" xmlns:r="http://schemas.openxmlformats.org/officeDocument/2006/relationships" xmlns:p14="http://schemas.microsoft.com/office/powerpoint/2010/main" xmlns:p15="http://schemas.microsoft.com/office/powerpoint/2012/main" xmlns:mc="http://schemas.openxmlformats.org/markup-compatibility/2006">
+<file path=ppt/notesSlides/notesSlide7.xml><?xml version="1.0" encoding="utf-8"?>
+<p:notes xmlns:a="http://schemas.openxmlformats.org/drawingml/2006/main" xmlns:r="http://schemas.openxmlformats.org/officeDocument/2006/relationships" xmlns:p="http://schemas.openxmlformats.org/presentationml/2006/main">
   <p:cSld>
     <p:spTree>
       <p:nvGrpSpPr>
@@ -896,7 +1273,7 @@
         <p:nvSpPr>
           <p:cNvPr id="112" name="PlaceHolder 1"/>
           <p:cNvSpPr>
-            <a:spLocks noGrp="1"/>
+            <a:spLocks noGrp="1" noRot="1" noChangeAspect="1"/>
           </p:cNvSpPr>
           <p:nvPr>
             <p:ph type="sldImg"/>
@@ -932,11 +1309,12 @@
           </a:prstGeom>
         </p:spPr>
         <p:txBody>
-          <a:bodyPr lIns="0" rIns="0" tIns="0" bIns="0">
+          <a:bodyPr lIns="0" tIns="0" rIns="0" bIns="0">
             <a:noAutofit/>
           </a:bodyPr>
-          <a:p>
-            <a:endParaRPr b="0" lang="pt-BR" sz="2000" spc="-1" strike="noStrike">
+          <a:lstStyle/>
+          <a:p>
+            <a:endParaRPr lang="pt-BR" sz="2000" b="0" strike="noStrike" spc="-1">
               <a:latin typeface="Arial"/>
             </a:endParaRPr>
           </a:p>
@@ -962,15 +1340,22 @@
           </a:ln>
         </p:spPr>
         <p:style>
-          <a:lnRef idx="0"/>
-          <a:fillRef idx="0"/>
-          <a:effectRef idx="0"/>
+          <a:lnRef idx="0">
+            <a:scrgbClr r="0" g="0" b="0"/>
+          </a:lnRef>
+          <a:fillRef idx="0">
+            <a:scrgbClr r="0" g="0" b="0"/>
+          </a:fillRef>
+          <a:effectRef idx="0">
+            <a:scrgbClr r="0" g="0" b="0"/>
+          </a:effectRef>
           <a:fontRef idx="minor"/>
         </p:style>
         <p:txBody>
-          <a:bodyPr lIns="90000" rIns="90000" tIns="45000" bIns="45000" anchor="b">
+          <a:bodyPr lIns="90000" tIns="45000" rIns="90000" bIns="45000" anchor="b">
             <a:noAutofit/>
           </a:bodyPr>
+          <a:lstStyle/>
           <a:p>
             <a:pPr algn="r">
               <a:lnSpc>
@@ -978,15 +1363,15 @@
               </a:lnSpc>
             </a:pPr>
             <a:fld id="{583F70BE-C016-499A-8CB9-F6771F9A179F}" type="slidenum">
-              <a:rPr b="0" lang="pt-BR" sz="1200" spc="-1" strike="noStrike">
+              <a:rPr lang="pt-BR" sz="1200" b="0" strike="noStrike" spc="-1">
                 <a:solidFill>
                   <a:srgbClr val="000000"/>
                 </a:solidFill>
                 <a:latin typeface="Times New Roman"/>
               </a:rPr>
-              <a:t>&lt;number&gt;</a:t>
+              <a:t>7</a:t>
             </a:fld>
-            <a:endParaRPr b="0" lang="pt-BR" sz="1200" spc="-1" strike="noStrike">
+            <a:endParaRPr lang="pt-BR" sz="1200" b="0" strike="noStrike" spc="-1">
               <a:latin typeface="Arial"/>
             </a:endParaRPr>
           </a:p>
@@ -994,11 +1379,14 @@
       </p:sp>
     </p:spTree>
   </p:cSld>
+  <p:clrMapOvr>
+    <a:masterClrMapping/>
+  </p:clrMapOvr>
 </p:notes>
 </file>
 
-<file path=ppt/notesSlides/notesSlide7.xml><?xml version="1.0" encoding="utf-8"?>
-<p:notes xmlns:a="http://schemas.openxmlformats.org/drawingml/2006/main" xmlns:p="http://schemas.openxmlformats.org/presentationml/2006/main" xmlns:r="http://schemas.openxmlformats.org/officeDocument/2006/relationships" xmlns:p14="http://schemas.microsoft.com/office/powerpoint/2010/main" xmlns:p15="http://schemas.microsoft.com/office/powerpoint/2012/main" xmlns:mc="http://schemas.openxmlformats.org/markup-compatibility/2006">
+<file path=ppt/notesSlides/notesSlide8.xml><?xml version="1.0" encoding="utf-8"?>
+<p:notes xmlns:a="http://schemas.openxmlformats.org/drawingml/2006/main" xmlns:r="http://schemas.openxmlformats.org/officeDocument/2006/relationships" xmlns:p="http://schemas.openxmlformats.org/presentationml/2006/main">
   <p:cSld>
     <p:spTree>
       <p:nvGrpSpPr>
@@ -1018,7 +1406,7 @@
         <p:nvSpPr>
           <p:cNvPr id="115" name="PlaceHolder 1"/>
           <p:cNvSpPr>
-            <a:spLocks noGrp="1"/>
+            <a:spLocks noGrp="1" noRot="1" noChangeAspect="1"/>
           </p:cNvSpPr>
           <p:nvPr>
             <p:ph type="sldImg"/>
@@ -1027,7 +1415,7 @@
         <p:spPr>
           <a:xfrm>
             <a:off x="685800" y="1143000"/>
-            <a:ext cx="5484600" cy="3084480"/>
+            <a:ext cx="5484813" cy="3084513"/>
           </a:xfrm>
           <a:prstGeom prst="rect">
             <a:avLst/>
@@ -1054,11 +1442,12 @@
           </a:prstGeom>
         </p:spPr>
         <p:txBody>
-          <a:bodyPr lIns="0" rIns="0" tIns="0" bIns="0">
+          <a:bodyPr lIns="0" tIns="0" rIns="0" bIns="0">
             <a:noAutofit/>
           </a:bodyPr>
-          <a:p>
-            <a:endParaRPr b="0" lang="pt-BR" sz="2000" spc="-1" strike="noStrike">
+          <a:lstStyle/>
+          <a:p>
+            <a:endParaRPr lang="pt-BR" sz="2000" b="0" strike="noStrike" spc="-1">
               <a:latin typeface="Arial"/>
             </a:endParaRPr>
           </a:p>
@@ -1084,15 +1473,22 @@
           </a:ln>
         </p:spPr>
         <p:style>
-          <a:lnRef idx="0"/>
-          <a:fillRef idx="0"/>
-          <a:effectRef idx="0"/>
+          <a:lnRef idx="0">
+            <a:scrgbClr r="0" g="0" b="0"/>
+          </a:lnRef>
+          <a:fillRef idx="0">
+            <a:scrgbClr r="0" g="0" b="0"/>
+          </a:fillRef>
+          <a:effectRef idx="0">
+            <a:scrgbClr r="0" g="0" b="0"/>
+          </a:effectRef>
           <a:fontRef idx="minor"/>
         </p:style>
         <p:txBody>
-          <a:bodyPr lIns="90000" rIns="90000" tIns="45000" bIns="45000" anchor="b">
+          <a:bodyPr lIns="90000" tIns="45000" rIns="90000" bIns="45000" anchor="b">
             <a:noAutofit/>
           </a:bodyPr>
+          <a:lstStyle/>
           <a:p>
             <a:pPr algn="r">
               <a:lnSpc>
@@ -1100,15 +1496,15 @@
               </a:lnSpc>
             </a:pPr>
             <a:fld id="{F68F1957-7097-4FDF-86A5-FE287AF82722}" type="slidenum">
-              <a:rPr b="0" lang="pt-BR" sz="1200" spc="-1" strike="noStrike">
+              <a:rPr lang="pt-BR" sz="1200" b="0" strike="noStrike" spc="-1">
                 <a:solidFill>
                   <a:srgbClr val="000000"/>
                 </a:solidFill>
                 <a:latin typeface="Times New Roman"/>
               </a:rPr>
-              <a:t>&lt;number&gt;</a:t>
+              <a:t>8</a:t>
             </a:fld>
-            <a:endParaRPr b="0" lang="pt-BR" sz="1200" spc="-1" strike="noStrike">
+            <a:endParaRPr lang="pt-BR" sz="1200" b="0" strike="noStrike" spc="-1">
               <a:latin typeface="Arial"/>
             </a:endParaRPr>
           </a:p>
@@ -1116,11 +1512,14 @@
       </p:sp>
     </p:spTree>
   </p:cSld>
+  <p:clrMapOvr>
+    <a:masterClrMapping/>
+  </p:clrMapOvr>
 </p:notes>
 </file>
 
 <file path=ppt/slideLayouts/slideLayout1.xml><?xml version="1.0" encoding="utf-8"?>
-<p:sldLayout xmlns:a="http://schemas.openxmlformats.org/drawingml/2006/main" xmlns:p="http://schemas.openxmlformats.org/presentationml/2006/main" xmlns:r="http://schemas.openxmlformats.org/officeDocument/2006/relationships" xmlns:p14="http://schemas.microsoft.com/office/powerpoint/2010/main" xmlns:p15="http://schemas.microsoft.com/office/powerpoint/2012/main" xmlns:mc="http://schemas.openxmlformats.org/markup-compatibility/2006" type="blank" preserve="1">
+<p:sldLayout xmlns:a="http://schemas.openxmlformats.org/drawingml/2006/main" xmlns:r="http://schemas.openxmlformats.org/officeDocument/2006/relationships" xmlns:p="http://schemas.openxmlformats.org/presentationml/2006/main" type="blank" preserve="1">
   <p:cSld name="Blank Slide">
     <p:spTree>
       <p:nvGrpSpPr>
@@ -1138,11 +1537,14 @@
       </p:grpSpPr>
     </p:spTree>
   </p:cSld>
+  <p:clrMapOvr>
+    <a:masterClrMapping/>
+  </p:clrMapOvr>
 </p:sldLayout>
 </file>
 
 <file path=ppt/slideLayouts/slideLayout10.xml><?xml version="1.0" encoding="utf-8"?>
-<p:sldLayout xmlns:a="http://schemas.openxmlformats.org/drawingml/2006/main" xmlns:p="http://schemas.openxmlformats.org/presentationml/2006/main" xmlns:r="http://schemas.openxmlformats.org/officeDocument/2006/relationships" xmlns:p14="http://schemas.microsoft.com/office/powerpoint/2010/main" xmlns:p15="http://schemas.microsoft.com/office/powerpoint/2012/main" xmlns:mc="http://schemas.openxmlformats.org/markup-compatibility/2006" type="objOverTx" preserve="1">
+<p:sldLayout xmlns:a="http://schemas.openxmlformats.org/drawingml/2006/main" xmlns:r="http://schemas.openxmlformats.org/officeDocument/2006/relationships" xmlns:p="http://schemas.openxmlformats.org/presentationml/2006/main" type="objOverTx" preserve="1">
   <p:cSld name="Title, Content over Content">
     <p:spTree>
       <p:nvGrpSpPr>
@@ -1178,12 +1580,13 @@
           </a:prstGeom>
         </p:spPr>
         <p:txBody>
-          <a:bodyPr lIns="0" rIns="0" tIns="0" bIns="0" anchor="ctr">
+          <a:bodyPr lIns="0" tIns="0" rIns="0" bIns="0" anchor="ctr">
             <a:noAutofit/>
           </a:bodyPr>
+          <a:lstStyle/>
           <a:p>
             <a:pPr algn="ctr"/>
-            <a:endParaRPr b="0" lang="pt-BR" sz="4400" spc="-1" strike="noStrike">
+            <a:endParaRPr lang="pt-BR" sz="4400" b="0" strike="noStrike" spc="-1">
               <a:latin typeface="Arial"/>
             </a:endParaRPr>
           </a:p>
@@ -1209,11 +1612,12 @@
           </a:prstGeom>
         </p:spPr>
         <p:txBody>
-          <a:bodyPr lIns="0" rIns="0" tIns="0" bIns="0">
+          <a:bodyPr lIns="0" tIns="0" rIns="0" bIns="0">
             <a:normAutofit/>
           </a:bodyPr>
-          <a:p>
-            <a:endParaRPr b="0" lang="pt-BR" sz="3200" spc="-1" strike="noStrike">
+          <a:lstStyle/>
+          <a:p>
+            <a:endParaRPr lang="pt-BR" sz="3200" b="0" strike="noStrike" spc="-1">
               <a:latin typeface="Arial"/>
             </a:endParaRPr>
           </a:p>
@@ -1239,11 +1643,12 @@
           </a:prstGeom>
         </p:spPr>
         <p:txBody>
-          <a:bodyPr lIns="0" rIns="0" tIns="0" bIns="0">
+          <a:bodyPr lIns="0" tIns="0" rIns="0" bIns="0">
             <a:normAutofit/>
           </a:bodyPr>
-          <a:p>
-            <a:endParaRPr b="0" lang="pt-BR" sz="3200" spc="-1" strike="noStrike">
+          <a:lstStyle/>
+          <a:p>
+            <a:endParaRPr lang="pt-BR" sz="3200" b="0" strike="noStrike" spc="-1">
               <a:latin typeface="Arial"/>
             </a:endParaRPr>
           </a:p>
@@ -1251,11 +1656,14 @@
       </p:sp>
     </p:spTree>
   </p:cSld>
+  <p:clrMapOvr>
+    <a:masterClrMapping/>
+  </p:clrMapOvr>
 </p:sldLayout>
 </file>
 
 <file path=ppt/slideLayouts/slideLayout11.xml><?xml version="1.0" encoding="utf-8"?>
-<p:sldLayout xmlns:a="http://schemas.openxmlformats.org/drawingml/2006/main" xmlns:p="http://schemas.openxmlformats.org/presentationml/2006/main" xmlns:r="http://schemas.openxmlformats.org/officeDocument/2006/relationships" xmlns:p14="http://schemas.microsoft.com/office/powerpoint/2010/main" xmlns:p15="http://schemas.microsoft.com/office/powerpoint/2012/main" xmlns:mc="http://schemas.openxmlformats.org/markup-compatibility/2006" type="fourObj" preserve="1">
+<p:sldLayout xmlns:a="http://schemas.openxmlformats.org/drawingml/2006/main" xmlns:r="http://schemas.openxmlformats.org/officeDocument/2006/relationships" xmlns:p="http://schemas.openxmlformats.org/presentationml/2006/main" type="fourObj" preserve="1">
   <p:cSld name="Title, 4 Content">
     <p:spTree>
       <p:nvGrpSpPr>
@@ -1291,12 +1699,13 @@
           </a:prstGeom>
         </p:spPr>
         <p:txBody>
-          <a:bodyPr lIns="0" rIns="0" tIns="0" bIns="0" anchor="ctr">
+          <a:bodyPr lIns="0" tIns="0" rIns="0" bIns="0" anchor="ctr">
             <a:noAutofit/>
           </a:bodyPr>
+          <a:lstStyle/>
           <a:p>
             <a:pPr algn="ctr"/>
-            <a:endParaRPr b="0" lang="pt-BR" sz="4400" spc="-1" strike="noStrike">
+            <a:endParaRPr lang="pt-BR" sz="4400" b="0" strike="noStrike" spc="-1">
               <a:latin typeface="Arial"/>
             </a:endParaRPr>
           </a:p>
@@ -1322,11 +1731,12 @@
           </a:prstGeom>
         </p:spPr>
         <p:txBody>
-          <a:bodyPr lIns="0" rIns="0" tIns="0" bIns="0">
+          <a:bodyPr lIns="0" tIns="0" rIns="0" bIns="0">
             <a:normAutofit/>
           </a:bodyPr>
-          <a:p>
-            <a:endParaRPr b="0" lang="pt-BR" sz="3200" spc="-1" strike="noStrike">
+          <a:lstStyle/>
+          <a:p>
+            <a:endParaRPr lang="pt-BR" sz="3200" b="0" strike="noStrike" spc="-1">
               <a:latin typeface="Arial"/>
             </a:endParaRPr>
           </a:p>
@@ -1352,11 +1762,12 @@
           </a:prstGeom>
         </p:spPr>
         <p:txBody>
-          <a:bodyPr lIns="0" rIns="0" tIns="0" bIns="0">
+          <a:bodyPr lIns="0" tIns="0" rIns="0" bIns="0">
             <a:normAutofit/>
           </a:bodyPr>
-          <a:p>
-            <a:endParaRPr b="0" lang="pt-BR" sz="3200" spc="-1" strike="noStrike">
+          <a:lstStyle/>
+          <a:p>
+            <a:endParaRPr lang="pt-BR" sz="3200" b="0" strike="noStrike" spc="-1">
               <a:latin typeface="Arial"/>
             </a:endParaRPr>
           </a:p>
@@ -1382,11 +1793,12 @@
           </a:prstGeom>
         </p:spPr>
         <p:txBody>
-          <a:bodyPr lIns="0" rIns="0" tIns="0" bIns="0">
+          <a:bodyPr lIns="0" tIns="0" rIns="0" bIns="0">
             <a:normAutofit/>
           </a:bodyPr>
-          <a:p>
-            <a:endParaRPr b="0" lang="pt-BR" sz="3200" spc="-1" strike="noStrike">
+          <a:lstStyle/>
+          <a:p>
+            <a:endParaRPr lang="pt-BR" sz="3200" b="0" strike="noStrike" spc="-1">
               <a:latin typeface="Arial"/>
             </a:endParaRPr>
           </a:p>
@@ -1412,11 +1824,12 @@
           </a:prstGeom>
         </p:spPr>
         <p:txBody>
-          <a:bodyPr lIns="0" rIns="0" tIns="0" bIns="0">
+          <a:bodyPr lIns="0" tIns="0" rIns="0" bIns="0">
             <a:normAutofit/>
           </a:bodyPr>
-          <a:p>
-            <a:endParaRPr b="0" lang="pt-BR" sz="3200" spc="-1" strike="noStrike">
+          <a:lstStyle/>
+          <a:p>
+            <a:endParaRPr lang="pt-BR" sz="3200" b="0" strike="noStrike" spc="-1">
               <a:latin typeface="Arial"/>
             </a:endParaRPr>
           </a:p>
@@ -1424,11 +1837,14 @@
       </p:sp>
     </p:spTree>
   </p:cSld>
+  <p:clrMapOvr>
+    <a:masterClrMapping/>
+  </p:clrMapOvr>
 </p:sldLayout>
 </file>
 
 <file path=ppt/slideLayouts/slideLayout12.xml><?xml version="1.0" encoding="utf-8"?>
-<p:sldLayout xmlns:a="http://schemas.openxmlformats.org/drawingml/2006/main" xmlns:p="http://schemas.openxmlformats.org/presentationml/2006/main" xmlns:r="http://schemas.openxmlformats.org/officeDocument/2006/relationships" xmlns:p14="http://schemas.microsoft.com/office/powerpoint/2010/main" xmlns:p15="http://schemas.microsoft.com/office/powerpoint/2012/main" xmlns:mc="http://schemas.openxmlformats.org/markup-compatibility/2006" type="blank" preserve="1">
+<p:sldLayout xmlns:a="http://schemas.openxmlformats.org/drawingml/2006/main" xmlns:r="http://schemas.openxmlformats.org/officeDocument/2006/relationships" xmlns:p="http://schemas.openxmlformats.org/presentationml/2006/main" type="blank" preserve="1">
   <p:cSld name="Title, 6 Content">
     <p:spTree>
       <p:nvGrpSpPr>
@@ -1464,12 +1880,13 @@
           </a:prstGeom>
         </p:spPr>
         <p:txBody>
-          <a:bodyPr lIns="0" rIns="0" tIns="0" bIns="0" anchor="ctr">
+          <a:bodyPr lIns="0" tIns="0" rIns="0" bIns="0" anchor="ctr">
             <a:noAutofit/>
           </a:bodyPr>
+          <a:lstStyle/>
           <a:p>
             <a:pPr algn="ctr"/>
-            <a:endParaRPr b="0" lang="pt-BR" sz="4400" spc="-1" strike="noStrike">
+            <a:endParaRPr lang="pt-BR" sz="4400" b="0" strike="noStrike" spc="-1">
               <a:latin typeface="Arial"/>
             </a:endParaRPr>
           </a:p>
@@ -1495,11 +1912,12 @@
           </a:prstGeom>
         </p:spPr>
         <p:txBody>
-          <a:bodyPr lIns="0" rIns="0" tIns="0" bIns="0">
+          <a:bodyPr lIns="0" tIns="0" rIns="0" bIns="0">
             <a:normAutofit/>
           </a:bodyPr>
-          <a:p>
-            <a:endParaRPr b="0" lang="pt-BR" sz="3200" spc="-1" strike="noStrike">
+          <a:lstStyle/>
+          <a:p>
+            <a:endParaRPr lang="pt-BR" sz="3200" b="0" strike="noStrike" spc="-1">
               <a:latin typeface="Arial"/>
             </a:endParaRPr>
           </a:p>
@@ -1525,11 +1943,12 @@
           </a:prstGeom>
         </p:spPr>
         <p:txBody>
-          <a:bodyPr lIns="0" rIns="0" tIns="0" bIns="0">
+          <a:bodyPr lIns="0" tIns="0" rIns="0" bIns="0">
             <a:normAutofit/>
           </a:bodyPr>
-          <a:p>
-            <a:endParaRPr b="0" lang="pt-BR" sz="3200" spc="-1" strike="noStrike">
+          <a:lstStyle/>
+          <a:p>
+            <a:endParaRPr lang="pt-BR" sz="3200" b="0" strike="noStrike" spc="-1">
               <a:latin typeface="Arial"/>
             </a:endParaRPr>
           </a:p>
@@ -1555,11 +1974,12 @@
           </a:prstGeom>
         </p:spPr>
         <p:txBody>
-          <a:bodyPr lIns="0" rIns="0" tIns="0" bIns="0">
+          <a:bodyPr lIns="0" tIns="0" rIns="0" bIns="0">
             <a:normAutofit/>
           </a:bodyPr>
-          <a:p>
-            <a:endParaRPr b="0" lang="pt-BR" sz="3200" spc="-1" strike="noStrike">
+          <a:lstStyle/>
+          <a:p>
+            <a:endParaRPr lang="pt-BR" sz="3200" b="0" strike="noStrike" spc="-1">
               <a:latin typeface="Arial"/>
             </a:endParaRPr>
           </a:p>
@@ -1585,11 +2005,12 @@
           </a:prstGeom>
         </p:spPr>
         <p:txBody>
-          <a:bodyPr lIns="0" rIns="0" tIns="0" bIns="0">
+          <a:bodyPr lIns="0" tIns="0" rIns="0" bIns="0">
             <a:normAutofit/>
           </a:bodyPr>
-          <a:p>
-            <a:endParaRPr b="0" lang="pt-BR" sz="3200" spc="-1" strike="noStrike">
+          <a:lstStyle/>
+          <a:p>
+            <a:endParaRPr lang="pt-BR" sz="3200" b="0" strike="noStrike" spc="-1">
               <a:latin typeface="Arial"/>
             </a:endParaRPr>
           </a:p>
@@ -1615,11 +2036,12 @@
           </a:prstGeom>
         </p:spPr>
         <p:txBody>
-          <a:bodyPr lIns="0" rIns="0" tIns="0" bIns="0">
+          <a:bodyPr lIns="0" tIns="0" rIns="0" bIns="0">
             <a:normAutofit/>
           </a:bodyPr>
-          <a:p>
-            <a:endParaRPr b="0" lang="pt-BR" sz="3200" spc="-1" strike="noStrike">
+          <a:lstStyle/>
+          <a:p>
+            <a:endParaRPr lang="pt-BR" sz="3200" b="0" strike="noStrike" spc="-1">
               <a:latin typeface="Arial"/>
             </a:endParaRPr>
           </a:p>
@@ -1645,11 +2067,12 @@
           </a:prstGeom>
         </p:spPr>
         <p:txBody>
-          <a:bodyPr lIns="0" rIns="0" tIns="0" bIns="0">
+          <a:bodyPr lIns="0" tIns="0" rIns="0" bIns="0">
             <a:normAutofit/>
           </a:bodyPr>
-          <a:p>
-            <a:endParaRPr b="0" lang="pt-BR" sz="3200" spc="-1" strike="noStrike">
+          <a:lstStyle/>
+          <a:p>
+            <a:endParaRPr lang="pt-BR" sz="3200" b="0" strike="noStrike" spc="-1">
               <a:latin typeface="Arial"/>
             </a:endParaRPr>
           </a:p>
@@ -1657,11 +2080,14 @@
       </p:sp>
     </p:spTree>
   </p:cSld>
+  <p:clrMapOvr>
+    <a:masterClrMapping/>
+  </p:clrMapOvr>
 </p:sldLayout>
 </file>
 
 <file path=ppt/slideLayouts/slideLayout13.xml><?xml version="1.0" encoding="utf-8"?>
-<p:sldLayout xmlns:a="http://schemas.openxmlformats.org/drawingml/2006/main" xmlns:p="http://schemas.openxmlformats.org/presentationml/2006/main" xmlns:r="http://schemas.openxmlformats.org/officeDocument/2006/relationships" xmlns:p14="http://schemas.microsoft.com/office/powerpoint/2010/main" xmlns:p15="http://schemas.microsoft.com/office/powerpoint/2012/main" xmlns:mc="http://schemas.openxmlformats.org/markup-compatibility/2006" type="blank" preserve="1">
+<p:sldLayout xmlns:a="http://schemas.openxmlformats.org/drawingml/2006/main" xmlns:r="http://schemas.openxmlformats.org/officeDocument/2006/relationships" xmlns:p="http://schemas.openxmlformats.org/presentationml/2006/main" type="blank" preserve="1">
   <p:cSld name="Blank Slide">
     <p:spTree>
       <p:nvGrpSpPr>
@@ -1679,11 +2105,14 @@
       </p:grpSpPr>
     </p:spTree>
   </p:cSld>
+  <p:clrMapOvr>
+    <a:masterClrMapping/>
+  </p:clrMapOvr>
 </p:sldLayout>
 </file>
 
 <file path=ppt/slideLayouts/slideLayout14.xml><?xml version="1.0" encoding="utf-8"?>
-<p:sldLayout xmlns:a="http://schemas.openxmlformats.org/drawingml/2006/main" xmlns:p="http://schemas.openxmlformats.org/presentationml/2006/main" xmlns:r="http://schemas.openxmlformats.org/officeDocument/2006/relationships" xmlns:p14="http://schemas.microsoft.com/office/powerpoint/2010/main" xmlns:p15="http://schemas.microsoft.com/office/powerpoint/2012/main" xmlns:mc="http://schemas.openxmlformats.org/markup-compatibility/2006" type="tx" preserve="1">
+<p:sldLayout xmlns:a="http://schemas.openxmlformats.org/drawingml/2006/main" xmlns:r="http://schemas.openxmlformats.org/officeDocument/2006/relationships" xmlns:p="http://schemas.openxmlformats.org/presentationml/2006/main" type="tx" preserve="1">
   <p:cSld name="Title Slide">
     <p:spTree>
       <p:nvGrpSpPr>
@@ -1719,12 +2148,13 @@
           </a:prstGeom>
         </p:spPr>
         <p:txBody>
-          <a:bodyPr lIns="0" rIns="0" tIns="0" bIns="0" anchor="ctr">
+          <a:bodyPr lIns="0" tIns="0" rIns="0" bIns="0" anchor="ctr">
             <a:noAutofit/>
           </a:bodyPr>
+          <a:lstStyle/>
           <a:p>
             <a:pPr algn="ctr"/>
-            <a:endParaRPr b="0" lang="pt-BR" sz="4400" spc="-1" strike="noStrike">
+            <a:endParaRPr lang="pt-BR" sz="4400" b="0" strike="noStrike" spc="-1">
               <a:latin typeface="Arial"/>
             </a:endParaRPr>
           </a:p>
@@ -1750,12 +2180,13 @@
           </a:prstGeom>
         </p:spPr>
         <p:txBody>
-          <a:bodyPr lIns="0" rIns="0" tIns="0" bIns="0" anchor="ctr">
+          <a:bodyPr lIns="0" tIns="0" rIns="0" bIns="0" anchor="ctr">
             <a:noAutofit/>
           </a:bodyPr>
+          <a:lstStyle/>
           <a:p>
             <a:pPr algn="ctr"/>
-            <a:endParaRPr b="0" lang="pt-BR" sz="3200" spc="-1" strike="noStrike">
+            <a:endParaRPr lang="pt-BR" sz="3200" b="0" strike="noStrike" spc="-1">
               <a:latin typeface="Arial"/>
             </a:endParaRPr>
           </a:p>
@@ -1763,11 +2194,14 @@
       </p:sp>
     </p:spTree>
   </p:cSld>
+  <p:clrMapOvr>
+    <a:masterClrMapping/>
+  </p:clrMapOvr>
 </p:sldLayout>
 </file>
 
 <file path=ppt/slideLayouts/slideLayout15.xml><?xml version="1.0" encoding="utf-8"?>
-<p:sldLayout xmlns:a="http://schemas.openxmlformats.org/drawingml/2006/main" xmlns:p="http://schemas.openxmlformats.org/presentationml/2006/main" xmlns:r="http://schemas.openxmlformats.org/officeDocument/2006/relationships" xmlns:p14="http://schemas.microsoft.com/office/powerpoint/2010/main" xmlns:p15="http://schemas.microsoft.com/office/powerpoint/2012/main" xmlns:mc="http://schemas.openxmlformats.org/markup-compatibility/2006" type="obj" preserve="1">
+<p:sldLayout xmlns:a="http://schemas.openxmlformats.org/drawingml/2006/main" xmlns:r="http://schemas.openxmlformats.org/officeDocument/2006/relationships" xmlns:p="http://schemas.openxmlformats.org/presentationml/2006/main" type="obj" preserve="1">
   <p:cSld name="Title, Content">
     <p:spTree>
       <p:nvGrpSpPr>
@@ -1803,12 +2237,13 @@
           </a:prstGeom>
         </p:spPr>
         <p:txBody>
-          <a:bodyPr lIns="0" rIns="0" tIns="0" bIns="0" anchor="ctr">
+          <a:bodyPr lIns="0" tIns="0" rIns="0" bIns="0" anchor="ctr">
             <a:noAutofit/>
           </a:bodyPr>
+          <a:lstStyle/>
           <a:p>
             <a:pPr algn="ctr"/>
-            <a:endParaRPr b="0" lang="pt-BR" sz="4400" spc="-1" strike="noStrike">
+            <a:endParaRPr lang="pt-BR" sz="4400" b="0" strike="noStrike" spc="-1">
               <a:latin typeface="Arial"/>
             </a:endParaRPr>
           </a:p>
@@ -1834,11 +2269,12 @@
           </a:prstGeom>
         </p:spPr>
         <p:txBody>
-          <a:bodyPr lIns="0" rIns="0" tIns="0" bIns="0">
+          <a:bodyPr lIns="0" tIns="0" rIns="0" bIns="0">
             <a:normAutofit/>
           </a:bodyPr>
-          <a:p>
-            <a:endParaRPr b="0" lang="pt-BR" sz="3200" spc="-1" strike="noStrike">
+          <a:lstStyle/>
+          <a:p>
+            <a:endParaRPr lang="pt-BR" sz="3200" b="0" strike="noStrike" spc="-1">
               <a:latin typeface="Arial"/>
             </a:endParaRPr>
           </a:p>
@@ -1846,11 +2282,14 @@
       </p:sp>
     </p:spTree>
   </p:cSld>
+  <p:clrMapOvr>
+    <a:masterClrMapping/>
+  </p:clrMapOvr>
 </p:sldLayout>
 </file>
 
 <file path=ppt/slideLayouts/slideLayout16.xml><?xml version="1.0" encoding="utf-8"?>
-<p:sldLayout xmlns:a="http://schemas.openxmlformats.org/drawingml/2006/main" xmlns:p="http://schemas.openxmlformats.org/presentationml/2006/main" xmlns:r="http://schemas.openxmlformats.org/officeDocument/2006/relationships" xmlns:p14="http://schemas.microsoft.com/office/powerpoint/2010/main" xmlns:p15="http://schemas.microsoft.com/office/powerpoint/2012/main" xmlns:mc="http://schemas.openxmlformats.org/markup-compatibility/2006" type="twoObj" preserve="1">
+<p:sldLayout xmlns:a="http://schemas.openxmlformats.org/drawingml/2006/main" xmlns:r="http://schemas.openxmlformats.org/officeDocument/2006/relationships" xmlns:p="http://schemas.openxmlformats.org/presentationml/2006/main" type="twoObj" preserve="1">
   <p:cSld name="Title, 2 Content">
     <p:spTree>
       <p:nvGrpSpPr>
@@ -1886,12 +2325,13 @@
           </a:prstGeom>
         </p:spPr>
         <p:txBody>
-          <a:bodyPr lIns="0" rIns="0" tIns="0" bIns="0" anchor="ctr">
+          <a:bodyPr lIns="0" tIns="0" rIns="0" bIns="0" anchor="ctr">
             <a:noAutofit/>
           </a:bodyPr>
+          <a:lstStyle/>
           <a:p>
             <a:pPr algn="ctr"/>
-            <a:endParaRPr b="0" lang="pt-BR" sz="4400" spc="-1" strike="noStrike">
+            <a:endParaRPr lang="pt-BR" sz="4400" b="0" strike="noStrike" spc="-1">
               <a:latin typeface="Arial"/>
             </a:endParaRPr>
           </a:p>
@@ -1917,11 +2357,12 @@
           </a:prstGeom>
         </p:spPr>
         <p:txBody>
-          <a:bodyPr lIns="0" rIns="0" tIns="0" bIns="0">
+          <a:bodyPr lIns="0" tIns="0" rIns="0" bIns="0">
             <a:normAutofit/>
           </a:bodyPr>
-          <a:p>
-            <a:endParaRPr b="0" lang="pt-BR" sz="3200" spc="-1" strike="noStrike">
+          <a:lstStyle/>
+          <a:p>
+            <a:endParaRPr lang="pt-BR" sz="3200" b="0" strike="noStrike" spc="-1">
               <a:latin typeface="Arial"/>
             </a:endParaRPr>
           </a:p>
@@ -1947,11 +2388,12 @@
           </a:prstGeom>
         </p:spPr>
         <p:txBody>
-          <a:bodyPr lIns="0" rIns="0" tIns="0" bIns="0">
+          <a:bodyPr lIns="0" tIns="0" rIns="0" bIns="0">
             <a:normAutofit/>
           </a:bodyPr>
-          <a:p>
-            <a:endParaRPr b="0" lang="pt-BR" sz="3200" spc="-1" strike="noStrike">
+          <a:lstStyle/>
+          <a:p>
+            <a:endParaRPr lang="pt-BR" sz="3200" b="0" strike="noStrike" spc="-1">
               <a:latin typeface="Arial"/>
             </a:endParaRPr>
           </a:p>
@@ -1959,11 +2401,14 @@
       </p:sp>
     </p:spTree>
   </p:cSld>
+  <p:clrMapOvr>
+    <a:masterClrMapping/>
+  </p:clrMapOvr>
 </p:sldLayout>
 </file>
 
 <file path=ppt/slideLayouts/slideLayout17.xml><?xml version="1.0" encoding="utf-8"?>
-<p:sldLayout xmlns:a="http://schemas.openxmlformats.org/drawingml/2006/main" xmlns:p="http://schemas.openxmlformats.org/presentationml/2006/main" xmlns:r="http://schemas.openxmlformats.org/officeDocument/2006/relationships" xmlns:p14="http://schemas.microsoft.com/office/powerpoint/2010/main" xmlns:p15="http://schemas.microsoft.com/office/powerpoint/2012/main" xmlns:mc="http://schemas.openxmlformats.org/markup-compatibility/2006" type="titleOnly" preserve="1">
+<p:sldLayout xmlns:a="http://schemas.openxmlformats.org/drawingml/2006/main" xmlns:r="http://schemas.openxmlformats.org/officeDocument/2006/relationships" xmlns:p="http://schemas.openxmlformats.org/presentationml/2006/main" type="titleOnly" preserve="1">
   <p:cSld name="Title Only">
     <p:spTree>
       <p:nvGrpSpPr>
@@ -1999,12 +2444,13 @@
           </a:prstGeom>
         </p:spPr>
         <p:txBody>
-          <a:bodyPr lIns="0" rIns="0" tIns="0" bIns="0" anchor="ctr">
+          <a:bodyPr lIns="0" tIns="0" rIns="0" bIns="0" anchor="ctr">
             <a:noAutofit/>
           </a:bodyPr>
+          <a:lstStyle/>
           <a:p>
             <a:pPr algn="ctr"/>
-            <a:endParaRPr b="0" lang="pt-BR" sz="4400" spc="-1" strike="noStrike">
+            <a:endParaRPr lang="pt-BR" sz="4400" b="0" strike="noStrike" spc="-1">
               <a:latin typeface="Arial"/>
             </a:endParaRPr>
           </a:p>
@@ -2012,11 +2458,14 @@
       </p:sp>
     </p:spTree>
   </p:cSld>
+  <p:clrMapOvr>
+    <a:masterClrMapping/>
+  </p:clrMapOvr>
 </p:sldLayout>
 </file>
 
 <file path=ppt/slideLayouts/slideLayout18.xml><?xml version="1.0" encoding="utf-8"?>
-<p:sldLayout xmlns:a="http://schemas.openxmlformats.org/drawingml/2006/main" xmlns:p="http://schemas.openxmlformats.org/presentationml/2006/main" xmlns:r="http://schemas.openxmlformats.org/officeDocument/2006/relationships" xmlns:p14="http://schemas.microsoft.com/office/powerpoint/2010/main" xmlns:p15="http://schemas.microsoft.com/office/powerpoint/2012/main" xmlns:mc="http://schemas.openxmlformats.org/markup-compatibility/2006" type="objOnly" preserve="1">
+<p:sldLayout xmlns:a="http://schemas.openxmlformats.org/drawingml/2006/main" xmlns:r="http://schemas.openxmlformats.org/officeDocument/2006/relationships" xmlns:p="http://schemas.openxmlformats.org/presentationml/2006/main" type="objOnly" preserve="1">
   <p:cSld name="Centered Text">
     <p:spTree>
       <p:nvGrpSpPr>
@@ -2052,12 +2501,13 @@
           </a:prstGeom>
         </p:spPr>
         <p:txBody>
-          <a:bodyPr lIns="0" rIns="0" tIns="0" bIns="0" anchor="ctr">
+          <a:bodyPr lIns="0" tIns="0" rIns="0" bIns="0" anchor="ctr">
             <a:noAutofit/>
           </a:bodyPr>
+          <a:lstStyle/>
           <a:p>
             <a:pPr algn="ctr"/>
-            <a:endParaRPr b="0" lang="pt-BR" sz="3200" spc="-1" strike="noStrike">
+            <a:endParaRPr lang="pt-BR" sz="3200" b="0" strike="noStrike" spc="-1">
               <a:latin typeface="Arial"/>
             </a:endParaRPr>
           </a:p>
@@ -2065,11 +2515,14 @@
       </p:sp>
     </p:spTree>
   </p:cSld>
+  <p:clrMapOvr>
+    <a:masterClrMapping/>
+  </p:clrMapOvr>
 </p:sldLayout>
 </file>
 
 <file path=ppt/slideLayouts/slideLayout19.xml><?xml version="1.0" encoding="utf-8"?>
-<p:sldLayout xmlns:a="http://schemas.openxmlformats.org/drawingml/2006/main" xmlns:p="http://schemas.openxmlformats.org/presentationml/2006/main" xmlns:r="http://schemas.openxmlformats.org/officeDocument/2006/relationships" xmlns:p14="http://schemas.microsoft.com/office/powerpoint/2010/main" xmlns:p15="http://schemas.microsoft.com/office/powerpoint/2012/main" xmlns:mc="http://schemas.openxmlformats.org/markup-compatibility/2006" type="twoObjAndObj" preserve="1">
+<p:sldLayout xmlns:a="http://schemas.openxmlformats.org/drawingml/2006/main" xmlns:r="http://schemas.openxmlformats.org/officeDocument/2006/relationships" xmlns:p="http://schemas.openxmlformats.org/presentationml/2006/main" type="twoObjAndObj" preserve="1">
   <p:cSld name="Title, 2 Content and Content">
     <p:spTree>
       <p:nvGrpSpPr>
@@ -2105,12 +2558,13 @@
           </a:prstGeom>
         </p:spPr>
         <p:txBody>
-          <a:bodyPr lIns="0" rIns="0" tIns="0" bIns="0" anchor="ctr">
+          <a:bodyPr lIns="0" tIns="0" rIns="0" bIns="0" anchor="ctr">
             <a:noAutofit/>
           </a:bodyPr>
+          <a:lstStyle/>
           <a:p>
             <a:pPr algn="ctr"/>
-            <a:endParaRPr b="0" lang="pt-BR" sz="4400" spc="-1" strike="noStrike">
+            <a:endParaRPr lang="pt-BR" sz="4400" b="0" strike="noStrike" spc="-1">
               <a:latin typeface="Arial"/>
             </a:endParaRPr>
           </a:p>
@@ -2136,11 +2590,12 @@
           </a:prstGeom>
         </p:spPr>
         <p:txBody>
-          <a:bodyPr lIns="0" rIns="0" tIns="0" bIns="0">
+          <a:bodyPr lIns="0" tIns="0" rIns="0" bIns="0">
             <a:normAutofit/>
           </a:bodyPr>
-          <a:p>
-            <a:endParaRPr b="0" lang="pt-BR" sz="3200" spc="-1" strike="noStrike">
+          <a:lstStyle/>
+          <a:p>
+            <a:endParaRPr lang="pt-BR" sz="3200" b="0" strike="noStrike" spc="-1">
               <a:latin typeface="Arial"/>
             </a:endParaRPr>
           </a:p>
@@ -2166,11 +2621,12 @@
           </a:prstGeom>
         </p:spPr>
         <p:txBody>
-          <a:bodyPr lIns="0" rIns="0" tIns="0" bIns="0">
+          <a:bodyPr lIns="0" tIns="0" rIns="0" bIns="0">
             <a:normAutofit/>
           </a:bodyPr>
-          <a:p>
-            <a:endParaRPr b="0" lang="pt-BR" sz="3200" spc="-1" strike="noStrike">
+          <a:lstStyle/>
+          <a:p>
+            <a:endParaRPr lang="pt-BR" sz="3200" b="0" strike="noStrike" spc="-1">
               <a:latin typeface="Arial"/>
             </a:endParaRPr>
           </a:p>
@@ -2196,11 +2652,12 @@
           </a:prstGeom>
         </p:spPr>
         <p:txBody>
-          <a:bodyPr lIns="0" rIns="0" tIns="0" bIns="0">
+          <a:bodyPr lIns="0" tIns="0" rIns="0" bIns="0">
             <a:normAutofit/>
           </a:bodyPr>
-          <a:p>
-            <a:endParaRPr b="0" lang="pt-BR" sz="3200" spc="-1" strike="noStrike">
+          <a:lstStyle/>
+          <a:p>
+            <a:endParaRPr lang="pt-BR" sz="3200" b="0" strike="noStrike" spc="-1">
               <a:latin typeface="Arial"/>
             </a:endParaRPr>
           </a:p>
@@ -2208,11 +2665,14 @@
       </p:sp>
     </p:spTree>
   </p:cSld>
+  <p:clrMapOvr>
+    <a:masterClrMapping/>
+  </p:clrMapOvr>
 </p:sldLayout>
 </file>
 
 <file path=ppt/slideLayouts/slideLayout2.xml><?xml version="1.0" encoding="utf-8"?>
-<p:sldLayout xmlns:a="http://schemas.openxmlformats.org/drawingml/2006/main" xmlns:p="http://schemas.openxmlformats.org/presentationml/2006/main" xmlns:r="http://schemas.openxmlformats.org/officeDocument/2006/relationships" xmlns:p14="http://schemas.microsoft.com/office/powerpoint/2010/main" xmlns:p15="http://schemas.microsoft.com/office/powerpoint/2012/main" xmlns:mc="http://schemas.openxmlformats.org/markup-compatibility/2006" type="tx" preserve="1">
+<p:sldLayout xmlns:a="http://schemas.openxmlformats.org/drawingml/2006/main" xmlns:r="http://schemas.openxmlformats.org/officeDocument/2006/relationships" xmlns:p="http://schemas.openxmlformats.org/presentationml/2006/main" type="tx" preserve="1">
   <p:cSld name="Title Slide">
     <p:spTree>
       <p:nvGrpSpPr>
@@ -2248,12 +2708,13 @@
           </a:prstGeom>
         </p:spPr>
         <p:txBody>
-          <a:bodyPr lIns="0" rIns="0" tIns="0" bIns="0" anchor="ctr">
+          <a:bodyPr lIns="0" tIns="0" rIns="0" bIns="0" anchor="ctr">
             <a:noAutofit/>
           </a:bodyPr>
+          <a:lstStyle/>
           <a:p>
             <a:pPr algn="ctr"/>
-            <a:endParaRPr b="0" lang="pt-BR" sz="4400" spc="-1" strike="noStrike">
+            <a:endParaRPr lang="pt-BR" sz="4400" b="0" strike="noStrike" spc="-1">
               <a:latin typeface="Arial"/>
             </a:endParaRPr>
           </a:p>
@@ -2279,12 +2740,13 @@
           </a:prstGeom>
         </p:spPr>
         <p:txBody>
-          <a:bodyPr lIns="0" rIns="0" tIns="0" bIns="0" anchor="ctr">
+          <a:bodyPr lIns="0" tIns="0" rIns="0" bIns="0" anchor="ctr">
             <a:noAutofit/>
           </a:bodyPr>
+          <a:lstStyle/>
           <a:p>
             <a:pPr algn="ctr"/>
-            <a:endParaRPr b="0" lang="pt-BR" sz="3200" spc="-1" strike="noStrike">
+            <a:endParaRPr lang="pt-BR" sz="3200" b="0" strike="noStrike" spc="-1">
               <a:latin typeface="Arial"/>
             </a:endParaRPr>
           </a:p>
@@ -2292,11 +2754,14 @@
       </p:sp>
     </p:spTree>
   </p:cSld>
+  <p:clrMapOvr>
+    <a:masterClrMapping/>
+  </p:clrMapOvr>
 </p:sldLayout>
 </file>
 
 <file path=ppt/slideLayouts/slideLayout20.xml><?xml version="1.0" encoding="utf-8"?>
-<p:sldLayout xmlns:a="http://schemas.openxmlformats.org/drawingml/2006/main" xmlns:p="http://schemas.openxmlformats.org/presentationml/2006/main" xmlns:r="http://schemas.openxmlformats.org/officeDocument/2006/relationships" xmlns:p14="http://schemas.microsoft.com/office/powerpoint/2010/main" xmlns:p15="http://schemas.microsoft.com/office/powerpoint/2012/main" xmlns:mc="http://schemas.openxmlformats.org/markup-compatibility/2006" type="objAndTwoObj" preserve="1">
+<p:sldLayout xmlns:a="http://schemas.openxmlformats.org/drawingml/2006/main" xmlns:r="http://schemas.openxmlformats.org/officeDocument/2006/relationships" xmlns:p="http://schemas.openxmlformats.org/presentationml/2006/main" type="objAndTwoObj" preserve="1">
   <p:cSld name="Title Content and 2 Content">
     <p:spTree>
       <p:nvGrpSpPr>
@@ -2332,12 +2797,13 @@
           </a:prstGeom>
         </p:spPr>
         <p:txBody>
-          <a:bodyPr lIns="0" rIns="0" tIns="0" bIns="0" anchor="ctr">
+          <a:bodyPr lIns="0" tIns="0" rIns="0" bIns="0" anchor="ctr">
             <a:noAutofit/>
           </a:bodyPr>
+          <a:lstStyle/>
           <a:p>
             <a:pPr algn="ctr"/>
-            <a:endParaRPr b="0" lang="pt-BR" sz="4400" spc="-1" strike="noStrike">
+            <a:endParaRPr lang="pt-BR" sz="4400" b="0" strike="noStrike" spc="-1">
               <a:latin typeface="Arial"/>
             </a:endParaRPr>
           </a:p>
@@ -2363,11 +2829,12 @@
           </a:prstGeom>
         </p:spPr>
         <p:txBody>
-          <a:bodyPr lIns="0" rIns="0" tIns="0" bIns="0">
+          <a:bodyPr lIns="0" tIns="0" rIns="0" bIns="0">
             <a:normAutofit/>
           </a:bodyPr>
-          <a:p>
-            <a:endParaRPr b="0" lang="pt-BR" sz="3200" spc="-1" strike="noStrike">
+          <a:lstStyle/>
+          <a:p>
+            <a:endParaRPr lang="pt-BR" sz="3200" b="0" strike="noStrike" spc="-1">
               <a:latin typeface="Arial"/>
             </a:endParaRPr>
           </a:p>
@@ -2393,11 +2860,12 @@
           </a:prstGeom>
         </p:spPr>
         <p:txBody>
-          <a:bodyPr lIns="0" rIns="0" tIns="0" bIns="0">
+          <a:bodyPr lIns="0" tIns="0" rIns="0" bIns="0">
             <a:normAutofit/>
           </a:bodyPr>
-          <a:p>
-            <a:endParaRPr b="0" lang="pt-BR" sz="3200" spc="-1" strike="noStrike">
+          <a:lstStyle/>
+          <a:p>
+            <a:endParaRPr lang="pt-BR" sz="3200" b="0" strike="noStrike" spc="-1">
               <a:latin typeface="Arial"/>
             </a:endParaRPr>
           </a:p>
@@ -2423,11 +2891,12 @@
           </a:prstGeom>
         </p:spPr>
         <p:txBody>
-          <a:bodyPr lIns="0" rIns="0" tIns="0" bIns="0">
+          <a:bodyPr lIns="0" tIns="0" rIns="0" bIns="0">
             <a:normAutofit/>
           </a:bodyPr>
-          <a:p>
-            <a:endParaRPr b="0" lang="pt-BR" sz="3200" spc="-1" strike="noStrike">
+          <a:lstStyle/>
+          <a:p>
+            <a:endParaRPr lang="pt-BR" sz="3200" b="0" strike="noStrike" spc="-1">
               <a:latin typeface="Arial"/>
             </a:endParaRPr>
           </a:p>
@@ -2435,11 +2904,14 @@
       </p:sp>
     </p:spTree>
   </p:cSld>
+  <p:clrMapOvr>
+    <a:masterClrMapping/>
+  </p:clrMapOvr>
 </p:sldLayout>
 </file>
 
 <file path=ppt/slideLayouts/slideLayout21.xml><?xml version="1.0" encoding="utf-8"?>
-<p:sldLayout xmlns:a="http://schemas.openxmlformats.org/drawingml/2006/main" xmlns:p="http://schemas.openxmlformats.org/presentationml/2006/main" xmlns:r="http://schemas.openxmlformats.org/officeDocument/2006/relationships" xmlns:p14="http://schemas.microsoft.com/office/powerpoint/2010/main" xmlns:p15="http://schemas.microsoft.com/office/powerpoint/2012/main" xmlns:mc="http://schemas.openxmlformats.org/markup-compatibility/2006" type="twoObjOverTx" preserve="1">
+<p:sldLayout xmlns:a="http://schemas.openxmlformats.org/drawingml/2006/main" xmlns:r="http://schemas.openxmlformats.org/officeDocument/2006/relationships" xmlns:p="http://schemas.openxmlformats.org/presentationml/2006/main" type="twoObjOverTx" preserve="1">
   <p:cSld name="Title, 2 Content over Content">
     <p:spTree>
       <p:nvGrpSpPr>
@@ -2475,12 +2947,13 @@
           </a:prstGeom>
         </p:spPr>
         <p:txBody>
-          <a:bodyPr lIns="0" rIns="0" tIns="0" bIns="0" anchor="ctr">
+          <a:bodyPr lIns="0" tIns="0" rIns="0" bIns="0" anchor="ctr">
             <a:noAutofit/>
           </a:bodyPr>
+          <a:lstStyle/>
           <a:p>
             <a:pPr algn="ctr"/>
-            <a:endParaRPr b="0" lang="pt-BR" sz="4400" spc="-1" strike="noStrike">
+            <a:endParaRPr lang="pt-BR" sz="4400" b="0" strike="noStrike" spc="-1">
               <a:latin typeface="Arial"/>
             </a:endParaRPr>
           </a:p>
@@ -2506,11 +2979,12 @@
           </a:prstGeom>
         </p:spPr>
         <p:txBody>
-          <a:bodyPr lIns="0" rIns="0" tIns="0" bIns="0">
+          <a:bodyPr lIns="0" tIns="0" rIns="0" bIns="0">
             <a:normAutofit/>
           </a:bodyPr>
-          <a:p>
-            <a:endParaRPr b="0" lang="pt-BR" sz="3200" spc="-1" strike="noStrike">
+          <a:lstStyle/>
+          <a:p>
+            <a:endParaRPr lang="pt-BR" sz="3200" b="0" strike="noStrike" spc="-1">
               <a:latin typeface="Arial"/>
             </a:endParaRPr>
           </a:p>
@@ -2536,11 +3010,12 @@
           </a:prstGeom>
         </p:spPr>
         <p:txBody>
-          <a:bodyPr lIns="0" rIns="0" tIns="0" bIns="0">
+          <a:bodyPr lIns="0" tIns="0" rIns="0" bIns="0">
             <a:normAutofit/>
           </a:bodyPr>
-          <a:p>
-            <a:endParaRPr b="0" lang="pt-BR" sz="3200" spc="-1" strike="noStrike">
+          <a:lstStyle/>
+          <a:p>
+            <a:endParaRPr lang="pt-BR" sz="3200" b="0" strike="noStrike" spc="-1">
               <a:latin typeface="Arial"/>
             </a:endParaRPr>
           </a:p>
@@ -2566,11 +3041,12 @@
           </a:prstGeom>
         </p:spPr>
         <p:txBody>
-          <a:bodyPr lIns="0" rIns="0" tIns="0" bIns="0">
+          <a:bodyPr lIns="0" tIns="0" rIns="0" bIns="0">
             <a:normAutofit/>
           </a:bodyPr>
-          <a:p>
-            <a:endParaRPr b="0" lang="pt-BR" sz="3200" spc="-1" strike="noStrike">
+          <a:lstStyle/>
+          <a:p>
+            <a:endParaRPr lang="pt-BR" sz="3200" b="0" strike="noStrike" spc="-1">
               <a:latin typeface="Arial"/>
             </a:endParaRPr>
           </a:p>
@@ -2578,11 +3054,14 @@
       </p:sp>
     </p:spTree>
   </p:cSld>
+  <p:clrMapOvr>
+    <a:masterClrMapping/>
+  </p:clrMapOvr>
 </p:sldLayout>
 </file>
 
 <file path=ppt/slideLayouts/slideLayout22.xml><?xml version="1.0" encoding="utf-8"?>
-<p:sldLayout xmlns:a="http://schemas.openxmlformats.org/drawingml/2006/main" xmlns:p="http://schemas.openxmlformats.org/presentationml/2006/main" xmlns:r="http://schemas.openxmlformats.org/officeDocument/2006/relationships" xmlns:p14="http://schemas.microsoft.com/office/powerpoint/2010/main" xmlns:p15="http://schemas.microsoft.com/office/powerpoint/2012/main" xmlns:mc="http://schemas.openxmlformats.org/markup-compatibility/2006" type="objOverTx" preserve="1">
+<p:sldLayout xmlns:a="http://schemas.openxmlformats.org/drawingml/2006/main" xmlns:r="http://schemas.openxmlformats.org/officeDocument/2006/relationships" xmlns:p="http://schemas.openxmlformats.org/presentationml/2006/main" type="objOverTx" preserve="1">
   <p:cSld name="Title, Content over Content">
     <p:spTree>
       <p:nvGrpSpPr>
@@ -2618,12 +3097,13 @@
           </a:prstGeom>
         </p:spPr>
         <p:txBody>
-          <a:bodyPr lIns="0" rIns="0" tIns="0" bIns="0" anchor="ctr">
+          <a:bodyPr lIns="0" tIns="0" rIns="0" bIns="0" anchor="ctr">
             <a:noAutofit/>
           </a:bodyPr>
+          <a:lstStyle/>
           <a:p>
             <a:pPr algn="ctr"/>
-            <a:endParaRPr b="0" lang="pt-BR" sz="4400" spc="-1" strike="noStrike">
+            <a:endParaRPr lang="pt-BR" sz="4400" b="0" strike="noStrike" spc="-1">
               <a:latin typeface="Arial"/>
             </a:endParaRPr>
           </a:p>
@@ -2649,11 +3129,12 @@
           </a:prstGeom>
         </p:spPr>
         <p:txBody>
-          <a:bodyPr lIns="0" rIns="0" tIns="0" bIns="0">
+          <a:bodyPr lIns="0" tIns="0" rIns="0" bIns="0">
             <a:normAutofit/>
           </a:bodyPr>
-          <a:p>
-            <a:endParaRPr b="0" lang="pt-BR" sz="3200" spc="-1" strike="noStrike">
+          <a:lstStyle/>
+          <a:p>
+            <a:endParaRPr lang="pt-BR" sz="3200" b="0" strike="noStrike" spc="-1">
               <a:latin typeface="Arial"/>
             </a:endParaRPr>
           </a:p>
@@ -2679,11 +3160,12 @@
           </a:prstGeom>
         </p:spPr>
         <p:txBody>
-          <a:bodyPr lIns="0" rIns="0" tIns="0" bIns="0">
+          <a:bodyPr lIns="0" tIns="0" rIns="0" bIns="0">
             <a:normAutofit/>
           </a:bodyPr>
-          <a:p>
-            <a:endParaRPr b="0" lang="pt-BR" sz="3200" spc="-1" strike="noStrike">
+          <a:lstStyle/>
+          <a:p>
+            <a:endParaRPr lang="pt-BR" sz="3200" b="0" strike="noStrike" spc="-1">
               <a:latin typeface="Arial"/>
             </a:endParaRPr>
           </a:p>
@@ -2691,11 +3173,14 @@
       </p:sp>
     </p:spTree>
   </p:cSld>
+  <p:clrMapOvr>
+    <a:masterClrMapping/>
+  </p:clrMapOvr>
 </p:sldLayout>
 </file>
 
 <file path=ppt/slideLayouts/slideLayout23.xml><?xml version="1.0" encoding="utf-8"?>
-<p:sldLayout xmlns:a="http://schemas.openxmlformats.org/drawingml/2006/main" xmlns:p="http://schemas.openxmlformats.org/presentationml/2006/main" xmlns:r="http://schemas.openxmlformats.org/officeDocument/2006/relationships" xmlns:p14="http://schemas.microsoft.com/office/powerpoint/2010/main" xmlns:p15="http://schemas.microsoft.com/office/powerpoint/2012/main" xmlns:mc="http://schemas.openxmlformats.org/markup-compatibility/2006" type="fourObj" preserve="1">
+<p:sldLayout xmlns:a="http://schemas.openxmlformats.org/drawingml/2006/main" xmlns:r="http://schemas.openxmlformats.org/officeDocument/2006/relationships" xmlns:p="http://schemas.openxmlformats.org/presentationml/2006/main" type="fourObj" preserve="1">
   <p:cSld name="Title, 4 Content">
     <p:spTree>
       <p:nvGrpSpPr>
@@ -2731,12 +3216,13 @@
           </a:prstGeom>
         </p:spPr>
         <p:txBody>
-          <a:bodyPr lIns="0" rIns="0" tIns="0" bIns="0" anchor="ctr">
+          <a:bodyPr lIns="0" tIns="0" rIns="0" bIns="0" anchor="ctr">
             <a:noAutofit/>
           </a:bodyPr>
+          <a:lstStyle/>
           <a:p>
             <a:pPr algn="ctr"/>
-            <a:endParaRPr b="0" lang="pt-BR" sz="4400" spc="-1" strike="noStrike">
+            <a:endParaRPr lang="pt-BR" sz="4400" b="0" strike="noStrike" spc="-1">
               <a:latin typeface="Arial"/>
             </a:endParaRPr>
           </a:p>
@@ -2762,11 +3248,12 @@
           </a:prstGeom>
         </p:spPr>
         <p:txBody>
-          <a:bodyPr lIns="0" rIns="0" tIns="0" bIns="0">
+          <a:bodyPr lIns="0" tIns="0" rIns="0" bIns="0">
             <a:normAutofit/>
           </a:bodyPr>
-          <a:p>
-            <a:endParaRPr b="0" lang="pt-BR" sz="3200" spc="-1" strike="noStrike">
+          <a:lstStyle/>
+          <a:p>
+            <a:endParaRPr lang="pt-BR" sz="3200" b="0" strike="noStrike" spc="-1">
               <a:latin typeface="Arial"/>
             </a:endParaRPr>
           </a:p>
@@ -2792,11 +3279,12 @@
           </a:prstGeom>
         </p:spPr>
         <p:txBody>
-          <a:bodyPr lIns="0" rIns="0" tIns="0" bIns="0">
+          <a:bodyPr lIns="0" tIns="0" rIns="0" bIns="0">
             <a:normAutofit/>
           </a:bodyPr>
-          <a:p>
-            <a:endParaRPr b="0" lang="pt-BR" sz="3200" spc="-1" strike="noStrike">
+          <a:lstStyle/>
+          <a:p>
+            <a:endParaRPr lang="pt-BR" sz="3200" b="0" strike="noStrike" spc="-1">
               <a:latin typeface="Arial"/>
             </a:endParaRPr>
           </a:p>
@@ -2822,11 +3310,12 @@
           </a:prstGeom>
         </p:spPr>
         <p:txBody>
-          <a:bodyPr lIns="0" rIns="0" tIns="0" bIns="0">
+          <a:bodyPr lIns="0" tIns="0" rIns="0" bIns="0">
             <a:normAutofit/>
           </a:bodyPr>
-          <a:p>
-            <a:endParaRPr b="0" lang="pt-BR" sz="3200" spc="-1" strike="noStrike">
+          <a:lstStyle/>
+          <a:p>
+            <a:endParaRPr lang="pt-BR" sz="3200" b="0" strike="noStrike" spc="-1">
               <a:latin typeface="Arial"/>
             </a:endParaRPr>
           </a:p>
@@ -2852,11 +3341,12 @@
           </a:prstGeom>
         </p:spPr>
         <p:txBody>
-          <a:bodyPr lIns="0" rIns="0" tIns="0" bIns="0">
+          <a:bodyPr lIns="0" tIns="0" rIns="0" bIns="0">
             <a:normAutofit/>
           </a:bodyPr>
-          <a:p>
-            <a:endParaRPr b="0" lang="pt-BR" sz="3200" spc="-1" strike="noStrike">
+          <a:lstStyle/>
+          <a:p>
+            <a:endParaRPr lang="pt-BR" sz="3200" b="0" strike="noStrike" spc="-1">
               <a:latin typeface="Arial"/>
             </a:endParaRPr>
           </a:p>
@@ -2864,11 +3354,14 @@
       </p:sp>
     </p:spTree>
   </p:cSld>
+  <p:clrMapOvr>
+    <a:masterClrMapping/>
+  </p:clrMapOvr>
 </p:sldLayout>
 </file>
 
 <file path=ppt/slideLayouts/slideLayout24.xml><?xml version="1.0" encoding="utf-8"?>
-<p:sldLayout xmlns:a="http://schemas.openxmlformats.org/drawingml/2006/main" xmlns:p="http://schemas.openxmlformats.org/presentationml/2006/main" xmlns:r="http://schemas.openxmlformats.org/officeDocument/2006/relationships" xmlns:p14="http://schemas.microsoft.com/office/powerpoint/2010/main" xmlns:p15="http://schemas.microsoft.com/office/powerpoint/2012/main" xmlns:mc="http://schemas.openxmlformats.org/markup-compatibility/2006" type="blank" preserve="1">
+<p:sldLayout xmlns:a="http://schemas.openxmlformats.org/drawingml/2006/main" xmlns:r="http://schemas.openxmlformats.org/officeDocument/2006/relationships" xmlns:p="http://schemas.openxmlformats.org/presentationml/2006/main" type="blank" preserve="1">
   <p:cSld name="Title, 6 Content">
     <p:spTree>
       <p:nvGrpSpPr>
@@ -2904,12 +3397,13 @@
           </a:prstGeom>
         </p:spPr>
         <p:txBody>
-          <a:bodyPr lIns="0" rIns="0" tIns="0" bIns="0" anchor="ctr">
+          <a:bodyPr lIns="0" tIns="0" rIns="0" bIns="0" anchor="ctr">
             <a:noAutofit/>
           </a:bodyPr>
+          <a:lstStyle/>
           <a:p>
             <a:pPr algn="ctr"/>
-            <a:endParaRPr b="0" lang="pt-BR" sz="4400" spc="-1" strike="noStrike">
+            <a:endParaRPr lang="pt-BR" sz="4400" b="0" strike="noStrike" spc="-1">
               <a:latin typeface="Arial"/>
             </a:endParaRPr>
           </a:p>
@@ -2935,11 +3429,12 @@
           </a:prstGeom>
         </p:spPr>
         <p:txBody>
-          <a:bodyPr lIns="0" rIns="0" tIns="0" bIns="0">
+          <a:bodyPr lIns="0" tIns="0" rIns="0" bIns="0">
             <a:normAutofit/>
           </a:bodyPr>
-          <a:p>
-            <a:endParaRPr b="0" lang="pt-BR" sz="3200" spc="-1" strike="noStrike">
+          <a:lstStyle/>
+          <a:p>
+            <a:endParaRPr lang="pt-BR" sz="3200" b="0" strike="noStrike" spc="-1">
               <a:latin typeface="Arial"/>
             </a:endParaRPr>
           </a:p>
@@ -2965,11 +3460,12 @@
           </a:prstGeom>
         </p:spPr>
         <p:txBody>
-          <a:bodyPr lIns="0" rIns="0" tIns="0" bIns="0">
+          <a:bodyPr lIns="0" tIns="0" rIns="0" bIns="0">
             <a:normAutofit/>
           </a:bodyPr>
-          <a:p>
-            <a:endParaRPr b="0" lang="pt-BR" sz="3200" spc="-1" strike="noStrike">
+          <a:lstStyle/>
+          <a:p>
+            <a:endParaRPr lang="pt-BR" sz="3200" b="0" strike="noStrike" spc="-1">
               <a:latin typeface="Arial"/>
             </a:endParaRPr>
           </a:p>
@@ -2995,11 +3491,12 @@
           </a:prstGeom>
         </p:spPr>
         <p:txBody>
-          <a:bodyPr lIns="0" rIns="0" tIns="0" bIns="0">
+          <a:bodyPr lIns="0" tIns="0" rIns="0" bIns="0">
             <a:normAutofit/>
           </a:bodyPr>
-          <a:p>
-            <a:endParaRPr b="0" lang="pt-BR" sz="3200" spc="-1" strike="noStrike">
+          <a:lstStyle/>
+          <a:p>
+            <a:endParaRPr lang="pt-BR" sz="3200" b="0" strike="noStrike" spc="-1">
               <a:latin typeface="Arial"/>
             </a:endParaRPr>
           </a:p>
@@ -3025,11 +3522,12 @@
           </a:prstGeom>
         </p:spPr>
         <p:txBody>
-          <a:bodyPr lIns="0" rIns="0" tIns="0" bIns="0">
+          <a:bodyPr lIns="0" tIns="0" rIns="0" bIns="0">
             <a:normAutofit/>
           </a:bodyPr>
-          <a:p>
-            <a:endParaRPr b="0" lang="pt-BR" sz="3200" spc="-1" strike="noStrike">
+          <a:lstStyle/>
+          <a:p>
+            <a:endParaRPr lang="pt-BR" sz="3200" b="0" strike="noStrike" spc="-1">
               <a:latin typeface="Arial"/>
             </a:endParaRPr>
           </a:p>
@@ -3055,11 +3553,12 @@
           </a:prstGeom>
         </p:spPr>
         <p:txBody>
-          <a:bodyPr lIns="0" rIns="0" tIns="0" bIns="0">
+          <a:bodyPr lIns="0" tIns="0" rIns="0" bIns="0">
             <a:normAutofit/>
           </a:bodyPr>
-          <a:p>
-            <a:endParaRPr b="0" lang="pt-BR" sz="3200" spc="-1" strike="noStrike">
+          <a:lstStyle/>
+          <a:p>
+            <a:endParaRPr lang="pt-BR" sz="3200" b="0" strike="noStrike" spc="-1">
               <a:latin typeface="Arial"/>
             </a:endParaRPr>
           </a:p>
@@ -3085,11 +3584,12 @@
           </a:prstGeom>
         </p:spPr>
         <p:txBody>
-          <a:bodyPr lIns="0" rIns="0" tIns="0" bIns="0">
+          <a:bodyPr lIns="0" tIns="0" rIns="0" bIns="0">
             <a:normAutofit/>
           </a:bodyPr>
-          <a:p>
-            <a:endParaRPr b="0" lang="pt-BR" sz="3200" spc="-1" strike="noStrike">
+          <a:lstStyle/>
+          <a:p>
+            <a:endParaRPr lang="pt-BR" sz="3200" b="0" strike="noStrike" spc="-1">
               <a:latin typeface="Arial"/>
             </a:endParaRPr>
           </a:p>
@@ -3097,11 +3597,14 @@
       </p:sp>
     </p:spTree>
   </p:cSld>
+  <p:clrMapOvr>
+    <a:masterClrMapping/>
+  </p:clrMapOvr>
 </p:sldLayout>
 </file>
 
 <file path=ppt/slideLayouts/slideLayout3.xml><?xml version="1.0" encoding="utf-8"?>
-<p:sldLayout xmlns:a="http://schemas.openxmlformats.org/drawingml/2006/main" xmlns:p="http://schemas.openxmlformats.org/presentationml/2006/main" xmlns:r="http://schemas.openxmlformats.org/officeDocument/2006/relationships" xmlns:p14="http://schemas.microsoft.com/office/powerpoint/2010/main" xmlns:p15="http://schemas.microsoft.com/office/powerpoint/2012/main" xmlns:mc="http://schemas.openxmlformats.org/markup-compatibility/2006" type="obj" preserve="1">
+<p:sldLayout xmlns:a="http://schemas.openxmlformats.org/drawingml/2006/main" xmlns:r="http://schemas.openxmlformats.org/officeDocument/2006/relationships" xmlns:p="http://schemas.openxmlformats.org/presentationml/2006/main" type="obj" preserve="1">
   <p:cSld name="Title, Content">
     <p:spTree>
       <p:nvGrpSpPr>
@@ -3137,12 +3640,13 @@
           </a:prstGeom>
         </p:spPr>
         <p:txBody>
-          <a:bodyPr lIns="0" rIns="0" tIns="0" bIns="0" anchor="ctr">
+          <a:bodyPr lIns="0" tIns="0" rIns="0" bIns="0" anchor="ctr">
             <a:noAutofit/>
           </a:bodyPr>
+          <a:lstStyle/>
           <a:p>
             <a:pPr algn="ctr"/>
-            <a:endParaRPr b="0" lang="pt-BR" sz="4400" spc="-1" strike="noStrike">
+            <a:endParaRPr lang="pt-BR" sz="4400" b="0" strike="noStrike" spc="-1">
               <a:latin typeface="Arial"/>
             </a:endParaRPr>
           </a:p>
@@ -3168,11 +3672,12 @@
           </a:prstGeom>
         </p:spPr>
         <p:txBody>
-          <a:bodyPr lIns="0" rIns="0" tIns="0" bIns="0">
+          <a:bodyPr lIns="0" tIns="0" rIns="0" bIns="0">
             <a:normAutofit/>
           </a:bodyPr>
-          <a:p>
-            <a:endParaRPr b="0" lang="pt-BR" sz="3200" spc="-1" strike="noStrike">
+          <a:lstStyle/>
+          <a:p>
+            <a:endParaRPr lang="pt-BR" sz="3200" b="0" strike="noStrike" spc="-1">
               <a:latin typeface="Arial"/>
             </a:endParaRPr>
           </a:p>
@@ -3180,11 +3685,14 @@
       </p:sp>
     </p:spTree>
   </p:cSld>
+  <p:clrMapOvr>
+    <a:masterClrMapping/>
+  </p:clrMapOvr>
 </p:sldLayout>
 </file>
 
 <file path=ppt/slideLayouts/slideLayout4.xml><?xml version="1.0" encoding="utf-8"?>
-<p:sldLayout xmlns:a="http://schemas.openxmlformats.org/drawingml/2006/main" xmlns:p="http://schemas.openxmlformats.org/presentationml/2006/main" xmlns:r="http://schemas.openxmlformats.org/officeDocument/2006/relationships" xmlns:p14="http://schemas.microsoft.com/office/powerpoint/2010/main" xmlns:p15="http://schemas.microsoft.com/office/powerpoint/2012/main" xmlns:mc="http://schemas.openxmlformats.org/markup-compatibility/2006" type="twoObj" preserve="1">
+<p:sldLayout xmlns:a="http://schemas.openxmlformats.org/drawingml/2006/main" xmlns:r="http://schemas.openxmlformats.org/officeDocument/2006/relationships" xmlns:p="http://schemas.openxmlformats.org/presentationml/2006/main" type="twoObj" preserve="1">
   <p:cSld name="Title, 2 Content">
     <p:spTree>
       <p:nvGrpSpPr>
@@ -3220,12 +3728,13 @@
           </a:prstGeom>
         </p:spPr>
         <p:txBody>
-          <a:bodyPr lIns="0" rIns="0" tIns="0" bIns="0" anchor="ctr">
+          <a:bodyPr lIns="0" tIns="0" rIns="0" bIns="0" anchor="ctr">
             <a:noAutofit/>
           </a:bodyPr>
+          <a:lstStyle/>
           <a:p>
             <a:pPr algn="ctr"/>
-            <a:endParaRPr b="0" lang="pt-BR" sz="4400" spc="-1" strike="noStrike">
+            <a:endParaRPr lang="pt-BR" sz="4400" b="0" strike="noStrike" spc="-1">
               <a:latin typeface="Arial"/>
             </a:endParaRPr>
           </a:p>
@@ -3251,11 +3760,12 @@
           </a:prstGeom>
         </p:spPr>
         <p:txBody>
-          <a:bodyPr lIns="0" rIns="0" tIns="0" bIns="0">
+          <a:bodyPr lIns="0" tIns="0" rIns="0" bIns="0">
             <a:normAutofit/>
           </a:bodyPr>
-          <a:p>
-            <a:endParaRPr b="0" lang="pt-BR" sz="3200" spc="-1" strike="noStrike">
+          <a:lstStyle/>
+          <a:p>
+            <a:endParaRPr lang="pt-BR" sz="3200" b="0" strike="noStrike" spc="-1">
               <a:latin typeface="Arial"/>
             </a:endParaRPr>
           </a:p>
@@ -3281,11 +3791,12 @@
           </a:prstGeom>
         </p:spPr>
         <p:txBody>
-          <a:bodyPr lIns="0" rIns="0" tIns="0" bIns="0">
+          <a:bodyPr lIns="0" tIns="0" rIns="0" bIns="0">
             <a:normAutofit/>
           </a:bodyPr>
-          <a:p>
-            <a:endParaRPr b="0" lang="pt-BR" sz="3200" spc="-1" strike="noStrike">
+          <a:lstStyle/>
+          <a:p>
+            <a:endParaRPr lang="pt-BR" sz="3200" b="0" strike="noStrike" spc="-1">
               <a:latin typeface="Arial"/>
             </a:endParaRPr>
           </a:p>
@@ -3293,11 +3804,14 @@
       </p:sp>
     </p:spTree>
   </p:cSld>
+  <p:clrMapOvr>
+    <a:masterClrMapping/>
+  </p:clrMapOvr>
 </p:sldLayout>
 </file>
 
 <file path=ppt/slideLayouts/slideLayout5.xml><?xml version="1.0" encoding="utf-8"?>
-<p:sldLayout xmlns:a="http://schemas.openxmlformats.org/drawingml/2006/main" xmlns:p="http://schemas.openxmlformats.org/presentationml/2006/main" xmlns:r="http://schemas.openxmlformats.org/officeDocument/2006/relationships" xmlns:p14="http://schemas.microsoft.com/office/powerpoint/2010/main" xmlns:p15="http://schemas.microsoft.com/office/powerpoint/2012/main" xmlns:mc="http://schemas.openxmlformats.org/markup-compatibility/2006" type="titleOnly" preserve="1">
+<p:sldLayout xmlns:a="http://schemas.openxmlformats.org/drawingml/2006/main" xmlns:r="http://schemas.openxmlformats.org/officeDocument/2006/relationships" xmlns:p="http://schemas.openxmlformats.org/presentationml/2006/main" type="titleOnly" preserve="1">
   <p:cSld name="Title Only">
     <p:spTree>
       <p:nvGrpSpPr>
@@ -3333,12 +3847,13 @@
           </a:prstGeom>
         </p:spPr>
         <p:txBody>
-          <a:bodyPr lIns="0" rIns="0" tIns="0" bIns="0" anchor="ctr">
+          <a:bodyPr lIns="0" tIns="0" rIns="0" bIns="0" anchor="ctr">
             <a:noAutofit/>
           </a:bodyPr>
+          <a:lstStyle/>
           <a:p>
             <a:pPr algn="ctr"/>
-            <a:endParaRPr b="0" lang="pt-BR" sz="4400" spc="-1" strike="noStrike">
+            <a:endParaRPr lang="pt-BR" sz="4400" b="0" strike="noStrike" spc="-1">
               <a:latin typeface="Arial"/>
             </a:endParaRPr>
           </a:p>
@@ -3346,11 +3861,14 @@
       </p:sp>
     </p:spTree>
   </p:cSld>
+  <p:clrMapOvr>
+    <a:masterClrMapping/>
+  </p:clrMapOvr>
 </p:sldLayout>
 </file>
 
 <file path=ppt/slideLayouts/slideLayout6.xml><?xml version="1.0" encoding="utf-8"?>
-<p:sldLayout xmlns:a="http://schemas.openxmlformats.org/drawingml/2006/main" xmlns:p="http://schemas.openxmlformats.org/presentationml/2006/main" xmlns:r="http://schemas.openxmlformats.org/officeDocument/2006/relationships" xmlns:p14="http://schemas.microsoft.com/office/powerpoint/2010/main" xmlns:p15="http://schemas.microsoft.com/office/powerpoint/2012/main" xmlns:mc="http://schemas.openxmlformats.org/markup-compatibility/2006" type="objOnly" preserve="1">
+<p:sldLayout xmlns:a="http://schemas.openxmlformats.org/drawingml/2006/main" xmlns:r="http://schemas.openxmlformats.org/officeDocument/2006/relationships" xmlns:p="http://schemas.openxmlformats.org/presentationml/2006/main" type="objOnly" preserve="1">
   <p:cSld name="Centered Text">
     <p:spTree>
       <p:nvGrpSpPr>
@@ -3386,12 +3904,13 @@
           </a:prstGeom>
         </p:spPr>
         <p:txBody>
-          <a:bodyPr lIns="0" rIns="0" tIns="0" bIns="0" anchor="ctr">
+          <a:bodyPr lIns="0" tIns="0" rIns="0" bIns="0" anchor="ctr">
             <a:noAutofit/>
           </a:bodyPr>
+          <a:lstStyle/>
           <a:p>
             <a:pPr algn="ctr"/>
-            <a:endParaRPr b="0" lang="pt-BR" sz="3200" spc="-1" strike="noStrike">
+            <a:endParaRPr lang="pt-BR" sz="3200" b="0" strike="noStrike" spc="-1">
               <a:latin typeface="Arial"/>
             </a:endParaRPr>
           </a:p>
@@ -3399,11 +3918,14 @@
       </p:sp>
     </p:spTree>
   </p:cSld>
+  <p:clrMapOvr>
+    <a:masterClrMapping/>
+  </p:clrMapOvr>
 </p:sldLayout>
 </file>
 
 <file path=ppt/slideLayouts/slideLayout7.xml><?xml version="1.0" encoding="utf-8"?>
-<p:sldLayout xmlns:a="http://schemas.openxmlformats.org/drawingml/2006/main" xmlns:p="http://schemas.openxmlformats.org/presentationml/2006/main" xmlns:r="http://schemas.openxmlformats.org/officeDocument/2006/relationships" xmlns:p14="http://schemas.microsoft.com/office/powerpoint/2010/main" xmlns:p15="http://schemas.microsoft.com/office/powerpoint/2012/main" xmlns:mc="http://schemas.openxmlformats.org/markup-compatibility/2006" type="twoObjAndObj" preserve="1">
+<p:sldLayout xmlns:a="http://schemas.openxmlformats.org/drawingml/2006/main" xmlns:r="http://schemas.openxmlformats.org/officeDocument/2006/relationships" xmlns:p="http://schemas.openxmlformats.org/presentationml/2006/main" type="twoObjAndObj" preserve="1">
   <p:cSld name="Title, 2 Content and Content">
     <p:spTree>
       <p:nvGrpSpPr>
@@ -3439,12 +3961,13 @@
           </a:prstGeom>
         </p:spPr>
         <p:txBody>
-          <a:bodyPr lIns="0" rIns="0" tIns="0" bIns="0" anchor="ctr">
+          <a:bodyPr lIns="0" tIns="0" rIns="0" bIns="0" anchor="ctr">
             <a:noAutofit/>
           </a:bodyPr>
+          <a:lstStyle/>
           <a:p>
             <a:pPr algn="ctr"/>
-            <a:endParaRPr b="0" lang="pt-BR" sz="4400" spc="-1" strike="noStrike">
+            <a:endParaRPr lang="pt-BR" sz="4400" b="0" strike="noStrike" spc="-1">
               <a:latin typeface="Arial"/>
             </a:endParaRPr>
           </a:p>
@@ -3470,11 +3993,12 @@
           </a:prstGeom>
         </p:spPr>
         <p:txBody>
-          <a:bodyPr lIns="0" rIns="0" tIns="0" bIns="0">
+          <a:bodyPr lIns="0" tIns="0" rIns="0" bIns="0">
             <a:normAutofit/>
           </a:bodyPr>
-          <a:p>
-            <a:endParaRPr b="0" lang="pt-BR" sz="3200" spc="-1" strike="noStrike">
+          <a:lstStyle/>
+          <a:p>
+            <a:endParaRPr lang="pt-BR" sz="3200" b="0" strike="noStrike" spc="-1">
               <a:latin typeface="Arial"/>
             </a:endParaRPr>
           </a:p>
@@ -3500,11 +4024,12 @@
           </a:prstGeom>
         </p:spPr>
         <p:txBody>
-          <a:bodyPr lIns="0" rIns="0" tIns="0" bIns="0">
+          <a:bodyPr lIns="0" tIns="0" rIns="0" bIns="0">
             <a:normAutofit/>
           </a:bodyPr>
-          <a:p>
-            <a:endParaRPr b="0" lang="pt-BR" sz="3200" spc="-1" strike="noStrike">
+          <a:lstStyle/>
+          <a:p>
+            <a:endParaRPr lang="pt-BR" sz="3200" b="0" strike="noStrike" spc="-1">
               <a:latin typeface="Arial"/>
             </a:endParaRPr>
           </a:p>
@@ -3530,11 +4055,12 @@
           </a:prstGeom>
         </p:spPr>
         <p:txBody>
-          <a:bodyPr lIns="0" rIns="0" tIns="0" bIns="0">
+          <a:bodyPr lIns="0" tIns="0" rIns="0" bIns="0">
             <a:normAutofit/>
           </a:bodyPr>
-          <a:p>
-            <a:endParaRPr b="0" lang="pt-BR" sz="3200" spc="-1" strike="noStrike">
+          <a:lstStyle/>
+          <a:p>
+            <a:endParaRPr lang="pt-BR" sz="3200" b="0" strike="noStrike" spc="-1">
               <a:latin typeface="Arial"/>
             </a:endParaRPr>
           </a:p>
@@ -3542,11 +4068,14 @@
       </p:sp>
     </p:spTree>
   </p:cSld>
+  <p:clrMapOvr>
+    <a:masterClrMapping/>
+  </p:clrMapOvr>
 </p:sldLayout>
 </file>
 
 <file path=ppt/slideLayouts/slideLayout8.xml><?xml version="1.0" encoding="utf-8"?>
-<p:sldLayout xmlns:a="http://schemas.openxmlformats.org/drawingml/2006/main" xmlns:p="http://schemas.openxmlformats.org/presentationml/2006/main" xmlns:r="http://schemas.openxmlformats.org/officeDocument/2006/relationships" xmlns:p14="http://schemas.microsoft.com/office/powerpoint/2010/main" xmlns:p15="http://schemas.microsoft.com/office/powerpoint/2012/main" xmlns:mc="http://schemas.openxmlformats.org/markup-compatibility/2006" type="objAndTwoObj" preserve="1">
+<p:sldLayout xmlns:a="http://schemas.openxmlformats.org/drawingml/2006/main" xmlns:r="http://schemas.openxmlformats.org/officeDocument/2006/relationships" xmlns:p="http://schemas.openxmlformats.org/presentationml/2006/main" type="objAndTwoObj" preserve="1">
   <p:cSld name="Title Content and 2 Content">
     <p:spTree>
       <p:nvGrpSpPr>
@@ -3582,12 +4111,13 @@
           </a:prstGeom>
         </p:spPr>
         <p:txBody>
-          <a:bodyPr lIns="0" rIns="0" tIns="0" bIns="0" anchor="ctr">
+          <a:bodyPr lIns="0" tIns="0" rIns="0" bIns="0" anchor="ctr">
             <a:noAutofit/>
           </a:bodyPr>
+          <a:lstStyle/>
           <a:p>
             <a:pPr algn="ctr"/>
-            <a:endParaRPr b="0" lang="pt-BR" sz="4400" spc="-1" strike="noStrike">
+            <a:endParaRPr lang="pt-BR" sz="4400" b="0" strike="noStrike" spc="-1">
               <a:latin typeface="Arial"/>
             </a:endParaRPr>
           </a:p>
@@ -3613,11 +4143,12 @@
           </a:prstGeom>
         </p:spPr>
         <p:txBody>
-          <a:bodyPr lIns="0" rIns="0" tIns="0" bIns="0">
+          <a:bodyPr lIns="0" tIns="0" rIns="0" bIns="0">
             <a:normAutofit/>
           </a:bodyPr>
-          <a:p>
-            <a:endParaRPr b="0" lang="pt-BR" sz="3200" spc="-1" strike="noStrike">
+          <a:lstStyle/>
+          <a:p>
+            <a:endParaRPr lang="pt-BR" sz="3200" b="0" strike="noStrike" spc="-1">
               <a:latin typeface="Arial"/>
             </a:endParaRPr>
           </a:p>
@@ -3643,11 +4174,12 @@
           </a:prstGeom>
         </p:spPr>
         <p:txBody>
-          <a:bodyPr lIns="0" rIns="0" tIns="0" bIns="0">
+          <a:bodyPr lIns="0" tIns="0" rIns="0" bIns="0">
             <a:normAutofit/>
           </a:bodyPr>
-          <a:p>
-            <a:endParaRPr b="0" lang="pt-BR" sz="3200" spc="-1" strike="noStrike">
+          <a:lstStyle/>
+          <a:p>
+            <a:endParaRPr lang="pt-BR" sz="3200" b="0" strike="noStrike" spc="-1">
               <a:latin typeface="Arial"/>
             </a:endParaRPr>
           </a:p>
@@ -3673,11 +4205,12 @@
           </a:prstGeom>
         </p:spPr>
         <p:txBody>
-          <a:bodyPr lIns="0" rIns="0" tIns="0" bIns="0">
+          <a:bodyPr lIns="0" tIns="0" rIns="0" bIns="0">
             <a:normAutofit/>
           </a:bodyPr>
-          <a:p>
-            <a:endParaRPr b="0" lang="pt-BR" sz="3200" spc="-1" strike="noStrike">
+          <a:lstStyle/>
+          <a:p>
+            <a:endParaRPr lang="pt-BR" sz="3200" b="0" strike="noStrike" spc="-1">
               <a:latin typeface="Arial"/>
             </a:endParaRPr>
           </a:p>
@@ -3685,11 +4218,14 @@
       </p:sp>
     </p:spTree>
   </p:cSld>
+  <p:clrMapOvr>
+    <a:masterClrMapping/>
+  </p:clrMapOvr>
 </p:sldLayout>
 </file>
 
 <file path=ppt/slideLayouts/slideLayout9.xml><?xml version="1.0" encoding="utf-8"?>
-<p:sldLayout xmlns:a="http://schemas.openxmlformats.org/drawingml/2006/main" xmlns:p="http://schemas.openxmlformats.org/presentationml/2006/main" xmlns:r="http://schemas.openxmlformats.org/officeDocument/2006/relationships" xmlns:p14="http://schemas.microsoft.com/office/powerpoint/2010/main" xmlns:p15="http://schemas.microsoft.com/office/powerpoint/2012/main" xmlns:mc="http://schemas.openxmlformats.org/markup-compatibility/2006" type="twoObjOverTx" preserve="1">
+<p:sldLayout xmlns:a="http://schemas.openxmlformats.org/drawingml/2006/main" xmlns:r="http://schemas.openxmlformats.org/officeDocument/2006/relationships" xmlns:p="http://schemas.openxmlformats.org/presentationml/2006/main" type="twoObjOverTx" preserve="1">
   <p:cSld name="Title, 2 Content over Content">
     <p:spTree>
       <p:nvGrpSpPr>
@@ -3725,12 +4261,13 @@
           </a:prstGeom>
         </p:spPr>
         <p:txBody>
-          <a:bodyPr lIns="0" rIns="0" tIns="0" bIns="0" anchor="ctr">
+          <a:bodyPr lIns="0" tIns="0" rIns="0" bIns="0" anchor="ctr">
             <a:noAutofit/>
           </a:bodyPr>
+          <a:lstStyle/>
           <a:p>
             <a:pPr algn="ctr"/>
-            <a:endParaRPr b="0" lang="pt-BR" sz="4400" spc="-1" strike="noStrike">
+            <a:endParaRPr lang="pt-BR" sz="4400" b="0" strike="noStrike" spc="-1">
               <a:latin typeface="Arial"/>
             </a:endParaRPr>
           </a:p>
@@ -3756,11 +4293,12 @@
           </a:prstGeom>
         </p:spPr>
         <p:txBody>
-          <a:bodyPr lIns="0" rIns="0" tIns="0" bIns="0">
+          <a:bodyPr lIns="0" tIns="0" rIns="0" bIns="0">
             <a:normAutofit/>
           </a:bodyPr>
-          <a:p>
-            <a:endParaRPr b="0" lang="pt-BR" sz="3200" spc="-1" strike="noStrike">
+          <a:lstStyle/>
+          <a:p>
+            <a:endParaRPr lang="pt-BR" sz="3200" b="0" strike="noStrike" spc="-1">
               <a:latin typeface="Arial"/>
             </a:endParaRPr>
           </a:p>
@@ -3786,11 +4324,12 @@
           </a:prstGeom>
         </p:spPr>
         <p:txBody>
-          <a:bodyPr lIns="0" rIns="0" tIns="0" bIns="0">
+          <a:bodyPr lIns="0" tIns="0" rIns="0" bIns="0">
             <a:normAutofit/>
           </a:bodyPr>
-          <a:p>
-            <a:endParaRPr b="0" lang="pt-BR" sz="3200" spc="-1" strike="noStrike">
+          <a:lstStyle/>
+          <a:p>
+            <a:endParaRPr lang="pt-BR" sz="3200" b="0" strike="noStrike" spc="-1">
               <a:latin typeface="Arial"/>
             </a:endParaRPr>
           </a:p>
@@ -3816,11 +4355,12 @@
           </a:prstGeom>
         </p:spPr>
         <p:txBody>
-          <a:bodyPr lIns="0" rIns="0" tIns="0" bIns="0">
+          <a:bodyPr lIns="0" tIns="0" rIns="0" bIns="0">
             <a:normAutofit/>
           </a:bodyPr>
-          <a:p>
-            <a:endParaRPr b="0" lang="pt-BR" sz="3200" spc="-1" strike="noStrike">
+          <a:lstStyle/>
+          <a:p>
+            <a:endParaRPr lang="pt-BR" sz="3200" b="0" strike="noStrike" spc="-1">
               <a:latin typeface="Arial"/>
             </a:endParaRPr>
           </a:p>
@@ -3828,20 +4368,24 @@
       </p:sp>
     </p:spTree>
   </p:cSld>
+  <p:clrMapOvr>
+    <a:masterClrMapping/>
+  </p:clrMapOvr>
 </p:sldLayout>
 </file>
 
 <file path=ppt/slideMasters/slideMaster1.xml><?xml version="1.0" encoding="utf-8"?>
-<p:sldMaster xmlns:a="http://schemas.openxmlformats.org/drawingml/2006/main" xmlns:p="http://schemas.openxmlformats.org/presentationml/2006/main" xmlns:r="http://schemas.openxmlformats.org/officeDocument/2006/relationships" xmlns:p14="http://schemas.microsoft.com/office/powerpoint/2010/main" xmlns:p15="http://schemas.microsoft.com/office/powerpoint/2012/main" xmlns:mc="http://schemas.openxmlformats.org/markup-compatibility/2006">
+<p:sldMaster xmlns:a="http://schemas.openxmlformats.org/drawingml/2006/main" xmlns:r="http://schemas.openxmlformats.org/officeDocument/2006/relationships" xmlns:p="http://schemas.openxmlformats.org/presentationml/2006/main">
   <p:cSld>
     <p:bg>
       <p:bgPr>
         <a:blipFill rotWithShape="0">
-          <a:blip r:embed="rId2"/>
+          <a:blip r:embed="rId14"/>
           <a:stretch>
             <a:fillRect/>
           </a:stretch>
         </a:blipFill>
+        <a:effectLst/>
       </p:bgPr>
     </p:bg>
     <p:spTree>
@@ -3860,7 +4404,7 @@
       </p:grpSpPr>
       <p:sp>
         <p:nvSpPr>
-          <p:cNvPr id="0" name="PlaceHolder 1"/>
+          <p:cNvPr id="2" name="PlaceHolder 1"/>
           <p:cNvSpPr>
             <a:spLocks noGrp="1"/>
           </p:cNvSpPr>
@@ -3878,26 +4422,24 @@
           </a:prstGeom>
         </p:spPr>
         <p:txBody>
-          <a:bodyPr lIns="0" rIns="0" tIns="0" bIns="0" anchor="ctr">
+          <a:bodyPr lIns="0" tIns="0" rIns="0" bIns="0" anchor="ctr">
             <a:noAutofit/>
           </a:bodyPr>
+          <a:lstStyle/>
           <a:p>
             <a:pPr algn="ctr"/>
             <a:r>
-              <a:rPr b="0" lang="pt-BR" sz="4400" spc="-1" strike="noStrike">
+              <a:rPr lang="pt-BR" sz="4400" b="0" strike="noStrike" spc="-1">
                 <a:latin typeface="Arial"/>
               </a:rPr>
               <a:t>Click to edit the title text format</a:t>
             </a:r>
-            <a:endParaRPr b="0" lang="pt-BR" sz="4400" spc="-1" strike="noStrike">
-              <a:latin typeface="Arial"/>
-            </a:endParaRPr>
-          </a:p>
-        </p:txBody>
-      </p:sp>
-      <p:sp>
-        <p:nvSpPr>
-          <p:cNvPr id="1" name="PlaceHolder 2"/>
+          </a:p>
+        </p:txBody>
+      </p:sp>
+      <p:sp>
+        <p:nvSpPr>
+          <p:cNvPr id="3" name="PlaceHolder 2"/>
           <p:cNvSpPr>
             <a:spLocks noGrp="1"/>
           </p:cNvSpPr>
@@ -3915,9 +4457,10 @@
           </a:prstGeom>
         </p:spPr>
         <p:txBody>
-          <a:bodyPr lIns="0" rIns="0" tIns="0" bIns="0">
+          <a:bodyPr lIns="0" tIns="0" rIns="0" bIns="0">
             <a:normAutofit/>
           </a:bodyPr>
+          <a:lstStyle/>
           <a:p>
             <a:pPr marL="432000" indent="-324000">
               <a:spcBef>
@@ -3931,17 +4474,14 @@
               <a:buChar char=""/>
             </a:pPr>
             <a:r>
-              <a:rPr b="0" lang="pt-BR" sz="3200" spc="-1" strike="noStrike">
+              <a:rPr lang="pt-BR" sz="3200" b="0" strike="noStrike" spc="-1">
                 <a:latin typeface="Arial"/>
               </a:rPr>
               <a:t>Click to edit the outline text format</a:t>
             </a:r>
-            <a:endParaRPr b="0" lang="pt-BR" sz="3200" spc="-1" strike="noStrike">
-              <a:latin typeface="Arial"/>
-            </a:endParaRPr>
-          </a:p>
-          <a:p>
-            <a:pPr lvl="1" marL="864000" indent="-324000">
+          </a:p>
+          <a:p>
+            <a:pPr marL="864000" lvl="1" indent="-324000">
               <a:spcBef>
                 <a:spcPts val="1134"/>
               </a:spcBef>
@@ -3953,17 +4493,14 @@
               <a:buChar char=""/>
             </a:pPr>
             <a:r>
-              <a:rPr b="0" lang="pt-BR" sz="2800" spc="-1" strike="noStrike">
+              <a:rPr lang="pt-BR" sz="2800" b="0" strike="noStrike" spc="-1">
                 <a:latin typeface="Arial"/>
               </a:rPr>
               <a:t>Second Outline Level</a:t>
             </a:r>
-            <a:endParaRPr b="0" lang="pt-BR" sz="2800" spc="-1" strike="noStrike">
-              <a:latin typeface="Arial"/>
-            </a:endParaRPr>
-          </a:p>
-          <a:p>
-            <a:pPr lvl="2" marL="1296000" indent="-288000">
+          </a:p>
+          <a:p>
+            <a:pPr marL="1296000" lvl="2" indent="-288000">
               <a:spcBef>
                 <a:spcPts val="850"/>
               </a:spcBef>
@@ -3975,17 +4512,14 @@
               <a:buChar char=""/>
             </a:pPr>
             <a:r>
-              <a:rPr b="0" lang="pt-BR" sz="2400" spc="-1" strike="noStrike">
+              <a:rPr lang="pt-BR" sz="2400" b="0" strike="noStrike" spc="-1">
                 <a:latin typeface="Arial"/>
               </a:rPr>
               <a:t>Third Outline Level</a:t>
             </a:r>
-            <a:endParaRPr b="0" lang="pt-BR" sz="2400" spc="-1" strike="noStrike">
-              <a:latin typeface="Arial"/>
-            </a:endParaRPr>
-          </a:p>
-          <a:p>
-            <a:pPr lvl="3" marL="1728000" indent="-216000">
+          </a:p>
+          <a:p>
+            <a:pPr marL="1728000" lvl="3" indent="-216000">
               <a:spcBef>
                 <a:spcPts val="567"/>
               </a:spcBef>
@@ -3997,17 +4531,14 @@
               <a:buChar char=""/>
             </a:pPr>
             <a:r>
-              <a:rPr b="0" lang="pt-BR" sz="2000" spc="-1" strike="noStrike">
+              <a:rPr lang="pt-BR" sz="2000" b="0" strike="noStrike" spc="-1">
                 <a:latin typeface="Arial"/>
               </a:rPr>
               <a:t>Fourth Outline Level</a:t>
             </a:r>
-            <a:endParaRPr b="0" lang="pt-BR" sz="2000" spc="-1" strike="noStrike">
-              <a:latin typeface="Arial"/>
-            </a:endParaRPr>
-          </a:p>
-          <a:p>
-            <a:pPr lvl="4" marL="2160000" indent="-216000">
+          </a:p>
+          <a:p>
+            <a:pPr marL="2160000" lvl="4" indent="-216000">
               <a:spcBef>
                 <a:spcPts val="283"/>
               </a:spcBef>
@@ -4019,17 +4550,14 @@
               <a:buChar char=""/>
             </a:pPr>
             <a:r>
-              <a:rPr b="0" lang="pt-BR" sz="2000" spc="-1" strike="noStrike">
+              <a:rPr lang="pt-BR" sz="2000" b="0" strike="noStrike" spc="-1">
                 <a:latin typeface="Arial"/>
               </a:rPr>
               <a:t>Fifth Outline Level</a:t>
             </a:r>
-            <a:endParaRPr b="0" lang="pt-BR" sz="2000" spc="-1" strike="noStrike">
-              <a:latin typeface="Arial"/>
-            </a:endParaRPr>
-          </a:p>
-          <a:p>
-            <a:pPr lvl="5" marL="2592000" indent="-216000">
+          </a:p>
+          <a:p>
+            <a:pPr marL="2592000" lvl="5" indent="-216000">
               <a:spcBef>
                 <a:spcPts val="283"/>
               </a:spcBef>
@@ -4041,17 +4569,14 @@
               <a:buChar char=""/>
             </a:pPr>
             <a:r>
-              <a:rPr b="0" lang="pt-BR" sz="2000" spc="-1" strike="noStrike">
+              <a:rPr lang="pt-BR" sz="2000" b="0" strike="noStrike" spc="-1">
                 <a:latin typeface="Arial"/>
               </a:rPr>
               <a:t>Sixth Outline Level</a:t>
             </a:r>
-            <a:endParaRPr b="0" lang="pt-BR" sz="2000" spc="-1" strike="noStrike">
-              <a:latin typeface="Arial"/>
-            </a:endParaRPr>
-          </a:p>
-          <a:p>
-            <a:pPr lvl="6" marL="3024000" indent="-216000">
+          </a:p>
+          <a:p>
+            <a:pPr marL="3024000" lvl="6" indent="-216000">
               <a:spcBef>
                 <a:spcPts val="283"/>
               </a:spcBef>
@@ -4063,48 +4588,326 @@
               <a:buChar char=""/>
             </a:pPr>
             <a:r>
-              <a:rPr b="0" lang="pt-BR" sz="2000" spc="-1" strike="noStrike">
+              <a:rPr lang="pt-BR" sz="2000" b="0" strike="noStrike" spc="-1">
                 <a:latin typeface="Arial"/>
               </a:rPr>
               <a:t>Seventh Outline Level</a:t>
             </a:r>
-            <a:endParaRPr b="0" lang="pt-BR" sz="2000" spc="-1" strike="noStrike">
-              <a:latin typeface="Arial"/>
-            </a:endParaRPr>
           </a:p>
         </p:txBody>
       </p:sp>
     </p:spTree>
   </p:cSld>
-  <p:clrMap bg1="lt1" bg2="lt2" tx1="dk1" tx2="dk2" accent1="accent1" accent2="accent2" accent3="accent3" accent4="accent4" accent5="accent5" accent6="accent6" hlink="hlink" folHlink="folHlink"/>
+  <p:clrMap bg1="lt1" tx1="dk1" bg2="lt2" tx2="dk2" accent1="accent1" accent2="accent2" accent3="accent3" accent4="accent4" accent5="accent5" accent6="accent6" hlink="hlink" folHlink="folHlink"/>
   <p:sldLayoutIdLst>
-    <p:sldLayoutId id="2147483649" r:id="rId3"/>
-    <p:sldLayoutId id="2147483650" r:id="rId4"/>
-    <p:sldLayoutId id="2147483651" r:id="rId5"/>
-    <p:sldLayoutId id="2147483652" r:id="rId6"/>
-    <p:sldLayoutId id="2147483653" r:id="rId7"/>
-    <p:sldLayoutId id="2147483654" r:id="rId8"/>
-    <p:sldLayoutId id="2147483655" r:id="rId9"/>
-    <p:sldLayoutId id="2147483656" r:id="rId10"/>
-    <p:sldLayoutId id="2147483657" r:id="rId11"/>
-    <p:sldLayoutId id="2147483658" r:id="rId12"/>
-    <p:sldLayoutId id="2147483659" r:id="rId13"/>
-    <p:sldLayoutId id="2147483660" r:id="rId14"/>
+    <p:sldLayoutId id="2147483649" r:id="rId1"/>
+    <p:sldLayoutId id="2147483650" r:id="rId2"/>
+    <p:sldLayoutId id="2147483651" r:id="rId3"/>
+    <p:sldLayoutId id="2147483652" r:id="rId4"/>
+    <p:sldLayoutId id="2147483653" r:id="rId5"/>
+    <p:sldLayoutId id="2147483654" r:id="rId6"/>
+    <p:sldLayoutId id="2147483655" r:id="rId7"/>
+    <p:sldLayoutId id="2147483656" r:id="rId8"/>
+    <p:sldLayoutId id="2147483657" r:id="rId9"/>
+    <p:sldLayoutId id="2147483658" r:id="rId10"/>
+    <p:sldLayoutId id="2147483659" r:id="rId11"/>
+    <p:sldLayoutId id="2147483660" r:id="rId12"/>
   </p:sldLayoutIdLst>
+  <p:txStyles>
+    <p:titleStyle>
+      <a:lvl1pPr algn="l" defTabSz="914400" rtl="0" eaLnBrk="1" latinLnBrk="0" hangingPunct="1">
+        <a:lnSpc>
+          <a:spcPct val="90000"/>
+        </a:lnSpc>
+        <a:spcBef>
+          <a:spcPct val="0"/>
+        </a:spcBef>
+        <a:buNone/>
+        <a:defRPr sz="4400" kern="1200">
+          <a:solidFill>
+            <a:schemeClr val="tx1"/>
+          </a:solidFill>
+          <a:latin typeface="+mj-lt"/>
+          <a:ea typeface="+mj-ea"/>
+          <a:cs typeface="+mj-cs"/>
+        </a:defRPr>
+      </a:lvl1pPr>
+    </p:titleStyle>
+    <p:bodyStyle>
+      <a:lvl1pPr marL="228600" indent="-228600" algn="l" defTabSz="914400" rtl="0" eaLnBrk="1" latinLnBrk="0" hangingPunct="1">
+        <a:lnSpc>
+          <a:spcPct val="90000"/>
+        </a:lnSpc>
+        <a:spcBef>
+          <a:spcPts val="1000"/>
+        </a:spcBef>
+        <a:buFont typeface="Arial" panose="020B0604020202020204" pitchFamily="34" charset="0"/>
+        <a:buChar char="•"/>
+        <a:defRPr sz="2800" kern="1200">
+          <a:solidFill>
+            <a:schemeClr val="tx1"/>
+          </a:solidFill>
+          <a:latin typeface="+mn-lt"/>
+          <a:ea typeface="+mn-ea"/>
+          <a:cs typeface="+mn-cs"/>
+        </a:defRPr>
+      </a:lvl1pPr>
+      <a:lvl2pPr marL="685800" indent="-228600" algn="l" defTabSz="914400" rtl="0" eaLnBrk="1" latinLnBrk="0" hangingPunct="1">
+        <a:lnSpc>
+          <a:spcPct val="90000"/>
+        </a:lnSpc>
+        <a:spcBef>
+          <a:spcPts val="500"/>
+        </a:spcBef>
+        <a:buFont typeface="Arial" panose="020B0604020202020204" pitchFamily="34" charset="0"/>
+        <a:buChar char="•"/>
+        <a:defRPr sz="2400" kern="1200">
+          <a:solidFill>
+            <a:schemeClr val="tx1"/>
+          </a:solidFill>
+          <a:latin typeface="+mn-lt"/>
+          <a:ea typeface="+mn-ea"/>
+          <a:cs typeface="+mn-cs"/>
+        </a:defRPr>
+      </a:lvl2pPr>
+      <a:lvl3pPr marL="1143000" indent="-228600" algn="l" defTabSz="914400" rtl="0" eaLnBrk="1" latinLnBrk="0" hangingPunct="1">
+        <a:lnSpc>
+          <a:spcPct val="90000"/>
+        </a:lnSpc>
+        <a:spcBef>
+          <a:spcPts val="500"/>
+        </a:spcBef>
+        <a:buFont typeface="Arial" panose="020B0604020202020204" pitchFamily="34" charset="0"/>
+        <a:buChar char="•"/>
+        <a:defRPr sz="2000" kern="1200">
+          <a:solidFill>
+            <a:schemeClr val="tx1"/>
+          </a:solidFill>
+          <a:latin typeface="+mn-lt"/>
+          <a:ea typeface="+mn-ea"/>
+          <a:cs typeface="+mn-cs"/>
+        </a:defRPr>
+      </a:lvl3pPr>
+      <a:lvl4pPr marL="1600200" indent="-228600" algn="l" defTabSz="914400" rtl="0" eaLnBrk="1" latinLnBrk="0" hangingPunct="1">
+        <a:lnSpc>
+          <a:spcPct val="90000"/>
+        </a:lnSpc>
+        <a:spcBef>
+          <a:spcPts val="500"/>
+        </a:spcBef>
+        <a:buFont typeface="Arial" panose="020B0604020202020204" pitchFamily="34" charset="0"/>
+        <a:buChar char="•"/>
+        <a:defRPr sz="1800" kern="1200">
+          <a:solidFill>
+            <a:schemeClr val="tx1"/>
+          </a:solidFill>
+          <a:latin typeface="+mn-lt"/>
+          <a:ea typeface="+mn-ea"/>
+          <a:cs typeface="+mn-cs"/>
+        </a:defRPr>
+      </a:lvl4pPr>
+      <a:lvl5pPr marL="2057400" indent="-228600" algn="l" defTabSz="914400" rtl="0" eaLnBrk="1" latinLnBrk="0" hangingPunct="1">
+        <a:lnSpc>
+          <a:spcPct val="90000"/>
+        </a:lnSpc>
+        <a:spcBef>
+          <a:spcPts val="500"/>
+        </a:spcBef>
+        <a:buFont typeface="Arial" panose="020B0604020202020204" pitchFamily="34" charset="0"/>
+        <a:buChar char="•"/>
+        <a:defRPr sz="1800" kern="1200">
+          <a:solidFill>
+            <a:schemeClr val="tx1"/>
+          </a:solidFill>
+          <a:latin typeface="+mn-lt"/>
+          <a:ea typeface="+mn-ea"/>
+          <a:cs typeface="+mn-cs"/>
+        </a:defRPr>
+      </a:lvl5pPr>
+      <a:lvl6pPr marL="2514600" indent="-228600" algn="l" defTabSz="914400" rtl="0" eaLnBrk="1" latinLnBrk="0" hangingPunct="1">
+        <a:lnSpc>
+          <a:spcPct val="90000"/>
+        </a:lnSpc>
+        <a:spcBef>
+          <a:spcPts val="500"/>
+        </a:spcBef>
+        <a:buFont typeface="Arial" panose="020B0604020202020204" pitchFamily="34" charset="0"/>
+        <a:buChar char="•"/>
+        <a:defRPr sz="1800" kern="1200">
+          <a:solidFill>
+            <a:schemeClr val="tx1"/>
+          </a:solidFill>
+          <a:latin typeface="+mn-lt"/>
+          <a:ea typeface="+mn-ea"/>
+          <a:cs typeface="+mn-cs"/>
+        </a:defRPr>
+      </a:lvl6pPr>
+      <a:lvl7pPr marL="2971800" indent="-228600" algn="l" defTabSz="914400" rtl="0" eaLnBrk="1" latinLnBrk="0" hangingPunct="1">
+        <a:lnSpc>
+          <a:spcPct val="90000"/>
+        </a:lnSpc>
+        <a:spcBef>
+          <a:spcPts val="500"/>
+        </a:spcBef>
+        <a:buFont typeface="Arial" panose="020B0604020202020204" pitchFamily="34" charset="0"/>
+        <a:buChar char="•"/>
+        <a:defRPr sz="1800" kern="1200">
+          <a:solidFill>
+            <a:schemeClr val="tx1"/>
+          </a:solidFill>
+          <a:latin typeface="+mn-lt"/>
+          <a:ea typeface="+mn-ea"/>
+          <a:cs typeface="+mn-cs"/>
+        </a:defRPr>
+      </a:lvl7pPr>
+      <a:lvl8pPr marL="3429000" indent="-228600" algn="l" defTabSz="914400" rtl="0" eaLnBrk="1" latinLnBrk="0" hangingPunct="1">
+        <a:lnSpc>
+          <a:spcPct val="90000"/>
+        </a:lnSpc>
+        <a:spcBef>
+          <a:spcPts val="500"/>
+        </a:spcBef>
+        <a:buFont typeface="Arial" panose="020B0604020202020204" pitchFamily="34" charset="0"/>
+        <a:buChar char="•"/>
+        <a:defRPr sz="1800" kern="1200">
+          <a:solidFill>
+            <a:schemeClr val="tx1"/>
+          </a:solidFill>
+          <a:latin typeface="+mn-lt"/>
+          <a:ea typeface="+mn-ea"/>
+          <a:cs typeface="+mn-cs"/>
+        </a:defRPr>
+      </a:lvl8pPr>
+      <a:lvl9pPr marL="3886200" indent="-228600" algn="l" defTabSz="914400" rtl="0" eaLnBrk="1" latinLnBrk="0" hangingPunct="1">
+        <a:lnSpc>
+          <a:spcPct val="90000"/>
+        </a:lnSpc>
+        <a:spcBef>
+          <a:spcPts val="500"/>
+        </a:spcBef>
+        <a:buFont typeface="Arial" panose="020B0604020202020204" pitchFamily="34" charset="0"/>
+        <a:buChar char="•"/>
+        <a:defRPr sz="1800" kern="1200">
+          <a:solidFill>
+            <a:schemeClr val="tx1"/>
+          </a:solidFill>
+          <a:latin typeface="+mn-lt"/>
+          <a:ea typeface="+mn-ea"/>
+          <a:cs typeface="+mn-cs"/>
+        </a:defRPr>
+      </a:lvl9pPr>
+    </p:bodyStyle>
+    <p:otherStyle>
+      <a:defPPr>
+        <a:defRPr lang="pt-BR"/>
+      </a:defPPr>
+      <a:lvl1pPr marL="0" algn="l" defTabSz="914400" rtl="0" eaLnBrk="1" latinLnBrk="0" hangingPunct="1">
+        <a:defRPr sz="1800" kern="1200">
+          <a:solidFill>
+            <a:schemeClr val="tx1"/>
+          </a:solidFill>
+          <a:latin typeface="+mn-lt"/>
+          <a:ea typeface="+mn-ea"/>
+          <a:cs typeface="+mn-cs"/>
+        </a:defRPr>
+      </a:lvl1pPr>
+      <a:lvl2pPr marL="457200" algn="l" defTabSz="914400" rtl="0" eaLnBrk="1" latinLnBrk="0" hangingPunct="1">
+        <a:defRPr sz="1800" kern="1200">
+          <a:solidFill>
+            <a:schemeClr val="tx1"/>
+          </a:solidFill>
+          <a:latin typeface="+mn-lt"/>
+          <a:ea typeface="+mn-ea"/>
+          <a:cs typeface="+mn-cs"/>
+        </a:defRPr>
+      </a:lvl2pPr>
+      <a:lvl3pPr marL="914400" algn="l" defTabSz="914400" rtl="0" eaLnBrk="1" latinLnBrk="0" hangingPunct="1">
+        <a:defRPr sz="1800" kern="1200">
+          <a:solidFill>
+            <a:schemeClr val="tx1"/>
+          </a:solidFill>
+          <a:latin typeface="+mn-lt"/>
+          <a:ea typeface="+mn-ea"/>
+          <a:cs typeface="+mn-cs"/>
+        </a:defRPr>
+      </a:lvl3pPr>
+      <a:lvl4pPr marL="1371600" algn="l" defTabSz="914400" rtl="0" eaLnBrk="1" latinLnBrk="0" hangingPunct="1">
+        <a:defRPr sz="1800" kern="1200">
+          <a:solidFill>
+            <a:schemeClr val="tx1"/>
+          </a:solidFill>
+          <a:latin typeface="+mn-lt"/>
+          <a:ea typeface="+mn-ea"/>
+          <a:cs typeface="+mn-cs"/>
+        </a:defRPr>
+      </a:lvl4pPr>
+      <a:lvl5pPr marL="1828800" algn="l" defTabSz="914400" rtl="0" eaLnBrk="1" latinLnBrk="0" hangingPunct="1">
+        <a:defRPr sz="1800" kern="1200">
+          <a:solidFill>
+            <a:schemeClr val="tx1"/>
+          </a:solidFill>
+          <a:latin typeface="+mn-lt"/>
+          <a:ea typeface="+mn-ea"/>
+          <a:cs typeface="+mn-cs"/>
+        </a:defRPr>
+      </a:lvl5pPr>
+      <a:lvl6pPr marL="2286000" algn="l" defTabSz="914400" rtl="0" eaLnBrk="1" latinLnBrk="0" hangingPunct="1">
+        <a:defRPr sz="1800" kern="1200">
+          <a:solidFill>
+            <a:schemeClr val="tx1"/>
+          </a:solidFill>
+          <a:latin typeface="+mn-lt"/>
+          <a:ea typeface="+mn-ea"/>
+          <a:cs typeface="+mn-cs"/>
+        </a:defRPr>
+      </a:lvl6pPr>
+      <a:lvl7pPr marL="2743200" algn="l" defTabSz="914400" rtl="0" eaLnBrk="1" latinLnBrk="0" hangingPunct="1">
+        <a:defRPr sz="1800" kern="1200">
+          <a:solidFill>
+            <a:schemeClr val="tx1"/>
+          </a:solidFill>
+          <a:latin typeface="+mn-lt"/>
+          <a:ea typeface="+mn-ea"/>
+          <a:cs typeface="+mn-cs"/>
+        </a:defRPr>
+      </a:lvl7pPr>
+      <a:lvl8pPr marL="3200400" algn="l" defTabSz="914400" rtl="0" eaLnBrk="1" latinLnBrk="0" hangingPunct="1">
+        <a:defRPr sz="1800" kern="1200">
+          <a:solidFill>
+            <a:schemeClr val="tx1"/>
+          </a:solidFill>
+          <a:latin typeface="+mn-lt"/>
+          <a:ea typeface="+mn-ea"/>
+          <a:cs typeface="+mn-cs"/>
+        </a:defRPr>
+      </a:lvl8pPr>
+      <a:lvl9pPr marL="3657600" algn="l" defTabSz="914400" rtl="0" eaLnBrk="1" latinLnBrk="0" hangingPunct="1">
+        <a:defRPr sz="1800" kern="1200">
+          <a:solidFill>
+            <a:schemeClr val="tx1"/>
+          </a:solidFill>
+          <a:latin typeface="+mn-lt"/>
+          <a:ea typeface="+mn-ea"/>
+          <a:cs typeface="+mn-cs"/>
+        </a:defRPr>
+      </a:lvl9pPr>
+    </p:otherStyle>
+  </p:txStyles>
 </p:sldMaster>
 </file>
 
 <file path=ppt/slideMasters/slideMaster2.xml><?xml version="1.0" encoding="utf-8"?>
-<p:sldMaster xmlns:a="http://schemas.openxmlformats.org/drawingml/2006/main" xmlns:p="http://schemas.openxmlformats.org/presentationml/2006/main" xmlns:r="http://schemas.openxmlformats.org/officeDocument/2006/relationships" xmlns:p14="http://schemas.microsoft.com/office/powerpoint/2010/main" xmlns:p15="http://schemas.microsoft.com/office/powerpoint/2012/main" xmlns:mc="http://schemas.openxmlformats.org/markup-compatibility/2006">
+<p:sldMaster xmlns:a="http://schemas.openxmlformats.org/drawingml/2006/main" xmlns:r="http://schemas.openxmlformats.org/officeDocument/2006/relationships" xmlns:p="http://schemas.openxmlformats.org/presentationml/2006/main">
   <p:cSld>
     <p:bg>
       <p:bgPr>
         <a:blipFill rotWithShape="0">
-          <a:blip r:embed="rId2"/>
+          <a:blip r:embed="rId14"/>
           <a:stretch>
             <a:fillRect/>
           </a:stretch>
         </a:blipFill>
+        <a:effectLst/>
       </p:bgPr>
     </p:bg>
     <p:spTree>
@@ -4141,20 +4944,18 @@
           </a:prstGeom>
         </p:spPr>
         <p:txBody>
-          <a:bodyPr lIns="0" rIns="0" tIns="0" bIns="0" anchor="ctr">
+          <a:bodyPr lIns="0" tIns="0" rIns="0" bIns="0" anchor="ctr">
             <a:noAutofit/>
           </a:bodyPr>
+          <a:lstStyle/>
           <a:p>
             <a:pPr algn="ctr"/>
             <a:r>
-              <a:rPr b="0" lang="pt-BR" sz="4400" spc="-1" strike="noStrike">
+              <a:rPr lang="pt-BR" sz="4400" b="0" strike="noStrike" spc="-1">
                 <a:latin typeface="Arial"/>
               </a:rPr>
               <a:t>Click to edit the title text format</a:t>
             </a:r>
-            <a:endParaRPr b="0" lang="pt-BR" sz="4400" spc="-1" strike="noStrike">
-              <a:latin typeface="Arial"/>
-            </a:endParaRPr>
           </a:p>
         </p:txBody>
       </p:sp>
@@ -4178,9 +4979,10 @@
           </a:prstGeom>
         </p:spPr>
         <p:txBody>
-          <a:bodyPr lIns="0" rIns="0" tIns="0" bIns="0">
+          <a:bodyPr lIns="0" tIns="0" rIns="0" bIns="0">
             <a:normAutofit/>
           </a:bodyPr>
+          <a:lstStyle/>
           <a:p>
             <a:pPr marL="432000" indent="-324000">
               <a:spcBef>
@@ -4194,17 +4996,14 @@
               <a:buChar char=""/>
             </a:pPr>
             <a:r>
-              <a:rPr b="0" lang="pt-BR" sz="3200" spc="-1" strike="noStrike">
+              <a:rPr lang="pt-BR" sz="3200" b="0" strike="noStrike" spc="-1">
                 <a:latin typeface="Arial"/>
               </a:rPr>
               <a:t>Click to edit the outline text format</a:t>
             </a:r>
-            <a:endParaRPr b="0" lang="pt-BR" sz="3200" spc="-1" strike="noStrike">
-              <a:latin typeface="Arial"/>
-            </a:endParaRPr>
-          </a:p>
-          <a:p>
-            <a:pPr lvl="1" marL="864000" indent="-324000">
+          </a:p>
+          <a:p>
+            <a:pPr marL="864000" lvl="1" indent="-324000">
               <a:spcBef>
                 <a:spcPts val="1134"/>
               </a:spcBef>
@@ -4216,17 +5015,14 @@
               <a:buChar char=""/>
             </a:pPr>
             <a:r>
-              <a:rPr b="0" lang="pt-BR" sz="2800" spc="-1" strike="noStrike">
+              <a:rPr lang="pt-BR" sz="2800" b="0" strike="noStrike" spc="-1">
                 <a:latin typeface="Arial"/>
               </a:rPr>
               <a:t>Second Outline Level</a:t>
             </a:r>
-            <a:endParaRPr b="0" lang="pt-BR" sz="2800" spc="-1" strike="noStrike">
-              <a:latin typeface="Arial"/>
-            </a:endParaRPr>
-          </a:p>
-          <a:p>
-            <a:pPr lvl="2" marL="1296000" indent="-288000">
+          </a:p>
+          <a:p>
+            <a:pPr marL="1296000" lvl="2" indent="-288000">
               <a:spcBef>
                 <a:spcPts val="850"/>
               </a:spcBef>
@@ -4238,17 +5034,14 @@
               <a:buChar char=""/>
             </a:pPr>
             <a:r>
-              <a:rPr b="0" lang="pt-BR" sz="2400" spc="-1" strike="noStrike">
+              <a:rPr lang="pt-BR" sz="2400" b="0" strike="noStrike" spc="-1">
                 <a:latin typeface="Arial"/>
               </a:rPr>
               <a:t>Third Outline Level</a:t>
             </a:r>
-            <a:endParaRPr b="0" lang="pt-BR" sz="2400" spc="-1" strike="noStrike">
-              <a:latin typeface="Arial"/>
-            </a:endParaRPr>
-          </a:p>
-          <a:p>
-            <a:pPr lvl="3" marL="1728000" indent="-216000">
+          </a:p>
+          <a:p>
+            <a:pPr marL="1728000" lvl="3" indent="-216000">
               <a:spcBef>
                 <a:spcPts val="567"/>
               </a:spcBef>
@@ -4260,17 +5053,14 @@
               <a:buChar char=""/>
             </a:pPr>
             <a:r>
-              <a:rPr b="0" lang="pt-BR" sz="2000" spc="-1" strike="noStrike">
+              <a:rPr lang="pt-BR" sz="2000" b="0" strike="noStrike" spc="-1">
                 <a:latin typeface="Arial"/>
               </a:rPr>
               <a:t>Fourth Outline Level</a:t>
             </a:r>
-            <a:endParaRPr b="0" lang="pt-BR" sz="2000" spc="-1" strike="noStrike">
-              <a:latin typeface="Arial"/>
-            </a:endParaRPr>
-          </a:p>
-          <a:p>
-            <a:pPr lvl="4" marL="2160000" indent="-216000">
+          </a:p>
+          <a:p>
+            <a:pPr marL="2160000" lvl="4" indent="-216000">
               <a:spcBef>
                 <a:spcPts val="283"/>
               </a:spcBef>
@@ -4282,17 +5072,14 @@
               <a:buChar char=""/>
             </a:pPr>
             <a:r>
-              <a:rPr b="0" lang="pt-BR" sz="2000" spc="-1" strike="noStrike">
+              <a:rPr lang="pt-BR" sz="2000" b="0" strike="noStrike" spc="-1">
                 <a:latin typeface="Arial"/>
               </a:rPr>
               <a:t>Fifth Outline Level</a:t>
             </a:r>
-            <a:endParaRPr b="0" lang="pt-BR" sz="2000" spc="-1" strike="noStrike">
-              <a:latin typeface="Arial"/>
-            </a:endParaRPr>
-          </a:p>
-          <a:p>
-            <a:pPr lvl="5" marL="2592000" indent="-216000">
+          </a:p>
+          <a:p>
+            <a:pPr marL="2592000" lvl="5" indent="-216000">
               <a:spcBef>
                 <a:spcPts val="283"/>
               </a:spcBef>
@@ -4304,17 +5091,14 @@
               <a:buChar char=""/>
             </a:pPr>
             <a:r>
-              <a:rPr b="0" lang="pt-BR" sz="2000" spc="-1" strike="noStrike">
+              <a:rPr lang="pt-BR" sz="2000" b="0" strike="noStrike" spc="-1">
                 <a:latin typeface="Arial"/>
               </a:rPr>
               <a:t>Sixth Outline Level</a:t>
             </a:r>
-            <a:endParaRPr b="0" lang="pt-BR" sz="2000" spc="-1" strike="noStrike">
-              <a:latin typeface="Arial"/>
-            </a:endParaRPr>
-          </a:p>
-          <a:p>
-            <a:pPr lvl="6" marL="3024000" indent="-216000">
+          </a:p>
+          <a:p>
+            <a:pPr marL="3024000" lvl="6" indent="-216000">
               <a:spcBef>
                 <a:spcPts val="283"/>
               </a:spcBef>
@@ -4326,39 +5110,316 @@
               <a:buChar char=""/>
             </a:pPr>
             <a:r>
-              <a:rPr b="0" lang="pt-BR" sz="2000" spc="-1" strike="noStrike">
+              <a:rPr lang="pt-BR" sz="2000" b="0" strike="noStrike" spc="-1">
                 <a:latin typeface="Arial"/>
               </a:rPr>
               <a:t>Seventh Outline Level</a:t>
             </a:r>
-            <a:endParaRPr b="0" lang="pt-BR" sz="2000" spc="-1" strike="noStrike">
-              <a:latin typeface="Arial"/>
-            </a:endParaRPr>
           </a:p>
         </p:txBody>
       </p:sp>
     </p:spTree>
   </p:cSld>
-  <p:clrMap bg1="lt1" bg2="lt2" tx1="dk1" tx2="dk2" accent1="accent1" accent2="accent2" accent3="accent3" accent4="accent4" accent5="accent5" accent6="accent6" hlink="hlink" folHlink="folHlink"/>
+  <p:clrMap bg1="lt1" tx1="dk1" bg2="lt2" tx2="dk2" accent1="accent1" accent2="accent2" accent3="accent3" accent4="accent4" accent5="accent5" accent6="accent6" hlink="hlink" folHlink="folHlink"/>
   <p:sldLayoutIdLst>
-    <p:sldLayoutId id="2147483662" r:id="rId3"/>
-    <p:sldLayoutId id="2147483663" r:id="rId4"/>
-    <p:sldLayoutId id="2147483664" r:id="rId5"/>
-    <p:sldLayoutId id="2147483665" r:id="rId6"/>
-    <p:sldLayoutId id="2147483666" r:id="rId7"/>
-    <p:sldLayoutId id="2147483667" r:id="rId8"/>
-    <p:sldLayoutId id="2147483668" r:id="rId9"/>
-    <p:sldLayoutId id="2147483669" r:id="rId10"/>
-    <p:sldLayoutId id="2147483670" r:id="rId11"/>
-    <p:sldLayoutId id="2147483671" r:id="rId12"/>
-    <p:sldLayoutId id="2147483672" r:id="rId13"/>
-    <p:sldLayoutId id="2147483673" r:id="rId14"/>
+    <p:sldLayoutId id="2147483662" r:id="rId1"/>
+    <p:sldLayoutId id="2147483663" r:id="rId2"/>
+    <p:sldLayoutId id="2147483664" r:id="rId3"/>
+    <p:sldLayoutId id="2147483665" r:id="rId4"/>
+    <p:sldLayoutId id="2147483666" r:id="rId5"/>
+    <p:sldLayoutId id="2147483667" r:id="rId6"/>
+    <p:sldLayoutId id="2147483668" r:id="rId7"/>
+    <p:sldLayoutId id="2147483669" r:id="rId8"/>
+    <p:sldLayoutId id="2147483670" r:id="rId9"/>
+    <p:sldLayoutId id="2147483671" r:id="rId10"/>
+    <p:sldLayoutId id="2147483672" r:id="rId11"/>
+    <p:sldLayoutId id="2147483673" r:id="rId12"/>
   </p:sldLayoutIdLst>
+  <p:txStyles>
+    <p:titleStyle>
+      <a:lvl1pPr algn="l" defTabSz="914400" rtl="0" eaLnBrk="1" latinLnBrk="0" hangingPunct="1">
+        <a:lnSpc>
+          <a:spcPct val="90000"/>
+        </a:lnSpc>
+        <a:spcBef>
+          <a:spcPct val="0"/>
+        </a:spcBef>
+        <a:buNone/>
+        <a:defRPr sz="4400" kern="1200">
+          <a:solidFill>
+            <a:schemeClr val="tx1"/>
+          </a:solidFill>
+          <a:latin typeface="+mj-lt"/>
+          <a:ea typeface="+mj-ea"/>
+          <a:cs typeface="+mj-cs"/>
+        </a:defRPr>
+      </a:lvl1pPr>
+    </p:titleStyle>
+    <p:bodyStyle>
+      <a:lvl1pPr marL="228600" indent="-228600" algn="l" defTabSz="914400" rtl="0" eaLnBrk="1" latinLnBrk="0" hangingPunct="1">
+        <a:lnSpc>
+          <a:spcPct val="90000"/>
+        </a:lnSpc>
+        <a:spcBef>
+          <a:spcPts val="1000"/>
+        </a:spcBef>
+        <a:buFont typeface="Arial" panose="020B0604020202020204" pitchFamily="34" charset="0"/>
+        <a:buChar char="•"/>
+        <a:defRPr sz="2800" kern="1200">
+          <a:solidFill>
+            <a:schemeClr val="tx1"/>
+          </a:solidFill>
+          <a:latin typeface="+mn-lt"/>
+          <a:ea typeface="+mn-ea"/>
+          <a:cs typeface="+mn-cs"/>
+        </a:defRPr>
+      </a:lvl1pPr>
+      <a:lvl2pPr marL="685800" indent="-228600" algn="l" defTabSz="914400" rtl="0" eaLnBrk="1" latinLnBrk="0" hangingPunct="1">
+        <a:lnSpc>
+          <a:spcPct val="90000"/>
+        </a:lnSpc>
+        <a:spcBef>
+          <a:spcPts val="500"/>
+        </a:spcBef>
+        <a:buFont typeface="Arial" panose="020B0604020202020204" pitchFamily="34" charset="0"/>
+        <a:buChar char="•"/>
+        <a:defRPr sz="2400" kern="1200">
+          <a:solidFill>
+            <a:schemeClr val="tx1"/>
+          </a:solidFill>
+          <a:latin typeface="+mn-lt"/>
+          <a:ea typeface="+mn-ea"/>
+          <a:cs typeface="+mn-cs"/>
+        </a:defRPr>
+      </a:lvl2pPr>
+      <a:lvl3pPr marL="1143000" indent="-228600" algn="l" defTabSz="914400" rtl="0" eaLnBrk="1" latinLnBrk="0" hangingPunct="1">
+        <a:lnSpc>
+          <a:spcPct val="90000"/>
+        </a:lnSpc>
+        <a:spcBef>
+          <a:spcPts val="500"/>
+        </a:spcBef>
+        <a:buFont typeface="Arial" panose="020B0604020202020204" pitchFamily="34" charset="0"/>
+        <a:buChar char="•"/>
+        <a:defRPr sz="2000" kern="1200">
+          <a:solidFill>
+            <a:schemeClr val="tx1"/>
+          </a:solidFill>
+          <a:latin typeface="+mn-lt"/>
+          <a:ea typeface="+mn-ea"/>
+          <a:cs typeface="+mn-cs"/>
+        </a:defRPr>
+      </a:lvl3pPr>
+      <a:lvl4pPr marL="1600200" indent="-228600" algn="l" defTabSz="914400" rtl="0" eaLnBrk="1" latinLnBrk="0" hangingPunct="1">
+        <a:lnSpc>
+          <a:spcPct val="90000"/>
+        </a:lnSpc>
+        <a:spcBef>
+          <a:spcPts val="500"/>
+        </a:spcBef>
+        <a:buFont typeface="Arial" panose="020B0604020202020204" pitchFamily="34" charset="0"/>
+        <a:buChar char="•"/>
+        <a:defRPr sz="1800" kern="1200">
+          <a:solidFill>
+            <a:schemeClr val="tx1"/>
+          </a:solidFill>
+          <a:latin typeface="+mn-lt"/>
+          <a:ea typeface="+mn-ea"/>
+          <a:cs typeface="+mn-cs"/>
+        </a:defRPr>
+      </a:lvl4pPr>
+      <a:lvl5pPr marL="2057400" indent="-228600" algn="l" defTabSz="914400" rtl="0" eaLnBrk="1" latinLnBrk="0" hangingPunct="1">
+        <a:lnSpc>
+          <a:spcPct val="90000"/>
+        </a:lnSpc>
+        <a:spcBef>
+          <a:spcPts val="500"/>
+        </a:spcBef>
+        <a:buFont typeface="Arial" panose="020B0604020202020204" pitchFamily="34" charset="0"/>
+        <a:buChar char="•"/>
+        <a:defRPr sz="1800" kern="1200">
+          <a:solidFill>
+            <a:schemeClr val="tx1"/>
+          </a:solidFill>
+          <a:latin typeface="+mn-lt"/>
+          <a:ea typeface="+mn-ea"/>
+          <a:cs typeface="+mn-cs"/>
+        </a:defRPr>
+      </a:lvl5pPr>
+      <a:lvl6pPr marL="2514600" indent="-228600" algn="l" defTabSz="914400" rtl="0" eaLnBrk="1" latinLnBrk="0" hangingPunct="1">
+        <a:lnSpc>
+          <a:spcPct val="90000"/>
+        </a:lnSpc>
+        <a:spcBef>
+          <a:spcPts val="500"/>
+        </a:spcBef>
+        <a:buFont typeface="Arial" panose="020B0604020202020204" pitchFamily="34" charset="0"/>
+        <a:buChar char="•"/>
+        <a:defRPr sz="1800" kern="1200">
+          <a:solidFill>
+            <a:schemeClr val="tx1"/>
+          </a:solidFill>
+          <a:latin typeface="+mn-lt"/>
+          <a:ea typeface="+mn-ea"/>
+          <a:cs typeface="+mn-cs"/>
+        </a:defRPr>
+      </a:lvl6pPr>
+      <a:lvl7pPr marL="2971800" indent="-228600" algn="l" defTabSz="914400" rtl="0" eaLnBrk="1" latinLnBrk="0" hangingPunct="1">
+        <a:lnSpc>
+          <a:spcPct val="90000"/>
+        </a:lnSpc>
+        <a:spcBef>
+          <a:spcPts val="500"/>
+        </a:spcBef>
+        <a:buFont typeface="Arial" panose="020B0604020202020204" pitchFamily="34" charset="0"/>
+        <a:buChar char="•"/>
+        <a:defRPr sz="1800" kern="1200">
+          <a:solidFill>
+            <a:schemeClr val="tx1"/>
+          </a:solidFill>
+          <a:latin typeface="+mn-lt"/>
+          <a:ea typeface="+mn-ea"/>
+          <a:cs typeface="+mn-cs"/>
+        </a:defRPr>
+      </a:lvl7pPr>
+      <a:lvl8pPr marL="3429000" indent="-228600" algn="l" defTabSz="914400" rtl="0" eaLnBrk="1" latinLnBrk="0" hangingPunct="1">
+        <a:lnSpc>
+          <a:spcPct val="90000"/>
+        </a:lnSpc>
+        <a:spcBef>
+          <a:spcPts val="500"/>
+        </a:spcBef>
+        <a:buFont typeface="Arial" panose="020B0604020202020204" pitchFamily="34" charset="0"/>
+        <a:buChar char="•"/>
+        <a:defRPr sz="1800" kern="1200">
+          <a:solidFill>
+            <a:schemeClr val="tx1"/>
+          </a:solidFill>
+          <a:latin typeface="+mn-lt"/>
+          <a:ea typeface="+mn-ea"/>
+          <a:cs typeface="+mn-cs"/>
+        </a:defRPr>
+      </a:lvl8pPr>
+      <a:lvl9pPr marL="3886200" indent="-228600" algn="l" defTabSz="914400" rtl="0" eaLnBrk="1" latinLnBrk="0" hangingPunct="1">
+        <a:lnSpc>
+          <a:spcPct val="90000"/>
+        </a:lnSpc>
+        <a:spcBef>
+          <a:spcPts val="500"/>
+        </a:spcBef>
+        <a:buFont typeface="Arial" panose="020B0604020202020204" pitchFamily="34" charset="0"/>
+        <a:buChar char="•"/>
+        <a:defRPr sz="1800" kern="1200">
+          <a:solidFill>
+            <a:schemeClr val="tx1"/>
+          </a:solidFill>
+          <a:latin typeface="+mn-lt"/>
+          <a:ea typeface="+mn-ea"/>
+          <a:cs typeface="+mn-cs"/>
+        </a:defRPr>
+      </a:lvl9pPr>
+    </p:bodyStyle>
+    <p:otherStyle>
+      <a:defPPr>
+        <a:defRPr lang="pt-BR"/>
+      </a:defPPr>
+      <a:lvl1pPr marL="0" algn="l" defTabSz="914400" rtl="0" eaLnBrk="1" latinLnBrk="0" hangingPunct="1">
+        <a:defRPr sz="1800" kern="1200">
+          <a:solidFill>
+            <a:schemeClr val="tx1"/>
+          </a:solidFill>
+          <a:latin typeface="+mn-lt"/>
+          <a:ea typeface="+mn-ea"/>
+          <a:cs typeface="+mn-cs"/>
+        </a:defRPr>
+      </a:lvl1pPr>
+      <a:lvl2pPr marL="457200" algn="l" defTabSz="914400" rtl="0" eaLnBrk="1" latinLnBrk="0" hangingPunct="1">
+        <a:defRPr sz="1800" kern="1200">
+          <a:solidFill>
+            <a:schemeClr val="tx1"/>
+          </a:solidFill>
+          <a:latin typeface="+mn-lt"/>
+          <a:ea typeface="+mn-ea"/>
+          <a:cs typeface="+mn-cs"/>
+        </a:defRPr>
+      </a:lvl2pPr>
+      <a:lvl3pPr marL="914400" algn="l" defTabSz="914400" rtl="0" eaLnBrk="1" latinLnBrk="0" hangingPunct="1">
+        <a:defRPr sz="1800" kern="1200">
+          <a:solidFill>
+            <a:schemeClr val="tx1"/>
+          </a:solidFill>
+          <a:latin typeface="+mn-lt"/>
+          <a:ea typeface="+mn-ea"/>
+          <a:cs typeface="+mn-cs"/>
+        </a:defRPr>
+      </a:lvl3pPr>
+      <a:lvl4pPr marL="1371600" algn="l" defTabSz="914400" rtl="0" eaLnBrk="1" latinLnBrk="0" hangingPunct="1">
+        <a:defRPr sz="1800" kern="1200">
+          <a:solidFill>
+            <a:schemeClr val="tx1"/>
+          </a:solidFill>
+          <a:latin typeface="+mn-lt"/>
+          <a:ea typeface="+mn-ea"/>
+          <a:cs typeface="+mn-cs"/>
+        </a:defRPr>
+      </a:lvl4pPr>
+      <a:lvl5pPr marL="1828800" algn="l" defTabSz="914400" rtl="0" eaLnBrk="1" latinLnBrk="0" hangingPunct="1">
+        <a:defRPr sz="1800" kern="1200">
+          <a:solidFill>
+            <a:schemeClr val="tx1"/>
+          </a:solidFill>
+          <a:latin typeface="+mn-lt"/>
+          <a:ea typeface="+mn-ea"/>
+          <a:cs typeface="+mn-cs"/>
+        </a:defRPr>
+      </a:lvl5pPr>
+      <a:lvl6pPr marL="2286000" algn="l" defTabSz="914400" rtl="0" eaLnBrk="1" latinLnBrk="0" hangingPunct="1">
+        <a:defRPr sz="1800" kern="1200">
+          <a:solidFill>
+            <a:schemeClr val="tx1"/>
+          </a:solidFill>
+          <a:latin typeface="+mn-lt"/>
+          <a:ea typeface="+mn-ea"/>
+          <a:cs typeface="+mn-cs"/>
+        </a:defRPr>
+      </a:lvl6pPr>
+      <a:lvl7pPr marL="2743200" algn="l" defTabSz="914400" rtl="0" eaLnBrk="1" latinLnBrk="0" hangingPunct="1">
+        <a:defRPr sz="1800" kern="1200">
+          <a:solidFill>
+            <a:schemeClr val="tx1"/>
+          </a:solidFill>
+          <a:latin typeface="+mn-lt"/>
+          <a:ea typeface="+mn-ea"/>
+          <a:cs typeface="+mn-cs"/>
+        </a:defRPr>
+      </a:lvl7pPr>
+      <a:lvl8pPr marL="3200400" algn="l" defTabSz="914400" rtl="0" eaLnBrk="1" latinLnBrk="0" hangingPunct="1">
+        <a:defRPr sz="1800" kern="1200">
+          <a:solidFill>
+            <a:schemeClr val="tx1"/>
+          </a:solidFill>
+          <a:latin typeface="+mn-lt"/>
+          <a:ea typeface="+mn-ea"/>
+          <a:cs typeface="+mn-cs"/>
+        </a:defRPr>
+      </a:lvl8pPr>
+      <a:lvl9pPr marL="3657600" algn="l" defTabSz="914400" rtl="0" eaLnBrk="1" latinLnBrk="0" hangingPunct="1">
+        <a:defRPr sz="1800" kern="1200">
+          <a:solidFill>
+            <a:schemeClr val="tx1"/>
+          </a:solidFill>
+          <a:latin typeface="+mn-lt"/>
+          <a:ea typeface="+mn-ea"/>
+          <a:cs typeface="+mn-cs"/>
+        </a:defRPr>
+      </a:lvl9pPr>
+    </p:otherStyle>
+  </p:txStyles>
 </p:sldMaster>
 </file>
 
 <file path=ppt/slides/slide1.xml><?xml version="1.0" encoding="utf-8"?>
-<p:sld xmlns:a="http://schemas.openxmlformats.org/drawingml/2006/main" xmlns:p="http://schemas.openxmlformats.org/presentationml/2006/main" xmlns:r="http://schemas.openxmlformats.org/officeDocument/2006/relationships" xmlns:p14="http://schemas.microsoft.com/office/powerpoint/2010/main" xmlns:p15="http://schemas.microsoft.com/office/powerpoint/2012/main" xmlns:mc="http://schemas.openxmlformats.org/markup-compatibility/2006">
+<p:sld xmlns:a="http://schemas.openxmlformats.org/drawingml/2006/main" xmlns:r="http://schemas.openxmlformats.org/officeDocument/2006/relationships" xmlns:p="http://schemas.openxmlformats.org/presentationml/2006/main">
   <p:cSld>
     <p:spTree>
       <p:nvGrpSpPr>
@@ -4394,15 +5455,22 @@
           </a:ln>
         </p:spPr>
         <p:style>
-          <a:lnRef idx="0"/>
-          <a:fillRef idx="0"/>
-          <a:effectRef idx="0"/>
+          <a:lnRef idx="0">
+            <a:scrgbClr r="0" g="0" b="0"/>
+          </a:lnRef>
+          <a:fillRef idx="0">
+            <a:scrgbClr r="0" g="0" b="0"/>
+          </a:fillRef>
+          <a:effectRef idx="0">
+            <a:scrgbClr r="0" g="0" b="0"/>
+          </a:effectRef>
           <a:fontRef idx="minor"/>
         </p:style>
         <p:txBody>
-          <a:bodyPr lIns="90000" rIns="90000" tIns="45000" bIns="45000" anchor="b">
+          <a:bodyPr lIns="90000" tIns="45000" rIns="90000" bIns="45000" anchor="b">
             <a:normAutofit/>
           </a:bodyPr>
+          <a:lstStyle/>
           <a:p>
             <a:pPr algn="ctr">
               <a:lnSpc>
@@ -4410,16 +5478,16 @@
               </a:lnSpc>
             </a:pPr>
             <a:r>
-              <a:rPr b="0" lang="pt-BR" sz="6000" spc="-1" strike="noStrike">
+              <a:rPr lang="pt-BR" sz="6000" b="0" strike="noStrike" spc="-1">
                 <a:solidFill>
-                  <a:srgbClr val="1f4e79"/>
+                  <a:srgbClr val="1F4E79"/>
                 </a:solidFill>
                 <a:latin typeface="Arial"/>
                 <a:ea typeface="DejaVu Sans"/>
               </a:rPr>
               <a:t>Node.js</a:t>
             </a:r>
-            <a:endParaRPr b="0" lang="pt-BR" sz="6000" spc="-1" strike="noStrike">
+            <a:endParaRPr lang="pt-BR" sz="6000" b="0" strike="noStrike" spc="-1">
               <a:latin typeface="Arial"/>
             </a:endParaRPr>
           </a:p>
@@ -4445,15 +5513,22 @@
           </a:ln>
         </p:spPr>
         <p:style>
-          <a:lnRef idx="0"/>
-          <a:fillRef idx="0"/>
-          <a:effectRef idx="0"/>
+          <a:lnRef idx="0">
+            <a:scrgbClr r="0" g="0" b="0"/>
+          </a:lnRef>
+          <a:fillRef idx="0">
+            <a:scrgbClr r="0" g="0" b="0"/>
+          </a:fillRef>
+          <a:effectRef idx="0">
+            <a:scrgbClr r="0" g="0" b="0"/>
+          </a:effectRef>
           <a:fontRef idx="minor"/>
         </p:style>
         <p:txBody>
-          <a:bodyPr lIns="90000" rIns="90000" tIns="45000" bIns="45000">
-            <a:normAutofit fontScale="80000"/>
-          </a:bodyPr>
+          <a:bodyPr lIns="90000" tIns="45000" rIns="90000" bIns="45000">
+            <a:normAutofit fontScale="80000" lnSpcReduction="10000"/>
+          </a:bodyPr>
+          <a:lstStyle/>
           <a:p>
             <a:pPr algn="ctr">
               <a:lnSpc>
@@ -4463,20 +5538,20 @@
                 <a:spcPts val="1001"/>
               </a:spcBef>
               <a:tabLst>
-                <a:tab algn="l" pos="0"/>
+                <a:tab pos="0" algn="l"/>
               </a:tabLst>
             </a:pPr>
             <a:r>
-              <a:rPr b="0" lang="pt-BR" sz="2400" spc="-1" strike="noStrike">
+              <a:rPr lang="pt-BR" sz="2400" b="0" strike="noStrike" spc="-1">
                 <a:solidFill>
-                  <a:srgbClr val="1f4e79"/>
+                  <a:srgbClr val="1F4E79"/>
                 </a:solidFill>
                 <a:latin typeface="Arial"/>
                 <a:ea typeface="DejaVu Sans"/>
               </a:rPr>
               <a:t>Salmo Marques da Silva Júnior</a:t>
             </a:r>
-            <a:endParaRPr b="0" lang="pt-BR" sz="2400" spc="-1" strike="noStrike">
+            <a:endParaRPr lang="pt-BR" sz="2400" b="0" strike="noStrike" spc="-1">
               <a:latin typeface="Arial"/>
             </a:endParaRPr>
           </a:p>
@@ -4489,20 +5564,20 @@
                 <a:spcPts val="1001"/>
               </a:spcBef>
               <a:tabLst>
-                <a:tab algn="l" pos="0"/>
+                <a:tab pos="0" algn="l"/>
               </a:tabLst>
             </a:pPr>
             <a:r>
-              <a:rPr b="0" lang="pt-BR" sz="2400" spc="-1" strike="noStrike">
+              <a:rPr lang="pt-BR" sz="2400" b="0" strike="noStrike" spc="-1">
                 <a:solidFill>
-                  <a:srgbClr val="1f4e79"/>
+                  <a:srgbClr val="1F4E79"/>
                 </a:solidFill>
                 <a:latin typeface="Arial"/>
                 <a:ea typeface="DejaVu Sans"/>
               </a:rPr>
               <a:t>salmo.sjunior@sp.senac.br</a:t>
             </a:r>
-            <a:endParaRPr b="0" lang="pt-BR" sz="2400" spc="-1" strike="noStrike">
+            <a:endParaRPr lang="pt-BR" sz="2400" b="0" strike="noStrike" spc="-1">
               <a:latin typeface="Arial"/>
             </a:endParaRPr>
           </a:p>
@@ -4510,11 +5585,14 @@
       </p:sp>
     </p:spTree>
   </p:cSld>
-  <mc:AlternateContent>
+  <p:clrMapOvr>
+    <a:masterClrMapping/>
+  </p:clrMapOvr>
+  <mc:AlternateContent xmlns:mc="http://schemas.openxmlformats.org/markup-compatibility/2006" xmlns:p14="http://schemas.microsoft.com/office/powerpoint/2010/main">
     <mc:Choice Requires="p14">
-      <p:transition spd="slow" advTm="17000" p14:dur="2000"/>
+      <p:transition spd="slow" p14:dur="2000" advTm="17000"/>
     </mc:Choice>
-    <mc:Fallback>
+    <mc:Fallback xmlns:p15="http://schemas.microsoft.com/office/powerpoint/2012/main" xmlns="">
       <p:transition spd="slow" advTm="17000"/>
     </mc:Fallback>
   </mc:AlternateContent>
@@ -4522,7 +5600,7 @@
 </file>
 
 <file path=ppt/slides/slide2.xml><?xml version="1.0" encoding="utf-8"?>
-<p:sld xmlns:a="http://schemas.openxmlformats.org/drawingml/2006/main" xmlns:p="http://schemas.openxmlformats.org/presentationml/2006/main" xmlns:r="http://schemas.openxmlformats.org/officeDocument/2006/relationships" xmlns:p14="http://schemas.microsoft.com/office/powerpoint/2010/main" xmlns:p15="http://schemas.microsoft.com/office/powerpoint/2012/main" xmlns:mc="http://schemas.openxmlformats.org/markup-compatibility/2006">
+<p:sld xmlns:a="http://schemas.openxmlformats.org/drawingml/2006/main" xmlns:r="http://schemas.openxmlformats.org/officeDocument/2006/relationships" xmlns:p="http://schemas.openxmlformats.org/presentationml/2006/main">
   <p:cSld>
     <p:spTree>
       <p:nvGrpSpPr>
@@ -4558,15 +5636,22 @@
           </a:ln>
         </p:spPr>
         <p:style>
-          <a:lnRef idx="0"/>
-          <a:fillRef idx="0"/>
-          <a:effectRef idx="0"/>
+          <a:lnRef idx="0">
+            <a:scrgbClr r="0" g="0" b="0"/>
+          </a:lnRef>
+          <a:fillRef idx="0">
+            <a:scrgbClr r="0" g="0" b="0"/>
+          </a:fillRef>
+          <a:effectRef idx="0">
+            <a:scrgbClr r="0" g="0" b="0"/>
+          </a:effectRef>
           <a:fontRef idx="minor"/>
         </p:style>
         <p:txBody>
-          <a:bodyPr lIns="90000" rIns="90000" tIns="45000" bIns="45000" anchor="ctr">
+          <a:bodyPr lIns="90000" tIns="45000" rIns="90000" bIns="45000" anchor="ctr">
             <a:noAutofit/>
           </a:bodyPr>
+          <a:lstStyle/>
           <a:p>
             <a:pPr algn="ctr">
               <a:lnSpc>
@@ -4574,16 +5659,16 @@
               </a:lnSpc>
             </a:pPr>
             <a:r>
-              <a:rPr b="0" lang="pt-BR" sz="5400" spc="-1" strike="noStrike">
+              <a:rPr lang="pt-BR" sz="5400" b="0" strike="noStrike" spc="-1" dirty="0">
                 <a:solidFill>
-                  <a:srgbClr val="1f4e79"/>
+                  <a:srgbClr val="1F4E79"/>
                 </a:solidFill>
                 <a:latin typeface="Arial"/>
                 <a:ea typeface="DejaVu Sans"/>
               </a:rPr>
               <a:t>O que é Node.js?</a:t>
             </a:r>
-            <a:endParaRPr b="0" lang="pt-BR" sz="5400" spc="-1" strike="noStrike">
+            <a:endParaRPr lang="pt-BR" sz="5400" b="0" strike="noStrike" spc="-1" dirty="0">
               <a:latin typeface="Arial"/>
             </a:endParaRPr>
           </a:p>
@@ -4609,15 +5694,22 @@
           </a:ln>
         </p:spPr>
         <p:style>
-          <a:lnRef idx="0"/>
-          <a:fillRef idx="0"/>
-          <a:effectRef idx="0"/>
+          <a:lnRef idx="0">
+            <a:scrgbClr r="0" g="0" b="0"/>
+          </a:lnRef>
+          <a:fillRef idx="0">
+            <a:scrgbClr r="0" g="0" b="0"/>
+          </a:fillRef>
+          <a:effectRef idx="0">
+            <a:scrgbClr r="0" g="0" b="0"/>
+          </a:effectRef>
           <a:fontRef idx="minor"/>
         </p:style>
         <p:txBody>
-          <a:bodyPr lIns="90000" rIns="90000" tIns="45000" bIns="45000">
+          <a:bodyPr lIns="90000" tIns="45000" rIns="90000" bIns="45000">
             <a:normAutofit/>
           </a:bodyPr>
+          <a:lstStyle/>
           <a:p>
             <a:pPr algn="ctr">
               <a:lnSpc>
@@ -4630,13 +5722,13 @@
                 <a:spcPts val="1001"/>
               </a:spcAft>
               <a:tabLst>
-                <a:tab algn="l" pos="0"/>
+                <a:tab pos="0" algn="l"/>
               </a:tabLst>
             </a:pPr>
             <a:r>
-              <a:rPr b="0" lang="pt-BR" sz="3200" spc="-1" strike="noStrike">
+              <a:rPr lang="pt-BR" sz="3200" b="0" strike="noStrike" spc="-1" dirty="0">
                 <a:solidFill>
-                  <a:srgbClr val="1f4e79"/>
+                  <a:srgbClr val="1F4E79"/>
                 </a:solidFill>
                 <a:latin typeface="Arial"/>
                 <a:ea typeface="DejaVu Sans"/>
@@ -4644,9 +5736,9 @@
               <a:t>É uma plataforma construída usando a </a:t>
             </a:r>
             <a:r>
-              <a:rPr b="0" i="1" lang="pt-BR" sz="3200" spc="-1" strike="noStrike">
+              <a:rPr lang="pt-BR" sz="3200" b="0" i="1" strike="noStrike" spc="-1" dirty="0" err="1">
                 <a:solidFill>
-                  <a:srgbClr val="1f4e79"/>
+                  <a:srgbClr val="1F4E79"/>
                 </a:solidFill>
                 <a:latin typeface="Arial"/>
                 <a:ea typeface="DejaVu Sans"/>
@@ -4654,16 +5746,16 @@
               <a:t>engine</a:t>
             </a:r>
             <a:r>
-              <a:rPr b="0" lang="pt-BR" sz="3200" spc="-1" strike="noStrike">
+              <a:rPr lang="pt-BR" sz="3200" b="0" strike="noStrike" spc="-1" dirty="0">
                 <a:solidFill>
-                  <a:srgbClr val="1f4e79"/>
+                  <a:srgbClr val="1F4E79"/>
                 </a:solidFill>
                 <a:latin typeface="Arial"/>
                 <a:ea typeface="DejaVu Sans"/>
               </a:rPr>
               <a:t> V8 do Google Chrome.</a:t>
             </a:r>
-            <a:endParaRPr b="0" lang="pt-BR" sz="3200" spc="-1" strike="noStrike">
+            <a:endParaRPr lang="pt-BR" sz="3200" b="0" strike="noStrike" spc="-1" dirty="0">
               <a:latin typeface="Arial"/>
             </a:endParaRPr>
           </a:p>
@@ -4679,20 +5771,60 @@
                 <a:spcPts val="1001"/>
               </a:spcAft>
               <a:tabLst>
-                <a:tab algn="l" pos="0"/>
+                <a:tab pos="0" algn="l"/>
               </a:tabLst>
             </a:pPr>
             <a:r>
-              <a:rPr b="0" lang="pt-BR" sz="3200" spc="-1" strike="noStrike">
+              <a:rPr lang="pt-BR" sz="3200" b="0" strike="noStrike" spc="-1" dirty="0">
                 <a:solidFill>
-                  <a:srgbClr val="1f4e79"/>
+                  <a:srgbClr val="1F4E79"/>
                 </a:solidFill>
                 <a:latin typeface="Arial"/>
                 <a:ea typeface="DejaVu Sans"/>
               </a:rPr>
-              <a:t>O que permite usar Javascript no back-end.</a:t>
+              <a:t>O que permite usar </a:t>
             </a:r>
-            <a:endParaRPr b="0" lang="pt-BR" sz="3200" spc="-1" strike="noStrike">
+            <a:r>
+              <a:rPr lang="pt-BR" sz="3200" b="0" strike="noStrike" spc="-1" dirty="0" err="1">
+                <a:solidFill>
+                  <a:srgbClr val="1F4E79"/>
+                </a:solidFill>
+                <a:latin typeface="Arial"/>
+                <a:ea typeface="DejaVu Sans"/>
+              </a:rPr>
+              <a:t>Javascript</a:t>
+            </a:r>
+            <a:r>
+              <a:rPr lang="pt-BR" sz="3200" b="0" strike="noStrike" spc="-1" dirty="0">
+                <a:solidFill>
+                  <a:srgbClr val="1F4E79"/>
+                </a:solidFill>
+                <a:latin typeface="Arial"/>
+                <a:ea typeface="DejaVu Sans"/>
+              </a:rPr>
+              <a:t> no </a:t>
+            </a:r>
+            <a:r>
+              <a:rPr lang="pt-BR" sz="3200" b="0" strike="noStrike" spc="-1" dirty="0" err="1">
+                <a:solidFill>
+                  <a:srgbClr val="1F4E79"/>
+                </a:solidFill>
+                <a:latin typeface="Arial"/>
+                <a:ea typeface="DejaVu Sans"/>
+              </a:rPr>
+              <a:t>back</a:t>
+            </a:r>
+            <a:r>
+              <a:rPr lang="pt-BR" sz="3200" b="0" strike="noStrike" spc="-1" dirty="0">
+                <a:solidFill>
+                  <a:srgbClr val="1F4E79"/>
+                </a:solidFill>
+                <a:latin typeface="Arial"/>
+                <a:ea typeface="DejaVu Sans"/>
+              </a:rPr>
+              <a:t>-end.</a:t>
+            </a:r>
+            <a:endParaRPr lang="pt-BR" sz="3200" b="0" strike="noStrike" spc="-1" dirty="0">
               <a:latin typeface="Arial"/>
             </a:endParaRPr>
           </a:p>
@@ -4700,19 +5832,14 @@
       </p:sp>
     </p:spTree>
   </p:cSld>
-  <mc:AlternateContent>
-    <mc:Choice Requires="p14">
-      <p:transition spd="slow" p14:dur="2000"/>
-    </mc:Choice>
-    <mc:Fallback>
-      <p:transition spd="slow"/>
-    </mc:Fallback>
-  </mc:AlternateContent>
+  <p:clrMapOvr>
+    <a:masterClrMapping/>
+  </p:clrMapOvr>
 </p:sld>
 </file>
 
 <file path=ppt/slides/slide3.xml><?xml version="1.0" encoding="utf-8"?>
-<p:sld xmlns:a="http://schemas.openxmlformats.org/drawingml/2006/main" xmlns:p="http://schemas.openxmlformats.org/presentationml/2006/main" xmlns:r="http://schemas.openxmlformats.org/officeDocument/2006/relationships" xmlns:p14="http://schemas.microsoft.com/office/powerpoint/2010/main" xmlns:p15="http://schemas.microsoft.com/office/powerpoint/2012/main" xmlns:mc="http://schemas.openxmlformats.org/markup-compatibility/2006">
+<p:sld xmlns:a="http://schemas.openxmlformats.org/drawingml/2006/main" xmlns:r="http://schemas.openxmlformats.org/officeDocument/2006/relationships" xmlns:p="http://schemas.openxmlformats.org/presentationml/2006/main">
   <p:cSld>
     <p:spTree>
       <p:nvGrpSpPr>
@@ -4748,15 +5875,22 @@
           </a:ln>
         </p:spPr>
         <p:style>
-          <a:lnRef idx="0"/>
-          <a:fillRef idx="0"/>
-          <a:effectRef idx="0"/>
+          <a:lnRef idx="0">
+            <a:scrgbClr r="0" g="0" b="0"/>
+          </a:lnRef>
+          <a:fillRef idx="0">
+            <a:scrgbClr r="0" g="0" b="0"/>
+          </a:fillRef>
+          <a:effectRef idx="0">
+            <a:scrgbClr r="0" g="0" b="0"/>
+          </a:effectRef>
           <a:fontRef idx="minor"/>
         </p:style>
         <p:txBody>
-          <a:bodyPr lIns="90000" rIns="90000" tIns="45000" bIns="45000" anchor="ctr">
+          <a:bodyPr lIns="90000" tIns="45000" rIns="90000" bIns="45000" anchor="ctr">
             <a:noAutofit/>
           </a:bodyPr>
+          <a:lstStyle/>
           <a:p>
             <a:pPr algn="ctr">
               <a:lnSpc>
@@ -4764,16 +5898,16 @@
               </a:lnSpc>
             </a:pPr>
             <a:r>
-              <a:rPr b="0" lang="pt-BR" sz="5400" spc="-1" strike="noStrike">
+              <a:rPr lang="pt-BR" sz="5400" b="0" strike="noStrike" spc="-1">
                 <a:solidFill>
-                  <a:srgbClr val="1f4e79"/>
+                  <a:srgbClr val="1F4E79"/>
                 </a:solidFill>
                 <a:latin typeface="Arial"/>
                 <a:ea typeface="DejaVu Sans"/>
               </a:rPr>
               <a:t>Características do Node.js</a:t>
             </a:r>
-            <a:endParaRPr b="0" lang="pt-BR" sz="5400" spc="-1" strike="noStrike">
+            <a:endParaRPr lang="pt-BR" sz="5400" b="0" strike="noStrike" spc="-1">
               <a:latin typeface="Arial"/>
             </a:endParaRPr>
           </a:p>
@@ -4799,15 +5933,22 @@
           </a:ln>
         </p:spPr>
         <p:style>
-          <a:lnRef idx="0"/>
-          <a:fillRef idx="0"/>
-          <a:effectRef idx="0"/>
+          <a:lnRef idx="0">
+            <a:scrgbClr r="0" g="0" b="0"/>
+          </a:lnRef>
+          <a:fillRef idx="0">
+            <a:scrgbClr r="0" g="0" b="0"/>
+          </a:fillRef>
+          <a:effectRef idx="0">
+            <a:scrgbClr r="0" g="0" b="0"/>
+          </a:effectRef>
           <a:fontRef idx="minor"/>
         </p:style>
         <p:txBody>
-          <a:bodyPr lIns="90000" rIns="90000" tIns="45000" bIns="45000">
+          <a:bodyPr lIns="90000" tIns="45000" rIns="90000" bIns="45000">
             <a:normAutofit/>
           </a:bodyPr>
+          <a:lstStyle/>
           <a:p>
             <a:pPr marL="216000" indent="-216000">
               <a:lnSpc>
@@ -4820,55 +5961,45 @@
                 <a:spcPts val="1001"/>
               </a:spcAft>
               <a:buClr>
-                <a:srgbClr val="1f4e79"/>
+                <a:srgbClr val="1F4E79"/>
               </a:buClr>
               <a:buFont typeface="Wingdings" charset="2"/>
               <a:buChar char=""/>
               <a:tabLst>
-                <a:tab algn="l" pos="0"/>
+                <a:tab pos="0" algn="l"/>
               </a:tabLst>
             </a:pPr>
             <a:r>
-              <a:rPr b="0" lang="pt-BR" sz="3200" spc="-1" strike="noStrike">
+              <a:rPr lang="pt-BR" sz="3200" b="0" strike="noStrike" spc="-1">
                 <a:solidFill>
-                  <a:srgbClr val="1f4e79"/>
+                  <a:srgbClr val="1F4E79"/>
                 </a:solidFill>
                 <a:latin typeface="Arial"/>
                 <a:ea typeface="DejaVu Sans"/>
               </a:rPr>
-              <a:t> </a:t>
+              <a:t> Arquitetura baseada em eventos: Execução em loop para tratar os eventos inseridos na </a:t>
             </a:r>
             <a:r>
-              <a:rPr b="0" lang="pt-BR" sz="3200" spc="-1" strike="noStrike">
+              <a:rPr lang="pt-BR" sz="3200" b="0" i="1" strike="noStrike" spc="-1">
                 <a:solidFill>
-                  <a:srgbClr val="1f4e79"/>
+                  <a:srgbClr val="1F4E79"/>
                 </a:solidFill>
                 <a:latin typeface="Arial"/>
                 <a:ea typeface="DejaVu Sans"/>
               </a:rPr>
-              <a:t>Arquitetura baseada em eventos: Execução em loop para tratar os eventos inseridos na </a:t>
+              <a:t>Call Stack</a:t>
             </a:r>
             <a:r>
-              <a:rPr b="0" i="1" lang="pt-BR" sz="3200" spc="-1" strike="noStrike">
+              <a:rPr lang="pt-BR" sz="3200" b="0" strike="noStrike" spc="-1">
                 <a:solidFill>
-                  <a:srgbClr val="1f4e79"/>
+                  <a:srgbClr val="1F4E79"/>
                 </a:solidFill>
                 <a:latin typeface="Arial"/>
                 <a:ea typeface="DejaVu Sans"/>
               </a:rPr>
-              <a:t>Call Stack</a:t>
-            </a:r>
-            <a:r>
-              <a:rPr b="0" lang="pt-BR" sz="3200" spc="-1" strike="noStrike">
-                <a:solidFill>
-                  <a:srgbClr val="1f4e79"/>
-                </a:solidFill>
-                <a:latin typeface="Arial"/>
-                <a:ea typeface="DejaVu Sans"/>
-              </a:rPr>
               <a:t>.</a:t>
             </a:r>
-            <a:endParaRPr b="0" lang="pt-BR" sz="3200" spc="-1" strike="noStrike">
+            <a:endParaRPr lang="pt-BR" sz="3200" b="0" strike="noStrike" spc="-1">
               <a:latin typeface="Arial"/>
             </a:endParaRPr>
           </a:p>
@@ -4876,12 +6007,12 @@
       </p:sp>
       <p:pic>
         <p:nvPicPr>
-          <p:cNvPr id="88" name="" descr=""/>
+          <p:cNvPr id="88" name="Imagem 87"/>
           <p:cNvPicPr/>
           <p:nvPr/>
         </p:nvPicPr>
         <p:blipFill>
-          <a:blip r:embed="rId1"/>
+          <a:blip r:embed="rId3"/>
           <a:stretch/>
         </p:blipFill>
         <p:spPr>
@@ -4899,19 +6030,14 @@
       </p:pic>
     </p:spTree>
   </p:cSld>
-  <mc:AlternateContent>
-    <mc:Choice Requires="p14">
-      <p:transition spd="slow" p14:dur="2000"/>
-    </mc:Choice>
-    <mc:Fallback>
-      <p:transition spd="slow"/>
-    </mc:Fallback>
-  </mc:AlternateContent>
+  <p:clrMapOvr>
+    <a:masterClrMapping/>
+  </p:clrMapOvr>
 </p:sld>
 </file>
 
 <file path=ppt/slides/slide4.xml><?xml version="1.0" encoding="utf-8"?>
-<p:sld xmlns:a="http://schemas.openxmlformats.org/drawingml/2006/main" xmlns:p="http://schemas.openxmlformats.org/presentationml/2006/main" xmlns:r="http://schemas.openxmlformats.org/officeDocument/2006/relationships" xmlns:p14="http://schemas.microsoft.com/office/powerpoint/2010/main" xmlns:p15="http://schemas.microsoft.com/office/powerpoint/2012/main" xmlns:mc="http://schemas.openxmlformats.org/markup-compatibility/2006">
+<p:sld xmlns:a="http://schemas.openxmlformats.org/drawingml/2006/main" xmlns:r="http://schemas.openxmlformats.org/officeDocument/2006/relationships" xmlns:p="http://schemas.openxmlformats.org/presentationml/2006/main">
   <p:cSld>
     <p:spTree>
       <p:nvGrpSpPr>
@@ -4947,15 +6073,22 @@
           </a:ln>
         </p:spPr>
         <p:style>
-          <a:lnRef idx="0"/>
-          <a:fillRef idx="0"/>
-          <a:effectRef idx="0"/>
+          <a:lnRef idx="0">
+            <a:scrgbClr r="0" g="0" b="0"/>
+          </a:lnRef>
+          <a:fillRef idx="0">
+            <a:scrgbClr r="0" g="0" b="0"/>
+          </a:fillRef>
+          <a:effectRef idx="0">
+            <a:scrgbClr r="0" g="0" b="0"/>
+          </a:effectRef>
           <a:fontRef idx="minor"/>
         </p:style>
         <p:txBody>
-          <a:bodyPr lIns="90000" rIns="90000" tIns="45000" bIns="45000" anchor="ctr">
+          <a:bodyPr lIns="90000" tIns="45000" rIns="90000" bIns="45000" anchor="ctr">
             <a:noAutofit/>
           </a:bodyPr>
+          <a:lstStyle/>
           <a:p>
             <a:pPr algn="ctr">
               <a:lnSpc>
@@ -4963,16 +6096,16 @@
               </a:lnSpc>
             </a:pPr>
             <a:r>
-              <a:rPr b="0" lang="pt-BR" sz="5400" spc="-1" strike="noStrike">
+              <a:rPr lang="pt-BR" sz="5400" b="0" strike="noStrike" spc="-1">
                 <a:solidFill>
-                  <a:srgbClr val="1f4e79"/>
+                  <a:srgbClr val="1F4E79"/>
                 </a:solidFill>
                 <a:latin typeface="Arial"/>
                 <a:ea typeface="DejaVu Sans"/>
               </a:rPr>
               <a:t>Características do Node.js</a:t>
             </a:r>
-            <a:endParaRPr b="0" lang="pt-BR" sz="5400" spc="-1" strike="noStrike">
+            <a:endParaRPr lang="pt-BR" sz="5400" b="0" strike="noStrike" spc="-1">
               <a:latin typeface="Arial"/>
             </a:endParaRPr>
           </a:p>
@@ -4998,15 +6131,22 @@
           </a:ln>
         </p:spPr>
         <p:style>
-          <a:lnRef idx="0"/>
-          <a:fillRef idx="0"/>
-          <a:effectRef idx="0"/>
+          <a:lnRef idx="0">
+            <a:scrgbClr r="0" g="0" b="0"/>
+          </a:lnRef>
+          <a:fillRef idx="0">
+            <a:scrgbClr r="0" g="0" b="0"/>
+          </a:fillRef>
+          <a:effectRef idx="0">
+            <a:scrgbClr r="0" g="0" b="0"/>
+          </a:effectRef>
           <a:fontRef idx="minor"/>
         </p:style>
         <p:txBody>
-          <a:bodyPr lIns="90000" rIns="90000" tIns="45000" bIns="45000">
+          <a:bodyPr lIns="90000" tIns="45000" rIns="90000" bIns="45000">
             <a:normAutofit/>
           </a:bodyPr>
+          <a:lstStyle/>
           <a:p>
             <a:pPr marL="216000" indent="-216000">
               <a:lnSpc>
@@ -5019,35 +6159,65 @@
                 <a:spcPts val="1001"/>
               </a:spcAft>
               <a:buClr>
-                <a:srgbClr val="1f4e79"/>
+                <a:srgbClr val="1F4E79"/>
               </a:buClr>
               <a:buFont typeface="Wingdings" charset="2"/>
               <a:buChar char=""/>
               <a:tabLst>
-                <a:tab algn="l" pos="0"/>
+                <a:tab pos="0" algn="l"/>
               </a:tabLst>
             </a:pPr>
             <a:r>
-              <a:rPr b="0" lang="pt-BR" sz="3200" spc="-1" strike="noStrike">
+              <a:rPr lang="pt-BR" sz="3200" b="0" strike="noStrike" spc="-1" dirty="0">
                 <a:solidFill>
-                  <a:srgbClr val="1f4e79"/>
+                  <a:srgbClr val="1F4E79"/>
                 </a:solidFill>
                 <a:latin typeface="Arial"/>
                 <a:ea typeface="DejaVu Sans"/>
               </a:rPr>
-              <a:t> </a:t>
+              <a:t> Single-thread: utiliza a biblioteca C++ </a:t>
             </a:r>
             <a:r>
-              <a:rPr b="0" lang="pt-BR" sz="3200" spc="-1" strike="noStrike">
+              <a:rPr lang="pt-BR" sz="3200" b="0" strike="noStrike" spc="-1" dirty="0" err="1">
                 <a:solidFill>
-                  <a:srgbClr val="1f4e79"/>
+                  <a:srgbClr val="1F4E79"/>
                 </a:solidFill>
                 <a:latin typeface="Arial"/>
                 <a:ea typeface="DejaVu Sans"/>
               </a:rPr>
-              <a:t>Single-thread: utiliza a biblioteca C++ libuv para utilizar multi-threads.</a:t>
+              <a:t>libuv</a:t>
             </a:r>
-            <a:endParaRPr b="0" lang="pt-BR" sz="3200" spc="-1" strike="noStrike">
+            <a:r>
+              <a:rPr lang="pt-BR" sz="3200" b="0" strike="noStrike" spc="-1" dirty="0">
+                <a:solidFill>
+                  <a:srgbClr val="1F4E79"/>
+                </a:solidFill>
+                <a:latin typeface="Arial"/>
+                <a:ea typeface="DejaVu Sans"/>
+              </a:rPr>
+              <a:t> para utilizar </a:t>
+            </a:r>
+            <a:r>
+              <a:rPr lang="pt-BR" sz="3200" b="0" strike="noStrike" spc="-1" dirty="0" err="1">
+                <a:solidFill>
+                  <a:srgbClr val="1F4E79"/>
+                </a:solidFill>
+                <a:latin typeface="Arial"/>
+                <a:ea typeface="DejaVu Sans"/>
+              </a:rPr>
+              <a:t>multi-threads</a:t>
+            </a:r>
+            <a:r>
+              <a:rPr lang="pt-BR" sz="3200" b="0" strike="noStrike" spc="-1" dirty="0">
+                <a:solidFill>
+                  <a:srgbClr val="1F4E79"/>
+                </a:solidFill>
+                <a:latin typeface="Arial"/>
+                <a:ea typeface="DejaVu Sans"/>
+              </a:rPr>
+              <a:t>.</a:t>
+            </a:r>
+            <a:endParaRPr lang="pt-BR" sz="3200" b="0" strike="noStrike" spc="-1" dirty="0">
               <a:latin typeface="Arial"/>
             </a:endParaRPr>
           </a:p>
@@ -5063,35 +6233,45 @@
                 <a:spcPts val="1001"/>
               </a:spcAft>
               <a:buClr>
-                <a:srgbClr val="1f4e79"/>
+                <a:srgbClr val="1F4E79"/>
               </a:buClr>
               <a:buFont typeface="Wingdings" charset="2"/>
               <a:buChar char=""/>
               <a:tabLst>
-                <a:tab algn="l" pos="0"/>
+                <a:tab pos="0" algn="l"/>
               </a:tabLst>
             </a:pPr>
             <a:r>
-              <a:rPr b="0" lang="pt-BR" sz="3200" spc="-1" strike="noStrike">
+              <a:rPr lang="pt-BR" sz="3200" b="0" strike="noStrike" spc="-1" dirty="0">
                 <a:solidFill>
-                  <a:srgbClr val="1f4e79"/>
+                  <a:srgbClr val="1F4E79"/>
                 </a:solidFill>
                 <a:latin typeface="Arial"/>
                 <a:ea typeface="DejaVu Sans"/>
               </a:rPr>
-              <a:t> </a:t>
+              <a:t> Non-</a:t>
             </a:r>
             <a:r>
-              <a:rPr b="0" lang="pt-BR" sz="3200" spc="-1" strike="noStrike">
+              <a:rPr lang="pt-BR" sz="3200" b="0" strike="noStrike" spc="-1" dirty="0" err="1">
                 <a:solidFill>
-                  <a:srgbClr val="1f4e79"/>
+                  <a:srgbClr val="1F4E79"/>
                 </a:solidFill>
                 <a:latin typeface="Arial"/>
                 <a:ea typeface="DejaVu Sans"/>
               </a:rPr>
-              <a:t>Non-blocking I/O: permite o retorno em partes. Sem perda de conexão após um retorno.</a:t>
+              <a:t>blocking</a:t>
             </a:r>
-            <a:endParaRPr b="0" lang="pt-BR" sz="3200" spc="-1" strike="noStrike">
+            <a:r>
+              <a:rPr lang="pt-BR" sz="3200" b="0" strike="noStrike" spc="-1" dirty="0">
+                <a:solidFill>
+                  <a:srgbClr val="1F4E79"/>
+                </a:solidFill>
+                <a:latin typeface="Arial"/>
+                <a:ea typeface="DejaVu Sans"/>
+              </a:rPr>
+              <a:t> I/O: permite o retorno em partes. Sem perda de conexão após um retorno.</a:t>
+            </a:r>
+            <a:endParaRPr lang="pt-BR" sz="3200" b="0" strike="noStrike" spc="-1" dirty="0">
               <a:latin typeface="Arial"/>
             </a:endParaRPr>
           </a:p>
@@ -5099,19 +6279,14 @@
       </p:sp>
     </p:spTree>
   </p:cSld>
-  <mc:AlternateContent>
-    <mc:Choice Requires="p14">
-      <p:transition spd="slow" p14:dur="2000"/>
-    </mc:Choice>
-    <mc:Fallback>
-      <p:transition spd="slow"/>
-    </mc:Fallback>
-  </mc:AlternateContent>
+  <p:clrMapOvr>
+    <a:masterClrMapping/>
+  </p:clrMapOvr>
 </p:sld>
 </file>
 
 <file path=ppt/slides/slide5.xml><?xml version="1.0" encoding="utf-8"?>
-<p:sld xmlns:a="http://schemas.openxmlformats.org/drawingml/2006/main" xmlns:p="http://schemas.openxmlformats.org/presentationml/2006/main" xmlns:r="http://schemas.openxmlformats.org/officeDocument/2006/relationships" xmlns:p14="http://schemas.microsoft.com/office/powerpoint/2010/main" xmlns:p15="http://schemas.microsoft.com/office/powerpoint/2012/main" xmlns:mc="http://schemas.openxmlformats.org/markup-compatibility/2006">
+<p:sld xmlns:a="http://schemas.openxmlformats.org/drawingml/2006/main" xmlns:r="http://schemas.openxmlformats.org/officeDocument/2006/relationships" xmlns:p="http://schemas.openxmlformats.org/presentationml/2006/main">
   <p:cSld>
     <p:spTree>
       <p:nvGrpSpPr>
@@ -5129,7 +6304,7 @@
       </p:grpSpPr>
       <p:sp>
         <p:nvSpPr>
-          <p:cNvPr id="91" name="CustomShape 1"/>
+          <p:cNvPr id="89" name="CustomShape 1"/>
           <p:cNvSpPr/>
           <p:nvPr/>
         </p:nvSpPr>
@@ -5147,15 +6322,22 @@
           </a:ln>
         </p:spPr>
         <p:style>
-          <a:lnRef idx="0"/>
-          <a:fillRef idx="0"/>
-          <a:effectRef idx="0"/>
+          <a:lnRef idx="0">
+            <a:scrgbClr r="0" g="0" b="0"/>
+          </a:lnRef>
+          <a:fillRef idx="0">
+            <a:scrgbClr r="0" g="0" b="0"/>
+          </a:fillRef>
+          <a:effectRef idx="0">
+            <a:scrgbClr r="0" g="0" b="0"/>
+          </a:effectRef>
           <a:fontRef idx="minor"/>
         </p:style>
         <p:txBody>
-          <a:bodyPr lIns="90000" rIns="90000" tIns="45000" bIns="45000" anchor="ctr">
+          <a:bodyPr lIns="90000" tIns="45000" rIns="90000" bIns="45000" anchor="ctr">
             <a:noAutofit/>
           </a:bodyPr>
+          <a:lstStyle/>
           <a:p>
             <a:pPr algn="ctr">
               <a:lnSpc>
@@ -5163,24 +6345,24 @@
               </a:lnSpc>
             </a:pPr>
             <a:r>
-              <a:rPr b="0" lang="pt-BR" sz="5400" spc="-1" strike="noStrike">
+              <a:rPr lang="pt-BR" sz="5400" b="0" strike="noStrike" spc="-1" dirty="0">
                 <a:solidFill>
-                  <a:srgbClr val="1f4e79"/>
+                  <a:srgbClr val="1F4E79"/>
                 </a:solidFill>
                 <a:latin typeface="Arial"/>
                 <a:ea typeface="DejaVu Sans"/>
               </a:rPr>
-              <a:t>NPM vs. Yarn</a:t>
+              <a:t>Instalação do Node.js</a:t>
             </a:r>
-            <a:endParaRPr b="0" lang="pt-BR" sz="5400" spc="-1" strike="noStrike">
-              <a:latin typeface="Arial"/>
-            </a:endParaRPr>
-          </a:p>
-        </p:txBody>
-      </p:sp>
-      <p:sp>
-        <p:nvSpPr>
-          <p:cNvPr id="92" name="CustomShape 2"/>
+            <a:endParaRPr lang="pt-BR" sz="5400" b="0" strike="noStrike" spc="-1" dirty="0">
+              <a:latin typeface="Arial"/>
+            </a:endParaRPr>
+          </a:p>
+        </p:txBody>
+      </p:sp>
+      <p:sp>
+        <p:nvSpPr>
+          <p:cNvPr id="90" name="CustomShape 2"/>
           <p:cNvSpPr/>
           <p:nvPr/>
         </p:nvSpPr>
@@ -5198,15 +6380,22 @@
           </a:ln>
         </p:spPr>
         <p:style>
-          <a:lnRef idx="0"/>
-          <a:fillRef idx="0"/>
-          <a:effectRef idx="0"/>
+          <a:lnRef idx="0">
+            <a:scrgbClr r="0" g="0" b="0"/>
+          </a:lnRef>
+          <a:fillRef idx="0">
+            <a:scrgbClr r="0" g="0" b="0"/>
+          </a:fillRef>
+          <a:effectRef idx="0">
+            <a:scrgbClr r="0" g="0" b="0"/>
+          </a:effectRef>
           <a:fontRef idx="minor"/>
         </p:style>
         <p:txBody>
-          <a:bodyPr lIns="90000" rIns="90000" tIns="45000" bIns="45000">
+          <a:bodyPr lIns="90000" tIns="45000" rIns="90000" bIns="45000">
             <a:normAutofit/>
           </a:bodyPr>
+          <a:lstStyle/>
           <a:p>
             <a:pPr algn="ctr">
               <a:lnSpc>
@@ -5218,22 +6407,26 @@
               <a:spcAft>
                 <a:spcPts val="1001"/>
               </a:spcAft>
+              <a:buClr>
+                <a:srgbClr val="1F4E79"/>
+              </a:buClr>
               <a:tabLst>
-                <a:tab algn="l" pos="0"/>
+                <a:tab pos="0" algn="l"/>
               </a:tabLst>
             </a:pPr>
             <a:r>
-              <a:rPr b="0" lang="pt-BR" sz="3200" spc="-1" strike="noStrike">
+              <a:rPr lang="pt-BR" sz="3200" spc="-1" dirty="0">
                 <a:solidFill>
-                  <a:srgbClr val="1f4e79"/>
+                  <a:srgbClr val="1F4E79"/>
                 </a:solidFill>
-                <a:latin typeface="Arial"/>
-                <a:ea typeface="DejaVu Sans"/>
-              </a:rPr>
-              <a:t>São gerenciadores de pacotes para Node.js.</a:t>
+                <a:hlinkClick r:id="rId3"/>
+              </a:rPr>
+              <a:t>https://nodejs.org/en/</a:t>
             </a:r>
-            <a:endParaRPr b="0" lang="pt-BR" sz="3200" spc="-1" strike="noStrike">
-              <a:latin typeface="Arial"/>
+            <a:endParaRPr lang="pt-BR" sz="3200" spc="-1" dirty="0">
+              <a:solidFill>
+                <a:srgbClr val="1F4E79"/>
+              </a:solidFill>
             </a:endParaRPr>
           </a:p>
           <a:p>
@@ -5247,70 +6440,108 @@
               <a:spcAft>
                 <a:spcPts val="1001"/>
               </a:spcAft>
+              <a:buClr>
+                <a:srgbClr val="1F4E79"/>
+              </a:buClr>
               <a:tabLst>
-                <a:tab algn="l" pos="0"/>
+                <a:tab pos="0" algn="l"/>
               </a:tabLst>
             </a:pPr>
             <a:r>
-              <a:rPr b="0" lang="pt-BR" sz="3200" spc="-1" strike="noStrike">
+              <a:rPr lang="pt-BR" sz="3200" b="0" strike="noStrike" spc="-1" dirty="0">
                 <a:solidFill>
-                  <a:srgbClr val="1f4e79"/>
+                  <a:srgbClr val="1F4E79"/>
                 </a:solidFill>
                 <a:latin typeface="Arial"/>
-                <a:ea typeface="DejaVu Sans"/>
-              </a:rPr>
-              <a:t>Permitem instalar bibliotecas de terceiros e fornecer bibliotecas para terceiros.</a:t>
+              </a:rPr>
+              <a:t>No Windows, não esqueça de aceitar a instalação do </a:t>
             </a:r>
-            <a:endParaRPr b="0" lang="pt-BR" sz="3200" spc="-1" strike="noStrike">
-              <a:latin typeface="Arial"/>
-            </a:endParaRPr>
-          </a:p>
-          <a:p>
-            <a:pPr algn="ctr">
-              <a:lnSpc>
-                <a:spcPct val="100000"/>
-              </a:lnSpc>
-              <a:spcBef>
-                <a:spcPts val="1001"/>
-              </a:spcBef>
-              <a:spcAft>
-                <a:spcPts val="1001"/>
-              </a:spcAft>
-              <a:tabLst>
-                <a:tab algn="l" pos="0"/>
-              </a:tabLst>
-            </a:pPr>
             <a:r>
-              <a:rPr b="0" lang="pt-BR" sz="3200" spc="-1" strike="noStrike">
+              <a:rPr lang="pt-BR" sz="3200" b="0" strike="noStrike" spc="-1" dirty="0" err="1">
                 <a:solidFill>
-                  <a:srgbClr val="1f4e79"/>
+                  <a:srgbClr val="1F4E79"/>
                 </a:solidFill>
                 <a:latin typeface="Arial"/>
-                <a:ea typeface="DejaVu Sans"/>
-              </a:rPr>
-              <a:t>O Yarn apresenta um desempenho melhor no momento, com alguns recursos ainda não presentes no NPM.</a:t>
+              </a:rPr>
+              <a:t>Chocolatey</a:t>
             </a:r>
-            <a:endParaRPr b="0" lang="pt-BR" sz="3200" spc="-1" strike="noStrike">
-              <a:latin typeface="Arial"/>
-            </a:endParaRPr>
-          </a:p>
-        </p:txBody>
-      </p:sp>
+            <a:r>
+              <a:rPr lang="pt-BR" sz="3200" b="0" strike="noStrike" spc="-1" dirty="0">
+                <a:solidFill>
+                  <a:srgbClr val="1F4E79"/>
+                </a:solidFill>
+                <a:latin typeface="Arial"/>
+              </a:rPr>
+              <a:t> durante a instalação do Node.js</a:t>
+            </a:r>
+            <a:endParaRPr lang="pt-BR" sz="3200" b="0" strike="noStrike" spc="-1" dirty="0">
+              <a:latin typeface="Arial"/>
+            </a:endParaRPr>
+          </a:p>
+        </p:txBody>
+      </p:sp>
+      <p:pic>
+        <p:nvPicPr>
+          <p:cNvPr id="1026" name="Picture 2" descr="Instalando NodeJS no Windows/Linux | Alura Cursos Online">
+            <a:extLst>
+              <a:ext uri="{FF2B5EF4-FFF2-40B4-BE49-F238E27FC236}">
+                <a16:creationId xmlns:a16="http://schemas.microsoft.com/office/drawing/2014/main" id="{C2C072C5-3165-4E98-A446-CB85443D5804}"/>
+              </a:ext>
+            </a:extLst>
+          </p:cNvPr>
+          <p:cNvPicPr>
+            <a:picLocks noChangeAspect="1" noChangeArrowheads="1"/>
+          </p:cNvPicPr>
+          <p:nvPr/>
+        </p:nvPicPr>
+        <p:blipFill>
+          <a:blip r:embed="rId4">
+            <a:extLst>
+              <a:ext uri="{28A0092B-C50C-407E-A947-70E740481C1C}">
+                <a14:useLocalDpi xmlns:a14="http://schemas.microsoft.com/office/drawing/2010/main" val="0"/>
+              </a:ext>
+            </a:extLst>
+          </a:blip>
+          <a:srcRect/>
+          <a:stretch>
+            <a:fillRect/>
+          </a:stretch>
+        </p:blipFill>
+        <p:spPr bwMode="auto">
+          <a:xfrm>
+            <a:off x="4028665" y="3160450"/>
+            <a:ext cx="4134669" cy="3239103"/>
+          </a:xfrm>
+          <a:prstGeom prst="rect">
+            <a:avLst/>
+          </a:prstGeom>
+          <a:noFill/>
+          <a:extLst>
+            <a:ext uri="{909E8E84-426E-40DD-AFC4-6F175D3DCCD1}">
+              <a14:hiddenFill xmlns:a14="http://schemas.microsoft.com/office/drawing/2010/main">
+                <a:solidFill>
+                  <a:srgbClr val="FFFFFF"/>
+                </a:solidFill>
+              </a14:hiddenFill>
+            </a:ext>
+          </a:extLst>
+        </p:spPr>
+      </p:pic>
     </p:spTree>
+    <p:extLst>
+      <p:ext uri="{BB962C8B-B14F-4D97-AF65-F5344CB8AC3E}">
+        <p14:creationId xmlns:p14="http://schemas.microsoft.com/office/powerpoint/2010/main" val="119587995"/>
+      </p:ext>
+    </p:extLst>
   </p:cSld>
-  <mc:AlternateContent>
-    <mc:Choice Requires="p14">
-      <p:transition spd="slow" p14:dur="2000"/>
-    </mc:Choice>
-    <mc:Fallback>
-      <p:transition spd="slow"/>
-    </mc:Fallback>
-  </mc:AlternateContent>
+  <p:clrMapOvr>
+    <a:masterClrMapping/>
+  </p:clrMapOvr>
 </p:sld>
 </file>
 
 <file path=ppt/slides/slide6.xml><?xml version="1.0" encoding="utf-8"?>
-<p:sld xmlns:a="http://schemas.openxmlformats.org/drawingml/2006/main" xmlns:p="http://schemas.openxmlformats.org/presentationml/2006/main" xmlns:r="http://schemas.openxmlformats.org/officeDocument/2006/relationships" xmlns:p14="http://schemas.microsoft.com/office/powerpoint/2010/main" xmlns:p15="http://schemas.microsoft.com/office/powerpoint/2012/main" xmlns:mc="http://schemas.openxmlformats.org/markup-compatibility/2006">
+<p:sld xmlns:a="http://schemas.openxmlformats.org/drawingml/2006/main" xmlns:r="http://schemas.openxmlformats.org/officeDocument/2006/relationships" xmlns:p="http://schemas.openxmlformats.org/presentationml/2006/main">
   <p:cSld>
     <p:spTree>
       <p:nvGrpSpPr>
@@ -5328,7 +6559,7 @@
       </p:grpSpPr>
       <p:sp>
         <p:nvSpPr>
-          <p:cNvPr id="93" name="CustomShape 1"/>
+          <p:cNvPr id="91" name="CustomShape 1"/>
           <p:cNvSpPr/>
           <p:nvPr/>
         </p:nvSpPr>
@@ -5346,15 +6577,22 @@
           </a:ln>
         </p:spPr>
         <p:style>
-          <a:lnRef idx="0"/>
-          <a:fillRef idx="0"/>
-          <a:effectRef idx="0"/>
+          <a:lnRef idx="0">
+            <a:scrgbClr r="0" g="0" b="0"/>
+          </a:lnRef>
+          <a:fillRef idx="0">
+            <a:scrgbClr r="0" g="0" b="0"/>
+          </a:fillRef>
+          <a:effectRef idx="0">
+            <a:scrgbClr r="0" g="0" b="0"/>
+          </a:effectRef>
           <a:fontRef idx="minor"/>
         </p:style>
         <p:txBody>
-          <a:bodyPr lIns="90000" rIns="90000" tIns="45000" bIns="45000" anchor="ctr">
+          <a:bodyPr lIns="90000" tIns="45000" rIns="90000" bIns="45000" anchor="ctr">
             <a:noAutofit/>
           </a:bodyPr>
+          <a:lstStyle/>
           <a:p>
             <a:pPr algn="ctr">
               <a:lnSpc>
@@ -5362,24 +6600,24 @@
               </a:lnSpc>
             </a:pPr>
             <a:r>
-              <a:rPr b="0" lang="pt-BR" sz="5400" spc="-1" strike="noStrike">
+              <a:rPr lang="pt-BR" sz="5400" b="0" strike="noStrike" spc="-1">
                 <a:solidFill>
-                  <a:srgbClr val="1f4e79"/>
+                  <a:srgbClr val="1F4E79"/>
                 </a:solidFill>
                 <a:latin typeface="Arial"/>
                 <a:ea typeface="DejaVu Sans"/>
               </a:rPr>
-              <a:t>ExpressJS</a:t>
+              <a:t>NPM vs. Yarn</a:t>
             </a:r>
-            <a:endParaRPr b="0" lang="pt-BR" sz="5400" spc="-1" strike="noStrike">
-              <a:latin typeface="Arial"/>
-            </a:endParaRPr>
-          </a:p>
-        </p:txBody>
-      </p:sp>
-      <p:sp>
-        <p:nvSpPr>
-          <p:cNvPr id="94" name="CustomShape 2"/>
+            <a:endParaRPr lang="pt-BR" sz="5400" b="0" strike="noStrike" spc="-1">
+              <a:latin typeface="Arial"/>
+            </a:endParaRPr>
+          </a:p>
+        </p:txBody>
+      </p:sp>
+      <p:sp>
+        <p:nvSpPr>
+          <p:cNvPr id="92" name="CustomShape 2"/>
           <p:cNvSpPr/>
           <p:nvPr/>
         </p:nvSpPr>
@@ -5397,15 +6635,22 @@
           </a:ln>
         </p:spPr>
         <p:style>
-          <a:lnRef idx="0"/>
-          <a:fillRef idx="0"/>
-          <a:effectRef idx="0"/>
+          <a:lnRef idx="0">
+            <a:scrgbClr r="0" g="0" b="0"/>
+          </a:lnRef>
+          <a:fillRef idx="0">
+            <a:scrgbClr r="0" g="0" b="0"/>
+          </a:fillRef>
+          <a:effectRef idx="0">
+            <a:scrgbClr r="0" g="0" b="0"/>
+          </a:effectRef>
           <a:fontRef idx="minor"/>
         </p:style>
         <p:txBody>
-          <a:bodyPr lIns="90000" rIns="90000" tIns="45000" bIns="45000">
+          <a:bodyPr lIns="90000" tIns="45000" rIns="90000" bIns="45000">
             <a:normAutofit/>
           </a:bodyPr>
+          <a:lstStyle/>
           <a:p>
             <a:pPr algn="ctr">
               <a:lnSpc>
@@ -5418,50 +6663,20 @@
                 <a:spcPts val="1001"/>
               </a:spcAft>
               <a:tabLst>
-                <a:tab algn="l" pos="0"/>
+                <a:tab pos="0" algn="l"/>
               </a:tabLst>
             </a:pPr>
             <a:r>
-              <a:rPr b="0" i="1" lang="pt-BR" sz="3200" spc="-1" strike="noStrike">
+              <a:rPr lang="pt-BR" sz="3200" b="0" strike="noStrike" spc="-1">
                 <a:solidFill>
-                  <a:srgbClr val="1f4e79"/>
+                  <a:srgbClr val="1F4E79"/>
                 </a:solidFill>
                 <a:latin typeface="Arial"/>
                 <a:ea typeface="DejaVu Sans"/>
               </a:rPr>
-              <a:t>Framework</a:t>
+              <a:t>São gerenciadores de pacotes para Node.js.</a:t>
             </a:r>
-            <a:r>
-              <a:rPr b="0" lang="pt-BR" sz="3200" spc="-1" strike="noStrike">
-                <a:solidFill>
-                  <a:srgbClr val="1f4e79"/>
-                </a:solidFill>
-                <a:latin typeface="Arial"/>
-                <a:ea typeface="DejaVu Sans"/>
-              </a:rPr>
-              <a:t> com inúmeros métodos utilitários de HTTP e </a:t>
-            </a:r>
-            <a:r>
-              <a:rPr b="0" i="1" lang="pt-BR" sz="3200" spc="-1" strike="noStrike">
-                <a:solidFill>
-                  <a:srgbClr val="1f4e79"/>
-                </a:solidFill>
-                <a:latin typeface="Arial"/>
-                <a:ea typeface="DejaVu Sans"/>
-              </a:rPr>
-              <a:t>middlewares</a:t>
-            </a:r>
-            <a:r>
-              <a:rPr b="0" lang="pt-BR" sz="3200" spc="-1" strike="noStrike">
-                <a:solidFill>
-                  <a:srgbClr val="1f4e79"/>
-                </a:solidFill>
-                <a:latin typeface="Arial"/>
-                <a:ea typeface="DejaVu Sans"/>
-              </a:rPr>
-              <a:t>.</a:t>
-            </a:r>
-            <a:endParaRPr b="0" lang="pt-BR" sz="3200" spc="-1" strike="noStrike">
+            <a:endParaRPr lang="pt-BR" sz="3200" b="0" strike="noStrike" spc="-1">
               <a:latin typeface="Arial"/>
             </a:endParaRPr>
           </a:p>
@@ -5477,20 +6692,49 @@
                 <a:spcPts val="1001"/>
               </a:spcAft>
               <a:tabLst>
-                <a:tab algn="l" pos="0"/>
+                <a:tab pos="0" algn="l"/>
               </a:tabLst>
             </a:pPr>
             <a:r>
-              <a:rPr b="0" lang="pt-BR" sz="3200" spc="-1" strike="noStrike">
+              <a:rPr lang="pt-BR" sz="3200" b="0" strike="noStrike" spc="-1">
                 <a:solidFill>
-                  <a:srgbClr val="1f4e79"/>
+                  <a:srgbClr val="1F4E79"/>
                 </a:solidFill>
                 <a:latin typeface="Arial"/>
                 <a:ea typeface="DejaVu Sans"/>
               </a:rPr>
-              <a:t>Possui uma estrutura aberta (flexível) e exige poucos conceitos para iniciar a utilização.</a:t>
+              <a:t>Permitem instalar bibliotecas de terceiros e fornecer bibliotecas para terceiros.</a:t>
             </a:r>
-            <a:endParaRPr b="0" lang="pt-BR" sz="3200" spc="-1" strike="noStrike">
+            <a:endParaRPr lang="pt-BR" sz="3200" b="0" strike="noStrike" spc="-1">
+              <a:latin typeface="Arial"/>
+            </a:endParaRPr>
+          </a:p>
+          <a:p>
+            <a:pPr algn="ctr">
+              <a:lnSpc>
+                <a:spcPct val="100000"/>
+              </a:lnSpc>
+              <a:spcBef>
+                <a:spcPts val="1001"/>
+              </a:spcBef>
+              <a:spcAft>
+                <a:spcPts val="1001"/>
+              </a:spcAft>
+              <a:tabLst>
+                <a:tab pos="0" algn="l"/>
+              </a:tabLst>
+            </a:pPr>
+            <a:r>
+              <a:rPr lang="pt-BR" sz="3200" b="0" strike="noStrike" spc="-1">
+                <a:solidFill>
+                  <a:srgbClr val="1F4E79"/>
+                </a:solidFill>
+                <a:latin typeface="Arial"/>
+                <a:ea typeface="DejaVu Sans"/>
+              </a:rPr>
+              <a:t>O Yarn apresenta um desempenho melhor no momento, com alguns recursos ainda não presentes no NPM.</a:t>
+            </a:r>
+            <a:endParaRPr lang="pt-BR" sz="3200" b="0" strike="noStrike" spc="-1">
               <a:latin typeface="Arial"/>
             </a:endParaRPr>
           </a:p>
@@ -5498,19 +6742,14 @@
       </p:sp>
     </p:spTree>
   </p:cSld>
-  <mc:AlternateContent>
-    <mc:Choice Requires="p14">
-      <p:transition spd="slow" p14:dur="2000"/>
-    </mc:Choice>
-    <mc:Fallback>
-      <p:transition spd="slow"/>
-    </mc:Fallback>
-  </mc:AlternateContent>
+  <p:clrMapOvr>
+    <a:masterClrMapping/>
+  </p:clrMapOvr>
 </p:sld>
 </file>
 
 <file path=ppt/slides/slide7.xml><?xml version="1.0" encoding="utf-8"?>
-<p:sld xmlns:a="http://schemas.openxmlformats.org/drawingml/2006/main" xmlns:p="http://schemas.openxmlformats.org/presentationml/2006/main" xmlns:r="http://schemas.openxmlformats.org/officeDocument/2006/relationships" xmlns:p14="http://schemas.microsoft.com/office/powerpoint/2010/main" xmlns:p15="http://schemas.microsoft.com/office/powerpoint/2012/main" xmlns:mc="http://schemas.openxmlformats.org/markup-compatibility/2006">
+<p:sld xmlns:a="http://schemas.openxmlformats.org/drawingml/2006/main" xmlns:r="http://schemas.openxmlformats.org/officeDocument/2006/relationships" xmlns:p="http://schemas.openxmlformats.org/presentationml/2006/main">
   <p:cSld>
     <p:spTree>
       <p:nvGrpSpPr>
@@ -5528,7 +6767,7 @@
       </p:grpSpPr>
       <p:sp>
         <p:nvSpPr>
-          <p:cNvPr id="95" name="CustomShape 1"/>
+          <p:cNvPr id="93" name="CustomShape 1"/>
           <p:cNvSpPr/>
           <p:nvPr/>
         </p:nvSpPr>
@@ -5546,15 +6785,22 @@
           </a:ln>
         </p:spPr>
         <p:style>
-          <a:lnRef idx="0"/>
-          <a:fillRef idx="0"/>
-          <a:effectRef idx="0"/>
+          <a:lnRef idx="0">
+            <a:scrgbClr r="0" g="0" b="0"/>
+          </a:lnRef>
+          <a:fillRef idx="0">
+            <a:scrgbClr r="0" g="0" b="0"/>
+          </a:fillRef>
+          <a:effectRef idx="0">
+            <a:scrgbClr r="0" g="0" b="0"/>
+          </a:effectRef>
           <a:fontRef idx="minor"/>
         </p:style>
         <p:txBody>
-          <a:bodyPr lIns="90000" rIns="90000" tIns="45000" bIns="45000" anchor="ctr">
+          <a:bodyPr lIns="90000" tIns="45000" rIns="90000" bIns="45000" anchor="ctr">
             <a:noAutofit/>
           </a:bodyPr>
+          <a:lstStyle/>
           <a:p>
             <a:pPr algn="ctr">
               <a:lnSpc>
@@ -5562,24 +6808,24 @@
               </a:lnSpc>
             </a:pPr>
             <a:r>
-              <a:rPr b="0" lang="pt-BR" sz="5400" spc="-1" strike="noStrike">
+              <a:rPr lang="pt-BR" sz="5400" b="0" strike="noStrike" spc="-1">
                 <a:solidFill>
-                  <a:srgbClr val="1f4e79"/>
+                  <a:srgbClr val="1F4E79"/>
                 </a:solidFill>
                 <a:latin typeface="Arial"/>
                 <a:ea typeface="DejaVu Sans"/>
               </a:rPr>
-              <a:t>Referências</a:t>
+              <a:t>ExpressJS</a:t>
             </a:r>
-            <a:endParaRPr b="0" lang="pt-BR" sz="5400" spc="-1" strike="noStrike">
-              <a:latin typeface="Arial"/>
-            </a:endParaRPr>
-          </a:p>
-        </p:txBody>
-      </p:sp>
-      <p:sp>
-        <p:nvSpPr>
-          <p:cNvPr id="96" name="CustomShape 2"/>
+            <a:endParaRPr lang="pt-BR" sz="5400" b="0" strike="noStrike" spc="-1">
+              <a:latin typeface="Arial"/>
+            </a:endParaRPr>
+          </a:p>
+        </p:txBody>
+      </p:sp>
+      <p:sp>
+        <p:nvSpPr>
+          <p:cNvPr id="94" name="CustomShape 2"/>
           <p:cNvSpPr/>
           <p:nvPr/>
         </p:nvSpPr>
@@ -5597,15 +6843,231 @@
           </a:ln>
         </p:spPr>
         <p:style>
-          <a:lnRef idx="0"/>
-          <a:fillRef idx="0"/>
-          <a:effectRef idx="0"/>
+          <a:lnRef idx="0">
+            <a:scrgbClr r="0" g="0" b="0"/>
+          </a:lnRef>
+          <a:fillRef idx="0">
+            <a:scrgbClr r="0" g="0" b="0"/>
+          </a:fillRef>
+          <a:effectRef idx="0">
+            <a:scrgbClr r="0" g="0" b="0"/>
+          </a:effectRef>
           <a:fontRef idx="minor"/>
         </p:style>
         <p:txBody>
-          <a:bodyPr lIns="90000" rIns="90000" tIns="45000" bIns="45000">
+          <a:bodyPr lIns="90000" tIns="45000" rIns="90000" bIns="45000">
             <a:normAutofit/>
           </a:bodyPr>
+          <a:lstStyle/>
+          <a:p>
+            <a:pPr algn="ctr">
+              <a:lnSpc>
+                <a:spcPct val="100000"/>
+              </a:lnSpc>
+              <a:spcBef>
+                <a:spcPts val="1001"/>
+              </a:spcBef>
+              <a:spcAft>
+                <a:spcPts val="1001"/>
+              </a:spcAft>
+              <a:tabLst>
+                <a:tab pos="0" algn="l"/>
+              </a:tabLst>
+            </a:pPr>
+            <a:r>
+              <a:rPr lang="pt-BR" sz="3200" b="0" i="1" strike="noStrike" spc="-1">
+                <a:solidFill>
+                  <a:srgbClr val="1F4E79"/>
+                </a:solidFill>
+                <a:latin typeface="Arial"/>
+                <a:ea typeface="DejaVu Sans"/>
+              </a:rPr>
+              <a:t>Framework</a:t>
+            </a:r>
+            <a:r>
+              <a:rPr lang="pt-BR" sz="3200" b="0" strike="noStrike" spc="-1">
+                <a:solidFill>
+                  <a:srgbClr val="1F4E79"/>
+                </a:solidFill>
+                <a:latin typeface="Arial"/>
+                <a:ea typeface="DejaVu Sans"/>
+              </a:rPr>
+              <a:t> com inúmeros métodos utilitários de HTTP e </a:t>
+            </a:r>
+            <a:r>
+              <a:rPr lang="pt-BR" sz="3200" b="0" i="1" strike="noStrike" spc="-1">
+                <a:solidFill>
+                  <a:srgbClr val="1F4E79"/>
+                </a:solidFill>
+                <a:latin typeface="Arial"/>
+                <a:ea typeface="DejaVu Sans"/>
+              </a:rPr>
+              <a:t>middlewares</a:t>
+            </a:r>
+            <a:r>
+              <a:rPr lang="pt-BR" sz="3200" b="0" strike="noStrike" spc="-1">
+                <a:solidFill>
+                  <a:srgbClr val="1F4E79"/>
+                </a:solidFill>
+                <a:latin typeface="Arial"/>
+                <a:ea typeface="DejaVu Sans"/>
+              </a:rPr>
+              <a:t>.</a:t>
+            </a:r>
+            <a:endParaRPr lang="pt-BR" sz="3200" b="0" strike="noStrike" spc="-1">
+              <a:latin typeface="Arial"/>
+            </a:endParaRPr>
+          </a:p>
+          <a:p>
+            <a:pPr algn="ctr">
+              <a:lnSpc>
+                <a:spcPct val="100000"/>
+              </a:lnSpc>
+              <a:spcBef>
+                <a:spcPts val="1001"/>
+              </a:spcBef>
+              <a:spcAft>
+                <a:spcPts val="1001"/>
+              </a:spcAft>
+              <a:tabLst>
+                <a:tab pos="0" algn="l"/>
+              </a:tabLst>
+            </a:pPr>
+            <a:r>
+              <a:rPr lang="pt-BR" sz="3200" b="0" strike="noStrike" spc="-1">
+                <a:solidFill>
+                  <a:srgbClr val="1F4E79"/>
+                </a:solidFill>
+                <a:latin typeface="Arial"/>
+                <a:ea typeface="DejaVu Sans"/>
+              </a:rPr>
+              <a:t>Possui uma estrutura aberta (flexível) e exige poucos conceitos para iniciar a utilização.</a:t>
+            </a:r>
+            <a:endParaRPr lang="pt-BR" sz="3200" b="0" strike="noStrike" spc="-1">
+              <a:latin typeface="Arial"/>
+            </a:endParaRPr>
+          </a:p>
+        </p:txBody>
+      </p:sp>
+    </p:spTree>
+  </p:cSld>
+  <p:clrMapOvr>
+    <a:masterClrMapping/>
+  </p:clrMapOvr>
+</p:sld>
+</file>
+
+<file path=ppt/slides/slide8.xml><?xml version="1.0" encoding="utf-8"?>
+<p:sld xmlns:a="http://schemas.openxmlformats.org/drawingml/2006/main" xmlns:r="http://schemas.openxmlformats.org/officeDocument/2006/relationships" xmlns:p="http://schemas.openxmlformats.org/presentationml/2006/main">
+  <p:cSld>
+    <p:spTree>
+      <p:nvGrpSpPr>
+        <p:cNvPr id="1" name=""/>
+        <p:cNvGrpSpPr/>
+        <p:nvPr/>
+      </p:nvGrpSpPr>
+      <p:grpSpPr>
+        <a:xfrm>
+          <a:off x="0" y="0"/>
+          <a:ext cx="0" cy="0"/>
+          <a:chOff x="0" y="0"/>
+          <a:chExt cx="0" cy="0"/>
+        </a:xfrm>
+      </p:grpSpPr>
+      <p:sp>
+        <p:nvSpPr>
+          <p:cNvPr id="95" name="CustomShape 1"/>
+          <p:cNvSpPr/>
+          <p:nvPr/>
+        </p:nvSpPr>
+        <p:spPr>
+          <a:xfrm>
+            <a:off x="0" y="224280"/>
+            <a:ext cx="12021480" cy="856800"/>
+          </a:xfrm>
+          <a:prstGeom prst="rect">
+            <a:avLst/>
+          </a:prstGeom>
+          <a:noFill/>
+          <a:ln>
+            <a:noFill/>
+          </a:ln>
+        </p:spPr>
+        <p:style>
+          <a:lnRef idx="0">
+            <a:scrgbClr r="0" g="0" b="0"/>
+          </a:lnRef>
+          <a:fillRef idx="0">
+            <a:scrgbClr r="0" g="0" b="0"/>
+          </a:fillRef>
+          <a:effectRef idx="0">
+            <a:scrgbClr r="0" g="0" b="0"/>
+          </a:effectRef>
+          <a:fontRef idx="minor"/>
+        </p:style>
+        <p:txBody>
+          <a:bodyPr lIns="90000" tIns="45000" rIns="90000" bIns="45000" anchor="ctr">
+            <a:noAutofit/>
+          </a:bodyPr>
+          <a:lstStyle/>
+          <a:p>
+            <a:pPr algn="ctr">
+              <a:lnSpc>
+                <a:spcPct val="90000"/>
+              </a:lnSpc>
+            </a:pPr>
+            <a:r>
+              <a:rPr lang="pt-BR" sz="5400" b="0" strike="noStrike" spc="-1">
+                <a:solidFill>
+                  <a:srgbClr val="1F4E79"/>
+                </a:solidFill>
+                <a:latin typeface="Arial"/>
+                <a:ea typeface="DejaVu Sans"/>
+              </a:rPr>
+              <a:t>Referências</a:t>
+            </a:r>
+            <a:endParaRPr lang="pt-BR" sz="5400" b="0" strike="noStrike" spc="-1">
+              <a:latin typeface="Arial"/>
+            </a:endParaRPr>
+          </a:p>
+        </p:txBody>
+      </p:sp>
+      <p:sp>
+        <p:nvSpPr>
+          <p:cNvPr id="96" name="CustomShape 2"/>
+          <p:cNvSpPr/>
+          <p:nvPr/>
+        </p:nvSpPr>
+        <p:spPr>
+          <a:xfrm>
+            <a:off x="317520" y="1290960"/>
+            <a:ext cx="11703600" cy="4349520"/>
+          </a:xfrm>
+          <a:prstGeom prst="rect">
+            <a:avLst/>
+          </a:prstGeom>
+          <a:noFill/>
+          <a:ln>
+            <a:noFill/>
+          </a:ln>
+        </p:spPr>
+        <p:style>
+          <a:lnRef idx="0">
+            <a:scrgbClr r="0" g="0" b="0"/>
+          </a:lnRef>
+          <a:fillRef idx="0">
+            <a:scrgbClr r="0" g="0" b="0"/>
+          </a:fillRef>
+          <a:effectRef idx="0">
+            <a:scrgbClr r="0" g="0" b="0"/>
+          </a:effectRef>
+          <a:fontRef idx="minor"/>
+        </p:style>
+        <p:txBody>
+          <a:bodyPr lIns="90000" tIns="45000" rIns="90000" bIns="45000">
+            <a:normAutofit lnSpcReduction="10000"/>
+          </a:bodyPr>
+          <a:lstStyle/>
           <a:p>
             <a:pPr marL="514440" indent="-512640">
               <a:lnSpc>
@@ -5618,15 +7080,15 @@
                 <a:spcPts val="1001"/>
               </a:spcAft>
               <a:buClr>
-                <a:srgbClr val="1f4e79"/>
+                <a:srgbClr val="1F4E79"/>
               </a:buClr>
               <a:buFont typeface="Calibri Light"/>
               <a:buAutoNum type="arabicPeriod"/>
             </a:pPr>
             <a:r>
-              <a:rPr b="0" lang="pt-BR" sz="3200" spc="-1" strike="noStrike">
+              <a:rPr lang="pt-BR" sz="3200" b="0" strike="noStrike" spc="-1">
                 <a:solidFill>
-                  <a:srgbClr val="1f4e79"/>
+                  <a:srgbClr val="1F4E79"/>
                 </a:solidFill>
                 <a:latin typeface="Arial"/>
                 <a:ea typeface="DejaVu Sans"/>
@@ -5634,9 +7096,9 @@
               <a:t>Node.js. </a:t>
             </a:r>
             <a:r>
-              <a:rPr b="1" lang="pt-BR" sz="3200" spc="-1" strike="noStrike">
+              <a:rPr lang="pt-BR" sz="3200" b="1" strike="noStrike" spc="-1">
                 <a:solidFill>
-                  <a:srgbClr val="1f4e79"/>
+                  <a:srgbClr val="1F4E79"/>
                 </a:solidFill>
                 <a:latin typeface="Arial"/>
                 <a:ea typeface="DejaVu Sans"/>
@@ -5644,9 +7106,9 @@
               <a:t>About</a:t>
             </a:r>
             <a:r>
-              <a:rPr b="0" lang="pt-BR" sz="3200" spc="-1" strike="noStrike">
+              <a:rPr lang="pt-BR" sz="3200" b="0" strike="noStrike" spc="-1">
                 <a:solidFill>
-                  <a:srgbClr val="1f4e79"/>
+                  <a:srgbClr val="1F4E79"/>
                 </a:solidFill>
                 <a:latin typeface="Arial"/>
                 <a:ea typeface="DejaVu Sans"/>
@@ -5654,27 +7116,27 @@
               <a:t>. Disponível em: </a:t>
             </a:r>
             <a:r>
-              <a:rPr b="0" lang="pt-BR" sz="3200" spc="-1" strike="noStrike">
+              <a:rPr lang="pt-BR" sz="3200" b="0" strike="noStrike" spc="-1">
                 <a:solidFill>
-                  <a:srgbClr val="1f4e79"/>
+                  <a:srgbClr val="1F4E79"/>
                 </a:solidFill>
                 <a:latin typeface="Arial"/>
                 <a:ea typeface="DejaVu Sans"/>
-                <a:hlinkClick r:id="rId1"/>
+                <a:hlinkClick r:id="rId3"/>
               </a:rPr>
               <a:t>https://nodejs.org/en/about/</a:t>
             </a:r>
             <a:r>
-              <a:rPr b="0" lang="pt-BR" sz="3200" spc="-1" strike="noStrike">
+              <a:rPr lang="pt-BR" sz="3200" b="0" strike="noStrike" spc="-1">
                 <a:solidFill>
-                  <a:srgbClr val="1f4e79"/>
+                  <a:srgbClr val="1F4E79"/>
                 </a:solidFill>
                 <a:latin typeface="Arial"/>
                 <a:ea typeface="DejaVu Sans"/>
               </a:rPr>
               <a:t>.</a:t>
             </a:r>
-            <a:endParaRPr b="0" lang="pt-BR" sz="3200" spc="-1" strike="noStrike">
+            <a:endParaRPr lang="pt-BR" sz="3200" b="0" strike="noStrike" spc="-1">
               <a:latin typeface="Arial"/>
             </a:endParaRPr>
           </a:p>
@@ -5690,15 +7152,15 @@
                 <a:spcPts val="1001"/>
               </a:spcAft>
               <a:buClr>
-                <a:srgbClr val="1f4e79"/>
+                <a:srgbClr val="1F4E79"/>
               </a:buClr>
               <a:buFont typeface="Calibri Light"/>
               <a:buAutoNum type="arabicPeriod"/>
             </a:pPr>
             <a:r>
-              <a:rPr b="0" lang="pt-BR" sz="3200" spc="-1" strike="noStrike">
+              <a:rPr lang="pt-BR" sz="3200" b="0" strike="noStrike" spc="-1">
                 <a:solidFill>
-                  <a:srgbClr val="1f4e79"/>
+                  <a:srgbClr val="1F4E79"/>
                 </a:solidFill>
                 <a:latin typeface="Arial"/>
                 <a:ea typeface="DejaVu Sans"/>
@@ -5706,9 +7168,9 @@
               <a:t>Node.js. </a:t>
             </a:r>
             <a:r>
-              <a:rPr b="1" lang="pt-BR" sz="3200" spc="-1" strike="noStrike">
+              <a:rPr lang="pt-BR" sz="3200" b="1" strike="noStrike" spc="-1">
                 <a:solidFill>
-                  <a:srgbClr val="1f4e79"/>
+                  <a:srgbClr val="1F4E79"/>
                 </a:solidFill>
                 <a:latin typeface="Arial"/>
                 <a:ea typeface="DejaVu Sans"/>
@@ -5716,9 +7178,9 @@
               <a:t>Download</a:t>
             </a:r>
             <a:r>
-              <a:rPr b="0" lang="pt-BR" sz="3200" spc="-1" strike="noStrike">
+              <a:rPr lang="pt-BR" sz="3200" b="0" strike="noStrike" spc="-1">
                 <a:solidFill>
-                  <a:srgbClr val="1f4e79"/>
+                  <a:srgbClr val="1F4E79"/>
                 </a:solidFill>
                 <a:latin typeface="Arial"/>
                 <a:ea typeface="DejaVu Sans"/>
@@ -5726,27 +7188,27 @@
               <a:t>. Disponível em: </a:t>
             </a:r>
             <a:r>
-              <a:rPr b="0" lang="pt-BR" sz="3200" spc="-1" strike="noStrike">
+              <a:rPr lang="pt-BR" sz="3200" b="0" strike="noStrike" spc="-1">
                 <a:solidFill>
-                  <a:srgbClr val="1f4e79"/>
+                  <a:srgbClr val="1F4E79"/>
                 </a:solidFill>
                 <a:latin typeface="Arial"/>
                 <a:ea typeface="DejaVu Sans"/>
-                <a:hlinkClick r:id="rId2"/>
+                <a:hlinkClick r:id="rId4"/>
               </a:rPr>
               <a:t>https://nodejs.org/en/download/</a:t>
             </a:r>
             <a:r>
-              <a:rPr b="0" lang="pt-BR" sz="3200" spc="-1" strike="noStrike">
+              <a:rPr lang="pt-BR" sz="3200" b="0" strike="noStrike" spc="-1">
                 <a:solidFill>
-                  <a:srgbClr val="1f4e79"/>
+                  <a:srgbClr val="1F4E79"/>
                 </a:solidFill>
                 <a:latin typeface="Arial"/>
                 <a:ea typeface="DejaVu Sans"/>
               </a:rPr>
               <a:t>.</a:t>
             </a:r>
-            <a:endParaRPr b="0" lang="pt-BR" sz="3200" spc="-1" strike="noStrike">
+            <a:endParaRPr lang="pt-BR" sz="3200" b="0" strike="noStrike" spc="-1">
               <a:latin typeface="Arial"/>
             </a:endParaRPr>
           </a:p>
@@ -5762,15 +7224,15 @@
                 <a:spcPts val="1001"/>
               </a:spcAft>
               <a:buClr>
-                <a:srgbClr val="1f4e79"/>
+                <a:srgbClr val="1F4E79"/>
               </a:buClr>
               <a:buFont typeface="Calibri Light"/>
               <a:buAutoNum type="arabicPeriod"/>
             </a:pPr>
             <a:r>
-              <a:rPr b="0" lang="pt-BR" sz="3200" spc="-1" strike="noStrike">
+              <a:rPr lang="pt-BR" sz="3200" b="0" strike="noStrike" spc="-1">
                 <a:solidFill>
-                  <a:srgbClr val="1f4e79"/>
+                  <a:srgbClr val="1F4E79"/>
                 </a:solidFill>
                 <a:latin typeface="Arial"/>
                 <a:ea typeface="DejaVu Sans"/>
@@ -5778,9 +7240,9 @@
               <a:t>Yarn. </a:t>
             </a:r>
             <a:r>
-              <a:rPr b="1" lang="pt-BR" sz="3200" spc="-1" strike="noStrike">
+              <a:rPr lang="pt-BR" sz="3200" b="1" strike="noStrike" spc="-1">
                 <a:solidFill>
-                  <a:srgbClr val="1f4e79"/>
+                  <a:srgbClr val="1F4E79"/>
                 </a:solidFill>
                 <a:latin typeface="Arial"/>
                 <a:ea typeface="DejaVu Sans"/>
@@ -5788,9 +7250,9 @@
               <a:t>Introduction</a:t>
             </a:r>
             <a:r>
-              <a:rPr b="0" lang="pt-BR" sz="3200" spc="-1" strike="noStrike">
+              <a:rPr lang="pt-BR" sz="3200" b="0" strike="noStrike" spc="-1">
                 <a:solidFill>
-                  <a:srgbClr val="1f4e79"/>
+                  <a:srgbClr val="1F4E79"/>
                 </a:solidFill>
                 <a:latin typeface="Arial"/>
                 <a:ea typeface="DejaVu Sans"/>
@@ -5798,27 +7260,27 @@
               <a:t>. Disponível em: </a:t>
             </a:r>
             <a:r>
-              <a:rPr b="0" lang="pt-BR" sz="3200" spc="-1" strike="noStrike">
+              <a:rPr lang="pt-BR" sz="3200" b="0" strike="noStrike" spc="-1">
                 <a:solidFill>
-                  <a:srgbClr val="1f4e79"/>
+                  <a:srgbClr val="1F4E79"/>
                 </a:solidFill>
                 <a:latin typeface="Arial"/>
                 <a:ea typeface="DejaVu Sans"/>
-                <a:hlinkClick r:id="rId3"/>
+                <a:hlinkClick r:id="rId5"/>
               </a:rPr>
               <a:t>https://yarnpkg.com/getting-started/</a:t>
             </a:r>
             <a:r>
-              <a:rPr b="0" lang="pt-BR" sz="3200" spc="-1" strike="noStrike">
+              <a:rPr lang="pt-BR" sz="3200" b="0" strike="noStrike" spc="-1">
                 <a:solidFill>
-                  <a:srgbClr val="1f4e79"/>
+                  <a:srgbClr val="1F4E79"/>
                 </a:solidFill>
                 <a:latin typeface="Arial"/>
                 <a:ea typeface="DejaVu Sans"/>
               </a:rPr>
               <a:t>.</a:t>
             </a:r>
-            <a:endParaRPr b="0" lang="pt-BR" sz="3200" spc="-1" strike="noStrike">
+            <a:endParaRPr lang="pt-BR" sz="3200" b="0" strike="noStrike" spc="-1">
               <a:latin typeface="Arial"/>
             </a:endParaRPr>
           </a:p>
@@ -5834,15 +7296,15 @@
                 <a:spcPts val="1001"/>
               </a:spcAft>
               <a:buClr>
-                <a:srgbClr val="1f4e79"/>
+                <a:srgbClr val="1F4E79"/>
               </a:buClr>
               <a:buFont typeface="Calibri Light"/>
               <a:buAutoNum type="arabicPeriod"/>
             </a:pPr>
             <a:r>
-              <a:rPr b="0" lang="pt-BR" sz="3200" spc="-1" strike="noStrike">
+              <a:rPr lang="pt-BR" sz="3200" b="0" strike="noStrike" spc="-1">
                 <a:solidFill>
-                  <a:srgbClr val="1f4e79"/>
+                  <a:srgbClr val="1F4E79"/>
                 </a:solidFill>
                 <a:latin typeface="Arial"/>
                 <a:ea typeface="DejaVu Sans"/>
@@ -5850,9 +7312,9 @@
               <a:t>Express. </a:t>
             </a:r>
             <a:r>
-              <a:rPr b="1" lang="pt-BR" sz="3200" spc="-1" strike="noStrike">
+              <a:rPr lang="pt-BR" sz="3200" b="1" strike="noStrike" spc="-1">
                 <a:solidFill>
-                  <a:srgbClr val="1f4e79"/>
+                  <a:srgbClr val="1F4E79"/>
                 </a:solidFill>
                 <a:latin typeface="Arial"/>
                 <a:ea typeface="DejaVu Sans"/>
@@ -5860,16 +7322,16 @@
               <a:t>Installing</a:t>
             </a:r>
             <a:r>
-              <a:rPr b="0" lang="pt-BR" sz="3200" spc="-1" strike="noStrike">
+              <a:rPr lang="pt-BR" sz="3200" b="0" strike="noStrike" spc="-1">
                 <a:solidFill>
-                  <a:srgbClr val="1f4e79"/>
+                  <a:srgbClr val="1F4E79"/>
                 </a:solidFill>
                 <a:latin typeface="Arial"/>
                 <a:ea typeface="DejaVu Sans"/>
               </a:rPr>
               <a:t>. Disponível em: https://expressjs.com/en/starter/installing.html</a:t>
             </a:r>
-            <a:endParaRPr b="0" lang="pt-BR" sz="3200" spc="-1" strike="noStrike">
+            <a:endParaRPr lang="pt-BR" sz="3200" b="0" strike="noStrike" spc="-1">
               <a:latin typeface="Arial"/>
             </a:endParaRPr>
           </a:p>
@@ -5885,7 +7347,7 @@
                 <a:spcPts val="1001"/>
               </a:spcAft>
             </a:pPr>
-            <a:endParaRPr b="0" lang="pt-BR" sz="3200" spc="-1" strike="noStrike">
+            <a:endParaRPr lang="pt-BR" sz="3200" b="0" strike="noStrike" spc="-1">
               <a:latin typeface="Arial"/>
             </a:endParaRPr>
           </a:p>
@@ -5893,14 +7355,9 @@
       </p:sp>
     </p:spTree>
   </p:cSld>
-  <mc:AlternateContent>
-    <mc:Choice Requires="p14">
-      <p:transition spd="slow" p14:dur="2000"/>
-    </mc:Choice>
-    <mc:Fallback>
-      <p:transition spd="slow"/>
-    </mc:Fallback>
-  </mc:AlternateContent>
+  <p:clrMapOvr>
+    <a:masterClrMapping/>
+  </p:clrMapOvr>
 </p:sld>
 </file>
 
@@ -5915,34 +7372,34 @@
         <a:sysClr val="window" lastClr="FFFFFF"/>
       </a:lt1>
       <a:dk2>
-        <a:srgbClr val="44546a"/>
+        <a:srgbClr val="44546A"/>
       </a:dk2>
       <a:lt2>
-        <a:srgbClr val="e7e6e6"/>
+        <a:srgbClr val="E7E6E6"/>
       </a:lt2>
       <a:accent1>
-        <a:srgbClr val="5b9bd5"/>
+        <a:srgbClr val="5B9BD5"/>
       </a:accent1>
       <a:accent2>
-        <a:srgbClr val="ed7d31"/>
+        <a:srgbClr val="ED7D31"/>
       </a:accent2>
       <a:accent3>
-        <a:srgbClr val="a5a5a5"/>
+        <a:srgbClr val="A5A5A5"/>
       </a:accent3>
       <a:accent4>
-        <a:srgbClr val="ffc000"/>
+        <a:srgbClr val="FFC000"/>
       </a:accent4>
       <a:accent5>
-        <a:srgbClr val="4472c4"/>
+        <a:srgbClr val="4472C4"/>
       </a:accent5>
       <a:accent6>
-        <a:srgbClr val="70ad47"/>
+        <a:srgbClr val="70AD47"/>
       </a:accent6>
       <a:hlink>
-        <a:srgbClr val="0563c1"/>
+        <a:srgbClr val="0563C1"/>
       </a:hlink>
       <a:folHlink>
-        <a:srgbClr val="954f72"/>
+        <a:srgbClr val="954F72"/>
       </a:folHlink>
     </a:clrScheme>
     <a:fontScheme name="Office">
@@ -6127,6 +7584,8 @@
       </a:bgFillStyleLst>
     </a:fmtScheme>
   </a:themeElements>
+  <a:objectDefaults/>
+  <a:extraClrSchemeLst/>
 </a:theme>
 </file>
 
@@ -6141,34 +7600,34 @@
         <a:sysClr val="window" lastClr="FFFFFF"/>
       </a:lt1>
       <a:dk2>
-        <a:srgbClr val="44546a"/>
+        <a:srgbClr val="44546A"/>
       </a:dk2>
       <a:lt2>
-        <a:srgbClr val="e7e6e6"/>
+        <a:srgbClr val="E7E6E6"/>
       </a:lt2>
       <a:accent1>
-        <a:srgbClr val="5b9bd5"/>
+        <a:srgbClr val="5B9BD5"/>
       </a:accent1>
       <a:accent2>
-        <a:srgbClr val="ed7d31"/>
+        <a:srgbClr val="ED7D31"/>
       </a:accent2>
       <a:accent3>
-        <a:srgbClr val="a5a5a5"/>
+        <a:srgbClr val="A5A5A5"/>
       </a:accent3>
       <a:accent4>
-        <a:srgbClr val="ffc000"/>
+        <a:srgbClr val="FFC000"/>
       </a:accent4>
       <a:accent5>
-        <a:srgbClr val="4472c4"/>
+        <a:srgbClr val="4472C4"/>
       </a:accent5>
       <a:accent6>
-        <a:srgbClr val="70ad47"/>
+        <a:srgbClr val="70AD47"/>
       </a:accent6>
       <a:hlink>
-        <a:srgbClr val="0563c1"/>
+        <a:srgbClr val="0563C1"/>
       </a:hlink>
       <a:folHlink>
-        <a:srgbClr val="954f72"/>
+        <a:srgbClr val="954F72"/>
       </a:folHlink>
     </a:clrScheme>
     <a:fontScheme name="Office">
@@ -6353,6 +7812,8 @@
       </a:bgFillStyleLst>
     </a:fmtScheme>
   </a:themeElements>
+  <a:objectDefaults/>
+  <a:extraClrSchemeLst/>
 </a:theme>
 </file>
 
@@ -6367,34 +7828,34 @@
         <a:sysClr val="window" lastClr="FFFFFF"/>
       </a:lt1>
       <a:dk2>
-        <a:srgbClr val="44546a"/>
+        <a:srgbClr val="44546A"/>
       </a:dk2>
       <a:lt2>
-        <a:srgbClr val="e7e6e6"/>
+        <a:srgbClr val="E7E6E6"/>
       </a:lt2>
       <a:accent1>
-        <a:srgbClr val="5b9bd5"/>
+        <a:srgbClr val="5B9BD5"/>
       </a:accent1>
       <a:accent2>
-        <a:srgbClr val="ed7d31"/>
+        <a:srgbClr val="ED7D31"/>
       </a:accent2>
       <a:accent3>
-        <a:srgbClr val="a5a5a5"/>
+        <a:srgbClr val="A5A5A5"/>
       </a:accent3>
       <a:accent4>
-        <a:srgbClr val="ffc000"/>
+        <a:srgbClr val="FFC000"/>
       </a:accent4>
       <a:accent5>
-        <a:srgbClr val="4472c4"/>
+        <a:srgbClr val="4472C4"/>
       </a:accent5>
       <a:accent6>
-        <a:srgbClr val="70ad47"/>
+        <a:srgbClr val="70AD47"/>
       </a:accent6>
       <a:hlink>
-        <a:srgbClr val="0563c1"/>
+        <a:srgbClr val="0563C1"/>
       </a:hlink>
       <a:folHlink>
-        <a:srgbClr val="954f72"/>
+        <a:srgbClr val="954F72"/>
       </a:folHlink>
     </a:clrScheme>
     <a:fontScheme name="Office">
@@ -6579,5 +8040,7 @@
       </a:bgFillStyleLst>
     </a:fmtScheme>
   </a:themeElements>
+  <a:objectDefaults/>
+  <a:extraClrSchemeLst/>
 </a:theme>
 </file>
--- a/node-js.pptx
+++ b/node-js.pptx
@@ -6,7 +6,7 @@
     <p:sldMasterId id="2147483661" r:id="rId2"/>
   </p:sldMasterIdLst>
   <p:notesMasterIdLst>
-    <p:notesMasterId r:id="rId11"/>
+    <p:notesMasterId r:id="rId16"/>
   </p:notesMasterIdLst>
   <p:sldIdLst>
     <p:sldId id="256" r:id="rId3"/>
@@ -15,8 +15,13 @@
     <p:sldId id="259" r:id="rId6"/>
     <p:sldId id="263" r:id="rId7"/>
     <p:sldId id="260" r:id="rId8"/>
-    <p:sldId id="261" r:id="rId9"/>
-    <p:sldId id="262" r:id="rId10"/>
+    <p:sldId id="264" r:id="rId9"/>
+    <p:sldId id="265" r:id="rId10"/>
+    <p:sldId id="266" r:id="rId11"/>
+    <p:sldId id="261" r:id="rId12"/>
+    <p:sldId id="267" r:id="rId13"/>
+    <p:sldId id="268" r:id="rId14"/>
+    <p:sldId id="262" r:id="rId15"/>
   </p:sldIdLst>
   <p:sldSz cx="12192000" cy="6858000"/>
   <p:notesSz cx="6858000" cy="9144000"/>
@@ -115,6 +120,11 @@
       </a:defRPr>
     </a:lvl9pPr>
   </p:defaultTextStyle>
+  <p:extLst>
+    <p:ext uri="{EFAFB233-063F-42B5-8137-9DF3F51BA10A}">
+      <p15:sldGuideLst xmlns:p15="http://schemas.microsoft.com/office/powerpoint/2012/main"/>
+    </p:ext>
+  </p:extLst>
 </p:presentation>
 </file>
 
@@ -582,6 +592,548 @@
 </p:notes>
 </file>
 
+<file path=ppt/notesSlides/notesSlide10.xml><?xml version="1.0" encoding="utf-8"?>
+<p:notes xmlns:a="http://schemas.openxmlformats.org/drawingml/2006/main" xmlns:r="http://schemas.openxmlformats.org/officeDocument/2006/relationships" xmlns:p="http://schemas.openxmlformats.org/presentationml/2006/main">
+  <p:cSld>
+    <p:spTree>
+      <p:nvGrpSpPr>
+        <p:cNvPr id="1" name=""/>
+        <p:cNvGrpSpPr/>
+        <p:nvPr/>
+      </p:nvGrpSpPr>
+      <p:grpSpPr>
+        <a:xfrm>
+          <a:off x="0" y="0"/>
+          <a:ext cx="0" cy="0"/>
+          <a:chOff x="0" y="0"/>
+          <a:chExt cx="0" cy="0"/>
+        </a:xfrm>
+      </p:grpSpPr>
+      <p:sp>
+        <p:nvSpPr>
+          <p:cNvPr id="112" name="PlaceHolder 1"/>
+          <p:cNvSpPr>
+            <a:spLocks noGrp="1" noRot="1" noChangeAspect="1"/>
+          </p:cNvSpPr>
+          <p:nvPr>
+            <p:ph type="sldImg"/>
+          </p:nvPr>
+        </p:nvSpPr>
+        <p:spPr>
+          <a:xfrm>
+            <a:off x="685800" y="1143000"/>
+            <a:ext cx="5484600" cy="3084480"/>
+          </a:xfrm>
+          <a:prstGeom prst="rect">
+            <a:avLst/>
+          </a:prstGeom>
+        </p:spPr>
+      </p:sp>
+      <p:sp>
+        <p:nvSpPr>
+          <p:cNvPr id="113" name="PlaceHolder 2"/>
+          <p:cNvSpPr>
+            <a:spLocks noGrp="1"/>
+          </p:cNvSpPr>
+          <p:nvPr>
+            <p:ph type="body"/>
+          </p:nvPr>
+        </p:nvSpPr>
+        <p:spPr>
+          <a:xfrm>
+            <a:off x="685800" y="4400640"/>
+            <a:ext cx="5484600" cy="3598560"/>
+          </a:xfrm>
+          <a:prstGeom prst="rect">
+            <a:avLst/>
+          </a:prstGeom>
+        </p:spPr>
+        <p:txBody>
+          <a:bodyPr lIns="0" tIns="0" rIns="0" bIns="0">
+            <a:noAutofit/>
+          </a:bodyPr>
+          <a:lstStyle/>
+          <a:p>
+            <a:endParaRPr lang="pt-BR" sz="2000" b="0" strike="noStrike" spc="-1">
+              <a:latin typeface="Arial"/>
+            </a:endParaRPr>
+          </a:p>
+        </p:txBody>
+      </p:sp>
+      <p:sp>
+        <p:nvSpPr>
+          <p:cNvPr id="114" name="CustomShape 3"/>
+          <p:cNvSpPr/>
+          <p:nvPr/>
+        </p:nvSpPr>
+        <p:spPr>
+          <a:xfrm>
+            <a:off x="3884760" y="8685360"/>
+            <a:ext cx="2970000" cy="456840"/>
+          </a:xfrm>
+          <a:prstGeom prst="rect">
+            <a:avLst/>
+          </a:prstGeom>
+          <a:noFill/>
+          <a:ln>
+            <a:noFill/>
+          </a:ln>
+        </p:spPr>
+        <p:style>
+          <a:lnRef idx="0">
+            <a:scrgbClr r="0" g="0" b="0"/>
+          </a:lnRef>
+          <a:fillRef idx="0">
+            <a:scrgbClr r="0" g="0" b="0"/>
+          </a:fillRef>
+          <a:effectRef idx="0">
+            <a:scrgbClr r="0" g="0" b="0"/>
+          </a:effectRef>
+          <a:fontRef idx="minor"/>
+        </p:style>
+        <p:txBody>
+          <a:bodyPr lIns="90000" tIns="45000" rIns="90000" bIns="45000" anchor="b">
+            <a:noAutofit/>
+          </a:bodyPr>
+          <a:lstStyle/>
+          <a:p>
+            <a:pPr algn="r">
+              <a:lnSpc>
+                <a:spcPct val="100000"/>
+              </a:lnSpc>
+            </a:pPr>
+            <a:fld id="{583F70BE-C016-499A-8CB9-F6771F9A179F}" type="slidenum">
+              <a:rPr lang="pt-BR" sz="1200" b="0" strike="noStrike" spc="-1">
+                <a:solidFill>
+                  <a:srgbClr val="000000"/>
+                </a:solidFill>
+                <a:latin typeface="Times New Roman"/>
+              </a:rPr>
+              <a:t>10</a:t>
+            </a:fld>
+            <a:endParaRPr lang="pt-BR" sz="1200" b="0" strike="noStrike" spc="-1">
+              <a:latin typeface="Arial"/>
+            </a:endParaRPr>
+          </a:p>
+        </p:txBody>
+      </p:sp>
+    </p:spTree>
+  </p:cSld>
+  <p:clrMapOvr>
+    <a:masterClrMapping/>
+  </p:clrMapOvr>
+</p:notes>
+</file>
+
+<file path=ppt/notesSlides/notesSlide11.xml><?xml version="1.0" encoding="utf-8"?>
+<p:notes xmlns:a="http://schemas.openxmlformats.org/drawingml/2006/main" xmlns:r="http://schemas.openxmlformats.org/officeDocument/2006/relationships" xmlns:p="http://schemas.openxmlformats.org/presentationml/2006/main">
+  <p:cSld>
+    <p:spTree>
+      <p:nvGrpSpPr>
+        <p:cNvPr id="1" name=""/>
+        <p:cNvGrpSpPr/>
+        <p:nvPr/>
+      </p:nvGrpSpPr>
+      <p:grpSpPr>
+        <a:xfrm>
+          <a:off x="0" y="0"/>
+          <a:ext cx="0" cy="0"/>
+          <a:chOff x="0" y="0"/>
+          <a:chExt cx="0" cy="0"/>
+        </a:xfrm>
+      </p:grpSpPr>
+      <p:sp>
+        <p:nvSpPr>
+          <p:cNvPr id="112" name="PlaceHolder 1"/>
+          <p:cNvSpPr>
+            <a:spLocks noGrp="1" noRot="1" noChangeAspect="1"/>
+          </p:cNvSpPr>
+          <p:nvPr>
+            <p:ph type="sldImg"/>
+          </p:nvPr>
+        </p:nvSpPr>
+        <p:spPr>
+          <a:xfrm>
+            <a:off x="685800" y="1143000"/>
+            <a:ext cx="5484813" cy="3084513"/>
+          </a:xfrm>
+          <a:prstGeom prst="rect">
+            <a:avLst/>
+          </a:prstGeom>
+        </p:spPr>
+      </p:sp>
+      <p:sp>
+        <p:nvSpPr>
+          <p:cNvPr id="113" name="PlaceHolder 2"/>
+          <p:cNvSpPr>
+            <a:spLocks noGrp="1"/>
+          </p:cNvSpPr>
+          <p:nvPr>
+            <p:ph type="body"/>
+          </p:nvPr>
+        </p:nvSpPr>
+        <p:spPr>
+          <a:xfrm>
+            <a:off x="685800" y="4400640"/>
+            <a:ext cx="5484600" cy="3598560"/>
+          </a:xfrm>
+          <a:prstGeom prst="rect">
+            <a:avLst/>
+          </a:prstGeom>
+        </p:spPr>
+        <p:txBody>
+          <a:bodyPr lIns="0" tIns="0" rIns="0" bIns="0">
+            <a:noAutofit/>
+          </a:bodyPr>
+          <a:lstStyle/>
+          <a:p>
+            <a:endParaRPr lang="pt-BR" sz="2000" b="0" strike="noStrike" spc="-1">
+              <a:latin typeface="Arial"/>
+            </a:endParaRPr>
+          </a:p>
+        </p:txBody>
+      </p:sp>
+      <p:sp>
+        <p:nvSpPr>
+          <p:cNvPr id="114" name="CustomShape 3"/>
+          <p:cNvSpPr/>
+          <p:nvPr/>
+        </p:nvSpPr>
+        <p:spPr>
+          <a:xfrm>
+            <a:off x="3884760" y="8685360"/>
+            <a:ext cx="2970000" cy="456840"/>
+          </a:xfrm>
+          <a:prstGeom prst="rect">
+            <a:avLst/>
+          </a:prstGeom>
+          <a:noFill/>
+          <a:ln>
+            <a:noFill/>
+          </a:ln>
+        </p:spPr>
+        <p:style>
+          <a:lnRef idx="0">
+            <a:scrgbClr r="0" g="0" b="0"/>
+          </a:lnRef>
+          <a:fillRef idx="0">
+            <a:scrgbClr r="0" g="0" b="0"/>
+          </a:fillRef>
+          <a:effectRef idx="0">
+            <a:scrgbClr r="0" g="0" b="0"/>
+          </a:effectRef>
+          <a:fontRef idx="minor"/>
+        </p:style>
+        <p:txBody>
+          <a:bodyPr lIns="90000" tIns="45000" rIns="90000" bIns="45000" anchor="b">
+            <a:noAutofit/>
+          </a:bodyPr>
+          <a:lstStyle/>
+          <a:p>
+            <a:pPr algn="r">
+              <a:lnSpc>
+                <a:spcPct val="100000"/>
+              </a:lnSpc>
+            </a:pPr>
+            <a:fld id="{583F70BE-C016-499A-8CB9-F6771F9A179F}" type="slidenum">
+              <a:rPr lang="pt-BR" sz="1200" b="0" strike="noStrike" spc="-1">
+                <a:solidFill>
+                  <a:srgbClr val="000000"/>
+                </a:solidFill>
+                <a:latin typeface="Times New Roman"/>
+              </a:rPr>
+              <a:t>11</a:t>
+            </a:fld>
+            <a:endParaRPr lang="pt-BR" sz="1200" b="0" strike="noStrike" spc="-1">
+              <a:latin typeface="Arial"/>
+            </a:endParaRPr>
+          </a:p>
+        </p:txBody>
+      </p:sp>
+    </p:spTree>
+    <p:extLst>
+      <p:ext uri="{BB962C8B-B14F-4D97-AF65-F5344CB8AC3E}">
+        <p14:creationId xmlns:p14="http://schemas.microsoft.com/office/powerpoint/2010/main" val="1157140608"/>
+      </p:ext>
+    </p:extLst>
+  </p:cSld>
+  <p:clrMapOvr>
+    <a:masterClrMapping/>
+  </p:clrMapOvr>
+</p:notes>
+</file>
+
+<file path=ppt/notesSlides/notesSlide12.xml><?xml version="1.0" encoding="utf-8"?>
+<p:notes xmlns:a="http://schemas.openxmlformats.org/drawingml/2006/main" xmlns:r="http://schemas.openxmlformats.org/officeDocument/2006/relationships" xmlns:p="http://schemas.openxmlformats.org/presentationml/2006/main">
+  <p:cSld>
+    <p:spTree>
+      <p:nvGrpSpPr>
+        <p:cNvPr id="1" name=""/>
+        <p:cNvGrpSpPr/>
+        <p:nvPr/>
+      </p:nvGrpSpPr>
+      <p:grpSpPr>
+        <a:xfrm>
+          <a:off x="0" y="0"/>
+          <a:ext cx="0" cy="0"/>
+          <a:chOff x="0" y="0"/>
+          <a:chExt cx="0" cy="0"/>
+        </a:xfrm>
+      </p:grpSpPr>
+      <p:sp>
+        <p:nvSpPr>
+          <p:cNvPr id="112" name="PlaceHolder 1"/>
+          <p:cNvSpPr>
+            <a:spLocks noGrp="1" noRot="1" noChangeAspect="1"/>
+          </p:cNvSpPr>
+          <p:nvPr>
+            <p:ph type="sldImg"/>
+          </p:nvPr>
+        </p:nvSpPr>
+        <p:spPr>
+          <a:xfrm>
+            <a:off x="685800" y="1143000"/>
+            <a:ext cx="5484813" cy="3084513"/>
+          </a:xfrm>
+          <a:prstGeom prst="rect">
+            <a:avLst/>
+          </a:prstGeom>
+        </p:spPr>
+      </p:sp>
+      <p:sp>
+        <p:nvSpPr>
+          <p:cNvPr id="113" name="PlaceHolder 2"/>
+          <p:cNvSpPr>
+            <a:spLocks noGrp="1"/>
+          </p:cNvSpPr>
+          <p:nvPr>
+            <p:ph type="body"/>
+          </p:nvPr>
+        </p:nvSpPr>
+        <p:spPr>
+          <a:xfrm>
+            <a:off x="685800" y="4400640"/>
+            <a:ext cx="5484600" cy="3598560"/>
+          </a:xfrm>
+          <a:prstGeom prst="rect">
+            <a:avLst/>
+          </a:prstGeom>
+        </p:spPr>
+        <p:txBody>
+          <a:bodyPr lIns="0" tIns="0" rIns="0" bIns="0">
+            <a:noAutofit/>
+          </a:bodyPr>
+          <a:lstStyle/>
+          <a:p>
+            <a:endParaRPr lang="pt-BR" sz="2000" b="0" strike="noStrike" spc="-1">
+              <a:latin typeface="Arial"/>
+            </a:endParaRPr>
+          </a:p>
+        </p:txBody>
+      </p:sp>
+      <p:sp>
+        <p:nvSpPr>
+          <p:cNvPr id="114" name="CustomShape 3"/>
+          <p:cNvSpPr/>
+          <p:nvPr/>
+        </p:nvSpPr>
+        <p:spPr>
+          <a:xfrm>
+            <a:off x="3884760" y="8685360"/>
+            <a:ext cx="2970000" cy="456840"/>
+          </a:xfrm>
+          <a:prstGeom prst="rect">
+            <a:avLst/>
+          </a:prstGeom>
+          <a:noFill/>
+          <a:ln>
+            <a:noFill/>
+          </a:ln>
+        </p:spPr>
+        <p:style>
+          <a:lnRef idx="0">
+            <a:scrgbClr r="0" g="0" b="0"/>
+          </a:lnRef>
+          <a:fillRef idx="0">
+            <a:scrgbClr r="0" g="0" b="0"/>
+          </a:fillRef>
+          <a:effectRef idx="0">
+            <a:scrgbClr r="0" g="0" b="0"/>
+          </a:effectRef>
+          <a:fontRef idx="minor"/>
+        </p:style>
+        <p:txBody>
+          <a:bodyPr lIns="90000" tIns="45000" rIns="90000" bIns="45000" anchor="b">
+            <a:noAutofit/>
+          </a:bodyPr>
+          <a:lstStyle/>
+          <a:p>
+            <a:pPr algn="r">
+              <a:lnSpc>
+                <a:spcPct val="100000"/>
+              </a:lnSpc>
+            </a:pPr>
+            <a:fld id="{583F70BE-C016-499A-8CB9-F6771F9A179F}" type="slidenum">
+              <a:rPr lang="pt-BR" sz="1200" b="0" strike="noStrike" spc="-1">
+                <a:solidFill>
+                  <a:srgbClr val="000000"/>
+                </a:solidFill>
+                <a:latin typeface="Times New Roman"/>
+              </a:rPr>
+              <a:t>12</a:t>
+            </a:fld>
+            <a:endParaRPr lang="pt-BR" sz="1200" b="0" strike="noStrike" spc="-1">
+              <a:latin typeface="Arial"/>
+            </a:endParaRPr>
+          </a:p>
+        </p:txBody>
+      </p:sp>
+    </p:spTree>
+    <p:extLst>
+      <p:ext uri="{BB962C8B-B14F-4D97-AF65-F5344CB8AC3E}">
+        <p14:creationId xmlns:p14="http://schemas.microsoft.com/office/powerpoint/2010/main" val="1380931082"/>
+      </p:ext>
+    </p:extLst>
+  </p:cSld>
+  <p:clrMapOvr>
+    <a:masterClrMapping/>
+  </p:clrMapOvr>
+</p:notes>
+</file>
+
+<file path=ppt/notesSlides/notesSlide13.xml><?xml version="1.0" encoding="utf-8"?>
+<p:notes xmlns:a="http://schemas.openxmlformats.org/drawingml/2006/main" xmlns:r="http://schemas.openxmlformats.org/officeDocument/2006/relationships" xmlns:p="http://schemas.openxmlformats.org/presentationml/2006/main">
+  <p:cSld>
+    <p:spTree>
+      <p:nvGrpSpPr>
+        <p:cNvPr id="1" name=""/>
+        <p:cNvGrpSpPr/>
+        <p:nvPr/>
+      </p:nvGrpSpPr>
+      <p:grpSpPr>
+        <a:xfrm>
+          <a:off x="0" y="0"/>
+          <a:ext cx="0" cy="0"/>
+          <a:chOff x="0" y="0"/>
+          <a:chExt cx="0" cy="0"/>
+        </a:xfrm>
+      </p:grpSpPr>
+      <p:sp>
+        <p:nvSpPr>
+          <p:cNvPr id="115" name="PlaceHolder 1"/>
+          <p:cNvSpPr>
+            <a:spLocks noGrp="1" noRot="1" noChangeAspect="1"/>
+          </p:cNvSpPr>
+          <p:nvPr>
+            <p:ph type="sldImg"/>
+          </p:nvPr>
+        </p:nvSpPr>
+        <p:spPr>
+          <a:xfrm>
+            <a:off x="685800" y="1143000"/>
+            <a:ext cx="5484813" cy="3084513"/>
+          </a:xfrm>
+          <a:prstGeom prst="rect">
+            <a:avLst/>
+          </a:prstGeom>
+        </p:spPr>
+      </p:sp>
+      <p:sp>
+        <p:nvSpPr>
+          <p:cNvPr id="116" name="PlaceHolder 2"/>
+          <p:cNvSpPr>
+            <a:spLocks noGrp="1"/>
+          </p:cNvSpPr>
+          <p:nvPr>
+            <p:ph type="body"/>
+          </p:nvPr>
+        </p:nvSpPr>
+        <p:spPr>
+          <a:xfrm>
+            <a:off x="685800" y="4400640"/>
+            <a:ext cx="5484600" cy="3598560"/>
+          </a:xfrm>
+          <a:prstGeom prst="rect">
+            <a:avLst/>
+          </a:prstGeom>
+        </p:spPr>
+        <p:txBody>
+          <a:bodyPr lIns="0" tIns="0" rIns="0" bIns="0">
+            <a:noAutofit/>
+          </a:bodyPr>
+          <a:lstStyle/>
+          <a:p>
+            <a:endParaRPr lang="pt-BR" sz="2000" b="0" strike="noStrike" spc="-1">
+              <a:latin typeface="Arial"/>
+            </a:endParaRPr>
+          </a:p>
+        </p:txBody>
+      </p:sp>
+      <p:sp>
+        <p:nvSpPr>
+          <p:cNvPr id="117" name="CustomShape 3"/>
+          <p:cNvSpPr/>
+          <p:nvPr/>
+        </p:nvSpPr>
+        <p:spPr>
+          <a:xfrm>
+            <a:off x="3884760" y="8685360"/>
+            <a:ext cx="2970000" cy="456840"/>
+          </a:xfrm>
+          <a:prstGeom prst="rect">
+            <a:avLst/>
+          </a:prstGeom>
+          <a:noFill/>
+          <a:ln>
+            <a:noFill/>
+          </a:ln>
+        </p:spPr>
+        <p:style>
+          <a:lnRef idx="0">
+            <a:scrgbClr r="0" g="0" b="0"/>
+          </a:lnRef>
+          <a:fillRef idx="0">
+            <a:scrgbClr r="0" g="0" b="0"/>
+          </a:fillRef>
+          <a:effectRef idx="0">
+            <a:scrgbClr r="0" g="0" b="0"/>
+          </a:effectRef>
+          <a:fontRef idx="minor"/>
+        </p:style>
+        <p:txBody>
+          <a:bodyPr lIns="90000" tIns="45000" rIns="90000" bIns="45000" anchor="b">
+            <a:noAutofit/>
+          </a:bodyPr>
+          <a:lstStyle/>
+          <a:p>
+            <a:pPr algn="r">
+              <a:lnSpc>
+                <a:spcPct val="100000"/>
+              </a:lnSpc>
+            </a:pPr>
+            <a:fld id="{F68F1957-7097-4FDF-86A5-FE287AF82722}" type="slidenum">
+              <a:rPr lang="pt-BR" sz="1200" b="0" strike="noStrike" spc="-1">
+                <a:solidFill>
+                  <a:srgbClr val="000000"/>
+                </a:solidFill>
+                <a:latin typeface="Times New Roman"/>
+              </a:rPr>
+              <a:t>13</a:t>
+            </a:fld>
+            <a:endParaRPr lang="pt-BR" sz="1200" b="0" strike="noStrike" spc="-1">
+              <a:latin typeface="Arial"/>
+            </a:endParaRPr>
+          </a:p>
+        </p:txBody>
+      </p:sp>
+    </p:spTree>
+  </p:cSld>
+  <p:clrMapOvr>
+    <a:masterClrMapping/>
+  </p:clrMapOvr>
+</p:notes>
+</file>
+
 <file path=ppt/notesSlides/notesSlide2.xml><?xml version="1.0" encoding="utf-8"?>
 <p:notes xmlns:a="http://schemas.openxmlformats.org/drawingml/2006/main" xmlns:r="http://schemas.openxmlformats.org/officeDocument/2006/relationships" xmlns:p="http://schemas.openxmlformats.org/presentationml/2006/main">
   <p:cSld>
@@ -1271,7 +1823,7 @@
       </p:grpSpPr>
       <p:sp>
         <p:nvSpPr>
-          <p:cNvPr id="112" name="PlaceHolder 1"/>
+          <p:cNvPr id="109" name="PlaceHolder 1"/>
           <p:cNvSpPr>
             <a:spLocks noGrp="1" noRot="1" noChangeAspect="1"/>
           </p:cNvSpPr>
@@ -1282,16 +1834,16 @@
         <p:spPr>
           <a:xfrm>
             <a:off x="685800" y="1143000"/>
-            <a:ext cx="5484600" cy="3084480"/>
-          </a:xfrm>
-          <a:prstGeom prst="rect">
-            <a:avLst/>
-          </a:prstGeom>
-        </p:spPr>
-      </p:sp>
-      <p:sp>
-        <p:nvSpPr>
-          <p:cNvPr id="113" name="PlaceHolder 2"/>
+            <a:ext cx="5484813" cy="3084513"/>
+          </a:xfrm>
+          <a:prstGeom prst="rect">
+            <a:avLst/>
+          </a:prstGeom>
+        </p:spPr>
+      </p:sp>
+      <p:sp>
+        <p:nvSpPr>
+          <p:cNvPr id="110" name="PlaceHolder 2"/>
           <p:cNvSpPr>
             <a:spLocks noGrp="1"/>
           </p:cNvSpPr>
@@ -1322,7 +1874,7 @@
       </p:sp>
       <p:sp>
         <p:nvSpPr>
-          <p:cNvPr id="114" name="CustomShape 3"/>
+          <p:cNvPr id="111" name="CustomShape 3"/>
           <p:cNvSpPr/>
           <p:nvPr/>
         </p:nvSpPr>
@@ -1362,7 +1914,7 @@
                 <a:spcPct val="100000"/>
               </a:lnSpc>
             </a:pPr>
-            <a:fld id="{583F70BE-C016-499A-8CB9-F6771F9A179F}" type="slidenum">
+            <a:fld id="{54B33D91-D37A-40BA-9726-21321948EAAD}" type="slidenum">
               <a:rPr lang="pt-BR" sz="1200" b="0" strike="noStrike" spc="-1">
                 <a:solidFill>
                   <a:srgbClr val="000000"/>
@@ -1378,6 +1930,11 @@
         </p:txBody>
       </p:sp>
     </p:spTree>
+    <p:extLst>
+      <p:ext uri="{BB962C8B-B14F-4D97-AF65-F5344CB8AC3E}">
+        <p14:creationId xmlns:p14="http://schemas.microsoft.com/office/powerpoint/2010/main" val="1184908641"/>
+      </p:ext>
+    </p:extLst>
   </p:cSld>
   <p:clrMapOvr>
     <a:masterClrMapping/>
@@ -1404,7 +1961,7 @@
       </p:grpSpPr>
       <p:sp>
         <p:nvSpPr>
-          <p:cNvPr id="115" name="PlaceHolder 1"/>
+          <p:cNvPr id="109" name="PlaceHolder 1"/>
           <p:cNvSpPr>
             <a:spLocks noGrp="1" noRot="1" noChangeAspect="1"/>
           </p:cNvSpPr>
@@ -1424,7 +1981,7 @@
       </p:sp>
       <p:sp>
         <p:nvSpPr>
-          <p:cNvPr id="116" name="PlaceHolder 2"/>
+          <p:cNvPr id="110" name="PlaceHolder 2"/>
           <p:cNvSpPr>
             <a:spLocks noGrp="1"/>
           </p:cNvSpPr>
@@ -1455,7 +2012,7 @@
       </p:sp>
       <p:sp>
         <p:nvSpPr>
-          <p:cNvPr id="117" name="CustomShape 3"/>
+          <p:cNvPr id="111" name="CustomShape 3"/>
           <p:cNvSpPr/>
           <p:nvPr/>
         </p:nvSpPr>
@@ -1495,7 +2052,7 @@
                 <a:spcPct val="100000"/>
               </a:lnSpc>
             </a:pPr>
-            <a:fld id="{F68F1957-7097-4FDF-86A5-FE287AF82722}" type="slidenum">
+            <a:fld id="{54B33D91-D37A-40BA-9726-21321948EAAD}" type="slidenum">
               <a:rPr lang="pt-BR" sz="1200" b="0" strike="noStrike" spc="-1">
                 <a:solidFill>
                   <a:srgbClr val="000000"/>
@@ -1511,6 +2068,149 @@
         </p:txBody>
       </p:sp>
     </p:spTree>
+    <p:extLst>
+      <p:ext uri="{BB962C8B-B14F-4D97-AF65-F5344CB8AC3E}">
+        <p14:creationId xmlns:p14="http://schemas.microsoft.com/office/powerpoint/2010/main" val="1600171945"/>
+      </p:ext>
+    </p:extLst>
+  </p:cSld>
+  <p:clrMapOvr>
+    <a:masterClrMapping/>
+  </p:clrMapOvr>
+</p:notes>
+</file>
+
+<file path=ppt/notesSlides/notesSlide9.xml><?xml version="1.0" encoding="utf-8"?>
+<p:notes xmlns:a="http://schemas.openxmlformats.org/drawingml/2006/main" xmlns:r="http://schemas.openxmlformats.org/officeDocument/2006/relationships" xmlns:p="http://schemas.openxmlformats.org/presentationml/2006/main">
+  <p:cSld>
+    <p:spTree>
+      <p:nvGrpSpPr>
+        <p:cNvPr id="1" name=""/>
+        <p:cNvGrpSpPr/>
+        <p:nvPr/>
+      </p:nvGrpSpPr>
+      <p:grpSpPr>
+        <a:xfrm>
+          <a:off x="0" y="0"/>
+          <a:ext cx="0" cy="0"/>
+          <a:chOff x="0" y="0"/>
+          <a:chExt cx="0" cy="0"/>
+        </a:xfrm>
+      </p:grpSpPr>
+      <p:sp>
+        <p:nvSpPr>
+          <p:cNvPr id="109" name="PlaceHolder 1"/>
+          <p:cNvSpPr>
+            <a:spLocks noGrp="1" noRot="1" noChangeAspect="1"/>
+          </p:cNvSpPr>
+          <p:nvPr>
+            <p:ph type="sldImg"/>
+          </p:nvPr>
+        </p:nvSpPr>
+        <p:spPr>
+          <a:xfrm>
+            <a:off x="685800" y="1143000"/>
+            <a:ext cx="5484813" cy="3084513"/>
+          </a:xfrm>
+          <a:prstGeom prst="rect">
+            <a:avLst/>
+          </a:prstGeom>
+        </p:spPr>
+      </p:sp>
+      <p:sp>
+        <p:nvSpPr>
+          <p:cNvPr id="110" name="PlaceHolder 2"/>
+          <p:cNvSpPr>
+            <a:spLocks noGrp="1"/>
+          </p:cNvSpPr>
+          <p:nvPr>
+            <p:ph type="body"/>
+          </p:nvPr>
+        </p:nvSpPr>
+        <p:spPr>
+          <a:xfrm>
+            <a:off x="685800" y="4400640"/>
+            <a:ext cx="5484600" cy="3598560"/>
+          </a:xfrm>
+          <a:prstGeom prst="rect">
+            <a:avLst/>
+          </a:prstGeom>
+        </p:spPr>
+        <p:txBody>
+          <a:bodyPr lIns="0" tIns="0" rIns="0" bIns="0">
+            <a:noAutofit/>
+          </a:bodyPr>
+          <a:lstStyle/>
+          <a:p>
+            <a:endParaRPr lang="pt-BR" sz="2000" b="0" strike="noStrike" spc="-1">
+              <a:latin typeface="Arial"/>
+            </a:endParaRPr>
+          </a:p>
+        </p:txBody>
+      </p:sp>
+      <p:sp>
+        <p:nvSpPr>
+          <p:cNvPr id="111" name="CustomShape 3"/>
+          <p:cNvSpPr/>
+          <p:nvPr/>
+        </p:nvSpPr>
+        <p:spPr>
+          <a:xfrm>
+            <a:off x="3884760" y="8685360"/>
+            <a:ext cx="2970000" cy="456840"/>
+          </a:xfrm>
+          <a:prstGeom prst="rect">
+            <a:avLst/>
+          </a:prstGeom>
+          <a:noFill/>
+          <a:ln>
+            <a:noFill/>
+          </a:ln>
+        </p:spPr>
+        <p:style>
+          <a:lnRef idx="0">
+            <a:scrgbClr r="0" g="0" b="0"/>
+          </a:lnRef>
+          <a:fillRef idx="0">
+            <a:scrgbClr r="0" g="0" b="0"/>
+          </a:fillRef>
+          <a:effectRef idx="0">
+            <a:scrgbClr r="0" g="0" b="0"/>
+          </a:effectRef>
+          <a:fontRef idx="minor"/>
+        </p:style>
+        <p:txBody>
+          <a:bodyPr lIns="90000" tIns="45000" rIns="90000" bIns="45000" anchor="b">
+            <a:noAutofit/>
+          </a:bodyPr>
+          <a:lstStyle/>
+          <a:p>
+            <a:pPr algn="r">
+              <a:lnSpc>
+                <a:spcPct val="100000"/>
+              </a:lnSpc>
+            </a:pPr>
+            <a:fld id="{54B33D91-D37A-40BA-9726-21321948EAAD}" type="slidenum">
+              <a:rPr lang="pt-BR" sz="1200" b="0" strike="noStrike" spc="-1">
+                <a:solidFill>
+                  <a:srgbClr val="000000"/>
+                </a:solidFill>
+                <a:latin typeface="Times New Roman"/>
+              </a:rPr>
+              <a:t>9</a:t>
+            </a:fld>
+            <a:endParaRPr lang="pt-BR" sz="1200" b="0" strike="noStrike" spc="-1">
+              <a:latin typeface="Arial"/>
+            </a:endParaRPr>
+          </a:p>
+        </p:txBody>
+      </p:sp>
+    </p:spTree>
+    <p:extLst>
+      <p:ext uri="{BB962C8B-B14F-4D97-AF65-F5344CB8AC3E}">
+        <p14:creationId xmlns:p14="http://schemas.microsoft.com/office/powerpoint/2010/main" val="2147869909"/>
+      </p:ext>
+    </p:extLst>
   </p:cSld>
   <p:clrMapOvr>
     <a:masterClrMapping/>
@@ -5526,7 +6226,7 @@
         </p:style>
         <p:txBody>
           <a:bodyPr lIns="90000" tIns="45000" rIns="90000" bIns="45000">
-            <a:normAutofit fontScale="80000" lnSpcReduction="10000"/>
+            <a:normAutofit fontScale="87500" lnSpcReduction="20000"/>
           </a:bodyPr>
           <a:lstStyle/>
           <a:p>
@@ -5592,10 +6292,1249 @@
     <mc:Choice Requires="p14">
       <p:transition spd="slow" p14:dur="2000" advTm="17000"/>
     </mc:Choice>
-    <mc:Fallback xmlns:p15="http://schemas.microsoft.com/office/powerpoint/2012/main" xmlns="">
+    <mc:Fallback xmlns="" xmlns:p15="http://schemas.microsoft.com/office/powerpoint/2012/main">
       <p:transition spd="slow" advTm="17000"/>
     </mc:Fallback>
   </mc:AlternateContent>
+</p:sld>
+</file>
+
+<file path=ppt/slides/slide10.xml><?xml version="1.0" encoding="utf-8"?>
+<p:sld xmlns:a="http://schemas.openxmlformats.org/drawingml/2006/main" xmlns:r="http://schemas.openxmlformats.org/officeDocument/2006/relationships" xmlns:p="http://schemas.openxmlformats.org/presentationml/2006/main">
+  <p:cSld>
+    <p:spTree>
+      <p:nvGrpSpPr>
+        <p:cNvPr id="1" name=""/>
+        <p:cNvGrpSpPr/>
+        <p:nvPr/>
+      </p:nvGrpSpPr>
+      <p:grpSpPr>
+        <a:xfrm>
+          <a:off x="0" y="0"/>
+          <a:ext cx="0" cy="0"/>
+          <a:chOff x="0" y="0"/>
+          <a:chExt cx="0" cy="0"/>
+        </a:xfrm>
+      </p:grpSpPr>
+      <p:sp>
+        <p:nvSpPr>
+          <p:cNvPr id="93" name="CustomShape 1"/>
+          <p:cNvSpPr/>
+          <p:nvPr/>
+        </p:nvSpPr>
+        <p:spPr>
+          <a:xfrm>
+            <a:off x="0" y="224280"/>
+            <a:ext cx="12021480" cy="856800"/>
+          </a:xfrm>
+          <a:prstGeom prst="rect">
+            <a:avLst/>
+          </a:prstGeom>
+          <a:noFill/>
+          <a:ln>
+            <a:noFill/>
+          </a:ln>
+        </p:spPr>
+        <p:style>
+          <a:lnRef idx="0">
+            <a:scrgbClr r="0" g="0" b="0"/>
+          </a:lnRef>
+          <a:fillRef idx="0">
+            <a:scrgbClr r="0" g="0" b="0"/>
+          </a:fillRef>
+          <a:effectRef idx="0">
+            <a:scrgbClr r="0" g="0" b="0"/>
+          </a:effectRef>
+          <a:fontRef idx="minor"/>
+        </p:style>
+        <p:txBody>
+          <a:bodyPr lIns="90000" tIns="45000" rIns="90000" bIns="45000" anchor="ctr">
+            <a:noAutofit/>
+          </a:bodyPr>
+          <a:lstStyle/>
+          <a:p>
+            <a:pPr algn="ctr">
+              <a:lnSpc>
+                <a:spcPct val="90000"/>
+              </a:lnSpc>
+            </a:pPr>
+            <a:r>
+              <a:rPr lang="pt-BR" sz="5400" b="0" strike="noStrike" spc="-1">
+                <a:solidFill>
+                  <a:srgbClr val="1F4E79"/>
+                </a:solidFill>
+                <a:latin typeface="Arial"/>
+                <a:ea typeface="DejaVu Sans"/>
+              </a:rPr>
+              <a:t>ExpressJS</a:t>
+            </a:r>
+            <a:endParaRPr lang="pt-BR" sz="5400" b="0" strike="noStrike" spc="-1">
+              <a:latin typeface="Arial"/>
+            </a:endParaRPr>
+          </a:p>
+        </p:txBody>
+      </p:sp>
+      <p:sp>
+        <p:nvSpPr>
+          <p:cNvPr id="94" name="CustomShape 2"/>
+          <p:cNvSpPr/>
+          <p:nvPr/>
+        </p:nvSpPr>
+        <p:spPr>
+          <a:xfrm>
+            <a:off x="317520" y="1290960"/>
+            <a:ext cx="11703600" cy="4349520"/>
+          </a:xfrm>
+          <a:prstGeom prst="rect">
+            <a:avLst/>
+          </a:prstGeom>
+          <a:noFill/>
+          <a:ln>
+            <a:noFill/>
+          </a:ln>
+        </p:spPr>
+        <p:style>
+          <a:lnRef idx="0">
+            <a:scrgbClr r="0" g="0" b="0"/>
+          </a:lnRef>
+          <a:fillRef idx="0">
+            <a:scrgbClr r="0" g="0" b="0"/>
+          </a:fillRef>
+          <a:effectRef idx="0">
+            <a:scrgbClr r="0" g="0" b="0"/>
+          </a:effectRef>
+          <a:fontRef idx="minor"/>
+        </p:style>
+        <p:txBody>
+          <a:bodyPr lIns="90000" tIns="45000" rIns="90000" bIns="45000">
+            <a:normAutofit/>
+          </a:bodyPr>
+          <a:lstStyle/>
+          <a:p>
+            <a:pPr algn="ctr">
+              <a:lnSpc>
+                <a:spcPct val="100000"/>
+              </a:lnSpc>
+              <a:spcBef>
+                <a:spcPts val="1001"/>
+              </a:spcBef>
+              <a:spcAft>
+                <a:spcPts val="1001"/>
+              </a:spcAft>
+              <a:tabLst>
+                <a:tab pos="0" algn="l"/>
+              </a:tabLst>
+            </a:pPr>
+            <a:r>
+              <a:rPr lang="pt-BR" sz="3200" b="0" i="1" strike="noStrike" spc="-1">
+                <a:solidFill>
+                  <a:srgbClr val="1F4E79"/>
+                </a:solidFill>
+                <a:latin typeface="Arial"/>
+                <a:ea typeface="DejaVu Sans"/>
+              </a:rPr>
+              <a:t>Framework</a:t>
+            </a:r>
+            <a:r>
+              <a:rPr lang="pt-BR" sz="3200" b="0" strike="noStrike" spc="-1">
+                <a:solidFill>
+                  <a:srgbClr val="1F4E79"/>
+                </a:solidFill>
+                <a:latin typeface="Arial"/>
+                <a:ea typeface="DejaVu Sans"/>
+              </a:rPr>
+              <a:t> com inúmeros métodos utilitários de HTTP e </a:t>
+            </a:r>
+            <a:r>
+              <a:rPr lang="pt-BR" sz="3200" b="0" i="1" strike="noStrike" spc="-1">
+                <a:solidFill>
+                  <a:srgbClr val="1F4E79"/>
+                </a:solidFill>
+                <a:latin typeface="Arial"/>
+                <a:ea typeface="DejaVu Sans"/>
+              </a:rPr>
+              <a:t>middlewares</a:t>
+            </a:r>
+            <a:r>
+              <a:rPr lang="pt-BR" sz="3200" b="0" strike="noStrike" spc="-1">
+                <a:solidFill>
+                  <a:srgbClr val="1F4E79"/>
+                </a:solidFill>
+                <a:latin typeface="Arial"/>
+                <a:ea typeface="DejaVu Sans"/>
+              </a:rPr>
+              <a:t>.</a:t>
+            </a:r>
+            <a:endParaRPr lang="pt-BR" sz="3200" b="0" strike="noStrike" spc="-1">
+              <a:latin typeface="Arial"/>
+            </a:endParaRPr>
+          </a:p>
+          <a:p>
+            <a:pPr algn="ctr">
+              <a:lnSpc>
+                <a:spcPct val="100000"/>
+              </a:lnSpc>
+              <a:spcBef>
+                <a:spcPts val="1001"/>
+              </a:spcBef>
+              <a:spcAft>
+                <a:spcPts val="1001"/>
+              </a:spcAft>
+              <a:tabLst>
+                <a:tab pos="0" algn="l"/>
+              </a:tabLst>
+            </a:pPr>
+            <a:r>
+              <a:rPr lang="pt-BR" sz="3200" b="0" strike="noStrike" spc="-1">
+                <a:solidFill>
+                  <a:srgbClr val="1F4E79"/>
+                </a:solidFill>
+                <a:latin typeface="Arial"/>
+                <a:ea typeface="DejaVu Sans"/>
+              </a:rPr>
+              <a:t>Possui uma estrutura aberta (flexível) e exige poucos conceitos para iniciar a utilização.</a:t>
+            </a:r>
+            <a:endParaRPr lang="pt-BR" sz="3200" b="0" strike="noStrike" spc="-1">
+              <a:latin typeface="Arial"/>
+            </a:endParaRPr>
+          </a:p>
+        </p:txBody>
+      </p:sp>
+    </p:spTree>
+  </p:cSld>
+  <p:clrMapOvr>
+    <a:masterClrMapping/>
+  </p:clrMapOvr>
+</p:sld>
+</file>
+
+<file path=ppt/slides/slide11.xml><?xml version="1.0" encoding="utf-8"?>
+<p:sld xmlns:a="http://schemas.openxmlformats.org/drawingml/2006/main" xmlns:r="http://schemas.openxmlformats.org/officeDocument/2006/relationships" xmlns:p="http://schemas.openxmlformats.org/presentationml/2006/main">
+  <p:cSld>
+    <p:spTree>
+      <p:nvGrpSpPr>
+        <p:cNvPr id="1" name=""/>
+        <p:cNvGrpSpPr/>
+        <p:nvPr/>
+      </p:nvGrpSpPr>
+      <p:grpSpPr>
+        <a:xfrm>
+          <a:off x="0" y="0"/>
+          <a:ext cx="0" cy="0"/>
+          <a:chOff x="0" y="0"/>
+          <a:chExt cx="0" cy="0"/>
+        </a:xfrm>
+      </p:grpSpPr>
+      <p:sp>
+        <p:nvSpPr>
+          <p:cNvPr id="93" name="CustomShape 1"/>
+          <p:cNvSpPr/>
+          <p:nvPr/>
+        </p:nvSpPr>
+        <p:spPr>
+          <a:xfrm>
+            <a:off x="0" y="224280"/>
+            <a:ext cx="12021480" cy="856800"/>
+          </a:xfrm>
+          <a:prstGeom prst="rect">
+            <a:avLst/>
+          </a:prstGeom>
+          <a:noFill/>
+          <a:ln>
+            <a:noFill/>
+          </a:ln>
+        </p:spPr>
+        <p:style>
+          <a:lnRef idx="0">
+            <a:scrgbClr r="0" g="0" b="0"/>
+          </a:lnRef>
+          <a:fillRef idx="0">
+            <a:scrgbClr r="0" g="0" b="0"/>
+          </a:fillRef>
+          <a:effectRef idx="0">
+            <a:scrgbClr r="0" g="0" b="0"/>
+          </a:effectRef>
+          <a:fontRef idx="minor"/>
+        </p:style>
+        <p:txBody>
+          <a:bodyPr lIns="90000" tIns="45000" rIns="90000" bIns="45000" anchor="ctr">
+            <a:noAutofit/>
+          </a:bodyPr>
+          <a:lstStyle/>
+          <a:p>
+            <a:pPr algn="ctr">
+              <a:lnSpc>
+                <a:spcPct val="90000"/>
+              </a:lnSpc>
+            </a:pPr>
+            <a:r>
+              <a:rPr lang="pt-BR" sz="5400" b="0" strike="noStrike" spc="-1" dirty="0">
+                <a:solidFill>
+                  <a:srgbClr val="1F4E79"/>
+                </a:solidFill>
+                <a:latin typeface="Arial"/>
+                <a:ea typeface="DejaVu Sans"/>
+              </a:rPr>
+              <a:t>Instalando o </a:t>
+            </a:r>
+            <a:r>
+              <a:rPr lang="pt-BR" sz="5400" b="0" strike="noStrike" spc="-1" dirty="0" err="1">
+                <a:solidFill>
+                  <a:srgbClr val="1F4E79"/>
+                </a:solidFill>
+                <a:latin typeface="Arial"/>
+                <a:ea typeface="DejaVu Sans"/>
+              </a:rPr>
+              <a:t>ExpressJS</a:t>
+            </a:r>
+            <a:endParaRPr lang="pt-BR" sz="5400" b="0" strike="noStrike" spc="-1" dirty="0">
+              <a:latin typeface="Arial"/>
+            </a:endParaRPr>
+          </a:p>
+        </p:txBody>
+      </p:sp>
+      <p:sp>
+        <p:nvSpPr>
+          <p:cNvPr id="94" name="CustomShape 2"/>
+          <p:cNvSpPr/>
+          <p:nvPr/>
+        </p:nvSpPr>
+        <p:spPr>
+          <a:xfrm>
+            <a:off x="317520" y="1290960"/>
+            <a:ext cx="11703600" cy="4349520"/>
+          </a:xfrm>
+          <a:prstGeom prst="rect">
+            <a:avLst/>
+          </a:prstGeom>
+          <a:noFill/>
+          <a:ln>
+            <a:noFill/>
+          </a:ln>
+        </p:spPr>
+        <p:style>
+          <a:lnRef idx="0">
+            <a:scrgbClr r="0" g="0" b="0"/>
+          </a:lnRef>
+          <a:fillRef idx="0">
+            <a:scrgbClr r="0" g="0" b="0"/>
+          </a:fillRef>
+          <a:effectRef idx="0">
+            <a:scrgbClr r="0" g="0" b="0"/>
+          </a:effectRef>
+          <a:fontRef idx="minor"/>
+        </p:style>
+        <p:txBody>
+          <a:bodyPr lIns="90000" tIns="45000" rIns="90000" bIns="45000">
+            <a:normAutofit/>
+          </a:bodyPr>
+          <a:lstStyle/>
+          <a:p>
+            <a:pPr algn="ctr">
+              <a:lnSpc>
+                <a:spcPct val="100000"/>
+              </a:lnSpc>
+              <a:spcBef>
+                <a:spcPts val="1001"/>
+              </a:spcBef>
+              <a:spcAft>
+                <a:spcPts val="1001"/>
+              </a:spcAft>
+              <a:tabLst>
+                <a:tab pos="0" algn="l"/>
+              </a:tabLst>
+            </a:pPr>
+            <a:r>
+              <a:rPr lang="pt-BR" sz="3200" b="0" strike="noStrike" spc="-1" dirty="0">
+                <a:solidFill>
+                  <a:srgbClr val="1F4E79"/>
+                </a:solidFill>
+                <a:latin typeface="Arial"/>
+                <a:ea typeface="DejaVu Sans"/>
+              </a:rPr>
+              <a:t>Execute o seguinte comando para instalar o </a:t>
+            </a:r>
+            <a:r>
+              <a:rPr lang="pt-BR" sz="3200" b="0" strike="noStrike" spc="-1" dirty="0" err="1">
+                <a:solidFill>
+                  <a:srgbClr val="1F4E79"/>
+                </a:solidFill>
+                <a:latin typeface="Arial"/>
+                <a:ea typeface="DejaVu Sans"/>
+              </a:rPr>
+              <a:t>ExpressJS</a:t>
+            </a:r>
+            <a:r>
+              <a:rPr lang="pt-BR" sz="3200" b="0" strike="noStrike" spc="-1" dirty="0">
+                <a:solidFill>
+                  <a:srgbClr val="1F4E79"/>
+                </a:solidFill>
+                <a:latin typeface="Arial"/>
+                <a:ea typeface="DejaVu Sans"/>
+              </a:rPr>
+              <a:t>:</a:t>
+            </a:r>
+          </a:p>
+          <a:p>
+            <a:pPr algn="ctr">
+              <a:lnSpc>
+                <a:spcPct val="100000"/>
+              </a:lnSpc>
+              <a:spcBef>
+                <a:spcPts val="1001"/>
+              </a:spcBef>
+              <a:spcAft>
+                <a:spcPts val="1001"/>
+              </a:spcAft>
+              <a:tabLst>
+                <a:tab pos="0" algn="l"/>
+              </a:tabLst>
+            </a:pPr>
+            <a:r>
+              <a:rPr lang="pt-BR" sz="3200" spc="-1" dirty="0" err="1">
+                <a:solidFill>
+                  <a:srgbClr val="1F4E79"/>
+                </a:solidFill>
+                <a:latin typeface="Courier New" panose="02070309020205020404" pitchFamily="49" charset="0"/>
+                <a:cs typeface="Courier New" panose="02070309020205020404" pitchFamily="49" charset="0"/>
+              </a:rPr>
+              <a:t>yarn</a:t>
+            </a:r>
+            <a:r>
+              <a:rPr lang="pt-BR" sz="3200" spc="-1" dirty="0">
+                <a:solidFill>
+                  <a:srgbClr val="1F4E79"/>
+                </a:solidFill>
+                <a:latin typeface="Courier New" panose="02070309020205020404" pitchFamily="49" charset="0"/>
+                <a:cs typeface="Courier New" panose="02070309020205020404" pitchFamily="49" charset="0"/>
+              </a:rPr>
+              <a:t> </a:t>
+            </a:r>
+            <a:r>
+              <a:rPr lang="pt-BR" sz="3200" spc="-1" dirty="0" err="1">
+                <a:solidFill>
+                  <a:srgbClr val="1F4E79"/>
+                </a:solidFill>
+                <a:latin typeface="Courier New" panose="02070309020205020404" pitchFamily="49" charset="0"/>
+                <a:cs typeface="Courier New" panose="02070309020205020404" pitchFamily="49" charset="0"/>
+              </a:rPr>
+              <a:t>add</a:t>
+            </a:r>
+            <a:r>
+              <a:rPr lang="pt-BR" sz="3200" spc="-1" dirty="0">
+                <a:solidFill>
+                  <a:srgbClr val="1F4E79"/>
+                </a:solidFill>
+                <a:latin typeface="Courier New" panose="02070309020205020404" pitchFamily="49" charset="0"/>
+                <a:cs typeface="Courier New" panose="02070309020205020404" pitchFamily="49" charset="0"/>
+              </a:rPr>
+              <a:t> </a:t>
+            </a:r>
+            <a:r>
+              <a:rPr lang="pt-BR" sz="3200" spc="-1" dirty="0" err="1">
+                <a:solidFill>
+                  <a:srgbClr val="1F4E79"/>
+                </a:solidFill>
+                <a:latin typeface="Courier New" panose="02070309020205020404" pitchFamily="49" charset="0"/>
+                <a:cs typeface="Courier New" panose="02070309020205020404" pitchFamily="49" charset="0"/>
+              </a:rPr>
+              <a:t>express</a:t>
+            </a:r>
+            <a:endParaRPr lang="pt-BR" sz="3200" b="0" strike="noStrike" spc="-1" dirty="0">
+              <a:latin typeface="Courier New" panose="02070309020205020404" pitchFamily="49" charset="0"/>
+              <a:cs typeface="Courier New" panose="02070309020205020404" pitchFamily="49" charset="0"/>
+            </a:endParaRPr>
+          </a:p>
+        </p:txBody>
+      </p:sp>
+    </p:spTree>
+    <p:extLst>
+      <p:ext uri="{BB962C8B-B14F-4D97-AF65-F5344CB8AC3E}">
+        <p14:creationId xmlns:p14="http://schemas.microsoft.com/office/powerpoint/2010/main" val="496247064"/>
+      </p:ext>
+    </p:extLst>
+  </p:cSld>
+  <p:clrMapOvr>
+    <a:masterClrMapping/>
+  </p:clrMapOvr>
+</p:sld>
+</file>
+
+<file path=ppt/slides/slide12.xml><?xml version="1.0" encoding="utf-8"?>
+<p:sld xmlns:a="http://schemas.openxmlformats.org/drawingml/2006/main" xmlns:r="http://schemas.openxmlformats.org/officeDocument/2006/relationships" xmlns:p="http://schemas.openxmlformats.org/presentationml/2006/main">
+  <p:cSld>
+    <p:spTree>
+      <p:nvGrpSpPr>
+        <p:cNvPr id="1" name=""/>
+        <p:cNvGrpSpPr/>
+        <p:nvPr/>
+      </p:nvGrpSpPr>
+      <p:grpSpPr>
+        <a:xfrm>
+          <a:off x="0" y="0"/>
+          <a:ext cx="0" cy="0"/>
+          <a:chOff x="0" y="0"/>
+          <a:chExt cx="0" cy="0"/>
+        </a:xfrm>
+      </p:grpSpPr>
+      <p:sp>
+        <p:nvSpPr>
+          <p:cNvPr id="93" name="CustomShape 1"/>
+          <p:cNvSpPr/>
+          <p:nvPr/>
+        </p:nvSpPr>
+        <p:spPr>
+          <a:xfrm>
+            <a:off x="0" y="224280"/>
+            <a:ext cx="12021480" cy="856800"/>
+          </a:xfrm>
+          <a:prstGeom prst="rect">
+            <a:avLst/>
+          </a:prstGeom>
+          <a:noFill/>
+          <a:ln>
+            <a:noFill/>
+          </a:ln>
+        </p:spPr>
+        <p:style>
+          <a:lnRef idx="0">
+            <a:scrgbClr r="0" g="0" b="0"/>
+          </a:lnRef>
+          <a:fillRef idx="0">
+            <a:scrgbClr r="0" g="0" b="0"/>
+          </a:fillRef>
+          <a:effectRef idx="0">
+            <a:scrgbClr r="0" g="0" b="0"/>
+          </a:effectRef>
+          <a:fontRef idx="minor"/>
+        </p:style>
+        <p:txBody>
+          <a:bodyPr lIns="90000" tIns="45000" rIns="90000" bIns="45000" anchor="ctr">
+            <a:noAutofit/>
+          </a:bodyPr>
+          <a:lstStyle/>
+          <a:p>
+            <a:pPr algn="ctr">
+              <a:lnSpc>
+                <a:spcPct val="90000"/>
+              </a:lnSpc>
+            </a:pPr>
+            <a:r>
+              <a:rPr lang="pt-BR" sz="5400" b="0" strike="noStrike" spc="-1" dirty="0">
+                <a:solidFill>
+                  <a:srgbClr val="1F4E79"/>
+                </a:solidFill>
+                <a:latin typeface="Arial"/>
+                <a:ea typeface="DejaVu Sans"/>
+              </a:rPr>
+              <a:t>Extensão JSON </a:t>
+            </a:r>
+            <a:r>
+              <a:rPr lang="pt-BR" sz="5400" b="0" strike="noStrike" spc="-1" dirty="0" err="1">
+                <a:solidFill>
+                  <a:srgbClr val="1F4E79"/>
+                </a:solidFill>
+                <a:latin typeface="Arial"/>
+                <a:ea typeface="DejaVu Sans"/>
+              </a:rPr>
+              <a:t>Viewer</a:t>
+            </a:r>
+            <a:endParaRPr lang="pt-BR" sz="5400" b="0" strike="noStrike" spc="-1" dirty="0">
+              <a:latin typeface="Arial"/>
+            </a:endParaRPr>
+          </a:p>
+        </p:txBody>
+      </p:sp>
+      <p:sp>
+        <p:nvSpPr>
+          <p:cNvPr id="94" name="CustomShape 2"/>
+          <p:cNvSpPr/>
+          <p:nvPr/>
+        </p:nvSpPr>
+        <p:spPr>
+          <a:xfrm>
+            <a:off x="317520" y="1290960"/>
+            <a:ext cx="11703600" cy="4349520"/>
+          </a:xfrm>
+          <a:prstGeom prst="rect">
+            <a:avLst/>
+          </a:prstGeom>
+          <a:noFill/>
+          <a:ln>
+            <a:noFill/>
+          </a:ln>
+        </p:spPr>
+        <p:style>
+          <a:lnRef idx="0">
+            <a:scrgbClr r="0" g="0" b="0"/>
+          </a:lnRef>
+          <a:fillRef idx="0">
+            <a:scrgbClr r="0" g="0" b="0"/>
+          </a:fillRef>
+          <a:effectRef idx="0">
+            <a:scrgbClr r="0" g="0" b="0"/>
+          </a:effectRef>
+          <a:fontRef idx="minor"/>
+        </p:style>
+        <p:txBody>
+          <a:bodyPr lIns="90000" tIns="45000" rIns="90000" bIns="45000">
+            <a:normAutofit/>
+          </a:bodyPr>
+          <a:lstStyle/>
+          <a:p>
+            <a:pPr algn="ctr">
+              <a:lnSpc>
+                <a:spcPct val="100000"/>
+              </a:lnSpc>
+              <a:spcBef>
+                <a:spcPts val="1001"/>
+              </a:spcBef>
+              <a:spcAft>
+                <a:spcPts val="1001"/>
+              </a:spcAft>
+              <a:tabLst>
+                <a:tab pos="0" algn="l"/>
+              </a:tabLst>
+            </a:pPr>
+            <a:r>
+              <a:rPr lang="pt-BR" sz="3200" b="0" strike="noStrike" spc="-1" dirty="0">
+                <a:solidFill>
+                  <a:srgbClr val="1F4E79"/>
+                </a:solidFill>
+                <a:latin typeface="Arial"/>
+                <a:ea typeface="DejaVu Sans"/>
+              </a:rPr>
+              <a:t>É uma extensão para exigir dados na estrutura JSON de modo mais legível.</a:t>
+            </a:r>
+            <a:endParaRPr lang="pt-BR" sz="3200" b="0" strike="noStrike" spc="-1" dirty="0">
+              <a:latin typeface="Courier New" panose="02070309020205020404" pitchFamily="49" charset="0"/>
+              <a:cs typeface="Courier New" panose="02070309020205020404" pitchFamily="49" charset="0"/>
+            </a:endParaRPr>
+          </a:p>
+        </p:txBody>
+      </p:sp>
+      <p:pic>
+        <p:nvPicPr>
+          <p:cNvPr id="2" name="Imagem 1">
+            <a:extLst>
+              <a:ext uri="{FF2B5EF4-FFF2-40B4-BE49-F238E27FC236}">
+                <a16:creationId xmlns:a16="http://schemas.microsoft.com/office/drawing/2014/main" id="{9E5BE44F-C14C-4E2C-9DE9-FE120CD1989C}"/>
+              </a:ext>
+            </a:extLst>
+          </p:cNvPr>
+          <p:cNvPicPr>
+            <a:picLocks noChangeAspect="1"/>
+          </p:cNvPicPr>
+          <p:nvPr/>
+        </p:nvPicPr>
+        <p:blipFill>
+          <a:blip r:embed="rId3"/>
+          <a:stretch>
+            <a:fillRect/>
+          </a:stretch>
+        </p:blipFill>
+        <p:spPr>
+          <a:xfrm>
+            <a:off x="3005137" y="2638425"/>
+            <a:ext cx="6181725" cy="1581150"/>
+          </a:xfrm>
+          <a:prstGeom prst="rect">
+            <a:avLst/>
+          </a:prstGeom>
+        </p:spPr>
+      </p:pic>
+    </p:spTree>
+    <p:extLst>
+      <p:ext uri="{BB962C8B-B14F-4D97-AF65-F5344CB8AC3E}">
+        <p14:creationId xmlns:p14="http://schemas.microsoft.com/office/powerpoint/2010/main" val="638927701"/>
+      </p:ext>
+    </p:extLst>
+  </p:cSld>
+  <p:clrMapOvr>
+    <a:masterClrMapping/>
+  </p:clrMapOvr>
+</p:sld>
+</file>
+
+<file path=ppt/slides/slide13.xml><?xml version="1.0" encoding="utf-8"?>
+<p:sld xmlns:a="http://schemas.openxmlformats.org/drawingml/2006/main" xmlns:r="http://schemas.openxmlformats.org/officeDocument/2006/relationships" xmlns:p="http://schemas.openxmlformats.org/presentationml/2006/main">
+  <p:cSld>
+    <p:spTree>
+      <p:nvGrpSpPr>
+        <p:cNvPr id="1" name=""/>
+        <p:cNvGrpSpPr/>
+        <p:nvPr/>
+      </p:nvGrpSpPr>
+      <p:grpSpPr>
+        <a:xfrm>
+          <a:off x="0" y="0"/>
+          <a:ext cx="0" cy="0"/>
+          <a:chOff x="0" y="0"/>
+          <a:chExt cx="0" cy="0"/>
+        </a:xfrm>
+      </p:grpSpPr>
+      <p:sp>
+        <p:nvSpPr>
+          <p:cNvPr id="95" name="CustomShape 1"/>
+          <p:cNvSpPr/>
+          <p:nvPr/>
+        </p:nvSpPr>
+        <p:spPr>
+          <a:xfrm>
+            <a:off x="0" y="224280"/>
+            <a:ext cx="12021480" cy="856800"/>
+          </a:xfrm>
+          <a:prstGeom prst="rect">
+            <a:avLst/>
+          </a:prstGeom>
+          <a:noFill/>
+          <a:ln>
+            <a:noFill/>
+          </a:ln>
+        </p:spPr>
+        <p:style>
+          <a:lnRef idx="0">
+            <a:scrgbClr r="0" g="0" b="0"/>
+          </a:lnRef>
+          <a:fillRef idx="0">
+            <a:scrgbClr r="0" g="0" b="0"/>
+          </a:fillRef>
+          <a:effectRef idx="0">
+            <a:scrgbClr r="0" g="0" b="0"/>
+          </a:effectRef>
+          <a:fontRef idx="minor"/>
+        </p:style>
+        <p:txBody>
+          <a:bodyPr lIns="90000" tIns="45000" rIns="90000" bIns="45000" anchor="ctr">
+            <a:noAutofit/>
+          </a:bodyPr>
+          <a:lstStyle/>
+          <a:p>
+            <a:pPr algn="ctr">
+              <a:lnSpc>
+                <a:spcPct val="90000"/>
+              </a:lnSpc>
+            </a:pPr>
+            <a:r>
+              <a:rPr lang="pt-BR" sz="5400" b="0" strike="noStrike" spc="-1">
+                <a:solidFill>
+                  <a:srgbClr val="1F4E79"/>
+                </a:solidFill>
+                <a:latin typeface="Arial"/>
+                <a:ea typeface="DejaVu Sans"/>
+              </a:rPr>
+              <a:t>Referências</a:t>
+            </a:r>
+            <a:endParaRPr lang="pt-BR" sz="5400" b="0" strike="noStrike" spc="-1">
+              <a:latin typeface="Arial"/>
+            </a:endParaRPr>
+          </a:p>
+        </p:txBody>
+      </p:sp>
+      <p:sp>
+        <p:nvSpPr>
+          <p:cNvPr id="96" name="CustomShape 2"/>
+          <p:cNvSpPr/>
+          <p:nvPr/>
+        </p:nvSpPr>
+        <p:spPr>
+          <a:xfrm>
+            <a:off x="317520" y="1290960"/>
+            <a:ext cx="11703600" cy="4349520"/>
+          </a:xfrm>
+          <a:prstGeom prst="rect">
+            <a:avLst/>
+          </a:prstGeom>
+          <a:noFill/>
+          <a:ln>
+            <a:noFill/>
+          </a:ln>
+        </p:spPr>
+        <p:style>
+          <a:lnRef idx="0">
+            <a:scrgbClr r="0" g="0" b="0"/>
+          </a:lnRef>
+          <a:fillRef idx="0">
+            <a:scrgbClr r="0" g="0" b="0"/>
+          </a:fillRef>
+          <a:effectRef idx="0">
+            <a:scrgbClr r="0" g="0" b="0"/>
+          </a:effectRef>
+          <a:fontRef idx="minor"/>
+        </p:style>
+        <p:txBody>
+          <a:bodyPr lIns="90000" tIns="45000" rIns="90000" bIns="45000">
+            <a:normAutofit fontScale="85000" lnSpcReduction="10000"/>
+          </a:bodyPr>
+          <a:lstStyle/>
+          <a:p>
+            <a:pPr marL="514440" indent="-512640">
+              <a:lnSpc>
+                <a:spcPct val="100000"/>
+              </a:lnSpc>
+              <a:spcBef>
+                <a:spcPts val="1001"/>
+              </a:spcBef>
+              <a:spcAft>
+                <a:spcPts val="1001"/>
+              </a:spcAft>
+              <a:buClr>
+                <a:srgbClr val="1F4E79"/>
+              </a:buClr>
+              <a:buFont typeface="Calibri Light"/>
+              <a:buAutoNum type="arabicPeriod"/>
+            </a:pPr>
+            <a:r>
+              <a:rPr lang="pt-BR" sz="3200" b="0" strike="noStrike" spc="-1" dirty="0">
+                <a:solidFill>
+                  <a:srgbClr val="1F4E79"/>
+                </a:solidFill>
+                <a:latin typeface="Arial"/>
+                <a:ea typeface="DejaVu Sans"/>
+              </a:rPr>
+              <a:t>Node.js. </a:t>
+            </a:r>
+            <a:r>
+              <a:rPr lang="pt-BR" sz="3200" b="1" strike="noStrike" spc="-1" dirty="0" err="1">
+                <a:solidFill>
+                  <a:srgbClr val="1F4E79"/>
+                </a:solidFill>
+                <a:latin typeface="Arial"/>
+                <a:ea typeface="DejaVu Sans"/>
+              </a:rPr>
+              <a:t>About</a:t>
+            </a:r>
+            <a:r>
+              <a:rPr lang="pt-BR" sz="3200" b="0" strike="noStrike" spc="-1" dirty="0">
+                <a:solidFill>
+                  <a:srgbClr val="1F4E79"/>
+                </a:solidFill>
+                <a:latin typeface="Arial"/>
+                <a:ea typeface="DejaVu Sans"/>
+              </a:rPr>
+              <a:t>. Disponível em: </a:t>
+            </a:r>
+            <a:r>
+              <a:rPr lang="pt-BR" sz="3200" b="0" strike="noStrike" spc="-1" dirty="0">
+                <a:solidFill>
+                  <a:srgbClr val="1F4E79"/>
+                </a:solidFill>
+                <a:latin typeface="Arial"/>
+                <a:ea typeface="DejaVu Sans"/>
+                <a:hlinkClick r:id="rId3"/>
+              </a:rPr>
+              <a:t>https://nodejs.org/</a:t>
+            </a:r>
+            <a:r>
+              <a:rPr lang="pt-BR" sz="3200" b="0" strike="noStrike" spc="-1" dirty="0" err="1">
+                <a:solidFill>
+                  <a:srgbClr val="1F4E79"/>
+                </a:solidFill>
+                <a:latin typeface="Arial"/>
+                <a:ea typeface="DejaVu Sans"/>
+                <a:hlinkClick r:id="rId3"/>
+              </a:rPr>
+              <a:t>en</a:t>
+            </a:r>
+            <a:r>
+              <a:rPr lang="pt-BR" sz="3200" b="0" strike="noStrike" spc="-1" dirty="0">
+                <a:solidFill>
+                  <a:srgbClr val="1F4E79"/>
+                </a:solidFill>
+                <a:latin typeface="Arial"/>
+                <a:ea typeface="DejaVu Sans"/>
+                <a:hlinkClick r:id="rId3"/>
+              </a:rPr>
+              <a:t>/</a:t>
+            </a:r>
+            <a:r>
+              <a:rPr lang="pt-BR" sz="3200" b="0" strike="noStrike" spc="-1" dirty="0" err="1">
+                <a:solidFill>
+                  <a:srgbClr val="1F4E79"/>
+                </a:solidFill>
+                <a:latin typeface="Arial"/>
+                <a:ea typeface="DejaVu Sans"/>
+                <a:hlinkClick r:id="rId3"/>
+              </a:rPr>
+              <a:t>about</a:t>
+            </a:r>
+            <a:r>
+              <a:rPr lang="pt-BR" sz="3200" b="0" strike="noStrike" spc="-1" dirty="0">
+                <a:solidFill>
+                  <a:srgbClr val="1F4E79"/>
+                </a:solidFill>
+                <a:latin typeface="Arial"/>
+                <a:ea typeface="DejaVu Sans"/>
+                <a:hlinkClick r:id="rId3"/>
+              </a:rPr>
+              <a:t>/</a:t>
+            </a:r>
+            <a:r>
+              <a:rPr lang="pt-BR" sz="3200" b="0" strike="noStrike" spc="-1" dirty="0">
+                <a:solidFill>
+                  <a:srgbClr val="1F4E79"/>
+                </a:solidFill>
+                <a:latin typeface="Arial"/>
+                <a:ea typeface="DejaVu Sans"/>
+              </a:rPr>
+              <a:t>.</a:t>
+            </a:r>
+            <a:endParaRPr lang="pt-BR" sz="3200" b="0" strike="noStrike" spc="-1" dirty="0">
+              <a:latin typeface="Arial"/>
+            </a:endParaRPr>
+          </a:p>
+          <a:p>
+            <a:pPr marL="514440" indent="-512640">
+              <a:lnSpc>
+                <a:spcPct val="100000"/>
+              </a:lnSpc>
+              <a:spcBef>
+                <a:spcPts val="1001"/>
+              </a:spcBef>
+              <a:spcAft>
+                <a:spcPts val="1001"/>
+              </a:spcAft>
+              <a:buClr>
+                <a:srgbClr val="1F4E79"/>
+              </a:buClr>
+              <a:buFont typeface="Calibri Light"/>
+              <a:buAutoNum type="arabicPeriod"/>
+            </a:pPr>
+            <a:r>
+              <a:rPr lang="pt-BR" sz="3200" b="0" strike="noStrike" spc="-1" dirty="0">
+                <a:solidFill>
+                  <a:srgbClr val="1F4E79"/>
+                </a:solidFill>
+                <a:latin typeface="Arial"/>
+                <a:ea typeface="DejaVu Sans"/>
+              </a:rPr>
+              <a:t>Node.js. </a:t>
+            </a:r>
+            <a:r>
+              <a:rPr lang="pt-BR" sz="3200" b="1" strike="noStrike" spc="-1" dirty="0">
+                <a:solidFill>
+                  <a:srgbClr val="1F4E79"/>
+                </a:solidFill>
+                <a:latin typeface="Arial"/>
+                <a:ea typeface="DejaVu Sans"/>
+              </a:rPr>
+              <a:t>Download</a:t>
+            </a:r>
+            <a:r>
+              <a:rPr lang="pt-BR" sz="3200" b="0" strike="noStrike" spc="-1" dirty="0">
+                <a:solidFill>
+                  <a:srgbClr val="1F4E79"/>
+                </a:solidFill>
+                <a:latin typeface="Arial"/>
+                <a:ea typeface="DejaVu Sans"/>
+              </a:rPr>
+              <a:t>. Disponível em: </a:t>
+            </a:r>
+            <a:r>
+              <a:rPr lang="pt-BR" sz="3200" b="0" strike="noStrike" spc="-1" dirty="0">
+                <a:solidFill>
+                  <a:srgbClr val="1F4E79"/>
+                </a:solidFill>
+                <a:latin typeface="Arial"/>
+                <a:ea typeface="DejaVu Sans"/>
+                <a:hlinkClick r:id="rId4"/>
+              </a:rPr>
+              <a:t>https://nodejs.org/</a:t>
+            </a:r>
+            <a:r>
+              <a:rPr lang="pt-BR" sz="3200" b="0" strike="noStrike" spc="-1" dirty="0" err="1">
+                <a:solidFill>
+                  <a:srgbClr val="1F4E79"/>
+                </a:solidFill>
+                <a:latin typeface="Arial"/>
+                <a:ea typeface="DejaVu Sans"/>
+                <a:hlinkClick r:id="rId4"/>
+              </a:rPr>
+              <a:t>en</a:t>
+            </a:r>
+            <a:r>
+              <a:rPr lang="pt-BR" sz="3200" b="0" strike="noStrike" spc="-1" dirty="0">
+                <a:solidFill>
+                  <a:srgbClr val="1F4E79"/>
+                </a:solidFill>
+                <a:latin typeface="Arial"/>
+                <a:ea typeface="DejaVu Sans"/>
+                <a:hlinkClick r:id="rId4"/>
+              </a:rPr>
+              <a:t>/download/</a:t>
+            </a:r>
+            <a:r>
+              <a:rPr lang="pt-BR" sz="3200" b="0" strike="noStrike" spc="-1" dirty="0">
+                <a:solidFill>
+                  <a:srgbClr val="1F4E79"/>
+                </a:solidFill>
+                <a:latin typeface="Arial"/>
+                <a:ea typeface="DejaVu Sans"/>
+              </a:rPr>
+              <a:t>.</a:t>
+            </a:r>
+            <a:endParaRPr lang="pt-BR" sz="3200" b="0" strike="noStrike" spc="-1" dirty="0">
+              <a:latin typeface="Arial"/>
+            </a:endParaRPr>
+          </a:p>
+          <a:p>
+            <a:pPr marL="514440" indent="-512640">
+              <a:lnSpc>
+                <a:spcPct val="100000"/>
+              </a:lnSpc>
+              <a:spcBef>
+                <a:spcPts val="1001"/>
+              </a:spcBef>
+              <a:spcAft>
+                <a:spcPts val="1001"/>
+              </a:spcAft>
+              <a:buClr>
+                <a:srgbClr val="1F4E79"/>
+              </a:buClr>
+              <a:buFont typeface="Calibri Light"/>
+              <a:buAutoNum type="arabicPeriod"/>
+            </a:pPr>
+            <a:r>
+              <a:rPr lang="pt-BR" sz="3200" b="0" strike="noStrike" spc="-1" dirty="0" err="1">
+                <a:solidFill>
+                  <a:srgbClr val="1F4E79"/>
+                </a:solidFill>
+                <a:latin typeface="Arial"/>
+                <a:ea typeface="DejaVu Sans"/>
+              </a:rPr>
+              <a:t>Yarn</a:t>
+            </a:r>
+            <a:r>
+              <a:rPr lang="pt-BR" sz="3200" b="0" strike="noStrike" spc="-1" dirty="0">
+                <a:solidFill>
+                  <a:srgbClr val="1F4E79"/>
+                </a:solidFill>
+                <a:latin typeface="Arial"/>
+                <a:ea typeface="DejaVu Sans"/>
+              </a:rPr>
+              <a:t>. </a:t>
+            </a:r>
+            <a:r>
+              <a:rPr lang="pt-BR" sz="3200" b="1" strike="noStrike" spc="-1" dirty="0" err="1">
+                <a:solidFill>
+                  <a:srgbClr val="1F4E79"/>
+                </a:solidFill>
+                <a:latin typeface="Arial"/>
+                <a:ea typeface="DejaVu Sans"/>
+              </a:rPr>
+              <a:t>Introduction</a:t>
+            </a:r>
+            <a:r>
+              <a:rPr lang="pt-BR" sz="3200" b="0" strike="noStrike" spc="-1" dirty="0">
+                <a:solidFill>
+                  <a:srgbClr val="1F4E79"/>
+                </a:solidFill>
+                <a:latin typeface="Arial"/>
+                <a:ea typeface="DejaVu Sans"/>
+              </a:rPr>
+              <a:t>. Disponível em: </a:t>
+            </a:r>
+            <a:r>
+              <a:rPr lang="pt-BR" sz="3200" b="0" strike="noStrike" spc="-1" dirty="0">
+                <a:solidFill>
+                  <a:srgbClr val="1F4E79"/>
+                </a:solidFill>
+                <a:latin typeface="Arial"/>
+                <a:ea typeface="DejaVu Sans"/>
+                <a:hlinkClick r:id="rId5"/>
+              </a:rPr>
+              <a:t>https://yarnpkg.com/</a:t>
+            </a:r>
+            <a:r>
+              <a:rPr lang="pt-BR" sz="3200" b="0" strike="noStrike" spc="-1" dirty="0" err="1">
+                <a:solidFill>
+                  <a:srgbClr val="1F4E79"/>
+                </a:solidFill>
+                <a:latin typeface="Arial"/>
+                <a:ea typeface="DejaVu Sans"/>
+                <a:hlinkClick r:id="rId5"/>
+              </a:rPr>
+              <a:t>getting-started</a:t>
+            </a:r>
+            <a:r>
+              <a:rPr lang="pt-BR" sz="3200" b="0" strike="noStrike" spc="-1" dirty="0">
+                <a:solidFill>
+                  <a:srgbClr val="1F4E79"/>
+                </a:solidFill>
+                <a:latin typeface="Arial"/>
+                <a:ea typeface="DejaVu Sans"/>
+                <a:hlinkClick r:id="rId5"/>
+              </a:rPr>
+              <a:t>/</a:t>
+            </a:r>
+            <a:r>
+              <a:rPr lang="pt-BR" sz="3200" b="0" strike="noStrike" spc="-1" dirty="0">
+                <a:solidFill>
+                  <a:srgbClr val="1F4E79"/>
+                </a:solidFill>
+                <a:latin typeface="Arial"/>
+                <a:ea typeface="DejaVu Sans"/>
+              </a:rPr>
+              <a:t>.</a:t>
+            </a:r>
+          </a:p>
+          <a:p>
+            <a:pPr marL="514440" indent="-512640">
+              <a:lnSpc>
+                <a:spcPct val="100000"/>
+              </a:lnSpc>
+              <a:spcBef>
+                <a:spcPts val="1001"/>
+              </a:spcBef>
+              <a:spcAft>
+                <a:spcPts val="1001"/>
+              </a:spcAft>
+              <a:buClr>
+                <a:srgbClr val="1F4E79"/>
+              </a:buClr>
+              <a:buFont typeface="Calibri Light"/>
+              <a:buAutoNum type="arabicPeriod"/>
+            </a:pPr>
+            <a:r>
+              <a:rPr lang="pt-BR" sz="3200" spc="-1" dirty="0" err="1">
+                <a:solidFill>
+                  <a:srgbClr val="1F4E79"/>
+                </a:solidFill>
+                <a:latin typeface="Arial"/>
+              </a:rPr>
+              <a:t>Yarn</a:t>
+            </a:r>
+            <a:r>
+              <a:rPr lang="pt-BR" sz="3200" spc="-1" dirty="0">
+                <a:solidFill>
+                  <a:srgbClr val="1F4E79"/>
+                </a:solidFill>
+                <a:latin typeface="Arial"/>
+              </a:rPr>
+              <a:t>. </a:t>
+            </a:r>
+            <a:r>
+              <a:rPr lang="pt-BR" sz="3200" b="1" spc="-1" dirty="0" err="1">
+                <a:solidFill>
+                  <a:srgbClr val="1F4E79"/>
+                </a:solidFill>
+                <a:latin typeface="Arial"/>
+              </a:rPr>
+              <a:t>Installation</a:t>
+            </a:r>
+            <a:r>
+              <a:rPr lang="pt-BR" sz="3200" spc="-1" dirty="0">
+                <a:solidFill>
+                  <a:srgbClr val="1F4E79"/>
+                </a:solidFill>
+                <a:latin typeface="Arial"/>
+              </a:rPr>
+              <a:t>. Disponível em: </a:t>
+            </a:r>
+            <a:r>
+              <a:rPr lang="pt-BR" sz="3200" spc="-1" dirty="0">
+                <a:solidFill>
+                  <a:srgbClr val="1F4E79"/>
+                </a:solidFill>
+                <a:latin typeface="Arial"/>
+                <a:hlinkClick r:id="rId6"/>
+              </a:rPr>
+              <a:t>https://classic.yarnpkg.com/en/docs/</a:t>
+            </a:r>
+            <a:r>
+              <a:rPr lang="pt-BR" sz="3200" spc="-1" dirty="0" err="1">
+                <a:solidFill>
+                  <a:srgbClr val="1F4E79"/>
+                </a:solidFill>
+                <a:latin typeface="Arial"/>
+                <a:hlinkClick r:id="rId6"/>
+              </a:rPr>
+              <a:t>install#windows-stable</a:t>
+            </a:r>
+            <a:r>
+              <a:rPr lang="pt-BR" sz="3200" spc="-1" dirty="0">
+                <a:solidFill>
+                  <a:srgbClr val="1F4E79"/>
+                </a:solidFill>
+                <a:latin typeface="Arial"/>
+              </a:rPr>
+              <a:t>.</a:t>
+            </a:r>
+          </a:p>
+          <a:p>
+            <a:pPr marL="514440" indent="-512640">
+              <a:lnSpc>
+                <a:spcPct val="100000"/>
+              </a:lnSpc>
+              <a:spcBef>
+                <a:spcPts val="1001"/>
+              </a:spcBef>
+              <a:spcAft>
+                <a:spcPts val="1001"/>
+              </a:spcAft>
+              <a:buClr>
+                <a:srgbClr val="1F4E79"/>
+              </a:buClr>
+              <a:buFont typeface="Calibri Light"/>
+              <a:buAutoNum type="arabicPeriod"/>
+            </a:pPr>
+            <a:r>
+              <a:rPr lang="pt-BR" sz="3200" b="0" strike="noStrike" spc="-1" dirty="0">
+                <a:solidFill>
+                  <a:srgbClr val="1F4E79"/>
+                </a:solidFill>
+                <a:latin typeface="Arial"/>
+                <a:ea typeface="DejaVu Sans"/>
+              </a:rPr>
+              <a:t>Express. </a:t>
+            </a:r>
+            <a:r>
+              <a:rPr lang="pt-BR" sz="3200" b="1" strike="noStrike" spc="-1" dirty="0" err="1">
+                <a:solidFill>
+                  <a:srgbClr val="1F4E79"/>
+                </a:solidFill>
+                <a:latin typeface="Arial"/>
+                <a:ea typeface="DejaVu Sans"/>
+              </a:rPr>
+              <a:t>Installing</a:t>
+            </a:r>
+            <a:r>
+              <a:rPr lang="pt-BR" sz="3200" b="0" strike="noStrike" spc="-1" dirty="0">
+                <a:solidFill>
+                  <a:srgbClr val="1F4E79"/>
+                </a:solidFill>
+                <a:latin typeface="Arial"/>
+                <a:ea typeface="DejaVu Sans"/>
+              </a:rPr>
+              <a:t>. Disponível em: https://expressjs.com/en/starter/installing.html</a:t>
+            </a:r>
+            <a:endParaRPr lang="pt-BR" sz="3200" b="0" strike="noStrike" spc="-1" dirty="0">
+              <a:latin typeface="Arial"/>
+            </a:endParaRPr>
+          </a:p>
+          <a:p>
+            <a:pPr>
+              <a:lnSpc>
+                <a:spcPct val="100000"/>
+              </a:lnSpc>
+              <a:spcBef>
+                <a:spcPts val="1001"/>
+              </a:spcBef>
+              <a:spcAft>
+                <a:spcPts val="1001"/>
+              </a:spcAft>
+            </a:pPr>
+            <a:endParaRPr lang="pt-BR" sz="3200" b="0" strike="noStrike" spc="-1" dirty="0">
+              <a:latin typeface="Arial"/>
+            </a:endParaRPr>
+          </a:p>
+        </p:txBody>
+      </p:sp>
+    </p:spTree>
+  </p:cSld>
+  <p:clrMapOvr>
+    <a:masterClrMapping/>
+  </p:clrMapOvr>
 </p:sld>
 </file>
 
@@ -6767,7 +8706,7 @@
       </p:grpSpPr>
       <p:sp>
         <p:nvSpPr>
-          <p:cNvPr id="93" name="CustomShape 1"/>
+          <p:cNvPr id="91" name="CustomShape 1"/>
           <p:cNvSpPr/>
           <p:nvPr/>
         </p:nvSpPr>
@@ -6808,24 +8747,44 @@
               </a:lnSpc>
             </a:pPr>
             <a:r>
-              <a:rPr lang="pt-BR" sz="5400" b="0" strike="noStrike" spc="-1">
+              <a:rPr lang="pt-BR" sz="5400" spc="-1" dirty="0">
                 <a:solidFill>
                   <a:srgbClr val="1F4E79"/>
                 </a:solidFill>
                 <a:latin typeface="Arial"/>
                 <a:ea typeface="DejaVu Sans"/>
               </a:rPr>
-              <a:t>ExpressJS</a:t>
-            </a:r>
-            <a:endParaRPr lang="pt-BR" sz="5400" b="0" strike="noStrike" spc="-1">
-              <a:latin typeface="Arial"/>
-            </a:endParaRPr>
-          </a:p>
-        </p:txBody>
-      </p:sp>
-      <p:sp>
-        <p:nvSpPr>
-          <p:cNvPr id="94" name="CustomShape 2"/>
+              <a:t>Instalando o</a:t>
+            </a:r>
+            <a:r>
+              <a:rPr lang="pt-BR" sz="5400" b="0" strike="noStrike" spc="-1" dirty="0">
+                <a:solidFill>
+                  <a:srgbClr val="1F4E79"/>
+                </a:solidFill>
+                <a:latin typeface="Arial"/>
+                <a:ea typeface="DejaVu Sans"/>
+              </a:rPr>
+              <a:t> </a:t>
+            </a:r>
+            <a:r>
+              <a:rPr lang="pt-BR" sz="5400" b="0" strike="noStrike" spc="-1" dirty="0" err="1">
+                <a:solidFill>
+                  <a:srgbClr val="1F4E79"/>
+                </a:solidFill>
+                <a:latin typeface="Arial"/>
+                <a:ea typeface="DejaVu Sans"/>
+              </a:rPr>
+              <a:t>Yarn</a:t>
+            </a:r>
+            <a:endParaRPr lang="pt-BR" sz="5400" b="0" strike="noStrike" spc="-1" dirty="0">
+              <a:latin typeface="Arial"/>
+            </a:endParaRPr>
+          </a:p>
+        </p:txBody>
+      </p:sp>
+      <p:sp>
+        <p:nvSpPr>
+          <p:cNvPr id="92" name="CustomShape 2"/>
           <p:cNvSpPr/>
           <p:nvPr/>
         </p:nvSpPr>
@@ -6875,48 +8834,13 @@
               </a:tabLst>
             </a:pPr>
             <a:r>
-              <a:rPr lang="pt-BR" sz="3200" b="0" i="1" strike="noStrike" spc="-1">
-                <a:solidFill>
-                  <a:srgbClr val="1F4E79"/>
-                </a:solidFill>
-                <a:latin typeface="Arial"/>
-                <a:ea typeface="DejaVu Sans"/>
-              </a:rPr>
-              <a:t>Framework</a:t>
-            </a:r>
-            <a:r>
-              <a:rPr lang="pt-BR" sz="3200" b="0" strike="noStrike" spc="-1">
-                <a:solidFill>
-                  <a:srgbClr val="1F4E79"/>
-                </a:solidFill>
-                <a:latin typeface="Arial"/>
-                <a:ea typeface="DejaVu Sans"/>
-              </a:rPr>
-              <a:t> com inúmeros métodos utilitários de HTTP e </a:t>
-            </a:r>
-            <a:r>
-              <a:rPr lang="pt-BR" sz="3200" b="0" i="1" strike="noStrike" spc="-1">
-                <a:solidFill>
-                  <a:srgbClr val="1F4E79"/>
-                </a:solidFill>
-                <a:latin typeface="Arial"/>
-                <a:ea typeface="DejaVu Sans"/>
-              </a:rPr>
-              <a:t>middlewares</a:t>
-            </a:r>
-            <a:r>
-              <a:rPr lang="pt-BR" sz="3200" b="0" strike="noStrike" spc="-1">
-                <a:solidFill>
-                  <a:srgbClr val="1F4E79"/>
-                </a:solidFill>
-                <a:latin typeface="Arial"/>
-                <a:ea typeface="DejaVu Sans"/>
-              </a:rPr>
-              <a:t>.</a:t>
-            </a:r>
-            <a:endParaRPr lang="pt-BR" sz="3200" b="0" strike="noStrike" spc="-1">
-              <a:latin typeface="Arial"/>
-            </a:endParaRPr>
+              <a:rPr lang="pt-BR" sz="3200" spc="-1" dirty="0">
+                <a:solidFill>
+                  <a:srgbClr val="1F4E79"/>
+                </a:solidFill>
+              </a:rPr>
+              <a:t>Execute o seguinte comando para iniciar o projeto:</a:t>
+            </a:r>
           </a:p>
           <a:p>
             <a:pPr algn="ctr">
@@ -6934,22 +8858,48 @@
               </a:tabLst>
             </a:pPr>
             <a:r>
-              <a:rPr lang="pt-BR" sz="3200" b="0" strike="noStrike" spc="-1">
-                <a:solidFill>
-                  <a:srgbClr val="1F4E79"/>
-                </a:solidFill>
-                <a:latin typeface="Arial"/>
-                <a:ea typeface="DejaVu Sans"/>
-              </a:rPr>
-              <a:t>Possui uma estrutura aberta (flexível) e exige poucos conceitos para iniciar a utilização.</a:t>
-            </a:r>
-            <a:endParaRPr lang="pt-BR" sz="3200" b="0" strike="noStrike" spc="-1">
-              <a:latin typeface="Arial"/>
+              <a:rPr lang="pt-BR" sz="3200" spc="-1" dirty="0" err="1">
+                <a:solidFill>
+                  <a:srgbClr val="1F4E79"/>
+                </a:solidFill>
+                <a:latin typeface="Courier New" panose="02070309020205020404" pitchFamily="49" charset="0"/>
+                <a:cs typeface="Courier New" panose="02070309020205020404" pitchFamily="49" charset="0"/>
+              </a:rPr>
+              <a:t>npm</a:t>
+            </a:r>
+            <a:r>
+              <a:rPr lang="pt-BR" sz="3200" spc="-1" dirty="0">
+                <a:solidFill>
+                  <a:srgbClr val="1F4E79"/>
+                </a:solidFill>
+                <a:latin typeface="Courier New" panose="02070309020205020404" pitchFamily="49" charset="0"/>
+                <a:cs typeface="Courier New" panose="02070309020205020404" pitchFamily="49" charset="0"/>
+              </a:rPr>
+              <a:t> i -g </a:t>
+            </a:r>
+            <a:r>
+              <a:rPr lang="pt-BR" sz="3200" spc="-1" dirty="0" err="1">
+                <a:solidFill>
+                  <a:srgbClr val="1F4E79"/>
+                </a:solidFill>
+                <a:latin typeface="Courier New" panose="02070309020205020404" pitchFamily="49" charset="0"/>
+                <a:cs typeface="Courier New" panose="02070309020205020404" pitchFamily="49" charset="0"/>
+              </a:rPr>
+              <a:t>yarn</a:t>
+            </a:r>
+            <a:endParaRPr lang="pt-BR" sz="3200" b="0" strike="noStrike" spc="-1" dirty="0">
+              <a:latin typeface="Courier New" panose="02070309020205020404" pitchFamily="49" charset="0"/>
+              <a:cs typeface="Courier New" panose="02070309020205020404" pitchFamily="49" charset="0"/>
             </a:endParaRPr>
           </a:p>
         </p:txBody>
       </p:sp>
     </p:spTree>
+    <p:extLst>
+      <p:ext uri="{BB962C8B-B14F-4D97-AF65-F5344CB8AC3E}">
+        <p14:creationId xmlns:p14="http://schemas.microsoft.com/office/powerpoint/2010/main" val="3728405355"/>
+      </p:ext>
+    </p:extLst>
   </p:cSld>
   <p:clrMapOvr>
     <a:masterClrMapping/>
@@ -6976,7 +8926,7 @@
       </p:grpSpPr>
       <p:sp>
         <p:nvSpPr>
-          <p:cNvPr id="95" name="CustomShape 1"/>
+          <p:cNvPr id="91" name="CustomShape 1"/>
           <p:cNvSpPr/>
           <p:nvPr/>
         </p:nvSpPr>
@@ -7017,24 +8967,24 @@
               </a:lnSpc>
             </a:pPr>
             <a:r>
-              <a:rPr lang="pt-BR" sz="5400" b="0" strike="noStrike" spc="-1">
+              <a:rPr lang="pt-BR" sz="5400" b="0" strike="noStrike" spc="-1" dirty="0">
                 <a:solidFill>
                   <a:srgbClr val="1F4E79"/>
                 </a:solidFill>
                 <a:latin typeface="Arial"/>
                 <a:ea typeface="DejaVu Sans"/>
               </a:rPr>
-              <a:t>Referências</a:t>
-            </a:r>
-            <a:endParaRPr lang="pt-BR" sz="5400" b="0" strike="noStrike" spc="-1">
-              <a:latin typeface="Arial"/>
-            </a:endParaRPr>
-          </a:p>
-        </p:txBody>
-      </p:sp>
-      <p:sp>
-        <p:nvSpPr>
-          <p:cNvPr id="96" name="CustomShape 2"/>
+              <a:t>Iniciando um Projeto</a:t>
+            </a:r>
+            <a:endParaRPr lang="pt-BR" sz="5400" b="0" strike="noStrike" spc="-1" dirty="0">
+              <a:latin typeface="Arial"/>
+            </a:endParaRPr>
+          </a:p>
+        </p:txBody>
+      </p:sp>
+      <p:sp>
+        <p:nvSpPr>
+          <p:cNvPr id="92" name="CustomShape 2"/>
           <p:cNvSpPr/>
           <p:nvPr/>
         </p:nvSpPr>
@@ -7065,11 +9015,11 @@
         </p:style>
         <p:txBody>
           <a:bodyPr lIns="90000" tIns="45000" rIns="90000" bIns="45000">
-            <a:normAutofit lnSpcReduction="10000"/>
-          </a:bodyPr>
-          <a:lstStyle/>
-          <a:p>
-            <a:pPr marL="514440" indent="-512640">
+            <a:normAutofit/>
+          </a:bodyPr>
+          <a:lstStyle/>
+          <a:p>
+            <a:pPr algn="ctr">
               <a:lnSpc>
                 <a:spcPct val="100000"/>
               </a:lnSpc>
@@ -7079,69 +9029,23 @@
               <a:spcAft>
                 <a:spcPts val="1001"/>
               </a:spcAft>
-              <a:buClr>
-                <a:srgbClr val="1F4E79"/>
-              </a:buClr>
-              <a:buFont typeface="Calibri Light"/>
-              <a:buAutoNum type="arabicPeriod"/>
+              <a:tabLst>
+                <a:tab pos="0" algn="l"/>
+              </a:tabLst>
             </a:pPr>
             <a:r>
-              <a:rPr lang="pt-BR" sz="3200" b="0" strike="noStrike" spc="-1">
+              <a:rPr lang="pt-BR" sz="3200" b="0" strike="noStrike" spc="-1" dirty="0">
                 <a:solidFill>
                   <a:srgbClr val="1F4E79"/>
                 </a:solidFill>
                 <a:latin typeface="Arial"/>
                 <a:ea typeface="DejaVu Sans"/>
               </a:rPr>
-              <a:t>Node.js. </a:t>
-            </a:r>
-            <a:r>
-              <a:rPr lang="pt-BR" sz="3200" b="1" strike="noStrike" spc="-1">
-                <a:solidFill>
-                  <a:srgbClr val="1F4E79"/>
-                </a:solidFill>
-                <a:latin typeface="Arial"/>
-                <a:ea typeface="DejaVu Sans"/>
-              </a:rPr>
-              <a:t>About</a:t>
-            </a:r>
-            <a:r>
-              <a:rPr lang="pt-BR" sz="3200" b="0" strike="noStrike" spc="-1">
-                <a:solidFill>
-                  <a:srgbClr val="1F4E79"/>
-                </a:solidFill>
-                <a:latin typeface="Arial"/>
-                <a:ea typeface="DejaVu Sans"/>
-              </a:rPr>
-              <a:t>. Disponível em: </a:t>
-            </a:r>
-            <a:r>
-              <a:rPr lang="pt-BR" sz="3200" b="0" strike="noStrike" spc="-1">
-                <a:solidFill>
-                  <a:srgbClr val="1F4E79"/>
-                </a:solidFill>
-                <a:latin typeface="Arial"/>
-                <a:ea typeface="DejaVu Sans"/>
-                <a:hlinkClick r:id="rId3"/>
-              </a:rPr>
-              <a:t>https://nodejs.org/en/about/</a:t>
-            </a:r>
-            <a:r>
-              <a:rPr lang="pt-BR" sz="3200" b="0" strike="noStrike" spc="-1">
-                <a:solidFill>
-                  <a:srgbClr val="1F4E79"/>
-                </a:solidFill>
-                <a:latin typeface="Arial"/>
-                <a:ea typeface="DejaVu Sans"/>
-              </a:rPr>
-              <a:t>.</a:t>
-            </a:r>
-            <a:endParaRPr lang="pt-BR" sz="3200" b="0" strike="noStrike" spc="-1">
-              <a:latin typeface="Arial"/>
-            </a:endParaRPr>
-          </a:p>
-          <a:p>
-            <a:pPr marL="514440" indent="-512640">
+              <a:t>Navegue até o diretório desejado e execute o seguinte comando para criar o diretório raiz do projeto:</a:t>
+            </a:r>
+          </a:p>
+          <a:p>
+            <a:pPr algn="ctr">
               <a:lnSpc>
                 <a:spcPct val="100000"/>
               </a:lnSpc>
@@ -7151,69 +9055,65 @@
               <a:spcAft>
                 <a:spcPts val="1001"/>
               </a:spcAft>
-              <a:buClr>
+              <a:tabLst>
+                <a:tab pos="0" algn="l"/>
+              </a:tabLst>
+            </a:pPr>
+            <a:r>
+              <a:rPr lang="pt-BR" sz="3200" spc="-1" dirty="0" err="1">
+                <a:solidFill>
+                  <a:srgbClr val="1F4E79"/>
+                </a:solidFill>
+                <a:latin typeface="Courier New" panose="02070309020205020404" pitchFamily="49" charset="0"/>
+                <a:ea typeface="DejaVu Sans"/>
+                <a:cs typeface="Courier New" panose="02070309020205020404" pitchFamily="49" charset="0"/>
+              </a:rPr>
+              <a:t>m</a:t>
+            </a:r>
+            <a:r>
+              <a:rPr lang="pt-BR" sz="3200" b="0" strike="noStrike" spc="-1" dirty="0" err="1">
+                <a:solidFill>
+                  <a:srgbClr val="1F4E79"/>
+                </a:solidFill>
+                <a:latin typeface="Courier New" panose="02070309020205020404" pitchFamily="49" charset="0"/>
+                <a:ea typeface="DejaVu Sans"/>
+                <a:cs typeface="Courier New" panose="02070309020205020404" pitchFamily="49" charset="0"/>
+              </a:rPr>
+              <a:t>kdir</a:t>
+            </a:r>
+            <a:r>
+              <a:rPr lang="pt-BR" sz="3200" b="0" strike="noStrike" spc="-1" dirty="0">
+                <a:solidFill>
+                  <a:srgbClr val="1F4E79"/>
+                </a:solidFill>
+                <a:latin typeface="Courier New" panose="02070309020205020404" pitchFamily="49" charset="0"/>
+                <a:ea typeface="DejaVu Sans"/>
+                <a:cs typeface="Courier New" panose="02070309020205020404" pitchFamily="49" charset="0"/>
+              </a:rPr>
+              <a:t> primeira-</a:t>
+            </a:r>
+            <a:r>
+              <a:rPr lang="pt-BR" sz="3200" b="0" strike="noStrike" spc="-1" dirty="0" err="1">
+                <a:solidFill>
+                  <a:srgbClr val="1F4E79"/>
+                </a:solidFill>
+                <a:latin typeface="Courier New" panose="02070309020205020404" pitchFamily="49" charset="0"/>
+                <a:ea typeface="DejaVu Sans"/>
+                <a:cs typeface="Courier New" panose="02070309020205020404" pitchFamily="49" charset="0"/>
+              </a:rPr>
+              <a:t>api</a:t>
+            </a:r>
+            <a:endParaRPr lang="pt-BR" sz="3200" b="0" strike="noStrike" spc="-1" dirty="0">
+              <a:solidFill>
                 <a:srgbClr val="1F4E79"/>
-              </a:buClr>
-              <a:buFont typeface="Calibri Light"/>
-              <a:buAutoNum type="arabicPeriod"/>
-            </a:pPr>
-            <a:r>
-              <a:rPr lang="pt-BR" sz="3200" b="0" strike="noStrike" spc="-1">
-                <a:solidFill>
-                  <a:srgbClr val="1F4E79"/>
-                </a:solidFill>
-                <a:latin typeface="Arial"/>
-                <a:ea typeface="DejaVu Sans"/>
-              </a:rPr>
-              <a:t>Node.js. </a:t>
-            </a:r>
-            <a:r>
-              <a:rPr lang="pt-BR" sz="3200" b="1" strike="noStrike" spc="-1">
-                <a:solidFill>
-                  <a:srgbClr val="1F4E79"/>
-                </a:solidFill>
-                <a:latin typeface="Arial"/>
-                <a:ea typeface="DejaVu Sans"/>
-              </a:rPr>
-              <a:t>Download</a:t>
-            </a:r>
-            <a:r>
-              <a:rPr lang="pt-BR" sz="3200" b="0" strike="noStrike" spc="-1">
-                <a:solidFill>
-                  <a:srgbClr val="1F4E79"/>
-                </a:solidFill>
-                <a:latin typeface="Arial"/>
-                <a:ea typeface="DejaVu Sans"/>
-              </a:rPr>
-              <a:t>. Disponível em: </a:t>
-            </a:r>
-            <a:r>
-              <a:rPr lang="pt-BR" sz="3200" b="0" strike="noStrike" spc="-1">
-                <a:solidFill>
-                  <a:srgbClr val="1F4E79"/>
-                </a:solidFill>
-                <a:latin typeface="Arial"/>
-                <a:ea typeface="DejaVu Sans"/>
-                <a:hlinkClick r:id="rId4"/>
-              </a:rPr>
-              <a:t>https://nodejs.org/en/download/</a:t>
-            </a:r>
-            <a:r>
-              <a:rPr lang="pt-BR" sz="3200" b="0" strike="noStrike" spc="-1">
-                <a:solidFill>
-                  <a:srgbClr val="1F4E79"/>
-                </a:solidFill>
-                <a:latin typeface="Arial"/>
-                <a:ea typeface="DejaVu Sans"/>
-              </a:rPr>
-              <a:t>.</a:t>
-            </a:r>
-            <a:endParaRPr lang="pt-BR" sz="3200" b="0" strike="noStrike" spc="-1">
-              <a:latin typeface="Arial"/>
-            </a:endParaRPr>
-          </a:p>
-          <a:p>
-            <a:pPr marL="514440" indent="-512640">
+              </a:solidFill>
+              <a:latin typeface="Courier New" panose="02070309020205020404" pitchFamily="49" charset="0"/>
+              <a:ea typeface="DejaVu Sans"/>
+              <a:cs typeface="Courier New" panose="02070309020205020404" pitchFamily="49" charset="0"/>
+            </a:endParaRPr>
+          </a:p>
+          <a:p>
+            <a:pPr algn="ctr">
               <a:lnSpc>
                 <a:spcPct val="100000"/>
               </a:lnSpc>
@@ -7223,69 +9123,22 @@
               <a:spcAft>
                 <a:spcPts val="1001"/>
               </a:spcAft>
-              <a:buClr>
-                <a:srgbClr val="1F4E79"/>
-              </a:buClr>
-              <a:buFont typeface="Calibri Light"/>
-              <a:buAutoNum type="arabicPeriod"/>
+              <a:tabLst>
+                <a:tab pos="0" algn="l"/>
+              </a:tabLst>
             </a:pPr>
             <a:r>
-              <a:rPr lang="pt-BR" sz="3200" b="0" strike="noStrike" spc="-1">
-                <a:solidFill>
-                  <a:srgbClr val="1F4E79"/>
-                </a:solidFill>
-                <a:latin typeface="Arial"/>
-                <a:ea typeface="DejaVu Sans"/>
-              </a:rPr>
-              <a:t>Yarn. </a:t>
-            </a:r>
-            <a:r>
-              <a:rPr lang="pt-BR" sz="3200" b="1" strike="noStrike" spc="-1">
-                <a:solidFill>
-                  <a:srgbClr val="1F4E79"/>
-                </a:solidFill>
-                <a:latin typeface="Arial"/>
-                <a:ea typeface="DejaVu Sans"/>
-              </a:rPr>
-              <a:t>Introduction</a:t>
-            </a:r>
-            <a:r>
-              <a:rPr lang="pt-BR" sz="3200" b="0" strike="noStrike" spc="-1">
-                <a:solidFill>
-                  <a:srgbClr val="1F4E79"/>
-                </a:solidFill>
-                <a:latin typeface="Arial"/>
-                <a:ea typeface="DejaVu Sans"/>
-              </a:rPr>
-              <a:t>. Disponível em: </a:t>
-            </a:r>
-            <a:r>
-              <a:rPr lang="pt-BR" sz="3200" b="0" strike="noStrike" spc="-1">
-                <a:solidFill>
-                  <a:srgbClr val="1F4E79"/>
-                </a:solidFill>
-                <a:latin typeface="Arial"/>
-                <a:ea typeface="DejaVu Sans"/>
-                <a:hlinkClick r:id="rId5"/>
-              </a:rPr>
-              <a:t>https://yarnpkg.com/getting-started/</a:t>
-            </a:r>
-            <a:r>
-              <a:rPr lang="pt-BR" sz="3200" b="0" strike="noStrike" spc="-1">
-                <a:solidFill>
-                  <a:srgbClr val="1F4E79"/>
-                </a:solidFill>
-                <a:latin typeface="Arial"/>
-                <a:ea typeface="DejaVu Sans"/>
-              </a:rPr>
-              <a:t>.</a:t>
-            </a:r>
-            <a:endParaRPr lang="pt-BR" sz="3200" b="0" strike="noStrike" spc="-1">
-              <a:latin typeface="Arial"/>
-            </a:endParaRPr>
-          </a:p>
-          <a:p>
-            <a:pPr marL="514440" indent="-512640">
+              <a:rPr lang="pt-BR" sz="3200" spc="-1" dirty="0">
+                <a:solidFill>
+                  <a:srgbClr val="1F4E79"/>
+                </a:solidFill>
+                <a:latin typeface="Arial"/>
+              </a:rPr>
+              <a:t>e o próximo comando para acessar o diretório:</a:t>
+            </a:r>
+          </a:p>
+          <a:p>
+            <a:pPr algn="ctr">
               <a:lnSpc>
                 <a:spcPct val="100000"/>
               </a:lnSpc>
@@ -7295,48 +9148,173 @@
               <a:spcAft>
                 <a:spcPts val="1001"/>
               </a:spcAft>
-              <a:buClr>
-                <a:srgbClr val="1F4E79"/>
-              </a:buClr>
-              <a:buFont typeface="Calibri Light"/>
-              <a:buAutoNum type="arabicPeriod"/>
+              <a:tabLst>
+                <a:tab pos="0" algn="l"/>
+              </a:tabLst>
             </a:pPr>
             <a:r>
-              <a:rPr lang="pt-BR" sz="3200" b="0" strike="noStrike" spc="-1">
+              <a:rPr lang="pt-BR" sz="3200" spc="-1" dirty="0" err="1">
+                <a:solidFill>
+                  <a:srgbClr val="1F4E79"/>
+                </a:solidFill>
+                <a:latin typeface="Courier New" panose="02070309020205020404" pitchFamily="49" charset="0"/>
+                <a:cs typeface="Courier New" panose="02070309020205020404" pitchFamily="49" charset="0"/>
+              </a:rPr>
+              <a:t>cd</a:t>
+            </a:r>
+            <a:r>
+              <a:rPr lang="pt-BR" sz="3200" spc="-1" dirty="0">
+                <a:solidFill>
+                  <a:srgbClr val="1F4E79"/>
+                </a:solidFill>
+                <a:latin typeface="Courier New" panose="02070309020205020404" pitchFamily="49" charset="0"/>
+                <a:cs typeface="Courier New" panose="02070309020205020404" pitchFamily="49" charset="0"/>
+              </a:rPr>
+              <a:t> primeira-</a:t>
+            </a:r>
+            <a:r>
+              <a:rPr lang="pt-BR" sz="3200" spc="-1" dirty="0" err="1">
+                <a:solidFill>
+                  <a:srgbClr val="1F4E79"/>
+                </a:solidFill>
+                <a:latin typeface="Courier New" panose="02070309020205020404" pitchFamily="49" charset="0"/>
+                <a:cs typeface="Courier New" panose="02070309020205020404" pitchFamily="49" charset="0"/>
+              </a:rPr>
+              <a:t>api</a:t>
+            </a:r>
+            <a:endParaRPr lang="pt-BR" sz="3200" b="0" strike="noStrike" spc="-1" dirty="0">
+              <a:latin typeface="Courier New" panose="02070309020205020404" pitchFamily="49" charset="0"/>
+              <a:cs typeface="Courier New" panose="02070309020205020404" pitchFamily="49" charset="0"/>
+            </a:endParaRPr>
+          </a:p>
+        </p:txBody>
+      </p:sp>
+    </p:spTree>
+    <p:extLst>
+      <p:ext uri="{BB962C8B-B14F-4D97-AF65-F5344CB8AC3E}">
+        <p14:creationId xmlns:p14="http://schemas.microsoft.com/office/powerpoint/2010/main" val="1590070964"/>
+      </p:ext>
+    </p:extLst>
+  </p:cSld>
+  <p:clrMapOvr>
+    <a:masterClrMapping/>
+  </p:clrMapOvr>
+</p:sld>
+</file>
+
+<file path=ppt/slides/slide9.xml><?xml version="1.0" encoding="utf-8"?>
+<p:sld xmlns:a="http://schemas.openxmlformats.org/drawingml/2006/main" xmlns:r="http://schemas.openxmlformats.org/officeDocument/2006/relationships" xmlns:p="http://schemas.openxmlformats.org/presentationml/2006/main">
+  <p:cSld>
+    <p:spTree>
+      <p:nvGrpSpPr>
+        <p:cNvPr id="1" name=""/>
+        <p:cNvGrpSpPr/>
+        <p:nvPr/>
+      </p:nvGrpSpPr>
+      <p:grpSpPr>
+        <a:xfrm>
+          <a:off x="0" y="0"/>
+          <a:ext cx="0" cy="0"/>
+          <a:chOff x="0" y="0"/>
+          <a:chExt cx="0" cy="0"/>
+        </a:xfrm>
+      </p:grpSpPr>
+      <p:sp>
+        <p:nvSpPr>
+          <p:cNvPr id="91" name="CustomShape 1"/>
+          <p:cNvSpPr/>
+          <p:nvPr/>
+        </p:nvSpPr>
+        <p:spPr>
+          <a:xfrm>
+            <a:off x="0" y="224280"/>
+            <a:ext cx="12021480" cy="856800"/>
+          </a:xfrm>
+          <a:prstGeom prst="rect">
+            <a:avLst/>
+          </a:prstGeom>
+          <a:noFill/>
+          <a:ln>
+            <a:noFill/>
+          </a:ln>
+        </p:spPr>
+        <p:style>
+          <a:lnRef idx="0">
+            <a:scrgbClr r="0" g="0" b="0"/>
+          </a:lnRef>
+          <a:fillRef idx="0">
+            <a:scrgbClr r="0" g="0" b="0"/>
+          </a:fillRef>
+          <a:effectRef idx="0">
+            <a:scrgbClr r="0" g="0" b="0"/>
+          </a:effectRef>
+          <a:fontRef idx="minor"/>
+        </p:style>
+        <p:txBody>
+          <a:bodyPr lIns="90000" tIns="45000" rIns="90000" bIns="45000" anchor="ctr">
+            <a:noAutofit/>
+          </a:bodyPr>
+          <a:lstStyle/>
+          <a:p>
+            <a:pPr algn="ctr">
+              <a:lnSpc>
+                <a:spcPct val="90000"/>
+              </a:lnSpc>
+            </a:pPr>
+            <a:r>
+              <a:rPr lang="pt-BR" sz="5400" b="0" strike="noStrike" spc="-1" dirty="0">
                 <a:solidFill>
                   <a:srgbClr val="1F4E79"/>
                 </a:solidFill>
                 <a:latin typeface="Arial"/>
                 <a:ea typeface="DejaVu Sans"/>
               </a:rPr>
-              <a:t>Express. </a:t>
-            </a:r>
-            <a:r>
-              <a:rPr lang="pt-BR" sz="3200" b="1" strike="noStrike" spc="-1">
-                <a:solidFill>
-                  <a:srgbClr val="1F4E79"/>
-                </a:solidFill>
-                <a:latin typeface="Arial"/>
-                <a:ea typeface="DejaVu Sans"/>
-              </a:rPr>
-              <a:t>Installing</a:t>
-            </a:r>
-            <a:r>
-              <a:rPr lang="pt-BR" sz="3200" b="0" strike="noStrike" spc="-1">
-                <a:solidFill>
-                  <a:srgbClr val="1F4E79"/>
-                </a:solidFill>
-                <a:latin typeface="Arial"/>
-                <a:ea typeface="DejaVu Sans"/>
-              </a:rPr>
-              <a:t>. Disponível em: https://expressjs.com/en/starter/installing.html</a:t>
-            </a:r>
-            <a:endParaRPr lang="pt-BR" sz="3200" b="0" strike="noStrike" spc="-1">
-              <a:latin typeface="Arial"/>
-            </a:endParaRPr>
-          </a:p>
-          <a:p>
-            <a:pPr>
+              <a:t>Iniciando um Projeto</a:t>
+            </a:r>
+            <a:endParaRPr lang="pt-BR" sz="5400" b="0" strike="noStrike" spc="-1" dirty="0">
+              <a:latin typeface="Arial"/>
+            </a:endParaRPr>
+          </a:p>
+        </p:txBody>
+      </p:sp>
+      <p:sp>
+        <p:nvSpPr>
+          <p:cNvPr id="92" name="CustomShape 2"/>
+          <p:cNvSpPr/>
+          <p:nvPr/>
+        </p:nvSpPr>
+        <p:spPr>
+          <a:xfrm>
+            <a:off x="317520" y="1290960"/>
+            <a:ext cx="11703600" cy="4349520"/>
+          </a:xfrm>
+          <a:prstGeom prst="rect">
+            <a:avLst/>
+          </a:prstGeom>
+          <a:noFill/>
+          <a:ln>
+            <a:noFill/>
+          </a:ln>
+        </p:spPr>
+        <p:style>
+          <a:lnRef idx="0">
+            <a:scrgbClr r="0" g="0" b="0"/>
+          </a:lnRef>
+          <a:fillRef idx="0">
+            <a:scrgbClr r="0" g="0" b="0"/>
+          </a:fillRef>
+          <a:effectRef idx="0">
+            <a:scrgbClr r="0" g="0" b="0"/>
+          </a:effectRef>
+          <a:fontRef idx="minor"/>
+        </p:style>
+        <p:txBody>
+          <a:bodyPr lIns="90000" tIns="45000" rIns="90000" bIns="45000">
+            <a:normAutofit/>
+          </a:bodyPr>
+          <a:lstStyle/>
+          <a:p>
+            <a:pPr algn="ctr">
               <a:lnSpc>
                 <a:spcPct val="100000"/>
               </a:lnSpc>
@@ -7346,14 +9324,176 @@
               <a:spcAft>
                 <a:spcPts val="1001"/>
               </a:spcAft>
+              <a:tabLst>
+                <a:tab pos="0" algn="l"/>
+              </a:tabLst>
             </a:pPr>
-            <a:endParaRPr lang="pt-BR" sz="3200" b="0" strike="noStrike" spc="-1">
-              <a:latin typeface="Arial"/>
+            <a:r>
+              <a:rPr lang="pt-BR" sz="3200" b="0" strike="noStrike" spc="-1" dirty="0">
+                <a:solidFill>
+                  <a:srgbClr val="1F4E79"/>
+                </a:solidFill>
+                <a:latin typeface="Arial"/>
+                <a:ea typeface="DejaVu Sans"/>
+              </a:rPr>
+              <a:t>Execute o seguinte comando para iniciar o projeto:</a:t>
+            </a:r>
+          </a:p>
+          <a:p>
+            <a:pPr algn="ctr">
+              <a:lnSpc>
+                <a:spcPct val="100000"/>
+              </a:lnSpc>
+              <a:spcBef>
+                <a:spcPts val="1001"/>
+              </a:spcBef>
+              <a:spcAft>
+                <a:spcPts val="1001"/>
+              </a:spcAft>
+              <a:tabLst>
+                <a:tab pos="0" algn="l"/>
+              </a:tabLst>
+            </a:pPr>
+            <a:r>
+              <a:rPr lang="pt-BR" sz="3200" spc="-1" dirty="0" err="1">
+                <a:solidFill>
+                  <a:srgbClr val="1F4E79"/>
+                </a:solidFill>
+                <a:latin typeface="Courier New" panose="02070309020205020404" pitchFamily="49" charset="0"/>
+                <a:cs typeface="Courier New" panose="02070309020205020404" pitchFamily="49" charset="0"/>
+              </a:rPr>
+              <a:t>yarn</a:t>
+            </a:r>
+            <a:r>
+              <a:rPr lang="pt-BR" sz="3200" spc="-1" dirty="0">
+                <a:solidFill>
+                  <a:srgbClr val="1F4E79"/>
+                </a:solidFill>
+                <a:latin typeface="Courier New" panose="02070309020205020404" pitchFamily="49" charset="0"/>
+                <a:cs typeface="Courier New" panose="02070309020205020404" pitchFamily="49" charset="0"/>
+              </a:rPr>
+              <a:t> </a:t>
+            </a:r>
+            <a:r>
+              <a:rPr lang="pt-BR" sz="3200" spc="-1" dirty="0" err="1">
+                <a:solidFill>
+                  <a:srgbClr val="1F4E79"/>
+                </a:solidFill>
+                <a:latin typeface="Courier New" panose="02070309020205020404" pitchFamily="49" charset="0"/>
+                <a:cs typeface="Courier New" panose="02070309020205020404" pitchFamily="49" charset="0"/>
+              </a:rPr>
+              <a:t>init</a:t>
+            </a:r>
+            <a:r>
+              <a:rPr lang="pt-BR" sz="3200" spc="-1" dirty="0">
+                <a:solidFill>
+                  <a:srgbClr val="1F4E79"/>
+                </a:solidFill>
+                <a:latin typeface="Courier New" panose="02070309020205020404" pitchFamily="49" charset="0"/>
+                <a:cs typeface="Courier New" panose="02070309020205020404" pitchFamily="49" charset="0"/>
+              </a:rPr>
+              <a:t> –y</a:t>
+            </a:r>
+            <a:endParaRPr lang="pt-BR" sz="3200" b="0" strike="noStrike" spc="-1" dirty="0">
+              <a:solidFill>
+                <a:srgbClr val="1F4E79"/>
+              </a:solidFill>
+              <a:latin typeface="Courier New" panose="02070309020205020404" pitchFamily="49" charset="0"/>
+              <a:ea typeface="DejaVu Sans"/>
+              <a:cs typeface="Courier New" panose="02070309020205020404" pitchFamily="49" charset="0"/>
+            </a:endParaRPr>
+          </a:p>
+          <a:p>
+            <a:pPr algn="ctr">
+              <a:lnSpc>
+                <a:spcPct val="100000"/>
+              </a:lnSpc>
+              <a:spcBef>
+                <a:spcPts val="1001"/>
+              </a:spcBef>
+              <a:spcAft>
+                <a:spcPts val="1001"/>
+              </a:spcAft>
+              <a:tabLst>
+                <a:tab pos="0" algn="l"/>
+              </a:tabLst>
+            </a:pPr>
+            <a:r>
+              <a:rPr lang="pt-BR" sz="3200" spc="-1" dirty="0">
+                <a:solidFill>
+                  <a:srgbClr val="1F4E79"/>
+                </a:solidFill>
+                <a:latin typeface="Arial"/>
+              </a:rPr>
+              <a:t>e o próximo comando para abrir o diretório atual no VS </a:t>
+            </a:r>
+            <a:r>
+              <a:rPr lang="pt-BR" sz="3200" spc="-1" dirty="0" err="1">
+                <a:solidFill>
+                  <a:srgbClr val="1F4E79"/>
+                </a:solidFill>
+                <a:latin typeface="Arial"/>
+              </a:rPr>
+              <a:t>Code</a:t>
+            </a:r>
+            <a:r>
+              <a:rPr lang="pt-BR" sz="3200" spc="-1" dirty="0">
+                <a:solidFill>
+                  <a:srgbClr val="1F4E79"/>
+                </a:solidFill>
+                <a:latin typeface="Arial"/>
+              </a:rPr>
+              <a:t>:</a:t>
+            </a:r>
+          </a:p>
+          <a:p>
+            <a:pPr algn="ctr">
+              <a:lnSpc>
+                <a:spcPct val="100000"/>
+              </a:lnSpc>
+              <a:spcBef>
+                <a:spcPts val="1001"/>
+              </a:spcBef>
+              <a:spcAft>
+                <a:spcPts val="1001"/>
+              </a:spcAft>
+              <a:tabLst>
+                <a:tab pos="0" algn="l"/>
+              </a:tabLst>
+            </a:pPr>
+            <a:r>
+              <a:rPr lang="pt-BR" sz="3200" spc="-1" dirty="0" err="1">
+                <a:solidFill>
+                  <a:srgbClr val="1F4E79"/>
+                </a:solidFill>
+                <a:latin typeface="Courier New" panose="02070309020205020404" pitchFamily="49" charset="0"/>
+                <a:cs typeface="Courier New" panose="02070309020205020404" pitchFamily="49" charset="0"/>
+              </a:rPr>
+              <a:t>code</a:t>
+            </a:r>
+            <a:r>
+              <a:rPr lang="pt-BR" sz="3200" spc="-1" dirty="0">
+                <a:solidFill>
+                  <a:srgbClr val="1F4E79"/>
+                </a:solidFill>
+                <a:latin typeface="Courier New" panose="02070309020205020404" pitchFamily="49" charset="0"/>
+                <a:cs typeface="Courier New" panose="02070309020205020404" pitchFamily="49" charset="0"/>
+              </a:rPr>
+              <a:t> .</a:t>
+            </a:r>
+            <a:endParaRPr lang="pt-BR" sz="3200" b="0" strike="noStrike" spc="-1" dirty="0">
+              <a:latin typeface="Courier New" panose="02070309020205020404" pitchFamily="49" charset="0"/>
+              <a:cs typeface="Courier New" panose="02070309020205020404" pitchFamily="49" charset="0"/>
             </a:endParaRPr>
           </a:p>
         </p:txBody>
       </p:sp>
     </p:spTree>
+    <p:extLst>
+      <p:ext uri="{BB962C8B-B14F-4D97-AF65-F5344CB8AC3E}">
+        <p14:creationId xmlns:p14="http://schemas.microsoft.com/office/powerpoint/2010/main" val="1466987049"/>
+      </p:ext>
+    </p:extLst>
   </p:cSld>
   <p:clrMapOvr>
     <a:masterClrMapping/>

--- a/node-js.pptx
+++ b/node-js.pptx
@@ -6,7 +6,7 @@
     <p:sldMasterId id="2147483661" r:id="rId2"/>
   </p:sldMasterIdLst>
   <p:notesMasterIdLst>
-    <p:notesMasterId r:id="rId16"/>
+    <p:notesMasterId r:id="rId20"/>
   </p:notesMasterIdLst>
   <p:sldIdLst>
     <p:sldId id="256" r:id="rId3"/>
@@ -21,7 +21,11 @@
     <p:sldId id="261" r:id="rId12"/>
     <p:sldId id="267" r:id="rId13"/>
     <p:sldId id="268" r:id="rId14"/>
-    <p:sldId id="262" r:id="rId15"/>
+    <p:sldId id="269" r:id="rId15"/>
+    <p:sldId id="270" r:id="rId16"/>
+    <p:sldId id="271" r:id="rId17"/>
+    <p:sldId id="262" r:id="rId18"/>
+    <p:sldId id="272" r:id="rId19"/>
   </p:sldIdLst>
   <p:sldSz cx="12192000" cy="6858000"/>
   <p:notesSz cx="6858000" cy="9144000"/>
@@ -1020,6 +1024,420 @@
       </p:grpSpPr>
       <p:sp>
         <p:nvSpPr>
+          <p:cNvPr id="112" name="PlaceHolder 1"/>
+          <p:cNvSpPr>
+            <a:spLocks noGrp="1" noRot="1" noChangeAspect="1"/>
+          </p:cNvSpPr>
+          <p:nvPr>
+            <p:ph type="sldImg"/>
+          </p:nvPr>
+        </p:nvSpPr>
+        <p:spPr>
+          <a:xfrm>
+            <a:off x="685800" y="1143000"/>
+            <a:ext cx="5484813" cy="3084513"/>
+          </a:xfrm>
+          <a:prstGeom prst="rect">
+            <a:avLst/>
+          </a:prstGeom>
+        </p:spPr>
+      </p:sp>
+      <p:sp>
+        <p:nvSpPr>
+          <p:cNvPr id="113" name="PlaceHolder 2"/>
+          <p:cNvSpPr>
+            <a:spLocks noGrp="1"/>
+          </p:cNvSpPr>
+          <p:nvPr>
+            <p:ph type="body"/>
+          </p:nvPr>
+        </p:nvSpPr>
+        <p:spPr>
+          <a:xfrm>
+            <a:off x="685800" y="4400640"/>
+            <a:ext cx="5484600" cy="3598560"/>
+          </a:xfrm>
+          <a:prstGeom prst="rect">
+            <a:avLst/>
+          </a:prstGeom>
+        </p:spPr>
+        <p:txBody>
+          <a:bodyPr lIns="0" tIns="0" rIns="0" bIns="0">
+            <a:noAutofit/>
+          </a:bodyPr>
+          <a:lstStyle/>
+          <a:p>
+            <a:endParaRPr lang="pt-BR" sz="2000" b="0" strike="noStrike" spc="-1">
+              <a:latin typeface="Arial"/>
+            </a:endParaRPr>
+          </a:p>
+        </p:txBody>
+      </p:sp>
+      <p:sp>
+        <p:nvSpPr>
+          <p:cNvPr id="114" name="CustomShape 3"/>
+          <p:cNvSpPr/>
+          <p:nvPr/>
+        </p:nvSpPr>
+        <p:spPr>
+          <a:xfrm>
+            <a:off x="3884760" y="8685360"/>
+            <a:ext cx="2970000" cy="456840"/>
+          </a:xfrm>
+          <a:prstGeom prst="rect">
+            <a:avLst/>
+          </a:prstGeom>
+          <a:noFill/>
+          <a:ln>
+            <a:noFill/>
+          </a:ln>
+        </p:spPr>
+        <p:style>
+          <a:lnRef idx="0">
+            <a:scrgbClr r="0" g="0" b="0"/>
+          </a:lnRef>
+          <a:fillRef idx="0">
+            <a:scrgbClr r="0" g="0" b="0"/>
+          </a:fillRef>
+          <a:effectRef idx="0">
+            <a:scrgbClr r="0" g="0" b="0"/>
+          </a:effectRef>
+          <a:fontRef idx="minor"/>
+        </p:style>
+        <p:txBody>
+          <a:bodyPr lIns="90000" tIns="45000" rIns="90000" bIns="45000" anchor="b">
+            <a:noAutofit/>
+          </a:bodyPr>
+          <a:lstStyle/>
+          <a:p>
+            <a:pPr algn="r">
+              <a:lnSpc>
+                <a:spcPct val="100000"/>
+              </a:lnSpc>
+            </a:pPr>
+            <a:fld id="{583F70BE-C016-499A-8CB9-F6771F9A179F}" type="slidenum">
+              <a:rPr lang="pt-BR" sz="1200" b="0" strike="noStrike" spc="-1">
+                <a:solidFill>
+                  <a:srgbClr val="000000"/>
+                </a:solidFill>
+                <a:latin typeface="Times New Roman"/>
+              </a:rPr>
+              <a:t>13</a:t>
+            </a:fld>
+            <a:endParaRPr lang="pt-BR" sz="1200" b="0" strike="noStrike" spc="-1">
+              <a:latin typeface="Arial"/>
+            </a:endParaRPr>
+          </a:p>
+        </p:txBody>
+      </p:sp>
+    </p:spTree>
+    <p:extLst>
+      <p:ext uri="{BB962C8B-B14F-4D97-AF65-F5344CB8AC3E}">
+        <p14:creationId xmlns:p14="http://schemas.microsoft.com/office/powerpoint/2010/main" val="2659596570"/>
+      </p:ext>
+    </p:extLst>
+  </p:cSld>
+  <p:clrMapOvr>
+    <a:masterClrMapping/>
+  </p:clrMapOvr>
+</p:notes>
+</file>
+
+<file path=ppt/notesSlides/notesSlide14.xml><?xml version="1.0" encoding="utf-8"?>
+<p:notes xmlns:a="http://schemas.openxmlformats.org/drawingml/2006/main" xmlns:r="http://schemas.openxmlformats.org/officeDocument/2006/relationships" xmlns:p="http://schemas.openxmlformats.org/presentationml/2006/main">
+  <p:cSld>
+    <p:spTree>
+      <p:nvGrpSpPr>
+        <p:cNvPr id="1" name=""/>
+        <p:cNvGrpSpPr/>
+        <p:nvPr/>
+      </p:nvGrpSpPr>
+      <p:grpSpPr>
+        <a:xfrm>
+          <a:off x="0" y="0"/>
+          <a:ext cx="0" cy="0"/>
+          <a:chOff x="0" y="0"/>
+          <a:chExt cx="0" cy="0"/>
+        </a:xfrm>
+      </p:grpSpPr>
+      <p:sp>
+        <p:nvSpPr>
+          <p:cNvPr id="112" name="PlaceHolder 1"/>
+          <p:cNvSpPr>
+            <a:spLocks noGrp="1" noRot="1" noChangeAspect="1"/>
+          </p:cNvSpPr>
+          <p:nvPr>
+            <p:ph type="sldImg"/>
+          </p:nvPr>
+        </p:nvSpPr>
+        <p:spPr>
+          <a:xfrm>
+            <a:off x="685800" y="1143000"/>
+            <a:ext cx="5484813" cy="3084513"/>
+          </a:xfrm>
+          <a:prstGeom prst="rect">
+            <a:avLst/>
+          </a:prstGeom>
+        </p:spPr>
+      </p:sp>
+      <p:sp>
+        <p:nvSpPr>
+          <p:cNvPr id="113" name="PlaceHolder 2"/>
+          <p:cNvSpPr>
+            <a:spLocks noGrp="1"/>
+          </p:cNvSpPr>
+          <p:nvPr>
+            <p:ph type="body"/>
+          </p:nvPr>
+        </p:nvSpPr>
+        <p:spPr>
+          <a:xfrm>
+            <a:off x="685800" y="4400640"/>
+            <a:ext cx="5484600" cy="3598560"/>
+          </a:xfrm>
+          <a:prstGeom prst="rect">
+            <a:avLst/>
+          </a:prstGeom>
+        </p:spPr>
+        <p:txBody>
+          <a:bodyPr lIns="0" tIns="0" rIns="0" bIns="0">
+            <a:noAutofit/>
+          </a:bodyPr>
+          <a:lstStyle/>
+          <a:p>
+            <a:endParaRPr lang="pt-BR" sz="2000" b="0" strike="noStrike" spc="-1">
+              <a:latin typeface="Arial"/>
+            </a:endParaRPr>
+          </a:p>
+        </p:txBody>
+      </p:sp>
+      <p:sp>
+        <p:nvSpPr>
+          <p:cNvPr id="114" name="CustomShape 3"/>
+          <p:cNvSpPr/>
+          <p:nvPr/>
+        </p:nvSpPr>
+        <p:spPr>
+          <a:xfrm>
+            <a:off x="3884760" y="8685360"/>
+            <a:ext cx="2970000" cy="456840"/>
+          </a:xfrm>
+          <a:prstGeom prst="rect">
+            <a:avLst/>
+          </a:prstGeom>
+          <a:noFill/>
+          <a:ln>
+            <a:noFill/>
+          </a:ln>
+        </p:spPr>
+        <p:style>
+          <a:lnRef idx="0">
+            <a:scrgbClr r="0" g="0" b="0"/>
+          </a:lnRef>
+          <a:fillRef idx="0">
+            <a:scrgbClr r="0" g="0" b="0"/>
+          </a:fillRef>
+          <a:effectRef idx="0">
+            <a:scrgbClr r="0" g="0" b="0"/>
+          </a:effectRef>
+          <a:fontRef idx="minor"/>
+        </p:style>
+        <p:txBody>
+          <a:bodyPr lIns="90000" tIns="45000" rIns="90000" bIns="45000" anchor="b">
+            <a:noAutofit/>
+          </a:bodyPr>
+          <a:lstStyle/>
+          <a:p>
+            <a:pPr algn="r">
+              <a:lnSpc>
+                <a:spcPct val="100000"/>
+              </a:lnSpc>
+            </a:pPr>
+            <a:fld id="{583F70BE-C016-499A-8CB9-F6771F9A179F}" type="slidenum">
+              <a:rPr lang="pt-BR" sz="1200" b="0" strike="noStrike" spc="-1">
+                <a:solidFill>
+                  <a:srgbClr val="000000"/>
+                </a:solidFill>
+                <a:latin typeface="Times New Roman"/>
+              </a:rPr>
+              <a:t>14</a:t>
+            </a:fld>
+            <a:endParaRPr lang="pt-BR" sz="1200" b="0" strike="noStrike" spc="-1">
+              <a:latin typeface="Arial"/>
+            </a:endParaRPr>
+          </a:p>
+        </p:txBody>
+      </p:sp>
+    </p:spTree>
+    <p:extLst>
+      <p:ext uri="{BB962C8B-B14F-4D97-AF65-F5344CB8AC3E}">
+        <p14:creationId xmlns:p14="http://schemas.microsoft.com/office/powerpoint/2010/main" val="1600655519"/>
+      </p:ext>
+    </p:extLst>
+  </p:cSld>
+  <p:clrMapOvr>
+    <a:masterClrMapping/>
+  </p:clrMapOvr>
+</p:notes>
+</file>
+
+<file path=ppt/notesSlides/notesSlide15.xml><?xml version="1.0" encoding="utf-8"?>
+<p:notes xmlns:a="http://schemas.openxmlformats.org/drawingml/2006/main" xmlns:r="http://schemas.openxmlformats.org/officeDocument/2006/relationships" xmlns:p="http://schemas.openxmlformats.org/presentationml/2006/main">
+  <p:cSld>
+    <p:spTree>
+      <p:nvGrpSpPr>
+        <p:cNvPr id="1" name=""/>
+        <p:cNvGrpSpPr/>
+        <p:nvPr/>
+      </p:nvGrpSpPr>
+      <p:grpSpPr>
+        <a:xfrm>
+          <a:off x="0" y="0"/>
+          <a:ext cx="0" cy="0"/>
+          <a:chOff x="0" y="0"/>
+          <a:chExt cx="0" cy="0"/>
+        </a:xfrm>
+      </p:grpSpPr>
+      <p:sp>
+        <p:nvSpPr>
+          <p:cNvPr id="112" name="PlaceHolder 1"/>
+          <p:cNvSpPr>
+            <a:spLocks noGrp="1" noRot="1" noChangeAspect="1"/>
+          </p:cNvSpPr>
+          <p:nvPr>
+            <p:ph type="sldImg"/>
+          </p:nvPr>
+        </p:nvSpPr>
+        <p:spPr>
+          <a:xfrm>
+            <a:off x="685800" y="1143000"/>
+            <a:ext cx="5484813" cy="3084513"/>
+          </a:xfrm>
+          <a:prstGeom prst="rect">
+            <a:avLst/>
+          </a:prstGeom>
+        </p:spPr>
+      </p:sp>
+      <p:sp>
+        <p:nvSpPr>
+          <p:cNvPr id="113" name="PlaceHolder 2"/>
+          <p:cNvSpPr>
+            <a:spLocks noGrp="1"/>
+          </p:cNvSpPr>
+          <p:nvPr>
+            <p:ph type="body"/>
+          </p:nvPr>
+        </p:nvSpPr>
+        <p:spPr>
+          <a:xfrm>
+            <a:off x="685800" y="4400640"/>
+            <a:ext cx="5484600" cy="3598560"/>
+          </a:xfrm>
+          <a:prstGeom prst="rect">
+            <a:avLst/>
+          </a:prstGeom>
+        </p:spPr>
+        <p:txBody>
+          <a:bodyPr lIns="0" tIns="0" rIns="0" bIns="0">
+            <a:noAutofit/>
+          </a:bodyPr>
+          <a:lstStyle/>
+          <a:p>
+            <a:endParaRPr lang="pt-BR" sz="2000" b="0" strike="noStrike" spc="-1">
+              <a:latin typeface="Arial"/>
+            </a:endParaRPr>
+          </a:p>
+        </p:txBody>
+      </p:sp>
+      <p:sp>
+        <p:nvSpPr>
+          <p:cNvPr id="114" name="CustomShape 3"/>
+          <p:cNvSpPr/>
+          <p:nvPr/>
+        </p:nvSpPr>
+        <p:spPr>
+          <a:xfrm>
+            <a:off x="3884760" y="8685360"/>
+            <a:ext cx="2970000" cy="456840"/>
+          </a:xfrm>
+          <a:prstGeom prst="rect">
+            <a:avLst/>
+          </a:prstGeom>
+          <a:noFill/>
+          <a:ln>
+            <a:noFill/>
+          </a:ln>
+        </p:spPr>
+        <p:style>
+          <a:lnRef idx="0">
+            <a:scrgbClr r="0" g="0" b="0"/>
+          </a:lnRef>
+          <a:fillRef idx="0">
+            <a:scrgbClr r="0" g="0" b="0"/>
+          </a:fillRef>
+          <a:effectRef idx="0">
+            <a:scrgbClr r="0" g="0" b="0"/>
+          </a:effectRef>
+          <a:fontRef idx="minor"/>
+        </p:style>
+        <p:txBody>
+          <a:bodyPr lIns="90000" tIns="45000" rIns="90000" bIns="45000" anchor="b">
+            <a:noAutofit/>
+          </a:bodyPr>
+          <a:lstStyle/>
+          <a:p>
+            <a:pPr algn="r">
+              <a:lnSpc>
+                <a:spcPct val="100000"/>
+              </a:lnSpc>
+            </a:pPr>
+            <a:fld id="{583F70BE-C016-499A-8CB9-F6771F9A179F}" type="slidenum">
+              <a:rPr lang="pt-BR" sz="1200" b="0" strike="noStrike" spc="-1">
+                <a:solidFill>
+                  <a:srgbClr val="000000"/>
+                </a:solidFill>
+                <a:latin typeface="Times New Roman"/>
+              </a:rPr>
+              <a:t>15</a:t>
+            </a:fld>
+            <a:endParaRPr lang="pt-BR" sz="1200" b="0" strike="noStrike" spc="-1">
+              <a:latin typeface="Arial"/>
+            </a:endParaRPr>
+          </a:p>
+        </p:txBody>
+      </p:sp>
+    </p:spTree>
+    <p:extLst>
+      <p:ext uri="{BB962C8B-B14F-4D97-AF65-F5344CB8AC3E}">
+        <p14:creationId xmlns:p14="http://schemas.microsoft.com/office/powerpoint/2010/main" val="1409971957"/>
+      </p:ext>
+    </p:extLst>
+  </p:cSld>
+  <p:clrMapOvr>
+    <a:masterClrMapping/>
+  </p:clrMapOvr>
+</p:notes>
+</file>
+
+<file path=ppt/notesSlides/notesSlide16.xml><?xml version="1.0" encoding="utf-8"?>
+<p:notes xmlns:a="http://schemas.openxmlformats.org/drawingml/2006/main" xmlns:r="http://schemas.openxmlformats.org/officeDocument/2006/relationships" xmlns:p="http://schemas.openxmlformats.org/presentationml/2006/main">
+  <p:cSld>
+    <p:spTree>
+      <p:nvGrpSpPr>
+        <p:cNvPr id="1" name=""/>
+        <p:cNvGrpSpPr/>
+        <p:nvPr/>
+      </p:nvGrpSpPr>
+      <p:grpSpPr>
+        <a:xfrm>
+          <a:off x="0" y="0"/>
+          <a:ext cx="0" cy="0"/>
+          <a:chOff x="0" y="0"/>
+          <a:chExt cx="0" cy="0"/>
+        </a:xfrm>
+      </p:grpSpPr>
+      <p:sp>
+        <p:nvSpPr>
           <p:cNvPr id="115" name="PlaceHolder 1"/>
           <p:cNvSpPr>
             <a:spLocks noGrp="1" noRot="1" noChangeAspect="1"/>
@@ -1118,7 +1536,7 @@
                 </a:solidFill>
                 <a:latin typeface="Times New Roman"/>
               </a:rPr>
-              <a:t>13</a:t>
+              <a:t>16</a:t>
             </a:fld>
             <a:endParaRPr lang="pt-BR" sz="1200" b="0" strike="noStrike" spc="-1">
               <a:latin typeface="Arial"/>
@@ -1127,6 +1545,144 @@
         </p:txBody>
       </p:sp>
     </p:spTree>
+  </p:cSld>
+  <p:clrMapOvr>
+    <a:masterClrMapping/>
+  </p:clrMapOvr>
+</p:notes>
+</file>
+
+<file path=ppt/notesSlides/notesSlide17.xml><?xml version="1.0" encoding="utf-8"?>
+<p:notes xmlns:a="http://schemas.openxmlformats.org/drawingml/2006/main" xmlns:r="http://schemas.openxmlformats.org/officeDocument/2006/relationships" xmlns:p="http://schemas.openxmlformats.org/presentationml/2006/main">
+  <p:cSld>
+    <p:spTree>
+      <p:nvGrpSpPr>
+        <p:cNvPr id="1" name=""/>
+        <p:cNvGrpSpPr/>
+        <p:nvPr/>
+      </p:nvGrpSpPr>
+      <p:grpSpPr>
+        <a:xfrm>
+          <a:off x="0" y="0"/>
+          <a:ext cx="0" cy="0"/>
+          <a:chOff x="0" y="0"/>
+          <a:chExt cx="0" cy="0"/>
+        </a:xfrm>
+      </p:grpSpPr>
+      <p:sp>
+        <p:nvSpPr>
+          <p:cNvPr id="115" name="PlaceHolder 1"/>
+          <p:cNvSpPr>
+            <a:spLocks noGrp="1" noRot="1" noChangeAspect="1"/>
+          </p:cNvSpPr>
+          <p:nvPr>
+            <p:ph type="sldImg"/>
+          </p:nvPr>
+        </p:nvSpPr>
+        <p:spPr>
+          <a:xfrm>
+            <a:off x="685800" y="1143000"/>
+            <a:ext cx="5484813" cy="3084513"/>
+          </a:xfrm>
+          <a:prstGeom prst="rect">
+            <a:avLst/>
+          </a:prstGeom>
+        </p:spPr>
+      </p:sp>
+      <p:sp>
+        <p:nvSpPr>
+          <p:cNvPr id="116" name="PlaceHolder 2"/>
+          <p:cNvSpPr>
+            <a:spLocks noGrp="1"/>
+          </p:cNvSpPr>
+          <p:nvPr>
+            <p:ph type="body"/>
+          </p:nvPr>
+        </p:nvSpPr>
+        <p:spPr>
+          <a:xfrm>
+            <a:off x="685800" y="4400640"/>
+            <a:ext cx="5484600" cy="3598560"/>
+          </a:xfrm>
+          <a:prstGeom prst="rect">
+            <a:avLst/>
+          </a:prstGeom>
+        </p:spPr>
+        <p:txBody>
+          <a:bodyPr lIns="0" tIns="0" rIns="0" bIns="0">
+            <a:noAutofit/>
+          </a:bodyPr>
+          <a:lstStyle/>
+          <a:p>
+            <a:endParaRPr lang="pt-BR" sz="2000" b="0" strike="noStrike" spc="-1">
+              <a:latin typeface="Arial"/>
+            </a:endParaRPr>
+          </a:p>
+        </p:txBody>
+      </p:sp>
+      <p:sp>
+        <p:nvSpPr>
+          <p:cNvPr id="117" name="CustomShape 3"/>
+          <p:cNvSpPr/>
+          <p:nvPr/>
+        </p:nvSpPr>
+        <p:spPr>
+          <a:xfrm>
+            <a:off x="3884760" y="8685360"/>
+            <a:ext cx="2970000" cy="456840"/>
+          </a:xfrm>
+          <a:prstGeom prst="rect">
+            <a:avLst/>
+          </a:prstGeom>
+          <a:noFill/>
+          <a:ln>
+            <a:noFill/>
+          </a:ln>
+        </p:spPr>
+        <p:style>
+          <a:lnRef idx="0">
+            <a:scrgbClr r="0" g="0" b="0"/>
+          </a:lnRef>
+          <a:fillRef idx="0">
+            <a:scrgbClr r="0" g="0" b="0"/>
+          </a:fillRef>
+          <a:effectRef idx="0">
+            <a:scrgbClr r="0" g="0" b="0"/>
+          </a:effectRef>
+          <a:fontRef idx="minor"/>
+        </p:style>
+        <p:txBody>
+          <a:bodyPr lIns="90000" tIns="45000" rIns="90000" bIns="45000" anchor="b">
+            <a:noAutofit/>
+          </a:bodyPr>
+          <a:lstStyle/>
+          <a:p>
+            <a:pPr algn="r">
+              <a:lnSpc>
+                <a:spcPct val="100000"/>
+              </a:lnSpc>
+            </a:pPr>
+            <a:fld id="{F68F1957-7097-4FDF-86A5-FE287AF82722}" type="slidenum">
+              <a:rPr lang="pt-BR" sz="1200" b="0" strike="noStrike" spc="-1">
+                <a:solidFill>
+                  <a:srgbClr val="000000"/>
+                </a:solidFill>
+                <a:latin typeface="Times New Roman"/>
+              </a:rPr>
+              <a:t>17</a:t>
+            </a:fld>
+            <a:endParaRPr lang="pt-BR" sz="1200" b="0" strike="noStrike" spc="-1">
+              <a:latin typeface="Arial"/>
+            </a:endParaRPr>
+          </a:p>
+        </p:txBody>
+      </p:sp>
+    </p:spTree>
+    <p:extLst>
+      <p:ext uri="{BB962C8B-B14F-4D97-AF65-F5344CB8AC3E}">
+        <p14:creationId xmlns:p14="http://schemas.microsoft.com/office/powerpoint/2010/main" val="848795656"/>
+      </p:ext>
+    </p:extLst>
   </p:cSld>
   <p:clrMapOvr>
     <a:masterClrMapping/>
@@ -1866,7 +2422,30 @@
           </a:bodyPr>
           <a:lstStyle/>
           <a:p>
-            <a:endParaRPr lang="pt-BR" sz="2000" b="0" strike="noStrike" spc="-1">
+            <a:r>
+              <a:rPr lang="pt-BR" sz="2000" dirty="0" err="1"/>
+              <a:t>Get-ExecutionPolicy</a:t>
+            </a:r>
+            <a:endParaRPr lang="pt-BR" sz="2000" dirty="0"/>
+          </a:p>
+          <a:p>
+            <a:r>
+              <a:rPr lang="pt-BR" sz="2000" dirty="0"/>
+              <a:t>Set-</a:t>
+            </a:r>
+            <a:r>
+              <a:rPr lang="pt-BR" sz="2000" dirty="0" err="1"/>
+              <a:t>ExecutionPolicy</a:t>
+            </a:r>
+            <a:r>
+              <a:rPr lang="pt-BR" sz="2000" dirty="0"/>
+              <a:t> </a:t>
+            </a:r>
+            <a:r>
+              <a:rPr lang="pt-BR" sz="2000" dirty="0" err="1"/>
+              <a:t>RemoteSigned</a:t>
+            </a:r>
+            <a:endParaRPr lang="pt-BR" sz="2000" b="0" strike="noStrike" spc="-1" dirty="0">
               <a:latin typeface="Arial"/>
             </a:endParaRPr>
           </a:p>
@@ -6292,7 +6871,7 @@
     <mc:Choice Requires="p14">
       <p:transition spd="slow" p14:dur="2000" advTm="17000"/>
     </mc:Choice>
-    <mc:Fallback xmlns="" xmlns:p15="http://schemas.microsoft.com/office/powerpoint/2012/main">
+    <mc:Fallback xmlns:p15="http://schemas.microsoft.com/office/powerpoint/2012/main" xmlns="">
       <p:transition spd="slow" advTm="17000"/>
     </mc:Fallback>
   </mc:AlternateContent>
@@ -6975,6 +7554,1007 @@
       </p:grpSpPr>
       <p:sp>
         <p:nvSpPr>
+          <p:cNvPr id="93" name="CustomShape 1"/>
+          <p:cNvSpPr/>
+          <p:nvPr/>
+        </p:nvSpPr>
+        <p:spPr>
+          <a:xfrm>
+            <a:off x="0" y="224280"/>
+            <a:ext cx="12021480" cy="856800"/>
+          </a:xfrm>
+          <a:prstGeom prst="rect">
+            <a:avLst/>
+          </a:prstGeom>
+          <a:noFill/>
+          <a:ln>
+            <a:noFill/>
+          </a:ln>
+        </p:spPr>
+        <p:style>
+          <a:lnRef idx="0">
+            <a:scrgbClr r="0" g="0" b="0"/>
+          </a:lnRef>
+          <a:fillRef idx="0">
+            <a:scrgbClr r="0" g="0" b="0"/>
+          </a:fillRef>
+          <a:effectRef idx="0">
+            <a:scrgbClr r="0" g="0" b="0"/>
+          </a:effectRef>
+          <a:fontRef idx="minor"/>
+        </p:style>
+        <p:txBody>
+          <a:bodyPr lIns="90000" tIns="45000" rIns="90000" bIns="45000" anchor="ctr">
+            <a:noAutofit/>
+          </a:bodyPr>
+          <a:lstStyle/>
+          <a:p>
+            <a:pPr algn="ctr">
+              <a:lnSpc>
+                <a:spcPct val="90000"/>
+              </a:lnSpc>
+            </a:pPr>
+            <a:r>
+              <a:rPr lang="pt-BR" sz="5400" b="0" strike="noStrike" spc="-1" dirty="0">
+                <a:solidFill>
+                  <a:srgbClr val="1F4E79"/>
+                </a:solidFill>
+                <a:latin typeface="Arial"/>
+                <a:ea typeface="DejaVu Sans"/>
+              </a:rPr>
+              <a:t>Instalando o </a:t>
+            </a:r>
+            <a:r>
+              <a:rPr lang="pt-BR" sz="5400" b="0" strike="noStrike" spc="-1" dirty="0" err="1">
+                <a:solidFill>
+                  <a:srgbClr val="1F4E79"/>
+                </a:solidFill>
+                <a:latin typeface="Arial"/>
+                <a:ea typeface="DejaVu Sans"/>
+              </a:rPr>
+              <a:t>Nodemon</a:t>
+            </a:r>
+            <a:endParaRPr lang="pt-BR" sz="5400" b="0" strike="noStrike" spc="-1" dirty="0">
+              <a:latin typeface="Arial"/>
+            </a:endParaRPr>
+          </a:p>
+        </p:txBody>
+      </p:sp>
+      <p:sp>
+        <p:nvSpPr>
+          <p:cNvPr id="94" name="CustomShape 2"/>
+          <p:cNvSpPr/>
+          <p:nvPr/>
+        </p:nvSpPr>
+        <p:spPr>
+          <a:xfrm>
+            <a:off x="317520" y="1290960"/>
+            <a:ext cx="11703600" cy="4349520"/>
+          </a:xfrm>
+          <a:prstGeom prst="rect">
+            <a:avLst/>
+          </a:prstGeom>
+          <a:noFill/>
+          <a:ln>
+            <a:noFill/>
+          </a:ln>
+        </p:spPr>
+        <p:style>
+          <a:lnRef idx="0">
+            <a:scrgbClr r="0" g="0" b="0"/>
+          </a:lnRef>
+          <a:fillRef idx="0">
+            <a:scrgbClr r="0" g="0" b="0"/>
+          </a:fillRef>
+          <a:effectRef idx="0">
+            <a:scrgbClr r="0" g="0" b="0"/>
+          </a:effectRef>
+          <a:fontRef idx="minor"/>
+        </p:style>
+        <p:txBody>
+          <a:bodyPr lIns="90000" tIns="45000" rIns="90000" bIns="45000">
+            <a:normAutofit/>
+          </a:bodyPr>
+          <a:lstStyle/>
+          <a:p>
+            <a:pPr algn="ctr">
+              <a:lnSpc>
+                <a:spcPct val="100000"/>
+              </a:lnSpc>
+              <a:spcBef>
+                <a:spcPts val="1001"/>
+              </a:spcBef>
+              <a:spcAft>
+                <a:spcPts val="1001"/>
+              </a:spcAft>
+              <a:tabLst>
+                <a:tab pos="0" algn="l"/>
+              </a:tabLst>
+            </a:pPr>
+            <a:r>
+              <a:rPr lang="pt-BR" sz="3200" b="0" strike="noStrike" spc="-1" dirty="0">
+                <a:solidFill>
+                  <a:srgbClr val="1F4E79"/>
+                </a:solidFill>
+                <a:latin typeface="Arial"/>
+                <a:ea typeface="DejaVu Sans"/>
+              </a:rPr>
+              <a:t>É uma ferramenta que ajuda desenvolver aplicações baseadas em Node.js reiniciando a aplicação Node quando alterações de arquivos forem detectadas no diretório da aplicação</a:t>
+            </a:r>
+            <a:r>
+              <a:rPr lang="pt-BR" sz="3200" b="0" strike="noStrike" spc="-1" dirty="0">
+                <a:solidFill>
+                  <a:srgbClr val="1F4E79"/>
+                </a:solidFill>
+                <a:latin typeface="Arial"/>
+                <a:ea typeface="DejaVu Sans"/>
+                <a:hlinkClick r:id="rId3"/>
+              </a:rPr>
+              <a:t>*</a:t>
+            </a:r>
+            <a:r>
+              <a:rPr lang="pt-BR" sz="3200" b="0" strike="noStrike" spc="-1" dirty="0">
+                <a:solidFill>
+                  <a:srgbClr val="1F4E79"/>
+                </a:solidFill>
+                <a:latin typeface="Arial"/>
+                <a:ea typeface="DejaVu Sans"/>
+              </a:rPr>
+              <a:t>.</a:t>
+            </a:r>
+          </a:p>
+          <a:p>
+            <a:pPr algn="ctr">
+              <a:lnSpc>
+                <a:spcPct val="100000"/>
+              </a:lnSpc>
+              <a:spcBef>
+                <a:spcPts val="1001"/>
+              </a:spcBef>
+              <a:spcAft>
+                <a:spcPts val="1001"/>
+              </a:spcAft>
+              <a:tabLst>
+                <a:tab pos="0" algn="l"/>
+              </a:tabLst>
+            </a:pPr>
+            <a:r>
+              <a:rPr lang="pt-BR" sz="3200" spc="-1" dirty="0" err="1">
+                <a:solidFill>
+                  <a:srgbClr val="1F4E79"/>
+                </a:solidFill>
+                <a:latin typeface="Courier New" panose="02070309020205020404" pitchFamily="49" charset="0"/>
+                <a:cs typeface="Courier New" panose="02070309020205020404" pitchFamily="49" charset="0"/>
+              </a:rPr>
+              <a:t>yarn</a:t>
+            </a:r>
+            <a:r>
+              <a:rPr lang="pt-BR" sz="3200" spc="-1" dirty="0">
+                <a:solidFill>
+                  <a:srgbClr val="1F4E79"/>
+                </a:solidFill>
+                <a:latin typeface="Courier New" panose="02070309020205020404" pitchFamily="49" charset="0"/>
+                <a:cs typeface="Courier New" panose="02070309020205020404" pitchFamily="49" charset="0"/>
+              </a:rPr>
+              <a:t> </a:t>
+            </a:r>
+            <a:r>
+              <a:rPr lang="pt-BR" sz="3200" spc="-1" dirty="0" err="1">
+                <a:solidFill>
+                  <a:srgbClr val="1F4E79"/>
+                </a:solidFill>
+                <a:latin typeface="Courier New" panose="02070309020205020404" pitchFamily="49" charset="0"/>
+                <a:cs typeface="Courier New" panose="02070309020205020404" pitchFamily="49" charset="0"/>
+              </a:rPr>
+              <a:t>add</a:t>
+            </a:r>
+            <a:r>
+              <a:rPr lang="pt-BR" sz="3200" spc="-1" dirty="0">
+                <a:solidFill>
+                  <a:srgbClr val="1F4E79"/>
+                </a:solidFill>
+                <a:latin typeface="Courier New" panose="02070309020205020404" pitchFamily="49" charset="0"/>
+                <a:cs typeface="Courier New" panose="02070309020205020404" pitchFamily="49" charset="0"/>
+              </a:rPr>
+              <a:t> </a:t>
+            </a:r>
+            <a:r>
+              <a:rPr lang="pt-BR" sz="3200" spc="-1" dirty="0" err="1">
+                <a:solidFill>
+                  <a:srgbClr val="1F4E79"/>
+                </a:solidFill>
+                <a:latin typeface="Courier New" panose="02070309020205020404" pitchFamily="49" charset="0"/>
+                <a:cs typeface="Courier New" panose="02070309020205020404" pitchFamily="49" charset="0"/>
+              </a:rPr>
+              <a:t>nodemon</a:t>
+            </a:r>
+            <a:r>
+              <a:rPr lang="pt-BR" sz="3200" spc="-1" dirty="0">
+                <a:solidFill>
+                  <a:srgbClr val="1F4E79"/>
+                </a:solidFill>
+                <a:latin typeface="Courier New" panose="02070309020205020404" pitchFamily="49" charset="0"/>
+                <a:cs typeface="Courier New" panose="02070309020205020404" pitchFamily="49" charset="0"/>
+              </a:rPr>
+              <a:t> -D</a:t>
+            </a:r>
+            <a:endParaRPr lang="pt-BR" sz="3200" b="0" strike="noStrike" spc="-1" dirty="0">
+              <a:latin typeface="Courier New" panose="02070309020205020404" pitchFamily="49" charset="0"/>
+              <a:cs typeface="Courier New" panose="02070309020205020404" pitchFamily="49" charset="0"/>
+            </a:endParaRPr>
+          </a:p>
+        </p:txBody>
+      </p:sp>
+    </p:spTree>
+    <p:extLst>
+      <p:ext uri="{BB962C8B-B14F-4D97-AF65-F5344CB8AC3E}">
+        <p14:creationId xmlns:p14="http://schemas.microsoft.com/office/powerpoint/2010/main" val="1006774472"/>
+      </p:ext>
+    </p:extLst>
+  </p:cSld>
+  <p:clrMapOvr>
+    <a:masterClrMapping/>
+  </p:clrMapOvr>
+</p:sld>
+</file>
+
+<file path=ppt/slides/slide14.xml><?xml version="1.0" encoding="utf-8"?>
+<p:sld xmlns:a="http://schemas.openxmlformats.org/drawingml/2006/main" xmlns:r="http://schemas.openxmlformats.org/officeDocument/2006/relationships" xmlns:p="http://schemas.openxmlformats.org/presentationml/2006/main">
+  <p:cSld>
+    <p:spTree>
+      <p:nvGrpSpPr>
+        <p:cNvPr id="1" name=""/>
+        <p:cNvGrpSpPr/>
+        <p:nvPr/>
+      </p:nvGrpSpPr>
+      <p:grpSpPr>
+        <a:xfrm>
+          <a:off x="0" y="0"/>
+          <a:ext cx="0" cy="0"/>
+          <a:chOff x="0" y="0"/>
+          <a:chExt cx="0" cy="0"/>
+        </a:xfrm>
+      </p:grpSpPr>
+      <p:sp>
+        <p:nvSpPr>
+          <p:cNvPr id="93" name="CustomShape 1"/>
+          <p:cNvSpPr/>
+          <p:nvPr/>
+        </p:nvSpPr>
+        <p:spPr>
+          <a:xfrm>
+            <a:off x="0" y="224280"/>
+            <a:ext cx="12021480" cy="856800"/>
+          </a:xfrm>
+          <a:prstGeom prst="rect">
+            <a:avLst/>
+          </a:prstGeom>
+          <a:noFill/>
+          <a:ln>
+            <a:noFill/>
+          </a:ln>
+        </p:spPr>
+        <p:style>
+          <a:lnRef idx="0">
+            <a:scrgbClr r="0" g="0" b="0"/>
+          </a:lnRef>
+          <a:fillRef idx="0">
+            <a:scrgbClr r="0" g="0" b="0"/>
+          </a:fillRef>
+          <a:effectRef idx="0">
+            <a:scrgbClr r="0" g="0" b="0"/>
+          </a:effectRef>
+          <a:fontRef idx="minor"/>
+        </p:style>
+        <p:txBody>
+          <a:bodyPr lIns="90000" tIns="45000" rIns="90000" bIns="45000" anchor="ctr">
+            <a:noAutofit/>
+          </a:bodyPr>
+          <a:lstStyle/>
+          <a:p>
+            <a:pPr algn="ctr">
+              <a:lnSpc>
+                <a:spcPct val="90000"/>
+              </a:lnSpc>
+            </a:pPr>
+            <a:r>
+              <a:rPr lang="pt-BR" sz="5400" b="0" strike="noStrike" spc="-1" dirty="0">
+                <a:solidFill>
+                  <a:srgbClr val="1F4E79"/>
+                </a:solidFill>
+                <a:latin typeface="Arial"/>
+                <a:ea typeface="DejaVu Sans"/>
+              </a:rPr>
+              <a:t>Scripts no </a:t>
+            </a:r>
+            <a:r>
+              <a:rPr lang="pt-BR" sz="5400" b="0" strike="noStrike" spc="-1" dirty="0" err="1">
+                <a:solidFill>
+                  <a:srgbClr val="1F4E79"/>
+                </a:solidFill>
+                <a:latin typeface="Arial"/>
+                <a:ea typeface="DejaVu Sans"/>
+              </a:rPr>
+              <a:t>package.json</a:t>
+            </a:r>
+            <a:endParaRPr lang="pt-BR" sz="5400" b="0" strike="noStrike" spc="-1" dirty="0">
+              <a:latin typeface="Arial"/>
+            </a:endParaRPr>
+          </a:p>
+        </p:txBody>
+      </p:sp>
+      <p:sp>
+        <p:nvSpPr>
+          <p:cNvPr id="94" name="CustomShape 2"/>
+          <p:cNvSpPr/>
+          <p:nvPr/>
+        </p:nvSpPr>
+        <p:spPr>
+          <a:xfrm>
+            <a:off x="317520" y="1290960"/>
+            <a:ext cx="11703600" cy="4349520"/>
+          </a:xfrm>
+          <a:prstGeom prst="rect">
+            <a:avLst/>
+          </a:prstGeom>
+          <a:noFill/>
+          <a:ln>
+            <a:noFill/>
+          </a:ln>
+        </p:spPr>
+        <p:style>
+          <a:lnRef idx="0">
+            <a:scrgbClr r="0" g="0" b="0"/>
+          </a:lnRef>
+          <a:fillRef idx="0">
+            <a:scrgbClr r="0" g="0" b="0"/>
+          </a:fillRef>
+          <a:effectRef idx="0">
+            <a:scrgbClr r="0" g="0" b="0"/>
+          </a:effectRef>
+          <a:fontRef idx="minor"/>
+        </p:style>
+        <p:txBody>
+          <a:bodyPr lIns="90000" tIns="45000" rIns="90000" bIns="45000">
+            <a:normAutofit fontScale="92500" lnSpcReduction="20000"/>
+          </a:bodyPr>
+          <a:lstStyle/>
+          <a:p>
+            <a:pPr algn="ctr">
+              <a:lnSpc>
+                <a:spcPct val="100000"/>
+              </a:lnSpc>
+              <a:spcBef>
+                <a:spcPts val="1001"/>
+              </a:spcBef>
+              <a:spcAft>
+                <a:spcPts val="1001"/>
+              </a:spcAft>
+              <a:tabLst>
+                <a:tab pos="0" algn="l"/>
+              </a:tabLst>
+            </a:pPr>
+            <a:r>
+              <a:rPr lang="pt-BR" sz="3200" b="0" strike="noStrike" spc="-1" dirty="0">
+                <a:solidFill>
+                  <a:srgbClr val="1F4E79"/>
+                </a:solidFill>
+                <a:latin typeface="Arial"/>
+                <a:ea typeface="DejaVu Sans"/>
+              </a:rPr>
+              <a:t>Podemos criar atalhos para executar scripts de modo mais ágil.</a:t>
+            </a:r>
+          </a:p>
+          <a:p>
+            <a:pPr>
+              <a:lnSpc>
+                <a:spcPct val="100000"/>
+              </a:lnSpc>
+              <a:spcBef>
+                <a:spcPts val="1001"/>
+              </a:spcBef>
+              <a:spcAft>
+                <a:spcPts val="1001"/>
+              </a:spcAft>
+              <a:tabLst>
+                <a:tab pos="0" algn="l"/>
+              </a:tabLst>
+            </a:pPr>
+            <a:r>
+              <a:rPr lang="pt-BR" sz="3200" b="0" strike="noStrike" spc="-1" dirty="0">
+                <a:solidFill>
+                  <a:srgbClr val="1F4E79"/>
+                </a:solidFill>
+                <a:latin typeface="Courier New" panose="02070309020205020404" pitchFamily="49" charset="0"/>
+                <a:cs typeface="Courier New" panose="02070309020205020404" pitchFamily="49" charset="0"/>
+              </a:rPr>
+              <a:t>{</a:t>
+            </a:r>
+          </a:p>
+          <a:p>
+            <a:pPr>
+              <a:lnSpc>
+                <a:spcPct val="100000"/>
+              </a:lnSpc>
+              <a:spcBef>
+                <a:spcPts val="1001"/>
+              </a:spcBef>
+              <a:spcAft>
+                <a:spcPts val="1001"/>
+              </a:spcAft>
+              <a:tabLst>
+                <a:tab pos="0" algn="l"/>
+              </a:tabLst>
+            </a:pPr>
+            <a:r>
+              <a:rPr lang="pt-BR" sz="3200" b="0" strike="noStrike" spc="-1" dirty="0">
+                <a:solidFill>
+                  <a:srgbClr val="1F4E79"/>
+                </a:solidFill>
+                <a:latin typeface="Courier New" panose="02070309020205020404" pitchFamily="49" charset="0"/>
+                <a:cs typeface="Courier New" panose="02070309020205020404" pitchFamily="49" charset="0"/>
+              </a:rPr>
+              <a:t>		“</a:t>
+            </a:r>
+            <a:r>
+              <a:rPr lang="pt-BR" sz="3200" b="0" strike="noStrike" spc="-1" dirty="0" err="1">
+                <a:solidFill>
+                  <a:srgbClr val="1F4E79"/>
+                </a:solidFill>
+                <a:latin typeface="Courier New" panose="02070309020205020404" pitchFamily="49" charset="0"/>
+                <a:cs typeface="Courier New" panose="02070309020205020404" pitchFamily="49" charset="0"/>
+              </a:rPr>
+              <a:t>main</a:t>
+            </a:r>
+            <a:r>
+              <a:rPr lang="pt-BR" sz="3200" b="0" strike="noStrike" spc="-1" dirty="0">
+                <a:solidFill>
+                  <a:srgbClr val="1F4E79"/>
+                </a:solidFill>
+                <a:latin typeface="Courier New" panose="02070309020205020404" pitchFamily="49" charset="0"/>
+                <a:cs typeface="Courier New" panose="02070309020205020404" pitchFamily="49" charset="0"/>
+              </a:rPr>
+              <a:t>”: “</a:t>
+            </a:r>
+            <a:r>
+              <a:rPr lang="pt-BR" sz="3200" b="0" strike="noStrike" spc="-1" dirty="0" err="1">
+                <a:solidFill>
+                  <a:srgbClr val="1F4E79"/>
+                </a:solidFill>
+                <a:latin typeface="Courier New" panose="02070309020205020404" pitchFamily="49" charset="0"/>
+                <a:cs typeface="Courier New" panose="02070309020205020404" pitchFamily="49" charset="0"/>
+              </a:rPr>
+              <a:t>src</a:t>
+            </a:r>
+            <a:r>
+              <a:rPr lang="pt-BR" sz="3200" b="0" strike="noStrike" spc="-1" dirty="0">
+                <a:solidFill>
+                  <a:srgbClr val="1F4E79"/>
+                </a:solidFill>
+                <a:latin typeface="Courier New" panose="02070309020205020404" pitchFamily="49" charset="0"/>
+                <a:cs typeface="Courier New" panose="02070309020205020404" pitchFamily="49" charset="0"/>
+              </a:rPr>
+              <a:t>/index.js”,</a:t>
+            </a:r>
+          </a:p>
+          <a:p>
+            <a:pPr>
+              <a:lnSpc>
+                <a:spcPct val="100000"/>
+              </a:lnSpc>
+              <a:spcBef>
+                <a:spcPts val="1001"/>
+              </a:spcBef>
+              <a:spcAft>
+                <a:spcPts val="1001"/>
+              </a:spcAft>
+              <a:tabLst>
+                <a:tab pos="0" algn="l"/>
+              </a:tabLst>
+            </a:pPr>
+            <a:r>
+              <a:rPr lang="pt-BR" sz="3200" spc="-1" dirty="0">
+                <a:solidFill>
+                  <a:srgbClr val="1F4E79"/>
+                </a:solidFill>
+                <a:latin typeface="Courier New" panose="02070309020205020404" pitchFamily="49" charset="0"/>
+                <a:cs typeface="Courier New" panose="02070309020205020404" pitchFamily="49" charset="0"/>
+              </a:rPr>
+              <a:t>		“scripts”: {</a:t>
+            </a:r>
+          </a:p>
+          <a:p>
+            <a:pPr>
+              <a:lnSpc>
+                <a:spcPct val="100000"/>
+              </a:lnSpc>
+              <a:spcBef>
+                <a:spcPts val="1001"/>
+              </a:spcBef>
+              <a:spcAft>
+                <a:spcPts val="1001"/>
+              </a:spcAft>
+              <a:tabLst>
+                <a:tab pos="0" algn="l"/>
+              </a:tabLst>
+            </a:pPr>
+            <a:r>
+              <a:rPr lang="pt-BR" sz="3200" spc="-1" dirty="0">
+                <a:solidFill>
+                  <a:srgbClr val="1F4E79"/>
+                </a:solidFill>
+                <a:latin typeface="Courier New" panose="02070309020205020404" pitchFamily="49" charset="0"/>
+                <a:cs typeface="Courier New" panose="02070309020205020404" pitchFamily="49" charset="0"/>
+              </a:rPr>
+              <a:t>			“</a:t>
+            </a:r>
+            <a:r>
+              <a:rPr lang="pt-BR" sz="3200" spc="-1" dirty="0" err="1">
+                <a:solidFill>
+                  <a:srgbClr val="1F4E79"/>
+                </a:solidFill>
+                <a:latin typeface="Courier New" panose="02070309020205020404" pitchFamily="49" charset="0"/>
+                <a:cs typeface="Courier New" panose="02070309020205020404" pitchFamily="49" charset="0"/>
+              </a:rPr>
+              <a:t>dev</a:t>
+            </a:r>
+            <a:r>
+              <a:rPr lang="pt-BR" sz="3200" spc="-1" dirty="0">
+                <a:solidFill>
+                  <a:srgbClr val="1F4E79"/>
+                </a:solidFill>
+                <a:latin typeface="Courier New" panose="02070309020205020404" pitchFamily="49" charset="0"/>
+                <a:cs typeface="Courier New" panose="02070309020205020404" pitchFamily="49" charset="0"/>
+              </a:rPr>
+              <a:t>”: “</a:t>
+            </a:r>
+            <a:r>
+              <a:rPr lang="pt-BR" sz="3200" spc="-1" dirty="0" err="1">
+                <a:solidFill>
+                  <a:srgbClr val="1F4E79"/>
+                </a:solidFill>
+                <a:latin typeface="Courier New" panose="02070309020205020404" pitchFamily="49" charset="0"/>
+                <a:cs typeface="Courier New" panose="02070309020205020404" pitchFamily="49" charset="0"/>
+              </a:rPr>
+              <a:t>nodemon</a:t>
+            </a:r>
+            <a:r>
+              <a:rPr lang="pt-BR" sz="3200" spc="-1" dirty="0">
+                <a:solidFill>
+                  <a:srgbClr val="1F4E79"/>
+                </a:solidFill>
+                <a:latin typeface="Courier New" panose="02070309020205020404" pitchFamily="49" charset="0"/>
+                <a:cs typeface="Courier New" panose="02070309020205020404" pitchFamily="49" charset="0"/>
+              </a:rPr>
+              <a:t>”,</a:t>
+            </a:r>
+          </a:p>
+          <a:p>
+            <a:pPr>
+              <a:lnSpc>
+                <a:spcPct val="100000"/>
+              </a:lnSpc>
+              <a:spcBef>
+                <a:spcPts val="1001"/>
+              </a:spcBef>
+              <a:spcAft>
+                <a:spcPts val="1001"/>
+              </a:spcAft>
+              <a:tabLst>
+                <a:tab pos="0" algn="l"/>
+              </a:tabLst>
+            </a:pPr>
+            <a:r>
+              <a:rPr lang="pt-BR" sz="3200" b="0" strike="noStrike" spc="-1" dirty="0">
+                <a:solidFill>
+                  <a:srgbClr val="1F4E79"/>
+                </a:solidFill>
+                <a:latin typeface="Courier New" panose="02070309020205020404" pitchFamily="49" charset="0"/>
+                <a:cs typeface="Courier New" panose="02070309020205020404" pitchFamily="49" charset="0"/>
+              </a:rPr>
+              <a:t>		},</a:t>
+            </a:r>
+          </a:p>
+          <a:p>
+            <a:pPr>
+              <a:lnSpc>
+                <a:spcPct val="100000"/>
+              </a:lnSpc>
+              <a:spcBef>
+                <a:spcPts val="1001"/>
+              </a:spcBef>
+              <a:spcAft>
+                <a:spcPts val="1001"/>
+              </a:spcAft>
+              <a:tabLst>
+                <a:tab pos="0" algn="l"/>
+              </a:tabLst>
+            </a:pPr>
+            <a:r>
+              <a:rPr lang="pt-BR" sz="3200" spc="-1" dirty="0">
+                <a:solidFill>
+                  <a:srgbClr val="1F4E79"/>
+                </a:solidFill>
+                <a:latin typeface="Courier New" panose="02070309020205020404" pitchFamily="49" charset="0"/>
+                <a:cs typeface="Courier New" panose="02070309020205020404" pitchFamily="49" charset="0"/>
+              </a:rPr>
+              <a:t>}</a:t>
+            </a:r>
+            <a:endParaRPr lang="pt-BR" sz="3200" b="0" strike="noStrike" spc="-1" dirty="0">
+              <a:latin typeface="Courier New" panose="02070309020205020404" pitchFamily="49" charset="0"/>
+              <a:cs typeface="Courier New" panose="02070309020205020404" pitchFamily="49" charset="0"/>
+            </a:endParaRPr>
+          </a:p>
+        </p:txBody>
+      </p:sp>
+    </p:spTree>
+    <p:extLst>
+      <p:ext uri="{BB962C8B-B14F-4D97-AF65-F5344CB8AC3E}">
+        <p14:creationId xmlns:p14="http://schemas.microsoft.com/office/powerpoint/2010/main" val="1568008204"/>
+      </p:ext>
+    </p:extLst>
+  </p:cSld>
+  <p:clrMapOvr>
+    <a:masterClrMapping/>
+  </p:clrMapOvr>
+</p:sld>
+</file>
+
+<file path=ppt/slides/slide15.xml><?xml version="1.0" encoding="utf-8"?>
+<p:sld xmlns:a="http://schemas.openxmlformats.org/drawingml/2006/main" xmlns:r="http://schemas.openxmlformats.org/officeDocument/2006/relationships" xmlns:p="http://schemas.openxmlformats.org/presentationml/2006/main">
+  <p:cSld>
+    <p:spTree>
+      <p:nvGrpSpPr>
+        <p:cNvPr id="1" name=""/>
+        <p:cNvGrpSpPr/>
+        <p:nvPr/>
+      </p:nvGrpSpPr>
+      <p:grpSpPr>
+        <a:xfrm>
+          <a:off x="0" y="0"/>
+          <a:ext cx="0" cy="0"/>
+          <a:chOff x="0" y="0"/>
+          <a:chExt cx="0" cy="0"/>
+        </a:xfrm>
+      </p:grpSpPr>
+      <p:sp>
+        <p:nvSpPr>
+          <p:cNvPr id="93" name="CustomShape 1"/>
+          <p:cNvSpPr/>
+          <p:nvPr/>
+        </p:nvSpPr>
+        <p:spPr>
+          <a:xfrm>
+            <a:off x="0" y="224280"/>
+            <a:ext cx="12021480" cy="856800"/>
+          </a:xfrm>
+          <a:prstGeom prst="rect">
+            <a:avLst/>
+          </a:prstGeom>
+          <a:noFill/>
+          <a:ln>
+            <a:noFill/>
+          </a:ln>
+        </p:spPr>
+        <p:style>
+          <a:lnRef idx="0">
+            <a:scrgbClr r="0" g="0" b="0"/>
+          </a:lnRef>
+          <a:fillRef idx="0">
+            <a:scrgbClr r="0" g="0" b="0"/>
+          </a:fillRef>
+          <a:effectRef idx="0">
+            <a:scrgbClr r="0" g="0" b="0"/>
+          </a:effectRef>
+          <a:fontRef idx="minor"/>
+        </p:style>
+        <p:txBody>
+          <a:bodyPr lIns="90000" tIns="45000" rIns="90000" bIns="45000" anchor="ctr">
+            <a:noAutofit/>
+          </a:bodyPr>
+          <a:lstStyle/>
+          <a:p>
+            <a:pPr algn="ctr">
+              <a:lnSpc>
+                <a:spcPct val="90000"/>
+              </a:lnSpc>
+            </a:pPr>
+            <a:r>
+              <a:rPr lang="pt-BR" sz="5400" b="0" strike="noStrike" spc="-1" dirty="0">
+                <a:solidFill>
+                  <a:srgbClr val="1F4E79"/>
+                </a:solidFill>
+                <a:latin typeface="Arial"/>
+                <a:ea typeface="DejaVu Sans"/>
+              </a:rPr>
+              <a:t>Métodos HTTP</a:t>
+            </a:r>
+            <a:endParaRPr lang="pt-BR" sz="5400" b="0" strike="noStrike" spc="-1" dirty="0">
+              <a:latin typeface="Arial"/>
+            </a:endParaRPr>
+          </a:p>
+        </p:txBody>
+      </p:sp>
+      <p:sp>
+        <p:nvSpPr>
+          <p:cNvPr id="94" name="CustomShape 2"/>
+          <p:cNvSpPr/>
+          <p:nvPr/>
+        </p:nvSpPr>
+        <p:spPr>
+          <a:xfrm>
+            <a:off x="317520" y="1290960"/>
+            <a:ext cx="11703600" cy="4349520"/>
+          </a:xfrm>
+          <a:prstGeom prst="rect">
+            <a:avLst/>
+          </a:prstGeom>
+          <a:noFill/>
+          <a:ln>
+            <a:noFill/>
+          </a:ln>
+        </p:spPr>
+        <p:style>
+          <a:lnRef idx="0">
+            <a:scrgbClr r="0" g="0" b="0"/>
+          </a:lnRef>
+          <a:fillRef idx="0">
+            <a:scrgbClr r="0" g="0" b="0"/>
+          </a:fillRef>
+          <a:effectRef idx="0">
+            <a:scrgbClr r="0" g="0" b="0"/>
+          </a:effectRef>
+          <a:fontRef idx="minor"/>
+        </p:style>
+        <p:txBody>
+          <a:bodyPr lIns="90000" tIns="45000" rIns="90000" bIns="45000">
+            <a:normAutofit fontScale="92500" lnSpcReduction="20000"/>
+          </a:bodyPr>
+          <a:lstStyle/>
+          <a:p>
+            <a:pPr algn="ctr">
+              <a:lnSpc>
+                <a:spcPct val="100000"/>
+              </a:lnSpc>
+              <a:spcBef>
+                <a:spcPts val="1001"/>
+              </a:spcBef>
+              <a:spcAft>
+                <a:spcPts val="1001"/>
+              </a:spcAft>
+              <a:tabLst>
+                <a:tab pos="0" algn="l"/>
+              </a:tabLst>
+            </a:pPr>
+            <a:r>
+              <a:rPr lang="pt-BR" sz="3200" spc="-1" dirty="0">
+                <a:solidFill>
+                  <a:srgbClr val="1F4E79"/>
+                </a:solidFill>
+              </a:rPr>
+              <a:t>O protocolo HTTP define um conjunto de métodos de requisição responsáveis por indicar a ação a ser executada para um dado recurso</a:t>
+            </a:r>
+            <a:r>
+              <a:rPr lang="pt-BR" sz="3200" spc="-1" dirty="0">
+                <a:solidFill>
+                  <a:srgbClr val="1F4E79"/>
+                </a:solidFill>
+                <a:hlinkClick r:id="rId3"/>
+              </a:rPr>
+              <a:t>*</a:t>
+            </a:r>
+            <a:r>
+              <a:rPr lang="pt-BR" sz="3200" spc="-1" dirty="0">
+                <a:solidFill>
+                  <a:srgbClr val="1F4E79"/>
+                </a:solidFill>
+              </a:rPr>
+              <a:t>.</a:t>
+            </a:r>
+          </a:p>
+          <a:p>
+            <a:pPr>
+              <a:lnSpc>
+                <a:spcPct val="100000"/>
+              </a:lnSpc>
+              <a:spcBef>
+                <a:spcPts val="1001"/>
+              </a:spcBef>
+              <a:spcAft>
+                <a:spcPts val="1001"/>
+              </a:spcAft>
+              <a:tabLst>
+                <a:tab pos="0" algn="l"/>
+              </a:tabLst>
+            </a:pPr>
+            <a:r>
+              <a:rPr lang="pt-BR" sz="3200" b="1" strike="noStrike" spc="-1" dirty="0">
+                <a:solidFill>
+                  <a:srgbClr val="1F4E79"/>
+                </a:solidFill>
+                <a:latin typeface="Arial"/>
+                <a:ea typeface="DejaVu Sans"/>
+              </a:rPr>
+              <a:t>GET</a:t>
+            </a:r>
+            <a:r>
+              <a:rPr lang="pt-BR" sz="3200" b="1" spc="-1" dirty="0">
+                <a:solidFill>
+                  <a:srgbClr val="1F4E79"/>
+                </a:solidFill>
+              </a:rPr>
+              <a:t>:</a:t>
+            </a:r>
+            <a:r>
+              <a:rPr lang="pt-BR" sz="3200" spc="-1" dirty="0">
+                <a:solidFill>
+                  <a:srgbClr val="1F4E79"/>
+                </a:solidFill>
+              </a:rPr>
+              <a:t> solicita a representação de um recurso específico.</a:t>
+            </a:r>
+          </a:p>
+          <a:p>
+            <a:pPr>
+              <a:lnSpc>
+                <a:spcPct val="100000"/>
+              </a:lnSpc>
+              <a:spcBef>
+                <a:spcPts val="1001"/>
+              </a:spcBef>
+              <a:spcAft>
+                <a:spcPts val="1001"/>
+              </a:spcAft>
+              <a:tabLst>
+                <a:tab pos="0" algn="l"/>
+              </a:tabLst>
+            </a:pPr>
+            <a:r>
+              <a:rPr lang="pt-BR" sz="3200" b="1" strike="noStrike" spc="-1" dirty="0">
+                <a:solidFill>
+                  <a:srgbClr val="1F4E79"/>
+                </a:solidFill>
+                <a:latin typeface="Arial"/>
+                <a:ea typeface="DejaVu Sans"/>
+              </a:rPr>
+              <a:t>POST:</a:t>
+            </a:r>
+            <a:r>
+              <a:rPr lang="pt-BR" sz="3200" b="0" strike="noStrike" spc="-1" dirty="0">
+                <a:solidFill>
+                  <a:srgbClr val="1F4E79"/>
+                </a:solidFill>
+                <a:latin typeface="Arial"/>
+                <a:ea typeface="DejaVu Sans"/>
+              </a:rPr>
+              <a:t> </a:t>
+            </a:r>
+            <a:r>
+              <a:rPr lang="pt-BR" sz="3200" spc="-1" dirty="0">
+                <a:solidFill>
+                  <a:srgbClr val="1F4E79"/>
+                </a:solidFill>
+              </a:rPr>
+              <a:t>submete uma entidade a um recurso específico.</a:t>
+            </a:r>
+          </a:p>
+          <a:p>
+            <a:pPr>
+              <a:lnSpc>
+                <a:spcPct val="100000"/>
+              </a:lnSpc>
+              <a:spcBef>
+                <a:spcPts val="1001"/>
+              </a:spcBef>
+              <a:spcAft>
+                <a:spcPts val="1001"/>
+              </a:spcAft>
+              <a:tabLst>
+                <a:tab pos="0" algn="l"/>
+              </a:tabLst>
+            </a:pPr>
+            <a:r>
+              <a:rPr lang="pt-BR" sz="3200" b="1" strike="noStrike" spc="-1" dirty="0">
+                <a:solidFill>
+                  <a:srgbClr val="1F4E79"/>
+                </a:solidFill>
+                <a:latin typeface="Arial"/>
+                <a:ea typeface="DejaVu Sans"/>
+              </a:rPr>
+              <a:t>PUT:</a:t>
+            </a:r>
+            <a:r>
+              <a:rPr lang="pt-BR" sz="3200" b="0" strike="noStrike" spc="-1" dirty="0">
+                <a:solidFill>
+                  <a:srgbClr val="1F4E79"/>
+                </a:solidFill>
+                <a:latin typeface="Arial"/>
+                <a:ea typeface="DejaVu Sans"/>
+              </a:rPr>
+              <a:t> </a:t>
+            </a:r>
+            <a:r>
+              <a:rPr lang="pt-BR" sz="3200" spc="-1" dirty="0">
+                <a:solidFill>
+                  <a:srgbClr val="1F4E79"/>
+                </a:solidFill>
+              </a:rPr>
+              <a:t>substitui todas as atuais representações do recurso de destino pela carga de dados da requisição.</a:t>
+            </a:r>
+          </a:p>
+          <a:p>
+            <a:pPr>
+              <a:lnSpc>
+                <a:spcPct val="100000"/>
+              </a:lnSpc>
+              <a:spcBef>
+                <a:spcPts val="1001"/>
+              </a:spcBef>
+              <a:spcAft>
+                <a:spcPts val="1001"/>
+              </a:spcAft>
+              <a:tabLst>
+                <a:tab pos="0" algn="l"/>
+              </a:tabLst>
+            </a:pPr>
+            <a:r>
+              <a:rPr lang="pt-BR" sz="3200" b="1" spc="-1" dirty="0">
+                <a:solidFill>
+                  <a:srgbClr val="1F4E79"/>
+                </a:solidFill>
+              </a:rPr>
+              <a:t>DELETE:</a:t>
+            </a:r>
+            <a:r>
+              <a:rPr lang="pt-BR" sz="3200" spc="-1" dirty="0">
+                <a:solidFill>
+                  <a:srgbClr val="1F4E79"/>
+                </a:solidFill>
+              </a:rPr>
+              <a:t> remove um recurso específico.</a:t>
+            </a:r>
+            <a:endParaRPr lang="pt-BR" sz="3200" b="0" strike="noStrike" spc="-1" dirty="0">
+              <a:solidFill>
+                <a:srgbClr val="1F4E79"/>
+              </a:solidFill>
+              <a:latin typeface="Arial"/>
+              <a:ea typeface="DejaVu Sans"/>
+            </a:endParaRPr>
+          </a:p>
+        </p:txBody>
+      </p:sp>
+    </p:spTree>
+    <p:extLst>
+      <p:ext uri="{BB962C8B-B14F-4D97-AF65-F5344CB8AC3E}">
+        <p14:creationId xmlns:p14="http://schemas.microsoft.com/office/powerpoint/2010/main" val="1823928137"/>
+      </p:ext>
+    </p:extLst>
+  </p:cSld>
+  <p:clrMapOvr>
+    <a:masterClrMapping/>
+  </p:clrMapOvr>
+</p:sld>
+</file>
+
+<file path=ppt/slides/slide16.xml><?xml version="1.0" encoding="utf-8"?>
+<p:sld xmlns:a="http://schemas.openxmlformats.org/drawingml/2006/main" xmlns:r="http://schemas.openxmlformats.org/officeDocument/2006/relationships" xmlns:p="http://schemas.openxmlformats.org/presentationml/2006/main">
+  <p:cSld>
+    <p:spTree>
+      <p:nvGrpSpPr>
+        <p:cNvPr id="1" name=""/>
+        <p:cNvGrpSpPr/>
+        <p:nvPr/>
+      </p:nvGrpSpPr>
+      <p:grpSpPr>
+        <a:xfrm>
+          <a:off x="0" y="0"/>
+          <a:ext cx="0" cy="0"/>
+          <a:chOff x="0" y="0"/>
+          <a:chExt cx="0" cy="0"/>
+        </a:xfrm>
+      </p:grpSpPr>
+      <p:sp>
+        <p:nvSpPr>
           <p:cNvPr id="95" name="CustomShape 1"/>
           <p:cNvSpPr/>
           <p:nvPr/>
@@ -7506,8 +9086,349 @@
                 <a:latin typeface="Arial"/>
                 <a:ea typeface="DejaVu Sans"/>
               </a:rPr>
-              <a:t>. Disponível em: https://expressjs.com/en/starter/installing.html</a:t>
-            </a:r>
+              <a:t>. Disponível em: </a:t>
+            </a:r>
+            <a:r>
+              <a:rPr lang="pt-BR" sz="3200" b="0" strike="noStrike" spc="-1" dirty="0">
+                <a:solidFill>
+                  <a:srgbClr val="1F4E79"/>
+                </a:solidFill>
+                <a:latin typeface="Arial"/>
+                <a:ea typeface="DejaVu Sans"/>
+                <a:hlinkClick r:id="rId7"/>
+              </a:rPr>
+              <a:t>https://expressjs.com/en/starter/installing.html</a:t>
+            </a:r>
+            <a:endParaRPr lang="pt-BR" sz="3200" b="0" strike="noStrike" spc="-1" dirty="0">
+              <a:latin typeface="Arial"/>
+            </a:endParaRPr>
+          </a:p>
+        </p:txBody>
+      </p:sp>
+    </p:spTree>
+  </p:cSld>
+  <p:clrMapOvr>
+    <a:masterClrMapping/>
+  </p:clrMapOvr>
+</p:sld>
+</file>
+
+<file path=ppt/slides/slide17.xml><?xml version="1.0" encoding="utf-8"?>
+<p:sld xmlns:a="http://schemas.openxmlformats.org/drawingml/2006/main" xmlns:r="http://schemas.openxmlformats.org/officeDocument/2006/relationships" xmlns:p="http://schemas.openxmlformats.org/presentationml/2006/main">
+  <p:cSld>
+    <p:spTree>
+      <p:nvGrpSpPr>
+        <p:cNvPr id="1" name=""/>
+        <p:cNvGrpSpPr/>
+        <p:nvPr/>
+      </p:nvGrpSpPr>
+      <p:grpSpPr>
+        <a:xfrm>
+          <a:off x="0" y="0"/>
+          <a:ext cx="0" cy="0"/>
+          <a:chOff x="0" y="0"/>
+          <a:chExt cx="0" cy="0"/>
+        </a:xfrm>
+      </p:grpSpPr>
+      <p:sp>
+        <p:nvSpPr>
+          <p:cNvPr id="95" name="CustomShape 1"/>
+          <p:cNvSpPr/>
+          <p:nvPr/>
+        </p:nvSpPr>
+        <p:spPr>
+          <a:xfrm>
+            <a:off x="0" y="224280"/>
+            <a:ext cx="12021480" cy="856800"/>
+          </a:xfrm>
+          <a:prstGeom prst="rect">
+            <a:avLst/>
+          </a:prstGeom>
+          <a:noFill/>
+          <a:ln>
+            <a:noFill/>
+          </a:ln>
+        </p:spPr>
+        <p:style>
+          <a:lnRef idx="0">
+            <a:scrgbClr r="0" g="0" b="0"/>
+          </a:lnRef>
+          <a:fillRef idx="0">
+            <a:scrgbClr r="0" g="0" b="0"/>
+          </a:fillRef>
+          <a:effectRef idx="0">
+            <a:scrgbClr r="0" g="0" b="0"/>
+          </a:effectRef>
+          <a:fontRef idx="minor"/>
+        </p:style>
+        <p:txBody>
+          <a:bodyPr lIns="90000" tIns="45000" rIns="90000" bIns="45000" anchor="ctr">
+            <a:noAutofit/>
+          </a:bodyPr>
+          <a:lstStyle/>
+          <a:p>
+            <a:pPr algn="ctr">
+              <a:lnSpc>
+                <a:spcPct val="90000"/>
+              </a:lnSpc>
+            </a:pPr>
+            <a:r>
+              <a:rPr lang="pt-BR" sz="5400" b="0" strike="noStrike" spc="-1">
+                <a:solidFill>
+                  <a:srgbClr val="1F4E79"/>
+                </a:solidFill>
+                <a:latin typeface="Arial"/>
+                <a:ea typeface="DejaVu Sans"/>
+              </a:rPr>
+              <a:t>Referências</a:t>
+            </a:r>
+            <a:endParaRPr lang="pt-BR" sz="5400" b="0" strike="noStrike" spc="-1">
+              <a:latin typeface="Arial"/>
+            </a:endParaRPr>
+          </a:p>
+        </p:txBody>
+      </p:sp>
+      <p:sp>
+        <p:nvSpPr>
+          <p:cNvPr id="96" name="CustomShape 2"/>
+          <p:cNvSpPr/>
+          <p:nvPr/>
+        </p:nvSpPr>
+        <p:spPr>
+          <a:xfrm>
+            <a:off x="317520" y="1290960"/>
+            <a:ext cx="11703600" cy="4349520"/>
+          </a:xfrm>
+          <a:prstGeom prst="rect">
+            <a:avLst/>
+          </a:prstGeom>
+          <a:noFill/>
+          <a:ln>
+            <a:noFill/>
+          </a:ln>
+        </p:spPr>
+        <p:style>
+          <a:lnRef idx="0">
+            <a:scrgbClr r="0" g="0" b="0"/>
+          </a:lnRef>
+          <a:fillRef idx="0">
+            <a:scrgbClr r="0" g="0" b="0"/>
+          </a:fillRef>
+          <a:effectRef idx="0">
+            <a:scrgbClr r="0" g="0" b="0"/>
+          </a:effectRef>
+          <a:fontRef idx="minor"/>
+        </p:style>
+        <p:txBody>
+          <a:bodyPr lIns="90000" tIns="45000" rIns="90000" bIns="45000">
+            <a:normAutofit/>
+          </a:bodyPr>
+          <a:lstStyle/>
+          <a:p>
+            <a:pPr marL="516150" indent="-514350">
+              <a:lnSpc>
+                <a:spcPct val="100000"/>
+              </a:lnSpc>
+              <a:spcBef>
+                <a:spcPts val="1001"/>
+              </a:spcBef>
+              <a:spcAft>
+                <a:spcPts val="1001"/>
+              </a:spcAft>
+              <a:buClr>
+                <a:srgbClr val="1F4E79"/>
+              </a:buClr>
+              <a:buFont typeface="+mj-lt"/>
+              <a:buAutoNum type="arabicPeriod" startAt="6"/>
+            </a:pPr>
+            <a:r>
+              <a:rPr lang="pt-BR" sz="3200" spc="-1" dirty="0">
+                <a:solidFill>
+                  <a:srgbClr val="1F4E79"/>
+                </a:solidFill>
+                <a:latin typeface="Arial"/>
+              </a:rPr>
+              <a:t>NPM. </a:t>
+            </a:r>
+            <a:r>
+              <a:rPr lang="pt-BR" sz="3200" b="1" spc="-1" dirty="0" err="1">
+                <a:solidFill>
+                  <a:srgbClr val="1F4E79"/>
+                </a:solidFill>
+                <a:latin typeface="Arial"/>
+              </a:rPr>
+              <a:t>Nodemon</a:t>
+            </a:r>
+            <a:r>
+              <a:rPr lang="pt-BR" sz="3200" spc="-1" dirty="0">
+                <a:solidFill>
+                  <a:srgbClr val="1F4E79"/>
+                </a:solidFill>
+                <a:latin typeface="Arial"/>
+              </a:rPr>
+              <a:t>. </a:t>
+            </a:r>
+            <a:r>
+              <a:rPr lang="pt-BR" sz="3200" spc="-1" dirty="0">
+                <a:solidFill>
+                  <a:srgbClr val="1F4E79"/>
+                </a:solidFill>
+              </a:rPr>
+              <a:t>Disponível em: </a:t>
+            </a:r>
+            <a:r>
+              <a:rPr lang="pt-BR" sz="3200" spc="-1" dirty="0">
+                <a:solidFill>
+                  <a:srgbClr val="1F4E79"/>
+                </a:solidFill>
+                <a:hlinkClick r:id="rId3"/>
+              </a:rPr>
+              <a:t>https://www.npmjs.com/package/nodemon</a:t>
+            </a:r>
+            <a:endParaRPr lang="pt-BR" sz="3200" spc="-1" dirty="0">
+              <a:solidFill>
+                <a:srgbClr val="1F4E79"/>
+              </a:solidFill>
+            </a:endParaRPr>
+          </a:p>
+          <a:p>
+            <a:pPr marL="516150" indent="-514350">
+              <a:lnSpc>
+                <a:spcPct val="100000"/>
+              </a:lnSpc>
+              <a:spcBef>
+                <a:spcPts val="1001"/>
+              </a:spcBef>
+              <a:spcAft>
+                <a:spcPts val="1001"/>
+              </a:spcAft>
+              <a:buClr>
+                <a:srgbClr val="1F4E79"/>
+              </a:buClr>
+              <a:buFont typeface="+mj-lt"/>
+              <a:buAutoNum type="arabicPeriod" startAt="6"/>
+            </a:pPr>
+            <a:r>
+              <a:rPr lang="pt-BR" sz="3200" b="0" strike="noStrike" spc="-1" dirty="0">
+                <a:solidFill>
+                  <a:srgbClr val="1F4E79"/>
+                </a:solidFill>
+                <a:latin typeface="Arial"/>
+              </a:rPr>
+              <a:t>MDN Web </a:t>
+            </a:r>
+            <a:r>
+              <a:rPr lang="pt-BR" sz="3200" b="0" strike="noStrike" spc="-1" dirty="0" err="1">
+                <a:solidFill>
+                  <a:srgbClr val="1F4E79"/>
+                </a:solidFill>
+                <a:latin typeface="Arial"/>
+              </a:rPr>
+              <a:t>Docs</a:t>
+            </a:r>
+            <a:r>
+              <a:rPr lang="pt-BR" sz="3200" b="0" strike="noStrike" spc="-1" dirty="0">
+                <a:solidFill>
+                  <a:srgbClr val="1F4E79"/>
+                </a:solidFill>
+                <a:latin typeface="Arial"/>
+              </a:rPr>
+              <a:t> Mozilla. </a:t>
+            </a:r>
+            <a:r>
+              <a:rPr lang="pt-BR" sz="3200" b="1" spc="-1" dirty="0">
+                <a:solidFill>
+                  <a:srgbClr val="1F4E79"/>
+                </a:solidFill>
+              </a:rPr>
+              <a:t>Métodos de requisição HTTP</a:t>
+            </a:r>
+            <a:r>
+              <a:rPr lang="pt-BR" sz="3200" spc="-1" dirty="0">
+                <a:solidFill>
+                  <a:srgbClr val="1F4E79"/>
+                </a:solidFill>
+              </a:rPr>
+              <a:t>. Disponível em: </a:t>
+            </a:r>
+            <a:r>
+              <a:rPr lang="pt-BR" sz="3200" spc="-1" dirty="0">
+                <a:solidFill>
+                  <a:srgbClr val="1F4E79"/>
+                </a:solidFill>
+                <a:hlinkClick r:id="rId4"/>
+              </a:rPr>
+              <a:t>https://developer.mozilla.org/</a:t>
+            </a:r>
+            <a:r>
+              <a:rPr lang="pt-BR" sz="3200" spc="-1" dirty="0" err="1">
+                <a:solidFill>
+                  <a:srgbClr val="1F4E79"/>
+                </a:solidFill>
+                <a:hlinkClick r:id="rId4"/>
+              </a:rPr>
+              <a:t>pt</a:t>
+            </a:r>
+            <a:r>
+              <a:rPr lang="pt-BR" sz="3200" spc="-1" dirty="0">
+                <a:solidFill>
+                  <a:srgbClr val="1F4E79"/>
+                </a:solidFill>
+                <a:hlinkClick r:id="rId4"/>
+              </a:rPr>
+              <a:t>-BR/</a:t>
+            </a:r>
+            <a:r>
+              <a:rPr lang="pt-BR" sz="3200" spc="-1" dirty="0" err="1">
+                <a:solidFill>
+                  <a:srgbClr val="1F4E79"/>
+                </a:solidFill>
+                <a:hlinkClick r:id="rId4"/>
+              </a:rPr>
+              <a:t>docs</a:t>
+            </a:r>
+            <a:r>
+              <a:rPr lang="pt-BR" sz="3200" spc="-1" dirty="0">
+                <a:solidFill>
+                  <a:srgbClr val="1F4E79"/>
+                </a:solidFill>
+                <a:hlinkClick r:id="rId4"/>
+              </a:rPr>
+              <a:t>/Web/HTTP/</a:t>
+            </a:r>
+            <a:r>
+              <a:rPr lang="pt-BR" sz="3200" spc="-1" dirty="0" err="1">
+                <a:solidFill>
+                  <a:srgbClr val="1F4E79"/>
+                </a:solidFill>
+                <a:hlinkClick r:id="rId4"/>
+              </a:rPr>
+              <a:t>Methods</a:t>
+            </a:r>
+            <a:r>
+              <a:rPr lang="pt-BR" sz="3200" spc="-1" dirty="0">
+                <a:solidFill>
+                  <a:srgbClr val="1F4E79"/>
+                </a:solidFill>
+              </a:rPr>
+              <a:t>.</a:t>
+            </a:r>
+          </a:p>
+          <a:p>
+            <a:pPr marL="1800">
+              <a:lnSpc>
+                <a:spcPct val="100000"/>
+              </a:lnSpc>
+              <a:spcBef>
+                <a:spcPts val="1001"/>
+              </a:spcBef>
+              <a:spcAft>
+                <a:spcPts val="1001"/>
+              </a:spcAft>
+              <a:buClr>
+                <a:srgbClr val="1F4E79"/>
+              </a:buClr>
+            </a:pPr>
             <a:endParaRPr lang="pt-BR" sz="3200" b="0" strike="noStrike" spc="-1" dirty="0">
               <a:latin typeface="Arial"/>
             </a:endParaRPr>
@@ -7531,6 +9452,11 @@
         </p:txBody>
       </p:sp>
     </p:spTree>
+    <p:extLst>
+      <p:ext uri="{BB962C8B-B14F-4D97-AF65-F5344CB8AC3E}">
+        <p14:creationId xmlns:p14="http://schemas.microsoft.com/office/powerpoint/2010/main" val="237741048"/>
+      </p:ext>
+    </p:extLst>
   </p:cSld>
   <p:clrMapOvr>
     <a:masterClrMapping/>
@@ -8539,16 +10465,26 @@
               </a:lnSpc>
             </a:pPr>
             <a:r>
-              <a:rPr lang="pt-BR" sz="5400" b="0" strike="noStrike" spc="-1">
+              <a:rPr lang="pt-BR" sz="5400" b="0" strike="noStrike" spc="-1" dirty="0">
                 <a:solidFill>
                   <a:srgbClr val="1F4E79"/>
                 </a:solidFill>
                 <a:latin typeface="Arial"/>
                 <a:ea typeface="DejaVu Sans"/>
               </a:rPr>
-              <a:t>NPM vs. Yarn</a:t>
-            </a:r>
-            <a:endParaRPr lang="pt-BR" sz="5400" b="0" strike="noStrike" spc="-1">
+              <a:t>NPM vs. </a:t>
+            </a:r>
+            <a:r>
+              <a:rPr lang="pt-BR" sz="5400" b="0" strike="noStrike" spc="-1" dirty="0" err="1">
+                <a:solidFill>
+                  <a:srgbClr val="1F4E79"/>
+                </a:solidFill>
+                <a:latin typeface="Arial"/>
+                <a:ea typeface="DejaVu Sans"/>
+              </a:rPr>
+              <a:t>Yarn</a:t>
+            </a:r>
+            <a:endParaRPr lang="pt-BR" sz="5400" b="0" strike="noStrike" spc="-1" dirty="0">
               <a:latin typeface="Arial"/>
             </a:endParaRPr>
           </a:p>

--- a/node-js.pptx
+++ b/node-js.pptx
@@ -48,6 +48,9 @@
     <p:sldId id="292" r:id="rId41"/>
     <p:sldId id="293" r:id="rId42"/>
     <p:sldId id="294" r:id="rId43"/>
+    <p:sldId id="295" r:id="rId44"/>
+    <p:sldId id="296" r:id="rId45"/>
+    <p:sldId id="297" r:id="rId46"/>
   </p:sldIdLst>
   <p:sldSz cx="12192000" cy="6858000"/>
   <p:notesSz cx="6858000" cy="9144000"/>
@@ -278,7 +281,7 @@
           </a:bodyPr>
           <a:p>
             <a:pPr algn="r"/>
-            <a:fld id="{1AA3304F-9C8C-4EAB-9F2E-A6B7D964743E}" type="slidenum">
+            <a:fld id="{CA4FF616-5994-4465-9CA3-421250B5014A}" type="slidenum">
               <a:rPr b="0" lang="pt-BR" sz="1400" spc="-1" strike="noStrike">
                 <a:latin typeface="Times New Roman"/>
               </a:rPr>
@@ -315,7 +318,7 @@
       </p:grpSpPr>
       <p:sp>
         <p:nvSpPr>
-          <p:cNvPr id="167" name="PlaceHolder 1"/>
+          <p:cNvPr id="173" name="PlaceHolder 1"/>
           <p:cNvSpPr>
             <a:spLocks noGrp="1"/>
           </p:cNvSpPr>
@@ -326,16 +329,16 @@
         <p:spPr>
           <a:xfrm>
             <a:off x="685800" y="1143000"/>
-            <a:ext cx="5483880" cy="3083400"/>
-          </a:xfrm>
-          <a:prstGeom prst="rect">
-            <a:avLst/>
-          </a:prstGeom>
-        </p:spPr>
-      </p:sp>
-      <p:sp>
-        <p:nvSpPr>
-          <p:cNvPr id="168" name="PlaceHolder 2"/>
+            <a:ext cx="5483520" cy="3083040"/>
+          </a:xfrm>
+          <a:prstGeom prst="rect">
+            <a:avLst/>
+          </a:prstGeom>
+        </p:spPr>
+      </p:sp>
+      <p:sp>
+        <p:nvSpPr>
+          <p:cNvPr id="174" name="PlaceHolder 2"/>
           <p:cNvSpPr>
             <a:spLocks noGrp="1"/>
           </p:cNvSpPr>
@@ -346,7 +349,7 @@
         <p:spPr>
           <a:xfrm>
             <a:off x="685800" y="4400640"/>
-            <a:ext cx="5483520" cy="3597480"/>
+            <a:ext cx="5483160" cy="3597120"/>
           </a:xfrm>
           <a:prstGeom prst="rect">
             <a:avLst/>
@@ -365,14 +368,14 @@
       </p:sp>
       <p:sp>
         <p:nvSpPr>
-          <p:cNvPr id="169" name="CustomShape 3"/>
+          <p:cNvPr id="175" name="CustomShape 3"/>
           <p:cNvSpPr/>
           <p:nvPr/>
         </p:nvSpPr>
         <p:spPr>
           <a:xfrm>
             <a:off x="3884760" y="8685360"/>
-            <a:ext cx="2968920" cy="455760"/>
+            <a:ext cx="2968560" cy="455400"/>
           </a:xfrm>
           <a:prstGeom prst="rect">
             <a:avLst/>
@@ -398,7 +401,7 @@
                 <a:spcPct val="100000"/>
               </a:lnSpc>
             </a:pPr>
-            <a:fld id="{C724DE9D-9524-4312-91ED-F9C4F6DE4A56}" type="slidenum">
+            <a:fld id="{E26FD1F4-BB17-445F-8CC8-8074B663E8A0}" type="slidenum">
               <a:rPr b="0" lang="pt-BR" sz="1200" spc="-1" strike="noStrike">
                 <a:solidFill>
                   <a:srgbClr val="000000"/>
@@ -406,7 +409,7 @@
                 <a:latin typeface="+mn-lt"/>
                 <a:ea typeface="+mn-ea"/>
               </a:rPr>
-              <a:t>39</a:t>
+              <a:t>&lt;number&gt;</a:t>
             </a:fld>
             <a:endParaRPr b="0" lang="pt-BR" sz="1200" spc="-1" strike="noStrike">
               <a:latin typeface="Arial"/>
@@ -438,7 +441,7 @@
       </p:grpSpPr>
       <p:sp>
         <p:nvSpPr>
-          <p:cNvPr id="194" name="PlaceHolder 1"/>
+          <p:cNvPr id="200" name="PlaceHolder 1"/>
           <p:cNvSpPr>
             <a:spLocks noGrp="1"/>
           </p:cNvSpPr>
@@ -449,16 +452,16 @@
         <p:spPr>
           <a:xfrm>
             <a:off x="685800" y="1143000"/>
-            <a:ext cx="5483520" cy="3083400"/>
-          </a:xfrm>
-          <a:prstGeom prst="rect">
-            <a:avLst/>
-          </a:prstGeom>
-        </p:spPr>
-      </p:sp>
-      <p:sp>
-        <p:nvSpPr>
-          <p:cNvPr id="195" name="PlaceHolder 2"/>
+            <a:ext cx="5483160" cy="3083040"/>
+          </a:xfrm>
+          <a:prstGeom prst="rect">
+            <a:avLst/>
+          </a:prstGeom>
+        </p:spPr>
+      </p:sp>
+      <p:sp>
+        <p:nvSpPr>
+          <p:cNvPr id="201" name="PlaceHolder 2"/>
           <p:cNvSpPr>
             <a:spLocks noGrp="1"/>
           </p:cNvSpPr>
@@ -469,7 +472,7 @@
         <p:spPr>
           <a:xfrm>
             <a:off x="685800" y="4400640"/>
-            <a:ext cx="5483520" cy="3597480"/>
+            <a:ext cx="5483160" cy="3597120"/>
           </a:xfrm>
           <a:prstGeom prst="rect">
             <a:avLst/>
@@ -488,14 +491,14 @@
       </p:sp>
       <p:sp>
         <p:nvSpPr>
-          <p:cNvPr id="196" name="CustomShape 3"/>
+          <p:cNvPr id="202" name="CustomShape 3"/>
           <p:cNvSpPr/>
           <p:nvPr/>
         </p:nvSpPr>
         <p:spPr>
           <a:xfrm>
             <a:off x="3884760" y="8685360"/>
-            <a:ext cx="2968920" cy="455760"/>
+            <a:ext cx="2968560" cy="455400"/>
           </a:xfrm>
           <a:prstGeom prst="rect">
             <a:avLst/>
@@ -521,7 +524,7 @@
                 <a:spcPct val="100000"/>
               </a:lnSpc>
             </a:pPr>
-            <a:fld id="{D063F4CB-4D7E-426D-A852-9763D156A975}" type="slidenum">
+            <a:fld id="{9D867E54-423A-4910-9306-8102FB59D001}" type="slidenum">
               <a:rPr b="0" lang="pt-BR" sz="1200" spc="-1" strike="noStrike">
                 <a:solidFill>
                   <a:srgbClr val="000000"/>
@@ -529,7 +532,7 @@
                 <a:latin typeface="Times New Roman"/>
                 <a:ea typeface="+mn-ea"/>
               </a:rPr>
-              <a:t>39</a:t>
+              <a:t>&lt;number&gt;</a:t>
             </a:fld>
             <a:endParaRPr b="0" lang="pt-BR" sz="1200" spc="-1" strike="noStrike">
               <a:latin typeface="Arial"/>
@@ -561,7 +564,7 @@
       </p:grpSpPr>
       <p:sp>
         <p:nvSpPr>
-          <p:cNvPr id="197" name="PlaceHolder 1"/>
+          <p:cNvPr id="203" name="PlaceHolder 1"/>
           <p:cNvSpPr>
             <a:spLocks noGrp="1"/>
           </p:cNvSpPr>
@@ -572,16 +575,16 @@
         <p:spPr>
           <a:xfrm>
             <a:off x="685800" y="1143000"/>
-            <a:ext cx="5483880" cy="3083400"/>
-          </a:xfrm>
-          <a:prstGeom prst="rect">
-            <a:avLst/>
-          </a:prstGeom>
-        </p:spPr>
-      </p:sp>
-      <p:sp>
-        <p:nvSpPr>
-          <p:cNvPr id="198" name="PlaceHolder 2"/>
+            <a:ext cx="5483520" cy="3083040"/>
+          </a:xfrm>
+          <a:prstGeom prst="rect">
+            <a:avLst/>
+          </a:prstGeom>
+        </p:spPr>
+      </p:sp>
+      <p:sp>
+        <p:nvSpPr>
+          <p:cNvPr id="204" name="PlaceHolder 2"/>
           <p:cNvSpPr>
             <a:spLocks noGrp="1"/>
           </p:cNvSpPr>
@@ -592,7 +595,7 @@
         <p:spPr>
           <a:xfrm>
             <a:off x="685800" y="4400640"/>
-            <a:ext cx="5483520" cy="3597480"/>
+            <a:ext cx="5483160" cy="3597120"/>
           </a:xfrm>
           <a:prstGeom prst="rect">
             <a:avLst/>
@@ -611,14 +614,14 @@
       </p:sp>
       <p:sp>
         <p:nvSpPr>
-          <p:cNvPr id="199" name="CustomShape 3"/>
+          <p:cNvPr id="205" name="CustomShape 3"/>
           <p:cNvSpPr/>
           <p:nvPr/>
         </p:nvSpPr>
         <p:spPr>
           <a:xfrm>
             <a:off x="3884760" y="8685360"/>
-            <a:ext cx="2968920" cy="455760"/>
+            <a:ext cx="2968560" cy="455400"/>
           </a:xfrm>
           <a:prstGeom prst="rect">
             <a:avLst/>
@@ -644,7 +647,7 @@
                 <a:spcPct val="100000"/>
               </a:lnSpc>
             </a:pPr>
-            <a:fld id="{80EE85CC-80C7-4162-8DCD-F732A2E49BE0}" type="slidenum">
+            <a:fld id="{67B7D90D-8837-493C-ACC7-552C450849F3}" type="slidenum">
               <a:rPr b="0" lang="pt-BR" sz="1200" spc="-1" strike="noStrike">
                 <a:solidFill>
                   <a:srgbClr val="000000"/>
@@ -652,7 +655,7 @@
                 <a:latin typeface="Times New Roman"/>
                 <a:ea typeface="+mn-ea"/>
               </a:rPr>
-              <a:t>39</a:t>
+              <a:t>&lt;number&gt;</a:t>
             </a:fld>
             <a:endParaRPr b="0" lang="pt-BR" sz="1200" spc="-1" strike="noStrike">
               <a:latin typeface="Arial"/>
@@ -684,7 +687,7 @@
       </p:grpSpPr>
       <p:sp>
         <p:nvSpPr>
-          <p:cNvPr id="200" name="PlaceHolder 1"/>
+          <p:cNvPr id="206" name="PlaceHolder 1"/>
           <p:cNvSpPr>
             <a:spLocks noGrp="1"/>
           </p:cNvSpPr>
@@ -695,16 +698,16 @@
         <p:spPr>
           <a:xfrm>
             <a:off x="685800" y="1143000"/>
-            <a:ext cx="5483880" cy="3083400"/>
-          </a:xfrm>
-          <a:prstGeom prst="rect">
-            <a:avLst/>
-          </a:prstGeom>
-        </p:spPr>
-      </p:sp>
-      <p:sp>
-        <p:nvSpPr>
-          <p:cNvPr id="201" name="PlaceHolder 2"/>
+            <a:ext cx="5483520" cy="3083040"/>
+          </a:xfrm>
+          <a:prstGeom prst="rect">
+            <a:avLst/>
+          </a:prstGeom>
+        </p:spPr>
+      </p:sp>
+      <p:sp>
+        <p:nvSpPr>
+          <p:cNvPr id="207" name="PlaceHolder 2"/>
           <p:cNvSpPr>
             <a:spLocks noGrp="1"/>
           </p:cNvSpPr>
@@ -715,7 +718,7 @@
         <p:spPr>
           <a:xfrm>
             <a:off x="685800" y="4400640"/>
-            <a:ext cx="5483520" cy="3597480"/>
+            <a:ext cx="5483160" cy="3597120"/>
           </a:xfrm>
           <a:prstGeom prst="rect">
             <a:avLst/>
@@ -734,14 +737,14 @@
       </p:sp>
       <p:sp>
         <p:nvSpPr>
-          <p:cNvPr id="202" name="CustomShape 3"/>
+          <p:cNvPr id="208" name="CustomShape 3"/>
           <p:cNvSpPr/>
           <p:nvPr/>
         </p:nvSpPr>
         <p:spPr>
           <a:xfrm>
             <a:off x="3884760" y="8685360"/>
-            <a:ext cx="2968920" cy="455760"/>
+            <a:ext cx="2968560" cy="455400"/>
           </a:xfrm>
           <a:prstGeom prst="rect">
             <a:avLst/>
@@ -767,7 +770,7 @@
                 <a:spcPct val="100000"/>
               </a:lnSpc>
             </a:pPr>
-            <a:fld id="{7442D4D9-AD60-4076-99F9-51FC8E48A0DF}" type="slidenum">
+            <a:fld id="{60B56F3F-A127-4A33-B391-0DA6ED0E6BFF}" type="slidenum">
               <a:rPr b="0" lang="pt-BR" sz="1200" spc="-1" strike="noStrike">
                 <a:solidFill>
                   <a:srgbClr val="000000"/>
@@ -775,7 +778,7 @@
                 <a:latin typeface="Times New Roman"/>
                 <a:ea typeface="+mn-ea"/>
               </a:rPr>
-              <a:t>39</a:t>
+              <a:t>&lt;number&gt;</a:t>
             </a:fld>
             <a:endParaRPr b="0" lang="pt-BR" sz="1200" spc="-1" strike="noStrike">
               <a:latin typeface="Arial"/>
@@ -807,7 +810,7 @@
       </p:grpSpPr>
       <p:sp>
         <p:nvSpPr>
-          <p:cNvPr id="203" name="PlaceHolder 1"/>
+          <p:cNvPr id="209" name="PlaceHolder 1"/>
           <p:cNvSpPr>
             <a:spLocks noGrp="1"/>
           </p:cNvSpPr>
@@ -818,16 +821,16 @@
         <p:spPr>
           <a:xfrm>
             <a:off x="685800" y="1143000"/>
-            <a:ext cx="5483880" cy="3083400"/>
-          </a:xfrm>
-          <a:prstGeom prst="rect">
-            <a:avLst/>
-          </a:prstGeom>
-        </p:spPr>
-      </p:sp>
-      <p:sp>
-        <p:nvSpPr>
-          <p:cNvPr id="204" name="PlaceHolder 2"/>
+            <a:ext cx="5483520" cy="3083040"/>
+          </a:xfrm>
+          <a:prstGeom prst="rect">
+            <a:avLst/>
+          </a:prstGeom>
+        </p:spPr>
+      </p:sp>
+      <p:sp>
+        <p:nvSpPr>
+          <p:cNvPr id="210" name="PlaceHolder 2"/>
           <p:cNvSpPr>
             <a:spLocks noGrp="1"/>
           </p:cNvSpPr>
@@ -838,7 +841,7 @@
         <p:spPr>
           <a:xfrm>
             <a:off x="685800" y="4400640"/>
-            <a:ext cx="5483520" cy="3597480"/>
+            <a:ext cx="5483160" cy="3597120"/>
           </a:xfrm>
           <a:prstGeom prst="rect">
             <a:avLst/>
@@ -857,14 +860,14 @@
       </p:sp>
       <p:sp>
         <p:nvSpPr>
-          <p:cNvPr id="205" name="CustomShape 3"/>
+          <p:cNvPr id="211" name="CustomShape 3"/>
           <p:cNvSpPr/>
           <p:nvPr/>
         </p:nvSpPr>
         <p:spPr>
           <a:xfrm>
             <a:off x="3884760" y="8685360"/>
-            <a:ext cx="2968920" cy="455760"/>
+            <a:ext cx="2968560" cy="455400"/>
           </a:xfrm>
           <a:prstGeom prst="rect">
             <a:avLst/>
@@ -890,7 +893,7 @@
                 <a:spcPct val="100000"/>
               </a:lnSpc>
             </a:pPr>
-            <a:fld id="{8EF467FA-589C-4A87-8A1C-07DFE1ADC508}" type="slidenum">
+            <a:fld id="{B82B5888-983F-40FB-847C-51E155F0BE4D}" type="slidenum">
               <a:rPr b="0" lang="pt-BR" sz="1200" spc="-1" strike="noStrike">
                 <a:solidFill>
                   <a:srgbClr val="000000"/>
@@ -898,7 +901,7 @@
                 <a:latin typeface="Times New Roman"/>
                 <a:ea typeface="+mn-ea"/>
               </a:rPr>
-              <a:t>39</a:t>
+              <a:t>&lt;number&gt;</a:t>
             </a:fld>
             <a:endParaRPr b="0" lang="pt-BR" sz="1200" spc="-1" strike="noStrike">
               <a:latin typeface="Arial"/>
@@ -930,7 +933,7 @@
       </p:grpSpPr>
       <p:sp>
         <p:nvSpPr>
-          <p:cNvPr id="206" name="PlaceHolder 1"/>
+          <p:cNvPr id="212" name="PlaceHolder 1"/>
           <p:cNvSpPr>
             <a:spLocks noGrp="1"/>
           </p:cNvSpPr>
@@ -941,16 +944,16 @@
         <p:spPr>
           <a:xfrm>
             <a:off x="685800" y="1143000"/>
-            <a:ext cx="5483880" cy="3083400"/>
-          </a:xfrm>
-          <a:prstGeom prst="rect">
-            <a:avLst/>
-          </a:prstGeom>
-        </p:spPr>
-      </p:sp>
-      <p:sp>
-        <p:nvSpPr>
-          <p:cNvPr id="207" name="PlaceHolder 2"/>
+            <a:ext cx="5483520" cy="3083040"/>
+          </a:xfrm>
+          <a:prstGeom prst="rect">
+            <a:avLst/>
+          </a:prstGeom>
+        </p:spPr>
+      </p:sp>
+      <p:sp>
+        <p:nvSpPr>
+          <p:cNvPr id="213" name="PlaceHolder 2"/>
           <p:cNvSpPr>
             <a:spLocks noGrp="1"/>
           </p:cNvSpPr>
@@ -961,7 +964,7 @@
         <p:spPr>
           <a:xfrm>
             <a:off x="685800" y="4400640"/>
-            <a:ext cx="5483520" cy="3597480"/>
+            <a:ext cx="5483160" cy="3597120"/>
           </a:xfrm>
           <a:prstGeom prst="rect">
             <a:avLst/>
@@ -980,14 +983,14 @@
       </p:sp>
       <p:sp>
         <p:nvSpPr>
-          <p:cNvPr id="208" name="CustomShape 3"/>
+          <p:cNvPr id="214" name="CustomShape 3"/>
           <p:cNvSpPr/>
           <p:nvPr/>
         </p:nvSpPr>
         <p:spPr>
           <a:xfrm>
             <a:off x="3884760" y="8685360"/>
-            <a:ext cx="2968920" cy="455760"/>
+            <a:ext cx="2968560" cy="455400"/>
           </a:xfrm>
           <a:prstGeom prst="rect">
             <a:avLst/>
@@ -1013,7 +1016,7 @@
                 <a:spcPct val="100000"/>
               </a:lnSpc>
             </a:pPr>
-            <a:fld id="{01D32377-3EA4-4904-A5FE-F221ADFA8D7A}" type="slidenum">
+            <a:fld id="{2E48219D-6756-4A0E-B5DA-EA49BBB97975}" type="slidenum">
               <a:rPr b="0" lang="pt-BR" sz="1200" spc="-1" strike="noStrike">
                 <a:solidFill>
                   <a:srgbClr val="000000"/>
@@ -1021,7 +1024,7 @@
                 <a:latin typeface="Times New Roman"/>
                 <a:ea typeface="+mn-ea"/>
               </a:rPr>
-              <a:t>39</a:t>
+              <a:t>&lt;number&gt;</a:t>
             </a:fld>
             <a:endParaRPr b="0" lang="pt-BR" sz="1200" spc="-1" strike="noStrike">
               <a:latin typeface="Arial"/>
@@ -1053,7 +1056,7 @@
       </p:grpSpPr>
       <p:sp>
         <p:nvSpPr>
-          <p:cNvPr id="209" name="PlaceHolder 1"/>
+          <p:cNvPr id="215" name="PlaceHolder 1"/>
           <p:cNvSpPr>
             <a:spLocks noGrp="1"/>
           </p:cNvSpPr>
@@ -1064,16 +1067,16 @@
         <p:spPr>
           <a:xfrm>
             <a:off x="685800" y="1143000"/>
-            <a:ext cx="5483880" cy="3083400"/>
-          </a:xfrm>
-          <a:prstGeom prst="rect">
-            <a:avLst/>
-          </a:prstGeom>
-        </p:spPr>
-      </p:sp>
-      <p:sp>
-        <p:nvSpPr>
-          <p:cNvPr id="210" name="PlaceHolder 2"/>
+            <a:ext cx="5483520" cy="3083040"/>
+          </a:xfrm>
+          <a:prstGeom prst="rect">
+            <a:avLst/>
+          </a:prstGeom>
+        </p:spPr>
+      </p:sp>
+      <p:sp>
+        <p:nvSpPr>
+          <p:cNvPr id="216" name="PlaceHolder 2"/>
           <p:cNvSpPr>
             <a:spLocks noGrp="1"/>
           </p:cNvSpPr>
@@ -1084,7 +1087,7 @@
         <p:spPr>
           <a:xfrm>
             <a:off x="685800" y="4400640"/>
-            <a:ext cx="5483520" cy="3597480"/>
+            <a:ext cx="5483160" cy="3597120"/>
           </a:xfrm>
           <a:prstGeom prst="rect">
             <a:avLst/>
@@ -1103,14 +1106,14 @@
       </p:sp>
       <p:sp>
         <p:nvSpPr>
-          <p:cNvPr id="211" name="CustomShape 3"/>
+          <p:cNvPr id="217" name="CustomShape 3"/>
           <p:cNvSpPr/>
           <p:nvPr/>
         </p:nvSpPr>
         <p:spPr>
           <a:xfrm>
             <a:off x="3884760" y="8685360"/>
-            <a:ext cx="2968920" cy="455760"/>
+            <a:ext cx="2968560" cy="455400"/>
           </a:xfrm>
           <a:prstGeom prst="rect">
             <a:avLst/>
@@ -1136,7 +1139,7 @@
                 <a:spcPct val="100000"/>
               </a:lnSpc>
             </a:pPr>
-            <a:fld id="{13A5CE90-A421-41D2-8939-1284FA718E7C}" type="slidenum">
+            <a:fld id="{919238D6-A12A-4D5E-A4C6-B6AAA80660EA}" type="slidenum">
               <a:rPr b="0" lang="pt-BR" sz="1200" spc="-1" strike="noStrike">
                 <a:solidFill>
                   <a:srgbClr val="000000"/>
@@ -1144,7 +1147,7 @@
                 <a:latin typeface="Times New Roman"/>
                 <a:ea typeface="+mn-ea"/>
               </a:rPr>
-              <a:t>39</a:t>
+              <a:t>&lt;number&gt;</a:t>
             </a:fld>
             <a:endParaRPr b="0" lang="pt-BR" sz="1200" spc="-1" strike="noStrike">
               <a:latin typeface="Arial"/>
@@ -1176,7 +1179,7 @@
       </p:grpSpPr>
       <p:sp>
         <p:nvSpPr>
-          <p:cNvPr id="212" name="PlaceHolder 1"/>
+          <p:cNvPr id="218" name="PlaceHolder 1"/>
           <p:cNvSpPr>
             <a:spLocks noGrp="1"/>
           </p:cNvSpPr>
@@ -1187,16 +1190,16 @@
         <p:spPr>
           <a:xfrm>
             <a:off x="685800" y="1143000"/>
-            <a:ext cx="5483880" cy="3083400"/>
-          </a:xfrm>
-          <a:prstGeom prst="rect">
-            <a:avLst/>
-          </a:prstGeom>
-        </p:spPr>
-      </p:sp>
-      <p:sp>
-        <p:nvSpPr>
-          <p:cNvPr id="213" name="PlaceHolder 2"/>
+            <a:ext cx="5483520" cy="3083040"/>
+          </a:xfrm>
+          <a:prstGeom prst="rect">
+            <a:avLst/>
+          </a:prstGeom>
+        </p:spPr>
+      </p:sp>
+      <p:sp>
+        <p:nvSpPr>
+          <p:cNvPr id="219" name="PlaceHolder 2"/>
           <p:cNvSpPr>
             <a:spLocks noGrp="1"/>
           </p:cNvSpPr>
@@ -1207,7 +1210,7 @@
         <p:spPr>
           <a:xfrm>
             <a:off x="685800" y="4400640"/>
-            <a:ext cx="5483520" cy="3597480"/>
+            <a:ext cx="5483160" cy="3597120"/>
           </a:xfrm>
           <a:prstGeom prst="rect">
             <a:avLst/>
@@ -1226,14 +1229,14 @@
       </p:sp>
       <p:sp>
         <p:nvSpPr>
-          <p:cNvPr id="214" name="CustomShape 3"/>
+          <p:cNvPr id="220" name="CustomShape 3"/>
           <p:cNvSpPr/>
           <p:nvPr/>
         </p:nvSpPr>
         <p:spPr>
           <a:xfrm>
             <a:off x="3884760" y="8685360"/>
-            <a:ext cx="2968920" cy="455760"/>
+            <a:ext cx="2968560" cy="455400"/>
           </a:xfrm>
           <a:prstGeom prst="rect">
             <a:avLst/>
@@ -1259,7 +1262,7 @@
                 <a:spcPct val="100000"/>
               </a:lnSpc>
             </a:pPr>
-            <a:fld id="{AEC4FDF2-E99D-4803-9CA7-E926A157B74C}" type="slidenum">
+            <a:fld id="{34133DED-539A-4713-9CA5-488EB657C20E}" type="slidenum">
               <a:rPr b="0" lang="pt-BR" sz="1200" spc="-1" strike="noStrike">
                 <a:solidFill>
                   <a:srgbClr val="000000"/>
@@ -1267,7 +1270,7 @@
                 <a:latin typeface="Times New Roman"/>
                 <a:ea typeface="+mn-ea"/>
               </a:rPr>
-              <a:t>39</a:t>
+              <a:t>&lt;number&gt;</a:t>
             </a:fld>
             <a:endParaRPr b="0" lang="pt-BR" sz="1200" spc="-1" strike="noStrike">
               <a:latin typeface="Arial"/>
@@ -1299,7 +1302,7 @@
       </p:grpSpPr>
       <p:sp>
         <p:nvSpPr>
-          <p:cNvPr id="215" name="PlaceHolder 1"/>
+          <p:cNvPr id="221" name="PlaceHolder 1"/>
           <p:cNvSpPr>
             <a:spLocks noGrp="1"/>
           </p:cNvSpPr>
@@ -1310,16 +1313,16 @@
         <p:spPr>
           <a:xfrm>
             <a:off x="685800" y="1143000"/>
-            <a:ext cx="5483880" cy="3083400"/>
-          </a:xfrm>
-          <a:prstGeom prst="rect">
-            <a:avLst/>
-          </a:prstGeom>
-        </p:spPr>
-      </p:sp>
-      <p:sp>
-        <p:nvSpPr>
-          <p:cNvPr id="216" name="PlaceHolder 2"/>
+            <a:ext cx="5483520" cy="3083040"/>
+          </a:xfrm>
+          <a:prstGeom prst="rect">
+            <a:avLst/>
+          </a:prstGeom>
+        </p:spPr>
+      </p:sp>
+      <p:sp>
+        <p:nvSpPr>
+          <p:cNvPr id="222" name="PlaceHolder 2"/>
           <p:cNvSpPr>
             <a:spLocks noGrp="1"/>
           </p:cNvSpPr>
@@ -1330,7 +1333,7 @@
         <p:spPr>
           <a:xfrm>
             <a:off x="685800" y="4400640"/>
-            <a:ext cx="5483520" cy="3597480"/>
+            <a:ext cx="5483160" cy="3597120"/>
           </a:xfrm>
           <a:prstGeom prst="rect">
             <a:avLst/>
@@ -1349,14 +1352,14 @@
       </p:sp>
       <p:sp>
         <p:nvSpPr>
-          <p:cNvPr id="217" name="CustomShape 3"/>
+          <p:cNvPr id="223" name="CustomShape 3"/>
           <p:cNvSpPr/>
           <p:nvPr/>
         </p:nvSpPr>
         <p:spPr>
           <a:xfrm>
             <a:off x="3884760" y="8685360"/>
-            <a:ext cx="2968920" cy="455760"/>
+            <a:ext cx="2968560" cy="455400"/>
           </a:xfrm>
           <a:prstGeom prst="rect">
             <a:avLst/>
@@ -1382,7 +1385,7 @@
                 <a:spcPct val="100000"/>
               </a:lnSpc>
             </a:pPr>
-            <a:fld id="{9A11176E-EEFD-455C-93F4-83703A09468D}" type="slidenum">
+            <a:fld id="{B5B81157-02FC-4F66-BFFE-D7EAFB7A17A1}" type="slidenum">
               <a:rPr b="0" lang="pt-BR" sz="1200" spc="-1" strike="noStrike">
                 <a:solidFill>
                   <a:srgbClr val="000000"/>
@@ -1390,7 +1393,7 @@
                 <a:latin typeface="Times New Roman"/>
                 <a:ea typeface="+mn-ea"/>
               </a:rPr>
-              <a:t>39</a:t>
+              <a:t>&lt;number&gt;</a:t>
             </a:fld>
             <a:endParaRPr b="0" lang="pt-BR" sz="1200" spc="-1" strike="noStrike">
               <a:latin typeface="Arial"/>
@@ -1422,7 +1425,7 @@
       </p:grpSpPr>
       <p:sp>
         <p:nvSpPr>
-          <p:cNvPr id="218" name="PlaceHolder 1"/>
+          <p:cNvPr id="224" name="PlaceHolder 1"/>
           <p:cNvSpPr>
             <a:spLocks noGrp="1"/>
           </p:cNvSpPr>
@@ -1433,16 +1436,16 @@
         <p:spPr>
           <a:xfrm>
             <a:off x="685800" y="1143000"/>
-            <a:ext cx="5483880" cy="3083400"/>
-          </a:xfrm>
-          <a:prstGeom prst="rect">
-            <a:avLst/>
-          </a:prstGeom>
-        </p:spPr>
-      </p:sp>
-      <p:sp>
-        <p:nvSpPr>
-          <p:cNvPr id="219" name="PlaceHolder 2"/>
+            <a:ext cx="5483520" cy="3083040"/>
+          </a:xfrm>
+          <a:prstGeom prst="rect">
+            <a:avLst/>
+          </a:prstGeom>
+        </p:spPr>
+      </p:sp>
+      <p:sp>
+        <p:nvSpPr>
+          <p:cNvPr id="225" name="PlaceHolder 2"/>
           <p:cNvSpPr>
             <a:spLocks noGrp="1"/>
           </p:cNvSpPr>
@@ -1453,7 +1456,7 @@
         <p:spPr>
           <a:xfrm>
             <a:off x="685800" y="4400640"/>
-            <a:ext cx="5483520" cy="3597480"/>
+            <a:ext cx="5483160" cy="3597120"/>
           </a:xfrm>
           <a:prstGeom prst="rect">
             <a:avLst/>
@@ -1472,14 +1475,14 @@
       </p:sp>
       <p:sp>
         <p:nvSpPr>
-          <p:cNvPr id="220" name="CustomShape 3"/>
+          <p:cNvPr id="226" name="CustomShape 3"/>
           <p:cNvSpPr/>
           <p:nvPr/>
         </p:nvSpPr>
         <p:spPr>
           <a:xfrm>
             <a:off x="3884760" y="8685360"/>
-            <a:ext cx="2968920" cy="455760"/>
+            <a:ext cx="2968560" cy="455400"/>
           </a:xfrm>
           <a:prstGeom prst="rect">
             <a:avLst/>
@@ -1505,7 +1508,7 @@
                 <a:spcPct val="100000"/>
               </a:lnSpc>
             </a:pPr>
-            <a:fld id="{C91A2E3F-0D79-4D69-A539-569130A8120E}" type="slidenum">
+            <a:fld id="{0A94983B-A2E1-430C-9EE2-73D7C01BD166}" type="slidenum">
               <a:rPr b="0" lang="pt-BR" sz="1200" spc="-1" strike="noStrike">
                 <a:solidFill>
                   <a:srgbClr val="000000"/>
@@ -1513,7 +1516,7 @@
                 <a:latin typeface="Times New Roman"/>
                 <a:ea typeface="+mn-ea"/>
               </a:rPr>
-              <a:t>39</a:t>
+              <a:t>&lt;number&gt;</a:t>
             </a:fld>
             <a:endParaRPr b="0" lang="pt-BR" sz="1200" spc="-1" strike="noStrike">
               <a:latin typeface="Arial"/>
@@ -1545,7 +1548,7 @@
       </p:grpSpPr>
       <p:sp>
         <p:nvSpPr>
-          <p:cNvPr id="221" name="PlaceHolder 1"/>
+          <p:cNvPr id="227" name="PlaceHolder 1"/>
           <p:cNvSpPr>
             <a:spLocks noGrp="1"/>
           </p:cNvSpPr>
@@ -1556,16 +1559,16 @@
         <p:spPr>
           <a:xfrm>
             <a:off x="685800" y="1143000"/>
-            <a:ext cx="5483880" cy="3083400"/>
-          </a:xfrm>
-          <a:prstGeom prst="rect">
-            <a:avLst/>
-          </a:prstGeom>
-        </p:spPr>
-      </p:sp>
-      <p:sp>
-        <p:nvSpPr>
-          <p:cNvPr id="222" name="PlaceHolder 2"/>
+            <a:ext cx="5483520" cy="3083040"/>
+          </a:xfrm>
+          <a:prstGeom prst="rect">
+            <a:avLst/>
+          </a:prstGeom>
+        </p:spPr>
+      </p:sp>
+      <p:sp>
+        <p:nvSpPr>
+          <p:cNvPr id="228" name="PlaceHolder 2"/>
           <p:cNvSpPr>
             <a:spLocks noGrp="1"/>
           </p:cNvSpPr>
@@ -1576,7 +1579,7 @@
         <p:spPr>
           <a:xfrm>
             <a:off x="685800" y="4400640"/>
-            <a:ext cx="5483520" cy="3597480"/>
+            <a:ext cx="5483160" cy="3597120"/>
           </a:xfrm>
           <a:prstGeom prst="rect">
             <a:avLst/>
@@ -1595,14 +1598,14 @@
       </p:sp>
       <p:sp>
         <p:nvSpPr>
-          <p:cNvPr id="223" name="CustomShape 3"/>
+          <p:cNvPr id="229" name="CustomShape 3"/>
           <p:cNvSpPr/>
           <p:nvPr/>
         </p:nvSpPr>
         <p:spPr>
           <a:xfrm>
             <a:off x="3884760" y="8685360"/>
-            <a:ext cx="2968920" cy="455760"/>
+            <a:ext cx="2968560" cy="455400"/>
           </a:xfrm>
           <a:prstGeom prst="rect">
             <a:avLst/>
@@ -1628,7 +1631,7 @@
                 <a:spcPct val="100000"/>
               </a:lnSpc>
             </a:pPr>
-            <a:fld id="{55E87AC9-B753-4AC6-B602-44D11DED0E5A}" type="slidenum">
+            <a:fld id="{0FF031EC-8F2B-44D8-9F81-56F61F5A238D}" type="slidenum">
               <a:rPr b="0" lang="pt-BR" sz="1200" spc="-1" strike="noStrike">
                 <a:solidFill>
                   <a:srgbClr val="000000"/>
@@ -1636,7 +1639,7 @@
                 <a:latin typeface="Times New Roman"/>
                 <a:ea typeface="+mn-ea"/>
               </a:rPr>
-              <a:t>39</a:t>
+              <a:t>&lt;number&gt;</a:t>
             </a:fld>
             <a:endParaRPr b="0" lang="pt-BR" sz="1200" spc="-1" strike="noStrike">
               <a:latin typeface="Arial"/>
@@ -1668,7 +1671,7 @@
       </p:grpSpPr>
       <p:sp>
         <p:nvSpPr>
-          <p:cNvPr id="170" name="PlaceHolder 1"/>
+          <p:cNvPr id="176" name="PlaceHolder 1"/>
           <p:cNvSpPr>
             <a:spLocks noGrp="1"/>
           </p:cNvSpPr>
@@ -1679,16 +1682,16 @@
         <p:spPr>
           <a:xfrm>
             <a:off x="685800" y="1143000"/>
-            <a:ext cx="5483520" cy="3083400"/>
-          </a:xfrm>
-          <a:prstGeom prst="rect">
-            <a:avLst/>
-          </a:prstGeom>
-        </p:spPr>
-      </p:sp>
-      <p:sp>
-        <p:nvSpPr>
-          <p:cNvPr id="171" name="PlaceHolder 2"/>
+            <a:ext cx="5483160" cy="3083040"/>
+          </a:xfrm>
+          <a:prstGeom prst="rect">
+            <a:avLst/>
+          </a:prstGeom>
+        </p:spPr>
+      </p:sp>
+      <p:sp>
+        <p:nvSpPr>
+          <p:cNvPr id="177" name="PlaceHolder 2"/>
           <p:cNvSpPr>
             <a:spLocks noGrp="1"/>
           </p:cNvSpPr>
@@ -1699,7 +1702,7 @@
         <p:spPr>
           <a:xfrm>
             <a:off x="685800" y="4400640"/>
-            <a:ext cx="5483520" cy="3597480"/>
+            <a:ext cx="5483160" cy="3597120"/>
           </a:xfrm>
           <a:prstGeom prst="rect">
             <a:avLst/>
@@ -1718,14 +1721,14 @@
       </p:sp>
       <p:sp>
         <p:nvSpPr>
-          <p:cNvPr id="172" name="CustomShape 3"/>
+          <p:cNvPr id="178" name="CustomShape 3"/>
           <p:cNvSpPr/>
           <p:nvPr/>
         </p:nvSpPr>
         <p:spPr>
           <a:xfrm>
             <a:off x="3884760" y="8685360"/>
-            <a:ext cx="2968920" cy="455760"/>
+            <a:ext cx="2968560" cy="455400"/>
           </a:xfrm>
           <a:prstGeom prst="rect">
             <a:avLst/>
@@ -1751,7 +1754,7 @@
                 <a:spcPct val="100000"/>
               </a:lnSpc>
             </a:pPr>
-            <a:fld id="{4E9B0451-166F-453D-A17B-598DBD432FB1}" type="slidenum">
+            <a:fld id="{7D4CE900-3AD5-413C-9AA2-183105B040A8}" type="slidenum">
               <a:rPr b="0" lang="pt-BR" sz="1200" spc="-1" strike="noStrike">
                 <a:solidFill>
                   <a:srgbClr val="000000"/>
@@ -1759,7 +1762,7 @@
                 <a:latin typeface="Times New Roman"/>
                 <a:ea typeface="+mn-ea"/>
               </a:rPr>
-              <a:t>39</a:t>
+              <a:t>&lt;number&gt;</a:t>
             </a:fld>
             <a:endParaRPr b="0" lang="pt-BR" sz="1200" spc="-1" strike="noStrike">
               <a:latin typeface="Arial"/>
@@ -1791,7 +1794,7 @@
       </p:grpSpPr>
       <p:sp>
         <p:nvSpPr>
-          <p:cNvPr id="224" name="PlaceHolder 1"/>
+          <p:cNvPr id="230" name="PlaceHolder 1"/>
           <p:cNvSpPr>
             <a:spLocks noGrp="1"/>
           </p:cNvSpPr>
@@ -1802,16 +1805,16 @@
         <p:spPr>
           <a:xfrm>
             <a:off x="685800" y="1143000"/>
-            <a:ext cx="5483880" cy="3083400"/>
-          </a:xfrm>
-          <a:prstGeom prst="rect">
-            <a:avLst/>
-          </a:prstGeom>
-        </p:spPr>
-      </p:sp>
-      <p:sp>
-        <p:nvSpPr>
-          <p:cNvPr id="225" name="PlaceHolder 2"/>
+            <a:ext cx="5483520" cy="3083040"/>
+          </a:xfrm>
+          <a:prstGeom prst="rect">
+            <a:avLst/>
+          </a:prstGeom>
+        </p:spPr>
+      </p:sp>
+      <p:sp>
+        <p:nvSpPr>
+          <p:cNvPr id="231" name="PlaceHolder 2"/>
           <p:cNvSpPr>
             <a:spLocks noGrp="1"/>
           </p:cNvSpPr>
@@ -1822,7 +1825,7 @@
         <p:spPr>
           <a:xfrm>
             <a:off x="685800" y="4400640"/>
-            <a:ext cx="5483520" cy="3597480"/>
+            <a:ext cx="5483160" cy="3597120"/>
           </a:xfrm>
           <a:prstGeom prst="rect">
             <a:avLst/>
@@ -1841,14 +1844,14 @@
       </p:sp>
       <p:sp>
         <p:nvSpPr>
-          <p:cNvPr id="226" name="CustomShape 3"/>
+          <p:cNvPr id="232" name="CustomShape 3"/>
           <p:cNvSpPr/>
           <p:nvPr/>
         </p:nvSpPr>
         <p:spPr>
           <a:xfrm>
             <a:off x="3884760" y="8685360"/>
-            <a:ext cx="2968920" cy="455760"/>
+            <a:ext cx="2968560" cy="455400"/>
           </a:xfrm>
           <a:prstGeom prst="rect">
             <a:avLst/>
@@ -1874,7 +1877,7 @@
                 <a:spcPct val="100000"/>
               </a:lnSpc>
             </a:pPr>
-            <a:fld id="{0F7CFC69-947E-432D-B1F0-27FED209A41D}" type="slidenum">
+            <a:fld id="{1A2F05C8-9834-4915-9219-9243F44C8370}" type="slidenum">
               <a:rPr b="0" lang="pt-BR" sz="1200" spc="-1" strike="noStrike">
                 <a:solidFill>
                   <a:srgbClr val="000000"/>
@@ -1882,7 +1885,7 @@
                 <a:latin typeface="Times New Roman"/>
                 <a:ea typeface="+mn-ea"/>
               </a:rPr>
-              <a:t>39</a:t>
+              <a:t>&lt;number&gt;</a:t>
             </a:fld>
             <a:endParaRPr b="0" lang="pt-BR" sz="1200" spc="-1" strike="noStrike">
               <a:latin typeface="Arial"/>
@@ -1914,7 +1917,7 @@
       </p:grpSpPr>
       <p:sp>
         <p:nvSpPr>
-          <p:cNvPr id="227" name="PlaceHolder 1"/>
+          <p:cNvPr id="233" name="PlaceHolder 1"/>
           <p:cNvSpPr>
             <a:spLocks noGrp="1"/>
           </p:cNvSpPr>
@@ -1925,16 +1928,16 @@
         <p:spPr>
           <a:xfrm>
             <a:off x="685800" y="1143000"/>
-            <a:ext cx="5483880" cy="3083400"/>
-          </a:xfrm>
-          <a:prstGeom prst="rect">
-            <a:avLst/>
-          </a:prstGeom>
-        </p:spPr>
-      </p:sp>
-      <p:sp>
-        <p:nvSpPr>
-          <p:cNvPr id="228" name="PlaceHolder 2"/>
+            <a:ext cx="5483520" cy="3083040"/>
+          </a:xfrm>
+          <a:prstGeom prst="rect">
+            <a:avLst/>
+          </a:prstGeom>
+        </p:spPr>
+      </p:sp>
+      <p:sp>
+        <p:nvSpPr>
+          <p:cNvPr id="234" name="PlaceHolder 2"/>
           <p:cNvSpPr>
             <a:spLocks noGrp="1"/>
           </p:cNvSpPr>
@@ -1945,7 +1948,7 @@
         <p:spPr>
           <a:xfrm>
             <a:off x="685800" y="4400640"/>
-            <a:ext cx="5483520" cy="3597480"/>
+            <a:ext cx="5483160" cy="3597120"/>
           </a:xfrm>
           <a:prstGeom prst="rect">
             <a:avLst/>
@@ -1964,14 +1967,14 @@
       </p:sp>
       <p:sp>
         <p:nvSpPr>
-          <p:cNvPr id="229" name="CustomShape 3"/>
+          <p:cNvPr id="235" name="CustomShape 3"/>
           <p:cNvSpPr/>
           <p:nvPr/>
         </p:nvSpPr>
         <p:spPr>
           <a:xfrm>
             <a:off x="3884760" y="8685360"/>
-            <a:ext cx="2968920" cy="455760"/>
+            <a:ext cx="2968560" cy="455400"/>
           </a:xfrm>
           <a:prstGeom prst="rect">
             <a:avLst/>
@@ -1997,7 +2000,7 @@
                 <a:spcPct val="100000"/>
               </a:lnSpc>
             </a:pPr>
-            <a:fld id="{AF759258-102F-4C51-8266-C49E2AA9486D}" type="slidenum">
+            <a:fld id="{57765B36-02EC-4C71-8CCD-C4F62A1831A5}" type="slidenum">
               <a:rPr b="0" lang="pt-BR" sz="1200" spc="-1" strike="noStrike">
                 <a:solidFill>
                   <a:srgbClr val="000000"/>
@@ -2005,7 +2008,7 @@
                 <a:latin typeface="Times New Roman"/>
                 <a:ea typeface="+mn-ea"/>
               </a:rPr>
-              <a:t>39</a:t>
+              <a:t>&lt;number&gt;</a:t>
             </a:fld>
             <a:endParaRPr b="0" lang="pt-BR" sz="1200" spc="-1" strike="noStrike">
               <a:latin typeface="Arial"/>
@@ -2037,7 +2040,7 @@
       </p:grpSpPr>
       <p:sp>
         <p:nvSpPr>
-          <p:cNvPr id="230" name="PlaceHolder 1"/>
+          <p:cNvPr id="236" name="PlaceHolder 1"/>
           <p:cNvSpPr>
             <a:spLocks noGrp="1"/>
           </p:cNvSpPr>
@@ -2048,16 +2051,16 @@
         <p:spPr>
           <a:xfrm>
             <a:off x="685800" y="1143000"/>
-            <a:ext cx="5483880" cy="3083400"/>
-          </a:xfrm>
-          <a:prstGeom prst="rect">
-            <a:avLst/>
-          </a:prstGeom>
-        </p:spPr>
-      </p:sp>
-      <p:sp>
-        <p:nvSpPr>
-          <p:cNvPr id="231" name="PlaceHolder 2"/>
+            <a:ext cx="5483520" cy="3083040"/>
+          </a:xfrm>
+          <a:prstGeom prst="rect">
+            <a:avLst/>
+          </a:prstGeom>
+        </p:spPr>
+      </p:sp>
+      <p:sp>
+        <p:nvSpPr>
+          <p:cNvPr id="237" name="PlaceHolder 2"/>
           <p:cNvSpPr>
             <a:spLocks noGrp="1"/>
           </p:cNvSpPr>
@@ -2068,7 +2071,7 @@
         <p:spPr>
           <a:xfrm>
             <a:off x="685800" y="4400640"/>
-            <a:ext cx="5483520" cy="3597480"/>
+            <a:ext cx="5483160" cy="3597120"/>
           </a:xfrm>
           <a:prstGeom prst="rect">
             <a:avLst/>
@@ -2087,14 +2090,14 @@
       </p:sp>
       <p:sp>
         <p:nvSpPr>
-          <p:cNvPr id="232" name="CustomShape 3"/>
+          <p:cNvPr id="238" name="CustomShape 3"/>
           <p:cNvSpPr/>
           <p:nvPr/>
         </p:nvSpPr>
         <p:spPr>
           <a:xfrm>
             <a:off x="3884760" y="8685360"/>
-            <a:ext cx="2968920" cy="455760"/>
+            <a:ext cx="2968560" cy="455400"/>
           </a:xfrm>
           <a:prstGeom prst="rect">
             <a:avLst/>
@@ -2120,7 +2123,7 @@
                 <a:spcPct val="100000"/>
               </a:lnSpc>
             </a:pPr>
-            <a:fld id="{ED90CF8C-3D65-4339-8014-861153AE9126}" type="slidenum">
+            <a:fld id="{B9DB4553-F765-459B-BFD1-5A8CB4AA0848}" type="slidenum">
               <a:rPr b="0" lang="pt-BR" sz="1200" spc="-1" strike="noStrike">
                 <a:solidFill>
                   <a:srgbClr val="000000"/>
@@ -2128,7 +2131,7 @@
                 <a:latin typeface="Times New Roman"/>
                 <a:ea typeface="+mn-ea"/>
               </a:rPr>
-              <a:t>39</a:t>
+              <a:t>&lt;number&gt;</a:t>
             </a:fld>
             <a:endParaRPr b="0" lang="pt-BR" sz="1200" spc="-1" strike="noStrike">
               <a:latin typeface="Arial"/>
@@ -2160,7 +2163,7 @@
       </p:grpSpPr>
       <p:sp>
         <p:nvSpPr>
-          <p:cNvPr id="233" name="PlaceHolder 1"/>
+          <p:cNvPr id="239" name="PlaceHolder 1"/>
           <p:cNvSpPr>
             <a:spLocks noGrp="1"/>
           </p:cNvSpPr>
@@ -2171,16 +2174,16 @@
         <p:spPr>
           <a:xfrm>
             <a:off x="685800" y="1143000"/>
-            <a:ext cx="5483880" cy="3083400"/>
-          </a:xfrm>
-          <a:prstGeom prst="rect">
-            <a:avLst/>
-          </a:prstGeom>
-        </p:spPr>
-      </p:sp>
-      <p:sp>
-        <p:nvSpPr>
-          <p:cNvPr id="234" name="PlaceHolder 2"/>
+            <a:ext cx="5483520" cy="3083040"/>
+          </a:xfrm>
+          <a:prstGeom prst="rect">
+            <a:avLst/>
+          </a:prstGeom>
+        </p:spPr>
+      </p:sp>
+      <p:sp>
+        <p:nvSpPr>
+          <p:cNvPr id="240" name="PlaceHolder 2"/>
           <p:cNvSpPr>
             <a:spLocks noGrp="1"/>
           </p:cNvSpPr>
@@ -2191,7 +2194,7 @@
         <p:spPr>
           <a:xfrm>
             <a:off x="685800" y="4400640"/>
-            <a:ext cx="5483520" cy="3597480"/>
+            <a:ext cx="5483160" cy="3597120"/>
           </a:xfrm>
           <a:prstGeom prst="rect">
             <a:avLst/>
@@ -2210,14 +2213,14 @@
       </p:sp>
       <p:sp>
         <p:nvSpPr>
-          <p:cNvPr id="235" name="CustomShape 3"/>
+          <p:cNvPr id="241" name="CustomShape 3"/>
           <p:cNvSpPr/>
           <p:nvPr/>
         </p:nvSpPr>
         <p:spPr>
           <a:xfrm>
             <a:off x="3884760" y="8685360"/>
-            <a:ext cx="2968920" cy="455760"/>
+            <a:ext cx="2968560" cy="455400"/>
           </a:xfrm>
           <a:prstGeom prst="rect">
             <a:avLst/>
@@ -2243,7 +2246,7 @@
                 <a:spcPct val="100000"/>
               </a:lnSpc>
             </a:pPr>
-            <a:fld id="{B4872FB1-9921-4539-8089-6B1BABF48ED4}" type="slidenum">
+            <a:fld id="{BD799B27-44F8-4663-BE19-BF8C0A5DAE5D}" type="slidenum">
               <a:rPr b="0" lang="pt-BR" sz="1200" spc="-1" strike="noStrike">
                 <a:solidFill>
                   <a:srgbClr val="000000"/>
@@ -2251,7 +2254,7 @@
                 <a:latin typeface="Times New Roman"/>
                 <a:ea typeface="+mn-ea"/>
               </a:rPr>
-              <a:t>39</a:t>
+              <a:t>&lt;number&gt;</a:t>
             </a:fld>
             <a:endParaRPr b="0" lang="pt-BR" sz="1200" spc="-1" strike="noStrike">
               <a:latin typeface="Arial"/>
@@ -2283,7 +2286,7 @@
       </p:grpSpPr>
       <p:sp>
         <p:nvSpPr>
-          <p:cNvPr id="236" name="PlaceHolder 1"/>
+          <p:cNvPr id="242" name="PlaceHolder 1"/>
           <p:cNvSpPr>
             <a:spLocks noGrp="1"/>
           </p:cNvSpPr>
@@ -2294,16 +2297,16 @@
         <p:spPr>
           <a:xfrm>
             <a:off x="685800" y="1143000"/>
-            <a:ext cx="5483880" cy="3083400"/>
-          </a:xfrm>
-          <a:prstGeom prst="rect">
-            <a:avLst/>
-          </a:prstGeom>
-        </p:spPr>
-      </p:sp>
-      <p:sp>
-        <p:nvSpPr>
-          <p:cNvPr id="237" name="PlaceHolder 2"/>
+            <a:ext cx="5483520" cy="3083040"/>
+          </a:xfrm>
+          <a:prstGeom prst="rect">
+            <a:avLst/>
+          </a:prstGeom>
+        </p:spPr>
+      </p:sp>
+      <p:sp>
+        <p:nvSpPr>
+          <p:cNvPr id="243" name="PlaceHolder 2"/>
           <p:cNvSpPr>
             <a:spLocks noGrp="1"/>
           </p:cNvSpPr>
@@ -2314,7 +2317,7 @@
         <p:spPr>
           <a:xfrm>
             <a:off x="685800" y="4400640"/>
-            <a:ext cx="5483520" cy="3597480"/>
+            <a:ext cx="5483160" cy="3597120"/>
           </a:xfrm>
           <a:prstGeom prst="rect">
             <a:avLst/>
@@ -2333,14 +2336,14 @@
       </p:sp>
       <p:sp>
         <p:nvSpPr>
-          <p:cNvPr id="238" name="CustomShape 3"/>
+          <p:cNvPr id="244" name="CustomShape 3"/>
           <p:cNvSpPr/>
           <p:nvPr/>
         </p:nvSpPr>
         <p:spPr>
           <a:xfrm>
             <a:off x="3884760" y="8685360"/>
-            <a:ext cx="2968920" cy="455760"/>
+            <a:ext cx="2968560" cy="455400"/>
           </a:xfrm>
           <a:prstGeom prst="rect">
             <a:avLst/>
@@ -2366,7 +2369,7 @@
                 <a:spcPct val="100000"/>
               </a:lnSpc>
             </a:pPr>
-            <a:fld id="{9FEC071E-508A-43E5-BA27-396C22849A95}" type="slidenum">
+            <a:fld id="{52B9C526-2C5B-46A7-B750-FDF1534252B3}" type="slidenum">
               <a:rPr b="0" lang="pt-BR" sz="1200" spc="-1" strike="noStrike">
                 <a:solidFill>
                   <a:srgbClr val="000000"/>
@@ -2374,7 +2377,7 @@
                 <a:latin typeface="Times New Roman"/>
                 <a:ea typeface="+mn-ea"/>
               </a:rPr>
-              <a:t>39</a:t>
+              <a:t>&lt;number&gt;</a:t>
             </a:fld>
             <a:endParaRPr b="0" lang="pt-BR" sz="1200" spc="-1" strike="noStrike">
               <a:latin typeface="Arial"/>
@@ -2406,7 +2409,7 @@
       </p:grpSpPr>
       <p:sp>
         <p:nvSpPr>
-          <p:cNvPr id="239" name="PlaceHolder 1"/>
+          <p:cNvPr id="245" name="PlaceHolder 1"/>
           <p:cNvSpPr>
             <a:spLocks noGrp="1"/>
           </p:cNvSpPr>
@@ -2417,16 +2420,16 @@
         <p:spPr>
           <a:xfrm>
             <a:off x="685800" y="1143000"/>
-            <a:ext cx="5483880" cy="3083400"/>
-          </a:xfrm>
-          <a:prstGeom prst="rect">
-            <a:avLst/>
-          </a:prstGeom>
-        </p:spPr>
-      </p:sp>
-      <p:sp>
-        <p:nvSpPr>
-          <p:cNvPr id="240" name="PlaceHolder 2"/>
+            <a:ext cx="5483520" cy="3083040"/>
+          </a:xfrm>
+          <a:prstGeom prst="rect">
+            <a:avLst/>
+          </a:prstGeom>
+        </p:spPr>
+      </p:sp>
+      <p:sp>
+        <p:nvSpPr>
+          <p:cNvPr id="246" name="PlaceHolder 2"/>
           <p:cNvSpPr>
             <a:spLocks noGrp="1"/>
           </p:cNvSpPr>
@@ -2437,7 +2440,7 @@
         <p:spPr>
           <a:xfrm>
             <a:off x="685800" y="4400640"/>
-            <a:ext cx="5483520" cy="3597480"/>
+            <a:ext cx="5483160" cy="3597120"/>
           </a:xfrm>
           <a:prstGeom prst="rect">
             <a:avLst/>
@@ -2456,14 +2459,14 @@
       </p:sp>
       <p:sp>
         <p:nvSpPr>
-          <p:cNvPr id="241" name="CustomShape 3"/>
+          <p:cNvPr id="247" name="CustomShape 3"/>
           <p:cNvSpPr/>
           <p:nvPr/>
         </p:nvSpPr>
         <p:spPr>
           <a:xfrm>
             <a:off x="3884760" y="8685360"/>
-            <a:ext cx="2968920" cy="455760"/>
+            <a:ext cx="2968560" cy="455400"/>
           </a:xfrm>
           <a:prstGeom prst="rect">
             <a:avLst/>
@@ -2489,7 +2492,7 @@
                 <a:spcPct val="100000"/>
               </a:lnSpc>
             </a:pPr>
-            <a:fld id="{3FC00317-1FAE-4AD2-A514-AABBC75DB476}" type="slidenum">
+            <a:fld id="{57BA0D49-816B-416A-B624-9F13CAF48C61}" type="slidenum">
               <a:rPr b="0" lang="pt-BR" sz="1200" spc="-1" strike="noStrike">
                 <a:solidFill>
                   <a:srgbClr val="000000"/>
@@ -2497,7 +2500,7 @@
                 <a:latin typeface="Times New Roman"/>
                 <a:ea typeface="+mn-ea"/>
               </a:rPr>
-              <a:t>39</a:t>
+              <a:t>&lt;number&gt;</a:t>
             </a:fld>
             <a:endParaRPr b="0" lang="pt-BR" sz="1200" spc="-1" strike="noStrike">
               <a:latin typeface="Arial"/>
@@ -2529,7 +2532,7 @@
       </p:grpSpPr>
       <p:sp>
         <p:nvSpPr>
-          <p:cNvPr id="242" name="PlaceHolder 1"/>
+          <p:cNvPr id="248" name="PlaceHolder 1"/>
           <p:cNvSpPr>
             <a:spLocks noGrp="1"/>
           </p:cNvSpPr>
@@ -2540,16 +2543,16 @@
         <p:spPr>
           <a:xfrm>
             <a:off x="685800" y="1143000"/>
-            <a:ext cx="5483880" cy="3083400"/>
-          </a:xfrm>
-          <a:prstGeom prst="rect">
-            <a:avLst/>
-          </a:prstGeom>
-        </p:spPr>
-      </p:sp>
-      <p:sp>
-        <p:nvSpPr>
-          <p:cNvPr id="243" name="PlaceHolder 2"/>
+            <a:ext cx="5483520" cy="3083040"/>
+          </a:xfrm>
+          <a:prstGeom prst="rect">
+            <a:avLst/>
+          </a:prstGeom>
+        </p:spPr>
+      </p:sp>
+      <p:sp>
+        <p:nvSpPr>
+          <p:cNvPr id="249" name="PlaceHolder 2"/>
           <p:cNvSpPr>
             <a:spLocks noGrp="1"/>
           </p:cNvSpPr>
@@ -2560,7 +2563,7 @@
         <p:spPr>
           <a:xfrm>
             <a:off x="685800" y="4400640"/>
-            <a:ext cx="5483520" cy="3597480"/>
+            <a:ext cx="5483160" cy="3597120"/>
           </a:xfrm>
           <a:prstGeom prst="rect">
             <a:avLst/>
@@ -2579,14 +2582,14 @@
       </p:sp>
       <p:sp>
         <p:nvSpPr>
-          <p:cNvPr id="244" name="CustomShape 3"/>
+          <p:cNvPr id="250" name="CustomShape 3"/>
           <p:cNvSpPr/>
           <p:nvPr/>
         </p:nvSpPr>
         <p:spPr>
           <a:xfrm>
             <a:off x="3884760" y="8685360"/>
-            <a:ext cx="2968920" cy="455760"/>
+            <a:ext cx="2968560" cy="455400"/>
           </a:xfrm>
           <a:prstGeom prst="rect">
             <a:avLst/>
@@ -2612,7 +2615,7 @@
                 <a:spcPct val="100000"/>
               </a:lnSpc>
             </a:pPr>
-            <a:fld id="{90E72634-DEC0-418C-B827-DCDD1CC99924}" type="slidenum">
+            <a:fld id="{25A59E7F-C5EA-4C73-AFFC-B4EE325A1AFB}" type="slidenum">
               <a:rPr b="0" lang="pt-BR" sz="1200" spc="-1" strike="noStrike">
                 <a:solidFill>
                   <a:srgbClr val="000000"/>
@@ -2620,7 +2623,7 @@
                 <a:latin typeface="Times New Roman"/>
                 <a:ea typeface="+mn-ea"/>
               </a:rPr>
-              <a:t>39</a:t>
+              <a:t>&lt;number&gt;</a:t>
             </a:fld>
             <a:endParaRPr b="0" lang="pt-BR" sz="1200" spc="-1" strike="noStrike">
               <a:latin typeface="Arial"/>
@@ -2652,7 +2655,7 @@
       </p:grpSpPr>
       <p:sp>
         <p:nvSpPr>
-          <p:cNvPr id="245" name="PlaceHolder 1"/>
+          <p:cNvPr id="251" name="PlaceHolder 1"/>
           <p:cNvSpPr>
             <a:spLocks noGrp="1"/>
           </p:cNvSpPr>
@@ -2663,16 +2666,16 @@
         <p:spPr>
           <a:xfrm>
             <a:off x="685800" y="1143000"/>
-            <a:ext cx="5483880" cy="3083400"/>
-          </a:xfrm>
-          <a:prstGeom prst="rect">
-            <a:avLst/>
-          </a:prstGeom>
-        </p:spPr>
-      </p:sp>
-      <p:sp>
-        <p:nvSpPr>
-          <p:cNvPr id="246" name="PlaceHolder 2"/>
+            <a:ext cx="5483520" cy="3083040"/>
+          </a:xfrm>
+          <a:prstGeom prst="rect">
+            <a:avLst/>
+          </a:prstGeom>
+        </p:spPr>
+      </p:sp>
+      <p:sp>
+        <p:nvSpPr>
+          <p:cNvPr id="252" name="PlaceHolder 2"/>
           <p:cNvSpPr>
             <a:spLocks noGrp="1"/>
           </p:cNvSpPr>
@@ -2683,7 +2686,7 @@
         <p:spPr>
           <a:xfrm>
             <a:off x="685800" y="4400640"/>
-            <a:ext cx="5483520" cy="3597480"/>
+            <a:ext cx="5483160" cy="3597120"/>
           </a:xfrm>
           <a:prstGeom prst="rect">
             <a:avLst/>
@@ -2702,14 +2705,14 @@
       </p:sp>
       <p:sp>
         <p:nvSpPr>
-          <p:cNvPr id="247" name="CustomShape 3"/>
+          <p:cNvPr id="253" name="CustomShape 3"/>
           <p:cNvSpPr/>
           <p:nvPr/>
         </p:nvSpPr>
         <p:spPr>
           <a:xfrm>
             <a:off x="3884760" y="8685360"/>
-            <a:ext cx="2968920" cy="455760"/>
+            <a:ext cx="2968560" cy="455400"/>
           </a:xfrm>
           <a:prstGeom prst="rect">
             <a:avLst/>
@@ -2735,7 +2738,7 @@
                 <a:spcPct val="100000"/>
               </a:lnSpc>
             </a:pPr>
-            <a:fld id="{EB24C4B8-BA35-447A-A731-82AC54088E16}" type="slidenum">
+            <a:fld id="{BE8A13AF-2F02-4524-9D81-EBF3E9C7A6B1}" type="slidenum">
               <a:rPr b="0" lang="pt-BR" sz="1200" spc="-1" strike="noStrike">
                 <a:solidFill>
                   <a:srgbClr val="000000"/>
@@ -2743,7 +2746,7 @@
                 <a:latin typeface="Times New Roman"/>
                 <a:ea typeface="+mn-ea"/>
               </a:rPr>
-              <a:t>39</a:t>
+              <a:t>&lt;number&gt;</a:t>
             </a:fld>
             <a:endParaRPr b="0" lang="pt-BR" sz="1200" spc="-1" strike="noStrike">
               <a:latin typeface="Arial"/>
@@ -2775,7 +2778,7 @@
       </p:grpSpPr>
       <p:sp>
         <p:nvSpPr>
-          <p:cNvPr id="248" name="PlaceHolder 1"/>
+          <p:cNvPr id="254" name="PlaceHolder 1"/>
           <p:cNvSpPr>
             <a:spLocks noGrp="1"/>
           </p:cNvSpPr>
@@ -2786,16 +2789,16 @@
         <p:spPr>
           <a:xfrm>
             <a:off x="685800" y="1143000"/>
-            <a:ext cx="5483880" cy="3083400"/>
-          </a:xfrm>
-          <a:prstGeom prst="rect">
-            <a:avLst/>
-          </a:prstGeom>
-        </p:spPr>
-      </p:sp>
-      <p:sp>
-        <p:nvSpPr>
-          <p:cNvPr id="249" name="PlaceHolder 2"/>
+            <a:ext cx="5483520" cy="3083040"/>
+          </a:xfrm>
+          <a:prstGeom prst="rect">
+            <a:avLst/>
+          </a:prstGeom>
+        </p:spPr>
+      </p:sp>
+      <p:sp>
+        <p:nvSpPr>
+          <p:cNvPr id="255" name="PlaceHolder 2"/>
           <p:cNvSpPr>
             <a:spLocks noGrp="1"/>
           </p:cNvSpPr>
@@ -2806,7 +2809,7 @@
         <p:spPr>
           <a:xfrm>
             <a:off x="685800" y="4400640"/>
-            <a:ext cx="5483520" cy="3597480"/>
+            <a:ext cx="5483160" cy="3597120"/>
           </a:xfrm>
           <a:prstGeom prst="rect">
             <a:avLst/>
@@ -2825,14 +2828,14 @@
       </p:sp>
       <p:sp>
         <p:nvSpPr>
-          <p:cNvPr id="250" name="CustomShape 3"/>
+          <p:cNvPr id="256" name="CustomShape 3"/>
           <p:cNvSpPr/>
           <p:nvPr/>
         </p:nvSpPr>
         <p:spPr>
           <a:xfrm>
             <a:off x="3884760" y="8685360"/>
-            <a:ext cx="2968920" cy="455760"/>
+            <a:ext cx="2968560" cy="455400"/>
           </a:xfrm>
           <a:prstGeom prst="rect">
             <a:avLst/>
@@ -2858,7 +2861,7 @@
                 <a:spcPct val="100000"/>
               </a:lnSpc>
             </a:pPr>
-            <a:fld id="{20A7F609-9CA5-40EC-9725-84AC2E2F7732}" type="slidenum">
+            <a:fld id="{98FF5265-215A-40A9-878F-0F0881D1ACE4}" type="slidenum">
               <a:rPr b="0" lang="pt-BR" sz="1200" spc="-1" strike="noStrike">
                 <a:solidFill>
                   <a:srgbClr val="000000"/>
@@ -2866,7 +2869,7 @@
                 <a:latin typeface="Times New Roman"/>
                 <a:ea typeface="+mn-ea"/>
               </a:rPr>
-              <a:t>39</a:t>
+              <a:t>&lt;number&gt;</a:t>
             </a:fld>
             <a:endParaRPr b="0" lang="pt-BR" sz="1200" spc="-1" strike="noStrike">
               <a:latin typeface="Arial"/>
@@ -2898,7 +2901,7 @@
       </p:grpSpPr>
       <p:sp>
         <p:nvSpPr>
-          <p:cNvPr id="251" name="PlaceHolder 1"/>
+          <p:cNvPr id="257" name="PlaceHolder 1"/>
           <p:cNvSpPr>
             <a:spLocks noGrp="1"/>
           </p:cNvSpPr>
@@ -2909,16 +2912,16 @@
         <p:spPr>
           <a:xfrm>
             <a:off x="685800" y="1143000"/>
-            <a:ext cx="5483880" cy="3083400"/>
-          </a:xfrm>
-          <a:prstGeom prst="rect">
-            <a:avLst/>
-          </a:prstGeom>
-        </p:spPr>
-      </p:sp>
-      <p:sp>
-        <p:nvSpPr>
-          <p:cNvPr id="252" name="PlaceHolder 2"/>
+            <a:ext cx="5483520" cy="3083040"/>
+          </a:xfrm>
+          <a:prstGeom prst="rect">
+            <a:avLst/>
+          </a:prstGeom>
+        </p:spPr>
+      </p:sp>
+      <p:sp>
+        <p:nvSpPr>
+          <p:cNvPr id="258" name="PlaceHolder 2"/>
           <p:cNvSpPr>
             <a:spLocks noGrp="1"/>
           </p:cNvSpPr>
@@ -2929,7 +2932,7 @@
         <p:spPr>
           <a:xfrm>
             <a:off x="685800" y="4400640"/>
-            <a:ext cx="5483520" cy="3597480"/>
+            <a:ext cx="5483160" cy="3597120"/>
           </a:xfrm>
           <a:prstGeom prst="rect">
             <a:avLst/>
@@ -2940,7 +2943,7 @@
             <a:noAutofit/>
           </a:bodyPr>
           <a:p>
-            <a:pPr marL="216000" indent="-215640">
+            <a:pPr marL="216000" indent="-215280">
               <a:lnSpc>
                 <a:spcPct val="100000"/>
               </a:lnSpc>
@@ -2959,7 +2962,7 @@
             </a:endParaRPr>
           </a:p>
           <a:p>
-            <a:pPr marL="216000" indent="-215640">
+            <a:pPr marL="216000" indent="-215280">
               <a:lnSpc>
                 <a:spcPct val="100000"/>
               </a:lnSpc>
@@ -2981,14 +2984,14 @@
       </p:sp>
       <p:sp>
         <p:nvSpPr>
-          <p:cNvPr id="253" name="CustomShape 3"/>
+          <p:cNvPr id="259" name="CustomShape 3"/>
           <p:cNvSpPr/>
           <p:nvPr/>
         </p:nvSpPr>
         <p:spPr>
           <a:xfrm>
             <a:off x="3884760" y="8685360"/>
-            <a:ext cx="2968920" cy="455760"/>
+            <a:ext cx="2968560" cy="455400"/>
           </a:xfrm>
           <a:prstGeom prst="rect">
             <a:avLst/>
@@ -3014,7 +3017,7 @@
                 <a:spcPct val="100000"/>
               </a:lnSpc>
             </a:pPr>
-            <a:fld id="{0A0FE3A1-2041-473B-A75E-DC5AAE75EF9C}" type="slidenum">
+            <a:fld id="{12666DD1-A622-4B58-889D-B61F874DBB3F}" type="slidenum">
               <a:rPr b="0" lang="pt-BR" sz="1200" spc="-1" strike="noStrike">
                 <a:solidFill>
                   <a:srgbClr val="000000"/>
@@ -3022,7 +3025,7 @@
                 <a:latin typeface="Times New Roman"/>
                 <a:ea typeface="+mn-ea"/>
               </a:rPr>
-              <a:t>39</a:t>
+              <a:t>&lt;number&gt;</a:t>
             </a:fld>
             <a:endParaRPr b="0" lang="pt-BR" sz="1200" spc="-1" strike="noStrike">
               <a:latin typeface="Arial"/>
@@ -3054,7 +3057,7 @@
       </p:grpSpPr>
       <p:sp>
         <p:nvSpPr>
-          <p:cNvPr id="173" name="PlaceHolder 1"/>
+          <p:cNvPr id="179" name="PlaceHolder 1"/>
           <p:cNvSpPr>
             <a:spLocks noGrp="1"/>
           </p:cNvSpPr>
@@ -3065,16 +3068,16 @@
         <p:spPr>
           <a:xfrm>
             <a:off x="685800" y="1143000"/>
-            <a:ext cx="5483520" cy="3083400"/>
-          </a:xfrm>
-          <a:prstGeom prst="rect">
-            <a:avLst/>
-          </a:prstGeom>
-        </p:spPr>
-      </p:sp>
-      <p:sp>
-        <p:nvSpPr>
-          <p:cNvPr id="174" name="PlaceHolder 2"/>
+            <a:ext cx="5483160" cy="3083040"/>
+          </a:xfrm>
+          <a:prstGeom prst="rect">
+            <a:avLst/>
+          </a:prstGeom>
+        </p:spPr>
+      </p:sp>
+      <p:sp>
+        <p:nvSpPr>
+          <p:cNvPr id="180" name="PlaceHolder 2"/>
           <p:cNvSpPr>
             <a:spLocks noGrp="1"/>
           </p:cNvSpPr>
@@ -3085,7 +3088,7 @@
         <p:spPr>
           <a:xfrm>
             <a:off x="685800" y="4400640"/>
-            <a:ext cx="5483520" cy="3597480"/>
+            <a:ext cx="5483160" cy="3597120"/>
           </a:xfrm>
           <a:prstGeom prst="rect">
             <a:avLst/>
@@ -3104,14 +3107,14 @@
       </p:sp>
       <p:sp>
         <p:nvSpPr>
-          <p:cNvPr id="175" name="CustomShape 3"/>
+          <p:cNvPr id="181" name="CustomShape 3"/>
           <p:cNvSpPr/>
           <p:nvPr/>
         </p:nvSpPr>
         <p:spPr>
           <a:xfrm>
             <a:off x="3884760" y="8685360"/>
-            <a:ext cx="2968920" cy="455760"/>
+            <a:ext cx="2968560" cy="455400"/>
           </a:xfrm>
           <a:prstGeom prst="rect">
             <a:avLst/>
@@ -3137,7 +3140,7 @@
                 <a:spcPct val="100000"/>
               </a:lnSpc>
             </a:pPr>
-            <a:fld id="{4C1EE9FF-C4F3-4A1A-830E-8CE04FC71992}" type="slidenum">
+            <a:fld id="{90778A65-50D0-4B33-A3C4-3FFA10671526}" type="slidenum">
               <a:rPr b="0" lang="pt-BR" sz="1200" spc="-1" strike="noStrike">
                 <a:solidFill>
                   <a:srgbClr val="000000"/>
@@ -3145,7 +3148,7 @@
                 <a:latin typeface="Times New Roman"/>
                 <a:ea typeface="+mn-ea"/>
               </a:rPr>
-              <a:t>39</a:t>
+              <a:t>&lt;number&gt;</a:t>
             </a:fld>
             <a:endParaRPr b="0" lang="pt-BR" sz="1200" spc="-1" strike="noStrike">
               <a:latin typeface="Arial"/>
@@ -3177,7 +3180,7 @@
       </p:grpSpPr>
       <p:sp>
         <p:nvSpPr>
-          <p:cNvPr id="254" name="PlaceHolder 1"/>
+          <p:cNvPr id="260" name="PlaceHolder 1"/>
           <p:cNvSpPr>
             <a:spLocks noGrp="1"/>
           </p:cNvSpPr>
@@ -3188,16 +3191,16 @@
         <p:spPr>
           <a:xfrm>
             <a:off x="685800" y="1143000"/>
-            <a:ext cx="5483880" cy="3083400"/>
-          </a:xfrm>
-          <a:prstGeom prst="rect">
-            <a:avLst/>
-          </a:prstGeom>
-        </p:spPr>
-      </p:sp>
-      <p:sp>
-        <p:nvSpPr>
-          <p:cNvPr id="255" name="PlaceHolder 2"/>
+            <a:ext cx="5483520" cy="3083040"/>
+          </a:xfrm>
+          <a:prstGeom prst="rect">
+            <a:avLst/>
+          </a:prstGeom>
+        </p:spPr>
+      </p:sp>
+      <p:sp>
+        <p:nvSpPr>
+          <p:cNvPr id="261" name="PlaceHolder 2"/>
           <p:cNvSpPr>
             <a:spLocks noGrp="1"/>
           </p:cNvSpPr>
@@ -3208,7 +3211,7 @@
         <p:spPr>
           <a:xfrm>
             <a:off x="685800" y="4400640"/>
-            <a:ext cx="5483520" cy="3597480"/>
+            <a:ext cx="5483160" cy="3597120"/>
           </a:xfrm>
           <a:prstGeom prst="rect">
             <a:avLst/>
@@ -3219,7 +3222,7 @@
             <a:noAutofit/>
           </a:bodyPr>
           <a:p>
-            <a:pPr marL="216000" indent="-215640">
+            <a:pPr marL="216000" indent="-215280">
               <a:lnSpc>
                 <a:spcPct val="100000"/>
               </a:lnSpc>
@@ -3238,7 +3241,7 @@
             </a:endParaRPr>
           </a:p>
           <a:p>
-            <a:pPr marL="216000" indent="-215640">
+            <a:pPr marL="216000" indent="-215280">
               <a:lnSpc>
                 <a:spcPct val="100000"/>
               </a:lnSpc>
@@ -3251,7 +3254,7 @@
             </a:endParaRPr>
           </a:p>
           <a:p>
-            <a:pPr marL="216000" indent="-215640">
+            <a:pPr marL="216000" indent="-215280">
               <a:lnSpc>
                 <a:spcPct val="100000"/>
               </a:lnSpc>
@@ -3270,7 +3273,7 @@
             </a:endParaRPr>
           </a:p>
           <a:p>
-            <a:pPr marL="216000" indent="-215640">
+            <a:pPr marL="216000" indent="-215280">
               <a:lnSpc>
                 <a:spcPct val="100000"/>
               </a:lnSpc>
@@ -3292,14 +3295,14 @@
       </p:sp>
       <p:sp>
         <p:nvSpPr>
-          <p:cNvPr id="256" name="CustomShape 3"/>
+          <p:cNvPr id="262" name="CustomShape 3"/>
           <p:cNvSpPr/>
           <p:nvPr/>
         </p:nvSpPr>
         <p:spPr>
           <a:xfrm>
             <a:off x="3884760" y="8685360"/>
-            <a:ext cx="2968920" cy="455760"/>
+            <a:ext cx="2968560" cy="455400"/>
           </a:xfrm>
           <a:prstGeom prst="rect">
             <a:avLst/>
@@ -3325,7 +3328,7 @@
                 <a:spcPct val="100000"/>
               </a:lnSpc>
             </a:pPr>
-            <a:fld id="{5250CC8C-0D81-4175-94FA-A8996DEEC123}" type="slidenum">
+            <a:fld id="{65FE2393-8919-4F67-9A1E-B0D4E0DBFA38}" type="slidenum">
               <a:rPr b="0" lang="pt-BR" sz="1200" spc="-1" strike="noStrike">
                 <a:solidFill>
                   <a:srgbClr val="000000"/>
@@ -3333,7 +3336,7 @@
                 <a:latin typeface="Times New Roman"/>
                 <a:ea typeface="+mn-ea"/>
               </a:rPr>
-              <a:t>39</a:t>
+              <a:t>&lt;number&gt;</a:t>
             </a:fld>
             <a:endParaRPr b="0" lang="pt-BR" sz="1200" spc="-1" strike="noStrike">
               <a:latin typeface="Arial"/>
@@ -3365,7 +3368,7 @@
       </p:grpSpPr>
       <p:sp>
         <p:nvSpPr>
-          <p:cNvPr id="257" name="PlaceHolder 1"/>
+          <p:cNvPr id="263" name="PlaceHolder 1"/>
           <p:cNvSpPr>
             <a:spLocks noGrp="1"/>
           </p:cNvSpPr>
@@ -3376,16 +3379,16 @@
         <p:spPr>
           <a:xfrm>
             <a:off x="685800" y="1143000"/>
-            <a:ext cx="5483880" cy="3083400"/>
-          </a:xfrm>
-          <a:prstGeom prst="rect">
-            <a:avLst/>
-          </a:prstGeom>
-        </p:spPr>
-      </p:sp>
-      <p:sp>
-        <p:nvSpPr>
-          <p:cNvPr id="258" name="PlaceHolder 2"/>
+            <a:ext cx="5483520" cy="3083040"/>
+          </a:xfrm>
+          <a:prstGeom prst="rect">
+            <a:avLst/>
+          </a:prstGeom>
+        </p:spPr>
+      </p:sp>
+      <p:sp>
+        <p:nvSpPr>
+          <p:cNvPr id="264" name="PlaceHolder 2"/>
           <p:cNvSpPr>
             <a:spLocks noGrp="1"/>
           </p:cNvSpPr>
@@ -3396,7 +3399,7 @@
         <p:spPr>
           <a:xfrm>
             <a:off x="685800" y="4320000"/>
-            <a:ext cx="5483520" cy="3597480"/>
+            <a:ext cx="5483160" cy="3597120"/>
           </a:xfrm>
           <a:prstGeom prst="rect">
             <a:avLst/>
@@ -3415,14 +3418,14 @@
       </p:sp>
       <p:sp>
         <p:nvSpPr>
-          <p:cNvPr id="259" name="CustomShape 3"/>
+          <p:cNvPr id="265" name="CustomShape 3"/>
           <p:cNvSpPr/>
           <p:nvPr/>
         </p:nvSpPr>
         <p:spPr>
           <a:xfrm>
             <a:off x="3884760" y="8685360"/>
-            <a:ext cx="2968920" cy="455760"/>
+            <a:ext cx="2968560" cy="455400"/>
           </a:xfrm>
           <a:prstGeom prst="rect">
             <a:avLst/>
@@ -3448,7 +3451,7 @@
                 <a:spcPct val="100000"/>
               </a:lnSpc>
             </a:pPr>
-            <a:fld id="{43913522-29A8-4882-8233-06242F7944F1}" type="slidenum">
+            <a:fld id="{5AD01BB1-7CFC-45AD-A705-9C48A269278A}" type="slidenum">
               <a:rPr b="0" lang="pt-BR" sz="1200" spc="-1" strike="noStrike">
                 <a:solidFill>
                   <a:srgbClr val="000000"/>
@@ -3456,7 +3459,7 @@
                 <a:latin typeface="Times New Roman"/>
                 <a:ea typeface="+mn-ea"/>
               </a:rPr>
-              <a:t>39</a:t>
+              <a:t>&lt;number&gt;</a:t>
             </a:fld>
             <a:endParaRPr b="0" lang="pt-BR" sz="1200" spc="-1" strike="noStrike">
               <a:latin typeface="Arial"/>
@@ -3488,7 +3491,7 @@
       </p:grpSpPr>
       <p:sp>
         <p:nvSpPr>
-          <p:cNvPr id="260" name="PlaceHolder 1"/>
+          <p:cNvPr id="266" name="PlaceHolder 1"/>
           <p:cNvSpPr>
             <a:spLocks noGrp="1"/>
           </p:cNvSpPr>
@@ -3499,16 +3502,16 @@
         <p:spPr>
           <a:xfrm>
             <a:off x="685800" y="1143000"/>
-            <a:ext cx="5483880" cy="3083400"/>
-          </a:xfrm>
-          <a:prstGeom prst="rect">
-            <a:avLst/>
-          </a:prstGeom>
-        </p:spPr>
-      </p:sp>
-      <p:sp>
-        <p:nvSpPr>
-          <p:cNvPr id="261" name="PlaceHolder 2"/>
+            <a:ext cx="5483520" cy="3083040"/>
+          </a:xfrm>
+          <a:prstGeom prst="rect">
+            <a:avLst/>
+          </a:prstGeom>
+        </p:spPr>
+      </p:sp>
+      <p:sp>
+        <p:nvSpPr>
+          <p:cNvPr id="267" name="PlaceHolder 2"/>
           <p:cNvSpPr>
             <a:spLocks noGrp="1"/>
           </p:cNvSpPr>
@@ -3519,7 +3522,7 @@
         <p:spPr>
           <a:xfrm>
             <a:off x="685800" y="4320000"/>
-            <a:ext cx="5483520" cy="3597480"/>
+            <a:ext cx="5483160" cy="3597120"/>
           </a:xfrm>
           <a:prstGeom prst="rect">
             <a:avLst/>
@@ -3538,14 +3541,14 @@
       </p:sp>
       <p:sp>
         <p:nvSpPr>
-          <p:cNvPr id="262" name="CustomShape 3"/>
+          <p:cNvPr id="268" name="CustomShape 3"/>
           <p:cNvSpPr/>
           <p:nvPr/>
         </p:nvSpPr>
         <p:spPr>
           <a:xfrm>
             <a:off x="3884760" y="8685360"/>
-            <a:ext cx="2968920" cy="455760"/>
+            <a:ext cx="2968560" cy="455400"/>
           </a:xfrm>
           <a:prstGeom prst="rect">
             <a:avLst/>
@@ -3571,7 +3574,7 @@
                 <a:spcPct val="100000"/>
               </a:lnSpc>
             </a:pPr>
-            <a:fld id="{A3FDCA2E-3156-4812-84BD-6BA5FB987DE3}" type="slidenum">
+            <a:fld id="{B02AA85F-6430-4C27-BBE8-1B66F8D1D90C}" type="slidenum">
               <a:rPr b="0" lang="pt-BR" sz="1200" spc="-1" strike="noStrike">
                 <a:solidFill>
                   <a:srgbClr val="000000"/>
@@ -3579,7 +3582,7 @@
                 <a:latin typeface="Times New Roman"/>
                 <a:ea typeface="+mn-ea"/>
               </a:rPr>
-              <a:t>39</a:t>
+              <a:t>&lt;number&gt;</a:t>
             </a:fld>
             <a:endParaRPr b="0" lang="pt-BR" sz="1200" spc="-1" strike="noStrike">
               <a:latin typeface="Arial"/>
@@ -3611,7 +3614,7 @@
       </p:grpSpPr>
       <p:sp>
         <p:nvSpPr>
-          <p:cNvPr id="263" name="PlaceHolder 1"/>
+          <p:cNvPr id="269" name="PlaceHolder 1"/>
           <p:cNvSpPr>
             <a:spLocks noGrp="1"/>
           </p:cNvSpPr>
@@ -3622,16 +3625,16 @@
         <p:spPr>
           <a:xfrm>
             <a:off x="685800" y="1143000"/>
-            <a:ext cx="5483880" cy="3083400"/>
-          </a:xfrm>
-          <a:prstGeom prst="rect">
-            <a:avLst/>
-          </a:prstGeom>
-        </p:spPr>
-      </p:sp>
-      <p:sp>
-        <p:nvSpPr>
-          <p:cNvPr id="264" name="PlaceHolder 2"/>
+            <a:ext cx="5483520" cy="3083040"/>
+          </a:xfrm>
+          <a:prstGeom prst="rect">
+            <a:avLst/>
+          </a:prstGeom>
+        </p:spPr>
+      </p:sp>
+      <p:sp>
+        <p:nvSpPr>
+          <p:cNvPr id="270" name="PlaceHolder 2"/>
           <p:cNvSpPr>
             <a:spLocks noGrp="1"/>
           </p:cNvSpPr>
@@ -3642,7 +3645,7 @@
         <p:spPr>
           <a:xfrm>
             <a:off x="685800" y="4320000"/>
-            <a:ext cx="5483520" cy="3597480"/>
+            <a:ext cx="5483160" cy="3597120"/>
           </a:xfrm>
           <a:prstGeom prst="rect">
             <a:avLst/>
@@ -3661,14 +3664,14 @@
       </p:sp>
       <p:sp>
         <p:nvSpPr>
-          <p:cNvPr id="265" name="CustomShape 3"/>
+          <p:cNvPr id="271" name="CustomShape 3"/>
           <p:cNvSpPr/>
           <p:nvPr/>
         </p:nvSpPr>
         <p:spPr>
           <a:xfrm>
             <a:off x="3884760" y="8685360"/>
-            <a:ext cx="2968920" cy="455760"/>
+            <a:ext cx="2968560" cy="455400"/>
           </a:xfrm>
           <a:prstGeom prst="rect">
             <a:avLst/>
@@ -3694,7 +3697,7 @@
                 <a:spcPct val="100000"/>
               </a:lnSpc>
             </a:pPr>
-            <a:fld id="{31CF914F-685A-4B27-B6FF-2E7E66CE8FB7}" type="slidenum">
+            <a:fld id="{197F1891-6260-4B38-B1E6-52539A379878}" type="slidenum">
               <a:rPr b="0" lang="pt-BR" sz="1200" spc="-1" strike="noStrike">
                 <a:solidFill>
                   <a:srgbClr val="000000"/>
@@ -3702,7 +3705,7 @@
                 <a:latin typeface="Times New Roman"/>
                 <a:ea typeface="+mn-ea"/>
               </a:rPr>
-              <a:t>39</a:t>
+              <a:t>&lt;number&gt;</a:t>
             </a:fld>
             <a:endParaRPr b="0" lang="pt-BR" sz="1200" spc="-1" strike="noStrike">
               <a:latin typeface="Arial"/>
@@ -3734,7 +3737,7 @@
       </p:grpSpPr>
       <p:sp>
         <p:nvSpPr>
-          <p:cNvPr id="266" name="PlaceHolder 1"/>
+          <p:cNvPr id="272" name="PlaceHolder 1"/>
           <p:cNvSpPr>
             <a:spLocks noGrp="1"/>
           </p:cNvSpPr>
@@ -3745,16 +3748,16 @@
         <p:spPr>
           <a:xfrm>
             <a:off x="685800" y="1143000"/>
-            <a:ext cx="5483880" cy="3083400"/>
-          </a:xfrm>
-          <a:prstGeom prst="rect">
-            <a:avLst/>
-          </a:prstGeom>
-        </p:spPr>
-      </p:sp>
-      <p:sp>
-        <p:nvSpPr>
-          <p:cNvPr id="267" name="PlaceHolder 2"/>
+            <a:ext cx="5483520" cy="3083040"/>
+          </a:xfrm>
+          <a:prstGeom prst="rect">
+            <a:avLst/>
+          </a:prstGeom>
+        </p:spPr>
+      </p:sp>
+      <p:sp>
+        <p:nvSpPr>
+          <p:cNvPr id="273" name="PlaceHolder 2"/>
           <p:cNvSpPr>
             <a:spLocks noGrp="1"/>
           </p:cNvSpPr>
@@ -3765,7 +3768,7 @@
         <p:spPr>
           <a:xfrm>
             <a:off x="685800" y="4320000"/>
-            <a:ext cx="5483520" cy="3597480"/>
+            <a:ext cx="5483160" cy="3597120"/>
           </a:xfrm>
           <a:prstGeom prst="rect">
             <a:avLst/>
@@ -3784,14 +3787,14 @@
       </p:sp>
       <p:sp>
         <p:nvSpPr>
-          <p:cNvPr id="268" name="CustomShape 3"/>
+          <p:cNvPr id="274" name="CustomShape 3"/>
           <p:cNvSpPr/>
           <p:nvPr/>
         </p:nvSpPr>
         <p:spPr>
           <a:xfrm>
             <a:off x="3884760" y="8685360"/>
-            <a:ext cx="2968920" cy="455760"/>
+            <a:ext cx="2968560" cy="455400"/>
           </a:xfrm>
           <a:prstGeom prst="rect">
             <a:avLst/>
@@ -3817,7 +3820,7 @@
                 <a:spcPct val="100000"/>
               </a:lnSpc>
             </a:pPr>
-            <a:fld id="{C4A21C2F-47AF-424D-8AB5-85422189F989}" type="slidenum">
+            <a:fld id="{824CDA42-5E23-4218-9BE8-1EE34D8CC83C}" type="slidenum">
               <a:rPr b="0" lang="pt-BR" sz="1200" spc="-1" strike="noStrike">
                 <a:solidFill>
                   <a:srgbClr val="000000"/>
@@ -3825,7 +3828,7 @@
                 <a:latin typeface="Times New Roman"/>
                 <a:ea typeface="+mn-ea"/>
               </a:rPr>
-              <a:t>39</a:t>
+              <a:t>&lt;number&gt;</a:t>
             </a:fld>
             <a:endParaRPr b="0" lang="pt-BR" sz="1200" spc="-1" strike="noStrike">
               <a:latin typeface="Arial"/>
@@ -3857,7 +3860,7 @@
       </p:grpSpPr>
       <p:sp>
         <p:nvSpPr>
-          <p:cNvPr id="269" name="PlaceHolder 1"/>
+          <p:cNvPr id="275" name="PlaceHolder 1"/>
           <p:cNvSpPr>
             <a:spLocks noGrp="1"/>
           </p:cNvSpPr>
@@ -3868,16 +3871,16 @@
         <p:spPr>
           <a:xfrm>
             <a:off x="685800" y="1143000"/>
-            <a:ext cx="5483880" cy="3083400"/>
-          </a:xfrm>
-          <a:prstGeom prst="rect">
-            <a:avLst/>
-          </a:prstGeom>
-        </p:spPr>
-      </p:sp>
-      <p:sp>
-        <p:nvSpPr>
-          <p:cNvPr id="270" name="PlaceHolder 2"/>
+            <a:ext cx="5483520" cy="3083040"/>
+          </a:xfrm>
+          <a:prstGeom prst="rect">
+            <a:avLst/>
+          </a:prstGeom>
+        </p:spPr>
+      </p:sp>
+      <p:sp>
+        <p:nvSpPr>
+          <p:cNvPr id="276" name="PlaceHolder 2"/>
           <p:cNvSpPr>
             <a:spLocks noGrp="1"/>
           </p:cNvSpPr>
@@ -3888,7 +3891,7 @@
         <p:spPr>
           <a:xfrm>
             <a:off x="685800" y="4320000"/>
-            <a:ext cx="5483520" cy="3597480"/>
+            <a:ext cx="5483160" cy="3597120"/>
           </a:xfrm>
           <a:prstGeom prst="rect">
             <a:avLst/>
@@ -3907,14 +3910,14 @@
       </p:sp>
       <p:sp>
         <p:nvSpPr>
-          <p:cNvPr id="271" name="CustomShape 3"/>
+          <p:cNvPr id="277" name="CustomShape 3"/>
           <p:cNvSpPr/>
           <p:nvPr/>
         </p:nvSpPr>
         <p:spPr>
           <a:xfrm>
             <a:off x="3884760" y="8685360"/>
-            <a:ext cx="2968920" cy="455760"/>
+            <a:ext cx="2968560" cy="455400"/>
           </a:xfrm>
           <a:prstGeom prst="rect">
             <a:avLst/>
@@ -3940,7 +3943,7 @@
                 <a:spcPct val="100000"/>
               </a:lnSpc>
             </a:pPr>
-            <a:fld id="{3AD9B216-CC7B-4914-A5CB-A017756B7169}" type="slidenum">
+            <a:fld id="{8549868D-946A-438B-9630-DE93CDDF2CD9}" type="slidenum">
               <a:rPr b="0" lang="pt-BR" sz="1200" spc="-1" strike="noStrike">
                 <a:solidFill>
                   <a:srgbClr val="000000"/>
@@ -3948,7 +3951,7 @@
                 <a:latin typeface="Times New Roman"/>
                 <a:ea typeface="+mn-ea"/>
               </a:rPr>
-              <a:t>39</a:t>
+              <a:t>&lt;number&gt;</a:t>
             </a:fld>
             <a:endParaRPr b="0" lang="pt-BR" sz="1200" spc="-1" strike="noStrike">
               <a:latin typeface="Arial"/>
@@ -3980,7 +3983,7 @@
       </p:grpSpPr>
       <p:sp>
         <p:nvSpPr>
-          <p:cNvPr id="272" name="PlaceHolder 1"/>
+          <p:cNvPr id="278" name="PlaceHolder 1"/>
           <p:cNvSpPr>
             <a:spLocks noGrp="1"/>
           </p:cNvSpPr>
@@ -3991,16 +3994,16 @@
         <p:spPr>
           <a:xfrm>
             <a:off x="685800" y="1143000"/>
-            <a:ext cx="5483880" cy="3083400"/>
-          </a:xfrm>
-          <a:prstGeom prst="rect">
-            <a:avLst/>
-          </a:prstGeom>
-        </p:spPr>
-      </p:sp>
-      <p:sp>
-        <p:nvSpPr>
-          <p:cNvPr id="273" name="PlaceHolder 2"/>
+            <a:ext cx="5483520" cy="3083040"/>
+          </a:xfrm>
+          <a:prstGeom prst="rect">
+            <a:avLst/>
+          </a:prstGeom>
+        </p:spPr>
+      </p:sp>
+      <p:sp>
+        <p:nvSpPr>
+          <p:cNvPr id="279" name="PlaceHolder 2"/>
           <p:cNvSpPr>
             <a:spLocks noGrp="1"/>
           </p:cNvSpPr>
@@ -4011,7 +4014,7 @@
         <p:spPr>
           <a:xfrm>
             <a:off x="685800" y="4320000"/>
-            <a:ext cx="5483520" cy="3597480"/>
+            <a:ext cx="5483160" cy="3597120"/>
           </a:xfrm>
           <a:prstGeom prst="rect">
             <a:avLst/>
@@ -4030,14 +4033,14 @@
       </p:sp>
       <p:sp>
         <p:nvSpPr>
-          <p:cNvPr id="274" name="CustomShape 3"/>
+          <p:cNvPr id="280" name="CustomShape 3"/>
           <p:cNvSpPr/>
           <p:nvPr/>
         </p:nvSpPr>
         <p:spPr>
           <a:xfrm>
             <a:off x="3884760" y="8685360"/>
-            <a:ext cx="2968920" cy="455760"/>
+            <a:ext cx="2968560" cy="455400"/>
           </a:xfrm>
           <a:prstGeom prst="rect">
             <a:avLst/>
@@ -4063,7 +4066,7 @@
                 <a:spcPct val="100000"/>
               </a:lnSpc>
             </a:pPr>
-            <a:fld id="{1C246FAA-C3B8-45D6-B43E-4BF414650CA6}" type="slidenum">
+            <a:fld id="{E911918B-8531-412F-B04C-873DF4B2A9F8}" type="slidenum">
               <a:rPr b="0" lang="pt-BR" sz="1200" spc="-1" strike="noStrike">
                 <a:solidFill>
                   <a:srgbClr val="000000"/>
@@ -4071,7 +4074,7 @@
                 <a:latin typeface="Times New Roman"/>
                 <a:ea typeface="+mn-ea"/>
               </a:rPr>
-              <a:t>39</a:t>
+              <a:t>&lt;number&gt;</a:t>
             </a:fld>
             <a:endParaRPr b="0" lang="pt-BR" sz="1200" spc="-1" strike="noStrike">
               <a:latin typeface="Arial"/>
@@ -4103,7 +4106,7 @@
       </p:grpSpPr>
       <p:sp>
         <p:nvSpPr>
-          <p:cNvPr id="275" name="PlaceHolder 1"/>
+          <p:cNvPr id="281" name="PlaceHolder 1"/>
           <p:cNvSpPr>
             <a:spLocks noGrp="1"/>
           </p:cNvSpPr>
@@ -4114,16 +4117,16 @@
         <p:spPr>
           <a:xfrm>
             <a:off x="685800" y="1143000"/>
-            <a:ext cx="5483880" cy="3083400"/>
-          </a:xfrm>
-          <a:prstGeom prst="rect">
-            <a:avLst/>
-          </a:prstGeom>
-        </p:spPr>
-      </p:sp>
-      <p:sp>
-        <p:nvSpPr>
-          <p:cNvPr id="276" name="PlaceHolder 2"/>
+            <a:ext cx="5483520" cy="3083040"/>
+          </a:xfrm>
+          <a:prstGeom prst="rect">
+            <a:avLst/>
+          </a:prstGeom>
+        </p:spPr>
+      </p:sp>
+      <p:sp>
+        <p:nvSpPr>
+          <p:cNvPr id="282" name="PlaceHolder 2"/>
           <p:cNvSpPr>
             <a:spLocks noGrp="1"/>
           </p:cNvSpPr>
@@ -4133,8 +4136,8 @@
         </p:nvSpPr>
         <p:spPr>
           <a:xfrm>
-            <a:off x="685800" y="4400640"/>
-            <a:ext cx="5483520" cy="3597480"/>
+            <a:off x="685800" y="4320000"/>
+            <a:ext cx="5483160" cy="3597120"/>
           </a:xfrm>
           <a:prstGeom prst="rect">
             <a:avLst/>
@@ -4153,14 +4156,14 @@
       </p:sp>
       <p:sp>
         <p:nvSpPr>
-          <p:cNvPr id="277" name="CustomShape 3"/>
+          <p:cNvPr id="283" name="CustomShape 3"/>
           <p:cNvSpPr/>
           <p:nvPr/>
         </p:nvSpPr>
         <p:spPr>
           <a:xfrm>
             <a:off x="3884760" y="8685360"/>
-            <a:ext cx="2968920" cy="455760"/>
+            <a:ext cx="2968560" cy="455400"/>
           </a:xfrm>
           <a:prstGeom prst="rect">
             <a:avLst/>
@@ -4186,7 +4189,7 @@
                 <a:spcPct val="100000"/>
               </a:lnSpc>
             </a:pPr>
-            <a:fld id="{5E574C46-EBF0-44A2-A30B-631E805F7E8A}" type="slidenum">
+            <a:fld id="{F81DEF2B-5D50-4C63-B84E-C8C792E1716F}" type="slidenum">
               <a:rPr b="0" lang="pt-BR" sz="1200" spc="-1" strike="noStrike">
                 <a:solidFill>
                   <a:srgbClr val="000000"/>
@@ -4226,7 +4229,7 @@
       </p:grpSpPr>
       <p:sp>
         <p:nvSpPr>
-          <p:cNvPr id="278" name="PlaceHolder 1"/>
+          <p:cNvPr id="284" name="PlaceHolder 1"/>
           <p:cNvSpPr>
             <a:spLocks noGrp="1"/>
           </p:cNvSpPr>
@@ -4237,16 +4240,16 @@
         <p:spPr>
           <a:xfrm>
             <a:off x="685800" y="1143000"/>
-            <a:ext cx="5483880" cy="3083400"/>
-          </a:xfrm>
-          <a:prstGeom prst="rect">
-            <a:avLst/>
-          </a:prstGeom>
-        </p:spPr>
-      </p:sp>
-      <p:sp>
-        <p:nvSpPr>
-          <p:cNvPr id="279" name="PlaceHolder 2"/>
+            <a:ext cx="5483520" cy="3083040"/>
+          </a:xfrm>
+          <a:prstGeom prst="rect">
+            <a:avLst/>
+          </a:prstGeom>
+        </p:spPr>
+      </p:sp>
+      <p:sp>
+        <p:nvSpPr>
+          <p:cNvPr id="285" name="PlaceHolder 2"/>
           <p:cNvSpPr>
             <a:spLocks noGrp="1"/>
           </p:cNvSpPr>
@@ -4256,8 +4259,8 @@
         </p:nvSpPr>
         <p:spPr>
           <a:xfrm>
-            <a:off x="685800" y="4400640"/>
-            <a:ext cx="5483520" cy="3597480"/>
+            <a:off x="685800" y="4320000"/>
+            <a:ext cx="5483160" cy="3597120"/>
           </a:xfrm>
           <a:prstGeom prst="rect">
             <a:avLst/>
@@ -4276,14 +4279,14 @@
       </p:sp>
       <p:sp>
         <p:nvSpPr>
-          <p:cNvPr id="280" name="CustomShape 3"/>
+          <p:cNvPr id="286" name="CustomShape 3"/>
           <p:cNvSpPr/>
           <p:nvPr/>
         </p:nvSpPr>
         <p:spPr>
           <a:xfrm>
             <a:off x="3884760" y="8685360"/>
-            <a:ext cx="2968920" cy="455760"/>
+            <a:ext cx="2968560" cy="455400"/>
           </a:xfrm>
           <a:prstGeom prst="rect">
             <a:avLst/>
@@ -4309,7 +4312,7 @@
                 <a:spcPct val="100000"/>
               </a:lnSpc>
             </a:pPr>
-            <a:fld id="{3534ED79-B343-42B4-A727-36E8DEFBC5C1}" type="slidenum">
+            <a:fld id="{DAFF269A-2A20-40BA-9B91-A1176CDC467F}" type="slidenum">
               <a:rPr b="0" lang="pt-BR" sz="1200" spc="-1" strike="noStrike">
                 <a:solidFill>
                   <a:srgbClr val="000000"/>
@@ -4349,7 +4352,7 @@
       </p:grpSpPr>
       <p:sp>
         <p:nvSpPr>
-          <p:cNvPr id="281" name="PlaceHolder 1"/>
+          <p:cNvPr id="287" name="PlaceHolder 1"/>
           <p:cNvSpPr>
             <a:spLocks noGrp="1"/>
           </p:cNvSpPr>
@@ -4360,16 +4363,16 @@
         <p:spPr>
           <a:xfrm>
             <a:off x="685800" y="1143000"/>
-            <a:ext cx="5483880" cy="3083400"/>
-          </a:xfrm>
-          <a:prstGeom prst="rect">
-            <a:avLst/>
-          </a:prstGeom>
-        </p:spPr>
-      </p:sp>
-      <p:sp>
-        <p:nvSpPr>
-          <p:cNvPr id="282" name="PlaceHolder 2"/>
+            <a:ext cx="5483520" cy="3083040"/>
+          </a:xfrm>
+          <a:prstGeom prst="rect">
+            <a:avLst/>
+          </a:prstGeom>
+        </p:spPr>
+      </p:sp>
+      <p:sp>
+        <p:nvSpPr>
+          <p:cNvPr id="288" name="PlaceHolder 2"/>
           <p:cNvSpPr>
             <a:spLocks noGrp="1"/>
           </p:cNvSpPr>
@@ -4379,8 +4382,8 @@
         </p:nvSpPr>
         <p:spPr>
           <a:xfrm>
-            <a:off x="685800" y="4400640"/>
-            <a:ext cx="5483520" cy="3597480"/>
+            <a:off x="685800" y="4320000"/>
+            <a:ext cx="5483160" cy="3597120"/>
           </a:xfrm>
           <a:prstGeom prst="rect">
             <a:avLst/>
@@ -4399,14 +4402,14 @@
       </p:sp>
       <p:sp>
         <p:nvSpPr>
-          <p:cNvPr id="283" name="CustomShape 3"/>
+          <p:cNvPr id="289" name="CustomShape 3"/>
           <p:cNvSpPr/>
           <p:nvPr/>
         </p:nvSpPr>
         <p:spPr>
           <a:xfrm>
             <a:off x="3884760" y="8685360"/>
-            <a:ext cx="2968920" cy="455760"/>
+            <a:ext cx="2968560" cy="455400"/>
           </a:xfrm>
           <a:prstGeom prst="rect">
             <a:avLst/>
@@ -4432,7 +4435,7 @@
                 <a:spcPct val="100000"/>
               </a:lnSpc>
             </a:pPr>
-            <a:fld id="{6D9D378C-1F46-4AF4-ADA9-D41635E413E1}" type="slidenum">
+            <a:fld id="{5B96B8DE-89AB-4B30-88FB-CA750EF5B50A}" type="slidenum">
               <a:rPr b="0" lang="pt-BR" sz="1200" spc="-1" strike="noStrike">
                 <a:solidFill>
                   <a:srgbClr val="000000"/>
@@ -4472,7 +4475,7 @@
       </p:grpSpPr>
       <p:sp>
         <p:nvSpPr>
-          <p:cNvPr id="176" name="PlaceHolder 1"/>
+          <p:cNvPr id="182" name="PlaceHolder 1"/>
           <p:cNvSpPr>
             <a:spLocks noGrp="1"/>
           </p:cNvSpPr>
@@ -4483,16 +4486,16 @@
         <p:spPr>
           <a:xfrm>
             <a:off x="685800" y="1143000"/>
-            <a:ext cx="5483520" cy="3083400"/>
-          </a:xfrm>
-          <a:prstGeom prst="rect">
-            <a:avLst/>
-          </a:prstGeom>
-        </p:spPr>
-      </p:sp>
-      <p:sp>
-        <p:nvSpPr>
-          <p:cNvPr id="177" name="PlaceHolder 2"/>
+            <a:ext cx="5483160" cy="3083040"/>
+          </a:xfrm>
+          <a:prstGeom prst="rect">
+            <a:avLst/>
+          </a:prstGeom>
+        </p:spPr>
+      </p:sp>
+      <p:sp>
+        <p:nvSpPr>
+          <p:cNvPr id="183" name="PlaceHolder 2"/>
           <p:cNvSpPr>
             <a:spLocks noGrp="1"/>
           </p:cNvSpPr>
@@ -4503,7 +4506,7 @@
         <p:spPr>
           <a:xfrm>
             <a:off x="685800" y="4400640"/>
-            <a:ext cx="5483520" cy="3597480"/>
+            <a:ext cx="5483160" cy="3597120"/>
           </a:xfrm>
           <a:prstGeom prst="rect">
             <a:avLst/>
@@ -4522,14 +4525,14 @@
       </p:sp>
       <p:sp>
         <p:nvSpPr>
-          <p:cNvPr id="178" name="CustomShape 3"/>
+          <p:cNvPr id="184" name="CustomShape 3"/>
           <p:cNvSpPr/>
           <p:nvPr/>
         </p:nvSpPr>
         <p:spPr>
           <a:xfrm>
             <a:off x="3884760" y="8685360"/>
-            <a:ext cx="2968920" cy="455760"/>
+            <a:ext cx="2968560" cy="455400"/>
           </a:xfrm>
           <a:prstGeom prst="rect">
             <a:avLst/>
@@ -4555,7 +4558,7 @@
                 <a:spcPct val="100000"/>
               </a:lnSpc>
             </a:pPr>
-            <a:fld id="{89DF081C-4614-4C65-81A1-751B8B0FA627}" type="slidenum">
+            <a:fld id="{F2D1CF69-9F20-4B78-9C77-AB7D0C08FA54}" type="slidenum">
               <a:rPr b="0" lang="pt-BR" sz="1200" spc="-1" strike="noStrike">
                 <a:solidFill>
                   <a:srgbClr val="000000"/>
@@ -4563,7 +4566,376 @@
                 <a:latin typeface="Times New Roman"/>
                 <a:ea typeface="+mn-ea"/>
               </a:rPr>
-              <a:t>39</a:t>
+              <a:t>&lt;number&gt;</a:t>
+            </a:fld>
+            <a:endParaRPr b="0" lang="pt-BR" sz="1200" spc="-1" strike="noStrike">
+              <a:latin typeface="Arial"/>
+            </a:endParaRPr>
+          </a:p>
+        </p:txBody>
+      </p:sp>
+    </p:spTree>
+  </p:cSld>
+</p:notes>
+</file>
+
+<file path=ppt/notesSlides/notesSlide40.xml><?xml version="1.0" encoding="utf-8"?>
+<p:notes xmlns:a="http://schemas.openxmlformats.org/drawingml/2006/main" xmlns:p="http://schemas.openxmlformats.org/presentationml/2006/main" xmlns:r="http://schemas.openxmlformats.org/officeDocument/2006/relationships" xmlns:p14="http://schemas.microsoft.com/office/powerpoint/2010/main" xmlns:p15="http://schemas.microsoft.com/office/powerpoint/2012/main" xmlns:mc="http://schemas.openxmlformats.org/markup-compatibility/2006">
+  <p:cSld>
+    <p:spTree>
+      <p:nvGrpSpPr>
+        <p:cNvPr id="1" name=""/>
+        <p:cNvGrpSpPr/>
+        <p:nvPr/>
+      </p:nvGrpSpPr>
+      <p:grpSpPr>
+        <a:xfrm>
+          <a:off x="0" y="0"/>
+          <a:ext cx="0" cy="0"/>
+          <a:chOff x="0" y="0"/>
+          <a:chExt cx="0" cy="0"/>
+        </a:xfrm>
+      </p:grpSpPr>
+      <p:sp>
+        <p:nvSpPr>
+          <p:cNvPr id="290" name="PlaceHolder 1"/>
+          <p:cNvSpPr>
+            <a:spLocks noGrp="1"/>
+          </p:cNvSpPr>
+          <p:nvPr>
+            <p:ph type="sldImg"/>
+          </p:nvPr>
+        </p:nvSpPr>
+        <p:spPr>
+          <a:xfrm>
+            <a:off x="685800" y="1143000"/>
+            <a:ext cx="5483520" cy="3083040"/>
+          </a:xfrm>
+          <a:prstGeom prst="rect">
+            <a:avLst/>
+          </a:prstGeom>
+        </p:spPr>
+      </p:sp>
+      <p:sp>
+        <p:nvSpPr>
+          <p:cNvPr id="291" name="PlaceHolder 2"/>
+          <p:cNvSpPr>
+            <a:spLocks noGrp="1"/>
+          </p:cNvSpPr>
+          <p:nvPr>
+            <p:ph type="body"/>
+          </p:nvPr>
+        </p:nvSpPr>
+        <p:spPr>
+          <a:xfrm>
+            <a:off x="685800" y="4400640"/>
+            <a:ext cx="5483160" cy="3597120"/>
+          </a:xfrm>
+          <a:prstGeom prst="rect">
+            <a:avLst/>
+          </a:prstGeom>
+        </p:spPr>
+        <p:txBody>
+          <a:bodyPr lIns="0" rIns="0" tIns="0" bIns="0">
+            <a:noAutofit/>
+          </a:bodyPr>
+          <a:p>
+            <a:endParaRPr b="0" lang="pt-BR" sz="2000" spc="-1" strike="noStrike">
+              <a:latin typeface="Arial"/>
+            </a:endParaRPr>
+          </a:p>
+        </p:txBody>
+      </p:sp>
+      <p:sp>
+        <p:nvSpPr>
+          <p:cNvPr id="292" name="CustomShape 3"/>
+          <p:cNvSpPr/>
+          <p:nvPr/>
+        </p:nvSpPr>
+        <p:spPr>
+          <a:xfrm>
+            <a:off x="3884760" y="8685360"/>
+            <a:ext cx="2968560" cy="455400"/>
+          </a:xfrm>
+          <a:prstGeom prst="rect">
+            <a:avLst/>
+          </a:prstGeom>
+          <a:noFill/>
+          <a:ln>
+            <a:noFill/>
+          </a:ln>
+        </p:spPr>
+        <p:style>
+          <a:lnRef idx="0"/>
+          <a:fillRef idx="0"/>
+          <a:effectRef idx="0"/>
+          <a:fontRef idx="minor"/>
+        </p:style>
+        <p:txBody>
+          <a:bodyPr lIns="90000" rIns="90000" tIns="45000" bIns="45000" anchor="b">
+            <a:noAutofit/>
+          </a:bodyPr>
+          <a:p>
+            <a:pPr algn="r">
+              <a:lnSpc>
+                <a:spcPct val="100000"/>
+              </a:lnSpc>
+            </a:pPr>
+            <a:fld id="{80531765-2ABD-43CC-9725-A38B2F825417}" type="slidenum">
+              <a:rPr b="0" lang="pt-BR" sz="1200" spc="-1" strike="noStrike">
+                <a:solidFill>
+                  <a:srgbClr val="000000"/>
+                </a:solidFill>
+                <a:latin typeface="Times New Roman"/>
+                <a:ea typeface="+mn-ea"/>
+              </a:rPr>
+              <a:t>&lt;number&gt;</a:t>
+            </a:fld>
+            <a:endParaRPr b="0" lang="pt-BR" sz="1200" spc="-1" strike="noStrike">
+              <a:latin typeface="Arial"/>
+            </a:endParaRPr>
+          </a:p>
+        </p:txBody>
+      </p:sp>
+    </p:spTree>
+  </p:cSld>
+</p:notes>
+</file>
+
+<file path=ppt/notesSlides/notesSlide41.xml><?xml version="1.0" encoding="utf-8"?>
+<p:notes xmlns:a="http://schemas.openxmlformats.org/drawingml/2006/main" xmlns:p="http://schemas.openxmlformats.org/presentationml/2006/main" xmlns:r="http://schemas.openxmlformats.org/officeDocument/2006/relationships" xmlns:p14="http://schemas.microsoft.com/office/powerpoint/2010/main" xmlns:p15="http://schemas.microsoft.com/office/powerpoint/2012/main" xmlns:mc="http://schemas.openxmlformats.org/markup-compatibility/2006">
+  <p:cSld>
+    <p:spTree>
+      <p:nvGrpSpPr>
+        <p:cNvPr id="1" name=""/>
+        <p:cNvGrpSpPr/>
+        <p:nvPr/>
+      </p:nvGrpSpPr>
+      <p:grpSpPr>
+        <a:xfrm>
+          <a:off x="0" y="0"/>
+          <a:ext cx="0" cy="0"/>
+          <a:chOff x="0" y="0"/>
+          <a:chExt cx="0" cy="0"/>
+        </a:xfrm>
+      </p:grpSpPr>
+      <p:sp>
+        <p:nvSpPr>
+          <p:cNvPr id="293" name="PlaceHolder 1"/>
+          <p:cNvSpPr>
+            <a:spLocks noGrp="1"/>
+          </p:cNvSpPr>
+          <p:nvPr>
+            <p:ph type="sldImg"/>
+          </p:nvPr>
+        </p:nvSpPr>
+        <p:spPr>
+          <a:xfrm>
+            <a:off x="685800" y="1143000"/>
+            <a:ext cx="5483520" cy="3083040"/>
+          </a:xfrm>
+          <a:prstGeom prst="rect">
+            <a:avLst/>
+          </a:prstGeom>
+        </p:spPr>
+      </p:sp>
+      <p:sp>
+        <p:nvSpPr>
+          <p:cNvPr id="294" name="PlaceHolder 2"/>
+          <p:cNvSpPr>
+            <a:spLocks noGrp="1"/>
+          </p:cNvSpPr>
+          <p:nvPr>
+            <p:ph type="body"/>
+          </p:nvPr>
+        </p:nvSpPr>
+        <p:spPr>
+          <a:xfrm>
+            <a:off x="685800" y="4400640"/>
+            <a:ext cx="5483160" cy="3597120"/>
+          </a:xfrm>
+          <a:prstGeom prst="rect">
+            <a:avLst/>
+          </a:prstGeom>
+        </p:spPr>
+        <p:txBody>
+          <a:bodyPr lIns="0" rIns="0" tIns="0" bIns="0">
+            <a:noAutofit/>
+          </a:bodyPr>
+          <a:p>
+            <a:endParaRPr b="0" lang="pt-BR" sz="2000" spc="-1" strike="noStrike">
+              <a:latin typeface="Arial"/>
+            </a:endParaRPr>
+          </a:p>
+        </p:txBody>
+      </p:sp>
+      <p:sp>
+        <p:nvSpPr>
+          <p:cNvPr id="295" name="CustomShape 3"/>
+          <p:cNvSpPr/>
+          <p:nvPr/>
+        </p:nvSpPr>
+        <p:spPr>
+          <a:xfrm>
+            <a:off x="3884760" y="8685360"/>
+            <a:ext cx="2968560" cy="455400"/>
+          </a:xfrm>
+          <a:prstGeom prst="rect">
+            <a:avLst/>
+          </a:prstGeom>
+          <a:noFill/>
+          <a:ln>
+            <a:noFill/>
+          </a:ln>
+        </p:spPr>
+        <p:style>
+          <a:lnRef idx="0"/>
+          <a:fillRef idx="0"/>
+          <a:effectRef idx="0"/>
+          <a:fontRef idx="minor"/>
+        </p:style>
+        <p:txBody>
+          <a:bodyPr lIns="90000" rIns="90000" tIns="45000" bIns="45000" anchor="b">
+            <a:noAutofit/>
+          </a:bodyPr>
+          <a:p>
+            <a:pPr algn="r">
+              <a:lnSpc>
+                <a:spcPct val="100000"/>
+              </a:lnSpc>
+            </a:pPr>
+            <a:fld id="{D9E61686-7C6B-4E07-84B5-F0CE693996A1}" type="slidenum">
+              <a:rPr b="0" lang="pt-BR" sz="1200" spc="-1" strike="noStrike">
+                <a:solidFill>
+                  <a:srgbClr val="000000"/>
+                </a:solidFill>
+                <a:latin typeface="Times New Roman"/>
+                <a:ea typeface="+mn-ea"/>
+              </a:rPr>
+              <a:t>&lt;number&gt;</a:t>
+            </a:fld>
+            <a:endParaRPr b="0" lang="pt-BR" sz="1200" spc="-1" strike="noStrike">
+              <a:latin typeface="Arial"/>
+            </a:endParaRPr>
+          </a:p>
+        </p:txBody>
+      </p:sp>
+    </p:spTree>
+  </p:cSld>
+</p:notes>
+</file>
+
+<file path=ppt/notesSlides/notesSlide42.xml><?xml version="1.0" encoding="utf-8"?>
+<p:notes xmlns:a="http://schemas.openxmlformats.org/drawingml/2006/main" xmlns:p="http://schemas.openxmlformats.org/presentationml/2006/main" xmlns:r="http://schemas.openxmlformats.org/officeDocument/2006/relationships" xmlns:p14="http://schemas.microsoft.com/office/powerpoint/2010/main" xmlns:p15="http://schemas.microsoft.com/office/powerpoint/2012/main" xmlns:mc="http://schemas.openxmlformats.org/markup-compatibility/2006">
+  <p:cSld>
+    <p:spTree>
+      <p:nvGrpSpPr>
+        <p:cNvPr id="1" name=""/>
+        <p:cNvGrpSpPr/>
+        <p:nvPr/>
+      </p:nvGrpSpPr>
+      <p:grpSpPr>
+        <a:xfrm>
+          <a:off x="0" y="0"/>
+          <a:ext cx="0" cy="0"/>
+          <a:chOff x="0" y="0"/>
+          <a:chExt cx="0" cy="0"/>
+        </a:xfrm>
+      </p:grpSpPr>
+      <p:sp>
+        <p:nvSpPr>
+          <p:cNvPr id="296" name="PlaceHolder 1"/>
+          <p:cNvSpPr>
+            <a:spLocks noGrp="1"/>
+          </p:cNvSpPr>
+          <p:nvPr>
+            <p:ph type="sldImg"/>
+          </p:nvPr>
+        </p:nvSpPr>
+        <p:spPr>
+          <a:xfrm>
+            <a:off x="685800" y="1143000"/>
+            <a:ext cx="5483520" cy="3083040"/>
+          </a:xfrm>
+          <a:prstGeom prst="rect">
+            <a:avLst/>
+          </a:prstGeom>
+        </p:spPr>
+      </p:sp>
+      <p:sp>
+        <p:nvSpPr>
+          <p:cNvPr id="297" name="PlaceHolder 2"/>
+          <p:cNvSpPr>
+            <a:spLocks noGrp="1"/>
+          </p:cNvSpPr>
+          <p:nvPr>
+            <p:ph type="body"/>
+          </p:nvPr>
+        </p:nvSpPr>
+        <p:spPr>
+          <a:xfrm>
+            <a:off x="685800" y="4400640"/>
+            <a:ext cx="5483160" cy="3597120"/>
+          </a:xfrm>
+          <a:prstGeom prst="rect">
+            <a:avLst/>
+          </a:prstGeom>
+        </p:spPr>
+        <p:txBody>
+          <a:bodyPr lIns="0" rIns="0" tIns="0" bIns="0">
+            <a:noAutofit/>
+          </a:bodyPr>
+          <a:p>
+            <a:endParaRPr b="0" lang="pt-BR" sz="2000" spc="-1" strike="noStrike">
+              <a:latin typeface="Arial"/>
+            </a:endParaRPr>
+          </a:p>
+        </p:txBody>
+      </p:sp>
+      <p:sp>
+        <p:nvSpPr>
+          <p:cNvPr id="298" name="CustomShape 3"/>
+          <p:cNvSpPr/>
+          <p:nvPr/>
+        </p:nvSpPr>
+        <p:spPr>
+          <a:xfrm>
+            <a:off x="3884760" y="8685360"/>
+            <a:ext cx="2968560" cy="455400"/>
+          </a:xfrm>
+          <a:prstGeom prst="rect">
+            <a:avLst/>
+          </a:prstGeom>
+          <a:noFill/>
+          <a:ln>
+            <a:noFill/>
+          </a:ln>
+        </p:spPr>
+        <p:style>
+          <a:lnRef idx="0"/>
+          <a:fillRef idx="0"/>
+          <a:effectRef idx="0"/>
+          <a:fontRef idx="minor"/>
+        </p:style>
+        <p:txBody>
+          <a:bodyPr lIns="90000" rIns="90000" tIns="45000" bIns="45000" anchor="b">
+            <a:noAutofit/>
+          </a:bodyPr>
+          <a:p>
+            <a:pPr algn="r">
+              <a:lnSpc>
+                <a:spcPct val="100000"/>
+              </a:lnSpc>
+            </a:pPr>
+            <a:fld id="{125007C3-7108-4336-95D2-ED24359688F2}" type="slidenum">
+              <a:rPr b="0" lang="pt-BR" sz="1200" spc="-1" strike="noStrike">
+                <a:solidFill>
+                  <a:srgbClr val="000000"/>
+                </a:solidFill>
+                <a:latin typeface="Times New Roman"/>
+                <a:ea typeface="+mn-ea"/>
+              </a:rPr>
+              <a:t>&lt;number&gt;</a:t>
             </a:fld>
             <a:endParaRPr b="0" lang="pt-BR" sz="1200" spc="-1" strike="noStrike">
               <a:latin typeface="Arial"/>
@@ -4595,7 +4967,7 @@
       </p:grpSpPr>
       <p:sp>
         <p:nvSpPr>
-          <p:cNvPr id="179" name="PlaceHolder 1"/>
+          <p:cNvPr id="185" name="PlaceHolder 1"/>
           <p:cNvSpPr>
             <a:spLocks noGrp="1"/>
           </p:cNvSpPr>
@@ -4606,16 +4978,16 @@
         <p:spPr>
           <a:xfrm>
             <a:off x="685800" y="1143000"/>
-            <a:ext cx="5483880" cy="3083400"/>
-          </a:xfrm>
-          <a:prstGeom prst="rect">
-            <a:avLst/>
-          </a:prstGeom>
-        </p:spPr>
-      </p:sp>
-      <p:sp>
-        <p:nvSpPr>
-          <p:cNvPr id="180" name="PlaceHolder 2"/>
+            <a:ext cx="5483520" cy="3083040"/>
+          </a:xfrm>
+          <a:prstGeom prst="rect">
+            <a:avLst/>
+          </a:prstGeom>
+        </p:spPr>
+      </p:sp>
+      <p:sp>
+        <p:nvSpPr>
+          <p:cNvPr id="186" name="PlaceHolder 2"/>
           <p:cNvSpPr>
             <a:spLocks noGrp="1"/>
           </p:cNvSpPr>
@@ -4626,7 +4998,7 @@
         <p:spPr>
           <a:xfrm>
             <a:off x="685800" y="4400640"/>
-            <a:ext cx="5483520" cy="3597480"/>
+            <a:ext cx="5483160" cy="3597120"/>
           </a:xfrm>
           <a:prstGeom prst="rect">
             <a:avLst/>
@@ -4645,14 +5017,14 @@
       </p:sp>
       <p:sp>
         <p:nvSpPr>
-          <p:cNvPr id="181" name="CustomShape 3"/>
+          <p:cNvPr id="187" name="CustomShape 3"/>
           <p:cNvSpPr/>
           <p:nvPr/>
         </p:nvSpPr>
         <p:spPr>
           <a:xfrm>
             <a:off x="3884760" y="8685360"/>
-            <a:ext cx="2968920" cy="455760"/>
+            <a:ext cx="2968560" cy="455400"/>
           </a:xfrm>
           <a:prstGeom prst="rect">
             <a:avLst/>
@@ -4678,7 +5050,7 @@
                 <a:spcPct val="100000"/>
               </a:lnSpc>
             </a:pPr>
-            <a:fld id="{AB920F54-2F5B-4CB2-BB30-444E98683B14}" type="slidenum">
+            <a:fld id="{F6E5BF96-6FCA-477C-A72F-A277886563DA}" type="slidenum">
               <a:rPr b="0" lang="pt-BR" sz="1200" spc="-1" strike="noStrike">
                 <a:solidFill>
                   <a:srgbClr val="000000"/>
@@ -4686,7 +5058,7 @@
                 <a:latin typeface="Times New Roman"/>
                 <a:ea typeface="+mn-ea"/>
               </a:rPr>
-              <a:t>39</a:t>
+              <a:t>&lt;number&gt;</a:t>
             </a:fld>
             <a:endParaRPr b="0" lang="pt-BR" sz="1200" spc="-1" strike="noStrike">
               <a:latin typeface="Arial"/>
@@ -4718,7 +5090,7 @@
       </p:grpSpPr>
       <p:sp>
         <p:nvSpPr>
-          <p:cNvPr id="182" name="PlaceHolder 1"/>
+          <p:cNvPr id="188" name="PlaceHolder 1"/>
           <p:cNvSpPr>
             <a:spLocks noGrp="1"/>
           </p:cNvSpPr>
@@ -4729,16 +5101,16 @@
         <p:spPr>
           <a:xfrm>
             <a:off x="685800" y="1143000"/>
-            <a:ext cx="5483520" cy="3083400"/>
-          </a:xfrm>
-          <a:prstGeom prst="rect">
-            <a:avLst/>
-          </a:prstGeom>
-        </p:spPr>
-      </p:sp>
-      <p:sp>
-        <p:nvSpPr>
-          <p:cNvPr id="183" name="PlaceHolder 2"/>
+            <a:ext cx="5483160" cy="3083040"/>
+          </a:xfrm>
+          <a:prstGeom prst="rect">
+            <a:avLst/>
+          </a:prstGeom>
+        </p:spPr>
+      </p:sp>
+      <p:sp>
+        <p:nvSpPr>
+          <p:cNvPr id="189" name="PlaceHolder 2"/>
           <p:cNvSpPr>
             <a:spLocks noGrp="1"/>
           </p:cNvSpPr>
@@ -4749,7 +5121,7 @@
         <p:spPr>
           <a:xfrm>
             <a:off x="685800" y="4400640"/>
-            <a:ext cx="5483520" cy="3597480"/>
+            <a:ext cx="5483160" cy="3597120"/>
           </a:xfrm>
           <a:prstGeom prst="rect">
             <a:avLst/>
@@ -4768,14 +5140,14 @@
       </p:sp>
       <p:sp>
         <p:nvSpPr>
-          <p:cNvPr id="184" name="CustomShape 3"/>
+          <p:cNvPr id="190" name="CustomShape 3"/>
           <p:cNvSpPr/>
           <p:nvPr/>
         </p:nvSpPr>
         <p:spPr>
           <a:xfrm>
             <a:off x="3884760" y="8685360"/>
-            <a:ext cx="2968920" cy="455760"/>
+            <a:ext cx="2968560" cy="455400"/>
           </a:xfrm>
           <a:prstGeom prst="rect">
             <a:avLst/>
@@ -4801,7 +5173,7 @@
                 <a:spcPct val="100000"/>
               </a:lnSpc>
             </a:pPr>
-            <a:fld id="{95943059-00FC-47C4-8C46-0091FCF2EBA8}" type="slidenum">
+            <a:fld id="{40549D62-E4D5-44B1-A9DD-07C1E84229A4}" type="slidenum">
               <a:rPr b="0" lang="pt-BR" sz="1200" spc="-1" strike="noStrike">
                 <a:solidFill>
                   <a:srgbClr val="000000"/>
@@ -4809,7 +5181,7 @@
                 <a:latin typeface="Times New Roman"/>
                 <a:ea typeface="+mn-ea"/>
               </a:rPr>
-              <a:t>39</a:t>
+              <a:t>&lt;number&gt;</a:t>
             </a:fld>
             <a:endParaRPr b="0" lang="pt-BR" sz="1200" spc="-1" strike="noStrike">
               <a:latin typeface="Arial"/>
@@ -4841,7 +5213,7 @@
       </p:grpSpPr>
       <p:sp>
         <p:nvSpPr>
-          <p:cNvPr id="185" name="PlaceHolder 1"/>
+          <p:cNvPr id="191" name="PlaceHolder 1"/>
           <p:cNvSpPr>
             <a:spLocks noGrp="1"/>
           </p:cNvSpPr>
@@ -4852,16 +5224,16 @@
         <p:spPr>
           <a:xfrm>
             <a:off x="685800" y="1143000"/>
-            <a:ext cx="5483880" cy="3083400"/>
-          </a:xfrm>
-          <a:prstGeom prst="rect">
-            <a:avLst/>
-          </a:prstGeom>
-        </p:spPr>
-      </p:sp>
-      <p:sp>
-        <p:nvSpPr>
-          <p:cNvPr id="186" name="PlaceHolder 2"/>
+            <a:ext cx="5483520" cy="3083040"/>
+          </a:xfrm>
+          <a:prstGeom prst="rect">
+            <a:avLst/>
+          </a:prstGeom>
+        </p:spPr>
+      </p:sp>
+      <p:sp>
+        <p:nvSpPr>
+          <p:cNvPr id="192" name="PlaceHolder 2"/>
           <p:cNvSpPr>
             <a:spLocks noGrp="1"/>
           </p:cNvSpPr>
@@ -4872,7 +5244,7 @@
         <p:spPr>
           <a:xfrm>
             <a:off x="685800" y="4400640"/>
-            <a:ext cx="5483520" cy="3597480"/>
+            <a:ext cx="5483160" cy="3597120"/>
           </a:xfrm>
           <a:prstGeom prst="rect">
             <a:avLst/>
@@ -4883,7 +5255,7 @@
             <a:noAutofit/>
           </a:bodyPr>
           <a:p>
-            <a:pPr marL="216000" indent="-215280">
+            <a:pPr marL="216000" indent="-214920">
               <a:lnSpc>
                 <a:spcPct val="100000"/>
               </a:lnSpc>
@@ -4902,7 +5274,7 @@
             </a:endParaRPr>
           </a:p>
           <a:p>
-            <a:pPr marL="216000" indent="-215280">
+            <a:pPr marL="216000" indent="-214920">
               <a:lnSpc>
                 <a:spcPct val="100000"/>
               </a:lnSpc>
@@ -4921,7 +5293,7 @@
             </a:endParaRPr>
           </a:p>
           <a:p>
-            <a:pPr marL="216000" indent="-215280">
+            <a:pPr marL="216000" indent="-214920">
               <a:lnSpc>
                 <a:spcPct val="100000"/>
               </a:lnSpc>
@@ -4934,7 +5306,7 @@
             </a:endParaRPr>
           </a:p>
           <a:p>
-            <a:pPr marL="216000" indent="-215280">
+            <a:pPr marL="216000" indent="-214920">
               <a:lnSpc>
                 <a:spcPct val="100000"/>
               </a:lnSpc>
@@ -4954,7 +5326,7 @@
             </a:endParaRPr>
           </a:p>
           <a:p>
-            <a:pPr marL="216000" indent="-215280">
+            <a:pPr marL="216000" indent="-214920">
               <a:lnSpc>
                 <a:spcPct val="100000"/>
               </a:lnSpc>
@@ -4977,14 +5349,14 @@
       </p:sp>
       <p:sp>
         <p:nvSpPr>
-          <p:cNvPr id="187" name="CustomShape 3"/>
+          <p:cNvPr id="193" name="CustomShape 3"/>
           <p:cNvSpPr/>
           <p:nvPr/>
         </p:nvSpPr>
         <p:spPr>
           <a:xfrm>
             <a:off x="3884760" y="8685360"/>
-            <a:ext cx="2968920" cy="455760"/>
+            <a:ext cx="2968560" cy="455400"/>
           </a:xfrm>
           <a:prstGeom prst="rect">
             <a:avLst/>
@@ -5010,7 +5382,7 @@
                 <a:spcPct val="100000"/>
               </a:lnSpc>
             </a:pPr>
-            <a:fld id="{E07838EC-6EF5-404C-805A-E5EC08497E7F}" type="slidenum">
+            <a:fld id="{C5176C4A-B360-4419-9AB9-47EE30B43234}" type="slidenum">
               <a:rPr b="0" lang="pt-BR" sz="1200" spc="-1" strike="noStrike">
                 <a:solidFill>
                   <a:srgbClr val="000000"/>
@@ -5018,7 +5390,7 @@
                 <a:latin typeface="Times New Roman"/>
                 <a:ea typeface="+mn-ea"/>
               </a:rPr>
-              <a:t>39</a:t>
+              <a:t>&lt;number&gt;</a:t>
             </a:fld>
             <a:endParaRPr b="0" lang="pt-BR" sz="1200" spc="-1" strike="noStrike">
               <a:latin typeface="Arial"/>
@@ -5050,7 +5422,7 @@
       </p:grpSpPr>
       <p:sp>
         <p:nvSpPr>
-          <p:cNvPr id="188" name="PlaceHolder 1"/>
+          <p:cNvPr id="194" name="PlaceHolder 1"/>
           <p:cNvSpPr>
             <a:spLocks noGrp="1"/>
           </p:cNvSpPr>
@@ -5061,16 +5433,16 @@
         <p:spPr>
           <a:xfrm>
             <a:off x="685800" y="1143000"/>
-            <a:ext cx="5483880" cy="3083400"/>
-          </a:xfrm>
-          <a:prstGeom prst="rect">
-            <a:avLst/>
-          </a:prstGeom>
-        </p:spPr>
-      </p:sp>
-      <p:sp>
-        <p:nvSpPr>
-          <p:cNvPr id="189" name="PlaceHolder 2"/>
+            <a:ext cx="5483520" cy="3083040"/>
+          </a:xfrm>
+          <a:prstGeom prst="rect">
+            <a:avLst/>
+          </a:prstGeom>
+        </p:spPr>
+      </p:sp>
+      <p:sp>
+        <p:nvSpPr>
+          <p:cNvPr id="195" name="PlaceHolder 2"/>
           <p:cNvSpPr>
             <a:spLocks noGrp="1"/>
           </p:cNvSpPr>
@@ -5081,7 +5453,7 @@
         <p:spPr>
           <a:xfrm>
             <a:off x="685800" y="4400640"/>
-            <a:ext cx="5483520" cy="3597480"/>
+            <a:ext cx="5483160" cy="3597120"/>
           </a:xfrm>
           <a:prstGeom prst="rect">
             <a:avLst/>
@@ -5100,14 +5472,14 @@
       </p:sp>
       <p:sp>
         <p:nvSpPr>
-          <p:cNvPr id="190" name="CustomShape 3"/>
+          <p:cNvPr id="196" name="CustomShape 3"/>
           <p:cNvSpPr/>
           <p:nvPr/>
         </p:nvSpPr>
         <p:spPr>
           <a:xfrm>
             <a:off x="3884760" y="8685360"/>
-            <a:ext cx="2968920" cy="455760"/>
+            <a:ext cx="2968560" cy="455400"/>
           </a:xfrm>
           <a:prstGeom prst="rect">
             <a:avLst/>
@@ -5133,7 +5505,7 @@
                 <a:spcPct val="100000"/>
               </a:lnSpc>
             </a:pPr>
-            <a:fld id="{FF4B1794-FD44-451D-B1EA-2666E40A865A}" type="slidenum">
+            <a:fld id="{4844386F-C9EE-44D3-A3B5-055993ABFAD4}" type="slidenum">
               <a:rPr b="0" lang="pt-BR" sz="1200" spc="-1" strike="noStrike">
                 <a:solidFill>
                   <a:srgbClr val="000000"/>
@@ -5141,7 +5513,7 @@
                 <a:latin typeface="Times New Roman"/>
                 <a:ea typeface="+mn-ea"/>
               </a:rPr>
-              <a:t>39</a:t>
+              <a:t>&lt;number&gt;</a:t>
             </a:fld>
             <a:endParaRPr b="0" lang="pt-BR" sz="1200" spc="-1" strike="noStrike">
               <a:latin typeface="Arial"/>
@@ -5173,7 +5545,7 @@
       </p:grpSpPr>
       <p:sp>
         <p:nvSpPr>
-          <p:cNvPr id="191" name="PlaceHolder 1"/>
+          <p:cNvPr id="197" name="PlaceHolder 1"/>
           <p:cNvSpPr>
             <a:spLocks noGrp="1"/>
           </p:cNvSpPr>
@@ -5184,16 +5556,16 @@
         <p:spPr>
           <a:xfrm>
             <a:off x="685800" y="1143000"/>
-            <a:ext cx="5483880" cy="3083400"/>
-          </a:xfrm>
-          <a:prstGeom prst="rect">
-            <a:avLst/>
-          </a:prstGeom>
-        </p:spPr>
-      </p:sp>
-      <p:sp>
-        <p:nvSpPr>
-          <p:cNvPr id="192" name="PlaceHolder 2"/>
+            <a:ext cx="5483520" cy="3083040"/>
+          </a:xfrm>
+          <a:prstGeom prst="rect">
+            <a:avLst/>
+          </a:prstGeom>
+        </p:spPr>
+      </p:sp>
+      <p:sp>
+        <p:nvSpPr>
+          <p:cNvPr id="198" name="PlaceHolder 2"/>
           <p:cNvSpPr>
             <a:spLocks noGrp="1"/>
           </p:cNvSpPr>
@@ -5204,7 +5576,7 @@
         <p:spPr>
           <a:xfrm>
             <a:off x="685800" y="4400640"/>
-            <a:ext cx="5483520" cy="3597480"/>
+            <a:ext cx="5483160" cy="3597120"/>
           </a:xfrm>
           <a:prstGeom prst="rect">
             <a:avLst/>
@@ -5223,14 +5595,14 @@
       </p:sp>
       <p:sp>
         <p:nvSpPr>
-          <p:cNvPr id="193" name="CustomShape 3"/>
+          <p:cNvPr id="199" name="CustomShape 3"/>
           <p:cNvSpPr/>
           <p:nvPr/>
         </p:nvSpPr>
         <p:spPr>
           <a:xfrm>
             <a:off x="3884760" y="8685360"/>
-            <a:ext cx="2968920" cy="455760"/>
+            <a:ext cx="2968560" cy="455400"/>
           </a:xfrm>
           <a:prstGeom prst="rect">
             <a:avLst/>
@@ -5256,7 +5628,7 @@
                 <a:spcPct val="100000"/>
               </a:lnSpc>
             </a:pPr>
-            <a:fld id="{F1DA09B4-97D9-42EE-847F-5082FD0D846A}" type="slidenum">
+            <a:fld id="{0972B19E-0E04-46A6-8A15-B0A008FBE39F}" type="slidenum">
               <a:rPr b="0" lang="pt-BR" sz="1200" spc="-1" strike="noStrike">
                 <a:solidFill>
                   <a:srgbClr val="000000"/>
@@ -5264,7 +5636,7 @@
                 <a:latin typeface="Times New Roman"/>
                 <a:ea typeface="+mn-ea"/>
               </a:rPr>
-              <a:t>39</a:t>
+              <a:t>&lt;number&gt;</a:t>
             </a:fld>
             <a:endParaRPr b="0" lang="pt-BR" sz="1200" spc="-1" strike="noStrike">
               <a:latin typeface="Arial"/>
@@ -8541,7 +8913,7 @@
         <p:spPr>
           <a:xfrm>
             <a:off x="588600" y="2898000"/>
-            <a:ext cx="11377800" cy="1509120"/>
+            <a:ext cx="11377440" cy="1508760"/>
           </a:xfrm>
           <a:prstGeom prst="rect">
             <a:avLst/>
@@ -8592,7 +8964,7 @@
         <p:spPr>
           <a:xfrm>
             <a:off x="1706760" y="4443480"/>
-            <a:ext cx="9141120" cy="727920"/>
+            <a:ext cx="9140760" cy="727560"/>
           </a:xfrm>
           <a:prstGeom prst="rect">
             <a:avLst/>
@@ -8705,7 +9077,7 @@
         <p:spPr>
           <a:xfrm>
             <a:off x="0" y="224280"/>
-            <a:ext cx="12020400" cy="855720"/>
+            <a:ext cx="12020040" cy="855360"/>
           </a:xfrm>
           <a:prstGeom prst="rect">
             <a:avLst/>
@@ -8756,7 +9128,7 @@
         <p:spPr>
           <a:xfrm>
             <a:off x="317520" y="1290960"/>
-            <a:ext cx="11702520" cy="4348440"/>
+            <a:ext cx="11702160" cy="4348080"/>
           </a:xfrm>
           <a:prstGeom prst="rect">
             <a:avLst/>
@@ -8905,7 +9277,7 @@
         <p:spPr>
           <a:xfrm>
             <a:off x="0" y="224280"/>
-            <a:ext cx="12020400" cy="855720"/>
+            <a:ext cx="12020040" cy="855360"/>
           </a:xfrm>
           <a:prstGeom prst="rect">
             <a:avLst/>
@@ -8956,7 +9328,7 @@
         <p:spPr>
           <a:xfrm>
             <a:off x="317520" y="1290960"/>
-            <a:ext cx="11702520" cy="4348440"/>
+            <a:ext cx="11702160" cy="4348080"/>
           </a:xfrm>
           <a:prstGeom prst="rect">
             <a:avLst/>
@@ -9075,7 +9447,7 @@
         <p:spPr>
           <a:xfrm>
             <a:off x="0" y="224280"/>
-            <a:ext cx="12020400" cy="855720"/>
+            <a:ext cx="12020040" cy="855360"/>
           </a:xfrm>
           <a:prstGeom prst="rect">
             <a:avLst/>
@@ -9126,7 +9498,7 @@
         <p:spPr>
           <a:xfrm>
             <a:off x="317520" y="1290960"/>
-            <a:ext cx="11702520" cy="4348440"/>
+            <a:ext cx="11702160" cy="4348080"/>
           </a:xfrm>
           <a:prstGeom prst="rect">
             <a:avLst/>
@@ -9381,7 +9753,7 @@
         <p:spPr>
           <a:xfrm>
             <a:off x="0" y="224280"/>
-            <a:ext cx="12020400" cy="855720"/>
+            <a:ext cx="12020040" cy="855360"/>
           </a:xfrm>
           <a:prstGeom prst="rect">
             <a:avLst/>
@@ -9432,7 +9804,7 @@
         <p:spPr>
           <a:xfrm>
             <a:off x="317520" y="1290960"/>
-            <a:ext cx="11702520" cy="4348440"/>
+            <a:ext cx="11702160" cy="4348080"/>
           </a:xfrm>
           <a:prstGeom prst="rect">
             <a:avLst/>
@@ -9496,7 +9868,7 @@
         <p:spPr>
           <a:xfrm>
             <a:off x="3005280" y="2638440"/>
-            <a:ext cx="6180480" cy="1580040"/>
+            <a:ext cx="6180120" cy="1579680"/>
           </a:xfrm>
           <a:prstGeom prst="rect">
             <a:avLst/>
@@ -9545,7 +9917,7 @@
         <p:spPr>
           <a:xfrm>
             <a:off x="0" y="224280"/>
-            <a:ext cx="12020400" cy="855720"/>
+            <a:ext cx="12020040" cy="855360"/>
           </a:xfrm>
           <a:prstGeom prst="rect">
             <a:avLst/>
@@ -9596,7 +9968,7 @@
         <p:spPr>
           <a:xfrm>
             <a:off x="317520" y="1290960"/>
-            <a:ext cx="11702520" cy="4348440"/>
+            <a:ext cx="11702160" cy="4348080"/>
           </a:xfrm>
           <a:prstGeom prst="rect">
             <a:avLst/>
@@ -9737,7 +10109,7 @@
         <p:spPr>
           <a:xfrm>
             <a:off x="0" y="224280"/>
-            <a:ext cx="12020400" cy="855720"/>
+            <a:ext cx="12020040" cy="855360"/>
           </a:xfrm>
           <a:prstGeom prst="rect">
             <a:avLst/>
@@ -9788,7 +10160,7 @@
         <p:spPr>
           <a:xfrm>
             <a:off x="317520" y="1290960"/>
-            <a:ext cx="11702520" cy="4348440"/>
+            <a:ext cx="11702160" cy="4348080"/>
           </a:xfrm>
           <a:prstGeom prst="rect">
             <a:avLst/>
@@ -10172,7 +10544,7 @@
         <p:spPr>
           <a:xfrm>
             <a:off x="0" y="224280"/>
-            <a:ext cx="12020400" cy="855720"/>
+            <a:ext cx="12020040" cy="855360"/>
           </a:xfrm>
           <a:prstGeom prst="rect">
             <a:avLst/>
@@ -10223,7 +10595,7 @@
         <p:spPr>
           <a:xfrm>
             <a:off x="317520" y="1290960"/>
-            <a:ext cx="11702520" cy="4348440"/>
+            <a:ext cx="11702160" cy="4348080"/>
           </a:xfrm>
           <a:prstGeom prst="rect">
             <a:avLst/>
@@ -10491,7 +10863,7 @@
         <p:spPr>
           <a:xfrm>
             <a:off x="0" y="224280"/>
-            <a:ext cx="12020400" cy="855720"/>
+            <a:ext cx="12020040" cy="855360"/>
           </a:xfrm>
           <a:prstGeom prst="rect">
             <a:avLst/>
@@ -10542,7 +10914,7 @@
         <p:spPr>
           <a:xfrm>
             <a:off x="317520" y="1290960"/>
-            <a:ext cx="11702520" cy="4348440"/>
+            <a:ext cx="11702160" cy="4348080"/>
           </a:xfrm>
           <a:prstGeom prst="rect">
             <a:avLst/>
@@ -10847,7 +11219,7 @@
         <p:spPr>
           <a:xfrm>
             <a:off x="0" y="224280"/>
-            <a:ext cx="12020400" cy="855720"/>
+            <a:ext cx="12020040" cy="855360"/>
           </a:xfrm>
           <a:prstGeom prst="rect">
             <a:avLst/>
@@ -10898,7 +11270,7 @@
         <p:spPr>
           <a:xfrm>
             <a:off x="317520" y="1290960"/>
-            <a:ext cx="11702520" cy="4348440"/>
+            <a:ext cx="11702160" cy="4348080"/>
           </a:xfrm>
           <a:prstGeom prst="rect">
             <a:avLst/>
@@ -11203,7 +11575,7 @@
         <p:spPr>
           <a:xfrm>
             <a:off x="0" y="224280"/>
-            <a:ext cx="12020400" cy="855720"/>
+            <a:ext cx="12020040" cy="855360"/>
           </a:xfrm>
           <a:prstGeom prst="rect">
             <a:avLst/>
@@ -11254,7 +11626,7 @@
         <p:spPr>
           <a:xfrm>
             <a:off x="317520" y="1290960"/>
-            <a:ext cx="11702520" cy="4348440"/>
+            <a:ext cx="11702160" cy="4348080"/>
           </a:xfrm>
           <a:prstGeom prst="rect">
             <a:avLst/>
@@ -11559,7 +11931,7 @@
         <p:spPr>
           <a:xfrm>
             <a:off x="0" y="224280"/>
-            <a:ext cx="12020400" cy="855720"/>
+            <a:ext cx="12020040" cy="855360"/>
           </a:xfrm>
           <a:prstGeom prst="rect">
             <a:avLst/>
@@ -11610,7 +11982,7 @@
         <p:spPr>
           <a:xfrm>
             <a:off x="317520" y="1290960"/>
-            <a:ext cx="11702520" cy="4348440"/>
+            <a:ext cx="11702160" cy="4348080"/>
           </a:xfrm>
           <a:prstGeom prst="rect">
             <a:avLst/>
@@ -11771,7 +12143,7 @@
         <p:spPr>
           <a:xfrm>
             <a:off x="0" y="224280"/>
-            <a:ext cx="12020400" cy="855720"/>
+            <a:ext cx="12020040" cy="855360"/>
           </a:xfrm>
           <a:prstGeom prst="rect">
             <a:avLst/>
@@ -11822,7 +12194,7 @@
         <p:spPr>
           <a:xfrm>
             <a:off x="317520" y="1290960"/>
-            <a:ext cx="11702520" cy="4348440"/>
+            <a:ext cx="11702160" cy="4348080"/>
           </a:xfrm>
           <a:prstGeom prst="rect">
             <a:avLst/>
@@ -12117,7 +12489,7 @@
         <p:spPr>
           <a:xfrm>
             <a:off x="0" y="224280"/>
-            <a:ext cx="12020400" cy="855720"/>
+            <a:ext cx="12020040" cy="855360"/>
           </a:xfrm>
           <a:prstGeom prst="rect">
             <a:avLst/>
@@ -12168,7 +12540,7 @@
         <p:spPr>
           <a:xfrm>
             <a:off x="317520" y="1290960"/>
-            <a:ext cx="11702520" cy="4348440"/>
+            <a:ext cx="11702160" cy="4348080"/>
           </a:xfrm>
           <a:prstGeom prst="rect">
             <a:avLst/>
@@ -12261,7 +12633,7 @@
         <p:spPr>
           <a:xfrm>
             <a:off x="4790520" y="2988360"/>
-            <a:ext cx="2610000" cy="2770920"/>
+            <a:ext cx="2609640" cy="2770560"/>
           </a:xfrm>
           <a:prstGeom prst="rect">
             <a:avLst/>
@@ -12284,7 +12656,7 @@
         <p:spPr>
           <a:xfrm>
             <a:off x="10262160" y="4982400"/>
-            <a:ext cx="1617120" cy="657000"/>
+            <a:ext cx="1616760" cy="656640"/>
           </a:xfrm>
           <a:prstGeom prst="rect">
             <a:avLst/>
@@ -12333,7 +12705,7 @@
         <p:spPr>
           <a:xfrm>
             <a:off x="0" y="224280"/>
-            <a:ext cx="12020400" cy="855720"/>
+            <a:ext cx="12020040" cy="855360"/>
           </a:xfrm>
           <a:prstGeom prst="rect">
             <a:avLst/>
@@ -12384,7 +12756,7 @@
         <p:spPr>
           <a:xfrm>
             <a:off x="317520" y="1290960"/>
-            <a:ext cx="11702520" cy="4348440"/>
+            <a:ext cx="11702160" cy="4348080"/>
           </a:xfrm>
           <a:prstGeom prst="rect">
             <a:avLst/>
@@ -12477,7 +12849,7 @@
         <p:spPr>
           <a:xfrm>
             <a:off x="4975200" y="3240720"/>
-            <a:ext cx="2241000" cy="2014560"/>
+            <a:ext cx="2240640" cy="2014200"/>
           </a:xfrm>
           <a:prstGeom prst="rect">
             <a:avLst/>
@@ -12500,7 +12872,7 @@
         <p:spPr>
           <a:xfrm>
             <a:off x="10262160" y="4982760"/>
-            <a:ext cx="1617120" cy="657000"/>
+            <a:ext cx="1616760" cy="656640"/>
           </a:xfrm>
           <a:prstGeom prst="rect">
             <a:avLst/>
@@ -12549,7 +12921,7 @@
         <p:spPr>
           <a:xfrm>
             <a:off x="0" y="224280"/>
-            <a:ext cx="12020400" cy="855720"/>
+            <a:ext cx="12020040" cy="855360"/>
           </a:xfrm>
           <a:prstGeom prst="rect">
             <a:avLst/>
@@ -12600,7 +12972,7 @@
         <p:spPr>
           <a:xfrm>
             <a:off x="317520" y="1290960"/>
-            <a:ext cx="11702520" cy="4348440"/>
+            <a:ext cx="11702160" cy="4348080"/>
           </a:xfrm>
           <a:prstGeom prst="rect">
             <a:avLst/>
@@ -12650,7 +13022,7 @@
             </a:endParaRPr>
           </a:p>
           <a:p>
-            <a:pPr marL="216000" indent="-215280">
+            <a:pPr marL="216000" indent="-214920">
               <a:lnSpc>
                 <a:spcPct val="100000"/>
               </a:lnSpc>
@@ -12694,7 +13066,7 @@
             </a:endParaRPr>
           </a:p>
           <a:p>
-            <a:pPr marL="216000" indent="-215280">
+            <a:pPr marL="216000" indent="-214920">
               <a:lnSpc>
                 <a:spcPct val="100000"/>
               </a:lnSpc>
@@ -12738,7 +13110,7 @@
             </a:endParaRPr>
           </a:p>
           <a:p>
-            <a:pPr marL="216000" indent="-215280">
+            <a:pPr marL="216000" indent="-214920">
               <a:lnSpc>
                 <a:spcPct val="100000"/>
               </a:lnSpc>
@@ -12822,7 +13194,7 @@
         <p:spPr>
           <a:xfrm>
             <a:off x="0" y="224280"/>
-            <a:ext cx="12020400" cy="855720"/>
+            <a:ext cx="12020040" cy="855360"/>
           </a:xfrm>
           <a:prstGeom prst="rect">
             <a:avLst/>
@@ -12873,7 +13245,7 @@
         <p:spPr>
           <a:xfrm>
             <a:off x="317520" y="1290960"/>
-            <a:ext cx="11702520" cy="4348440"/>
+            <a:ext cx="11702160" cy="4348080"/>
           </a:xfrm>
           <a:prstGeom prst="rect">
             <a:avLst/>
@@ -13023,7 +13395,7 @@
         <p:spPr>
           <a:xfrm>
             <a:off x="0" y="224280"/>
-            <a:ext cx="12020400" cy="855720"/>
+            <a:ext cx="12020040" cy="855360"/>
           </a:xfrm>
           <a:prstGeom prst="rect">
             <a:avLst/>
@@ -13074,7 +13446,7 @@
         <p:spPr>
           <a:xfrm>
             <a:off x="317520" y="1290960"/>
-            <a:ext cx="11702520" cy="4348440"/>
+            <a:ext cx="11702160" cy="4348080"/>
           </a:xfrm>
           <a:prstGeom prst="rect">
             <a:avLst/>
@@ -13310,7 +13682,7 @@
         <p:spPr>
           <a:xfrm>
             <a:off x="0" y="224280"/>
-            <a:ext cx="12020400" cy="855720"/>
+            <a:ext cx="12020040" cy="855360"/>
           </a:xfrm>
           <a:prstGeom prst="rect">
             <a:avLst/>
@@ -13361,7 +13733,7 @@
         <p:spPr>
           <a:xfrm>
             <a:off x="317520" y="1290960"/>
-            <a:ext cx="11702520" cy="4348440"/>
+            <a:ext cx="11702160" cy="4348080"/>
           </a:xfrm>
           <a:prstGeom prst="rect">
             <a:avLst/>
@@ -13480,7 +13852,7 @@
         <p:spPr>
           <a:xfrm>
             <a:off x="0" y="224280"/>
-            <a:ext cx="12020400" cy="855720"/>
+            <a:ext cx="12020040" cy="855360"/>
           </a:xfrm>
           <a:prstGeom prst="rect">
             <a:avLst/>
@@ -13531,7 +13903,7 @@
         <p:spPr>
           <a:xfrm>
             <a:off x="317520" y="1290960"/>
-            <a:ext cx="11702520" cy="4348440"/>
+            <a:ext cx="11702160" cy="4348080"/>
           </a:xfrm>
           <a:prstGeom prst="rect">
             <a:avLst/>
@@ -13767,7 +14139,7 @@
         <p:spPr>
           <a:xfrm>
             <a:off x="0" y="224280"/>
-            <a:ext cx="12020400" cy="855720"/>
+            <a:ext cx="12020040" cy="855360"/>
           </a:xfrm>
           <a:prstGeom prst="rect">
             <a:avLst/>
@@ -13818,7 +14190,7 @@
         <p:spPr>
           <a:xfrm>
             <a:off x="317520" y="1290960"/>
-            <a:ext cx="11702520" cy="4348440"/>
+            <a:ext cx="11702160" cy="4348080"/>
           </a:xfrm>
           <a:prstGeom prst="rect">
             <a:avLst/>
@@ -14095,7 +14467,7 @@
         <p:spPr>
           <a:xfrm>
             <a:off x="0" y="224280"/>
-            <a:ext cx="12020400" cy="855720"/>
+            <a:ext cx="12020040" cy="855360"/>
           </a:xfrm>
           <a:prstGeom prst="rect">
             <a:avLst/>
@@ -14146,7 +14518,7 @@
         <p:spPr>
           <a:xfrm>
             <a:off x="317520" y="1290960"/>
-            <a:ext cx="11702520" cy="4348440"/>
+            <a:ext cx="11702160" cy="4348080"/>
           </a:xfrm>
           <a:prstGeom prst="rect">
             <a:avLst/>
@@ -14411,7 +14783,7 @@
         <p:spPr>
           <a:xfrm>
             <a:off x="0" y="224280"/>
-            <a:ext cx="12020400" cy="855720"/>
+            <a:ext cx="12020040" cy="855360"/>
           </a:xfrm>
           <a:prstGeom prst="rect">
             <a:avLst/>
@@ -14462,7 +14834,7 @@
         <p:spPr>
           <a:xfrm>
             <a:off x="317520" y="1290960"/>
-            <a:ext cx="11702520" cy="4348440"/>
+            <a:ext cx="11702160" cy="4348080"/>
           </a:xfrm>
           <a:prstGeom prst="rect">
             <a:avLst/>
@@ -14483,7 +14855,7 @@
             <a:normAutofit/>
           </a:bodyPr>
           <a:p>
-            <a:pPr marL="216000" indent="-214920">
+            <a:pPr marL="216000" indent="-214560">
               <a:lnSpc>
                 <a:spcPct val="100000"/>
               </a:lnSpc>
@@ -14561,7 +14933,7 @@
         <p:spPr>
           <a:xfrm>
             <a:off x="3819960" y="2376000"/>
-            <a:ext cx="4550760" cy="3814920"/>
+            <a:ext cx="4550400" cy="3814560"/>
           </a:xfrm>
           <a:prstGeom prst="rect">
             <a:avLst/>
@@ -14610,7 +14982,7 @@
         <p:spPr>
           <a:xfrm>
             <a:off x="0" y="224280"/>
-            <a:ext cx="12020400" cy="855720"/>
+            <a:ext cx="12020040" cy="855360"/>
           </a:xfrm>
           <a:prstGeom prst="rect">
             <a:avLst/>
@@ -14661,7 +15033,7 @@
         <p:spPr>
           <a:xfrm>
             <a:off x="317520" y="1290960"/>
-            <a:ext cx="11702520" cy="4348440"/>
+            <a:ext cx="11702160" cy="4348080"/>
           </a:xfrm>
           <a:prstGeom prst="rect">
             <a:avLst/>
@@ -14946,7 +15318,7 @@
         <p:spPr>
           <a:xfrm>
             <a:off x="0" y="224280"/>
-            <a:ext cx="12020400" cy="855720"/>
+            <a:ext cx="12020040" cy="855360"/>
           </a:xfrm>
           <a:prstGeom prst="rect">
             <a:avLst/>
@@ -14997,7 +15369,7 @@
         <p:spPr>
           <a:xfrm>
             <a:off x="317520" y="1290960"/>
-            <a:ext cx="11702520" cy="4348440"/>
+            <a:ext cx="11702160" cy="4348080"/>
           </a:xfrm>
           <a:prstGeom prst="rect">
             <a:avLst/>
@@ -15155,7 +15527,7 @@
         <p:spPr>
           <a:xfrm>
             <a:off x="0" y="224280"/>
-            <a:ext cx="12020400" cy="855720"/>
+            <a:ext cx="12020040" cy="855360"/>
           </a:xfrm>
           <a:prstGeom prst="rect">
             <a:avLst/>
@@ -15206,7 +15578,7 @@
         <p:spPr>
           <a:xfrm>
             <a:off x="317520" y="1290960"/>
-            <a:ext cx="11702520" cy="4348440"/>
+            <a:ext cx="11702160" cy="4348080"/>
           </a:xfrm>
           <a:prstGeom prst="rect">
             <a:avLst/>
@@ -15608,7 +15980,7 @@
         <p:spPr>
           <a:xfrm>
             <a:off x="0" y="224280"/>
-            <a:ext cx="12020400" cy="855720"/>
+            <a:ext cx="12020040" cy="855360"/>
           </a:xfrm>
           <a:prstGeom prst="rect">
             <a:avLst/>
@@ -15659,7 +16031,7 @@
         <p:spPr>
           <a:xfrm>
             <a:off x="317520" y="1290960"/>
-            <a:ext cx="11702520" cy="4348440"/>
+            <a:ext cx="11702160" cy="4348080"/>
           </a:xfrm>
           <a:prstGeom prst="rect">
             <a:avLst/>
@@ -16032,7 +16404,7 @@
         <p:spPr>
           <a:xfrm>
             <a:off x="0" y="224280"/>
-            <a:ext cx="12020400" cy="855720"/>
+            <a:ext cx="12020040" cy="855360"/>
           </a:xfrm>
           <a:prstGeom prst="rect">
             <a:avLst/>
@@ -16083,7 +16455,7 @@
         <p:spPr>
           <a:xfrm>
             <a:off x="317520" y="1290960"/>
-            <a:ext cx="11702520" cy="4348440"/>
+            <a:ext cx="11702160" cy="4348080"/>
           </a:xfrm>
           <a:prstGeom prst="rect">
             <a:avLst/>
@@ -16417,7 +16789,7 @@
         <p:spPr>
           <a:xfrm>
             <a:off x="0" y="224280"/>
-            <a:ext cx="12020400" cy="855720"/>
+            <a:ext cx="12020040" cy="855360"/>
           </a:xfrm>
           <a:prstGeom prst="rect">
             <a:avLst/>
@@ -16451,7 +16823,7 @@
                 <a:latin typeface="Arial"/>
                 <a:ea typeface="DejaVu Sans"/>
               </a:rPr>
-              <a:t>ORM: Sequelize</a:t>
+              <a:t>Object-relational mapping - ORM</a:t>
             </a:r>
             <a:endParaRPr b="0" lang="pt-BR" sz="5400" spc="-1" strike="noStrike">
               <a:latin typeface="Arial"/>
@@ -16468,7 +16840,7 @@
         <p:spPr>
           <a:xfrm>
             <a:off x="317520" y="1290960"/>
-            <a:ext cx="11702520" cy="4348440"/>
+            <a:ext cx="11702160" cy="4348080"/>
           </a:xfrm>
           <a:prstGeom prst="rect">
             <a:avLst/>
@@ -16510,29 +16882,19 @@
                 </a:solidFill>
                 <a:latin typeface="Arial"/>
                 <a:ea typeface="DejaVu Sans"/>
-                <a:hlinkClick r:id="rId1"/>
-              </a:rPr>
-              <a:t>https://sequelize.org/master/manual/getting-started.html</a:t>
-            </a:r>
-            <a:endParaRPr b="0" lang="pt-BR" sz="3200" spc="-1" strike="noStrike">
-              <a:latin typeface="Arial"/>
-            </a:endParaRPr>
-          </a:p>
-          <a:p>
-            <a:pPr algn="ctr">
-              <a:lnSpc>
-                <a:spcPct val="100000"/>
-              </a:lnSpc>
-              <a:spcBef>
-                <a:spcPts val="1001"/>
-              </a:spcBef>
-              <a:spcAft>
-                <a:spcPts val="1001"/>
-              </a:spcAft>
-              <a:tabLst>
-                <a:tab algn="l" pos="0"/>
-              </a:tabLst>
-            </a:pPr>
+              </a:rPr>
+              <a:t>É o nome dado ao </a:t>
+            </a:r>
+            <a:r>
+              <a:rPr b="1" lang="pt-BR" sz="3200" spc="-1" strike="noStrike">
+                <a:solidFill>
+                  <a:srgbClr val="1f4e79"/>
+                </a:solidFill>
+                <a:latin typeface="Arial"/>
+                <a:ea typeface="DejaVu Sans"/>
+              </a:rPr>
+              <a:t>mapeamento</a:t>
+            </a:r>
             <a:r>
               <a:rPr b="0" lang="pt-BR" sz="3200" spc="-1" strike="noStrike">
                 <a:solidFill>
@@ -16541,7 +16903,47 @@
                 <a:latin typeface="Arial"/>
                 <a:ea typeface="DejaVu Sans"/>
               </a:rPr>
-              <a:t>https://levelup.gitconnected.com/creating-sequelize-associations-with-the-sequelize-cli-tool-d83caa902233</a:t>
+              <a:t> realizado entre as </a:t>
+            </a:r>
+            <a:r>
+              <a:rPr b="1" lang="pt-BR" sz="3200" spc="-1" strike="noStrike">
+                <a:solidFill>
+                  <a:srgbClr val="1f4e79"/>
+                </a:solidFill>
+                <a:latin typeface="Arial"/>
+                <a:ea typeface="DejaVu Sans"/>
+              </a:rPr>
+              <a:t>propriedades de uma classe</a:t>
+            </a:r>
+            <a:r>
+              <a:rPr b="0" lang="pt-BR" sz="3200" spc="-1" strike="noStrike">
+                <a:solidFill>
+                  <a:srgbClr val="1f4e79"/>
+                </a:solidFill>
+                <a:latin typeface="Arial"/>
+                <a:ea typeface="DejaVu Sans"/>
+              </a:rPr>
+              <a:t> definida em uma linguagem orientada a objetos e os </a:t>
+            </a:r>
+            <a:r>
+              <a:rPr b="1" lang="pt-BR" sz="3200" spc="-1" strike="noStrike">
+                <a:solidFill>
+                  <a:srgbClr val="1f4e79"/>
+                </a:solidFill>
+                <a:latin typeface="Arial"/>
+                <a:ea typeface="DejaVu Sans"/>
+              </a:rPr>
+              <a:t>campos de uma tabela</a:t>
+            </a:r>
+            <a:r>
+              <a:rPr b="0" lang="pt-BR" sz="3200" spc="-1" strike="noStrike">
+                <a:solidFill>
+                  <a:srgbClr val="1f4e79"/>
+                </a:solidFill>
+                <a:latin typeface="Arial"/>
+                <a:ea typeface="DejaVu Sans"/>
+              </a:rPr>
+              <a:t> em um SGBD relacional.</a:t>
             </a:r>
             <a:endParaRPr b="0" lang="pt-BR" sz="3200" spc="-1" strike="noStrike">
               <a:latin typeface="Arial"/>
@@ -16607,7 +17009,7 @@
         <p:spPr>
           <a:xfrm>
             <a:off x="0" y="224280"/>
-            <a:ext cx="12020400" cy="855720"/>
+            <a:ext cx="12020040" cy="855360"/>
           </a:xfrm>
           <a:prstGeom prst="rect">
             <a:avLst/>
@@ -16641,7 +17043,7 @@
                 <a:latin typeface="Arial"/>
                 <a:ea typeface="DejaVu Sans"/>
               </a:rPr>
-              <a:t>Middleware</a:t>
+              <a:t>Sequelize</a:t>
             </a:r>
             <a:endParaRPr b="0" lang="pt-BR" sz="5400" spc="-1" strike="noStrike">
               <a:latin typeface="Arial"/>
@@ -16658,7 +17060,7 @@
         <p:spPr>
           <a:xfrm>
             <a:off x="317520" y="1290960"/>
-            <a:ext cx="11702520" cy="4348440"/>
+            <a:ext cx="11702160" cy="4348080"/>
           </a:xfrm>
           <a:prstGeom prst="rect">
             <a:avLst/>
@@ -16701,27 +17103,8 @@
                 <a:latin typeface="Arial"/>
                 <a:ea typeface="DejaVu Sans"/>
               </a:rPr>
-              <a:t>São scripts que podem ser executados entre a comunicação de outros 2 serviços distintos.</a:t>
-            </a:r>
-            <a:endParaRPr b="0" lang="pt-BR" sz="3200" spc="-1" strike="noStrike">
-              <a:latin typeface="Arial"/>
-            </a:endParaRPr>
-          </a:p>
-          <a:p>
-            <a:pPr algn="ctr">
-              <a:lnSpc>
-                <a:spcPct val="100000"/>
-              </a:lnSpc>
-              <a:spcBef>
-                <a:spcPts val="1001"/>
-              </a:spcBef>
-              <a:spcAft>
-                <a:spcPts val="1001"/>
-              </a:spcAft>
-              <a:tabLst>
-                <a:tab algn="l" pos="0"/>
-              </a:tabLst>
-            </a:pPr>
+              <a:t>É um ORM baseado em Promise para Node.js que possibilita trabalhar com Postgres, MySQL, MariaDB, SQLite e Microsoft SQL Server</a:t>
+            </a:r>
             <a:r>
               <a:rPr b="0" lang="pt-BR" sz="3200" spc="-1" strike="noStrike">
                 <a:solidFill>
@@ -16729,8 +17112,19 @@
                 </a:solidFill>
                 <a:latin typeface="Arial"/>
                 <a:ea typeface="DejaVu Sans"/>
-              </a:rPr>
-              <a:t>Ele pode verificar e/ou manipular os dados antes da tarefa em execução prosseguir, ou mudar o fluxo da tarefa.</a:t>
+                <a:hlinkClick r:id="rId1"/>
+              </a:rPr>
+              <a:t>*</a:t>
+            </a:r>
+            <a:r>
+              <a:rPr b="0" lang="pt-BR" sz="3200" spc="-1" strike="noStrike">
+                <a:solidFill>
+                  <a:srgbClr val="1f4e79"/>
+                </a:solidFill>
+                <a:latin typeface="Arial"/>
+                <a:ea typeface="DejaVu Sans"/>
+              </a:rPr>
+              <a:t>.</a:t>
             </a:r>
             <a:endParaRPr b="0" lang="pt-BR" sz="3200" spc="-1" strike="noStrike">
               <a:latin typeface="Arial"/>
@@ -16777,7 +17171,7 @@
         <p:spPr>
           <a:xfrm>
             <a:off x="0" y="224280"/>
-            <a:ext cx="12020400" cy="855720"/>
+            <a:ext cx="12020040" cy="855360"/>
           </a:xfrm>
           <a:prstGeom prst="rect">
             <a:avLst/>
@@ -16811,7 +17205,7 @@
                 <a:latin typeface="Arial"/>
                 <a:ea typeface="DejaVu Sans"/>
               </a:rPr>
-              <a:t>Referências</a:t>
+              <a:t>Instalando o Sequelize</a:t>
             </a:r>
             <a:endParaRPr b="0" lang="pt-BR" sz="5400" spc="-1" strike="noStrike">
               <a:latin typeface="Arial"/>
@@ -16828,7 +17222,7 @@
         <p:spPr>
           <a:xfrm>
             <a:off x="317520" y="1290960"/>
-            <a:ext cx="11702520" cy="4348440"/>
+            <a:ext cx="11702160" cy="4348080"/>
           </a:xfrm>
           <a:prstGeom prst="rect">
             <a:avLst/>
@@ -16846,10 +17240,10 @@
         </p:style>
         <p:txBody>
           <a:bodyPr lIns="90000" rIns="90000" tIns="45000" bIns="45000">
-            <a:normAutofit fontScale="75000"/>
-          </a:bodyPr>
-          <a:p>
-            <a:pPr marL="514440" indent="-511560">
+            <a:normAutofit/>
+          </a:bodyPr>
+          <a:p>
+            <a:pPr algn="ctr">
               <a:lnSpc>
                 <a:spcPct val="100000"/>
               </a:lnSpc>
@@ -16859,118 +17253,26 @@
               <a:spcAft>
                 <a:spcPts val="1001"/>
               </a:spcAft>
-              <a:buClr>
-                <a:srgbClr val="1f4e79"/>
-              </a:buClr>
-              <a:buFont typeface="Calibri Light"/>
-              <a:buAutoNum type="arabicPeriod"/>
-            </a:pPr>
-            <a:r>
-              <a:rPr b="0" lang="pt-BR" sz="3200" spc="-1" strike="noStrike">
-                <a:solidFill>
-                  <a:srgbClr val="1f4e79"/>
-                </a:solidFill>
-                <a:latin typeface="Arial"/>
-                <a:ea typeface="DejaVu Sans"/>
-              </a:rPr>
-              <a:t>Node.js. </a:t>
-            </a:r>
-            <a:r>
-              <a:rPr b="1" lang="pt-BR" sz="3200" spc="-1" strike="noStrike">
-                <a:solidFill>
-                  <a:srgbClr val="1f4e79"/>
-                </a:solidFill>
-                <a:latin typeface="Arial"/>
-                <a:ea typeface="DejaVu Sans"/>
-              </a:rPr>
-              <a:t>About</a:t>
-            </a:r>
-            <a:r>
-              <a:rPr b="0" lang="pt-BR" sz="3200" spc="-1" strike="noStrike">
-                <a:solidFill>
-                  <a:srgbClr val="1f4e79"/>
-                </a:solidFill>
-                <a:latin typeface="Arial"/>
-                <a:ea typeface="DejaVu Sans"/>
-              </a:rPr>
-              <a:t>. Disponível em: </a:t>
-            </a:r>
-            <a:r>
-              <a:rPr b="0" lang="pt-BR" sz="3200" spc="-1" strike="noStrike" u="sng">
-                <a:solidFill>
-                  <a:srgbClr val="0563c1"/>
-                </a:solidFill>
-                <a:uFillTx/>
-                <a:latin typeface="Arial"/>
-                <a:ea typeface="DejaVu Sans"/>
-                <a:hlinkClick r:id="rId1"/>
-              </a:rPr>
-              <a:t>https://nodejs.org/</a:t>
-            </a:r>
-            <a:r>
-              <a:rPr b="0" lang="pt-BR" sz="3200" spc="-1" strike="noStrike" u="sng">
-                <a:solidFill>
-                  <a:srgbClr val="0563c1"/>
-                </a:solidFill>
-                <a:uFillTx/>
-                <a:latin typeface="Arial"/>
-                <a:ea typeface="DejaVu Sans"/>
-                <a:hlinkClick r:id="rId2"/>
-              </a:rPr>
-              <a:t>en</a:t>
-            </a:r>
-            <a:r>
-              <a:rPr b="0" lang="pt-BR" sz="3200" spc="-1" strike="noStrike" u="sng">
-                <a:solidFill>
-                  <a:srgbClr val="0563c1"/>
-                </a:solidFill>
-                <a:uFillTx/>
-                <a:latin typeface="Arial"/>
-                <a:ea typeface="DejaVu Sans"/>
-                <a:hlinkClick r:id="rId3"/>
-              </a:rPr>
-              <a:t>/</a:t>
-            </a:r>
-            <a:r>
-              <a:rPr b="0" lang="pt-BR" sz="3200" spc="-1" strike="noStrike" u="sng">
-                <a:solidFill>
-                  <a:srgbClr val="0563c1"/>
-                </a:solidFill>
-                <a:uFillTx/>
-                <a:latin typeface="Arial"/>
-                <a:ea typeface="DejaVu Sans"/>
-                <a:hlinkClick r:id="rId4"/>
-              </a:rPr>
-              <a:t>about</a:t>
-            </a:r>
-            <a:r>
-              <a:rPr b="0" lang="pt-BR" sz="3200" spc="-1" strike="noStrike" u="sng">
-                <a:solidFill>
-                  <a:srgbClr val="0563c1"/>
-                </a:solidFill>
-                <a:uFillTx/>
-                <a:latin typeface="Arial"/>
-                <a:ea typeface="DejaVu Sans"/>
-                <a:hlinkClick r:id="rId5"/>
-              </a:rPr>
-              <a:t>/</a:t>
-            </a:r>
-            <a:r>
-              <a:rPr b="0" lang="pt-BR" sz="3200" spc="-1" strike="noStrike">
-                <a:solidFill>
-                  <a:srgbClr val="1f4e79"/>
-                </a:solidFill>
-                <a:latin typeface="Arial"/>
-                <a:ea typeface="DejaVu Sans"/>
-              </a:rPr>
-              <a:t>.</a:t>
-            </a:r>
-            <a:endParaRPr b="0" lang="pt-BR" sz="3200" spc="-1" strike="noStrike">
-              <a:latin typeface="Arial"/>
-            </a:endParaRPr>
-          </a:p>
-          <a:p>
-            <a:pPr marL="514440" indent="-511560">
+              <a:tabLst>
+                <a:tab algn="l" pos="0"/>
+              </a:tabLst>
+            </a:pPr>
+            <a:r>
+              <a:rPr b="0" lang="pt-BR" sz="2800" spc="-1" strike="noStrike">
+                <a:solidFill>
+                  <a:srgbClr val="1f4e79"/>
+                </a:solidFill>
+                <a:latin typeface="Courier New"/>
+                <a:ea typeface="DejaVu Sans"/>
+              </a:rPr>
+              <a:t>yarn add sequelize</a:t>
+            </a:r>
+            <a:endParaRPr b="0" lang="pt-BR" sz="2800" spc="-1" strike="noStrike">
+              <a:latin typeface="Arial"/>
+            </a:endParaRPr>
+          </a:p>
+          <a:p>
+            <a:pPr algn="ctr">
               <a:lnSpc>
                 <a:spcPct val="100000"/>
               </a:lnSpc>
@@ -16980,94 +17282,37 @@
               <a:spcAft>
                 <a:spcPts val="1001"/>
               </a:spcAft>
-              <a:buClr>
-                <a:srgbClr val="1f4e79"/>
-              </a:buClr>
-              <a:buFont typeface="Calibri Light"/>
-              <a:buAutoNum type="arabicPeriod"/>
-            </a:pPr>
-            <a:r>
-              <a:rPr b="0" lang="pt-BR" sz="3200" spc="-1" strike="noStrike">
-                <a:solidFill>
-                  <a:srgbClr val="1f4e79"/>
-                </a:solidFill>
-                <a:latin typeface="Arial"/>
-                <a:ea typeface="DejaVu Sans"/>
-              </a:rPr>
-              <a:t>Node.js. </a:t>
-            </a:r>
-            <a:r>
-              <a:rPr b="1" lang="pt-BR" sz="3200" spc="-1" strike="noStrike">
-                <a:solidFill>
-                  <a:srgbClr val="1f4e79"/>
-                </a:solidFill>
-                <a:latin typeface="Arial"/>
-                <a:ea typeface="DejaVu Sans"/>
-              </a:rPr>
-              <a:t>Download</a:t>
-            </a:r>
-            <a:r>
-              <a:rPr b="0" lang="pt-BR" sz="3200" spc="-1" strike="noStrike">
-                <a:solidFill>
-                  <a:srgbClr val="1f4e79"/>
-                </a:solidFill>
-                <a:latin typeface="Arial"/>
-                <a:ea typeface="DejaVu Sans"/>
-              </a:rPr>
-              <a:t>. Disponível em: </a:t>
-            </a:r>
-            <a:r>
-              <a:rPr b="0" lang="pt-BR" sz="3200" spc="-1" strike="noStrike" u="sng">
-                <a:solidFill>
-                  <a:srgbClr val="0563c1"/>
-                </a:solidFill>
-                <a:uFillTx/>
-                <a:latin typeface="Arial"/>
-                <a:ea typeface="DejaVu Sans"/>
-                <a:hlinkClick r:id="rId6"/>
-              </a:rPr>
-              <a:t>https://nodejs.org/</a:t>
-            </a:r>
-            <a:r>
-              <a:rPr b="0" lang="pt-BR" sz="3200" spc="-1" strike="noStrike" u="sng">
-                <a:solidFill>
-                  <a:srgbClr val="0563c1"/>
-                </a:solidFill>
-                <a:uFillTx/>
-                <a:latin typeface="Arial"/>
-                <a:ea typeface="DejaVu Sans"/>
-                <a:hlinkClick r:id="rId7"/>
-              </a:rPr>
-              <a:t>en</a:t>
-            </a:r>
-            <a:r>
-              <a:rPr b="0" lang="pt-BR" sz="3200" spc="-1" strike="noStrike" u="sng">
-                <a:solidFill>
-                  <a:srgbClr val="0563c1"/>
-                </a:solidFill>
-                <a:uFillTx/>
-                <a:latin typeface="Arial"/>
-                <a:ea typeface="DejaVu Sans"/>
-                <a:hlinkClick r:id="rId8"/>
-              </a:rPr>
-              <a:t>/download/</a:t>
-            </a:r>
-            <a:r>
-              <a:rPr b="0" lang="pt-BR" sz="3200" spc="-1" strike="noStrike">
-                <a:solidFill>
-                  <a:srgbClr val="1f4e79"/>
-                </a:solidFill>
-                <a:latin typeface="Arial"/>
-                <a:ea typeface="DejaVu Sans"/>
-              </a:rPr>
-              <a:t>.</a:t>
-            </a:r>
-            <a:endParaRPr b="0" lang="pt-BR" sz="3200" spc="-1" strike="noStrike">
-              <a:latin typeface="Arial"/>
-            </a:endParaRPr>
-          </a:p>
-          <a:p>
-            <a:pPr marL="514440" indent="-511560">
+              <a:tabLst>
+                <a:tab algn="l" pos="0"/>
+              </a:tabLst>
+            </a:pPr>
+            <a:r>
+              <a:rPr b="0" lang="pt-BR" sz="2800" spc="-1" strike="noStrike">
+                <a:solidFill>
+                  <a:srgbClr val="1f4e79"/>
+                </a:solidFill>
+                <a:latin typeface="Courier New"/>
+                <a:ea typeface="DejaVu Sans"/>
+              </a:rPr>
+              <a:t>yarn add tedious</a:t>
+            </a:r>
+            <a:r>
+              <a:rPr b="0" lang="pt-BR" sz="2800" spc="-1" strike="noStrike">
+                <a:solidFill>
+                  <a:srgbClr val="1f4e79"/>
+                </a:solidFill>
+                <a:latin typeface="Courier New"/>
+                <a:ea typeface="DejaVu Sans"/>
+                <a:hlinkClick r:id="rId1"/>
+              </a:rPr>
+              <a:t>*</a:t>
+            </a:r>
+            <a:endParaRPr b="0" lang="pt-BR" sz="2800" spc="-1" strike="noStrike">
+              <a:latin typeface="Arial"/>
+            </a:endParaRPr>
+          </a:p>
+          <a:p>
+            <a:pPr algn="ctr">
               <a:lnSpc>
                 <a:spcPct val="100000"/>
               </a:lnSpc>
@@ -17077,11 +17322,9 @@
               <a:spcAft>
                 <a:spcPts val="1001"/>
               </a:spcAft>
-              <a:buClr>
-                <a:srgbClr val="1f4e79"/>
-              </a:buClr>
-              <a:buFont typeface="Calibri Light"/>
-              <a:buAutoNum type="arabicPeriod"/>
+              <a:tabLst>
+                <a:tab algn="l" pos="0"/>
+              </a:tabLst>
             </a:pPr>
             <a:r>
               <a:rPr b="0" lang="pt-BR" sz="3200" spc="-1" strike="noStrike">
@@ -17091,211 +17334,87 @@
                 <a:latin typeface="Arial"/>
                 <a:ea typeface="DejaVu Sans"/>
               </a:rPr>
-              <a:t>Yarn. </a:t>
-            </a:r>
-            <a:r>
-              <a:rPr b="1" lang="pt-BR" sz="3200" spc="-1" strike="noStrike">
-                <a:solidFill>
-                  <a:srgbClr val="1f4e79"/>
-                </a:solidFill>
-                <a:latin typeface="Arial"/>
-                <a:ea typeface="DejaVu Sans"/>
-              </a:rPr>
-              <a:t>Introduction</a:t>
-            </a:r>
-            <a:r>
-              <a:rPr b="0" lang="pt-BR" sz="3200" spc="-1" strike="noStrike">
-                <a:solidFill>
-                  <a:srgbClr val="1f4e79"/>
-                </a:solidFill>
-                <a:latin typeface="Arial"/>
-                <a:ea typeface="DejaVu Sans"/>
-              </a:rPr>
-              <a:t>. Disponível em: </a:t>
-            </a:r>
-            <a:r>
-              <a:rPr b="0" lang="pt-BR" sz="3200" spc="-1" strike="noStrike" u="sng">
-                <a:solidFill>
-                  <a:srgbClr val="0563c1"/>
-                </a:solidFill>
-                <a:uFillTx/>
-                <a:latin typeface="Arial"/>
-                <a:ea typeface="DejaVu Sans"/>
-                <a:hlinkClick r:id="rId9"/>
-              </a:rPr>
-              <a:t>https://yarnpkg.com/</a:t>
-            </a:r>
-            <a:r>
-              <a:rPr b="0" lang="pt-BR" sz="3200" spc="-1" strike="noStrike" u="sng">
-                <a:solidFill>
-                  <a:srgbClr val="0563c1"/>
-                </a:solidFill>
-                <a:uFillTx/>
-                <a:latin typeface="Arial"/>
-                <a:ea typeface="DejaVu Sans"/>
-                <a:hlinkClick r:id="rId10"/>
-              </a:rPr>
-              <a:t>getting-started</a:t>
-            </a:r>
-            <a:r>
-              <a:rPr b="0" lang="pt-BR" sz="3200" spc="-1" strike="noStrike">
-                <a:solidFill>
-                  <a:srgbClr val="1f4e79"/>
-                </a:solidFill>
-                <a:latin typeface="Arial"/>
-                <a:ea typeface="DejaVu Sans"/>
-              </a:rPr>
-              <a:t>.</a:t>
+              <a:t>ou</a:t>
             </a:r>
             <a:endParaRPr b="0" lang="pt-BR" sz="3200" spc="-1" strike="noStrike">
               <a:latin typeface="Arial"/>
             </a:endParaRPr>
           </a:p>
           <a:p>
-            <a:pPr marL="514440" indent="-511560">
-              <a:lnSpc>
-                <a:spcPct val="100000"/>
-              </a:lnSpc>
+            <a:pPr algn="ctr">
               <a:spcBef>
                 <a:spcPts val="1001"/>
               </a:spcBef>
               <a:spcAft>
                 <a:spcPts val="1001"/>
               </a:spcAft>
-              <a:buClr>
-                <a:srgbClr val="1f4e79"/>
-              </a:buClr>
-              <a:buFont typeface="Calibri Light"/>
-              <a:buAutoNum type="arabicPeriod"/>
-            </a:pPr>
-            <a:r>
-              <a:rPr b="0" lang="pt-BR" sz="3200" spc="-1" strike="noStrike">
-                <a:solidFill>
-                  <a:srgbClr val="1f4e79"/>
-                </a:solidFill>
-                <a:latin typeface="Arial"/>
-                <a:ea typeface="DejaVu Sans"/>
-              </a:rPr>
-              <a:t>Yarn. </a:t>
-            </a:r>
-            <a:r>
-              <a:rPr b="1" lang="pt-BR" sz="3200" spc="-1" strike="noStrike">
-                <a:solidFill>
-                  <a:srgbClr val="1f4e79"/>
-                </a:solidFill>
-                <a:latin typeface="Arial"/>
-                <a:ea typeface="DejaVu Sans"/>
-              </a:rPr>
-              <a:t>Installation</a:t>
-            </a:r>
-            <a:r>
-              <a:rPr b="0" lang="pt-BR" sz="3200" spc="-1" strike="noStrike">
-                <a:solidFill>
-                  <a:srgbClr val="1f4e79"/>
-                </a:solidFill>
-                <a:latin typeface="Arial"/>
-                <a:ea typeface="DejaVu Sans"/>
-              </a:rPr>
-              <a:t>. Disponível em: </a:t>
-            </a:r>
-            <a:r>
-              <a:rPr b="0" lang="pt-BR" sz="3200" spc="-1" strike="noStrike" u="sng">
-                <a:solidFill>
-                  <a:srgbClr val="0563c1"/>
-                </a:solidFill>
-                <a:uFillTx/>
-                <a:latin typeface="Arial"/>
-                <a:ea typeface="DejaVu Sans"/>
-                <a:hlinkClick r:id="rId11"/>
-              </a:rPr>
-              <a:t>https://classic.yarnpkg.com/en/docs/</a:t>
-            </a:r>
-            <a:r>
-              <a:rPr b="0" lang="pt-BR" sz="3200" spc="-1" strike="noStrike" u="sng">
-                <a:solidFill>
-                  <a:srgbClr val="0563c1"/>
-                </a:solidFill>
-                <a:uFillTx/>
-                <a:latin typeface="Arial"/>
-                <a:ea typeface="DejaVu Sans"/>
-                <a:hlinkClick r:id="rId12"/>
-              </a:rPr>
-              <a:t>install#windows-stable</a:t>
-            </a:r>
-            <a:r>
-              <a:rPr b="0" lang="pt-BR" sz="3200" spc="-1" strike="noStrike">
-                <a:solidFill>
-                  <a:srgbClr val="1f4e79"/>
-                </a:solidFill>
-                <a:latin typeface="Arial"/>
-                <a:ea typeface="DejaVu Sans"/>
-              </a:rPr>
-              <a:t>.</a:t>
-            </a:r>
-            <a:endParaRPr b="0" lang="pt-BR" sz="3200" spc="-1" strike="noStrike">
-              <a:latin typeface="Arial"/>
-            </a:endParaRPr>
-          </a:p>
-          <a:p>
-            <a:pPr marL="514440" indent="-511560">
-              <a:lnSpc>
-                <a:spcPct val="100000"/>
-              </a:lnSpc>
+              <a:tabLst>
+                <a:tab algn="l" pos="0"/>
+              </a:tabLst>
+            </a:pPr>
+            <a:r>
+              <a:rPr b="0" lang="pt-BR" sz="2800" spc="-1" strike="noStrike">
+                <a:solidFill>
+                  <a:srgbClr val="1f4e79"/>
+                </a:solidFill>
+                <a:latin typeface="Courier New"/>
+                <a:ea typeface="DejaVu Sans"/>
+              </a:rPr>
+              <a:t>Npm i </a:t>
+            </a:r>
+            <a:r>
+              <a:rPr b="0" lang="pt-BR" sz="2800" spc="-1" strike="noStrike">
+                <a:solidFill>
+                  <a:srgbClr val="1f4e79"/>
+                </a:solidFill>
+                <a:latin typeface="Courier New"/>
+                <a:ea typeface="DejaVu Sans"/>
+              </a:rPr>
+              <a:t>--save sequelize</a:t>
+            </a:r>
+            <a:endParaRPr b="0" lang="pt-BR" sz="2800" spc="-1" strike="noStrike">
+              <a:latin typeface="Arial"/>
+            </a:endParaRPr>
+          </a:p>
+          <a:p>
+            <a:pPr algn="ctr">
               <a:spcBef>
                 <a:spcPts val="1001"/>
               </a:spcBef>
               <a:spcAft>
                 <a:spcPts val="1001"/>
               </a:spcAft>
-              <a:buClr>
-                <a:srgbClr val="1f4e79"/>
-              </a:buClr>
-              <a:buFont typeface="Calibri Light"/>
-              <a:buAutoNum type="arabicPeriod"/>
-            </a:pPr>
-            <a:r>
-              <a:rPr b="0" lang="pt-BR" sz="3200" spc="-1" strike="noStrike">
-                <a:solidFill>
-                  <a:srgbClr val="1f4e79"/>
-                </a:solidFill>
-                <a:latin typeface="Arial"/>
-                <a:ea typeface="DejaVu Sans"/>
-              </a:rPr>
-              <a:t>Express. </a:t>
-            </a:r>
-            <a:r>
-              <a:rPr b="1" lang="pt-BR" sz="3200" spc="-1" strike="noStrike">
-                <a:solidFill>
-                  <a:srgbClr val="1f4e79"/>
-                </a:solidFill>
-                <a:latin typeface="Arial"/>
-                <a:ea typeface="DejaVu Sans"/>
-              </a:rPr>
-              <a:t>Installing</a:t>
-            </a:r>
-            <a:r>
-              <a:rPr b="0" lang="pt-BR" sz="3200" spc="-1" strike="noStrike">
-                <a:solidFill>
-                  <a:srgbClr val="1f4e79"/>
-                </a:solidFill>
-                <a:latin typeface="Arial"/>
-                <a:ea typeface="DejaVu Sans"/>
-              </a:rPr>
-              <a:t>. Disponível em: </a:t>
-            </a:r>
-            <a:r>
-              <a:rPr b="0" lang="pt-BR" sz="3200" spc="-1" strike="noStrike" u="sng">
-                <a:solidFill>
-                  <a:srgbClr val="0563c1"/>
-                </a:solidFill>
-                <a:uFillTx/>
-                <a:latin typeface="Arial"/>
-                <a:ea typeface="DejaVu Sans"/>
-                <a:hlinkClick r:id="rId13"/>
-              </a:rPr>
-              <a:t>https://expressjs.com/en/starter/installing.html</a:t>
-            </a:r>
-            <a:endParaRPr b="0" lang="pt-BR" sz="3200" spc="-1" strike="noStrike">
+              <a:tabLst>
+                <a:tab algn="l" pos="0"/>
+              </a:tabLst>
+            </a:pPr>
+            <a:r>
+              <a:rPr b="0" lang="pt-BR" sz="2800" spc="-1" strike="noStrike">
+                <a:solidFill>
+                  <a:srgbClr val="1f4e79"/>
+                </a:solidFill>
+                <a:latin typeface="Courier New"/>
+                <a:ea typeface="DejaVu Sans"/>
+              </a:rPr>
+              <a:t>npm install --save tedious</a:t>
+            </a:r>
+            <a:endParaRPr b="0" lang="pt-BR" sz="2800" spc="-1" strike="noStrike">
+              <a:latin typeface="Arial"/>
+            </a:endParaRPr>
+          </a:p>
+          <a:p>
+            <a:pPr algn="ctr">
+              <a:spcBef>
+                <a:spcPts val="1001"/>
+              </a:spcBef>
+              <a:spcAft>
+                <a:spcPts val="1001"/>
+              </a:spcAft>
+              <a:tabLst>
+                <a:tab algn="l" pos="0"/>
+              </a:tabLst>
+            </a:pPr>
+            <a:endParaRPr b="0" lang="pt-BR" sz="2800" spc="-1" strike="noStrike">
               <a:latin typeface="Arial"/>
             </a:endParaRPr>
           </a:p>
@@ -17340,7 +17459,7 @@
         <p:spPr>
           <a:xfrm>
             <a:off x="0" y="224280"/>
-            <a:ext cx="12020400" cy="855720"/>
+            <a:ext cx="12020040" cy="855360"/>
           </a:xfrm>
           <a:prstGeom prst="rect">
             <a:avLst/>
@@ -17374,7 +17493,7 @@
                 <a:latin typeface="Arial"/>
                 <a:ea typeface="DejaVu Sans"/>
               </a:rPr>
-              <a:t>Referências</a:t>
+              <a:t>ORM: Sequelize</a:t>
             </a:r>
             <a:endParaRPr b="0" lang="pt-BR" sz="5400" spc="-1" strike="noStrike">
               <a:latin typeface="Arial"/>
@@ -17391,7 +17510,7 @@
         <p:spPr>
           <a:xfrm>
             <a:off x="317520" y="1290960"/>
-            <a:ext cx="11702520" cy="4348440"/>
+            <a:ext cx="11702160" cy="4348080"/>
           </a:xfrm>
           <a:prstGeom prst="rect">
             <a:avLst/>
@@ -17412,7 +17531,7 @@
             <a:normAutofit/>
           </a:bodyPr>
           <a:p>
-            <a:pPr marL="516240" indent="-513360">
+            <a:pPr algn="ctr">
               <a:lnSpc>
                 <a:spcPct val="100000"/>
               </a:lnSpc>
@@ -17422,42 +17541,10 @@
               <a:spcAft>
                 <a:spcPts val="1001"/>
               </a:spcAft>
-              <a:buClr>
-                <a:srgbClr val="1f4e79"/>
-              </a:buClr>
-              <a:buFont typeface="Arial"/>
-              <a:buAutoNum type="arabicPeriod" startAt="6"/>
-            </a:pPr>
-            <a:r>
-              <a:rPr b="0" lang="pt-BR" sz="3200" spc="-1" strike="noStrike">
-                <a:solidFill>
-                  <a:srgbClr val="1f4e79"/>
-                </a:solidFill>
-                <a:latin typeface="Arial"/>
-                <a:ea typeface="DejaVu Sans"/>
-              </a:rPr>
-              <a:t>NPM. </a:t>
-            </a:r>
-            <a:r>
-              <a:rPr b="1" lang="pt-BR" sz="3200" spc="-1" strike="noStrike">
-                <a:solidFill>
-                  <a:srgbClr val="1f4e79"/>
-                </a:solidFill>
-                <a:latin typeface="Arial"/>
-                <a:ea typeface="DejaVu Sans"/>
-              </a:rPr>
-              <a:t>Nodemon</a:t>
-            </a:r>
-            <a:r>
-              <a:rPr b="0" lang="pt-BR" sz="3200" spc="-1" strike="noStrike">
-                <a:solidFill>
-                  <a:srgbClr val="1f4e79"/>
-                </a:solidFill>
-                <a:latin typeface="Arial"/>
-                <a:ea typeface="DejaVu Sans"/>
-              </a:rPr>
-              <a:t>. Disponível em: </a:t>
-            </a:r>
+              <a:tabLst>
+                <a:tab algn="l" pos="0"/>
+              </a:tabLst>
+            </a:pPr>
             <a:r>
               <a:rPr b="0" lang="pt-BR" sz="3200" spc="-1" strike="noStrike" u="sng">
                 <a:solidFill>
@@ -17468,14 +17555,14 @@
                 <a:ea typeface="DejaVu Sans"/>
                 <a:hlinkClick r:id="rId1"/>
               </a:rPr>
-              <a:t>https://www.npmjs.com/package/nodemon</a:t>
+              <a:t>https://sequelize.org/master/manual/getting-started.html</a:t>
             </a:r>
             <a:endParaRPr b="0" lang="pt-BR" sz="3200" spc="-1" strike="noStrike">
               <a:latin typeface="Arial"/>
             </a:endParaRPr>
           </a:p>
           <a:p>
-            <a:pPr marL="516240" indent="-513360">
+            <a:pPr algn="ctr">
               <a:lnSpc>
                 <a:spcPct val="100000"/>
               </a:lnSpc>
@@ -17485,11 +17572,9 @@
               <a:spcAft>
                 <a:spcPts val="1001"/>
               </a:spcAft>
-              <a:buClr>
-                <a:srgbClr val="1f4e79"/>
-              </a:buClr>
-              <a:buFont typeface="Arial"/>
-              <a:buAutoNum type="arabicPeriod" startAt="6"/>
+              <a:tabLst>
+                <a:tab algn="l" pos="0"/>
+              </a:tabLst>
             </a:pPr>
             <a:r>
               <a:rPr b="0" lang="pt-BR" sz="3200" spc="-1" strike="noStrike">
@@ -17499,116 +17584,14 @@
                 <a:latin typeface="Arial"/>
                 <a:ea typeface="DejaVu Sans"/>
               </a:rPr>
-              <a:t>MDN Web Docs Mozilla. </a:t>
-            </a:r>
-            <a:r>
-              <a:rPr b="1" lang="pt-BR" sz="3200" spc="-1" strike="noStrike">
-                <a:solidFill>
-                  <a:srgbClr val="1f4e79"/>
-                </a:solidFill>
-                <a:latin typeface="Arial"/>
-                <a:ea typeface="DejaVu Sans"/>
-              </a:rPr>
-              <a:t>Métodos de requisição HTTP</a:t>
-            </a:r>
-            <a:r>
-              <a:rPr b="0" lang="pt-BR" sz="3200" spc="-1" strike="noStrike">
-                <a:solidFill>
-                  <a:srgbClr val="1f4e79"/>
-                </a:solidFill>
-                <a:latin typeface="Arial"/>
-                <a:ea typeface="DejaVu Sans"/>
-              </a:rPr>
-              <a:t>. Disponível em: </a:t>
-            </a:r>
-            <a:r>
-              <a:rPr b="0" lang="pt-BR" sz="3200" spc="-1" strike="noStrike" u="sng">
-                <a:solidFill>
-                  <a:srgbClr val="0563c1"/>
-                </a:solidFill>
-                <a:uFillTx/>
-                <a:latin typeface="Arial"/>
-                <a:ea typeface="DejaVu Sans"/>
-                <a:hlinkClick r:id="rId2"/>
-              </a:rPr>
-              <a:t>https://developer.mozilla.org/</a:t>
-            </a:r>
-            <a:r>
-              <a:rPr b="0" lang="pt-BR" sz="3200" spc="-1" strike="noStrike" u="sng">
-                <a:solidFill>
-                  <a:srgbClr val="0563c1"/>
-                </a:solidFill>
-                <a:uFillTx/>
-                <a:latin typeface="Arial"/>
-                <a:ea typeface="DejaVu Sans"/>
-                <a:hlinkClick r:id="rId3"/>
-              </a:rPr>
-              <a:t>pt</a:t>
-            </a:r>
-            <a:r>
-              <a:rPr b="0" lang="pt-BR" sz="3200" spc="-1" strike="noStrike" u="sng">
-                <a:solidFill>
-                  <a:srgbClr val="0563c1"/>
-                </a:solidFill>
-                <a:uFillTx/>
-                <a:latin typeface="Arial"/>
-                <a:ea typeface="DejaVu Sans"/>
-                <a:hlinkClick r:id="rId4"/>
-              </a:rPr>
-              <a:t>-BR/</a:t>
-            </a:r>
-            <a:r>
-              <a:rPr b="0" lang="pt-BR" sz="3200" spc="-1" strike="noStrike" u="sng">
-                <a:solidFill>
-                  <a:srgbClr val="0563c1"/>
-                </a:solidFill>
-                <a:uFillTx/>
-                <a:latin typeface="Arial"/>
-                <a:ea typeface="DejaVu Sans"/>
-                <a:hlinkClick r:id="rId5"/>
-              </a:rPr>
-              <a:t>docs</a:t>
-            </a:r>
-            <a:r>
-              <a:rPr b="0" lang="pt-BR" sz="3200" spc="-1" strike="noStrike" u="sng">
-                <a:solidFill>
-                  <a:srgbClr val="0563c1"/>
-                </a:solidFill>
-                <a:uFillTx/>
-                <a:latin typeface="Arial"/>
-                <a:ea typeface="DejaVu Sans"/>
-                <a:hlinkClick r:id="rId6"/>
-              </a:rPr>
-              <a:t>/Web/HTTP/</a:t>
-            </a:r>
-            <a:r>
-              <a:rPr b="0" lang="pt-BR" sz="3200" spc="-1" strike="noStrike" u="sng">
-                <a:solidFill>
-                  <a:srgbClr val="0563c1"/>
-                </a:solidFill>
-                <a:uFillTx/>
-                <a:latin typeface="Arial"/>
-                <a:ea typeface="DejaVu Sans"/>
-                <a:hlinkClick r:id="rId7"/>
-              </a:rPr>
-              <a:t>Methods</a:t>
-            </a:r>
-            <a:r>
-              <a:rPr b="0" lang="pt-BR" sz="3200" spc="-1" strike="noStrike">
-                <a:solidFill>
-                  <a:srgbClr val="1f4e79"/>
-                </a:solidFill>
-                <a:latin typeface="Arial"/>
-                <a:ea typeface="DejaVu Sans"/>
-              </a:rPr>
-              <a:t>.</a:t>
+              <a:t>https://levelup.gitconnected.com/creating-sequelize-associations-with-the-sequelize-cli-tool-d83caa902233</a:t>
             </a:r>
             <a:endParaRPr b="0" lang="pt-BR" sz="3200" spc="-1" strike="noStrike">
               <a:latin typeface="Arial"/>
             </a:endParaRPr>
           </a:p>
           <a:p>
-            <a:pPr marL="516240" indent="-513360">
+            <a:pPr algn="ctr">
               <a:lnSpc>
                 <a:spcPct val="100000"/>
               </a:lnSpc>
@@ -17618,101 +17601,9 @@
               <a:spcAft>
                 <a:spcPts val="1001"/>
               </a:spcAft>
-              <a:buClr>
-                <a:srgbClr val="1f4e79"/>
-              </a:buClr>
-              <a:buFont typeface="Arial"/>
-              <a:buAutoNum type="arabicPeriod" startAt="6"/>
-            </a:pPr>
-            <a:r>
-              <a:rPr b="0" lang="pt-BR" sz="3200" spc="-1" strike="noStrike">
-                <a:solidFill>
-                  <a:srgbClr val="1f4e79"/>
-                </a:solidFill>
-                <a:latin typeface="Arial"/>
-                <a:ea typeface="DejaVu Sans"/>
-              </a:rPr>
-              <a:t>Insomnia. </a:t>
-            </a:r>
-            <a:r>
-              <a:rPr b="1" lang="pt-BR" sz="3200" spc="-1" strike="noStrike">
-                <a:solidFill>
-                  <a:srgbClr val="1f4e79"/>
-                </a:solidFill>
-                <a:latin typeface="Arial"/>
-                <a:ea typeface="DejaVu Sans"/>
-              </a:rPr>
-              <a:t>Download Insomnia</a:t>
-            </a:r>
-            <a:r>
-              <a:rPr b="0" lang="pt-BR" sz="3200" spc="-1" strike="noStrike">
-                <a:solidFill>
-                  <a:srgbClr val="1f4e79"/>
-                </a:solidFill>
-                <a:latin typeface="Arial"/>
-                <a:ea typeface="DejaVu Sans"/>
-              </a:rPr>
-              <a:t>. Disponível em: </a:t>
-            </a:r>
-            <a:r>
-              <a:rPr b="0" lang="pt-BR" sz="3200" spc="-1" strike="noStrike" u="sng">
-                <a:solidFill>
-                  <a:srgbClr val="0563c1"/>
-                </a:solidFill>
-                <a:uFillTx/>
-                <a:latin typeface="Arial"/>
-                <a:ea typeface="DejaVu Sans"/>
-                <a:hlinkClick r:id="rId8"/>
-              </a:rPr>
-              <a:t>https://insomnia.rest/download</a:t>
-            </a:r>
-            <a:endParaRPr b="0" lang="pt-BR" sz="3200" spc="-1" strike="noStrike">
-              <a:latin typeface="Arial"/>
-            </a:endParaRPr>
-          </a:p>
-          <a:p>
-            <a:pPr>
-              <a:lnSpc>
-                <a:spcPct val="100000"/>
-              </a:lnSpc>
-              <a:spcBef>
-                <a:spcPts val="1001"/>
-              </a:spcBef>
-              <a:spcAft>
-                <a:spcPts val="1001"/>
-              </a:spcAft>
-            </a:pPr>
-            <a:endParaRPr b="0" lang="pt-BR" sz="3200" spc="-1" strike="noStrike">
-              <a:latin typeface="Arial"/>
-            </a:endParaRPr>
-          </a:p>
-          <a:p>
-            <a:pPr marL="1800">
-              <a:lnSpc>
-                <a:spcPct val="100000"/>
-              </a:lnSpc>
-              <a:spcBef>
-                <a:spcPts val="1001"/>
-              </a:spcBef>
-              <a:spcAft>
-                <a:spcPts val="1001"/>
-              </a:spcAft>
-            </a:pPr>
-            <a:endParaRPr b="0" lang="pt-BR" sz="3200" spc="-1" strike="noStrike">
-              <a:latin typeface="Arial"/>
-            </a:endParaRPr>
-          </a:p>
-          <a:p>
-            <a:pPr marL="1800">
-              <a:lnSpc>
-                <a:spcPct val="100000"/>
-              </a:lnSpc>
-              <a:spcBef>
-                <a:spcPts val="1001"/>
-              </a:spcBef>
-              <a:spcAft>
-                <a:spcPts val="1001"/>
-              </a:spcAft>
+              <a:tabLst>
+                <a:tab algn="l" pos="0"/>
+              </a:tabLst>
             </a:pPr>
             <a:endParaRPr b="0" lang="pt-BR" sz="3200" spc="-1" strike="noStrike">
               <a:latin typeface="Arial"/>
@@ -17759,7 +17650,7 @@
         <p:spPr>
           <a:xfrm>
             <a:off x="0" y="224280"/>
-            <a:ext cx="12020400" cy="855720"/>
+            <a:ext cx="12020040" cy="855360"/>
           </a:xfrm>
           <a:prstGeom prst="rect">
             <a:avLst/>
@@ -17793,7 +17684,7 @@
                 <a:latin typeface="Arial"/>
                 <a:ea typeface="DejaVu Sans"/>
               </a:rPr>
-              <a:t>Referências</a:t>
+              <a:t>Middleware</a:t>
             </a:r>
             <a:endParaRPr b="0" lang="pt-BR" sz="5400" spc="-1" strike="noStrike">
               <a:latin typeface="Arial"/>
@@ -17810,7 +17701,7 @@
         <p:spPr>
           <a:xfrm>
             <a:off x="317520" y="1290960"/>
-            <a:ext cx="11702520" cy="4348440"/>
+            <a:ext cx="11702160" cy="4348080"/>
           </a:xfrm>
           <a:prstGeom prst="rect">
             <a:avLst/>
@@ -17831,7 +17722,7 @@
             <a:normAutofit/>
           </a:bodyPr>
           <a:p>
-            <a:pPr marL="516240" indent="-513360">
+            <a:pPr algn="ctr">
               <a:lnSpc>
                 <a:spcPct val="100000"/>
               </a:lnSpc>
@@ -17841,11 +17732,9 @@
               <a:spcAft>
                 <a:spcPts val="1001"/>
               </a:spcAft>
-              <a:buClr>
-                <a:srgbClr val="1f4e79"/>
-              </a:buClr>
-              <a:buFont typeface="Arial"/>
-              <a:buAutoNum type="arabicPeriod" startAt="9"/>
+              <a:tabLst>
+                <a:tab algn="l" pos="0"/>
+              </a:tabLst>
             </a:pPr>
             <a:r>
               <a:rPr b="0" lang="pt-BR" sz="3200" spc="-1" strike="noStrike">
@@ -17855,46 +17744,14 @@
                 <a:latin typeface="Arial"/>
                 <a:ea typeface="DejaVu Sans"/>
               </a:rPr>
-              <a:t>Rocketseat. </a:t>
-            </a:r>
-            <a:r>
-              <a:rPr b="1" lang="pt-BR" sz="3200" spc="-1" strike="noStrike">
-                <a:solidFill>
-                  <a:srgbClr val="1f4e79"/>
-                </a:solidFill>
-                <a:latin typeface="Arial"/>
-                <a:ea typeface="DejaVu Sans"/>
-              </a:rPr>
-              <a:t>Tipos de Parâmetros nas requisições REST</a:t>
-            </a:r>
-            <a:r>
-              <a:rPr b="0" lang="pt-BR" sz="3200" spc="-1" strike="noStrike">
-                <a:solidFill>
-                  <a:srgbClr val="1f4e79"/>
-                </a:solidFill>
-                <a:latin typeface="Arial"/>
-                <a:ea typeface="DejaVu Sans"/>
-              </a:rPr>
-              <a:t>. Disponível em: </a:t>
-            </a:r>
-            <a:r>
-              <a:rPr b="0" lang="pt-BR" sz="3200" spc="-1" strike="noStrike" u="sng">
-                <a:solidFill>
-                  <a:srgbClr val="0563c1"/>
-                </a:solidFill>
-                <a:uFillTx/>
-                <a:latin typeface="Arial"/>
-                <a:ea typeface="DejaVu Sans"/>
-                <a:hlinkClick r:id="rId1"/>
-              </a:rPr>
-              <a:t>https://blog.rocketseat.com.br/tipos-de-parametros-nas-requisicoes-rest/</a:t>
+              <a:t>São scripts que podem ser executados entre a comunicação de outros 2 serviços distintos.</a:t>
             </a:r>
             <a:endParaRPr b="0" lang="pt-BR" sz="3200" spc="-1" strike="noStrike">
               <a:latin typeface="Arial"/>
             </a:endParaRPr>
           </a:p>
           <a:p>
-            <a:pPr marL="516240" indent="-513360">
+            <a:pPr algn="ctr">
               <a:lnSpc>
                 <a:spcPct val="100000"/>
               </a:lnSpc>
@@ -17904,11 +17761,9 @@
               <a:spcAft>
                 <a:spcPts val="1001"/>
               </a:spcAft>
-              <a:buClr>
-                <a:srgbClr val="1f4e79"/>
-              </a:buClr>
-              <a:buFont typeface="Arial"/>
-              <a:buAutoNum type="arabicPeriod" startAt="9"/>
+              <a:tabLst>
+                <a:tab algn="l" pos="0"/>
+              </a:tabLst>
             </a:pPr>
             <a:r>
               <a:rPr b="0" lang="pt-BR" sz="3200" spc="-1" strike="noStrike">
@@ -17918,40 +17773,8 @@
                 <a:latin typeface="Arial"/>
                 <a:ea typeface="DejaVu Sans"/>
               </a:rPr>
-              <a:t>aeraherh</a:t>
-            </a:r>
-            <a:endParaRPr b="0" lang="pt-BR" sz="3200" spc="-1" strike="noStrike">
-              <a:latin typeface="Arial"/>
-            </a:endParaRPr>
-          </a:p>
-          <a:p>
-            <a:pPr marL="1800">
-              <a:lnSpc>
-                <a:spcPct val="100000"/>
-              </a:lnSpc>
-              <a:spcBef>
-                <a:spcPts val="1001"/>
-              </a:spcBef>
-              <a:spcAft>
-                <a:spcPts val="1001"/>
-              </a:spcAft>
-            </a:pPr>
-            <a:endParaRPr b="0" lang="pt-BR" sz="3200" spc="-1" strike="noStrike">
-              <a:latin typeface="Arial"/>
-            </a:endParaRPr>
-          </a:p>
-          <a:p>
-            <a:pPr marL="1800">
-              <a:lnSpc>
-                <a:spcPct val="100000"/>
-              </a:lnSpc>
-              <a:spcBef>
-                <a:spcPts val="1001"/>
-              </a:spcBef>
-              <a:spcAft>
-                <a:spcPts val="1001"/>
-              </a:spcAft>
-            </a:pPr>
+              <a:t>Ele pode verificar e/ou manipular os dados antes da tarefa em execução prosseguir, ou mudar o fluxo da tarefa.</a:t>
+            </a:r>
             <a:endParaRPr b="0" lang="pt-BR" sz="3200" spc="-1" strike="noStrike">
               <a:latin typeface="Arial"/>
             </a:endParaRPr>
@@ -17997,7 +17820,7 @@
         <p:spPr>
           <a:xfrm>
             <a:off x="0" y="224280"/>
-            <a:ext cx="12020400" cy="855720"/>
+            <a:ext cx="12020040" cy="855360"/>
           </a:xfrm>
           <a:prstGeom prst="rect">
             <a:avLst/>
@@ -18048,7 +17871,7 @@
         <p:spPr>
           <a:xfrm>
             <a:off x="317520" y="1290960"/>
-            <a:ext cx="11702520" cy="4348440"/>
+            <a:ext cx="11702160" cy="4348080"/>
           </a:xfrm>
           <a:prstGeom prst="rect">
             <a:avLst/>
@@ -18069,7 +17892,7 @@
             <a:normAutofit/>
           </a:bodyPr>
           <a:p>
-            <a:pPr marL="216000" indent="-214920">
+            <a:pPr marL="216000" indent="-214560">
               <a:lnSpc>
                 <a:spcPct val="100000"/>
               </a:lnSpc>
@@ -18113,7 +17936,7 @@
             </a:endParaRPr>
           </a:p>
           <a:p>
-            <a:pPr marL="216000" indent="-214920">
+            <a:pPr marL="216000" indent="-214560">
               <a:lnSpc>
                 <a:spcPct val="100000"/>
               </a:lnSpc>
@@ -18152,6 +17975,1246 @@
               </a:rPr>
               <a:t>Non-blocking I/O: permite o retorno em partes. Sem perda de conexão após um retorno.</a:t>
             </a:r>
+            <a:endParaRPr b="0" lang="pt-BR" sz="3200" spc="-1" strike="noStrike">
+              <a:latin typeface="Arial"/>
+            </a:endParaRPr>
+          </a:p>
+        </p:txBody>
+      </p:sp>
+    </p:spTree>
+  </p:cSld>
+  <mc:AlternateContent>
+    <mc:Choice Requires="p14">
+      <p:transition spd="slow" p14:dur="2000"/>
+    </mc:Choice>
+    <mc:Fallback>
+      <p:transition spd="slow"/>
+    </mc:Fallback>
+  </mc:AlternateContent>
+</p:sld>
+</file>
+
+<file path=ppt/slides/slide40.xml><?xml version="1.0" encoding="utf-8"?>
+<p:sld xmlns:a="http://schemas.openxmlformats.org/drawingml/2006/main" xmlns:p="http://schemas.openxmlformats.org/presentationml/2006/main" xmlns:r="http://schemas.openxmlformats.org/officeDocument/2006/relationships" xmlns:p14="http://schemas.microsoft.com/office/powerpoint/2010/main" xmlns:p15="http://schemas.microsoft.com/office/powerpoint/2012/main" xmlns:mc="http://schemas.openxmlformats.org/markup-compatibility/2006">
+  <p:cSld>
+    <p:spTree>
+      <p:nvGrpSpPr>
+        <p:cNvPr id="1" name=""/>
+        <p:cNvGrpSpPr/>
+        <p:nvPr/>
+      </p:nvGrpSpPr>
+      <p:grpSpPr>
+        <a:xfrm>
+          <a:off x="0" y="0"/>
+          <a:ext cx="0" cy="0"/>
+          <a:chOff x="0" y="0"/>
+          <a:chExt cx="0" cy="0"/>
+        </a:xfrm>
+      </p:grpSpPr>
+      <p:sp>
+        <p:nvSpPr>
+          <p:cNvPr id="167" name="CustomShape 1"/>
+          <p:cNvSpPr/>
+          <p:nvPr/>
+        </p:nvSpPr>
+        <p:spPr>
+          <a:xfrm>
+            <a:off x="0" y="224280"/>
+            <a:ext cx="12020040" cy="855360"/>
+          </a:xfrm>
+          <a:prstGeom prst="rect">
+            <a:avLst/>
+          </a:prstGeom>
+          <a:noFill/>
+          <a:ln>
+            <a:noFill/>
+          </a:ln>
+        </p:spPr>
+        <p:style>
+          <a:lnRef idx="0"/>
+          <a:fillRef idx="0"/>
+          <a:effectRef idx="0"/>
+          <a:fontRef idx="minor"/>
+        </p:style>
+        <p:txBody>
+          <a:bodyPr lIns="90000" rIns="90000" tIns="45000" bIns="45000" anchor="ctr">
+            <a:noAutofit/>
+          </a:bodyPr>
+          <a:p>
+            <a:pPr algn="ctr">
+              <a:lnSpc>
+                <a:spcPct val="90000"/>
+              </a:lnSpc>
+            </a:pPr>
+            <a:r>
+              <a:rPr b="0" lang="pt-BR" sz="5400" spc="-1" strike="noStrike">
+                <a:solidFill>
+                  <a:srgbClr val="1f4e79"/>
+                </a:solidFill>
+                <a:latin typeface="Arial"/>
+                <a:ea typeface="DejaVu Sans"/>
+              </a:rPr>
+              <a:t>Referências</a:t>
+            </a:r>
+            <a:endParaRPr b="0" lang="pt-BR" sz="5400" spc="-1" strike="noStrike">
+              <a:latin typeface="Arial"/>
+            </a:endParaRPr>
+          </a:p>
+        </p:txBody>
+      </p:sp>
+      <p:sp>
+        <p:nvSpPr>
+          <p:cNvPr id="168" name="CustomShape 2"/>
+          <p:cNvSpPr/>
+          <p:nvPr/>
+        </p:nvSpPr>
+        <p:spPr>
+          <a:xfrm>
+            <a:off x="317520" y="1290960"/>
+            <a:ext cx="11702160" cy="4348080"/>
+          </a:xfrm>
+          <a:prstGeom prst="rect">
+            <a:avLst/>
+          </a:prstGeom>
+          <a:noFill/>
+          <a:ln>
+            <a:noFill/>
+          </a:ln>
+        </p:spPr>
+        <p:style>
+          <a:lnRef idx="0"/>
+          <a:fillRef idx="0"/>
+          <a:effectRef idx="0"/>
+          <a:fontRef idx="minor"/>
+        </p:style>
+        <p:txBody>
+          <a:bodyPr lIns="90000" rIns="90000" tIns="45000" bIns="45000">
+            <a:normAutofit fontScale="75000"/>
+          </a:bodyPr>
+          <a:p>
+            <a:pPr marL="514440" indent="-511200">
+              <a:lnSpc>
+                <a:spcPct val="100000"/>
+              </a:lnSpc>
+              <a:spcBef>
+                <a:spcPts val="1001"/>
+              </a:spcBef>
+              <a:spcAft>
+                <a:spcPts val="1001"/>
+              </a:spcAft>
+              <a:buClr>
+                <a:srgbClr val="1f4e79"/>
+              </a:buClr>
+              <a:buFont typeface="Calibri Light"/>
+              <a:buAutoNum type="arabicPeriod"/>
+            </a:pPr>
+            <a:r>
+              <a:rPr b="0" lang="pt-BR" sz="3200" spc="-1" strike="noStrike">
+                <a:solidFill>
+                  <a:srgbClr val="1f4e79"/>
+                </a:solidFill>
+                <a:latin typeface="Arial"/>
+                <a:ea typeface="DejaVu Sans"/>
+              </a:rPr>
+              <a:t>Node.js. </a:t>
+            </a:r>
+            <a:r>
+              <a:rPr b="1" lang="pt-BR" sz="3200" spc="-1" strike="noStrike">
+                <a:solidFill>
+                  <a:srgbClr val="1f4e79"/>
+                </a:solidFill>
+                <a:latin typeface="Arial"/>
+                <a:ea typeface="DejaVu Sans"/>
+              </a:rPr>
+              <a:t>About</a:t>
+            </a:r>
+            <a:r>
+              <a:rPr b="0" lang="pt-BR" sz="3200" spc="-1" strike="noStrike">
+                <a:solidFill>
+                  <a:srgbClr val="1f4e79"/>
+                </a:solidFill>
+                <a:latin typeface="Arial"/>
+                <a:ea typeface="DejaVu Sans"/>
+              </a:rPr>
+              <a:t>. Disponível em: </a:t>
+            </a:r>
+            <a:r>
+              <a:rPr b="0" lang="pt-BR" sz="3200" spc="-1" strike="noStrike" u="sng">
+                <a:solidFill>
+                  <a:srgbClr val="0563c1"/>
+                </a:solidFill>
+                <a:uFillTx/>
+                <a:latin typeface="Arial"/>
+                <a:ea typeface="DejaVu Sans"/>
+                <a:hlinkClick r:id="rId1"/>
+              </a:rPr>
+              <a:t>https://nodejs.org/</a:t>
+            </a:r>
+            <a:r>
+              <a:rPr b="0" lang="pt-BR" sz="3200" spc="-1" strike="noStrike" u="sng">
+                <a:solidFill>
+                  <a:srgbClr val="0563c1"/>
+                </a:solidFill>
+                <a:uFillTx/>
+                <a:latin typeface="Arial"/>
+                <a:ea typeface="DejaVu Sans"/>
+                <a:hlinkClick r:id="rId2"/>
+              </a:rPr>
+              <a:t>en</a:t>
+            </a:r>
+            <a:r>
+              <a:rPr b="0" lang="pt-BR" sz="3200" spc="-1" strike="noStrike" u="sng">
+                <a:solidFill>
+                  <a:srgbClr val="0563c1"/>
+                </a:solidFill>
+                <a:uFillTx/>
+                <a:latin typeface="Arial"/>
+                <a:ea typeface="DejaVu Sans"/>
+                <a:hlinkClick r:id="rId3"/>
+              </a:rPr>
+              <a:t>/</a:t>
+            </a:r>
+            <a:r>
+              <a:rPr b="0" lang="pt-BR" sz="3200" spc="-1" strike="noStrike" u="sng">
+                <a:solidFill>
+                  <a:srgbClr val="0563c1"/>
+                </a:solidFill>
+                <a:uFillTx/>
+                <a:latin typeface="Arial"/>
+                <a:ea typeface="DejaVu Sans"/>
+                <a:hlinkClick r:id="rId4"/>
+              </a:rPr>
+              <a:t>about</a:t>
+            </a:r>
+            <a:r>
+              <a:rPr b="0" lang="pt-BR" sz="3200" spc="-1" strike="noStrike" u="sng">
+                <a:solidFill>
+                  <a:srgbClr val="0563c1"/>
+                </a:solidFill>
+                <a:uFillTx/>
+                <a:latin typeface="Arial"/>
+                <a:ea typeface="DejaVu Sans"/>
+                <a:hlinkClick r:id="rId5"/>
+              </a:rPr>
+              <a:t>/</a:t>
+            </a:r>
+            <a:r>
+              <a:rPr b="0" lang="pt-BR" sz="3200" spc="-1" strike="noStrike">
+                <a:solidFill>
+                  <a:srgbClr val="1f4e79"/>
+                </a:solidFill>
+                <a:latin typeface="Arial"/>
+                <a:ea typeface="DejaVu Sans"/>
+              </a:rPr>
+              <a:t>.</a:t>
+            </a:r>
+            <a:endParaRPr b="0" lang="pt-BR" sz="3200" spc="-1" strike="noStrike">
+              <a:latin typeface="Arial"/>
+            </a:endParaRPr>
+          </a:p>
+          <a:p>
+            <a:pPr marL="514440" indent="-511200">
+              <a:lnSpc>
+                <a:spcPct val="100000"/>
+              </a:lnSpc>
+              <a:spcBef>
+                <a:spcPts val="1001"/>
+              </a:spcBef>
+              <a:spcAft>
+                <a:spcPts val="1001"/>
+              </a:spcAft>
+              <a:buClr>
+                <a:srgbClr val="1f4e79"/>
+              </a:buClr>
+              <a:buFont typeface="Calibri Light"/>
+              <a:buAutoNum type="arabicPeriod"/>
+            </a:pPr>
+            <a:r>
+              <a:rPr b="0" lang="pt-BR" sz="3200" spc="-1" strike="noStrike">
+                <a:solidFill>
+                  <a:srgbClr val="1f4e79"/>
+                </a:solidFill>
+                <a:latin typeface="Arial"/>
+                <a:ea typeface="DejaVu Sans"/>
+              </a:rPr>
+              <a:t>Node.js. </a:t>
+            </a:r>
+            <a:r>
+              <a:rPr b="1" lang="pt-BR" sz="3200" spc="-1" strike="noStrike">
+                <a:solidFill>
+                  <a:srgbClr val="1f4e79"/>
+                </a:solidFill>
+                <a:latin typeface="Arial"/>
+                <a:ea typeface="DejaVu Sans"/>
+              </a:rPr>
+              <a:t>Download</a:t>
+            </a:r>
+            <a:r>
+              <a:rPr b="0" lang="pt-BR" sz="3200" spc="-1" strike="noStrike">
+                <a:solidFill>
+                  <a:srgbClr val="1f4e79"/>
+                </a:solidFill>
+                <a:latin typeface="Arial"/>
+                <a:ea typeface="DejaVu Sans"/>
+              </a:rPr>
+              <a:t>. Disponível em: </a:t>
+            </a:r>
+            <a:r>
+              <a:rPr b="0" lang="pt-BR" sz="3200" spc="-1" strike="noStrike" u="sng">
+                <a:solidFill>
+                  <a:srgbClr val="0563c1"/>
+                </a:solidFill>
+                <a:uFillTx/>
+                <a:latin typeface="Arial"/>
+                <a:ea typeface="DejaVu Sans"/>
+                <a:hlinkClick r:id="rId6"/>
+              </a:rPr>
+              <a:t>https://nodejs.org/</a:t>
+            </a:r>
+            <a:r>
+              <a:rPr b="0" lang="pt-BR" sz="3200" spc="-1" strike="noStrike" u="sng">
+                <a:solidFill>
+                  <a:srgbClr val="0563c1"/>
+                </a:solidFill>
+                <a:uFillTx/>
+                <a:latin typeface="Arial"/>
+                <a:ea typeface="DejaVu Sans"/>
+                <a:hlinkClick r:id="rId7"/>
+              </a:rPr>
+              <a:t>en</a:t>
+            </a:r>
+            <a:r>
+              <a:rPr b="0" lang="pt-BR" sz="3200" spc="-1" strike="noStrike" u="sng">
+                <a:solidFill>
+                  <a:srgbClr val="0563c1"/>
+                </a:solidFill>
+                <a:uFillTx/>
+                <a:latin typeface="Arial"/>
+                <a:ea typeface="DejaVu Sans"/>
+                <a:hlinkClick r:id="rId8"/>
+              </a:rPr>
+              <a:t>/download/</a:t>
+            </a:r>
+            <a:r>
+              <a:rPr b="0" lang="pt-BR" sz="3200" spc="-1" strike="noStrike">
+                <a:solidFill>
+                  <a:srgbClr val="1f4e79"/>
+                </a:solidFill>
+                <a:latin typeface="Arial"/>
+                <a:ea typeface="DejaVu Sans"/>
+              </a:rPr>
+              <a:t>.</a:t>
+            </a:r>
+            <a:endParaRPr b="0" lang="pt-BR" sz="3200" spc="-1" strike="noStrike">
+              <a:latin typeface="Arial"/>
+            </a:endParaRPr>
+          </a:p>
+          <a:p>
+            <a:pPr marL="514440" indent="-511200">
+              <a:lnSpc>
+                <a:spcPct val="100000"/>
+              </a:lnSpc>
+              <a:spcBef>
+                <a:spcPts val="1001"/>
+              </a:spcBef>
+              <a:spcAft>
+                <a:spcPts val="1001"/>
+              </a:spcAft>
+              <a:buClr>
+                <a:srgbClr val="1f4e79"/>
+              </a:buClr>
+              <a:buFont typeface="Calibri Light"/>
+              <a:buAutoNum type="arabicPeriod"/>
+            </a:pPr>
+            <a:r>
+              <a:rPr b="0" lang="pt-BR" sz="3200" spc="-1" strike="noStrike">
+                <a:solidFill>
+                  <a:srgbClr val="1f4e79"/>
+                </a:solidFill>
+                <a:latin typeface="Arial"/>
+                <a:ea typeface="DejaVu Sans"/>
+              </a:rPr>
+              <a:t>Yarn. </a:t>
+            </a:r>
+            <a:r>
+              <a:rPr b="1" lang="pt-BR" sz="3200" spc="-1" strike="noStrike">
+                <a:solidFill>
+                  <a:srgbClr val="1f4e79"/>
+                </a:solidFill>
+                <a:latin typeface="Arial"/>
+                <a:ea typeface="DejaVu Sans"/>
+              </a:rPr>
+              <a:t>Introduction</a:t>
+            </a:r>
+            <a:r>
+              <a:rPr b="0" lang="pt-BR" sz="3200" spc="-1" strike="noStrike">
+                <a:solidFill>
+                  <a:srgbClr val="1f4e79"/>
+                </a:solidFill>
+                <a:latin typeface="Arial"/>
+                <a:ea typeface="DejaVu Sans"/>
+              </a:rPr>
+              <a:t>. Disponível em: </a:t>
+            </a:r>
+            <a:r>
+              <a:rPr b="0" lang="pt-BR" sz="3200" spc="-1" strike="noStrike" u="sng">
+                <a:solidFill>
+                  <a:srgbClr val="0563c1"/>
+                </a:solidFill>
+                <a:uFillTx/>
+                <a:latin typeface="Arial"/>
+                <a:ea typeface="DejaVu Sans"/>
+                <a:hlinkClick r:id="rId9"/>
+              </a:rPr>
+              <a:t>https://yarnpkg.com/</a:t>
+            </a:r>
+            <a:r>
+              <a:rPr b="0" lang="pt-BR" sz="3200" spc="-1" strike="noStrike" u="sng">
+                <a:solidFill>
+                  <a:srgbClr val="0563c1"/>
+                </a:solidFill>
+                <a:uFillTx/>
+                <a:latin typeface="Arial"/>
+                <a:ea typeface="DejaVu Sans"/>
+                <a:hlinkClick r:id="rId10"/>
+              </a:rPr>
+              <a:t>getting-started</a:t>
+            </a:r>
+            <a:r>
+              <a:rPr b="0" lang="pt-BR" sz="3200" spc="-1" strike="noStrike">
+                <a:solidFill>
+                  <a:srgbClr val="1f4e79"/>
+                </a:solidFill>
+                <a:latin typeface="Arial"/>
+                <a:ea typeface="DejaVu Sans"/>
+              </a:rPr>
+              <a:t>.</a:t>
+            </a:r>
+            <a:endParaRPr b="0" lang="pt-BR" sz="3200" spc="-1" strike="noStrike">
+              <a:latin typeface="Arial"/>
+            </a:endParaRPr>
+          </a:p>
+          <a:p>
+            <a:pPr marL="514440" indent="-511200">
+              <a:lnSpc>
+                <a:spcPct val="100000"/>
+              </a:lnSpc>
+              <a:spcBef>
+                <a:spcPts val="1001"/>
+              </a:spcBef>
+              <a:spcAft>
+                <a:spcPts val="1001"/>
+              </a:spcAft>
+              <a:buClr>
+                <a:srgbClr val="1f4e79"/>
+              </a:buClr>
+              <a:buFont typeface="Calibri Light"/>
+              <a:buAutoNum type="arabicPeriod"/>
+            </a:pPr>
+            <a:r>
+              <a:rPr b="0" lang="pt-BR" sz="3200" spc="-1" strike="noStrike">
+                <a:solidFill>
+                  <a:srgbClr val="1f4e79"/>
+                </a:solidFill>
+                <a:latin typeface="Arial"/>
+                <a:ea typeface="DejaVu Sans"/>
+              </a:rPr>
+              <a:t>Yarn. </a:t>
+            </a:r>
+            <a:r>
+              <a:rPr b="1" lang="pt-BR" sz="3200" spc="-1" strike="noStrike">
+                <a:solidFill>
+                  <a:srgbClr val="1f4e79"/>
+                </a:solidFill>
+                <a:latin typeface="Arial"/>
+                <a:ea typeface="DejaVu Sans"/>
+              </a:rPr>
+              <a:t>Installation</a:t>
+            </a:r>
+            <a:r>
+              <a:rPr b="0" lang="pt-BR" sz="3200" spc="-1" strike="noStrike">
+                <a:solidFill>
+                  <a:srgbClr val="1f4e79"/>
+                </a:solidFill>
+                <a:latin typeface="Arial"/>
+                <a:ea typeface="DejaVu Sans"/>
+              </a:rPr>
+              <a:t>. Disponível em: </a:t>
+            </a:r>
+            <a:r>
+              <a:rPr b="0" lang="pt-BR" sz="3200" spc="-1" strike="noStrike" u="sng">
+                <a:solidFill>
+                  <a:srgbClr val="0563c1"/>
+                </a:solidFill>
+                <a:uFillTx/>
+                <a:latin typeface="Arial"/>
+                <a:ea typeface="DejaVu Sans"/>
+                <a:hlinkClick r:id="rId11"/>
+              </a:rPr>
+              <a:t>https://classic.yarnpkg.com/en/docs/</a:t>
+            </a:r>
+            <a:r>
+              <a:rPr b="0" lang="pt-BR" sz="3200" spc="-1" strike="noStrike" u="sng">
+                <a:solidFill>
+                  <a:srgbClr val="0563c1"/>
+                </a:solidFill>
+                <a:uFillTx/>
+                <a:latin typeface="Arial"/>
+                <a:ea typeface="DejaVu Sans"/>
+                <a:hlinkClick r:id="rId12"/>
+              </a:rPr>
+              <a:t>install#windows-stable</a:t>
+            </a:r>
+            <a:r>
+              <a:rPr b="0" lang="pt-BR" sz="3200" spc="-1" strike="noStrike">
+                <a:solidFill>
+                  <a:srgbClr val="1f4e79"/>
+                </a:solidFill>
+                <a:latin typeface="Arial"/>
+                <a:ea typeface="DejaVu Sans"/>
+              </a:rPr>
+              <a:t>.</a:t>
+            </a:r>
+            <a:endParaRPr b="0" lang="pt-BR" sz="3200" spc="-1" strike="noStrike">
+              <a:latin typeface="Arial"/>
+            </a:endParaRPr>
+          </a:p>
+          <a:p>
+            <a:pPr marL="514440" indent="-511200">
+              <a:lnSpc>
+                <a:spcPct val="100000"/>
+              </a:lnSpc>
+              <a:spcBef>
+                <a:spcPts val="1001"/>
+              </a:spcBef>
+              <a:spcAft>
+                <a:spcPts val="1001"/>
+              </a:spcAft>
+              <a:buClr>
+                <a:srgbClr val="1f4e79"/>
+              </a:buClr>
+              <a:buFont typeface="Calibri Light"/>
+              <a:buAutoNum type="arabicPeriod"/>
+            </a:pPr>
+            <a:r>
+              <a:rPr b="0" lang="pt-BR" sz="3200" spc="-1" strike="noStrike">
+                <a:solidFill>
+                  <a:srgbClr val="1f4e79"/>
+                </a:solidFill>
+                <a:latin typeface="Arial"/>
+                <a:ea typeface="DejaVu Sans"/>
+              </a:rPr>
+              <a:t>Express. </a:t>
+            </a:r>
+            <a:r>
+              <a:rPr b="1" lang="pt-BR" sz="3200" spc="-1" strike="noStrike">
+                <a:solidFill>
+                  <a:srgbClr val="1f4e79"/>
+                </a:solidFill>
+                <a:latin typeface="Arial"/>
+                <a:ea typeface="DejaVu Sans"/>
+              </a:rPr>
+              <a:t>Installing</a:t>
+            </a:r>
+            <a:r>
+              <a:rPr b="0" lang="pt-BR" sz="3200" spc="-1" strike="noStrike">
+                <a:solidFill>
+                  <a:srgbClr val="1f4e79"/>
+                </a:solidFill>
+                <a:latin typeface="Arial"/>
+                <a:ea typeface="DejaVu Sans"/>
+              </a:rPr>
+              <a:t>. Disponível em: </a:t>
+            </a:r>
+            <a:r>
+              <a:rPr b="0" lang="pt-BR" sz="3200" spc="-1" strike="noStrike" u="sng">
+                <a:solidFill>
+                  <a:srgbClr val="0563c1"/>
+                </a:solidFill>
+                <a:uFillTx/>
+                <a:latin typeface="Arial"/>
+                <a:ea typeface="DejaVu Sans"/>
+                <a:hlinkClick r:id="rId13"/>
+              </a:rPr>
+              <a:t>https://expressjs.com/en/starter/installing.html</a:t>
+            </a:r>
+            <a:endParaRPr b="0" lang="pt-BR" sz="3200" spc="-1" strike="noStrike">
+              <a:latin typeface="Arial"/>
+            </a:endParaRPr>
+          </a:p>
+        </p:txBody>
+      </p:sp>
+    </p:spTree>
+  </p:cSld>
+  <mc:AlternateContent>
+    <mc:Choice Requires="p14">
+      <p:transition spd="slow" p14:dur="2000"/>
+    </mc:Choice>
+    <mc:Fallback>
+      <p:transition spd="slow"/>
+    </mc:Fallback>
+  </mc:AlternateContent>
+</p:sld>
+</file>
+
+<file path=ppt/slides/slide41.xml><?xml version="1.0" encoding="utf-8"?>
+<p:sld xmlns:a="http://schemas.openxmlformats.org/drawingml/2006/main" xmlns:p="http://schemas.openxmlformats.org/presentationml/2006/main" xmlns:r="http://schemas.openxmlformats.org/officeDocument/2006/relationships" xmlns:p14="http://schemas.microsoft.com/office/powerpoint/2010/main" xmlns:p15="http://schemas.microsoft.com/office/powerpoint/2012/main" xmlns:mc="http://schemas.openxmlformats.org/markup-compatibility/2006">
+  <p:cSld>
+    <p:spTree>
+      <p:nvGrpSpPr>
+        <p:cNvPr id="1" name=""/>
+        <p:cNvGrpSpPr/>
+        <p:nvPr/>
+      </p:nvGrpSpPr>
+      <p:grpSpPr>
+        <a:xfrm>
+          <a:off x="0" y="0"/>
+          <a:ext cx="0" cy="0"/>
+          <a:chOff x="0" y="0"/>
+          <a:chExt cx="0" cy="0"/>
+        </a:xfrm>
+      </p:grpSpPr>
+      <p:sp>
+        <p:nvSpPr>
+          <p:cNvPr id="169" name="CustomShape 1"/>
+          <p:cNvSpPr/>
+          <p:nvPr/>
+        </p:nvSpPr>
+        <p:spPr>
+          <a:xfrm>
+            <a:off x="0" y="224280"/>
+            <a:ext cx="12020040" cy="855360"/>
+          </a:xfrm>
+          <a:prstGeom prst="rect">
+            <a:avLst/>
+          </a:prstGeom>
+          <a:noFill/>
+          <a:ln>
+            <a:noFill/>
+          </a:ln>
+        </p:spPr>
+        <p:style>
+          <a:lnRef idx="0"/>
+          <a:fillRef idx="0"/>
+          <a:effectRef idx="0"/>
+          <a:fontRef idx="minor"/>
+        </p:style>
+        <p:txBody>
+          <a:bodyPr lIns="90000" rIns="90000" tIns="45000" bIns="45000" anchor="ctr">
+            <a:noAutofit/>
+          </a:bodyPr>
+          <a:p>
+            <a:pPr algn="ctr">
+              <a:lnSpc>
+                <a:spcPct val="90000"/>
+              </a:lnSpc>
+            </a:pPr>
+            <a:r>
+              <a:rPr b="0" lang="pt-BR" sz="5400" spc="-1" strike="noStrike">
+                <a:solidFill>
+                  <a:srgbClr val="1f4e79"/>
+                </a:solidFill>
+                <a:latin typeface="Arial"/>
+                <a:ea typeface="DejaVu Sans"/>
+              </a:rPr>
+              <a:t>Referências</a:t>
+            </a:r>
+            <a:endParaRPr b="0" lang="pt-BR" sz="5400" spc="-1" strike="noStrike">
+              <a:latin typeface="Arial"/>
+            </a:endParaRPr>
+          </a:p>
+        </p:txBody>
+      </p:sp>
+      <p:sp>
+        <p:nvSpPr>
+          <p:cNvPr id="170" name="CustomShape 2"/>
+          <p:cNvSpPr/>
+          <p:nvPr/>
+        </p:nvSpPr>
+        <p:spPr>
+          <a:xfrm>
+            <a:off x="317520" y="1290960"/>
+            <a:ext cx="11702160" cy="4348080"/>
+          </a:xfrm>
+          <a:prstGeom prst="rect">
+            <a:avLst/>
+          </a:prstGeom>
+          <a:noFill/>
+          <a:ln>
+            <a:noFill/>
+          </a:ln>
+        </p:spPr>
+        <p:style>
+          <a:lnRef idx="0"/>
+          <a:fillRef idx="0"/>
+          <a:effectRef idx="0"/>
+          <a:fontRef idx="minor"/>
+        </p:style>
+        <p:txBody>
+          <a:bodyPr lIns="90000" rIns="90000" tIns="45000" bIns="45000">
+            <a:normAutofit/>
+          </a:bodyPr>
+          <a:p>
+            <a:pPr marL="516240" indent="-513000">
+              <a:lnSpc>
+                <a:spcPct val="100000"/>
+              </a:lnSpc>
+              <a:spcBef>
+                <a:spcPts val="1001"/>
+              </a:spcBef>
+              <a:spcAft>
+                <a:spcPts val="1001"/>
+              </a:spcAft>
+              <a:buClr>
+                <a:srgbClr val="1f4e79"/>
+              </a:buClr>
+              <a:buFont typeface="Arial"/>
+              <a:buAutoNum type="arabicPeriod" startAt="6"/>
+            </a:pPr>
+            <a:r>
+              <a:rPr b="0" lang="pt-BR" sz="3200" spc="-1" strike="noStrike">
+                <a:solidFill>
+                  <a:srgbClr val="1f4e79"/>
+                </a:solidFill>
+                <a:latin typeface="Arial"/>
+                <a:ea typeface="DejaVu Sans"/>
+              </a:rPr>
+              <a:t>NPM. </a:t>
+            </a:r>
+            <a:r>
+              <a:rPr b="1" lang="pt-BR" sz="3200" spc="-1" strike="noStrike">
+                <a:solidFill>
+                  <a:srgbClr val="1f4e79"/>
+                </a:solidFill>
+                <a:latin typeface="Arial"/>
+                <a:ea typeface="DejaVu Sans"/>
+              </a:rPr>
+              <a:t>Nodemon</a:t>
+            </a:r>
+            <a:r>
+              <a:rPr b="0" lang="pt-BR" sz="3200" spc="-1" strike="noStrike">
+                <a:solidFill>
+                  <a:srgbClr val="1f4e79"/>
+                </a:solidFill>
+                <a:latin typeface="Arial"/>
+                <a:ea typeface="DejaVu Sans"/>
+              </a:rPr>
+              <a:t>. Disponível em: </a:t>
+            </a:r>
+            <a:r>
+              <a:rPr b="0" lang="pt-BR" sz="3200" spc="-1" strike="noStrike" u="sng">
+                <a:solidFill>
+                  <a:srgbClr val="0563c1"/>
+                </a:solidFill>
+                <a:uFillTx/>
+                <a:latin typeface="Arial"/>
+                <a:ea typeface="DejaVu Sans"/>
+                <a:hlinkClick r:id="rId1"/>
+              </a:rPr>
+              <a:t>https://www.npmjs.com/package/nodemon</a:t>
+            </a:r>
+            <a:endParaRPr b="0" lang="pt-BR" sz="3200" spc="-1" strike="noStrike">
+              <a:latin typeface="Arial"/>
+            </a:endParaRPr>
+          </a:p>
+          <a:p>
+            <a:pPr marL="516240" indent="-513000">
+              <a:lnSpc>
+                <a:spcPct val="100000"/>
+              </a:lnSpc>
+              <a:spcBef>
+                <a:spcPts val="1001"/>
+              </a:spcBef>
+              <a:spcAft>
+                <a:spcPts val="1001"/>
+              </a:spcAft>
+              <a:buClr>
+                <a:srgbClr val="1f4e79"/>
+              </a:buClr>
+              <a:buFont typeface="Arial"/>
+              <a:buAutoNum type="arabicPeriod" startAt="6"/>
+            </a:pPr>
+            <a:r>
+              <a:rPr b="0" lang="pt-BR" sz="3200" spc="-1" strike="noStrike">
+                <a:solidFill>
+                  <a:srgbClr val="1f4e79"/>
+                </a:solidFill>
+                <a:latin typeface="Arial"/>
+                <a:ea typeface="DejaVu Sans"/>
+              </a:rPr>
+              <a:t>MDN Web Docs Mozilla. </a:t>
+            </a:r>
+            <a:r>
+              <a:rPr b="1" lang="pt-BR" sz="3200" spc="-1" strike="noStrike">
+                <a:solidFill>
+                  <a:srgbClr val="1f4e79"/>
+                </a:solidFill>
+                <a:latin typeface="Arial"/>
+                <a:ea typeface="DejaVu Sans"/>
+              </a:rPr>
+              <a:t>Métodos de requisição HTTP</a:t>
+            </a:r>
+            <a:r>
+              <a:rPr b="0" lang="pt-BR" sz="3200" spc="-1" strike="noStrike">
+                <a:solidFill>
+                  <a:srgbClr val="1f4e79"/>
+                </a:solidFill>
+                <a:latin typeface="Arial"/>
+                <a:ea typeface="DejaVu Sans"/>
+              </a:rPr>
+              <a:t>. Disponível em: </a:t>
+            </a:r>
+            <a:r>
+              <a:rPr b="0" lang="pt-BR" sz="3200" spc="-1" strike="noStrike" u="sng">
+                <a:solidFill>
+                  <a:srgbClr val="0563c1"/>
+                </a:solidFill>
+                <a:uFillTx/>
+                <a:latin typeface="Arial"/>
+                <a:ea typeface="DejaVu Sans"/>
+                <a:hlinkClick r:id="rId2"/>
+              </a:rPr>
+              <a:t>https://developer.mozilla.org/</a:t>
+            </a:r>
+            <a:r>
+              <a:rPr b="0" lang="pt-BR" sz="3200" spc="-1" strike="noStrike" u="sng">
+                <a:solidFill>
+                  <a:srgbClr val="0563c1"/>
+                </a:solidFill>
+                <a:uFillTx/>
+                <a:latin typeface="Arial"/>
+                <a:ea typeface="DejaVu Sans"/>
+                <a:hlinkClick r:id="rId3"/>
+              </a:rPr>
+              <a:t>pt</a:t>
+            </a:r>
+            <a:r>
+              <a:rPr b="0" lang="pt-BR" sz="3200" spc="-1" strike="noStrike" u="sng">
+                <a:solidFill>
+                  <a:srgbClr val="0563c1"/>
+                </a:solidFill>
+                <a:uFillTx/>
+                <a:latin typeface="Arial"/>
+                <a:ea typeface="DejaVu Sans"/>
+                <a:hlinkClick r:id="rId4"/>
+              </a:rPr>
+              <a:t>-BR/</a:t>
+            </a:r>
+            <a:r>
+              <a:rPr b="0" lang="pt-BR" sz="3200" spc="-1" strike="noStrike" u="sng">
+                <a:solidFill>
+                  <a:srgbClr val="0563c1"/>
+                </a:solidFill>
+                <a:uFillTx/>
+                <a:latin typeface="Arial"/>
+                <a:ea typeface="DejaVu Sans"/>
+                <a:hlinkClick r:id="rId5"/>
+              </a:rPr>
+              <a:t>docs</a:t>
+            </a:r>
+            <a:r>
+              <a:rPr b="0" lang="pt-BR" sz="3200" spc="-1" strike="noStrike" u="sng">
+                <a:solidFill>
+                  <a:srgbClr val="0563c1"/>
+                </a:solidFill>
+                <a:uFillTx/>
+                <a:latin typeface="Arial"/>
+                <a:ea typeface="DejaVu Sans"/>
+                <a:hlinkClick r:id="rId6"/>
+              </a:rPr>
+              <a:t>/Web/HTTP/</a:t>
+            </a:r>
+            <a:r>
+              <a:rPr b="0" lang="pt-BR" sz="3200" spc="-1" strike="noStrike" u="sng">
+                <a:solidFill>
+                  <a:srgbClr val="0563c1"/>
+                </a:solidFill>
+                <a:uFillTx/>
+                <a:latin typeface="Arial"/>
+                <a:ea typeface="DejaVu Sans"/>
+                <a:hlinkClick r:id="rId7"/>
+              </a:rPr>
+              <a:t>Methods</a:t>
+            </a:r>
+            <a:r>
+              <a:rPr b="0" lang="pt-BR" sz="3200" spc="-1" strike="noStrike">
+                <a:solidFill>
+                  <a:srgbClr val="1f4e79"/>
+                </a:solidFill>
+                <a:latin typeface="Arial"/>
+                <a:ea typeface="DejaVu Sans"/>
+              </a:rPr>
+              <a:t>.</a:t>
+            </a:r>
+            <a:endParaRPr b="0" lang="pt-BR" sz="3200" spc="-1" strike="noStrike">
+              <a:latin typeface="Arial"/>
+            </a:endParaRPr>
+          </a:p>
+          <a:p>
+            <a:pPr marL="516240" indent="-513000">
+              <a:lnSpc>
+                <a:spcPct val="100000"/>
+              </a:lnSpc>
+              <a:spcBef>
+                <a:spcPts val="1001"/>
+              </a:spcBef>
+              <a:spcAft>
+                <a:spcPts val="1001"/>
+              </a:spcAft>
+              <a:buClr>
+                <a:srgbClr val="1f4e79"/>
+              </a:buClr>
+              <a:buFont typeface="Arial"/>
+              <a:buAutoNum type="arabicPeriod" startAt="6"/>
+            </a:pPr>
+            <a:r>
+              <a:rPr b="0" lang="pt-BR" sz="3200" spc="-1" strike="noStrike">
+                <a:solidFill>
+                  <a:srgbClr val="1f4e79"/>
+                </a:solidFill>
+                <a:latin typeface="Arial"/>
+                <a:ea typeface="DejaVu Sans"/>
+              </a:rPr>
+              <a:t>Insomnia. </a:t>
+            </a:r>
+            <a:r>
+              <a:rPr b="1" lang="pt-BR" sz="3200" spc="-1" strike="noStrike">
+                <a:solidFill>
+                  <a:srgbClr val="1f4e79"/>
+                </a:solidFill>
+                <a:latin typeface="Arial"/>
+                <a:ea typeface="DejaVu Sans"/>
+              </a:rPr>
+              <a:t>Download Insomnia</a:t>
+            </a:r>
+            <a:r>
+              <a:rPr b="0" lang="pt-BR" sz="3200" spc="-1" strike="noStrike">
+                <a:solidFill>
+                  <a:srgbClr val="1f4e79"/>
+                </a:solidFill>
+                <a:latin typeface="Arial"/>
+                <a:ea typeface="DejaVu Sans"/>
+              </a:rPr>
+              <a:t>. Disponível em: </a:t>
+            </a:r>
+            <a:r>
+              <a:rPr b="0" lang="pt-BR" sz="3200" spc="-1" strike="noStrike" u="sng">
+                <a:solidFill>
+                  <a:srgbClr val="0563c1"/>
+                </a:solidFill>
+                <a:uFillTx/>
+                <a:latin typeface="Arial"/>
+                <a:ea typeface="DejaVu Sans"/>
+                <a:hlinkClick r:id="rId8"/>
+              </a:rPr>
+              <a:t>https://insomnia.rest/download</a:t>
+            </a:r>
+            <a:endParaRPr b="0" lang="pt-BR" sz="3200" spc="-1" strike="noStrike">
+              <a:latin typeface="Arial"/>
+            </a:endParaRPr>
+          </a:p>
+          <a:p>
+            <a:pPr>
+              <a:lnSpc>
+                <a:spcPct val="100000"/>
+              </a:lnSpc>
+              <a:spcBef>
+                <a:spcPts val="1001"/>
+              </a:spcBef>
+              <a:spcAft>
+                <a:spcPts val="1001"/>
+              </a:spcAft>
+            </a:pPr>
+            <a:endParaRPr b="0" lang="pt-BR" sz="3200" spc="-1" strike="noStrike">
+              <a:latin typeface="Arial"/>
+            </a:endParaRPr>
+          </a:p>
+          <a:p>
+            <a:pPr marL="1800">
+              <a:lnSpc>
+                <a:spcPct val="100000"/>
+              </a:lnSpc>
+              <a:spcBef>
+                <a:spcPts val="1001"/>
+              </a:spcBef>
+              <a:spcAft>
+                <a:spcPts val="1001"/>
+              </a:spcAft>
+            </a:pPr>
+            <a:endParaRPr b="0" lang="pt-BR" sz="3200" spc="-1" strike="noStrike">
+              <a:latin typeface="Arial"/>
+            </a:endParaRPr>
+          </a:p>
+          <a:p>
+            <a:pPr marL="1800">
+              <a:lnSpc>
+                <a:spcPct val="100000"/>
+              </a:lnSpc>
+              <a:spcBef>
+                <a:spcPts val="1001"/>
+              </a:spcBef>
+              <a:spcAft>
+                <a:spcPts val="1001"/>
+              </a:spcAft>
+            </a:pPr>
+            <a:endParaRPr b="0" lang="pt-BR" sz="3200" spc="-1" strike="noStrike">
+              <a:latin typeface="Arial"/>
+            </a:endParaRPr>
+          </a:p>
+        </p:txBody>
+      </p:sp>
+    </p:spTree>
+  </p:cSld>
+  <mc:AlternateContent>
+    <mc:Choice Requires="p14">
+      <p:transition spd="slow" p14:dur="2000"/>
+    </mc:Choice>
+    <mc:Fallback>
+      <p:transition spd="slow"/>
+    </mc:Fallback>
+  </mc:AlternateContent>
+</p:sld>
+</file>
+
+<file path=ppt/slides/slide42.xml><?xml version="1.0" encoding="utf-8"?>
+<p:sld xmlns:a="http://schemas.openxmlformats.org/drawingml/2006/main" xmlns:p="http://schemas.openxmlformats.org/presentationml/2006/main" xmlns:r="http://schemas.openxmlformats.org/officeDocument/2006/relationships" xmlns:p14="http://schemas.microsoft.com/office/powerpoint/2010/main" xmlns:p15="http://schemas.microsoft.com/office/powerpoint/2012/main" xmlns:mc="http://schemas.openxmlformats.org/markup-compatibility/2006">
+  <p:cSld>
+    <p:spTree>
+      <p:nvGrpSpPr>
+        <p:cNvPr id="1" name=""/>
+        <p:cNvGrpSpPr/>
+        <p:nvPr/>
+      </p:nvGrpSpPr>
+      <p:grpSpPr>
+        <a:xfrm>
+          <a:off x="0" y="0"/>
+          <a:ext cx="0" cy="0"/>
+          <a:chOff x="0" y="0"/>
+          <a:chExt cx="0" cy="0"/>
+        </a:xfrm>
+      </p:grpSpPr>
+      <p:sp>
+        <p:nvSpPr>
+          <p:cNvPr id="171" name="CustomShape 1"/>
+          <p:cNvSpPr/>
+          <p:nvPr/>
+        </p:nvSpPr>
+        <p:spPr>
+          <a:xfrm>
+            <a:off x="0" y="224280"/>
+            <a:ext cx="12020040" cy="855360"/>
+          </a:xfrm>
+          <a:prstGeom prst="rect">
+            <a:avLst/>
+          </a:prstGeom>
+          <a:noFill/>
+          <a:ln>
+            <a:noFill/>
+          </a:ln>
+        </p:spPr>
+        <p:style>
+          <a:lnRef idx="0"/>
+          <a:fillRef idx="0"/>
+          <a:effectRef idx="0"/>
+          <a:fontRef idx="minor"/>
+        </p:style>
+        <p:txBody>
+          <a:bodyPr lIns="90000" rIns="90000" tIns="45000" bIns="45000" anchor="ctr">
+            <a:noAutofit/>
+          </a:bodyPr>
+          <a:p>
+            <a:pPr algn="ctr">
+              <a:lnSpc>
+                <a:spcPct val="90000"/>
+              </a:lnSpc>
+            </a:pPr>
+            <a:r>
+              <a:rPr b="0" lang="pt-BR" sz="5400" spc="-1" strike="noStrike">
+                <a:solidFill>
+                  <a:srgbClr val="1f4e79"/>
+                </a:solidFill>
+                <a:latin typeface="Arial"/>
+                <a:ea typeface="DejaVu Sans"/>
+              </a:rPr>
+              <a:t>Referências</a:t>
+            </a:r>
+            <a:endParaRPr b="0" lang="pt-BR" sz="5400" spc="-1" strike="noStrike">
+              <a:latin typeface="Arial"/>
+            </a:endParaRPr>
+          </a:p>
+        </p:txBody>
+      </p:sp>
+      <p:sp>
+        <p:nvSpPr>
+          <p:cNvPr id="172" name="CustomShape 2"/>
+          <p:cNvSpPr/>
+          <p:nvPr/>
+        </p:nvSpPr>
+        <p:spPr>
+          <a:xfrm>
+            <a:off x="317520" y="1290960"/>
+            <a:ext cx="11702160" cy="4348080"/>
+          </a:xfrm>
+          <a:prstGeom prst="rect">
+            <a:avLst/>
+          </a:prstGeom>
+          <a:noFill/>
+          <a:ln>
+            <a:noFill/>
+          </a:ln>
+        </p:spPr>
+        <p:style>
+          <a:lnRef idx="0"/>
+          <a:fillRef idx="0"/>
+          <a:effectRef idx="0"/>
+          <a:fontRef idx="minor"/>
+        </p:style>
+        <p:txBody>
+          <a:bodyPr lIns="90000" rIns="90000" tIns="45000" bIns="45000">
+            <a:normAutofit/>
+          </a:bodyPr>
+          <a:p>
+            <a:pPr marL="516240" indent="-513000">
+              <a:lnSpc>
+                <a:spcPct val="100000"/>
+              </a:lnSpc>
+              <a:spcBef>
+                <a:spcPts val="1001"/>
+              </a:spcBef>
+              <a:spcAft>
+                <a:spcPts val="1001"/>
+              </a:spcAft>
+              <a:buClr>
+                <a:srgbClr val="1f4e79"/>
+              </a:buClr>
+              <a:buFont typeface="Arial"/>
+              <a:buAutoNum type="arabicPeriod" startAt="9"/>
+            </a:pPr>
+            <a:r>
+              <a:rPr b="0" lang="pt-BR" sz="3200" spc="-1" strike="noStrike">
+                <a:solidFill>
+                  <a:srgbClr val="1f4e79"/>
+                </a:solidFill>
+                <a:latin typeface="Arial"/>
+                <a:ea typeface="DejaVu Sans"/>
+              </a:rPr>
+              <a:t>Rocketseat. </a:t>
+            </a:r>
+            <a:r>
+              <a:rPr b="1" lang="pt-BR" sz="3200" spc="-1" strike="noStrike">
+                <a:solidFill>
+                  <a:srgbClr val="1f4e79"/>
+                </a:solidFill>
+                <a:latin typeface="Arial"/>
+                <a:ea typeface="DejaVu Sans"/>
+              </a:rPr>
+              <a:t>Tipos de Parâmetros nas requisições REST</a:t>
+            </a:r>
+            <a:r>
+              <a:rPr b="0" lang="pt-BR" sz="3200" spc="-1" strike="noStrike">
+                <a:solidFill>
+                  <a:srgbClr val="1f4e79"/>
+                </a:solidFill>
+                <a:latin typeface="Arial"/>
+                <a:ea typeface="DejaVu Sans"/>
+              </a:rPr>
+              <a:t>. Disponível em: </a:t>
+            </a:r>
+            <a:r>
+              <a:rPr b="0" lang="pt-BR" sz="3200" spc="-1" strike="noStrike" u="sng">
+                <a:solidFill>
+                  <a:srgbClr val="0563c1"/>
+                </a:solidFill>
+                <a:uFillTx/>
+                <a:latin typeface="Arial"/>
+                <a:ea typeface="DejaVu Sans"/>
+                <a:hlinkClick r:id="rId1"/>
+              </a:rPr>
+              <a:t>https://blog.rocketseat.com.br/tipos-de-parametros-nas-requisicoes-rest/</a:t>
+            </a:r>
+            <a:endParaRPr b="0" lang="pt-BR" sz="3200" spc="-1" strike="noStrike">
+              <a:latin typeface="Arial"/>
+            </a:endParaRPr>
+          </a:p>
+          <a:p>
+            <a:pPr marL="516240" indent="-513000">
+              <a:lnSpc>
+                <a:spcPct val="100000"/>
+              </a:lnSpc>
+              <a:spcBef>
+                <a:spcPts val="1001"/>
+              </a:spcBef>
+              <a:spcAft>
+                <a:spcPts val="1001"/>
+              </a:spcAft>
+              <a:buClr>
+                <a:srgbClr val="1f4e79"/>
+              </a:buClr>
+              <a:buFont typeface="Arial"/>
+              <a:buAutoNum type="arabicPeriod" startAt="9"/>
+            </a:pPr>
+            <a:r>
+              <a:rPr b="0" lang="pt-BR" sz="3200" spc="-1" strike="noStrike">
+                <a:solidFill>
+                  <a:srgbClr val="1f4e79"/>
+                </a:solidFill>
+                <a:latin typeface="Arial"/>
+                <a:ea typeface="DejaVu Sans"/>
+              </a:rPr>
+              <a:t>Sequelize. </a:t>
+            </a:r>
+            <a:r>
+              <a:rPr b="1" lang="pt-BR" sz="3200" spc="-1" strike="noStrike">
+                <a:solidFill>
+                  <a:srgbClr val="1f4e79"/>
+                </a:solidFill>
+                <a:latin typeface="Arial"/>
+                <a:ea typeface="DejaVu Sans"/>
+              </a:rPr>
+              <a:t>API Reference</a:t>
+            </a:r>
+            <a:r>
+              <a:rPr b="0" lang="pt-BR" sz="3200" spc="-1" strike="noStrike">
+                <a:solidFill>
+                  <a:srgbClr val="1f4e79"/>
+                </a:solidFill>
+                <a:latin typeface="Arial"/>
+                <a:ea typeface="DejaVu Sans"/>
+              </a:rPr>
+              <a:t>. Disponível em: https://sequelize.org/master/index.html</a:t>
+            </a:r>
+            <a:endParaRPr b="0" lang="pt-BR" sz="3200" spc="-1" strike="noStrike">
+              <a:latin typeface="Arial"/>
+            </a:endParaRPr>
+          </a:p>
+          <a:p>
+            <a:pPr marL="1800">
+              <a:lnSpc>
+                <a:spcPct val="100000"/>
+              </a:lnSpc>
+              <a:spcBef>
+                <a:spcPts val="1001"/>
+              </a:spcBef>
+              <a:spcAft>
+                <a:spcPts val="1001"/>
+              </a:spcAft>
+            </a:pPr>
+            <a:endParaRPr b="0" lang="pt-BR" sz="3200" spc="-1" strike="noStrike">
+              <a:latin typeface="Arial"/>
+            </a:endParaRPr>
+          </a:p>
+          <a:p>
+            <a:pPr marL="1800">
+              <a:lnSpc>
+                <a:spcPct val="100000"/>
+              </a:lnSpc>
+              <a:spcBef>
+                <a:spcPts val="1001"/>
+              </a:spcBef>
+              <a:spcAft>
+                <a:spcPts val="1001"/>
+              </a:spcAft>
+            </a:pPr>
             <a:endParaRPr b="0" lang="pt-BR" sz="3200" spc="-1" strike="noStrike">
               <a:latin typeface="Arial"/>
             </a:endParaRPr>
@@ -18197,7 +19260,7 @@
         <p:spPr>
           <a:xfrm>
             <a:off x="0" y="224280"/>
-            <a:ext cx="12020400" cy="855720"/>
+            <a:ext cx="12020040" cy="855360"/>
           </a:xfrm>
           <a:prstGeom prst="rect">
             <a:avLst/>
@@ -18248,7 +19311,7 @@
         <p:spPr>
           <a:xfrm>
             <a:off x="317520" y="1290960"/>
-            <a:ext cx="11702520" cy="4348440"/>
+            <a:ext cx="11702160" cy="4348080"/>
           </a:xfrm>
           <a:prstGeom prst="rect">
             <a:avLst/>
@@ -18343,7 +19406,7 @@
         <p:spPr>
           <a:xfrm>
             <a:off x="4028760" y="3160440"/>
-            <a:ext cx="4133520" cy="3238200"/>
+            <a:ext cx="4133160" cy="3237840"/>
           </a:xfrm>
           <a:prstGeom prst="rect">
             <a:avLst/>
@@ -18392,7 +19455,7 @@
         <p:spPr>
           <a:xfrm>
             <a:off x="0" y="224280"/>
-            <a:ext cx="12020400" cy="855720"/>
+            <a:ext cx="12020040" cy="855360"/>
           </a:xfrm>
           <a:prstGeom prst="rect">
             <a:avLst/>
@@ -18443,7 +19506,7 @@
         <p:spPr>
           <a:xfrm>
             <a:off x="317520" y="1290960"/>
-            <a:ext cx="11702520" cy="4348440"/>
+            <a:ext cx="11702160" cy="4348080"/>
           </a:xfrm>
           <a:prstGeom prst="rect">
             <a:avLst/>
@@ -18613,7 +19676,7 @@
         <p:spPr>
           <a:xfrm>
             <a:off x="0" y="224280"/>
-            <a:ext cx="12020400" cy="855720"/>
+            <a:ext cx="12020040" cy="855360"/>
           </a:xfrm>
           <a:prstGeom prst="rect">
             <a:avLst/>
@@ -18664,7 +19727,7 @@
         <p:spPr>
           <a:xfrm>
             <a:off x="317520" y="1290960"/>
-            <a:ext cx="11702520" cy="4348440"/>
+            <a:ext cx="11702160" cy="4348080"/>
           </a:xfrm>
           <a:prstGeom prst="rect">
             <a:avLst/>
@@ -18783,7 +19846,7 @@
         <p:spPr>
           <a:xfrm>
             <a:off x="0" y="224280"/>
-            <a:ext cx="12020400" cy="855720"/>
+            <a:ext cx="12020040" cy="855360"/>
           </a:xfrm>
           <a:prstGeom prst="rect">
             <a:avLst/>
@@ -18834,7 +19897,7 @@
         <p:spPr>
           <a:xfrm>
             <a:off x="317520" y="1290960"/>
-            <a:ext cx="11702520" cy="4348440"/>
+            <a:ext cx="11702160" cy="4348080"/>
           </a:xfrm>
           <a:prstGeom prst="rect">
             <a:avLst/>
@@ -19011,7 +20074,7 @@
         <p:spPr>
           <a:xfrm>
             <a:off x="0" y="224280"/>
-            <a:ext cx="12020400" cy="855720"/>
+            <a:ext cx="12020040" cy="855360"/>
           </a:xfrm>
           <a:prstGeom prst="rect">
             <a:avLst/>
@@ -19062,7 +20125,7 @@
         <p:spPr>
           <a:xfrm>
             <a:off x="317520" y="1290960"/>
-            <a:ext cx="11702520" cy="4348440"/>
+            <a:ext cx="11702160" cy="4348080"/>
           </a:xfrm>
           <a:prstGeom prst="rect">
             <a:avLst/>

--- a/node-js.pptx
+++ b/node-js.pptx
@@ -51,6 +51,10 @@
     <p:sldId id="295" r:id="rId44"/>
     <p:sldId id="296" r:id="rId45"/>
     <p:sldId id="297" r:id="rId46"/>
+    <p:sldId id="298" r:id="rId47"/>
+    <p:sldId id="299" r:id="rId48"/>
+    <p:sldId id="300" r:id="rId49"/>
+    <p:sldId id="301" r:id="rId50"/>
   </p:sldIdLst>
   <p:sldSz cx="12192000" cy="6858000"/>
   <p:notesSz cx="6858000" cy="9144000"/>
@@ -281,7 +285,7 @@
           </a:bodyPr>
           <a:p>
             <a:pPr algn="r"/>
-            <a:fld id="{CA4FF616-5994-4465-9CA3-421250B5014A}" type="slidenum">
+            <a:fld id="{C137D593-EEBD-4B04-9B93-C310E2FB836C}" type="slidenum">
               <a:rPr b="0" lang="pt-BR" sz="1400" spc="-1" strike="noStrike">
                 <a:latin typeface="Times New Roman"/>
               </a:rPr>
@@ -318,7 +322,7 @@
       </p:grpSpPr>
       <p:sp>
         <p:nvSpPr>
-          <p:cNvPr id="173" name="PlaceHolder 1"/>
+          <p:cNvPr id="181" name="PlaceHolder 1"/>
           <p:cNvSpPr>
             <a:spLocks noGrp="1"/>
           </p:cNvSpPr>
@@ -329,16 +333,16 @@
         <p:spPr>
           <a:xfrm>
             <a:off x="685800" y="1143000"/>
-            <a:ext cx="5483520" cy="3083040"/>
-          </a:xfrm>
-          <a:prstGeom prst="rect">
-            <a:avLst/>
-          </a:prstGeom>
-        </p:spPr>
-      </p:sp>
-      <p:sp>
-        <p:nvSpPr>
-          <p:cNvPr id="174" name="PlaceHolder 2"/>
+            <a:ext cx="5482800" cy="3082320"/>
+          </a:xfrm>
+          <a:prstGeom prst="rect">
+            <a:avLst/>
+          </a:prstGeom>
+        </p:spPr>
+      </p:sp>
+      <p:sp>
+        <p:nvSpPr>
+          <p:cNvPr id="182" name="PlaceHolder 2"/>
           <p:cNvSpPr>
             <a:spLocks noGrp="1"/>
           </p:cNvSpPr>
@@ -349,7 +353,7 @@
         <p:spPr>
           <a:xfrm>
             <a:off x="685800" y="4400640"/>
-            <a:ext cx="5483160" cy="3597120"/>
+            <a:ext cx="5482440" cy="3596400"/>
           </a:xfrm>
           <a:prstGeom prst="rect">
             <a:avLst/>
@@ -368,14 +372,14 @@
       </p:sp>
       <p:sp>
         <p:nvSpPr>
-          <p:cNvPr id="175" name="CustomShape 3"/>
+          <p:cNvPr id="183" name="CustomShape 3"/>
           <p:cNvSpPr/>
           <p:nvPr/>
         </p:nvSpPr>
         <p:spPr>
           <a:xfrm>
             <a:off x="3884760" y="8685360"/>
-            <a:ext cx="2968560" cy="455400"/>
+            <a:ext cx="2967840" cy="454680"/>
           </a:xfrm>
           <a:prstGeom prst="rect">
             <a:avLst/>
@@ -401,7 +405,7 @@
                 <a:spcPct val="100000"/>
               </a:lnSpc>
             </a:pPr>
-            <a:fld id="{E26FD1F4-BB17-445F-8CC8-8074B663E8A0}" type="slidenum">
+            <a:fld id="{8DA378B1-4EBA-4A31-B5EB-956AFDCB1E86}" type="slidenum">
               <a:rPr b="0" lang="pt-BR" sz="1200" spc="-1" strike="noStrike">
                 <a:solidFill>
                   <a:srgbClr val="000000"/>
@@ -441,7 +445,7 @@
       </p:grpSpPr>
       <p:sp>
         <p:nvSpPr>
-          <p:cNvPr id="200" name="PlaceHolder 1"/>
+          <p:cNvPr id="208" name="PlaceHolder 1"/>
           <p:cNvSpPr>
             <a:spLocks noGrp="1"/>
           </p:cNvSpPr>
@@ -452,16 +456,16 @@
         <p:spPr>
           <a:xfrm>
             <a:off x="685800" y="1143000"/>
-            <a:ext cx="5483160" cy="3083040"/>
-          </a:xfrm>
-          <a:prstGeom prst="rect">
-            <a:avLst/>
-          </a:prstGeom>
-        </p:spPr>
-      </p:sp>
-      <p:sp>
-        <p:nvSpPr>
-          <p:cNvPr id="201" name="PlaceHolder 2"/>
+            <a:ext cx="5482440" cy="3082320"/>
+          </a:xfrm>
+          <a:prstGeom prst="rect">
+            <a:avLst/>
+          </a:prstGeom>
+        </p:spPr>
+      </p:sp>
+      <p:sp>
+        <p:nvSpPr>
+          <p:cNvPr id="209" name="PlaceHolder 2"/>
           <p:cNvSpPr>
             <a:spLocks noGrp="1"/>
           </p:cNvSpPr>
@@ -472,7 +476,7 @@
         <p:spPr>
           <a:xfrm>
             <a:off x="685800" y="4400640"/>
-            <a:ext cx="5483160" cy="3597120"/>
+            <a:ext cx="5482440" cy="3596400"/>
           </a:xfrm>
           <a:prstGeom prst="rect">
             <a:avLst/>
@@ -491,14 +495,14 @@
       </p:sp>
       <p:sp>
         <p:nvSpPr>
-          <p:cNvPr id="202" name="CustomShape 3"/>
+          <p:cNvPr id="210" name="CustomShape 3"/>
           <p:cNvSpPr/>
           <p:nvPr/>
         </p:nvSpPr>
         <p:spPr>
           <a:xfrm>
             <a:off x="3884760" y="8685360"/>
-            <a:ext cx="2968560" cy="455400"/>
+            <a:ext cx="2967840" cy="454680"/>
           </a:xfrm>
           <a:prstGeom prst="rect">
             <a:avLst/>
@@ -524,7 +528,7 @@
                 <a:spcPct val="100000"/>
               </a:lnSpc>
             </a:pPr>
-            <a:fld id="{9D867E54-423A-4910-9306-8102FB59D001}" type="slidenum">
+            <a:fld id="{ECD4048E-27A4-4791-BFBF-6CAAF465B70B}" type="slidenum">
               <a:rPr b="0" lang="pt-BR" sz="1200" spc="-1" strike="noStrike">
                 <a:solidFill>
                   <a:srgbClr val="000000"/>
@@ -564,7 +568,7 @@
       </p:grpSpPr>
       <p:sp>
         <p:nvSpPr>
-          <p:cNvPr id="203" name="PlaceHolder 1"/>
+          <p:cNvPr id="211" name="PlaceHolder 1"/>
           <p:cNvSpPr>
             <a:spLocks noGrp="1"/>
           </p:cNvSpPr>
@@ -575,16 +579,16 @@
         <p:spPr>
           <a:xfrm>
             <a:off x="685800" y="1143000"/>
-            <a:ext cx="5483520" cy="3083040"/>
-          </a:xfrm>
-          <a:prstGeom prst="rect">
-            <a:avLst/>
-          </a:prstGeom>
-        </p:spPr>
-      </p:sp>
-      <p:sp>
-        <p:nvSpPr>
-          <p:cNvPr id="204" name="PlaceHolder 2"/>
+            <a:ext cx="5482800" cy="3082320"/>
+          </a:xfrm>
+          <a:prstGeom prst="rect">
+            <a:avLst/>
+          </a:prstGeom>
+        </p:spPr>
+      </p:sp>
+      <p:sp>
+        <p:nvSpPr>
+          <p:cNvPr id="212" name="PlaceHolder 2"/>
           <p:cNvSpPr>
             <a:spLocks noGrp="1"/>
           </p:cNvSpPr>
@@ -595,7 +599,7 @@
         <p:spPr>
           <a:xfrm>
             <a:off x="685800" y="4400640"/>
-            <a:ext cx="5483160" cy="3597120"/>
+            <a:ext cx="5482440" cy="3596400"/>
           </a:xfrm>
           <a:prstGeom prst="rect">
             <a:avLst/>
@@ -614,14 +618,14 @@
       </p:sp>
       <p:sp>
         <p:nvSpPr>
-          <p:cNvPr id="205" name="CustomShape 3"/>
+          <p:cNvPr id="213" name="CustomShape 3"/>
           <p:cNvSpPr/>
           <p:nvPr/>
         </p:nvSpPr>
         <p:spPr>
           <a:xfrm>
             <a:off x="3884760" y="8685360"/>
-            <a:ext cx="2968560" cy="455400"/>
+            <a:ext cx="2967840" cy="454680"/>
           </a:xfrm>
           <a:prstGeom prst="rect">
             <a:avLst/>
@@ -647,7 +651,7 @@
                 <a:spcPct val="100000"/>
               </a:lnSpc>
             </a:pPr>
-            <a:fld id="{67B7D90D-8837-493C-ACC7-552C450849F3}" type="slidenum">
+            <a:fld id="{70EE317E-9DEF-4600-86F6-90BC74AAF2C9}" type="slidenum">
               <a:rPr b="0" lang="pt-BR" sz="1200" spc="-1" strike="noStrike">
                 <a:solidFill>
                   <a:srgbClr val="000000"/>
@@ -687,7 +691,7 @@
       </p:grpSpPr>
       <p:sp>
         <p:nvSpPr>
-          <p:cNvPr id="206" name="PlaceHolder 1"/>
+          <p:cNvPr id="214" name="PlaceHolder 1"/>
           <p:cNvSpPr>
             <a:spLocks noGrp="1"/>
           </p:cNvSpPr>
@@ -698,16 +702,16 @@
         <p:spPr>
           <a:xfrm>
             <a:off x="685800" y="1143000"/>
-            <a:ext cx="5483520" cy="3083040"/>
-          </a:xfrm>
-          <a:prstGeom prst="rect">
-            <a:avLst/>
-          </a:prstGeom>
-        </p:spPr>
-      </p:sp>
-      <p:sp>
-        <p:nvSpPr>
-          <p:cNvPr id="207" name="PlaceHolder 2"/>
+            <a:ext cx="5482800" cy="3082320"/>
+          </a:xfrm>
+          <a:prstGeom prst="rect">
+            <a:avLst/>
+          </a:prstGeom>
+        </p:spPr>
+      </p:sp>
+      <p:sp>
+        <p:nvSpPr>
+          <p:cNvPr id="215" name="PlaceHolder 2"/>
           <p:cNvSpPr>
             <a:spLocks noGrp="1"/>
           </p:cNvSpPr>
@@ -718,7 +722,7 @@
         <p:spPr>
           <a:xfrm>
             <a:off x="685800" y="4400640"/>
-            <a:ext cx="5483160" cy="3597120"/>
+            <a:ext cx="5482440" cy="3596400"/>
           </a:xfrm>
           <a:prstGeom prst="rect">
             <a:avLst/>
@@ -737,14 +741,14 @@
       </p:sp>
       <p:sp>
         <p:nvSpPr>
-          <p:cNvPr id="208" name="CustomShape 3"/>
+          <p:cNvPr id="216" name="CustomShape 3"/>
           <p:cNvSpPr/>
           <p:nvPr/>
         </p:nvSpPr>
         <p:spPr>
           <a:xfrm>
             <a:off x="3884760" y="8685360"/>
-            <a:ext cx="2968560" cy="455400"/>
+            <a:ext cx="2967840" cy="454680"/>
           </a:xfrm>
           <a:prstGeom prst="rect">
             <a:avLst/>
@@ -770,7 +774,7 @@
                 <a:spcPct val="100000"/>
               </a:lnSpc>
             </a:pPr>
-            <a:fld id="{60B56F3F-A127-4A33-B391-0DA6ED0E6BFF}" type="slidenum">
+            <a:fld id="{C6FE947E-40C3-4BDA-AE04-824D9CE06EEE}" type="slidenum">
               <a:rPr b="0" lang="pt-BR" sz="1200" spc="-1" strike="noStrike">
                 <a:solidFill>
                   <a:srgbClr val="000000"/>
@@ -810,7 +814,7 @@
       </p:grpSpPr>
       <p:sp>
         <p:nvSpPr>
-          <p:cNvPr id="209" name="PlaceHolder 1"/>
+          <p:cNvPr id="217" name="PlaceHolder 1"/>
           <p:cNvSpPr>
             <a:spLocks noGrp="1"/>
           </p:cNvSpPr>
@@ -821,16 +825,16 @@
         <p:spPr>
           <a:xfrm>
             <a:off x="685800" y="1143000"/>
-            <a:ext cx="5483520" cy="3083040"/>
-          </a:xfrm>
-          <a:prstGeom prst="rect">
-            <a:avLst/>
-          </a:prstGeom>
-        </p:spPr>
-      </p:sp>
-      <p:sp>
-        <p:nvSpPr>
-          <p:cNvPr id="210" name="PlaceHolder 2"/>
+            <a:ext cx="5482800" cy="3082320"/>
+          </a:xfrm>
+          <a:prstGeom prst="rect">
+            <a:avLst/>
+          </a:prstGeom>
+        </p:spPr>
+      </p:sp>
+      <p:sp>
+        <p:nvSpPr>
+          <p:cNvPr id="218" name="PlaceHolder 2"/>
           <p:cNvSpPr>
             <a:spLocks noGrp="1"/>
           </p:cNvSpPr>
@@ -841,7 +845,7 @@
         <p:spPr>
           <a:xfrm>
             <a:off x="685800" y="4400640"/>
-            <a:ext cx="5483160" cy="3597120"/>
+            <a:ext cx="5482440" cy="3596400"/>
           </a:xfrm>
           <a:prstGeom prst="rect">
             <a:avLst/>
@@ -860,14 +864,14 @@
       </p:sp>
       <p:sp>
         <p:nvSpPr>
-          <p:cNvPr id="211" name="CustomShape 3"/>
+          <p:cNvPr id="219" name="CustomShape 3"/>
           <p:cNvSpPr/>
           <p:nvPr/>
         </p:nvSpPr>
         <p:spPr>
           <a:xfrm>
             <a:off x="3884760" y="8685360"/>
-            <a:ext cx="2968560" cy="455400"/>
+            <a:ext cx="2967840" cy="454680"/>
           </a:xfrm>
           <a:prstGeom prst="rect">
             <a:avLst/>
@@ -893,7 +897,7 @@
                 <a:spcPct val="100000"/>
               </a:lnSpc>
             </a:pPr>
-            <a:fld id="{B82B5888-983F-40FB-847C-51E155F0BE4D}" type="slidenum">
+            <a:fld id="{EFFBD5B8-AF1F-4BEC-8B4A-B79130BD6C0A}" type="slidenum">
               <a:rPr b="0" lang="pt-BR" sz="1200" spc="-1" strike="noStrike">
                 <a:solidFill>
                   <a:srgbClr val="000000"/>
@@ -933,7 +937,7 @@
       </p:grpSpPr>
       <p:sp>
         <p:nvSpPr>
-          <p:cNvPr id="212" name="PlaceHolder 1"/>
+          <p:cNvPr id="220" name="PlaceHolder 1"/>
           <p:cNvSpPr>
             <a:spLocks noGrp="1"/>
           </p:cNvSpPr>
@@ -944,16 +948,16 @@
         <p:spPr>
           <a:xfrm>
             <a:off x="685800" y="1143000"/>
-            <a:ext cx="5483520" cy="3083040"/>
-          </a:xfrm>
-          <a:prstGeom prst="rect">
-            <a:avLst/>
-          </a:prstGeom>
-        </p:spPr>
-      </p:sp>
-      <p:sp>
-        <p:nvSpPr>
-          <p:cNvPr id="213" name="PlaceHolder 2"/>
+            <a:ext cx="5482800" cy="3082320"/>
+          </a:xfrm>
+          <a:prstGeom prst="rect">
+            <a:avLst/>
+          </a:prstGeom>
+        </p:spPr>
+      </p:sp>
+      <p:sp>
+        <p:nvSpPr>
+          <p:cNvPr id="221" name="PlaceHolder 2"/>
           <p:cNvSpPr>
             <a:spLocks noGrp="1"/>
           </p:cNvSpPr>
@@ -964,7 +968,7 @@
         <p:spPr>
           <a:xfrm>
             <a:off x="685800" y="4400640"/>
-            <a:ext cx="5483160" cy="3597120"/>
+            <a:ext cx="5482440" cy="3596400"/>
           </a:xfrm>
           <a:prstGeom prst="rect">
             <a:avLst/>
@@ -983,14 +987,14 @@
       </p:sp>
       <p:sp>
         <p:nvSpPr>
-          <p:cNvPr id="214" name="CustomShape 3"/>
+          <p:cNvPr id="222" name="CustomShape 3"/>
           <p:cNvSpPr/>
           <p:nvPr/>
         </p:nvSpPr>
         <p:spPr>
           <a:xfrm>
             <a:off x="3884760" y="8685360"/>
-            <a:ext cx="2968560" cy="455400"/>
+            <a:ext cx="2967840" cy="454680"/>
           </a:xfrm>
           <a:prstGeom prst="rect">
             <a:avLst/>
@@ -1016,7 +1020,7 @@
                 <a:spcPct val="100000"/>
               </a:lnSpc>
             </a:pPr>
-            <a:fld id="{2E48219D-6756-4A0E-B5DA-EA49BBB97975}" type="slidenum">
+            <a:fld id="{E4165F49-8488-4F26-9939-E38392B60402}" type="slidenum">
               <a:rPr b="0" lang="pt-BR" sz="1200" spc="-1" strike="noStrike">
                 <a:solidFill>
                   <a:srgbClr val="000000"/>
@@ -1056,7 +1060,7 @@
       </p:grpSpPr>
       <p:sp>
         <p:nvSpPr>
-          <p:cNvPr id="215" name="PlaceHolder 1"/>
+          <p:cNvPr id="223" name="PlaceHolder 1"/>
           <p:cNvSpPr>
             <a:spLocks noGrp="1"/>
           </p:cNvSpPr>
@@ -1067,16 +1071,16 @@
         <p:spPr>
           <a:xfrm>
             <a:off x="685800" y="1143000"/>
-            <a:ext cx="5483520" cy="3083040"/>
-          </a:xfrm>
-          <a:prstGeom prst="rect">
-            <a:avLst/>
-          </a:prstGeom>
-        </p:spPr>
-      </p:sp>
-      <p:sp>
-        <p:nvSpPr>
-          <p:cNvPr id="216" name="PlaceHolder 2"/>
+            <a:ext cx="5482800" cy="3082320"/>
+          </a:xfrm>
+          <a:prstGeom prst="rect">
+            <a:avLst/>
+          </a:prstGeom>
+        </p:spPr>
+      </p:sp>
+      <p:sp>
+        <p:nvSpPr>
+          <p:cNvPr id="224" name="PlaceHolder 2"/>
           <p:cNvSpPr>
             <a:spLocks noGrp="1"/>
           </p:cNvSpPr>
@@ -1087,7 +1091,7 @@
         <p:spPr>
           <a:xfrm>
             <a:off x="685800" y="4400640"/>
-            <a:ext cx="5483160" cy="3597120"/>
+            <a:ext cx="5482440" cy="3596400"/>
           </a:xfrm>
           <a:prstGeom prst="rect">
             <a:avLst/>
@@ -1106,14 +1110,14 @@
       </p:sp>
       <p:sp>
         <p:nvSpPr>
-          <p:cNvPr id="217" name="CustomShape 3"/>
+          <p:cNvPr id="225" name="CustomShape 3"/>
           <p:cNvSpPr/>
           <p:nvPr/>
         </p:nvSpPr>
         <p:spPr>
           <a:xfrm>
             <a:off x="3884760" y="8685360"/>
-            <a:ext cx="2968560" cy="455400"/>
+            <a:ext cx="2967840" cy="454680"/>
           </a:xfrm>
           <a:prstGeom prst="rect">
             <a:avLst/>
@@ -1139,7 +1143,7 @@
                 <a:spcPct val="100000"/>
               </a:lnSpc>
             </a:pPr>
-            <a:fld id="{919238D6-A12A-4D5E-A4C6-B6AAA80660EA}" type="slidenum">
+            <a:fld id="{965454B3-DDF3-49B2-AB57-E826939D58D9}" type="slidenum">
               <a:rPr b="0" lang="pt-BR" sz="1200" spc="-1" strike="noStrike">
                 <a:solidFill>
                   <a:srgbClr val="000000"/>
@@ -1179,7 +1183,7 @@
       </p:grpSpPr>
       <p:sp>
         <p:nvSpPr>
-          <p:cNvPr id="218" name="PlaceHolder 1"/>
+          <p:cNvPr id="226" name="PlaceHolder 1"/>
           <p:cNvSpPr>
             <a:spLocks noGrp="1"/>
           </p:cNvSpPr>
@@ -1190,16 +1194,16 @@
         <p:spPr>
           <a:xfrm>
             <a:off x="685800" y="1143000"/>
-            <a:ext cx="5483520" cy="3083040"/>
-          </a:xfrm>
-          <a:prstGeom prst="rect">
-            <a:avLst/>
-          </a:prstGeom>
-        </p:spPr>
-      </p:sp>
-      <p:sp>
-        <p:nvSpPr>
-          <p:cNvPr id="219" name="PlaceHolder 2"/>
+            <a:ext cx="5482800" cy="3082320"/>
+          </a:xfrm>
+          <a:prstGeom prst="rect">
+            <a:avLst/>
+          </a:prstGeom>
+        </p:spPr>
+      </p:sp>
+      <p:sp>
+        <p:nvSpPr>
+          <p:cNvPr id="227" name="PlaceHolder 2"/>
           <p:cNvSpPr>
             <a:spLocks noGrp="1"/>
           </p:cNvSpPr>
@@ -1210,7 +1214,7 @@
         <p:spPr>
           <a:xfrm>
             <a:off x="685800" y="4400640"/>
-            <a:ext cx="5483160" cy="3597120"/>
+            <a:ext cx="5482440" cy="3596400"/>
           </a:xfrm>
           <a:prstGeom prst="rect">
             <a:avLst/>
@@ -1229,14 +1233,14 @@
       </p:sp>
       <p:sp>
         <p:nvSpPr>
-          <p:cNvPr id="220" name="CustomShape 3"/>
+          <p:cNvPr id="228" name="CustomShape 3"/>
           <p:cNvSpPr/>
           <p:nvPr/>
         </p:nvSpPr>
         <p:spPr>
           <a:xfrm>
             <a:off x="3884760" y="8685360"/>
-            <a:ext cx="2968560" cy="455400"/>
+            <a:ext cx="2967840" cy="454680"/>
           </a:xfrm>
           <a:prstGeom prst="rect">
             <a:avLst/>
@@ -1262,7 +1266,7 @@
                 <a:spcPct val="100000"/>
               </a:lnSpc>
             </a:pPr>
-            <a:fld id="{34133DED-539A-4713-9CA5-488EB657C20E}" type="slidenum">
+            <a:fld id="{EA897FAA-79C2-4485-AAC6-F5B379DCF520}" type="slidenum">
               <a:rPr b="0" lang="pt-BR" sz="1200" spc="-1" strike="noStrike">
                 <a:solidFill>
                   <a:srgbClr val="000000"/>
@@ -1302,7 +1306,7 @@
       </p:grpSpPr>
       <p:sp>
         <p:nvSpPr>
-          <p:cNvPr id="221" name="PlaceHolder 1"/>
+          <p:cNvPr id="229" name="PlaceHolder 1"/>
           <p:cNvSpPr>
             <a:spLocks noGrp="1"/>
           </p:cNvSpPr>
@@ -1313,16 +1317,16 @@
         <p:spPr>
           <a:xfrm>
             <a:off x="685800" y="1143000"/>
-            <a:ext cx="5483520" cy="3083040"/>
-          </a:xfrm>
-          <a:prstGeom prst="rect">
-            <a:avLst/>
-          </a:prstGeom>
-        </p:spPr>
-      </p:sp>
-      <p:sp>
-        <p:nvSpPr>
-          <p:cNvPr id="222" name="PlaceHolder 2"/>
+            <a:ext cx="5482800" cy="3082320"/>
+          </a:xfrm>
+          <a:prstGeom prst="rect">
+            <a:avLst/>
+          </a:prstGeom>
+        </p:spPr>
+      </p:sp>
+      <p:sp>
+        <p:nvSpPr>
+          <p:cNvPr id="230" name="PlaceHolder 2"/>
           <p:cNvSpPr>
             <a:spLocks noGrp="1"/>
           </p:cNvSpPr>
@@ -1333,7 +1337,7 @@
         <p:spPr>
           <a:xfrm>
             <a:off x="685800" y="4400640"/>
-            <a:ext cx="5483160" cy="3597120"/>
+            <a:ext cx="5482440" cy="3596400"/>
           </a:xfrm>
           <a:prstGeom prst="rect">
             <a:avLst/>
@@ -1352,14 +1356,14 @@
       </p:sp>
       <p:sp>
         <p:nvSpPr>
-          <p:cNvPr id="223" name="CustomShape 3"/>
+          <p:cNvPr id="231" name="CustomShape 3"/>
           <p:cNvSpPr/>
           <p:nvPr/>
         </p:nvSpPr>
         <p:spPr>
           <a:xfrm>
             <a:off x="3884760" y="8685360"/>
-            <a:ext cx="2968560" cy="455400"/>
+            <a:ext cx="2967840" cy="454680"/>
           </a:xfrm>
           <a:prstGeom prst="rect">
             <a:avLst/>
@@ -1385,7 +1389,7 @@
                 <a:spcPct val="100000"/>
               </a:lnSpc>
             </a:pPr>
-            <a:fld id="{B5B81157-02FC-4F66-BFFE-D7EAFB7A17A1}" type="slidenum">
+            <a:fld id="{C3B51CF7-8B27-4F08-A4E6-041E330F04FF}" type="slidenum">
               <a:rPr b="0" lang="pt-BR" sz="1200" spc="-1" strike="noStrike">
                 <a:solidFill>
                   <a:srgbClr val="000000"/>
@@ -1425,7 +1429,7 @@
       </p:grpSpPr>
       <p:sp>
         <p:nvSpPr>
-          <p:cNvPr id="224" name="PlaceHolder 1"/>
+          <p:cNvPr id="232" name="PlaceHolder 1"/>
           <p:cNvSpPr>
             <a:spLocks noGrp="1"/>
           </p:cNvSpPr>
@@ -1436,16 +1440,16 @@
         <p:spPr>
           <a:xfrm>
             <a:off x="685800" y="1143000"/>
-            <a:ext cx="5483520" cy="3083040"/>
-          </a:xfrm>
-          <a:prstGeom prst="rect">
-            <a:avLst/>
-          </a:prstGeom>
-        </p:spPr>
-      </p:sp>
-      <p:sp>
-        <p:nvSpPr>
-          <p:cNvPr id="225" name="PlaceHolder 2"/>
+            <a:ext cx="5482800" cy="3082320"/>
+          </a:xfrm>
+          <a:prstGeom prst="rect">
+            <a:avLst/>
+          </a:prstGeom>
+        </p:spPr>
+      </p:sp>
+      <p:sp>
+        <p:nvSpPr>
+          <p:cNvPr id="233" name="PlaceHolder 2"/>
           <p:cNvSpPr>
             <a:spLocks noGrp="1"/>
           </p:cNvSpPr>
@@ -1456,7 +1460,7 @@
         <p:spPr>
           <a:xfrm>
             <a:off x="685800" y="4400640"/>
-            <a:ext cx="5483160" cy="3597120"/>
+            <a:ext cx="5482440" cy="3596400"/>
           </a:xfrm>
           <a:prstGeom prst="rect">
             <a:avLst/>
@@ -1475,14 +1479,14 @@
       </p:sp>
       <p:sp>
         <p:nvSpPr>
-          <p:cNvPr id="226" name="CustomShape 3"/>
+          <p:cNvPr id="234" name="CustomShape 3"/>
           <p:cNvSpPr/>
           <p:nvPr/>
         </p:nvSpPr>
         <p:spPr>
           <a:xfrm>
             <a:off x="3884760" y="8685360"/>
-            <a:ext cx="2968560" cy="455400"/>
+            <a:ext cx="2967840" cy="454680"/>
           </a:xfrm>
           <a:prstGeom prst="rect">
             <a:avLst/>
@@ -1508,7 +1512,7 @@
                 <a:spcPct val="100000"/>
               </a:lnSpc>
             </a:pPr>
-            <a:fld id="{0A94983B-A2E1-430C-9EE2-73D7C01BD166}" type="slidenum">
+            <a:fld id="{FC12CF5A-9D61-4BC2-863A-49DB66B9EC70}" type="slidenum">
               <a:rPr b="0" lang="pt-BR" sz="1200" spc="-1" strike="noStrike">
                 <a:solidFill>
                   <a:srgbClr val="000000"/>
@@ -1548,7 +1552,7 @@
       </p:grpSpPr>
       <p:sp>
         <p:nvSpPr>
-          <p:cNvPr id="227" name="PlaceHolder 1"/>
+          <p:cNvPr id="235" name="PlaceHolder 1"/>
           <p:cNvSpPr>
             <a:spLocks noGrp="1"/>
           </p:cNvSpPr>
@@ -1559,16 +1563,16 @@
         <p:spPr>
           <a:xfrm>
             <a:off x="685800" y="1143000"/>
-            <a:ext cx="5483520" cy="3083040"/>
-          </a:xfrm>
-          <a:prstGeom prst="rect">
-            <a:avLst/>
-          </a:prstGeom>
-        </p:spPr>
-      </p:sp>
-      <p:sp>
-        <p:nvSpPr>
-          <p:cNvPr id="228" name="PlaceHolder 2"/>
+            <a:ext cx="5482800" cy="3082320"/>
+          </a:xfrm>
+          <a:prstGeom prst="rect">
+            <a:avLst/>
+          </a:prstGeom>
+        </p:spPr>
+      </p:sp>
+      <p:sp>
+        <p:nvSpPr>
+          <p:cNvPr id="236" name="PlaceHolder 2"/>
           <p:cNvSpPr>
             <a:spLocks noGrp="1"/>
           </p:cNvSpPr>
@@ -1579,7 +1583,7 @@
         <p:spPr>
           <a:xfrm>
             <a:off x="685800" y="4400640"/>
-            <a:ext cx="5483160" cy="3597120"/>
+            <a:ext cx="5482440" cy="3596400"/>
           </a:xfrm>
           <a:prstGeom prst="rect">
             <a:avLst/>
@@ -1598,14 +1602,14 @@
       </p:sp>
       <p:sp>
         <p:nvSpPr>
-          <p:cNvPr id="229" name="CustomShape 3"/>
+          <p:cNvPr id="237" name="CustomShape 3"/>
           <p:cNvSpPr/>
           <p:nvPr/>
         </p:nvSpPr>
         <p:spPr>
           <a:xfrm>
             <a:off x="3884760" y="8685360"/>
-            <a:ext cx="2968560" cy="455400"/>
+            <a:ext cx="2967840" cy="454680"/>
           </a:xfrm>
           <a:prstGeom prst="rect">
             <a:avLst/>
@@ -1631,7 +1635,7 @@
                 <a:spcPct val="100000"/>
               </a:lnSpc>
             </a:pPr>
-            <a:fld id="{0FF031EC-8F2B-44D8-9F81-56F61F5A238D}" type="slidenum">
+            <a:fld id="{DB1304AD-DA17-48DD-9A62-BE21F94ADB61}" type="slidenum">
               <a:rPr b="0" lang="pt-BR" sz="1200" spc="-1" strike="noStrike">
                 <a:solidFill>
                   <a:srgbClr val="000000"/>
@@ -1671,7 +1675,7 @@
       </p:grpSpPr>
       <p:sp>
         <p:nvSpPr>
-          <p:cNvPr id="176" name="PlaceHolder 1"/>
+          <p:cNvPr id="184" name="PlaceHolder 1"/>
           <p:cNvSpPr>
             <a:spLocks noGrp="1"/>
           </p:cNvSpPr>
@@ -1682,16 +1686,16 @@
         <p:spPr>
           <a:xfrm>
             <a:off x="685800" y="1143000"/>
-            <a:ext cx="5483160" cy="3083040"/>
-          </a:xfrm>
-          <a:prstGeom prst="rect">
-            <a:avLst/>
-          </a:prstGeom>
-        </p:spPr>
-      </p:sp>
-      <p:sp>
-        <p:nvSpPr>
-          <p:cNvPr id="177" name="PlaceHolder 2"/>
+            <a:ext cx="5482440" cy="3082320"/>
+          </a:xfrm>
+          <a:prstGeom prst="rect">
+            <a:avLst/>
+          </a:prstGeom>
+        </p:spPr>
+      </p:sp>
+      <p:sp>
+        <p:nvSpPr>
+          <p:cNvPr id="185" name="PlaceHolder 2"/>
           <p:cNvSpPr>
             <a:spLocks noGrp="1"/>
           </p:cNvSpPr>
@@ -1702,7 +1706,7 @@
         <p:spPr>
           <a:xfrm>
             <a:off x="685800" y="4400640"/>
-            <a:ext cx="5483160" cy="3597120"/>
+            <a:ext cx="5482440" cy="3596400"/>
           </a:xfrm>
           <a:prstGeom prst="rect">
             <a:avLst/>
@@ -1721,14 +1725,14 @@
       </p:sp>
       <p:sp>
         <p:nvSpPr>
-          <p:cNvPr id="178" name="CustomShape 3"/>
+          <p:cNvPr id="186" name="CustomShape 3"/>
           <p:cNvSpPr/>
           <p:nvPr/>
         </p:nvSpPr>
         <p:spPr>
           <a:xfrm>
             <a:off x="3884760" y="8685360"/>
-            <a:ext cx="2968560" cy="455400"/>
+            <a:ext cx="2967840" cy="454680"/>
           </a:xfrm>
           <a:prstGeom prst="rect">
             <a:avLst/>
@@ -1754,7 +1758,7 @@
                 <a:spcPct val="100000"/>
               </a:lnSpc>
             </a:pPr>
-            <a:fld id="{7D4CE900-3AD5-413C-9AA2-183105B040A8}" type="slidenum">
+            <a:fld id="{A4789341-CA64-4FDA-AA64-65AC24E3AAC5}" type="slidenum">
               <a:rPr b="0" lang="pt-BR" sz="1200" spc="-1" strike="noStrike">
                 <a:solidFill>
                   <a:srgbClr val="000000"/>
@@ -1794,7 +1798,7 @@
       </p:grpSpPr>
       <p:sp>
         <p:nvSpPr>
-          <p:cNvPr id="230" name="PlaceHolder 1"/>
+          <p:cNvPr id="238" name="PlaceHolder 1"/>
           <p:cNvSpPr>
             <a:spLocks noGrp="1"/>
           </p:cNvSpPr>
@@ -1805,16 +1809,16 @@
         <p:spPr>
           <a:xfrm>
             <a:off x="685800" y="1143000"/>
-            <a:ext cx="5483520" cy="3083040"/>
-          </a:xfrm>
-          <a:prstGeom prst="rect">
-            <a:avLst/>
-          </a:prstGeom>
-        </p:spPr>
-      </p:sp>
-      <p:sp>
-        <p:nvSpPr>
-          <p:cNvPr id="231" name="PlaceHolder 2"/>
+            <a:ext cx="5482800" cy="3082320"/>
+          </a:xfrm>
+          <a:prstGeom prst="rect">
+            <a:avLst/>
+          </a:prstGeom>
+        </p:spPr>
+      </p:sp>
+      <p:sp>
+        <p:nvSpPr>
+          <p:cNvPr id="239" name="PlaceHolder 2"/>
           <p:cNvSpPr>
             <a:spLocks noGrp="1"/>
           </p:cNvSpPr>
@@ -1825,7 +1829,7 @@
         <p:spPr>
           <a:xfrm>
             <a:off x="685800" y="4400640"/>
-            <a:ext cx="5483160" cy="3597120"/>
+            <a:ext cx="5482440" cy="3596400"/>
           </a:xfrm>
           <a:prstGeom prst="rect">
             <a:avLst/>
@@ -1844,14 +1848,14 @@
       </p:sp>
       <p:sp>
         <p:nvSpPr>
-          <p:cNvPr id="232" name="CustomShape 3"/>
+          <p:cNvPr id="240" name="CustomShape 3"/>
           <p:cNvSpPr/>
           <p:nvPr/>
         </p:nvSpPr>
         <p:spPr>
           <a:xfrm>
             <a:off x="3884760" y="8685360"/>
-            <a:ext cx="2968560" cy="455400"/>
+            <a:ext cx="2967840" cy="454680"/>
           </a:xfrm>
           <a:prstGeom prst="rect">
             <a:avLst/>
@@ -1877,7 +1881,7 @@
                 <a:spcPct val="100000"/>
               </a:lnSpc>
             </a:pPr>
-            <a:fld id="{1A2F05C8-9834-4915-9219-9243F44C8370}" type="slidenum">
+            <a:fld id="{DAC081B8-0322-47DA-A3C9-905191C5B1C6}" type="slidenum">
               <a:rPr b="0" lang="pt-BR" sz="1200" spc="-1" strike="noStrike">
                 <a:solidFill>
                   <a:srgbClr val="000000"/>
@@ -1917,7 +1921,7 @@
       </p:grpSpPr>
       <p:sp>
         <p:nvSpPr>
-          <p:cNvPr id="233" name="PlaceHolder 1"/>
+          <p:cNvPr id="241" name="PlaceHolder 1"/>
           <p:cNvSpPr>
             <a:spLocks noGrp="1"/>
           </p:cNvSpPr>
@@ -1928,16 +1932,16 @@
         <p:spPr>
           <a:xfrm>
             <a:off x="685800" y="1143000"/>
-            <a:ext cx="5483520" cy="3083040"/>
-          </a:xfrm>
-          <a:prstGeom prst="rect">
-            <a:avLst/>
-          </a:prstGeom>
-        </p:spPr>
-      </p:sp>
-      <p:sp>
-        <p:nvSpPr>
-          <p:cNvPr id="234" name="PlaceHolder 2"/>
+            <a:ext cx="5482800" cy="3082320"/>
+          </a:xfrm>
+          <a:prstGeom prst="rect">
+            <a:avLst/>
+          </a:prstGeom>
+        </p:spPr>
+      </p:sp>
+      <p:sp>
+        <p:nvSpPr>
+          <p:cNvPr id="242" name="PlaceHolder 2"/>
           <p:cNvSpPr>
             <a:spLocks noGrp="1"/>
           </p:cNvSpPr>
@@ -1948,7 +1952,7 @@
         <p:spPr>
           <a:xfrm>
             <a:off x="685800" y="4400640"/>
-            <a:ext cx="5483160" cy="3597120"/>
+            <a:ext cx="5482440" cy="3596400"/>
           </a:xfrm>
           <a:prstGeom prst="rect">
             <a:avLst/>
@@ -1967,14 +1971,14 @@
       </p:sp>
       <p:sp>
         <p:nvSpPr>
-          <p:cNvPr id="235" name="CustomShape 3"/>
+          <p:cNvPr id="243" name="CustomShape 3"/>
           <p:cNvSpPr/>
           <p:nvPr/>
         </p:nvSpPr>
         <p:spPr>
           <a:xfrm>
             <a:off x="3884760" y="8685360"/>
-            <a:ext cx="2968560" cy="455400"/>
+            <a:ext cx="2967840" cy="454680"/>
           </a:xfrm>
           <a:prstGeom prst="rect">
             <a:avLst/>
@@ -2000,7 +2004,7 @@
                 <a:spcPct val="100000"/>
               </a:lnSpc>
             </a:pPr>
-            <a:fld id="{57765B36-02EC-4C71-8CCD-C4F62A1831A5}" type="slidenum">
+            <a:fld id="{98E56D37-3893-4DF1-A46E-12C109A9C5CC}" type="slidenum">
               <a:rPr b="0" lang="pt-BR" sz="1200" spc="-1" strike="noStrike">
                 <a:solidFill>
                   <a:srgbClr val="000000"/>
@@ -2040,7 +2044,7 @@
       </p:grpSpPr>
       <p:sp>
         <p:nvSpPr>
-          <p:cNvPr id="236" name="PlaceHolder 1"/>
+          <p:cNvPr id="244" name="PlaceHolder 1"/>
           <p:cNvSpPr>
             <a:spLocks noGrp="1"/>
           </p:cNvSpPr>
@@ -2051,16 +2055,16 @@
         <p:spPr>
           <a:xfrm>
             <a:off x="685800" y="1143000"/>
-            <a:ext cx="5483520" cy="3083040"/>
-          </a:xfrm>
-          <a:prstGeom prst="rect">
-            <a:avLst/>
-          </a:prstGeom>
-        </p:spPr>
-      </p:sp>
-      <p:sp>
-        <p:nvSpPr>
-          <p:cNvPr id="237" name="PlaceHolder 2"/>
+            <a:ext cx="5482800" cy="3082320"/>
+          </a:xfrm>
+          <a:prstGeom prst="rect">
+            <a:avLst/>
+          </a:prstGeom>
+        </p:spPr>
+      </p:sp>
+      <p:sp>
+        <p:nvSpPr>
+          <p:cNvPr id="245" name="PlaceHolder 2"/>
           <p:cNvSpPr>
             <a:spLocks noGrp="1"/>
           </p:cNvSpPr>
@@ -2071,7 +2075,7 @@
         <p:spPr>
           <a:xfrm>
             <a:off x="685800" y="4400640"/>
-            <a:ext cx="5483160" cy="3597120"/>
+            <a:ext cx="5482440" cy="3596400"/>
           </a:xfrm>
           <a:prstGeom prst="rect">
             <a:avLst/>
@@ -2090,14 +2094,14 @@
       </p:sp>
       <p:sp>
         <p:nvSpPr>
-          <p:cNvPr id="238" name="CustomShape 3"/>
+          <p:cNvPr id="246" name="CustomShape 3"/>
           <p:cNvSpPr/>
           <p:nvPr/>
         </p:nvSpPr>
         <p:spPr>
           <a:xfrm>
             <a:off x="3884760" y="8685360"/>
-            <a:ext cx="2968560" cy="455400"/>
+            <a:ext cx="2967840" cy="454680"/>
           </a:xfrm>
           <a:prstGeom prst="rect">
             <a:avLst/>
@@ -2123,7 +2127,7 @@
                 <a:spcPct val="100000"/>
               </a:lnSpc>
             </a:pPr>
-            <a:fld id="{B9DB4553-F765-459B-BFD1-5A8CB4AA0848}" type="slidenum">
+            <a:fld id="{98B817D9-18FF-4740-8139-04C525753566}" type="slidenum">
               <a:rPr b="0" lang="pt-BR" sz="1200" spc="-1" strike="noStrike">
                 <a:solidFill>
                   <a:srgbClr val="000000"/>
@@ -2163,7 +2167,7 @@
       </p:grpSpPr>
       <p:sp>
         <p:nvSpPr>
-          <p:cNvPr id="239" name="PlaceHolder 1"/>
+          <p:cNvPr id="247" name="PlaceHolder 1"/>
           <p:cNvSpPr>
             <a:spLocks noGrp="1"/>
           </p:cNvSpPr>
@@ -2174,16 +2178,16 @@
         <p:spPr>
           <a:xfrm>
             <a:off x="685800" y="1143000"/>
-            <a:ext cx="5483520" cy="3083040"/>
-          </a:xfrm>
-          <a:prstGeom prst="rect">
-            <a:avLst/>
-          </a:prstGeom>
-        </p:spPr>
-      </p:sp>
-      <p:sp>
-        <p:nvSpPr>
-          <p:cNvPr id="240" name="PlaceHolder 2"/>
+            <a:ext cx="5482800" cy="3082320"/>
+          </a:xfrm>
+          <a:prstGeom prst="rect">
+            <a:avLst/>
+          </a:prstGeom>
+        </p:spPr>
+      </p:sp>
+      <p:sp>
+        <p:nvSpPr>
+          <p:cNvPr id="248" name="PlaceHolder 2"/>
           <p:cNvSpPr>
             <a:spLocks noGrp="1"/>
           </p:cNvSpPr>
@@ -2194,7 +2198,7 @@
         <p:spPr>
           <a:xfrm>
             <a:off x="685800" y="4400640"/>
-            <a:ext cx="5483160" cy="3597120"/>
+            <a:ext cx="5482440" cy="3596400"/>
           </a:xfrm>
           <a:prstGeom prst="rect">
             <a:avLst/>
@@ -2213,14 +2217,14 @@
       </p:sp>
       <p:sp>
         <p:nvSpPr>
-          <p:cNvPr id="241" name="CustomShape 3"/>
+          <p:cNvPr id="249" name="CustomShape 3"/>
           <p:cNvSpPr/>
           <p:nvPr/>
         </p:nvSpPr>
         <p:spPr>
           <a:xfrm>
             <a:off x="3884760" y="8685360"/>
-            <a:ext cx="2968560" cy="455400"/>
+            <a:ext cx="2967840" cy="454680"/>
           </a:xfrm>
           <a:prstGeom prst="rect">
             <a:avLst/>
@@ -2246,7 +2250,7 @@
                 <a:spcPct val="100000"/>
               </a:lnSpc>
             </a:pPr>
-            <a:fld id="{BD799B27-44F8-4663-BE19-BF8C0A5DAE5D}" type="slidenum">
+            <a:fld id="{09DE5BC0-0011-410B-8AD8-C6F731EFC7C8}" type="slidenum">
               <a:rPr b="0" lang="pt-BR" sz="1200" spc="-1" strike="noStrike">
                 <a:solidFill>
                   <a:srgbClr val="000000"/>
@@ -2286,7 +2290,7 @@
       </p:grpSpPr>
       <p:sp>
         <p:nvSpPr>
-          <p:cNvPr id="242" name="PlaceHolder 1"/>
+          <p:cNvPr id="250" name="PlaceHolder 1"/>
           <p:cNvSpPr>
             <a:spLocks noGrp="1"/>
           </p:cNvSpPr>
@@ -2297,16 +2301,16 @@
         <p:spPr>
           <a:xfrm>
             <a:off x="685800" y="1143000"/>
-            <a:ext cx="5483520" cy="3083040"/>
-          </a:xfrm>
-          <a:prstGeom prst="rect">
-            <a:avLst/>
-          </a:prstGeom>
-        </p:spPr>
-      </p:sp>
-      <p:sp>
-        <p:nvSpPr>
-          <p:cNvPr id="243" name="PlaceHolder 2"/>
+            <a:ext cx="5482800" cy="3082320"/>
+          </a:xfrm>
+          <a:prstGeom prst="rect">
+            <a:avLst/>
+          </a:prstGeom>
+        </p:spPr>
+      </p:sp>
+      <p:sp>
+        <p:nvSpPr>
+          <p:cNvPr id="251" name="PlaceHolder 2"/>
           <p:cNvSpPr>
             <a:spLocks noGrp="1"/>
           </p:cNvSpPr>
@@ -2317,7 +2321,7 @@
         <p:spPr>
           <a:xfrm>
             <a:off x="685800" y="4400640"/>
-            <a:ext cx="5483160" cy="3597120"/>
+            <a:ext cx="5482440" cy="3596400"/>
           </a:xfrm>
           <a:prstGeom prst="rect">
             <a:avLst/>
@@ -2336,14 +2340,14 @@
       </p:sp>
       <p:sp>
         <p:nvSpPr>
-          <p:cNvPr id="244" name="CustomShape 3"/>
+          <p:cNvPr id="252" name="CustomShape 3"/>
           <p:cNvSpPr/>
           <p:nvPr/>
         </p:nvSpPr>
         <p:spPr>
           <a:xfrm>
             <a:off x="3884760" y="8685360"/>
-            <a:ext cx="2968560" cy="455400"/>
+            <a:ext cx="2967840" cy="454680"/>
           </a:xfrm>
           <a:prstGeom prst="rect">
             <a:avLst/>
@@ -2369,7 +2373,7 @@
                 <a:spcPct val="100000"/>
               </a:lnSpc>
             </a:pPr>
-            <a:fld id="{52B9C526-2C5B-46A7-B750-FDF1534252B3}" type="slidenum">
+            <a:fld id="{6A7603A4-8630-4DD1-8ACA-369B98068701}" type="slidenum">
               <a:rPr b="0" lang="pt-BR" sz="1200" spc="-1" strike="noStrike">
                 <a:solidFill>
                   <a:srgbClr val="000000"/>
@@ -2409,7 +2413,7 @@
       </p:grpSpPr>
       <p:sp>
         <p:nvSpPr>
-          <p:cNvPr id="245" name="PlaceHolder 1"/>
+          <p:cNvPr id="253" name="PlaceHolder 1"/>
           <p:cNvSpPr>
             <a:spLocks noGrp="1"/>
           </p:cNvSpPr>
@@ -2420,16 +2424,16 @@
         <p:spPr>
           <a:xfrm>
             <a:off x="685800" y="1143000"/>
-            <a:ext cx="5483520" cy="3083040"/>
-          </a:xfrm>
-          <a:prstGeom prst="rect">
-            <a:avLst/>
-          </a:prstGeom>
-        </p:spPr>
-      </p:sp>
-      <p:sp>
-        <p:nvSpPr>
-          <p:cNvPr id="246" name="PlaceHolder 2"/>
+            <a:ext cx="5482800" cy="3082320"/>
+          </a:xfrm>
+          <a:prstGeom prst="rect">
+            <a:avLst/>
+          </a:prstGeom>
+        </p:spPr>
+      </p:sp>
+      <p:sp>
+        <p:nvSpPr>
+          <p:cNvPr id="254" name="PlaceHolder 2"/>
           <p:cNvSpPr>
             <a:spLocks noGrp="1"/>
           </p:cNvSpPr>
@@ -2440,7 +2444,7 @@
         <p:spPr>
           <a:xfrm>
             <a:off x="685800" y="4400640"/>
-            <a:ext cx="5483160" cy="3597120"/>
+            <a:ext cx="5482440" cy="3596400"/>
           </a:xfrm>
           <a:prstGeom prst="rect">
             <a:avLst/>
@@ -2459,14 +2463,14 @@
       </p:sp>
       <p:sp>
         <p:nvSpPr>
-          <p:cNvPr id="247" name="CustomShape 3"/>
+          <p:cNvPr id="255" name="CustomShape 3"/>
           <p:cNvSpPr/>
           <p:nvPr/>
         </p:nvSpPr>
         <p:spPr>
           <a:xfrm>
             <a:off x="3884760" y="8685360"/>
-            <a:ext cx="2968560" cy="455400"/>
+            <a:ext cx="2967840" cy="454680"/>
           </a:xfrm>
           <a:prstGeom prst="rect">
             <a:avLst/>
@@ -2492,7 +2496,7 @@
                 <a:spcPct val="100000"/>
               </a:lnSpc>
             </a:pPr>
-            <a:fld id="{57BA0D49-816B-416A-B624-9F13CAF48C61}" type="slidenum">
+            <a:fld id="{E7291B7D-96C4-4940-814B-27F263FE38EB}" type="slidenum">
               <a:rPr b="0" lang="pt-BR" sz="1200" spc="-1" strike="noStrike">
                 <a:solidFill>
                   <a:srgbClr val="000000"/>
@@ -2532,7 +2536,7 @@
       </p:grpSpPr>
       <p:sp>
         <p:nvSpPr>
-          <p:cNvPr id="248" name="PlaceHolder 1"/>
+          <p:cNvPr id="256" name="PlaceHolder 1"/>
           <p:cNvSpPr>
             <a:spLocks noGrp="1"/>
           </p:cNvSpPr>
@@ -2543,16 +2547,16 @@
         <p:spPr>
           <a:xfrm>
             <a:off x="685800" y="1143000"/>
-            <a:ext cx="5483520" cy="3083040"/>
-          </a:xfrm>
-          <a:prstGeom prst="rect">
-            <a:avLst/>
-          </a:prstGeom>
-        </p:spPr>
-      </p:sp>
-      <p:sp>
-        <p:nvSpPr>
-          <p:cNvPr id="249" name="PlaceHolder 2"/>
+            <a:ext cx="5482800" cy="3082320"/>
+          </a:xfrm>
+          <a:prstGeom prst="rect">
+            <a:avLst/>
+          </a:prstGeom>
+        </p:spPr>
+      </p:sp>
+      <p:sp>
+        <p:nvSpPr>
+          <p:cNvPr id="257" name="PlaceHolder 2"/>
           <p:cNvSpPr>
             <a:spLocks noGrp="1"/>
           </p:cNvSpPr>
@@ -2563,7 +2567,7 @@
         <p:spPr>
           <a:xfrm>
             <a:off x="685800" y="4400640"/>
-            <a:ext cx="5483160" cy="3597120"/>
+            <a:ext cx="5482440" cy="3596400"/>
           </a:xfrm>
           <a:prstGeom prst="rect">
             <a:avLst/>
@@ -2582,14 +2586,14 @@
       </p:sp>
       <p:sp>
         <p:nvSpPr>
-          <p:cNvPr id="250" name="CustomShape 3"/>
+          <p:cNvPr id="258" name="CustomShape 3"/>
           <p:cNvSpPr/>
           <p:nvPr/>
         </p:nvSpPr>
         <p:spPr>
           <a:xfrm>
             <a:off x="3884760" y="8685360"/>
-            <a:ext cx="2968560" cy="455400"/>
+            <a:ext cx="2967840" cy="454680"/>
           </a:xfrm>
           <a:prstGeom prst="rect">
             <a:avLst/>
@@ -2615,7 +2619,7 @@
                 <a:spcPct val="100000"/>
               </a:lnSpc>
             </a:pPr>
-            <a:fld id="{25A59E7F-C5EA-4C73-AFFC-B4EE325A1AFB}" type="slidenum">
+            <a:fld id="{E9F33017-7E74-400B-A44E-0346507D3D50}" type="slidenum">
               <a:rPr b="0" lang="pt-BR" sz="1200" spc="-1" strike="noStrike">
                 <a:solidFill>
                   <a:srgbClr val="000000"/>
@@ -2655,7 +2659,7 @@
       </p:grpSpPr>
       <p:sp>
         <p:nvSpPr>
-          <p:cNvPr id="251" name="PlaceHolder 1"/>
+          <p:cNvPr id="259" name="PlaceHolder 1"/>
           <p:cNvSpPr>
             <a:spLocks noGrp="1"/>
           </p:cNvSpPr>
@@ -2666,16 +2670,16 @@
         <p:spPr>
           <a:xfrm>
             <a:off x="685800" y="1143000"/>
-            <a:ext cx="5483520" cy="3083040"/>
-          </a:xfrm>
-          <a:prstGeom prst="rect">
-            <a:avLst/>
-          </a:prstGeom>
-        </p:spPr>
-      </p:sp>
-      <p:sp>
-        <p:nvSpPr>
-          <p:cNvPr id="252" name="PlaceHolder 2"/>
+            <a:ext cx="5482800" cy="3082320"/>
+          </a:xfrm>
+          <a:prstGeom prst="rect">
+            <a:avLst/>
+          </a:prstGeom>
+        </p:spPr>
+      </p:sp>
+      <p:sp>
+        <p:nvSpPr>
+          <p:cNvPr id="260" name="PlaceHolder 2"/>
           <p:cNvSpPr>
             <a:spLocks noGrp="1"/>
           </p:cNvSpPr>
@@ -2686,7 +2690,7 @@
         <p:spPr>
           <a:xfrm>
             <a:off x="685800" y="4400640"/>
-            <a:ext cx="5483160" cy="3597120"/>
+            <a:ext cx="5482440" cy="3596400"/>
           </a:xfrm>
           <a:prstGeom prst="rect">
             <a:avLst/>
@@ -2705,14 +2709,14 @@
       </p:sp>
       <p:sp>
         <p:nvSpPr>
-          <p:cNvPr id="253" name="CustomShape 3"/>
+          <p:cNvPr id="261" name="CustomShape 3"/>
           <p:cNvSpPr/>
           <p:nvPr/>
         </p:nvSpPr>
         <p:spPr>
           <a:xfrm>
             <a:off x="3884760" y="8685360"/>
-            <a:ext cx="2968560" cy="455400"/>
+            <a:ext cx="2967840" cy="454680"/>
           </a:xfrm>
           <a:prstGeom prst="rect">
             <a:avLst/>
@@ -2738,7 +2742,7 @@
                 <a:spcPct val="100000"/>
               </a:lnSpc>
             </a:pPr>
-            <a:fld id="{BE8A13AF-2F02-4524-9D81-EBF3E9C7A6B1}" type="slidenum">
+            <a:fld id="{D371D90E-23BE-44BC-9993-C3AC2A1C6A9A}" type="slidenum">
               <a:rPr b="0" lang="pt-BR" sz="1200" spc="-1" strike="noStrike">
                 <a:solidFill>
                   <a:srgbClr val="000000"/>
@@ -2778,7 +2782,7 @@
       </p:grpSpPr>
       <p:sp>
         <p:nvSpPr>
-          <p:cNvPr id="254" name="PlaceHolder 1"/>
+          <p:cNvPr id="262" name="PlaceHolder 1"/>
           <p:cNvSpPr>
             <a:spLocks noGrp="1"/>
           </p:cNvSpPr>
@@ -2789,16 +2793,16 @@
         <p:spPr>
           <a:xfrm>
             <a:off x="685800" y="1143000"/>
-            <a:ext cx="5483520" cy="3083040"/>
-          </a:xfrm>
-          <a:prstGeom prst="rect">
-            <a:avLst/>
-          </a:prstGeom>
-        </p:spPr>
-      </p:sp>
-      <p:sp>
-        <p:nvSpPr>
-          <p:cNvPr id="255" name="PlaceHolder 2"/>
+            <a:ext cx="5482800" cy="3082320"/>
+          </a:xfrm>
+          <a:prstGeom prst="rect">
+            <a:avLst/>
+          </a:prstGeom>
+        </p:spPr>
+      </p:sp>
+      <p:sp>
+        <p:nvSpPr>
+          <p:cNvPr id="263" name="PlaceHolder 2"/>
           <p:cNvSpPr>
             <a:spLocks noGrp="1"/>
           </p:cNvSpPr>
@@ -2809,7 +2813,7 @@
         <p:spPr>
           <a:xfrm>
             <a:off x="685800" y="4400640"/>
-            <a:ext cx="5483160" cy="3597120"/>
+            <a:ext cx="5482440" cy="3596400"/>
           </a:xfrm>
           <a:prstGeom prst="rect">
             <a:avLst/>
@@ -2828,14 +2832,14 @@
       </p:sp>
       <p:sp>
         <p:nvSpPr>
-          <p:cNvPr id="256" name="CustomShape 3"/>
+          <p:cNvPr id="264" name="CustomShape 3"/>
           <p:cNvSpPr/>
           <p:nvPr/>
         </p:nvSpPr>
         <p:spPr>
           <a:xfrm>
             <a:off x="3884760" y="8685360"/>
-            <a:ext cx="2968560" cy="455400"/>
+            <a:ext cx="2967840" cy="454680"/>
           </a:xfrm>
           <a:prstGeom prst="rect">
             <a:avLst/>
@@ -2861,7 +2865,7 @@
                 <a:spcPct val="100000"/>
               </a:lnSpc>
             </a:pPr>
-            <a:fld id="{98FF5265-215A-40A9-878F-0F0881D1ACE4}" type="slidenum">
+            <a:fld id="{85A1CFA0-3847-43A4-ACF2-697AFDDC7FD1}" type="slidenum">
               <a:rPr b="0" lang="pt-BR" sz="1200" spc="-1" strike="noStrike">
                 <a:solidFill>
                   <a:srgbClr val="000000"/>
@@ -2901,7 +2905,7 @@
       </p:grpSpPr>
       <p:sp>
         <p:nvSpPr>
-          <p:cNvPr id="257" name="PlaceHolder 1"/>
+          <p:cNvPr id="265" name="PlaceHolder 1"/>
           <p:cNvSpPr>
             <a:spLocks noGrp="1"/>
           </p:cNvSpPr>
@@ -2912,16 +2916,16 @@
         <p:spPr>
           <a:xfrm>
             <a:off x="685800" y="1143000"/>
-            <a:ext cx="5483520" cy="3083040"/>
-          </a:xfrm>
-          <a:prstGeom prst="rect">
-            <a:avLst/>
-          </a:prstGeom>
-        </p:spPr>
-      </p:sp>
-      <p:sp>
-        <p:nvSpPr>
-          <p:cNvPr id="258" name="PlaceHolder 2"/>
+            <a:ext cx="5482800" cy="3082320"/>
+          </a:xfrm>
+          <a:prstGeom prst="rect">
+            <a:avLst/>
+          </a:prstGeom>
+        </p:spPr>
+      </p:sp>
+      <p:sp>
+        <p:nvSpPr>
+          <p:cNvPr id="266" name="PlaceHolder 2"/>
           <p:cNvSpPr>
             <a:spLocks noGrp="1"/>
           </p:cNvSpPr>
@@ -2932,7 +2936,7 @@
         <p:spPr>
           <a:xfrm>
             <a:off x="685800" y="4400640"/>
-            <a:ext cx="5483160" cy="3597120"/>
+            <a:ext cx="5482440" cy="3596400"/>
           </a:xfrm>
           <a:prstGeom prst="rect">
             <a:avLst/>
@@ -2943,7 +2947,7 @@
             <a:noAutofit/>
           </a:bodyPr>
           <a:p>
-            <a:pPr marL="216000" indent="-215280">
+            <a:pPr marL="216000" indent="-214560">
               <a:lnSpc>
                 <a:spcPct val="100000"/>
               </a:lnSpc>
@@ -2962,7 +2966,7 @@
             </a:endParaRPr>
           </a:p>
           <a:p>
-            <a:pPr marL="216000" indent="-215280">
+            <a:pPr marL="216000" indent="-214560">
               <a:lnSpc>
                 <a:spcPct val="100000"/>
               </a:lnSpc>
@@ -2984,14 +2988,14 @@
       </p:sp>
       <p:sp>
         <p:nvSpPr>
-          <p:cNvPr id="259" name="CustomShape 3"/>
+          <p:cNvPr id="267" name="CustomShape 3"/>
           <p:cNvSpPr/>
           <p:nvPr/>
         </p:nvSpPr>
         <p:spPr>
           <a:xfrm>
             <a:off x="3884760" y="8685360"/>
-            <a:ext cx="2968560" cy="455400"/>
+            <a:ext cx="2967840" cy="454680"/>
           </a:xfrm>
           <a:prstGeom prst="rect">
             <a:avLst/>
@@ -3017,7 +3021,7 @@
                 <a:spcPct val="100000"/>
               </a:lnSpc>
             </a:pPr>
-            <a:fld id="{12666DD1-A622-4B58-889D-B61F874DBB3F}" type="slidenum">
+            <a:fld id="{E8667517-D002-48DB-9A61-E8B5E6DB9E67}" type="slidenum">
               <a:rPr b="0" lang="pt-BR" sz="1200" spc="-1" strike="noStrike">
                 <a:solidFill>
                   <a:srgbClr val="000000"/>
@@ -3057,7 +3061,7 @@
       </p:grpSpPr>
       <p:sp>
         <p:nvSpPr>
-          <p:cNvPr id="179" name="PlaceHolder 1"/>
+          <p:cNvPr id="187" name="PlaceHolder 1"/>
           <p:cNvSpPr>
             <a:spLocks noGrp="1"/>
           </p:cNvSpPr>
@@ -3068,16 +3072,16 @@
         <p:spPr>
           <a:xfrm>
             <a:off x="685800" y="1143000"/>
-            <a:ext cx="5483160" cy="3083040"/>
-          </a:xfrm>
-          <a:prstGeom prst="rect">
-            <a:avLst/>
-          </a:prstGeom>
-        </p:spPr>
-      </p:sp>
-      <p:sp>
-        <p:nvSpPr>
-          <p:cNvPr id="180" name="PlaceHolder 2"/>
+            <a:ext cx="5482440" cy="3082320"/>
+          </a:xfrm>
+          <a:prstGeom prst="rect">
+            <a:avLst/>
+          </a:prstGeom>
+        </p:spPr>
+      </p:sp>
+      <p:sp>
+        <p:nvSpPr>
+          <p:cNvPr id="188" name="PlaceHolder 2"/>
           <p:cNvSpPr>
             <a:spLocks noGrp="1"/>
           </p:cNvSpPr>
@@ -3088,7 +3092,7 @@
         <p:spPr>
           <a:xfrm>
             <a:off x="685800" y="4400640"/>
-            <a:ext cx="5483160" cy="3597120"/>
+            <a:ext cx="5482440" cy="3596400"/>
           </a:xfrm>
           <a:prstGeom prst="rect">
             <a:avLst/>
@@ -3107,14 +3111,14 @@
       </p:sp>
       <p:sp>
         <p:nvSpPr>
-          <p:cNvPr id="181" name="CustomShape 3"/>
+          <p:cNvPr id="189" name="CustomShape 3"/>
           <p:cNvSpPr/>
           <p:nvPr/>
         </p:nvSpPr>
         <p:spPr>
           <a:xfrm>
             <a:off x="3884760" y="8685360"/>
-            <a:ext cx="2968560" cy="455400"/>
+            <a:ext cx="2967840" cy="454680"/>
           </a:xfrm>
           <a:prstGeom prst="rect">
             <a:avLst/>
@@ -3140,7 +3144,7 @@
                 <a:spcPct val="100000"/>
               </a:lnSpc>
             </a:pPr>
-            <a:fld id="{90778A65-50D0-4B33-A3C4-3FFA10671526}" type="slidenum">
+            <a:fld id="{12F19C79-D746-45E8-9057-B9B2A04A0FBC}" type="slidenum">
               <a:rPr b="0" lang="pt-BR" sz="1200" spc="-1" strike="noStrike">
                 <a:solidFill>
                   <a:srgbClr val="000000"/>
@@ -3180,7 +3184,7 @@
       </p:grpSpPr>
       <p:sp>
         <p:nvSpPr>
-          <p:cNvPr id="260" name="PlaceHolder 1"/>
+          <p:cNvPr id="268" name="PlaceHolder 1"/>
           <p:cNvSpPr>
             <a:spLocks noGrp="1"/>
           </p:cNvSpPr>
@@ -3191,16 +3195,16 @@
         <p:spPr>
           <a:xfrm>
             <a:off x="685800" y="1143000"/>
-            <a:ext cx="5483520" cy="3083040"/>
-          </a:xfrm>
-          <a:prstGeom prst="rect">
-            <a:avLst/>
-          </a:prstGeom>
-        </p:spPr>
-      </p:sp>
-      <p:sp>
-        <p:nvSpPr>
-          <p:cNvPr id="261" name="PlaceHolder 2"/>
+            <a:ext cx="5482800" cy="3082320"/>
+          </a:xfrm>
+          <a:prstGeom prst="rect">
+            <a:avLst/>
+          </a:prstGeom>
+        </p:spPr>
+      </p:sp>
+      <p:sp>
+        <p:nvSpPr>
+          <p:cNvPr id="269" name="PlaceHolder 2"/>
           <p:cNvSpPr>
             <a:spLocks noGrp="1"/>
           </p:cNvSpPr>
@@ -3211,7 +3215,7 @@
         <p:spPr>
           <a:xfrm>
             <a:off x="685800" y="4400640"/>
-            <a:ext cx="5483160" cy="3597120"/>
+            <a:ext cx="5482440" cy="3596400"/>
           </a:xfrm>
           <a:prstGeom prst="rect">
             <a:avLst/>
@@ -3222,7 +3226,7 @@
             <a:noAutofit/>
           </a:bodyPr>
           <a:p>
-            <a:pPr marL="216000" indent="-215280">
+            <a:pPr marL="216000" indent="-214560">
               <a:lnSpc>
                 <a:spcPct val="100000"/>
               </a:lnSpc>
@@ -3241,7 +3245,7 @@
             </a:endParaRPr>
           </a:p>
           <a:p>
-            <a:pPr marL="216000" indent="-215280">
+            <a:pPr marL="216000" indent="-214560">
               <a:lnSpc>
                 <a:spcPct val="100000"/>
               </a:lnSpc>
@@ -3254,7 +3258,7 @@
             </a:endParaRPr>
           </a:p>
           <a:p>
-            <a:pPr marL="216000" indent="-215280">
+            <a:pPr marL="216000" indent="-214560">
               <a:lnSpc>
                 <a:spcPct val="100000"/>
               </a:lnSpc>
@@ -3273,7 +3277,7 @@
             </a:endParaRPr>
           </a:p>
           <a:p>
-            <a:pPr marL="216000" indent="-215280">
+            <a:pPr marL="216000" indent="-214560">
               <a:lnSpc>
                 <a:spcPct val="100000"/>
               </a:lnSpc>
@@ -3295,14 +3299,14 @@
       </p:sp>
       <p:sp>
         <p:nvSpPr>
-          <p:cNvPr id="262" name="CustomShape 3"/>
+          <p:cNvPr id="270" name="CustomShape 3"/>
           <p:cNvSpPr/>
           <p:nvPr/>
         </p:nvSpPr>
         <p:spPr>
           <a:xfrm>
             <a:off x="3884760" y="8685360"/>
-            <a:ext cx="2968560" cy="455400"/>
+            <a:ext cx="2967840" cy="454680"/>
           </a:xfrm>
           <a:prstGeom prst="rect">
             <a:avLst/>
@@ -3328,7 +3332,7 @@
                 <a:spcPct val="100000"/>
               </a:lnSpc>
             </a:pPr>
-            <a:fld id="{65FE2393-8919-4F67-9A1E-B0D4E0DBFA38}" type="slidenum">
+            <a:fld id="{F4CAF18A-2C97-42DF-9D04-7068B02BA743}" type="slidenum">
               <a:rPr b="0" lang="pt-BR" sz="1200" spc="-1" strike="noStrike">
                 <a:solidFill>
                   <a:srgbClr val="000000"/>
@@ -3368,7 +3372,7 @@
       </p:grpSpPr>
       <p:sp>
         <p:nvSpPr>
-          <p:cNvPr id="263" name="PlaceHolder 1"/>
+          <p:cNvPr id="271" name="PlaceHolder 1"/>
           <p:cNvSpPr>
             <a:spLocks noGrp="1"/>
           </p:cNvSpPr>
@@ -3379,16 +3383,16 @@
         <p:spPr>
           <a:xfrm>
             <a:off x="685800" y="1143000"/>
-            <a:ext cx="5483520" cy="3083040"/>
-          </a:xfrm>
-          <a:prstGeom prst="rect">
-            <a:avLst/>
-          </a:prstGeom>
-        </p:spPr>
-      </p:sp>
-      <p:sp>
-        <p:nvSpPr>
-          <p:cNvPr id="264" name="PlaceHolder 2"/>
+            <a:ext cx="5482800" cy="3082320"/>
+          </a:xfrm>
+          <a:prstGeom prst="rect">
+            <a:avLst/>
+          </a:prstGeom>
+        </p:spPr>
+      </p:sp>
+      <p:sp>
+        <p:nvSpPr>
+          <p:cNvPr id="272" name="PlaceHolder 2"/>
           <p:cNvSpPr>
             <a:spLocks noGrp="1"/>
           </p:cNvSpPr>
@@ -3399,7 +3403,7 @@
         <p:spPr>
           <a:xfrm>
             <a:off x="685800" y="4320000"/>
-            <a:ext cx="5483160" cy="3597120"/>
+            <a:ext cx="5482440" cy="3596400"/>
           </a:xfrm>
           <a:prstGeom prst="rect">
             <a:avLst/>
@@ -3418,14 +3422,14 @@
       </p:sp>
       <p:sp>
         <p:nvSpPr>
-          <p:cNvPr id="265" name="CustomShape 3"/>
+          <p:cNvPr id="273" name="CustomShape 3"/>
           <p:cNvSpPr/>
           <p:nvPr/>
         </p:nvSpPr>
         <p:spPr>
           <a:xfrm>
             <a:off x="3884760" y="8685360"/>
-            <a:ext cx="2968560" cy="455400"/>
+            <a:ext cx="2967840" cy="454680"/>
           </a:xfrm>
           <a:prstGeom prst="rect">
             <a:avLst/>
@@ -3451,7 +3455,7 @@
                 <a:spcPct val="100000"/>
               </a:lnSpc>
             </a:pPr>
-            <a:fld id="{5AD01BB1-7CFC-45AD-A705-9C48A269278A}" type="slidenum">
+            <a:fld id="{3CAA4DD7-21EB-4D46-BE74-1C1D7089509A}" type="slidenum">
               <a:rPr b="0" lang="pt-BR" sz="1200" spc="-1" strike="noStrike">
                 <a:solidFill>
                   <a:srgbClr val="000000"/>
@@ -3491,7 +3495,7 @@
       </p:grpSpPr>
       <p:sp>
         <p:nvSpPr>
-          <p:cNvPr id="266" name="PlaceHolder 1"/>
+          <p:cNvPr id="274" name="PlaceHolder 1"/>
           <p:cNvSpPr>
             <a:spLocks noGrp="1"/>
           </p:cNvSpPr>
@@ -3502,16 +3506,16 @@
         <p:spPr>
           <a:xfrm>
             <a:off x="685800" y="1143000"/>
-            <a:ext cx="5483520" cy="3083040"/>
-          </a:xfrm>
-          <a:prstGeom prst="rect">
-            <a:avLst/>
-          </a:prstGeom>
-        </p:spPr>
-      </p:sp>
-      <p:sp>
-        <p:nvSpPr>
-          <p:cNvPr id="267" name="PlaceHolder 2"/>
+            <a:ext cx="5482800" cy="3082320"/>
+          </a:xfrm>
+          <a:prstGeom prst="rect">
+            <a:avLst/>
+          </a:prstGeom>
+        </p:spPr>
+      </p:sp>
+      <p:sp>
+        <p:nvSpPr>
+          <p:cNvPr id="275" name="PlaceHolder 2"/>
           <p:cNvSpPr>
             <a:spLocks noGrp="1"/>
           </p:cNvSpPr>
@@ -3522,7 +3526,7 @@
         <p:spPr>
           <a:xfrm>
             <a:off x="685800" y="4320000"/>
-            <a:ext cx="5483160" cy="3597120"/>
+            <a:ext cx="5482440" cy="3596400"/>
           </a:xfrm>
           <a:prstGeom prst="rect">
             <a:avLst/>
@@ -3541,14 +3545,14 @@
       </p:sp>
       <p:sp>
         <p:nvSpPr>
-          <p:cNvPr id="268" name="CustomShape 3"/>
+          <p:cNvPr id="276" name="CustomShape 3"/>
           <p:cNvSpPr/>
           <p:nvPr/>
         </p:nvSpPr>
         <p:spPr>
           <a:xfrm>
             <a:off x="3884760" y="8685360"/>
-            <a:ext cx="2968560" cy="455400"/>
+            <a:ext cx="2967840" cy="454680"/>
           </a:xfrm>
           <a:prstGeom prst="rect">
             <a:avLst/>
@@ -3574,7 +3578,7 @@
                 <a:spcPct val="100000"/>
               </a:lnSpc>
             </a:pPr>
-            <a:fld id="{B02AA85F-6430-4C27-BBE8-1B66F8D1D90C}" type="slidenum">
+            <a:fld id="{05BA77EB-AE82-4695-9CC2-DBC5DB9FC36E}" type="slidenum">
               <a:rPr b="0" lang="pt-BR" sz="1200" spc="-1" strike="noStrike">
                 <a:solidFill>
                   <a:srgbClr val="000000"/>
@@ -3614,7 +3618,7 @@
       </p:grpSpPr>
       <p:sp>
         <p:nvSpPr>
-          <p:cNvPr id="269" name="PlaceHolder 1"/>
+          <p:cNvPr id="277" name="PlaceHolder 1"/>
           <p:cNvSpPr>
             <a:spLocks noGrp="1"/>
           </p:cNvSpPr>
@@ -3625,16 +3629,16 @@
         <p:spPr>
           <a:xfrm>
             <a:off x="685800" y="1143000"/>
-            <a:ext cx="5483520" cy="3083040"/>
-          </a:xfrm>
-          <a:prstGeom prst="rect">
-            <a:avLst/>
-          </a:prstGeom>
-        </p:spPr>
-      </p:sp>
-      <p:sp>
-        <p:nvSpPr>
-          <p:cNvPr id="270" name="PlaceHolder 2"/>
+            <a:ext cx="5482800" cy="3082320"/>
+          </a:xfrm>
+          <a:prstGeom prst="rect">
+            <a:avLst/>
+          </a:prstGeom>
+        </p:spPr>
+      </p:sp>
+      <p:sp>
+        <p:nvSpPr>
+          <p:cNvPr id="278" name="PlaceHolder 2"/>
           <p:cNvSpPr>
             <a:spLocks noGrp="1"/>
           </p:cNvSpPr>
@@ -3645,7 +3649,7 @@
         <p:spPr>
           <a:xfrm>
             <a:off x="685800" y="4320000"/>
-            <a:ext cx="5483160" cy="3597120"/>
+            <a:ext cx="5482440" cy="3596400"/>
           </a:xfrm>
           <a:prstGeom prst="rect">
             <a:avLst/>
@@ -3664,14 +3668,14 @@
       </p:sp>
       <p:sp>
         <p:nvSpPr>
-          <p:cNvPr id="271" name="CustomShape 3"/>
+          <p:cNvPr id="279" name="CustomShape 3"/>
           <p:cNvSpPr/>
           <p:nvPr/>
         </p:nvSpPr>
         <p:spPr>
           <a:xfrm>
             <a:off x="3884760" y="8685360"/>
-            <a:ext cx="2968560" cy="455400"/>
+            <a:ext cx="2967840" cy="454680"/>
           </a:xfrm>
           <a:prstGeom prst="rect">
             <a:avLst/>
@@ -3697,7 +3701,7 @@
                 <a:spcPct val="100000"/>
               </a:lnSpc>
             </a:pPr>
-            <a:fld id="{197F1891-6260-4B38-B1E6-52539A379878}" type="slidenum">
+            <a:fld id="{0AF5BE17-FFE7-475E-BC4A-C043C64E4B3C}" type="slidenum">
               <a:rPr b="0" lang="pt-BR" sz="1200" spc="-1" strike="noStrike">
                 <a:solidFill>
                   <a:srgbClr val="000000"/>
@@ -3737,7 +3741,7 @@
       </p:grpSpPr>
       <p:sp>
         <p:nvSpPr>
-          <p:cNvPr id="272" name="PlaceHolder 1"/>
+          <p:cNvPr id="280" name="PlaceHolder 1"/>
           <p:cNvSpPr>
             <a:spLocks noGrp="1"/>
           </p:cNvSpPr>
@@ -3748,16 +3752,16 @@
         <p:spPr>
           <a:xfrm>
             <a:off x="685800" y="1143000"/>
-            <a:ext cx="5483520" cy="3083040"/>
-          </a:xfrm>
-          <a:prstGeom prst="rect">
-            <a:avLst/>
-          </a:prstGeom>
-        </p:spPr>
-      </p:sp>
-      <p:sp>
-        <p:nvSpPr>
-          <p:cNvPr id="273" name="PlaceHolder 2"/>
+            <a:ext cx="5482800" cy="3082320"/>
+          </a:xfrm>
+          <a:prstGeom prst="rect">
+            <a:avLst/>
+          </a:prstGeom>
+        </p:spPr>
+      </p:sp>
+      <p:sp>
+        <p:nvSpPr>
+          <p:cNvPr id="281" name="PlaceHolder 2"/>
           <p:cNvSpPr>
             <a:spLocks noGrp="1"/>
           </p:cNvSpPr>
@@ -3768,7 +3772,7 @@
         <p:spPr>
           <a:xfrm>
             <a:off x="685800" y="4320000"/>
-            <a:ext cx="5483160" cy="3597120"/>
+            <a:ext cx="5482440" cy="3596400"/>
           </a:xfrm>
           <a:prstGeom prst="rect">
             <a:avLst/>
@@ -3787,14 +3791,14 @@
       </p:sp>
       <p:sp>
         <p:nvSpPr>
-          <p:cNvPr id="274" name="CustomShape 3"/>
+          <p:cNvPr id="282" name="CustomShape 3"/>
           <p:cNvSpPr/>
           <p:nvPr/>
         </p:nvSpPr>
         <p:spPr>
           <a:xfrm>
             <a:off x="3884760" y="8685360"/>
-            <a:ext cx="2968560" cy="455400"/>
+            <a:ext cx="2967840" cy="454680"/>
           </a:xfrm>
           <a:prstGeom prst="rect">
             <a:avLst/>
@@ -3820,7 +3824,7 @@
                 <a:spcPct val="100000"/>
               </a:lnSpc>
             </a:pPr>
-            <a:fld id="{824CDA42-5E23-4218-9BE8-1EE34D8CC83C}" type="slidenum">
+            <a:fld id="{F68140F9-E7CB-4C3F-BA2D-B4C03BECF2A1}" type="slidenum">
               <a:rPr b="0" lang="pt-BR" sz="1200" spc="-1" strike="noStrike">
                 <a:solidFill>
                   <a:srgbClr val="000000"/>
@@ -3860,7 +3864,7 @@
       </p:grpSpPr>
       <p:sp>
         <p:nvSpPr>
-          <p:cNvPr id="275" name="PlaceHolder 1"/>
+          <p:cNvPr id="283" name="PlaceHolder 1"/>
           <p:cNvSpPr>
             <a:spLocks noGrp="1"/>
           </p:cNvSpPr>
@@ -3871,16 +3875,16 @@
         <p:spPr>
           <a:xfrm>
             <a:off x="685800" y="1143000"/>
-            <a:ext cx="5483520" cy="3083040"/>
-          </a:xfrm>
-          <a:prstGeom prst="rect">
-            <a:avLst/>
-          </a:prstGeom>
-        </p:spPr>
-      </p:sp>
-      <p:sp>
-        <p:nvSpPr>
-          <p:cNvPr id="276" name="PlaceHolder 2"/>
+            <a:ext cx="5482800" cy="3082320"/>
+          </a:xfrm>
+          <a:prstGeom prst="rect">
+            <a:avLst/>
+          </a:prstGeom>
+        </p:spPr>
+      </p:sp>
+      <p:sp>
+        <p:nvSpPr>
+          <p:cNvPr id="284" name="PlaceHolder 2"/>
           <p:cNvSpPr>
             <a:spLocks noGrp="1"/>
           </p:cNvSpPr>
@@ -3891,7 +3895,7 @@
         <p:spPr>
           <a:xfrm>
             <a:off x="685800" y="4320000"/>
-            <a:ext cx="5483160" cy="3597120"/>
+            <a:ext cx="5482440" cy="3596400"/>
           </a:xfrm>
           <a:prstGeom prst="rect">
             <a:avLst/>
@@ -3910,14 +3914,14 @@
       </p:sp>
       <p:sp>
         <p:nvSpPr>
-          <p:cNvPr id="277" name="CustomShape 3"/>
+          <p:cNvPr id="285" name="CustomShape 3"/>
           <p:cNvSpPr/>
           <p:nvPr/>
         </p:nvSpPr>
         <p:spPr>
           <a:xfrm>
             <a:off x="3884760" y="8685360"/>
-            <a:ext cx="2968560" cy="455400"/>
+            <a:ext cx="2967840" cy="454680"/>
           </a:xfrm>
           <a:prstGeom prst="rect">
             <a:avLst/>
@@ -3943,7 +3947,7 @@
                 <a:spcPct val="100000"/>
               </a:lnSpc>
             </a:pPr>
-            <a:fld id="{8549868D-946A-438B-9630-DE93CDDF2CD9}" type="slidenum">
+            <a:fld id="{7BC7976A-32F7-4D86-804A-5414F303CF7C}" type="slidenum">
               <a:rPr b="0" lang="pt-BR" sz="1200" spc="-1" strike="noStrike">
                 <a:solidFill>
                   <a:srgbClr val="000000"/>
@@ -3983,7 +3987,7 @@
       </p:grpSpPr>
       <p:sp>
         <p:nvSpPr>
-          <p:cNvPr id="278" name="PlaceHolder 1"/>
+          <p:cNvPr id="286" name="PlaceHolder 1"/>
           <p:cNvSpPr>
             <a:spLocks noGrp="1"/>
           </p:cNvSpPr>
@@ -3994,16 +3998,16 @@
         <p:spPr>
           <a:xfrm>
             <a:off x="685800" y="1143000"/>
-            <a:ext cx="5483520" cy="3083040"/>
-          </a:xfrm>
-          <a:prstGeom prst="rect">
-            <a:avLst/>
-          </a:prstGeom>
-        </p:spPr>
-      </p:sp>
-      <p:sp>
-        <p:nvSpPr>
-          <p:cNvPr id="279" name="PlaceHolder 2"/>
+            <a:ext cx="5482800" cy="3082320"/>
+          </a:xfrm>
+          <a:prstGeom prst="rect">
+            <a:avLst/>
+          </a:prstGeom>
+        </p:spPr>
+      </p:sp>
+      <p:sp>
+        <p:nvSpPr>
+          <p:cNvPr id="287" name="PlaceHolder 2"/>
           <p:cNvSpPr>
             <a:spLocks noGrp="1"/>
           </p:cNvSpPr>
@@ -4014,7 +4018,7 @@
         <p:spPr>
           <a:xfrm>
             <a:off x="685800" y="4320000"/>
-            <a:ext cx="5483160" cy="3597120"/>
+            <a:ext cx="5482440" cy="3596400"/>
           </a:xfrm>
           <a:prstGeom prst="rect">
             <a:avLst/>
@@ -4033,14 +4037,14 @@
       </p:sp>
       <p:sp>
         <p:nvSpPr>
-          <p:cNvPr id="280" name="CustomShape 3"/>
+          <p:cNvPr id="288" name="CustomShape 3"/>
           <p:cNvSpPr/>
           <p:nvPr/>
         </p:nvSpPr>
         <p:spPr>
           <a:xfrm>
             <a:off x="3884760" y="8685360"/>
-            <a:ext cx="2968560" cy="455400"/>
+            <a:ext cx="2967840" cy="454680"/>
           </a:xfrm>
           <a:prstGeom prst="rect">
             <a:avLst/>
@@ -4066,7 +4070,7 @@
                 <a:spcPct val="100000"/>
               </a:lnSpc>
             </a:pPr>
-            <a:fld id="{E911918B-8531-412F-B04C-873DF4B2A9F8}" type="slidenum">
+            <a:fld id="{1286EEFC-FF7D-4C9B-AE96-5E02F4E6A817}" type="slidenum">
               <a:rPr b="0" lang="pt-BR" sz="1200" spc="-1" strike="noStrike">
                 <a:solidFill>
                   <a:srgbClr val="000000"/>
@@ -4106,7 +4110,7 @@
       </p:grpSpPr>
       <p:sp>
         <p:nvSpPr>
-          <p:cNvPr id="281" name="PlaceHolder 1"/>
+          <p:cNvPr id="289" name="PlaceHolder 1"/>
           <p:cNvSpPr>
             <a:spLocks noGrp="1"/>
           </p:cNvSpPr>
@@ -4117,16 +4121,16 @@
         <p:spPr>
           <a:xfrm>
             <a:off x="685800" y="1143000"/>
-            <a:ext cx="5483520" cy="3083040"/>
-          </a:xfrm>
-          <a:prstGeom prst="rect">
-            <a:avLst/>
-          </a:prstGeom>
-        </p:spPr>
-      </p:sp>
-      <p:sp>
-        <p:nvSpPr>
-          <p:cNvPr id="282" name="PlaceHolder 2"/>
+            <a:ext cx="5482800" cy="3082320"/>
+          </a:xfrm>
+          <a:prstGeom prst="rect">
+            <a:avLst/>
+          </a:prstGeom>
+        </p:spPr>
+      </p:sp>
+      <p:sp>
+        <p:nvSpPr>
+          <p:cNvPr id="290" name="PlaceHolder 2"/>
           <p:cNvSpPr>
             <a:spLocks noGrp="1"/>
           </p:cNvSpPr>
@@ -4137,7 +4141,7 @@
         <p:spPr>
           <a:xfrm>
             <a:off x="685800" y="4320000"/>
-            <a:ext cx="5483160" cy="3597120"/>
+            <a:ext cx="5482440" cy="3596400"/>
           </a:xfrm>
           <a:prstGeom prst="rect">
             <a:avLst/>
@@ -4156,14 +4160,14 @@
       </p:sp>
       <p:sp>
         <p:nvSpPr>
-          <p:cNvPr id="283" name="CustomShape 3"/>
+          <p:cNvPr id="291" name="CustomShape 3"/>
           <p:cNvSpPr/>
           <p:nvPr/>
         </p:nvSpPr>
         <p:spPr>
           <a:xfrm>
             <a:off x="3884760" y="8685360"/>
-            <a:ext cx="2968560" cy="455400"/>
+            <a:ext cx="2967840" cy="454680"/>
           </a:xfrm>
           <a:prstGeom prst="rect">
             <a:avLst/>
@@ -4189,7 +4193,7 @@
                 <a:spcPct val="100000"/>
               </a:lnSpc>
             </a:pPr>
-            <a:fld id="{F81DEF2B-5D50-4C63-B84E-C8C792E1716F}" type="slidenum">
+            <a:fld id="{520A3BA9-BCCB-49F3-868A-34621B26260E}" type="slidenum">
               <a:rPr b="0" lang="pt-BR" sz="1200" spc="-1" strike="noStrike">
                 <a:solidFill>
                   <a:srgbClr val="000000"/>
@@ -4229,7 +4233,7 @@
       </p:grpSpPr>
       <p:sp>
         <p:nvSpPr>
-          <p:cNvPr id="284" name="PlaceHolder 1"/>
+          <p:cNvPr id="292" name="PlaceHolder 1"/>
           <p:cNvSpPr>
             <a:spLocks noGrp="1"/>
           </p:cNvSpPr>
@@ -4240,16 +4244,16 @@
         <p:spPr>
           <a:xfrm>
             <a:off x="685800" y="1143000"/>
-            <a:ext cx="5483520" cy="3083040"/>
-          </a:xfrm>
-          <a:prstGeom prst="rect">
-            <a:avLst/>
-          </a:prstGeom>
-        </p:spPr>
-      </p:sp>
-      <p:sp>
-        <p:nvSpPr>
-          <p:cNvPr id="285" name="PlaceHolder 2"/>
+            <a:ext cx="5482800" cy="3082320"/>
+          </a:xfrm>
+          <a:prstGeom prst="rect">
+            <a:avLst/>
+          </a:prstGeom>
+        </p:spPr>
+      </p:sp>
+      <p:sp>
+        <p:nvSpPr>
+          <p:cNvPr id="293" name="PlaceHolder 2"/>
           <p:cNvSpPr>
             <a:spLocks noGrp="1"/>
           </p:cNvSpPr>
@@ -4260,7 +4264,7 @@
         <p:spPr>
           <a:xfrm>
             <a:off x="685800" y="4320000"/>
-            <a:ext cx="5483160" cy="3597120"/>
+            <a:ext cx="5482440" cy="3596400"/>
           </a:xfrm>
           <a:prstGeom prst="rect">
             <a:avLst/>
@@ -4279,14 +4283,14 @@
       </p:sp>
       <p:sp>
         <p:nvSpPr>
-          <p:cNvPr id="286" name="CustomShape 3"/>
+          <p:cNvPr id="294" name="CustomShape 3"/>
           <p:cNvSpPr/>
           <p:nvPr/>
         </p:nvSpPr>
         <p:spPr>
           <a:xfrm>
             <a:off x="3884760" y="8685360"/>
-            <a:ext cx="2968560" cy="455400"/>
+            <a:ext cx="2967840" cy="454680"/>
           </a:xfrm>
           <a:prstGeom prst="rect">
             <a:avLst/>
@@ -4312,7 +4316,7 @@
                 <a:spcPct val="100000"/>
               </a:lnSpc>
             </a:pPr>
-            <a:fld id="{DAFF269A-2A20-40BA-9B91-A1176CDC467F}" type="slidenum">
+            <a:fld id="{CDCAEDF7-B90A-4D36-A591-739D12A46B9C}" type="slidenum">
               <a:rPr b="0" lang="pt-BR" sz="1200" spc="-1" strike="noStrike">
                 <a:solidFill>
                   <a:srgbClr val="000000"/>
@@ -4352,7 +4356,7 @@
       </p:grpSpPr>
       <p:sp>
         <p:nvSpPr>
-          <p:cNvPr id="287" name="PlaceHolder 1"/>
+          <p:cNvPr id="295" name="PlaceHolder 1"/>
           <p:cNvSpPr>
             <a:spLocks noGrp="1"/>
           </p:cNvSpPr>
@@ -4363,16 +4367,16 @@
         <p:spPr>
           <a:xfrm>
             <a:off x="685800" y="1143000"/>
-            <a:ext cx="5483520" cy="3083040"/>
-          </a:xfrm>
-          <a:prstGeom prst="rect">
-            <a:avLst/>
-          </a:prstGeom>
-        </p:spPr>
-      </p:sp>
-      <p:sp>
-        <p:nvSpPr>
-          <p:cNvPr id="288" name="PlaceHolder 2"/>
+            <a:ext cx="5482800" cy="3082320"/>
+          </a:xfrm>
+          <a:prstGeom prst="rect">
+            <a:avLst/>
+          </a:prstGeom>
+        </p:spPr>
+      </p:sp>
+      <p:sp>
+        <p:nvSpPr>
+          <p:cNvPr id="296" name="PlaceHolder 2"/>
           <p:cNvSpPr>
             <a:spLocks noGrp="1"/>
           </p:cNvSpPr>
@@ -4383,7 +4387,7 @@
         <p:spPr>
           <a:xfrm>
             <a:off x="685800" y="4320000"/>
-            <a:ext cx="5483160" cy="3597120"/>
+            <a:ext cx="5482440" cy="3596400"/>
           </a:xfrm>
           <a:prstGeom prst="rect">
             <a:avLst/>
@@ -4402,14 +4406,14 @@
       </p:sp>
       <p:sp>
         <p:nvSpPr>
-          <p:cNvPr id="289" name="CustomShape 3"/>
+          <p:cNvPr id="297" name="CustomShape 3"/>
           <p:cNvSpPr/>
           <p:nvPr/>
         </p:nvSpPr>
         <p:spPr>
           <a:xfrm>
             <a:off x="3884760" y="8685360"/>
-            <a:ext cx="2968560" cy="455400"/>
+            <a:ext cx="2967840" cy="454680"/>
           </a:xfrm>
           <a:prstGeom prst="rect">
             <a:avLst/>
@@ -4435,7 +4439,7 @@
                 <a:spcPct val="100000"/>
               </a:lnSpc>
             </a:pPr>
-            <a:fld id="{5B96B8DE-89AB-4B30-88FB-CA750EF5B50A}" type="slidenum">
+            <a:fld id="{3250E34F-4D97-4C4E-BB23-EA8D1E6671AA}" type="slidenum">
               <a:rPr b="0" lang="pt-BR" sz="1200" spc="-1" strike="noStrike">
                 <a:solidFill>
                   <a:srgbClr val="000000"/>
@@ -4475,7 +4479,7 @@
       </p:grpSpPr>
       <p:sp>
         <p:nvSpPr>
-          <p:cNvPr id="182" name="PlaceHolder 1"/>
+          <p:cNvPr id="190" name="PlaceHolder 1"/>
           <p:cNvSpPr>
             <a:spLocks noGrp="1"/>
           </p:cNvSpPr>
@@ -4486,16 +4490,16 @@
         <p:spPr>
           <a:xfrm>
             <a:off x="685800" y="1143000"/>
-            <a:ext cx="5483160" cy="3083040"/>
-          </a:xfrm>
-          <a:prstGeom prst="rect">
-            <a:avLst/>
-          </a:prstGeom>
-        </p:spPr>
-      </p:sp>
-      <p:sp>
-        <p:nvSpPr>
-          <p:cNvPr id="183" name="PlaceHolder 2"/>
+            <a:ext cx="5482440" cy="3082320"/>
+          </a:xfrm>
+          <a:prstGeom prst="rect">
+            <a:avLst/>
+          </a:prstGeom>
+        </p:spPr>
+      </p:sp>
+      <p:sp>
+        <p:nvSpPr>
+          <p:cNvPr id="191" name="PlaceHolder 2"/>
           <p:cNvSpPr>
             <a:spLocks noGrp="1"/>
           </p:cNvSpPr>
@@ -4506,7 +4510,7 @@
         <p:spPr>
           <a:xfrm>
             <a:off x="685800" y="4400640"/>
-            <a:ext cx="5483160" cy="3597120"/>
+            <a:ext cx="5482440" cy="3596400"/>
           </a:xfrm>
           <a:prstGeom prst="rect">
             <a:avLst/>
@@ -4525,14 +4529,14 @@
       </p:sp>
       <p:sp>
         <p:nvSpPr>
-          <p:cNvPr id="184" name="CustomShape 3"/>
+          <p:cNvPr id="192" name="CustomShape 3"/>
           <p:cNvSpPr/>
           <p:nvPr/>
         </p:nvSpPr>
         <p:spPr>
           <a:xfrm>
             <a:off x="3884760" y="8685360"/>
-            <a:ext cx="2968560" cy="455400"/>
+            <a:ext cx="2967840" cy="454680"/>
           </a:xfrm>
           <a:prstGeom prst="rect">
             <a:avLst/>
@@ -4558,7 +4562,7 @@
                 <a:spcPct val="100000"/>
               </a:lnSpc>
             </a:pPr>
-            <a:fld id="{F2D1CF69-9F20-4B78-9C77-AB7D0C08FA54}" type="slidenum">
+            <a:fld id="{0B44A6A3-AB5E-479D-A36D-C6E6BB0D317C}" type="slidenum">
               <a:rPr b="0" lang="pt-BR" sz="1200" spc="-1" strike="noStrike">
                 <a:solidFill>
                   <a:srgbClr val="000000"/>
@@ -4598,7 +4602,7 @@
       </p:grpSpPr>
       <p:sp>
         <p:nvSpPr>
-          <p:cNvPr id="290" name="PlaceHolder 1"/>
+          <p:cNvPr id="298" name="PlaceHolder 1"/>
           <p:cNvSpPr>
             <a:spLocks noGrp="1"/>
           </p:cNvSpPr>
@@ -4609,16 +4613,16 @@
         <p:spPr>
           <a:xfrm>
             <a:off x="685800" y="1143000"/>
-            <a:ext cx="5483520" cy="3083040"/>
-          </a:xfrm>
-          <a:prstGeom prst="rect">
-            <a:avLst/>
-          </a:prstGeom>
-        </p:spPr>
-      </p:sp>
-      <p:sp>
-        <p:nvSpPr>
-          <p:cNvPr id="291" name="PlaceHolder 2"/>
+            <a:ext cx="5482800" cy="3082320"/>
+          </a:xfrm>
+          <a:prstGeom prst="rect">
+            <a:avLst/>
+          </a:prstGeom>
+        </p:spPr>
+      </p:sp>
+      <p:sp>
+        <p:nvSpPr>
+          <p:cNvPr id="299" name="PlaceHolder 2"/>
           <p:cNvSpPr>
             <a:spLocks noGrp="1"/>
           </p:cNvSpPr>
@@ -4628,8 +4632,8 @@
         </p:nvSpPr>
         <p:spPr>
           <a:xfrm>
-            <a:off x="685800" y="4400640"/>
-            <a:ext cx="5483160" cy="3597120"/>
+            <a:off x="685800" y="4320000"/>
+            <a:ext cx="5482440" cy="3596400"/>
           </a:xfrm>
           <a:prstGeom prst="rect">
             <a:avLst/>
@@ -4648,14 +4652,14 @@
       </p:sp>
       <p:sp>
         <p:nvSpPr>
-          <p:cNvPr id="292" name="CustomShape 3"/>
+          <p:cNvPr id="300" name="CustomShape 3"/>
           <p:cNvSpPr/>
           <p:nvPr/>
         </p:nvSpPr>
         <p:spPr>
           <a:xfrm>
             <a:off x="3884760" y="8685360"/>
-            <a:ext cx="2968560" cy="455400"/>
+            <a:ext cx="2967840" cy="454680"/>
           </a:xfrm>
           <a:prstGeom prst="rect">
             <a:avLst/>
@@ -4681,7 +4685,7 @@
                 <a:spcPct val="100000"/>
               </a:lnSpc>
             </a:pPr>
-            <a:fld id="{80531765-2ABD-43CC-9725-A38B2F825417}" type="slidenum">
+            <a:fld id="{9A6C48BA-C81D-493B-8C91-DBA1B1D8987A}" type="slidenum">
               <a:rPr b="0" lang="pt-BR" sz="1200" spc="-1" strike="noStrike">
                 <a:solidFill>
                   <a:srgbClr val="000000"/>
@@ -4721,7 +4725,7 @@
       </p:grpSpPr>
       <p:sp>
         <p:nvSpPr>
-          <p:cNvPr id="293" name="PlaceHolder 1"/>
+          <p:cNvPr id="301" name="PlaceHolder 1"/>
           <p:cNvSpPr>
             <a:spLocks noGrp="1"/>
           </p:cNvSpPr>
@@ -4732,16 +4736,16 @@
         <p:spPr>
           <a:xfrm>
             <a:off x="685800" y="1143000"/>
-            <a:ext cx="5483520" cy="3083040"/>
-          </a:xfrm>
-          <a:prstGeom prst="rect">
-            <a:avLst/>
-          </a:prstGeom>
-        </p:spPr>
-      </p:sp>
-      <p:sp>
-        <p:nvSpPr>
-          <p:cNvPr id="294" name="PlaceHolder 2"/>
+            <a:ext cx="5482800" cy="3082320"/>
+          </a:xfrm>
+          <a:prstGeom prst="rect">
+            <a:avLst/>
+          </a:prstGeom>
+        </p:spPr>
+      </p:sp>
+      <p:sp>
+        <p:nvSpPr>
+          <p:cNvPr id="302" name="PlaceHolder 2"/>
           <p:cNvSpPr>
             <a:spLocks noGrp="1"/>
           </p:cNvSpPr>
@@ -4751,8 +4755,8 @@
         </p:nvSpPr>
         <p:spPr>
           <a:xfrm>
-            <a:off x="685800" y="4400640"/>
-            <a:ext cx="5483160" cy="3597120"/>
+            <a:off x="685800" y="4320000"/>
+            <a:ext cx="5482440" cy="3596400"/>
           </a:xfrm>
           <a:prstGeom prst="rect">
             <a:avLst/>
@@ -4771,14 +4775,14 @@
       </p:sp>
       <p:sp>
         <p:nvSpPr>
-          <p:cNvPr id="295" name="CustomShape 3"/>
+          <p:cNvPr id="303" name="CustomShape 3"/>
           <p:cNvSpPr/>
           <p:nvPr/>
         </p:nvSpPr>
         <p:spPr>
           <a:xfrm>
             <a:off x="3884760" y="8685360"/>
-            <a:ext cx="2968560" cy="455400"/>
+            <a:ext cx="2967840" cy="454680"/>
           </a:xfrm>
           <a:prstGeom prst="rect">
             <a:avLst/>
@@ -4804,7 +4808,7 @@
                 <a:spcPct val="100000"/>
               </a:lnSpc>
             </a:pPr>
-            <a:fld id="{D9E61686-7C6B-4E07-84B5-F0CE693996A1}" type="slidenum">
+            <a:fld id="{D91894FE-2498-4890-AFAF-491172034F08}" type="slidenum">
               <a:rPr b="0" lang="pt-BR" sz="1200" spc="-1" strike="noStrike">
                 <a:solidFill>
                   <a:srgbClr val="000000"/>
@@ -4844,7 +4848,7 @@
       </p:grpSpPr>
       <p:sp>
         <p:nvSpPr>
-          <p:cNvPr id="296" name="PlaceHolder 1"/>
+          <p:cNvPr id="304" name="PlaceHolder 1"/>
           <p:cNvSpPr>
             <a:spLocks noGrp="1"/>
           </p:cNvSpPr>
@@ -4855,16 +4859,16 @@
         <p:spPr>
           <a:xfrm>
             <a:off x="685800" y="1143000"/>
-            <a:ext cx="5483520" cy="3083040"/>
-          </a:xfrm>
-          <a:prstGeom prst="rect">
-            <a:avLst/>
-          </a:prstGeom>
-        </p:spPr>
-      </p:sp>
-      <p:sp>
-        <p:nvSpPr>
-          <p:cNvPr id="297" name="PlaceHolder 2"/>
+            <a:ext cx="5482800" cy="3082320"/>
+          </a:xfrm>
+          <a:prstGeom prst="rect">
+            <a:avLst/>
+          </a:prstGeom>
+        </p:spPr>
+      </p:sp>
+      <p:sp>
+        <p:nvSpPr>
+          <p:cNvPr id="305" name="PlaceHolder 2"/>
           <p:cNvSpPr>
             <a:spLocks noGrp="1"/>
           </p:cNvSpPr>
@@ -4874,8 +4878,8 @@
         </p:nvSpPr>
         <p:spPr>
           <a:xfrm>
-            <a:off x="685800" y="4400640"/>
-            <a:ext cx="5483160" cy="3597120"/>
+            <a:off x="685800" y="4320000"/>
+            <a:ext cx="5482440" cy="3596400"/>
           </a:xfrm>
           <a:prstGeom prst="rect">
             <a:avLst/>
@@ -4894,14 +4898,14 @@
       </p:sp>
       <p:sp>
         <p:nvSpPr>
-          <p:cNvPr id="298" name="CustomShape 3"/>
+          <p:cNvPr id="306" name="CustomShape 3"/>
           <p:cNvSpPr/>
           <p:nvPr/>
         </p:nvSpPr>
         <p:spPr>
           <a:xfrm>
             <a:off x="3884760" y="8685360"/>
-            <a:ext cx="2968560" cy="455400"/>
+            <a:ext cx="2967840" cy="454680"/>
           </a:xfrm>
           <a:prstGeom prst="rect">
             <a:avLst/>
@@ -4927,7 +4931,499 @@
                 <a:spcPct val="100000"/>
               </a:lnSpc>
             </a:pPr>
-            <a:fld id="{125007C3-7108-4336-95D2-ED24359688F2}" type="slidenum">
+            <a:fld id="{F4C072A3-0E1D-4C79-A8AC-BB1726406D60}" type="slidenum">
+              <a:rPr b="0" lang="pt-BR" sz="1200" spc="-1" strike="noStrike">
+                <a:solidFill>
+                  <a:srgbClr val="000000"/>
+                </a:solidFill>
+                <a:latin typeface="Times New Roman"/>
+                <a:ea typeface="+mn-ea"/>
+              </a:rPr>
+              <a:t>&lt;number&gt;</a:t>
+            </a:fld>
+            <a:endParaRPr b="0" lang="pt-BR" sz="1200" spc="-1" strike="noStrike">
+              <a:latin typeface="Arial"/>
+            </a:endParaRPr>
+          </a:p>
+        </p:txBody>
+      </p:sp>
+    </p:spTree>
+  </p:cSld>
+</p:notes>
+</file>
+
+<file path=ppt/notesSlides/notesSlide43.xml><?xml version="1.0" encoding="utf-8"?>
+<p:notes xmlns:a="http://schemas.openxmlformats.org/drawingml/2006/main" xmlns:p="http://schemas.openxmlformats.org/presentationml/2006/main" xmlns:r="http://schemas.openxmlformats.org/officeDocument/2006/relationships" xmlns:p14="http://schemas.microsoft.com/office/powerpoint/2010/main" xmlns:p15="http://schemas.microsoft.com/office/powerpoint/2012/main" xmlns:mc="http://schemas.openxmlformats.org/markup-compatibility/2006">
+  <p:cSld>
+    <p:spTree>
+      <p:nvGrpSpPr>
+        <p:cNvPr id="1" name=""/>
+        <p:cNvGrpSpPr/>
+        <p:nvPr/>
+      </p:nvGrpSpPr>
+      <p:grpSpPr>
+        <a:xfrm>
+          <a:off x="0" y="0"/>
+          <a:ext cx="0" cy="0"/>
+          <a:chOff x="0" y="0"/>
+          <a:chExt cx="0" cy="0"/>
+        </a:xfrm>
+      </p:grpSpPr>
+      <p:sp>
+        <p:nvSpPr>
+          <p:cNvPr id="307" name="PlaceHolder 1"/>
+          <p:cNvSpPr>
+            <a:spLocks noGrp="1"/>
+          </p:cNvSpPr>
+          <p:nvPr>
+            <p:ph type="sldImg"/>
+          </p:nvPr>
+        </p:nvSpPr>
+        <p:spPr>
+          <a:xfrm>
+            <a:off x="685800" y="1143000"/>
+            <a:ext cx="5482800" cy="3082320"/>
+          </a:xfrm>
+          <a:prstGeom prst="rect">
+            <a:avLst/>
+          </a:prstGeom>
+        </p:spPr>
+      </p:sp>
+      <p:sp>
+        <p:nvSpPr>
+          <p:cNvPr id="308" name="PlaceHolder 2"/>
+          <p:cNvSpPr>
+            <a:spLocks noGrp="1"/>
+          </p:cNvSpPr>
+          <p:nvPr>
+            <p:ph type="body"/>
+          </p:nvPr>
+        </p:nvSpPr>
+        <p:spPr>
+          <a:xfrm>
+            <a:off x="685800" y="4320000"/>
+            <a:ext cx="5482440" cy="3596400"/>
+          </a:xfrm>
+          <a:prstGeom prst="rect">
+            <a:avLst/>
+          </a:prstGeom>
+        </p:spPr>
+        <p:txBody>
+          <a:bodyPr lIns="0" rIns="0" tIns="0" bIns="0">
+            <a:noAutofit/>
+          </a:bodyPr>
+          <a:p>
+            <a:endParaRPr b="0" lang="pt-BR" sz="2000" spc="-1" strike="noStrike">
+              <a:latin typeface="Arial"/>
+            </a:endParaRPr>
+          </a:p>
+        </p:txBody>
+      </p:sp>
+      <p:sp>
+        <p:nvSpPr>
+          <p:cNvPr id="309" name="CustomShape 3"/>
+          <p:cNvSpPr/>
+          <p:nvPr/>
+        </p:nvSpPr>
+        <p:spPr>
+          <a:xfrm>
+            <a:off x="3884760" y="8685360"/>
+            <a:ext cx="2967840" cy="454680"/>
+          </a:xfrm>
+          <a:prstGeom prst="rect">
+            <a:avLst/>
+          </a:prstGeom>
+          <a:noFill/>
+          <a:ln>
+            <a:noFill/>
+          </a:ln>
+        </p:spPr>
+        <p:style>
+          <a:lnRef idx="0"/>
+          <a:fillRef idx="0"/>
+          <a:effectRef idx="0"/>
+          <a:fontRef idx="minor"/>
+        </p:style>
+        <p:txBody>
+          <a:bodyPr lIns="90000" rIns="90000" tIns="45000" bIns="45000" anchor="b">
+            <a:noAutofit/>
+          </a:bodyPr>
+          <a:p>
+            <a:pPr algn="r">
+              <a:lnSpc>
+                <a:spcPct val="100000"/>
+              </a:lnSpc>
+            </a:pPr>
+            <a:fld id="{B0CFDC8E-E808-4FCA-BF70-6567A9414BBB}" type="slidenum">
+              <a:rPr b="0" lang="pt-BR" sz="1200" spc="-1" strike="noStrike">
+                <a:solidFill>
+                  <a:srgbClr val="000000"/>
+                </a:solidFill>
+                <a:latin typeface="Times New Roman"/>
+                <a:ea typeface="+mn-ea"/>
+              </a:rPr>
+              <a:t>&lt;number&gt;</a:t>
+            </a:fld>
+            <a:endParaRPr b="0" lang="pt-BR" sz="1200" spc="-1" strike="noStrike">
+              <a:latin typeface="Arial"/>
+            </a:endParaRPr>
+          </a:p>
+        </p:txBody>
+      </p:sp>
+    </p:spTree>
+  </p:cSld>
+</p:notes>
+</file>
+
+<file path=ppt/notesSlides/notesSlide44.xml><?xml version="1.0" encoding="utf-8"?>
+<p:notes xmlns:a="http://schemas.openxmlformats.org/drawingml/2006/main" xmlns:p="http://schemas.openxmlformats.org/presentationml/2006/main" xmlns:r="http://schemas.openxmlformats.org/officeDocument/2006/relationships" xmlns:p14="http://schemas.microsoft.com/office/powerpoint/2010/main" xmlns:p15="http://schemas.microsoft.com/office/powerpoint/2012/main" xmlns:mc="http://schemas.openxmlformats.org/markup-compatibility/2006">
+  <p:cSld>
+    <p:spTree>
+      <p:nvGrpSpPr>
+        <p:cNvPr id="1" name=""/>
+        <p:cNvGrpSpPr/>
+        <p:nvPr/>
+      </p:nvGrpSpPr>
+      <p:grpSpPr>
+        <a:xfrm>
+          <a:off x="0" y="0"/>
+          <a:ext cx="0" cy="0"/>
+          <a:chOff x="0" y="0"/>
+          <a:chExt cx="0" cy="0"/>
+        </a:xfrm>
+      </p:grpSpPr>
+      <p:sp>
+        <p:nvSpPr>
+          <p:cNvPr id="310" name="PlaceHolder 1"/>
+          <p:cNvSpPr>
+            <a:spLocks noGrp="1"/>
+          </p:cNvSpPr>
+          <p:nvPr>
+            <p:ph type="sldImg"/>
+          </p:nvPr>
+        </p:nvSpPr>
+        <p:spPr>
+          <a:xfrm>
+            <a:off x="685800" y="1143000"/>
+            <a:ext cx="5482800" cy="3082320"/>
+          </a:xfrm>
+          <a:prstGeom prst="rect">
+            <a:avLst/>
+          </a:prstGeom>
+        </p:spPr>
+      </p:sp>
+      <p:sp>
+        <p:nvSpPr>
+          <p:cNvPr id="311" name="PlaceHolder 2"/>
+          <p:cNvSpPr>
+            <a:spLocks noGrp="1"/>
+          </p:cNvSpPr>
+          <p:nvPr>
+            <p:ph type="body"/>
+          </p:nvPr>
+        </p:nvSpPr>
+        <p:spPr>
+          <a:xfrm>
+            <a:off x="685800" y="4400640"/>
+            <a:ext cx="5482440" cy="3596400"/>
+          </a:xfrm>
+          <a:prstGeom prst="rect">
+            <a:avLst/>
+          </a:prstGeom>
+        </p:spPr>
+        <p:txBody>
+          <a:bodyPr lIns="0" rIns="0" tIns="0" bIns="0">
+            <a:noAutofit/>
+          </a:bodyPr>
+          <a:p>
+            <a:endParaRPr b="0" lang="pt-BR" sz="2000" spc="-1" strike="noStrike">
+              <a:latin typeface="Arial"/>
+            </a:endParaRPr>
+          </a:p>
+        </p:txBody>
+      </p:sp>
+      <p:sp>
+        <p:nvSpPr>
+          <p:cNvPr id="312" name="CustomShape 3"/>
+          <p:cNvSpPr/>
+          <p:nvPr/>
+        </p:nvSpPr>
+        <p:spPr>
+          <a:xfrm>
+            <a:off x="3884760" y="8685360"/>
+            <a:ext cx="2967840" cy="454680"/>
+          </a:xfrm>
+          <a:prstGeom prst="rect">
+            <a:avLst/>
+          </a:prstGeom>
+          <a:noFill/>
+          <a:ln>
+            <a:noFill/>
+          </a:ln>
+        </p:spPr>
+        <p:style>
+          <a:lnRef idx="0"/>
+          <a:fillRef idx="0"/>
+          <a:effectRef idx="0"/>
+          <a:fontRef idx="minor"/>
+        </p:style>
+        <p:txBody>
+          <a:bodyPr lIns="90000" rIns="90000" tIns="45000" bIns="45000" anchor="b">
+            <a:noAutofit/>
+          </a:bodyPr>
+          <a:p>
+            <a:pPr algn="r">
+              <a:lnSpc>
+                <a:spcPct val="100000"/>
+              </a:lnSpc>
+            </a:pPr>
+            <a:fld id="{A4A9D5A6-6C48-4B43-8032-A4F02E798000}" type="slidenum">
+              <a:rPr b="0" lang="pt-BR" sz="1200" spc="-1" strike="noStrike">
+                <a:solidFill>
+                  <a:srgbClr val="000000"/>
+                </a:solidFill>
+                <a:latin typeface="Times New Roman"/>
+                <a:ea typeface="+mn-ea"/>
+              </a:rPr>
+              <a:t>&lt;number&gt;</a:t>
+            </a:fld>
+            <a:endParaRPr b="0" lang="pt-BR" sz="1200" spc="-1" strike="noStrike">
+              <a:latin typeface="Arial"/>
+            </a:endParaRPr>
+          </a:p>
+        </p:txBody>
+      </p:sp>
+    </p:spTree>
+  </p:cSld>
+</p:notes>
+</file>
+
+<file path=ppt/notesSlides/notesSlide45.xml><?xml version="1.0" encoding="utf-8"?>
+<p:notes xmlns:a="http://schemas.openxmlformats.org/drawingml/2006/main" xmlns:p="http://schemas.openxmlformats.org/presentationml/2006/main" xmlns:r="http://schemas.openxmlformats.org/officeDocument/2006/relationships" xmlns:p14="http://schemas.microsoft.com/office/powerpoint/2010/main" xmlns:p15="http://schemas.microsoft.com/office/powerpoint/2012/main" xmlns:mc="http://schemas.openxmlformats.org/markup-compatibility/2006">
+  <p:cSld>
+    <p:spTree>
+      <p:nvGrpSpPr>
+        <p:cNvPr id="1" name=""/>
+        <p:cNvGrpSpPr/>
+        <p:nvPr/>
+      </p:nvGrpSpPr>
+      <p:grpSpPr>
+        <a:xfrm>
+          <a:off x="0" y="0"/>
+          <a:ext cx="0" cy="0"/>
+          <a:chOff x="0" y="0"/>
+          <a:chExt cx="0" cy="0"/>
+        </a:xfrm>
+      </p:grpSpPr>
+      <p:sp>
+        <p:nvSpPr>
+          <p:cNvPr id="313" name="PlaceHolder 1"/>
+          <p:cNvSpPr>
+            <a:spLocks noGrp="1"/>
+          </p:cNvSpPr>
+          <p:nvPr>
+            <p:ph type="sldImg"/>
+          </p:nvPr>
+        </p:nvSpPr>
+        <p:spPr>
+          <a:xfrm>
+            <a:off x="685800" y="1143000"/>
+            <a:ext cx="5482800" cy="3082320"/>
+          </a:xfrm>
+          <a:prstGeom prst="rect">
+            <a:avLst/>
+          </a:prstGeom>
+        </p:spPr>
+      </p:sp>
+      <p:sp>
+        <p:nvSpPr>
+          <p:cNvPr id="314" name="PlaceHolder 2"/>
+          <p:cNvSpPr>
+            <a:spLocks noGrp="1"/>
+          </p:cNvSpPr>
+          <p:nvPr>
+            <p:ph type="body"/>
+          </p:nvPr>
+        </p:nvSpPr>
+        <p:spPr>
+          <a:xfrm>
+            <a:off x="685800" y="4400640"/>
+            <a:ext cx="5482440" cy="3596400"/>
+          </a:xfrm>
+          <a:prstGeom prst="rect">
+            <a:avLst/>
+          </a:prstGeom>
+        </p:spPr>
+        <p:txBody>
+          <a:bodyPr lIns="0" rIns="0" tIns="0" bIns="0">
+            <a:noAutofit/>
+          </a:bodyPr>
+          <a:p>
+            <a:endParaRPr b="0" lang="pt-BR" sz="2000" spc="-1" strike="noStrike">
+              <a:latin typeface="Arial"/>
+            </a:endParaRPr>
+          </a:p>
+        </p:txBody>
+      </p:sp>
+      <p:sp>
+        <p:nvSpPr>
+          <p:cNvPr id="315" name="CustomShape 3"/>
+          <p:cNvSpPr/>
+          <p:nvPr/>
+        </p:nvSpPr>
+        <p:spPr>
+          <a:xfrm>
+            <a:off x="3884760" y="8685360"/>
+            <a:ext cx="2967840" cy="454680"/>
+          </a:xfrm>
+          <a:prstGeom prst="rect">
+            <a:avLst/>
+          </a:prstGeom>
+          <a:noFill/>
+          <a:ln>
+            <a:noFill/>
+          </a:ln>
+        </p:spPr>
+        <p:style>
+          <a:lnRef idx="0"/>
+          <a:fillRef idx="0"/>
+          <a:effectRef idx="0"/>
+          <a:fontRef idx="minor"/>
+        </p:style>
+        <p:txBody>
+          <a:bodyPr lIns="90000" rIns="90000" tIns="45000" bIns="45000" anchor="b">
+            <a:noAutofit/>
+          </a:bodyPr>
+          <a:p>
+            <a:pPr algn="r">
+              <a:lnSpc>
+                <a:spcPct val="100000"/>
+              </a:lnSpc>
+            </a:pPr>
+            <a:fld id="{B008546A-9EE6-49C8-B1DE-CF65AB5C1D04}" type="slidenum">
+              <a:rPr b="0" lang="pt-BR" sz="1200" spc="-1" strike="noStrike">
+                <a:solidFill>
+                  <a:srgbClr val="000000"/>
+                </a:solidFill>
+                <a:latin typeface="Times New Roman"/>
+                <a:ea typeface="+mn-ea"/>
+              </a:rPr>
+              <a:t>&lt;number&gt;</a:t>
+            </a:fld>
+            <a:endParaRPr b="0" lang="pt-BR" sz="1200" spc="-1" strike="noStrike">
+              <a:latin typeface="Arial"/>
+            </a:endParaRPr>
+          </a:p>
+        </p:txBody>
+      </p:sp>
+    </p:spTree>
+  </p:cSld>
+</p:notes>
+</file>
+
+<file path=ppt/notesSlides/notesSlide46.xml><?xml version="1.0" encoding="utf-8"?>
+<p:notes xmlns:a="http://schemas.openxmlformats.org/drawingml/2006/main" xmlns:p="http://schemas.openxmlformats.org/presentationml/2006/main" xmlns:r="http://schemas.openxmlformats.org/officeDocument/2006/relationships" xmlns:p14="http://schemas.microsoft.com/office/powerpoint/2010/main" xmlns:p15="http://schemas.microsoft.com/office/powerpoint/2012/main" xmlns:mc="http://schemas.openxmlformats.org/markup-compatibility/2006">
+  <p:cSld>
+    <p:spTree>
+      <p:nvGrpSpPr>
+        <p:cNvPr id="1" name=""/>
+        <p:cNvGrpSpPr/>
+        <p:nvPr/>
+      </p:nvGrpSpPr>
+      <p:grpSpPr>
+        <a:xfrm>
+          <a:off x="0" y="0"/>
+          <a:ext cx="0" cy="0"/>
+          <a:chOff x="0" y="0"/>
+          <a:chExt cx="0" cy="0"/>
+        </a:xfrm>
+      </p:grpSpPr>
+      <p:sp>
+        <p:nvSpPr>
+          <p:cNvPr id="316" name="PlaceHolder 1"/>
+          <p:cNvSpPr>
+            <a:spLocks noGrp="1"/>
+          </p:cNvSpPr>
+          <p:nvPr>
+            <p:ph type="sldImg"/>
+          </p:nvPr>
+        </p:nvSpPr>
+        <p:spPr>
+          <a:xfrm>
+            <a:off x="685800" y="1143000"/>
+            <a:ext cx="5482800" cy="3082320"/>
+          </a:xfrm>
+          <a:prstGeom prst="rect">
+            <a:avLst/>
+          </a:prstGeom>
+        </p:spPr>
+      </p:sp>
+      <p:sp>
+        <p:nvSpPr>
+          <p:cNvPr id="317" name="PlaceHolder 2"/>
+          <p:cNvSpPr>
+            <a:spLocks noGrp="1"/>
+          </p:cNvSpPr>
+          <p:nvPr>
+            <p:ph type="body"/>
+          </p:nvPr>
+        </p:nvSpPr>
+        <p:spPr>
+          <a:xfrm>
+            <a:off x="685800" y="4400640"/>
+            <a:ext cx="5482440" cy="3596400"/>
+          </a:xfrm>
+          <a:prstGeom prst="rect">
+            <a:avLst/>
+          </a:prstGeom>
+        </p:spPr>
+        <p:txBody>
+          <a:bodyPr lIns="0" rIns="0" tIns="0" bIns="0">
+            <a:noAutofit/>
+          </a:bodyPr>
+          <a:p>
+            <a:endParaRPr b="0" lang="pt-BR" sz="2000" spc="-1" strike="noStrike">
+              <a:latin typeface="Arial"/>
+            </a:endParaRPr>
+          </a:p>
+        </p:txBody>
+      </p:sp>
+      <p:sp>
+        <p:nvSpPr>
+          <p:cNvPr id="318" name="CustomShape 3"/>
+          <p:cNvSpPr/>
+          <p:nvPr/>
+        </p:nvSpPr>
+        <p:spPr>
+          <a:xfrm>
+            <a:off x="3884760" y="8685360"/>
+            <a:ext cx="2967840" cy="454680"/>
+          </a:xfrm>
+          <a:prstGeom prst="rect">
+            <a:avLst/>
+          </a:prstGeom>
+          <a:noFill/>
+          <a:ln>
+            <a:noFill/>
+          </a:ln>
+        </p:spPr>
+        <p:style>
+          <a:lnRef idx="0"/>
+          <a:fillRef idx="0"/>
+          <a:effectRef idx="0"/>
+          <a:fontRef idx="minor"/>
+        </p:style>
+        <p:txBody>
+          <a:bodyPr lIns="90000" rIns="90000" tIns="45000" bIns="45000" anchor="b">
+            <a:noAutofit/>
+          </a:bodyPr>
+          <a:p>
+            <a:pPr algn="r">
+              <a:lnSpc>
+                <a:spcPct val="100000"/>
+              </a:lnSpc>
+            </a:pPr>
+            <a:fld id="{6CDBEE86-8171-4C12-86ED-7FE502965E94}" type="slidenum">
               <a:rPr b="0" lang="pt-BR" sz="1200" spc="-1" strike="noStrike">
                 <a:solidFill>
                   <a:srgbClr val="000000"/>
@@ -4967,7 +5463,7 @@
       </p:grpSpPr>
       <p:sp>
         <p:nvSpPr>
-          <p:cNvPr id="185" name="PlaceHolder 1"/>
+          <p:cNvPr id="193" name="PlaceHolder 1"/>
           <p:cNvSpPr>
             <a:spLocks noGrp="1"/>
           </p:cNvSpPr>
@@ -4978,16 +5474,16 @@
         <p:spPr>
           <a:xfrm>
             <a:off x="685800" y="1143000"/>
-            <a:ext cx="5483520" cy="3083040"/>
-          </a:xfrm>
-          <a:prstGeom prst="rect">
-            <a:avLst/>
-          </a:prstGeom>
-        </p:spPr>
-      </p:sp>
-      <p:sp>
-        <p:nvSpPr>
-          <p:cNvPr id="186" name="PlaceHolder 2"/>
+            <a:ext cx="5482800" cy="3082320"/>
+          </a:xfrm>
+          <a:prstGeom prst="rect">
+            <a:avLst/>
+          </a:prstGeom>
+        </p:spPr>
+      </p:sp>
+      <p:sp>
+        <p:nvSpPr>
+          <p:cNvPr id="194" name="PlaceHolder 2"/>
           <p:cNvSpPr>
             <a:spLocks noGrp="1"/>
           </p:cNvSpPr>
@@ -4998,7 +5494,7 @@
         <p:spPr>
           <a:xfrm>
             <a:off x="685800" y="4400640"/>
-            <a:ext cx="5483160" cy="3597120"/>
+            <a:ext cx="5482440" cy="3596400"/>
           </a:xfrm>
           <a:prstGeom prst="rect">
             <a:avLst/>
@@ -5017,14 +5513,14 @@
       </p:sp>
       <p:sp>
         <p:nvSpPr>
-          <p:cNvPr id="187" name="CustomShape 3"/>
+          <p:cNvPr id="195" name="CustomShape 3"/>
           <p:cNvSpPr/>
           <p:nvPr/>
         </p:nvSpPr>
         <p:spPr>
           <a:xfrm>
             <a:off x="3884760" y="8685360"/>
-            <a:ext cx="2968560" cy="455400"/>
+            <a:ext cx="2967840" cy="454680"/>
           </a:xfrm>
           <a:prstGeom prst="rect">
             <a:avLst/>
@@ -5050,7 +5546,7 @@
                 <a:spcPct val="100000"/>
               </a:lnSpc>
             </a:pPr>
-            <a:fld id="{F6E5BF96-6FCA-477C-A72F-A277886563DA}" type="slidenum">
+            <a:fld id="{E3A01F1E-C600-480B-92DE-E0477DB9A59F}" type="slidenum">
               <a:rPr b="0" lang="pt-BR" sz="1200" spc="-1" strike="noStrike">
                 <a:solidFill>
                   <a:srgbClr val="000000"/>
@@ -5090,7 +5586,7 @@
       </p:grpSpPr>
       <p:sp>
         <p:nvSpPr>
-          <p:cNvPr id="188" name="PlaceHolder 1"/>
+          <p:cNvPr id="196" name="PlaceHolder 1"/>
           <p:cNvSpPr>
             <a:spLocks noGrp="1"/>
           </p:cNvSpPr>
@@ -5101,16 +5597,16 @@
         <p:spPr>
           <a:xfrm>
             <a:off x="685800" y="1143000"/>
-            <a:ext cx="5483160" cy="3083040"/>
-          </a:xfrm>
-          <a:prstGeom prst="rect">
-            <a:avLst/>
-          </a:prstGeom>
-        </p:spPr>
-      </p:sp>
-      <p:sp>
-        <p:nvSpPr>
-          <p:cNvPr id="189" name="PlaceHolder 2"/>
+            <a:ext cx="5482440" cy="3082320"/>
+          </a:xfrm>
+          <a:prstGeom prst="rect">
+            <a:avLst/>
+          </a:prstGeom>
+        </p:spPr>
+      </p:sp>
+      <p:sp>
+        <p:nvSpPr>
+          <p:cNvPr id="197" name="PlaceHolder 2"/>
           <p:cNvSpPr>
             <a:spLocks noGrp="1"/>
           </p:cNvSpPr>
@@ -5121,7 +5617,7 @@
         <p:spPr>
           <a:xfrm>
             <a:off x="685800" y="4400640"/>
-            <a:ext cx="5483160" cy="3597120"/>
+            <a:ext cx="5482440" cy="3596400"/>
           </a:xfrm>
           <a:prstGeom prst="rect">
             <a:avLst/>
@@ -5140,14 +5636,14 @@
       </p:sp>
       <p:sp>
         <p:nvSpPr>
-          <p:cNvPr id="190" name="CustomShape 3"/>
+          <p:cNvPr id="198" name="CustomShape 3"/>
           <p:cNvSpPr/>
           <p:nvPr/>
         </p:nvSpPr>
         <p:spPr>
           <a:xfrm>
             <a:off x="3884760" y="8685360"/>
-            <a:ext cx="2968560" cy="455400"/>
+            <a:ext cx="2967840" cy="454680"/>
           </a:xfrm>
           <a:prstGeom prst="rect">
             <a:avLst/>
@@ -5173,7 +5669,7 @@
                 <a:spcPct val="100000"/>
               </a:lnSpc>
             </a:pPr>
-            <a:fld id="{40549D62-E4D5-44B1-A9DD-07C1E84229A4}" type="slidenum">
+            <a:fld id="{5D2C190F-F5AC-4B9B-8BE6-534E1B7563BF}" type="slidenum">
               <a:rPr b="0" lang="pt-BR" sz="1200" spc="-1" strike="noStrike">
                 <a:solidFill>
                   <a:srgbClr val="000000"/>
@@ -5213,7 +5709,7 @@
       </p:grpSpPr>
       <p:sp>
         <p:nvSpPr>
-          <p:cNvPr id="191" name="PlaceHolder 1"/>
+          <p:cNvPr id="199" name="PlaceHolder 1"/>
           <p:cNvSpPr>
             <a:spLocks noGrp="1"/>
           </p:cNvSpPr>
@@ -5224,16 +5720,16 @@
         <p:spPr>
           <a:xfrm>
             <a:off x="685800" y="1143000"/>
-            <a:ext cx="5483520" cy="3083040"/>
-          </a:xfrm>
-          <a:prstGeom prst="rect">
-            <a:avLst/>
-          </a:prstGeom>
-        </p:spPr>
-      </p:sp>
-      <p:sp>
-        <p:nvSpPr>
-          <p:cNvPr id="192" name="PlaceHolder 2"/>
+            <a:ext cx="5482800" cy="3082320"/>
+          </a:xfrm>
+          <a:prstGeom prst="rect">
+            <a:avLst/>
+          </a:prstGeom>
+        </p:spPr>
+      </p:sp>
+      <p:sp>
+        <p:nvSpPr>
+          <p:cNvPr id="200" name="PlaceHolder 2"/>
           <p:cNvSpPr>
             <a:spLocks noGrp="1"/>
           </p:cNvSpPr>
@@ -5244,7 +5740,7 @@
         <p:spPr>
           <a:xfrm>
             <a:off x="685800" y="4400640"/>
-            <a:ext cx="5483160" cy="3597120"/>
+            <a:ext cx="5482440" cy="3596400"/>
           </a:xfrm>
           <a:prstGeom prst="rect">
             <a:avLst/>
@@ -5255,7 +5751,7 @@
             <a:noAutofit/>
           </a:bodyPr>
           <a:p>
-            <a:pPr marL="216000" indent="-214920">
+            <a:pPr marL="216000" indent="-214200">
               <a:lnSpc>
                 <a:spcPct val="100000"/>
               </a:lnSpc>
@@ -5274,7 +5770,7 @@
             </a:endParaRPr>
           </a:p>
           <a:p>
-            <a:pPr marL="216000" indent="-214920">
+            <a:pPr marL="216000" indent="-214200">
               <a:lnSpc>
                 <a:spcPct val="100000"/>
               </a:lnSpc>
@@ -5293,7 +5789,7 @@
             </a:endParaRPr>
           </a:p>
           <a:p>
-            <a:pPr marL="216000" indent="-214920">
+            <a:pPr marL="216000" indent="-214200">
               <a:lnSpc>
                 <a:spcPct val="100000"/>
               </a:lnSpc>
@@ -5306,7 +5802,7 @@
             </a:endParaRPr>
           </a:p>
           <a:p>
-            <a:pPr marL="216000" indent="-214920">
+            <a:pPr marL="216000" indent="-214200">
               <a:lnSpc>
                 <a:spcPct val="100000"/>
               </a:lnSpc>
@@ -5326,7 +5822,7 @@
             </a:endParaRPr>
           </a:p>
           <a:p>
-            <a:pPr marL="216000" indent="-214920">
+            <a:pPr marL="216000" indent="-214200">
               <a:lnSpc>
                 <a:spcPct val="100000"/>
               </a:lnSpc>
@@ -5349,14 +5845,14 @@
       </p:sp>
       <p:sp>
         <p:nvSpPr>
-          <p:cNvPr id="193" name="CustomShape 3"/>
+          <p:cNvPr id="201" name="CustomShape 3"/>
           <p:cNvSpPr/>
           <p:nvPr/>
         </p:nvSpPr>
         <p:spPr>
           <a:xfrm>
             <a:off x="3884760" y="8685360"/>
-            <a:ext cx="2968560" cy="455400"/>
+            <a:ext cx="2967840" cy="454680"/>
           </a:xfrm>
           <a:prstGeom prst="rect">
             <a:avLst/>
@@ -5382,7 +5878,7 @@
                 <a:spcPct val="100000"/>
               </a:lnSpc>
             </a:pPr>
-            <a:fld id="{C5176C4A-B360-4419-9AB9-47EE30B43234}" type="slidenum">
+            <a:fld id="{F18883D6-9251-46D7-BBA9-EE06E6E936D9}" type="slidenum">
               <a:rPr b="0" lang="pt-BR" sz="1200" spc="-1" strike="noStrike">
                 <a:solidFill>
                   <a:srgbClr val="000000"/>
@@ -5422,7 +5918,7 @@
       </p:grpSpPr>
       <p:sp>
         <p:nvSpPr>
-          <p:cNvPr id="194" name="PlaceHolder 1"/>
+          <p:cNvPr id="202" name="PlaceHolder 1"/>
           <p:cNvSpPr>
             <a:spLocks noGrp="1"/>
           </p:cNvSpPr>
@@ -5433,16 +5929,16 @@
         <p:spPr>
           <a:xfrm>
             <a:off x="685800" y="1143000"/>
-            <a:ext cx="5483520" cy="3083040"/>
-          </a:xfrm>
-          <a:prstGeom prst="rect">
-            <a:avLst/>
-          </a:prstGeom>
-        </p:spPr>
-      </p:sp>
-      <p:sp>
-        <p:nvSpPr>
-          <p:cNvPr id="195" name="PlaceHolder 2"/>
+            <a:ext cx="5482800" cy="3082320"/>
+          </a:xfrm>
+          <a:prstGeom prst="rect">
+            <a:avLst/>
+          </a:prstGeom>
+        </p:spPr>
+      </p:sp>
+      <p:sp>
+        <p:nvSpPr>
+          <p:cNvPr id="203" name="PlaceHolder 2"/>
           <p:cNvSpPr>
             <a:spLocks noGrp="1"/>
           </p:cNvSpPr>
@@ -5453,7 +5949,7 @@
         <p:spPr>
           <a:xfrm>
             <a:off x="685800" y="4400640"/>
-            <a:ext cx="5483160" cy="3597120"/>
+            <a:ext cx="5482440" cy="3596400"/>
           </a:xfrm>
           <a:prstGeom prst="rect">
             <a:avLst/>
@@ -5472,14 +5968,14 @@
       </p:sp>
       <p:sp>
         <p:nvSpPr>
-          <p:cNvPr id="196" name="CustomShape 3"/>
+          <p:cNvPr id="204" name="CustomShape 3"/>
           <p:cNvSpPr/>
           <p:nvPr/>
         </p:nvSpPr>
         <p:spPr>
           <a:xfrm>
             <a:off x="3884760" y="8685360"/>
-            <a:ext cx="2968560" cy="455400"/>
+            <a:ext cx="2967840" cy="454680"/>
           </a:xfrm>
           <a:prstGeom prst="rect">
             <a:avLst/>
@@ -5505,7 +6001,7 @@
                 <a:spcPct val="100000"/>
               </a:lnSpc>
             </a:pPr>
-            <a:fld id="{4844386F-C9EE-44D3-A3B5-055993ABFAD4}" type="slidenum">
+            <a:fld id="{EECC64C6-2FBD-4770-B109-62040DE39BC9}" type="slidenum">
               <a:rPr b="0" lang="pt-BR" sz="1200" spc="-1" strike="noStrike">
                 <a:solidFill>
                   <a:srgbClr val="000000"/>
@@ -5545,7 +6041,7 @@
       </p:grpSpPr>
       <p:sp>
         <p:nvSpPr>
-          <p:cNvPr id="197" name="PlaceHolder 1"/>
+          <p:cNvPr id="205" name="PlaceHolder 1"/>
           <p:cNvSpPr>
             <a:spLocks noGrp="1"/>
           </p:cNvSpPr>
@@ -5556,16 +6052,16 @@
         <p:spPr>
           <a:xfrm>
             <a:off x="685800" y="1143000"/>
-            <a:ext cx="5483520" cy="3083040"/>
-          </a:xfrm>
-          <a:prstGeom prst="rect">
-            <a:avLst/>
-          </a:prstGeom>
-        </p:spPr>
-      </p:sp>
-      <p:sp>
-        <p:nvSpPr>
-          <p:cNvPr id="198" name="PlaceHolder 2"/>
+            <a:ext cx="5482800" cy="3082320"/>
+          </a:xfrm>
+          <a:prstGeom prst="rect">
+            <a:avLst/>
+          </a:prstGeom>
+        </p:spPr>
+      </p:sp>
+      <p:sp>
+        <p:nvSpPr>
+          <p:cNvPr id="206" name="PlaceHolder 2"/>
           <p:cNvSpPr>
             <a:spLocks noGrp="1"/>
           </p:cNvSpPr>
@@ -5576,7 +6072,7 @@
         <p:spPr>
           <a:xfrm>
             <a:off x="685800" y="4400640"/>
-            <a:ext cx="5483160" cy="3597120"/>
+            <a:ext cx="5482440" cy="3596400"/>
           </a:xfrm>
           <a:prstGeom prst="rect">
             <a:avLst/>
@@ -5595,14 +6091,14 @@
       </p:sp>
       <p:sp>
         <p:nvSpPr>
-          <p:cNvPr id="199" name="CustomShape 3"/>
+          <p:cNvPr id="207" name="CustomShape 3"/>
           <p:cNvSpPr/>
           <p:nvPr/>
         </p:nvSpPr>
         <p:spPr>
           <a:xfrm>
             <a:off x="3884760" y="8685360"/>
-            <a:ext cx="2968560" cy="455400"/>
+            <a:ext cx="2967840" cy="454680"/>
           </a:xfrm>
           <a:prstGeom prst="rect">
             <a:avLst/>
@@ -5628,7 +6124,7 @@
                 <a:spcPct val="100000"/>
               </a:lnSpc>
             </a:pPr>
-            <a:fld id="{0972B19E-0E04-46A6-8A15-B0A008FBE39F}" type="slidenum">
+            <a:fld id="{F9F47DA5-CE90-4EB6-B122-27DBEE987C56}" type="slidenum">
               <a:rPr b="0" lang="pt-BR" sz="1200" spc="-1" strike="noStrike">
                 <a:solidFill>
                   <a:srgbClr val="000000"/>
@@ -8913,7 +9409,7 @@
         <p:spPr>
           <a:xfrm>
             <a:off x="588600" y="2898000"/>
-            <a:ext cx="11377440" cy="1508760"/>
+            <a:ext cx="11376720" cy="1508040"/>
           </a:xfrm>
           <a:prstGeom prst="rect">
             <a:avLst/>
@@ -8964,7 +9460,7 @@
         <p:spPr>
           <a:xfrm>
             <a:off x="1706760" y="4443480"/>
-            <a:ext cx="9140760" cy="727560"/>
+            <a:ext cx="9140040" cy="726840"/>
           </a:xfrm>
           <a:prstGeom prst="rect">
             <a:avLst/>
@@ -8982,7 +9478,7 @@
         </p:style>
         <p:txBody>
           <a:bodyPr lIns="90000" rIns="90000" tIns="45000" bIns="45000">
-            <a:normAutofit fontScale="79000"/>
+            <a:normAutofit fontScale="78000"/>
           </a:bodyPr>
           <a:p>
             <a:pPr algn="ctr">
@@ -9077,7 +9573,7 @@
         <p:spPr>
           <a:xfrm>
             <a:off x="0" y="224280"/>
-            <a:ext cx="12020040" cy="855360"/>
+            <a:ext cx="12019320" cy="854640"/>
           </a:xfrm>
           <a:prstGeom prst="rect">
             <a:avLst/>
@@ -9128,7 +9624,7 @@
         <p:spPr>
           <a:xfrm>
             <a:off x="317520" y="1290960"/>
-            <a:ext cx="11702160" cy="4348080"/>
+            <a:ext cx="11701440" cy="4347360"/>
           </a:xfrm>
           <a:prstGeom prst="rect">
             <a:avLst/>
@@ -9277,7 +9773,7 @@
         <p:spPr>
           <a:xfrm>
             <a:off x="0" y="224280"/>
-            <a:ext cx="12020040" cy="855360"/>
+            <a:ext cx="12019320" cy="854640"/>
           </a:xfrm>
           <a:prstGeom prst="rect">
             <a:avLst/>
@@ -9328,7 +9824,7 @@
         <p:spPr>
           <a:xfrm>
             <a:off x="317520" y="1290960"/>
-            <a:ext cx="11702160" cy="4348080"/>
+            <a:ext cx="11701440" cy="4347360"/>
           </a:xfrm>
           <a:prstGeom prst="rect">
             <a:avLst/>
@@ -9447,7 +9943,7 @@
         <p:spPr>
           <a:xfrm>
             <a:off x="0" y="224280"/>
-            <a:ext cx="12020040" cy="855360"/>
+            <a:ext cx="12019320" cy="854640"/>
           </a:xfrm>
           <a:prstGeom prst="rect">
             <a:avLst/>
@@ -9498,7 +9994,7 @@
         <p:spPr>
           <a:xfrm>
             <a:off x="317520" y="1290960"/>
-            <a:ext cx="11702160" cy="4348080"/>
+            <a:ext cx="11701440" cy="4347360"/>
           </a:xfrm>
           <a:prstGeom prst="rect">
             <a:avLst/>
@@ -9753,7 +10249,7 @@
         <p:spPr>
           <a:xfrm>
             <a:off x="0" y="224280"/>
-            <a:ext cx="12020040" cy="855360"/>
+            <a:ext cx="12019320" cy="854640"/>
           </a:xfrm>
           <a:prstGeom prst="rect">
             <a:avLst/>
@@ -9804,7 +10300,7 @@
         <p:spPr>
           <a:xfrm>
             <a:off x="317520" y="1290960"/>
-            <a:ext cx="11702160" cy="4348080"/>
+            <a:ext cx="11701440" cy="4347360"/>
           </a:xfrm>
           <a:prstGeom prst="rect">
             <a:avLst/>
@@ -9868,7 +10364,7 @@
         <p:spPr>
           <a:xfrm>
             <a:off x="3005280" y="2638440"/>
-            <a:ext cx="6180120" cy="1579680"/>
+            <a:ext cx="6179400" cy="1578960"/>
           </a:xfrm>
           <a:prstGeom prst="rect">
             <a:avLst/>
@@ -9917,7 +10413,7 @@
         <p:spPr>
           <a:xfrm>
             <a:off x="0" y="224280"/>
-            <a:ext cx="12020040" cy="855360"/>
+            <a:ext cx="12019320" cy="854640"/>
           </a:xfrm>
           <a:prstGeom prst="rect">
             <a:avLst/>
@@ -9968,7 +10464,7 @@
         <p:spPr>
           <a:xfrm>
             <a:off x="317520" y="1290960"/>
-            <a:ext cx="11702160" cy="4348080"/>
+            <a:ext cx="11701440" cy="4347360"/>
           </a:xfrm>
           <a:prstGeom prst="rect">
             <a:avLst/>
@@ -10109,7 +10605,7 @@
         <p:spPr>
           <a:xfrm>
             <a:off x="0" y="224280"/>
-            <a:ext cx="12020040" cy="855360"/>
+            <a:ext cx="12019320" cy="854640"/>
           </a:xfrm>
           <a:prstGeom prst="rect">
             <a:avLst/>
@@ -10160,7 +10656,7 @@
         <p:spPr>
           <a:xfrm>
             <a:off x="317520" y="1290960"/>
-            <a:ext cx="11702160" cy="4348080"/>
+            <a:ext cx="11701440" cy="4347360"/>
           </a:xfrm>
           <a:prstGeom prst="rect">
             <a:avLst/>
@@ -10544,7 +11040,7 @@
         <p:spPr>
           <a:xfrm>
             <a:off x="0" y="224280"/>
-            <a:ext cx="12020040" cy="855360"/>
+            <a:ext cx="12019320" cy="854640"/>
           </a:xfrm>
           <a:prstGeom prst="rect">
             <a:avLst/>
@@ -10595,7 +11091,7 @@
         <p:spPr>
           <a:xfrm>
             <a:off x="317520" y="1290960"/>
-            <a:ext cx="11702160" cy="4348080"/>
+            <a:ext cx="11701440" cy="4347360"/>
           </a:xfrm>
           <a:prstGeom prst="rect">
             <a:avLst/>
@@ -10863,7 +11359,7 @@
         <p:spPr>
           <a:xfrm>
             <a:off x="0" y="224280"/>
-            <a:ext cx="12020040" cy="855360"/>
+            <a:ext cx="12019320" cy="854640"/>
           </a:xfrm>
           <a:prstGeom prst="rect">
             <a:avLst/>
@@ -10914,7 +11410,7 @@
         <p:spPr>
           <a:xfrm>
             <a:off x="317520" y="1290960"/>
-            <a:ext cx="11702160" cy="4348080"/>
+            <a:ext cx="11701440" cy="4347360"/>
           </a:xfrm>
           <a:prstGeom prst="rect">
             <a:avLst/>
@@ -11219,7 +11715,7 @@
         <p:spPr>
           <a:xfrm>
             <a:off x="0" y="224280"/>
-            <a:ext cx="12020040" cy="855360"/>
+            <a:ext cx="12019320" cy="854640"/>
           </a:xfrm>
           <a:prstGeom prst="rect">
             <a:avLst/>
@@ -11270,7 +11766,7 @@
         <p:spPr>
           <a:xfrm>
             <a:off x="317520" y="1290960"/>
-            <a:ext cx="11702160" cy="4348080"/>
+            <a:ext cx="11701440" cy="4347360"/>
           </a:xfrm>
           <a:prstGeom prst="rect">
             <a:avLst/>
@@ -11575,7 +12071,7 @@
         <p:spPr>
           <a:xfrm>
             <a:off x="0" y="224280"/>
-            <a:ext cx="12020040" cy="855360"/>
+            <a:ext cx="12019320" cy="854640"/>
           </a:xfrm>
           <a:prstGeom prst="rect">
             <a:avLst/>
@@ -11626,7 +12122,7 @@
         <p:spPr>
           <a:xfrm>
             <a:off x="317520" y="1290960"/>
-            <a:ext cx="11702160" cy="4348080"/>
+            <a:ext cx="11701440" cy="4347360"/>
           </a:xfrm>
           <a:prstGeom prst="rect">
             <a:avLst/>
@@ -11931,7 +12427,7 @@
         <p:spPr>
           <a:xfrm>
             <a:off x="0" y="224280"/>
-            <a:ext cx="12020040" cy="855360"/>
+            <a:ext cx="12019320" cy="854640"/>
           </a:xfrm>
           <a:prstGeom prst="rect">
             <a:avLst/>
@@ -11982,7 +12478,7 @@
         <p:spPr>
           <a:xfrm>
             <a:off x="317520" y="1290960"/>
-            <a:ext cx="11702160" cy="4348080"/>
+            <a:ext cx="11701440" cy="4347360"/>
           </a:xfrm>
           <a:prstGeom prst="rect">
             <a:avLst/>
@@ -12143,7 +12639,7 @@
         <p:spPr>
           <a:xfrm>
             <a:off x="0" y="224280"/>
-            <a:ext cx="12020040" cy="855360"/>
+            <a:ext cx="12019320" cy="854640"/>
           </a:xfrm>
           <a:prstGeom prst="rect">
             <a:avLst/>
@@ -12194,7 +12690,7 @@
         <p:spPr>
           <a:xfrm>
             <a:off x="317520" y="1290960"/>
-            <a:ext cx="11702160" cy="4348080"/>
+            <a:ext cx="11701440" cy="4347360"/>
           </a:xfrm>
           <a:prstGeom prst="rect">
             <a:avLst/>
@@ -12489,7 +12985,7 @@
         <p:spPr>
           <a:xfrm>
             <a:off x="0" y="224280"/>
-            <a:ext cx="12020040" cy="855360"/>
+            <a:ext cx="12019320" cy="854640"/>
           </a:xfrm>
           <a:prstGeom prst="rect">
             <a:avLst/>
@@ -12540,7 +13036,7 @@
         <p:spPr>
           <a:xfrm>
             <a:off x="317520" y="1290960"/>
-            <a:ext cx="11702160" cy="4348080"/>
+            <a:ext cx="11701440" cy="4347360"/>
           </a:xfrm>
           <a:prstGeom prst="rect">
             <a:avLst/>
@@ -12633,7 +13129,7 @@
         <p:spPr>
           <a:xfrm>
             <a:off x="4790520" y="2988360"/>
-            <a:ext cx="2609640" cy="2770560"/>
+            <a:ext cx="2608920" cy="2769840"/>
           </a:xfrm>
           <a:prstGeom prst="rect">
             <a:avLst/>
@@ -12656,7 +13152,7 @@
         <p:spPr>
           <a:xfrm>
             <a:off x="10262160" y="4982400"/>
-            <a:ext cx="1616760" cy="656640"/>
+            <a:ext cx="1616040" cy="655920"/>
           </a:xfrm>
           <a:prstGeom prst="rect">
             <a:avLst/>
@@ -12705,7 +13201,7 @@
         <p:spPr>
           <a:xfrm>
             <a:off x="0" y="224280"/>
-            <a:ext cx="12020040" cy="855360"/>
+            <a:ext cx="12019320" cy="854640"/>
           </a:xfrm>
           <a:prstGeom prst="rect">
             <a:avLst/>
@@ -12756,7 +13252,7 @@
         <p:spPr>
           <a:xfrm>
             <a:off x="317520" y="1290960"/>
-            <a:ext cx="11702160" cy="4348080"/>
+            <a:ext cx="11701440" cy="4347360"/>
           </a:xfrm>
           <a:prstGeom prst="rect">
             <a:avLst/>
@@ -12849,7 +13345,7 @@
         <p:spPr>
           <a:xfrm>
             <a:off x="4975200" y="3240720"/>
-            <a:ext cx="2240640" cy="2014200"/>
+            <a:ext cx="2239920" cy="2013480"/>
           </a:xfrm>
           <a:prstGeom prst="rect">
             <a:avLst/>
@@ -12872,7 +13368,7 @@
         <p:spPr>
           <a:xfrm>
             <a:off x="10262160" y="4982760"/>
-            <a:ext cx="1616760" cy="656640"/>
+            <a:ext cx="1616040" cy="655920"/>
           </a:xfrm>
           <a:prstGeom prst="rect">
             <a:avLst/>
@@ -12921,7 +13417,7 @@
         <p:spPr>
           <a:xfrm>
             <a:off x="0" y="224280"/>
-            <a:ext cx="12020040" cy="855360"/>
+            <a:ext cx="12019320" cy="854640"/>
           </a:xfrm>
           <a:prstGeom prst="rect">
             <a:avLst/>
@@ -12972,7 +13468,7 @@
         <p:spPr>
           <a:xfrm>
             <a:off x="317520" y="1290960"/>
-            <a:ext cx="11702160" cy="4348080"/>
+            <a:ext cx="11701440" cy="4347360"/>
           </a:xfrm>
           <a:prstGeom prst="rect">
             <a:avLst/>
@@ -13022,7 +13518,7 @@
             </a:endParaRPr>
           </a:p>
           <a:p>
-            <a:pPr marL="216000" indent="-214920">
+            <a:pPr marL="216000" indent="-214200">
               <a:lnSpc>
                 <a:spcPct val="100000"/>
               </a:lnSpc>
@@ -13066,7 +13562,7 @@
             </a:endParaRPr>
           </a:p>
           <a:p>
-            <a:pPr marL="216000" indent="-214920">
+            <a:pPr marL="216000" indent="-214200">
               <a:lnSpc>
                 <a:spcPct val="100000"/>
               </a:lnSpc>
@@ -13110,7 +13606,7 @@
             </a:endParaRPr>
           </a:p>
           <a:p>
-            <a:pPr marL="216000" indent="-214920">
+            <a:pPr marL="216000" indent="-214200">
               <a:lnSpc>
                 <a:spcPct val="100000"/>
               </a:lnSpc>
@@ -13194,7 +13690,7 @@
         <p:spPr>
           <a:xfrm>
             <a:off x="0" y="224280"/>
-            <a:ext cx="12020040" cy="855360"/>
+            <a:ext cx="12019320" cy="854640"/>
           </a:xfrm>
           <a:prstGeom prst="rect">
             <a:avLst/>
@@ -13245,7 +13741,7 @@
         <p:spPr>
           <a:xfrm>
             <a:off x="317520" y="1290960"/>
-            <a:ext cx="11702160" cy="4348080"/>
+            <a:ext cx="11701440" cy="4347360"/>
           </a:xfrm>
           <a:prstGeom prst="rect">
             <a:avLst/>
@@ -13395,7 +13891,7 @@
         <p:spPr>
           <a:xfrm>
             <a:off x="0" y="224280"/>
-            <a:ext cx="12020040" cy="855360"/>
+            <a:ext cx="12019320" cy="854640"/>
           </a:xfrm>
           <a:prstGeom prst="rect">
             <a:avLst/>
@@ -13446,7 +13942,7 @@
         <p:spPr>
           <a:xfrm>
             <a:off x="317520" y="1290960"/>
-            <a:ext cx="11702160" cy="4348080"/>
+            <a:ext cx="11701440" cy="4347360"/>
           </a:xfrm>
           <a:prstGeom prst="rect">
             <a:avLst/>
@@ -13682,7 +14178,7 @@
         <p:spPr>
           <a:xfrm>
             <a:off x="0" y="224280"/>
-            <a:ext cx="12020040" cy="855360"/>
+            <a:ext cx="12019320" cy="854640"/>
           </a:xfrm>
           <a:prstGeom prst="rect">
             <a:avLst/>
@@ -13733,7 +14229,7 @@
         <p:spPr>
           <a:xfrm>
             <a:off x="317520" y="1290960"/>
-            <a:ext cx="11702160" cy="4348080"/>
+            <a:ext cx="11701440" cy="4347360"/>
           </a:xfrm>
           <a:prstGeom prst="rect">
             <a:avLst/>
@@ -13852,7 +14348,7 @@
         <p:spPr>
           <a:xfrm>
             <a:off x="0" y="224280"/>
-            <a:ext cx="12020040" cy="855360"/>
+            <a:ext cx="12019320" cy="854640"/>
           </a:xfrm>
           <a:prstGeom prst="rect">
             <a:avLst/>
@@ -13903,7 +14399,7 @@
         <p:spPr>
           <a:xfrm>
             <a:off x="317520" y="1290960"/>
-            <a:ext cx="11702160" cy="4348080"/>
+            <a:ext cx="11701440" cy="4347360"/>
           </a:xfrm>
           <a:prstGeom prst="rect">
             <a:avLst/>
@@ -14139,7 +14635,7 @@
         <p:spPr>
           <a:xfrm>
             <a:off x="0" y="224280"/>
-            <a:ext cx="12020040" cy="855360"/>
+            <a:ext cx="12019320" cy="854640"/>
           </a:xfrm>
           <a:prstGeom prst="rect">
             <a:avLst/>
@@ -14190,7 +14686,7 @@
         <p:spPr>
           <a:xfrm>
             <a:off x="317520" y="1290960"/>
-            <a:ext cx="11702160" cy="4348080"/>
+            <a:ext cx="11701440" cy="4347360"/>
           </a:xfrm>
           <a:prstGeom prst="rect">
             <a:avLst/>
@@ -14467,7 +14963,7 @@
         <p:spPr>
           <a:xfrm>
             <a:off x="0" y="224280"/>
-            <a:ext cx="12020040" cy="855360"/>
+            <a:ext cx="12019320" cy="854640"/>
           </a:xfrm>
           <a:prstGeom prst="rect">
             <a:avLst/>
@@ -14518,7 +15014,7 @@
         <p:spPr>
           <a:xfrm>
             <a:off x="317520" y="1290960"/>
-            <a:ext cx="11702160" cy="4348080"/>
+            <a:ext cx="11701440" cy="4347360"/>
           </a:xfrm>
           <a:prstGeom prst="rect">
             <a:avLst/>
@@ -14783,7 +15279,7 @@
         <p:spPr>
           <a:xfrm>
             <a:off x="0" y="224280"/>
-            <a:ext cx="12020040" cy="855360"/>
+            <a:ext cx="12019320" cy="854640"/>
           </a:xfrm>
           <a:prstGeom prst="rect">
             <a:avLst/>
@@ -14834,7 +15330,7 @@
         <p:spPr>
           <a:xfrm>
             <a:off x="317520" y="1290960"/>
-            <a:ext cx="11702160" cy="4348080"/>
+            <a:ext cx="11701440" cy="4347360"/>
           </a:xfrm>
           <a:prstGeom prst="rect">
             <a:avLst/>
@@ -14855,7 +15351,7 @@
             <a:normAutofit/>
           </a:bodyPr>
           <a:p>
-            <a:pPr marL="216000" indent="-214560">
+            <a:pPr marL="216000" indent="-213840">
               <a:lnSpc>
                 <a:spcPct val="100000"/>
               </a:lnSpc>
@@ -14933,7 +15429,7 @@
         <p:spPr>
           <a:xfrm>
             <a:off x="3819960" y="2376000"/>
-            <a:ext cx="4550400" cy="3814560"/>
+            <a:ext cx="4549680" cy="3813840"/>
           </a:xfrm>
           <a:prstGeom prst="rect">
             <a:avLst/>
@@ -14982,7 +15478,7 @@
         <p:spPr>
           <a:xfrm>
             <a:off x="0" y="224280"/>
-            <a:ext cx="12020040" cy="855360"/>
+            <a:ext cx="12019320" cy="854640"/>
           </a:xfrm>
           <a:prstGeom prst="rect">
             <a:avLst/>
@@ -15033,7 +15529,7 @@
         <p:spPr>
           <a:xfrm>
             <a:off x="317520" y="1290960"/>
-            <a:ext cx="11702160" cy="4348080"/>
+            <a:ext cx="11701440" cy="4347360"/>
           </a:xfrm>
           <a:prstGeom prst="rect">
             <a:avLst/>
@@ -15318,7 +15814,7 @@
         <p:spPr>
           <a:xfrm>
             <a:off x="0" y="224280"/>
-            <a:ext cx="12020040" cy="855360"/>
+            <a:ext cx="12019320" cy="854640"/>
           </a:xfrm>
           <a:prstGeom prst="rect">
             <a:avLst/>
@@ -15369,7 +15865,7 @@
         <p:spPr>
           <a:xfrm>
             <a:off x="317520" y="1290960"/>
-            <a:ext cx="11702160" cy="4348080"/>
+            <a:ext cx="11701440" cy="4347360"/>
           </a:xfrm>
           <a:prstGeom prst="rect">
             <a:avLst/>
@@ -15527,7 +16023,7 @@
         <p:spPr>
           <a:xfrm>
             <a:off x="0" y="224280"/>
-            <a:ext cx="12020040" cy="855360"/>
+            <a:ext cx="12019320" cy="854640"/>
           </a:xfrm>
           <a:prstGeom prst="rect">
             <a:avLst/>
@@ -15578,7 +16074,7 @@
         <p:spPr>
           <a:xfrm>
             <a:off x="317520" y="1290960"/>
-            <a:ext cx="11702160" cy="4348080"/>
+            <a:ext cx="11701440" cy="4347360"/>
           </a:xfrm>
           <a:prstGeom prst="rect">
             <a:avLst/>
@@ -15980,7 +16476,7 @@
         <p:spPr>
           <a:xfrm>
             <a:off x="0" y="224280"/>
-            <a:ext cx="12020040" cy="855360"/>
+            <a:ext cx="12019320" cy="854640"/>
           </a:xfrm>
           <a:prstGeom prst="rect">
             <a:avLst/>
@@ -16031,7 +16527,7 @@
         <p:spPr>
           <a:xfrm>
             <a:off x="317520" y="1290960"/>
-            <a:ext cx="11702160" cy="4348080"/>
+            <a:ext cx="11701440" cy="4347360"/>
           </a:xfrm>
           <a:prstGeom prst="rect">
             <a:avLst/>
@@ -16404,7 +16900,7 @@
         <p:spPr>
           <a:xfrm>
             <a:off x="0" y="224280"/>
-            <a:ext cx="12020040" cy="855360"/>
+            <a:ext cx="12019320" cy="854640"/>
           </a:xfrm>
           <a:prstGeom prst="rect">
             <a:avLst/>
@@ -16455,7 +16951,7 @@
         <p:spPr>
           <a:xfrm>
             <a:off x="317520" y="1290960"/>
-            <a:ext cx="11702160" cy="4348080"/>
+            <a:ext cx="11701440" cy="4347360"/>
           </a:xfrm>
           <a:prstGeom prst="rect">
             <a:avLst/>
@@ -16789,7 +17285,7 @@
         <p:spPr>
           <a:xfrm>
             <a:off x="0" y="224280"/>
-            <a:ext cx="12020040" cy="855360"/>
+            <a:ext cx="12019320" cy="854640"/>
           </a:xfrm>
           <a:prstGeom prst="rect">
             <a:avLst/>
@@ -16840,7 +17336,7 @@
         <p:spPr>
           <a:xfrm>
             <a:off x="317520" y="1290960"/>
-            <a:ext cx="11702160" cy="4348080"/>
+            <a:ext cx="11701440" cy="4347360"/>
           </a:xfrm>
           <a:prstGeom prst="rect">
             <a:avLst/>
@@ -17009,7 +17505,7 @@
         <p:spPr>
           <a:xfrm>
             <a:off x="0" y="224280"/>
-            <a:ext cx="12020040" cy="855360"/>
+            <a:ext cx="12019320" cy="854640"/>
           </a:xfrm>
           <a:prstGeom prst="rect">
             <a:avLst/>
@@ -17060,7 +17556,7 @@
         <p:spPr>
           <a:xfrm>
             <a:off x="317520" y="1290960"/>
-            <a:ext cx="11702160" cy="4348080"/>
+            <a:ext cx="11701440" cy="4347360"/>
           </a:xfrm>
           <a:prstGeom prst="rect">
             <a:avLst/>
@@ -17106,10 +17602,11 @@
               <a:t>É um ORM baseado em Promise para Node.js que possibilita trabalhar com Postgres, MySQL, MariaDB, SQLite e Microsoft SQL Server</a:t>
             </a:r>
             <a:r>
-              <a:rPr b="0" lang="pt-BR" sz="3200" spc="-1" strike="noStrike">
-                <a:solidFill>
-                  <a:srgbClr val="1f4e79"/>
-                </a:solidFill>
+              <a:rPr b="0" lang="pt-BR" sz="3200" spc="-1" strike="noStrike" u="sng">
+                <a:solidFill>
+                  <a:srgbClr val="0563c1"/>
+                </a:solidFill>
+                <a:uFillTx/>
                 <a:latin typeface="Arial"/>
                 <a:ea typeface="DejaVu Sans"/>
                 <a:hlinkClick r:id="rId1"/>
@@ -17171,7 +17668,7 @@
         <p:spPr>
           <a:xfrm>
             <a:off x="0" y="224280"/>
-            <a:ext cx="12020040" cy="855360"/>
+            <a:ext cx="12019320" cy="854640"/>
           </a:xfrm>
           <a:prstGeom prst="rect">
             <a:avLst/>
@@ -17222,7 +17719,7 @@
         <p:spPr>
           <a:xfrm>
             <a:off x="317520" y="1290960"/>
-            <a:ext cx="11702160" cy="4348080"/>
+            <a:ext cx="11701440" cy="4347360"/>
           </a:xfrm>
           <a:prstGeom prst="rect">
             <a:avLst/>
@@ -17297,10 +17794,11 @@
               <a:t>yarn add tedious</a:t>
             </a:r>
             <a:r>
-              <a:rPr b="0" lang="pt-BR" sz="2800" spc="-1" strike="noStrike">
-                <a:solidFill>
-                  <a:srgbClr val="1f4e79"/>
-                </a:solidFill>
+              <a:rPr b="0" lang="pt-BR" sz="2800" spc="-1" strike="noStrike" u="sng">
+                <a:solidFill>
+                  <a:srgbClr val="0563c1"/>
+                </a:solidFill>
+                <a:uFillTx/>
                 <a:latin typeface="Courier New"/>
                 <a:ea typeface="DejaVu Sans"/>
                 <a:hlinkClick r:id="rId1"/>
@@ -17342,6 +17840,9 @@
           </a:p>
           <a:p>
             <a:pPr algn="ctr">
+              <a:lnSpc>
+                <a:spcPct val="100000"/>
+              </a:lnSpc>
               <a:spcBef>
                 <a:spcPts val="1001"/>
               </a:spcBef>
@@ -17360,17 +17861,7 @@
                 <a:latin typeface="Courier New"/>
                 <a:ea typeface="DejaVu Sans"/>
               </a:rPr>
-              <a:t>Npm i </a:t>
-            </a:r>
-            <a:r>
-              <a:rPr b="0" lang="pt-BR" sz="2800" spc="-1" strike="noStrike">
-                <a:solidFill>
-                  <a:srgbClr val="1f4e79"/>
-                </a:solidFill>
-                <a:latin typeface="Courier New"/>
-                <a:ea typeface="DejaVu Sans"/>
-              </a:rPr>
-              <a:t>--save sequelize</a:t>
+              <a:t>npm i --save sequelize</a:t>
             </a:r>
             <a:endParaRPr b="0" lang="pt-BR" sz="2800" spc="-1" strike="noStrike">
               <a:latin typeface="Arial"/>
@@ -17378,6 +17869,9 @@
           </a:p>
           <a:p>
             <a:pPr algn="ctr">
+              <a:lnSpc>
+                <a:spcPct val="100000"/>
+              </a:lnSpc>
               <a:spcBef>
                 <a:spcPts val="1001"/>
               </a:spcBef>
@@ -17404,6 +17898,9 @@
           </a:p>
           <a:p>
             <a:pPr algn="ctr">
+              <a:lnSpc>
+                <a:spcPct val="100000"/>
+              </a:lnSpc>
               <a:spcBef>
                 <a:spcPts val="1001"/>
               </a:spcBef>
@@ -17459,7 +17956,7 @@
         <p:spPr>
           <a:xfrm>
             <a:off x="0" y="224280"/>
-            <a:ext cx="12020040" cy="855360"/>
+            <a:ext cx="12019320" cy="854640"/>
           </a:xfrm>
           <a:prstGeom prst="rect">
             <a:avLst/>
@@ -17493,7 +17990,7 @@
                 <a:latin typeface="Arial"/>
                 <a:ea typeface="DejaVu Sans"/>
               </a:rPr>
-              <a:t>ORM: Sequelize</a:t>
+              <a:t>Instalando o Sequelize-cli</a:t>
             </a:r>
             <a:endParaRPr b="0" lang="pt-BR" sz="5400" spc="-1" strike="noStrike">
               <a:latin typeface="Arial"/>
@@ -17510,7 +18007,7 @@
         <p:spPr>
           <a:xfrm>
             <a:off x="317520" y="1290960"/>
-            <a:ext cx="11702160" cy="4348080"/>
+            <a:ext cx="11701440" cy="4347360"/>
           </a:xfrm>
           <a:prstGeom prst="rect">
             <a:avLst/>
@@ -17546,16 +18043,14 @@
               </a:tabLst>
             </a:pPr>
             <a:r>
-              <a:rPr b="0" lang="pt-BR" sz="3200" spc="-1" strike="noStrike" u="sng">
-                <a:solidFill>
-                  <a:srgbClr val="0563c1"/>
-                </a:solidFill>
-                <a:uFillTx/>
-                <a:latin typeface="Arial"/>
-                <a:ea typeface="DejaVu Sans"/>
-                <a:hlinkClick r:id="rId1"/>
-              </a:rPr>
-              <a:t>https://sequelize.org/master/manual/getting-started.html</a:t>
+              <a:rPr b="0" lang="pt-BR" sz="3200" spc="-1" strike="noStrike">
+                <a:solidFill>
+                  <a:srgbClr val="1f4e79"/>
+                </a:solidFill>
+                <a:latin typeface="Arial"/>
+                <a:ea typeface="DejaVu Sans"/>
+              </a:rPr>
+              <a:t>Interface de linha de comando do Sequelize</a:t>
             </a:r>
             <a:endParaRPr b="0" lang="pt-BR" sz="3200" spc="-1" strike="noStrike">
               <a:latin typeface="Arial"/>
@@ -17577,16 +18072,16 @@
               </a:tabLst>
             </a:pPr>
             <a:r>
-              <a:rPr b="0" lang="pt-BR" sz="3200" spc="-1" strike="noStrike">
-                <a:solidFill>
-                  <a:srgbClr val="1f4e79"/>
-                </a:solidFill>
-                <a:latin typeface="Arial"/>
-                <a:ea typeface="DejaVu Sans"/>
-              </a:rPr>
-              <a:t>https://levelup.gitconnected.com/creating-sequelize-associations-with-the-sequelize-cli-tool-d83caa902233</a:t>
-            </a:r>
-            <a:endParaRPr b="0" lang="pt-BR" sz="3200" spc="-1" strike="noStrike">
+              <a:rPr b="0" lang="pt-BR" sz="2800" spc="-1" strike="noStrike">
+                <a:solidFill>
+                  <a:srgbClr val="1f4e79"/>
+                </a:solidFill>
+                <a:latin typeface="Courier New"/>
+                <a:ea typeface="DejaVu Sans"/>
+              </a:rPr>
+              <a:t>yarn add -D sequelize-cli</a:t>
+            </a:r>
+            <a:endParaRPr b="0" lang="pt-BR" sz="2800" spc="-1" strike="noStrike">
               <a:latin typeface="Arial"/>
             </a:endParaRPr>
           </a:p>
@@ -17605,7 +18100,65 @@
                 <a:tab algn="l" pos="0"/>
               </a:tabLst>
             </a:pPr>
+            <a:r>
+              <a:rPr b="0" lang="pt-BR" sz="3200" spc="-1" strike="noStrike">
+                <a:solidFill>
+                  <a:srgbClr val="1f4e79"/>
+                </a:solidFill>
+                <a:latin typeface="Arial"/>
+                <a:ea typeface="DejaVu Sans"/>
+              </a:rPr>
+              <a:t>ou</a:t>
+            </a:r>
             <a:endParaRPr b="0" lang="pt-BR" sz="3200" spc="-1" strike="noStrike">
+              <a:latin typeface="Arial"/>
+            </a:endParaRPr>
+          </a:p>
+          <a:p>
+            <a:pPr algn="ctr">
+              <a:lnSpc>
+                <a:spcPct val="100000"/>
+              </a:lnSpc>
+              <a:spcBef>
+                <a:spcPts val="1001"/>
+              </a:spcBef>
+              <a:spcAft>
+                <a:spcPts val="1001"/>
+              </a:spcAft>
+              <a:tabLst>
+                <a:tab algn="l" pos="0"/>
+              </a:tabLst>
+            </a:pPr>
+            <a:r>
+              <a:rPr b="0" lang="pt-BR" sz="2800" spc="-1" strike="noStrike">
+                <a:solidFill>
+                  <a:srgbClr val="1f4e79"/>
+                </a:solidFill>
+                <a:latin typeface="Courier New"/>
+                <a:ea typeface="DejaVu Sans"/>
+              </a:rPr>
+              <a:t>npm i -D sequelize-cli</a:t>
+            </a:r>
+            <a:endParaRPr b="0" lang="pt-BR" sz="2800" spc="-1" strike="noStrike">
+              <a:latin typeface="Arial"/>
+            </a:endParaRPr>
+          </a:p>
+          <a:p>
+            <a:pPr algn="ctr">
+              <a:lnSpc>
+                <a:spcPct val="100000"/>
+              </a:lnSpc>
+              <a:spcBef>
+                <a:spcPts val="1001"/>
+              </a:spcBef>
+              <a:spcAft>
+                <a:spcPts val="1001"/>
+              </a:spcAft>
+              <a:tabLst>
+                <a:tab algn="l" pos="0"/>
+              </a:tabLst>
+            </a:pPr>
+            <a:endParaRPr b="0" lang="pt-BR" sz="2800" spc="-1" strike="noStrike">
               <a:latin typeface="Arial"/>
             </a:endParaRPr>
           </a:p>
@@ -17650,7 +18203,7 @@
         <p:spPr>
           <a:xfrm>
             <a:off x="0" y="224280"/>
-            <a:ext cx="12020040" cy="855360"/>
+            <a:ext cx="12019320" cy="854640"/>
           </a:xfrm>
           <a:prstGeom prst="rect">
             <a:avLst/>
@@ -17684,7 +18237,7 @@
                 <a:latin typeface="Arial"/>
                 <a:ea typeface="DejaVu Sans"/>
               </a:rPr>
-              <a:t>Middleware</a:t>
+              <a:t>Instalando o Sequelize-cli</a:t>
             </a:r>
             <a:endParaRPr b="0" lang="pt-BR" sz="5400" spc="-1" strike="noStrike">
               <a:latin typeface="Arial"/>
@@ -17701,7 +18254,7 @@
         <p:spPr>
           <a:xfrm>
             <a:off x="317520" y="1290960"/>
-            <a:ext cx="11702160" cy="4348080"/>
+            <a:ext cx="11701440" cy="4347360"/>
           </a:xfrm>
           <a:prstGeom prst="rect">
             <a:avLst/>
@@ -17744,7 +18297,7 @@
                 <a:latin typeface="Arial"/>
                 <a:ea typeface="DejaVu Sans"/>
               </a:rPr>
-              <a:t>São scripts que podem ser executados entre a comunicação de outros 2 serviços distintos.</a:t>
+              <a:t>Interface de linha de comando do Sequelize</a:t>
             </a:r>
             <a:endParaRPr b="0" lang="pt-BR" sz="3200" spc="-1" strike="noStrike">
               <a:latin typeface="Arial"/>
@@ -17766,16 +18319,35 @@
               </a:tabLst>
             </a:pPr>
             <a:r>
-              <a:rPr b="0" lang="pt-BR" sz="3200" spc="-1" strike="noStrike">
-                <a:solidFill>
-                  <a:srgbClr val="1f4e79"/>
-                </a:solidFill>
-                <a:latin typeface="Arial"/>
-                <a:ea typeface="DejaVu Sans"/>
-              </a:rPr>
-              <a:t>Ele pode verificar e/ou manipular os dados antes da tarefa em execução prosseguir, ou mudar o fluxo da tarefa.</a:t>
-            </a:r>
-            <a:endParaRPr b="0" lang="pt-BR" sz="3200" spc="-1" strike="noStrike">
+              <a:rPr b="0" lang="pt-BR" sz="2800" spc="-1" strike="noStrike">
+                <a:solidFill>
+                  <a:srgbClr val="1f4e79"/>
+                </a:solidFill>
+                <a:latin typeface="Courier New"/>
+                <a:ea typeface="DejaVu Sans"/>
+              </a:rPr>
+              <a:t>npx sequelize init</a:t>
+            </a:r>
+            <a:endParaRPr b="0" lang="pt-BR" sz="2800" spc="-1" strike="noStrike">
+              <a:latin typeface="Arial"/>
+            </a:endParaRPr>
+          </a:p>
+          <a:p>
+            <a:pPr algn="ctr">
+              <a:lnSpc>
+                <a:spcPct val="100000"/>
+              </a:lnSpc>
+              <a:spcBef>
+                <a:spcPts val="1001"/>
+              </a:spcBef>
+              <a:spcAft>
+                <a:spcPts val="1001"/>
+              </a:spcAft>
+              <a:tabLst>
+                <a:tab algn="l" pos="0"/>
+              </a:tabLst>
+            </a:pPr>
+            <a:endParaRPr b="0" lang="pt-BR" sz="2800" spc="-1" strike="noStrike">
               <a:latin typeface="Arial"/>
             </a:endParaRPr>
           </a:p>
@@ -17820,7 +18392,7 @@
         <p:spPr>
           <a:xfrm>
             <a:off x="0" y="224280"/>
-            <a:ext cx="12020040" cy="855360"/>
+            <a:ext cx="12019320" cy="854640"/>
           </a:xfrm>
           <a:prstGeom prst="rect">
             <a:avLst/>
@@ -17871,7 +18443,7 @@
         <p:spPr>
           <a:xfrm>
             <a:off x="317520" y="1290960"/>
-            <a:ext cx="11702160" cy="4348080"/>
+            <a:ext cx="11701440" cy="4347360"/>
           </a:xfrm>
           <a:prstGeom prst="rect">
             <a:avLst/>
@@ -17892,7 +18464,7 @@
             <a:normAutofit/>
           </a:bodyPr>
           <a:p>
-            <a:pPr marL="216000" indent="-214560">
+            <a:pPr marL="216000" indent="-213840">
               <a:lnSpc>
                 <a:spcPct val="100000"/>
               </a:lnSpc>
@@ -17936,7 +18508,7 @@
             </a:endParaRPr>
           </a:p>
           <a:p>
-            <a:pPr marL="216000" indent="-214560">
+            <a:pPr marL="216000" indent="-213840">
               <a:lnSpc>
                 <a:spcPct val="100000"/>
               </a:lnSpc>
@@ -18020,7 +18592,7 @@
         <p:spPr>
           <a:xfrm>
             <a:off x="0" y="224280"/>
-            <a:ext cx="12020040" cy="855360"/>
+            <a:ext cx="12019320" cy="854640"/>
           </a:xfrm>
           <a:prstGeom prst="rect">
             <a:avLst/>
@@ -18054,7 +18626,7 @@
                 <a:latin typeface="Arial"/>
                 <a:ea typeface="DejaVu Sans"/>
               </a:rPr>
-              <a:t>Referências</a:t>
+              <a:t>Instalando o Sequelize-cli</a:t>
             </a:r>
             <a:endParaRPr b="0" lang="pt-BR" sz="5400" spc="-1" strike="noStrike">
               <a:latin typeface="Arial"/>
@@ -18071,7 +18643,7 @@
         <p:spPr>
           <a:xfrm>
             <a:off x="317520" y="1290960"/>
-            <a:ext cx="11702160" cy="4348080"/>
+            <a:ext cx="11701440" cy="4347360"/>
           </a:xfrm>
           <a:prstGeom prst="rect">
             <a:avLst/>
@@ -18089,10 +18661,10 @@
         </p:style>
         <p:txBody>
           <a:bodyPr lIns="90000" rIns="90000" tIns="45000" bIns="45000">
-            <a:normAutofit fontScale="75000"/>
-          </a:bodyPr>
-          <a:p>
-            <a:pPr marL="514440" indent="-511200">
+            <a:normAutofit fontScale="73000"/>
+          </a:bodyPr>
+          <a:p>
+            <a:pPr algn="ctr">
               <a:lnSpc>
                 <a:spcPct val="100000"/>
               </a:lnSpc>
@@ -18102,11 +18674,9 @@
               <a:spcAft>
                 <a:spcPts val="1001"/>
               </a:spcAft>
-              <a:buClr>
-                <a:srgbClr val="1f4e79"/>
-              </a:buClr>
-              <a:buFont typeface="Calibri Light"/>
-              <a:buAutoNum type="arabicPeriod"/>
+              <a:tabLst>
+                <a:tab algn="l" pos="0"/>
+              </a:tabLst>
             </a:pPr>
             <a:r>
               <a:rPr b="0" lang="pt-BR" sz="3200" spc="-1" strike="noStrike">
@@ -18116,104 +18686,14 @@
                 <a:latin typeface="Arial"/>
                 <a:ea typeface="DejaVu Sans"/>
               </a:rPr>
-              <a:t>Node.js. </a:t>
-            </a:r>
-            <a:r>
-              <a:rPr b="1" lang="pt-BR" sz="3200" spc="-1" strike="noStrike">
-                <a:solidFill>
-                  <a:srgbClr val="1f4e79"/>
-                </a:solidFill>
-                <a:latin typeface="Arial"/>
-                <a:ea typeface="DejaVu Sans"/>
-              </a:rPr>
-              <a:t>About</a:t>
-            </a:r>
-            <a:r>
-              <a:rPr b="0" lang="pt-BR" sz="3200" spc="-1" strike="noStrike">
-                <a:solidFill>
-                  <a:srgbClr val="1f4e79"/>
-                </a:solidFill>
-                <a:latin typeface="Arial"/>
-                <a:ea typeface="DejaVu Sans"/>
-              </a:rPr>
-              <a:t>. Disponível em: </a:t>
-            </a:r>
-            <a:r>
-              <a:rPr b="0" lang="pt-BR" sz="3200" spc="-1" strike="noStrike" u="sng">
-                <a:solidFill>
-                  <a:srgbClr val="0563c1"/>
-                </a:solidFill>
-                <a:uFillTx/>
-                <a:latin typeface="Arial"/>
-                <a:ea typeface="DejaVu Sans"/>
-                <a:hlinkClick r:id="rId1"/>
-              </a:rPr>
-              <a:t>https://nodejs.org/</a:t>
-            </a:r>
-            <a:r>
-              <a:rPr b="0" lang="pt-BR" sz="3200" spc="-1" strike="noStrike" u="sng">
-                <a:solidFill>
-                  <a:srgbClr val="0563c1"/>
-                </a:solidFill>
-                <a:uFillTx/>
-                <a:latin typeface="Arial"/>
-                <a:ea typeface="DejaVu Sans"/>
-                <a:hlinkClick r:id="rId2"/>
-              </a:rPr>
-              <a:t>en</a:t>
-            </a:r>
-            <a:r>
-              <a:rPr b="0" lang="pt-BR" sz="3200" spc="-1" strike="noStrike" u="sng">
-                <a:solidFill>
-                  <a:srgbClr val="0563c1"/>
-                </a:solidFill>
-                <a:uFillTx/>
-                <a:latin typeface="Arial"/>
-                <a:ea typeface="DejaVu Sans"/>
-                <a:hlinkClick r:id="rId3"/>
-              </a:rPr>
-              <a:t>/</a:t>
-            </a:r>
-            <a:r>
-              <a:rPr b="0" lang="pt-BR" sz="3200" spc="-1" strike="noStrike" u="sng">
-                <a:solidFill>
-                  <a:srgbClr val="0563c1"/>
-                </a:solidFill>
-                <a:uFillTx/>
-                <a:latin typeface="Arial"/>
-                <a:ea typeface="DejaVu Sans"/>
-                <a:hlinkClick r:id="rId4"/>
-              </a:rPr>
-              <a:t>about</a:t>
-            </a:r>
-            <a:r>
-              <a:rPr b="0" lang="pt-BR" sz="3200" spc="-1" strike="noStrike" u="sng">
-                <a:solidFill>
-                  <a:srgbClr val="0563c1"/>
-                </a:solidFill>
-                <a:uFillTx/>
-                <a:latin typeface="Arial"/>
-                <a:ea typeface="DejaVu Sans"/>
-                <a:hlinkClick r:id="rId5"/>
-              </a:rPr>
-              <a:t>/</a:t>
-            </a:r>
-            <a:r>
-              <a:rPr b="0" lang="pt-BR" sz="3200" spc="-1" strike="noStrike">
-                <a:solidFill>
-                  <a:srgbClr val="1f4e79"/>
-                </a:solidFill>
-                <a:latin typeface="Arial"/>
-                <a:ea typeface="DejaVu Sans"/>
-              </a:rPr>
-              <a:t>.</a:t>
+              <a:t>Informar os dados o database no arquivo config/config.json:</a:t>
             </a:r>
             <a:endParaRPr b="0" lang="pt-BR" sz="3200" spc="-1" strike="noStrike">
               <a:latin typeface="Arial"/>
             </a:endParaRPr>
           </a:p>
           <a:p>
-            <a:pPr marL="514440" indent="-511200">
+            <a:pPr>
               <a:lnSpc>
                 <a:spcPct val="100000"/>
               </a:lnSpc>
@@ -18223,94 +18703,36 @@
               <a:spcAft>
                 <a:spcPts val="1001"/>
               </a:spcAft>
-              <a:buClr>
-                <a:srgbClr val="1f4e79"/>
-              </a:buClr>
-              <a:buFont typeface="Calibri Light"/>
-              <a:buAutoNum type="arabicPeriod"/>
-            </a:pPr>
-            <a:r>
-              <a:rPr b="0" lang="pt-BR" sz="3200" spc="-1" strike="noStrike">
-                <a:solidFill>
-                  <a:srgbClr val="1f4e79"/>
-                </a:solidFill>
-                <a:latin typeface="Arial"/>
-                <a:ea typeface="DejaVu Sans"/>
-              </a:rPr>
-              <a:t>Node.js. </a:t>
-            </a:r>
-            <a:r>
-              <a:rPr b="1" lang="pt-BR" sz="3200" spc="-1" strike="noStrike">
-                <a:solidFill>
-                  <a:srgbClr val="1f4e79"/>
-                </a:solidFill>
-                <a:latin typeface="Arial"/>
-                <a:ea typeface="DejaVu Sans"/>
-              </a:rPr>
-              <a:t>Download</a:t>
-            </a:r>
-            <a:r>
-              <a:rPr b="0" lang="pt-BR" sz="3200" spc="-1" strike="noStrike">
-                <a:solidFill>
-                  <a:srgbClr val="1f4e79"/>
-                </a:solidFill>
-                <a:latin typeface="Arial"/>
-                <a:ea typeface="DejaVu Sans"/>
-              </a:rPr>
-              <a:t>. Disponível em: </a:t>
-            </a:r>
-            <a:r>
-              <a:rPr b="0" lang="pt-BR" sz="3200" spc="-1" strike="noStrike" u="sng">
-                <a:solidFill>
-                  <a:srgbClr val="0563c1"/>
-                </a:solidFill>
-                <a:uFillTx/>
-                <a:latin typeface="Arial"/>
-                <a:ea typeface="DejaVu Sans"/>
-                <a:hlinkClick r:id="rId6"/>
-              </a:rPr>
-              <a:t>https://nodejs.org/</a:t>
-            </a:r>
-            <a:r>
-              <a:rPr b="0" lang="pt-BR" sz="3200" spc="-1" strike="noStrike" u="sng">
-                <a:solidFill>
-                  <a:srgbClr val="0563c1"/>
-                </a:solidFill>
-                <a:uFillTx/>
-                <a:latin typeface="Arial"/>
-                <a:ea typeface="DejaVu Sans"/>
-                <a:hlinkClick r:id="rId7"/>
-              </a:rPr>
-              <a:t>en</a:t>
-            </a:r>
-            <a:r>
-              <a:rPr b="0" lang="pt-BR" sz="3200" spc="-1" strike="noStrike" u="sng">
-                <a:solidFill>
-                  <a:srgbClr val="0563c1"/>
-                </a:solidFill>
-                <a:uFillTx/>
-                <a:latin typeface="Arial"/>
-                <a:ea typeface="DejaVu Sans"/>
-                <a:hlinkClick r:id="rId8"/>
-              </a:rPr>
-              <a:t>/download/</a:t>
-            </a:r>
-            <a:r>
-              <a:rPr b="0" lang="pt-BR" sz="3200" spc="-1" strike="noStrike">
-                <a:solidFill>
-                  <a:srgbClr val="1f4e79"/>
-                </a:solidFill>
-                <a:latin typeface="Arial"/>
-                <a:ea typeface="DejaVu Sans"/>
-              </a:rPr>
-              <a:t>.</a:t>
-            </a:r>
-            <a:endParaRPr b="0" lang="pt-BR" sz="3200" spc="-1" strike="noStrike">
-              <a:latin typeface="Arial"/>
-            </a:endParaRPr>
-          </a:p>
-          <a:p>
-            <a:pPr marL="514440" indent="-511200">
+              <a:tabLst>
+                <a:tab algn="l" pos="0"/>
+              </a:tabLst>
+            </a:pPr>
+            <a:r>
+              <a:rPr b="0" lang="pt-BR" sz="2800" spc="-1" strike="noStrike">
+                <a:solidFill>
+                  <a:srgbClr val="1f4e79"/>
+                </a:solidFill>
+                <a:latin typeface="Courier New"/>
+                <a:ea typeface="DejaVu Sans"/>
+              </a:rPr>
+              <a:t>“</a:t>
+            </a:r>
+            <a:r>
+              <a:rPr b="0" lang="pt-BR" sz="2800" spc="-1" strike="noStrike">
+                <a:solidFill>
+                  <a:srgbClr val="1f4e79"/>
+                </a:solidFill>
+                <a:latin typeface="Courier New"/>
+                <a:ea typeface="DejaVu Sans"/>
+              </a:rPr>
+              <a:t>Development”: {</a:t>
+            </a:r>
+            <a:endParaRPr b="0" lang="pt-BR" sz="2800" spc="-1" strike="noStrike">
+              <a:latin typeface="Arial"/>
+            </a:endParaRPr>
+          </a:p>
+          <a:p>
+            <a:pPr>
               <a:lnSpc>
                 <a:spcPct val="100000"/>
               </a:lnSpc>
@@ -18320,82 +18742,36 @@
               <a:spcAft>
                 <a:spcPts val="1001"/>
               </a:spcAft>
-              <a:buClr>
-                <a:srgbClr val="1f4e79"/>
-              </a:buClr>
-              <a:buFont typeface="Calibri Light"/>
-              <a:buAutoNum type="arabicPeriod"/>
-            </a:pPr>
-            <a:r>
-              <a:rPr b="0" lang="pt-BR" sz="3200" spc="-1" strike="noStrike">
-                <a:solidFill>
-                  <a:srgbClr val="1f4e79"/>
-                </a:solidFill>
-                <a:latin typeface="Arial"/>
-                <a:ea typeface="DejaVu Sans"/>
-              </a:rPr>
-              <a:t>Yarn. </a:t>
-            </a:r>
-            <a:r>
-              <a:rPr b="1" lang="pt-BR" sz="3200" spc="-1" strike="noStrike">
-                <a:solidFill>
-                  <a:srgbClr val="1f4e79"/>
-                </a:solidFill>
-                <a:latin typeface="Arial"/>
-                <a:ea typeface="DejaVu Sans"/>
-              </a:rPr>
-              <a:t>Introduction</a:t>
-            </a:r>
-            <a:r>
-              <a:rPr b="0" lang="pt-BR" sz="3200" spc="-1" strike="noStrike">
-                <a:solidFill>
-                  <a:srgbClr val="1f4e79"/>
-                </a:solidFill>
-                <a:latin typeface="Arial"/>
-                <a:ea typeface="DejaVu Sans"/>
-              </a:rPr>
-              <a:t>. Disponível em: </a:t>
-            </a:r>
-            <a:r>
-              <a:rPr b="0" lang="pt-BR" sz="3200" spc="-1" strike="noStrike" u="sng">
-                <a:solidFill>
-                  <a:srgbClr val="0563c1"/>
-                </a:solidFill>
-                <a:uFillTx/>
-                <a:latin typeface="Arial"/>
-                <a:ea typeface="DejaVu Sans"/>
-                <a:hlinkClick r:id="rId9"/>
-              </a:rPr>
-              <a:t>https://yarnpkg.com/</a:t>
-            </a:r>
-            <a:r>
-              <a:rPr b="0" lang="pt-BR" sz="3200" spc="-1" strike="noStrike" u="sng">
-                <a:solidFill>
-                  <a:srgbClr val="0563c1"/>
-                </a:solidFill>
-                <a:uFillTx/>
-                <a:latin typeface="Arial"/>
-                <a:ea typeface="DejaVu Sans"/>
-                <a:hlinkClick r:id="rId10"/>
-              </a:rPr>
-              <a:t>getting-started</a:t>
-            </a:r>
-            <a:r>
-              <a:rPr b="0" lang="pt-BR" sz="3200" spc="-1" strike="noStrike">
-                <a:solidFill>
-                  <a:srgbClr val="1f4e79"/>
-                </a:solidFill>
-                <a:latin typeface="Arial"/>
-                <a:ea typeface="DejaVu Sans"/>
-              </a:rPr>
-              <a:t>.</a:t>
-            </a:r>
-            <a:endParaRPr b="0" lang="pt-BR" sz="3200" spc="-1" strike="noStrike">
-              <a:latin typeface="Arial"/>
-            </a:endParaRPr>
-          </a:p>
-          <a:p>
-            <a:pPr marL="514440" indent="-511200">
+              <a:tabLst>
+                <a:tab algn="l" pos="0"/>
+              </a:tabLst>
+            </a:pPr>
+            <a:r>
+              <a:rPr b="0" lang="pt-BR" sz="2800" spc="-1" strike="noStrike">
+                <a:solidFill>
+                  <a:srgbClr val="1f4e79"/>
+                </a:solidFill>
+                <a:latin typeface="Courier New"/>
+                <a:ea typeface="DejaVu Sans"/>
+              </a:rPr>
+              <a:t>“</a:t>
+            </a:r>
+            <a:r>
+              <a:rPr b="0" lang="pt-BR" sz="2800" spc="-1" strike="noStrike">
+                <a:solidFill>
+                  <a:srgbClr val="1f4e79"/>
+                </a:solidFill>
+                <a:latin typeface="Courier New"/>
+                <a:ea typeface="DejaVu Sans"/>
+              </a:rPr>
+              <a:t>username”: “progsis”,</a:t>
+            </a:r>
+            <a:endParaRPr b="0" lang="pt-BR" sz="2800" spc="-1" strike="noStrike">
+              <a:latin typeface="Arial"/>
+            </a:endParaRPr>
+          </a:p>
+          <a:p>
+            <a:pPr>
               <a:lnSpc>
                 <a:spcPct val="100000"/>
               </a:lnSpc>
@@ -18405,82 +18781,36 @@
               <a:spcAft>
                 <a:spcPts val="1001"/>
               </a:spcAft>
-              <a:buClr>
-                <a:srgbClr val="1f4e79"/>
-              </a:buClr>
-              <a:buFont typeface="Calibri Light"/>
-              <a:buAutoNum type="arabicPeriod"/>
-            </a:pPr>
-            <a:r>
-              <a:rPr b="0" lang="pt-BR" sz="3200" spc="-1" strike="noStrike">
-                <a:solidFill>
-                  <a:srgbClr val="1f4e79"/>
-                </a:solidFill>
-                <a:latin typeface="Arial"/>
-                <a:ea typeface="DejaVu Sans"/>
-              </a:rPr>
-              <a:t>Yarn. </a:t>
-            </a:r>
-            <a:r>
-              <a:rPr b="1" lang="pt-BR" sz="3200" spc="-1" strike="noStrike">
-                <a:solidFill>
-                  <a:srgbClr val="1f4e79"/>
-                </a:solidFill>
-                <a:latin typeface="Arial"/>
-                <a:ea typeface="DejaVu Sans"/>
-              </a:rPr>
-              <a:t>Installation</a:t>
-            </a:r>
-            <a:r>
-              <a:rPr b="0" lang="pt-BR" sz="3200" spc="-1" strike="noStrike">
-                <a:solidFill>
-                  <a:srgbClr val="1f4e79"/>
-                </a:solidFill>
-                <a:latin typeface="Arial"/>
-                <a:ea typeface="DejaVu Sans"/>
-              </a:rPr>
-              <a:t>. Disponível em: </a:t>
-            </a:r>
-            <a:r>
-              <a:rPr b="0" lang="pt-BR" sz="3200" spc="-1" strike="noStrike" u="sng">
-                <a:solidFill>
-                  <a:srgbClr val="0563c1"/>
-                </a:solidFill>
-                <a:uFillTx/>
-                <a:latin typeface="Arial"/>
-                <a:ea typeface="DejaVu Sans"/>
-                <a:hlinkClick r:id="rId11"/>
-              </a:rPr>
-              <a:t>https://classic.yarnpkg.com/en/docs/</a:t>
-            </a:r>
-            <a:r>
-              <a:rPr b="0" lang="pt-BR" sz="3200" spc="-1" strike="noStrike" u="sng">
-                <a:solidFill>
-                  <a:srgbClr val="0563c1"/>
-                </a:solidFill>
-                <a:uFillTx/>
-                <a:latin typeface="Arial"/>
-                <a:ea typeface="DejaVu Sans"/>
-                <a:hlinkClick r:id="rId12"/>
-              </a:rPr>
-              <a:t>install#windows-stable</a:t>
-            </a:r>
-            <a:r>
-              <a:rPr b="0" lang="pt-BR" sz="3200" spc="-1" strike="noStrike">
-                <a:solidFill>
-                  <a:srgbClr val="1f4e79"/>
-                </a:solidFill>
-                <a:latin typeface="Arial"/>
-                <a:ea typeface="DejaVu Sans"/>
-              </a:rPr>
-              <a:t>.</a:t>
-            </a:r>
-            <a:endParaRPr b="0" lang="pt-BR" sz="3200" spc="-1" strike="noStrike">
-              <a:latin typeface="Arial"/>
-            </a:endParaRPr>
-          </a:p>
-          <a:p>
-            <a:pPr marL="514440" indent="-511200">
+              <a:tabLst>
+                <a:tab algn="l" pos="0"/>
+              </a:tabLst>
+            </a:pPr>
+            <a:r>
+              <a:rPr b="0" lang="pt-BR" sz="2800" spc="-1" strike="noStrike">
+                <a:solidFill>
+                  <a:srgbClr val="1f4e79"/>
+                </a:solidFill>
+                <a:latin typeface="Courier New"/>
+                <a:ea typeface="DejaVu Sans"/>
+              </a:rPr>
+              <a:t>“</a:t>
+            </a:r>
+            <a:r>
+              <a:rPr b="0" lang="pt-BR" sz="2800" spc="-1" strike="noStrike">
+                <a:solidFill>
+                  <a:srgbClr val="1f4e79"/>
+                </a:solidFill>
+                <a:latin typeface="Courier New"/>
+                <a:ea typeface="DejaVu Sans"/>
+              </a:rPr>
+              <a:t>password”: “progsis”,</a:t>
+            </a:r>
+            <a:endParaRPr b="0" lang="pt-BR" sz="2800" spc="-1" strike="noStrike">
+              <a:latin typeface="Arial"/>
+            </a:endParaRPr>
+          </a:p>
+          <a:p>
+            <a:pPr>
               <a:lnSpc>
                 <a:spcPct val="100000"/>
               </a:lnSpc>
@@ -18490,55 +18820,157 @@
               <a:spcAft>
                 <a:spcPts val="1001"/>
               </a:spcAft>
-              <a:buClr>
-                <a:srgbClr val="1f4e79"/>
-              </a:buClr>
-              <a:buFont typeface="Calibri Light"/>
-              <a:buAutoNum type="arabicPeriod"/>
-            </a:pPr>
-            <a:r>
-              <a:rPr b="0" lang="pt-BR" sz="3200" spc="-1" strike="noStrike">
-                <a:solidFill>
-                  <a:srgbClr val="1f4e79"/>
-                </a:solidFill>
-                <a:latin typeface="Arial"/>
-                <a:ea typeface="DejaVu Sans"/>
-              </a:rPr>
-              <a:t>Express. </a:t>
-            </a:r>
-            <a:r>
-              <a:rPr b="1" lang="pt-BR" sz="3200" spc="-1" strike="noStrike">
-                <a:solidFill>
-                  <a:srgbClr val="1f4e79"/>
-                </a:solidFill>
-                <a:latin typeface="Arial"/>
-                <a:ea typeface="DejaVu Sans"/>
-              </a:rPr>
-              <a:t>Installing</a:t>
-            </a:r>
-            <a:r>
-              <a:rPr b="0" lang="pt-BR" sz="3200" spc="-1" strike="noStrike">
-                <a:solidFill>
-                  <a:srgbClr val="1f4e79"/>
-                </a:solidFill>
-                <a:latin typeface="Arial"/>
-                <a:ea typeface="DejaVu Sans"/>
-              </a:rPr>
-              <a:t>. Disponível em: </a:t>
-            </a:r>
-            <a:r>
-              <a:rPr b="0" lang="pt-BR" sz="3200" spc="-1" strike="noStrike" u="sng">
-                <a:solidFill>
-                  <a:srgbClr val="0563c1"/>
-                </a:solidFill>
-                <a:uFillTx/>
-                <a:latin typeface="Arial"/>
-                <a:ea typeface="DejaVu Sans"/>
-                <a:hlinkClick r:id="rId13"/>
-              </a:rPr>
-              <a:t>https://expressjs.com/en/starter/installing.html</a:t>
-            </a:r>
-            <a:endParaRPr b="0" lang="pt-BR" sz="3200" spc="-1" strike="noStrike">
+              <a:tabLst>
+                <a:tab algn="l" pos="0"/>
+              </a:tabLst>
+            </a:pPr>
+            <a:r>
+              <a:rPr b="0" lang="pt-BR" sz="2800" spc="-1" strike="noStrike">
+                <a:solidFill>
+                  <a:srgbClr val="1f4e79"/>
+                </a:solidFill>
+                <a:latin typeface="Courier New"/>
+                <a:ea typeface="DejaVu Sans"/>
+              </a:rPr>
+              <a:t>“</a:t>
+            </a:r>
+            <a:r>
+              <a:rPr b="0" lang="pt-BR" sz="2800" spc="-1" strike="noStrike">
+                <a:solidFill>
+                  <a:srgbClr val="1f4e79"/>
+                </a:solidFill>
+                <a:latin typeface="Courier New"/>
+                <a:ea typeface="DejaVu Sans"/>
+              </a:rPr>
+              <a:t>database”: “progsis”,</a:t>
+            </a:r>
+            <a:endParaRPr b="0" lang="pt-BR" sz="2800" spc="-1" strike="noStrike">
+              <a:latin typeface="Arial"/>
+            </a:endParaRPr>
+          </a:p>
+          <a:p>
+            <a:pPr>
+              <a:lnSpc>
+                <a:spcPct val="100000"/>
+              </a:lnSpc>
+              <a:spcBef>
+                <a:spcPts val="1001"/>
+              </a:spcBef>
+              <a:spcAft>
+                <a:spcPts val="1001"/>
+              </a:spcAft>
+              <a:tabLst>
+                <a:tab algn="l" pos="0"/>
+              </a:tabLst>
+            </a:pPr>
+            <a:r>
+              <a:rPr b="0" lang="pt-BR" sz="2800" spc="-1" strike="noStrike">
+                <a:solidFill>
+                  <a:srgbClr val="1f4e79"/>
+                </a:solidFill>
+                <a:latin typeface="Courier New"/>
+                <a:ea typeface="DejaVu Sans"/>
+              </a:rPr>
+              <a:t>“</a:t>
+            </a:r>
+            <a:r>
+              <a:rPr b="0" lang="pt-BR" sz="2800" spc="-1" strike="noStrike">
+                <a:solidFill>
+                  <a:srgbClr val="1f4e79"/>
+                </a:solidFill>
+                <a:latin typeface="Courier New"/>
+                <a:ea typeface="DejaVu Sans"/>
+              </a:rPr>
+              <a:t>host”: “127.0.0.1”,</a:t>
+            </a:r>
+            <a:endParaRPr b="0" lang="pt-BR" sz="2800" spc="-1" strike="noStrike">
+              <a:latin typeface="Arial"/>
+            </a:endParaRPr>
+          </a:p>
+          <a:p>
+            <a:pPr>
+              <a:lnSpc>
+                <a:spcPct val="100000"/>
+              </a:lnSpc>
+              <a:spcBef>
+                <a:spcPts val="1001"/>
+              </a:spcBef>
+              <a:spcAft>
+                <a:spcPts val="1001"/>
+              </a:spcAft>
+              <a:tabLst>
+                <a:tab algn="l" pos="0"/>
+              </a:tabLst>
+            </a:pPr>
+            <a:r>
+              <a:rPr b="0" lang="pt-BR" sz="2800" spc="-1" strike="noStrike">
+                <a:solidFill>
+                  <a:srgbClr val="1f4e79"/>
+                </a:solidFill>
+                <a:latin typeface="Courier New"/>
+                <a:ea typeface="DejaVu Sans"/>
+              </a:rPr>
+              <a:t>“</a:t>
+            </a:r>
+            <a:r>
+              <a:rPr b="0" lang="pt-BR" sz="2800" spc="-1" strike="noStrike">
+                <a:solidFill>
+                  <a:srgbClr val="1f4e79"/>
+                </a:solidFill>
+                <a:latin typeface="Courier New"/>
+                <a:ea typeface="DejaVu Sans"/>
+              </a:rPr>
+              <a:t>dialect”: “mssql”,</a:t>
+            </a:r>
+            <a:endParaRPr b="0" lang="pt-BR" sz="2800" spc="-1" strike="noStrike">
+              <a:latin typeface="Arial"/>
+            </a:endParaRPr>
+          </a:p>
+          <a:p>
+            <a:pPr>
+              <a:lnSpc>
+                <a:spcPct val="100000"/>
+              </a:lnSpc>
+              <a:spcBef>
+                <a:spcPts val="1001"/>
+              </a:spcBef>
+              <a:spcAft>
+                <a:spcPts val="1001"/>
+              </a:spcAft>
+              <a:tabLst>
+                <a:tab algn="l" pos="0"/>
+              </a:tabLst>
+            </a:pPr>
+            <a:r>
+              <a:rPr b="0" lang="pt-BR" sz="2800" spc="-1" strike="noStrike">
+                <a:solidFill>
+                  <a:srgbClr val="1f4e79"/>
+                </a:solidFill>
+                <a:latin typeface="Courier New"/>
+                <a:ea typeface="DejaVu Sans"/>
+              </a:rPr>
+              <a:t>},</a:t>
+            </a:r>
+            <a:endParaRPr b="0" lang="pt-BR" sz="2800" spc="-1" strike="noStrike">
+              <a:latin typeface="Arial"/>
+            </a:endParaRPr>
+          </a:p>
+          <a:p>
+            <a:pPr algn="ctr">
+              <a:lnSpc>
+                <a:spcPct val="100000"/>
+              </a:lnSpc>
+              <a:spcBef>
+                <a:spcPts val="1001"/>
+              </a:spcBef>
+              <a:spcAft>
+                <a:spcPts val="1001"/>
+              </a:spcAft>
+              <a:tabLst>
+                <a:tab algn="l" pos="0"/>
+              </a:tabLst>
+            </a:pPr>
+            <a:endParaRPr b="0" lang="pt-BR" sz="2800" spc="-1" strike="noStrike">
               <a:latin typeface="Arial"/>
             </a:endParaRPr>
           </a:p>
@@ -18583,7 +19015,7 @@
         <p:spPr>
           <a:xfrm>
             <a:off x="0" y="224280"/>
-            <a:ext cx="12020040" cy="855360"/>
+            <a:ext cx="12019320" cy="854640"/>
           </a:xfrm>
           <a:prstGeom prst="rect">
             <a:avLst/>
@@ -18617,7 +19049,7 @@
                 <a:latin typeface="Arial"/>
                 <a:ea typeface="DejaVu Sans"/>
               </a:rPr>
-              <a:t>Referências</a:t>
+              <a:t>Criando o modelo Product</a:t>
             </a:r>
             <a:endParaRPr b="0" lang="pt-BR" sz="5400" spc="-1" strike="noStrike">
               <a:latin typeface="Arial"/>
@@ -18634,7 +19066,7 @@
         <p:spPr>
           <a:xfrm>
             <a:off x="317520" y="1290960"/>
-            <a:ext cx="11702160" cy="4348080"/>
+            <a:ext cx="11701440" cy="4347360"/>
           </a:xfrm>
           <a:prstGeom prst="rect">
             <a:avLst/>
@@ -18655,7 +19087,7 @@
             <a:normAutofit/>
           </a:bodyPr>
           <a:p>
-            <a:pPr marL="516240" indent="-513000">
+            <a:pPr algn="ctr">
               <a:lnSpc>
                 <a:spcPct val="100000"/>
               </a:lnSpc>
@@ -18665,11 +19097,9 @@
               <a:spcAft>
                 <a:spcPts val="1001"/>
               </a:spcAft>
-              <a:buClr>
-                <a:srgbClr val="1f4e79"/>
-              </a:buClr>
-              <a:buFont typeface="Arial"/>
-              <a:buAutoNum type="arabicPeriod" startAt="6"/>
+              <a:tabLst>
+                <a:tab algn="l" pos="0"/>
+              </a:tabLst>
             </a:pPr>
             <a:r>
               <a:rPr b="0" lang="pt-BR" sz="3200" spc="-1" strike="noStrike">
@@ -18679,46 +19109,14 @@
                 <a:latin typeface="Arial"/>
                 <a:ea typeface="DejaVu Sans"/>
               </a:rPr>
-              <a:t>NPM. </a:t>
-            </a:r>
-            <a:r>
-              <a:rPr b="1" lang="pt-BR" sz="3200" spc="-1" strike="noStrike">
-                <a:solidFill>
-                  <a:srgbClr val="1f4e79"/>
-                </a:solidFill>
-                <a:latin typeface="Arial"/>
-                <a:ea typeface="DejaVu Sans"/>
-              </a:rPr>
-              <a:t>Nodemon</a:t>
-            </a:r>
-            <a:r>
-              <a:rPr b="0" lang="pt-BR" sz="3200" spc="-1" strike="noStrike">
-                <a:solidFill>
-                  <a:srgbClr val="1f4e79"/>
-                </a:solidFill>
-                <a:latin typeface="Arial"/>
-                <a:ea typeface="DejaVu Sans"/>
-              </a:rPr>
-              <a:t>. Disponível em: </a:t>
-            </a:r>
-            <a:r>
-              <a:rPr b="0" lang="pt-BR" sz="3200" spc="-1" strike="noStrike" u="sng">
-                <a:solidFill>
-                  <a:srgbClr val="0563c1"/>
-                </a:solidFill>
-                <a:uFillTx/>
-                <a:latin typeface="Arial"/>
-                <a:ea typeface="DejaVu Sans"/>
-                <a:hlinkClick r:id="rId1"/>
-              </a:rPr>
-              <a:t>https://www.npmjs.com/package/nodemon</a:t>
+              <a:t>Informar os dados o database no arquivo config/config.json:</a:t>
             </a:r>
             <a:endParaRPr b="0" lang="pt-BR" sz="3200" spc="-1" strike="noStrike">
               <a:latin typeface="Arial"/>
             </a:endParaRPr>
           </a:p>
           <a:p>
-            <a:pPr marL="516240" indent="-513000">
+            <a:pPr>
               <a:lnSpc>
                 <a:spcPct val="100000"/>
               </a:lnSpc>
@@ -18728,130 +19126,26 @@
               <a:spcAft>
                 <a:spcPts val="1001"/>
               </a:spcAft>
-              <a:buClr>
-                <a:srgbClr val="1f4e79"/>
-              </a:buClr>
-              <a:buFont typeface="Arial"/>
-              <a:buAutoNum type="arabicPeriod" startAt="6"/>
-            </a:pPr>
-            <a:r>
-              <a:rPr b="0" lang="pt-BR" sz="3200" spc="-1" strike="noStrike">
-                <a:solidFill>
-                  <a:srgbClr val="1f4e79"/>
-                </a:solidFill>
-                <a:latin typeface="Arial"/>
-                <a:ea typeface="DejaVu Sans"/>
-              </a:rPr>
-              <a:t>MDN Web Docs Mozilla. </a:t>
-            </a:r>
-            <a:r>
-              <a:rPr b="1" lang="pt-BR" sz="3200" spc="-1" strike="noStrike">
-                <a:solidFill>
-                  <a:srgbClr val="1f4e79"/>
-                </a:solidFill>
-                <a:latin typeface="Arial"/>
-                <a:ea typeface="DejaVu Sans"/>
-              </a:rPr>
-              <a:t>Métodos de requisição HTTP</a:t>
-            </a:r>
-            <a:r>
-              <a:rPr b="0" lang="pt-BR" sz="3200" spc="-1" strike="noStrike">
-                <a:solidFill>
-                  <a:srgbClr val="1f4e79"/>
-                </a:solidFill>
-                <a:latin typeface="Arial"/>
-                <a:ea typeface="DejaVu Sans"/>
-              </a:rPr>
-              <a:t>. Disponível em: </a:t>
-            </a:r>
-            <a:r>
-              <a:rPr b="0" lang="pt-BR" sz="3200" spc="-1" strike="noStrike" u="sng">
-                <a:solidFill>
-                  <a:srgbClr val="0563c1"/>
-                </a:solidFill>
-                <a:uFillTx/>
-                <a:latin typeface="Arial"/>
-                <a:ea typeface="DejaVu Sans"/>
-                <a:hlinkClick r:id="rId2"/>
-              </a:rPr>
-              <a:t>https://developer.mozilla.org/</a:t>
-            </a:r>
-            <a:r>
-              <a:rPr b="0" lang="pt-BR" sz="3200" spc="-1" strike="noStrike" u="sng">
-                <a:solidFill>
-                  <a:srgbClr val="0563c1"/>
-                </a:solidFill>
-                <a:uFillTx/>
-                <a:latin typeface="Arial"/>
-                <a:ea typeface="DejaVu Sans"/>
-                <a:hlinkClick r:id="rId3"/>
-              </a:rPr>
-              <a:t>pt</a:t>
-            </a:r>
-            <a:r>
-              <a:rPr b="0" lang="pt-BR" sz="3200" spc="-1" strike="noStrike" u="sng">
-                <a:solidFill>
-                  <a:srgbClr val="0563c1"/>
-                </a:solidFill>
-                <a:uFillTx/>
-                <a:latin typeface="Arial"/>
-                <a:ea typeface="DejaVu Sans"/>
-                <a:hlinkClick r:id="rId4"/>
-              </a:rPr>
-              <a:t>-BR/</a:t>
-            </a:r>
-            <a:r>
-              <a:rPr b="0" lang="pt-BR" sz="3200" spc="-1" strike="noStrike" u="sng">
-                <a:solidFill>
-                  <a:srgbClr val="0563c1"/>
-                </a:solidFill>
-                <a:uFillTx/>
-                <a:latin typeface="Arial"/>
-                <a:ea typeface="DejaVu Sans"/>
-                <a:hlinkClick r:id="rId5"/>
-              </a:rPr>
-              <a:t>docs</a:t>
-            </a:r>
-            <a:r>
-              <a:rPr b="0" lang="pt-BR" sz="3200" spc="-1" strike="noStrike" u="sng">
-                <a:solidFill>
-                  <a:srgbClr val="0563c1"/>
-                </a:solidFill>
-                <a:uFillTx/>
-                <a:latin typeface="Arial"/>
-                <a:ea typeface="DejaVu Sans"/>
-                <a:hlinkClick r:id="rId6"/>
-              </a:rPr>
-              <a:t>/Web/HTTP/</a:t>
-            </a:r>
-            <a:r>
-              <a:rPr b="0" lang="pt-BR" sz="3200" spc="-1" strike="noStrike" u="sng">
-                <a:solidFill>
-                  <a:srgbClr val="0563c1"/>
-                </a:solidFill>
-                <a:uFillTx/>
-                <a:latin typeface="Arial"/>
-                <a:ea typeface="DejaVu Sans"/>
-                <a:hlinkClick r:id="rId7"/>
-              </a:rPr>
-              <a:t>Methods</a:t>
-            </a:r>
-            <a:r>
-              <a:rPr b="0" lang="pt-BR" sz="3200" spc="-1" strike="noStrike">
-                <a:solidFill>
-                  <a:srgbClr val="1f4e79"/>
-                </a:solidFill>
-                <a:latin typeface="Arial"/>
-                <a:ea typeface="DejaVu Sans"/>
-              </a:rPr>
-              <a:t>.</a:t>
-            </a:r>
-            <a:endParaRPr b="0" lang="pt-BR" sz="3200" spc="-1" strike="noStrike">
-              <a:latin typeface="Arial"/>
-            </a:endParaRPr>
-          </a:p>
-          <a:p>
-            <a:pPr marL="516240" indent="-513000">
+              <a:tabLst>
+                <a:tab algn="l" pos="0"/>
+              </a:tabLst>
+            </a:pPr>
+            <a:r>
+              <a:rPr b="0" lang="pt-BR" sz="2800" spc="-1" strike="noStrike">
+                <a:solidFill>
+                  <a:srgbClr val="1f4e79"/>
+                </a:solidFill>
+                <a:latin typeface="Courier New"/>
+                <a:ea typeface="DejaVu Sans"/>
+              </a:rPr>
+              <a:t>npx sequelize-cli model:generate --name Tarefa --attributes nome:string,desc:string,status:boolean</a:t>
+            </a:r>
+            <a:endParaRPr b="0" lang="pt-BR" sz="2800" spc="-1" strike="noStrike">
+              <a:latin typeface="Arial"/>
+            </a:endParaRPr>
+          </a:p>
+          <a:p>
+            <a:pPr algn="ctr">
               <a:lnSpc>
                 <a:spcPct val="100000"/>
               </a:lnSpc>
@@ -18861,103 +19155,11 @@
               <a:spcAft>
                 <a:spcPts val="1001"/>
               </a:spcAft>
-              <a:buClr>
-                <a:srgbClr val="1f4e79"/>
-              </a:buClr>
-              <a:buFont typeface="Arial"/>
-              <a:buAutoNum type="arabicPeriod" startAt="6"/>
-            </a:pPr>
-            <a:r>
-              <a:rPr b="0" lang="pt-BR" sz="3200" spc="-1" strike="noStrike">
-                <a:solidFill>
-                  <a:srgbClr val="1f4e79"/>
-                </a:solidFill>
-                <a:latin typeface="Arial"/>
-                <a:ea typeface="DejaVu Sans"/>
-              </a:rPr>
-              <a:t>Insomnia. </a:t>
-            </a:r>
-            <a:r>
-              <a:rPr b="1" lang="pt-BR" sz="3200" spc="-1" strike="noStrike">
-                <a:solidFill>
-                  <a:srgbClr val="1f4e79"/>
-                </a:solidFill>
-                <a:latin typeface="Arial"/>
-                <a:ea typeface="DejaVu Sans"/>
-              </a:rPr>
-              <a:t>Download Insomnia</a:t>
-            </a:r>
-            <a:r>
-              <a:rPr b="0" lang="pt-BR" sz="3200" spc="-1" strike="noStrike">
-                <a:solidFill>
-                  <a:srgbClr val="1f4e79"/>
-                </a:solidFill>
-                <a:latin typeface="Arial"/>
-                <a:ea typeface="DejaVu Sans"/>
-              </a:rPr>
-              <a:t>. Disponível em: </a:t>
-            </a:r>
-            <a:r>
-              <a:rPr b="0" lang="pt-BR" sz="3200" spc="-1" strike="noStrike" u="sng">
-                <a:solidFill>
-                  <a:srgbClr val="0563c1"/>
-                </a:solidFill>
-                <a:uFillTx/>
-                <a:latin typeface="Arial"/>
-                <a:ea typeface="DejaVu Sans"/>
-                <a:hlinkClick r:id="rId8"/>
-              </a:rPr>
-              <a:t>https://insomnia.rest/download</a:t>
-            </a:r>
-            <a:endParaRPr b="0" lang="pt-BR" sz="3200" spc="-1" strike="noStrike">
-              <a:latin typeface="Arial"/>
-            </a:endParaRPr>
-          </a:p>
-          <a:p>
-            <a:pPr>
-              <a:lnSpc>
-                <a:spcPct val="100000"/>
-              </a:lnSpc>
-              <a:spcBef>
-                <a:spcPts val="1001"/>
-              </a:spcBef>
-              <a:spcAft>
-                <a:spcPts val="1001"/>
-              </a:spcAft>
-            </a:pPr>
-            <a:endParaRPr b="0" lang="pt-BR" sz="3200" spc="-1" strike="noStrike">
-              <a:latin typeface="Arial"/>
-            </a:endParaRPr>
-          </a:p>
-          <a:p>
-            <a:pPr marL="1800">
-              <a:lnSpc>
-                <a:spcPct val="100000"/>
-              </a:lnSpc>
-              <a:spcBef>
-                <a:spcPts val="1001"/>
-              </a:spcBef>
-              <a:spcAft>
-                <a:spcPts val="1001"/>
-              </a:spcAft>
-            </a:pPr>
-            <a:endParaRPr b="0" lang="pt-BR" sz="3200" spc="-1" strike="noStrike">
-              <a:latin typeface="Arial"/>
-            </a:endParaRPr>
-          </a:p>
-          <a:p>
-            <a:pPr marL="1800">
-              <a:lnSpc>
-                <a:spcPct val="100000"/>
-              </a:lnSpc>
-              <a:spcBef>
-                <a:spcPts val="1001"/>
-              </a:spcBef>
-              <a:spcAft>
-                <a:spcPts val="1001"/>
-              </a:spcAft>
-            </a:pPr>
-            <a:endParaRPr b="0" lang="pt-BR" sz="3200" spc="-1" strike="noStrike">
+              <a:tabLst>
+                <a:tab algn="l" pos="0"/>
+              </a:tabLst>
+            </a:pPr>
+            <a:endParaRPr b="0" lang="pt-BR" sz="2800" spc="-1" strike="noStrike">
               <a:latin typeface="Arial"/>
             </a:endParaRPr>
           </a:p>
@@ -19002,7 +19204,7 @@
         <p:spPr>
           <a:xfrm>
             <a:off x="0" y="224280"/>
-            <a:ext cx="12020040" cy="855360"/>
+            <a:ext cx="12019320" cy="854640"/>
           </a:xfrm>
           <a:prstGeom prst="rect">
             <a:avLst/>
@@ -19036,7 +19238,7 @@
                 <a:latin typeface="Arial"/>
                 <a:ea typeface="DejaVu Sans"/>
               </a:rPr>
-              <a:t>Referências</a:t>
+              <a:t>ORM: Sequelize</a:t>
             </a:r>
             <a:endParaRPr b="0" lang="pt-BR" sz="5400" spc="-1" strike="noStrike">
               <a:latin typeface="Arial"/>
@@ -19053,7 +19255,7 @@
         <p:spPr>
           <a:xfrm>
             <a:off x="317520" y="1290960"/>
-            <a:ext cx="11702160" cy="4348080"/>
+            <a:ext cx="11701440" cy="4347360"/>
           </a:xfrm>
           <a:prstGeom prst="rect">
             <a:avLst/>
@@ -19074,7 +19276,1350 @@
             <a:normAutofit/>
           </a:bodyPr>
           <a:p>
-            <a:pPr marL="516240" indent="-513000">
+            <a:pPr algn="ctr">
+              <a:lnSpc>
+                <a:spcPct val="100000"/>
+              </a:lnSpc>
+              <a:spcBef>
+                <a:spcPts val="1001"/>
+              </a:spcBef>
+              <a:spcAft>
+                <a:spcPts val="1001"/>
+              </a:spcAft>
+              <a:tabLst>
+                <a:tab algn="l" pos="0"/>
+              </a:tabLst>
+            </a:pPr>
+            <a:r>
+              <a:rPr b="0" lang="pt-BR" sz="3200" spc="-1" strike="noStrike" u="sng">
+                <a:solidFill>
+                  <a:srgbClr val="0563c1"/>
+                </a:solidFill>
+                <a:uFillTx/>
+                <a:latin typeface="Arial"/>
+                <a:ea typeface="DejaVu Sans"/>
+                <a:hlinkClick r:id="rId1"/>
+              </a:rPr>
+              <a:t>https://sequelize.org/master/manual/getting-started.html</a:t>
+            </a:r>
+            <a:endParaRPr b="0" lang="pt-BR" sz="3200" spc="-1" strike="noStrike">
+              <a:latin typeface="Arial"/>
+            </a:endParaRPr>
+          </a:p>
+          <a:p>
+            <a:pPr algn="ctr">
+              <a:lnSpc>
+                <a:spcPct val="100000"/>
+              </a:lnSpc>
+              <a:spcBef>
+                <a:spcPts val="1001"/>
+              </a:spcBef>
+              <a:spcAft>
+                <a:spcPts val="1001"/>
+              </a:spcAft>
+              <a:tabLst>
+                <a:tab algn="l" pos="0"/>
+              </a:tabLst>
+            </a:pPr>
+            <a:r>
+              <a:rPr b="0" lang="pt-BR" sz="3200" spc="-1" strike="noStrike">
+                <a:solidFill>
+                  <a:srgbClr val="1f4e79"/>
+                </a:solidFill>
+                <a:latin typeface="Arial"/>
+                <a:ea typeface="DejaVu Sans"/>
+              </a:rPr>
+              <a:t>https://levelup.gitconnected.com/creating-sequelize-associations-with-the-sequelize-cli-tool-d83caa902233</a:t>
+            </a:r>
+            <a:endParaRPr b="0" lang="pt-BR" sz="3200" spc="-1" strike="noStrike">
+              <a:latin typeface="Arial"/>
+            </a:endParaRPr>
+          </a:p>
+          <a:p>
+            <a:pPr algn="ctr">
+              <a:lnSpc>
+                <a:spcPct val="100000"/>
+              </a:lnSpc>
+              <a:spcBef>
+                <a:spcPts val="1001"/>
+              </a:spcBef>
+              <a:spcAft>
+                <a:spcPts val="1001"/>
+              </a:spcAft>
+              <a:tabLst>
+                <a:tab algn="l" pos="0"/>
+              </a:tabLst>
+            </a:pPr>
+            <a:endParaRPr b="0" lang="pt-BR" sz="3200" spc="-1" strike="noStrike">
+              <a:latin typeface="Arial"/>
+            </a:endParaRPr>
+          </a:p>
+        </p:txBody>
+      </p:sp>
+    </p:spTree>
+  </p:cSld>
+  <mc:AlternateContent>
+    <mc:Choice Requires="p14">
+      <p:transition spd="slow" p14:dur="2000"/>
+    </mc:Choice>
+    <mc:Fallback>
+      <p:transition spd="slow"/>
+    </mc:Fallback>
+  </mc:AlternateContent>
+</p:sld>
+</file>
+
+<file path=ppt/slides/slide43.xml><?xml version="1.0" encoding="utf-8"?>
+<p:sld xmlns:a="http://schemas.openxmlformats.org/drawingml/2006/main" xmlns:p="http://schemas.openxmlformats.org/presentationml/2006/main" xmlns:r="http://schemas.openxmlformats.org/officeDocument/2006/relationships" xmlns:p14="http://schemas.microsoft.com/office/powerpoint/2010/main" xmlns:p15="http://schemas.microsoft.com/office/powerpoint/2012/main" xmlns:mc="http://schemas.openxmlformats.org/markup-compatibility/2006">
+  <p:cSld>
+    <p:spTree>
+      <p:nvGrpSpPr>
+        <p:cNvPr id="1" name=""/>
+        <p:cNvGrpSpPr/>
+        <p:nvPr/>
+      </p:nvGrpSpPr>
+      <p:grpSpPr>
+        <a:xfrm>
+          <a:off x="0" y="0"/>
+          <a:ext cx="0" cy="0"/>
+          <a:chOff x="0" y="0"/>
+          <a:chExt cx="0" cy="0"/>
+        </a:xfrm>
+      </p:grpSpPr>
+      <p:sp>
+        <p:nvSpPr>
+          <p:cNvPr id="173" name="CustomShape 1"/>
+          <p:cNvSpPr/>
+          <p:nvPr/>
+        </p:nvSpPr>
+        <p:spPr>
+          <a:xfrm>
+            <a:off x="0" y="224280"/>
+            <a:ext cx="12019320" cy="854640"/>
+          </a:xfrm>
+          <a:prstGeom prst="rect">
+            <a:avLst/>
+          </a:prstGeom>
+          <a:noFill/>
+          <a:ln>
+            <a:noFill/>
+          </a:ln>
+        </p:spPr>
+        <p:style>
+          <a:lnRef idx="0"/>
+          <a:fillRef idx="0"/>
+          <a:effectRef idx="0"/>
+          <a:fontRef idx="minor"/>
+        </p:style>
+        <p:txBody>
+          <a:bodyPr lIns="90000" rIns="90000" tIns="45000" bIns="45000" anchor="ctr">
+            <a:noAutofit/>
+          </a:bodyPr>
+          <a:p>
+            <a:pPr algn="ctr">
+              <a:lnSpc>
+                <a:spcPct val="90000"/>
+              </a:lnSpc>
+            </a:pPr>
+            <a:r>
+              <a:rPr b="0" lang="pt-BR" sz="5400" spc="-1" strike="noStrike">
+                <a:solidFill>
+                  <a:srgbClr val="1f4e79"/>
+                </a:solidFill>
+                <a:latin typeface="Arial"/>
+                <a:ea typeface="DejaVu Sans"/>
+              </a:rPr>
+              <a:t>Middleware</a:t>
+            </a:r>
+            <a:endParaRPr b="0" lang="pt-BR" sz="5400" spc="-1" strike="noStrike">
+              <a:latin typeface="Arial"/>
+            </a:endParaRPr>
+          </a:p>
+        </p:txBody>
+      </p:sp>
+      <p:sp>
+        <p:nvSpPr>
+          <p:cNvPr id="174" name="CustomShape 2"/>
+          <p:cNvSpPr/>
+          <p:nvPr/>
+        </p:nvSpPr>
+        <p:spPr>
+          <a:xfrm>
+            <a:off x="317520" y="1290960"/>
+            <a:ext cx="11701440" cy="4347360"/>
+          </a:xfrm>
+          <a:prstGeom prst="rect">
+            <a:avLst/>
+          </a:prstGeom>
+          <a:noFill/>
+          <a:ln>
+            <a:noFill/>
+          </a:ln>
+        </p:spPr>
+        <p:style>
+          <a:lnRef idx="0"/>
+          <a:fillRef idx="0"/>
+          <a:effectRef idx="0"/>
+          <a:fontRef idx="minor"/>
+        </p:style>
+        <p:txBody>
+          <a:bodyPr lIns="90000" rIns="90000" tIns="45000" bIns="45000">
+            <a:normAutofit/>
+          </a:bodyPr>
+          <a:p>
+            <a:pPr algn="ctr">
+              <a:lnSpc>
+                <a:spcPct val="100000"/>
+              </a:lnSpc>
+              <a:spcBef>
+                <a:spcPts val="1001"/>
+              </a:spcBef>
+              <a:spcAft>
+                <a:spcPts val="1001"/>
+              </a:spcAft>
+              <a:tabLst>
+                <a:tab algn="l" pos="0"/>
+              </a:tabLst>
+            </a:pPr>
+            <a:r>
+              <a:rPr b="0" lang="pt-BR" sz="3200" spc="-1" strike="noStrike">
+                <a:solidFill>
+                  <a:srgbClr val="1f4e79"/>
+                </a:solidFill>
+                <a:latin typeface="Arial"/>
+                <a:ea typeface="DejaVu Sans"/>
+              </a:rPr>
+              <a:t>São scripts que podem ser executados entre a comunicação de outros 2 serviços distintos.</a:t>
+            </a:r>
+            <a:endParaRPr b="0" lang="pt-BR" sz="3200" spc="-1" strike="noStrike">
+              <a:latin typeface="Arial"/>
+            </a:endParaRPr>
+          </a:p>
+          <a:p>
+            <a:pPr algn="ctr">
+              <a:lnSpc>
+                <a:spcPct val="100000"/>
+              </a:lnSpc>
+              <a:spcBef>
+                <a:spcPts val="1001"/>
+              </a:spcBef>
+              <a:spcAft>
+                <a:spcPts val="1001"/>
+              </a:spcAft>
+              <a:tabLst>
+                <a:tab algn="l" pos="0"/>
+              </a:tabLst>
+            </a:pPr>
+            <a:r>
+              <a:rPr b="0" lang="pt-BR" sz="3200" spc="-1" strike="noStrike">
+                <a:solidFill>
+                  <a:srgbClr val="1f4e79"/>
+                </a:solidFill>
+                <a:latin typeface="Arial"/>
+                <a:ea typeface="DejaVu Sans"/>
+              </a:rPr>
+              <a:t>Ele pode verificar e/ou manipular os dados antes da tarefa em execução prosseguir, ou mudar o fluxo da tarefa.</a:t>
+            </a:r>
+            <a:endParaRPr b="0" lang="pt-BR" sz="3200" spc="-1" strike="noStrike">
+              <a:latin typeface="Arial"/>
+            </a:endParaRPr>
+          </a:p>
+        </p:txBody>
+      </p:sp>
+    </p:spTree>
+  </p:cSld>
+  <mc:AlternateContent>
+    <mc:Choice Requires="p14">
+      <p:transition spd="slow" p14:dur="2000"/>
+    </mc:Choice>
+    <mc:Fallback>
+      <p:transition spd="slow"/>
+    </mc:Fallback>
+  </mc:AlternateContent>
+</p:sld>
+</file>
+
+<file path=ppt/slides/slide44.xml><?xml version="1.0" encoding="utf-8"?>
+<p:sld xmlns:a="http://schemas.openxmlformats.org/drawingml/2006/main" xmlns:p="http://schemas.openxmlformats.org/presentationml/2006/main" xmlns:r="http://schemas.openxmlformats.org/officeDocument/2006/relationships" xmlns:p14="http://schemas.microsoft.com/office/powerpoint/2010/main" xmlns:p15="http://schemas.microsoft.com/office/powerpoint/2012/main" xmlns:mc="http://schemas.openxmlformats.org/markup-compatibility/2006">
+  <p:cSld>
+    <p:spTree>
+      <p:nvGrpSpPr>
+        <p:cNvPr id="1" name=""/>
+        <p:cNvGrpSpPr/>
+        <p:nvPr/>
+      </p:nvGrpSpPr>
+      <p:grpSpPr>
+        <a:xfrm>
+          <a:off x="0" y="0"/>
+          <a:ext cx="0" cy="0"/>
+          <a:chOff x="0" y="0"/>
+          <a:chExt cx="0" cy="0"/>
+        </a:xfrm>
+      </p:grpSpPr>
+      <p:sp>
+        <p:nvSpPr>
+          <p:cNvPr id="175" name="CustomShape 1"/>
+          <p:cNvSpPr/>
+          <p:nvPr/>
+        </p:nvSpPr>
+        <p:spPr>
+          <a:xfrm>
+            <a:off x="0" y="224280"/>
+            <a:ext cx="12019320" cy="854640"/>
+          </a:xfrm>
+          <a:prstGeom prst="rect">
+            <a:avLst/>
+          </a:prstGeom>
+          <a:noFill/>
+          <a:ln>
+            <a:noFill/>
+          </a:ln>
+        </p:spPr>
+        <p:style>
+          <a:lnRef idx="0"/>
+          <a:fillRef idx="0"/>
+          <a:effectRef idx="0"/>
+          <a:fontRef idx="minor"/>
+        </p:style>
+        <p:txBody>
+          <a:bodyPr lIns="90000" rIns="90000" tIns="45000" bIns="45000" anchor="ctr">
+            <a:noAutofit/>
+          </a:bodyPr>
+          <a:p>
+            <a:pPr algn="ctr">
+              <a:lnSpc>
+                <a:spcPct val="90000"/>
+              </a:lnSpc>
+            </a:pPr>
+            <a:r>
+              <a:rPr b="0" lang="pt-BR" sz="5400" spc="-1" strike="noStrike">
+                <a:solidFill>
+                  <a:srgbClr val="1f4e79"/>
+                </a:solidFill>
+                <a:latin typeface="Arial"/>
+                <a:ea typeface="DejaVu Sans"/>
+              </a:rPr>
+              <a:t>Referências</a:t>
+            </a:r>
+            <a:endParaRPr b="0" lang="pt-BR" sz="5400" spc="-1" strike="noStrike">
+              <a:latin typeface="Arial"/>
+            </a:endParaRPr>
+          </a:p>
+        </p:txBody>
+      </p:sp>
+      <p:sp>
+        <p:nvSpPr>
+          <p:cNvPr id="176" name="CustomShape 2"/>
+          <p:cNvSpPr/>
+          <p:nvPr/>
+        </p:nvSpPr>
+        <p:spPr>
+          <a:xfrm>
+            <a:off x="317520" y="1290960"/>
+            <a:ext cx="11701440" cy="4347360"/>
+          </a:xfrm>
+          <a:prstGeom prst="rect">
+            <a:avLst/>
+          </a:prstGeom>
+          <a:noFill/>
+          <a:ln>
+            <a:noFill/>
+          </a:ln>
+        </p:spPr>
+        <p:style>
+          <a:lnRef idx="0"/>
+          <a:fillRef idx="0"/>
+          <a:effectRef idx="0"/>
+          <a:fontRef idx="minor"/>
+        </p:style>
+        <p:txBody>
+          <a:bodyPr lIns="90000" rIns="90000" tIns="45000" bIns="45000">
+            <a:normAutofit fontScale="74000"/>
+          </a:bodyPr>
+          <a:p>
+            <a:pPr marL="514440" indent="-510480">
+              <a:lnSpc>
+                <a:spcPct val="100000"/>
+              </a:lnSpc>
+              <a:spcBef>
+                <a:spcPts val="1001"/>
+              </a:spcBef>
+              <a:spcAft>
+                <a:spcPts val="1001"/>
+              </a:spcAft>
+              <a:buClr>
+                <a:srgbClr val="1f4e79"/>
+              </a:buClr>
+              <a:buFont typeface="Calibri Light"/>
+              <a:buAutoNum type="arabicPeriod"/>
+            </a:pPr>
+            <a:r>
+              <a:rPr b="0" lang="pt-BR" sz="3200" spc="-1" strike="noStrike">
+                <a:solidFill>
+                  <a:srgbClr val="1f4e79"/>
+                </a:solidFill>
+                <a:latin typeface="Arial"/>
+                <a:ea typeface="DejaVu Sans"/>
+              </a:rPr>
+              <a:t>Node.js. </a:t>
+            </a:r>
+            <a:r>
+              <a:rPr b="1" lang="pt-BR" sz="3200" spc="-1" strike="noStrike">
+                <a:solidFill>
+                  <a:srgbClr val="1f4e79"/>
+                </a:solidFill>
+                <a:latin typeface="Arial"/>
+                <a:ea typeface="DejaVu Sans"/>
+              </a:rPr>
+              <a:t>About</a:t>
+            </a:r>
+            <a:r>
+              <a:rPr b="0" lang="pt-BR" sz="3200" spc="-1" strike="noStrike">
+                <a:solidFill>
+                  <a:srgbClr val="1f4e79"/>
+                </a:solidFill>
+                <a:latin typeface="Arial"/>
+                <a:ea typeface="DejaVu Sans"/>
+              </a:rPr>
+              <a:t>. Disponível em: </a:t>
+            </a:r>
+            <a:r>
+              <a:rPr b="0" lang="pt-BR" sz="3200" spc="-1" strike="noStrike" u="sng">
+                <a:solidFill>
+                  <a:srgbClr val="0563c1"/>
+                </a:solidFill>
+                <a:uFillTx/>
+                <a:latin typeface="Arial"/>
+                <a:ea typeface="DejaVu Sans"/>
+                <a:hlinkClick r:id="rId1"/>
+              </a:rPr>
+              <a:t>https://nodejs.org/</a:t>
+            </a:r>
+            <a:r>
+              <a:rPr b="0" lang="pt-BR" sz="3200" spc="-1" strike="noStrike" u="sng">
+                <a:solidFill>
+                  <a:srgbClr val="0563c1"/>
+                </a:solidFill>
+                <a:uFillTx/>
+                <a:latin typeface="Arial"/>
+                <a:ea typeface="DejaVu Sans"/>
+                <a:hlinkClick r:id="rId2"/>
+              </a:rPr>
+              <a:t>en</a:t>
+            </a:r>
+            <a:r>
+              <a:rPr b="0" lang="pt-BR" sz="3200" spc="-1" strike="noStrike" u="sng">
+                <a:solidFill>
+                  <a:srgbClr val="0563c1"/>
+                </a:solidFill>
+                <a:uFillTx/>
+                <a:latin typeface="Arial"/>
+                <a:ea typeface="DejaVu Sans"/>
+                <a:hlinkClick r:id="rId3"/>
+              </a:rPr>
+              <a:t>/</a:t>
+            </a:r>
+            <a:r>
+              <a:rPr b="0" lang="pt-BR" sz="3200" spc="-1" strike="noStrike" u="sng">
+                <a:solidFill>
+                  <a:srgbClr val="0563c1"/>
+                </a:solidFill>
+                <a:uFillTx/>
+                <a:latin typeface="Arial"/>
+                <a:ea typeface="DejaVu Sans"/>
+                <a:hlinkClick r:id="rId4"/>
+              </a:rPr>
+              <a:t>about</a:t>
+            </a:r>
+            <a:r>
+              <a:rPr b="0" lang="pt-BR" sz="3200" spc="-1" strike="noStrike" u="sng">
+                <a:solidFill>
+                  <a:srgbClr val="0563c1"/>
+                </a:solidFill>
+                <a:uFillTx/>
+                <a:latin typeface="Arial"/>
+                <a:ea typeface="DejaVu Sans"/>
+                <a:hlinkClick r:id="rId5"/>
+              </a:rPr>
+              <a:t>/</a:t>
+            </a:r>
+            <a:r>
+              <a:rPr b="0" lang="pt-BR" sz="3200" spc="-1" strike="noStrike">
+                <a:solidFill>
+                  <a:srgbClr val="1f4e79"/>
+                </a:solidFill>
+                <a:latin typeface="Arial"/>
+                <a:ea typeface="DejaVu Sans"/>
+              </a:rPr>
+              <a:t>.</a:t>
+            </a:r>
+            <a:endParaRPr b="0" lang="pt-BR" sz="3200" spc="-1" strike="noStrike">
+              <a:latin typeface="Arial"/>
+            </a:endParaRPr>
+          </a:p>
+          <a:p>
+            <a:pPr marL="514440" indent="-510480">
+              <a:lnSpc>
+                <a:spcPct val="100000"/>
+              </a:lnSpc>
+              <a:spcBef>
+                <a:spcPts val="1001"/>
+              </a:spcBef>
+              <a:spcAft>
+                <a:spcPts val="1001"/>
+              </a:spcAft>
+              <a:buClr>
+                <a:srgbClr val="1f4e79"/>
+              </a:buClr>
+              <a:buFont typeface="Calibri Light"/>
+              <a:buAutoNum type="arabicPeriod"/>
+            </a:pPr>
+            <a:r>
+              <a:rPr b="0" lang="pt-BR" sz="3200" spc="-1" strike="noStrike">
+                <a:solidFill>
+                  <a:srgbClr val="1f4e79"/>
+                </a:solidFill>
+                <a:latin typeface="Arial"/>
+                <a:ea typeface="DejaVu Sans"/>
+              </a:rPr>
+              <a:t>Node.js. </a:t>
+            </a:r>
+            <a:r>
+              <a:rPr b="1" lang="pt-BR" sz="3200" spc="-1" strike="noStrike">
+                <a:solidFill>
+                  <a:srgbClr val="1f4e79"/>
+                </a:solidFill>
+                <a:latin typeface="Arial"/>
+                <a:ea typeface="DejaVu Sans"/>
+              </a:rPr>
+              <a:t>Download</a:t>
+            </a:r>
+            <a:r>
+              <a:rPr b="0" lang="pt-BR" sz="3200" spc="-1" strike="noStrike">
+                <a:solidFill>
+                  <a:srgbClr val="1f4e79"/>
+                </a:solidFill>
+                <a:latin typeface="Arial"/>
+                <a:ea typeface="DejaVu Sans"/>
+              </a:rPr>
+              <a:t>. Disponível em: </a:t>
+            </a:r>
+            <a:r>
+              <a:rPr b="0" lang="pt-BR" sz="3200" spc="-1" strike="noStrike" u="sng">
+                <a:solidFill>
+                  <a:srgbClr val="0563c1"/>
+                </a:solidFill>
+                <a:uFillTx/>
+                <a:latin typeface="Arial"/>
+                <a:ea typeface="DejaVu Sans"/>
+                <a:hlinkClick r:id="rId6"/>
+              </a:rPr>
+              <a:t>https://nodejs.org/</a:t>
+            </a:r>
+            <a:r>
+              <a:rPr b="0" lang="pt-BR" sz="3200" spc="-1" strike="noStrike" u="sng">
+                <a:solidFill>
+                  <a:srgbClr val="0563c1"/>
+                </a:solidFill>
+                <a:uFillTx/>
+                <a:latin typeface="Arial"/>
+                <a:ea typeface="DejaVu Sans"/>
+                <a:hlinkClick r:id="rId7"/>
+              </a:rPr>
+              <a:t>en</a:t>
+            </a:r>
+            <a:r>
+              <a:rPr b="0" lang="pt-BR" sz="3200" spc="-1" strike="noStrike" u="sng">
+                <a:solidFill>
+                  <a:srgbClr val="0563c1"/>
+                </a:solidFill>
+                <a:uFillTx/>
+                <a:latin typeface="Arial"/>
+                <a:ea typeface="DejaVu Sans"/>
+                <a:hlinkClick r:id="rId8"/>
+              </a:rPr>
+              <a:t>/download/</a:t>
+            </a:r>
+            <a:r>
+              <a:rPr b="0" lang="pt-BR" sz="3200" spc="-1" strike="noStrike">
+                <a:solidFill>
+                  <a:srgbClr val="1f4e79"/>
+                </a:solidFill>
+                <a:latin typeface="Arial"/>
+                <a:ea typeface="DejaVu Sans"/>
+              </a:rPr>
+              <a:t>.</a:t>
+            </a:r>
+            <a:endParaRPr b="0" lang="pt-BR" sz="3200" spc="-1" strike="noStrike">
+              <a:latin typeface="Arial"/>
+            </a:endParaRPr>
+          </a:p>
+          <a:p>
+            <a:pPr marL="514440" indent="-510480">
+              <a:lnSpc>
+                <a:spcPct val="100000"/>
+              </a:lnSpc>
+              <a:spcBef>
+                <a:spcPts val="1001"/>
+              </a:spcBef>
+              <a:spcAft>
+                <a:spcPts val="1001"/>
+              </a:spcAft>
+              <a:buClr>
+                <a:srgbClr val="1f4e79"/>
+              </a:buClr>
+              <a:buFont typeface="Calibri Light"/>
+              <a:buAutoNum type="arabicPeriod"/>
+            </a:pPr>
+            <a:r>
+              <a:rPr b="0" lang="pt-BR" sz="3200" spc="-1" strike="noStrike">
+                <a:solidFill>
+                  <a:srgbClr val="1f4e79"/>
+                </a:solidFill>
+                <a:latin typeface="Arial"/>
+                <a:ea typeface="DejaVu Sans"/>
+              </a:rPr>
+              <a:t>Yarn. </a:t>
+            </a:r>
+            <a:r>
+              <a:rPr b="1" lang="pt-BR" sz="3200" spc="-1" strike="noStrike">
+                <a:solidFill>
+                  <a:srgbClr val="1f4e79"/>
+                </a:solidFill>
+                <a:latin typeface="Arial"/>
+                <a:ea typeface="DejaVu Sans"/>
+              </a:rPr>
+              <a:t>Introduction</a:t>
+            </a:r>
+            <a:r>
+              <a:rPr b="0" lang="pt-BR" sz="3200" spc="-1" strike="noStrike">
+                <a:solidFill>
+                  <a:srgbClr val="1f4e79"/>
+                </a:solidFill>
+                <a:latin typeface="Arial"/>
+                <a:ea typeface="DejaVu Sans"/>
+              </a:rPr>
+              <a:t>. Disponível em: </a:t>
+            </a:r>
+            <a:r>
+              <a:rPr b="0" lang="pt-BR" sz="3200" spc="-1" strike="noStrike" u="sng">
+                <a:solidFill>
+                  <a:srgbClr val="0563c1"/>
+                </a:solidFill>
+                <a:uFillTx/>
+                <a:latin typeface="Arial"/>
+                <a:ea typeface="DejaVu Sans"/>
+                <a:hlinkClick r:id="rId9"/>
+              </a:rPr>
+              <a:t>https://yarnpkg.com/</a:t>
+            </a:r>
+            <a:r>
+              <a:rPr b="0" lang="pt-BR" sz="3200" spc="-1" strike="noStrike" u="sng">
+                <a:solidFill>
+                  <a:srgbClr val="0563c1"/>
+                </a:solidFill>
+                <a:uFillTx/>
+                <a:latin typeface="Arial"/>
+                <a:ea typeface="DejaVu Sans"/>
+                <a:hlinkClick r:id="rId10"/>
+              </a:rPr>
+              <a:t>getting-started</a:t>
+            </a:r>
+            <a:r>
+              <a:rPr b="0" lang="pt-BR" sz="3200" spc="-1" strike="noStrike">
+                <a:solidFill>
+                  <a:srgbClr val="1f4e79"/>
+                </a:solidFill>
+                <a:latin typeface="Arial"/>
+                <a:ea typeface="DejaVu Sans"/>
+              </a:rPr>
+              <a:t>.</a:t>
+            </a:r>
+            <a:endParaRPr b="0" lang="pt-BR" sz="3200" spc="-1" strike="noStrike">
+              <a:latin typeface="Arial"/>
+            </a:endParaRPr>
+          </a:p>
+          <a:p>
+            <a:pPr marL="514440" indent="-510480">
+              <a:lnSpc>
+                <a:spcPct val="100000"/>
+              </a:lnSpc>
+              <a:spcBef>
+                <a:spcPts val="1001"/>
+              </a:spcBef>
+              <a:spcAft>
+                <a:spcPts val="1001"/>
+              </a:spcAft>
+              <a:buClr>
+                <a:srgbClr val="1f4e79"/>
+              </a:buClr>
+              <a:buFont typeface="Calibri Light"/>
+              <a:buAutoNum type="arabicPeriod"/>
+            </a:pPr>
+            <a:r>
+              <a:rPr b="0" lang="pt-BR" sz="3200" spc="-1" strike="noStrike">
+                <a:solidFill>
+                  <a:srgbClr val="1f4e79"/>
+                </a:solidFill>
+                <a:latin typeface="Arial"/>
+                <a:ea typeface="DejaVu Sans"/>
+              </a:rPr>
+              <a:t>Yarn. </a:t>
+            </a:r>
+            <a:r>
+              <a:rPr b="1" lang="pt-BR" sz="3200" spc="-1" strike="noStrike">
+                <a:solidFill>
+                  <a:srgbClr val="1f4e79"/>
+                </a:solidFill>
+                <a:latin typeface="Arial"/>
+                <a:ea typeface="DejaVu Sans"/>
+              </a:rPr>
+              <a:t>Installation</a:t>
+            </a:r>
+            <a:r>
+              <a:rPr b="0" lang="pt-BR" sz="3200" spc="-1" strike="noStrike">
+                <a:solidFill>
+                  <a:srgbClr val="1f4e79"/>
+                </a:solidFill>
+                <a:latin typeface="Arial"/>
+                <a:ea typeface="DejaVu Sans"/>
+              </a:rPr>
+              <a:t>. Disponível em: </a:t>
+            </a:r>
+            <a:r>
+              <a:rPr b="0" lang="pt-BR" sz="3200" spc="-1" strike="noStrike" u="sng">
+                <a:solidFill>
+                  <a:srgbClr val="0563c1"/>
+                </a:solidFill>
+                <a:uFillTx/>
+                <a:latin typeface="Arial"/>
+                <a:ea typeface="DejaVu Sans"/>
+                <a:hlinkClick r:id="rId11"/>
+              </a:rPr>
+              <a:t>https://classic.yarnpkg.com/en/docs/</a:t>
+            </a:r>
+            <a:r>
+              <a:rPr b="0" lang="pt-BR" sz="3200" spc="-1" strike="noStrike" u="sng">
+                <a:solidFill>
+                  <a:srgbClr val="0563c1"/>
+                </a:solidFill>
+                <a:uFillTx/>
+                <a:latin typeface="Arial"/>
+                <a:ea typeface="DejaVu Sans"/>
+                <a:hlinkClick r:id="rId12"/>
+              </a:rPr>
+              <a:t>install#windows-stable</a:t>
+            </a:r>
+            <a:r>
+              <a:rPr b="0" lang="pt-BR" sz="3200" spc="-1" strike="noStrike">
+                <a:solidFill>
+                  <a:srgbClr val="1f4e79"/>
+                </a:solidFill>
+                <a:latin typeface="Arial"/>
+                <a:ea typeface="DejaVu Sans"/>
+              </a:rPr>
+              <a:t>.</a:t>
+            </a:r>
+            <a:endParaRPr b="0" lang="pt-BR" sz="3200" spc="-1" strike="noStrike">
+              <a:latin typeface="Arial"/>
+            </a:endParaRPr>
+          </a:p>
+          <a:p>
+            <a:pPr marL="514440" indent="-510480">
+              <a:lnSpc>
+                <a:spcPct val="100000"/>
+              </a:lnSpc>
+              <a:spcBef>
+                <a:spcPts val="1001"/>
+              </a:spcBef>
+              <a:spcAft>
+                <a:spcPts val="1001"/>
+              </a:spcAft>
+              <a:buClr>
+                <a:srgbClr val="1f4e79"/>
+              </a:buClr>
+              <a:buFont typeface="Calibri Light"/>
+              <a:buAutoNum type="arabicPeriod"/>
+            </a:pPr>
+            <a:r>
+              <a:rPr b="0" lang="pt-BR" sz="3200" spc="-1" strike="noStrike">
+                <a:solidFill>
+                  <a:srgbClr val="1f4e79"/>
+                </a:solidFill>
+                <a:latin typeface="Arial"/>
+                <a:ea typeface="DejaVu Sans"/>
+              </a:rPr>
+              <a:t>Express. </a:t>
+            </a:r>
+            <a:r>
+              <a:rPr b="1" lang="pt-BR" sz="3200" spc="-1" strike="noStrike">
+                <a:solidFill>
+                  <a:srgbClr val="1f4e79"/>
+                </a:solidFill>
+                <a:latin typeface="Arial"/>
+                <a:ea typeface="DejaVu Sans"/>
+              </a:rPr>
+              <a:t>Installing</a:t>
+            </a:r>
+            <a:r>
+              <a:rPr b="0" lang="pt-BR" sz="3200" spc="-1" strike="noStrike">
+                <a:solidFill>
+                  <a:srgbClr val="1f4e79"/>
+                </a:solidFill>
+                <a:latin typeface="Arial"/>
+                <a:ea typeface="DejaVu Sans"/>
+              </a:rPr>
+              <a:t>. Disponível em: </a:t>
+            </a:r>
+            <a:r>
+              <a:rPr b="0" lang="pt-BR" sz="3200" spc="-1" strike="noStrike" u="sng">
+                <a:solidFill>
+                  <a:srgbClr val="0563c1"/>
+                </a:solidFill>
+                <a:uFillTx/>
+                <a:latin typeface="Arial"/>
+                <a:ea typeface="DejaVu Sans"/>
+                <a:hlinkClick r:id="rId13"/>
+              </a:rPr>
+              <a:t>https://expressjs.com/en/starter/installing.html</a:t>
+            </a:r>
+            <a:endParaRPr b="0" lang="pt-BR" sz="3200" spc="-1" strike="noStrike">
+              <a:latin typeface="Arial"/>
+            </a:endParaRPr>
+          </a:p>
+        </p:txBody>
+      </p:sp>
+    </p:spTree>
+  </p:cSld>
+  <mc:AlternateContent>
+    <mc:Choice Requires="p14">
+      <p:transition spd="slow" p14:dur="2000"/>
+    </mc:Choice>
+    <mc:Fallback>
+      <p:transition spd="slow"/>
+    </mc:Fallback>
+  </mc:AlternateContent>
+</p:sld>
+</file>
+
+<file path=ppt/slides/slide45.xml><?xml version="1.0" encoding="utf-8"?>
+<p:sld xmlns:a="http://schemas.openxmlformats.org/drawingml/2006/main" xmlns:p="http://schemas.openxmlformats.org/presentationml/2006/main" xmlns:r="http://schemas.openxmlformats.org/officeDocument/2006/relationships" xmlns:p14="http://schemas.microsoft.com/office/powerpoint/2010/main" xmlns:p15="http://schemas.microsoft.com/office/powerpoint/2012/main" xmlns:mc="http://schemas.openxmlformats.org/markup-compatibility/2006">
+  <p:cSld>
+    <p:spTree>
+      <p:nvGrpSpPr>
+        <p:cNvPr id="1" name=""/>
+        <p:cNvGrpSpPr/>
+        <p:nvPr/>
+      </p:nvGrpSpPr>
+      <p:grpSpPr>
+        <a:xfrm>
+          <a:off x="0" y="0"/>
+          <a:ext cx="0" cy="0"/>
+          <a:chOff x="0" y="0"/>
+          <a:chExt cx="0" cy="0"/>
+        </a:xfrm>
+      </p:grpSpPr>
+      <p:sp>
+        <p:nvSpPr>
+          <p:cNvPr id="177" name="CustomShape 1"/>
+          <p:cNvSpPr/>
+          <p:nvPr/>
+        </p:nvSpPr>
+        <p:spPr>
+          <a:xfrm>
+            <a:off x="0" y="224280"/>
+            <a:ext cx="12019320" cy="854640"/>
+          </a:xfrm>
+          <a:prstGeom prst="rect">
+            <a:avLst/>
+          </a:prstGeom>
+          <a:noFill/>
+          <a:ln>
+            <a:noFill/>
+          </a:ln>
+        </p:spPr>
+        <p:style>
+          <a:lnRef idx="0"/>
+          <a:fillRef idx="0"/>
+          <a:effectRef idx="0"/>
+          <a:fontRef idx="minor"/>
+        </p:style>
+        <p:txBody>
+          <a:bodyPr lIns="90000" rIns="90000" tIns="45000" bIns="45000" anchor="ctr">
+            <a:noAutofit/>
+          </a:bodyPr>
+          <a:p>
+            <a:pPr algn="ctr">
+              <a:lnSpc>
+                <a:spcPct val="90000"/>
+              </a:lnSpc>
+            </a:pPr>
+            <a:r>
+              <a:rPr b="0" lang="pt-BR" sz="5400" spc="-1" strike="noStrike">
+                <a:solidFill>
+                  <a:srgbClr val="1f4e79"/>
+                </a:solidFill>
+                <a:latin typeface="Arial"/>
+                <a:ea typeface="DejaVu Sans"/>
+              </a:rPr>
+              <a:t>Referências</a:t>
+            </a:r>
+            <a:endParaRPr b="0" lang="pt-BR" sz="5400" spc="-1" strike="noStrike">
+              <a:latin typeface="Arial"/>
+            </a:endParaRPr>
+          </a:p>
+        </p:txBody>
+      </p:sp>
+      <p:sp>
+        <p:nvSpPr>
+          <p:cNvPr id="178" name="CustomShape 2"/>
+          <p:cNvSpPr/>
+          <p:nvPr/>
+        </p:nvSpPr>
+        <p:spPr>
+          <a:xfrm>
+            <a:off x="317520" y="1290960"/>
+            <a:ext cx="11701440" cy="4347360"/>
+          </a:xfrm>
+          <a:prstGeom prst="rect">
+            <a:avLst/>
+          </a:prstGeom>
+          <a:noFill/>
+          <a:ln>
+            <a:noFill/>
+          </a:ln>
+        </p:spPr>
+        <p:style>
+          <a:lnRef idx="0"/>
+          <a:fillRef idx="0"/>
+          <a:effectRef idx="0"/>
+          <a:fontRef idx="minor"/>
+        </p:style>
+        <p:txBody>
+          <a:bodyPr lIns="90000" rIns="90000" tIns="45000" bIns="45000">
+            <a:normAutofit/>
+          </a:bodyPr>
+          <a:p>
+            <a:pPr marL="516240" indent="-512280">
+              <a:lnSpc>
+                <a:spcPct val="100000"/>
+              </a:lnSpc>
+              <a:spcBef>
+                <a:spcPts val="1001"/>
+              </a:spcBef>
+              <a:spcAft>
+                <a:spcPts val="1001"/>
+              </a:spcAft>
+              <a:buClr>
+                <a:srgbClr val="1f4e79"/>
+              </a:buClr>
+              <a:buFont typeface="Arial"/>
+              <a:buAutoNum type="arabicPeriod" startAt="6"/>
+            </a:pPr>
+            <a:r>
+              <a:rPr b="0" lang="pt-BR" sz="3200" spc="-1" strike="noStrike">
+                <a:solidFill>
+                  <a:srgbClr val="1f4e79"/>
+                </a:solidFill>
+                <a:latin typeface="Arial"/>
+                <a:ea typeface="DejaVu Sans"/>
+              </a:rPr>
+              <a:t>NPM. </a:t>
+            </a:r>
+            <a:r>
+              <a:rPr b="1" lang="pt-BR" sz="3200" spc="-1" strike="noStrike">
+                <a:solidFill>
+                  <a:srgbClr val="1f4e79"/>
+                </a:solidFill>
+                <a:latin typeface="Arial"/>
+                <a:ea typeface="DejaVu Sans"/>
+              </a:rPr>
+              <a:t>Nodemon</a:t>
+            </a:r>
+            <a:r>
+              <a:rPr b="0" lang="pt-BR" sz="3200" spc="-1" strike="noStrike">
+                <a:solidFill>
+                  <a:srgbClr val="1f4e79"/>
+                </a:solidFill>
+                <a:latin typeface="Arial"/>
+                <a:ea typeface="DejaVu Sans"/>
+              </a:rPr>
+              <a:t>. Disponível em: </a:t>
+            </a:r>
+            <a:r>
+              <a:rPr b="0" lang="pt-BR" sz="3200" spc="-1" strike="noStrike" u="sng">
+                <a:solidFill>
+                  <a:srgbClr val="0563c1"/>
+                </a:solidFill>
+                <a:uFillTx/>
+                <a:latin typeface="Arial"/>
+                <a:ea typeface="DejaVu Sans"/>
+                <a:hlinkClick r:id="rId1"/>
+              </a:rPr>
+              <a:t>https://www.npmjs.com/package/nodemon</a:t>
+            </a:r>
+            <a:endParaRPr b="0" lang="pt-BR" sz="3200" spc="-1" strike="noStrike">
+              <a:latin typeface="Arial"/>
+            </a:endParaRPr>
+          </a:p>
+          <a:p>
+            <a:pPr marL="516240" indent="-512280">
+              <a:lnSpc>
+                <a:spcPct val="100000"/>
+              </a:lnSpc>
+              <a:spcBef>
+                <a:spcPts val="1001"/>
+              </a:spcBef>
+              <a:spcAft>
+                <a:spcPts val="1001"/>
+              </a:spcAft>
+              <a:buClr>
+                <a:srgbClr val="1f4e79"/>
+              </a:buClr>
+              <a:buFont typeface="Arial"/>
+              <a:buAutoNum type="arabicPeriod" startAt="6"/>
+            </a:pPr>
+            <a:r>
+              <a:rPr b="0" lang="pt-BR" sz="3200" spc="-1" strike="noStrike">
+                <a:solidFill>
+                  <a:srgbClr val="1f4e79"/>
+                </a:solidFill>
+                <a:latin typeface="Arial"/>
+                <a:ea typeface="DejaVu Sans"/>
+              </a:rPr>
+              <a:t>MDN Web Docs Mozilla. </a:t>
+            </a:r>
+            <a:r>
+              <a:rPr b="1" lang="pt-BR" sz="3200" spc="-1" strike="noStrike">
+                <a:solidFill>
+                  <a:srgbClr val="1f4e79"/>
+                </a:solidFill>
+                <a:latin typeface="Arial"/>
+                <a:ea typeface="DejaVu Sans"/>
+              </a:rPr>
+              <a:t>Métodos de requisição HTTP</a:t>
+            </a:r>
+            <a:r>
+              <a:rPr b="0" lang="pt-BR" sz="3200" spc="-1" strike="noStrike">
+                <a:solidFill>
+                  <a:srgbClr val="1f4e79"/>
+                </a:solidFill>
+                <a:latin typeface="Arial"/>
+                <a:ea typeface="DejaVu Sans"/>
+              </a:rPr>
+              <a:t>. Disponível em: </a:t>
+            </a:r>
+            <a:r>
+              <a:rPr b="0" lang="pt-BR" sz="3200" spc="-1" strike="noStrike" u="sng">
+                <a:solidFill>
+                  <a:srgbClr val="0563c1"/>
+                </a:solidFill>
+                <a:uFillTx/>
+                <a:latin typeface="Arial"/>
+                <a:ea typeface="DejaVu Sans"/>
+                <a:hlinkClick r:id="rId2"/>
+              </a:rPr>
+              <a:t>https://developer.mozilla.org/</a:t>
+            </a:r>
+            <a:r>
+              <a:rPr b="0" lang="pt-BR" sz="3200" spc="-1" strike="noStrike" u="sng">
+                <a:solidFill>
+                  <a:srgbClr val="0563c1"/>
+                </a:solidFill>
+                <a:uFillTx/>
+                <a:latin typeface="Arial"/>
+                <a:ea typeface="DejaVu Sans"/>
+                <a:hlinkClick r:id="rId3"/>
+              </a:rPr>
+              <a:t>pt</a:t>
+            </a:r>
+            <a:r>
+              <a:rPr b="0" lang="pt-BR" sz="3200" spc="-1" strike="noStrike" u="sng">
+                <a:solidFill>
+                  <a:srgbClr val="0563c1"/>
+                </a:solidFill>
+                <a:uFillTx/>
+                <a:latin typeface="Arial"/>
+                <a:ea typeface="DejaVu Sans"/>
+                <a:hlinkClick r:id="rId4"/>
+              </a:rPr>
+              <a:t>-BR/</a:t>
+            </a:r>
+            <a:r>
+              <a:rPr b="0" lang="pt-BR" sz="3200" spc="-1" strike="noStrike" u="sng">
+                <a:solidFill>
+                  <a:srgbClr val="0563c1"/>
+                </a:solidFill>
+                <a:uFillTx/>
+                <a:latin typeface="Arial"/>
+                <a:ea typeface="DejaVu Sans"/>
+                <a:hlinkClick r:id="rId5"/>
+              </a:rPr>
+              <a:t>docs</a:t>
+            </a:r>
+            <a:r>
+              <a:rPr b="0" lang="pt-BR" sz="3200" spc="-1" strike="noStrike" u="sng">
+                <a:solidFill>
+                  <a:srgbClr val="0563c1"/>
+                </a:solidFill>
+                <a:uFillTx/>
+                <a:latin typeface="Arial"/>
+                <a:ea typeface="DejaVu Sans"/>
+                <a:hlinkClick r:id="rId6"/>
+              </a:rPr>
+              <a:t>/Web/HTTP/</a:t>
+            </a:r>
+            <a:r>
+              <a:rPr b="0" lang="pt-BR" sz="3200" spc="-1" strike="noStrike" u="sng">
+                <a:solidFill>
+                  <a:srgbClr val="0563c1"/>
+                </a:solidFill>
+                <a:uFillTx/>
+                <a:latin typeface="Arial"/>
+                <a:ea typeface="DejaVu Sans"/>
+                <a:hlinkClick r:id="rId7"/>
+              </a:rPr>
+              <a:t>Methods</a:t>
+            </a:r>
+            <a:r>
+              <a:rPr b="0" lang="pt-BR" sz="3200" spc="-1" strike="noStrike">
+                <a:solidFill>
+                  <a:srgbClr val="1f4e79"/>
+                </a:solidFill>
+                <a:latin typeface="Arial"/>
+                <a:ea typeface="DejaVu Sans"/>
+              </a:rPr>
+              <a:t>.</a:t>
+            </a:r>
+            <a:endParaRPr b="0" lang="pt-BR" sz="3200" spc="-1" strike="noStrike">
+              <a:latin typeface="Arial"/>
+            </a:endParaRPr>
+          </a:p>
+          <a:p>
+            <a:pPr marL="516240" indent="-512280">
+              <a:lnSpc>
+                <a:spcPct val="100000"/>
+              </a:lnSpc>
+              <a:spcBef>
+                <a:spcPts val="1001"/>
+              </a:spcBef>
+              <a:spcAft>
+                <a:spcPts val="1001"/>
+              </a:spcAft>
+              <a:buClr>
+                <a:srgbClr val="1f4e79"/>
+              </a:buClr>
+              <a:buFont typeface="Arial"/>
+              <a:buAutoNum type="arabicPeriod" startAt="6"/>
+            </a:pPr>
+            <a:r>
+              <a:rPr b="0" lang="pt-BR" sz="3200" spc="-1" strike="noStrike">
+                <a:solidFill>
+                  <a:srgbClr val="1f4e79"/>
+                </a:solidFill>
+                <a:latin typeface="Arial"/>
+                <a:ea typeface="DejaVu Sans"/>
+              </a:rPr>
+              <a:t>Insomnia. </a:t>
+            </a:r>
+            <a:r>
+              <a:rPr b="1" lang="pt-BR" sz="3200" spc="-1" strike="noStrike">
+                <a:solidFill>
+                  <a:srgbClr val="1f4e79"/>
+                </a:solidFill>
+                <a:latin typeface="Arial"/>
+                <a:ea typeface="DejaVu Sans"/>
+              </a:rPr>
+              <a:t>Download Insomnia</a:t>
+            </a:r>
+            <a:r>
+              <a:rPr b="0" lang="pt-BR" sz="3200" spc="-1" strike="noStrike">
+                <a:solidFill>
+                  <a:srgbClr val="1f4e79"/>
+                </a:solidFill>
+                <a:latin typeface="Arial"/>
+                <a:ea typeface="DejaVu Sans"/>
+              </a:rPr>
+              <a:t>. Disponível em: </a:t>
+            </a:r>
+            <a:r>
+              <a:rPr b="0" lang="pt-BR" sz="3200" spc="-1" strike="noStrike" u="sng">
+                <a:solidFill>
+                  <a:srgbClr val="0563c1"/>
+                </a:solidFill>
+                <a:uFillTx/>
+                <a:latin typeface="Arial"/>
+                <a:ea typeface="DejaVu Sans"/>
+                <a:hlinkClick r:id="rId8"/>
+              </a:rPr>
+              <a:t>https://insomnia.rest/download</a:t>
+            </a:r>
+            <a:endParaRPr b="0" lang="pt-BR" sz="3200" spc="-1" strike="noStrike">
+              <a:latin typeface="Arial"/>
+            </a:endParaRPr>
+          </a:p>
+          <a:p>
+            <a:pPr>
+              <a:lnSpc>
+                <a:spcPct val="100000"/>
+              </a:lnSpc>
+              <a:spcBef>
+                <a:spcPts val="1001"/>
+              </a:spcBef>
+              <a:spcAft>
+                <a:spcPts val="1001"/>
+              </a:spcAft>
+            </a:pPr>
+            <a:endParaRPr b="0" lang="pt-BR" sz="3200" spc="-1" strike="noStrike">
+              <a:latin typeface="Arial"/>
+            </a:endParaRPr>
+          </a:p>
+          <a:p>
+            <a:pPr marL="1800">
+              <a:lnSpc>
+                <a:spcPct val="100000"/>
+              </a:lnSpc>
+              <a:spcBef>
+                <a:spcPts val="1001"/>
+              </a:spcBef>
+              <a:spcAft>
+                <a:spcPts val="1001"/>
+              </a:spcAft>
+            </a:pPr>
+            <a:endParaRPr b="0" lang="pt-BR" sz="3200" spc="-1" strike="noStrike">
+              <a:latin typeface="Arial"/>
+            </a:endParaRPr>
+          </a:p>
+          <a:p>
+            <a:pPr marL="1800">
+              <a:lnSpc>
+                <a:spcPct val="100000"/>
+              </a:lnSpc>
+              <a:spcBef>
+                <a:spcPts val="1001"/>
+              </a:spcBef>
+              <a:spcAft>
+                <a:spcPts val="1001"/>
+              </a:spcAft>
+            </a:pPr>
+            <a:endParaRPr b="0" lang="pt-BR" sz="3200" spc="-1" strike="noStrike">
+              <a:latin typeface="Arial"/>
+            </a:endParaRPr>
+          </a:p>
+        </p:txBody>
+      </p:sp>
+    </p:spTree>
+  </p:cSld>
+  <mc:AlternateContent>
+    <mc:Choice Requires="p14">
+      <p:transition spd="slow" p14:dur="2000"/>
+    </mc:Choice>
+    <mc:Fallback>
+      <p:transition spd="slow"/>
+    </mc:Fallback>
+  </mc:AlternateContent>
+</p:sld>
+</file>
+
+<file path=ppt/slides/slide46.xml><?xml version="1.0" encoding="utf-8"?>
+<p:sld xmlns:a="http://schemas.openxmlformats.org/drawingml/2006/main" xmlns:p="http://schemas.openxmlformats.org/presentationml/2006/main" xmlns:r="http://schemas.openxmlformats.org/officeDocument/2006/relationships" xmlns:p14="http://schemas.microsoft.com/office/powerpoint/2010/main" xmlns:p15="http://schemas.microsoft.com/office/powerpoint/2012/main" xmlns:mc="http://schemas.openxmlformats.org/markup-compatibility/2006">
+  <p:cSld>
+    <p:spTree>
+      <p:nvGrpSpPr>
+        <p:cNvPr id="1" name=""/>
+        <p:cNvGrpSpPr/>
+        <p:nvPr/>
+      </p:nvGrpSpPr>
+      <p:grpSpPr>
+        <a:xfrm>
+          <a:off x="0" y="0"/>
+          <a:ext cx="0" cy="0"/>
+          <a:chOff x="0" y="0"/>
+          <a:chExt cx="0" cy="0"/>
+        </a:xfrm>
+      </p:grpSpPr>
+      <p:sp>
+        <p:nvSpPr>
+          <p:cNvPr id="179" name="CustomShape 1"/>
+          <p:cNvSpPr/>
+          <p:nvPr/>
+        </p:nvSpPr>
+        <p:spPr>
+          <a:xfrm>
+            <a:off x="0" y="224280"/>
+            <a:ext cx="12019320" cy="854640"/>
+          </a:xfrm>
+          <a:prstGeom prst="rect">
+            <a:avLst/>
+          </a:prstGeom>
+          <a:noFill/>
+          <a:ln>
+            <a:noFill/>
+          </a:ln>
+        </p:spPr>
+        <p:style>
+          <a:lnRef idx="0"/>
+          <a:fillRef idx="0"/>
+          <a:effectRef idx="0"/>
+          <a:fontRef idx="minor"/>
+        </p:style>
+        <p:txBody>
+          <a:bodyPr lIns="90000" rIns="90000" tIns="45000" bIns="45000" anchor="ctr">
+            <a:noAutofit/>
+          </a:bodyPr>
+          <a:p>
+            <a:pPr algn="ctr">
+              <a:lnSpc>
+                <a:spcPct val="90000"/>
+              </a:lnSpc>
+            </a:pPr>
+            <a:r>
+              <a:rPr b="0" lang="pt-BR" sz="5400" spc="-1" strike="noStrike">
+                <a:solidFill>
+                  <a:srgbClr val="1f4e79"/>
+                </a:solidFill>
+                <a:latin typeface="Arial"/>
+                <a:ea typeface="DejaVu Sans"/>
+              </a:rPr>
+              <a:t>Referências</a:t>
+            </a:r>
+            <a:endParaRPr b="0" lang="pt-BR" sz="5400" spc="-1" strike="noStrike">
+              <a:latin typeface="Arial"/>
+            </a:endParaRPr>
+          </a:p>
+        </p:txBody>
+      </p:sp>
+      <p:sp>
+        <p:nvSpPr>
+          <p:cNvPr id="180" name="CustomShape 2"/>
+          <p:cNvSpPr/>
+          <p:nvPr/>
+        </p:nvSpPr>
+        <p:spPr>
+          <a:xfrm>
+            <a:off x="317520" y="1290960"/>
+            <a:ext cx="11701440" cy="4347360"/>
+          </a:xfrm>
+          <a:prstGeom prst="rect">
+            <a:avLst/>
+          </a:prstGeom>
+          <a:noFill/>
+          <a:ln>
+            <a:noFill/>
+          </a:ln>
+        </p:spPr>
+        <p:style>
+          <a:lnRef idx="0"/>
+          <a:fillRef idx="0"/>
+          <a:effectRef idx="0"/>
+          <a:fontRef idx="minor"/>
+        </p:style>
+        <p:txBody>
+          <a:bodyPr lIns="90000" rIns="90000" tIns="45000" bIns="45000">
+            <a:normAutofit/>
+          </a:bodyPr>
+          <a:p>
+            <a:pPr marL="516240" indent="-512280">
               <a:lnSpc>
                 <a:spcPct val="100000"/>
               </a:lnSpc>
@@ -19137,7 +20682,7 @@
             </a:endParaRPr>
           </a:p>
           <a:p>
-            <a:pPr marL="516240" indent="-513000">
+            <a:pPr marL="516240" indent="-512280">
               <a:lnSpc>
                 <a:spcPct val="100000"/>
               </a:lnSpc>
@@ -19260,7 +20805,7 @@
         <p:spPr>
           <a:xfrm>
             <a:off x="0" y="224280"/>
-            <a:ext cx="12020040" cy="855360"/>
+            <a:ext cx="12019320" cy="854640"/>
           </a:xfrm>
           <a:prstGeom prst="rect">
             <a:avLst/>
@@ -19311,7 +20856,7 @@
         <p:spPr>
           <a:xfrm>
             <a:off x="317520" y="1290960"/>
-            <a:ext cx="11702160" cy="4348080"/>
+            <a:ext cx="11701440" cy="4347360"/>
           </a:xfrm>
           <a:prstGeom prst="rect">
             <a:avLst/>
@@ -19406,7 +20951,7 @@
         <p:spPr>
           <a:xfrm>
             <a:off x="4028760" y="3160440"/>
-            <a:ext cx="4133160" cy="3237840"/>
+            <a:ext cx="4132440" cy="3237120"/>
           </a:xfrm>
           <a:prstGeom prst="rect">
             <a:avLst/>
@@ -19455,7 +21000,7 @@
         <p:spPr>
           <a:xfrm>
             <a:off x="0" y="224280"/>
-            <a:ext cx="12020040" cy="855360"/>
+            <a:ext cx="12019320" cy="854640"/>
           </a:xfrm>
           <a:prstGeom prst="rect">
             <a:avLst/>
@@ -19506,7 +21051,7 @@
         <p:spPr>
           <a:xfrm>
             <a:off x="317520" y="1290960"/>
-            <a:ext cx="11702160" cy="4348080"/>
+            <a:ext cx="11701440" cy="4347360"/>
           </a:xfrm>
           <a:prstGeom prst="rect">
             <a:avLst/>
@@ -19676,7 +21221,7 @@
         <p:spPr>
           <a:xfrm>
             <a:off x="0" y="224280"/>
-            <a:ext cx="12020040" cy="855360"/>
+            <a:ext cx="12019320" cy="854640"/>
           </a:xfrm>
           <a:prstGeom prst="rect">
             <a:avLst/>
@@ -19727,7 +21272,7 @@
         <p:spPr>
           <a:xfrm>
             <a:off x="317520" y="1290960"/>
-            <a:ext cx="11702160" cy="4348080"/>
+            <a:ext cx="11701440" cy="4347360"/>
           </a:xfrm>
           <a:prstGeom prst="rect">
             <a:avLst/>
@@ -19846,7 +21391,7 @@
         <p:spPr>
           <a:xfrm>
             <a:off x="0" y="224280"/>
-            <a:ext cx="12020040" cy="855360"/>
+            <a:ext cx="12019320" cy="854640"/>
           </a:xfrm>
           <a:prstGeom prst="rect">
             <a:avLst/>
@@ -19897,7 +21442,7 @@
         <p:spPr>
           <a:xfrm>
             <a:off x="317520" y="1290960"/>
-            <a:ext cx="11702160" cy="4348080"/>
+            <a:ext cx="11701440" cy="4347360"/>
           </a:xfrm>
           <a:prstGeom prst="rect">
             <a:avLst/>
@@ -20074,7 +21619,7 @@
         <p:spPr>
           <a:xfrm>
             <a:off x="0" y="224280"/>
-            <a:ext cx="12020040" cy="855360"/>
+            <a:ext cx="12019320" cy="854640"/>
           </a:xfrm>
           <a:prstGeom prst="rect">
             <a:avLst/>
@@ -20125,7 +21670,7 @@
         <p:spPr>
           <a:xfrm>
             <a:off x="317520" y="1290960"/>
-            <a:ext cx="11702160" cy="4348080"/>
+            <a:ext cx="11701440" cy="4347360"/>
           </a:xfrm>
           <a:prstGeom prst="rect">
             <a:avLst/>

--- a/node-js.pptx
+++ b/node-js.pptx
@@ -6,7 +6,7 @@
     <p:sldMasterId id="2147483661" r:id="rId2"/>
   </p:sldMasterIdLst>
   <p:notesMasterIdLst>
-    <p:notesMasterId r:id="rId53"/>
+    <p:notesMasterId r:id="rId59"/>
   </p:notesMasterIdLst>
   <p:sldIdLst>
     <p:sldId id="256" r:id="rId3"/>
@@ -53,12 +53,18 @@
     <p:sldId id="302" r:id="rId44"/>
     <p:sldId id="296" r:id="rId45"/>
     <p:sldId id="304" r:id="rId46"/>
-    <p:sldId id="306" r:id="rId47"/>
-    <p:sldId id="297" r:id="rId48"/>
-    <p:sldId id="298" r:id="rId49"/>
-    <p:sldId id="299" r:id="rId50"/>
-    <p:sldId id="300" r:id="rId51"/>
-    <p:sldId id="301" r:id="rId52"/>
+    <p:sldId id="308" r:id="rId47"/>
+    <p:sldId id="306" r:id="rId48"/>
+    <p:sldId id="307" r:id="rId49"/>
+    <p:sldId id="309" r:id="rId50"/>
+    <p:sldId id="310" r:id="rId51"/>
+    <p:sldId id="311" r:id="rId52"/>
+    <p:sldId id="312" r:id="rId53"/>
+    <p:sldId id="297" r:id="rId54"/>
+    <p:sldId id="298" r:id="rId55"/>
+    <p:sldId id="299" r:id="rId56"/>
+    <p:sldId id="300" r:id="rId57"/>
+    <p:sldId id="301" r:id="rId58"/>
   </p:sldIdLst>
   <p:sldSz cx="12192000" cy="6858000"/>
   <p:notesSz cx="6858000" cy="9144000"/>
@@ -157,6 +163,11 @@
       </a:defRPr>
     </a:lvl9pPr>
   </p:defaultTextStyle>
+  <p:extLst>
+    <p:ext uri="{EFAFB233-063F-42B5-8137-9DF3F51BA10A}">
+      <p15:sldGuideLst xmlns:p15="http://schemas.microsoft.com/office/powerpoint/2012/main"/>
+    </p:ext>
+  </p:extLst>
 </p:presentation>
 </file>
 
@@ -5893,7 +5904,7 @@
       </p:grpSpPr>
       <p:sp>
         <p:nvSpPr>
-          <p:cNvPr id="271" name="PlaceHolder 1"/>
+          <p:cNvPr id="301" name="PlaceHolder 1"/>
           <p:cNvSpPr>
             <a:spLocks noGrp="1" noRot="1" noChangeAspect="1"/>
           </p:cNvSpPr>
@@ -5913,7 +5924,7 @@
       </p:sp>
       <p:sp>
         <p:nvSpPr>
-          <p:cNvPr id="272" name="PlaceHolder 2"/>
+          <p:cNvPr id="302" name="PlaceHolder 2"/>
           <p:cNvSpPr>
             <a:spLocks noGrp="1"/>
           </p:cNvSpPr>
@@ -5936,7 +5947,7 @@
           </a:bodyPr>
           <a:lstStyle/>
           <a:p>
-            <a:endParaRPr lang="pt-BR" sz="2000" b="0" strike="noStrike" spc="-1">
+            <a:endParaRPr lang="pt-BR" sz="2000" b="0" strike="noStrike" spc="-1" dirty="0">
               <a:latin typeface="Arial"/>
             </a:endParaRPr>
           </a:p>
@@ -5944,7 +5955,7 @@
       </p:sp>
       <p:sp>
         <p:nvSpPr>
-          <p:cNvPr id="273" name="CustomShape 3"/>
+          <p:cNvPr id="303" name="CustomShape 3"/>
           <p:cNvSpPr/>
           <p:nvPr/>
         </p:nvSpPr>
@@ -5984,7 +5995,7 @@
                 <a:spcPct val="100000"/>
               </a:lnSpc>
             </a:pPr>
-            <a:fld id="{3CAA4DD7-21EB-4D46-BE74-1C1D7089509A}" type="slidenum">
+            <a:fld id="{D91894FE-2498-4890-AFAF-491172034F08}" type="slidenum">
               <a:rPr lang="pt-BR" sz="1200" b="0" strike="noStrike" spc="-1">
                 <a:solidFill>
                   <a:srgbClr val="000000"/>
@@ -6003,7 +6014,7 @@
     </p:spTree>
     <p:extLst>
       <p:ext uri="{BB962C8B-B14F-4D97-AF65-F5344CB8AC3E}">
-        <p14:creationId xmlns:p14="http://schemas.microsoft.com/office/powerpoint/2010/main" val="3640480444"/>
+        <p14:creationId xmlns:p14="http://schemas.microsoft.com/office/powerpoint/2010/main" val="2229102361"/>
       </p:ext>
     </p:extLst>
   </p:cSld>
@@ -6032,7 +6043,7 @@
       </p:grpSpPr>
       <p:sp>
         <p:nvSpPr>
-          <p:cNvPr id="304" name="PlaceHolder 1"/>
+          <p:cNvPr id="271" name="PlaceHolder 1"/>
           <p:cNvSpPr>
             <a:spLocks noGrp="1" noRot="1" noChangeAspect="1"/>
           </p:cNvSpPr>
@@ -6042,17 +6053,17 @@
         </p:nvSpPr>
         <p:spPr>
           <a:xfrm>
-            <a:off x="685800" y="1143000"/>
-            <a:ext cx="5482800" cy="3082320"/>
-          </a:xfrm>
-          <a:prstGeom prst="rect">
-            <a:avLst/>
-          </a:prstGeom>
-        </p:spPr>
-      </p:sp>
-      <p:sp>
-        <p:nvSpPr>
-          <p:cNvPr id="305" name="PlaceHolder 2"/>
+            <a:off x="687388" y="1143000"/>
+            <a:ext cx="5480050" cy="3082925"/>
+          </a:xfrm>
+          <a:prstGeom prst="rect">
+            <a:avLst/>
+          </a:prstGeom>
+        </p:spPr>
+      </p:sp>
+      <p:sp>
+        <p:nvSpPr>
+          <p:cNvPr id="272" name="PlaceHolder 2"/>
           <p:cNvSpPr>
             <a:spLocks noGrp="1"/>
           </p:cNvSpPr>
@@ -6083,7 +6094,7 @@
       </p:sp>
       <p:sp>
         <p:nvSpPr>
-          <p:cNvPr id="306" name="CustomShape 3"/>
+          <p:cNvPr id="273" name="CustomShape 3"/>
           <p:cNvSpPr/>
           <p:nvPr/>
         </p:nvSpPr>
@@ -6123,7 +6134,7 @@
                 <a:spcPct val="100000"/>
               </a:lnSpc>
             </a:pPr>
-            <a:fld id="{F4C072A3-0E1D-4C79-A8AC-BB1726406D60}" type="slidenum">
+            <a:fld id="{3CAA4DD7-21EB-4D46-BE74-1C1D7089509A}" type="slidenum">
               <a:rPr lang="pt-BR" sz="1200" b="0" strike="noStrike" spc="-1">
                 <a:solidFill>
                   <a:srgbClr val="000000"/>
@@ -6140,6 +6151,11 @@
         </p:txBody>
       </p:sp>
     </p:spTree>
+    <p:extLst>
+      <p:ext uri="{BB962C8B-B14F-4D97-AF65-F5344CB8AC3E}">
+        <p14:creationId xmlns:p14="http://schemas.microsoft.com/office/powerpoint/2010/main" val="3640480444"/>
+      </p:ext>
+    </p:extLst>
   </p:cSld>
   <p:clrMapOvr>
     <a:masterClrMapping/>
@@ -6166,7 +6182,7 @@
       </p:grpSpPr>
       <p:sp>
         <p:nvSpPr>
-          <p:cNvPr id="307" name="PlaceHolder 1"/>
+          <p:cNvPr id="271" name="PlaceHolder 1"/>
           <p:cNvSpPr>
             <a:spLocks noGrp="1" noRot="1" noChangeAspect="1"/>
           </p:cNvSpPr>
@@ -6176,17 +6192,17 @@
         </p:nvSpPr>
         <p:spPr>
           <a:xfrm>
-            <a:off x="685800" y="1143000"/>
-            <a:ext cx="5482800" cy="3082320"/>
-          </a:xfrm>
-          <a:prstGeom prst="rect">
-            <a:avLst/>
-          </a:prstGeom>
-        </p:spPr>
-      </p:sp>
-      <p:sp>
-        <p:nvSpPr>
-          <p:cNvPr id="308" name="PlaceHolder 2"/>
+            <a:off x="687388" y="1143000"/>
+            <a:ext cx="5480050" cy="3082925"/>
+          </a:xfrm>
+          <a:prstGeom prst="rect">
+            <a:avLst/>
+          </a:prstGeom>
+        </p:spPr>
+      </p:sp>
+      <p:sp>
+        <p:nvSpPr>
+          <p:cNvPr id="272" name="PlaceHolder 2"/>
           <p:cNvSpPr>
             <a:spLocks noGrp="1"/>
           </p:cNvSpPr>
@@ -6217,7 +6233,7 @@
       </p:sp>
       <p:sp>
         <p:nvSpPr>
-          <p:cNvPr id="309" name="CustomShape 3"/>
+          <p:cNvPr id="273" name="CustomShape 3"/>
           <p:cNvSpPr/>
           <p:nvPr/>
         </p:nvSpPr>
@@ -6257,7 +6273,7 @@
                 <a:spcPct val="100000"/>
               </a:lnSpc>
             </a:pPr>
-            <a:fld id="{B0CFDC8E-E808-4FCA-BF70-6567A9414BBB}" type="slidenum">
+            <a:fld id="{3CAA4DD7-21EB-4D46-BE74-1C1D7089509A}" type="slidenum">
               <a:rPr lang="pt-BR" sz="1200" b="0" strike="noStrike" spc="-1">
                 <a:solidFill>
                   <a:srgbClr val="000000"/>
@@ -6274,6 +6290,11 @@
         </p:txBody>
       </p:sp>
     </p:spTree>
+    <p:extLst>
+      <p:ext uri="{BB962C8B-B14F-4D97-AF65-F5344CB8AC3E}">
+        <p14:creationId xmlns:p14="http://schemas.microsoft.com/office/powerpoint/2010/main" val="3282667209"/>
+      </p:ext>
+    </p:extLst>
   </p:cSld>
   <p:clrMapOvr>
     <a:masterClrMapping/>
@@ -6300,7 +6321,7 @@
       </p:grpSpPr>
       <p:sp>
         <p:nvSpPr>
-          <p:cNvPr id="310" name="PlaceHolder 1"/>
+          <p:cNvPr id="271" name="PlaceHolder 1"/>
           <p:cNvSpPr>
             <a:spLocks noGrp="1" noRot="1" noChangeAspect="1"/>
           </p:cNvSpPr>
@@ -6320,7 +6341,7 @@
       </p:sp>
       <p:sp>
         <p:nvSpPr>
-          <p:cNvPr id="311" name="PlaceHolder 2"/>
+          <p:cNvPr id="272" name="PlaceHolder 2"/>
           <p:cNvSpPr>
             <a:spLocks noGrp="1"/>
           </p:cNvSpPr>
@@ -6330,7 +6351,7 @@
         </p:nvSpPr>
         <p:spPr>
           <a:xfrm>
-            <a:off x="685800" y="4400640"/>
+            <a:off x="685800" y="4320000"/>
             <a:ext cx="5482440" cy="3596400"/>
           </a:xfrm>
           <a:prstGeom prst="rect">
@@ -6351,7 +6372,7 @@
       </p:sp>
       <p:sp>
         <p:nvSpPr>
-          <p:cNvPr id="312" name="CustomShape 3"/>
+          <p:cNvPr id="273" name="CustomShape 3"/>
           <p:cNvSpPr/>
           <p:nvPr/>
         </p:nvSpPr>
@@ -6391,7 +6412,7 @@
                 <a:spcPct val="100000"/>
               </a:lnSpc>
             </a:pPr>
-            <a:fld id="{A4A9D5A6-6C48-4B43-8032-A4F02E798000}" type="slidenum">
+            <a:fld id="{3CAA4DD7-21EB-4D46-BE74-1C1D7089509A}" type="slidenum">
               <a:rPr lang="pt-BR" sz="1200" b="0" strike="noStrike" spc="-1">
                 <a:solidFill>
                   <a:srgbClr val="000000"/>
@@ -6408,6 +6429,11 @@
         </p:txBody>
       </p:sp>
     </p:spTree>
+    <p:extLst>
+      <p:ext uri="{BB962C8B-B14F-4D97-AF65-F5344CB8AC3E}">
+        <p14:creationId xmlns:p14="http://schemas.microsoft.com/office/powerpoint/2010/main" val="3266135141"/>
+      </p:ext>
+    </p:extLst>
   </p:cSld>
   <p:clrMapOvr>
     <a:masterClrMapping/>
@@ -6434,7 +6460,7 @@
       </p:grpSpPr>
       <p:sp>
         <p:nvSpPr>
-          <p:cNvPr id="313" name="PlaceHolder 1"/>
+          <p:cNvPr id="271" name="PlaceHolder 1"/>
           <p:cNvSpPr>
             <a:spLocks noGrp="1" noRot="1" noChangeAspect="1"/>
           </p:cNvSpPr>
@@ -6444,17 +6470,17 @@
         </p:nvSpPr>
         <p:spPr>
           <a:xfrm>
-            <a:off x="685800" y="1143000"/>
-            <a:ext cx="5482800" cy="3082320"/>
-          </a:xfrm>
-          <a:prstGeom prst="rect">
-            <a:avLst/>
-          </a:prstGeom>
-        </p:spPr>
-      </p:sp>
-      <p:sp>
-        <p:nvSpPr>
-          <p:cNvPr id="314" name="PlaceHolder 2"/>
+            <a:off x="687388" y="1143000"/>
+            <a:ext cx="5480050" cy="3082925"/>
+          </a:xfrm>
+          <a:prstGeom prst="rect">
+            <a:avLst/>
+          </a:prstGeom>
+        </p:spPr>
+      </p:sp>
+      <p:sp>
+        <p:nvSpPr>
+          <p:cNvPr id="272" name="PlaceHolder 2"/>
           <p:cNvSpPr>
             <a:spLocks noGrp="1"/>
           </p:cNvSpPr>
@@ -6464,7 +6490,7 @@
         </p:nvSpPr>
         <p:spPr>
           <a:xfrm>
-            <a:off x="685800" y="4400640"/>
+            <a:off x="685800" y="4320000"/>
             <a:ext cx="5482440" cy="3596400"/>
           </a:xfrm>
           <a:prstGeom prst="rect">
@@ -6485,7 +6511,7 @@
       </p:sp>
       <p:sp>
         <p:nvSpPr>
-          <p:cNvPr id="315" name="CustomShape 3"/>
+          <p:cNvPr id="273" name="CustomShape 3"/>
           <p:cNvSpPr/>
           <p:nvPr/>
         </p:nvSpPr>
@@ -6525,7 +6551,7 @@
                 <a:spcPct val="100000"/>
               </a:lnSpc>
             </a:pPr>
-            <a:fld id="{B008546A-9EE6-49C8-B1DE-CF65AB5C1D04}" type="slidenum">
+            <a:fld id="{3CAA4DD7-21EB-4D46-BE74-1C1D7089509A}" type="slidenum">
               <a:rPr lang="pt-BR" sz="1200" b="0" strike="noStrike" spc="-1">
                 <a:solidFill>
                   <a:srgbClr val="000000"/>
@@ -6542,6 +6568,11 @@
         </p:txBody>
       </p:sp>
     </p:spTree>
+    <p:extLst>
+      <p:ext uri="{BB962C8B-B14F-4D97-AF65-F5344CB8AC3E}">
+        <p14:creationId xmlns:p14="http://schemas.microsoft.com/office/powerpoint/2010/main" val="1422022650"/>
+      </p:ext>
+    </p:extLst>
   </p:cSld>
   <p:clrMapOvr>
     <a:masterClrMapping/>
@@ -6702,7 +6733,7 @@
       </p:grpSpPr>
       <p:sp>
         <p:nvSpPr>
-          <p:cNvPr id="316" name="PlaceHolder 1"/>
+          <p:cNvPr id="271" name="PlaceHolder 1"/>
           <p:cNvSpPr>
             <a:spLocks noGrp="1" noRot="1" noChangeAspect="1"/>
           </p:cNvSpPr>
@@ -6712,17 +6743,17 @@
         </p:nvSpPr>
         <p:spPr>
           <a:xfrm>
-            <a:off x="685800" y="1143000"/>
-            <a:ext cx="5482800" cy="3082320"/>
-          </a:xfrm>
-          <a:prstGeom prst="rect">
-            <a:avLst/>
-          </a:prstGeom>
-        </p:spPr>
-      </p:sp>
-      <p:sp>
-        <p:nvSpPr>
-          <p:cNvPr id="317" name="PlaceHolder 2"/>
+            <a:off x="687388" y="1143000"/>
+            <a:ext cx="5480050" cy="3082925"/>
+          </a:xfrm>
+          <a:prstGeom prst="rect">
+            <a:avLst/>
+          </a:prstGeom>
+        </p:spPr>
+      </p:sp>
+      <p:sp>
+        <p:nvSpPr>
+          <p:cNvPr id="272" name="PlaceHolder 2"/>
           <p:cNvSpPr>
             <a:spLocks noGrp="1"/>
           </p:cNvSpPr>
@@ -6732,7 +6763,7 @@
         </p:nvSpPr>
         <p:spPr>
           <a:xfrm>
-            <a:off x="685800" y="4400640"/>
+            <a:off x="685800" y="4320000"/>
             <a:ext cx="5482440" cy="3596400"/>
           </a:xfrm>
           <a:prstGeom prst="rect">
@@ -6753,7 +6784,7 @@
       </p:sp>
       <p:sp>
         <p:nvSpPr>
-          <p:cNvPr id="318" name="CustomShape 3"/>
+          <p:cNvPr id="273" name="CustomShape 3"/>
           <p:cNvSpPr/>
           <p:nvPr/>
         </p:nvSpPr>
@@ -6793,6 +6824,820 @@
                 <a:spcPct val="100000"/>
               </a:lnSpc>
             </a:pPr>
+            <a:fld id="{3CAA4DD7-21EB-4D46-BE74-1C1D7089509A}" type="slidenum">
+              <a:rPr lang="pt-BR" sz="1200" b="0" strike="noStrike" spc="-1">
+                <a:solidFill>
+                  <a:srgbClr val="000000"/>
+                </a:solidFill>
+                <a:latin typeface="Times New Roman"/>
+                <a:ea typeface="+mn-ea"/>
+              </a:rPr>
+              <a:t>50</a:t>
+            </a:fld>
+            <a:endParaRPr lang="pt-BR" sz="1200" b="0" strike="noStrike" spc="-1">
+              <a:latin typeface="Arial"/>
+            </a:endParaRPr>
+          </a:p>
+        </p:txBody>
+      </p:sp>
+    </p:spTree>
+    <p:extLst>
+      <p:ext uri="{BB962C8B-B14F-4D97-AF65-F5344CB8AC3E}">
+        <p14:creationId xmlns:p14="http://schemas.microsoft.com/office/powerpoint/2010/main" val="1643026945"/>
+      </p:ext>
+    </p:extLst>
+  </p:cSld>
+  <p:clrMapOvr>
+    <a:masterClrMapping/>
+  </p:clrMapOvr>
+</p:notes>
+</file>
+
+<file path=ppt/notesSlides/notesSlide51.xml><?xml version="1.0" encoding="utf-8"?>
+<p:notes xmlns:a="http://schemas.openxmlformats.org/drawingml/2006/main" xmlns:r="http://schemas.openxmlformats.org/officeDocument/2006/relationships" xmlns:p="http://schemas.openxmlformats.org/presentationml/2006/main">
+  <p:cSld>
+    <p:spTree>
+      <p:nvGrpSpPr>
+        <p:cNvPr id="1" name=""/>
+        <p:cNvGrpSpPr/>
+        <p:nvPr/>
+      </p:nvGrpSpPr>
+      <p:grpSpPr>
+        <a:xfrm>
+          <a:off x="0" y="0"/>
+          <a:ext cx="0" cy="0"/>
+          <a:chOff x="0" y="0"/>
+          <a:chExt cx="0" cy="0"/>
+        </a:xfrm>
+      </p:grpSpPr>
+      <p:sp>
+        <p:nvSpPr>
+          <p:cNvPr id="271" name="PlaceHolder 1"/>
+          <p:cNvSpPr>
+            <a:spLocks noGrp="1" noRot="1" noChangeAspect="1"/>
+          </p:cNvSpPr>
+          <p:nvPr>
+            <p:ph type="sldImg"/>
+          </p:nvPr>
+        </p:nvSpPr>
+        <p:spPr>
+          <a:xfrm>
+            <a:off x="687388" y="1143000"/>
+            <a:ext cx="5480050" cy="3082925"/>
+          </a:xfrm>
+          <a:prstGeom prst="rect">
+            <a:avLst/>
+          </a:prstGeom>
+        </p:spPr>
+      </p:sp>
+      <p:sp>
+        <p:nvSpPr>
+          <p:cNvPr id="272" name="PlaceHolder 2"/>
+          <p:cNvSpPr>
+            <a:spLocks noGrp="1"/>
+          </p:cNvSpPr>
+          <p:nvPr>
+            <p:ph type="body"/>
+          </p:nvPr>
+        </p:nvSpPr>
+        <p:spPr>
+          <a:xfrm>
+            <a:off x="685800" y="4320000"/>
+            <a:ext cx="5482440" cy="3596400"/>
+          </a:xfrm>
+          <a:prstGeom prst="rect">
+            <a:avLst/>
+          </a:prstGeom>
+        </p:spPr>
+        <p:txBody>
+          <a:bodyPr lIns="0" tIns="0" rIns="0" bIns="0">
+            <a:noAutofit/>
+          </a:bodyPr>
+          <a:lstStyle/>
+          <a:p>
+            <a:endParaRPr lang="pt-BR" sz="2000" b="0" strike="noStrike" spc="-1">
+              <a:latin typeface="Arial"/>
+            </a:endParaRPr>
+          </a:p>
+        </p:txBody>
+      </p:sp>
+      <p:sp>
+        <p:nvSpPr>
+          <p:cNvPr id="273" name="CustomShape 3"/>
+          <p:cNvSpPr/>
+          <p:nvPr/>
+        </p:nvSpPr>
+        <p:spPr>
+          <a:xfrm>
+            <a:off x="3884760" y="8685360"/>
+            <a:ext cx="2967840" cy="454680"/>
+          </a:xfrm>
+          <a:prstGeom prst="rect">
+            <a:avLst/>
+          </a:prstGeom>
+          <a:noFill/>
+          <a:ln>
+            <a:noFill/>
+          </a:ln>
+        </p:spPr>
+        <p:style>
+          <a:lnRef idx="0">
+            <a:scrgbClr r="0" g="0" b="0"/>
+          </a:lnRef>
+          <a:fillRef idx="0">
+            <a:scrgbClr r="0" g="0" b="0"/>
+          </a:fillRef>
+          <a:effectRef idx="0">
+            <a:scrgbClr r="0" g="0" b="0"/>
+          </a:effectRef>
+          <a:fontRef idx="minor"/>
+        </p:style>
+        <p:txBody>
+          <a:bodyPr lIns="90000" tIns="45000" rIns="90000" bIns="45000" anchor="b">
+            <a:noAutofit/>
+          </a:bodyPr>
+          <a:lstStyle/>
+          <a:p>
+            <a:pPr algn="r">
+              <a:lnSpc>
+                <a:spcPct val="100000"/>
+              </a:lnSpc>
+            </a:pPr>
+            <a:fld id="{3CAA4DD7-21EB-4D46-BE74-1C1D7089509A}" type="slidenum">
+              <a:rPr lang="pt-BR" sz="1200" b="0" strike="noStrike" spc="-1">
+                <a:solidFill>
+                  <a:srgbClr val="000000"/>
+                </a:solidFill>
+                <a:latin typeface="Times New Roman"/>
+                <a:ea typeface="+mn-ea"/>
+              </a:rPr>
+              <a:t>51</a:t>
+            </a:fld>
+            <a:endParaRPr lang="pt-BR" sz="1200" b="0" strike="noStrike" spc="-1">
+              <a:latin typeface="Arial"/>
+            </a:endParaRPr>
+          </a:p>
+        </p:txBody>
+      </p:sp>
+    </p:spTree>
+    <p:extLst>
+      <p:ext uri="{BB962C8B-B14F-4D97-AF65-F5344CB8AC3E}">
+        <p14:creationId xmlns:p14="http://schemas.microsoft.com/office/powerpoint/2010/main" val="4104202253"/>
+      </p:ext>
+    </p:extLst>
+  </p:cSld>
+  <p:clrMapOvr>
+    <a:masterClrMapping/>
+  </p:clrMapOvr>
+</p:notes>
+</file>
+
+<file path=ppt/notesSlides/notesSlide52.xml><?xml version="1.0" encoding="utf-8"?>
+<p:notes xmlns:a="http://schemas.openxmlformats.org/drawingml/2006/main" xmlns:r="http://schemas.openxmlformats.org/officeDocument/2006/relationships" xmlns:p="http://schemas.openxmlformats.org/presentationml/2006/main">
+  <p:cSld>
+    <p:spTree>
+      <p:nvGrpSpPr>
+        <p:cNvPr id="1" name=""/>
+        <p:cNvGrpSpPr/>
+        <p:nvPr/>
+      </p:nvGrpSpPr>
+      <p:grpSpPr>
+        <a:xfrm>
+          <a:off x="0" y="0"/>
+          <a:ext cx="0" cy="0"/>
+          <a:chOff x="0" y="0"/>
+          <a:chExt cx="0" cy="0"/>
+        </a:xfrm>
+      </p:grpSpPr>
+      <p:sp>
+        <p:nvSpPr>
+          <p:cNvPr id="304" name="PlaceHolder 1"/>
+          <p:cNvSpPr>
+            <a:spLocks noGrp="1" noRot="1" noChangeAspect="1"/>
+          </p:cNvSpPr>
+          <p:nvPr>
+            <p:ph type="sldImg"/>
+          </p:nvPr>
+        </p:nvSpPr>
+        <p:spPr>
+          <a:xfrm>
+            <a:off x="685800" y="1143000"/>
+            <a:ext cx="5482800" cy="3082320"/>
+          </a:xfrm>
+          <a:prstGeom prst="rect">
+            <a:avLst/>
+          </a:prstGeom>
+        </p:spPr>
+      </p:sp>
+      <p:sp>
+        <p:nvSpPr>
+          <p:cNvPr id="305" name="PlaceHolder 2"/>
+          <p:cNvSpPr>
+            <a:spLocks noGrp="1"/>
+          </p:cNvSpPr>
+          <p:nvPr>
+            <p:ph type="body"/>
+          </p:nvPr>
+        </p:nvSpPr>
+        <p:spPr>
+          <a:xfrm>
+            <a:off x="685800" y="4320000"/>
+            <a:ext cx="5482440" cy="3596400"/>
+          </a:xfrm>
+          <a:prstGeom prst="rect">
+            <a:avLst/>
+          </a:prstGeom>
+        </p:spPr>
+        <p:txBody>
+          <a:bodyPr lIns="0" tIns="0" rIns="0" bIns="0">
+            <a:noAutofit/>
+          </a:bodyPr>
+          <a:lstStyle/>
+          <a:p>
+            <a:endParaRPr lang="pt-BR" sz="2000" b="0" strike="noStrike" spc="-1">
+              <a:latin typeface="Arial"/>
+            </a:endParaRPr>
+          </a:p>
+        </p:txBody>
+      </p:sp>
+      <p:sp>
+        <p:nvSpPr>
+          <p:cNvPr id="306" name="CustomShape 3"/>
+          <p:cNvSpPr/>
+          <p:nvPr/>
+        </p:nvSpPr>
+        <p:spPr>
+          <a:xfrm>
+            <a:off x="3884760" y="8685360"/>
+            <a:ext cx="2967840" cy="454680"/>
+          </a:xfrm>
+          <a:prstGeom prst="rect">
+            <a:avLst/>
+          </a:prstGeom>
+          <a:noFill/>
+          <a:ln>
+            <a:noFill/>
+          </a:ln>
+        </p:spPr>
+        <p:style>
+          <a:lnRef idx="0">
+            <a:scrgbClr r="0" g="0" b="0"/>
+          </a:lnRef>
+          <a:fillRef idx="0">
+            <a:scrgbClr r="0" g="0" b="0"/>
+          </a:fillRef>
+          <a:effectRef idx="0">
+            <a:scrgbClr r="0" g="0" b="0"/>
+          </a:effectRef>
+          <a:fontRef idx="minor"/>
+        </p:style>
+        <p:txBody>
+          <a:bodyPr lIns="90000" tIns="45000" rIns="90000" bIns="45000" anchor="b">
+            <a:noAutofit/>
+          </a:bodyPr>
+          <a:lstStyle/>
+          <a:p>
+            <a:pPr algn="r">
+              <a:lnSpc>
+                <a:spcPct val="100000"/>
+              </a:lnSpc>
+            </a:pPr>
+            <a:fld id="{F4C072A3-0E1D-4C79-A8AC-BB1726406D60}" type="slidenum">
+              <a:rPr lang="pt-BR" sz="1200" b="0" strike="noStrike" spc="-1">
+                <a:solidFill>
+                  <a:srgbClr val="000000"/>
+                </a:solidFill>
+                <a:latin typeface="Times New Roman"/>
+                <a:ea typeface="+mn-ea"/>
+              </a:rPr>
+              <a:t>52</a:t>
+            </a:fld>
+            <a:endParaRPr lang="pt-BR" sz="1200" b="0" strike="noStrike" spc="-1">
+              <a:latin typeface="Arial"/>
+            </a:endParaRPr>
+          </a:p>
+        </p:txBody>
+      </p:sp>
+    </p:spTree>
+  </p:cSld>
+  <p:clrMapOvr>
+    <a:masterClrMapping/>
+  </p:clrMapOvr>
+</p:notes>
+</file>
+
+<file path=ppt/notesSlides/notesSlide53.xml><?xml version="1.0" encoding="utf-8"?>
+<p:notes xmlns:a="http://schemas.openxmlformats.org/drawingml/2006/main" xmlns:r="http://schemas.openxmlformats.org/officeDocument/2006/relationships" xmlns:p="http://schemas.openxmlformats.org/presentationml/2006/main">
+  <p:cSld>
+    <p:spTree>
+      <p:nvGrpSpPr>
+        <p:cNvPr id="1" name=""/>
+        <p:cNvGrpSpPr/>
+        <p:nvPr/>
+      </p:nvGrpSpPr>
+      <p:grpSpPr>
+        <a:xfrm>
+          <a:off x="0" y="0"/>
+          <a:ext cx="0" cy="0"/>
+          <a:chOff x="0" y="0"/>
+          <a:chExt cx="0" cy="0"/>
+        </a:xfrm>
+      </p:grpSpPr>
+      <p:sp>
+        <p:nvSpPr>
+          <p:cNvPr id="307" name="PlaceHolder 1"/>
+          <p:cNvSpPr>
+            <a:spLocks noGrp="1" noRot="1" noChangeAspect="1"/>
+          </p:cNvSpPr>
+          <p:nvPr>
+            <p:ph type="sldImg"/>
+          </p:nvPr>
+        </p:nvSpPr>
+        <p:spPr>
+          <a:xfrm>
+            <a:off x="685800" y="1143000"/>
+            <a:ext cx="5482800" cy="3082320"/>
+          </a:xfrm>
+          <a:prstGeom prst="rect">
+            <a:avLst/>
+          </a:prstGeom>
+        </p:spPr>
+      </p:sp>
+      <p:sp>
+        <p:nvSpPr>
+          <p:cNvPr id="308" name="PlaceHolder 2"/>
+          <p:cNvSpPr>
+            <a:spLocks noGrp="1"/>
+          </p:cNvSpPr>
+          <p:nvPr>
+            <p:ph type="body"/>
+          </p:nvPr>
+        </p:nvSpPr>
+        <p:spPr>
+          <a:xfrm>
+            <a:off x="685800" y="4320000"/>
+            <a:ext cx="5482440" cy="3596400"/>
+          </a:xfrm>
+          <a:prstGeom prst="rect">
+            <a:avLst/>
+          </a:prstGeom>
+        </p:spPr>
+        <p:txBody>
+          <a:bodyPr lIns="0" tIns="0" rIns="0" bIns="0">
+            <a:noAutofit/>
+          </a:bodyPr>
+          <a:lstStyle/>
+          <a:p>
+            <a:endParaRPr lang="pt-BR" sz="2000" b="0" strike="noStrike" spc="-1">
+              <a:latin typeface="Arial"/>
+            </a:endParaRPr>
+          </a:p>
+        </p:txBody>
+      </p:sp>
+      <p:sp>
+        <p:nvSpPr>
+          <p:cNvPr id="309" name="CustomShape 3"/>
+          <p:cNvSpPr/>
+          <p:nvPr/>
+        </p:nvSpPr>
+        <p:spPr>
+          <a:xfrm>
+            <a:off x="3884760" y="8685360"/>
+            <a:ext cx="2967840" cy="454680"/>
+          </a:xfrm>
+          <a:prstGeom prst="rect">
+            <a:avLst/>
+          </a:prstGeom>
+          <a:noFill/>
+          <a:ln>
+            <a:noFill/>
+          </a:ln>
+        </p:spPr>
+        <p:style>
+          <a:lnRef idx="0">
+            <a:scrgbClr r="0" g="0" b="0"/>
+          </a:lnRef>
+          <a:fillRef idx="0">
+            <a:scrgbClr r="0" g="0" b="0"/>
+          </a:fillRef>
+          <a:effectRef idx="0">
+            <a:scrgbClr r="0" g="0" b="0"/>
+          </a:effectRef>
+          <a:fontRef idx="minor"/>
+        </p:style>
+        <p:txBody>
+          <a:bodyPr lIns="90000" tIns="45000" rIns="90000" bIns="45000" anchor="b">
+            <a:noAutofit/>
+          </a:bodyPr>
+          <a:lstStyle/>
+          <a:p>
+            <a:pPr algn="r">
+              <a:lnSpc>
+                <a:spcPct val="100000"/>
+              </a:lnSpc>
+            </a:pPr>
+            <a:fld id="{B0CFDC8E-E808-4FCA-BF70-6567A9414BBB}" type="slidenum">
+              <a:rPr lang="pt-BR" sz="1200" b="0" strike="noStrike" spc="-1">
+                <a:solidFill>
+                  <a:srgbClr val="000000"/>
+                </a:solidFill>
+                <a:latin typeface="Times New Roman"/>
+                <a:ea typeface="+mn-ea"/>
+              </a:rPr>
+              <a:t>53</a:t>
+            </a:fld>
+            <a:endParaRPr lang="pt-BR" sz="1200" b="0" strike="noStrike" spc="-1">
+              <a:latin typeface="Arial"/>
+            </a:endParaRPr>
+          </a:p>
+        </p:txBody>
+      </p:sp>
+    </p:spTree>
+  </p:cSld>
+  <p:clrMapOvr>
+    <a:masterClrMapping/>
+  </p:clrMapOvr>
+</p:notes>
+</file>
+
+<file path=ppt/notesSlides/notesSlide54.xml><?xml version="1.0" encoding="utf-8"?>
+<p:notes xmlns:a="http://schemas.openxmlformats.org/drawingml/2006/main" xmlns:r="http://schemas.openxmlformats.org/officeDocument/2006/relationships" xmlns:p="http://schemas.openxmlformats.org/presentationml/2006/main">
+  <p:cSld>
+    <p:spTree>
+      <p:nvGrpSpPr>
+        <p:cNvPr id="1" name=""/>
+        <p:cNvGrpSpPr/>
+        <p:nvPr/>
+      </p:nvGrpSpPr>
+      <p:grpSpPr>
+        <a:xfrm>
+          <a:off x="0" y="0"/>
+          <a:ext cx="0" cy="0"/>
+          <a:chOff x="0" y="0"/>
+          <a:chExt cx="0" cy="0"/>
+        </a:xfrm>
+      </p:grpSpPr>
+      <p:sp>
+        <p:nvSpPr>
+          <p:cNvPr id="310" name="PlaceHolder 1"/>
+          <p:cNvSpPr>
+            <a:spLocks noGrp="1" noRot="1" noChangeAspect="1"/>
+          </p:cNvSpPr>
+          <p:nvPr>
+            <p:ph type="sldImg"/>
+          </p:nvPr>
+        </p:nvSpPr>
+        <p:spPr>
+          <a:xfrm>
+            <a:off x="687388" y="1143000"/>
+            <a:ext cx="5480050" cy="3082925"/>
+          </a:xfrm>
+          <a:prstGeom prst="rect">
+            <a:avLst/>
+          </a:prstGeom>
+        </p:spPr>
+      </p:sp>
+      <p:sp>
+        <p:nvSpPr>
+          <p:cNvPr id="311" name="PlaceHolder 2"/>
+          <p:cNvSpPr>
+            <a:spLocks noGrp="1"/>
+          </p:cNvSpPr>
+          <p:nvPr>
+            <p:ph type="body"/>
+          </p:nvPr>
+        </p:nvSpPr>
+        <p:spPr>
+          <a:xfrm>
+            <a:off x="685800" y="4400640"/>
+            <a:ext cx="5482440" cy="3596400"/>
+          </a:xfrm>
+          <a:prstGeom prst="rect">
+            <a:avLst/>
+          </a:prstGeom>
+        </p:spPr>
+        <p:txBody>
+          <a:bodyPr lIns="0" tIns="0" rIns="0" bIns="0">
+            <a:noAutofit/>
+          </a:bodyPr>
+          <a:lstStyle/>
+          <a:p>
+            <a:endParaRPr lang="pt-BR" sz="2000" b="0" strike="noStrike" spc="-1">
+              <a:latin typeface="Arial"/>
+            </a:endParaRPr>
+          </a:p>
+        </p:txBody>
+      </p:sp>
+      <p:sp>
+        <p:nvSpPr>
+          <p:cNvPr id="312" name="CustomShape 3"/>
+          <p:cNvSpPr/>
+          <p:nvPr/>
+        </p:nvSpPr>
+        <p:spPr>
+          <a:xfrm>
+            <a:off x="3884760" y="8685360"/>
+            <a:ext cx="2967840" cy="454680"/>
+          </a:xfrm>
+          <a:prstGeom prst="rect">
+            <a:avLst/>
+          </a:prstGeom>
+          <a:noFill/>
+          <a:ln>
+            <a:noFill/>
+          </a:ln>
+        </p:spPr>
+        <p:style>
+          <a:lnRef idx="0">
+            <a:scrgbClr r="0" g="0" b="0"/>
+          </a:lnRef>
+          <a:fillRef idx="0">
+            <a:scrgbClr r="0" g="0" b="0"/>
+          </a:fillRef>
+          <a:effectRef idx="0">
+            <a:scrgbClr r="0" g="0" b="0"/>
+          </a:effectRef>
+          <a:fontRef idx="minor"/>
+        </p:style>
+        <p:txBody>
+          <a:bodyPr lIns="90000" tIns="45000" rIns="90000" bIns="45000" anchor="b">
+            <a:noAutofit/>
+          </a:bodyPr>
+          <a:lstStyle/>
+          <a:p>
+            <a:pPr algn="r">
+              <a:lnSpc>
+                <a:spcPct val="100000"/>
+              </a:lnSpc>
+            </a:pPr>
+            <a:fld id="{A4A9D5A6-6C48-4B43-8032-A4F02E798000}" type="slidenum">
+              <a:rPr lang="pt-BR" sz="1200" b="0" strike="noStrike" spc="-1">
+                <a:solidFill>
+                  <a:srgbClr val="000000"/>
+                </a:solidFill>
+                <a:latin typeface="Times New Roman"/>
+                <a:ea typeface="+mn-ea"/>
+              </a:rPr>
+              <a:t>54</a:t>
+            </a:fld>
+            <a:endParaRPr lang="pt-BR" sz="1200" b="0" strike="noStrike" spc="-1">
+              <a:latin typeface="Arial"/>
+            </a:endParaRPr>
+          </a:p>
+        </p:txBody>
+      </p:sp>
+    </p:spTree>
+  </p:cSld>
+  <p:clrMapOvr>
+    <a:masterClrMapping/>
+  </p:clrMapOvr>
+</p:notes>
+</file>
+
+<file path=ppt/notesSlides/notesSlide55.xml><?xml version="1.0" encoding="utf-8"?>
+<p:notes xmlns:a="http://schemas.openxmlformats.org/drawingml/2006/main" xmlns:r="http://schemas.openxmlformats.org/officeDocument/2006/relationships" xmlns:p="http://schemas.openxmlformats.org/presentationml/2006/main">
+  <p:cSld>
+    <p:spTree>
+      <p:nvGrpSpPr>
+        <p:cNvPr id="1" name=""/>
+        <p:cNvGrpSpPr/>
+        <p:nvPr/>
+      </p:nvGrpSpPr>
+      <p:grpSpPr>
+        <a:xfrm>
+          <a:off x="0" y="0"/>
+          <a:ext cx="0" cy="0"/>
+          <a:chOff x="0" y="0"/>
+          <a:chExt cx="0" cy="0"/>
+        </a:xfrm>
+      </p:grpSpPr>
+      <p:sp>
+        <p:nvSpPr>
+          <p:cNvPr id="313" name="PlaceHolder 1"/>
+          <p:cNvSpPr>
+            <a:spLocks noGrp="1" noRot="1" noChangeAspect="1"/>
+          </p:cNvSpPr>
+          <p:nvPr>
+            <p:ph type="sldImg"/>
+          </p:nvPr>
+        </p:nvSpPr>
+        <p:spPr>
+          <a:xfrm>
+            <a:off x="685800" y="1143000"/>
+            <a:ext cx="5482800" cy="3082320"/>
+          </a:xfrm>
+          <a:prstGeom prst="rect">
+            <a:avLst/>
+          </a:prstGeom>
+        </p:spPr>
+      </p:sp>
+      <p:sp>
+        <p:nvSpPr>
+          <p:cNvPr id="314" name="PlaceHolder 2"/>
+          <p:cNvSpPr>
+            <a:spLocks noGrp="1"/>
+          </p:cNvSpPr>
+          <p:nvPr>
+            <p:ph type="body"/>
+          </p:nvPr>
+        </p:nvSpPr>
+        <p:spPr>
+          <a:xfrm>
+            <a:off x="685800" y="4400640"/>
+            <a:ext cx="5482440" cy="3596400"/>
+          </a:xfrm>
+          <a:prstGeom prst="rect">
+            <a:avLst/>
+          </a:prstGeom>
+        </p:spPr>
+        <p:txBody>
+          <a:bodyPr lIns="0" tIns="0" rIns="0" bIns="0">
+            <a:noAutofit/>
+          </a:bodyPr>
+          <a:lstStyle/>
+          <a:p>
+            <a:endParaRPr lang="pt-BR" sz="2000" b="0" strike="noStrike" spc="-1">
+              <a:latin typeface="Arial"/>
+            </a:endParaRPr>
+          </a:p>
+        </p:txBody>
+      </p:sp>
+      <p:sp>
+        <p:nvSpPr>
+          <p:cNvPr id="315" name="CustomShape 3"/>
+          <p:cNvSpPr/>
+          <p:nvPr/>
+        </p:nvSpPr>
+        <p:spPr>
+          <a:xfrm>
+            <a:off x="3884760" y="8685360"/>
+            <a:ext cx="2967840" cy="454680"/>
+          </a:xfrm>
+          <a:prstGeom prst="rect">
+            <a:avLst/>
+          </a:prstGeom>
+          <a:noFill/>
+          <a:ln>
+            <a:noFill/>
+          </a:ln>
+        </p:spPr>
+        <p:style>
+          <a:lnRef idx="0">
+            <a:scrgbClr r="0" g="0" b="0"/>
+          </a:lnRef>
+          <a:fillRef idx="0">
+            <a:scrgbClr r="0" g="0" b="0"/>
+          </a:fillRef>
+          <a:effectRef idx="0">
+            <a:scrgbClr r="0" g="0" b="0"/>
+          </a:effectRef>
+          <a:fontRef idx="minor"/>
+        </p:style>
+        <p:txBody>
+          <a:bodyPr lIns="90000" tIns="45000" rIns="90000" bIns="45000" anchor="b">
+            <a:noAutofit/>
+          </a:bodyPr>
+          <a:lstStyle/>
+          <a:p>
+            <a:pPr algn="r">
+              <a:lnSpc>
+                <a:spcPct val="100000"/>
+              </a:lnSpc>
+            </a:pPr>
+            <a:fld id="{B008546A-9EE6-49C8-B1DE-CF65AB5C1D04}" type="slidenum">
+              <a:rPr lang="pt-BR" sz="1200" b="0" strike="noStrike" spc="-1">
+                <a:solidFill>
+                  <a:srgbClr val="000000"/>
+                </a:solidFill>
+                <a:latin typeface="Times New Roman"/>
+                <a:ea typeface="+mn-ea"/>
+              </a:rPr>
+              <a:t>55</a:t>
+            </a:fld>
+            <a:endParaRPr lang="pt-BR" sz="1200" b="0" strike="noStrike" spc="-1">
+              <a:latin typeface="Arial"/>
+            </a:endParaRPr>
+          </a:p>
+        </p:txBody>
+      </p:sp>
+    </p:spTree>
+  </p:cSld>
+  <p:clrMapOvr>
+    <a:masterClrMapping/>
+  </p:clrMapOvr>
+</p:notes>
+</file>
+
+<file path=ppt/notesSlides/notesSlide56.xml><?xml version="1.0" encoding="utf-8"?>
+<p:notes xmlns:a="http://schemas.openxmlformats.org/drawingml/2006/main" xmlns:r="http://schemas.openxmlformats.org/officeDocument/2006/relationships" xmlns:p="http://schemas.openxmlformats.org/presentationml/2006/main">
+  <p:cSld>
+    <p:spTree>
+      <p:nvGrpSpPr>
+        <p:cNvPr id="1" name=""/>
+        <p:cNvGrpSpPr/>
+        <p:nvPr/>
+      </p:nvGrpSpPr>
+      <p:grpSpPr>
+        <a:xfrm>
+          <a:off x="0" y="0"/>
+          <a:ext cx="0" cy="0"/>
+          <a:chOff x="0" y="0"/>
+          <a:chExt cx="0" cy="0"/>
+        </a:xfrm>
+      </p:grpSpPr>
+      <p:sp>
+        <p:nvSpPr>
+          <p:cNvPr id="316" name="PlaceHolder 1"/>
+          <p:cNvSpPr>
+            <a:spLocks noGrp="1" noRot="1" noChangeAspect="1"/>
+          </p:cNvSpPr>
+          <p:nvPr>
+            <p:ph type="sldImg"/>
+          </p:nvPr>
+        </p:nvSpPr>
+        <p:spPr>
+          <a:xfrm>
+            <a:off x="687388" y="1143000"/>
+            <a:ext cx="5480050" cy="3082925"/>
+          </a:xfrm>
+          <a:prstGeom prst="rect">
+            <a:avLst/>
+          </a:prstGeom>
+        </p:spPr>
+      </p:sp>
+      <p:sp>
+        <p:nvSpPr>
+          <p:cNvPr id="317" name="PlaceHolder 2"/>
+          <p:cNvSpPr>
+            <a:spLocks noGrp="1"/>
+          </p:cNvSpPr>
+          <p:nvPr>
+            <p:ph type="body"/>
+          </p:nvPr>
+        </p:nvSpPr>
+        <p:spPr>
+          <a:xfrm>
+            <a:off x="685800" y="4400640"/>
+            <a:ext cx="5482440" cy="3596400"/>
+          </a:xfrm>
+          <a:prstGeom prst="rect">
+            <a:avLst/>
+          </a:prstGeom>
+        </p:spPr>
+        <p:txBody>
+          <a:bodyPr lIns="0" tIns="0" rIns="0" bIns="0">
+            <a:noAutofit/>
+          </a:bodyPr>
+          <a:lstStyle/>
+          <a:p>
+            <a:endParaRPr lang="pt-BR" sz="2000" b="0" strike="noStrike" spc="-1">
+              <a:latin typeface="Arial"/>
+            </a:endParaRPr>
+          </a:p>
+        </p:txBody>
+      </p:sp>
+      <p:sp>
+        <p:nvSpPr>
+          <p:cNvPr id="318" name="CustomShape 3"/>
+          <p:cNvSpPr/>
+          <p:nvPr/>
+        </p:nvSpPr>
+        <p:spPr>
+          <a:xfrm>
+            <a:off x="3884760" y="8685360"/>
+            <a:ext cx="2967840" cy="454680"/>
+          </a:xfrm>
+          <a:prstGeom prst="rect">
+            <a:avLst/>
+          </a:prstGeom>
+          <a:noFill/>
+          <a:ln>
+            <a:noFill/>
+          </a:ln>
+        </p:spPr>
+        <p:style>
+          <a:lnRef idx="0">
+            <a:scrgbClr r="0" g="0" b="0"/>
+          </a:lnRef>
+          <a:fillRef idx="0">
+            <a:scrgbClr r="0" g="0" b="0"/>
+          </a:fillRef>
+          <a:effectRef idx="0">
+            <a:scrgbClr r="0" g="0" b="0"/>
+          </a:effectRef>
+          <a:fontRef idx="minor"/>
+        </p:style>
+        <p:txBody>
+          <a:bodyPr lIns="90000" tIns="45000" rIns="90000" bIns="45000" anchor="b">
+            <a:noAutofit/>
+          </a:bodyPr>
+          <a:lstStyle/>
+          <a:p>
+            <a:pPr algn="r">
+              <a:lnSpc>
+                <a:spcPct val="100000"/>
+              </a:lnSpc>
+            </a:pPr>
             <a:fld id="{6CDBEE86-8171-4C12-86ED-7FE502965E94}" type="slidenum">
               <a:rPr lang="pt-BR" sz="1200" b="0" strike="noStrike" spc="-1">
                 <a:solidFill>
@@ -6801,7 +7646,7 @@
                 <a:latin typeface="Times New Roman"/>
                 <a:ea typeface="+mn-ea"/>
               </a:rPr>
-              <a:t>50</a:t>
+              <a:t>56</a:t>
             </a:fld>
             <a:endParaRPr lang="pt-BR" sz="1200" b="0" strike="noStrike" spc="-1">
               <a:latin typeface="Arial"/>
@@ -11441,7 +12286,7 @@
         </p:style>
         <p:txBody>
           <a:bodyPr lIns="90000" tIns="45000" rIns="90000" bIns="45000">
-            <a:normAutofit fontScale="78000" lnSpcReduction="10000"/>
+            <a:normAutofit fontScale="85500" lnSpcReduction="20000"/>
           </a:bodyPr>
           <a:lstStyle/>
           <a:p>
@@ -11507,7 +12352,7 @@
     <mc:Choice Requires="p14">
       <p:transition spd="slow" p14:dur="2000" advTm="17000"/>
     </mc:Choice>
-    <mc:Fallback xmlns:p15="http://schemas.microsoft.com/office/powerpoint/2012/main" xmlns="">
+    <mc:Fallback xmlns="" xmlns:p15="http://schemas.microsoft.com/office/powerpoint/2012/main">
       <p:transition spd="slow" advTm="17000"/>
     </mc:Fallback>
   </mc:AlternateContent>
@@ -12679,7 +13524,7 @@
         </p:style>
         <p:txBody>
           <a:bodyPr lIns="90000" tIns="45000" rIns="90000" bIns="45000">
-            <a:normAutofit fontScale="84000" lnSpcReduction="10000"/>
+            <a:normAutofit fontScale="91500" lnSpcReduction="20000"/>
           </a:bodyPr>
           <a:lstStyle/>
           <a:p>
@@ -18475,16 +19320,36 @@
               </a:lnSpc>
             </a:pPr>
             <a:r>
-              <a:rPr lang="pt-BR" sz="5400" b="0" strike="noStrike" spc="-1">
+              <a:rPr lang="pt-BR" sz="5400" b="0" strike="noStrike" spc="-1" dirty="0">
                 <a:solidFill>
                   <a:srgbClr val="1F4E79"/>
                 </a:solidFill>
                 <a:latin typeface="Arial"/>
                 <a:ea typeface="DejaVu Sans"/>
               </a:rPr>
-              <a:t>Recurso products (GET): filtro</a:t>
-            </a:r>
-            <a:endParaRPr lang="pt-BR" sz="5400" b="0" strike="noStrike" spc="-1">
+              <a:t>Recurso </a:t>
+            </a:r>
+            <a:r>
+              <a:rPr lang="pt-BR" sz="5400" b="0" strike="noStrike" spc="-1" dirty="0" err="1">
+                <a:solidFill>
+                  <a:srgbClr val="1F4E79"/>
+                </a:solidFill>
+                <a:latin typeface="Arial"/>
+                <a:ea typeface="DejaVu Sans"/>
+              </a:rPr>
+              <a:t>products</a:t>
+            </a:r>
+            <a:r>
+              <a:rPr lang="pt-BR" sz="5400" b="0" strike="noStrike" spc="-1" dirty="0">
+                <a:solidFill>
+                  <a:srgbClr val="1F4E79"/>
+                </a:solidFill>
+                <a:latin typeface="Arial"/>
+                <a:ea typeface="DejaVu Sans"/>
+              </a:rPr>
+              <a:t> (GET): filtro</a:t>
+            </a:r>
+            <a:endParaRPr lang="pt-BR" sz="5400" b="0" strike="noStrike" spc="-1" dirty="0">
               <a:latin typeface="Arial"/>
             </a:endParaRPr>
           </a:p>
@@ -21823,6 +22688,16 @@
               <a:t> </a:t>
             </a:r>
             <a:r>
+              <a:rPr lang="pt-BR" sz="2800" b="0" strike="noStrike" spc="-1" dirty="0" err="1">
+                <a:solidFill>
+                  <a:srgbClr val="1F4E79"/>
+                </a:solidFill>
+                <a:latin typeface="Courier New"/>
+                <a:ea typeface="DejaVu Sans"/>
+              </a:rPr>
+              <a:t>P</a:t>
+            </a:r>
+            <a:r>
               <a:rPr lang="pt-BR" sz="2800" spc="-1" dirty="0" err="1">
                 <a:solidFill>
                   <a:srgbClr val="1F4E79"/>
@@ -21830,7 +22705,7 @@
                 <a:latin typeface="Courier New"/>
                 <a:ea typeface="DejaVu Sans"/>
               </a:rPr>
-              <a:t>product</a:t>
+              <a:t>roduct</a:t>
             </a:r>
             <a:r>
               <a:rPr lang="pt-BR" sz="2800" b="0" strike="noStrike" spc="-1" dirty="0">
@@ -22242,7 +23117,7 @@
       </p:grpSpPr>
       <p:sp>
         <p:nvSpPr>
-          <p:cNvPr id="149" name="CustomShape 1"/>
+          <p:cNvPr id="169" name="CustomShape 1"/>
           <p:cNvSpPr/>
           <p:nvPr/>
         </p:nvSpPr>
@@ -22283,16 +23158,36 @@
               </a:lnSpc>
             </a:pPr>
             <a:r>
-              <a:rPr lang="pt-BR" sz="5400" b="0" strike="noStrike" spc="-1">
+              <a:rPr lang="pt-BR" sz="5400" b="0" i="1" strike="noStrike" spc="-1" dirty="0">
                 <a:solidFill>
                   <a:srgbClr val="1F4E79"/>
                 </a:solidFill>
                 <a:latin typeface="Arial"/>
                 <a:ea typeface="DejaVu Sans"/>
               </a:rPr>
-              <a:t>Recurso products (GET)</a:t>
-            </a:r>
-            <a:endParaRPr lang="pt-BR" sz="5400" b="0" strike="noStrike" spc="-1">
+              <a:t>Queries</a:t>
+            </a:r>
+            <a:r>
+              <a:rPr lang="pt-BR" sz="5400" b="0" strike="noStrike" spc="-1" dirty="0">
+                <a:solidFill>
+                  <a:srgbClr val="1F4E79"/>
+                </a:solidFill>
+                <a:latin typeface="Arial"/>
+                <a:ea typeface="DejaVu Sans"/>
+              </a:rPr>
+              <a:t> via </a:t>
+            </a:r>
+            <a:r>
+              <a:rPr lang="pt-BR" sz="5400" b="0" strike="noStrike" spc="-1" dirty="0" err="1">
+                <a:solidFill>
+                  <a:srgbClr val="1F4E79"/>
+                </a:solidFill>
+                <a:latin typeface="Arial"/>
+                <a:ea typeface="DejaVu Sans"/>
+              </a:rPr>
+              <a:t>Sequelize</a:t>
+            </a:r>
+            <a:endParaRPr lang="pt-BR" sz="5400" b="0" strike="noStrike" spc="-1" dirty="0">
               <a:latin typeface="Arial"/>
             </a:endParaRPr>
           </a:p>
@@ -22300,7 +23195,7 @@
       </p:sp>
       <p:sp>
         <p:nvSpPr>
-          <p:cNvPr id="150" name="CustomShape 2"/>
+          <p:cNvPr id="170" name="CustomShape 2"/>
           <p:cNvSpPr/>
           <p:nvPr/>
         </p:nvSpPr>
@@ -22331,11 +23226,11 @@
         </p:style>
         <p:txBody>
           <a:bodyPr lIns="90000" tIns="45000" rIns="90000" bIns="45000">
-            <a:normAutofit fontScale="62500" lnSpcReduction="20000"/>
+            <a:normAutofit/>
           </a:bodyPr>
           <a:lstStyle/>
           <a:p>
-            <a:pPr>
+            <a:pPr algn="ctr">
               <a:lnSpc>
                 <a:spcPct val="100000"/>
               </a:lnSpc>
@@ -22350,592 +23245,57 @@
               </a:tabLst>
             </a:pPr>
             <a:r>
+              <a:rPr lang="pt-BR" sz="3200" b="0" strike="noStrike" spc="-1" dirty="0">
+                <a:solidFill>
+                  <a:srgbClr val="1F4E79"/>
+                </a:solidFill>
+                <a:latin typeface="Arial"/>
+                <a:ea typeface="DejaVu Sans"/>
+              </a:rPr>
+              <a:t>O </a:t>
+            </a:r>
+            <a:r>
               <a:rPr lang="pt-BR" sz="3200" b="0" strike="noStrike" spc="-1" dirty="0" err="1">
                 <a:solidFill>
                   <a:srgbClr val="1F4E79"/>
                 </a:solidFill>
-                <a:latin typeface="Courier New"/>
-                <a:ea typeface="DejaVu Sans"/>
-              </a:rPr>
-              <a:t>const</a:t>
+                <a:latin typeface="Arial"/>
+                <a:ea typeface="DejaVu Sans"/>
+              </a:rPr>
+              <a:t>Sequelize</a:t>
             </a:r>
             <a:r>
               <a:rPr lang="pt-BR" sz="3200" b="0" strike="noStrike" spc="-1" dirty="0">
                 <a:solidFill>
                   <a:srgbClr val="1F4E79"/>
                 </a:solidFill>
-                <a:latin typeface="Courier New"/>
-                <a:ea typeface="DejaVu Sans"/>
-              </a:rPr>
-              <a:t> { </a:t>
-            </a:r>
-            <a:r>
-              <a:rPr lang="pt-BR" sz="3200" b="0" strike="noStrike" spc="-1" dirty="0" err="1">
-                <a:solidFill>
-                  <a:srgbClr val="1F4E79"/>
-                </a:solidFill>
-                <a:latin typeface="Courier New"/>
-                <a:ea typeface="DejaVu Sans"/>
-              </a:rPr>
-              <a:t>Product</a:t>
+                <a:latin typeface="Arial"/>
+                <a:ea typeface="DejaVu Sans"/>
+              </a:rPr>
+              <a:t> fornece vários métodos que auxiliam na consulta por dados no DB </a:t>
             </a:r>
             <a:r>
               <a:rPr lang="pt-BR" sz="3200" b="0" strike="noStrike" spc="-1" dirty="0">
                 <a:solidFill>
                   <a:srgbClr val="1F4E79"/>
                 </a:solidFill>
-                <a:latin typeface="Courier New"/>
-                <a:ea typeface="DejaVu Sans"/>
-              </a:rPr>
-              <a:t> } = </a:t>
-            </a:r>
-            <a:r>
-              <a:rPr lang="pt-BR" sz="3200" b="0" strike="noStrike" spc="-1" dirty="0" err="1">
-                <a:solidFill>
-                  <a:srgbClr val="1F4E79"/>
-                </a:solidFill>
-                <a:latin typeface="Courier New"/>
-                <a:ea typeface="DejaVu Sans"/>
-              </a:rPr>
-              <a:t>require</a:t>
+                <a:latin typeface="Arial"/>
+                <a:ea typeface="DejaVu Sans"/>
+                <a:hlinkClick r:id="rId3"/>
+              </a:rPr>
+              <a:t>*</a:t>
             </a:r>
             <a:r>
               <a:rPr lang="pt-BR" sz="3200" b="0" strike="noStrike" spc="-1" dirty="0">
                 <a:solidFill>
                   <a:srgbClr val="1F4E79"/>
                 </a:solidFill>
-                <a:latin typeface="Courier New"/>
-                <a:ea typeface="DejaVu Sans"/>
-              </a:rPr>
-              <a:t>(‘../</a:t>
-            </a:r>
-            <a:r>
-              <a:rPr lang="pt-BR" sz="3200" b="0" strike="noStrike" spc="-1" dirty="0" err="1">
-                <a:solidFill>
-                  <a:srgbClr val="1F4E79"/>
-                </a:solidFill>
-                <a:latin typeface="Courier New"/>
-                <a:ea typeface="DejaVu Sans"/>
-              </a:rPr>
-              <a:t>models</a:t>
-            </a:r>
-            <a:r>
-              <a:rPr lang="pt-BR" sz="3200" b="0" strike="noStrike" spc="-1" dirty="0">
-                <a:solidFill>
-                  <a:srgbClr val="1F4E79"/>
-                </a:solidFill>
-                <a:latin typeface="Courier New"/>
-                <a:ea typeface="DejaVu Sans"/>
-              </a:rPr>
-              <a:t>’);</a:t>
-            </a:r>
-          </a:p>
-          <a:p>
-            <a:pPr>
-              <a:lnSpc>
-                <a:spcPct val="100000"/>
-              </a:lnSpc>
-              <a:spcBef>
-                <a:spcPts val="1001"/>
-              </a:spcBef>
-              <a:spcAft>
-                <a:spcPts val="1001"/>
-              </a:spcAft>
-              <a:tabLst>
-                <a:tab pos="0" algn="l"/>
-              </a:tabLst>
-            </a:pPr>
-            <a:r>
-              <a:rPr lang="pt-BR" sz="3200" b="0" strike="noStrike" spc="-1" dirty="0" err="1">
-                <a:solidFill>
-                  <a:srgbClr val="1F4E79"/>
-                </a:solidFill>
-                <a:latin typeface="Courier New"/>
-                <a:ea typeface="DejaVu Sans"/>
-              </a:rPr>
-              <a:t>app.get</a:t>
-            </a:r>
-            <a:r>
-              <a:rPr lang="pt-BR" sz="3200" b="0" strike="noStrike" spc="-1" dirty="0">
-                <a:solidFill>
-                  <a:srgbClr val="1F4E79"/>
-                </a:solidFill>
-                <a:latin typeface="Courier New"/>
-                <a:ea typeface="DejaVu Sans"/>
-              </a:rPr>
-              <a:t>(‘/</a:t>
-            </a:r>
-            <a:r>
-              <a:rPr lang="pt-BR" sz="3200" b="0" strike="noStrike" spc="-1" dirty="0" err="1">
-                <a:solidFill>
-                  <a:srgbClr val="1F4E79"/>
-                </a:solidFill>
-                <a:latin typeface="Courier New"/>
-                <a:ea typeface="DejaVu Sans"/>
-              </a:rPr>
-              <a:t>products</a:t>
-            </a:r>
-            <a:r>
-              <a:rPr lang="pt-BR" sz="3200" b="0" strike="noStrike" spc="-1" dirty="0">
-                <a:solidFill>
-                  <a:srgbClr val="1F4E79"/>
-                </a:solidFill>
-                <a:latin typeface="Courier New"/>
-                <a:ea typeface="DejaVu Sans"/>
-              </a:rPr>
-              <a:t>/’, </a:t>
-            </a:r>
-            <a:r>
-              <a:rPr lang="pt-BR" sz="3200" b="0" strike="noStrike" spc="-1" dirty="0" err="1">
-                <a:solidFill>
-                  <a:srgbClr val="1F4E79"/>
-                </a:solidFill>
-                <a:latin typeface="Courier New"/>
-                <a:ea typeface="DejaVu Sans"/>
-              </a:rPr>
-              <a:t>async</a:t>
-            </a:r>
-            <a:r>
-              <a:rPr lang="pt-BR" sz="3200" b="0" strike="noStrike" spc="-1" dirty="0">
-                <a:solidFill>
-                  <a:srgbClr val="1F4E79"/>
-                </a:solidFill>
-                <a:latin typeface="Courier New"/>
-                <a:ea typeface="DejaVu Sans"/>
-              </a:rPr>
-              <a:t> (</a:t>
-            </a:r>
-            <a:r>
-              <a:rPr lang="pt-BR" sz="3200" b="0" strike="noStrike" spc="-1" dirty="0" err="1">
-                <a:solidFill>
-                  <a:srgbClr val="1F4E79"/>
-                </a:solidFill>
-                <a:latin typeface="Courier New"/>
-                <a:ea typeface="DejaVu Sans"/>
-              </a:rPr>
-              <a:t>request</a:t>
-            </a:r>
-            <a:r>
-              <a:rPr lang="pt-BR" sz="3200" b="0" strike="noStrike" spc="-1" dirty="0">
-                <a:solidFill>
-                  <a:srgbClr val="1F4E79"/>
-                </a:solidFill>
-                <a:latin typeface="Courier New"/>
-                <a:ea typeface="DejaVu Sans"/>
-              </a:rPr>
-              <a:t>, response) =&gt; {</a:t>
-            </a:r>
-          </a:p>
-          <a:p>
-            <a:pPr>
-              <a:lnSpc>
-                <a:spcPct val="100000"/>
-              </a:lnSpc>
-              <a:spcBef>
-                <a:spcPts val="1001"/>
-              </a:spcBef>
-              <a:spcAft>
-                <a:spcPts val="1001"/>
-              </a:spcAft>
-              <a:tabLst>
-                <a:tab pos="0" algn="l"/>
-              </a:tabLst>
-            </a:pPr>
-            <a:r>
-              <a:rPr lang="pt-BR" sz="3200" spc="-1" dirty="0">
-                <a:solidFill>
-                  <a:srgbClr val="1F4E79"/>
-                </a:solidFill>
-                <a:latin typeface="Courier New"/>
-              </a:rPr>
-              <a:t>		</a:t>
-            </a:r>
-            <a:r>
-              <a:rPr lang="pt-BR" sz="3200" spc="-1" dirty="0" err="1">
-                <a:solidFill>
-                  <a:srgbClr val="1F4E79"/>
-                </a:solidFill>
-                <a:latin typeface="Courier New"/>
-              </a:rPr>
-              <a:t>try</a:t>
-            </a:r>
-            <a:r>
-              <a:rPr lang="pt-BR" sz="3200" spc="-1" dirty="0">
-                <a:solidFill>
-                  <a:srgbClr val="1F4E79"/>
-                </a:solidFill>
-                <a:latin typeface="Courier New"/>
-              </a:rPr>
-              <a:t>{</a:t>
-            </a:r>
-          </a:p>
-          <a:p>
-            <a:pPr>
-              <a:lnSpc>
-                <a:spcPct val="100000"/>
-              </a:lnSpc>
-              <a:spcBef>
-                <a:spcPts val="1001"/>
-              </a:spcBef>
-              <a:spcAft>
-                <a:spcPts val="1001"/>
-              </a:spcAft>
-              <a:tabLst>
-                <a:tab pos="0" algn="l"/>
-              </a:tabLst>
-            </a:pPr>
-            <a:r>
-              <a:rPr lang="pt-BR" sz="3200" spc="-1" dirty="0">
-                <a:solidFill>
-                  <a:srgbClr val="1F4E79"/>
-                </a:solidFill>
-                <a:latin typeface="Courier New"/>
-              </a:rPr>
-              <a:t>			</a:t>
-            </a:r>
-            <a:r>
-              <a:rPr lang="pt-BR" sz="3200" spc="-1" dirty="0" err="1">
-                <a:solidFill>
-                  <a:srgbClr val="1F4E79"/>
-                </a:solidFill>
-                <a:latin typeface="Courier New"/>
-              </a:rPr>
-              <a:t>const</a:t>
-            </a:r>
-            <a:r>
-              <a:rPr lang="pt-BR" sz="3200" spc="-1" dirty="0">
-                <a:solidFill>
-                  <a:srgbClr val="1F4E79"/>
-                </a:solidFill>
-                <a:latin typeface="Courier New"/>
-              </a:rPr>
-              <a:t> </a:t>
-            </a:r>
-            <a:r>
-              <a:rPr lang="pt-BR" sz="3200" spc="-1" dirty="0" err="1">
-                <a:solidFill>
-                  <a:srgbClr val="1F4E79"/>
-                </a:solidFill>
-                <a:latin typeface="Courier New"/>
-              </a:rPr>
-              <a:t>products</a:t>
-            </a:r>
-            <a:r>
-              <a:rPr lang="pt-BR" sz="3200" spc="-1" dirty="0">
-                <a:solidFill>
-                  <a:srgbClr val="1F4E79"/>
-                </a:solidFill>
-                <a:latin typeface="Courier New"/>
-              </a:rPr>
-              <a:t> = </a:t>
-            </a:r>
-            <a:r>
-              <a:rPr lang="pt-BR" sz="3200" spc="-1" dirty="0" err="1">
-                <a:solidFill>
-                  <a:srgbClr val="1F4E79"/>
-                </a:solidFill>
-                <a:latin typeface="Courier New"/>
-              </a:rPr>
-              <a:t>await</a:t>
-            </a:r>
-            <a:r>
-              <a:rPr lang="pt-BR" sz="3200" spc="-1" dirty="0">
-                <a:solidFill>
-                  <a:srgbClr val="1F4E79"/>
-                </a:solidFill>
-                <a:latin typeface="Courier New"/>
-              </a:rPr>
-              <a:t> </a:t>
-            </a:r>
-            <a:r>
-              <a:rPr lang="pt-BR" sz="3200" spc="-1" dirty="0" err="1">
-                <a:solidFill>
-                  <a:srgbClr val="1F4E79"/>
-                </a:solidFill>
-                <a:latin typeface="Courier New"/>
-              </a:rPr>
-              <a:t>Product.findAll</a:t>
-            </a:r>
-            <a:r>
-              <a:rPr lang="pt-BR" sz="3200" spc="-1" dirty="0">
-                <a:solidFill>
-                  <a:srgbClr val="1F4E79"/>
-                </a:solidFill>
-                <a:latin typeface="Courier New"/>
-              </a:rPr>
-              <a:t>();</a:t>
-            </a:r>
-          </a:p>
-          <a:p>
-            <a:pPr>
-              <a:lnSpc>
-                <a:spcPct val="100000"/>
-              </a:lnSpc>
-              <a:spcBef>
-                <a:spcPts val="1001"/>
-              </a:spcBef>
-              <a:spcAft>
-                <a:spcPts val="1001"/>
-              </a:spcAft>
-              <a:tabLst>
-                <a:tab pos="0" algn="l"/>
-              </a:tabLst>
-            </a:pPr>
-            <a:r>
-              <a:rPr lang="pt-BR" sz="3200" spc="-1" dirty="0">
-                <a:solidFill>
-                  <a:srgbClr val="1F4E79"/>
-                </a:solidFill>
-                <a:latin typeface="Courier New"/>
-              </a:rPr>
-              <a:t>			</a:t>
-            </a:r>
-            <a:r>
-              <a:rPr lang="pt-BR" sz="3200" spc="-1" dirty="0" err="1">
-                <a:solidFill>
-                  <a:srgbClr val="1F4E79"/>
-                </a:solidFill>
-                <a:latin typeface="Courier New"/>
-              </a:rPr>
-              <a:t>response.status</a:t>
-            </a:r>
-            <a:r>
-              <a:rPr lang="pt-BR" sz="3200" spc="-1" dirty="0">
-                <a:solidFill>
-                  <a:srgbClr val="1F4E79"/>
-                </a:solidFill>
-                <a:latin typeface="Courier New"/>
-              </a:rPr>
-              <a:t>(200).</a:t>
-            </a:r>
-            <a:r>
-              <a:rPr lang="pt-BR" sz="3200" spc="-1" dirty="0" err="1">
-                <a:solidFill>
-                  <a:srgbClr val="1F4E79"/>
-                </a:solidFill>
-                <a:latin typeface="Courier New"/>
-              </a:rPr>
-              <a:t>json</a:t>
-            </a:r>
-            <a:r>
-              <a:rPr lang="pt-BR" sz="3200" spc="-1" dirty="0">
-                <a:solidFill>
-                  <a:srgbClr val="1F4E79"/>
-                </a:solidFill>
-                <a:latin typeface="Courier New"/>
-              </a:rPr>
-              <a:t>(</a:t>
-            </a:r>
-            <a:r>
-              <a:rPr lang="pt-BR" sz="3200" spc="-1" dirty="0" err="1">
-                <a:solidFill>
-                  <a:srgbClr val="1F4E79"/>
-                </a:solidFill>
-                <a:latin typeface="Courier New"/>
-              </a:rPr>
-              <a:t>products</a:t>
-            </a:r>
-            <a:r>
-              <a:rPr lang="pt-BR" sz="3200" spc="-1" dirty="0">
-                <a:solidFill>
-                  <a:srgbClr val="1F4E79"/>
-                </a:solidFill>
-                <a:latin typeface="Courier New"/>
-              </a:rPr>
-              <a:t>);</a:t>
-            </a:r>
-          </a:p>
-          <a:p>
-            <a:pPr>
-              <a:lnSpc>
-                <a:spcPct val="100000"/>
-              </a:lnSpc>
-              <a:spcBef>
-                <a:spcPts val="1001"/>
-              </a:spcBef>
-              <a:spcAft>
-                <a:spcPts val="1001"/>
-              </a:spcAft>
-              <a:tabLst>
-                <a:tab pos="0" algn="l"/>
-              </a:tabLst>
-            </a:pPr>
-            <a:r>
-              <a:rPr lang="pt-BR" sz="3200" spc="-1" dirty="0">
-                <a:solidFill>
-                  <a:srgbClr val="1F4E79"/>
-                </a:solidFill>
-                <a:latin typeface="Courier New"/>
-              </a:rPr>
-              <a:t>		} catch(</a:t>
-            </a:r>
-            <a:r>
-              <a:rPr lang="pt-BR" sz="3200" spc="-1" dirty="0" err="1">
-                <a:solidFill>
-                  <a:srgbClr val="1F4E79"/>
-                </a:solidFill>
-                <a:latin typeface="Courier New"/>
-              </a:rPr>
-              <a:t>error</a:t>
-            </a:r>
-            <a:r>
-              <a:rPr lang="pt-BR" sz="3200" spc="-1" dirty="0">
-                <a:solidFill>
-                  <a:srgbClr val="1F4E79"/>
-                </a:solidFill>
-                <a:latin typeface="Courier New"/>
-              </a:rPr>
-              <a:t>){</a:t>
-            </a:r>
-          </a:p>
-          <a:p>
-            <a:pPr>
-              <a:lnSpc>
-                <a:spcPct val="100000"/>
-              </a:lnSpc>
-              <a:spcBef>
-                <a:spcPts val="1001"/>
-              </a:spcBef>
-              <a:spcAft>
-                <a:spcPts val="1001"/>
-              </a:spcAft>
-              <a:tabLst>
-                <a:tab pos="0" algn="l"/>
-              </a:tabLst>
-            </a:pPr>
-            <a:r>
-              <a:rPr lang="pt-BR" sz="3200" spc="-1" dirty="0">
-                <a:solidFill>
-                  <a:srgbClr val="1F4E79"/>
-                </a:solidFill>
-                <a:latin typeface="Courier New"/>
-              </a:rPr>
-              <a:t>			</a:t>
-            </a:r>
-            <a:r>
-              <a:rPr lang="pt-BR" sz="3200" spc="-1" dirty="0" err="1">
-                <a:solidFill>
-                  <a:srgbClr val="1F4E79"/>
-                </a:solidFill>
-                <a:latin typeface="Courier New"/>
-              </a:rPr>
-              <a:t>response.status</a:t>
-            </a:r>
-            <a:r>
-              <a:rPr lang="pt-BR" sz="3200" spc="-1" dirty="0">
-                <a:solidFill>
-                  <a:srgbClr val="1F4E79"/>
-                </a:solidFill>
-                <a:latin typeface="Courier New"/>
-              </a:rPr>
-              <a:t>(500).</a:t>
-            </a:r>
-            <a:r>
-              <a:rPr lang="pt-BR" sz="3200" spc="-1" dirty="0" err="1">
-                <a:solidFill>
-                  <a:srgbClr val="1F4E79"/>
-                </a:solidFill>
-                <a:latin typeface="Courier New"/>
-              </a:rPr>
-              <a:t>json</a:t>
-            </a:r>
-            <a:r>
-              <a:rPr lang="pt-BR" sz="3200" spc="-1" dirty="0">
-                <a:solidFill>
-                  <a:srgbClr val="1F4E79"/>
-                </a:solidFill>
-                <a:latin typeface="Courier New"/>
-              </a:rPr>
-              <a:t>({ </a:t>
-            </a:r>
-            <a:r>
-              <a:rPr lang="pt-BR" sz="3200" spc="-1" dirty="0" err="1">
-                <a:solidFill>
-                  <a:srgbClr val="1F4E79"/>
-                </a:solidFill>
-                <a:latin typeface="Courier New"/>
-              </a:rPr>
-              <a:t>error</a:t>
-            </a:r>
-            <a:r>
-              <a:rPr lang="pt-BR" sz="3200" spc="-1" dirty="0">
-                <a:solidFill>
-                  <a:srgbClr val="1F4E79"/>
-                </a:solidFill>
-                <a:latin typeface="Courier New"/>
-              </a:rPr>
-              <a:t>: </a:t>
-            </a:r>
-            <a:r>
-              <a:rPr lang="pt-BR" sz="3200" spc="-1" dirty="0" err="1">
-                <a:solidFill>
-                  <a:srgbClr val="1F4E79"/>
-                </a:solidFill>
-                <a:latin typeface="Courier New"/>
-              </a:rPr>
-              <a:t>error</a:t>
-            </a:r>
-            <a:r>
-              <a:rPr lang="pt-BR" sz="3200" spc="-1" dirty="0">
-                <a:solidFill>
-                  <a:srgbClr val="1F4E79"/>
-                </a:solidFill>
-                <a:latin typeface="Courier New"/>
-              </a:rPr>
-              <a:t> });</a:t>
-            </a:r>
-          </a:p>
-          <a:p>
-            <a:pPr>
-              <a:lnSpc>
-                <a:spcPct val="100000"/>
-              </a:lnSpc>
-              <a:spcBef>
-                <a:spcPts val="1001"/>
-              </a:spcBef>
-              <a:spcAft>
-                <a:spcPts val="1001"/>
-              </a:spcAft>
-              <a:tabLst>
-                <a:tab pos="0" algn="l"/>
-              </a:tabLst>
-            </a:pPr>
-            <a:r>
-              <a:rPr lang="pt-BR" sz="3200" spc="-1" dirty="0">
-                <a:solidFill>
-                  <a:srgbClr val="1F4E79"/>
-                </a:solidFill>
-                <a:latin typeface="Courier New"/>
-              </a:rPr>
-              <a:t>		}</a:t>
-            </a:r>
-          </a:p>
-          <a:p>
-            <a:pPr>
-              <a:lnSpc>
-                <a:spcPct val="100000"/>
-              </a:lnSpc>
-              <a:spcBef>
-                <a:spcPts val="1001"/>
-              </a:spcBef>
-              <a:spcAft>
-                <a:spcPts val="1001"/>
-              </a:spcAft>
-              <a:tabLst>
-                <a:tab pos="0" algn="l"/>
-              </a:tabLst>
-            </a:pPr>
-            <a:r>
-              <a:rPr lang="pt-BR" sz="3200" b="0" strike="noStrike" spc="-1" dirty="0">
-                <a:solidFill>
-                  <a:srgbClr val="1F4E79"/>
-                </a:solidFill>
-                <a:latin typeface="Courier New"/>
-                <a:ea typeface="DejaVu Sans"/>
-              </a:rPr>
-              <a:t>});</a:t>
-            </a:r>
-            <a:endParaRPr lang="pt-BR" sz="3200" b="0" strike="noStrike" spc="-1" dirty="0">
+                <a:latin typeface="Arial"/>
+                <a:ea typeface="DejaVu Sans"/>
+              </a:rPr>
+              <a:t>.</a:t>
+            </a:r>
+            <a:endParaRPr lang="pt-BR" sz="2800" b="0" strike="noStrike" spc="-1" dirty="0">
               <a:latin typeface="Arial"/>
             </a:endParaRPr>
           </a:p>
@@ -22944,7 +23304,7 @@
     </p:spTree>
     <p:extLst>
       <p:ext uri="{BB962C8B-B14F-4D97-AF65-F5344CB8AC3E}">
-        <p14:creationId xmlns:p14="http://schemas.microsoft.com/office/powerpoint/2010/main" val="790120975"/>
+        <p14:creationId xmlns:p14="http://schemas.microsoft.com/office/powerpoint/2010/main" val="2908346688"/>
       </p:ext>
     </p:extLst>
   </p:cSld>
@@ -22973,7 +23333,7 @@
       </p:grpSpPr>
       <p:sp>
         <p:nvSpPr>
-          <p:cNvPr id="171" name="CustomShape 1"/>
+          <p:cNvPr id="149" name="CustomShape 1"/>
           <p:cNvSpPr/>
           <p:nvPr/>
         </p:nvSpPr>
@@ -23014,16 +23374,36 @@
               </a:lnSpc>
             </a:pPr>
             <a:r>
-              <a:rPr lang="pt-BR" sz="5400" b="0" strike="noStrike" spc="-1">
+              <a:rPr lang="pt-BR" sz="5400" b="0" strike="noStrike" spc="-1" dirty="0">
                 <a:solidFill>
                   <a:srgbClr val="1F4E79"/>
                 </a:solidFill>
                 <a:latin typeface="Arial"/>
                 <a:ea typeface="DejaVu Sans"/>
               </a:rPr>
-              <a:t>ORM: Sequelize</a:t>
-            </a:r>
-            <a:endParaRPr lang="pt-BR" sz="5400" b="0" strike="noStrike" spc="-1">
+              <a:t>Recurso </a:t>
+            </a:r>
+            <a:r>
+              <a:rPr lang="pt-BR" sz="5400" b="0" strike="noStrike" spc="-1" dirty="0" err="1">
+                <a:solidFill>
+                  <a:srgbClr val="1F4E79"/>
+                </a:solidFill>
+                <a:latin typeface="Arial"/>
+                <a:ea typeface="DejaVu Sans"/>
+              </a:rPr>
+              <a:t>products</a:t>
+            </a:r>
+            <a:r>
+              <a:rPr lang="pt-BR" sz="5400" b="0" strike="noStrike" spc="-1" dirty="0">
+                <a:solidFill>
+                  <a:srgbClr val="1F4E79"/>
+                </a:solidFill>
+                <a:latin typeface="Arial"/>
+                <a:ea typeface="DejaVu Sans"/>
+              </a:rPr>
+              <a:t> (POST)</a:t>
+            </a:r>
+            <a:endParaRPr lang="pt-BR" sz="5400" b="0" strike="noStrike" spc="-1" dirty="0">
               <a:latin typeface="Arial"/>
             </a:endParaRPr>
           </a:p>
@@ -23031,7 +23411,7 @@
       </p:sp>
       <p:sp>
         <p:nvSpPr>
-          <p:cNvPr id="172" name="CustomShape 2"/>
+          <p:cNvPr id="150" name="CustomShape 2"/>
           <p:cNvSpPr/>
           <p:nvPr/>
         </p:nvSpPr>
@@ -23062,11 +23442,11 @@
         </p:style>
         <p:txBody>
           <a:bodyPr lIns="90000" tIns="45000" rIns="90000" bIns="45000">
-            <a:normAutofit/>
+            <a:normAutofit fontScale="62500" lnSpcReduction="20000"/>
           </a:bodyPr>
           <a:lstStyle/>
           <a:p>
-            <a:pPr algn="ctr">
+            <a:pPr>
               <a:lnSpc>
                 <a:spcPct val="100000"/>
               </a:lnSpc>
@@ -23081,23 +23461,88 @@
               </a:tabLst>
             </a:pPr>
             <a:r>
-              <a:rPr lang="pt-BR" sz="3200" b="0" u="sng" strike="noStrike" spc="-1">
-                <a:solidFill>
-                  <a:srgbClr val="0563C1"/>
-                </a:solidFill>
-                <a:uFillTx/>
-                <a:latin typeface="Arial"/>
-                <a:ea typeface="DejaVu Sans"/>
-                <a:hlinkClick r:id="rId3"/>
-              </a:rPr>
-              <a:t>https://sequelize.org/master/manual/getting-started.html</a:t>
-            </a:r>
-            <a:endParaRPr lang="pt-BR" sz="3200" b="0" strike="noStrike" spc="-1">
-              <a:latin typeface="Arial"/>
-            </a:endParaRPr>
-          </a:p>
-          <a:p>
-            <a:pPr algn="ctr">
+              <a:rPr lang="pt-BR" sz="3200" b="0" strike="noStrike" spc="-1" dirty="0" err="1">
+                <a:solidFill>
+                  <a:srgbClr val="1F4E79"/>
+                </a:solidFill>
+                <a:latin typeface="Courier New"/>
+                <a:ea typeface="DejaVu Sans"/>
+              </a:rPr>
+              <a:t>const</a:t>
+            </a:r>
+            <a:r>
+              <a:rPr lang="pt-BR" sz="3200" b="0" strike="noStrike" spc="-1" dirty="0">
+                <a:solidFill>
+                  <a:srgbClr val="1F4E79"/>
+                </a:solidFill>
+                <a:latin typeface="Courier New"/>
+                <a:ea typeface="DejaVu Sans"/>
+              </a:rPr>
+              <a:t> { </a:t>
+            </a:r>
+            <a:r>
+              <a:rPr lang="pt-BR" sz="3200" b="0" strike="noStrike" spc="-1" dirty="0" err="1">
+                <a:solidFill>
+                  <a:srgbClr val="1F4E79"/>
+                </a:solidFill>
+                <a:latin typeface="Courier New"/>
+                <a:ea typeface="DejaVu Sans"/>
+              </a:rPr>
+              <a:t>Product</a:t>
+            </a:r>
+            <a:r>
+              <a:rPr lang="pt-BR" sz="3200" b="0" strike="noStrike" spc="-1" dirty="0">
+                <a:solidFill>
+                  <a:srgbClr val="1F4E79"/>
+                </a:solidFill>
+                <a:latin typeface="Courier New"/>
+                <a:ea typeface="DejaVu Sans"/>
+              </a:rPr>
+              <a:t> } = </a:t>
+            </a:r>
+            <a:r>
+              <a:rPr lang="pt-BR" sz="3200" b="0" strike="noStrike" spc="-1" dirty="0" err="1">
+                <a:solidFill>
+                  <a:srgbClr val="1F4E79"/>
+                </a:solidFill>
+                <a:latin typeface="Courier New"/>
+                <a:ea typeface="DejaVu Sans"/>
+              </a:rPr>
+              <a:t>require</a:t>
+            </a:r>
+            <a:r>
+              <a:rPr lang="pt-BR" sz="3200" b="0" strike="noStrike" spc="-1" dirty="0">
+                <a:solidFill>
+                  <a:srgbClr val="1F4E79"/>
+                </a:solidFill>
+                <a:latin typeface="Courier New"/>
+                <a:ea typeface="DejaVu Sans"/>
+              </a:rPr>
+              <a:t>(‘../</a:t>
+            </a:r>
+            <a:r>
+              <a:rPr lang="pt-BR" sz="3200" b="0" strike="noStrike" spc="-1" dirty="0" err="1">
+                <a:solidFill>
+                  <a:srgbClr val="1F4E79"/>
+                </a:solidFill>
+                <a:latin typeface="Courier New"/>
+                <a:ea typeface="DejaVu Sans"/>
+              </a:rPr>
+              <a:t>models</a:t>
+            </a:r>
+            <a:r>
+              <a:rPr lang="pt-BR" sz="3200" b="0" strike="noStrike" spc="-1" dirty="0">
+                <a:solidFill>
+                  <a:srgbClr val="1F4E79"/>
+                </a:solidFill>
+                <a:latin typeface="Courier New"/>
+                <a:ea typeface="DejaVu Sans"/>
+              </a:rPr>
+              <a:t>’);</a:t>
+            </a:r>
+          </a:p>
+          <a:p>
+            <a:pPr>
               <a:lnSpc>
                 <a:spcPct val="100000"/>
               </a:lnSpc>
@@ -23112,21 +23557,80 @@
               </a:tabLst>
             </a:pPr>
             <a:r>
-              <a:rPr lang="pt-BR" sz="3200" b="0" strike="noStrike" spc="-1">
-                <a:solidFill>
-                  <a:srgbClr val="1F4E79"/>
-                </a:solidFill>
-                <a:latin typeface="Arial"/>
-                <a:ea typeface="DejaVu Sans"/>
-              </a:rPr>
-              <a:t>https://levelup.gitconnected.com/creating-sequelize-associations-with-the-sequelize-cli-tool-d83caa902233</a:t>
-            </a:r>
-            <a:endParaRPr lang="pt-BR" sz="3200" b="0" strike="noStrike" spc="-1">
-              <a:latin typeface="Arial"/>
-            </a:endParaRPr>
-          </a:p>
-          <a:p>
-            <a:pPr algn="ctr">
+              <a:rPr lang="pt-BR" sz="3200" spc="-1" dirty="0" err="1">
+                <a:solidFill>
+                  <a:srgbClr val="1F4E79"/>
+                </a:solidFill>
+                <a:latin typeface="Courier New"/>
+              </a:rPr>
+              <a:t>app.post</a:t>
+            </a:r>
+            <a:r>
+              <a:rPr lang="pt-BR" sz="3200" spc="-1" dirty="0">
+                <a:solidFill>
+                  <a:srgbClr val="1F4E79"/>
+                </a:solidFill>
+                <a:latin typeface="Courier New"/>
+              </a:rPr>
+              <a:t>('/</a:t>
+            </a:r>
+            <a:r>
+              <a:rPr lang="pt-BR" sz="3200" spc="-1" dirty="0" err="1">
+                <a:solidFill>
+                  <a:srgbClr val="1F4E79"/>
+                </a:solidFill>
+                <a:latin typeface="Courier New"/>
+              </a:rPr>
+              <a:t>products</a:t>
+            </a:r>
+            <a:r>
+              <a:rPr lang="pt-BR" sz="3200" spc="-1" dirty="0">
+                <a:solidFill>
+                  <a:srgbClr val="1F4E79"/>
+                </a:solidFill>
+                <a:latin typeface="Courier New"/>
+              </a:rPr>
+              <a:t>', </a:t>
+            </a:r>
+            <a:r>
+              <a:rPr lang="pt-BR" sz="3200" spc="-1" dirty="0" err="1">
+                <a:solidFill>
+                  <a:srgbClr val="1F4E79"/>
+                </a:solidFill>
+                <a:latin typeface="Courier New"/>
+              </a:rPr>
+              <a:t>async</a:t>
+            </a:r>
+            <a:r>
+              <a:rPr lang="pt-BR" sz="3200" spc="-1" dirty="0">
+                <a:solidFill>
+                  <a:srgbClr val="1F4E79"/>
+                </a:solidFill>
+                <a:latin typeface="Courier New"/>
+              </a:rPr>
+              <a:t> (</a:t>
+            </a:r>
+            <a:r>
+              <a:rPr lang="pt-BR" sz="3200" spc="-1" dirty="0" err="1">
+                <a:solidFill>
+                  <a:srgbClr val="1F4E79"/>
+                </a:solidFill>
+                <a:latin typeface="Courier New"/>
+              </a:rPr>
+              <a:t>request</a:t>
+            </a:r>
+            <a:r>
+              <a:rPr lang="pt-BR" sz="3200" spc="-1" dirty="0">
+                <a:solidFill>
+                  <a:srgbClr val="1F4E79"/>
+                </a:solidFill>
+                <a:latin typeface="Courier New"/>
+              </a:rPr>
+              <a:t>, response) =&gt; {</a:t>
+            </a:r>
+          </a:p>
+          <a:p>
+            <a:pPr>
               <a:lnSpc>
                 <a:spcPct val="100000"/>
               </a:lnSpc>
@@ -23140,13 +23644,429 @@
                 <a:tab pos="0" algn="l"/>
               </a:tabLst>
             </a:pPr>
-            <a:endParaRPr lang="pt-BR" sz="3200" b="0" strike="noStrike" spc="-1">
+            <a:r>
+              <a:rPr lang="pt-BR" sz="3200" spc="-1" dirty="0">
+                <a:solidFill>
+                  <a:srgbClr val="1F4E79"/>
+                </a:solidFill>
+                <a:latin typeface="Courier New"/>
+              </a:rPr>
+              <a:t>		</a:t>
+            </a:r>
+            <a:r>
+              <a:rPr lang="pt-BR" sz="3200" spc="-1" dirty="0" err="1">
+                <a:solidFill>
+                  <a:srgbClr val="1F4E79"/>
+                </a:solidFill>
+                <a:latin typeface="Courier New"/>
+              </a:rPr>
+              <a:t>try</a:t>
+            </a:r>
+            <a:r>
+              <a:rPr lang="pt-BR" sz="3200" spc="-1" dirty="0">
+                <a:solidFill>
+                  <a:srgbClr val="1F4E79"/>
+                </a:solidFill>
+                <a:latin typeface="Courier New"/>
+              </a:rPr>
+              <a:t> {</a:t>
+            </a:r>
+          </a:p>
+          <a:p>
+            <a:pPr>
+              <a:lnSpc>
+                <a:spcPct val="100000"/>
+              </a:lnSpc>
+              <a:spcBef>
+                <a:spcPts val="1001"/>
+              </a:spcBef>
+              <a:spcAft>
+                <a:spcPts val="1001"/>
+              </a:spcAft>
+              <a:tabLst>
+                <a:tab pos="0" algn="l"/>
+              </a:tabLst>
+            </a:pPr>
+            <a:r>
+              <a:rPr lang="pt-BR" sz="3200" spc="-1" dirty="0">
+                <a:solidFill>
+                  <a:srgbClr val="1F4E79"/>
+                </a:solidFill>
+                <a:latin typeface="Courier New"/>
+              </a:rPr>
+              <a:t>        </a:t>
+            </a:r>
+            <a:r>
+              <a:rPr lang="pt-BR" sz="3200" spc="-1" dirty="0" err="1">
+                <a:solidFill>
+                  <a:srgbClr val="1F4E79"/>
+                </a:solidFill>
+                <a:latin typeface="Courier New"/>
+              </a:rPr>
+              <a:t>await</a:t>
+            </a:r>
+            <a:r>
+              <a:rPr lang="pt-BR" sz="3200" spc="-1" dirty="0">
+                <a:solidFill>
+                  <a:srgbClr val="1F4E79"/>
+                </a:solidFill>
+                <a:latin typeface="Courier New"/>
+              </a:rPr>
+              <a:t> </a:t>
+            </a:r>
+            <a:r>
+              <a:rPr lang="pt-BR" sz="3200" spc="-1" dirty="0" err="1">
+                <a:solidFill>
+                  <a:srgbClr val="1F4E79"/>
+                </a:solidFill>
+                <a:latin typeface="Courier New"/>
+              </a:rPr>
+              <a:t>Product.create</a:t>
+            </a:r>
+            <a:r>
+              <a:rPr lang="pt-BR" sz="3200" spc="-1" dirty="0">
+                <a:solidFill>
+                  <a:srgbClr val="1F4E79"/>
+                </a:solidFill>
+                <a:latin typeface="Courier New"/>
+              </a:rPr>
+              <a:t>(</a:t>
+            </a:r>
+            <a:r>
+              <a:rPr lang="pt-BR" sz="3200" spc="-1" dirty="0" err="1">
+                <a:solidFill>
+                  <a:srgbClr val="1F4E79"/>
+                </a:solidFill>
+                <a:latin typeface="Courier New"/>
+              </a:rPr>
+              <a:t>request.body</a:t>
+            </a:r>
+            <a:r>
+              <a:rPr lang="pt-BR" sz="3200" spc="-1" dirty="0">
+                <a:solidFill>
+                  <a:srgbClr val="1F4E79"/>
+                </a:solidFill>
+                <a:latin typeface="Courier New"/>
+              </a:rPr>
+              <a:t>);</a:t>
+            </a:r>
+          </a:p>
+          <a:p>
+            <a:pPr>
+              <a:lnSpc>
+                <a:spcPct val="100000"/>
+              </a:lnSpc>
+              <a:spcBef>
+                <a:spcPts val="1001"/>
+              </a:spcBef>
+              <a:spcAft>
+                <a:spcPts val="1001"/>
+              </a:spcAft>
+              <a:tabLst>
+                <a:tab pos="0" algn="l"/>
+              </a:tabLst>
+            </a:pPr>
+            <a:r>
+              <a:rPr lang="pt-BR" sz="3200" spc="-1" dirty="0">
+                <a:solidFill>
+                  <a:srgbClr val="1F4E79"/>
+                </a:solidFill>
+                <a:latin typeface="Courier New"/>
+              </a:rPr>
+              <a:t>        </a:t>
+            </a:r>
+            <a:r>
+              <a:rPr lang="pt-BR" sz="3200" spc="-1" dirty="0" err="1">
+                <a:solidFill>
+                  <a:srgbClr val="1F4E79"/>
+                </a:solidFill>
+                <a:latin typeface="Courier New"/>
+              </a:rPr>
+              <a:t>return</a:t>
+            </a:r>
+            <a:r>
+              <a:rPr lang="pt-BR" sz="3200" spc="-1" dirty="0">
+                <a:solidFill>
+                  <a:srgbClr val="1F4E79"/>
+                </a:solidFill>
+                <a:latin typeface="Courier New"/>
+              </a:rPr>
+              <a:t> </a:t>
+            </a:r>
+            <a:r>
+              <a:rPr lang="pt-BR" sz="3200" spc="-1" dirty="0" err="1">
+                <a:solidFill>
+                  <a:srgbClr val="1F4E79"/>
+                </a:solidFill>
+                <a:latin typeface="Courier New"/>
+              </a:rPr>
+              <a:t>response.status</a:t>
+            </a:r>
+            <a:r>
+              <a:rPr lang="pt-BR" sz="3200" spc="-1" dirty="0">
+                <a:solidFill>
+                  <a:srgbClr val="1F4E79"/>
+                </a:solidFill>
+                <a:latin typeface="Courier New"/>
+              </a:rPr>
+              <a:t>(201).</a:t>
+            </a:r>
+            <a:r>
+              <a:rPr lang="pt-BR" sz="3200" spc="-1" dirty="0" err="1">
+                <a:solidFill>
+                  <a:srgbClr val="1F4E79"/>
+                </a:solidFill>
+                <a:latin typeface="Courier New"/>
+              </a:rPr>
+              <a:t>json</a:t>
+            </a:r>
+            <a:r>
+              <a:rPr lang="pt-BR" sz="3200" spc="-1" dirty="0">
+                <a:solidFill>
+                  <a:srgbClr val="1F4E79"/>
+                </a:solidFill>
+                <a:latin typeface="Courier New"/>
+              </a:rPr>
+              <a:t>(</a:t>
+            </a:r>
+            <a:r>
+              <a:rPr lang="pt-BR" sz="3200" spc="-1" dirty="0" err="1">
+                <a:solidFill>
+                  <a:srgbClr val="1F4E79"/>
+                </a:solidFill>
+                <a:latin typeface="Courier New"/>
+              </a:rPr>
+              <a:t>request.body</a:t>
+            </a:r>
+            <a:r>
+              <a:rPr lang="pt-BR" sz="3200" spc="-1" dirty="0">
+                <a:solidFill>
+                  <a:srgbClr val="1F4E79"/>
+                </a:solidFill>
+                <a:latin typeface="Courier New"/>
+              </a:rPr>
+              <a:t>);</a:t>
+            </a:r>
+          </a:p>
+          <a:p>
+            <a:pPr>
+              <a:lnSpc>
+                <a:spcPct val="100000"/>
+              </a:lnSpc>
+              <a:spcBef>
+                <a:spcPts val="1001"/>
+              </a:spcBef>
+              <a:spcAft>
+                <a:spcPts val="1001"/>
+              </a:spcAft>
+              <a:tabLst>
+                <a:tab pos="0" algn="l"/>
+              </a:tabLst>
+            </a:pPr>
+            <a:r>
+              <a:rPr lang="pt-BR" sz="3200" spc="-1" dirty="0">
+                <a:solidFill>
+                  <a:srgbClr val="1F4E79"/>
+                </a:solidFill>
+                <a:latin typeface="Courier New"/>
+              </a:rPr>
+              <a:t>    	} catch (</a:t>
+            </a:r>
+            <a:r>
+              <a:rPr lang="pt-BR" sz="3200" spc="-1" dirty="0" err="1">
+                <a:solidFill>
+                  <a:srgbClr val="1F4E79"/>
+                </a:solidFill>
+                <a:latin typeface="Courier New"/>
+              </a:rPr>
+              <a:t>error</a:t>
+            </a:r>
+            <a:r>
+              <a:rPr lang="pt-BR" sz="3200" spc="-1" dirty="0">
+                <a:solidFill>
+                  <a:srgbClr val="1F4E79"/>
+                </a:solidFill>
+                <a:latin typeface="Courier New"/>
+              </a:rPr>
+              <a:t>) {</a:t>
+            </a:r>
+          </a:p>
+          <a:p>
+            <a:pPr>
+              <a:lnSpc>
+                <a:spcPct val="100000"/>
+              </a:lnSpc>
+              <a:spcBef>
+                <a:spcPts val="1001"/>
+              </a:spcBef>
+              <a:spcAft>
+                <a:spcPts val="1001"/>
+              </a:spcAft>
+              <a:tabLst>
+                <a:tab pos="0" algn="l"/>
+              </a:tabLst>
+            </a:pPr>
+            <a:r>
+              <a:rPr lang="pt-BR" sz="3200" spc="-1" dirty="0">
+                <a:solidFill>
+                  <a:srgbClr val="1F4E79"/>
+                </a:solidFill>
+                <a:latin typeface="Courier New"/>
+              </a:rPr>
+              <a:t>        </a:t>
+            </a:r>
+            <a:r>
+              <a:rPr lang="pt-BR" sz="3200" spc="-1" dirty="0" err="1">
+                <a:solidFill>
+                  <a:srgbClr val="1F4E79"/>
+                </a:solidFill>
+                <a:latin typeface="Courier New"/>
+              </a:rPr>
+              <a:t>return</a:t>
+            </a:r>
+            <a:r>
+              <a:rPr lang="pt-BR" sz="3200" spc="-1" dirty="0">
+                <a:solidFill>
+                  <a:srgbClr val="1F4E79"/>
+                </a:solidFill>
+                <a:latin typeface="Courier New"/>
+              </a:rPr>
+              <a:t> </a:t>
+            </a:r>
+            <a:r>
+              <a:rPr lang="pt-BR" sz="3200" spc="-1" dirty="0" err="1">
+                <a:solidFill>
+                  <a:srgbClr val="1F4E79"/>
+                </a:solidFill>
+                <a:latin typeface="Courier New"/>
+              </a:rPr>
+              <a:t>response.status</a:t>
+            </a:r>
+            <a:r>
+              <a:rPr lang="pt-BR" sz="3200" spc="-1" dirty="0">
+                <a:solidFill>
+                  <a:srgbClr val="1F4E79"/>
+                </a:solidFill>
+                <a:latin typeface="Courier New"/>
+              </a:rPr>
+              <a:t>(500).</a:t>
+            </a:r>
+            <a:r>
+              <a:rPr lang="pt-BR" sz="3200" spc="-1" dirty="0" err="1">
+                <a:solidFill>
+                  <a:srgbClr val="1F4E79"/>
+                </a:solidFill>
+                <a:latin typeface="Courier New"/>
+              </a:rPr>
+              <a:t>json</a:t>
+            </a:r>
+            <a:r>
+              <a:rPr lang="pt-BR" sz="3200" spc="-1" dirty="0">
+                <a:solidFill>
+                  <a:srgbClr val="1F4E79"/>
+                </a:solidFill>
+                <a:latin typeface="Courier New"/>
+              </a:rPr>
+              <a:t>({ </a:t>
+            </a:r>
+            <a:r>
+              <a:rPr lang="pt-BR" sz="3200" spc="-1" dirty="0" err="1">
+                <a:solidFill>
+                  <a:srgbClr val="1F4E79"/>
+                </a:solidFill>
+                <a:latin typeface="Courier New"/>
+              </a:rPr>
+              <a:t>error</a:t>
+            </a:r>
+            <a:r>
+              <a:rPr lang="pt-BR" sz="3200" spc="-1" dirty="0">
+                <a:solidFill>
+                  <a:srgbClr val="1F4E79"/>
+                </a:solidFill>
+                <a:latin typeface="Courier New"/>
+              </a:rPr>
+              <a:t>: </a:t>
+            </a:r>
+            <a:r>
+              <a:rPr lang="pt-BR" sz="3200" spc="-1" dirty="0" err="1">
+                <a:solidFill>
+                  <a:srgbClr val="1F4E79"/>
+                </a:solidFill>
+                <a:latin typeface="Courier New"/>
+              </a:rPr>
+              <a:t>error.message</a:t>
+            </a:r>
+            <a:r>
+              <a:rPr lang="pt-BR" sz="3200" spc="-1" dirty="0">
+                <a:solidFill>
+                  <a:srgbClr val="1F4E79"/>
+                </a:solidFill>
+                <a:latin typeface="Courier New"/>
+              </a:rPr>
+              <a:t> });</a:t>
+            </a:r>
+          </a:p>
+          <a:p>
+            <a:pPr>
+              <a:lnSpc>
+                <a:spcPct val="100000"/>
+              </a:lnSpc>
+              <a:spcBef>
+                <a:spcPts val="1001"/>
+              </a:spcBef>
+              <a:spcAft>
+                <a:spcPts val="1001"/>
+              </a:spcAft>
+              <a:tabLst>
+                <a:tab pos="0" algn="l"/>
+              </a:tabLst>
+            </a:pPr>
+            <a:r>
+              <a:rPr lang="pt-BR" sz="3200" spc="-1" dirty="0">
+                <a:solidFill>
+                  <a:srgbClr val="1F4E79"/>
+                </a:solidFill>
+                <a:latin typeface="Courier New"/>
+              </a:rPr>
+              <a:t>    	}</a:t>
+            </a:r>
+          </a:p>
+          <a:p>
+            <a:pPr>
+              <a:lnSpc>
+                <a:spcPct val="100000"/>
+              </a:lnSpc>
+              <a:spcBef>
+                <a:spcPts val="1001"/>
+              </a:spcBef>
+              <a:spcAft>
+                <a:spcPts val="1001"/>
+              </a:spcAft>
+              <a:tabLst>
+                <a:tab pos="0" algn="l"/>
+              </a:tabLst>
+            </a:pPr>
+            <a:r>
+              <a:rPr lang="pt-BR" sz="3200" spc="-1" dirty="0">
+                <a:solidFill>
+                  <a:srgbClr val="1F4E79"/>
+                </a:solidFill>
+                <a:latin typeface="Courier New"/>
+              </a:rPr>
+              <a:t>});</a:t>
+            </a:r>
+            <a:endParaRPr lang="pt-BR" sz="3200" b="0" strike="noStrike" spc="-1" dirty="0">
               <a:latin typeface="Arial"/>
             </a:endParaRPr>
           </a:p>
         </p:txBody>
       </p:sp>
     </p:spTree>
+    <p:extLst>
+      <p:ext uri="{BB962C8B-B14F-4D97-AF65-F5344CB8AC3E}">
+        <p14:creationId xmlns:p14="http://schemas.microsoft.com/office/powerpoint/2010/main" val="790120975"/>
+      </p:ext>
+    </p:extLst>
   </p:cSld>
   <p:clrMapOvr>
     <a:masterClrMapping/>
@@ -23173,7 +24093,7 @@
       </p:grpSpPr>
       <p:sp>
         <p:nvSpPr>
-          <p:cNvPr id="173" name="CustomShape 1"/>
+          <p:cNvPr id="149" name="CustomShape 1"/>
           <p:cNvSpPr/>
           <p:nvPr/>
         </p:nvSpPr>
@@ -23221,7 +24141,7 @@
                 <a:latin typeface="Arial"/>
                 <a:ea typeface="DejaVu Sans"/>
               </a:rPr>
-              <a:t>Middleware</a:t>
+              <a:t>Recurso products (GET)</a:t>
             </a:r>
             <a:endParaRPr lang="pt-BR" sz="5400" b="0" strike="noStrike" spc="-1">
               <a:latin typeface="Arial"/>
@@ -23231,7 +24151,7 @@
       </p:sp>
       <p:sp>
         <p:nvSpPr>
-          <p:cNvPr id="174" name="CustomShape 2"/>
+          <p:cNvPr id="150" name="CustomShape 2"/>
           <p:cNvSpPr/>
           <p:nvPr/>
         </p:nvSpPr>
@@ -23262,11 +24182,11 @@
         </p:style>
         <p:txBody>
           <a:bodyPr lIns="90000" tIns="45000" rIns="90000" bIns="45000">
-            <a:normAutofit/>
+            <a:normAutofit fontScale="70000" lnSpcReduction="20000"/>
           </a:bodyPr>
           <a:lstStyle/>
           <a:p>
-            <a:pPr algn="ctr">
+            <a:pPr>
               <a:lnSpc>
                 <a:spcPct val="100000"/>
               </a:lnSpc>
@@ -23281,21 +24201,88 @@
               </a:tabLst>
             </a:pPr>
             <a:r>
-              <a:rPr lang="pt-BR" sz="3200" b="0" strike="noStrike" spc="-1">
-                <a:solidFill>
-                  <a:srgbClr val="1F4E79"/>
-                </a:solidFill>
-                <a:latin typeface="Arial"/>
-                <a:ea typeface="DejaVu Sans"/>
-              </a:rPr>
-              <a:t>São scripts que podem ser executados entre a comunicação de outros 2 serviços distintos.</a:t>
-            </a:r>
-            <a:endParaRPr lang="pt-BR" sz="3200" b="0" strike="noStrike" spc="-1">
-              <a:latin typeface="Arial"/>
-            </a:endParaRPr>
-          </a:p>
-          <a:p>
-            <a:pPr algn="ctr">
+              <a:rPr lang="pt-BR" sz="3200" b="0" strike="noStrike" spc="-1" dirty="0" err="1">
+                <a:solidFill>
+                  <a:srgbClr val="1F4E79"/>
+                </a:solidFill>
+                <a:latin typeface="Courier New"/>
+                <a:ea typeface="DejaVu Sans"/>
+              </a:rPr>
+              <a:t>app.get</a:t>
+            </a:r>
+            <a:r>
+              <a:rPr lang="pt-BR" sz="3200" b="0" strike="noStrike" spc="-1" dirty="0">
+                <a:solidFill>
+                  <a:srgbClr val="1F4E79"/>
+                </a:solidFill>
+                <a:latin typeface="Courier New"/>
+                <a:ea typeface="DejaVu Sans"/>
+              </a:rPr>
+              <a:t>(‘/</a:t>
+            </a:r>
+            <a:r>
+              <a:rPr lang="pt-BR" sz="3200" b="0" strike="noStrike" spc="-1" dirty="0" err="1">
+                <a:solidFill>
+                  <a:srgbClr val="1F4E79"/>
+                </a:solidFill>
+                <a:latin typeface="Courier New"/>
+                <a:ea typeface="DejaVu Sans"/>
+              </a:rPr>
+              <a:t>products</a:t>
+            </a:r>
+            <a:r>
+              <a:rPr lang="pt-BR" sz="3200" b="0" strike="noStrike" spc="-1" dirty="0">
+                <a:solidFill>
+                  <a:srgbClr val="1F4E79"/>
+                </a:solidFill>
+                <a:latin typeface="Courier New"/>
+                <a:ea typeface="DejaVu Sans"/>
+              </a:rPr>
+              <a:t>/’, </a:t>
+            </a:r>
+            <a:r>
+              <a:rPr lang="pt-BR" sz="3200" b="0" strike="noStrike" spc="-1" dirty="0" err="1">
+                <a:solidFill>
+                  <a:srgbClr val="1F4E79"/>
+                </a:solidFill>
+                <a:latin typeface="Courier New"/>
+                <a:ea typeface="DejaVu Sans"/>
+              </a:rPr>
+              <a:t>async</a:t>
+            </a:r>
+            <a:r>
+              <a:rPr lang="pt-BR" sz="3200" b="0" strike="noStrike" spc="-1" dirty="0">
+                <a:solidFill>
+                  <a:srgbClr val="1F4E79"/>
+                </a:solidFill>
+                <a:latin typeface="Courier New"/>
+                <a:ea typeface="DejaVu Sans"/>
+              </a:rPr>
+              <a:t> (</a:t>
+            </a:r>
+            <a:r>
+              <a:rPr lang="pt-BR" sz="3200" b="0" strike="noStrike" spc="-1" dirty="0" err="1">
+                <a:solidFill>
+                  <a:srgbClr val="1F4E79"/>
+                </a:solidFill>
+                <a:latin typeface="Courier New"/>
+                <a:ea typeface="DejaVu Sans"/>
+              </a:rPr>
+              <a:t>request</a:t>
+            </a:r>
+            <a:r>
+              <a:rPr lang="pt-BR" sz="3200" b="0" strike="noStrike" spc="-1" dirty="0">
+                <a:solidFill>
+                  <a:srgbClr val="1F4E79"/>
+                </a:solidFill>
+                <a:latin typeface="Courier New"/>
+                <a:ea typeface="DejaVu Sans"/>
+              </a:rPr>
+              <a:t>, response) =&gt; {</a:t>
+            </a:r>
+          </a:p>
+          <a:p>
+            <a:pPr>
               <a:lnSpc>
                 <a:spcPct val="100000"/>
               </a:lnSpc>
@@ -23310,22 +24297,411 @@
               </a:tabLst>
             </a:pPr>
             <a:r>
-              <a:rPr lang="pt-BR" sz="3200" b="0" strike="noStrike" spc="-1">
-                <a:solidFill>
-                  <a:srgbClr val="1F4E79"/>
-                </a:solidFill>
-                <a:latin typeface="Arial"/>
-                <a:ea typeface="DejaVu Sans"/>
-              </a:rPr>
-              <a:t>Ele pode verificar e/ou manipular os dados antes da tarefa em execução prosseguir, ou mudar o fluxo da tarefa.</a:t>
-            </a:r>
-            <a:endParaRPr lang="pt-BR" sz="3200" b="0" strike="noStrike" spc="-1">
+              <a:rPr lang="pt-BR" sz="3200" spc="-1" dirty="0">
+                <a:solidFill>
+                  <a:srgbClr val="1F4E79"/>
+                </a:solidFill>
+                <a:latin typeface="Courier New"/>
+              </a:rPr>
+              <a:t>		</a:t>
+            </a:r>
+            <a:r>
+              <a:rPr lang="pt-BR" sz="3200" spc="-1" dirty="0" err="1">
+                <a:solidFill>
+                  <a:srgbClr val="1F4E79"/>
+                </a:solidFill>
+                <a:latin typeface="Courier New"/>
+              </a:rPr>
+              <a:t>try</a:t>
+            </a:r>
+            <a:r>
+              <a:rPr lang="pt-BR" sz="3200" spc="-1" dirty="0">
+                <a:solidFill>
+                  <a:srgbClr val="1F4E79"/>
+                </a:solidFill>
+                <a:latin typeface="Courier New"/>
+              </a:rPr>
+              <a:t>{</a:t>
+            </a:r>
+          </a:p>
+          <a:p>
+            <a:pPr>
+              <a:lnSpc>
+                <a:spcPct val="100000"/>
+              </a:lnSpc>
+              <a:spcBef>
+                <a:spcPts val="1001"/>
+              </a:spcBef>
+              <a:spcAft>
+                <a:spcPts val="1001"/>
+              </a:spcAft>
+              <a:tabLst>
+                <a:tab pos="0" algn="l"/>
+              </a:tabLst>
+            </a:pPr>
+            <a:r>
+              <a:rPr lang="pt-BR" sz="3200" spc="-1" dirty="0">
+                <a:solidFill>
+                  <a:srgbClr val="1F4E79"/>
+                </a:solidFill>
+                <a:latin typeface="Courier New"/>
+              </a:rPr>
+              <a:t>			</a:t>
+            </a:r>
+            <a:r>
+              <a:rPr lang="pt-BR" sz="3200" spc="-1" dirty="0" err="1">
+                <a:solidFill>
+                  <a:srgbClr val="1F4E79"/>
+                </a:solidFill>
+                <a:latin typeface="Courier New"/>
+              </a:rPr>
+              <a:t>const</a:t>
+            </a:r>
+            <a:r>
+              <a:rPr lang="pt-BR" sz="3200" spc="-1" dirty="0">
+                <a:solidFill>
+                  <a:srgbClr val="1F4E79"/>
+                </a:solidFill>
+                <a:latin typeface="Courier New"/>
+              </a:rPr>
+              <a:t> </a:t>
+            </a:r>
+            <a:r>
+              <a:rPr lang="pt-BR" sz="3200" spc="-1" dirty="0" err="1">
+                <a:solidFill>
+                  <a:srgbClr val="1F4E79"/>
+                </a:solidFill>
+                <a:latin typeface="Courier New"/>
+              </a:rPr>
+              <a:t>products</a:t>
+            </a:r>
+            <a:r>
+              <a:rPr lang="pt-BR" sz="3200" spc="-1" dirty="0">
+                <a:solidFill>
+                  <a:srgbClr val="1F4E79"/>
+                </a:solidFill>
+                <a:latin typeface="Courier New"/>
+              </a:rPr>
+              <a:t> = </a:t>
+            </a:r>
+            <a:r>
+              <a:rPr lang="pt-BR" sz="3200" spc="-1" dirty="0" err="1">
+                <a:solidFill>
+                  <a:srgbClr val="1F4E79"/>
+                </a:solidFill>
+                <a:latin typeface="Courier New"/>
+              </a:rPr>
+              <a:t>await</a:t>
+            </a:r>
+            <a:r>
+              <a:rPr lang="pt-BR" sz="3200" spc="-1" dirty="0">
+                <a:solidFill>
+                  <a:srgbClr val="1F4E79"/>
+                </a:solidFill>
+                <a:latin typeface="Courier New"/>
+              </a:rPr>
+              <a:t> </a:t>
+            </a:r>
+            <a:r>
+              <a:rPr lang="pt-BR" sz="3200" spc="-1" dirty="0" err="1">
+                <a:solidFill>
+                  <a:srgbClr val="1F4E79"/>
+                </a:solidFill>
+                <a:latin typeface="Courier New"/>
+              </a:rPr>
+              <a:t>Product.findAll</a:t>
+            </a:r>
+            <a:r>
+              <a:rPr lang="pt-BR" sz="3200" spc="-1" dirty="0">
+                <a:solidFill>
+                  <a:srgbClr val="1F4E79"/>
+                </a:solidFill>
+                <a:latin typeface="Courier New"/>
+              </a:rPr>
+              <a:t>();</a:t>
+            </a:r>
+          </a:p>
+          <a:p>
+            <a:pPr>
+              <a:lnSpc>
+                <a:spcPct val="100000"/>
+              </a:lnSpc>
+              <a:spcBef>
+                <a:spcPts val="1001"/>
+              </a:spcBef>
+              <a:spcAft>
+                <a:spcPts val="1001"/>
+              </a:spcAft>
+              <a:tabLst>
+                <a:tab pos="0" algn="l"/>
+              </a:tabLst>
+            </a:pPr>
+            <a:r>
+              <a:rPr lang="pt-BR" sz="3200" spc="-1" dirty="0">
+                <a:solidFill>
+                  <a:srgbClr val="1F4E79"/>
+                </a:solidFill>
+                <a:latin typeface="Courier New"/>
+              </a:rPr>
+              <a:t>			</a:t>
+            </a:r>
+            <a:r>
+              <a:rPr lang="pt-BR" sz="3200" spc="-1" dirty="0" err="1">
+                <a:solidFill>
+                  <a:srgbClr val="1F4E79"/>
+                </a:solidFill>
+                <a:latin typeface="Courier New"/>
+              </a:rPr>
+              <a:t>response.status</a:t>
+            </a:r>
+            <a:r>
+              <a:rPr lang="pt-BR" sz="3200" spc="-1" dirty="0">
+                <a:solidFill>
+                  <a:srgbClr val="1F4E79"/>
+                </a:solidFill>
+                <a:latin typeface="Courier New"/>
+              </a:rPr>
+              <a:t>(200).</a:t>
+            </a:r>
+            <a:r>
+              <a:rPr lang="pt-BR" sz="3200" spc="-1" dirty="0" err="1">
+                <a:solidFill>
+                  <a:srgbClr val="1F4E79"/>
+                </a:solidFill>
+                <a:latin typeface="Courier New"/>
+              </a:rPr>
+              <a:t>json</a:t>
+            </a:r>
+            <a:r>
+              <a:rPr lang="pt-BR" sz="3200" spc="-1" dirty="0">
+                <a:solidFill>
+                  <a:srgbClr val="1F4E79"/>
+                </a:solidFill>
+                <a:latin typeface="Courier New"/>
+              </a:rPr>
+              <a:t>(</a:t>
+            </a:r>
+            <a:r>
+              <a:rPr lang="pt-BR" sz="3200" spc="-1" dirty="0" err="1">
+                <a:solidFill>
+                  <a:srgbClr val="1F4E79"/>
+                </a:solidFill>
+                <a:latin typeface="Courier New"/>
+              </a:rPr>
+              <a:t>products</a:t>
+            </a:r>
+            <a:r>
+              <a:rPr lang="pt-BR" sz="3200" spc="-1" dirty="0">
+                <a:solidFill>
+                  <a:srgbClr val="1F4E79"/>
+                </a:solidFill>
+                <a:latin typeface="Courier New"/>
+              </a:rPr>
+              <a:t>);</a:t>
+            </a:r>
+          </a:p>
+          <a:p>
+            <a:pPr>
+              <a:lnSpc>
+                <a:spcPct val="100000"/>
+              </a:lnSpc>
+              <a:spcBef>
+                <a:spcPts val="1001"/>
+              </a:spcBef>
+              <a:spcAft>
+                <a:spcPts val="1001"/>
+              </a:spcAft>
+              <a:tabLst>
+                <a:tab pos="0" algn="l"/>
+              </a:tabLst>
+            </a:pPr>
+            <a:r>
+              <a:rPr lang="pt-BR" sz="3200" spc="-1" dirty="0">
+                <a:solidFill>
+                  <a:srgbClr val="1F4E79"/>
+                </a:solidFill>
+                <a:latin typeface="Courier New"/>
+              </a:rPr>
+              <a:t>		} catch(</a:t>
+            </a:r>
+            <a:r>
+              <a:rPr lang="pt-BR" sz="3200" spc="-1" dirty="0" err="1">
+                <a:solidFill>
+                  <a:srgbClr val="1F4E79"/>
+                </a:solidFill>
+                <a:latin typeface="Courier New"/>
+              </a:rPr>
+              <a:t>error</a:t>
+            </a:r>
+            <a:r>
+              <a:rPr lang="pt-BR" sz="3200" spc="-1" dirty="0">
+                <a:solidFill>
+                  <a:srgbClr val="1F4E79"/>
+                </a:solidFill>
+                <a:latin typeface="Courier New"/>
+              </a:rPr>
+              <a:t>){</a:t>
+            </a:r>
+          </a:p>
+          <a:p>
+            <a:pPr>
+              <a:lnSpc>
+                <a:spcPct val="100000"/>
+              </a:lnSpc>
+              <a:spcBef>
+                <a:spcPts val="1001"/>
+              </a:spcBef>
+              <a:spcAft>
+                <a:spcPts val="1001"/>
+              </a:spcAft>
+              <a:tabLst>
+                <a:tab pos="0" algn="l"/>
+              </a:tabLst>
+            </a:pPr>
+            <a:r>
+              <a:rPr lang="pt-BR" sz="3200" spc="-1" dirty="0">
+                <a:solidFill>
+                  <a:srgbClr val="1F4E79"/>
+                </a:solidFill>
+                <a:latin typeface="Courier New"/>
+              </a:rPr>
+              <a:t>			</a:t>
+            </a:r>
+            <a:r>
+              <a:rPr lang="pt-BR" sz="3200" spc="-1" dirty="0" err="1">
+                <a:solidFill>
+                  <a:srgbClr val="1F4E79"/>
+                </a:solidFill>
+                <a:latin typeface="Courier New"/>
+              </a:rPr>
+              <a:t>response.status</a:t>
+            </a:r>
+            <a:r>
+              <a:rPr lang="pt-BR" sz="3200" spc="-1" dirty="0">
+                <a:solidFill>
+                  <a:srgbClr val="1F4E79"/>
+                </a:solidFill>
+                <a:latin typeface="Courier New"/>
+              </a:rPr>
+              <a:t>(500).</a:t>
+            </a:r>
+            <a:r>
+              <a:rPr lang="pt-BR" sz="3200" spc="-1" dirty="0" err="1">
+                <a:solidFill>
+                  <a:srgbClr val="1F4E79"/>
+                </a:solidFill>
+                <a:latin typeface="Courier New"/>
+              </a:rPr>
+              <a:t>json</a:t>
+            </a:r>
+            <a:r>
+              <a:rPr lang="pt-BR" sz="3200" spc="-1" dirty="0">
+                <a:solidFill>
+                  <a:srgbClr val="1F4E79"/>
+                </a:solidFill>
+                <a:latin typeface="Courier New"/>
+              </a:rPr>
+              <a:t>({ </a:t>
+            </a:r>
+            <a:r>
+              <a:rPr lang="pt-BR" sz="3200" spc="-1" dirty="0" err="1">
+                <a:solidFill>
+                  <a:srgbClr val="1F4E79"/>
+                </a:solidFill>
+                <a:latin typeface="Courier New"/>
+              </a:rPr>
+              <a:t>error</a:t>
+            </a:r>
+            <a:r>
+              <a:rPr lang="pt-BR" sz="3200" spc="-1" dirty="0">
+                <a:solidFill>
+                  <a:srgbClr val="1F4E79"/>
+                </a:solidFill>
+                <a:latin typeface="Courier New"/>
+              </a:rPr>
+              <a:t>: </a:t>
+            </a:r>
+            <a:r>
+              <a:rPr lang="pt-BR" sz="3200" spc="-1" dirty="0" err="1">
+                <a:solidFill>
+                  <a:srgbClr val="1F4E79"/>
+                </a:solidFill>
+                <a:latin typeface="Courier New"/>
+              </a:rPr>
+              <a:t>error.message</a:t>
+            </a:r>
+            <a:r>
+              <a:rPr lang="pt-BR" sz="3200" spc="-1" dirty="0">
+                <a:solidFill>
+                  <a:srgbClr val="1F4E79"/>
+                </a:solidFill>
+                <a:latin typeface="Courier New"/>
+              </a:rPr>
+              <a:t> });</a:t>
+            </a:r>
+          </a:p>
+          <a:p>
+            <a:pPr>
+              <a:lnSpc>
+                <a:spcPct val="100000"/>
+              </a:lnSpc>
+              <a:spcBef>
+                <a:spcPts val="1001"/>
+              </a:spcBef>
+              <a:spcAft>
+                <a:spcPts val="1001"/>
+              </a:spcAft>
+              <a:tabLst>
+                <a:tab pos="0" algn="l"/>
+              </a:tabLst>
+            </a:pPr>
+            <a:r>
+              <a:rPr lang="pt-BR" sz="3200" spc="-1" dirty="0">
+                <a:solidFill>
+                  <a:srgbClr val="1F4E79"/>
+                </a:solidFill>
+                <a:latin typeface="Courier New"/>
+              </a:rPr>
+              <a:t>		}</a:t>
+            </a:r>
+          </a:p>
+          <a:p>
+            <a:pPr>
+              <a:lnSpc>
+                <a:spcPct val="100000"/>
+              </a:lnSpc>
+              <a:spcBef>
+                <a:spcPts val="1001"/>
+              </a:spcBef>
+              <a:spcAft>
+                <a:spcPts val="1001"/>
+              </a:spcAft>
+              <a:tabLst>
+                <a:tab pos="0" algn="l"/>
+              </a:tabLst>
+            </a:pPr>
+            <a:r>
+              <a:rPr lang="pt-BR" sz="3200" b="0" strike="noStrike" spc="-1" dirty="0">
+                <a:solidFill>
+                  <a:srgbClr val="1F4E79"/>
+                </a:solidFill>
+                <a:latin typeface="Courier New"/>
+                <a:ea typeface="DejaVu Sans"/>
+              </a:rPr>
+              <a:t>});</a:t>
+            </a:r>
+            <a:endParaRPr lang="pt-BR" sz="3200" b="0" strike="noStrike" spc="-1" dirty="0">
               <a:latin typeface="Arial"/>
             </a:endParaRPr>
           </a:p>
         </p:txBody>
       </p:sp>
     </p:spTree>
+    <p:extLst>
+      <p:ext uri="{BB962C8B-B14F-4D97-AF65-F5344CB8AC3E}">
+        <p14:creationId xmlns:p14="http://schemas.microsoft.com/office/powerpoint/2010/main" val="3792281636"/>
+      </p:ext>
+    </p:extLst>
   </p:cSld>
   <p:clrMapOvr>
     <a:masterClrMapping/>
@@ -23352,7 +24728,7 @@
       </p:grpSpPr>
       <p:sp>
         <p:nvSpPr>
-          <p:cNvPr id="175" name="CustomShape 1"/>
+          <p:cNvPr id="149" name="CustomShape 1"/>
           <p:cNvSpPr/>
           <p:nvPr/>
         </p:nvSpPr>
@@ -23393,16 +24769,36 @@
               </a:lnSpc>
             </a:pPr>
             <a:r>
-              <a:rPr lang="pt-BR" sz="5400" b="0" strike="noStrike" spc="-1">
+              <a:rPr lang="pt-BR" sz="5400" b="0" strike="noStrike" spc="-1" dirty="0">
                 <a:solidFill>
                   <a:srgbClr val="1F4E79"/>
                 </a:solidFill>
                 <a:latin typeface="Arial"/>
                 <a:ea typeface="DejaVu Sans"/>
               </a:rPr>
-              <a:t>Referências</a:t>
-            </a:r>
-            <a:endParaRPr lang="pt-BR" sz="5400" b="0" strike="noStrike" spc="-1">
+              <a:t>Recurso </a:t>
+            </a:r>
+            <a:r>
+              <a:rPr lang="pt-BR" sz="5400" b="0" strike="noStrike" spc="-1" dirty="0" err="1">
+                <a:solidFill>
+                  <a:srgbClr val="1F4E79"/>
+                </a:solidFill>
+                <a:latin typeface="Arial"/>
+                <a:ea typeface="DejaVu Sans"/>
+              </a:rPr>
+              <a:t>products</a:t>
+            </a:r>
+            <a:r>
+              <a:rPr lang="pt-BR" sz="5400" b="0" strike="noStrike" spc="-1" dirty="0">
+                <a:solidFill>
+                  <a:srgbClr val="1F4E79"/>
+                </a:solidFill>
+                <a:latin typeface="Arial"/>
+                <a:ea typeface="DejaVu Sans"/>
+              </a:rPr>
+              <a:t> (PUT)</a:t>
+            </a:r>
+            <a:endParaRPr lang="pt-BR" sz="5400" b="0" strike="noStrike" spc="-1" dirty="0">
               <a:latin typeface="Arial"/>
             </a:endParaRPr>
           </a:p>
@@ -23410,7 +24806,7 @@
       </p:sp>
       <p:sp>
         <p:nvSpPr>
-          <p:cNvPr id="176" name="CustomShape 2"/>
+          <p:cNvPr id="150" name="CustomShape 2"/>
           <p:cNvSpPr/>
           <p:nvPr/>
         </p:nvSpPr>
@@ -23441,11 +24837,11 @@
         </p:style>
         <p:txBody>
           <a:bodyPr lIns="90000" tIns="45000" rIns="90000" bIns="45000">
-            <a:normAutofit fontScale="89000" lnSpcReduction="10000"/>
+            <a:normAutofit fontScale="55000" lnSpcReduction="20000"/>
           </a:bodyPr>
           <a:lstStyle/>
           <a:p>
-            <a:pPr marL="514440" indent="-510480">
+            <a:pPr>
               <a:lnSpc>
                 <a:spcPct val="100000"/>
               </a:lnSpc>
@@ -23455,118 +24851,85 @@
               <a:spcAft>
                 <a:spcPts val="1001"/>
               </a:spcAft>
-              <a:buClr>
-                <a:srgbClr val="1F4E79"/>
-              </a:buClr>
-              <a:buFont typeface="Calibri Light"/>
-              <a:buAutoNum type="arabicPeriod"/>
-            </a:pPr>
-            <a:r>
-              <a:rPr lang="pt-BR" sz="3200" b="0" strike="noStrike" spc="-1">
-                <a:solidFill>
-                  <a:srgbClr val="1F4E79"/>
-                </a:solidFill>
-                <a:latin typeface="Arial"/>
-                <a:ea typeface="DejaVu Sans"/>
-              </a:rPr>
-              <a:t>Node.js. </a:t>
-            </a:r>
-            <a:r>
-              <a:rPr lang="pt-BR" sz="3200" b="1" strike="noStrike" spc="-1">
-                <a:solidFill>
-                  <a:srgbClr val="1F4E79"/>
-                </a:solidFill>
-                <a:latin typeface="Arial"/>
-                <a:ea typeface="DejaVu Sans"/>
-              </a:rPr>
-              <a:t>About</a:t>
-            </a:r>
-            <a:r>
-              <a:rPr lang="pt-BR" sz="3200" b="0" strike="noStrike" spc="-1">
-                <a:solidFill>
-                  <a:srgbClr val="1F4E79"/>
-                </a:solidFill>
-                <a:latin typeface="Arial"/>
-                <a:ea typeface="DejaVu Sans"/>
-              </a:rPr>
-              <a:t>. Disponível em: </a:t>
-            </a:r>
-            <a:r>
-              <a:rPr lang="pt-BR" sz="3200" b="0" u="sng" strike="noStrike" spc="-1">
-                <a:solidFill>
-                  <a:srgbClr val="0563C1"/>
-                </a:solidFill>
-                <a:uFillTx/>
-                <a:latin typeface="Arial"/>
-                <a:ea typeface="DejaVu Sans"/>
-                <a:hlinkClick r:id="rId3"/>
-              </a:rPr>
-              <a:t>https://nodejs.org/</a:t>
-            </a:r>
-            <a:r>
-              <a:rPr lang="pt-BR" sz="3200" b="0" u="sng" strike="noStrike" spc="-1">
-                <a:solidFill>
-                  <a:srgbClr val="0563C1"/>
-                </a:solidFill>
-                <a:uFillTx/>
-                <a:latin typeface="Arial"/>
-                <a:ea typeface="DejaVu Sans"/>
-                <a:hlinkClick r:id="rId3"/>
-              </a:rPr>
-              <a:t>en</a:t>
-            </a:r>
-            <a:r>
-              <a:rPr lang="pt-BR" sz="3200" b="0" u="sng" strike="noStrike" spc="-1">
-                <a:solidFill>
-                  <a:srgbClr val="0563C1"/>
-                </a:solidFill>
-                <a:uFillTx/>
-                <a:latin typeface="Arial"/>
-                <a:ea typeface="DejaVu Sans"/>
-                <a:hlinkClick r:id="rId3"/>
-              </a:rPr>
-              <a:t>/</a:t>
-            </a:r>
-            <a:r>
-              <a:rPr lang="pt-BR" sz="3200" b="0" u="sng" strike="noStrike" spc="-1">
-                <a:solidFill>
-                  <a:srgbClr val="0563C1"/>
-                </a:solidFill>
-                <a:uFillTx/>
-                <a:latin typeface="Arial"/>
-                <a:ea typeface="DejaVu Sans"/>
-                <a:hlinkClick r:id="rId3"/>
-              </a:rPr>
-              <a:t>about</a:t>
-            </a:r>
-            <a:r>
-              <a:rPr lang="pt-BR" sz="3200" b="0" u="sng" strike="noStrike" spc="-1">
-                <a:solidFill>
-                  <a:srgbClr val="0563C1"/>
-                </a:solidFill>
-                <a:uFillTx/>
-                <a:latin typeface="Arial"/>
-                <a:ea typeface="DejaVu Sans"/>
-                <a:hlinkClick r:id="rId3"/>
-              </a:rPr>
-              <a:t>/</a:t>
-            </a:r>
-            <a:r>
-              <a:rPr lang="pt-BR" sz="3200" b="0" strike="noStrike" spc="-1">
-                <a:solidFill>
-                  <a:srgbClr val="1F4E79"/>
-                </a:solidFill>
-                <a:latin typeface="Arial"/>
-                <a:ea typeface="DejaVu Sans"/>
-              </a:rPr>
-              <a:t>.</a:t>
-            </a:r>
-            <a:endParaRPr lang="pt-BR" sz="3200" b="0" strike="noStrike" spc="-1">
-              <a:latin typeface="Arial"/>
-            </a:endParaRPr>
-          </a:p>
-          <a:p>
-            <a:pPr marL="514440" indent="-510480">
+              <a:tabLst>
+                <a:tab pos="0" algn="l"/>
+              </a:tabLst>
+            </a:pPr>
+            <a:r>
+              <a:rPr lang="pt-BR" sz="3200" spc="-1" dirty="0" err="1">
+                <a:solidFill>
+                  <a:srgbClr val="1F4E79"/>
+                </a:solidFill>
+                <a:latin typeface="Courier New"/>
+              </a:rPr>
+              <a:t>app.put</a:t>
+            </a:r>
+            <a:r>
+              <a:rPr lang="pt-BR" sz="3200" spc="-1" dirty="0">
+                <a:solidFill>
+                  <a:srgbClr val="1F4E79"/>
+                </a:solidFill>
+                <a:latin typeface="Courier New"/>
+              </a:rPr>
+              <a:t>('/</a:t>
+            </a:r>
+            <a:r>
+              <a:rPr lang="pt-BR" sz="3200" spc="-1" dirty="0" err="1">
+                <a:solidFill>
+                  <a:srgbClr val="1F4E79"/>
+                </a:solidFill>
+                <a:latin typeface="Courier New"/>
+              </a:rPr>
+              <a:t>products</a:t>
+            </a:r>
+            <a:r>
+              <a:rPr lang="pt-BR" sz="3200" spc="-1" dirty="0">
+                <a:solidFill>
+                  <a:srgbClr val="1F4E79"/>
+                </a:solidFill>
+                <a:latin typeface="Courier New"/>
+              </a:rPr>
+              <a:t>/:id', </a:t>
+            </a:r>
+            <a:r>
+              <a:rPr lang="pt-BR" sz="3200" spc="-1" dirty="0" err="1">
+                <a:solidFill>
+                  <a:srgbClr val="1F4E79"/>
+                </a:solidFill>
+                <a:latin typeface="Courier New"/>
+              </a:rPr>
+              <a:t>async</a:t>
+            </a:r>
+            <a:r>
+              <a:rPr lang="pt-BR" sz="3200" spc="-1" dirty="0">
+                <a:solidFill>
+                  <a:srgbClr val="1F4E79"/>
+                </a:solidFill>
+                <a:latin typeface="Courier New"/>
+              </a:rPr>
+              <a:t> (</a:t>
+            </a:r>
+            <a:r>
+              <a:rPr lang="pt-BR" sz="3200" spc="-1" dirty="0" err="1">
+                <a:solidFill>
+                  <a:srgbClr val="1F4E79"/>
+                </a:solidFill>
+                <a:latin typeface="Courier New"/>
+              </a:rPr>
+              <a:t>request</a:t>
+            </a:r>
+            <a:r>
+              <a:rPr lang="pt-BR" sz="3200" spc="-1" dirty="0">
+                <a:solidFill>
+                  <a:srgbClr val="1F4E79"/>
+                </a:solidFill>
+                <a:latin typeface="Courier New"/>
+              </a:rPr>
+              <a:t>, response) =&gt; {</a:t>
+            </a:r>
+          </a:p>
+          <a:p>
+            <a:pPr>
               <a:lnSpc>
                 <a:spcPct val="100000"/>
               </a:lnSpc>
@@ -23576,94 +24939,58 @@
               <a:spcAft>
                 <a:spcPts val="1001"/>
               </a:spcAft>
-              <a:buClr>
-                <a:srgbClr val="1F4E79"/>
-              </a:buClr>
-              <a:buFont typeface="Calibri Light"/>
-              <a:buAutoNum type="arabicPeriod"/>
-            </a:pPr>
-            <a:r>
-              <a:rPr lang="pt-BR" sz="3200" b="0" strike="noStrike" spc="-1">
-                <a:solidFill>
-                  <a:srgbClr val="1F4E79"/>
-                </a:solidFill>
-                <a:latin typeface="Arial"/>
-                <a:ea typeface="DejaVu Sans"/>
-              </a:rPr>
-              <a:t>Node.js. </a:t>
-            </a:r>
-            <a:r>
-              <a:rPr lang="pt-BR" sz="3200" b="1" strike="noStrike" spc="-1">
-                <a:solidFill>
-                  <a:srgbClr val="1F4E79"/>
-                </a:solidFill>
-                <a:latin typeface="Arial"/>
-                <a:ea typeface="DejaVu Sans"/>
-              </a:rPr>
-              <a:t>Download</a:t>
-            </a:r>
-            <a:r>
-              <a:rPr lang="pt-BR" sz="3200" b="0" strike="noStrike" spc="-1">
-                <a:solidFill>
-                  <a:srgbClr val="1F4E79"/>
-                </a:solidFill>
-                <a:latin typeface="Arial"/>
-                <a:ea typeface="DejaVu Sans"/>
-              </a:rPr>
-              <a:t>. Disponível em: </a:t>
-            </a:r>
-            <a:r>
-              <a:rPr lang="pt-BR" sz="3200" b="0" u="sng" strike="noStrike" spc="-1">
-                <a:solidFill>
-                  <a:srgbClr val="0563C1"/>
-                </a:solidFill>
-                <a:uFillTx/>
-                <a:latin typeface="Arial"/>
-                <a:ea typeface="DejaVu Sans"/>
-                <a:hlinkClick r:id="rId4"/>
-              </a:rPr>
-              <a:t>https://nodejs.org/</a:t>
-            </a:r>
-            <a:r>
-              <a:rPr lang="pt-BR" sz="3200" b="0" u="sng" strike="noStrike" spc="-1">
-                <a:solidFill>
-                  <a:srgbClr val="0563C1"/>
-                </a:solidFill>
-                <a:uFillTx/>
-                <a:latin typeface="Arial"/>
-                <a:ea typeface="DejaVu Sans"/>
-                <a:hlinkClick r:id="rId4"/>
-              </a:rPr>
-              <a:t>en</a:t>
-            </a:r>
-            <a:r>
-              <a:rPr lang="pt-BR" sz="3200" b="0" u="sng" strike="noStrike" spc="-1">
-                <a:solidFill>
-                  <a:srgbClr val="0563C1"/>
-                </a:solidFill>
-                <a:uFillTx/>
-                <a:latin typeface="Arial"/>
-                <a:ea typeface="DejaVu Sans"/>
-                <a:hlinkClick r:id="rId4"/>
-              </a:rPr>
-              <a:t>/download/</a:t>
-            </a:r>
-            <a:r>
-              <a:rPr lang="pt-BR" sz="3200" b="0" strike="noStrike" spc="-1">
-                <a:solidFill>
-                  <a:srgbClr val="1F4E79"/>
-                </a:solidFill>
-                <a:latin typeface="Arial"/>
-                <a:ea typeface="DejaVu Sans"/>
-              </a:rPr>
-              <a:t>.</a:t>
-            </a:r>
-            <a:endParaRPr lang="pt-BR" sz="3200" b="0" strike="noStrike" spc="-1">
-              <a:latin typeface="Arial"/>
-            </a:endParaRPr>
-          </a:p>
-          <a:p>
-            <a:pPr marL="514440" indent="-510480">
+              <a:tabLst>
+                <a:tab pos="0" algn="l"/>
+              </a:tabLst>
+            </a:pPr>
+            <a:r>
+              <a:rPr lang="pt-BR" sz="3200" spc="-1" dirty="0">
+                <a:solidFill>
+                  <a:srgbClr val="1F4E79"/>
+                </a:solidFill>
+                <a:latin typeface="Courier New"/>
+              </a:rPr>
+              <a:t>    </a:t>
+            </a:r>
+            <a:r>
+              <a:rPr lang="pt-BR" sz="3200" spc="-1" dirty="0" err="1">
+                <a:solidFill>
+                  <a:srgbClr val="1F4E79"/>
+                </a:solidFill>
+                <a:latin typeface="Courier New"/>
+              </a:rPr>
+              <a:t>const</a:t>
+            </a:r>
+            <a:r>
+              <a:rPr lang="pt-BR" sz="3200" spc="-1" dirty="0">
+                <a:solidFill>
+                  <a:srgbClr val="1F4E79"/>
+                </a:solidFill>
+                <a:latin typeface="Courier New"/>
+              </a:rPr>
+              <a:t> { id } = </a:t>
+            </a:r>
+            <a:r>
+              <a:rPr lang="pt-BR" sz="3200" spc="-1" dirty="0" err="1">
+                <a:solidFill>
+                  <a:srgbClr val="1F4E79"/>
+                </a:solidFill>
+                <a:latin typeface="Courier New"/>
+              </a:rPr>
+              <a:t>request.params</a:t>
+            </a:r>
+            <a:r>
+              <a:rPr lang="pt-BR" sz="3200" spc="-1" dirty="0">
+                <a:solidFill>
+                  <a:srgbClr val="1F4E79"/>
+                </a:solidFill>
+                <a:latin typeface="Courier New"/>
+              </a:rPr>
+              <a:t>;</a:t>
+            </a:r>
+          </a:p>
+          <a:p>
+            <a:pPr>
               <a:lnSpc>
                 <a:spcPct val="100000"/>
               </a:lnSpc>
@@ -23673,82 +25000,76 @@
               <a:spcAft>
                 <a:spcPts val="1001"/>
               </a:spcAft>
-              <a:buClr>
-                <a:srgbClr val="1F4E79"/>
-              </a:buClr>
-              <a:buFont typeface="Calibri Light"/>
-              <a:buAutoNum type="arabicPeriod"/>
-            </a:pPr>
-            <a:r>
-              <a:rPr lang="pt-BR" sz="3200" b="0" strike="noStrike" spc="-1">
-                <a:solidFill>
-                  <a:srgbClr val="1F4E79"/>
-                </a:solidFill>
-                <a:latin typeface="Arial"/>
-                <a:ea typeface="DejaVu Sans"/>
-              </a:rPr>
-              <a:t>Yarn. </a:t>
-            </a:r>
-            <a:r>
-              <a:rPr lang="pt-BR" sz="3200" b="1" strike="noStrike" spc="-1">
-                <a:solidFill>
-                  <a:srgbClr val="1F4E79"/>
-                </a:solidFill>
-                <a:latin typeface="Arial"/>
-                <a:ea typeface="DejaVu Sans"/>
-              </a:rPr>
-              <a:t>Introduction</a:t>
-            </a:r>
-            <a:r>
-              <a:rPr lang="pt-BR" sz="3200" b="0" strike="noStrike" spc="-1">
-                <a:solidFill>
-                  <a:srgbClr val="1F4E79"/>
-                </a:solidFill>
-                <a:latin typeface="Arial"/>
-                <a:ea typeface="DejaVu Sans"/>
-              </a:rPr>
-              <a:t>. Disponível em: </a:t>
-            </a:r>
-            <a:r>
-              <a:rPr lang="pt-BR" sz="3200" b="0" u="sng" strike="noStrike" spc="-1">
-                <a:solidFill>
-                  <a:srgbClr val="0563C1"/>
-                </a:solidFill>
-                <a:uFillTx/>
-                <a:latin typeface="Arial"/>
-                <a:ea typeface="DejaVu Sans"/>
-                <a:hlinkClick r:id="rId5"/>
-              </a:rPr>
-              <a:t>https://yarnpkg.com/</a:t>
-            </a:r>
-            <a:r>
-              <a:rPr lang="pt-BR" sz="3200" b="0" u="sng" strike="noStrike" spc="-1">
-                <a:solidFill>
-                  <a:srgbClr val="0563C1"/>
-                </a:solidFill>
-                <a:uFillTx/>
-                <a:latin typeface="Arial"/>
-                <a:ea typeface="DejaVu Sans"/>
-                <a:hlinkClick r:id="rId5"/>
-              </a:rPr>
-              <a:t>getting-started</a:t>
-            </a:r>
-            <a:r>
-              <a:rPr lang="pt-BR" sz="3200" b="0" strike="noStrike" spc="-1">
-                <a:solidFill>
-                  <a:srgbClr val="1F4E79"/>
-                </a:solidFill>
-                <a:latin typeface="Arial"/>
-                <a:ea typeface="DejaVu Sans"/>
-              </a:rPr>
-              <a:t>.</a:t>
-            </a:r>
-            <a:endParaRPr lang="pt-BR" sz="3200" b="0" strike="noStrike" spc="-1">
-              <a:latin typeface="Arial"/>
-            </a:endParaRPr>
-          </a:p>
-          <a:p>
-            <a:pPr marL="514440" indent="-510480">
+              <a:tabLst>
+                <a:tab pos="0" algn="l"/>
+              </a:tabLst>
+            </a:pPr>
+            <a:r>
+              <a:rPr lang="pt-BR" sz="3200" spc="-1" dirty="0">
+                <a:solidFill>
+                  <a:srgbClr val="1F4E79"/>
+                </a:solidFill>
+                <a:latin typeface="Courier New"/>
+              </a:rPr>
+              <a:t>    </a:t>
+            </a:r>
+            <a:r>
+              <a:rPr lang="pt-BR" sz="3200" spc="-1" dirty="0" err="1">
+                <a:solidFill>
+                  <a:srgbClr val="1F4E79"/>
+                </a:solidFill>
+                <a:latin typeface="Courier New"/>
+              </a:rPr>
+              <a:t>const</a:t>
+            </a:r>
+            <a:r>
+              <a:rPr lang="pt-BR" sz="3200" spc="-1" dirty="0">
+                <a:solidFill>
+                  <a:srgbClr val="1F4E79"/>
+                </a:solidFill>
+                <a:latin typeface="Courier New"/>
+              </a:rPr>
+              <a:t> </a:t>
+            </a:r>
+            <a:r>
+              <a:rPr lang="pt-BR" sz="3200" spc="-1" dirty="0" err="1">
+                <a:solidFill>
+                  <a:srgbClr val="1F4E79"/>
+                </a:solidFill>
+                <a:latin typeface="Courier New"/>
+              </a:rPr>
+              <a:t>product</a:t>
+            </a:r>
+            <a:r>
+              <a:rPr lang="pt-BR" sz="3200" spc="-1" dirty="0">
+                <a:solidFill>
+                  <a:srgbClr val="1F4E79"/>
+                </a:solidFill>
+                <a:latin typeface="Courier New"/>
+              </a:rPr>
+              <a:t> = </a:t>
+            </a:r>
+            <a:r>
+              <a:rPr lang="pt-BR" sz="3200" spc="-1" dirty="0" err="1">
+                <a:solidFill>
+                  <a:srgbClr val="1F4E79"/>
+                </a:solidFill>
+                <a:latin typeface="Courier New"/>
+              </a:rPr>
+              <a:t>request.body</a:t>
+            </a:r>
+            <a:r>
+              <a:rPr lang="pt-BR" sz="3200" spc="-1" dirty="0">
+                <a:solidFill>
+                  <a:srgbClr val="1F4E79"/>
+                </a:solidFill>
+                <a:latin typeface="Courier New"/>
+              </a:rPr>
+              <a:t>;</a:t>
+            </a:r>
+          </a:p>
+          <a:p>
+            <a:pPr>
               <a:lnSpc>
                 <a:spcPct val="100000"/>
               </a:lnSpc>
@@ -23758,82 +25079,112 @@
               <a:spcAft>
                 <a:spcPts val="1001"/>
               </a:spcAft>
-              <a:buClr>
-                <a:srgbClr val="1F4E79"/>
-              </a:buClr>
-              <a:buFont typeface="Calibri Light"/>
-              <a:buAutoNum type="arabicPeriod"/>
-            </a:pPr>
-            <a:r>
-              <a:rPr lang="pt-BR" sz="3200" b="0" strike="noStrike" spc="-1">
-                <a:solidFill>
-                  <a:srgbClr val="1F4E79"/>
-                </a:solidFill>
-                <a:latin typeface="Arial"/>
-                <a:ea typeface="DejaVu Sans"/>
-              </a:rPr>
-              <a:t>Yarn. </a:t>
-            </a:r>
-            <a:r>
-              <a:rPr lang="pt-BR" sz="3200" b="1" strike="noStrike" spc="-1">
-                <a:solidFill>
-                  <a:srgbClr val="1F4E79"/>
-                </a:solidFill>
-                <a:latin typeface="Arial"/>
-                <a:ea typeface="DejaVu Sans"/>
-              </a:rPr>
-              <a:t>Installation</a:t>
-            </a:r>
-            <a:r>
-              <a:rPr lang="pt-BR" sz="3200" b="0" strike="noStrike" spc="-1">
-                <a:solidFill>
-                  <a:srgbClr val="1F4E79"/>
-                </a:solidFill>
-                <a:latin typeface="Arial"/>
-                <a:ea typeface="DejaVu Sans"/>
-              </a:rPr>
-              <a:t>. Disponível em: </a:t>
-            </a:r>
-            <a:r>
-              <a:rPr lang="pt-BR" sz="3200" b="0" u="sng" strike="noStrike" spc="-1">
-                <a:solidFill>
-                  <a:srgbClr val="0563C1"/>
-                </a:solidFill>
-                <a:uFillTx/>
-                <a:latin typeface="Arial"/>
-                <a:ea typeface="DejaVu Sans"/>
-                <a:hlinkClick r:id="rId6"/>
-              </a:rPr>
-              <a:t>https://classic.yarnpkg.com/en/docs/</a:t>
-            </a:r>
-            <a:r>
-              <a:rPr lang="pt-BR" sz="3200" b="0" u="sng" strike="noStrike" spc="-1">
-                <a:solidFill>
-                  <a:srgbClr val="0563C1"/>
-                </a:solidFill>
-                <a:uFillTx/>
-                <a:latin typeface="Arial"/>
-                <a:ea typeface="DejaVu Sans"/>
-                <a:hlinkClick r:id="rId6"/>
-              </a:rPr>
-              <a:t>install#windows-stable</a:t>
-            </a:r>
-            <a:r>
-              <a:rPr lang="pt-BR" sz="3200" b="0" strike="noStrike" spc="-1">
-                <a:solidFill>
-                  <a:srgbClr val="1F4E79"/>
-                </a:solidFill>
-                <a:latin typeface="Arial"/>
-                <a:ea typeface="DejaVu Sans"/>
-              </a:rPr>
-              <a:t>.</a:t>
-            </a:r>
-            <a:endParaRPr lang="pt-BR" sz="3200" b="0" strike="noStrike" spc="-1">
-              <a:latin typeface="Arial"/>
-            </a:endParaRPr>
-          </a:p>
-          <a:p>
-            <a:pPr marL="514440" indent="-510480">
+              <a:tabLst>
+                <a:tab pos="0" algn="l"/>
+              </a:tabLst>
+            </a:pPr>
+            <a:r>
+              <a:rPr lang="pt-BR" sz="3200" spc="-1" dirty="0">
+                <a:solidFill>
+                  <a:srgbClr val="1F4E79"/>
+                </a:solidFill>
+                <a:latin typeface="Courier New"/>
+              </a:rPr>
+              <a:t>    </a:t>
+            </a:r>
+            <a:r>
+              <a:rPr lang="pt-BR" sz="3200" spc="-1" dirty="0" err="1">
+                <a:solidFill>
+                  <a:srgbClr val="1F4E79"/>
+                </a:solidFill>
+                <a:latin typeface="Courier New"/>
+              </a:rPr>
+              <a:t>const</a:t>
+            </a:r>
+            <a:r>
+              <a:rPr lang="pt-BR" sz="3200" spc="-1" dirty="0">
+                <a:solidFill>
+                  <a:srgbClr val="1F4E79"/>
+                </a:solidFill>
+                <a:latin typeface="Courier New"/>
+              </a:rPr>
+              <a:t> </a:t>
+            </a:r>
+            <a:r>
+              <a:rPr lang="pt-BR" sz="3200" spc="-1" dirty="0" err="1">
+                <a:solidFill>
+                  <a:srgbClr val="1F4E79"/>
+                </a:solidFill>
+                <a:latin typeface="Courier New"/>
+              </a:rPr>
+              <a:t>affectedRows</a:t>
+            </a:r>
+            <a:r>
+              <a:rPr lang="pt-BR" sz="3200" spc="-1" dirty="0">
+                <a:solidFill>
+                  <a:srgbClr val="1F4E79"/>
+                </a:solidFill>
+                <a:latin typeface="Courier New"/>
+              </a:rPr>
+              <a:t> = </a:t>
+            </a:r>
+            <a:r>
+              <a:rPr lang="pt-BR" sz="3200" spc="-1" dirty="0" err="1">
+                <a:solidFill>
+                  <a:srgbClr val="1F4E79"/>
+                </a:solidFill>
+                <a:latin typeface="Courier New"/>
+              </a:rPr>
+              <a:t>await</a:t>
+            </a:r>
+            <a:r>
+              <a:rPr lang="pt-BR" sz="3200" spc="-1" dirty="0">
+                <a:solidFill>
+                  <a:srgbClr val="1F4E79"/>
+                </a:solidFill>
+                <a:latin typeface="Courier New"/>
+              </a:rPr>
+              <a:t> </a:t>
+            </a:r>
+            <a:r>
+              <a:rPr lang="pt-BR" sz="3200" spc="-1" dirty="0" err="1">
+                <a:solidFill>
+                  <a:srgbClr val="1F4E79"/>
+                </a:solidFill>
+                <a:latin typeface="Courier New"/>
+              </a:rPr>
+              <a:t>Product.update</a:t>
+            </a:r>
+            <a:r>
+              <a:rPr lang="pt-BR" sz="3200" spc="-1" dirty="0">
+                <a:solidFill>
+                  <a:srgbClr val="1F4E79"/>
+                </a:solidFill>
+                <a:latin typeface="Courier New"/>
+              </a:rPr>
+              <a:t>(</a:t>
+            </a:r>
+            <a:r>
+              <a:rPr lang="pt-BR" sz="3200" spc="-1" dirty="0" err="1">
+                <a:solidFill>
+                  <a:srgbClr val="1F4E79"/>
+                </a:solidFill>
+                <a:latin typeface="Courier New"/>
+              </a:rPr>
+              <a:t>product</a:t>
+            </a:r>
+            <a:r>
+              <a:rPr lang="pt-BR" sz="3200" spc="-1" dirty="0">
+                <a:solidFill>
+                  <a:srgbClr val="1F4E79"/>
+                </a:solidFill>
+                <a:latin typeface="Courier New"/>
+              </a:rPr>
+              <a:t>, {</a:t>
+            </a:r>
+          </a:p>
+          <a:p>
+            <a:pPr>
               <a:lnSpc>
                 <a:spcPct val="100000"/>
               </a:lnSpc>
@@ -23843,61 +25194,329 @@
               <a:spcAft>
                 <a:spcPts val="1001"/>
               </a:spcAft>
-              <a:buClr>
-                <a:srgbClr val="1F4E79"/>
-              </a:buClr>
-              <a:buFont typeface="Calibri Light"/>
-              <a:buAutoNum type="arabicPeriod"/>
-            </a:pPr>
-            <a:r>
-              <a:rPr lang="pt-BR" sz="3200" b="0" strike="noStrike" spc="-1">
-                <a:solidFill>
-                  <a:srgbClr val="1F4E79"/>
-                </a:solidFill>
-                <a:latin typeface="Arial"/>
-                <a:ea typeface="DejaVu Sans"/>
-              </a:rPr>
-              <a:t>Express. </a:t>
-            </a:r>
-            <a:r>
-              <a:rPr lang="pt-BR" sz="3200" b="1" strike="noStrike" spc="-1">
-                <a:solidFill>
-                  <a:srgbClr val="1F4E79"/>
-                </a:solidFill>
-                <a:latin typeface="Arial"/>
-                <a:ea typeface="DejaVu Sans"/>
-              </a:rPr>
-              <a:t>Installing</a:t>
-            </a:r>
-            <a:r>
-              <a:rPr lang="pt-BR" sz="3200" b="0" strike="noStrike" spc="-1">
-                <a:solidFill>
-                  <a:srgbClr val="1F4E79"/>
-                </a:solidFill>
-                <a:latin typeface="Arial"/>
-                <a:ea typeface="DejaVu Sans"/>
-              </a:rPr>
-              <a:t>. Disponível em: </a:t>
-            </a:r>
-            <a:r>
-              <a:rPr lang="pt-BR" sz="3200" b="0" u="sng" strike="noStrike" spc="-1">
-                <a:solidFill>
-                  <a:srgbClr val="0563C1"/>
-                </a:solidFill>
-                <a:uFillTx/>
-                <a:latin typeface="Arial"/>
-                <a:ea typeface="DejaVu Sans"/>
-                <a:hlinkClick r:id="rId7"/>
-              </a:rPr>
-              <a:t>https://expressjs.com/en/starter/installing.html</a:t>
-            </a:r>
-            <a:endParaRPr lang="pt-BR" sz="3200" b="0" strike="noStrike" spc="-1">
+              <a:tabLst>
+                <a:tab pos="0" algn="l"/>
+              </a:tabLst>
+            </a:pPr>
+            <a:r>
+              <a:rPr lang="pt-BR" sz="3200" spc="-1" dirty="0">
+                <a:solidFill>
+                  <a:srgbClr val="1F4E79"/>
+                </a:solidFill>
+                <a:latin typeface="Courier New"/>
+              </a:rPr>
+              <a:t>        </a:t>
+            </a:r>
+            <a:r>
+              <a:rPr lang="pt-BR" sz="3200" spc="-1" dirty="0" err="1">
+                <a:solidFill>
+                  <a:srgbClr val="1F4E79"/>
+                </a:solidFill>
+                <a:latin typeface="Courier New"/>
+              </a:rPr>
+              <a:t>where</a:t>
+            </a:r>
+            <a:r>
+              <a:rPr lang="pt-BR" sz="3200" spc="-1" dirty="0">
+                <a:solidFill>
+                  <a:srgbClr val="1F4E79"/>
+                </a:solidFill>
+                <a:latin typeface="Courier New"/>
+              </a:rPr>
+              <a:t>: { id }</a:t>
+            </a:r>
+          </a:p>
+          <a:p>
+            <a:pPr>
+              <a:lnSpc>
+                <a:spcPct val="100000"/>
+              </a:lnSpc>
+              <a:spcBef>
+                <a:spcPts val="1001"/>
+              </a:spcBef>
+              <a:spcAft>
+                <a:spcPts val="1001"/>
+              </a:spcAft>
+              <a:tabLst>
+                <a:tab pos="0" algn="l"/>
+              </a:tabLst>
+            </a:pPr>
+            <a:r>
+              <a:rPr lang="pt-BR" sz="3200" spc="-1" dirty="0">
+                <a:solidFill>
+                  <a:srgbClr val="1F4E79"/>
+                </a:solidFill>
+                <a:latin typeface="Courier New"/>
+              </a:rPr>
+              <a:t>    });</a:t>
+            </a:r>
+          </a:p>
+          <a:p>
+            <a:pPr>
+              <a:lnSpc>
+                <a:spcPct val="100000"/>
+              </a:lnSpc>
+              <a:spcBef>
+                <a:spcPts val="1001"/>
+              </a:spcBef>
+              <a:spcAft>
+                <a:spcPts val="1001"/>
+              </a:spcAft>
+              <a:tabLst>
+                <a:tab pos="0" algn="l"/>
+              </a:tabLst>
+            </a:pPr>
+            <a:r>
+              <a:rPr lang="pt-BR" sz="3200" spc="-1" dirty="0">
+                <a:solidFill>
+                  <a:srgbClr val="1F4E79"/>
+                </a:solidFill>
+                <a:latin typeface="Courier New"/>
+              </a:rPr>
+              <a:t>    </a:t>
+            </a:r>
+            <a:r>
+              <a:rPr lang="pt-BR" sz="3200" spc="-1" dirty="0" err="1">
+                <a:solidFill>
+                  <a:srgbClr val="1F4E79"/>
+                </a:solidFill>
+                <a:latin typeface="Courier New"/>
+              </a:rPr>
+              <a:t>if</a:t>
+            </a:r>
+            <a:r>
+              <a:rPr lang="pt-BR" sz="3200" spc="-1" dirty="0">
+                <a:solidFill>
+                  <a:srgbClr val="1F4E79"/>
+                </a:solidFill>
+                <a:latin typeface="Courier New"/>
+              </a:rPr>
+              <a:t> (</a:t>
+            </a:r>
+            <a:r>
+              <a:rPr lang="pt-BR" sz="3200" spc="-1" dirty="0" err="1">
+                <a:solidFill>
+                  <a:srgbClr val="1F4E79"/>
+                </a:solidFill>
+                <a:latin typeface="Courier New"/>
+              </a:rPr>
+              <a:t>affectedRows</a:t>
+            </a:r>
+            <a:r>
+              <a:rPr lang="pt-BR" sz="3200" spc="-1" dirty="0">
+                <a:solidFill>
+                  <a:srgbClr val="1F4E79"/>
+                </a:solidFill>
+                <a:latin typeface="Courier New"/>
+              </a:rPr>
+              <a:t> &lt; 1) </a:t>
+            </a:r>
+            <a:r>
+              <a:rPr lang="pt-BR" sz="3200" spc="-1" dirty="0" err="1">
+                <a:solidFill>
+                  <a:srgbClr val="1F4E79"/>
+                </a:solidFill>
+                <a:latin typeface="Courier New"/>
+              </a:rPr>
+              <a:t>return</a:t>
+            </a:r>
+            <a:r>
+              <a:rPr lang="pt-BR" sz="3200" spc="-1" dirty="0">
+                <a:solidFill>
+                  <a:srgbClr val="1F4E79"/>
+                </a:solidFill>
+                <a:latin typeface="Courier New"/>
+              </a:rPr>
+              <a:t> </a:t>
+            </a:r>
+            <a:r>
+              <a:rPr lang="pt-BR" sz="3200" spc="-1" dirty="0" err="1">
+                <a:solidFill>
+                  <a:srgbClr val="1F4E79"/>
+                </a:solidFill>
+                <a:latin typeface="Courier New"/>
+              </a:rPr>
+              <a:t>response.status</a:t>
+            </a:r>
+            <a:r>
+              <a:rPr lang="pt-BR" sz="3200" spc="-1" dirty="0">
+                <a:solidFill>
+                  <a:srgbClr val="1F4E79"/>
+                </a:solidFill>
+                <a:latin typeface="Courier New"/>
+              </a:rPr>
+              <a:t>(404).</a:t>
+            </a:r>
+            <a:r>
+              <a:rPr lang="pt-BR" sz="3200" spc="-1" dirty="0" err="1">
+                <a:solidFill>
+                  <a:srgbClr val="1F4E79"/>
+                </a:solidFill>
+                <a:latin typeface="Courier New"/>
+              </a:rPr>
+              <a:t>json</a:t>
+            </a:r>
+            <a:r>
+              <a:rPr lang="pt-BR" sz="3200" spc="-1" dirty="0">
+                <a:solidFill>
+                  <a:srgbClr val="1F4E79"/>
+                </a:solidFill>
+                <a:latin typeface="Courier New"/>
+              </a:rPr>
+              <a:t>({ </a:t>
+            </a:r>
+            <a:r>
+              <a:rPr lang="pt-BR" sz="3200" spc="-1" dirty="0" err="1">
+                <a:solidFill>
+                  <a:srgbClr val="1F4E79"/>
+                </a:solidFill>
+                <a:latin typeface="Courier New"/>
+              </a:rPr>
+              <a:t>error</a:t>
+            </a:r>
+            <a:r>
+              <a:rPr lang="pt-BR" sz="3200" spc="-1" dirty="0">
+                <a:solidFill>
+                  <a:srgbClr val="1F4E79"/>
+                </a:solidFill>
+                <a:latin typeface="Courier New"/>
+              </a:rPr>
+              <a:t>: 'Produto não encontrado.' });</a:t>
+            </a:r>
+          </a:p>
+          <a:p>
+            <a:pPr>
+              <a:lnSpc>
+                <a:spcPct val="100000"/>
+              </a:lnSpc>
+              <a:spcBef>
+                <a:spcPts val="1001"/>
+              </a:spcBef>
+              <a:spcAft>
+                <a:spcPts val="1001"/>
+              </a:spcAft>
+              <a:tabLst>
+                <a:tab pos="0" algn="l"/>
+              </a:tabLst>
+            </a:pPr>
+            <a:r>
+              <a:rPr lang="pt-BR" sz="3200" spc="-1" dirty="0">
+                <a:solidFill>
+                  <a:srgbClr val="1F4E79"/>
+                </a:solidFill>
+                <a:latin typeface="Courier New"/>
+              </a:rPr>
+              <a:t>    </a:t>
+            </a:r>
+            <a:r>
+              <a:rPr lang="pt-BR" sz="3200" spc="-1" dirty="0" err="1">
+                <a:solidFill>
+                  <a:srgbClr val="1F4E79"/>
+                </a:solidFill>
+                <a:latin typeface="Courier New"/>
+              </a:rPr>
+              <a:t>return</a:t>
+            </a:r>
+            <a:r>
+              <a:rPr lang="pt-BR" sz="3200" spc="-1" dirty="0">
+                <a:solidFill>
+                  <a:srgbClr val="1F4E79"/>
+                </a:solidFill>
+                <a:latin typeface="Courier New"/>
+              </a:rPr>
+              <a:t> </a:t>
+            </a:r>
+            <a:r>
+              <a:rPr lang="pt-BR" sz="3200" spc="-1" dirty="0" err="1">
+                <a:solidFill>
+                  <a:srgbClr val="1F4E79"/>
+                </a:solidFill>
+                <a:latin typeface="Courier New"/>
+              </a:rPr>
+              <a:t>response.status</a:t>
+            </a:r>
+            <a:r>
+              <a:rPr lang="pt-BR" sz="3200" spc="-1" dirty="0">
+                <a:solidFill>
+                  <a:srgbClr val="1F4E79"/>
+                </a:solidFill>
+                <a:latin typeface="Courier New"/>
+              </a:rPr>
+              <a:t>(200).</a:t>
+            </a:r>
+            <a:r>
+              <a:rPr lang="pt-BR" sz="3200" spc="-1" dirty="0" err="1">
+                <a:solidFill>
+                  <a:srgbClr val="1F4E79"/>
+                </a:solidFill>
+                <a:latin typeface="Courier New"/>
+              </a:rPr>
+              <a:t>json</a:t>
+            </a:r>
+            <a:r>
+              <a:rPr lang="pt-BR" sz="3200" spc="-1" dirty="0">
+                <a:solidFill>
+                  <a:srgbClr val="1F4E79"/>
+                </a:solidFill>
+                <a:latin typeface="Courier New"/>
+              </a:rPr>
+              <a:t>(</a:t>
+            </a:r>
+            <a:r>
+              <a:rPr lang="pt-BR" sz="3200" spc="-1" dirty="0" err="1">
+                <a:solidFill>
+                  <a:srgbClr val="1F4E79"/>
+                </a:solidFill>
+                <a:latin typeface="Courier New"/>
+              </a:rPr>
+              <a:t>product</a:t>
+            </a:r>
+            <a:r>
+              <a:rPr lang="pt-BR" sz="3200" spc="-1" dirty="0">
+                <a:solidFill>
+                  <a:srgbClr val="1F4E79"/>
+                </a:solidFill>
+                <a:latin typeface="Courier New"/>
+              </a:rPr>
+              <a:t>);</a:t>
+            </a:r>
+          </a:p>
+          <a:p>
+            <a:pPr>
+              <a:lnSpc>
+                <a:spcPct val="100000"/>
+              </a:lnSpc>
+              <a:spcBef>
+                <a:spcPts val="1001"/>
+              </a:spcBef>
+              <a:spcAft>
+                <a:spcPts val="1001"/>
+              </a:spcAft>
+              <a:tabLst>
+                <a:tab pos="0" algn="l"/>
+              </a:tabLst>
+            </a:pPr>
+            <a:r>
+              <a:rPr lang="pt-BR" sz="3200" spc="-1" dirty="0">
+                <a:solidFill>
+                  <a:srgbClr val="1F4E79"/>
+                </a:solidFill>
+                <a:latin typeface="Courier New"/>
+              </a:rPr>
+              <a:t>});</a:t>
+            </a:r>
+            <a:endParaRPr lang="pt-BR" sz="3200" b="0" strike="noStrike" spc="-1" dirty="0">
               <a:latin typeface="Arial"/>
             </a:endParaRPr>
           </a:p>
         </p:txBody>
       </p:sp>
     </p:spTree>
+    <p:extLst>
+      <p:ext uri="{BB962C8B-B14F-4D97-AF65-F5344CB8AC3E}">
+        <p14:creationId xmlns:p14="http://schemas.microsoft.com/office/powerpoint/2010/main" val="4049307754"/>
+      </p:ext>
+    </p:extLst>
   </p:cSld>
   <p:clrMapOvr>
     <a:masterClrMapping/>
@@ -23924,7 +25543,7 @@
       </p:grpSpPr>
       <p:sp>
         <p:nvSpPr>
-          <p:cNvPr id="177" name="CustomShape 1"/>
+          <p:cNvPr id="149" name="CustomShape 1"/>
           <p:cNvSpPr/>
           <p:nvPr/>
         </p:nvSpPr>
@@ -23965,16 +25584,36 @@
               </a:lnSpc>
             </a:pPr>
             <a:r>
-              <a:rPr lang="pt-BR" sz="5400" b="0" strike="noStrike" spc="-1">
+              <a:rPr lang="pt-BR" sz="5400" b="0" strike="noStrike" spc="-1" dirty="0">
                 <a:solidFill>
                   <a:srgbClr val="1F4E79"/>
                 </a:solidFill>
                 <a:latin typeface="Arial"/>
                 <a:ea typeface="DejaVu Sans"/>
               </a:rPr>
-              <a:t>Referências</a:t>
-            </a:r>
-            <a:endParaRPr lang="pt-BR" sz="5400" b="0" strike="noStrike" spc="-1">
+              <a:t>Recurso </a:t>
+            </a:r>
+            <a:r>
+              <a:rPr lang="pt-BR" sz="5400" b="0" strike="noStrike" spc="-1" dirty="0" err="1">
+                <a:solidFill>
+                  <a:srgbClr val="1F4E79"/>
+                </a:solidFill>
+                <a:latin typeface="Arial"/>
+                <a:ea typeface="DejaVu Sans"/>
+              </a:rPr>
+              <a:t>products</a:t>
+            </a:r>
+            <a:r>
+              <a:rPr lang="pt-BR" sz="5400" b="0" strike="noStrike" spc="-1" dirty="0">
+                <a:solidFill>
+                  <a:srgbClr val="1F4E79"/>
+                </a:solidFill>
+                <a:latin typeface="Arial"/>
+                <a:ea typeface="DejaVu Sans"/>
+              </a:rPr>
+              <a:t> (DELETE)</a:t>
+            </a:r>
+            <a:endParaRPr lang="pt-BR" sz="5400" b="0" strike="noStrike" spc="-1" dirty="0">
               <a:latin typeface="Arial"/>
             </a:endParaRPr>
           </a:p>
@@ -23982,7 +25621,7 @@
       </p:sp>
       <p:sp>
         <p:nvSpPr>
-          <p:cNvPr id="178" name="CustomShape 2"/>
+          <p:cNvPr id="150" name="CustomShape 2"/>
           <p:cNvSpPr/>
           <p:nvPr/>
         </p:nvSpPr>
@@ -24013,11 +25652,11 @@
         </p:style>
         <p:txBody>
           <a:bodyPr lIns="90000" tIns="45000" rIns="90000" bIns="45000">
-            <a:normAutofit/>
+            <a:normAutofit fontScale="62500" lnSpcReduction="20000"/>
           </a:bodyPr>
           <a:lstStyle/>
           <a:p>
-            <a:pPr marL="516240" indent="-512280">
+            <a:pPr>
               <a:lnSpc>
                 <a:spcPct val="100000"/>
               </a:lnSpc>
@@ -24027,60 +25666,85 @@
               <a:spcAft>
                 <a:spcPts val="1001"/>
               </a:spcAft>
-              <a:buClr>
-                <a:srgbClr val="1F4E79"/>
-              </a:buClr>
-              <a:buFont typeface="Arial"/>
-              <a:buAutoNum type="arabicPeriod" startAt="6"/>
-            </a:pPr>
-            <a:r>
-              <a:rPr lang="pt-BR" sz="3200" b="0" strike="noStrike" spc="-1">
-                <a:solidFill>
-                  <a:srgbClr val="1F4E79"/>
-                </a:solidFill>
-                <a:latin typeface="Arial"/>
-                <a:ea typeface="DejaVu Sans"/>
-              </a:rPr>
-              <a:t>NPM. </a:t>
-            </a:r>
-            <a:r>
-              <a:rPr lang="pt-BR" sz="3200" b="1" strike="noStrike" spc="-1">
-                <a:solidFill>
-                  <a:srgbClr val="1F4E79"/>
-                </a:solidFill>
-                <a:latin typeface="Arial"/>
-                <a:ea typeface="DejaVu Sans"/>
-              </a:rPr>
-              <a:t>Nodemon</a:t>
-            </a:r>
-            <a:r>
-              <a:rPr lang="pt-BR" sz="3200" b="0" strike="noStrike" spc="-1">
-                <a:solidFill>
-                  <a:srgbClr val="1F4E79"/>
-                </a:solidFill>
-                <a:latin typeface="Arial"/>
-                <a:ea typeface="DejaVu Sans"/>
-              </a:rPr>
-              <a:t>. Disponível em: </a:t>
-            </a:r>
-            <a:r>
-              <a:rPr lang="pt-BR" sz="3200" b="0" u="sng" strike="noStrike" spc="-1">
-                <a:solidFill>
-                  <a:srgbClr val="0563C1"/>
-                </a:solidFill>
-                <a:uFillTx/>
-                <a:latin typeface="Arial"/>
-                <a:ea typeface="DejaVu Sans"/>
-                <a:hlinkClick r:id="rId3"/>
-              </a:rPr>
-              <a:t>https://www.npmjs.com/package/nodemon</a:t>
-            </a:r>
-            <a:endParaRPr lang="pt-BR" sz="3200" b="0" strike="noStrike" spc="-1">
-              <a:latin typeface="Arial"/>
-            </a:endParaRPr>
-          </a:p>
-          <a:p>
-            <a:pPr marL="516240" indent="-512280">
+              <a:tabLst>
+                <a:tab pos="0" algn="l"/>
+              </a:tabLst>
+            </a:pPr>
+            <a:r>
+              <a:rPr lang="pt-BR" sz="3200" spc="-1" dirty="0" err="1">
+                <a:solidFill>
+                  <a:srgbClr val="1F4E79"/>
+                </a:solidFill>
+                <a:latin typeface="Courier New"/>
+              </a:rPr>
+              <a:t>app.delete</a:t>
+            </a:r>
+            <a:r>
+              <a:rPr lang="pt-BR" sz="3200" spc="-1" dirty="0">
+                <a:solidFill>
+                  <a:srgbClr val="1F4E79"/>
+                </a:solidFill>
+                <a:latin typeface="Courier New"/>
+              </a:rPr>
+              <a:t>('/</a:t>
+            </a:r>
+            <a:r>
+              <a:rPr lang="pt-BR" sz="3200" spc="-1" dirty="0" err="1">
+                <a:solidFill>
+                  <a:srgbClr val="1F4E79"/>
+                </a:solidFill>
+                <a:latin typeface="Courier New"/>
+              </a:rPr>
+              <a:t>products</a:t>
+            </a:r>
+            <a:r>
+              <a:rPr lang="pt-BR" sz="3200" spc="-1" dirty="0">
+                <a:solidFill>
+                  <a:srgbClr val="1F4E79"/>
+                </a:solidFill>
+                <a:latin typeface="Courier New"/>
+              </a:rPr>
+              <a:t>/:id', </a:t>
+            </a:r>
+            <a:r>
+              <a:rPr lang="pt-BR" sz="3200" spc="-1" dirty="0" err="1">
+                <a:solidFill>
+                  <a:srgbClr val="1F4E79"/>
+                </a:solidFill>
+                <a:latin typeface="Courier New"/>
+              </a:rPr>
+              <a:t>async</a:t>
+            </a:r>
+            <a:r>
+              <a:rPr lang="pt-BR" sz="3200" spc="-1" dirty="0">
+                <a:solidFill>
+                  <a:srgbClr val="1F4E79"/>
+                </a:solidFill>
+                <a:latin typeface="Courier New"/>
+              </a:rPr>
+              <a:t> (</a:t>
+            </a:r>
+            <a:r>
+              <a:rPr lang="pt-BR" sz="3200" spc="-1" dirty="0" err="1">
+                <a:solidFill>
+                  <a:srgbClr val="1F4E79"/>
+                </a:solidFill>
+                <a:latin typeface="Courier New"/>
+              </a:rPr>
+              <a:t>request</a:t>
+            </a:r>
+            <a:r>
+              <a:rPr lang="pt-BR" sz="3200" spc="-1" dirty="0">
+                <a:solidFill>
+                  <a:srgbClr val="1F4E79"/>
+                </a:solidFill>
+                <a:latin typeface="Courier New"/>
+              </a:rPr>
+              <a:t>, response) =&gt; {</a:t>
+            </a:r>
+          </a:p>
+          <a:p>
+            <a:pPr>
               <a:lnSpc>
                 <a:spcPct val="100000"/>
               </a:lnSpc>
@@ -24090,130 +25754,58 @@
               <a:spcAft>
                 <a:spcPts val="1001"/>
               </a:spcAft>
-              <a:buClr>
-                <a:srgbClr val="1F4E79"/>
-              </a:buClr>
-              <a:buFont typeface="Arial"/>
-              <a:buAutoNum type="arabicPeriod" startAt="6"/>
-            </a:pPr>
-            <a:r>
-              <a:rPr lang="pt-BR" sz="3200" b="0" strike="noStrike" spc="-1">
-                <a:solidFill>
-                  <a:srgbClr val="1F4E79"/>
-                </a:solidFill>
-                <a:latin typeface="Arial"/>
-                <a:ea typeface="DejaVu Sans"/>
-              </a:rPr>
-              <a:t>MDN Web Docs Mozilla. </a:t>
-            </a:r>
-            <a:r>
-              <a:rPr lang="pt-BR" sz="3200" b="1" strike="noStrike" spc="-1">
-                <a:solidFill>
-                  <a:srgbClr val="1F4E79"/>
-                </a:solidFill>
-                <a:latin typeface="Arial"/>
-                <a:ea typeface="DejaVu Sans"/>
-              </a:rPr>
-              <a:t>Métodos de requisição HTTP</a:t>
-            </a:r>
-            <a:r>
-              <a:rPr lang="pt-BR" sz="3200" b="0" strike="noStrike" spc="-1">
-                <a:solidFill>
-                  <a:srgbClr val="1F4E79"/>
-                </a:solidFill>
-                <a:latin typeface="Arial"/>
-                <a:ea typeface="DejaVu Sans"/>
-              </a:rPr>
-              <a:t>. Disponível em: </a:t>
-            </a:r>
-            <a:r>
-              <a:rPr lang="pt-BR" sz="3200" b="0" u="sng" strike="noStrike" spc="-1">
-                <a:solidFill>
-                  <a:srgbClr val="0563C1"/>
-                </a:solidFill>
-                <a:uFillTx/>
-                <a:latin typeface="Arial"/>
-                <a:ea typeface="DejaVu Sans"/>
-                <a:hlinkClick r:id="rId4"/>
-              </a:rPr>
-              <a:t>https://developer.mozilla.org/</a:t>
-            </a:r>
-            <a:r>
-              <a:rPr lang="pt-BR" sz="3200" b="0" u="sng" strike="noStrike" spc="-1">
-                <a:solidFill>
-                  <a:srgbClr val="0563C1"/>
-                </a:solidFill>
-                <a:uFillTx/>
-                <a:latin typeface="Arial"/>
-                <a:ea typeface="DejaVu Sans"/>
-                <a:hlinkClick r:id="rId4"/>
-              </a:rPr>
-              <a:t>pt</a:t>
-            </a:r>
-            <a:r>
-              <a:rPr lang="pt-BR" sz="3200" b="0" u="sng" strike="noStrike" spc="-1">
-                <a:solidFill>
-                  <a:srgbClr val="0563C1"/>
-                </a:solidFill>
-                <a:uFillTx/>
-                <a:latin typeface="Arial"/>
-                <a:ea typeface="DejaVu Sans"/>
-                <a:hlinkClick r:id="rId4"/>
-              </a:rPr>
-              <a:t>-BR/</a:t>
-            </a:r>
-            <a:r>
-              <a:rPr lang="pt-BR" sz="3200" b="0" u="sng" strike="noStrike" spc="-1">
-                <a:solidFill>
-                  <a:srgbClr val="0563C1"/>
-                </a:solidFill>
-                <a:uFillTx/>
-                <a:latin typeface="Arial"/>
-                <a:ea typeface="DejaVu Sans"/>
-                <a:hlinkClick r:id="rId4"/>
-              </a:rPr>
-              <a:t>docs</a:t>
-            </a:r>
-            <a:r>
-              <a:rPr lang="pt-BR" sz="3200" b="0" u="sng" strike="noStrike" spc="-1">
-                <a:solidFill>
-                  <a:srgbClr val="0563C1"/>
-                </a:solidFill>
-                <a:uFillTx/>
-                <a:latin typeface="Arial"/>
-                <a:ea typeface="DejaVu Sans"/>
-                <a:hlinkClick r:id="rId4"/>
-              </a:rPr>
-              <a:t>/Web/HTTP/</a:t>
-            </a:r>
-            <a:r>
-              <a:rPr lang="pt-BR" sz="3200" b="0" u="sng" strike="noStrike" spc="-1">
-                <a:solidFill>
-                  <a:srgbClr val="0563C1"/>
-                </a:solidFill>
-                <a:uFillTx/>
-                <a:latin typeface="Arial"/>
-                <a:ea typeface="DejaVu Sans"/>
-                <a:hlinkClick r:id="rId4"/>
-              </a:rPr>
-              <a:t>Methods</a:t>
-            </a:r>
-            <a:r>
-              <a:rPr lang="pt-BR" sz="3200" b="0" strike="noStrike" spc="-1">
-                <a:solidFill>
-                  <a:srgbClr val="1F4E79"/>
-                </a:solidFill>
-                <a:latin typeface="Arial"/>
-                <a:ea typeface="DejaVu Sans"/>
-              </a:rPr>
-              <a:t>.</a:t>
-            </a:r>
-            <a:endParaRPr lang="pt-BR" sz="3200" b="0" strike="noStrike" spc="-1">
-              <a:latin typeface="Arial"/>
-            </a:endParaRPr>
-          </a:p>
-          <a:p>
-            <a:pPr marL="516240" indent="-512280">
+              <a:tabLst>
+                <a:tab pos="0" algn="l"/>
+              </a:tabLst>
+            </a:pPr>
+            <a:r>
+              <a:rPr lang="pt-BR" sz="3200" spc="-1" dirty="0">
+                <a:solidFill>
+                  <a:srgbClr val="1F4E79"/>
+                </a:solidFill>
+                <a:latin typeface="Courier New"/>
+              </a:rPr>
+              <a:t>    </a:t>
+            </a:r>
+            <a:r>
+              <a:rPr lang="pt-BR" sz="3200" spc="-1" dirty="0" err="1">
+                <a:solidFill>
+                  <a:srgbClr val="1F4E79"/>
+                </a:solidFill>
+                <a:latin typeface="Courier New"/>
+              </a:rPr>
+              <a:t>const</a:t>
+            </a:r>
+            <a:r>
+              <a:rPr lang="pt-BR" sz="3200" spc="-1" dirty="0">
+                <a:solidFill>
+                  <a:srgbClr val="1F4E79"/>
+                </a:solidFill>
+                <a:latin typeface="Courier New"/>
+              </a:rPr>
+              <a:t> { id } = </a:t>
+            </a:r>
+            <a:r>
+              <a:rPr lang="pt-BR" sz="3200" spc="-1" dirty="0" err="1">
+                <a:solidFill>
+                  <a:srgbClr val="1F4E79"/>
+                </a:solidFill>
+                <a:latin typeface="Courier New"/>
+              </a:rPr>
+              <a:t>request.params</a:t>
+            </a:r>
+            <a:r>
+              <a:rPr lang="pt-BR" sz="3200" spc="-1" dirty="0">
+                <a:solidFill>
+                  <a:srgbClr val="1F4E79"/>
+                </a:solidFill>
+                <a:latin typeface="Courier New"/>
+              </a:rPr>
+              <a:t>;</a:t>
+            </a:r>
+          </a:p>
+          <a:p>
+            <a:pPr>
               <a:lnSpc>
                 <a:spcPct val="100000"/>
               </a:lnSpc>
@@ -24223,57 +25815,91 @@
               <a:spcAft>
                 <a:spcPts val="1001"/>
               </a:spcAft>
-              <a:buClr>
-                <a:srgbClr val="1F4E79"/>
-              </a:buClr>
-              <a:buFont typeface="Arial"/>
-              <a:buAutoNum type="arabicPeriod" startAt="6"/>
-            </a:pPr>
-            <a:r>
-              <a:rPr lang="pt-BR" sz="3200" b="0" strike="noStrike" spc="-1">
-                <a:solidFill>
-                  <a:srgbClr val="1F4E79"/>
-                </a:solidFill>
-                <a:latin typeface="Arial"/>
-                <a:ea typeface="DejaVu Sans"/>
-              </a:rPr>
-              <a:t>Insomnia. </a:t>
-            </a:r>
-            <a:r>
-              <a:rPr lang="pt-BR" sz="3200" b="1" strike="noStrike" spc="-1">
-                <a:solidFill>
-                  <a:srgbClr val="1F4E79"/>
-                </a:solidFill>
-                <a:latin typeface="Arial"/>
-                <a:ea typeface="DejaVu Sans"/>
-              </a:rPr>
-              <a:t>Download Insomnia</a:t>
-            </a:r>
-            <a:r>
-              <a:rPr lang="pt-BR" sz="3200" b="0" strike="noStrike" spc="-1">
-                <a:solidFill>
-                  <a:srgbClr val="1F4E79"/>
-                </a:solidFill>
-                <a:latin typeface="Arial"/>
-                <a:ea typeface="DejaVu Sans"/>
-              </a:rPr>
-              <a:t>. Disponível em: </a:t>
-            </a:r>
-            <a:r>
-              <a:rPr lang="pt-BR" sz="3200" b="0" u="sng" strike="noStrike" spc="-1">
-                <a:solidFill>
-                  <a:srgbClr val="0563C1"/>
-                </a:solidFill>
-                <a:uFillTx/>
-                <a:latin typeface="Arial"/>
-                <a:ea typeface="DejaVu Sans"/>
-                <a:hlinkClick r:id="rId5"/>
-              </a:rPr>
-              <a:t>https://insomnia.rest/download</a:t>
-            </a:r>
-            <a:endParaRPr lang="pt-BR" sz="3200" b="0" strike="noStrike" spc="-1">
-              <a:latin typeface="Arial"/>
-            </a:endParaRPr>
+              <a:tabLst>
+                <a:tab pos="0" algn="l"/>
+              </a:tabLst>
+            </a:pPr>
+            <a:r>
+              <a:rPr lang="pt-BR" sz="3200" spc="-1" dirty="0">
+                <a:solidFill>
+                  <a:srgbClr val="1F4E79"/>
+                </a:solidFill>
+                <a:latin typeface="Courier New"/>
+              </a:rPr>
+              <a:t>    </a:t>
+            </a:r>
+            <a:r>
+              <a:rPr lang="pt-BR" sz="3200" spc="-1" dirty="0" err="1">
+                <a:solidFill>
+                  <a:srgbClr val="1F4E79"/>
+                </a:solidFill>
+                <a:latin typeface="Courier New"/>
+              </a:rPr>
+              <a:t>const</a:t>
+            </a:r>
+            <a:r>
+              <a:rPr lang="pt-BR" sz="3200" spc="-1" dirty="0">
+                <a:solidFill>
+                  <a:srgbClr val="1F4E79"/>
+                </a:solidFill>
+                <a:latin typeface="Courier New"/>
+              </a:rPr>
+              <a:t> </a:t>
+            </a:r>
+            <a:r>
+              <a:rPr lang="pt-BR" sz="3200" spc="-1" dirty="0" err="1">
+                <a:solidFill>
+                  <a:srgbClr val="1F4E79"/>
+                </a:solidFill>
+                <a:latin typeface="Courier New"/>
+              </a:rPr>
+              <a:t>affectedRows</a:t>
+            </a:r>
+            <a:r>
+              <a:rPr lang="pt-BR" sz="3200" spc="-1" dirty="0">
+                <a:solidFill>
+                  <a:srgbClr val="1F4E79"/>
+                </a:solidFill>
+                <a:latin typeface="Courier New"/>
+              </a:rPr>
+              <a:t> = </a:t>
+            </a:r>
+            <a:r>
+              <a:rPr lang="pt-BR" sz="3200" spc="-1" dirty="0" err="1">
+                <a:solidFill>
+                  <a:srgbClr val="1F4E79"/>
+                </a:solidFill>
+                <a:latin typeface="Courier New"/>
+              </a:rPr>
+              <a:t>await</a:t>
+            </a:r>
+            <a:r>
+              <a:rPr lang="pt-BR" sz="3200" spc="-1" dirty="0">
+                <a:solidFill>
+                  <a:srgbClr val="1F4E79"/>
+                </a:solidFill>
+                <a:latin typeface="Courier New"/>
+              </a:rPr>
+              <a:t> </a:t>
+            </a:r>
+            <a:r>
+              <a:rPr lang="pt-BR" sz="3200" spc="-1" dirty="0" err="1">
+                <a:solidFill>
+                  <a:srgbClr val="1F4E79"/>
+                </a:solidFill>
+                <a:latin typeface="Courier New"/>
+              </a:rPr>
+              <a:t>Product.destroy</a:t>
+            </a:r>
+            <a:r>
+              <a:rPr lang="pt-BR" sz="3200" spc="-1" dirty="0">
+                <a:solidFill>
+                  <a:srgbClr val="1F4E79"/>
+                </a:solidFill>
+                <a:latin typeface="Courier New"/>
+              </a:rPr>
+              <a:t>({</a:t>
+            </a:r>
           </a:p>
           <a:p>
             <a:pPr>
@@ -24286,13 +25912,40 @@
               <a:spcAft>
                 <a:spcPts val="1001"/>
               </a:spcAft>
-            </a:pPr>
-            <a:endParaRPr lang="pt-BR" sz="3200" b="0" strike="noStrike" spc="-1">
-              <a:latin typeface="Arial"/>
-            </a:endParaRPr>
-          </a:p>
-          <a:p>
-            <a:pPr marL="1800">
+              <a:tabLst>
+                <a:tab pos="0" algn="l"/>
+              </a:tabLst>
+            </a:pPr>
+            <a:r>
+              <a:rPr lang="pt-BR" sz="3200" spc="-1" dirty="0">
+                <a:solidFill>
+                  <a:srgbClr val="1F4E79"/>
+                </a:solidFill>
+                <a:latin typeface="Courier New"/>
+              </a:rPr>
+              <a:t>        </a:t>
+            </a:r>
+            <a:r>
+              <a:rPr lang="pt-BR" sz="3200" spc="-1" dirty="0" err="1">
+                <a:solidFill>
+                  <a:srgbClr val="1F4E79"/>
+                </a:solidFill>
+                <a:latin typeface="Courier New"/>
+              </a:rPr>
+              <a:t>where</a:t>
+            </a:r>
+            <a:r>
+              <a:rPr lang="pt-BR" sz="3200" spc="-1" dirty="0">
+                <a:solidFill>
+                  <a:srgbClr val="1F4E79"/>
+                </a:solidFill>
+                <a:latin typeface="Courier New"/>
+              </a:rPr>
+              <a:t>: { id }</a:t>
+            </a:r>
+          </a:p>
+          <a:p>
+            <a:pPr>
               <a:lnSpc>
                 <a:spcPct val="100000"/>
               </a:lnSpc>
@@ -24302,13 +25955,22 @@
               <a:spcAft>
                 <a:spcPts val="1001"/>
               </a:spcAft>
-            </a:pPr>
-            <a:endParaRPr lang="pt-BR" sz="3200" b="0" strike="noStrike" spc="-1">
-              <a:latin typeface="Arial"/>
-            </a:endParaRPr>
-          </a:p>
-          <a:p>
-            <a:pPr marL="1800">
+              <a:tabLst>
+                <a:tab pos="0" algn="l"/>
+              </a:tabLst>
+            </a:pPr>
+            <a:r>
+              <a:rPr lang="pt-BR" sz="3200" spc="-1" dirty="0">
+                <a:solidFill>
+                  <a:srgbClr val="1F4E79"/>
+                </a:solidFill>
+                <a:latin typeface="Courier New"/>
+              </a:rPr>
+              <a:t>    });</a:t>
+            </a:r>
+          </a:p>
+          <a:p>
+            <a:pPr>
               <a:lnSpc>
                 <a:spcPct val="100000"/>
               </a:lnSpc>
@@ -24318,14 +25980,261 @@
               <a:spcAft>
                 <a:spcPts val="1001"/>
               </a:spcAft>
-            </a:pPr>
-            <a:endParaRPr lang="pt-BR" sz="3200" b="0" strike="noStrike" spc="-1">
+              <a:tabLst>
+                <a:tab pos="0" algn="l"/>
+              </a:tabLst>
+            </a:pPr>
+            <a:r>
+              <a:rPr lang="pt-BR" sz="3200" spc="-1" dirty="0">
+                <a:solidFill>
+                  <a:srgbClr val="1F4E79"/>
+                </a:solidFill>
+                <a:latin typeface="Courier New"/>
+              </a:rPr>
+              <a:t>    </a:t>
+            </a:r>
+            <a:r>
+              <a:rPr lang="pt-BR" sz="3200" spc="-1" dirty="0" err="1">
+                <a:solidFill>
+                  <a:srgbClr val="1F4E79"/>
+                </a:solidFill>
+                <a:latin typeface="Courier New"/>
+              </a:rPr>
+              <a:t>if</a:t>
+            </a:r>
+            <a:r>
+              <a:rPr lang="pt-BR" sz="3200" spc="-1" dirty="0">
+                <a:solidFill>
+                  <a:srgbClr val="1F4E79"/>
+                </a:solidFill>
+                <a:latin typeface="Courier New"/>
+              </a:rPr>
+              <a:t> (</a:t>
+            </a:r>
+            <a:r>
+              <a:rPr lang="pt-BR" sz="3200" spc="-1" dirty="0" err="1">
+                <a:solidFill>
+                  <a:srgbClr val="1F4E79"/>
+                </a:solidFill>
+                <a:latin typeface="Courier New"/>
+              </a:rPr>
+              <a:t>affectedRows</a:t>
+            </a:r>
+            <a:r>
+              <a:rPr lang="pt-BR" sz="3200" spc="-1" dirty="0">
+                <a:solidFill>
+                  <a:srgbClr val="1F4E79"/>
+                </a:solidFill>
+                <a:latin typeface="Courier New"/>
+              </a:rPr>
+              <a:t> &lt; 1) </a:t>
+            </a:r>
+            <a:r>
+              <a:rPr lang="pt-BR" sz="3200" spc="-1" dirty="0" err="1">
+                <a:solidFill>
+                  <a:srgbClr val="1F4E79"/>
+                </a:solidFill>
+                <a:latin typeface="Courier New"/>
+              </a:rPr>
+              <a:t>return</a:t>
+            </a:r>
+            <a:r>
+              <a:rPr lang="pt-BR" sz="3200" spc="-1" dirty="0">
+                <a:solidFill>
+                  <a:srgbClr val="1F4E79"/>
+                </a:solidFill>
+                <a:latin typeface="Courier New"/>
+              </a:rPr>
+              <a:t> </a:t>
+            </a:r>
+            <a:r>
+              <a:rPr lang="pt-BR" sz="3200" spc="-1" dirty="0" err="1">
+                <a:solidFill>
+                  <a:srgbClr val="1F4E79"/>
+                </a:solidFill>
+                <a:latin typeface="Courier New"/>
+              </a:rPr>
+              <a:t>response.status</a:t>
+            </a:r>
+            <a:r>
+              <a:rPr lang="pt-BR" sz="3200" spc="-1" dirty="0">
+                <a:solidFill>
+                  <a:srgbClr val="1F4E79"/>
+                </a:solidFill>
+                <a:latin typeface="Courier New"/>
+              </a:rPr>
+              <a:t>(404).</a:t>
+            </a:r>
+            <a:r>
+              <a:rPr lang="pt-BR" sz="3200" spc="-1" dirty="0" err="1">
+                <a:solidFill>
+                  <a:srgbClr val="1F4E79"/>
+                </a:solidFill>
+                <a:latin typeface="Courier New"/>
+              </a:rPr>
+              <a:t>json</a:t>
+            </a:r>
+            <a:r>
+              <a:rPr lang="pt-BR" sz="3200" spc="-1" dirty="0">
+                <a:solidFill>
+                  <a:srgbClr val="1F4E79"/>
+                </a:solidFill>
+                <a:latin typeface="Courier New"/>
+              </a:rPr>
+              <a:t>({ </a:t>
+            </a:r>
+            <a:r>
+              <a:rPr lang="pt-BR" sz="3200" spc="-1" dirty="0" err="1">
+                <a:solidFill>
+                  <a:srgbClr val="1F4E79"/>
+                </a:solidFill>
+                <a:latin typeface="Courier New"/>
+              </a:rPr>
+              <a:t>error</a:t>
+            </a:r>
+            <a:r>
+              <a:rPr lang="pt-BR" sz="3200" spc="-1" dirty="0">
+                <a:solidFill>
+                  <a:srgbClr val="1F4E79"/>
+                </a:solidFill>
+                <a:latin typeface="Courier New"/>
+              </a:rPr>
+              <a:t>: 'Produto não encontrado.' });</a:t>
+            </a:r>
+          </a:p>
+          <a:p>
+            <a:pPr>
+              <a:lnSpc>
+                <a:spcPct val="100000"/>
+              </a:lnSpc>
+              <a:spcBef>
+                <a:spcPts val="1001"/>
+              </a:spcBef>
+              <a:spcAft>
+                <a:spcPts val="1001"/>
+              </a:spcAft>
+              <a:tabLst>
+                <a:tab pos="0" algn="l"/>
+              </a:tabLst>
+            </a:pPr>
+            <a:r>
+              <a:rPr lang="pt-BR" sz="3200" spc="-1" dirty="0">
+                <a:solidFill>
+                  <a:srgbClr val="1F4E79"/>
+                </a:solidFill>
+                <a:latin typeface="Courier New"/>
+              </a:rPr>
+              <a:t>    </a:t>
+            </a:r>
+            <a:r>
+              <a:rPr lang="pt-BR" sz="3200" spc="-1" dirty="0" err="1">
+                <a:solidFill>
+                  <a:srgbClr val="1F4E79"/>
+                </a:solidFill>
+                <a:latin typeface="Courier New"/>
+              </a:rPr>
+              <a:t>return</a:t>
+            </a:r>
+            <a:r>
+              <a:rPr lang="pt-BR" sz="3200" spc="-1" dirty="0">
+                <a:solidFill>
+                  <a:srgbClr val="1F4E79"/>
+                </a:solidFill>
+                <a:latin typeface="Courier New"/>
+              </a:rPr>
+              <a:t> </a:t>
+            </a:r>
+            <a:r>
+              <a:rPr lang="pt-BR" sz="3200" spc="-1" dirty="0" err="1">
+                <a:solidFill>
+                  <a:srgbClr val="1F4E79"/>
+                </a:solidFill>
+                <a:latin typeface="Courier New"/>
+              </a:rPr>
+              <a:t>response.status</a:t>
+            </a:r>
+            <a:r>
+              <a:rPr lang="pt-BR" sz="3200" spc="-1" dirty="0">
+                <a:solidFill>
+                  <a:srgbClr val="1F4E79"/>
+                </a:solidFill>
+                <a:latin typeface="Courier New"/>
+              </a:rPr>
+              <a:t>(200).</a:t>
+            </a:r>
+            <a:r>
+              <a:rPr lang="pt-BR" sz="3200" spc="-1" dirty="0" err="1">
+                <a:solidFill>
+                  <a:srgbClr val="1F4E79"/>
+                </a:solidFill>
+                <a:latin typeface="Courier New"/>
+              </a:rPr>
+              <a:t>json</a:t>
+            </a:r>
+            <a:r>
+              <a:rPr lang="pt-BR" sz="3200" spc="-1" dirty="0">
+                <a:solidFill>
+                  <a:srgbClr val="1F4E79"/>
+                </a:solidFill>
+                <a:latin typeface="Courier New"/>
+              </a:rPr>
+              <a:t>({ </a:t>
+            </a:r>
+            <a:r>
+              <a:rPr lang="pt-BR" sz="3200" spc="-1" dirty="0" err="1">
+                <a:solidFill>
+                  <a:srgbClr val="1F4E79"/>
+                </a:solidFill>
+                <a:latin typeface="Courier New"/>
+              </a:rPr>
+              <a:t>message</a:t>
+            </a:r>
+            <a:r>
+              <a:rPr lang="pt-BR" sz="3200" spc="-1" dirty="0">
+                <a:solidFill>
+                  <a:srgbClr val="1F4E79"/>
+                </a:solidFill>
+                <a:latin typeface="Courier New"/>
+              </a:rPr>
+              <a:t>: `O produto ${id} foi removido com sucesso` });</a:t>
+            </a:r>
+          </a:p>
+          <a:p>
+            <a:pPr>
+              <a:lnSpc>
+                <a:spcPct val="100000"/>
+              </a:lnSpc>
+              <a:spcBef>
+                <a:spcPts val="1001"/>
+              </a:spcBef>
+              <a:spcAft>
+                <a:spcPts val="1001"/>
+              </a:spcAft>
+              <a:tabLst>
+                <a:tab pos="0" algn="l"/>
+              </a:tabLst>
+            </a:pPr>
+            <a:r>
+              <a:rPr lang="pt-BR" sz="3200" spc="-1" dirty="0">
+                <a:solidFill>
+                  <a:srgbClr val="1F4E79"/>
+                </a:solidFill>
+                <a:latin typeface="Courier New"/>
+              </a:rPr>
+              <a:t>});</a:t>
+            </a:r>
+            <a:endParaRPr lang="pt-BR" sz="3200" b="0" strike="noStrike" spc="-1" dirty="0">
               <a:latin typeface="Arial"/>
             </a:endParaRPr>
           </a:p>
         </p:txBody>
       </p:sp>
     </p:spTree>
+    <p:extLst>
+      <p:ext uri="{BB962C8B-B14F-4D97-AF65-F5344CB8AC3E}">
+        <p14:creationId xmlns:p14="http://schemas.microsoft.com/office/powerpoint/2010/main" val="2381488667"/>
+      </p:ext>
+    </p:extLst>
   </p:cSld>
   <p:clrMapOvr>
     <a:masterClrMapping/>
@@ -24556,7 +26465,7 @@
       </p:grpSpPr>
       <p:sp>
         <p:nvSpPr>
-          <p:cNvPr id="179" name="CustomShape 1"/>
+          <p:cNvPr id="149" name="CustomShape 1"/>
           <p:cNvSpPr/>
           <p:nvPr/>
         </p:nvSpPr>
@@ -24597,16 +26506,26 @@
               </a:lnSpc>
             </a:pPr>
             <a:r>
-              <a:rPr lang="pt-BR" sz="5400" b="0" strike="noStrike" spc="-1">
+              <a:rPr lang="pt-BR" sz="5400" b="0" strike="noStrike" spc="-1" dirty="0" err="1">
                 <a:solidFill>
                   <a:srgbClr val="1F4E79"/>
                 </a:solidFill>
                 <a:latin typeface="Arial"/>
                 <a:ea typeface="DejaVu Sans"/>
               </a:rPr>
-              <a:t>Referências</a:t>
-            </a:r>
-            <a:endParaRPr lang="pt-BR" sz="5400" b="0" strike="noStrike" spc="-1">
+              <a:t>Sequelize</a:t>
+            </a:r>
+            <a:r>
+              <a:rPr lang="pt-BR" sz="5400" b="0" strike="noStrike" spc="-1" dirty="0">
+                <a:solidFill>
+                  <a:srgbClr val="1F4E79"/>
+                </a:solidFill>
+                <a:latin typeface="Arial"/>
+                <a:ea typeface="DejaVu Sans"/>
+              </a:rPr>
+              <a:t> - Operadores</a:t>
+            </a:r>
+            <a:endParaRPr lang="pt-BR" sz="5400" b="0" strike="noStrike" spc="-1" dirty="0">
               <a:latin typeface="Arial"/>
             </a:endParaRPr>
           </a:p>
@@ -24614,14 +26533,14 @@
       </p:sp>
       <p:sp>
         <p:nvSpPr>
-          <p:cNvPr id="180" name="CustomShape 2"/>
+          <p:cNvPr id="150" name="CustomShape 2"/>
           <p:cNvSpPr/>
           <p:nvPr/>
         </p:nvSpPr>
         <p:spPr>
           <a:xfrm>
             <a:off x="317520" y="1290960"/>
-            <a:ext cx="11701440" cy="4347360"/>
+            <a:ext cx="11701440" cy="4737700"/>
           </a:xfrm>
           <a:prstGeom prst="rect">
             <a:avLst/>
@@ -24649,6 +26568,2379 @@
           </a:bodyPr>
           <a:lstStyle/>
           <a:p>
+            <a:pPr>
+              <a:lnSpc>
+                <a:spcPct val="100000"/>
+              </a:lnSpc>
+              <a:spcBef>
+                <a:spcPts val="1001"/>
+              </a:spcBef>
+              <a:spcAft>
+                <a:spcPts val="1001"/>
+              </a:spcAft>
+              <a:tabLst>
+                <a:tab pos="0" algn="l"/>
+              </a:tabLst>
+            </a:pPr>
+            <a:r>
+              <a:rPr lang="pt-BR" sz="3200" spc="-1" dirty="0">
+                <a:solidFill>
+                  <a:srgbClr val="1F4E79"/>
+                </a:solidFill>
+                <a:latin typeface="Arial"/>
+              </a:rPr>
+              <a:t>O </a:t>
+            </a:r>
+            <a:r>
+              <a:rPr lang="pt-BR" sz="3200" spc="-1" dirty="0" err="1">
+                <a:solidFill>
+                  <a:srgbClr val="1F4E79"/>
+                </a:solidFill>
+                <a:latin typeface="Arial"/>
+              </a:rPr>
+              <a:t>Sequelize</a:t>
+            </a:r>
+            <a:r>
+              <a:rPr lang="pt-BR" sz="3200" spc="-1" dirty="0">
+                <a:solidFill>
+                  <a:srgbClr val="1F4E79"/>
+                </a:solidFill>
+                <a:latin typeface="Arial"/>
+              </a:rPr>
+              <a:t> fornece vários operadores </a:t>
+            </a:r>
+            <a:r>
+              <a:rPr lang="pt-BR" sz="3200" spc="-1" dirty="0">
+                <a:solidFill>
+                  <a:srgbClr val="1F4E79"/>
+                </a:solidFill>
+                <a:latin typeface="Arial"/>
+                <a:hlinkClick r:id="rId3">
+                  <a:extLst>
+                    <a:ext uri="{A12FA001-AC4F-418D-AE19-62706E023703}">
+                      <ahyp:hlinkClr xmlns:ahyp="http://schemas.microsoft.com/office/drawing/2018/hyperlinkcolor" val="tx"/>
+                    </a:ext>
+                  </a:extLst>
+                </a:hlinkClick>
+              </a:rPr>
+              <a:t>*</a:t>
+            </a:r>
+            <a:r>
+              <a:rPr lang="pt-BR" sz="3200" spc="-1" dirty="0">
+                <a:solidFill>
+                  <a:srgbClr val="1F4E79"/>
+                </a:solidFill>
+                <a:latin typeface="Arial"/>
+              </a:rPr>
+              <a:t>. Para utilizá-los, basta adicionar a seguinte importação:</a:t>
+            </a:r>
+          </a:p>
+          <a:p>
+            <a:pPr algn="ctr">
+              <a:lnSpc>
+                <a:spcPct val="100000"/>
+              </a:lnSpc>
+              <a:spcBef>
+                <a:spcPts val="1001"/>
+              </a:spcBef>
+              <a:spcAft>
+                <a:spcPts val="1001"/>
+              </a:spcAft>
+              <a:tabLst>
+                <a:tab pos="0" algn="l"/>
+              </a:tabLst>
+            </a:pPr>
+            <a:r>
+              <a:rPr lang="pt-BR" sz="3200" spc="-1" dirty="0" err="1">
+                <a:solidFill>
+                  <a:srgbClr val="1F4E79"/>
+                </a:solidFill>
+                <a:latin typeface="Courier New"/>
+              </a:rPr>
+              <a:t>const</a:t>
+            </a:r>
+            <a:r>
+              <a:rPr lang="pt-BR" sz="3200" spc="-1" dirty="0">
+                <a:solidFill>
+                  <a:srgbClr val="1F4E79"/>
+                </a:solidFill>
+                <a:latin typeface="Courier New"/>
+              </a:rPr>
+              <a:t> { </a:t>
+            </a:r>
+            <a:r>
+              <a:rPr lang="pt-BR" sz="3200" spc="-1" dirty="0" err="1">
+                <a:solidFill>
+                  <a:srgbClr val="1F4E79"/>
+                </a:solidFill>
+                <a:latin typeface="Courier New"/>
+              </a:rPr>
+              <a:t>Op</a:t>
+            </a:r>
+            <a:r>
+              <a:rPr lang="pt-BR" sz="3200" spc="-1" dirty="0">
+                <a:solidFill>
+                  <a:srgbClr val="1F4E79"/>
+                </a:solidFill>
+                <a:latin typeface="Courier New"/>
+              </a:rPr>
+              <a:t> } = </a:t>
+            </a:r>
+            <a:r>
+              <a:rPr lang="pt-BR" sz="3200" spc="-1" dirty="0" err="1">
+                <a:solidFill>
+                  <a:srgbClr val="1F4E79"/>
+                </a:solidFill>
+                <a:latin typeface="Courier New"/>
+              </a:rPr>
+              <a:t>require</a:t>
+            </a:r>
+            <a:r>
+              <a:rPr lang="pt-BR" sz="3200" spc="-1" dirty="0">
+                <a:solidFill>
+                  <a:srgbClr val="1F4E79"/>
+                </a:solidFill>
+                <a:latin typeface="Courier New"/>
+              </a:rPr>
+              <a:t>('</a:t>
+            </a:r>
+            <a:r>
+              <a:rPr lang="pt-BR" sz="3200" spc="-1" dirty="0" err="1">
+                <a:solidFill>
+                  <a:srgbClr val="1F4E79"/>
+                </a:solidFill>
+                <a:latin typeface="Courier New"/>
+              </a:rPr>
+              <a:t>sequelize</a:t>
+            </a:r>
+            <a:r>
+              <a:rPr lang="pt-BR" sz="3200" spc="-1" dirty="0">
+                <a:solidFill>
+                  <a:srgbClr val="1F4E79"/>
+                </a:solidFill>
+                <a:latin typeface="Courier New"/>
+              </a:rPr>
+              <a:t>');</a:t>
+            </a:r>
+            <a:endParaRPr lang="pt-BR" sz="3200" b="0" strike="noStrike" spc="-1" dirty="0">
+              <a:latin typeface="Arial"/>
+            </a:endParaRPr>
+          </a:p>
+        </p:txBody>
+      </p:sp>
+    </p:spTree>
+    <p:extLst>
+      <p:ext uri="{BB962C8B-B14F-4D97-AF65-F5344CB8AC3E}">
+        <p14:creationId xmlns:p14="http://schemas.microsoft.com/office/powerpoint/2010/main" val="1405837989"/>
+      </p:ext>
+    </p:extLst>
+  </p:cSld>
+  <p:clrMapOvr>
+    <a:masterClrMapping/>
+  </p:clrMapOvr>
+</p:sld>
+</file>
+
+<file path=ppt/slides/slide51.xml><?xml version="1.0" encoding="utf-8"?>
+<p:sld xmlns:a="http://schemas.openxmlformats.org/drawingml/2006/main" xmlns:r="http://schemas.openxmlformats.org/officeDocument/2006/relationships" xmlns:p="http://schemas.openxmlformats.org/presentationml/2006/main">
+  <p:cSld>
+    <p:spTree>
+      <p:nvGrpSpPr>
+        <p:cNvPr id="1" name=""/>
+        <p:cNvGrpSpPr/>
+        <p:nvPr/>
+      </p:nvGrpSpPr>
+      <p:grpSpPr>
+        <a:xfrm>
+          <a:off x="0" y="0"/>
+          <a:ext cx="0" cy="0"/>
+          <a:chOff x="0" y="0"/>
+          <a:chExt cx="0" cy="0"/>
+        </a:xfrm>
+      </p:grpSpPr>
+      <p:sp>
+        <p:nvSpPr>
+          <p:cNvPr id="149" name="CustomShape 1"/>
+          <p:cNvSpPr/>
+          <p:nvPr/>
+        </p:nvSpPr>
+        <p:spPr>
+          <a:xfrm>
+            <a:off x="0" y="224280"/>
+            <a:ext cx="12019320" cy="854640"/>
+          </a:xfrm>
+          <a:prstGeom prst="rect">
+            <a:avLst/>
+          </a:prstGeom>
+          <a:noFill/>
+          <a:ln>
+            <a:noFill/>
+          </a:ln>
+        </p:spPr>
+        <p:style>
+          <a:lnRef idx="0">
+            <a:scrgbClr r="0" g="0" b="0"/>
+          </a:lnRef>
+          <a:fillRef idx="0">
+            <a:scrgbClr r="0" g="0" b="0"/>
+          </a:fillRef>
+          <a:effectRef idx="0">
+            <a:scrgbClr r="0" g="0" b="0"/>
+          </a:effectRef>
+          <a:fontRef idx="minor"/>
+        </p:style>
+        <p:txBody>
+          <a:bodyPr lIns="90000" tIns="45000" rIns="90000" bIns="45000" anchor="ctr">
+            <a:noAutofit/>
+          </a:bodyPr>
+          <a:lstStyle/>
+          <a:p>
+            <a:pPr algn="ctr">
+              <a:lnSpc>
+                <a:spcPct val="90000"/>
+              </a:lnSpc>
+            </a:pPr>
+            <a:r>
+              <a:rPr lang="pt-BR" sz="5400" b="0" strike="noStrike" spc="-1" dirty="0">
+                <a:solidFill>
+                  <a:srgbClr val="1F4E79"/>
+                </a:solidFill>
+                <a:latin typeface="Arial"/>
+                <a:ea typeface="DejaVu Sans"/>
+              </a:rPr>
+              <a:t>Recurso </a:t>
+            </a:r>
+            <a:r>
+              <a:rPr lang="pt-BR" sz="5400" b="0" strike="noStrike" spc="-1" dirty="0" err="1">
+                <a:solidFill>
+                  <a:srgbClr val="1F4E79"/>
+                </a:solidFill>
+                <a:latin typeface="Arial"/>
+                <a:ea typeface="DejaVu Sans"/>
+              </a:rPr>
+              <a:t>products</a:t>
+            </a:r>
+            <a:r>
+              <a:rPr lang="pt-BR" sz="5400" b="0" strike="noStrike" spc="-1" dirty="0">
+                <a:solidFill>
+                  <a:srgbClr val="1F4E79"/>
+                </a:solidFill>
+                <a:latin typeface="Arial"/>
+                <a:ea typeface="DejaVu Sans"/>
+              </a:rPr>
+              <a:t> (GET): filtro</a:t>
+            </a:r>
+            <a:endParaRPr lang="pt-BR" sz="5400" b="0" strike="noStrike" spc="-1" dirty="0">
+              <a:latin typeface="Arial"/>
+            </a:endParaRPr>
+          </a:p>
+        </p:txBody>
+      </p:sp>
+      <p:sp>
+        <p:nvSpPr>
+          <p:cNvPr id="150" name="CustomShape 2"/>
+          <p:cNvSpPr/>
+          <p:nvPr/>
+        </p:nvSpPr>
+        <p:spPr>
+          <a:xfrm>
+            <a:off x="317520" y="1290960"/>
+            <a:ext cx="11701440" cy="4737700"/>
+          </a:xfrm>
+          <a:prstGeom prst="rect">
+            <a:avLst/>
+          </a:prstGeom>
+          <a:noFill/>
+          <a:ln>
+            <a:noFill/>
+          </a:ln>
+        </p:spPr>
+        <p:style>
+          <a:lnRef idx="0">
+            <a:scrgbClr r="0" g="0" b="0"/>
+          </a:lnRef>
+          <a:fillRef idx="0">
+            <a:scrgbClr r="0" g="0" b="0"/>
+          </a:fillRef>
+          <a:effectRef idx="0">
+            <a:scrgbClr r="0" g="0" b="0"/>
+          </a:effectRef>
+          <a:fontRef idx="minor"/>
+        </p:style>
+        <p:txBody>
+          <a:bodyPr lIns="90000" tIns="45000" rIns="90000" bIns="45000">
+            <a:normAutofit fontScale="47500" lnSpcReduction="20000"/>
+          </a:bodyPr>
+          <a:lstStyle/>
+          <a:p>
+            <a:pPr>
+              <a:lnSpc>
+                <a:spcPct val="100000"/>
+              </a:lnSpc>
+              <a:spcBef>
+                <a:spcPts val="1001"/>
+              </a:spcBef>
+              <a:spcAft>
+                <a:spcPts val="1001"/>
+              </a:spcAft>
+              <a:tabLst>
+                <a:tab pos="0" algn="l"/>
+              </a:tabLst>
+            </a:pPr>
+            <a:r>
+              <a:rPr lang="pt-BR" sz="3200" spc="-1" dirty="0" err="1">
+                <a:solidFill>
+                  <a:srgbClr val="1F4E79"/>
+                </a:solidFill>
+                <a:latin typeface="Courier New"/>
+              </a:rPr>
+              <a:t>app.get</a:t>
+            </a:r>
+            <a:r>
+              <a:rPr lang="pt-BR" sz="3200" spc="-1" dirty="0">
+                <a:solidFill>
+                  <a:srgbClr val="1F4E79"/>
+                </a:solidFill>
+                <a:latin typeface="Courier New"/>
+              </a:rPr>
+              <a:t>('/</a:t>
+            </a:r>
+            <a:r>
+              <a:rPr lang="pt-BR" sz="3200" spc="-1" dirty="0" err="1">
+                <a:solidFill>
+                  <a:srgbClr val="1F4E79"/>
+                </a:solidFill>
+                <a:latin typeface="Courier New"/>
+              </a:rPr>
+              <a:t>products</a:t>
+            </a:r>
+            <a:r>
+              <a:rPr lang="pt-BR" sz="3200" spc="-1" dirty="0">
+                <a:solidFill>
+                  <a:srgbClr val="1F4E79"/>
+                </a:solidFill>
+                <a:latin typeface="Courier New"/>
+              </a:rPr>
+              <a:t>/</a:t>
+            </a:r>
+            <a:r>
+              <a:rPr lang="pt-BR" sz="3200" spc="-1" dirty="0" err="1">
+                <a:solidFill>
+                  <a:srgbClr val="1F4E79"/>
+                </a:solidFill>
+                <a:latin typeface="Courier New"/>
+              </a:rPr>
+              <a:t>search</a:t>
+            </a:r>
+            <a:r>
+              <a:rPr lang="pt-BR" sz="3200" spc="-1" dirty="0">
+                <a:solidFill>
+                  <a:srgbClr val="1F4E79"/>
+                </a:solidFill>
+                <a:latin typeface="Courier New"/>
+              </a:rPr>
+              <a:t>', </a:t>
+            </a:r>
+            <a:r>
+              <a:rPr lang="pt-BR" sz="3200" spc="-1" dirty="0" err="1">
+                <a:solidFill>
+                  <a:srgbClr val="1F4E79"/>
+                </a:solidFill>
+                <a:latin typeface="Courier New"/>
+              </a:rPr>
+              <a:t>async</a:t>
+            </a:r>
+            <a:r>
+              <a:rPr lang="pt-BR" sz="3200" spc="-1" dirty="0">
+                <a:solidFill>
+                  <a:srgbClr val="1F4E79"/>
+                </a:solidFill>
+                <a:latin typeface="Courier New"/>
+              </a:rPr>
+              <a:t> (</a:t>
+            </a:r>
+            <a:r>
+              <a:rPr lang="pt-BR" sz="3200" spc="-1" dirty="0" err="1">
+                <a:solidFill>
+                  <a:srgbClr val="1F4E79"/>
+                </a:solidFill>
+                <a:latin typeface="Courier New"/>
+              </a:rPr>
+              <a:t>request</a:t>
+            </a:r>
+            <a:r>
+              <a:rPr lang="pt-BR" sz="3200" spc="-1" dirty="0">
+                <a:solidFill>
+                  <a:srgbClr val="1F4E79"/>
+                </a:solidFill>
+                <a:latin typeface="Courier New"/>
+              </a:rPr>
+              <a:t>, response) =&gt; {</a:t>
+            </a:r>
+          </a:p>
+          <a:p>
+            <a:pPr>
+              <a:lnSpc>
+                <a:spcPct val="100000"/>
+              </a:lnSpc>
+              <a:spcBef>
+                <a:spcPts val="1001"/>
+              </a:spcBef>
+              <a:spcAft>
+                <a:spcPts val="1001"/>
+              </a:spcAft>
+              <a:tabLst>
+                <a:tab pos="0" algn="l"/>
+              </a:tabLst>
+            </a:pPr>
+            <a:r>
+              <a:rPr lang="pt-BR" sz="3200" spc="-1" dirty="0">
+                <a:solidFill>
+                  <a:srgbClr val="1F4E79"/>
+                </a:solidFill>
+                <a:latin typeface="Courier New"/>
+              </a:rPr>
+              <a:t>    </a:t>
+            </a:r>
+            <a:r>
+              <a:rPr lang="pt-BR" sz="3200" spc="-1" dirty="0" err="1">
+                <a:solidFill>
+                  <a:srgbClr val="1F4E79"/>
+                </a:solidFill>
+                <a:latin typeface="Courier New"/>
+              </a:rPr>
+              <a:t>const</a:t>
+            </a:r>
+            <a:r>
+              <a:rPr lang="pt-BR" sz="3200" spc="-1" dirty="0">
+                <a:solidFill>
+                  <a:srgbClr val="1F4E79"/>
+                </a:solidFill>
+                <a:latin typeface="Courier New"/>
+              </a:rPr>
+              <a:t> { </a:t>
+            </a:r>
+            <a:r>
+              <a:rPr lang="pt-BR" sz="3200" spc="-1" dirty="0" err="1">
+                <a:solidFill>
+                  <a:srgbClr val="1F4E79"/>
+                </a:solidFill>
+                <a:latin typeface="Courier New"/>
+              </a:rPr>
+              <a:t>text</a:t>
+            </a:r>
+            <a:r>
+              <a:rPr lang="pt-BR" sz="3200" spc="-1" dirty="0">
+                <a:solidFill>
+                  <a:srgbClr val="1F4E79"/>
+                </a:solidFill>
+                <a:latin typeface="Courier New"/>
+              </a:rPr>
+              <a:t> } = </a:t>
+            </a:r>
+            <a:r>
+              <a:rPr lang="pt-BR" sz="3200" spc="-1" dirty="0" err="1">
+                <a:solidFill>
+                  <a:srgbClr val="1F4E79"/>
+                </a:solidFill>
+                <a:latin typeface="Courier New"/>
+              </a:rPr>
+              <a:t>request.query</a:t>
+            </a:r>
+            <a:r>
+              <a:rPr lang="pt-BR" sz="3200" spc="-1" dirty="0">
+                <a:solidFill>
+                  <a:srgbClr val="1F4E79"/>
+                </a:solidFill>
+                <a:latin typeface="Courier New"/>
+              </a:rPr>
+              <a:t>;</a:t>
+            </a:r>
+          </a:p>
+          <a:p>
+            <a:pPr>
+              <a:lnSpc>
+                <a:spcPct val="100000"/>
+              </a:lnSpc>
+              <a:spcBef>
+                <a:spcPts val="1001"/>
+              </a:spcBef>
+              <a:spcAft>
+                <a:spcPts val="1001"/>
+              </a:spcAft>
+              <a:tabLst>
+                <a:tab pos="0" algn="l"/>
+              </a:tabLst>
+            </a:pPr>
+            <a:r>
+              <a:rPr lang="pt-BR" sz="3200" spc="-1" dirty="0">
+                <a:solidFill>
+                  <a:srgbClr val="1F4E79"/>
+                </a:solidFill>
+                <a:latin typeface="Courier New"/>
+              </a:rPr>
+              <a:t>    </a:t>
+            </a:r>
+            <a:r>
+              <a:rPr lang="pt-BR" sz="3200" spc="-1" dirty="0" err="1">
+                <a:solidFill>
+                  <a:srgbClr val="1F4E79"/>
+                </a:solidFill>
+                <a:latin typeface="Courier New"/>
+              </a:rPr>
+              <a:t>try</a:t>
+            </a:r>
+            <a:r>
+              <a:rPr lang="pt-BR" sz="3200" spc="-1" dirty="0">
+                <a:solidFill>
+                  <a:srgbClr val="1F4E79"/>
+                </a:solidFill>
+                <a:latin typeface="Courier New"/>
+              </a:rPr>
+              <a:t> {</a:t>
+            </a:r>
+          </a:p>
+          <a:p>
+            <a:pPr>
+              <a:lnSpc>
+                <a:spcPct val="100000"/>
+              </a:lnSpc>
+              <a:spcBef>
+                <a:spcPts val="1001"/>
+              </a:spcBef>
+              <a:spcAft>
+                <a:spcPts val="1001"/>
+              </a:spcAft>
+              <a:tabLst>
+                <a:tab pos="0" algn="l"/>
+              </a:tabLst>
+            </a:pPr>
+            <a:r>
+              <a:rPr lang="pt-BR" sz="3200" spc="-1" dirty="0">
+                <a:solidFill>
+                  <a:srgbClr val="1F4E79"/>
+                </a:solidFill>
+                <a:latin typeface="Courier New"/>
+              </a:rPr>
+              <a:t>        </a:t>
+            </a:r>
+            <a:r>
+              <a:rPr lang="pt-BR" sz="3200" spc="-1" dirty="0" err="1">
+                <a:solidFill>
+                  <a:srgbClr val="1F4E79"/>
+                </a:solidFill>
+                <a:latin typeface="Courier New"/>
+              </a:rPr>
+              <a:t>const</a:t>
+            </a:r>
+            <a:r>
+              <a:rPr lang="pt-BR" sz="3200" spc="-1" dirty="0">
+                <a:solidFill>
+                  <a:srgbClr val="1F4E79"/>
+                </a:solidFill>
+                <a:latin typeface="Courier New"/>
+              </a:rPr>
+              <a:t> </a:t>
+            </a:r>
+            <a:r>
+              <a:rPr lang="pt-BR" sz="3200" spc="-1" dirty="0" err="1">
+                <a:solidFill>
+                  <a:srgbClr val="1F4E79"/>
+                </a:solidFill>
+                <a:latin typeface="Courier New"/>
+              </a:rPr>
+              <a:t>products</a:t>
+            </a:r>
+            <a:r>
+              <a:rPr lang="pt-BR" sz="3200" spc="-1" dirty="0">
+                <a:solidFill>
+                  <a:srgbClr val="1F4E79"/>
+                </a:solidFill>
+                <a:latin typeface="Courier New"/>
+              </a:rPr>
+              <a:t> = </a:t>
+            </a:r>
+            <a:r>
+              <a:rPr lang="pt-BR" sz="3200" spc="-1" dirty="0" err="1">
+                <a:solidFill>
+                  <a:srgbClr val="1F4E79"/>
+                </a:solidFill>
+                <a:latin typeface="Courier New"/>
+              </a:rPr>
+              <a:t>await</a:t>
+            </a:r>
+            <a:r>
+              <a:rPr lang="pt-BR" sz="3200" spc="-1" dirty="0">
+                <a:solidFill>
+                  <a:srgbClr val="1F4E79"/>
+                </a:solidFill>
+                <a:latin typeface="Courier New"/>
+              </a:rPr>
+              <a:t> </a:t>
+            </a:r>
+            <a:r>
+              <a:rPr lang="pt-BR" sz="3200" spc="-1" dirty="0" err="1">
+                <a:solidFill>
+                  <a:srgbClr val="1F4E79"/>
+                </a:solidFill>
+                <a:latin typeface="Courier New"/>
+              </a:rPr>
+              <a:t>Product.findAll</a:t>
+            </a:r>
+            <a:r>
+              <a:rPr lang="pt-BR" sz="3200" spc="-1" dirty="0">
+                <a:solidFill>
+                  <a:srgbClr val="1F4E79"/>
+                </a:solidFill>
+                <a:latin typeface="Courier New"/>
+              </a:rPr>
+              <a:t>({</a:t>
+            </a:r>
+          </a:p>
+          <a:p>
+            <a:pPr>
+              <a:lnSpc>
+                <a:spcPct val="100000"/>
+              </a:lnSpc>
+              <a:spcBef>
+                <a:spcPts val="1001"/>
+              </a:spcBef>
+              <a:spcAft>
+                <a:spcPts val="1001"/>
+              </a:spcAft>
+              <a:tabLst>
+                <a:tab pos="0" algn="l"/>
+              </a:tabLst>
+            </a:pPr>
+            <a:r>
+              <a:rPr lang="pt-BR" sz="3200" spc="-1" dirty="0">
+                <a:solidFill>
+                  <a:srgbClr val="1F4E79"/>
+                </a:solidFill>
+                <a:latin typeface="Courier New"/>
+              </a:rPr>
+              <a:t>            </a:t>
+            </a:r>
+            <a:r>
+              <a:rPr lang="pt-BR" sz="3200" spc="-1" dirty="0" err="1">
+                <a:solidFill>
+                  <a:srgbClr val="1F4E79"/>
+                </a:solidFill>
+                <a:latin typeface="Courier New"/>
+              </a:rPr>
+              <a:t>where</a:t>
+            </a:r>
+            <a:r>
+              <a:rPr lang="pt-BR" sz="3200" spc="-1" dirty="0">
+                <a:solidFill>
+                  <a:srgbClr val="1F4E79"/>
+                </a:solidFill>
+                <a:latin typeface="Courier New"/>
+              </a:rPr>
+              <a:t>: { </a:t>
+            </a:r>
+            <a:r>
+              <a:rPr lang="pt-BR" sz="3200" spc="-1" dirty="0" err="1">
+                <a:solidFill>
+                  <a:srgbClr val="1F4E79"/>
+                </a:solidFill>
+                <a:latin typeface="Courier New"/>
+              </a:rPr>
+              <a:t>description</a:t>
+            </a:r>
+            <a:r>
+              <a:rPr lang="pt-BR" sz="3200" spc="-1" dirty="0">
+                <a:solidFill>
+                  <a:srgbClr val="1F4E79"/>
+                </a:solidFill>
+                <a:latin typeface="Courier New"/>
+              </a:rPr>
+              <a:t>: {[</a:t>
+            </a:r>
+            <a:r>
+              <a:rPr lang="pt-BR" sz="3200" spc="-1" dirty="0" err="1">
+                <a:solidFill>
+                  <a:srgbClr val="1F4E79"/>
+                </a:solidFill>
+                <a:latin typeface="Courier New"/>
+              </a:rPr>
+              <a:t>Op.substring</a:t>
+            </a:r>
+            <a:r>
+              <a:rPr lang="pt-BR" sz="3200" spc="-1" dirty="0">
+                <a:solidFill>
+                  <a:srgbClr val="1F4E79"/>
+                </a:solidFill>
+                <a:latin typeface="Courier New"/>
+              </a:rPr>
+              <a:t>]: </a:t>
+            </a:r>
+            <a:r>
+              <a:rPr lang="pt-BR" sz="3200" spc="-1" dirty="0" err="1">
+                <a:solidFill>
+                  <a:srgbClr val="1F4E79"/>
+                </a:solidFill>
+                <a:latin typeface="Courier New"/>
+              </a:rPr>
+              <a:t>text</a:t>
+            </a:r>
+            <a:r>
+              <a:rPr lang="pt-BR" sz="3200" spc="-1" dirty="0">
+                <a:solidFill>
+                  <a:srgbClr val="1F4E79"/>
+                </a:solidFill>
+                <a:latin typeface="Courier New"/>
+              </a:rPr>
+              <a:t> } }</a:t>
+            </a:r>
+          </a:p>
+          <a:p>
+            <a:pPr>
+              <a:lnSpc>
+                <a:spcPct val="100000"/>
+              </a:lnSpc>
+              <a:spcBef>
+                <a:spcPts val="1001"/>
+              </a:spcBef>
+              <a:spcAft>
+                <a:spcPts val="1001"/>
+              </a:spcAft>
+              <a:tabLst>
+                <a:tab pos="0" algn="l"/>
+              </a:tabLst>
+            </a:pPr>
+            <a:r>
+              <a:rPr lang="pt-BR" sz="3200" spc="-1" dirty="0">
+                <a:solidFill>
+                  <a:srgbClr val="1F4E79"/>
+                </a:solidFill>
+                <a:latin typeface="Courier New"/>
+              </a:rPr>
+              <a:t>        });</a:t>
+            </a:r>
+          </a:p>
+          <a:p>
+            <a:pPr>
+              <a:lnSpc>
+                <a:spcPct val="100000"/>
+              </a:lnSpc>
+              <a:spcBef>
+                <a:spcPts val="1001"/>
+              </a:spcBef>
+              <a:spcAft>
+                <a:spcPts val="1001"/>
+              </a:spcAft>
+              <a:tabLst>
+                <a:tab pos="0" algn="l"/>
+              </a:tabLst>
+            </a:pPr>
+            <a:r>
+              <a:rPr lang="pt-BR" sz="3200" spc="-1" dirty="0">
+                <a:solidFill>
+                  <a:srgbClr val="1F4E79"/>
+                </a:solidFill>
+                <a:latin typeface="Courier New"/>
+              </a:rPr>
+              <a:t>        </a:t>
+            </a:r>
+            <a:r>
+              <a:rPr lang="pt-BR" sz="3200" spc="-1" dirty="0" err="1">
+                <a:solidFill>
+                  <a:srgbClr val="1F4E79"/>
+                </a:solidFill>
+                <a:latin typeface="Courier New"/>
+              </a:rPr>
+              <a:t>response.status</a:t>
+            </a:r>
+            <a:r>
+              <a:rPr lang="pt-BR" sz="3200" spc="-1" dirty="0">
+                <a:solidFill>
+                  <a:srgbClr val="1F4E79"/>
+                </a:solidFill>
+                <a:latin typeface="Courier New"/>
+              </a:rPr>
+              <a:t>(200).</a:t>
+            </a:r>
+            <a:r>
+              <a:rPr lang="pt-BR" sz="3200" spc="-1" dirty="0" err="1">
+                <a:solidFill>
+                  <a:srgbClr val="1F4E79"/>
+                </a:solidFill>
+                <a:latin typeface="Courier New"/>
+              </a:rPr>
+              <a:t>json</a:t>
+            </a:r>
+            <a:r>
+              <a:rPr lang="pt-BR" sz="3200" spc="-1" dirty="0">
+                <a:solidFill>
+                  <a:srgbClr val="1F4E79"/>
+                </a:solidFill>
+                <a:latin typeface="Courier New"/>
+              </a:rPr>
+              <a:t>(</a:t>
+            </a:r>
+            <a:r>
+              <a:rPr lang="pt-BR" sz="3200" spc="-1" dirty="0" err="1">
+                <a:solidFill>
+                  <a:srgbClr val="1F4E79"/>
+                </a:solidFill>
+                <a:latin typeface="Courier New"/>
+              </a:rPr>
+              <a:t>products</a:t>
+            </a:r>
+            <a:r>
+              <a:rPr lang="pt-BR" sz="3200" spc="-1" dirty="0">
+                <a:solidFill>
+                  <a:srgbClr val="1F4E79"/>
+                </a:solidFill>
+                <a:latin typeface="Courier New"/>
+              </a:rPr>
+              <a:t>);</a:t>
+            </a:r>
+          </a:p>
+          <a:p>
+            <a:pPr>
+              <a:lnSpc>
+                <a:spcPct val="100000"/>
+              </a:lnSpc>
+              <a:spcBef>
+                <a:spcPts val="1001"/>
+              </a:spcBef>
+              <a:spcAft>
+                <a:spcPts val="1001"/>
+              </a:spcAft>
+              <a:tabLst>
+                <a:tab pos="0" algn="l"/>
+              </a:tabLst>
+            </a:pPr>
+            <a:r>
+              <a:rPr lang="pt-BR" sz="3200" spc="-1" dirty="0">
+                <a:solidFill>
+                  <a:srgbClr val="1F4E79"/>
+                </a:solidFill>
+                <a:latin typeface="Courier New"/>
+              </a:rPr>
+              <a:t>    } catch (</a:t>
+            </a:r>
+            <a:r>
+              <a:rPr lang="pt-BR" sz="3200" spc="-1" dirty="0" err="1">
+                <a:solidFill>
+                  <a:srgbClr val="1F4E79"/>
+                </a:solidFill>
+                <a:latin typeface="Courier New"/>
+              </a:rPr>
+              <a:t>error</a:t>
+            </a:r>
+            <a:r>
+              <a:rPr lang="pt-BR" sz="3200" spc="-1" dirty="0">
+                <a:solidFill>
+                  <a:srgbClr val="1F4E79"/>
+                </a:solidFill>
+                <a:latin typeface="Courier New"/>
+              </a:rPr>
+              <a:t>) {</a:t>
+            </a:r>
+          </a:p>
+          <a:p>
+            <a:pPr>
+              <a:lnSpc>
+                <a:spcPct val="100000"/>
+              </a:lnSpc>
+              <a:spcBef>
+                <a:spcPts val="1001"/>
+              </a:spcBef>
+              <a:spcAft>
+                <a:spcPts val="1001"/>
+              </a:spcAft>
+              <a:tabLst>
+                <a:tab pos="0" algn="l"/>
+              </a:tabLst>
+            </a:pPr>
+            <a:r>
+              <a:rPr lang="pt-BR" sz="3200" spc="-1" dirty="0">
+                <a:solidFill>
+                  <a:srgbClr val="1F4E79"/>
+                </a:solidFill>
+                <a:latin typeface="Courier New"/>
+              </a:rPr>
+              <a:t>        </a:t>
+            </a:r>
+            <a:r>
+              <a:rPr lang="pt-BR" sz="3200" spc="-1" dirty="0" err="1">
+                <a:solidFill>
+                  <a:srgbClr val="1F4E79"/>
+                </a:solidFill>
+                <a:latin typeface="Courier New"/>
+              </a:rPr>
+              <a:t>response.status</a:t>
+            </a:r>
+            <a:r>
+              <a:rPr lang="pt-BR" sz="3200" spc="-1" dirty="0">
+                <a:solidFill>
+                  <a:srgbClr val="1F4E79"/>
+                </a:solidFill>
+                <a:latin typeface="Courier New"/>
+              </a:rPr>
+              <a:t>(500).</a:t>
+            </a:r>
+            <a:r>
+              <a:rPr lang="pt-BR" sz="3200" spc="-1" dirty="0" err="1">
+                <a:solidFill>
+                  <a:srgbClr val="1F4E79"/>
+                </a:solidFill>
+                <a:latin typeface="Courier New"/>
+              </a:rPr>
+              <a:t>json</a:t>
+            </a:r>
+            <a:r>
+              <a:rPr lang="pt-BR" sz="3200" spc="-1" dirty="0">
+                <a:solidFill>
+                  <a:srgbClr val="1F4E79"/>
+                </a:solidFill>
+                <a:latin typeface="Courier New"/>
+              </a:rPr>
+              <a:t>({ </a:t>
+            </a:r>
+            <a:r>
+              <a:rPr lang="pt-BR" sz="3200" spc="-1" dirty="0" err="1">
+                <a:solidFill>
+                  <a:srgbClr val="1F4E79"/>
+                </a:solidFill>
+                <a:latin typeface="Courier New"/>
+              </a:rPr>
+              <a:t>error</a:t>
+            </a:r>
+            <a:r>
+              <a:rPr lang="pt-BR" sz="3200" spc="-1" dirty="0">
+                <a:solidFill>
+                  <a:srgbClr val="1F4E79"/>
+                </a:solidFill>
+                <a:latin typeface="Courier New"/>
+              </a:rPr>
+              <a:t>: </a:t>
+            </a:r>
+            <a:r>
+              <a:rPr lang="pt-BR" sz="3200" spc="-1" dirty="0" err="1">
+                <a:solidFill>
+                  <a:srgbClr val="1F4E79"/>
+                </a:solidFill>
+                <a:latin typeface="Courier New"/>
+              </a:rPr>
+              <a:t>error.message</a:t>
+            </a:r>
+            <a:r>
+              <a:rPr lang="pt-BR" sz="3200" spc="-1" dirty="0">
+                <a:solidFill>
+                  <a:srgbClr val="1F4E79"/>
+                </a:solidFill>
+                <a:latin typeface="Courier New"/>
+              </a:rPr>
+              <a:t> });</a:t>
+            </a:r>
+          </a:p>
+          <a:p>
+            <a:pPr>
+              <a:lnSpc>
+                <a:spcPct val="100000"/>
+              </a:lnSpc>
+              <a:spcBef>
+                <a:spcPts val="1001"/>
+              </a:spcBef>
+              <a:spcAft>
+                <a:spcPts val="1001"/>
+              </a:spcAft>
+              <a:tabLst>
+                <a:tab pos="0" algn="l"/>
+              </a:tabLst>
+            </a:pPr>
+            <a:r>
+              <a:rPr lang="pt-BR" sz="3200" spc="-1" dirty="0">
+                <a:solidFill>
+                  <a:srgbClr val="1F4E79"/>
+                </a:solidFill>
+                <a:latin typeface="Courier New"/>
+              </a:rPr>
+              <a:t>    }</a:t>
+            </a:r>
+          </a:p>
+          <a:p>
+            <a:pPr>
+              <a:lnSpc>
+                <a:spcPct val="100000"/>
+              </a:lnSpc>
+              <a:spcBef>
+                <a:spcPts val="1001"/>
+              </a:spcBef>
+              <a:spcAft>
+                <a:spcPts val="1001"/>
+              </a:spcAft>
+              <a:tabLst>
+                <a:tab pos="0" algn="l"/>
+              </a:tabLst>
+            </a:pPr>
+            <a:r>
+              <a:rPr lang="pt-BR" sz="3200" spc="-1" dirty="0">
+                <a:solidFill>
+                  <a:srgbClr val="1F4E79"/>
+                </a:solidFill>
+                <a:latin typeface="Courier New"/>
+              </a:rPr>
+              <a:t>});</a:t>
+            </a:r>
+            <a:endParaRPr lang="pt-BR" sz="3200" b="0" strike="noStrike" spc="-1" dirty="0">
+              <a:latin typeface="Arial"/>
+            </a:endParaRPr>
+          </a:p>
+        </p:txBody>
+      </p:sp>
+    </p:spTree>
+    <p:extLst>
+      <p:ext uri="{BB962C8B-B14F-4D97-AF65-F5344CB8AC3E}">
+        <p14:creationId xmlns:p14="http://schemas.microsoft.com/office/powerpoint/2010/main" val="3142745156"/>
+      </p:ext>
+    </p:extLst>
+  </p:cSld>
+  <p:clrMapOvr>
+    <a:masterClrMapping/>
+  </p:clrMapOvr>
+</p:sld>
+</file>
+
+<file path=ppt/slides/slide52.xml><?xml version="1.0" encoding="utf-8"?>
+<p:sld xmlns:a="http://schemas.openxmlformats.org/drawingml/2006/main" xmlns:r="http://schemas.openxmlformats.org/officeDocument/2006/relationships" xmlns:p="http://schemas.openxmlformats.org/presentationml/2006/main">
+  <p:cSld>
+    <p:spTree>
+      <p:nvGrpSpPr>
+        <p:cNvPr id="1" name=""/>
+        <p:cNvGrpSpPr/>
+        <p:nvPr/>
+      </p:nvGrpSpPr>
+      <p:grpSpPr>
+        <a:xfrm>
+          <a:off x="0" y="0"/>
+          <a:ext cx="0" cy="0"/>
+          <a:chOff x="0" y="0"/>
+          <a:chExt cx="0" cy="0"/>
+        </a:xfrm>
+      </p:grpSpPr>
+      <p:sp>
+        <p:nvSpPr>
+          <p:cNvPr id="171" name="CustomShape 1"/>
+          <p:cNvSpPr/>
+          <p:nvPr/>
+        </p:nvSpPr>
+        <p:spPr>
+          <a:xfrm>
+            <a:off x="0" y="224280"/>
+            <a:ext cx="12019320" cy="854640"/>
+          </a:xfrm>
+          <a:prstGeom prst="rect">
+            <a:avLst/>
+          </a:prstGeom>
+          <a:noFill/>
+          <a:ln>
+            <a:noFill/>
+          </a:ln>
+        </p:spPr>
+        <p:style>
+          <a:lnRef idx="0">
+            <a:scrgbClr r="0" g="0" b="0"/>
+          </a:lnRef>
+          <a:fillRef idx="0">
+            <a:scrgbClr r="0" g="0" b="0"/>
+          </a:fillRef>
+          <a:effectRef idx="0">
+            <a:scrgbClr r="0" g="0" b="0"/>
+          </a:effectRef>
+          <a:fontRef idx="minor"/>
+        </p:style>
+        <p:txBody>
+          <a:bodyPr lIns="90000" tIns="45000" rIns="90000" bIns="45000" anchor="ctr">
+            <a:noAutofit/>
+          </a:bodyPr>
+          <a:lstStyle/>
+          <a:p>
+            <a:pPr algn="ctr">
+              <a:lnSpc>
+                <a:spcPct val="90000"/>
+              </a:lnSpc>
+            </a:pPr>
+            <a:r>
+              <a:rPr lang="pt-BR" sz="5400" b="0" strike="noStrike" spc="-1">
+                <a:solidFill>
+                  <a:srgbClr val="1F4E79"/>
+                </a:solidFill>
+                <a:latin typeface="Arial"/>
+                <a:ea typeface="DejaVu Sans"/>
+              </a:rPr>
+              <a:t>ORM: Sequelize</a:t>
+            </a:r>
+            <a:endParaRPr lang="pt-BR" sz="5400" b="0" strike="noStrike" spc="-1">
+              <a:latin typeface="Arial"/>
+            </a:endParaRPr>
+          </a:p>
+        </p:txBody>
+      </p:sp>
+      <p:sp>
+        <p:nvSpPr>
+          <p:cNvPr id="172" name="CustomShape 2"/>
+          <p:cNvSpPr/>
+          <p:nvPr/>
+        </p:nvSpPr>
+        <p:spPr>
+          <a:xfrm>
+            <a:off x="317520" y="1290960"/>
+            <a:ext cx="11701440" cy="4347360"/>
+          </a:xfrm>
+          <a:prstGeom prst="rect">
+            <a:avLst/>
+          </a:prstGeom>
+          <a:noFill/>
+          <a:ln>
+            <a:noFill/>
+          </a:ln>
+        </p:spPr>
+        <p:style>
+          <a:lnRef idx="0">
+            <a:scrgbClr r="0" g="0" b="0"/>
+          </a:lnRef>
+          <a:fillRef idx="0">
+            <a:scrgbClr r="0" g="0" b="0"/>
+          </a:fillRef>
+          <a:effectRef idx="0">
+            <a:scrgbClr r="0" g="0" b="0"/>
+          </a:effectRef>
+          <a:fontRef idx="minor"/>
+        </p:style>
+        <p:txBody>
+          <a:bodyPr lIns="90000" tIns="45000" rIns="90000" bIns="45000">
+            <a:normAutofit/>
+          </a:bodyPr>
+          <a:lstStyle/>
+          <a:p>
+            <a:pPr algn="ctr">
+              <a:lnSpc>
+                <a:spcPct val="100000"/>
+              </a:lnSpc>
+              <a:spcBef>
+                <a:spcPts val="1001"/>
+              </a:spcBef>
+              <a:spcAft>
+                <a:spcPts val="1001"/>
+              </a:spcAft>
+              <a:tabLst>
+                <a:tab pos="0" algn="l"/>
+              </a:tabLst>
+            </a:pPr>
+            <a:r>
+              <a:rPr lang="pt-BR" sz="3200" b="0" u="sng" strike="noStrike" spc="-1">
+                <a:solidFill>
+                  <a:srgbClr val="0563C1"/>
+                </a:solidFill>
+                <a:uFillTx/>
+                <a:latin typeface="Arial"/>
+                <a:ea typeface="DejaVu Sans"/>
+                <a:hlinkClick r:id="rId3"/>
+              </a:rPr>
+              <a:t>https://sequelize.org/master/manual/getting-started.html</a:t>
+            </a:r>
+            <a:endParaRPr lang="pt-BR" sz="3200" b="0" strike="noStrike" spc="-1">
+              <a:latin typeface="Arial"/>
+            </a:endParaRPr>
+          </a:p>
+          <a:p>
+            <a:pPr algn="ctr">
+              <a:lnSpc>
+                <a:spcPct val="100000"/>
+              </a:lnSpc>
+              <a:spcBef>
+                <a:spcPts val="1001"/>
+              </a:spcBef>
+              <a:spcAft>
+                <a:spcPts val="1001"/>
+              </a:spcAft>
+              <a:tabLst>
+                <a:tab pos="0" algn="l"/>
+              </a:tabLst>
+            </a:pPr>
+            <a:r>
+              <a:rPr lang="pt-BR" sz="3200" b="0" strike="noStrike" spc="-1">
+                <a:solidFill>
+                  <a:srgbClr val="1F4E79"/>
+                </a:solidFill>
+                <a:latin typeface="Arial"/>
+                <a:ea typeface="DejaVu Sans"/>
+              </a:rPr>
+              <a:t>https://levelup.gitconnected.com/creating-sequelize-associations-with-the-sequelize-cli-tool-d83caa902233</a:t>
+            </a:r>
+            <a:endParaRPr lang="pt-BR" sz="3200" b="0" strike="noStrike" spc="-1">
+              <a:latin typeface="Arial"/>
+            </a:endParaRPr>
+          </a:p>
+          <a:p>
+            <a:pPr algn="ctr">
+              <a:lnSpc>
+                <a:spcPct val="100000"/>
+              </a:lnSpc>
+              <a:spcBef>
+                <a:spcPts val="1001"/>
+              </a:spcBef>
+              <a:spcAft>
+                <a:spcPts val="1001"/>
+              </a:spcAft>
+              <a:tabLst>
+                <a:tab pos="0" algn="l"/>
+              </a:tabLst>
+            </a:pPr>
+            <a:endParaRPr lang="pt-BR" sz="3200" b="0" strike="noStrike" spc="-1">
+              <a:latin typeface="Arial"/>
+            </a:endParaRPr>
+          </a:p>
+        </p:txBody>
+      </p:sp>
+    </p:spTree>
+  </p:cSld>
+  <p:clrMapOvr>
+    <a:masterClrMapping/>
+  </p:clrMapOvr>
+</p:sld>
+</file>
+
+<file path=ppt/slides/slide53.xml><?xml version="1.0" encoding="utf-8"?>
+<p:sld xmlns:a="http://schemas.openxmlformats.org/drawingml/2006/main" xmlns:r="http://schemas.openxmlformats.org/officeDocument/2006/relationships" xmlns:p="http://schemas.openxmlformats.org/presentationml/2006/main">
+  <p:cSld>
+    <p:spTree>
+      <p:nvGrpSpPr>
+        <p:cNvPr id="1" name=""/>
+        <p:cNvGrpSpPr/>
+        <p:nvPr/>
+      </p:nvGrpSpPr>
+      <p:grpSpPr>
+        <a:xfrm>
+          <a:off x="0" y="0"/>
+          <a:ext cx="0" cy="0"/>
+          <a:chOff x="0" y="0"/>
+          <a:chExt cx="0" cy="0"/>
+        </a:xfrm>
+      </p:grpSpPr>
+      <p:sp>
+        <p:nvSpPr>
+          <p:cNvPr id="173" name="CustomShape 1"/>
+          <p:cNvSpPr/>
+          <p:nvPr/>
+        </p:nvSpPr>
+        <p:spPr>
+          <a:xfrm>
+            <a:off x="0" y="224280"/>
+            <a:ext cx="12019320" cy="854640"/>
+          </a:xfrm>
+          <a:prstGeom prst="rect">
+            <a:avLst/>
+          </a:prstGeom>
+          <a:noFill/>
+          <a:ln>
+            <a:noFill/>
+          </a:ln>
+        </p:spPr>
+        <p:style>
+          <a:lnRef idx="0">
+            <a:scrgbClr r="0" g="0" b="0"/>
+          </a:lnRef>
+          <a:fillRef idx="0">
+            <a:scrgbClr r="0" g="0" b="0"/>
+          </a:fillRef>
+          <a:effectRef idx="0">
+            <a:scrgbClr r="0" g="0" b="0"/>
+          </a:effectRef>
+          <a:fontRef idx="minor"/>
+        </p:style>
+        <p:txBody>
+          <a:bodyPr lIns="90000" tIns="45000" rIns="90000" bIns="45000" anchor="ctr">
+            <a:noAutofit/>
+          </a:bodyPr>
+          <a:lstStyle/>
+          <a:p>
+            <a:pPr algn="ctr">
+              <a:lnSpc>
+                <a:spcPct val="90000"/>
+              </a:lnSpc>
+            </a:pPr>
+            <a:r>
+              <a:rPr lang="pt-BR" sz="5400" b="0" strike="noStrike" spc="-1">
+                <a:solidFill>
+                  <a:srgbClr val="1F4E79"/>
+                </a:solidFill>
+                <a:latin typeface="Arial"/>
+                <a:ea typeface="DejaVu Sans"/>
+              </a:rPr>
+              <a:t>Middleware</a:t>
+            </a:r>
+            <a:endParaRPr lang="pt-BR" sz="5400" b="0" strike="noStrike" spc="-1">
+              <a:latin typeface="Arial"/>
+            </a:endParaRPr>
+          </a:p>
+        </p:txBody>
+      </p:sp>
+      <p:sp>
+        <p:nvSpPr>
+          <p:cNvPr id="174" name="CustomShape 2"/>
+          <p:cNvSpPr/>
+          <p:nvPr/>
+        </p:nvSpPr>
+        <p:spPr>
+          <a:xfrm>
+            <a:off x="317520" y="1290960"/>
+            <a:ext cx="11701440" cy="4347360"/>
+          </a:xfrm>
+          <a:prstGeom prst="rect">
+            <a:avLst/>
+          </a:prstGeom>
+          <a:noFill/>
+          <a:ln>
+            <a:noFill/>
+          </a:ln>
+        </p:spPr>
+        <p:style>
+          <a:lnRef idx="0">
+            <a:scrgbClr r="0" g="0" b="0"/>
+          </a:lnRef>
+          <a:fillRef idx="0">
+            <a:scrgbClr r="0" g="0" b="0"/>
+          </a:fillRef>
+          <a:effectRef idx="0">
+            <a:scrgbClr r="0" g="0" b="0"/>
+          </a:effectRef>
+          <a:fontRef idx="minor"/>
+        </p:style>
+        <p:txBody>
+          <a:bodyPr lIns="90000" tIns="45000" rIns="90000" bIns="45000">
+            <a:normAutofit/>
+          </a:bodyPr>
+          <a:lstStyle/>
+          <a:p>
+            <a:pPr algn="ctr">
+              <a:lnSpc>
+                <a:spcPct val="100000"/>
+              </a:lnSpc>
+              <a:spcBef>
+                <a:spcPts val="1001"/>
+              </a:spcBef>
+              <a:spcAft>
+                <a:spcPts val="1001"/>
+              </a:spcAft>
+              <a:tabLst>
+                <a:tab pos="0" algn="l"/>
+              </a:tabLst>
+            </a:pPr>
+            <a:r>
+              <a:rPr lang="pt-BR" sz="3200" b="0" strike="noStrike" spc="-1">
+                <a:solidFill>
+                  <a:srgbClr val="1F4E79"/>
+                </a:solidFill>
+                <a:latin typeface="Arial"/>
+                <a:ea typeface="DejaVu Sans"/>
+              </a:rPr>
+              <a:t>São scripts que podem ser executados entre a comunicação de outros 2 serviços distintos.</a:t>
+            </a:r>
+            <a:endParaRPr lang="pt-BR" sz="3200" b="0" strike="noStrike" spc="-1">
+              <a:latin typeface="Arial"/>
+            </a:endParaRPr>
+          </a:p>
+          <a:p>
+            <a:pPr algn="ctr">
+              <a:lnSpc>
+                <a:spcPct val="100000"/>
+              </a:lnSpc>
+              <a:spcBef>
+                <a:spcPts val="1001"/>
+              </a:spcBef>
+              <a:spcAft>
+                <a:spcPts val="1001"/>
+              </a:spcAft>
+              <a:tabLst>
+                <a:tab pos="0" algn="l"/>
+              </a:tabLst>
+            </a:pPr>
+            <a:r>
+              <a:rPr lang="pt-BR" sz="3200" b="0" strike="noStrike" spc="-1">
+                <a:solidFill>
+                  <a:srgbClr val="1F4E79"/>
+                </a:solidFill>
+                <a:latin typeface="Arial"/>
+                <a:ea typeface="DejaVu Sans"/>
+              </a:rPr>
+              <a:t>Ele pode verificar e/ou manipular os dados antes da tarefa em execução prosseguir, ou mudar o fluxo da tarefa.</a:t>
+            </a:r>
+            <a:endParaRPr lang="pt-BR" sz="3200" b="0" strike="noStrike" spc="-1">
+              <a:latin typeface="Arial"/>
+            </a:endParaRPr>
+          </a:p>
+        </p:txBody>
+      </p:sp>
+    </p:spTree>
+  </p:cSld>
+  <p:clrMapOvr>
+    <a:masterClrMapping/>
+  </p:clrMapOvr>
+</p:sld>
+</file>
+
+<file path=ppt/slides/slide54.xml><?xml version="1.0" encoding="utf-8"?>
+<p:sld xmlns:a="http://schemas.openxmlformats.org/drawingml/2006/main" xmlns:r="http://schemas.openxmlformats.org/officeDocument/2006/relationships" xmlns:p="http://schemas.openxmlformats.org/presentationml/2006/main">
+  <p:cSld>
+    <p:spTree>
+      <p:nvGrpSpPr>
+        <p:cNvPr id="1" name=""/>
+        <p:cNvGrpSpPr/>
+        <p:nvPr/>
+      </p:nvGrpSpPr>
+      <p:grpSpPr>
+        <a:xfrm>
+          <a:off x="0" y="0"/>
+          <a:ext cx="0" cy="0"/>
+          <a:chOff x="0" y="0"/>
+          <a:chExt cx="0" cy="0"/>
+        </a:xfrm>
+      </p:grpSpPr>
+      <p:sp>
+        <p:nvSpPr>
+          <p:cNvPr id="175" name="CustomShape 1"/>
+          <p:cNvSpPr/>
+          <p:nvPr/>
+        </p:nvSpPr>
+        <p:spPr>
+          <a:xfrm>
+            <a:off x="0" y="224280"/>
+            <a:ext cx="12019320" cy="854640"/>
+          </a:xfrm>
+          <a:prstGeom prst="rect">
+            <a:avLst/>
+          </a:prstGeom>
+          <a:noFill/>
+          <a:ln>
+            <a:noFill/>
+          </a:ln>
+        </p:spPr>
+        <p:style>
+          <a:lnRef idx="0">
+            <a:scrgbClr r="0" g="0" b="0"/>
+          </a:lnRef>
+          <a:fillRef idx="0">
+            <a:scrgbClr r="0" g="0" b="0"/>
+          </a:fillRef>
+          <a:effectRef idx="0">
+            <a:scrgbClr r="0" g="0" b="0"/>
+          </a:effectRef>
+          <a:fontRef idx="minor"/>
+        </p:style>
+        <p:txBody>
+          <a:bodyPr lIns="90000" tIns="45000" rIns="90000" bIns="45000" anchor="ctr">
+            <a:noAutofit/>
+          </a:bodyPr>
+          <a:lstStyle/>
+          <a:p>
+            <a:pPr algn="ctr">
+              <a:lnSpc>
+                <a:spcPct val="90000"/>
+              </a:lnSpc>
+            </a:pPr>
+            <a:r>
+              <a:rPr lang="pt-BR" sz="5400" b="0" strike="noStrike" spc="-1">
+                <a:solidFill>
+                  <a:srgbClr val="1F4E79"/>
+                </a:solidFill>
+                <a:latin typeface="Arial"/>
+                <a:ea typeface="DejaVu Sans"/>
+              </a:rPr>
+              <a:t>Referências</a:t>
+            </a:r>
+            <a:endParaRPr lang="pt-BR" sz="5400" b="0" strike="noStrike" spc="-1">
+              <a:latin typeface="Arial"/>
+            </a:endParaRPr>
+          </a:p>
+        </p:txBody>
+      </p:sp>
+      <p:sp>
+        <p:nvSpPr>
+          <p:cNvPr id="176" name="CustomShape 2"/>
+          <p:cNvSpPr/>
+          <p:nvPr/>
+        </p:nvSpPr>
+        <p:spPr>
+          <a:xfrm>
+            <a:off x="317520" y="1290960"/>
+            <a:ext cx="11701440" cy="4347360"/>
+          </a:xfrm>
+          <a:prstGeom prst="rect">
+            <a:avLst/>
+          </a:prstGeom>
+          <a:noFill/>
+          <a:ln>
+            <a:noFill/>
+          </a:ln>
+        </p:spPr>
+        <p:style>
+          <a:lnRef idx="0">
+            <a:scrgbClr r="0" g="0" b="0"/>
+          </a:lnRef>
+          <a:fillRef idx="0">
+            <a:scrgbClr r="0" g="0" b="0"/>
+          </a:fillRef>
+          <a:effectRef idx="0">
+            <a:scrgbClr r="0" g="0" b="0"/>
+          </a:effectRef>
+          <a:fontRef idx="minor"/>
+        </p:style>
+        <p:txBody>
+          <a:bodyPr lIns="90000" tIns="45000" rIns="90000" bIns="45000">
+            <a:normAutofit fontScale="89000" lnSpcReduction="10000"/>
+          </a:bodyPr>
+          <a:lstStyle/>
+          <a:p>
+            <a:pPr marL="514440" indent="-510480">
+              <a:lnSpc>
+                <a:spcPct val="100000"/>
+              </a:lnSpc>
+              <a:spcBef>
+                <a:spcPts val="1001"/>
+              </a:spcBef>
+              <a:spcAft>
+                <a:spcPts val="1001"/>
+              </a:spcAft>
+              <a:buClr>
+                <a:srgbClr val="1F4E79"/>
+              </a:buClr>
+              <a:buFont typeface="Calibri Light"/>
+              <a:buAutoNum type="arabicPeriod"/>
+            </a:pPr>
+            <a:r>
+              <a:rPr lang="pt-BR" sz="3200" b="0" strike="noStrike" spc="-1">
+                <a:solidFill>
+                  <a:srgbClr val="1F4E79"/>
+                </a:solidFill>
+                <a:latin typeface="Arial"/>
+                <a:ea typeface="DejaVu Sans"/>
+              </a:rPr>
+              <a:t>Node.js. </a:t>
+            </a:r>
+            <a:r>
+              <a:rPr lang="pt-BR" sz="3200" b="1" strike="noStrike" spc="-1">
+                <a:solidFill>
+                  <a:srgbClr val="1F4E79"/>
+                </a:solidFill>
+                <a:latin typeface="Arial"/>
+                <a:ea typeface="DejaVu Sans"/>
+              </a:rPr>
+              <a:t>About</a:t>
+            </a:r>
+            <a:r>
+              <a:rPr lang="pt-BR" sz="3200" b="0" strike="noStrike" spc="-1">
+                <a:solidFill>
+                  <a:srgbClr val="1F4E79"/>
+                </a:solidFill>
+                <a:latin typeface="Arial"/>
+                <a:ea typeface="DejaVu Sans"/>
+              </a:rPr>
+              <a:t>. Disponível em: </a:t>
+            </a:r>
+            <a:r>
+              <a:rPr lang="pt-BR" sz="3200" b="0" u="sng" strike="noStrike" spc="-1">
+                <a:solidFill>
+                  <a:srgbClr val="0563C1"/>
+                </a:solidFill>
+                <a:uFillTx/>
+                <a:latin typeface="Arial"/>
+                <a:ea typeface="DejaVu Sans"/>
+                <a:hlinkClick r:id="rId3"/>
+              </a:rPr>
+              <a:t>https://nodejs.org/en/about/</a:t>
+            </a:r>
+            <a:r>
+              <a:rPr lang="pt-BR" sz="3200" b="0" strike="noStrike" spc="-1">
+                <a:solidFill>
+                  <a:srgbClr val="1F4E79"/>
+                </a:solidFill>
+                <a:latin typeface="Arial"/>
+                <a:ea typeface="DejaVu Sans"/>
+              </a:rPr>
+              <a:t>.</a:t>
+            </a:r>
+            <a:endParaRPr lang="pt-BR" sz="3200" b="0" strike="noStrike" spc="-1">
+              <a:latin typeface="Arial"/>
+            </a:endParaRPr>
+          </a:p>
+          <a:p>
+            <a:pPr marL="514440" indent="-510480">
+              <a:lnSpc>
+                <a:spcPct val="100000"/>
+              </a:lnSpc>
+              <a:spcBef>
+                <a:spcPts val="1001"/>
+              </a:spcBef>
+              <a:spcAft>
+                <a:spcPts val="1001"/>
+              </a:spcAft>
+              <a:buClr>
+                <a:srgbClr val="1F4E79"/>
+              </a:buClr>
+              <a:buFont typeface="Calibri Light"/>
+              <a:buAutoNum type="arabicPeriod"/>
+            </a:pPr>
+            <a:r>
+              <a:rPr lang="pt-BR" sz="3200" b="0" strike="noStrike" spc="-1">
+                <a:solidFill>
+                  <a:srgbClr val="1F4E79"/>
+                </a:solidFill>
+                <a:latin typeface="Arial"/>
+                <a:ea typeface="DejaVu Sans"/>
+              </a:rPr>
+              <a:t>Node.js. </a:t>
+            </a:r>
+            <a:r>
+              <a:rPr lang="pt-BR" sz="3200" b="1" strike="noStrike" spc="-1">
+                <a:solidFill>
+                  <a:srgbClr val="1F4E79"/>
+                </a:solidFill>
+                <a:latin typeface="Arial"/>
+                <a:ea typeface="DejaVu Sans"/>
+              </a:rPr>
+              <a:t>Download</a:t>
+            </a:r>
+            <a:r>
+              <a:rPr lang="pt-BR" sz="3200" b="0" strike="noStrike" spc="-1">
+                <a:solidFill>
+                  <a:srgbClr val="1F4E79"/>
+                </a:solidFill>
+                <a:latin typeface="Arial"/>
+                <a:ea typeface="DejaVu Sans"/>
+              </a:rPr>
+              <a:t>. Disponível em: </a:t>
+            </a:r>
+            <a:r>
+              <a:rPr lang="pt-BR" sz="3200" b="0" u="sng" strike="noStrike" spc="-1">
+                <a:solidFill>
+                  <a:srgbClr val="0563C1"/>
+                </a:solidFill>
+                <a:uFillTx/>
+                <a:latin typeface="Arial"/>
+                <a:ea typeface="DejaVu Sans"/>
+                <a:hlinkClick r:id="rId4"/>
+              </a:rPr>
+              <a:t>https://nodejs.org/en/download/</a:t>
+            </a:r>
+            <a:r>
+              <a:rPr lang="pt-BR" sz="3200" b="0" strike="noStrike" spc="-1">
+                <a:solidFill>
+                  <a:srgbClr val="1F4E79"/>
+                </a:solidFill>
+                <a:latin typeface="Arial"/>
+                <a:ea typeface="DejaVu Sans"/>
+              </a:rPr>
+              <a:t>.</a:t>
+            </a:r>
+            <a:endParaRPr lang="pt-BR" sz="3200" b="0" strike="noStrike" spc="-1">
+              <a:latin typeface="Arial"/>
+            </a:endParaRPr>
+          </a:p>
+          <a:p>
+            <a:pPr marL="514440" indent="-510480">
+              <a:lnSpc>
+                <a:spcPct val="100000"/>
+              </a:lnSpc>
+              <a:spcBef>
+                <a:spcPts val="1001"/>
+              </a:spcBef>
+              <a:spcAft>
+                <a:spcPts val="1001"/>
+              </a:spcAft>
+              <a:buClr>
+                <a:srgbClr val="1F4E79"/>
+              </a:buClr>
+              <a:buFont typeface="Calibri Light"/>
+              <a:buAutoNum type="arabicPeriod"/>
+            </a:pPr>
+            <a:r>
+              <a:rPr lang="pt-BR" sz="3200" b="0" strike="noStrike" spc="-1">
+                <a:solidFill>
+                  <a:srgbClr val="1F4E79"/>
+                </a:solidFill>
+                <a:latin typeface="Arial"/>
+                <a:ea typeface="DejaVu Sans"/>
+              </a:rPr>
+              <a:t>Yarn. </a:t>
+            </a:r>
+            <a:r>
+              <a:rPr lang="pt-BR" sz="3200" b="1" strike="noStrike" spc="-1">
+                <a:solidFill>
+                  <a:srgbClr val="1F4E79"/>
+                </a:solidFill>
+                <a:latin typeface="Arial"/>
+                <a:ea typeface="DejaVu Sans"/>
+              </a:rPr>
+              <a:t>Introduction</a:t>
+            </a:r>
+            <a:r>
+              <a:rPr lang="pt-BR" sz="3200" b="0" strike="noStrike" spc="-1">
+                <a:solidFill>
+                  <a:srgbClr val="1F4E79"/>
+                </a:solidFill>
+                <a:latin typeface="Arial"/>
+                <a:ea typeface="DejaVu Sans"/>
+              </a:rPr>
+              <a:t>. Disponível em: </a:t>
+            </a:r>
+            <a:r>
+              <a:rPr lang="pt-BR" sz="3200" b="0" u="sng" strike="noStrike" spc="-1">
+                <a:solidFill>
+                  <a:srgbClr val="0563C1"/>
+                </a:solidFill>
+                <a:uFillTx/>
+                <a:latin typeface="Arial"/>
+                <a:ea typeface="DejaVu Sans"/>
+                <a:hlinkClick r:id="rId5"/>
+              </a:rPr>
+              <a:t>https://yarnpkg.com/getting-started</a:t>
+            </a:r>
+            <a:r>
+              <a:rPr lang="pt-BR" sz="3200" b="0" strike="noStrike" spc="-1">
+                <a:solidFill>
+                  <a:srgbClr val="1F4E79"/>
+                </a:solidFill>
+                <a:latin typeface="Arial"/>
+                <a:ea typeface="DejaVu Sans"/>
+              </a:rPr>
+              <a:t>.</a:t>
+            </a:r>
+            <a:endParaRPr lang="pt-BR" sz="3200" b="0" strike="noStrike" spc="-1">
+              <a:latin typeface="Arial"/>
+            </a:endParaRPr>
+          </a:p>
+          <a:p>
+            <a:pPr marL="514440" indent="-510480">
+              <a:lnSpc>
+                <a:spcPct val="100000"/>
+              </a:lnSpc>
+              <a:spcBef>
+                <a:spcPts val="1001"/>
+              </a:spcBef>
+              <a:spcAft>
+                <a:spcPts val="1001"/>
+              </a:spcAft>
+              <a:buClr>
+                <a:srgbClr val="1F4E79"/>
+              </a:buClr>
+              <a:buFont typeface="Calibri Light"/>
+              <a:buAutoNum type="arabicPeriod"/>
+            </a:pPr>
+            <a:r>
+              <a:rPr lang="pt-BR" sz="3200" b="0" strike="noStrike" spc="-1">
+                <a:solidFill>
+                  <a:srgbClr val="1F4E79"/>
+                </a:solidFill>
+                <a:latin typeface="Arial"/>
+                <a:ea typeface="DejaVu Sans"/>
+              </a:rPr>
+              <a:t>Yarn. </a:t>
+            </a:r>
+            <a:r>
+              <a:rPr lang="pt-BR" sz="3200" b="1" strike="noStrike" spc="-1">
+                <a:solidFill>
+                  <a:srgbClr val="1F4E79"/>
+                </a:solidFill>
+                <a:latin typeface="Arial"/>
+                <a:ea typeface="DejaVu Sans"/>
+              </a:rPr>
+              <a:t>Installation</a:t>
+            </a:r>
+            <a:r>
+              <a:rPr lang="pt-BR" sz="3200" b="0" strike="noStrike" spc="-1">
+                <a:solidFill>
+                  <a:srgbClr val="1F4E79"/>
+                </a:solidFill>
+                <a:latin typeface="Arial"/>
+                <a:ea typeface="DejaVu Sans"/>
+              </a:rPr>
+              <a:t>. Disponível em: </a:t>
+            </a:r>
+            <a:r>
+              <a:rPr lang="pt-BR" sz="3200" b="0" u="sng" strike="noStrike" spc="-1">
+                <a:solidFill>
+                  <a:srgbClr val="0563C1"/>
+                </a:solidFill>
+                <a:uFillTx/>
+                <a:latin typeface="Arial"/>
+                <a:ea typeface="DejaVu Sans"/>
+                <a:hlinkClick r:id="rId6"/>
+              </a:rPr>
+              <a:t>https://classic.yarnpkg.com/en/docs/install#windows-stable</a:t>
+            </a:r>
+            <a:r>
+              <a:rPr lang="pt-BR" sz="3200" b="0" strike="noStrike" spc="-1">
+                <a:solidFill>
+                  <a:srgbClr val="1F4E79"/>
+                </a:solidFill>
+                <a:latin typeface="Arial"/>
+                <a:ea typeface="DejaVu Sans"/>
+              </a:rPr>
+              <a:t>.</a:t>
+            </a:r>
+            <a:endParaRPr lang="pt-BR" sz="3200" b="0" strike="noStrike" spc="-1">
+              <a:latin typeface="Arial"/>
+            </a:endParaRPr>
+          </a:p>
+          <a:p>
+            <a:pPr marL="514440" indent="-510480">
+              <a:lnSpc>
+                <a:spcPct val="100000"/>
+              </a:lnSpc>
+              <a:spcBef>
+                <a:spcPts val="1001"/>
+              </a:spcBef>
+              <a:spcAft>
+                <a:spcPts val="1001"/>
+              </a:spcAft>
+              <a:buClr>
+                <a:srgbClr val="1F4E79"/>
+              </a:buClr>
+              <a:buFont typeface="Calibri Light"/>
+              <a:buAutoNum type="arabicPeriod"/>
+            </a:pPr>
+            <a:r>
+              <a:rPr lang="pt-BR" sz="3200" b="0" strike="noStrike" spc="-1">
+                <a:solidFill>
+                  <a:srgbClr val="1F4E79"/>
+                </a:solidFill>
+                <a:latin typeface="Arial"/>
+                <a:ea typeface="DejaVu Sans"/>
+              </a:rPr>
+              <a:t>Express. </a:t>
+            </a:r>
+            <a:r>
+              <a:rPr lang="pt-BR" sz="3200" b="1" strike="noStrike" spc="-1">
+                <a:solidFill>
+                  <a:srgbClr val="1F4E79"/>
+                </a:solidFill>
+                <a:latin typeface="Arial"/>
+                <a:ea typeface="DejaVu Sans"/>
+              </a:rPr>
+              <a:t>Installing</a:t>
+            </a:r>
+            <a:r>
+              <a:rPr lang="pt-BR" sz="3200" b="0" strike="noStrike" spc="-1">
+                <a:solidFill>
+                  <a:srgbClr val="1F4E79"/>
+                </a:solidFill>
+                <a:latin typeface="Arial"/>
+                <a:ea typeface="DejaVu Sans"/>
+              </a:rPr>
+              <a:t>. Disponível em: </a:t>
+            </a:r>
+            <a:r>
+              <a:rPr lang="pt-BR" sz="3200" b="0" u="sng" strike="noStrike" spc="-1">
+                <a:solidFill>
+                  <a:srgbClr val="0563C1"/>
+                </a:solidFill>
+                <a:uFillTx/>
+                <a:latin typeface="Arial"/>
+                <a:ea typeface="DejaVu Sans"/>
+                <a:hlinkClick r:id="rId7"/>
+              </a:rPr>
+              <a:t>https://expressjs.com/en/starter/installing.html</a:t>
+            </a:r>
+            <a:endParaRPr lang="pt-BR" sz="3200" b="0" strike="noStrike" spc="-1">
+              <a:latin typeface="Arial"/>
+            </a:endParaRPr>
+          </a:p>
+        </p:txBody>
+      </p:sp>
+    </p:spTree>
+  </p:cSld>
+  <p:clrMapOvr>
+    <a:masterClrMapping/>
+  </p:clrMapOvr>
+</p:sld>
+</file>
+
+<file path=ppt/slides/slide55.xml><?xml version="1.0" encoding="utf-8"?>
+<p:sld xmlns:a="http://schemas.openxmlformats.org/drawingml/2006/main" xmlns:r="http://schemas.openxmlformats.org/officeDocument/2006/relationships" xmlns:p="http://schemas.openxmlformats.org/presentationml/2006/main">
+  <p:cSld>
+    <p:spTree>
+      <p:nvGrpSpPr>
+        <p:cNvPr id="1" name=""/>
+        <p:cNvGrpSpPr/>
+        <p:nvPr/>
+      </p:nvGrpSpPr>
+      <p:grpSpPr>
+        <a:xfrm>
+          <a:off x="0" y="0"/>
+          <a:ext cx="0" cy="0"/>
+          <a:chOff x="0" y="0"/>
+          <a:chExt cx="0" cy="0"/>
+        </a:xfrm>
+      </p:grpSpPr>
+      <p:sp>
+        <p:nvSpPr>
+          <p:cNvPr id="177" name="CustomShape 1"/>
+          <p:cNvSpPr/>
+          <p:nvPr/>
+        </p:nvSpPr>
+        <p:spPr>
+          <a:xfrm>
+            <a:off x="0" y="224280"/>
+            <a:ext cx="12019320" cy="854640"/>
+          </a:xfrm>
+          <a:prstGeom prst="rect">
+            <a:avLst/>
+          </a:prstGeom>
+          <a:noFill/>
+          <a:ln>
+            <a:noFill/>
+          </a:ln>
+        </p:spPr>
+        <p:style>
+          <a:lnRef idx="0">
+            <a:scrgbClr r="0" g="0" b="0"/>
+          </a:lnRef>
+          <a:fillRef idx="0">
+            <a:scrgbClr r="0" g="0" b="0"/>
+          </a:fillRef>
+          <a:effectRef idx="0">
+            <a:scrgbClr r="0" g="0" b="0"/>
+          </a:effectRef>
+          <a:fontRef idx="minor"/>
+        </p:style>
+        <p:txBody>
+          <a:bodyPr lIns="90000" tIns="45000" rIns="90000" bIns="45000" anchor="ctr">
+            <a:noAutofit/>
+          </a:bodyPr>
+          <a:lstStyle/>
+          <a:p>
+            <a:pPr algn="ctr">
+              <a:lnSpc>
+                <a:spcPct val="90000"/>
+              </a:lnSpc>
+            </a:pPr>
+            <a:r>
+              <a:rPr lang="pt-BR" sz="5400" b="0" strike="noStrike" spc="-1">
+                <a:solidFill>
+                  <a:srgbClr val="1F4E79"/>
+                </a:solidFill>
+                <a:latin typeface="Arial"/>
+                <a:ea typeface="DejaVu Sans"/>
+              </a:rPr>
+              <a:t>Referências</a:t>
+            </a:r>
+            <a:endParaRPr lang="pt-BR" sz="5400" b="0" strike="noStrike" spc="-1">
+              <a:latin typeface="Arial"/>
+            </a:endParaRPr>
+          </a:p>
+        </p:txBody>
+      </p:sp>
+      <p:sp>
+        <p:nvSpPr>
+          <p:cNvPr id="178" name="CustomShape 2"/>
+          <p:cNvSpPr/>
+          <p:nvPr/>
+        </p:nvSpPr>
+        <p:spPr>
+          <a:xfrm>
+            <a:off x="317520" y="1290960"/>
+            <a:ext cx="11701440" cy="4347360"/>
+          </a:xfrm>
+          <a:prstGeom prst="rect">
+            <a:avLst/>
+          </a:prstGeom>
+          <a:noFill/>
+          <a:ln>
+            <a:noFill/>
+          </a:ln>
+        </p:spPr>
+        <p:style>
+          <a:lnRef idx="0">
+            <a:scrgbClr r="0" g="0" b="0"/>
+          </a:lnRef>
+          <a:fillRef idx="0">
+            <a:scrgbClr r="0" g="0" b="0"/>
+          </a:fillRef>
+          <a:effectRef idx="0">
+            <a:scrgbClr r="0" g="0" b="0"/>
+          </a:effectRef>
+          <a:fontRef idx="minor"/>
+        </p:style>
+        <p:txBody>
+          <a:bodyPr lIns="90000" tIns="45000" rIns="90000" bIns="45000">
+            <a:normAutofit/>
+          </a:bodyPr>
+          <a:lstStyle/>
+          <a:p>
+            <a:pPr marL="516240" indent="-512280">
+              <a:lnSpc>
+                <a:spcPct val="100000"/>
+              </a:lnSpc>
+              <a:spcBef>
+                <a:spcPts val="1001"/>
+              </a:spcBef>
+              <a:spcAft>
+                <a:spcPts val="1001"/>
+              </a:spcAft>
+              <a:buClr>
+                <a:srgbClr val="1F4E79"/>
+              </a:buClr>
+              <a:buFont typeface="Arial"/>
+              <a:buAutoNum type="arabicPeriod" startAt="6"/>
+            </a:pPr>
+            <a:r>
+              <a:rPr lang="pt-BR" sz="3200" b="0" strike="noStrike" spc="-1">
+                <a:solidFill>
+                  <a:srgbClr val="1F4E79"/>
+                </a:solidFill>
+                <a:latin typeface="Arial"/>
+                <a:ea typeface="DejaVu Sans"/>
+              </a:rPr>
+              <a:t>NPM. </a:t>
+            </a:r>
+            <a:r>
+              <a:rPr lang="pt-BR" sz="3200" b="1" strike="noStrike" spc="-1">
+                <a:solidFill>
+                  <a:srgbClr val="1F4E79"/>
+                </a:solidFill>
+                <a:latin typeface="Arial"/>
+                <a:ea typeface="DejaVu Sans"/>
+              </a:rPr>
+              <a:t>Nodemon</a:t>
+            </a:r>
+            <a:r>
+              <a:rPr lang="pt-BR" sz="3200" b="0" strike="noStrike" spc="-1">
+                <a:solidFill>
+                  <a:srgbClr val="1F4E79"/>
+                </a:solidFill>
+                <a:latin typeface="Arial"/>
+                <a:ea typeface="DejaVu Sans"/>
+              </a:rPr>
+              <a:t>. Disponível em: </a:t>
+            </a:r>
+            <a:r>
+              <a:rPr lang="pt-BR" sz="3200" b="0" u="sng" strike="noStrike" spc="-1">
+                <a:solidFill>
+                  <a:srgbClr val="0563C1"/>
+                </a:solidFill>
+                <a:uFillTx/>
+                <a:latin typeface="Arial"/>
+                <a:ea typeface="DejaVu Sans"/>
+                <a:hlinkClick r:id="rId3"/>
+              </a:rPr>
+              <a:t>https://www.npmjs.com/package/nodemon</a:t>
+            </a:r>
+            <a:endParaRPr lang="pt-BR" sz="3200" b="0" strike="noStrike" spc="-1">
+              <a:latin typeface="Arial"/>
+            </a:endParaRPr>
+          </a:p>
+          <a:p>
+            <a:pPr marL="516240" indent="-512280">
+              <a:lnSpc>
+                <a:spcPct val="100000"/>
+              </a:lnSpc>
+              <a:spcBef>
+                <a:spcPts val="1001"/>
+              </a:spcBef>
+              <a:spcAft>
+                <a:spcPts val="1001"/>
+              </a:spcAft>
+              <a:buClr>
+                <a:srgbClr val="1F4E79"/>
+              </a:buClr>
+              <a:buFont typeface="Arial"/>
+              <a:buAutoNum type="arabicPeriod" startAt="6"/>
+            </a:pPr>
+            <a:r>
+              <a:rPr lang="pt-BR" sz="3200" b="0" strike="noStrike" spc="-1">
+                <a:solidFill>
+                  <a:srgbClr val="1F4E79"/>
+                </a:solidFill>
+                <a:latin typeface="Arial"/>
+                <a:ea typeface="DejaVu Sans"/>
+              </a:rPr>
+              <a:t>MDN Web Docs Mozilla. </a:t>
+            </a:r>
+            <a:r>
+              <a:rPr lang="pt-BR" sz="3200" b="1" strike="noStrike" spc="-1">
+                <a:solidFill>
+                  <a:srgbClr val="1F4E79"/>
+                </a:solidFill>
+                <a:latin typeface="Arial"/>
+                <a:ea typeface="DejaVu Sans"/>
+              </a:rPr>
+              <a:t>Métodos de requisição HTTP</a:t>
+            </a:r>
+            <a:r>
+              <a:rPr lang="pt-BR" sz="3200" b="0" strike="noStrike" spc="-1">
+                <a:solidFill>
+                  <a:srgbClr val="1F4E79"/>
+                </a:solidFill>
+                <a:latin typeface="Arial"/>
+                <a:ea typeface="DejaVu Sans"/>
+              </a:rPr>
+              <a:t>. Disponível em: </a:t>
+            </a:r>
+            <a:r>
+              <a:rPr lang="pt-BR" sz="3200" b="0" u="sng" strike="noStrike" spc="-1">
+                <a:solidFill>
+                  <a:srgbClr val="0563C1"/>
+                </a:solidFill>
+                <a:uFillTx/>
+                <a:latin typeface="Arial"/>
+                <a:ea typeface="DejaVu Sans"/>
+                <a:hlinkClick r:id="rId4"/>
+              </a:rPr>
+              <a:t>https://developer.mozilla.org/pt-BR/docs/Web/HTTP/Methods</a:t>
+            </a:r>
+            <a:r>
+              <a:rPr lang="pt-BR" sz="3200" b="0" strike="noStrike" spc="-1">
+                <a:solidFill>
+                  <a:srgbClr val="1F4E79"/>
+                </a:solidFill>
+                <a:latin typeface="Arial"/>
+                <a:ea typeface="DejaVu Sans"/>
+              </a:rPr>
+              <a:t>.</a:t>
+            </a:r>
+            <a:endParaRPr lang="pt-BR" sz="3200" b="0" strike="noStrike" spc="-1">
+              <a:latin typeface="Arial"/>
+            </a:endParaRPr>
+          </a:p>
+          <a:p>
+            <a:pPr marL="516240" indent="-512280">
+              <a:lnSpc>
+                <a:spcPct val="100000"/>
+              </a:lnSpc>
+              <a:spcBef>
+                <a:spcPts val="1001"/>
+              </a:spcBef>
+              <a:spcAft>
+                <a:spcPts val="1001"/>
+              </a:spcAft>
+              <a:buClr>
+                <a:srgbClr val="1F4E79"/>
+              </a:buClr>
+              <a:buFont typeface="Arial"/>
+              <a:buAutoNum type="arabicPeriod" startAt="6"/>
+            </a:pPr>
+            <a:r>
+              <a:rPr lang="pt-BR" sz="3200" b="0" strike="noStrike" spc="-1">
+                <a:solidFill>
+                  <a:srgbClr val="1F4E79"/>
+                </a:solidFill>
+                <a:latin typeface="Arial"/>
+                <a:ea typeface="DejaVu Sans"/>
+              </a:rPr>
+              <a:t>Insomnia. </a:t>
+            </a:r>
+            <a:r>
+              <a:rPr lang="pt-BR" sz="3200" b="1" strike="noStrike" spc="-1">
+                <a:solidFill>
+                  <a:srgbClr val="1F4E79"/>
+                </a:solidFill>
+                <a:latin typeface="Arial"/>
+                <a:ea typeface="DejaVu Sans"/>
+              </a:rPr>
+              <a:t>Download Insomnia</a:t>
+            </a:r>
+            <a:r>
+              <a:rPr lang="pt-BR" sz="3200" b="0" strike="noStrike" spc="-1">
+                <a:solidFill>
+                  <a:srgbClr val="1F4E79"/>
+                </a:solidFill>
+                <a:latin typeface="Arial"/>
+                <a:ea typeface="DejaVu Sans"/>
+              </a:rPr>
+              <a:t>. Disponível em: </a:t>
+            </a:r>
+            <a:r>
+              <a:rPr lang="pt-BR" sz="3200" b="0" u="sng" strike="noStrike" spc="-1">
+                <a:solidFill>
+                  <a:srgbClr val="0563C1"/>
+                </a:solidFill>
+                <a:uFillTx/>
+                <a:latin typeface="Arial"/>
+                <a:ea typeface="DejaVu Sans"/>
+                <a:hlinkClick r:id="rId5"/>
+              </a:rPr>
+              <a:t>https://insomnia.rest/download</a:t>
+            </a:r>
+            <a:endParaRPr lang="pt-BR" sz="3200" b="0" strike="noStrike" spc="-1">
+              <a:latin typeface="Arial"/>
+            </a:endParaRPr>
+          </a:p>
+          <a:p>
+            <a:pPr>
+              <a:lnSpc>
+                <a:spcPct val="100000"/>
+              </a:lnSpc>
+              <a:spcBef>
+                <a:spcPts val="1001"/>
+              </a:spcBef>
+              <a:spcAft>
+                <a:spcPts val="1001"/>
+              </a:spcAft>
+            </a:pPr>
+            <a:endParaRPr lang="pt-BR" sz="3200" b="0" strike="noStrike" spc="-1">
+              <a:latin typeface="Arial"/>
+            </a:endParaRPr>
+          </a:p>
+          <a:p>
+            <a:pPr marL="1800">
+              <a:lnSpc>
+                <a:spcPct val="100000"/>
+              </a:lnSpc>
+              <a:spcBef>
+                <a:spcPts val="1001"/>
+              </a:spcBef>
+              <a:spcAft>
+                <a:spcPts val="1001"/>
+              </a:spcAft>
+            </a:pPr>
+            <a:endParaRPr lang="pt-BR" sz="3200" b="0" strike="noStrike" spc="-1">
+              <a:latin typeface="Arial"/>
+            </a:endParaRPr>
+          </a:p>
+          <a:p>
+            <a:pPr marL="1800">
+              <a:lnSpc>
+                <a:spcPct val="100000"/>
+              </a:lnSpc>
+              <a:spcBef>
+                <a:spcPts val="1001"/>
+              </a:spcBef>
+              <a:spcAft>
+                <a:spcPts val="1001"/>
+              </a:spcAft>
+            </a:pPr>
+            <a:endParaRPr lang="pt-BR" sz="3200" b="0" strike="noStrike" spc="-1">
+              <a:latin typeface="Arial"/>
+            </a:endParaRPr>
+          </a:p>
+        </p:txBody>
+      </p:sp>
+    </p:spTree>
+  </p:cSld>
+  <p:clrMapOvr>
+    <a:masterClrMapping/>
+  </p:clrMapOvr>
+</p:sld>
+</file>
+
+<file path=ppt/slides/slide56.xml><?xml version="1.0" encoding="utf-8"?>
+<p:sld xmlns:a="http://schemas.openxmlformats.org/drawingml/2006/main" xmlns:r="http://schemas.openxmlformats.org/officeDocument/2006/relationships" xmlns:p="http://schemas.openxmlformats.org/presentationml/2006/main">
+  <p:cSld>
+    <p:spTree>
+      <p:nvGrpSpPr>
+        <p:cNvPr id="1" name=""/>
+        <p:cNvGrpSpPr/>
+        <p:nvPr/>
+      </p:nvGrpSpPr>
+      <p:grpSpPr>
+        <a:xfrm>
+          <a:off x="0" y="0"/>
+          <a:ext cx="0" cy="0"/>
+          <a:chOff x="0" y="0"/>
+          <a:chExt cx="0" cy="0"/>
+        </a:xfrm>
+      </p:grpSpPr>
+      <p:sp>
+        <p:nvSpPr>
+          <p:cNvPr id="179" name="CustomShape 1"/>
+          <p:cNvSpPr/>
+          <p:nvPr/>
+        </p:nvSpPr>
+        <p:spPr>
+          <a:xfrm>
+            <a:off x="0" y="224280"/>
+            <a:ext cx="12019320" cy="854640"/>
+          </a:xfrm>
+          <a:prstGeom prst="rect">
+            <a:avLst/>
+          </a:prstGeom>
+          <a:noFill/>
+          <a:ln>
+            <a:noFill/>
+          </a:ln>
+        </p:spPr>
+        <p:style>
+          <a:lnRef idx="0">
+            <a:scrgbClr r="0" g="0" b="0"/>
+          </a:lnRef>
+          <a:fillRef idx="0">
+            <a:scrgbClr r="0" g="0" b="0"/>
+          </a:fillRef>
+          <a:effectRef idx="0">
+            <a:scrgbClr r="0" g="0" b="0"/>
+          </a:effectRef>
+          <a:fontRef idx="minor"/>
+        </p:style>
+        <p:txBody>
+          <a:bodyPr lIns="90000" tIns="45000" rIns="90000" bIns="45000" anchor="ctr">
+            <a:noAutofit/>
+          </a:bodyPr>
+          <a:lstStyle/>
+          <a:p>
+            <a:pPr algn="ctr">
+              <a:lnSpc>
+                <a:spcPct val="90000"/>
+              </a:lnSpc>
+            </a:pPr>
+            <a:r>
+              <a:rPr lang="pt-BR" sz="5400" b="0" strike="noStrike" spc="-1">
+                <a:solidFill>
+                  <a:srgbClr val="1F4E79"/>
+                </a:solidFill>
+                <a:latin typeface="Arial"/>
+                <a:ea typeface="DejaVu Sans"/>
+              </a:rPr>
+              <a:t>Referências</a:t>
+            </a:r>
+            <a:endParaRPr lang="pt-BR" sz="5400" b="0" strike="noStrike" spc="-1">
+              <a:latin typeface="Arial"/>
+            </a:endParaRPr>
+          </a:p>
+        </p:txBody>
+      </p:sp>
+      <p:sp>
+        <p:nvSpPr>
+          <p:cNvPr id="180" name="CustomShape 2"/>
+          <p:cNvSpPr/>
+          <p:nvPr/>
+        </p:nvSpPr>
+        <p:spPr>
+          <a:xfrm>
+            <a:off x="317520" y="1290960"/>
+            <a:ext cx="11701440" cy="4347360"/>
+          </a:xfrm>
+          <a:prstGeom prst="rect">
+            <a:avLst/>
+          </a:prstGeom>
+          <a:noFill/>
+          <a:ln>
+            <a:noFill/>
+          </a:ln>
+        </p:spPr>
+        <p:style>
+          <a:lnRef idx="0">
+            <a:scrgbClr r="0" g="0" b="0"/>
+          </a:lnRef>
+          <a:fillRef idx="0">
+            <a:scrgbClr r="0" g="0" b="0"/>
+          </a:fillRef>
+          <a:effectRef idx="0">
+            <a:scrgbClr r="0" g="0" b="0"/>
+          </a:effectRef>
+          <a:fontRef idx="minor"/>
+        </p:style>
+        <p:txBody>
+          <a:bodyPr lIns="90000" tIns="45000" rIns="90000" bIns="45000">
+            <a:normAutofit lnSpcReduction="10000"/>
+          </a:bodyPr>
+          <a:lstStyle/>
+          <a:p>
             <a:pPr marL="516240" indent="-512280">
               <a:lnSpc>
                 <a:spcPct val="100000"/>
@@ -24666,27 +28958,37 @@
               <a:buAutoNum type="arabicPeriod" startAt="9"/>
             </a:pPr>
             <a:r>
-              <a:rPr lang="pt-BR" sz="3200" b="0" strike="noStrike" spc="-1">
+              <a:rPr lang="pt-BR" sz="3200" b="0" strike="noStrike" spc="-1" dirty="0" err="1">
                 <a:solidFill>
                   <a:srgbClr val="1F4E79"/>
                 </a:solidFill>
                 <a:latin typeface="Arial"/>
                 <a:ea typeface="DejaVu Sans"/>
               </a:rPr>
-              <a:t>Rocketseat. </a:t>
-            </a:r>
-            <a:r>
-              <a:rPr lang="pt-BR" sz="3200" b="1" strike="noStrike" spc="-1">
+              <a:t>Rocketseat</a:t>
+            </a:r>
+            <a:r>
+              <a:rPr lang="pt-BR" sz="3200" b="0" strike="noStrike" spc="-1" dirty="0">
                 <a:solidFill>
                   <a:srgbClr val="1F4E79"/>
                 </a:solidFill>
                 <a:latin typeface="Arial"/>
                 <a:ea typeface="DejaVu Sans"/>
               </a:rPr>
+              <a:t>. </a:t>
+            </a:r>
+            <a:r>
+              <a:rPr lang="pt-BR" sz="3200" b="1" strike="noStrike" spc="-1" dirty="0">
+                <a:solidFill>
+                  <a:srgbClr val="1F4E79"/>
+                </a:solidFill>
+                <a:latin typeface="Arial"/>
+                <a:ea typeface="DejaVu Sans"/>
+              </a:rPr>
               <a:t>Tipos de Parâmetros nas requisições REST</a:t>
             </a:r>
             <a:r>
-              <a:rPr lang="pt-BR" sz="3200" b="0" strike="noStrike" spc="-1">
+              <a:rPr lang="pt-BR" sz="3200" b="0" strike="noStrike" spc="-1" dirty="0">
                 <a:solidFill>
                   <a:srgbClr val="1F4E79"/>
                 </a:solidFill>
@@ -24696,7 +28998,7 @@
               <a:t>. Disponível em: </a:t>
             </a:r>
             <a:r>
-              <a:rPr lang="pt-BR" sz="3200" b="0" u="sng" strike="noStrike" spc="-1">
+              <a:rPr lang="pt-BR" sz="3200" b="0" u="sng" strike="noStrike" spc="-1" dirty="0">
                 <a:solidFill>
                   <a:srgbClr val="0563C1"/>
                 </a:solidFill>
@@ -24707,7 +29009,7 @@
               </a:rPr>
               <a:t>https://blog.rocketseat.com.br/tipos-de-parametros-nas-requisicoes-rest/</a:t>
             </a:r>
-            <a:endParaRPr lang="pt-BR" sz="3200" b="0" strike="noStrike" spc="-1">
+            <a:endParaRPr lang="pt-BR" sz="3200" b="0" strike="noStrike" spc="-1" dirty="0">
               <a:latin typeface="Arial"/>
             </a:endParaRPr>
           </a:p>
@@ -24729,41 +29031,76 @@
               <a:buAutoNum type="arabicPeriod" startAt="9"/>
             </a:pPr>
             <a:r>
-              <a:rPr lang="pt-BR" sz="3200" b="0" strike="noStrike" spc="-1">
+              <a:rPr lang="pt-BR" sz="3200" b="0" strike="noStrike" spc="-1" dirty="0" err="1">
                 <a:solidFill>
                   <a:srgbClr val="1F4E79"/>
                 </a:solidFill>
                 <a:latin typeface="Arial"/>
                 <a:ea typeface="DejaVu Sans"/>
               </a:rPr>
-              <a:t>Sequelize. </a:t>
-            </a:r>
-            <a:r>
-              <a:rPr lang="pt-BR" sz="3200" b="1" strike="noStrike" spc="-1">
+              <a:t>Sequelize</a:t>
+            </a:r>
+            <a:r>
+              <a:rPr lang="pt-BR" sz="3200" b="0" strike="noStrike" spc="-1" dirty="0">
                 <a:solidFill>
                   <a:srgbClr val="1F4E79"/>
                 </a:solidFill>
                 <a:latin typeface="Arial"/>
                 <a:ea typeface="DejaVu Sans"/>
               </a:rPr>
-              <a:t>API Reference</a:t>
-            </a:r>
-            <a:r>
-              <a:rPr lang="pt-BR" sz="3200" b="0" strike="noStrike" spc="-1">
+              <a:t>. </a:t>
+            </a:r>
+            <a:r>
+              <a:rPr lang="pt-BR" sz="3200" b="1" strike="noStrike" spc="-1" dirty="0">
                 <a:solidFill>
                   <a:srgbClr val="1F4E79"/>
                 </a:solidFill>
                 <a:latin typeface="Arial"/>
                 <a:ea typeface="DejaVu Sans"/>
               </a:rPr>
-              <a:t>. Disponível em: https://sequelize.org/master/index.html</a:t>
-            </a:r>
-            <a:endParaRPr lang="pt-BR" sz="3200" b="0" strike="noStrike" spc="-1">
-              <a:latin typeface="Arial"/>
-            </a:endParaRPr>
-          </a:p>
-          <a:p>
-            <a:pPr marL="1800">
+              <a:t>API </a:t>
+            </a:r>
+            <a:r>
+              <a:rPr lang="pt-BR" sz="3200" b="1" strike="noStrike" spc="-1" dirty="0" err="1">
+                <a:solidFill>
+                  <a:srgbClr val="1F4E79"/>
+                </a:solidFill>
+                <a:latin typeface="Arial"/>
+                <a:ea typeface="DejaVu Sans"/>
+              </a:rPr>
+              <a:t>Reference</a:t>
+            </a:r>
+            <a:r>
+              <a:rPr lang="pt-BR" sz="3200" b="0" strike="noStrike" spc="-1" dirty="0">
+                <a:solidFill>
+                  <a:srgbClr val="1F4E79"/>
+                </a:solidFill>
+                <a:latin typeface="Arial"/>
+                <a:ea typeface="DejaVu Sans"/>
+              </a:rPr>
+              <a:t>. Disponível em: </a:t>
+            </a:r>
+            <a:r>
+              <a:rPr lang="pt-BR" sz="3200" b="0" strike="noStrike" spc="-1" dirty="0">
+                <a:solidFill>
+                  <a:srgbClr val="1F4E79"/>
+                </a:solidFill>
+                <a:latin typeface="Arial"/>
+                <a:ea typeface="DejaVu Sans"/>
+                <a:hlinkClick r:id="rId4"/>
+              </a:rPr>
+              <a:t>https://sequelize.org/master/index.html</a:t>
+            </a:r>
+            <a:endParaRPr lang="pt-BR" sz="3200" b="0" strike="noStrike" spc="-1" dirty="0">
+              <a:solidFill>
+                <a:srgbClr val="1F4E79"/>
+              </a:solidFill>
+              <a:latin typeface="Arial"/>
+              <a:ea typeface="DejaVu Sans"/>
+            </a:endParaRPr>
+          </a:p>
+          <a:p>
+            <a:pPr marL="516240" indent="-512280">
               <a:lnSpc>
                 <a:spcPct val="100000"/>
               </a:lnSpc>
@@ -24773,8 +29110,121 @@
               <a:spcAft>
                 <a:spcPts val="1001"/>
               </a:spcAft>
-            </a:pPr>
-            <a:endParaRPr lang="pt-BR" sz="3200" b="0" strike="noStrike" spc="-1">
+              <a:buClr>
+                <a:srgbClr val="1F4E79"/>
+              </a:buClr>
+              <a:buFont typeface="Arial"/>
+              <a:buAutoNum type="arabicPeriod" startAt="9"/>
+            </a:pPr>
+            <a:r>
+              <a:rPr lang="pt-BR" sz="3200" spc="-1" dirty="0" err="1">
+                <a:solidFill>
+                  <a:srgbClr val="1F4E79"/>
+                </a:solidFill>
+                <a:latin typeface="Arial"/>
+              </a:rPr>
+              <a:t>Sequelize</a:t>
+            </a:r>
+            <a:r>
+              <a:rPr lang="pt-BR" sz="3200" spc="-1" dirty="0">
+                <a:solidFill>
+                  <a:srgbClr val="1F4E79"/>
+                </a:solidFill>
+                <a:latin typeface="Arial"/>
+              </a:rPr>
+              <a:t>. </a:t>
+            </a:r>
+            <a:r>
+              <a:rPr lang="pt-BR" sz="3200" b="1" spc="-1" dirty="0" err="1">
+                <a:solidFill>
+                  <a:srgbClr val="1F4E79"/>
+                </a:solidFill>
+              </a:rPr>
+              <a:t>Model</a:t>
+            </a:r>
+            <a:r>
+              <a:rPr lang="pt-BR" sz="3200" b="1" spc="-1" dirty="0">
+                <a:solidFill>
+                  <a:srgbClr val="1F4E79"/>
+                </a:solidFill>
+              </a:rPr>
+              <a:t> </a:t>
+            </a:r>
+            <a:r>
+              <a:rPr lang="pt-BR" sz="3200" b="1" spc="-1" dirty="0" err="1">
+                <a:solidFill>
+                  <a:srgbClr val="1F4E79"/>
+                </a:solidFill>
+              </a:rPr>
+              <a:t>Querying</a:t>
+            </a:r>
+            <a:r>
+              <a:rPr lang="pt-BR" sz="3200" b="1" spc="-1" dirty="0">
+                <a:solidFill>
+                  <a:srgbClr val="1F4E79"/>
+                </a:solidFill>
+              </a:rPr>
+              <a:t> - </a:t>
+            </a:r>
+            <a:r>
+              <a:rPr lang="pt-BR" sz="3200" b="1" spc="-1" dirty="0" err="1">
+                <a:solidFill>
+                  <a:srgbClr val="1F4E79"/>
+                </a:solidFill>
+              </a:rPr>
+              <a:t>Basics</a:t>
+            </a:r>
+            <a:r>
+              <a:rPr lang="pt-BR" sz="3200" spc="-1" dirty="0">
+                <a:solidFill>
+                  <a:srgbClr val="1F4E79"/>
+                </a:solidFill>
+              </a:rPr>
+              <a:t>. In: API </a:t>
+            </a:r>
+            <a:r>
+              <a:rPr lang="pt-BR" sz="3200" spc="-1" dirty="0" err="1">
+                <a:solidFill>
+                  <a:srgbClr val="1F4E79"/>
+                </a:solidFill>
+                <a:latin typeface="Arial"/>
+              </a:rPr>
+              <a:t>Reference</a:t>
+            </a:r>
+            <a:r>
+              <a:rPr lang="pt-BR" sz="3200" spc="-1" dirty="0">
+                <a:solidFill>
+                  <a:srgbClr val="1F4E79"/>
+                </a:solidFill>
+                <a:latin typeface="Arial"/>
+              </a:rPr>
+              <a:t>. </a:t>
+            </a:r>
+            <a:r>
+              <a:rPr lang="pt-BR" sz="3200" spc="-1" dirty="0">
+                <a:solidFill>
+                  <a:srgbClr val="1F4E79"/>
+                </a:solidFill>
+              </a:rPr>
+              <a:t>Disponível em: https://sequelize.org/</a:t>
+            </a:r>
+            <a:r>
+              <a:rPr lang="pt-BR" sz="3200" spc="-1" dirty="0" err="1">
+                <a:solidFill>
+                  <a:srgbClr val="1F4E79"/>
+                </a:solidFill>
+              </a:rPr>
+              <a:t>master</a:t>
+            </a:r>
+            <a:r>
+              <a:rPr lang="pt-BR" sz="3200" spc="-1" dirty="0">
+                <a:solidFill>
+                  <a:srgbClr val="1F4E79"/>
+                </a:solidFill>
+              </a:rPr>
+              <a:t>/manual/model-querying-basics.html.</a:t>
+            </a:r>
+            <a:endParaRPr lang="pt-BR" sz="3200" b="0" strike="noStrike" spc="-1" dirty="0">
               <a:latin typeface="Arial"/>
             </a:endParaRPr>
           </a:p>
@@ -24790,7 +29240,23 @@
                 <a:spcPts val="1001"/>
               </a:spcAft>
             </a:pPr>
-            <a:endParaRPr lang="pt-BR" sz="3200" b="0" strike="noStrike" spc="-1">
+            <a:endParaRPr lang="pt-BR" sz="3200" b="0" strike="noStrike" spc="-1" dirty="0">
+              <a:latin typeface="Arial"/>
+            </a:endParaRPr>
+          </a:p>
+          <a:p>
+            <a:pPr marL="1800">
+              <a:lnSpc>
+                <a:spcPct val="100000"/>
+              </a:lnSpc>
+              <a:spcBef>
+                <a:spcPts val="1001"/>
+              </a:spcBef>
+              <a:spcAft>
+                <a:spcPts val="1001"/>
+              </a:spcAft>
+            </a:pPr>
+            <a:endParaRPr lang="pt-BR" sz="3200" b="0" strike="noStrike" spc="-1" dirty="0">
               <a:latin typeface="Arial"/>
             </a:endParaRPr>
           </a:p>

--- a/node-js.pptx
+++ b/node-js.pptx
@@ -6,7 +6,7 @@
     <p:sldMasterId id="2147483661" r:id="rId2"/>
   </p:sldMasterIdLst>
   <p:notesMasterIdLst>
-    <p:notesMasterId r:id="rId59"/>
+    <p:notesMasterId r:id="rId63"/>
   </p:notesMasterIdLst>
   <p:sldIdLst>
     <p:sldId id="256" r:id="rId3"/>
@@ -53,18 +53,22 @@
     <p:sldId id="302" r:id="rId44"/>
     <p:sldId id="296" r:id="rId45"/>
     <p:sldId id="304" r:id="rId46"/>
-    <p:sldId id="308" r:id="rId47"/>
-    <p:sldId id="306" r:id="rId48"/>
-    <p:sldId id="307" r:id="rId49"/>
-    <p:sldId id="309" r:id="rId50"/>
-    <p:sldId id="310" r:id="rId51"/>
-    <p:sldId id="311" r:id="rId52"/>
-    <p:sldId id="312" r:id="rId53"/>
-    <p:sldId id="297" r:id="rId54"/>
-    <p:sldId id="298" r:id="rId55"/>
-    <p:sldId id="299" r:id="rId56"/>
-    <p:sldId id="300" r:id="rId57"/>
-    <p:sldId id="301" r:id="rId58"/>
+    <p:sldId id="314" r:id="rId47"/>
+    <p:sldId id="308" r:id="rId48"/>
+    <p:sldId id="306" r:id="rId49"/>
+    <p:sldId id="307" r:id="rId50"/>
+    <p:sldId id="309" r:id="rId51"/>
+    <p:sldId id="310" r:id="rId52"/>
+    <p:sldId id="311" r:id="rId53"/>
+    <p:sldId id="312" r:id="rId54"/>
+    <p:sldId id="297" r:id="rId55"/>
+    <p:sldId id="313" r:id="rId56"/>
+    <p:sldId id="315" r:id="rId57"/>
+    <p:sldId id="316" r:id="rId58"/>
+    <p:sldId id="298" r:id="rId59"/>
+    <p:sldId id="299" r:id="rId60"/>
+    <p:sldId id="300" r:id="rId61"/>
+    <p:sldId id="301" r:id="rId62"/>
   </p:sldIdLst>
   <p:sldSz cx="12192000" cy="6858000"/>
   <p:notesSz cx="6858000" cy="9144000"/>
@@ -6014,7 +6018,7 @@
     </p:spTree>
     <p:extLst>
       <p:ext uri="{BB962C8B-B14F-4D97-AF65-F5344CB8AC3E}">
-        <p14:creationId xmlns:p14="http://schemas.microsoft.com/office/powerpoint/2010/main" val="2229102361"/>
+        <p14:creationId xmlns:p14="http://schemas.microsoft.com/office/powerpoint/2010/main" val="394443183"/>
       </p:ext>
     </p:extLst>
   </p:cSld>
@@ -6043,7 +6047,7 @@
       </p:grpSpPr>
       <p:sp>
         <p:nvSpPr>
-          <p:cNvPr id="271" name="PlaceHolder 1"/>
+          <p:cNvPr id="301" name="PlaceHolder 1"/>
           <p:cNvSpPr>
             <a:spLocks noGrp="1" noRot="1" noChangeAspect="1"/>
           </p:cNvSpPr>
@@ -6063,7 +6067,7 @@
       </p:sp>
       <p:sp>
         <p:nvSpPr>
-          <p:cNvPr id="272" name="PlaceHolder 2"/>
+          <p:cNvPr id="302" name="PlaceHolder 2"/>
           <p:cNvSpPr>
             <a:spLocks noGrp="1"/>
           </p:cNvSpPr>
@@ -6086,7 +6090,7 @@
           </a:bodyPr>
           <a:lstStyle/>
           <a:p>
-            <a:endParaRPr lang="pt-BR" sz="2000" b="0" strike="noStrike" spc="-1">
+            <a:endParaRPr lang="pt-BR" sz="2000" b="0" strike="noStrike" spc="-1" dirty="0">
               <a:latin typeface="Arial"/>
             </a:endParaRPr>
           </a:p>
@@ -6094,7 +6098,7 @@
       </p:sp>
       <p:sp>
         <p:nvSpPr>
-          <p:cNvPr id="273" name="CustomShape 3"/>
+          <p:cNvPr id="303" name="CustomShape 3"/>
           <p:cNvSpPr/>
           <p:nvPr/>
         </p:nvSpPr>
@@ -6134,7 +6138,7 @@
                 <a:spcPct val="100000"/>
               </a:lnSpc>
             </a:pPr>
-            <a:fld id="{3CAA4DD7-21EB-4D46-BE74-1C1D7089509A}" type="slidenum">
+            <a:fld id="{D91894FE-2498-4890-AFAF-491172034F08}" type="slidenum">
               <a:rPr lang="pt-BR" sz="1200" b="0" strike="noStrike" spc="-1">
                 <a:solidFill>
                   <a:srgbClr val="000000"/>
@@ -6153,7 +6157,7 @@
     </p:spTree>
     <p:extLst>
       <p:ext uri="{BB962C8B-B14F-4D97-AF65-F5344CB8AC3E}">
-        <p14:creationId xmlns:p14="http://schemas.microsoft.com/office/powerpoint/2010/main" val="3640480444"/>
+        <p14:creationId xmlns:p14="http://schemas.microsoft.com/office/powerpoint/2010/main" val="2229102361"/>
       </p:ext>
     </p:extLst>
   </p:cSld>
@@ -6292,7 +6296,7 @@
     </p:spTree>
     <p:extLst>
       <p:ext uri="{BB962C8B-B14F-4D97-AF65-F5344CB8AC3E}">
-        <p14:creationId xmlns:p14="http://schemas.microsoft.com/office/powerpoint/2010/main" val="3282667209"/>
+        <p14:creationId xmlns:p14="http://schemas.microsoft.com/office/powerpoint/2010/main" val="3640480444"/>
       </p:ext>
     </p:extLst>
   </p:cSld>
@@ -6431,7 +6435,7 @@
     </p:spTree>
     <p:extLst>
       <p:ext uri="{BB962C8B-B14F-4D97-AF65-F5344CB8AC3E}">
-        <p14:creationId xmlns:p14="http://schemas.microsoft.com/office/powerpoint/2010/main" val="3266135141"/>
+        <p14:creationId xmlns:p14="http://schemas.microsoft.com/office/powerpoint/2010/main" val="3282667209"/>
       </p:ext>
     </p:extLst>
   </p:cSld>
@@ -6570,7 +6574,7 @@
     </p:spTree>
     <p:extLst>
       <p:ext uri="{BB962C8B-B14F-4D97-AF65-F5344CB8AC3E}">
-        <p14:creationId xmlns:p14="http://schemas.microsoft.com/office/powerpoint/2010/main" val="1422022650"/>
+        <p14:creationId xmlns:p14="http://schemas.microsoft.com/office/powerpoint/2010/main" val="3266135141"/>
       </p:ext>
     </p:extLst>
   </p:cSld>
@@ -6843,7 +6847,7 @@
     </p:spTree>
     <p:extLst>
       <p:ext uri="{BB962C8B-B14F-4D97-AF65-F5344CB8AC3E}">
-        <p14:creationId xmlns:p14="http://schemas.microsoft.com/office/powerpoint/2010/main" val="1643026945"/>
+        <p14:creationId xmlns:p14="http://schemas.microsoft.com/office/powerpoint/2010/main" val="1422022650"/>
       </p:ext>
     </p:extLst>
   </p:cSld>
@@ -6982,7 +6986,7 @@
     </p:spTree>
     <p:extLst>
       <p:ext uri="{BB962C8B-B14F-4D97-AF65-F5344CB8AC3E}">
-        <p14:creationId xmlns:p14="http://schemas.microsoft.com/office/powerpoint/2010/main" val="4104202253"/>
+        <p14:creationId xmlns:p14="http://schemas.microsoft.com/office/powerpoint/2010/main" val="1643026945"/>
       </p:ext>
     </p:extLst>
   </p:cSld>
@@ -7011,7 +7015,7 @@
       </p:grpSpPr>
       <p:sp>
         <p:nvSpPr>
-          <p:cNvPr id="304" name="PlaceHolder 1"/>
+          <p:cNvPr id="271" name="PlaceHolder 1"/>
           <p:cNvSpPr>
             <a:spLocks noGrp="1" noRot="1" noChangeAspect="1"/>
           </p:cNvSpPr>
@@ -7021,17 +7025,17 @@
         </p:nvSpPr>
         <p:spPr>
           <a:xfrm>
-            <a:off x="685800" y="1143000"/>
-            <a:ext cx="5482800" cy="3082320"/>
-          </a:xfrm>
-          <a:prstGeom prst="rect">
-            <a:avLst/>
-          </a:prstGeom>
-        </p:spPr>
-      </p:sp>
-      <p:sp>
-        <p:nvSpPr>
-          <p:cNvPr id="305" name="PlaceHolder 2"/>
+            <a:off x="687388" y="1143000"/>
+            <a:ext cx="5480050" cy="3082925"/>
+          </a:xfrm>
+          <a:prstGeom prst="rect">
+            <a:avLst/>
+          </a:prstGeom>
+        </p:spPr>
+      </p:sp>
+      <p:sp>
+        <p:nvSpPr>
+          <p:cNvPr id="272" name="PlaceHolder 2"/>
           <p:cNvSpPr>
             <a:spLocks noGrp="1"/>
           </p:cNvSpPr>
@@ -7062,7 +7066,7 @@
       </p:sp>
       <p:sp>
         <p:nvSpPr>
-          <p:cNvPr id="306" name="CustomShape 3"/>
+          <p:cNvPr id="273" name="CustomShape 3"/>
           <p:cNvSpPr/>
           <p:nvPr/>
         </p:nvSpPr>
@@ -7102,7 +7106,7 @@
                 <a:spcPct val="100000"/>
               </a:lnSpc>
             </a:pPr>
-            <a:fld id="{F4C072A3-0E1D-4C79-A8AC-BB1726406D60}" type="slidenum">
+            <a:fld id="{3CAA4DD7-21EB-4D46-BE74-1C1D7089509A}" type="slidenum">
               <a:rPr lang="pt-BR" sz="1200" b="0" strike="noStrike" spc="-1">
                 <a:solidFill>
                   <a:srgbClr val="000000"/>
@@ -7119,6 +7123,11 @@
         </p:txBody>
       </p:sp>
     </p:spTree>
+    <p:extLst>
+      <p:ext uri="{BB962C8B-B14F-4D97-AF65-F5344CB8AC3E}">
+        <p14:creationId xmlns:p14="http://schemas.microsoft.com/office/powerpoint/2010/main" val="4104202253"/>
+      </p:ext>
+    </p:extLst>
   </p:cSld>
   <p:clrMapOvr>
     <a:masterClrMapping/>
@@ -7145,7 +7154,7 @@
       </p:grpSpPr>
       <p:sp>
         <p:nvSpPr>
-          <p:cNvPr id="307" name="PlaceHolder 1"/>
+          <p:cNvPr id="304" name="PlaceHolder 1"/>
           <p:cNvSpPr>
             <a:spLocks noGrp="1" noRot="1" noChangeAspect="1"/>
           </p:cNvSpPr>
@@ -7155,17 +7164,17 @@
         </p:nvSpPr>
         <p:spPr>
           <a:xfrm>
-            <a:off x="685800" y="1143000"/>
-            <a:ext cx="5482800" cy="3082320"/>
-          </a:xfrm>
-          <a:prstGeom prst="rect">
-            <a:avLst/>
-          </a:prstGeom>
-        </p:spPr>
-      </p:sp>
-      <p:sp>
-        <p:nvSpPr>
-          <p:cNvPr id="308" name="PlaceHolder 2"/>
+            <a:off x="687388" y="1143000"/>
+            <a:ext cx="5480050" cy="3082925"/>
+          </a:xfrm>
+          <a:prstGeom prst="rect">
+            <a:avLst/>
+          </a:prstGeom>
+        </p:spPr>
+      </p:sp>
+      <p:sp>
+        <p:nvSpPr>
+          <p:cNvPr id="305" name="PlaceHolder 2"/>
           <p:cNvSpPr>
             <a:spLocks noGrp="1"/>
           </p:cNvSpPr>
@@ -7196,7 +7205,7 @@
       </p:sp>
       <p:sp>
         <p:nvSpPr>
-          <p:cNvPr id="309" name="CustomShape 3"/>
+          <p:cNvPr id="306" name="CustomShape 3"/>
           <p:cNvSpPr/>
           <p:nvPr/>
         </p:nvSpPr>
@@ -7236,7 +7245,7 @@
                 <a:spcPct val="100000"/>
               </a:lnSpc>
             </a:pPr>
-            <a:fld id="{B0CFDC8E-E808-4FCA-BF70-6567A9414BBB}" type="slidenum">
+            <a:fld id="{F4C072A3-0E1D-4C79-A8AC-BB1726406D60}" type="slidenum">
               <a:rPr lang="pt-BR" sz="1200" b="0" strike="noStrike" spc="-1">
                 <a:solidFill>
                   <a:srgbClr val="000000"/>
@@ -7279,7 +7288,7 @@
       </p:grpSpPr>
       <p:sp>
         <p:nvSpPr>
-          <p:cNvPr id="310" name="PlaceHolder 1"/>
+          <p:cNvPr id="304" name="PlaceHolder 1"/>
           <p:cNvSpPr>
             <a:spLocks noGrp="1" noRot="1" noChangeAspect="1"/>
           </p:cNvSpPr>
@@ -7299,7 +7308,7 @@
       </p:sp>
       <p:sp>
         <p:nvSpPr>
-          <p:cNvPr id="311" name="PlaceHolder 2"/>
+          <p:cNvPr id="305" name="PlaceHolder 2"/>
           <p:cNvSpPr>
             <a:spLocks noGrp="1"/>
           </p:cNvSpPr>
@@ -7309,7 +7318,7 @@
         </p:nvSpPr>
         <p:spPr>
           <a:xfrm>
-            <a:off x="685800" y="4400640"/>
+            <a:off x="685800" y="4320000"/>
             <a:ext cx="5482440" cy="3596400"/>
           </a:xfrm>
           <a:prstGeom prst="rect">
@@ -7330,7 +7339,7 @@
       </p:sp>
       <p:sp>
         <p:nvSpPr>
-          <p:cNvPr id="312" name="CustomShape 3"/>
+          <p:cNvPr id="306" name="CustomShape 3"/>
           <p:cNvSpPr/>
           <p:nvPr/>
         </p:nvSpPr>
@@ -7370,7 +7379,7 @@
                 <a:spcPct val="100000"/>
               </a:lnSpc>
             </a:pPr>
-            <a:fld id="{A4A9D5A6-6C48-4B43-8032-A4F02E798000}" type="slidenum">
+            <a:fld id="{F4C072A3-0E1D-4C79-A8AC-BB1726406D60}" type="slidenum">
               <a:rPr lang="pt-BR" sz="1200" b="0" strike="noStrike" spc="-1">
                 <a:solidFill>
                   <a:srgbClr val="000000"/>
@@ -7387,6 +7396,11 @@
         </p:txBody>
       </p:sp>
     </p:spTree>
+    <p:extLst>
+      <p:ext uri="{BB962C8B-B14F-4D97-AF65-F5344CB8AC3E}">
+        <p14:creationId xmlns:p14="http://schemas.microsoft.com/office/powerpoint/2010/main" val="2770302021"/>
+      </p:ext>
+    </p:extLst>
   </p:cSld>
   <p:clrMapOvr>
     <a:masterClrMapping/>
@@ -7413,7 +7427,7 @@
       </p:grpSpPr>
       <p:sp>
         <p:nvSpPr>
-          <p:cNvPr id="313" name="PlaceHolder 1"/>
+          <p:cNvPr id="304" name="PlaceHolder 1"/>
           <p:cNvSpPr>
             <a:spLocks noGrp="1" noRot="1" noChangeAspect="1"/>
           </p:cNvSpPr>
@@ -7423,17 +7437,17 @@
         </p:nvSpPr>
         <p:spPr>
           <a:xfrm>
-            <a:off x="685800" y="1143000"/>
-            <a:ext cx="5482800" cy="3082320"/>
-          </a:xfrm>
-          <a:prstGeom prst="rect">
-            <a:avLst/>
-          </a:prstGeom>
-        </p:spPr>
-      </p:sp>
-      <p:sp>
-        <p:nvSpPr>
-          <p:cNvPr id="314" name="PlaceHolder 2"/>
+            <a:off x="687388" y="1143000"/>
+            <a:ext cx="5480050" cy="3082925"/>
+          </a:xfrm>
+          <a:prstGeom prst="rect">
+            <a:avLst/>
+          </a:prstGeom>
+        </p:spPr>
+      </p:sp>
+      <p:sp>
+        <p:nvSpPr>
+          <p:cNvPr id="305" name="PlaceHolder 2"/>
           <p:cNvSpPr>
             <a:spLocks noGrp="1"/>
           </p:cNvSpPr>
@@ -7443,7 +7457,7 @@
         </p:nvSpPr>
         <p:spPr>
           <a:xfrm>
-            <a:off x="685800" y="4400640"/>
+            <a:off x="685800" y="4320000"/>
             <a:ext cx="5482440" cy="3596400"/>
           </a:xfrm>
           <a:prstGeom prst="rect">
@@ -7464,7 +7478,7 @@
       </p:sp>
       <p:sp>
         <p:nvSpPr>
-          <p:cNvPr id="315" name="CustomShape 3"/>
+          <p:cNvPr id="306" name="CustomShape 3"/>
           <p:cNvSpPr/>
           <p:nvPr/>
         </p:nvSpPr>
@@ -7504,7 +7518,7 @@
                 <a:spcPct val="100000"/>
               </a:lnSpc>
             </a:pPr>
-            <a:fld id="{B008546A-9EE6-49C8-B1DE-CF65AB5C1D04}" type="slidenum">
+            <a:fld id="{F4C072A3-0E1D-4C79-A8AC-BB1726406D60}" type="slidenum">
               <a:rPr lang="pt-BR" sz="1200" b="0" strike="noStrike" spc="-1">
                 <a:solidFill>
                   <a:srgbClr val="000000"/>
@@ -7521,6 +7535,11 @@
         </p:txBody>
       </p:sp>
     </p:spTree>
+    <p:extLst>
+      <p:ext uri="{BB962C8B-B14F-4D97-AF65-F5344CB8AC3E}">
+        <p14:creationId xmlns:p14="http://schemas.microsoft.com/office/powerpoint/2010/main" val="1083857770"/>
+      </p:ext>
+    </p:extLst>
   </p:cSld>
   <p:clrMapOvr>
     <a:masterClrMapping/>
@@ -7547,7 +7566,7 @@
       </p:grpSpPr>
       <p:sp>
         <p:nvSpPr>
-          <p:cNvPr id="316" name="PlaceHolder 1"/>
+          <p:cNvPr id="304" name="PlaceHolder 1"/>
           <p:cNvSpPr>
             <a:spLocks noGrp="1" noRot="1" noChangeAspect="1"/>
           </p:cNvSpPr>
@@ -7557,17 +7576,17 @@
         </p:nvSpPr>
         <p:spPr>
           <a:xfrm>
-            <a:off x="687388" y="1143000"/>
-            <a:ext cx="5480050" cy="3082925"/>
-          </a:xfrm>
-          <a:prstGeom prst="rect">
-            <a:avLst/>
-          </a:prstGeom>
-        </p:spPr>
-      </p:sp>
-      <p:sp>
-        <p:nvSpPr>
-          <p:cNvPr id="317" name="PlaceHolder 2"/>
+            <a:off x="685800" y="1143000"/>
+            <a:ext cx="5482800" cy="3082320"/>
+          </a:xfrm>
+          <a:prstGeom prst="rect">
+            <a:avLst/>
+          </a:prstGeom>
+        </p:spPr>
+      </p:sp>
+      <p:sp>
+        <p:nvSpPr>
+          <p:cNvPr id="305" name="PlaceHolder 2"/>
           <p:cNvSpPr>
             <a:spLocks noGrp="1"/>
           </p:cNvSpPr>
@@ -7577,7 +7596,7 @@
         </p:nvSpPr>
         <p:spPr>
           <a:xfrm>
-            <a:off x="685800" y="4400640"/>
+            <a:off x="685800" y="4320000"/>
             <a:ext cx="5482440" cy="3596400"/>
           </a:xfrm>
           <a:prstGeom prst="rect">
@@ -7598,7 +7617,7 @@
       </p:sp>
       <p:sp>
         <p:nvSpPr>
-          <p:cNvPr id="318" name="CustomShape 3"/>
+          <p:cNvPr id="306" name="CustomShape 3"/>
           <p:cNvSpPr/>
           <p:nvPr/>
         </p:nvSpPr>
@@ -7638,7 +7657,7 @@
                 <a:spcPct val="100000"/>
               </a:lnSpc>
             </a:pPr>
-            <a:fld id="{6CDBEE86-8171-4C12-86ED-7FE502965E94}" type="slidenum">
+            <a:fld id="{F4C072A3-0E1D-4C79-A8AC-BB1726406D60}" type="slidenum">
               <a:rPr lang="pt-BR" sz="1200" b="0" strike="noStrike" spc="-1">
                 <a:solidFill>
                   <a:srgbClr val="000000"/>
@@ -7647,6 +7666,413 @@
                 <a:ea typeface="+mn-ea"/>
               </a:rPr>
               <a:t>56</a:t>
+            </a:fld>
+            <a:endParaRPr lang="pt-BR" sz="1200" b="0" strike="noStrike" spc="-1">
+              <a:latin typeface="Arial"/>
+            </a:endParaRPr>
+          </a:p>
+        </p:txBody>
+      </p:sp>
+    </p:spTree>
+    <p:extLst>
+      <p:ext uri="{BB962C8B-B14F-4D97-AF65-F5344CB8AC3E}">
+        <p14:creationId xmlns:p14="http://schemas.microsoft.com/office/powerpoint/2010/main" val="1675101123"/>
+      </p:ext>
+    </p:extLst>
+  </p:cSld>
+  <p:clrMapOvr>
+    <a:masterClrMapping/>
+  </p:clrMapOvr>
+</p:notes>
+</file>
+
+<file path=ppt/notesSlides/notesSlide57.xml><?xml version="1.0" encoding="utf-8"?>
+<p:notes xmlns:a="http://schemas.openxmlformats.org/drawingml/2006/main" xmlns:r="http://schemas.openxmlformats.org/officeDocument/2006/relationships" xmlns:p="http://schemas.openxmlformats.org/presentationml/2006/main">
+  <p:cSld>
+    <p:spTree>
+      <p:nvGrpSpPr>
+        <p:cNvPr id="1" name=""/>
+        <p:cNvGrpSpPr/>
+        <p:nvPr/>
+      </p:nvGrpSpPr>
+      <p:grpSpPr>
+        <a:xfrm>
+          <a:off x="0" y="0"/>
+          <a:ext cx="0" cy="0"/>
+          <a:chOff x="0" y="0"/>
+          <a:chExt cx="0" cy="0"/>
+        </a:xfrm>
+      </p:grpSpPr>
+      <p:sp>
+        <p:nvSpPr>
+          <p:cNvPr id="307" name="PlaceHolder 1"/>
+          <p:cNvSpPr>
+            <a:spLocks noGrp="1" noRot="1" noChangeAspect="1"/>
+          </p:cNvSpPr>
+          <p:nvPr>
+            <p:ph type="sldImg"/>
+          </p:nvPr>
+        </p:nvSpPr>
+        <p:spPr>
+          <a:xfrm>
+            <a:off x="685800" y="1143000"/>
+            <a:ext cx="5482800" cy="3082320"/>
+          </a:xfrm>
+          <a:prstGeom prst="rect">
+            <a:avLst/>
+          </a:prstGeom>
+        </p:spPr>
+      </p:sp>
+      <p:sp>
+        <p:nvSpPr>
+          <p:cNvPr id="308" name="PlaceHolder 2"/>
+          <p:cNvSpPr>
+            <a:spLocks noGrp="1"/>
+          </p:cNvSpPr>
+          <p:nvPr>
+            <p:ph type="body"/>
+          </p:nvPr>
+        </p:nvSpPr>
+        <p:spPr>
+          <a:xfrm>
+            <a:off x="685800" y="4320000"/>
+            <a:ext cx="5482440" cy="3596400"/>
+          </a:xfrm>
+          <a:prstGeom prst="rect">
+            <a:avLst/>
+          </a:prstGeom>
+        </p:spPr>
+        <p:txBody>
+          <a:bodyPr lIns="0" tIns="0" rIns="0" bIns="0">
+            <a:noAutofit/>
+          </a:bodyPr>
+          <a:lstStyle/>
+          <a:p>
+            <a:endParaRPr lang="pt-BR" sz="2000" b="0" strike="noStrike" spc="-1">
+              <a:latin typeface="Arial"/>
+            </a:endParaRPr>
+          </a:p>
+        </p:txBody>
+      </p:sp>
+      <p:sp>
+        <p:nvSpPr>
+          <p:cNvPr id="309" name="CustomShape 3"/>
+          <p:cNvSpPr/>
+          <p:nvPr/>
+        </p:nvSpPr>
+        <p:spPr>
+          <a:xfrm>
+            <a:off x="3884760" y="8685360"/>
+            <a:ext cx="2967840" cy="454680"/>
+          </a:xfrm>
+          <a:prstGeom prst="rect">
+            <a:avLst/>
+          </a:prstGeom>
+          <a:noFill/>
+          <a:ln>
+            <a:noFill/>
+          </a:ln>
+        </p:spPr>
+        <p:style>
+          <a:lnRef idx="0">
+            <a:scrgbClr r="0" g="0" b="0"/>
+          </a:lnRef>
+          <a:fillRef idx="0">
+            <a:scrgbClr r="0" g="0" b="0"/>
+          </a:fillRef>
+          <a:effectRef idx="0">
+            <a:scrgbClr r="0" g="0" b="0"/>
+          </a:effectRef>
+          <a:fontRef idx="minor"/>
+        </p:style>
+        <p:txBody>
+          <a:bodyPr lIns="90000" tIns="45000" rIns="90000" bIns="45000" anchor="b">
+            <a:noAutofit/>
+          </a:bodyPr>
+          <a:lstStyle/>
+          <a:p>
+            <a:pPr algn="r">
+              <a:lnSpc>
+                <a:spcPct val="100000"/>
+              </a:lnSpc>
+            </a:pPr>
+            <a:fld id="{B0CFDC8E-E808-4FCA-BF70-6567A9414BBB}" type="slidenum">
+              <a:rPr lang="pt-BR" sz="1200" b="0" strike="noStrike" spc="-1">
+                <a:solidFill>
+                  <a:srgbClr val="000000"/>
+                </a:solidFill>
+                <a:latin typeface="Times New Roman"/>
+                <a:ea typeface="+mn-ea"/>
+              </a:rPr>
+              <a:t>57</a:t>
+            </a:fld>
+            <a:endParaRPr lang="pt-BR" sz="1200" b="0" strike="noStrike" spc="-1">
+              <a:latin typeface="Arial"/>
+            </a:endParaRPr>
+          </a:p>
+        </p:txBody>
+      </p:sp>
+    </p:spTree>
+  </p:cSld>
+  <p:clrMapOvr>
+    <a:masterClrMapping/>
+  </p:clrMapOvr>
+</p:notes>
+</file>
+
+<file path=ppt/notesSlides/notesSlide58.xml><?xml version="1.0" encoding="utf-8"?>
+<p:notes xmlns:a="http://schemas.openxmlformats.org/drawingml/2006/main" xmlns:r="http://schemas.openxmlformats.org/officeDocument/2006/relationships" xmlns:p="http://schemas.openxmlformats.org/presentationml/2006/main">
+  <p:cSld>
+    <p:spTree>
+      <p:nvGrpSpPr>
+        <p:cNvPr id="1" name=""/>
+        <p:cNvGrpSpPr/>
+        <p:nvPr/>
+      </p:nvGrpSpPr>
+      <p:grpSpPr>
+        <a:xfrm>
+          <a:off x="0" y="0"/>
+          <a:ext cx="0" cy="0"/>
+          <a:chOff x="0" y="0"/>
+          <a:chExt cx="0" cy="0"/>
+        </a:xfrm>
+      </p:grpSpPr>
+      <p:sp>
+        <p:nvSpPr>
+          <p:cNvPr id="310" name="PlaceHolder 1"/>
+          <p:cNvSpPr>
+            <a:spLocks noGrp="1" noRot="1" noChangeAspect="1"/>
+          </p:cNvSpPr>
+          <p:nvPr>
+            <p:ph type="sldImg"/>
+          </p:nvPr>
+        </p:nvSpPr>
+        <p:spPr>
+          <a:xfrm>
+            <a:off x="687388" y="1143000"/>
+            <a:ext cx="5480050" cy="3082925"/>
+          </a:xfrm>
+          <a:prstGeom prst="rect">
+            <a:avLst/>
+          </a:prstGeom>
+        </p:spPr>
+      </p:sp>
+      <p:sp>
+        <p:nvSpPr>
+          <p:cNvPr id="311" name="PlaceHolder 2"/>
+          <p:cNvSpPr>
+            <a:spLocks noGrp="1"/>
+          </p:cNvSpPr>
+          <p:nvPr>
+            <p:ph type="body"/>
+          </p:nvPr>
+        </p:nvSpPr>
+        <p:spPr>
+          <a:xfrm>
+            <a:off x="685800" y="4400640"/>
+            <a:ext cx="5482440" cy="3596400"/>
+          </a:xfrm>
+          <a:prstGeom prst="rect">
+            <a:avLst/>
+          </a:prstGeom>
+        </p:spPr>
+        <p:txBody>
+          <a:bodyPr lIns="0" tIns="0" rIns="0" bIns="0">
+            <a:noAutofit/>
+          </a:bodyPr>
+          <a:lstStyle/>
+          <a:p>
+            <a:endParaRPr lang="pt-BR" sz="2000" b="0" strike="noStrike" spc="-1">
+              <a:latin typeface="Arial"/>
+            </a:endParaRPr>
+          </a:p>
+        </p:txBody>
+      </p:sp>
+      <p:sp>
+        <p:nvSpPr>
+          <p:cNvPr id="312" name="CustomShape 3"/>
+          <p:cNvSpPr/>
+          <p:nvPr/>
+        </p:nvSpPr>
+        <p:spPr>
+          <a:xfrm>
+            <a:off x="3884760" y="8685360"/>
+            <a:ext cx="2967840" cy="454680"/>
+          </a:xfrm>
+          <a:prstGeom prst="rect">
+            <a:avLst/>
+          </a:prstGeom>
+          <a:noFill/>
+          <a:ln>
+            <a:noFill/>
+          </a:ln>
+        </p:spPr>
+        <p:style>
+          <a:lnRef idx="0">
+            <a:scrgbClr r="0" g="0" b="0"/>
+          </a:lnRef>
+          <a:fillRef idx="0">
+            <a:scrgbClr r="0" g="0" b="0"/>
+          </a:fillRef>
+          <a:effectRef idx="0">
+            <a:scrgbClr r="0" g="0" b="0"/>
+          </a:effectRef>
+          <a:fontRef idx="minor"/>
+        </p:style>
+        <p:txBody>
+          <a:bodyPr lIns="90000" tIns="45000" rIns="90000" bIns="45000" anchor="b">
+            <a:noAutofit/>
+          </a:bodyPr>
+          <a:lstStyle/>
+          <a:p>
+            <a:pPr algn="r">
+              <a:lnSpc>
+                <a:spcPct val="100000"/>
+              </a:lnSpc>
+            </a:pPr>
+            <a:fld id="{A4A9D5A6-6C48-4B43-8032-A4F02E798000}" type="slidenum">
+              <a:rPr lang="pt-BR" sz="1200" b="0" strike="noStrike" spc="-1">
+                <a:solidFill>
+                  <a:srgbClr val="000000"/>
+                </a:solidFill>
+                <a:latin typeface="Times New Roman"/>
+                <a:ea typeface="+mn-ea"/>
+              </a:rPr>
+              <a:t>58</a:t>
+            </a:fld>
+            <a:endParaRPr lang="pt-BR" sz="1200" b="0" strike="noStrike" spc="-1">
+              <a:latin typeface="Arial"/>
+            </a:endParaRPr>
+          </a:p>
+        </p:txBody>
+      </p:sp>
+    </p:spTree>
+  </p:cSld>
+  <p:clrMapOvr>
+    <a:masterClrMapping/>
+  </p:clrMapOvr>
+</p:notes>
+</file>
+
+<file path=ppt/notesSlides/notesSlide59.xml><?xml version="1.0" encoding="utf-8"?>
+<p:notes xmlns:a="http://schemas.openxmlformats.org/drawingml/2006/main" xmlns:r="http://schemas.openxmlformats.org/officeDocument/2006/relationships" xmlns:p="http://schemas.openxmlformats.org/presentationml/2006/main">
+  <p:cSld>
+    <p:spTree>
+      <p:nvGrpSpPr>
+        <p:cNvPr id="1" name=""/>
+        <p:cNvGrpSpPr/>
+        <p:nvPr/>
+      </p:nvGrpSpPr>
+      <p:grpSpPr>
+        <a:xfrm>
+          <a:off x="0" y="0"/>
+          <a:ext cx="0" cy="0"/>
+          <a:chOff x="0" y="0"/>
+          <a:chExt cx="0" cy="0"/>
+        </a:xfrm>
+      </p:grpSpPr>
+      <p:sp>
+        <p:nvSpPr>
+          <p:cNvPr id="313" name="PlaceHolder 1"/>
+          <p:cNvSpPr>
+            <a:spLocks noGrp="1" noRot="1" noChangeAspect="1"/>
+          </p:cNvSpPr>
+          <p:nvPr>
+            <p:ph type="sldImg"/>
+          </p:nvPr>
+        </p:nvSpPr>
+        <p:spPr>
+          <a:xfrm>
+            <a:off x="685800" y="1143000"/>
+            <a:ext cx="5482800" cy="3082320"/>
+          </a:xfrm>
+          <a:prstGeom prst="rect">
+            <a:avLst/>
+          </a:prstGeom>
+        </p:spPr>
+      </p:sp>
+      <p:sp>
+        <p:nvSpPr>
+          <p:cNvPr id="314" name="PlaceHolder 2"/>
+          <p:cNvSpPr>
+            <a:spLocks noGrp="1"/>
+          </p:cNvSpPr>
+          <p:nvPr>
+            <p:ph type="body"/>
+          </p:nvPr>
+        </p:nvSpPr>
+        <p:spPr>
+          <a:xfrm>
+            <a:off x="685800" y="4400640"/>
+            <a:ext cx="5482440" cy="3596400"/>
+          </a:xfrm>
+          <a:prstGeom prst="rect">
+            <a:avLst/>
+          </a:prstGeom>
+        </p:spPr>
+        <p:txBody>
+          <a:bodyPr lIns="0" tIns="0" rIns="0" bIns="0">
+            <a:noAutofit/>
+          </a:bodyPr>
+          <a:lstStyle/>
+          <a:p>
+            <a:endParaRPr lang="pt-BR" sz="2000" b="0" strike="noStrike" spc="-1">
+              <a:latin typeface="Arial"/>
+            </a:endParaRPr>
+          </a:p>
+        </p:txBody>
+      </p:sp>
+      <p:sp>
+        <p:nvSpPr>
+          <p:cNvPr id="315" name="CustomShape 3"/>
+          <p:cNvSpPr/>
+          <p:nvPr/>
+        </p:nvSpPr>
+        <p:spPr>
+          <a:xfrm>
+            <a:off x="3884760" y="8685360"/>
+            <a:ext cx="2967840" cy="454680"/>
+          </a:xfrm>
+          <a:prstGeom prst="rect">
+            <a:avLst/>
+          </a:prstGeom>
+          <a:noFill/>
+          <a:ln>
+            <a:noFill/>
+          </a:ln>
+        </p:spPr>
+        <p:style>
+          <a:lnRef idx="0">
+            <a:scrgbClr r="0" g="0" b="0"/>
+          </a:lnRef>
+          <a:fillRef idx="0">
+            <a:scrgbClr r="0" g="0" b="0"/>
+          </a:fillRef>
+          <a:effectRef idx="0">
+            <a:scrgbClr r="0" g="0" b="0"/>
+          </a:effectRef>
+          <a:fontRef idx="minor"/>
+        </p:style>
+        <p:txBody>
+          <a:bodyPr lIns="90000" tIns="45000" rIns="90000" bIns="45000" anchor="b">
+            <a:noAutofit/>
+          </a:bodyPr>
+          <a:lstStyle/>
+          <a:p>
+            <a:pPr algn="r">
+              <a:lnSpc>
+                <a:spcPct val="100000"/>
+              </a:lnSpc>
+            </a:pPr>
+            <a:fld id="{B008546A-9EE6-49C8-B1DE-CF65AB5C1D04}" type="slidenum">
+              <a:rPr lang="pt-BR" sz="1200" b="0" strike="noStrike" spc="-1">
+                <a:solidFill>
+                  <a:srgbClr val="000000"/>
+                </a:solidFill>
+                <a:latin typeface="Times New Roman"/>
+                <a:ea typeface="+mn-ea"/>
+              </a:rPr>
+              <a:t>59</a:t>
             </a:fld>
             <a:endParaRPr lang="pt-BR" sz="1200" b="0" strike="noStrike" spc="-1">
               <a:latin typeface="Arial"/>
@@ -7796,6 +8222,140 @@
 </p:notes>
 </file>
 
+<file path=ppt/notesSlides/notesSlide60.xml><?xml version="1.0" encoding="utf-8"?>
+<p:notes xmlns:a="http://schemas.openxmlformats.org/drawingml/2006/main" xmlns:r="http://schemas.openxmlformats.org/officeDocument/2006/relationships" xmlns:p="http://schemas.openxmlformats.org/presentationml/2006/main">
+  <p:cSld>
+    <p:spTree>
+      <p:nvGrpSpPr>
+        <p:cNvPr id="1" name=""/>
+        <p:cNvGrpSpPr/>
+        <p:nvPr/>
+      </p:nvGrpSpPr>
+      <p:grpSpPr>
+        <a:xfrm>
+          <a:off x="0" y="0"/>
+          <a:ext cx="0" cy="0"/>
+          <a:chOff x="0" y="0"/>
+          <a:chExt cx="0" cy="0"/>
+        </a:xfrm>
+      </p:grpSpPr>
+      <p:sp>
+        <p:nvSpPr>
+          <p:cNvPr id="316" name="PlaceHolder 1"/>
+          <p:cNvSpPr>
+            <a:spLocks noGrp="1" noRot="1" noChangeAspect="1"/>
+          </p:cNvSpPr>
+          <p:nvPr>
+            <p:ph type="sldImg"/>
+          </p:nvPr>
+        </p:nvSpPr>
+        <p:spPr>
+          <a:xfrm>
+            <a:off x="687388" y="1143000"/>
+            <a:ext cx="5480050" cy="3082925"/>
+          </a:xfrm>
+          <a:prstGeom prst="rect">
+            <a:avLst/>
+          </a:prstGeom>
+        </p:spPr>
+      </p:sp>
+      <p:sp>
+        <p:nvSpPr>
+          <p:cNvPr id="317" name="PlaceHolder 2"/>
+          <p:cNvSpPr>
+            <a:spLocks noGrp="1"/>
+          </p:cNvSpPr>
+          <p:nvPr>
+            <p:ph type="body"/>
+          </p:nvPr>
+        </p:nvSpPr>
+        <p:spPr>
+          <a:xfrm>
+            <a:off x="685800" y="4400640"/>
+            <a:ext cx="5482440" cy="3596400"/>
+          </a:xfrm>
+          <a:prstGeom prst="rect">
+            <a:avLst/>
+          </a:prstGeom>
+        </p:spPr>
+        <p:txBody>
+          <a:bodyPr lIns="0" tIns="0" rIns="0" bIns="0">
+            <a:noAutofit/>
+          </a:bodyPr>
+          <a:lstStyle/>
+          <a:p>
+            <a:endParaRPr lang="pt-BR" sz="2000" b="0" strike="noStrike" spc="-1">
+              <a:latin typeface="Arial"/>
+            </a:endParaRPr>
+          </a:p>
+        </p:txBody>
+      </p:sp>
+      <p:sp>
+        <p:nvSpPr>
+          <p:cNvPr id="318" name="CustomShape 3"/>
+          <p:cNvSpPr/>
+          <p:nvPr/>
+        </p:nvSpPr>
+        <p:spPr>
+          <a:xfrm>
+            <a:off x="3884760" y="8685360"/>
+            <a:ext cx="2967840" cy="454680"/>
+          </a:xfrm>
+          <a:prstGeom prst="rect">
+            <a:avLst/>
+          </a:prstGeom>
+          <a:noFill/>
+          <a:ln>
+            <a:noFill/>
+          </a:ln>
+        </p:spPr>
+        <p:style>
+          <a:lnRef idx="0">
+            <a:scrgbClr r="0" g="0" b="0"/>
+          </a:lnRef>
+          <a:fillRef idx="0">
+            <a:scrgbClr r="0" g="0" b="0"/>
+          </a:fillRef>
+          <a:effectRef idx="0">
+            <a:scrgbClr r="0" g="0" b="0"/>
+          </a:effectRef>
+          <a:fontRef idx="minor"/>
+        </p:style>
+        <p:txBody>
+          <a:bodyPr lIns="90000" tIns="45000" rIns="90000" bIns="45000" anchor="b">
+            <a:noAutofit/>
+          </a:bodyPr>
+          <a:lstStyle/>
+          <a:p>
+            <a:pPr algn="r">
+              <a:lnSpc>
+                <a:spcPct val="100000"/>
+              </a:lnSpc>
+            </a:pPr>
+            <a:fld id="{6CDBEE86-8171-4C12-86ED-7FE502965E94}" type="slidenum">
+              <a:rPr lang="pt-BR" sz="1200" b="0" strike="noStrike" spc="-1">
+                <a:solidFill>
+                  <a:srgbClr val="000000"/>
+                </a:solidFill>
+                <a:latin typeface="Times New Roman"/>
+                <a:ea typeface="+mn-ea"/>
+              </a:rPr>
+              <a:t>60</a:t>
+            </a:fld>
+            <a:endParaRPr lang="pt-BR" sz="1200" b="0" strike="noStrike" spc="-1">
+              <a:latin typeface="Arial"/>
+            </a:endParaRPr>
+          </a:p>
+        </p:txBody>
+      </p:sp>
+    </p:spTree>
+  </p:cSld>
+  <p:clrMapOvr>
+    <a:masterClrMapping/>
+  </p:clrMapOvr>
+</p:notes>
+</file>
+
 <file path=ppt/notesSlides/notesSlide7.xml><?xml version="1.0" encoding="utf-8"?>
 <p:notes xmlns:a="http://schemas.openxmlformats.org/drawingml/2006/main" xmlns:r="http://schemas.openxmlformats.org/officeDocument/2006/relationships" xmlns:p="http://schemas.openxmlformats.org/presentationml/2006/main">
   <p:cSld>
@@ -7867,7 +8427,7 @@
               </a:tabLst>
             </a:pPr>
             <a:r>
-              <a:rPr lang="pt-BR" sz="2000" b="0" strike="noStrike" spc="-1">
+              <a:rPr lang="pt-BR" sz="2000" b="0" strike="noStrike" spc="-1" dirty="0">
                 <a:latin typeface="Arial"/>
               </a:rPr>
               <a:t>Caso a instalação falhe, verificar política de execução:</a:t>
@@ -7883,11 +8443,14 @@
               </a:tabLst>
             </a:pPr>
             <a:r>
-              <a:rPr lang="pt-BR" sz="2000" b="0" strike="noStrike" spc="-1">
+              <a:rPr lang="pt-BR" sz="2000" b="0" strike="noStrike" spc="-1" dirty="0" err="1">
                 <a:latin typeface="Arial"/>
               </a:rPr>
               <a:t>Get-ExecutionPolicy</a:t>
             </a:r>
+            <a:endParaRPr lang="pt-BR" sz="2000" b="0" strike="noStrike" spc="-1" dirty="0">
+              <a:latin typeface="Arial"/>
+            </a:endParaRPr>
           </a:p>
           <a:p>
             <a:pPr marL="216000" indent="-214200">
@@ -7898,7 +8461,7 @@
                 <a:tab pos="0" algn="l"/>
               </a:tabLst>
             </a:pPr>
-            <a:endParaRPr lang="pt-BR" sz="2000" b="0" strike="noStrike" spc="-1">
+            <a:endParaRPr lang="pt-BR" sz="2000" b="0" strike="noStrike" spc="-1" dirty="0">
               <a:latin typeface="Arial"/>
             </a:endParaRPr>
           </a:p>
@@ -7912,13 +8475,41 @@
               </a:tabLst>
             </a:pPr>
             <a:r>
-              <a:rPr lang="pt-BR" sz="2000" b="0" strike="noStrike" spc="-1">
+              <a:rPr lang="pt-BR" sz="2000" b="0" strike="noStrike" spc="-1" dirty="0">
                 <a:latin typeface="Arial"/>
                 <a:ea typeface="Noto Sans CJK SC"/>
               </a:rPr>
-              <a:t>Configurar como ‘RemoteSigned’ ou ‘Unrestricted’:</a:t>
-            </a:r>
-            <a:endParaRPr lang="pt-BR" sz="2000" b="0" strike="noStrike" spc="-1">
+              <a:t>Configurar como ‘</a:t>
+            </a:r>
+            <a:r>
+              <a:rPr lang="pt-BR" sz="2000" b="0" strike="noStrike" spc="-1" dirty="0" err="1">
+                <a:latin typeface="Arial"/>
+                <a:ea typeface="Noto Sans CJK SC"/>
+              </a:rPr>
+              <a:t>RemoteSigned</a:t>
+            </a:r>
+            <a:r>
+              <a:rPr lang="pt-BR" sz="2000" b="0" strike="noStrike" spc="-1" dirty="0">
+                <a:latin typeface="Arial"/>
+                <a:ea typeface="Noto Sans CJK SC"/>
+              </a:rPr>
+              <a:t>’ ou ‘</a:t>
+            </a:r>
+            <a:r>
+              <a:rPr lang="pt-BR" sz="2000" b="0" strike="noStrike" spc="-1" dirty="0" err="1">
+                <a:latin typeface="Arial"/>
+                <a:ea typeface="Noto Sans CJK SC"/>
+              </a:rPr>
+              <a:t>Unrestricted</a:t>
+            </a:r>
+            <a:r>
+              <a:rPr lang="pt-BR" sz="2000" b="0" strike="noStrike" spc="-1" dirty="0">
+                <a:latin typeface="Arial"/>
+                <a:ea typeface="Noto Sans CJK SC"/>
+              </a:rPr>
+              <a:t>’:</a:t>
+            </a:r>
+            <a:endParaRPr lang="pt-BR" sz="2000" b="0" strike="noStrike" spc="-1" dirty="0">
               <a:latin typeface="Arial"/>
             </a:endParaRPr>
           </a:p>
@@ -7932,13 +8523,34 @@
               </a:tabLst>
             </a:pPr>
             <a:r>
-              <a:rPr lang="pt-BR" sz="2000" b="0" strike="noStrike" spc="-1">
+              <a:rPr lang="pt-BR" sz="2000" b="0" strike="noStrike" spc="-1" dirty="0">
                 <a:latin typeface="Arial"/>
                 <a:ea typeface="Noto Sans CJK SC"/>
               </a:rPr>
-              <a:t>Set-ExecutionPolicy RemoteSigned</a:t>
-            </a:r>
-            <a:endParaRPr lang="pt-BR" sz="2000" b="0" strike="noStrike" spc="-1">
+              <a:t>Set-</a:t>
+            </a:r>
+            <a:r>
+              <a:rPr lang="pt-BR" sz="2000" b="0" strike="noStrike" spc="-1" dirty="0" err="1">
+                <a:latin typeface="Arial"/>
+                <a:ea typeface="Noto Sans CJK SC"/>
+              </a:rPr>
+              <a:t>ExecutionPolicy</a:t>
+            </a:r>
+            <a:r>
+              <a:rPr lang="pt-BR" sz="2000" b="0" strike="noStrike" spc="-1" dirty="0">
+                <a:latin typeface="Arial"/>
+                <a:ea typeface="Noto Sans CJK SC"/>
+              </a:rPr>
+              <a:t> </a:t>
+            </a:r>
+            <a:r>
+              <a:rPr lang="pt-BR" sz="2000" b="0" strike="noStrike" spc="-1" dirty="0" err="1">
+                <a:latin typeface="+mn-lt"/>
+                <a:ea typeface="Noto Sans CJK SC"/>
+              </a:rPr>
+              <a:t>Unrestricted</a:t>
+            </a:r>
+            <a:endParaRPr lang="pt-BR" sz="2000" b="0" strike="noStrike" spc="-1" dirty="0">
               <a:latin typeface="Arial"/>
             </a:endParaRPr>
           </a:p>
@@ -23158,34 +23770,12 @@
               </a:lnSpc>
             </a:pPr>
             <a:r>
-              <a:rPr lang="pt-BR" sz="5400" b="0" i="1" strike="noStrike" spc="-1" dirty="0">
-                <a:solidFill>
-                  <a:srgbClr val="1F4E79"/>
-                </a:solidFill>
-                <a:latin typeface="Arial"/>
-                <a:ea typeface="DejaVu Sans"/>
-              </a:rPr>
-              <a:t>Queries</a:t>
-            </a:r>
-            <a:r>
-              <a:rPr lang="pt-BR" sz="5400" b="0" strike="noStrike" spc="-1" dirty="0">
-                <a:solidFill>
-                  <a:srgbClr val="1F4E79"/>
-                </a:solidFill>
-                <a:latin typeface="Arial"/>
-                <a:ea typeface="DejaVu Sans"/>
-              </a:rPr>
-              <a:t> via </a:t>
-            </a:r>
-            <a:r>
-              <a:rPr lang="pt-BR" sz="5400" b="0" strike="noStrike" spc="-1" dirty="0" err="1">
-                <a:solidFill>
-                  <a:srgbClr val="1F4E79"/>
-                </a:solidFill>
-                <a:latin typeface="Arial"/>
-                <a:ea typeface="DejaVu Sans"/>
-              </a:rPr>
-              <a:t>Sequelize</a:t>
+              <a:rPr lang="pt-BR" sz="5400" spc="-1" dirty="0">
+                <a:solidFill>
+                  <a:srgbClr val="1F4E79"/>
+                </a:solidFill>
+              </a:rPr>
+              <a:t>Exercício em grupo (3 integrantes)</a:t>
             </a:r>
             <a:endParaRPr lang="pt-BR" sz="5400" b="0" strike="noStrike" spc="-1" dirty="0">
               <a:latin typeface="Arial"/>
@@ -23252,7 +23842,7 @@
                 <a:latin typeface="Arial"/>
                 <a:ea typeface="DejaVu Sans"/>
               </a:rPr>
-              <a:t>O </a:t>
+              <a:t>Criar uma tabela </a:t>
             </a:r>
             <a:r>
               <a:rPr lang="pt-BR" sz="3200" b="0" strike="noStrike" spc="-1" dirty="0" err="1">
@@ -23262,7 +23852,7 @@
                 <a:latin typeface="Arial"/>
                 <a:ea typeface="DejaVu Sans"/>
               </a:rPr>
-              <a:t>Sequelize</a:t>
+              <a:t>User</a:t>
             </a:r>
             <a:r>
               <a:rPr lang="pt-BR" sz="3200" b="0" strike="noStrike" spc="-1" dirty="0">
@@ -23272,7 +23862,61 @@
                 <a:latin typeface="Arial"/>
                 <a:ea typeface="DejaVu Sans"/>
               </a:rPr>
-              <a:t> fornece vários métodos que auxiliam na consulta por dados no DB </a:t>
+              <a:t>, no mesmo banco de dados, com os campos:</a:t>
+            </a:r>
+          </a:p>
+          <a:p>
+            <a:pPr marL="457200" indent="-457200">
+              <a:lnSpc>
+                <a:spcPct val="100000"/>
+              </a:lnSpc>
+              <a:spcBef>
+                <a:spcPts val="1001"/>
+              </a:spcBef>
+              <a:spcAft>
+                <a:spcPts val="1001"/>
+              </a:spcAft>
+              <a:buFont typeface="Arial" panose="020B0604020202020204" pitchFamily="34" charset="0"/>
+              <a:buChar char="•"/>
+              <a:tabLst>
+                <a:tab pos="0" algn="l"/>
+              </a:tabLst>
+            </a:pPr>
+            <a:r>
+              <a:rPr lang="pt-BR" sz="3200" spc="-1" dirty="0">
+                <a:solidFill>
+                  <a:srgbClr val="1F4E79"/>
+                </a:solidFill>
+                <a:latin typeface="Arial"/>
+              </a:rPr>
+              <a:t>nome;</a:t>
+            </a:r>
+          </a:p>
+          <a:p>
+            <a:pPr marL="457200" indent="-457200">
+              <a:lnSpc>
+                <a:spcPct val="100000"/>
+              </a:lnSpc>
+              <a:spcBef>
+                <a:spcPts val="1001"/>
+              </a:spcBef>
+              <a:spcAft>
+                <a:spcPts val="1001"/>
+              </a:spcAft>
+              <a:buFont typeface="Arial" panose="020B0604020202020204" pitchFamily="34" charset="0"/>
+              <a:buChar char="•"/>
+              <a:tabLst>
+                <a:tab pos="0" algn="l"/>
+              </a:tabLst>
+            </a:pPr>
+            <a:r>
+              <a:rPr lang="pt-BR" sz="3200" b="0" strike="noStrike" spc="-1" dirty="0" err="1">
+                <a:solidFill>
+                  <a:srgbClr val="1F4E79"/>
+                </a:solidFill>
+                <a:latin typeface="Arial"/>
+              </a:rPr>
+              <a:t>email</a:t>
             </a:r>
             <a:r>
               <a:rPr lang="pt-BR" sz="3200" b="0" strike="noStrike" spc="-1" dirty="0">
@@ -23280,20 +23924,60 @@
                   <a:srgbClr val="1F4E79"/>
                 </a:solidFill>
                 <a:latin typeface="Arial"/>
-                <a:ea typeface="DejaVu Sans"/>
-                <a:hlinkClick r:id="rId3"/>
-              </a:rPr>
-              <a:t>*</a:t>
-            </a:r>
+              </a:rPr>
+              <a:t>; e</a:t>
+            </a:r>
+          </a:p>
+          <a:p>
+            <a:pPr marL="457200" indent="-457200">
+              <a:lnSpc>
+                <a:spcPct val="100000"/>
+              </a:lnSpc>
+              <a:spcBef>
+                <a:spcPts val="1001"/>
+              </a:spcBef>
+              <a:spcAft>
+                <a:spcPts val="1001"/>
+              </a:spcAft>
+              <a:buFont typeface="Arial" panose="020B0604020202020204" pitchFamily="34" charset="0"/>
+              <a:buChar char="•"/>
+              <a:tabLst>
+                <a:tab pos="0" algn="l"/>
+              </a:tabLst>
+            </a:pPr>
+            <a:r>
+              <a:rPr lang="pt-BR" sz="3200" spc="-1" dirty="0">
+                <a:solidFill>
+                  <a:srgbClr val="1F4E79"/>
+                </a:solidFill>
+                <a:latin typeface="Arial"/>
+              </a:rPr>
+              <a:t>senha.</a:t>
+            </a:r>
+          </a:p>
+          <a:p>
+            <a:pPr algn="ctr">
+              <a:lnSpc>
+                <a:spcPct val="100000"/>
+              </a:lnSpc>
+              <a:spcBef>
+                <a:spcPts val="1001"/>
+              </a:spcBef>
+              <a:spcAft>
+                <a:spcPts val="1001"/>
+              </a:spcAft>
+              <a:tabLst>
+                <a:tab pos="0" algn="l"/>
+              </a:tabLst>
+            </a:pPr>
             <a:r>
               <a:rPr lang="pt-BR" sz="3200" b="0" strike="noStrike" spc="-1" dirty="0">
                 <a:solidFill>
                   <a:srgbClr val="1F4E79"/>
                 </a:solidFill>
                 <a:latin typeface="Arial"/>
-                <a:ea typeface="DejaVu Sans"/>
-              </a:rPr>
-              <a:t>.</a:t>
+              </a:rPr>
+              <a:t>OBS.: 1 entrega por integrante</a:t>
             </a:r>
             <a:endParaRPr lang="pt-BR" sz="2800" b="0" strike="noStrike" spc="-1" dirty="0">
               <a:latin typeface="Arial"/>
@@ -23304,7 +23988,7 @@
     </p:spTree>
     <p:extLst>
       <p:ext uri="{BB962C8B-B14F-4D97-AF65-F5344CB8AC3E}">
-        <p14:creationId xmlns:p14="http://schemas.microsoft.com/office/powerpoint/2010/main" val="2908346688"/>
+        <p14:creationId xmlns:p14="http://schemas.microsoft.com/office/powerpoint/2010/main" val="3845179320"/>
       </p:ext>
     </p:extLst>
   </p:cSld>
@@ -23333,7 +24017,7 @@
       </p:grpSpPr>
       <p:sp>
         <p:nvSpPr>
-          <p:cNvPr id="149" name="CustomShape 1"/>
+          <p:cNvPr id="169" name="CustomShape 1"/>
           <p:cNvSpPr/>
           <p:nvPr/>
         </p:nvSpPr>
@@ -23374,6 +24058,16 @@
               </a:lnSpc>
             </a:pPr>
             <a:r>
+              <a:rPr lang="pt-BR" sz="5400" b="0" i="1" strike="noStrike" spc="-1" dirty="0">
+                <a:solidFill>
+                  <a:srgbClr val="1F4E79"/>
+                </a:solidFill>
+                <a:latin typeface="Arial"/>
+                <a:ea typeface="DejaVu Sans"/>
+              </a:rPr>
+              <a:t>Queries</a:t>
+            </a:r>
+            <a:r>
               <a:rPr lang="pt-BR" sz="5400" b="0" strike="noStrike" spc="-1" dirty="0">
                 <a:solidFill>
                   <a:srgbClr val="1F4E79"/>
@@ -23381,7 +24075,7 @@
                 <a:latin typeface="Arial"/>
                 <a:ea typeface="DejaVu Sans"/>
               </a:rPr>
-              <a:t>Recurso </a:t>
+              <a:t> via </a:t>
             </a:r>
             <a:r>
               <a:rPr lang="pt-BR" sz="5400" b="0" strike="noStrike" spc="-1" dirty="0" err="1">
@@ -23391,17 +24085,7 @@
                 <a:latin typeface="Arial"/>
                 <a:ea typeface="DejaVu Sans"/>
               </a:rPr>
-              <a:t>products</a:t>
-            </a:r>
-            <a:r>
-              <a:rPr lang="pt-BR" sz="5400" b="0" strike="noStrike" spc="-1" dirty="0">
-                <a:solidFill>
-                  <a:srgbClr val="1F4E79"/>
-                </a:solidFill>
-                <a:latin typeface="Arial"/>
-                <a:ea typeface="DejaVu Sans"/>
-              </a:rPr>
-              <a:t> (POST)</a:t>
+              <a:t>Sequelize</a:t>
             </a:r>
             <a:endParaRPr lang="pt-BR" sz="5400" b="0" strike="noStrike" spc="-1" dirty="0">
               <a:latin typeface="Arial"/>
@@ -23411,7 +24095,7 @@
       </p:sp>
       <p:sp>
         <p:nvSpPr>
-          <p:cNvPr id="150" name="CustomShape 2"/>
+          <p:cNvPr id="170" name="CustomShape 2"/>
           <p:cNvSpPr/>
           <p:nvPr/>
         </p:nvSpPr>
@@ -23442,11 +24126,11 @@
         </p:style>
         <p:txBody>
           <a:bodyPr lIns="90000" tIns="45000" rIns="90000" bIns="45000">
-            <a:normAutofit fontScale="62500" lnSpcReduction="20000"/>
+            <a:normAutofit/>
           </a:bodyPr>
           <a:lstStyle/>
           <a:p>
-            <a:pPr>
+            <a:pPr algn="ctr">
               <a:lnSpc>
                 <a:spcPct val="100000"/>
               </a:lnSpc>
@@ -23461,601 +24145,57 @@
               </a:tabLst>
             </a:pPr>
             <a:r>
+              <a:rPr lang="pt-BR" sz="3200" b="0" strike="noStrike" spc="-1" dirty="0">
+                <a:solidFill>
+                  <a:srgbClr val="1F4E79"/>
+                </a:solidFill>
+                <a:latin typeface="Arial"/>
+                <a:ea typeface="DejaVu Sans"/>
+              </a:rPr>
+              <a:t>O </a:t>
+            </a:r>
+            <a:r>
               <a:rPr lang="pt-BR" sz="3200" b="0" strike="noStrike" spc="-1" dirty="0" err="1">
                 <a:solidFill>
                   <a:srgbClr val="1F4E79"/>
                 </a:solidFill>
-                <a:latin typeface="Courier New"/>
-                <a:ea typeface="DejaVu Sans"/>
-              </a:rPr>
-              <a:t>const</a:t>
+                <a:latin typeface="Arial"/>
+                <a:ea typeface="DejaVu Sans"/>
+              </a:rPr>
+              <a:t>Sequelize</a:t>
             </a:r>
             <a:r>
               <a:rPr lang="pt-BR" sz="3200" b="0" strike="noStrike" spc="-1" dirty="0">
                 <a:solidFill>
                   <a:srgbClr val="1F4E79"/>
                 </a:solidFill>
-                <a:latin typeface="Courier New"/>
-                <a:ea typeface="DejaVu Sans"/>
-              </a:rPr>
-              <a:t> { </a:t>
-            </a:r>
-            <a:r>
-              <a:rPr lang="pt-BR" sz="3200" b="0" strike="noStrike" spc="-1" dirty="0" err="1">
-                <a:solidFill>
-                  <a:srgbClr val="1F4E79"/>
-                </a:solidFill>
-                <a:latin typeface="Courier New"/>
-                <a:ea typeface="DejaVu Sans"/>
-              </a:rPr>
-              <a:t>Product</a:t>
+                <a:latin typeface="Arial"/>
+                <a:ea typeface="DejaVu Sans"/>
+              </a:rPr>
+              <a:t> fornece vários métodos que auxiliam na consulta por dados no DB </a:t>
             </a:r>
             <a:r>
               <a:rPr lang="pt-BR" sz="3200" b="0" strike="noStrike" spc="-1" dirty="0">
                 <a:solidFill>
                   <a:srgbClr val="1F4E79"/>
                 </a:solidFill>
-                <a:latin typeface="Courier New"/>
-                <a:ea typeface="DejaVu Sans"/>
-              </a:rPr>
-              <a:t> } = </a:t>
-            </a:r>
-            <a:r>
-              <a:rPr lang="pt-BR" sz="3200" b="0" strike="noStrike" spc="-1" dirty="0" err="1">
-                <a:solidFill>
-                  <a:srgbClr val="1F4E79"/>
-                </a:solidFill>
-                <a:latin typeface="Courier New"/>
-                <a:ea typeface="DejaVu Sans"/>
-              </a:rPr>
-              <a:t>require</a:t>
+                <a:latin typeface="Arial"/>
+                <a:ea typeface="DejaVu Sans"/>
+                <a:hlinkClick r:id="rId3"/>
+              </a:rPr>
+              <a:t>*</a:t>
             </a:r>
             <a:r>
               <a:rPr lang="pt-BR" sz="3200" b="0" strike="noStrike" spc="-1" dirty="0">
                 <a:solidFill>
                   <a:srgbClr val="1F4E79"/>
                 </a:solidFill>
-                <a:latin typeface="Courier New"/>
-                <a:ea typeface="DejaVu Sans"/>
-              </a:rPr>
-              <a:t>(‘../</a:t>
-            </a:r>
-            <a:r>
-              <a:rPr lang="pt-BR" sz="3200" b="0" strike="noStrike" spc="-1" dirty="0" err="1">
-                <a:solidFill>
-                  <a:srgbClr val="1F4E79"/>
-                </a:solidFill>
-                <a:latin typeface="Courier New"/>
-                <a:ea typeface="DejaVu Sans"/>
-              </a:rPr>
-              <a:t>models</a:t>
-            </a:r>
-            <a:r>
-              <a:rPr lang="pt-BR" sz="3200" b="0" strike="noStrike" spc="-1" dirty="0">
-                <a:solidFill>
-                  <a:srgbClr val="1F4E79"/>
-                </a:solidFill>
-                <a:latin typeface="Courier New"/>
-                <a:ea typeface="DejaVu Sans"/>
-              </a:rPr>
-              <a:t>’);</a:t>
-            </a:r>
-          </a:p>
-          <a:p>
-            <a:pPr>
-              <a:lnSpc>
-                <a:spcPct val="100000"/>
-              </a:lnSpc>
-              <a:spcBef>
-                <a:spcPts val="1001"/>
-              </a:spcBef>
-              <a:spcAft>
-                <a:spcPts val="1001"/>
-              </a:spcAft>
-              <a:tabLst>
-                <a:tab pos="0" algn="l"/>
-              </a:tabLst>
-            </a:pPr>
-            <a:r>
-              <a:rPr lang="pt-BR" sz="3200" spc="-1" dirty="0" err="1">
-                <a:solidFill>
-                  <a:srgbClr val="1F4E79"/>
-                </a:solidFill>
-                <a:latin typeface="Courier New"/>
-              </a:rPr>
-              <a:t>app.post</a:t>
-            </a:r>
-            <a:r>
-              <a:rPr lang="pt-BR" sz="3200" spc="-1" dirty="0">
-                <a:solidFill>
-                  <a:srgbClr val="1F4E79"/>
-                </a:solidFill>
-                <a:latin typeface="Courier New"/>
-              </a:rPr>
-              <a:t>('/</a:t>
-            </a:r>
-            <a:r>
-              <a:rPr lang="pt-BR" sz="3200" spc="-1" dirty="0" err="1">
-                <a:solidFill>
-                  <a:srgbClr val="1F4E79"/>
-                </a:solidFill>
-                <a:latin typeface="Courier New"/>
-              </a:rPr>
-              <a:t>products</a:t>
-            </a:r>
-            <a:r>
-              <a:rPr lang="pt-BR" sz="3200" spc="-1" dirty="0">
-                <a:solidFill>
-                  <a:srgbClr val="1F4E79"/>
-                </a:solidFill>
-                <a:latin typeface="Courier New"/>
-              </a:rPr>
-              <a:t>', </a:t>
-            </a:r>
-            <a:r>
-              <a:rPr lang="pt-BR" sz="3200" spc="-1" dirty="0" err="1">
-                <a:solidFill>
-                  <a:srgbClr val="1F4E79"/>
-                </a:solidFill>
-                <a:latin typeface="Courier New"/>
-              </a:rPr>
-              <a:t>async</a:t>
-            </a:r>
-            <a:r>
-              <a:rPr lang="pt-BR" sz="3200" spc="-1" dirty="0">
-                <a:solidFill>
-                  <a:srgbClr val="1F4E79"/>
-                </a:solidFill>
-                <a:latin typeface="Courier New"/>
-              </a:rPr>
-              <a:t> (</a:t>
-            </a:r>
-            <a:r>
-              <a:rPr lang="pt-BR" sz="3200" spc="-1" dirty="0" err="1">
-                <a:solidFill>
-                  <a:srgbClr val="1F4E79"/>
-                </a:solidFill>
-                <a:latin typeface="Courier New"/>
-              </a:rPr>
-              <a:t>request</a:t>
-            </a:r>
-            <a:r>
-              <a:rPr lang="pt-BR" sz="3200" spc="-1" dirty="0">
-                <a:solidFill>
-                  <a:srgbClr val="1F4E79"/>
-                </a:solidFill>
-                <a:latin typeface="Courier New"/>
-              </a:rPr>
-              <a:t>, response) =&gt; {</a:t>
-            </a:r>
-          </a:p>
-          <a:p>
-            <a:pPr>
-              <a:lnSpc>
-                <a:spcPct val="100000"/>
-              </a:lnSpc>
-              <a:spcBef>
-                <a:spcPts val="1001"/>
-              </a:spcBef>
-              <a:spcAft>
-                <a:spcPts val="1001"/>
-              </a:spcAft>
-              <a:tabLst>
-                <a:tab pos="0" algn="l"/>
-              </a:tabLst>
-            </a:pPr>
-            <a:r>
-              <a:rPr lang="pt-BR" sz="3200" spc="-1" dirty="0">
-                <a:solidFill>
-                  <a:srgbClr val="1F4E79"/>
-                </a:solidFill>
-                <a:latin typeface="Courier New"/>
-              </a:rPr>
-              <a:t>		</a:t>
-            </a:r>
-            <a:r>
-              <a:rPr lang="pt-BR" sz="3200" spc="-1" dirty="0" err="1">
-                <a:solidFill>
-                  <a:srgbClr val="1F4E79"/>
-                </a:solidFill>
-                <a:latin typeface="Courier New"/>
-              </a:rPr>
-              <a:t>try</a:t>
-            </a:r>
-            <a:r>
-              <a:rPr lang="pt-BR" sz="3200" spc="-1" dirty="0">
-                <a:solidFill>
-                  <a:srgbClr val="1F4E79"/>
-                </a:solidFill>
-                <a:latin typeface="Courier New"/>
-              </a:rPr>
-              <a:t> {</a:t>
-            </a:r>
-          </a:p>
-          <a:p>
-            <a:pPr>
-              <a:lnSpc>
-                <a:spcPct val="100000"/>
-              </a:lnSpc>
-              <a:spcBef>
-                <a:spcPts val="1001"/>
-              </a:spcBef>
-              <a:spcAft>
-                <a:spcPts val="1001"/>
-              </a:spcAft>
-              <a:tabLst>
-                <a:tab pos="0" algn="l"/>
-              </a:tabLst>
-            </a:pPr>
-            <a:r>
-              <a:rPr lang="pt-BR" sz="3200" spc="-1" dirty="0">
-                <a:solidFill>
-                  <a:srgbClr val="1F4E79"/>
-                </a:solidFill>
-                <a:latin typeface="Courier New"/>
-              </a:rPr>
-              <a:t>        </a:t>
-            </a:r>
-            <a:r>
-              <a:rPr lang="pt-BR" sz="3200" spc="-1" dirty="0" err="1">
-                <a:solidFill>
-                  <a:srgbClr val="1F4E79"/>
-                </a:solidFill>
-                <a:latin typeface="Courier New"/>
-              </a:rPr>
-              <a:t>await</a:t>
-            </a:r>
-            <a:r>
-              <a:rPr lang="pt-BR" sz="3200" spc="-1" dirty="0">
-                <a:solidFill>
-                  <a:srgbClr val="1F4E79"/>
-                </a:solidFill>
-                <a:latin typeface="Courier New"/>
-              </a:rPr>
-              <a:t> </a:t>
-            </a:r>
-            <a:r>
-              <a:rPr lang="pt-BR" sz="3200" spc="-1" dirty="0" err="1">
-                <a:solidFill>
-                  <a:srgbClr val="1F4E79"/>
-                </a:solidFill>
-                <a:latin typeface="Courier New"/>
-              </a:rPr>
-              <a:t>Product.create</a:t>
-            </a:r>
-            <a:r>
-              <a:rPr lang="pt-BR" sz="3200" spc="-1" dirty="0">
-                <a:solidFill>
-                  <a:srgbClr val="1F4E79"/>
-                </a:solidFill>
-                <a:latin typeface="Courier New"/>
-              </a:rPr>
-              <a:t>(</a:t>
-            </a:r>
-            <a:r>
-              <a:rPr lang="pt-BR" sz="3200" spc="-1" dirty="0" err="1">
-                <a:solidFill>
-                  <a:srgbClr val="1F4E79"/>
-                </a:solidFill>
-                <a:latin typeface="Courier New"/>
-              </a:rPr>
-              <a:t>request.body</a:t>
-            </a:r>
-            <a:r>
-              <a:rPr lang="pt-BR" sz="3200" spc="-1" dirty="0">
-                <a:solidFill>
-                  <a:srgbClr val="1F4E79"/>
-                </a:solidFill>
-                <a:latin typeface="Courier New"/>
-              </a:rPr>
-              <a:t>);</a:t>
-            </a:r>
-          </a:p>
-          <a:p>
-            <a:pPr>
-              <a:lnSpc>
-                <a:spcPct val="100000"/>
-              </a:lnSpc>
-              <a:spcBef>
-                <a:spcPts val="1001"/>
-              </a:spcBef>
-              <a:spcAft>
-                <a:spcPts val="1001"/>
-              </a:spcAft>
-              <a:tabLst>
-                <a:tab pos="0" algn="l"/>
-              </a:tabLst>
-            </a:pPr>
-            <a:r>
-              <a:rPr lang="pt-BR" sz="3200" spc="-1" dirty="0">
-                <a:solidFill>
-                  <a:srgbClr val="1F4E79"/>
-                </a:solidFill>
-                <a:latin typeface="Courier New"/>
-              </a:rPr>
-              <a:t>        </a:t>
-            </a:r>
-            <a:r>
-              <a:rPr lang="pt-BR" sz="3200" spc="-1" dirty="0" err="1">
-                <a:solidFill>
-                  <a:srgbClr val="1F4E79"/>
-                </a:solidFill>
-                <a:latin typeface="Courier New"/>
-              </a:rPr>
-              <a:t>return</a:t>
-            </a:r>
-            <a:r>
-              <a:rPr lang="pt-BR" sz="3200" spc="-1" dirty="0">
-                <a:solidFill>
-                  <a:srgbClr val="1F4E79"/>
-                </a:solidFill>
-                <a:latin typeface="Courier New"/>
-              </a:rPr>
-              <a:t> </a:t>
-            </a:r>
-            <a:r>
-              <a:rPr lang="pt-BR" sz="3200" spc="-1" dirty="0" err="1">
-                <a:solidFill>
-                  <a:srgbClr val="1F4E79"/>
-                </a:solidFill>
-                <a:latin typeface="Courier New"/>
-              </a:rPr>
-              <a:t>response.status</a:t>
-            </a:r>
-            <a:r>
-              <a:rPr lang="pt-BR" sz="3200" spc="-1" dirty="0">
-                <a:solidFill>
-                  <a:srgbClr val="1F4E79"/>
-                </a:solidFill>
-                <a:latin typeface="Courier New"/>
-              </a:rPr>
-              <a:t>(201).</a:t>
-            </a:r>
-            <a:r>
-              <a:rPr lang="pt-BR" sz="3200" spc="-1" dirty="0" err="1">
-                <a:solidFill>
-                  <a:srgbClr val="1F4E79"/>
-                </a:solidFill>
-                <a:latin typeface="Courier New"/>
-              </a:rPr>
-              <a:t>json</a:t>
-            </a:r>
-            <a:r>
-              <a:rPr lang="pt-BR" sz="3200" spc="-1" dirty="0">
-                <a:solidFill>
-                  <a:srgbClr val="1F4E79"/>
-                </a:solidFill>
-                <a:latin typeface="Courier New"/>
-              </a:rPr>
-              <a:t>(</a:t>
-            </a:r>
-            <a:r>
-              <a:rPr lang="pt-BR" sz="3200" spc="-1" dirty="0" err="1">
-                <a:solidFill>
-                  <a:srgbClr val="1F4E79"/>
-                </a:solidFill>
-                <a:latin typeface="Courier New"/>
-              </a:rPr>
-              <a:t>request.body</a:t>
-            </a:r>
-            <a:r>
-              <a:rPr lang="pt-BR" sz="3200" spc="-1" dirty="0">
-                <a:solidFill>
-                  <a:srgbClr val="1F4E79"/>
-                </a:solidFill>
-                <a:latin typeface="Courier New"/>
-              </a:rPr>
-              <a:t>);</a:t>
-            </a:r>
-          </a:p>
-          <a:p>
-            <a:pPr>
-              <a:lnSpc>
-                <a:spcPct val="100000"/>
-              </a:lnSpc>
-              <a:spcBef>
-                <a:spcPts val="1001"/>
-              </a:spcBef>
-              <a:spcAft>
-                <a:spcPts val="1001"/>
-              </a:spcAft>
-              <a:tabLst>
-                <a:tab pos="0" algn="l"/>
-              </a:tabLst>
-            </a:pPr>
-            <a:r>
-              <a:rPr lang="pt-BR" sz="3200" spc="-1" dirty="0">
-                <a:solidFill>
-                  <a:srgbClr val="1F4E79"/>
-                </a:solidFill>
-                <a:latin typeface="Courier New"/>
-              </a:rPr>
-              <a:t>    	} catch (</a:t>
-            </a:r>
-            <a:r>
-              <a:rPr lang="pt-BR" sz="3200" spc="-1" dirty="0" err="1">
-                <a:solidFill>
-                  <a:srgbClr val="1F4E79"/>
-                </a:solidFill>
-                <a:latin typeface="Courier New"/>
-              </a:rPr>
-              <a:t>error</a:t>
-            </a:r>
-            <a:r>
-              <a:rPr lang="pt-BR" sz="3200" spc="-1" dirty="0">
-                <a:solidFill>
-                  <a:srgbClr val="1F4E79"/>
-                </a:solidFill>
-                <a:latin typeface="Courier New"/>
-              </a:rPr>
-              <a:t>) {</a:t>
-            </a:r>
-          </a:p>
-          <a:p>
-            <a:pPr>
-              <a:lnSpc>
-                <a:spcPct val="100000"/>
-              </a:lnSpc>
-              <a:spcBef>
-                <a:spcPts val="1001"/>
-              </a:spcBef>
-              <a:spcAft>
-                <a:spcPts val="1001"/>
-              </a:spcAft>
-              <a:tabLst>
-                <a:tab pos="0" algn="l"/>
-              </a:tabLst>
-            </a:pPr>
-            <a:r>
-              <a:rPr lang="pt-BR" sz="3200" spc="-1" dirty="0">
-                <a:solidFill>
-                  <a:srgbClr val="1F4E79"/>
-                </a:solidFill>
-                <a:latin typeface="Courier New"/>
-              </a:rPr>
-              <a:t>        </a:t>
-            </a:r>
-            <a:r>
-              <a:rPr lang="pt-BR" sz="3200" spc="-1" dirty="0" err="1">
-                <a:solidFill>
-                  <a:srgbClr val="1F4E79"/>
-                </a:solidFill>
-                <a:latin typeface="Courier New"/>
-              </a:rPr>
-              <a:t>return</a:t>
-            </a:r>
-            <a:r>
-              <a:rPr lang="pt-BR" sz="3200" spc="-1" dirty="0">
-                <a:solidFill>
-                  <a:srgbClr val="1F4E79"/>
-                </a:solidFill>
-                <a:latin typeface="Courier New"/>
-              </a:rPr>
-              <a:t> </a:t>
-            </a:r>
-            <a:r>
-              <a:rPr lang="pt-BR" sz="3200" spc="-1" dirty="0" err="1">
-                <a:solidFill>
-                  <a:srgbClr val="1F4E79"/>
-                </a:solidFill>
-                <a:latin typeface="Courier New"/>
-              </a:rPr>
-              <a:t>response.status</a:t>
-            </a:r>
-            <a:r>
-              <a:rPr lang="pt-BR" sz="3200" spc="-1" dirty="0">
-                <a:solidFill>
-                  <a:srgbClr val="1F4E79"/>
-                </a:solidFill>
-                <a:latin typeface="Courier New"/>
-              </a:rPr>
-              <a:t>(500).</a:t>
-            </a:r>
-            <a:r>
-              <a:rPr lang="pt-BR" sz="3200" spc="-1" dirty="0" err="1">
-                <a:solidFill>
-                  <a:srgbClr val="1F4E79"/>
-                </a:solidFill>
-                <a:latin typeface="Courier New"/>
-              </a:rPr>
-              <a:t>json</a:t>
-            </a:r>
-            <a:r>
-              <a:rPr lang="pt-BR" sz="3200" spc="-1" dirty="0">
-                <a:solidFill>
-                  <a:srgbClr val="1F4E79"/>
-                </a:solidFill>
-                <a:latin typeface="Courier New"/>
-              </a:rPr>
-              <a:t>({ </a:t>
-            </a:r>
-            <a:r>
-              <a:rPr lang="pt-BR" sz="3200" spc="-1" dirty="0" err="1">
-                <a:solidFill>
-                  <a:srgbClr val="1F4E79"/>
-                </a:solidFill>
-                <a:latin typeface="Courier New"/>
-              </a:rPr>
-              <a:t>error</a:t>
-            </a:r>
-            <a:r>
-              <a:rPr lang="pt-BR" sz="3200" spc="-1" dirty="0">
-                <a:solidFill>
-                  <a:srgbClr val="1F4E79"/>
-                </a:solidFill>
-                <a:latin typeface="Courier New"/>
-              </a:rPr>
-              <a:t>: </a:t>
-            </a:r>
-            <a:r>
-              <a:rPr lang="pt-BR" sz="3200" spc="-1" dirty="0" err="1">
-                <a:solidFill>
-                  <a:srgbClr val="1F4E79"/>
-                </a:solidFill>
-                <a:latin typeface="Courier New"/>
-              </a:rPr>
-              <a:t>error.message</a:t>
-            </a:r>
-            <a:r>
-              <a:rPr lang="pt-BR" sz="3200" spc="-1" dirty="0">
-                <a:solidFill>
-                  <a:srgbClr val="1F4E79"/>
-                </a:solidFill>
-                <a:latin typeface="Courier New"/>
-              </a:rPr>
-              <a:t> });</a:t>
-            </a:r>
-          </a:p>
-          <a:p>
-            <a:pPr>
-              <a:lnSpc>
-                <a:spcPct val="100000"/>
-              </a:lnSpc>
-              <a:spcBef>
-                <a:spcPts val="1001"/>
-              </a:spcBef>
-              <a:spcAft>
-                <a:spcPts val="1001"/>
-              </a:spcAft>
-              <a:tabLst>
-                <a:tab pos="0" algn="l"/>
-              </a:tabLst>
-            </a:pPr>
-            <a:r>
-              <a:rPr lang="pt-BR" sz="3200" spc="-1" dirty="0">
-                <a:solidFill>
-                  <a:srgbClr val="1F4E79"/>
-                </a:solidFill>
-                <a:latin typeface="Courier New"/>
-              </a:rPr>
-              <a:t>    	}</a:t>
-            </a:r>
-          </a:p>
-          <a:p>
-            <a:pPr>
-              <a:lnSpc>
-                <a:spcPct val="100000"/>
-              </a:lnSpc>
-              <a:spcBef>
-                <a:spcPts val="1001"/>
-              </a:spcBef>
-              <a:spcAft>
-                <a:spcPts val="1001"/>
-              </a:spcAft>
-              <a:tabLst>
-                <a:tab pos="0" algn="l"/>
-              </a:tabLst>
-            </a:pPr>
-            <a:r>
-              <a:rPr lang="pt-BR" sz="3200" spc="-1" dirty="0">
-                <a:solidFill>
-                  <a:srgbClr val="1F4E79"/>
-                </a:solidFill>
-                <a:latin typeface="Courier New"/>
-              </a:rPr>
-              <a:t>});</a:t>
-            </a:r>
-            <a:endParaRPr lang="pt-BR" sz="3200" b="0" strike="noStrike" spc="-1" dirty="0">
+                <a:latin typeface="Arial"/>
+                <a:ea typeface="DejaVu Sans"/>
+              </a:rPr>
+              <a:t>.</a:t>
+            </a:r>
+            <a:endParaRPr lang="pt-BR" sz="2800" b="0" strike="noStrike" spc="-1" dirty="0">
               <a:latin typeface="Arial"/>
             </a:endParaRPr>
           </a:p>
@@ -24064,7 +24204,7 @@
     </p:spTree>
     <p:extLst>
       <p:ext uri="{BB962C8B-B14F-4D97-AF65-F5344CB8AC3E}">
-        <p14:creationId xmlns:p14="http://schemas.microsoft.com/office/powerpoint/2010/main" val="790120975"/>
+        <p14:creationId xmlns:p14="http://schemas.microsoft.com/office/powerpoint/2010/main" val="2908346688"/>
       </p:ext>
     </p:extLst>
   </p:cSld>
@@ -24134,16 +24274,36 @@
               </a:lnSpc>
             </a:pPr>
             <a:r>
-              <a:rPr lang="pt-BR" sz="5400" b="0" strike="noStrike" spc="-1">
+              <a:rPr lang="pt-BR" sz="5400" b="0" strike="noStrike" spc="-1" dirty="0">
                 <a:solidFill>
                   <a:srgbClr val="1F4E79"/>
                 </a:solidFill>
                 <a:latin typeface="Arial"/>
                 <a:ea typeface="DejaVu Sans"/>
               </a:rPr>
-              <a:t>Recurso products (GET)</a:t>
-            </a:r>
-            <a:endParaRPr lang="pt-BR" sz="5400" b="0" strike="noStrike" spc="-1">
+              <a:t>Recurso </a:t>
+            </a:r>
+            <a:r>
+              <a:rPr lang="pt-BR" sz="5400" b="0" strike="noStrike" spc="-1" dirty="0" err="1">
+                <a:solidFill>
+                  <a:srgbClr val="1F4E79"/>
+                </a:solidFill>
+                <a:latin typeface="Arial"/>
+                <a:ea typeface="DejaVu Sans"/>
+              </a:rPr>
+              <a:t>products</a:t>
+            </a:r>
+            <a:r>
+              <a:rPr lang="pt-BR" sz="5400" b="0" strike="noStrike" spc="-1" dirty="0">
+                <a:solidFill>
+                  <a:srgbClr val="1F4E79"/>
+                </a:solidFill>
+                <a:latin typeface="Arial"/>
+                <a:ea typeface="DejaVu Sans"/>
+              </a:rPr>
+              <a:t> (POST)</a:t>
+            </a:r>
+            <a:endParaRPr lang="pt-BR" sz="5400" b="0" strike="noStrike" spc="-1" dirty="0">
               <a:latin typeface="Arial"/>
             </a:endParaRPr>
           </a:p>
@@ -24182,7 +24342,7 @@
         </p:style>
         <p:txBody>
           <a:bodyPr lIns="90000" tIns="45000" rIns="90000" bIns="45000">
-            <a:normAutofit fontScale="70000" lnSpcReduction="20000"/>
+            <a:normAutofit fontScale="62500" lnSpcReduction="20000"/>
           </a:bodyPr>
           <a:lstStyle/>
           <a:p>
@@ -24208,7 +24368,7 @@
                 <a:latin typeface="Courier New"/>
                 <a:ea typeface="DejaVu Sans"/>
               </a:rPr>
-              <a:t>app.get</a:t>
+              <a:t>const</a:t>
             </a:r>
             <a:r>
               <a:rPr lang="pt-BR" sz="3200" b="0" strike="noStrike" spc="-1" dirty="0">
@@ -24218,7 +24378,7 @@
                 <a:latin typeface="Courier New"/>
                 <a:ea typeface="DejaVu Sans"/>
               </a:rPr>
-              <a:t>(‘/</a:t>
+              <a:t> { </a:t>
             </a:r>
             <a:r>
               <a:rPr lang="pt-BR" sz="3200" b="0" strike="noStrike" spc="-1" dirty="0" err="1">
@@ -24228,7 +24388,7 @@
                 <a:latin typeface="Courier New"/>
                 <a:ea typeface="DejaVu Sans"/>
               </a:rPr>
-              <a:t>products</a:t>
+              <a:t>Product</a:t>
             </a:r>
             <a:r>
               <a:rPr lang="pt-BR" sz="3200" b="0" strike="noStrike" spc="-1" dirty="0">
@@ -24238,7 +24398,7 @@
                 <a:latin typeface="Courier New"/>
                 <a:ea typeface="DejaVu Sans"/>
               </a:rPr>
-              <a:t>/’, </a:t>
+              <a:t> } = </a:t>
             </a:r>
             <a:r>
               <a:rPr lang="pt-BR" sz="3200" b="0" strike="noStrike" spc="-1" dirty="0" err="1">
@@ -24248,7 +24408,7 @@
                 <a:latin typeface="Courier New"/>
                 <a:ea typeface="DejaVu Sans"/>
               </a:rPr>
-              <a:t>async</a:t>
+              <a:t>require</a:t>
             </a:r>
             <a:r>
               <a:rPr lang="pt-BR" sz="3200" b="0" strike="noStrike" spc="-1" dirty="0">
@@ -24258,7 +24418,7 @@
                 <a:latin typeface="Courier New"/>
                 <a:ea typeface="DejaVu Sans"/>
               </a:rPr>
-              <a:t> (</a:t>
+              <a:t>(‘../</a:t>
             </a:r>
             <a:r>
               <a:rPr lang="pt-BR" sz="3200" b="0" strike="noStrike" spc="-1" dirty="0" err="1">
@@ -24268,7 +24428,7 @@
                 <a:latin typeface="Courier New"/>
                 <a:ea typeface="DejaVu Sans"/>
               </a:rPr>
-              <a:t>request</a:t>
+              <a:t>models</a:t>
             </a:r>
             <a:r>
               <a:rPr lang="pt-BR" sz="3200" b="0" strike="noStrike" spc="-1" dirty="0">
@@ -24278,7 +24438,7 @@
                 <a:latin typeface="Courier New"/>
                 <a:ea typeface="DejaVu Sans"/>
               </a:rPr>
-              <a:t>, response) =&gt; {</a:t>
+              <a:t>’);</a:t>
             </a:r>
           </a:p>
           <a:p>
@@ -24297,13 +24457,22 @@
               </a:tabLst>
             </a:pPr>
             <a:r>
+              <a:rPr lang="pt-BR" sz="3200" spc="-1" dirty="0" err="1">
+                <a:solidFill>
+                  <a:srgbClr val="1F4E79"/>
+                </a:solidFill>
+                <a:latin typeface="Courier New"/>
+              </a:rPr>
+              <a:t>app.post</a:t>
+            </a:r>
+            <a:r>
               <a:rPr lang="pt-BR" sz="3200" spc="-1" dirty="0">
                 <a:solidFill>
                   <a:srgbClr val="1F4E79"/>
                 </a:solidFill>
                 <a:latin typeface="Courier New"/>
               </a:rPr>
-              <a:t>		</a:t>
+              <a:t>('/</a:t>
             </a:r>
             <a:r>
               <a:rPr lang="pt-BR" sz="3200" spc="-1" dirty="0" err="1">
@@ -24312,7 +24481,7 @@
                 </a:solidFill>
                 <a:latin typeface="Courier New"/>
               </a:rPr>
-              <a:t>try</a:t>
+              <a:t>products</a:t>
             </a:r>
             <a:r>
               <a:rPr lang="pt-BR" sz="3200" spc="-1" dirty="0">
@@ -24321,7 +24490,43 @@
                 </a:solidFill>
                 <a:latin typeface="Courier New"/>
               </a:rPr>
-              <a:t>{</a:t>
+              <a:t>', </a:t>
+            </a:r>
+            <a:r>
+              <a:rPr lang="pt-BR" sz="3200" spc="-1" dirty="0" err="1">
+                <a:solidFill>
+                  <a:srgbClr val="1F4E79"/>
+                </a:solidFill>
+                <a:latin typeface="Courier New"/>
+              </a:rPr>
+              <a:t>async</a:t>
+            </a:r>
+            <a:r>
+              <a:rPr lang="pt-BR" sz="3200" spc="-1" dirty="0">
+                <a:solidFill>
+                  <a:srgbClr val="1F4E79"/>
+                </a:solidFill>
+                <a:latin typeface="Courier New"/>
+              </a:rPr>
+              <a:t> (</a:t>
+            </a:r>
+            <a:r>
+              <a:rPr lang="pt-BR" sz="3200" spc="-1" dirty="0" err="1">
+                <a:solidFill>
+                  <a:srgbClr val="1F4E79"/>
+                </a:solidFill>
+                <a:latin typeface="Courier New"/>
+              </a:rPr>
+              <a:t>request</a:t>
+            </a:r>
+            <a:r>
+              <a:rPr lang="pt-BR" sz="3200" spc="-1" dirty="0">
+                <a:solidFill>
+                  <a:srgbClr val="1F4E79"/>
+                </a:solidFill>
+                <a:latin typeface="Courier New"/>
+              </a:rPr>
+              <a:t>, response) =&gt; {</a:t>
             </a:r>
           </a:p>
           <a:p>
@@ -24346,7 +24551,7 @@
                 </a:solidFill>
                 <a:latin typeface="Courier New"/>
               </a:rPr>
-              <a:t>			</a:t>
+              <a:t>		</a:t>
             </a:r>
             <a:r>
               <a:rPr lang="pt-BR" sz="3200" spc="-1" dirty="0" err="1">
@@ -24355,7 +24560,7 @@
                 </a:solidFill>
                 <a:latin typeface="Courier New"/>
               </a:rPr>
-              <a:t>const</a:t>
+              <a:t>try</a:t>
             </a:r>
             <a:r>
               <a:rPr lang="pt-BR" sz="3200" spc="-1" dirty="0">
@@ -24364,61 +24569,7 @@
                 </a:solidFill>
                 <a:latin typeface="Courier New"/>
               </a:rPr>
-              <a:t> </a:t>
-            </a:r>
-            <a:r>
-              <a:rPr lang="pt-BR" sz="3200" spc="-1" dirty="0" err="1">
-                <a:solidFill>
-                  <a:srgbClr val="1F4E79"/>
-                </a:solidFill>
-                <a:latin typeface="Courier New"/>
-              </a:rPr>
-              <a:t>products</a:t>
-            </a:r>
-            <a:r>
-              <a:rPr lang="pt-BR" sz="3200" spc="-1" dirty="0">
-                <a:solidFill>
-                  <a:srgbClr val="1F4E79"/>
-                </a:solidFill>
-                <a:latin typeface="Courier New"/>
-              </a:rPr>
-              <a:t> = </a:t>
-            </a:r>
-            <a:r>
-              <a:rPr lang="pt-BR" sz="3200" spc="-1" dirty="0" err="1">
-                <a:solidFill>
-                  <a:srgbClr val="1F4E79"/>
-                </a:solidFill>
-                <a:latin typeface="Courier New"/>
-              </a:rPr>
-              <a:t>await</a:t>
-            </a:r>
-            <a:r>
-              <a:rPr lang="pt-BR" sz="3200" spc="-1" dirty="0">
-                <a:solidFill>
-                  <a:srgbClr val="1F4E79"/>
-                </a:solidFill>
-                <a:latin typeface="Courier New"/>
-              </a:rPr>
-              <a:t> </a:t>
-            </a:r>
-            <a:r>
-              <a:rPr lang="pt-BR" sz="3200" spc="-1" dirty="0" err="1">
-                <a:solidFill>
-                  <a:srgbClr val="1F4E79"/>
-                </a:solidFill>
-                <a:latin typeface="Courier New"/>
-              </a:rPr>
-              <a:t>Product.findAll</a:t>
-            </a:r>
-            <a:r>
-              <a:rPr lang="pt-BR" sz="3200" spc="-1" dirty="0">
-                <a:solidFill>
-                  <a:srgbClr val="1F4E79"/>
-                </a:solidFill>
-                <a:latin typeface="Courier New"/>
-              </a:rPr>
-              <a:t>();</a:t>
+              <a:t> {</a:t>
             </a:r>
           </a:p>
           <a:p>
@@ -24443,7 +24594,7 @@
                 </a:solidFill>
                 <a:latin typeface="Courier New"/>
               </a:rPr>
-              <a:t>			</a:t>
+              <a:t>        </a:t>
             </a:r>
             <a:r>
               <a:rPr lang="pt-BR" sz="3200" spc="-1" dirty="0" err="1">
@@ -24452,7 +24603,7 @@
                 </a:solidFill>
                 <a:latin typeface="Courier New"/>
               </a:rPr>
-              <a:t>response.status</a:t>
+              <a:t>await</a:t>
             </a:r>
             <a:r>
               <a:rPr lang="pt-BR" sz="3200" spc="-1" dirty="0">
@@ -24461,7 +24612,7 @@
                 </a:solidFill>
                 <a:latin typeface="Courier New"/>
               </a:rPr>
-              <a:t>(200).</a:t>
+              <a:t> </a:t>
             </a:r>
             <a:r>
               <a:rPr lang="pt-BR" sz="3200" spc="-1" dirty="0" err="1">
@@ -24470,7 +24621,7 @@
                 </a:solidFill>
                 <a:latin typeface="Courier New"/>
               </a:rPr>
-              <a:t>json</a:t>
+              <a:t>Product.create</a:t>
             </a:r>
             <a:r>
               <a:rPr lang="pt-BR" sz="3200" spc="-1" dirty="0">
@@ -24488,7 +24639,7 @@
                 </a:solidFill>
                 <a:latin typeface="Courier New"/>
               </a:rPr>
-              <a:t>products</a:t>
+              <a:t>request.body</a:t>
             </a:r>
             <a:r>
               <a:rPr lang="pt-BR" sz="3200" spc="-1" dirty="0">
@@ -24522,7 +24673,7 @@
                 </a:solidFill>
                 <a:latin typeface="Courier New"/>
               </a:rPr>
-              <a:t>		} catch(</a:t>
+              <a:t>        </a:t>
             </a:r>
             <a:r>
               <a:rPr lang="pt-BR" sz="3200" spc="-1" dirty="0" err="1">
@@ -24531,7 +24682,7 @@
                 </a:solidFill>
                 <a:latin typeface="Courier New"/>
               </a:rPr>
-              <a:t>error</a:t>
+              <a:t>return</a:t>
             </a:r>
             <a:r>
               <a:rPr lang="pt-BR" sz="3200" spc="-1" dirty="0">
@@ -24540,7 +24691,61 @@
                 </a:solidFill>
                 <a:latin typeface="Courier New"/>
               </a:rPr>
-              <a:t>){</a:t>
+              <a:t> </a:t>
+            </a:r>
+            <a:r>
+              <a:rPr lang="pt-BR" sz="3200" spc="-1" dirty="0" err="1">
+                <a:solidFill>
+                  <a:srgbClr val="1F4E79"/>
+                </a:solidFill>
+                <a:latin typeface="Courier New"/>
+              </a:rPr>
+              <a:t>response.status</a:t>
+            </a:r>
+            <a:r>
+              <a:rPr lang="pt-BR" sz="3200" spc="-1" dirty="0">
+                <a:solidFill>
+                  <a:srgbClr val="1F4E79"/>
+                </a:solidFill>
+                <a:latin typeface="Courier New"/>
+              </a:rPr>
+              <a:t>(201).</a:t>
+            </a:r>
+            <a:r>
+              <a:rPr lang="pt-BR" sz="3200" spc="-1" dirty="0" err="1">
+                <a:solidFill>
+                  <a:srgbClr val="1F4E79"/>
+                </a:solidFill>
+                <a:latin typeface="Courier New"/>
+              </a:rPr>
+              <a:t>json</a:t>
+            </a:r>
+            <a:r>
+              <a:rPr lang="pt-BR" sz="3200" spc="-1" dirty="0">
+                <a:solidFill>
+                  <a:srgbClr val="1F4E79"/>
+                </a:solidFill>
+                <a:latin typeface="Courier New"/>
+              </a:rPr>
+              <a:t>(</a:t>
+            </a:r>
+            <a:r>
+              <a:rPr lang="pt-BR" sz="3200" spc="-1" dirty="0" err="1">
+                <a:solidFill>
+                  <a:srgbClr val="1F4E79"/>
+                </a:solidFill>
+                <a:latin typeface="Courier New"/>
+              </a:rPr>
+              <a:t>request.body</a:t>
+            </a:r>
+            <a:r>
+              <a:rPr lang="pt-BR" sz="3200" spc="-1" dirty="0">
+                <a:solidFill>
+                  <a:srgbClr val="1F4E79"/>
+                </a:solidFill>
+                <a:latin typeface="Courier New"/>
+              </a:rPr>
+              <a:t>);</a:t>
             </a:r>
           </a:p>
           <a:p>
@@ -24565,7 +24770,7 @@
                 </a:solidFill>
                 <a:latin typeface="Courier New"/>
               </a:rPr>
-              <a:t>			</a:t>
+              <a:t>    	} catch (</a:t>
             </a:r>
             <a:r>
               <a:rPr lang="pt-BR" sz="3200" spc="-1" dirty="0" err="1">
@@ -24574,7 +24779,7 @@
                 </a:solidFill>
                 <a:latin typeface="Courier New"/>
               </a:rPr>
-              <a:t>response.status</a:t>
+              <a:t>error</a:t>
             </a:r>
             <a:r>
               <a:rPr lang="pt-BR" sz="3200" spc="-1" dirty="0">
@@ -24583,61 +24788,7 @@
                 </a:solidFill>
                 <a:latin typeface="Courier New"/>
               </a:rPr>
-              <a:t>(500).</a:t>
-            </a:r>
-            <a:r>
-              <a:rPr lang="pt-BR" sz="3200" spc="-1" dirty="0" err="1">
-                <a:solidFill>
-                  <a:srgbClr val="1F4E79"/>
-                </a:solidFill>
-                <a:latin typeface="Courier New"/>
-              </a:rPr>
-              <a:t>json</a:t>
-            </a:r>
-            <a:r>
-              <a:rPr lang="pt-BR" sz="3200" spc="-1" dirty="0">
-                <a:solidFill>
-                  <a:srgbClr val="1F4E79"/>
-                </a:solidFill>
-                <a:latin typeface="Courier New"/>
-              </a:rPr>
-              <a:t>({ </a:t>
-            </a:r>
-            <a:r>
-              <a:rPr lang="pt-BR" sz="3200" spc="-1" dirty="0" err="1">
-                <a:solidFill>
-                  <a:srgbClr val="1F4E79"/>
-                </a:solidFill>
-                <a:latin typeface="Courier New"/>
-              </a:rPr>
-              <a:t>error</a:t>
-            </a:r>
-            <a:r>
-              <a:rPr lang="pt-BR" sz="3200" spc="-1" dirty="0">
-                <a:solidFill>
-                  <a:srgbClr val="1F4E79"/>
-                </a:solidFill>
-                <a:latin typeface="Courier New"/>
-              </a:rPr>
-              <a:t>: </a:t>
-            </a:r>
-            <a:r>
-              <a:rPr lang="pt-BR" sz="3200" spc="-1" dirty="0" err="1">
-                <a:solidFill>
-                  <a:srgbClr val="1F4E79"/>
-                </a:solidFill>
-                <a:latin typeface="Courier New"/>
-              </a:rPr>
-              <a:t>error.message</a:t>
-            </a:r>
-            <a:r>
-              <a:rPr lang="pt-BR" sz="3200" spc="-1" dirty="0">
-                <a:solidFill>
-                  <a:srgbClr val="1F4E79"/>
-                </a:solidFill>
-                <a:latin typeface="Courier New"/>
-              </a:rPr>
-              <a:t> });</a:t>
+              <a:t>) {</a:t>
             </a:r>
           </a:p>
           <a:p>
@@ -24662,7 +24813,97 @@
                 </a:solidFill>
                 <a:latin typeface="Courier New"/>
               </a:rPr>
-              <a:t>		}</a:t>
+              <a:t>        </a:t>
+            </a:r>
+            <a:r>
+              <a:rPr lang="pt-BR" sz="3200" spc="-1" dirty="0" err="1">
+                <a:solidFill>
+                  <a:srgbClr val="1F4E79"/>
+                </a:solidFill>
+                <a:latin typeface="Courier New"/>
+              </a:rPr>
+              <a:t>return</a:t>
+            </a:r>
+            <a:r>
+              <a:rPr lang="pt-BR" sz="3200" spc="-1" dirty="0">
+                <a:solidFill>
+                  <a:srgbClr val="1F4E79"/>
+                </a:solidFill>
+                <a:latin typeface="Courier New"/>
+              </a:rPr>
+              <a:t> </a:t>
+            </a:r>
+            <a:r>
+              <a:rPr lang="pt-BR" sz="3200" spc="-1" dirty="0" err="1">
+                <a:solidFill>
+                  <a:srgbClr val="1F4E79"/>
+                </a:solidFill>
+                <a:latin typeface="Courier New"/>
+              </a:rPr>
+              <a:t>response.status</a:t>
+            </a:r>
+            <a:r>
+              <a:rPr lang="pt-BR" sz="3200" spc="-1" dirty="0">
+                <a:solidFill>
+                  <a:srgbClr val="1F4E79"/>
+                </a:solidFill>
+                <a:latin typeface="Courier New"/>
+              </a:rPr>
+              <a:t>(500).</a:t>
+            </a:r>
+            <a:r>
+              <a:rPr lang="pt-BR" sz="3200" spc="-1" dirty="0" err="1">
+                <a:solidFill>
+                  <a:srgbClr val="1F4E79"/>
+                </a:solidFill>
+                <a:latin typeface="Courier New"/>
+              </a:rPr>
+              <a:t>json</a:t>
+            </a:r>
+            <a:r>
+              <a:rPr lang="pt-BR" sz="3200" spc="-1" dirty="0">
+                <a:solidFill>
+                  <a:srgbClr val="1F4E79"/>
+                </a:solidFill>
+                <a:latin typeface="Courier New"/>
+              </a:rPr>
+              <a:t>({ </a:t>
+            </a:r>
+            <a:r>
+              <a:rPr lang="pt-BR" sz="3200" spc="-1" dirty="0" err="1">
+                <a:solidFill>
+                  <a:srgbClr val="1F4E79"/>
+                </a:solidFill>
+                <a:latin typeface="Courier New"/>
+              </a:rPr>
+              <a:t>error</a:t>
+            </a:r>
+            <a:r>
+              <a:rPr lang="pt-BR" sz="3200" spc="-1" dirty="0">
+                <a:solidFill>
+                  <a:srgbClr val="1F4E79"/>
+                </a:solidFill>
+                <a:latin typeface="Courier New"/>
+              </a:rPr>
+              <a:t>: </a:t>
+            </a:r>
+            <a:r>
+              <a:rPr lang="pt-BR" sz="3200" spc="-1" dirty="0" err="1">
+                <a:solidFill>
+                  <a:srgbClr val="1F4E79"/>
+                </a:solidFill>
+                <a:latin typeface="Courier New"/>
+              </a:rPr>
+              <a:t>error.message</a:t>
+            </a:r>
+            <a:r>
+              <a:rPr lang="pt-BR" sz="3200" spc="-1" dirty="0">
+                <a:solidFill>
+                  <a:srgbClr val="1F4E79"/>
+                </a:solidFill>
+                <a:latin typeface="Courier New"/>
+              </a:rPr>
+              <a:t> });</a:t>
             </a:r>
           </a:p>
           <a:p>
@@ -24681,12 +24922,36 @@
               </a:tabLst>
             </a:pPr>
             <a:r>
-              <a:rPr lang="pt-BR" sz="3200" b="0" strike="noStrike" spc="-1" dirty="0">
-                <a:solidFill>
-                  <a:srgbClr val="1F4E79"/>
-                </a:solidFill>
-                <a:latin typeface="Courier New"/>
-                <a:ea typeface="DejaVu Sans"/>
+              <a:rPr lang="pt-BR" sz="3200" spc="-1" dirty="0">
+                <a:solidFill>
+                  <a:srgbClr val="1F4E79"/>
+                </a:solidFill>
+                <a:latin typeface="Courier New"/>
+              </a:rPr>
+              <a:t>    	}</a:t>
+            </a:r>
+          </a:p>
+          <a:p>
+            <a:pPr>
+              <a:lnSpc>
+                <a:spcPct val="100000"/>
+              </a:lnSpc>
+              <a:spcBef>
+                <a:spcPts val="1001"/>
+              </a:spcBef>
+              <a:spcAft>
+                <a:spcPts val="1001"/>
+              </a:spcAft>
+              <a:tabLst>
+                <a:tab pos="0" algn="l"/>
+              </a:tabLst>
+            </a:pPr>
+            <a:r>
+              <a:rPr lang="pt-BR" sz="3200" spc="-1" dirty="0">
+                <a:solidFill>
+                  <a:srgbClr val="1F4E79"/>
+                </a:solidFill>
+                <a:latin typeface="Courier New"/>
               </a:rPr>
               <a:t>});</a:t>
             </a:r>
@@ -24699,7 +24964,7 @@
     </p:spTree>
     <p:extLst>
       <p:ext uri="{BB962C8B-B14F-4D97-AF65-F5344CB8AC3E}">
-        <p14:creationId xmlns:p14="http://schemas.microsoft.com/office/powerpoint/2010/main" val="3792281636"/>
+        <p14:creationId xmlns:p14="http://schemas.microsoft.com/office/powerpoint/2010/main" val="790120975"/>
       </p:ext>
     </p:extLst>
   </p:cSld>
@@ -24769,36 +25034,16 @@
               </a:lnSpc>
             </a:pPr>
             <a:r>
-              <a:rPr lang="pt-BR" sz="5400" b="0" strike="noStrike" spc="-1" dirty="0">
+              <a:rPr lang="pt-BR" sz="5400" b="0" strike="noStrike" spc="-1">
                 <a:solidFill>
                   <a:srgbClr val="1F4E79"/>
                 </a:solidFill>
                 <a:latin typeface="Arial"/>
                 <a:ea typeface="DejaVu Sans"/>
               </a:rPr>
-              <a:t>Recurso </a:t>
-            </a:r>
-            <a:r>
-              <a:rPr lang="pt-BR" sz="5400" b="0" strike="noStrike" spc="-1" dirty="0" err="1">
-                <a:solidFill>
-                  <a:srgbClr val="1F4E79"/>
-                </a:solidFill>
-                <a:latin typeface="Arial"/>
-                <a:ea typeface="DejaVu Sans"/>
-              </a:rPr>
-              <a:t>products</a:t>
-            </a:r>
-            <a:r>
-              <a:rPr lang="pt-BR" sz="5400" b="0" strike="noStrike" spc="-1" dirty="0">
-                <a:solidFill>
-                  <a:srgbClr val="1F4E79"/>
-                </a:solidFill>
-                <a:latin typeface="Arial"/>
-                <a:ea typeface="DejaVu Sans"/>
-              </a:rPr>
-              <a:t> (PUT)</a:t>
-            </a:r>
-            <a:endParaRPr lang="pt-BR" sz="5400" b="0" strike="noStrike" spc="-1" dirty="0">
+              <a:t>Recurso products (GET)</a:t>
+            </a:r>
+            <a:endParaRPr lang="pt-BR" sz="5400" b="0" strike="noStrike" spc="-1">
               <a:latin typeface="Arial"/>
             </a:endParaRPr>
           </a:p>
@@ -24837,7 +25082,7 @@
         </p:style>
         <p:txBody>
           <a:bodyPr lIns="90000" tIns="45000" rIns="90000" bIns="45000">
-            <a:normAutofit fontScale="55000" lnSpcReduction="20000"/>
+            <a:normAutofit fontScale="70000" lnSpcReduction="20000"/>
           </a:bodyPr>
           <a:lstStyle/>
           <a:p>
@@ -24856,74 +25101,82 @@
               </a:tabLst>
             </a:pPr>
             <a:r>
-              <a:rPr lang="pt-BR" sz="3200" spc="-1" dirty="0" err="1">
-                <a:solidFill>
-                  <a:srgbClr val="1F4E79"/>
-                </a:solidFill>
-                <a:latin typeface="Courier New"/>
-              </a:rPr>
-              <a:t>app.put</a:t>
-            </a:r>
-            <a:r>
-              <a:rPr lang="pt-BR" sz="3200" spc="-1" dirty="0">
-                <a:solidFill>
-                  <a:srgbClr val="1F4E79"/>
-                </a:solidFill>
-                <a:latin typeface="Courier New"/>
-              </a:rPr>
-              <a:t>('/</a:t>
-            </a:r>
-            <a:r>
-              <a:rPr lang="pt-BR" sz="3200" spc="-1" dirty="0" err="1">
-                <a:solidFill>
-                  <a:srgbClr val="1F4E79"/>
-                </a:solidFill>
-                <a:latin typeface="Courier New"/>
+              <a:rPr lang="pt-BR" sz="3200" b="0" strike="noStrike" spc="-1" dirty="0" err="1">
+                <a:solidFill>
+                  <a:srgbClr val="1F4E79"/>
+                </a:solidFill>
+                <a:latin typeface="Courier New"/>
+                <a:ea typeface="DejaVu Sans"/>
+              </a:rPr>
+              <a:t>app.get</a:t>
+            </a:r>
+            <a:r>
+              <a:rPr lang="pt-BR" sz="3200" b="0" strike="noStrike" spc="-1" dirty="0">
+                <a:solidFill>
+                  <a:srgbClr val="1F4E79"/>
+                </a:solidFill>
+                <a:latin typeface="Courier New"/>
+                <a:ea typeface="DejaVu Sans"/>
+              </a:rPr>
+              <a:t>(‘/</a:t>
+            </a:r>
+            <a:r>
+              <a:rPr lang="pt-BR" sz="3200" b="0" strike="noStrike" spc="-1" dirty="0" err="1">
+                <a:solidFill>
+                  <a:srgbClr val="1F4E79"/>
+                </a:solidFill>
+                <a:latin typeface="Courier New"/>
+                <a:ea typeface="DejaVu Sans"/>
               </a:rPr>
               <a:t>products</a:t>
             </a:r>
             <a:r>
-              <a:rPr lang="pt-BR" sz="3200" spc="-1" dirty="0">
-                <a:solidFill>
-                  <a:srgbClr val="1F4E79"/>
-                </a:solidFill>
-                <a:latin typeface="Courier New"/>
-              </a:rPr>
-              <a:t>/:id', </a:t>
-            </a:r>
-            <a:r>
-              <a:rPr lang="pt-BR" sz="3200" spc="-1" dirty="0" err="1">
-                <a:solidFill>
-                  <a:srgbClr val="1F4E79"/>
-                </a:solidFill>
-                <a:latin typeface="Courier New"/>
+              <a:rPr lang="pt-BR" sz="3200" b="0" strike="noStrike" spc="-1" dirty="0">
+                <a:solidFill>
+                  <a:srgbClr val="1F4E79"/>
+                </a:solidFill>
+                <a:latin typeface="Courier New"/>
+                <a:ea typeface="DejaVu Sans"/>
+              </a:rPr>
+              <a:t>/’, </a:t>
+            </a:r>
+            <a:r>
+              <a:rPr lang="pt-BR" sz="3200" b="0" strike="noStrike" spc="-1" dirty="0" err="1">
+                <a:solidFill>
+                  <a:srgbClr val="1F4E79"/>
+                </a:solidFill>
+                <a:latin typeface="Courier New"/>
+                <a:ea typeface="DejaVu Sans"/>
               </a:rPr>
               <a:t>async</a:t>
             </a:r>
             <a:r>
-              <a:rPr lang="pt-BR" sz="3200" spc="-1" dirty="0">
-                <a:solidFill>
-                  <a:srgbClr val="1F4E79"/>
-                </a:solidFill>
-                <a:latin typeface="Courier New"/>
+              <a:rPr lang="pt-BR" sz="3200" b="0" strike="noStrike" spc="-1" dirty="0">
+                <a:solidFill>
+                  <a:srgbClr val="1F4E79"/>
+                </a:solidFill>
+                <a:latin typeface="Courier New"/>
+                <a:ea typeface="DejaVu Sans"/>
               </a:rPr>
               <a:t> (</a:t>
             </a:r>
             <a:r>
-              <a:rPr lang="pt-BR" sz="3200" spc="-1" dirty="0" err="1">
-                <a:solidFill>
-                  <a:srgbClr val="1F4E79"/>
-                </a:solidFill>
-                <a:latin typeface="Courier New"/>
+              <a:rPr lang="pt-BR" sz="3200" b="0" strike="noStrike" spc="-1" dirty="0" err="1">
+                <a:solidFill>
+                  <a:srgbClr val="1F4E79"/>
+                </a:solidFill>
+                <a:latin typeface="Courier New"/>
+                <a:ea typeface="DejaVu Sans"/>
               </a:rPr>
               <a:t>request</a:t>
             </a:r>
             <a:r>
-              <a:rPr lang="pt-BR" sz="3200" spc="-1" dirty="0">
-                <a:solidFill>
-                  <a:srgbClr val="1F4E79"/>
-                </a:solidFill>
-                <a:latin typeface="Courier New"/>
+              <a:rPr lang="pt-BR" sz="3200" b="0" strike="noStrike" spc="-1" dirty="0">
+                <a:solidFill>
+                  <a:srgbClr val="1F4E79"/>
+                </a:solidFill>
+                <a:latin typeface="Courier New"/>
+                <a:ea typeface="DejaVu Sans"/>
               </a:rPr>
               <a:t>, response) =&gt; {</a:t>
             </a:r>
@@ -24950,7 +25203,7 @@
                 </a:solidFill>
                 <a:latin typeface="Courier New"/>
               </a:rPr>
-              <a:t>    </a:t>
+              <a:t>		</a:t>
             </a:r>
             <a:r>
               <a:rPr lang="pt-BR" sz="3200" spc="-1" dirty="0" err="1">
@@ -24959,7 +25212,7 @@
                 </a:solidFill>
                 <a:latin typeface="Courier New"/>
               </a:rPr>
-              <a:t>const</a:t>
+              <a:t>try</a:t>
             </a:r>
             <a:r>
               <a:rPr lang="pt-BR" sz="3200" spc="-1" dirty="0">
@@ -24968,25 +25221,7 @@
                 </a:solidFill>
                 <a:latin typeface="Courier New"/>
               </a:rPr>
-              <a:t> { id } = </a:t>
-            </a:r>
-            <a:r>
-              <a:rPr lang="pt-BR" sz="3200" spc="-1" dirty="0" err="1">
-                <a:solidFill>
-                  <a:srgbClr val="1F4E79"/>
-                </a:solidFill>
-                <a:latin typeface="Courier New"/>
-              </a:rPr>
-              <a:t>request.params</a:t>
-            </a:r>
-            <a:r>
-              <a:rPr lang="pt-BR" sz="3200" spc="-1" dirty="0">
-                <a:solidFill>
-                  <a:srgbClr val="1F4E79"/>
-                </a:solidFill>
-                <a:latin typeface="Courier New"/>
-              </a:rPr>
-              <a:t>;</a:t>
+              <a:t>{</a:t>
             </a:r>
           </a:p>
           <a:p>
@@ -25011,7 +25246,7 @@
                 </a:solidFill>
                 <a:latin typeface="Courier New"/>
               </a:rPr>
-              <a:t>    </a:t>
+              <a:t>			</a:t>
             </a:r>
             <a:r>
               <a:rPr lang="pt-BR" sz="3200" spc="-1" dirty="0" err="1">
@@ -25038,7 +25273,7 @@
                 </a:solidFill>
                 <a:latin typeface="Courier New"/>
               </a:rPr>
-              <a:t>product</a:t>
+              <a:t>products</a:t>
             </a:r>
             <a:r>
               <a:rPr lang="pt-BR" sz="3200" spc="-1" dirty="0">
@@ -25056,7 +25291,7 @@
                 </a:solidFill>
                 <a:latin typeface="Courier New"/>
               </a:rPr>
-              <a:t>request.body</a:t>
+              <a:t>await</a:t>
             </a:r>
             <a:r>
               <a:rPr lang="pt-BR" sz="3200" spc="-1" dirty="0">
@@ -25065,7 +25300,25 @@
                 </a:solidFill>
                 <a:latin typeface="Courier New"/>
               </a:rPr>
-              <a:t>;</a:t>
+              <a:t> </a:t>
+            </a:r>
+            <a:r>
+              <a:rPr lang="pt-BR" sz="3200" spc="-1" dirty="0" err="1">
+                <a:solidFill>
+                  <a:srgbClr val="1F4E79"/>
+                </a:solidFill>
+                <a:latin typeface="Courier New"/>
+              </a:rPr>
+              <a:t>Product.findAll</a:t>
+            </a:r>
+            <a:r>
+              <a:rPr lang="pt-BR" sz="3200" spc="-1" dirty="0">
+                <a:solidFill>
+                  <a:srgbClr val="1F4E79"/>
+                </a:solidFill>
+                <a:latin typeface="Courier New"/>
+              </a:rPr>
+              <a:t>();</a:t>
             </a:r>
           </a:p>
           <a:p>
@@ -25090,7 +25343,7 @@
                 </a:solidFill>
                 <a:latin typeface="Courier New"/>
               </a:rPr>
-              <a:t>    </a:t>
+              <a:t>			</a:t>
             </a:r>
             <a:r>
               <a:rPr lang="pt-BR" sz="3200" spc="-1" dirty="0" err="1">
@@ -25099,7 +25352,7 @@
                 </a:solidFill>
                 <a:latin typeface="Courier New"/>
               </a:rPr>
-              <a:t>const</a:t>
+              <a:t>response.status</a:t>
             </a:r>
             <a:r>
               <a:rPr lang="pt-BR" sz="3200" spc="-1" dirty="0">
@@ -25108,7 +25361,7 @@
                 </a:solidFill>
                 <a:latin typeface="Courier New"/>
               </a:rPr>
-              <a:t> </a:t>
+              <a:t>(200).</a:t>
             </a:r>
             <a:r>
               <a:rPr lang="pt-BR" sz="3200" spc="-1" dirty="0" err="1">
@@ -25117,7 +25370,7 @@
                 </a:solidFill>
                 <a:latin typeface="Courier New"/>
               </a:rPr>
-              <a:t>affectedRows</a:t>
+              <a:t>json</a:t>
             </a:r>
             <a:r>
               <a:rPr lang="pt-BR" sz="3200" spc="-1" dirty="0">
@@ -25126,7 +25379,7 @@
                 </a:solidFill>
                 <a:latin typeface="Courier New"/>
               </a:rPr>
-              <a:t> = </a:t>
+              <a:t>(</a:t>
             </a:r>
             <a:r>
               <a:rPr lang="pt-BR" sz="3200" spc="-1" dirty="0" err="1">
@@ -25135,7 +25388,7 @@
                 </a:solidFill>
                 <a:latin typeface="Courier New"/>
               </a:rPr>
-              <a:t>await</a:t>
+              <a:t>products</a:t>
             </a:r>
             <a:r>
               <a:rPr lang="pt-BR" sz="3200" spc="-1" dirty="0">
@@ -25144,43 +25397,7 @@
                 </a:solidFill>
                 <a:latin typeface="Courier New"/>
               </a:rPr>
-              <a:t> </a:t>
-            </a:r>
-            <a:r>
-              <a:rPr lang="pt-BR" sz="3200" spc="-1" dirty="0" err="1">
-                <a:solidFill>
-                  <a:srgbClr val="1F4E79"/>
-                </a:solidFill>
-                <a:latin typeface="Courier New"/>
-              </a:rPr>
-              <a:t>Product.update</a:t>
-            </a:r>
-            <a:r>
-              <a:rPr lang="pt-BR" sz="3200" spc="-1" dirty="0">
-                <a:solidFill>
-                  <a:srgbClr val="1F4E79"/>
-                </a:solidFill>
-                <a:latin typeface="Courier New"/>
-              </a:rPr>
-              <a:t>(</a:t>
-            </a:r>
-            <a:r>
-              <a:rPr lang="pt-BR" sz="3200" spc="-1" dirty="0" err="1">
-                <a:solidFill>
-                  <a:srgbClr val="1F4E79"/>
-                </a:solidFill>
-                <a:latin typeface="Courier New"/>
-              </a:rPr>
-              <a:t>product</a:t>
-            </a:r>
-            <a:r>
-              <a:rPr lang="pt-BR" sz="3200" spc="-1" dirty="0">
-                <a:solidFill>
-                  <a:srgbClr val="1F4E79"/>
-                </a:solidFill>
-                <a:latin typeface="Courier New"/>
-              </a:rPr>
-              <a:t>, {</a:t>
+              <a:t>);</a:t>
             </a:r>
           </a:p>
           <a:p>
@@ -25205,7 +25422,7 @@
                 </a:solidFill>
                 <a:latin typeface="Courier New"/>
               </a:rPr>
-              <a:t>        </a:t>
+              <a:t>		} catch(</a:t>
             </a:r>
             <a:r>
               <a:rPr lang="pt-BR" sz="3200" spc="-1" dirty="0" err="1">
@@ -25214,7 +25431,7 @@
                 </a:solidFill>
                 <a:latin typeface="Courier New"/>
               </a:rPr>
-              <a:t>where</a:t>
+              <a:t>error</a:t>
             </a:r>
             <a:r>
               <a:rPr lang="pt-BR" sz="3200" spc="-1" dirty="0">
@@ -25223,7 +25440,7 @@
                 </a:solidFill>
                 <a:latin typeface="Courier New"/>
               </a:rPr>
-              <a:t>: { id }</a:t>
+              <a:t>){</a:t>
             </a:r>
           </a:p>
           <a:p>
@@ -25248,7 +25465,79 @@
                 </a:solidFill>
                 <a:latin typeface="Courier New"/>
               </a:rPr>
-              <a:t>    });</a:t>
+              <a:t>			</a:t>
+            </a:r>
+            <a:r>
+              <a:rPr lang="pt-BR" sz="3200" spc="-1" dirty="0" err="1">
+                <a:solidFill>
+                  <a:srgbClr val="1F4E79"/>
+                </a:solidFill>
+                <a:latin typeface="Courier New"/>
+              </a:rPr>
+              <a:t>response.status</a:t>
+            </a:r>
+            <a:r>
+              <a:rPr lang="pt-BR" sz="3200" spc="-1" dirty="0">
+                <a:solidFill>
+                  <a:srgbClr val="1F4E79"/>
+                </a:solidFill>
+                <a:latin typeface="Courier New"/>
+              </a:rPr>
+              <a:t>(500).</a:t>
+            </a:r>
+            <a:r>
+              <a:rPr lang="pt-BR" sz="3200" spc="-1" dirty="0" err="1">
+                <a:solidFill>
+                  <a:srgbClr val="1F4E79"/>
+                </a:solidFill>
+                <a:latin typeface="Courier New"/>
+              </a:rPr>
+              <a:t>json</a:t>
+            </a:r>
+            <a:r>
+              <a:rPr lang="pt-BR" sz="3200" spc="-1" dirty="0">
+                <a:solidFill>
+                  <a:srgbClr val="1F4E79"/>
+                </a:solidFill>
+                <a:latin typeface="Courier New"/>
+              </a:rPr>
+              <a:t>({ </a:t>
+            </a:r>
+            <a:r>
+              <a:rPr lang="pt-BR" sz="3200" spc="-1" dirty="0" err="1">
+                <a:solidFill>
+                  <a:srgbClr val="1F4E79"/>
+                </a:solidFill>
+                <a:latin typeface="Courier New"/>
+              </a:rPr>
+              <a:t>error</a:t>
+            </a:r>
+            <a:r>
+              <a:rPr lang="pt-BR" sz="3200" spc="-1" dirty="0">
+                <a:solidFill>
+                  <a:srgbClr val="1F4E79"/>
+                </a:solidFill>
+                <a:latin typeface="Courier New"/>
+              </a:rPr>
+              <a:t>: </a:t>
+            </a:r>
+            <a:r>
+              <a:rPr lang="pt-BR" sz="3200" spc="-1" dirty="0" err="1">
+                <a:solidFill>
+                  <a:srgbClr val="1F4E79"/>
+                </a:solidFill>
+                <a:latin typeface="Courier New"/>
+              </a:rPr>
+              <a:t>error.message</a:t>
+            </a:r>
+            <a:r>
+              <a:rPr lang="pt-BR" sz="3200" spc="-1" dirty="0">
+                <a:solidFill>
+                  <a:srgbClr val="1F4E79"/>
+                </a:solidFill>
+                <a:latin typeface="Courier New"/>
+              </a:rPr>
+              <a:t> });</a:t>
             </a:r>
           </a:p>
           <a:p>
@@ -25273,115 +25562,7 @@
                 </a:solidFill>
                 <a:latin typeface="Courier New"/>
               </a:rPr>
-              <a:t>    </a:t>
-            </a:r>
-            <a:r>
-              <a:rPr lang="pt-BR" sz="3200" spc="-1" dirty="0" err="1">
-                <a:solidFill>
-                  <a:srgbClr val="1F4E79"/>
-                </a:solidFill>
-                <a:latin typeface="Courier New"/>
-              </a:rPr>
-              <a:t>if</a:t>
-            </a:r>
-            <a:r>
-              <a:rPr lang="pt-BR" sz="3200" spc="-1" dirty="0">
-                <a:solidFill>
-                  <a:srgbClr val="1F4E79"/>
-                </a:solidFill>
-                <a:latin typeface="Courier New"/>
-              </a:rPr>
-              <a:t> (</a:t>
-            </a:r>
-            <a:r>
-              <a:rPr lang="pt-BR" sz="3200" spc="-1" dirty="0" err="1">
-                <a:solidFill>
-                  <a:srgbClr val="1F4E79"/>
-                </a:solidFill>
-                <a:latin typeface="Courier New"/>
-              </a:rPr>
-              <a:t>affectedRows</a:t>
-            </a:r>
-            <a:r>
-              <a:rPr lang="pt-BR" sz="3200" spc="-1" dirty="0">
-                <a:solidFill>
-                  <a:srgbClr val="1F4E79"/>
-                </a:solidFill>
-                <a:latin typeface="Courier New"/>
-              </a:rPr>
-              <a:t> &lt; 1) </a:t>
-            </a:r>
-            <a:r>
-              <a:rPr lang="pt-BR" sz="3200" spc="-1" dirty="0" err="1">
-                <a:solidFill>
-                  <a:srgbClr val="1F4E79"/>
-                </a:solidFill>
-                <a:latin typeface="Courier New"/>
-              </a:rPr>
-              <a:t>return</a:t>
-            </a:r>
-            <a:r>
-              <a:rPr lang="pt-BR" sz="3200" spc="-1" dirty="0">
-                <a:solidFill>
-                  <a:srgbClr val="1F4E79"/>
-                </a:solidFill>
-                <a:latin typeface="Courier New"/>
-              </a:rPr>
-              <a:t> </a:t>
-            </a:r>
-            <a:r>
-              <a:rPr lang="pt-BR" sz="3200" spc="-1" dirty="0" err="1">
-                <a:solidFill>
-                  <a:srgbClr val="1F4E79"/>
-                </a:solidFill>
-                <a:latin typeface="Courier New"/>
-              </a:rPr>
-              <a:t>response.status</a:t>
-            </a:r>
-            <a:r>
-              <a:rPr lang="pt-BR" sz="3200" spc="-1" dirty="0">
-                <a:solidFill>
-                  <a:srgbClr val="1F4E79"/>
-                </a:solidFill>
-                <a:latin typeface="Courier New"/>
-              </a:rPr>
-              <a:t>(404).</a:t>
-            </a:r>
-            <a:r>
-              <a:rPr lang="pt-BR" sz="3200" spc="-1" dirty="0" err="1">
-                <a:solidFill>
-                  <a:srgbClr val="1F4E79"/>
-                </a:solidFill>
-                <a:latin typeface="Courier New"/>
-              </a:rPr>
-              <a:t>json</a:t>
-            </a:r>
-            <a:r>
-              <a:rPr lang="pt-BR" sz="3200" spc="-1" dirty="0">
-                <a:solidFill>
-                  <a:srgbClr val="1F4E79"/>
-                </a:solidFill>
-                <a:latin typeface="Courier New"/>
-              </a:rPr>
-              <a:t>({ </a:t>
-            </a:r>
-            <a:r>
-              <a:rPr lang="pt-BR" sz="3200" spc="-1" dirty="0" err="1">
-                <a:solidFill>
-                  <a:srgbClr val="1F4E79"/>
-                </a:solidFill>
-                <a:latin typeface="Courier New"/>
-              </a:rPr>
-              <a:t>error</a:t>
-            </a:r>
-            <a:r>
-              <a:rPr lang="pt-BR" sz="3200" spc="-1" dirty="0">
-                <a:solidFill>
-                  <a:srgbClr val="1F4E79"/>
-                </a:solidFill>
-                <a:latin typeface="Courier New"/>
-              </a:rPr>
-              <a:t>: 'Produto não encontrado.' });</a:t>
+              <a:t>		}</a:t>
             </a:r>
           </a:p>
           <a:p>
@@ -25400,108 +25581,12 @@
               </a:tabLst>
             </a:pPr>
             <a:r>
-              <a:rPr lang="pt-BR" sz="3200" spc="-1" dirty="0">
-                <a:solidFill>
-                  <a:srgbClr val="1F4E79"/>
-                </a:solidFill>
-                <a:latin typeface="Courier New"/>
-              </a:rPr>
-              <a:t>    </a:t>
-            </a:r>
-            <a:r>
-              <a:rPr lang="pt-BR" sz="3200" spc="-1" dirty="0" err="1">
-                <a:solidFill>
-                  <a:srgbClr val="1F4E79"/>
-                </a:solidFill>
-                <a:latin typeface="Courier New"/>
-              </a:rPr>
-              <a:t>return</a:t>
-            </a:r>
-            <a:r>
-              <a:rPr lang="pt-BR" sz="3200" spc="-1" dirty="0">
-                <a:solidFill>
-                  <a:srgbClr val="1F4E79"/>
-                </a:solidFill>
-                <a:latin typeface="Courier New"/>
-              </a:rPr>
-              <a:t> </a:t>
-            </a:r>
-            <a:r>
-              <a:rPr lang="pt-BR" sz="3200" spc="-1" dirty="0" err="1">
-                <a:solidFill>
-                  <a:srgbClr val="1F4E79"/>
-                </a:solidFill>
-                <a:latin typeface="Courier New"/>
-              </a:rPr>
-              <a:t>response.status</a:t>
-            </a:r>
-            <a:r>
-              <a:rPr lang="pt-BR" sz="3200" spc="-1" dirty="0">
-                <a:solidFill>
-                  <a:srgbClr val="1F4E79"/>
-                </a:solidFill>
-                <a:latin typeface="Courier New"/>
-              </a:rPr>
-              <a:t>(200).</a:t>
-            </a:r>
-            <a:r>
-              <a:rPr lang="pt-BR" sz="3200" spc="-1" dirty="0" err="1">
-                <a:solidFill>
-                  <a:srgbClr val="1F4E79"/>
-                </a:solidFill>
-                <a:latin typeface="Courier New"/>
-              </a:rPr>
-              <a:t>json</a:t>
-            </a:r>
-            <a:r>
-              <a:rPr lang="pt-BR" sz="3200" spc="-1" dirty="0">
-                <a:solidFill>
-                  <a:srgbClr val="1F4E79"/>
-                </a:solidFill>
-                <a:latin typeface="Courier New"/>
-              </a:rPr>
-              <a:t>(</a:t>
-            </a:r>
-            <a:r>
-              <a:rPr lang="pt-BR" sz="3200" spc="-1" dirty="0" err="1">
-                <a:solidFill>
-                  <a:srgbClr val="1F4E79"/>
-                </a:solidFill>
-                <a:latin typeface="Courier New"/>
-              </a:rPr>
-              <a:t>product</a:t>
-            </a:r>
-            <a:r>
-              <a:rPr lang="pt-BR" sz="3200" spc="-1" dirty="0">
-                <a:solidFill>
-                  <a:srgbClr val="1F4E79"/>
-                </a:solidFill>
-                <a:latin typeface="Courier New"/>
-              </a:rPr>
-              <a:t>);</a:t>
-            </a:r>
-          </a:p>
-          <a:p>
-            <a:pPr>
-              <a:lnSpc>
-                <a:spcPct val="100000"/>
-              </a:lnSpc>
-              <a:spcBef>
-                <a:spcPts val="1001"/>
-              </a:spcBef>
-              <a:spcAft>
-                <a:spcPts val="1001"/>
-              </a:spcAft>
-              <a:tabLst>
-                <a:tab pos="0" algn="l"/>
-              </a:tabLst>
-            </a:pPr>
-            <a:r>
-              <a:rPr lang="pt-BR" sz="3200" spc="-1" dirty="0">
-                <a:solidFill>
-                  <a:srgbClr val="1F4E79"/>
-                </a:solidFill>
-                <a:latin typeface="Courier New"/>
+              <a:rPr lang="pt-BR" sz="3200" b="0" strike="noStrike" spc="-1" dirty="0">
+                <a:solidFill>
+                  <a:srgbClr val="1F4E79"/>
+                </a:solidFill>
+                <a:latin typeface="Courier New"/>
+                <a:ea typeface="DejaVu Sans"/>
               </a:rPr>
               <a:t>});</a:t>
             </a:r>
@@ -25514,7 +25599,7 @@
     </p:spTree>
     <p:extLst>
       <p:ext uri="{BB962C8B-B14F-4D97-AF65-F5344CB8AC3E}">
-        <p14:creationId xmlns:p14="http://schemas.microsoft.com/office/powerpoint/2010/main" val="4049307754"/>
+        <p14:creationId xmlns:p14="http://schemas.microsoft.com/office/powerpoint/2010/main" val="3792281636"/>
       </p:ext>
     </p:extLst>
   </p:cSld>
@@ -25611,7 +25696,7 @@
                 <a:latin typeface="Arial"/>
                 <a:ea typeface="DejaVu Sans"/>
               </a:rPr>
-              <a:t> (DELETE)</a:t>
+              <a:t> (PUT)</a:t>
             </a:r>
             <a:endParaRPr lang="pt-BR" sz="5400" b="0" strike="noStrike" spc="-1" dirty="0">
               <a:latin typeface="Arial"/>
@@ -25652,7 +25737,7 @@
         </p:style>
         <p:txBody>
           <a:bodyPr lIns="90000" tIns="45000" rIns="90000" bIns="45000">
-            <a:normAutofit fontScale="62500" lnSpcReduction="20000"/>
+            <a:normAutofit fontScale="55000" lnSpcReduction="20000"/>
           </a:bodyPr>
           <a:lstStyle/>
           <a:p>
@@ -25677,7 +25762,7 @@
                 </a:solidFill>
                 <a:latin typeface="Courier New"/>
               </a:rPr>
-              <a:t>app.delete</a:t>
+              <a:t>app.put</a:t>
             </a:r>
             <a:r>
               <a:rPr lang="pt-BR" sz="3200" spc="-1" dirty="0">
@@ -25853,7 +25938,7 @@
                 </a:solidFill>
                 <a:latin typeface="Courier New"/>
               </a:rPr>
-              <a:t>affectedRows</a:t>
+              <a:t>product</a:t>
             </a:r>
             <a:r>
               <a:rPr lang="pt-BR" sz="3200" spc="-1" dirty="0">
@@ -25871,7 +25956,7 @@
                 </a:solidFill>
                 <a:latin typeface="Courier New"/>
               </a:rPr>
-              <a:t>await</a:t>
+              <a:t>request.body</a:t>
             </a:r>
             <a:r>
               <a:rPr lang="pt-BR" sz="3200" spc="-1" dirty="0">
@@ -25880,25 +25965,7 @@
                 </a:solidFill>
                 <a:latin typeface="Courier New"/>
               </a:rPr>
-              <a:t> </a:t>
-            </a:r>
-            <a:r>
-              <a:rPr lang="pt-BR" sz="3200" spc="-1" dirty="0" err="1">
-                <a:solidFill>
-                  <a:srgbClr val="1F4E79"/>
-                </a:solidFill>
-                <a:latin typeface="Courier New"/>
-              </a:rPr>
-              <a:t>Product.destroy</a:t>
-            </a:r>
-            <a:r>
-              <a:rPr lang="pt-BR" sz="3200" spc="-1" dirty="0">
-                <a:solidFill>
-                  <a:srgbClr val="1F4E79"/>
-                </a:solidFill>
-                <a:latin typeface="Courier New"/>
-              </a:rPr>
-              <a:t>({</a:t>
+              <a:t>;</a:t>
             </a:r>
           </a:p>
           <a:p>
@@ -25923,7 +25990,7 @@
                 </a:solidFill>
                 <a:latin typeface="Courier New"/>
               </a:rPr>
-              <a:t>        </a:t>
+              <a:t>    </a:t>
             </a:r>
             <a:r>
               <a:rPr lang="pt-BR" sz="3200" spc="-1" dirty="0" err="1">
@@ -25932,7 +25999,7 @@
                 </a:solidFill>
                 <a:latin typeface="Courier New"/>
               </a:rPr>
-              <a:t>where</a:t>
+              <a:t>const</a:t>
             </a:r>
             <a:r>
               <a:rPr lang="pt-BR" sz="3200" spc="-1" dirty="0">
@@ -25941,7 +26008,79 @@
                 </a:solidFill>
                 <a:latin typeface="Courier New"/>
               </a:rPr>
-              <a:t>: { id }</a:t>
+              <a:t> </a:t>
+            </a:r>
+            <a:r>
+              <a:rPr lang="pt-BR" sz="3200" spc="-1" dirty="0" err="1">
+                <a:solidFill>
+                  <a:srgbClr val="1F4E79"/>
+                </a:solidFill>
+                <a:latin typeface="Courier New"/>
+              </a:rPr>
+              <a:t>affectedRows</a:t>
+            </a:r>
+            <a:r>
+              <a:rPr lang="pt-BR" sz="3200" spc="-1" dirty="0">
+                <a:solidFill>
+                  <a:srgbClr val="1F4E79"/>
+                </a:solidFill>
+                <a:latin typeface="Courier New"/>
+              </a:rPr>
+              <a:t> = </a:t>
+            </a:r>
+            <a:r>
+              <a:rPr lang="pt-BR" sz="3200" spc="-1" dirty="0" err="1">
+                <a:solidFill>
+                  <a:srgbClr val="1F4E79"/>
+                </a:solidFill>
+                <a:latin typeface="Courier New"/>
+              </a:rPr>
+              <a:t>await</a:t>
+            </a:r>
+            <a:r>
+              <a:rPr lang="pt-BR" sz="3200" spc="-1" dirty="0">
+                <a:solidFill>
+                  <a:srgbClr val="1F4E79"/>
+                </a:solidFill>
+                <a:latin typeface="Courier New"/>
+              </a:rPr>
+              <a:t> </a:t>
+            </a:r>
+            <a:r>
+              <a:rPr lang="pt-BR" sz="3200" spc="-1" dirty="0" err="1">
+                <a:solidFill>
+                  <a:srgbClr val="1F4E79"/>
+                </a:solidFill>
+                <a:latin typeface="Courier New"/>
+              </a:rPr>
+              <a:t>Product.update</a:t>
+            </a:r>
+            <a:r>
+              <a:rPr lang="pt-BR" sz="3200" spc="-1" dirty="0">
+                <a:solidFill>
+                  <a:srgbClr val="1F4E79"/>
+                </a:solidFill>
+                <a:latin typeface="Courier New"/>
+              </a:rPr>
+              <a:t>(</a:t>
+            </a:r>
+            <a:r>
+              <a:rPr lang="pt-BR" sz="3200" spc="-1" dirty="0" err="1">
+                <a:solidFill>
+                  <a:srgbClr val="1F4E79"/>
+                </a:solidFill>
+                <a:latin typeface="Courier New"/>
+              </a:rPr>
+              <a:t>product</a:t>
+            </a:r>
+            <a:r>
+              <a:rPr lang="pt-BR" sz="3200" spc="-1" dirty="0">
+                <a:solidFill>
+                  <a:srgbClr val="1F4E79"/>
+                </a:solidFill>
+                <a:latin typeface="Courier New"/>
+              </a:rPr>
+              <a:t>, {</a:t>
             </a:r>
           </a:p>
           <a:p>
@@ -25966,7 +26105,25 @@
                 </a:solidFill>
                 <a:latin typeface="Courier New"/>
               </a:rPr>
-              <a:t>    });</a:t>
+              <a:t>        </a:t>
+            </a:r>
+            <a:r>
+              <a:rPr lang="pt-BR" sz="3200" spc="-1" dirty="0" err="1">
+                <a:solidFill>
+                  <a:srgbClr val="1F4E79"/>
+                </a:solidFill>
+                <a:latin typeface="Courier New"/>
+              </a:rPr>
+              <a:t>where</a:t>
+            </a:r>
+            <a:r>
+              <a:rPr lang="pt-BR" sz="3200" spc="-1" dirty="0">
+                <a:solidFill>
+                  <a:srgbClr val="1F4E79"/>
+                </a:solidFill>
+                <a:latin typeface="Courier New"/>
+              </a:rPr>
+              <a:t>: { id }</a:t>
             </a:r>
           </a:p>
           <a:p>
@@ -25991,115 +26148,7 @@
                 </a:solidFill>
                 <a:latin typeface="Courier New"/>
               </a:rPr>
-              <a:t>    </a:t>
-            </a:r>
-            <a:r>
-              <a:rPr lang="pt-BR" sz="3200" spc="-1" dirty="0" err="1">
-                <a:solidFill>
-                  <a:srgbClr val="1F4E79"/>
-                </a:solidFill>
-                <a:latin typeface="Courier New"/>
-              </a:rPr>
-              <a:t>if</a:t>
-            </a:r>
-            <a:r>
-              <a:rPr lang="pt-BR" sz="3200" spc="-1" dirty="0">
-                <a:solidFill>
-                  <a:srgbClr val="1F4E79"/>
-                </a:solidFill>
-                <a:latin typeface="Courier New"/>
-              </a:rPr>
-              <a:t> (</a:t>
-            </a:r>
-            <a:r>
-              <a:rPr lang="pt-BR" sz="3200" spc="-1" dirty="0" err="1">
-                <a:solidFill>
-                  <a:srgbClr val="1F4E79"/>
-                </a:solidFill>
-                <a:latin typeface="Courier New"/>
-              </a:rPr>
-              <a:t>affectedRows</a:t>
-            </a:r>
-            <a:r>
-              <a:rPr lang="pt-BR" sz="3200" spc="-1" dirty="0">
-                <a:solidFill>
-                  <a:srgbClr val="1F4E79"/>
-                </a:solidFill>
-                <a:latin typeface="Courier New"/>
-              </a:rPr>
-              <a:t> &lt; 1) </a:t>
-            </a:r>
-            <a:r>
-              <a:rPr lang="pt-BR" sz="3200" spc="-1" dirty="0" err="1">
-                <a:solidFill>
-                  <a:srgbClr val="1F4E79"/>
-                </a:solidFill>
-                <a:latin typeface="Courier New"/>
-              </a:rPr>
-              <a:t>return</a:t>
-            </a:r>
-            <a:r>
-              <a:rPr lang="pt-BR" sz="3200" spc="-1" dirty="0">
-                <a:solidFill>
-                  <a:srgbClr val="1F4E79"/>
-                </a:solidFill>
-                <a:latin typeface="Courier New"/>
-              </a:rPr>
-              <a:t> </a:t>
-            </a:r>
-            <a:r>
-              <a:rPr lang="pt-BR" sz="3200" spc="-1" dirty="0" err="1">
-                <a:solidFill>
-                  <a:srgbClr val="1F4E79"/>
-                </a:solidFill>
-                <a:latin typeface="Courier New"/>
-              </a:rPr>
-              <a:t>response.status</a:t>
-            </a:r>
-            <a:r>
-              <a:rPr lang="pt-BR" sz="3200" spc="-1" dirty="0">
-                <a:solidFill>
-                  <a:srgbClr val="1F4E79"/>
-                </a:solidFill>
-                <a:latin typeface="Courier New"/>
-              </a:rPr>
-              <a:t>(404).</a:t>
-            </a:r>
-            <a:r>
-              <a:rPr lang="pt-BR" sz="3200" spc="-1" dirty="0" err="1">
-                <a:solidFill>
-                  <a:srgbClr val="1F4E79"/>
-                </a:solidFill>
-                <a:latin typeface="Courier New"/>
-              </a:rPr>
-              <a:t>json</a:t>
-            </a:r>
-            <a:r>
-              <a:rPr lang="pt-BR" sz="3200" spc="-1" dirty="0">
-                <a:solidFill>
-                  <a:srgbClr val="1F4E79"/>
-                </a:solidFill>
-                <a:latin typeface="Courier New"/>
-              </a:rPr>
-              <a:t>({ </a:t>
-            </a:r>
-            <a:r>
-              <a:rPr lang="pt-BR" sz="3200" spc="-1" dirty="0" err="1">
-                <a:solidFill>
-                  <a:srgbClr val="1F4E79"/>
-                </a:solidFill>
-                <a:latin typeface="Courier New"/>
-              </a:rPr>
-              <a:t>error</a:t>
-            </a:r>
-            <a:r>
-              <a:rPr lang="pt-BR" sz="3200" spc="-1" dirty="0">
-                <a:solidFill>
-                  <a:srgbClr val="1F4E79"/>
-                </a:solidFill>
-                <a:latin typeface="Courier New"/>
-              </a:rPr>
-              <a:t>: 'Produto não encontrado.' });</a:t>
+              <a:t>    });</a:t>
             </a:r>
           </a:p>
           <a:p>
@@ -26133,6 +26182,42 @@
                 </a:solidFill>
                 <a:latin typeface="Courier New"/>
               </a:rPr>
+              <a:t>if</a:t>
+            </a:r>
+            <a:r>
+              <a:rPr lang="pt-BR" sz="3200" spc="-1" dirty="0">
+                <a:solidFill>
+                  <a:srgbClr val="1F4E79"/>
+                </a:solidFill>
+                <a:latin typeface="Courier New"/>
+              </a:rPr>
+              <a:t> (</a:t>
+            </a:r>
+            <a:r>
+              <a:rPr lang="pt-BR" sz="3200" spc="-1" dirty="0" err="1">
+                <a:solidFill>
+                  <a:srgbClr val="1F4E79"/>
+                </a:solidFill>
+                <a:latin typeface="Courier New"/>
+              </a:rPr>
+              <a:t>affectedRows</a:t>
+            </a:r>
+            <a:r>
+              <a:rPr lang="pt-BR" sz="3200" spc="-1" dirty="0">
+                <a:solidFill>
+                  <a:srgbClr val="1F4E79"/>
+                </a:solidFill>
+                <a:latin typeface="Courier New"/>
+              </a:rPr>
+              <a:t> &lt; 1) </a:t>
+            </a:r>
+            <a:r>
+              <a:rPr lang="pt-BR" sz="3200" spc="-1" dirty="0" err="1">
+                <a:solidFill>
+                  <a:srgbClr val="1F4E79"/>
+                </a:solidFill>
+                <a:latin typeface="Courier New"/>
+              </a:rPr>
               <a:t>return</a:t>
             </a:r>
             <a:r>
@@ -26160,7 +26245,7 @@
                 </a:solidFill>
                 <a:latin typeface="Courier New"/>
               </a:rPr>
-              <a:t>(200).</a:t>
+              <a:t>(404).</a:t>
             </a:r>
             <a:r>
               <a:rPr lang="pt-BR" sz="3200" spc="-1" dirty="0" err="1">
@@ -26187,7 +26272,7 @@
                 </a:solidFill>
                 <a:latin typeface="Courier New"/>
               </a:rPr>
-              <a:t>message</a:t>
+              <a:t>error</a:t>
             </a:r>
             <a:r>
               <a:rPr lang="pt-BR" sz="3200" spc="-1" dirty="0">
@@ -26196,7 +26281,7 @@
                 </a:solidFill>
                 <a:latin typeface="Courier New"/>
               </a:rPr>
-              <a:t>: `O produto ${id} foi removido com sucesso` });</a:t>
+              <a:t>: 'Produto não encontrado.' });</a:t>
             </a:r>
           </a:p>
           <a:p>
@@ -26221,6 +26306,103 @@
                 </a:solidFill>
                 <a:latin typeface="Courier New"/>
               </a:rPr>
+              <a:t>    </a:t>
+            </a:r>
+            <a:r>
+              <a:rPr lang="pt-BR" sz="3200" spc="-1" dirty="0" err="1">
+                <a:solidFill>
+                  <a:srgbClr val="1F4E79"/>
+                </a:solidFill>
+                <a:latin typeface="Courier New"/>
+              </a:rPr>
+              <a:t>return</a:t>
+            </a:r>
+            <a:r>
+              <a:rPr lang="pt-BR" sz="3200" spc="-1" dirty="0">
+                <a:solidFill>
+                  <a:srgbClr val="1F4E79"/>
+                </a:solidFill>
+                <a:latin typeface="Courier New"/>
+              </a:rPr>
+              <a:t> </a:t>
+            </a:r>
+            <a:r>
+              <a:rPr lang="pt-BR" sz="3200" spc="-1" dirty="0" err="1">
+                <a:solidFill>
+                  <a:srgbClr val="1F4E79"/>
+                </a:solidFill>
+                <a:latin typeface="Courier New"/>
+              </a:rPr>
+              <a:t>response.status</a:t>
+            </a:r>
+            <a:r>
+              <a:rPr lang="pt-BR" sz="3200" spc="-1" dirty="0">
+                <a:solidFill>
+                  <a:srgbClr val="1F4E79"/>
+                </a:solidFill>
+                <a:latin typeface="Courier New"/>
+              </a:rPr>
+              <a:t>(200).</a:t>
+            </a:r>
+            <a:r>
+              <a:rPr lang="pt-BR" sz="3200" spc="-1" dirty="0" err="1">
+                <a:solidFill>
+                  <a:srgbClr val="1F4E79"/>
+                </a:solidFill>
+                <a:latin typeface="Courier New"/>
+              </a:rPr>
+              <a:t>json</a:t>
+            </a:r>
+            <a:r>
+              <a:rPr lang="pt-BR" sz="3200" spc="-1" dirty="0">
+                <a:solidFill>
+                  <a:srgbClr val="1F4E79"/>
+                </a:solidFill>
+                <a:latin typeface="Courier New"/>
+              </a:rPr>
+              <a:t>(</a:t>
+            </a:r>
+            <a:r>
+              <a:rPr lang="pt-BR" sz="3200" spc="-1" dirty="0" err="1">
+                <a:solidFill>
+                  <a:srgbClr val="1F4E79"/>
+                </a:solidFill>
+                <a:latin typeface="Courier New"/>
+              </a:rPr>
+              <a:t>product</a:t>
+            </a:r>
+            <a:r>
+              <a:rPr lang="pt-BR" sz="3200" spc="-1" dirty="0">
+                <a:solidFill>
+                  <a:srgbClr val="1F4E79"/>
+                </a:solidFill>
+                <a:latin typeface="Courier New"/>
+              </a:rPr>
+              <a:t>);</a:t>
+            </a:r>
+          </a:p>
+          <a:p>
+            <a:pPr>
+              <a:lnSpc>
+                <a:spcPct val="100000"/>
+              </a:lnSpc>
+              <a:spcBef>
+                <a:spcPts val="1001"/>
+              </a:spcBef>
+              <a:spcAft>
+                <a:spcPts val="1001"/>
+              </a:spcAft>
+              <a:tabLst>
+                <a:tab pos="0" algn="l"/>
+              </a:tabLst>
+            </a:pPr>
+            <a:r>
+              <a:rPr lang="pt-BR" sz="3200" spc="-1" dirty="0">
+                <a:solidFill>
+                  <a:srgbClr val="1F4E79"/>
+                </a:solidFill>
+                <a:latin typeface="Courier New"/>
+              </a:rPr>
               <a:t>});</a:t>
             </a:r>
             <a:endParaRPr lang="pt-BR" sz="3200" b="0" strike="noStrike" spc="-1" dirty="0">
@@ -26232,7 +26414,7 @@
     </p:spTree>
     <p:extLst>
       <p:ext uri="{BB962C8B-B14F-4D97-AF65-F5344CB8AC3E}">
-        <p14:creationId xmlns:p14="http://schemas.microsoft.com/office/powerpoint/2010/main" val="2381488667"/>
+        <p14:creationId xmlns:p14="http://schemas.microsoft.com/office/powerpoint/2010/main" val="4049307754"/>
       </p:ext>
     </p:extLst>
   </p:cSld>
@@ -26506,6 +26688,16 @@
               </a:lnSpc>
             </a:pPr>
             <a:r>
+              <a:rPr lang="pt-BR" sz="5400" b="0" strike="noStrike" spc="-1" dirty="0">
+                <a:solidFill>
+                  <a:srgbClr val="1F4E79"/>
+                </a:solidFill>
+                <a:latin typeface="Arial"/>
+                <a:ea typeface="DejaVu Sans"/>
+              </a:rPr>
+              <a:t>Recurso </a:t>
+            </a:r>
+            <a:r>
               <a:rPr lang="pt-BR" sz="5400" b="0" strike="noStrike" spc="-1" dirty="0" err="1">
                 <a:solidFill>
                   <a:srgbClr val="1F4E79"/>
@@ -26513,7 +26705,7 @@
                 <a:latin typeface="Arial"/>
                 <a:ea typeface="DejaVu Sans"/>
               </a:rPr>
-              <a:t>Sequelize</a:t>
+              <a:t>products</a:t>
             </a:r>
             <a:r>
               <a:rPr lang="pt-BR" sz="5400" b="0" strike="noStrike" spc="-1" dirty="0">
@@ -26523,7 +26715,7 @@
                 <a:latin typeface="Arial"/>
                 <a:ea typeface="DejaVu Sans"/>
               </a:rPr>
-              <a:t> - Operadores</a:t>
+              <a:t> (DELETE)</a:t>
             </a:r>
             <a:endParaRPr lang="pt-BR" sz="5400" b="0" strike="noStrike" spc="-1" dirty="0">
               <a:latin typeface="Arial"/>
@@ -26540,7 +26732,7 @@
         <p:spPr>
           <a:xfrm>
             <a:off x="317520" y="1290960"/>
-            <a:ext cx="11701440" cy="4737700"/>
+            <a:ext cx="11701440" cy="4347360"/>
           </a:xfrm>
           <a:prstGeom prst="rect">
             <a:avLst/>
@@ -26564,7 +26756,7 @@
         </p:style>
         <p:txBody>
           <a:bodyPr lIns="90000" tIns="45000" rIns="90000" bIns="45000">
-            <a:normAutofit/>
+            <a:normAutofit fontScale="62500" lnSpcReduction="20000"/>
           </a:bodyPr>
           <a:lstStyle/>
           <a:p>
@@ -26583,60 +26775,80 @@
               </a:tabLst>
             </a:pPr>
             <a:r>
+              <a:rPr lang="pt-BR" sz="3200" spc="-1" dirty="0" err="1">
+                <a:solidFill>
+                  <a:srgbClr val="1F4E79"/>
+                </a:solidFill>
+                <a:latin typeface="Courier New"/>
+              </a:rPr>
+              <a:t>app.delete</a:t>
+            </a:r>
+            <a:r>
               <a:rPr lang="pt-BR" sz="3200" spc="-1" dirty="0">
                 <a:solidFill>
                   <a:srgbClr val="1F4E79"/>
                 </a:solidFill>
-                <a:latin typeface="Arial"/>
-              </a:rPr>
-              <a:t>O </a:t>
+                <a:latin typeface="Courier New"/>
+              </a:rPr>
+              <a:t>('/</a:t>
             </a:r>
             <a:r>
               <a:rPr lang="pt-BR" sz="3200" spc="-1" dirty="0" err="1">
                 <a:solidFill>
                   <a:srgbClr val="1F4E79"/>
                 </a:solidFill>
-                <a:latin typeface="Arial"/>
-              </a:rPr>
-              <a:t>Sequelize</a:t>
+                <a:latin typeface="Courier New"/>
+              </a:rPr>
+              <a:t>products</a:t>
             </a:r>
             <a:r>
               <a:rPr lang="pt-BR" sz="3200" spc="-1" dirty="0">
                 <a:solidFill>
                   <a:srgbClr val="1F4E79"/>
                 </a:solidFill>
-                <a:latin typeface="Arial"/>
-              </a:rPr>
-              <a:t> fornece vários operadores </a:t>
+                <a:latin typeface="Courier New"/>
+              </a:rPr>
+              <a:t>/:id', </a:t>
+            </a:r>
+            <a:r>
+              <a:rPr lang="pt-BR" sz="3200" spc="-1" dirty="0" err="1">
+                <a:solidFill>
+                  <a:srgbClr val="1F4E79"/>
+                </a:solidFill>
+                <a:latin typeface="Courier New"/>
+              </a:rPr>
+              <a:t>async</a:t>
             </a:r>
             <a:r>
               <a:rPr lang="pt-BR" sz="3200" spc="-1" dirty="0">
                 <a:solidFill>
                   <a:srgbClr val="1F4E79"/>
                 </a:solidFill>
-                <a:latin typeface="Arial"/>
-                <a:hlinkClick r:id="rId3">
-                  <a:extLst>
-                    <a:ext uri="{A12FA001-AC4F-418D-AE19-62706E023703}">
-                      <ahyp:hlinkClr xmlns:ahyp="http://schemas.microsoft.com/office/drawing/2018/hyperlinkcolor" val="tx"/>
-                    </a:ext>
-                  </a:extLst>
-                </a:hlinkClick>
-              </a:rPr>
-              <a:t>*</a:t>
+                <a:latin typeface="Courier New"/>
+              </a:rPr>
+              <a:t> (</a:t>
+            </a:r>
+            <a:r>
+              <a:rPr lang="pt-BR" sz="3200" spc="-1" dirty="0" err="1">
+                <a:solidFill>
+                  <a:srgbClr val="1F4E79"/>
+                </a:solidFill>
+                <a:latin typeface="Courier New"/>
+              </a:rPr>
+              <a:t>request</a:t>
             </a:r>
             <a:r>
               <a:rPr lang="pt-BR" sz="3200" spc="-1" dirty="0">
                 <a:solidFill>
                   <a:srgbClr val="1F4E79"/>
                 </a:solidFill>
-                <a:latin typeface="Arial"/>
-              </a:rPr>
-              <a:t>. Para utilizá-los, basta adicionar a seguinte importação:</a:t>
-            </a:r>
-          </a:p>
-          <a:p>
-            <a:pPr algn="ctr">
+                <a:latin typeface="Courier New"/>
+              </a:rPr>
+              <a:t>, response) =&gt; {</a:t>
+            </a:r>
+          </a:p>
+          <a:p>
+            <a:pPr>
               <a:lnSpc>
                 <a:spcPct val="100000"/>
               </a:lnSpc>
@@ -26651,6 +26863,15 @@
               </a:tabLst>
             </a:pPr>
             <a:r>
+              <a:rPr lang="pt-BR" sz="3200" spc="-1" dirty="0">
+                <a:solidFill>
+                  <a:srgbClr val="1F4E79"/>
+                </a:solidFill>
+                <a:latin typeface="Courier New"/>
+              </a:rPr>
+              <a:t>    </a:t>
+            </a:r>
+            <a:r>
               <a:rPr lang="pt-BR" sz="3200" spc="-1" dirty="0" err="1">
                 <a:solidFill>
                   <a:srgbClr val="1F4E79"/>
@@ -26666,7 +26887,7 @@
                 </a:solidFill>
                 <a:latin typeface="Courier New"/>
               </a:rPr>
-              <a:t> { </a:t>
+              <a:t> { id } = </a:t>
             </a:r>
             <a:r>
               <a:rPr lang="pt-BR" sz="3200" spc="-1" dirty="0" err="1">
@@ -26675,7 +26896,7 @@
                 </a:solidFill>
                 <a:latin typeface="Courier New"/>
               </a:rPr>
-              <a:t>Op</a:t>
+              <a:t>request.params</a:t>
             </a:r>
             <a:r>
               <a:rPr lang="pt-BR" sz="3200" spc="-1" dirty="0">
@@ -26684,7 +26905,32 @@
                 </a:solidFill>
                 <a:latin typeface="Courier New"/>
               </a:rPr>
-              <a:t> } = </a:t>
+              <a:t>;</a:t>
+            </a:r>
+          </a:p>
+          <a:p>
+            <a:pPr>
+              <a:lnSpc>
+                <a:spcPct val="100000"/>
+              </a:lnSpc>
+              <a:spcBef>
+                <a:spcPts val="1001"/>
+              </a:spcBef>
+              <a:spcAft>
+                <a:spcPts val="1001"/>
+              </a:spcAft>
+              <a:tabLst>
+                <a:tab pos="0" algn="l"/>
+              </a:tabLst>
+            </a:pPr>
+            <a:r>
+              <a:rPr lang="pt-BR" sz="3200" spc="-1" dirty="0">
+                <a:solidFill>
+                  <a:srgbClr val="1F4E79"/>
+                </a:solidFill>
+                <a:latin typeface="Courier New"/>
+              </a:rPr>
+              <a:t>    </a:t>
             </a:r>
             <a:r>
               <a:rPr lang="pt-BR" sz="3200" spc="-1" dirty="0" err="1">
@@ -26693,7 +26939,7 @@
                 </a:solidFill>
                 <a:latin typeface="Courier New"/>
               </a:rPr>
-              <a:t>require</a:t>
+              <a:t>const</a:t>
             </a:r>
             <a:r>
               <a:rPr lang="pt-BR" sz="3200" spc="-1" dirty="0">
@@ -26702,7 +26948,7 @@
                 </a:solidFill>
                 <a:latin typeface="Courier New"/>
               </a:rPr>
-              <a:t>('</a:t>
+              <a:t> </a:t>
             </a:r>
             <a:r>
               <a:rPr lang="pt-BR" sz="3200" spc="-1" dirty="0" err="1">
@@ -26711,7 +26957,7 @@
                 </a:solidFill>
                 <a:latin typeface="Courier New"/>
               </a:rPr>
-              <a:t>sequelize</a:t>
+              <a:t>affectedRows</a:t>
             </a:r>
             <a:r>
               <a:rPr lang="pt-BR" sz="3200" spc="-1" dirty="0">
@@ -26720,7 +26966,366 @@
                 </a:solidFill>
                 <a:latin typeface="Courier New"/>
               </a:rPr>
-              <a:t>');</a:t>
+              <a:t> = </a:t>
+            </a:r>
+            <a:r>
+              <a:rPr lang="pt-BR" sz="3200" spc="-1" dirty="0" err="1">
+                <a:solidFill>
+                  <a:srgbClr val="1F4E79"/>
+                </a:solidFill>
+                <a:latin typeface="Courier New"/>
+              </a:rPr>
+              <a:t>await</a:t>
+            </a:r>
+            <a:r>
+              <a:rPr lang="pt-BR" sz="3200" spc="-1" dirty="0">
+                <a:solidFill>
+                  <a:srgbClr val="1F4E79"/>
+                </a:solidFill>
+                <a:latin typeface="Courier New"/>
+              </a:rPr>
+              <a:t> </a:t>
+            </a:r>
+            <a:r>
+              <a:rPr lang="pt-BR" sz="3200" spc="-1" dirty="0" err="1">
+                <a:solidFill>
+                  <a:srgbClr val="1F4E79"/>
+                </a:solidFill>
+                <a:latin typeface="Courier New"/>
+              </a:rPr>
+              <a:t>Product.destroy</a:t>
+            </a:r>
+            <a:r>
+              <a:rPr lang="pt-BR" sz="3200" spc="-1" dirty="0">
+                <a:solidFill>
+                  <a:srgbClr val="1F4E79"/>
+                </a:solidFill>
+                <a:latin typeface="Courier New"/>
+              </a:rPr>
+              <a:t>({</a:t>
+            </a:r>
+          </a:p>
+          <a:p>
+            <a:pPr>
+              <a:lnSpc>
+                <a:spcPct val="100000"/>
+              </a:lnSpc>
+              <a:spcBef>
+                <a:spcPts val="1001"/>
+              </a:spcBef>
+              <a:spcAft>
+                <a:spcPts val="1001"/>
+              </a:spcAft>
+              <a:tabLst>
+                <a:tab pos="0" algn="l"/>
+              </a:tabLst>
+            </a:pPr>
+            <a:r>
+              <a:rPr lang="pt-BR" sz="3200" spc="-1" dirty="0">
+                <a:solidFill>
+                  <a:srgbClr val="1F4E79"/>
+                </a:solidFill>
+                <a:latin typeface="Courier New"/>
+              </a:rPr>
+              <a:t>        </a:t>
+            </a:r>
+            <a:r>
+              <a:rPr lang="pt-BR" sz="3200" spc="-1" dirty="0" err="1">
+                <a:solidFill>
+                  <a:srgbClr val="1F4E79"/>
+                </a:solidFill>
+                <a:latin typeface="Courier New"/>
+              </a:rPr>
+              <a:t>where</a:t>
+            </a:r>
+            <a:r>
+              <a:rPr lang="pt-BR" sz="3200" spc="-1" dirty="0">
+                <a:solidFill>
+                  <a:srgbClr val="1F4E79"/>
+                </a:solidFill>
+                <a:latin typeface="Courier New"/>
+              </a:rPr>
+              <a:t>: { id }</a:t>
+            </a:r>
+          </a:p>
+          <a:p>
+            <a:pPr>
+              <a:lnSpc>
+                <a:spcPct val="100000"/>
+              </a:lnSpc>
+              <a:spcBef>
+                <a:spcPts val="1001"/>
+              </a:spcBef>
+              <a:spcAft>
+                <a:spcPts val="1001"/>
+              </a:spcAft>
+              <a:tabLst>
+                <a:tab pos="0" algn="l"/>
+              </a:tabLst>
+            </a:pPr>
+            <a:r>
+              <a:rPr lang="pt-BR" sz="3200" spc="-1" dirty="0">
+                <a:solidFill>
+                  <a:srgbClr val="1F4E79"/>
+                </a:solidFill>
+                <a:latin typeface="Courier New"/>
+              </a:rPr>
+              <a:t>    });</a:t>
+            </a:r>
+          </a:p>
+          <a:p>
+            <a:pPr>
+              <a:lnSpc>
+                <a:spcPct val="100000"/>
+              </a:lnSpc>
+              <a:spcBef>
+                <a:spcPts val="1001"/>
+              </a:spcBef>
+              <a:spcAft>
+                <a:spcPts val="1001"/>
+              </a:spcAft>
+              <a:tabLst>
+                <a:tab pos="0" algn="l"/>
+              </a:tabLst>
+            </a:pPr>
+            <a:r>
+              <a:rPr lang="pt-BR" sz="3200" spc="-1" dirty="0">
+                <a:solidFill>
+                  <a:srgbClr val="1F4E79"/>
+                </a:solidFill>
+                <a:latin typeface="Courier New"/>
+              </a:rPr>
+              <a:t>    </a:t>
+            </a:r>
+            <a:r>
+              <a:rPr lang="pt-BR" sz="3200" spc="-1" dirty="0" err="1">
+                <a:solidFill>
+                  <a:srgbClr val="1F4E79"/>
+                </a:solidFill>
+                <a:latin typeface="Courier New"/>
+              </a:rPr>
+              <a:t>if</a:t>
+            </a:r>
+            <a:r>
+              <a:rPr lang="pt-BR" sz="3200" spc="-1" dirty="0">
+                <a:solidFill>
+                  <a:srgbClr val="1F4E79"/>
+                </a:solidFill>
+                <a:latin typeface="Courier New"/>
+              </a:rPr>
+              <a:t> (</a:t>
+            </a:r>
+            <a:r>
+              <a:rPr lang="pt-BR" sz="3200" spc="-1" dirty="0" err="1">
+                <a:solidFill>
+                  <a:srgbClr val="1F4E79"/>
+                </a:solidFill>
+                <a:latin typeface="Courier New"/>
+              </a:rPr>
+              <a:t>affectedRows</a:t>
+            </a:r>
+            <a:r>
+              <a:rPr lang="pt-BR" sz="3200" spc="-1" dirty="0">
+                <a:solidFill>
+                  <a:srgbClr val="1F4E79"/>
+                </a:solidFill>
+                <a:latin typeface="Courier New"/>
+              </a:rPr>
+              <a:t> &lt; 1) </a:t>
+            </a:r>
+            <a:r>
+              <a:rPr lang="pt-BR" sz="3200" spc="-1" dirty="0" err="1">
+                <a:solidFill>
+                  <a:srgbClr val="1F4E79"/>
+                </a:solidFill>
+                <a:latin typeface="Courier New"/>
+              </a:rPr>
+              <a:t>return</a:t>
+            </a:r>
+            <a:r>
+              <a:rPr lang="pt-BR" sz="3200" spc="-1" dirty="0">
+                <a:solidFill>
+                  <a:srgbClr val="1F4E79"/>
+                </a:solidFill>
+                <a:latin typeface="Courier New"/>
+              </a:rPr>
+              <a:t> </a:t>
+            </a:r>
+            <a:r>
+              <a:rPr lang="pt-BR" sz="3200" spc="-1" dirty="0" err="1">
+                <a:solidFill>
+                  <a:srgbClr val="1F4E79"/>
+                </a:solidFill>
+                <a:latin typeface="Courier New"/>
+              </a:rPr>
+              <a:t>response.status</a:t>
+            </a:r>
+            <a:r>
+              <a:rPr lang="pt-BR" sz="3200" spc="-1" dirty="0">
+                <a:solidFill>
+                  <a:srgbClr val="1F4E79"/>
+                </a:solidFill>
+                <a:latin typeface="Courier New"/>
+              </a:rPr>
+              <a:t>(404).</a:t>
+            </a:r>
+            <a:r>
+              <a:rPr lang="pt-BR" sz="3200" spc="-1" dirty="0" err="1">
+                <a:solidFill>
+                  <a:srgbClr val="1F4E79"/>
+                </a:solidFill>
+                <a:latin typeface="Courier New"/>
+              </a:rPr>
+              <a:t>json</a:t>
+            </a:r>
+            <a:r>
+              <a:rPr lang="pt-BR" sz="3200" spc="-1" dirty="0">
+                <a:solidFill>
+                  <a:srgbClr val="1F4E79"/>
+                </a:solidFill>
+                <a:latin typeface="Courier New"/>
+              </a:rPr>
+              <a:t>({ </a:t>
+            </a:r>
+            <a:r>
+              <a:rPr lang="pt-BR" sz="3200" spc="-1" dirty="0" err="1">
+                <a:solidFill>
+                  <a:srgbClr val="1F4E79"/>
+                </a:solidFill>
+                <a:latin typeface="Courier New"/>
+              </a:rPr>
+              <a:t>error</a:t>
+            </a:r>
+            <a:r>
+              <a:rPr lang="pt-BR" sz="3200" spc="-1" dirty="0">
+                <a:solidFill>
+                  <a:srgbClr val="1F4E79"/>
+                </a:solidFill>
+                <a:latin typeface="Courier New"/>
+              </a:rPr>
+              <a:t>: 'Produto não encontrado.' });</a:t>
+            </a:r>
+          </a:p>
+          <a:p>
+            <a:pPr>
+              <a:lnSpc>
+                <a:spcPct val="100000"/>
+              </a:lnSpc>
+              <a:spcBef>
+                <a:spcPts val="1001"/>
+              </a:spcBef>
+              <a:spcAft>
+                <a:spcPts val="1001"/>
+              </a:spcAft>
+              <a:tabLst>
+                <a:tab pos="0" algn="l"/>
+              </a:tabLst>
+            </a:pPr>
+            <a:r>
+              <a:rPr lang="pt-BR" sz="3200" spc="-1" dirty="0">
+                <a:solidFill>
+                  <a:srgbClr val="1F4E79"/>
+                </a:solidFill>
+                <a:latin typeface="Courier New"/>
+              </a:rPr>
+              <a:t>    </a:t>
+            </a:r>
+            <a:r>
+              <a:rPr lang="pt-BR" sz="3200" spc="-1" dirty="0" err="1">
+                <a:solidFill>
+                  <a:srgbClr val="1F4E79"/>
+                </a:solidFill>
+                <a:latin typeface="Courier New"/>
+              </a:rPr>
+              <a:t>return</a:t>
+            </a:r>
+            <a:r>
+              <a:rPr lang="pt-BR" sz="3200" spc="-1" dirty="0">
+                <a:solidFill>
+                  <a:srgbClr val="1F4E79"/>
+                </a:solidFill>
+                <a:latin typeface="Courier New"/>
+              </a:rPr>
+              <a:t> </a:t>
+            </a:r>
+            <a:r>
+              <a:rPr lang="pt-BR" sz="3200" spc="-1" dirty="0" err="1">
+                <a:solidFill>
+                  <a:srgbClr val="1F4E79"/>
+                </a:solidFill>
+                <a:latin typeface="Courier New"/>
+              </a:rPr>
+              <a:t>response.status</a:t>
+            </a:r>
+            <a:r>
+              <a:rPr lang="pt-BR" sz="3200" spc="-1" dirty="0">
+                <a:solidFill>
+                  <a:srgbClr val="1F4E79"/>
+                </a:solidFill>
+                <a:latin typeface="Courier New"/>
+              </a:rPr>
+              <a:t>(200).</a:t>
+            </a:r>
+            <a:r>
+              <a:rPr lang="pt-BR" sz="3200" spc="-1" dirty="0" err="1">
+                <a:solidFill>
+                  <a:srgbClr val="1F4E79"/>
+                </a:solidFill>
+                <a:latin typeface="Courier New"/>
+              </a:rPr>
+              <a:t>json</a:t>
+            </a:r>
+            <a:r>
+              <a:rPr lang="pt-BR" sz="3200" spc="-1" dirty="0">
+                <a:solidFill>
+                  <a:srgbClr val="1F4E79"/>
+                </a:solidFill>
+                <a:latin typeface="Courier New"/>
+              </a:rPr>
+              <a:t>({ </a:t>
+            </a:r>
+            <a:r>
+              <a:rPr lang="pt-BR" sz="3200" spc="-1" dirty="0" err="1">
+                <a:solidFill>
+                  <a:srgbClr val="1F4E79"/>
+                </a:solidFill>
+                <a:latin typeface="Courier New"/>
+              </a:rPr>
+              <a:t>message</a:t>
+            </a:r>
+            <a:r>
+              <a:rPr lang="pt-BR" sz="3200" spc="-1" dirty="0">
+                <a:solidFill>
+                  <a:srgbClr val="1F4E79"/>
+                </a:solidFill>
+                <a:latin typeface="Courier New"/>
+              </a:rPr>
+              <a:t>: `O produto ${id} foi removido com sucesso` });</a:t>
+            </a:r>
+          </a:p>
+          <a:p>
+            <a:pPr>
+              <a:lnSpc>
+                <a:spcPct val="100000"/>
+              </a:lnSpc>
+              <a:spcBef>
+                <a:spcPts val="1001"/>
+              </a:spcBef>
+              <a:spcAft>
+                <a:spcPts val="1001"/>
+              </a:spcAft>
+              <a:tabLst>
+                <a:tab pos="0" algn="l"/>
+              </a:tabLst>
+            </a:pPr>
+            <a:r>
+              <a:rPr lang="pt-BR" sz="3200" spc="-1" dirty="0">
+                <a:solidFill>
+                  <a:srgbClr val="1F4E79"/>
+                </a:solidFill>
+                <a:latin typeface="Courier New"/>
+              </a:rPr>
+              <a:t>});</a:t>
             </a:r>
             <a:endParaRPr lang="pt-BR" sz="3200" b="0" strike="noStrike" spc="-1" dirty="0">
               <a:latin typeface="Arial"/>
@@ -26731,7 +27336,7 @@
     </p:spTree>
     <p:extLst>
       <p:ext uri="{BB962C8B-B14F-4D97-AF65-F5344CB8AC3E}">
-        <p14:creationId xmlns:p14="http://schemas.microsoft.com/office/powerpoint/2010/main" val="1405837989"/>
+        <p14:creationId xmlns:p14="http://schemas.microsoft.com/office/powerpoint/2010/main" val="2381488667"/>
       </p:ext>
     </p:extLst>
   </p:cSld>
@@ -26801,6 +27406,16 @@
               </a:lnSpc>
             </a:pPr>
             <a:r>
+              <a:rPr lang="pt-BR" sz="5400" b="0" strike="noStrike" spc="-1" dirty="0" err="1">
+                <a:solidFill>
+                  <a:srgbClr val="1F4E79"/>
+                </a:solidFill>
+                <a:latin typeface="Arial"/>
+                <a:ea typeface="DejaVu Sans"/>
+              </a:rPr>
+              <a:t>Sequelize</a:t>
+            </a:r>
+            <a:r>
               <a:rPr lang="pt-BR" sz="5400" b="0" strike="noStrike" spc="-1" dirty="0">
                 <a:solidFill>
                   <a:srgbClr val="1F4E79"/>
@@ -26808,27 +27423,7 @@
                 <a:latin typeface="Arial"/>
                 <a:ea typeface="DejaVu Sans"/>
               </a:rPr>
-              <a:t>Recurso </a:t>
-            </a:r>
-            <a:r>
-              <a:rPr lang="pt-BR" sz="5400" b="0" strike="noStrike" spc="-1" dirty="0" err="1">
-                <a:solidFill>
-                  <a:srgbClr val="1F4E79"/>
-                </a:solidFill>
-                <a:latin typeface="Arial"/>
-                <a:ea typeface="DejaVu Sans"/>
-              </a:rPr>
-              <a:t>products</a:t>
-            </a:r>
-            <a:r>
-              <a:rPr lang="pt-BR" sz="5400" b="0" strike="noStrike" spc="-1" dirty="0">
-                <a:solidFill>
-                  <a:srgbClr val="1F4E79"/>
-                </a:solidFill>
-                <a:latin typeface="Arial"/>
-                <a:ea typeface="DejaVu Sans"/>
-              </a:rPr>
-              <a:t> (GET): filtro</a:t>
+              <a:t> - Operadores</a:t>
             </a:r>
             <a:endParaRPr lang="pt-BR" sz="5400" b="0" strike="noStrike" spc="-1" dirty="0">
               <a:latin typeface="Arial"/>
@@ -26869,7 +27464,7 @@
         </p:style>
         <p:txBody>
           <a:bodyPr lIns="90000" tIns="45000" rIns="90000" bIns="45000">
-            <a:normAutofit fontScale="47500" lnSpcReduction="20000"/>
+            <a:normAutofit/>
           </a:bodyPr>
           <a:lstStyle/>
           <a:p>
@@ -26888,98 +27483,60 @@
               </a:tabLst>
             </a:pPr>
             <a:r>
+              <a:rPr lang="pt-BR" sz="3200" spc="-1" dirty="0">
+                <a:solidFill>
+                  <a:srgbClr val="1F4E79"/>
+                </a:solidFill>
+                <a:latin typeface="Arial"/>
+              </a:rPr>
+              <a:t>O </a:t>
+            </a:r>
+            <a:r>
               <a:rPr lang="pt-BR" sz="3200" spc="-1" dirty="0" err="1">
                 <a:solidFill>
                   <a:srgbClr val="1F4E79"/>
                 </a:solidFill>
-                <a:latin typeface="Courier New"/>
-              </a:rPr>
-              <a:t>app.get</a:t>
+                <a:latin typeface="Arial"/>
+              </a:rPr>
+              <a:t>Sequelize</a:t>
             </a:r>
             <a:r>
               <a:rPr lang="pt-BR" sz="3200" spc="-1" dirty="0">
                 <a:solidFill>
                   <a:srgbClr val="1F4E79"/>
                 </a:solidFill>
-                <a:latin typeface="Courier New"/>
-              </a:rPr>
-              <a:t>('/</a:t>
-            </a:r>
-            <a:r>
-              <a:rPr lang="pt-BR" sz="3200" spc="-1" dirty="0" err="1">
-                <a:solidFill>
-                  <a:srgbClr val="1F4E79"/>
-                </a:solidFill>
-                <a:latin typeface="Courier New"/>
-              </a:rPr>
-              <a:t>products</a:t>
+                <a:latin typeface="Arial"/>
+              </a:rPr>
+              <a:t> fornece vários operadores </a:t>
             </a:r>
             <a:r>
               <a:rPr lang="pt-BR" sz="3200" spc="-1" dirty="0">
                 <a:solidFill>
                   <a:srgbClr val="1F4E79"/>
                 </a:solidFill>
-                <a:latin typeface="Courier New"/>
-              </a:rPr>
-              <a:t>/</a:t>
-            </a:r>
-            <a:r>
-              <a:rPr lang="pt-BR" sz="3200" spc="-1" dirty="0" err="1">
-                <a:solidFill>
-                  <a:srgbClr val="1F4E79"/>
-                </a:solidFill>
-                <a:latin typeface="Courier New"/>
-              </a:rPr>
-              <a:t>search</a:t>
+                <a:latin typeface="Arial"/>
+                <a:hlinkClick r:id="rId3">
+                  <a:extLst>
+                    <a:ext uri="{A12FA001-AC4F-418D-AE19-62706E023703}">
+                      <ahyp:hlinkClr xmlns:ahyp="http://schemas.microsoft.com/office/drawing/2018/hyperlinkcolor" val="tx"/>
+                    </a:ext>
+                  </a:extLst>
+                </a:hlinkClick>
+              </a:rPr>
+              <a:t>*</a:t>
             </a:r>
             <a:r>
               <a:rPr lang="pt-BR" sz="3200" spc="-1" dirty="0">
                 <a:solidFill>
                   <a:srgbClr val="1F4E79"/>
                 </a:solidFill>
-                <a:latin typeface="Courier New"/>
-              </a:rPr>
-              <a:t>', </a:t>
-            </a:r>
-            <a:r>
-              <a:rPr lang="pt-BR" sz="3200" spc="-1" dirty="0" err="1">
-                <a:solidFill>
-                  <a:srgbClr val="1F4E79"/>
-                </a:solidFill>
-                <a:latin typeface="Courier New"/>
-              </a:rPr>
-              <a:t>async</a:t>
-            </a:r>
-            <a:r>
-              <a:rPr lang="pt-BR" sz="3200" spc="-1" dirty="0">
-                <a:solidFill>
-                  <a:srgbClr val="1F4E79"/>
-                </a:solidFill>
-                <a:latin typeface="Courier New"/>
-              </a:rPr>
-              <a:t> (</a:t>
-            </a:r>
-            <a:r>
-              <a:rPr lang="pt-BR" sz="3200" spc="-1" dirty="0" err="1">
-                <a:solidFill>
-                  <a:srgbClr val="1F4E79"/>
-                </a:solidFill>
-                <a:latin typeface="Courier New"/>
-              </a:rPr>
-              <a:t>request</a:t>
-            </a:r>
-            <a:r>
-              <a:rPr lang="pt-BR" sz="3200" spc="-1" dirty="0">
-                <a:solidFill>
-                  <a:srgbClr val="1F4E79"/>
-                </a:solidFill>
-                <a:latin typeface="Courier New"/>
-              </a:rPr>
-              <a:t>, response) =&gt; {</a:t>
-            </a:r>
-          </a:p>
-          <a:p>
-            <a:pPr>
+                <a:latin typeface="Arial"/>
+              </a:rPr>
+              <a:t>. Para utilizá-los, basta adicionar a seguinte importação:</a:t>
+            </a:r>
+          </a:p>
+          <a:p>
+            <a:pPr algn="ctr">
               <a:lnSpc>
                 <a:spcPct val="100000"/>
               </a:lnSpc>
@@ -26994,13 +27551,22 @@
               </a:tabLst>
             </a:pPr>
             <a:r>
+              <a:rPr lang="pt-BR" sz="3200" spc="-1" dirty="0" err="1">
+                <a:solidFill>
+                  <a:srgbClr val="1F4E79"/>
+                </a:solidFill>
+                <a:latin typeface="Courier New"/>
+              </a:rPr>
+              <a:t>const</a:t>
+            </a:r>
+            <a:r>
               <a:rPr lang="pt-BR" sz="3200" spc="-1" dirty="0">
                 <a:solidFill>
                   <a:srgbClr val="1F4E79"/>
                 </a:solidFill>
                 <a:latin typeface="Courier New"/>
               </a:rPr>
-              <a:t>    </a:t>
+              <a:t> { </a:t>
             </a:r>
             <a:r>
               <a:rPr lang="pt-BR" sz="3200" spc="-1" dirty="0" err="1">
@@ -27009,7 +27575,7 @@
                 </a:solidFill>
                 <a:latin typeface="Courier New"/>
               </a:rPr>
-              <a:t>const</a:t>
+              <a:t>Op</a:t>
             </a:r>
             <a:r>
               <a:rPr lang="pt-BR" sz="3200" spc="-1" dirty="0">
@@ -27018,7 +27584,7 @@
                 </a:solidFill>
                 <a:latin typeface="Courier New"/>
               </a:rPr>
-              <a:t> { </a:t>
+              <a:t> } = </a:t>
             </a:r>
             <a:r>
               <a:rPr lang="pt-BR" sz="3200" spc="-1" dirty="0" err="1">
@@ -27027,7 +27593,7 @@
                 </a:solidFill>
                 <a:latin typeface="Courier New"/>
               </a:rPr>
-              <a:t>text</a:t>
+              <a:t>require</a:t>
             </a:r>
             <a:r>
               <a:rPr lang="pt-BR" sz="3200" spc="-1" dirty="0">
@@ -27036,7 +27602,7 @@
                 </a:solidFill>
                 <a:latin typeface="Courier New"/>
               </a:rPr>
-              <a:t> } = </a:t>
+              <a:t>('</a:t>
             </a:r>
             <a:r>
               <a:rPr lang="pt-BR" sz="3200" spc="-1" dirty="0" err="1">
@@ -27045,7 +27611,7 @@
                 </a:solidFill>
                 <a:latin typeface="Courier New"/>
               </a:rPr>
-              <a:t>request.query</a:t>
+              <a:t>sequelize</a:t>
             </a:r>
             <a:r>
               <a:rPr lang="pt-BR" sz="3200" spc="-1" dirty="0">
@@ -27054,538 +27620,7 @@
                 </a:solidFill>
                 <a:latin typeface="Courier New"/>
               </a:rPr>
-              <a:t>;</a:t>
-            </a:r>
-          </a:p>
-          <a:p>
-            <a:pPr>
-              <a:lnSpc>
-                <a:spcPct val="100000"/>
-              </a:lnSpc>
-              <a:spcBef>
-                <a:spcPts val="1001"/>
-              </a:spcBef>
-              <a:spcAft>
-                <a:spcPts val="1001"/>
-              </a:spcAft>
-              <a:tabLst>
-                <a:tab pos="0" algn="l"/>
-              </a:tabLst>
-            </a:pPr>
-            <a:r>
-              <a:rPr lang="pt-BR" sz="3200" spc="-1" dirty="0">
-                <a:solidFill>
-                  <a:srgbClr val="1F4E79"/>
-                </a:solidFill>
-                <a:latin typeface="Courier New"/>
-              </a:rPr>
-              <a:t>    </a:t>
-            </a:r>
-            <a:r>
-              <a:rPr lang="pt-BR" sz="3200" spc="-1" dirty="0" err="1">
-                <a:solidFill>
-                  <a:srgbClr val="1F4E79"/>
-                </a:solidFill>
-                <a:latin typeface="Courier New"/>
-              </a:rPr>
-              <a:t>try</a:t>
-            </a:r>
-            <a:r>
-              <a:rPr lang="pt-BR" sz="3200" spc="-1" dirty="0">
-                <a:solidFill>
-                  <a:srgbClr val="1F4E79"/>
-                </a:solidFill>
-                <a:latin typeface="Courier New"/>
-              </a:rPr>
-              <a:t> {</a:t>
-            </a:r>
-          </a:p>
-          <a:p>
-            <a:pPr>
-              <a:lnSpc>
-                <a:spcPct val="100000"/>
-              </a:lnSpc>
-              <a:spcBef>
-                <a:spcPts val="1001"/>
-              </a:spcBef>
-              <a:spcAft>
-                <a:spcPts val="1001"/>
-              </a:spcAft>
-              <a:tabLst>
-                <a:tab pos="0" algn="l"/>
-              </a:tabLst>
-            </a:pPr>
-            <a:r>
-              <a:rPr lang="pt-BR" sz="3200" spc="-1" dirty="0">
-                <a:solidFill>
-                  <a:srgbClr val="1F4E79"/>
-                </a:solidFill>
-                <a:latin typeface="Courier New"/>
-              </a:rPr>
-              <a:t>        </a:t>
-            </a:r>
-            <a:r>
-              <a:rPr lang="pt-BR" sz="3200" spc="-1" dirty="0" err="1">
-                <a:solidFill>
-                  <a:srgbClr val="1F4E79"/>
-                </a:solidFill>
-                <a:latin typeface="Courier New"/>
-              </a:rPr>
-              <a:t>const</a:t>
-            </a:r>
-            <a:r>
-              <a:rPr lang="pt-BR" sz="3200" spc="-1" dirty="0">
-                <a:solidFill>
-                  <a:srgbClr val="1F4E79"/>
-                </a:solidFill>
-                <a:latin typeface="Courier New"/>
-              </a:rPr>
-              <a:t> </a:t>
-            </a:r>
-            <a:r>
-              <a:rPr lang="pt-BR" sz="3200" spc="-1" dirty="0" err="1">
-                <a:solidFill>
-                  <a:srgbClr val="1F4E79"/>
-                </a:solidFill>
-                <a:latin typeface="Courier New"/>
-              </a:rPr>
-              <a:t>products</a:t>
-            </a:r>
-            <a:r>
-              <a:rPr lang="pt-BR" sz="3200" spc="-1" dirty="0">
-                <a:solidFill>
-                  <a:srgbClr val="1F4E79"/>
-                </a:solidFill>
-                <a:latin typeface="Courier New"/>
-              </a:rPr>
-              <a:t> = </a:t>
-            </a:r>
-            <a:r>
-              <a:rPr lang="pt-BR" sz="3200" spc="-1" dirty="0" err="1">
-                <a:solidFill>
-                  <a:srgbClr val="1F4E79"/>
-                </a:solidFill>
-                <a:latin typeface="Courier New"/>
-              </a:rPr>
-              <a:t>await</a:t>
-            </a:r>
-            <a:r>
-              <a:rPr lang="pt-BR" sz="3200" spc="-1" dirty="0">
-                <a:solidFill>
-                  <a:srgbClr val="1F4E79"/>
-                </a:solidFill>
-                <a:latin typeface="Courier New"/>
-              </a:rPr>
-              <a:t> </a:t>
-            </a:r>
-            <a:r>
-              <a:rPr lang="pt-BR" sz="3200" spc="-1" dirty="0" err="1">
-                <a:solidFill>
-                  <a:srgbClr val="1F4E79"/>
-                </a:solidFill>
-                <a:latin typeface="Courier New"/>
-              </a:rPr>
-              <a:t>Product.findAll</a:t>
-            </a:r>
-            <a:r>
-              <a:rPr lang="pt-BR" sz="3200" spc="-1" dirty="0">
-                <a:solidFill>
-                  <a:srgbClr val="1F4E79"/>
-                </a:solidFill>
-                <a:latin typeface="Courier New"/>
-              </a:rPr>
-              <a:t>({</a:t>
-            </a:r>
-          </a:p>
-          <a:p>
-            <a:pPr>
-              <a:lnSpc>
-                <a:spcPct val="100000"/>
-              </a:lnSpc>
-              <a:spcBef>
-                <a:spcPts val="1001"/>
-              </a:spcBef>
-              <a:spcAft>
-                <a:spcPts val="1001"/>
-              </a:spcAft>
-              <a:tabLst>
-                <a:tab pos="0" algn="l"/>
-              </a:tabLst>
-            </a:pPr>
-            <a:r>
-              <a:rPr lang="pt-BR" sz="3200" spc="-1" dirty="0">
-                <a:solidFill>
-                  <a:srgbClr val="1F4E79"/>
-                </a:solidFill>
-                <a:latin typeface="Courier New"/>
-              </a:rPr>
-              <a:t>            </a:t>
-            </a:r>
-            <a:r>
-              <a:rPr lang="pt-BR" sz="3200" spc="-1" dirty="0" err="1">
-                <a:solidFill>
-                  <a:srgbClr val="1F4E79"/>
-                </a:solidFill>
-                <a:latin typeface="Courier New"/>
-              </a:rPr>
-              <a:t>where</a:t>
-            </a:r>
-            <a:r>
-              <a:rPr lang="pt-BR" sz="3200" spc="-1" dirty="0">
-                <a:solidFill>
-                  <a:srgbClr val="1F4E79"/>
-                </a:solidFill>
-                <a:latin typeface="Courier New"/>
-              </a:rPr>
-              <a:t>: { </a:t>
-            </a:r>
-            <a:r>
-              <a:rPr lang="pt-BR" sz="3200" spc="-1" dirty="0" err="1">
-                <a:solidFill>
-                  <a:srgbClr val="1F4E79"/>
-                </a:solidFill>
-                <a:latin typeface="Courier New"/>
-              </a:rPr>
-              <a:t>description</a:t>
-            </a:r>
-            <a:r>
-              <a:rPr lang="pt-BR" sz="3200" spc="-1" dirty="0">
-                <a:solidFill>
-                  <a:srgbClr val="1F4E79"/>
-                </a:solidFill>
-                <a:latin typeface="Courier New"/>
-              </a:rPr>
-              <a:t>: {[</a:t>
-            </a:r>
-            <a:r>
-              <a:rPr lang="pt-BR" sz="3200" spc="-1" dirty="0" err="1">
-                <a:solidFill>
-                  <a:srgbClr val="1F4E79"/>
-                </a:solidFill>
-                <a:latin typeface="Courier New"/>
-              </a:rPr>
-              <a:t>Op.substring</a:t>
-            </a:r>
-            <a:r>
-              <a:rPr lang="pt-BR" sz="3200" spc="-1" dirty="0">
-                <a:solidFill>
-                  <a:srgbClr val="1F4E79"/>
-                </a:solidFill>
-                <a:latin typeface="Courier New"/>
-              </a:rPr>
-              <a:t>]: </a:t>
-            </a:r>
-            <a:r>
-              <a:rPr lang="pt-BR" sz="3200" spc="-1" dirty="0" err="1">
-                <a:solidFill>
-                  <a:srgbClr val="1F4E79"/>
-                </a:solidFill>
-                <a:latin typeface="Courier New"/>
-              </a:rPr>
-              <a:t>text</a:t>
-            </a:r>
-            <a:r>
-              <a:rPr lang="pt-BR" sz="3200" spc="-1" dirty="0">
-                <a:solidFill>
-                  <a:srgbClr val="1F4E79"/>
-                </a:solidFill>
-                <a:latin typeface="Courier New"/>
-              </a:rPr>
-              <a:t> } }</a:t>
-            </a:r>
-          </a:p>
-          <a:p>
-            <a:pPr>
-              <a:lnSpc>
-                <a:spcPct val="100000"/>
-              </a:lnSpc>
-              <a:spcBef>
-                <a:spcPts val="1001"/>
-              </a:spcBef>
-              <a:spcAft>
-                <a:spcPts val="1001"/>
-              </a:spcAft>
-              <a:tabLst>
-                <a:tab pos="0" algn="l"/>
-              </a:tabLst>
-            </a:pPr>
-            <a:r>
-              <a:rPr lang="pt-BR" sz="3200" spc="-1" dirty="0">
-                <a:solidFill>
-                  <a:srgbClr val="1F4E79"/>
-                </a:solidFill>
-                <a:latin typeface="Courier New"/>
-              </a:rPr>
-              <a:t>        });</a:t>
-            </a:r>
-          </a:p>
-          <a:p>
-            <a:pPr>
-              <a:lnSpc>
-                <a:spcPct val="100000"/>
-              </a:lnSpc>
-              <a:spcBef>
-                <a:spcPts val="1001"/>
-              </a:spcBef>
-              <a:spcAft>
-                <a:spcPts val="1001"/>
-              </a:spcAft>
-              <a:tabLst>
-                <a:tab pos="0" algn="l"/>
-              </a:tabLst>
-            </a:pPr>
-            <a:r>
-              <a:rPr lang="pt-BR" sz="3200" spc="-1" dirty="0">
-                <a:solidFill>
-                  <a:srgbClr val="1F4E79"/>
-                </a:solidFill>
-                <a:latin typeface="Courier New"/>
-              </a:rPr>
-              <a:t>        </a:t>
-            </a:r>
-            <a:r>
-              <a:rPr lang="pt-BR" sz="3200" spc="-1" dirty="0" err="1">
-                <a:solidFill>
-                  <a:srgbClr val="1F4E79"/>
-                </a:solidFill>
-                <a:latin typeface="Courier New"/>
-              </a:rPr>
-              <a:t>response.status</a:t>
-            </a:r>
-            <a:r>
-              <a:rPr lang="pt-BR" sz="3200" spc="-1" dirty="0">
-                <a:solidFill>
-                  <a:srgbClr val="1F4E79"/>
-                </a:solidFill>
-                <a:latin typeface="Courier New"/>
-              </a:rPr>
-              <a:t>(200).</a:t>
-            </a:r>
-            <a:r>
-              <a:rPr lang="pt-BR" sz="3200" spc="-1" dirty="0" err="1">
-                <a:solidFill>
-                  <a:srgbClr val="1F4E79"/>
-                </a:solidFill>
-                <a:latin typeface="Courier New"/>
-              </a:rPr>
-              <a:t>json</a:t>
-            </a:r>
-            <a:r>
-              <a:rPr lang="pt-BR" sz="3200" spc="-1" dirty="0">
-                <a:solidFill>
-                  <a:srgbClr val="1F4E79"/>
-                </a:solidFill>
-                <a:latin typeface="Courier New"/>
-              </a:rPr>
-              <a:t>(</a:t>
-            </a:r>
-            <a:r>
-              <a:rPr lang="pt-BR" sz="3200" spc="-1" dirty="0" err="1">
-                <a:solidFill>
-                  <a:srgbClr val="1F4E79"/>
-                </a:solidFill>
-                <a:latin typeface="Courier New"/>
-              </a:rPr>
-              <a:t>products</a:t>
-            </a:r>
-            <a:r>
-              <a:rPr lang="pt-BR" sz="3200" spc="-1" dirty="0">
-                <a:solidFill>
-                  <a:srgbClr val="1F4E79"/>
-                </a:solidFill>
-                <a:latin typeface="Courier New"/>
-              </a:rPr>
-              <a:t>);</a:t>
-            </a:r>
-          </a:p>
-          <a:p>
-            <a:pPr>
-              <a:lnSpc>
-                <a:spcPct val="100000"/>
-              </a:lnSpc>
-              <a:spcBef>
-                <a:spcPts val="1001"/>
-              </a:spcBef>
-              <a:spcAft>
-                <a:spcPts val="1001"/>
-              </a:spcAft>
-              <a:tabLst>
-                <a:tab pos="0" algn="l"/>
-              </a:tabLst>
-            </a:pPr>
-            <a:r>
-              <a:rPr lang="pt-BR" sz="3200" spc="-1" dirty="0">
-                <a:solidFill>
-                  <a:srgbClr val="1F4E79"/>
-                </a:solidFill>
-                <a:latin typeface="Courier New"/>
-              </a:rPr>
-              <a:t>    } catch (</a:t>
-            </a:r>
-            <a:r>
-              <a:rPr lang="pt-BR" sz="3200" spc="-1" dirty="0" err="1">
-                <a:solidFill>
-                  <a:srgbClr val="1F4E79"/>
-                </a:solidFill>
-                <a:latin typeface="Courier New"/>
-              </a:rPr>
-              <a:t>error</a:t>
-            </a:r>
-            <a:r>
-              <a:rPr lang="pt-BR" sz="3200" spc="-1" dirty="0">
-                <a:solidFill>
-                  <a:srgbClr val="1F4E79"/>
-                </a:solidFill>
-                <a:latin typeface="Courier New"/>
-              </a:rPr>
-              <a:t>) {</a:t>
-            </a:r>
-          </a:p>
-          <a:p>
-            <a:pPr>
-              <a:lnSpc>
-                <a:spcPct val="100000"/>
-              </a:lnSpc>
-              <a:spcBef>
-                <a:spcPts val="1001"/>
-              </a:spcBef>
-              <a:spcAft>
-                <a:spcPts val="1001"/>
-              </a:spcAft>
-              <a:tabLst>
-                <a:tab pos="0" algn="l"/>
-              </a:tabLst>
-            </a:pPr>
-            <a:r>
-              <a:rPr lang="pt-BR" sz="3200" spc="-1" dirty="0">
-                <a:solidFill>
-                  <a:srgbClr val="1F4E79"/>
-                </a:solidFill>
-                <a:latin typeface="Courier New"/>
-              </a:rPr>
-              <a:t>        </a:t>
-            </a:r>
-            <a:r>
-              <a:rPr lang="pt-BR" sz="3200" spc="-1" dirty="0" err="1">
-                <a:solidFill>
-                  <a:srgbClr val="1F4E79"/>
-                </a:solidFill>
-                <a:latin typeface="Courier New"/>
-              </a:rPr>
-              <a:t>response.status</a:t>
-            </a:r>
-            <a:r>
-              <a:rPr lang="pt-BR" sz="3200" spc="-1" dirty="0">
-                <a:solidFill>
-                  <a:srgbClr val="1F4E79"/>
-                </a:solidFill>
-                <a:latin typeface="Courier New"/>
-              </a:rPr>
-              <a:t>(500).</a:t>
-            </a:r>
-            <a:r>
-              <a:rPr lang="pt-BR" sz="3200" spc="-1" dirty="0" err="1">
-                <a:solidFill>
-                  <a:srgbClr val="1F4E79"/>
-                </a:solidFill>
-                <a:latin typeface="Courier New"/>
-              </a:rPr>
-              <a:t>json</a:t>
-            </a:r>
-            <a:r>
-              <a:rPr lang="pt-BR" sz="3200" spc="-1" dirty="0">
-                <a:solidFill>
-                  <a:srgbClr val="1F4E79"/>
-                </a:solidFill>
-                <a:latin typeface="Courier New"/>
-              </a:rPr>
-              <a:t>({ </a:t>
-            </a:r>
-            <a:r>
-              <a:rPr lang="pt-BR" sz="3200" spc="-1" dirty="0" err="1">
-                <a:solidFill>
-                  <a:srgbClr val="1F4E79"/>
-                </a:solidFill>
-                <a:latin typeface="Courier New"/>
-              </a:rPr>
-              <a:t>error</a:t>
-            </a:r>
-            <a:r>
-              <a:rPr lang="pt-BR" sz="3200" spc="-1" dirty="0">
-                <a:solidFill>
-                  <a:srgbClr val="1F4E79"/>
-                </a:solidFill>
-                <a:latin typeface="Courier New"/>
-              </a:rPr>
-              <a:t>: </a:t>
-            </a:r>
-            <a:r>
-              <a:rPr lang="pt-BR" sz="3200" spc="-1" dirty="0" err="1">
-                <a:solidFill>
-                  <a:srgbClr val="1F4E79"/>
-                </a:solidFill>
-                <a:latin typeface="Courier New"/>
-              </a:rPr>
-              <a:t>error.message</a:t>
-            </a:r>
-            <a:r>
-              <a:rPr lang="pt-BR" sz="3200" spc="-1" dirty="0">
-                <a:solidFill>
-                  <a:srgbClr val="1F4E79"/>
-                </a:solidFill>
-                <a:latin typeface="Courier New"/>
-              </a:rPr>
-              <a:t> });</a:t>
-            </a:r>
-          </a:p>
-          <a:p>
-            <a:pPr>
-              <a:lnSpc>
-                <a:spcPct val="100000"/>
-              </a:lnSpc>
-              <a:spcBef>
-                <a:spcPts val="1001"/>
-              </a:spcBef>
-              <a:spcAft>
-                <a:spcPts val="1001"/>
-              </a:spcAft>
-              <a:tabLst>
-                <a:tab pos="0" algn="l"/>
-              </a:tabLst>
-            </a:pPr>
-            <a:r>
-              <a:rPr lang="pt-BR" sz="3200" spc="-1" dirty="0">
-                <a:solidFill>
-                  <a:srgbClr val="1F4E79"/>
-                </a:solidFill>
-                <a:latin typeface="Courier New"/>
-              </a:rPr>
-              <a:t>    }</a:t>
-            </a:r>
-          </a:p>
-          <a:p>
-            <a:pPr>
-              <a:lnSpc>
-                <a:spcPct val="100000"/>
-              </a:lnSpc>
-              <a:spcBef>
-                <a:spcPts val="1001"/>
-              </a:spcBef>
-              <a:spcAft>
-                <a:spcPts val="1001"/>
-              </a:spcAft>
-              <a:tabLst>
-                <a:tab pos="0" algn="l"/>
-              </a:tabLst>
-            </a:pPr>
-            <a:r>
-              <a:rPr lang="pt-BR" sz="3200" spc="-1" dirty="0">
-                <a:solidFill>
-                  <a:srgbClr val="1F4E79"/>
-                </a:solidFill>
-                <a:latin typeface="Courier New"/>
-              </a:rPr>
-              <a:t>});</a:t>
+              <a:t>');</a:t>
             </a:r>
             <a:endParaRPr lang="pt-BR" sz="3200" b="0" strike="noStrike" spc="-1" dirty="0">
               <a:latin typeface="Arial"/>
@@ -27596,7 +27631,7 @@
     </p:spTree>
     <p:extLst>
       <p:ext uri="{BB962C8B-B14F-4D97-AF65-F5344CB8AC3E}">
-        <p14:creationId xmlns:p14="http://schemas.microsoft.com/office/powerpoint/2010/main" val="3142745156"/>
+        <p14:creationId xmlns:p14="http://schemas.microsoft.com/office/powerpoint/2010/main" val="1405837989"/>
       </p:ext>
     </p:extLst>
   </p:cSld>
@@ -27625,7 +27660,7 @@
       </p:grpSpPr>
       <p:sp>
         <p:nvSpPr>
-          <p:cNvPr id="171" name="CustomShape 1"/>
+          <p:cNvPr id="149" name="CustomShape 1"/>
           <p:cNvSpPr/>
           <p:nvPr/>
         </p:nvSpPr>
@@ -27666,16 +27701,36 @@
               </a:lnSpc>
             </a:pPr>
             <a:r>
-              <a:rPr lang="pt-BR" sz="5400" b="0" strike="noStrike" spc="-1">
+              <a:rPr lang="pt-BR" sz="5400" b="0" strike="noStrike" spc="-1" dirty="0">
                 <a:solidFill>
                   <a:srgbClr val="1F4E79"/>
                 </a:solidFill>
                 <a:latin typeface="Arial"/>
                 <a:ea typeface="DejaVu Sans"/>
               </a:rPr>
-              <a:t>ORM: Sequelize</a:t>
-            </a:r>
-            <a:endParaRPr lang="pt-BR" sz="5400" b="0" strike="noStrike" spc="-1">
+              <a:t>Recurso </a:t>
+            </a:r>
+            <a:r>
+              <a:rPr lang="pt-BR" sz="5400" b="0" strike="noStrike" spc="-1" dirty="0" err="1">
+                <a:solidFill>
+                  <a:srgbClr val="1F4E79"/>
+                </a:solidFill>
+                <a:latin typeface="Arial"/>
+                <a:ea typeface="DejaVu Sans"/>
+              </a:rPr>
+              <a:t>products</a:t>
+            </a:r>
+            <a:r>
+              <a:rPr lang="pt-BR" sz="5400" b="0" strike="noStrike" spc="-1" dirty="0">
+                <a:solidFill>
+                  <a:srgbClr val="1F4E79"/>
+                </a:solidFill>
+                <a:latin typeface="Arial"/>
+                <a:ea typeface="DejaVu Sans"/>
+              </a:rPr>
+              <a:t> (GET): filtro</a:t>
+            </a:r>
+            <a:endParaRPr lang="pt-BR" sz="5400" b="0" strike="noStrike" spc="-1" dirty="0">
               <a:latin typeface="Arial"/>
             </a:endParaRPr>
           </a:p>
@@ -27683,14 +27738,14 @@
       </p:sp>
       <p:sp>
         <p:nvSpPr>
-          <p:cNvPr id="172" name="CustomShape 2"/>
+          <p:cNvPr id="150" name="CustomShape 2"/>
           <p:cNvSpPr/>
           <p:nvPr/>
         </p:nvSpPr>
         <p:spPr>
           <a:xfrm>
             <a:off x="317520" y="1290960"/>
-            <a:ext cx="11701440" cy="4347360"/>
+            <a:ext cx="11701440" cy="4737700"/>
           </a:xfrm>
           <a:prstGeom prst="rect">
             <a:avLst/>
@@ -27714,11 +27769,11 @@
         </p:style>
         <p:txBody>
           <a:bodyPr lIns="90000" tIns="45000" rIns="90000" bIns="45000">
-            <a:normAutofit/>
+            <a:normAutofit fontScale="47500" lnSpcReduction="20000"/>
           </a:bodyPr>
           <a:lstStyle/>
           <a:p>
-            <a:pPr algn="ctr">
+            <a:pPr>
               <a:lnSpc>
                 <a:spcPct val="100000"/>
               </a:lnSpc>
@@ -27733,23 +27788,98 @@
               </a:tabLst>
             </a:pPr>
             <a:r>
-              <a:rPr lang="pt-BR" sz="3200" b="0" u="sng" strike="noStrike" spc="-1">
-                <a:solidFill>
-                  <a:srgbClr val="0563C1"/>
-                </a:solidFill>
-                <a:uFillTx/>
-                <a:latin typeface="Arial"/>
-                <a:ea typeface="DejaVu Sans"/>
-                <a:hlinkClick r:id="rId3"/>
-              </a:rPr>
-              <a:t>https://sequelize.org/master/manual/getting-started.html</a:t>
-            </a:r>
-            <a:endParaRPr lang="pt-BR" sz="3200" b="0" strike="noStrike" spc="-1">
-              <a:latin typeface="Arial"/>
-            </a:endParaRPr>
-          </a:p>
-          <a:p>
-            <a:pPr algn="ctr">
+              <a:rPr lang="pt-BR" sz="3200" spc="-1" dirty="0" err="1">
+                <a:solidFill>
+                  <a:srgbClr val="1F4E79"/>
+                </a:solidFill>
+                <a:latin typeface="Courier New"/>
+              </a:rPr>
+              <a:t>app.get</a:t>
+            </a:r>
+            <a:r>
+              <a:rPr lang="pt-BR" sz="3200" spc="-1" dirty="0">
+                <a:solidFill>
+                  <a:srgbClr val="1F4E79"/>
+                </a:solidFill>
+                <a:latin typeface="Courier New"/>
+              </a:rPr>
+              <a:t>('/</a:t>
+            </a:r>
+            <a:r>
+              <a:rPr lang="pt-BR" sz="3200" spc="-1" dirty="0" err="1">
+                <a:solidFill>
+                  <a:srgbClr val="1F4E79"/>
+                </a:solidFill>
+                <a:latin typeface="Courier New"/>
+              </a:rPr>
+              <a:t>products</a:t>
+            </a:r>
+            <a:r>
+              <a:rPr lang="pt-BR" sz="3200" spc="-1" dirty="0">
+                <a:solidFill>
+                  <a:srgbClr val="1F4E79"/>
+                </a:solidFill>
+                <a:latin typeface="Courier New"/>
+              </a:rPr>
+              <a:t>/</a:t>
+            </a:r>
+            <a:r>
+              <a:rPr lang="pt-BR" sz="3200" spc="-1" dirty="0" err="1">
+                <a:solidFill>
+                  <a:srgbClr val="1F4E79"/>
+                </a:solidFill>
+                <a:latin typeface="Courier New"/>
+              </a:rPr>
+              <a:t>search</a:t>
+            </a:r>
+            <a:r>
+              <a:rPr lang="pt-BR" sz="3200" spc="-1" dirty="0">
+                <a:solidFill>
+                  <a:srgbClr val="1F4E79"/>
+                </a:solidFill>
+                <a:latin typeface="Courier New"/>
+              </a:rPr>
+              <a:t>', </a:t>
+            </a:r>
+            <a:r>
+              <a:rPr lang="pt-BR" sz="3200" spc="-1" dirty="0" err="1">
+                <a:solidFill>
+                  <a:srgbClr val="1F4E79"/>
+                </a:solidFill>
+                <a:latin typeface="Courier New"/>
+              </a:rPr>
+              <a:t>async</a:t>
+            </a:r>
+            <a:r>
+              <a:rPr lang="pt-BR" sz="3200" spc="-1" dirty="0">
+                <a:solidFill>
+                  <a:srgbClr val="1F4E79"/>
+                </a:solidFill>
+                <a:latin typeface="Courier New"/>
+              </a:rPr>
+              <a:t> (</a:t>
+            </a:r>
+            <a:r>
+              <a:rPr lang="pt-BR" sz="3200" spc="-1" dirty="0" err="1">
+                <a:solidFill>
+                  <a:srgbClr val="1F4E79"/>
+                </a:solidFill>
+                <a:latin typeface="Courier New"/>
+              </a:rPr>
+              <a:t>request</a:t>
+            </a:r>
+            <a:r>
+              <a:rPr lang="pt-BR" sz="3200" spc="-1" dirty="0">
+                <a:solidFill>
+                  <a:srgbClr val="1F4E79"/>
+                </a:solidFill>
+                <a:latin typeface="Courier New"/>
+              </a:rPr>
+              <a:t>, response) =&gt; {</a:t>
+            </a:r>
+          </a:p>
+          <a:p>
+            <a:pPr>
               <a:lnSpc>
                 <a:spcPct val="100000"/>
               </a:lnSpc>
@@ -27764,21 +27894,71 @@
               </a:tabLst>
             </a:pPr>
             <a:r>
-              <a:rPr lang="pt-BR" sz="3200" b="0" strike="noStrike" spc="-1">
-                <a:solidFill>
-                  <a:srgbClr val="1F4E79"/>
-                </a:solidFill>
-                <a:latin typeface="Arial"/>
-                <a:ea typeface="DejaVu Sans"/>
-              </a:rPr>
-              <a:t>https://levelup.gitconnected.com/creating-sequelize-associations-with-the-sequelize-cli-tool-d83caa902233</a:t>
-            </a:r>
-            <a:endParaRPr lang="pt-BR" sz="3200" b="0" strike="noStrike" spc="-1">
-              <a:latin typeface="Arial"/>
-            </a:endParaRPr>
-          </a:p>
-          <a:p>
-            <a:pPr algn="ctr">
+              <a:rPr lang="pt-BR" sz="3200" spc="-1" dirty="0">
+                <a:solidFill>
+                  <a:srgbClr val="1F4E79"/>
+                </a:solidFill>
+                <a:latin typeface="Courier New"/>
+              </a:rPr>
+              <a:t>    </a:t>
+            </a:r>
+            <a:r>
+              <a:rPr lang="pt-BR" sz="3200" spc="-1" dirty="0" err="1">
+                <a:solidFill>
+                  <a:srgbClr val="1F4E79"/>
+                </a:solidFill>
+                <a:latin typeface="Courier New"/>
+              </a:rPr>
+              <a:t>const</a:t>
+            </a:r>
+            <a:r>
+              <a:rPr lang="pt-BR" sz="3200" spc="-1" dirty="0">
+                <a:solidFill>
+                  <a:srgbClr val="1F4E79"/>
+                </a:solidFill>
+                <a:latin typeface="Courier New"/>
+              </a:rPr>
+              <a:t> { </a:t>
+            </a:r>
+            <a:r>
+              <a:rPr lang="pt-BR" sz="3200" spc="-1" dirty="0" err="1">
+                <a:solidFill>
+                  <a:srgbClr val="1F4E79"/>
+                </a:solidFill>
+                <a:latin typeface="Courier New"/>
+              </a:rPr>
+              <a:t>text</a:t>
+            </a:r>
+            <a:r>
+              <a:rPr lang="pt-BR" sz="3200" spc="-1" dirty="0">
+                <a:solidFill>
+                  <a:srgbClr val="1F4E79"/>
+                </a:solidFill>
+                <a:latin typeface="Courier New"/>
+              </a:rPr>
+              <a:t> } = </a:t>
+            </a:r>
+            <a:r>
+              <a:rPr lang="pt-BR" sz="3200" spc="-1" dirty="0" err="1">
+                <a:solidFill>
+                  <a:srgbClr val="1F4E79"/>
+                </a:solidFill>
+                <a:latin typeface="Courier New"/>
+              </a:rPr>
+              <a:t>request.query</a:t>
+            </a:r>
+            <a:r>
+              <a:rPr lang="pt-BR" sz="3200" spc="-1" dirty="0">
+                <a:solidFill>
+                  <a:srgbClr val="1F4E79"/>
+                </a:solidFill>
+                <a:latin typeface="Courier New"/>
+              </a:rPr>
+              <a:t>;</a:t>
+            </a:r>
+          </a:p>
+          <a:p>
+            <a:pPr>
               <a:lnSpc>
                 <a:spcPct val="100000"/>
               </a:lnSpc>
@@ -27792,13 +27972,533 @@
                 <a:tab pos="0" algn="l"/>
               </a:tabLst>
             </a:pPr>
-            <a:endParaRPr lang="pt-BR" sz="3200" b="0" strike="noStrike" spc="-1">
+            <a:r>
+              <a:rPr lang="pt-BR" sz="3200" spc="-1" dirty="0">
+                <a:solidFill>
+                  <a:srgbClr val="1F4E79"/>
+                </a:solidFill>
+                <a:latin typeface="Courier New"/>
+              </a:rPr>
+              <a:t>    </a:t>
+            </a:r>
+            <a:r>
+              <a:rPr lang="pt-BR" sz="3200" spc="-1" dirty="0" err="1">
+                <a:solidFill>
+                  <a:srgbClr val="1F4E79"/>
+                </a:solidFill>
+                <a:latin typeface="Courier New"/>
+              </a:rPr>
+              <a:t>try</a:t>
+            </a:r>
+            <a:r>
+              <a:rPr lang="pt-BR" sz="3200" spc="-1" dirty="0">
+                <a:solidFill>
+                  <a:srgbClr val="1F4E79"/>
+                </a:solidFill>
+                <a:latin typeface="Courier New"/>
+              </a:rPr>
+              <a:t> {</a:t>
+            </a:r>
+          </a:p>
+          <a:p>
+            <a:pPr>
+              <a:lnSpc>
+                <a:spcPct val="100000"/>
+              </a:lnSpc>
+              <a:spcBef>
+                <a:spcPts val="1001"/>
+              </a:spcBef>
+              <a:spcAft>
+                <a:spcPts val="1001"/>
+              </a:spcAft>
+              <a:tabLst>
+                <a:tab pos="0" algn="l"/>
+              </a:tabLst>
+            </a:pPr>
+            <a:r>
+              <a:rPr lang="pt-BR" sz="3200" spc="-1" dirty="0">
+                <a:solidFill>
+                  <a:srgbClr val="1F4E79"/>
+                </a:solidFill>
+                <a:latin typeface="Courier New"/>
+              </a:rPr>
+              <a:t>        </a:t>
+            </a:r>
+            <a:r>
+              <a:rPr lang="pt-BR" sz="3200" spc="-1" dirty="0" err="1">
+                <a:solidFill>
+                  <a:srgbClr val="1F4E79"/>
+                </a:solidFill>
+                <a:latin typeface="Courier New"/>
+              </a:rPr>
+              <a:t>const</a:t>
+            </a:r>
+            <a:r>
+              <a:rPr lang="pt-BR" sz="3200" spc="-1" dirty="0">
+                <a:solidFill>
+                  <a:srgbClr val="1F4E79"/>
+                </a:solidFill>
+                <a:latin typeface="Courier New"/>
+              </a:rPr>
+              <a:t> </a:t>
+            </a:r>
+            <a:r>
+              <a:rPr lang="pt-BR" sz="3200" spc="-1" dirty="0" err="1">
+                <a:solidFill>
+                  <a:srgbClr val="1F4E79"/>
+                </a:solidFill>
+                <a:latin typeface="Courier New"/>
+              </a:rPr>
+              <a:t>products</a:t>
+            </a:r>
+            <a:r>
+              <a:rPr lang="pt-BR" sz="3200" spc="-1" dirty="0">
+                <a:solidFill>
+                  <a:srgbClr val="1F4E79"/>
+                </a:solidFill>
+                <a:latin typeface="Courier New"/>
+              </a:rPr>
+              <a:t> = </a:t>
+            </a:r>
+            <a:r>
+              <a:rPr lang="pt-BR" sz="3200" spc="-1" dirty="0" err="1">
+                <a:solidFill>
+                  <a:srgbClr val="1F4E79"/>
+                </a:solidFill>
+                <a:latin typeface="Courier New"/>
+              </a:rPr>
+              <a:t>await</a:t>
+            </a:r>
+            <a:r>
+              <a:rPr lang="pt-BR" sz="3200" spc="-1" dirty="0">
+                <a:solidFill>
+                  <a:srgbClr val="1F4E79"/>
+                </a:solidFill>
+                <a:latin typeface="Courier New"/>
+              </a:rPr>
+              <a:t> </a:t>
+            </a:r>
+            <a:r>
+              <a:rPr lang="pt-BR" sz="3200" spc="-1" dirty="0" err="1">
+                <a:solidFill>
+                  <a:srgbClr val="1F4E79"/>
+                </a:solidFill>
+                <a:latin typeface="Courier New"/>
+              </a:rPr>
+              <a:t>Product.findAll</a:t>
+            </a:r>
+            <a:r>
+              <a:rPr lang="pt-BR" sz="3200" spc="-1" dirty="0">
+                <a:solidFill>
+                  <a:srgbClr val="1F4E79"/>
+                </a:solidFill>
+                <a:latin typeface="Courier New"/>
+              </a:rPr>
+              <a:t>({</a:t>
+            </a:r>
+          </a:p>
+          <a:p>
+            <a:pPr>
+              <a:lnSpc>
+                <a:spcPct val="100000"/>
+              </a:lnSpc>
+              <a:spcBef>
+                <a:spcPts val="1001"/>
+              </a:spcBef>
+              <a:spcAft>
+                <a:spcPts val="1001"/>
+              </a:spcAft>
+              <a:tabLst>
+                <a:tab pos="0" algn="l"/>
+              </a:tabLst>
+            </a:pPr>
+            <a:r>
+              <a:rPr lang="pt-BR" sz="3200" spc="-1" dirty="0">
+                <a:solidFill>
+                  <a:srgbClr val="1F4E79"/>
+                </a:solidFill>
+                <a:latin typeface="Courier New"/>
+              </a:rPr>
+              <a:t>            </a:t>
+            </a:r>
+            <a:r>
+              <a:rPr lang="pt-BR" sz="3200" spc="-1" dirty="0" err="1">
+                <a:solidFill>
+                  <a:srgbClr val="1F4E79"/>
+                </a:solidFill>
+                <a:latin typeface="Courier New"/>
+              </a:rPr>
+              <a:t>where</a:t>
+            </a:r>
+            <a:r>
+              <a:rPr lang="pt-BR" sz="3200" spc="-1" dirty="0">
+                <a:solidFill>
+                  <a:srgbClr val="1F4E79"/>
+                </a:solidFill>
+                <a:latin typeface="Courier New"/>
+              </a:rPr>
+              <a:t>: { </a:t>
+            </a:r>
+            <a:r>
+              <a:rPr lang="pt-BR" sz="3200" spc="-1" dirty="0" err="1">
+                <a:solidFill>
+                  <a:srgbClr val="1F4E79"/>
+                </a:solidFill>
+                <a:latin typeface="Courier New"/>
+              </a:rPr>
+              <a:t>description</a:t>
+            </a:r>
+            <a:r>
+              <a:rPr lang="pt-BR" sz="3200" spc="-1" dirty="0">
+                <a:solidFill>
+                  <a:srgbClr val="1F4E79"/>
+                </a:solidFill>
+                <a:latin typeface="Courier New"/>
+              </a:rPr>
+              <a:t>: {[</a:t>
+            </a:r>
+            <a:r>
+              <a:rPr lang="pt-BR" sz="3200" spc="-1" dirty="0" err="1">
+                <a:solidFill>
+                  <a:srgbClr val="1F4E79"/>
+                </a:solidFill>
+                <a:latin typeface="Courier New"/>
+              </a:rPr>
+              <a:t>Op.substring</a:t>
+            </a:r>
+            <a:r>
+              <a:rPr lang="pt-BR" sz="3200" spc="-1" dirty="0">
+                <a:solidFill>
+                  <a:srgbClr val="1F4E79"/>
+                </a:solidFill>
+                <a:latin typeface="Courier New"/>
+              </a:rPr>
+              <a:t>]: </a:t>
+            </a:r>
+            <a:r>
+              <a:rPr lang="pt-BR" sz="3200" spc="-1" dirty="0" err="1">
+                <a:solidFill>
+                  <a:srgbClr val="1F4E79"/>
+                </a:solidFill>
+                <a:latin typeface="Courier New"/>
+              </a:rPr>
+              <a:t>text</a:t>
+            </a:r>
+            <a:r>
+              <a:rPr lang="pt-BR" sz="3200" spc="-1" dirty="0">
+                <a:solidFill>
+                  <a:srgbClr val="1F4E79"/>
+                </a:solidFill>
+                <a:latin typeface="Courier New"/>
+              </a:rPr>
+              <a:t> } }</a:t>
+            </a:r>
+          </a:p>
+          <a:p>
+            <a:pPr>
+              <a:lnSpc>
+                <a:spcPct val="100000"/>
+              </a:lnSpc>
+              <a:spcBef>
+                <a:spcPts val="1001"/>
+              </a:spcBef>
+              <a:spcAft>
+                <a:spcPts val="1001"/>
+              </a:spcAft>
+              <a:tabLst>
+                <a:tab pos="0" algn="l"/>
+              </a:tabLst>
+            </a:pPr>
+            <a:r>
+              <a:rPr lang="pt-BR" sz="3200" spc="-1" dirty="0">
+                <a:solidFill>
+                  <a:srgbClr val="1F4E79"/>
+                </a:solidFill>
+                <a:latin typeface="Courier New"/>
+              </a:rPr>
+              <a:t>        });</a:t>
+            </a:r>
+          </a:p>
+          <a:p>
+            <a:pPr>
+              <a:lnSpc>
+                <a:spcPct val="100000"/>
+              </a:lnSpc>
+              <a:spcBef>
+                <a:spcPts val="1001"/>
+              </a:spcBef>
+              <a:spcAft>
+                <a:spcPts val="1001"/>
+              </a:spcAft>
+              <a:tabLst>
+                <a:tab pos="0" algn="l"/>
+              </a:tabLst>
+            </a:pPr>
+            <a:r>
+              <a:rPr lang="pt-BR" sz="3200" spc="-1" dirty="0">
+                <a:solidFill>
+                  <a:srgbClr val="1F4E79"/>
+                </a:solidFill>
+                <a:latin typeface="Courier New"/>
+              </a:rPr>
+              <a:t>        </a:t>
+            </a:r>
+            <a:r>
+              <a:rPr lang="pt-BR" sz="3200" spc="-1" dirty="0" err="1">
+                <a:solidFill>
+                  <a:srgbClr val="1F4E79"/>
+                </a:solidFill>
+                <a:latin typeface="Courier New"/>
+              </a:rPr>
+              <a:t>response.status</a:t>
+            </a:r>
+            <a:r>
+              <a:rPr lang="pt-BR" sz="3200" spc="-1" dirty="0">
+                <a:solidFill>
+                  <a:srgbClr val="1F4E79"/>
+                </a:solidFill>
+                <a:latin typeface="Courier New"/>
+              </a:rPr>
+              <a:t>(200).</a:t>
+            </a:r>
+            <a:r>
+              <a:rPr lang="pt-BR" sz="3200" spc="-1" dirty="0" err="1">
+                <a:solidFill>
+                  <a:srgbClr val="1F4E79"/>
+                </a:solidFill>
+                <a:latin typeface="Courier New"/>
+              </a:rPr>
+              <a:t>json</a:t>
+            </a:r>
+            <a:r>
+              <a:rPr lang="pt-BR" sz="3200" spc="-1" dirty="0">
+                <a:solidFill>
+                  <a:srgbClr val="1F4E79"/>
+                </a:solidFill>
+                <a:latin typeface="Courier New"/>
+              </a:rPr>
+              <a:t>(</a:t>
+            </a:r>
+            <a:r>
+              <a:rPr lang="pt-BR" sz="3200" spc="-1" dirty="0" err="1">
+                <a:solidFill>
+                  <a:srgbClr val="1F4E79"/>
+                </a:solidFill>
+                <a:latin typeface="Courier New"/>
+              </a:rPr>
+              <a:t>products</a:t>
+            </a:r>
+            <a:r>
+              <a:rPr lang="pt-BR" sz="3200" spc="-1" dirty="0">
+                <a:solidFill>
+                  <a:srgbClr val="1F4E79"/>
+                </a:solidFill>
+                <a:latin typeface="Courier New"/>
+              </a:rPr>
+              <a:t>);</a:t>
+            </a:r>
+          </a:p>
+          <a:p>
+            <a:pPr>
+              <a:lnSpc>
+                <a:spcPct val="100000"/>
+              </a:lnSpc>
+              <a:spcBef>
+                <a:spcPts val="1001"/>
+              </a:spcBef>
+              <a:spcAft>
+                <a:spcPts val="1001"/>
+              </a:spcAft>
+              <a:tabLst>
+                <a:tab pos="0" algn="l"/>
+              </a:tabLst>
+            </a:pPr>
+            <a:r>
+              <a:rPr lang="pt-BR" sz="3200" spc="-1" dirty="0">
+                <a:solidFill>
+                  <a:srgbClr val="1F4E79"/>
+                </a:solidFill>
+                <a:latin typeface="Courier New"/>
+              </a:rPr>
+              <a:t>    } catch (</a:t>
+            </a:r>
+            <a:r>
+              <a:rPr lang="pt-BR" sz="3200" spc="-1" dirty="0" err="1">
+                <a:solidFill>
+                  <a:srgbClr val="1F4E79"/>
+                </a:solidFill>
+                <a:latin typeface="Courier New"/>
+              </a:rPr>
+              <a:t>error</a:t>
+            </a:r>
+            <a:r>
+              <a:rPr lang="pt-BR" sz="3200" spc="-1" dirty="0">
+                <a:solidFill>
+                  <a:srgbClr val="1F4E79"/>
+                </a:solidFill>
+                <a:latin typeface="Courier New"/>
+              </a:rPr>
+              <a:t>) {</a:t>
+            </a:r>
+          </a:p>
+          <a:p>
+            <a:pPr>
+              <a:lnSpc>
+                <a:spcPct val="100000"/>
+              </a:lnSpc>
+              <a:spcBef>
+                <a:spcPts val="1001"/>
+              </a:spcBef>
+              <a:spcAft>
+                <a:spcPts val="1001"/>
+              </a:spcAft>
+              <a:tabLst>
+                <a:tab pos="0" algn="l"/>
+              </a:tabLst>
+            </a:pPr>
+            <a:r>
+              <a:rPr lang="pt-BR" sz="3200" spc="-1" dirty="0">
+                <a:solidFill>
+                  <a:srgbClr val="1F4E79"/>
+                </a:solidFill>
+                <a:latin typeface="Courier New"/>
+              </a:rPr>
+              <a:t>        </a:t>
+            </a:r>
+            <a:r>
+              <a:rPr lang="pt-BR" sz="3200" spc="-1" dirty="0" err="1">
+                <a:solidFill>
+                  <a:srgbClr val="1F4E79"/>
+                </a:solidFill>
+                <a:latin typeface="Courier New"/>
+              </a:rPr>
+              <a:t>response.status</a:t>
+            </a:r>
+            <a:r>
+              <a:rPr lang="pt-BR" sz="3200" spc="-1" dirty="0">
+                <a:solidFill>
+                  <a:srgbClr val="1F4E79"/>
+                </a:solidFill>
+                <a:latin typeface="Courier New"/>
+              </a:rPr>
+              <a:t>(500).</a:t>
+            </a:r>
+            <a:r>
+              <a:rPr lang="pt-BR" sz="3200" spc="-1" dirty="0" err="1">
+                <a:solidFill>
+                  <a:srgbClr val="1F4E79"/>
+                </a:solidFill>
+                <a:latin typeface="Courier New"/>
+              </a:rPr>
+              <a:t>json</a:t>
+            </a:r>
+            <a:r>
+              <a:rPr lang="pt-BR" sz="3200" spc="-1" dirty="0">
+                <a:solidFill>
+                  <a:srgbClr val="1F4E79"/>
+                </a:solidFill>
+                <a:latin typeface="Courier New"/>
+              </a:rPr>
+              <a:t>({ </a:t>
+            </a:r>
+            <a:r>
+              <a:rPr lang="pt-BR" sz="3200" spc="-1" dirty="0" err="1">
+                <a:solidFill>
+                  <a:srgbClr val="1F4E79"/>
+                </a:solidFill>
+                <a:latin typeface="Courier New"/>
+              </a:rPr>
+              <a:t>error</a:t>
+            </a:r>
+            <a:r>
+              <a:rPr lang="pt-BR" sz="3200" spc="-1" dirty="0">
+                <a:solidFill>
+                  <a:srgbClr val="1F4E79"/>
+                </a:solidFill>
+                <a:latin typeface="Courier New"/>
+              </a:rPr>
+              <a:t>: </a:t>
+            </a:r>
+            <a:r>
+              <a:rPr lang="pt-BR" sz="3200" spc="-1" dirty="0" err="1">
+                <a:solidFill>
+                  <a:srgbClr val="1F4E79"/>
+                </a:solidFill>
+                <a:latin typeface="Courier New"/>
+              </a:rPr>
+              <a:t>error.message</a:t>
+            </a:r>
+            <a:r>
+              <a:rPr lang="pt-BR" sz="3200" spc="-1" dirty="0">
+                <a:solidFill>
+                  <a:srgbClr val="1F4E79"/>
+                </a:solidFill>
+                <a:latin typeface="Courier New"/>
+              </a:rPr>
+              <a:t> });</a:t>
+            </a:r>
+          </a:p>
+          <a:p>
+            <a:pPr>
+              <a:lnSpc>
+                <a:spcPct val="100000"/>
+              </a:lnSpc>
+              <a:spcBef>
+                <a:spcPts val="1001"/>
+              </a:spcBef>
+              <a:spcAft>
+                <a:spcPts val="1001"/>
+              </a:spcAft>
+              <a:tabLst>
+                <a:tab pos="0" algn="l"/>
+              </a:tabLst>
+            </a:pPr>
+            <a:r>
+              <a:rPr lang="pt-BR" sz="3200" spc="-1" dirty="0">
+                <a:solidFill>
+                  <a:srgbClr val="1F4E79"/>
+                </a:solidFill>
+                <a:latin typeface="Courier New"/>
+              </a:rPr>
+              <a:t>    }</a:t>
+            </a:r>
+          </a:p>
+          <a:p>
+            <a:pPr>
+              <a:lnSpc>
+                <a:spcPct val="100000"/>
+              </a:lnSpc>
+              <a:spcBef>
+                <a:spcPts val="1001"/>
+              </a:spcBef>
+              <a:spcAft>
+                <a:spcPts val="1001"/>
+              </a:spcAft>
+              <a:tabLst>
+                <a:tab pos="0" algn="l"/>
+              </a:tabLst>
+            </a:pPr>
+            <a:r>
+              <a:rPr lang="pt-BR" sz="3200" spc="-1" dirty="0">
+                <a:solidFill>
+                  <a:srgbClr val="1F4E79"/>
+                </a:solidFill>
+                <a:latin typeface="Courier New"/>
+              </a:rPr>
+              <a:t>});</a:t>
+            </a:r>
+            <a:endParaRPr lang="pt-BR" sz="3200" b="0" strike="noStrike" spc="-1" dirty="0">
               <a:latin typeface="Arial"/>
             </a:endParaRPr>
           </a:p>
         </p:txBody>
       </p:sp>
     </p:spTree>
+    <p:extLst>
+      <p:ext uri="{BB962C8B-B14F-4D97-AF65-F5344CB8AC3E}">
+        <p14:creationId xmlns:p14="http://schemas.microsoft.com/office/powerpoint/2010/main" val="3142745156"/>
+      </p:ext>
+    </p:extLst>
   </p:cSld>
   <p:clrMapOvr>
     <a:masterClrMapping/>
@@ -27825,7 +28525,7 @@
       </p:grpSpPr>
       <p:sp>
         <p:nvSpPr>
-          <p:cNvPr id="173" name="CustomShape 1"/>
+          <p:cNvPr id="171" name="CustomShape 1"/>
           <p:cNvSpPr/>
           <p:nvPr/>
         </p:nvSpPr>
@@ -27866,16 +28566,16 @@
               </a:lnSpc>
             </a:pPr>
             <a:r>
-              <a:rPr lang="pt-BR" sz="5400" b="0" strike="noStrike" spc="-1">
+              <a:rPr lang="pt-BR" sz="5400" b="0" strike="noStrike" spc="-1" dirty="0">
                 <a:solidFill>
                   <a:srgbClr val="1F4E79"/>
                 </a:solidFill>
                 <a:latin typeface="Arial"/>
                 <a:ea typeface="DejaVu Sans"/>
               </a:rPr>
-              <a:t>Middleware</a:t>
-            </a:r>
-            <a:endParaRPr lang="pt-BR" sz="5400" b="0" strike="noStrike" spc="-1">
+              <a:t>Exercício em grupo (3 integrantes)</a:t>
+            </a:r>
+            <a:endParaRPr lang="pt-BR" sz="5400" b="0" strike="noStrike" spc="-1" dirty="0">
               <a:latin typeface="Arial"/>
             </a:endParaRPr>
           </a:p>
@@ -27883,7 +28583,7 @@
       </p:sp>
       <p:sp>
         <p:nvSpPr>
-          <p:cNvPr id="174" name="CustomShape 2"/>
+          <p:cNvPr id="172" name="CustomShape 2"/>
           <p:cNvSpPr/>
           <p:nvPr/>
         </p:nvSpPr>
@@ -27914,7 +28614,7 @@
         </p:style>
         <p:txBody>
           <a:bodyPr lIns="90000" tIns="45000" rIns="90000" bIns="45000">
-            <a:normAutofit/>
+            <a:normAutofit fontScale="92500" lnSpcReduction="20000"/>
           </a:bodyPr>
           <a:lstStyle/>
           <a:p>
@@ -27933,18 +28633,123 @@
               </a:tabLst>
             </a:pPr>
             <a:r>
-              <a:rPr lang="pt-BR" sz="3200" b="0" strike="noStrike" spc="-1">
+              <a:rPr lang="pt-BR" sz="3200" b="0" strike="noStrike" spc="-1" dirty="0">
                 <a:solidFill>
                   <a:srgbClr val="1F4E79"/>
                 </a:solidFill>
                 <a:latin typeface="Arial"/>
                 <a:ea typeface="DejaVu Sans"/>
               </a:rPr>
-              <a:t>São scripts que podem ser executados entre a comunicação de outros 2 serviços distintos.</a:t>
-            </a:r>
-            <a:endParaRPr lang="pt-BR" sz="3200" b="0" strike="noStrike" spc="-1">
-              <a:latin typeface="Arial"/>
-            </a:endParaRPr>
+              <a:t>Construir uma nova API que forneça recursos de sua preferência e permita o gerenciamento dos mesmos por meio de rotas dos tipos:</a:t>
+            </a:r>
+          </a:p>
+          <a:p>
+            <a:pPr marL="457200" indent="-457200">
+              <a:lnSpc>
+                <a:spcPct val="100000"/>
+              </a:lnSpc>
+              <a:spcBef>
+                <a:spcPts val="1001"/>
+              </a:spcBef>
+              <a:spcAft>
+                <a:spcPts val="1001"/>
+              </a:spcAft>
+              <a:buFont typeface="Arial" panose="020B0604020202020204" pitchFamily="34" charset="0"/>
+              <a:buChar char="•"/>
+              <a:tabLst>
+                <a:tab pos="0" algn="l"/>
+              </a:tabLst>
+            </a:pPr>
+            <a:r>
+              <a:rPr lang="pt-BR" sz="3200" spc="-1" dirty="0">
+                <a:solidFill>
+                  <a:srgbClr val="1F4E79"/>
+                </a:solidFill>
+                <a:latin typeface="Arial"/>
+              </a:rPr>
+              <a:t>GET (fornece todos registros, mas possibilita filtro);</a:t>
+            </a:r>
+          </a:p>
+          <a:p>
+            <a:pPr marL="457200" indent="-457200">
+              <a:lnSpc>
+                <a:spcPct val="100000"/>
+              </a:lnSpc>
+              <a:spcBef>
+                <a:spcPts val="1001"/>
+              </a:spcBef>
+              <a:spcAft>
+                <a:spcPts val="1001"/>
+              </a:spcAft>
+              <a:buFont typeface="Arial" panose="020B0604020202020204" pitchFamily="34" charset="0"/>
+              <a:buChar char="•"/>
+              <a:tabLst>
+                <a:tab pos="0" algn="l"/>
+              </a:tabLst>
+            </a:pPr>
+            <a:r>
+              <a:rPr lang="pt-BR" sz="3200" b="0" strike="noStrike" spc="-1" dirty="0">
+                <a:solidFill>
+                  <a:srgbClr val="1F4E79"/>
+                </a:solidFill>
+                <a:latin typeface="Arial"/>
+              </a:rPr>
+              <a:t>POST;</a:t>
+            </a:r>
+          </a:p>
+          <a:p>
+            <a:pPr marL="457200" indent="-457200">
+              <a:lnSpc>
+                <a:spcPct val="100000"/>
+              </a:lnSpc>
+              <a:spcBef>
+                <a:spcPts val="1001"/>
+              </a:spcBef>
+              <a:spcAft>
+                <a:spcPts val="1001"/>
+              </a:spcAft>
+              <a:buFont typeface="Arial" panose="020B0604020202020204" pitchFamily="34" charset="0"/>
+              <a:buChar char="•"/>
+              <a:tabLst>
+                <a:tab pos="0" algn="l"/>
+              </a:tabLst>
+            </a:pPr>
+            <a:r>
+              <a:rPr lang="pt-BR" sz="3200" spc="-1" dirty="0">
+                <a:solidFill>
+                  <a:srgbClr val="1F4E79"/>
+                </a:solidFill>
+                <a:latin typeface="Arial"/>
+              </a:rPr>
+              <a:t>PUT; e</a:t>
+            </a:r>
+          </a:p>
+          <a:p>
+            <a:pPr marL="457200" indent="-457200">
+              <a:lnSpc>
+                <a:spcPct val="100000"/>
+              </a:lnSpc>
+              <a:spcBef>
+                <a:spcPts val="1001"/>
+              </a:spcBef>
+              <a:spcAft>
+                <a:spcPts val="1001"/>
+              </a:spcAft>
+              <a:buFont typeface="Arial" panose="020B0604020202020204" pitchFamily="34" charset="0"/>
+              <a:buChar char="•"/>
+              <a:tabLst>
+                <a:tab pos="0" algn="l"/>
+              </a:tabLst>
+            </a:pPr>
+            <a:r>
+              <a:rPr lang="pt-BR" sz="3200" spc="-1" dirty="0">
+                <a:solidFill>
+                  <a:srgbClr val="1F4E79"/>
+                </a:solidFill>
+                <a:latin typeface="Arial"/>
+              </a:rPr>
+              <a:t>DELETE.</a:t>
+            </a:r>
           </a:p>
           <a:p>
             <a:pPr algn="ctr">
@@ -27962,16 +28767,34 @@
               </a:tabLst>
             </a:pPr>
             <a:r>
-              <a:rPr lang="pt-BR" sz="3200" b="0" strike="noStrike" spc="-1">
+              <a:rPr lang="pt-BR" sz="3200" b="0" strike="noStrike" spc="-1" dirty="0">
                 <a:solidFill>
                   <a:srgbClr val="1F4E79"/>
                 </a:solidFill>
                 <a:latin typeface="Arial"/>
-                <a:ea typeface="DejaVu Sans"/>
-              </a:rPr>
-              <a:t>Ele pode verificar e/ou manipular os dados antes da tarefa em execução prosseguir, ou mudar o fluxo da tarefa.</a:t>
-            </a:r>
-            <a:endParaRPr lang="pt-BR" sz="3200" b="0" strike="noStrike" spc="-1">
+              </a:rPr>
+              <a:t>OBS.: 1 entrega por grupo</a:t>
+            </a:r>
+            <a:endParaRPr lang="pt-BR" sz="3200" b="0" strike="noStrike" spc="-1" dirty="0">
+              <a:latin typeface="Arial"/>
+            </a:endParaRPr>
+          </a:p>
+          <a:p>
+            <a:pPr algn="ctr">
+              <a:lnSpc>
+                <a:spcPct val="100000"/>
+              </a:lnSpc>
+              <a:spcBef>
+                <a:spcPts val="1001"/>
+              </a:spcBef>
+              <a:spcAft>
+                <a:spcPts val="1001"/>
+              </a:spcAft>
+              <a:tabLst>
+                <a:tab pos="0" algn="l"/>
+              </a:tabLst>
+            </a:pPr>
+            <a:endParaRPr lang="pt-BR" sz="3200" b="0" strike="noStrike" spc="-1" dirty="0">
               <a:latin typeface="Arial"/>
             </a:endParaRPr>
           </a:p>
@@ -28004,7 +28827,7 @@
       </p:grpSpPr>
       <p:sp>
         <p:nvSpPr>
-          <p:cNvPr id="175" name="CustomShape 1"/>
+          <p:cNvPr id="171" name="CustomShape 1"/>
           <p:cNvSpPr/>
           <p:nvPr/>
         </p:nvSpPr>
@@ -28045,16 +28868,16 @@
               </a:lnSpc>
             </a:pPr>
             <a:r>
-              <a:rPr lang="pt-BR" sz="5400" b="0" strike="noStrike" spc="-1">
+              <a:rPr lang="pt-BR" sz="5400" b="0" strike="noStrike" spc="-1" dirty="0">
                 <a:solidFill>
                   <a:srgbClr val="1F4E79"/>
                 </a:solidFill>
                 <a:latin typeface="Arial"/>
                 <a:ea typeface="DejaVu Sans"/>
               </a:rPr>
-              <a:t>Referências</a:t>
-            </a:r>
-            <a:endParaRPr lang="pt-BR" sz="5400" b="0" strike="noStrike" spc="-1">
+              <a:t>Autenticação com JWT</a:t>
+            </a:r>
+            <a:endParaRPr lang="pt-BR" sz="5400" b="0" strike="noStrike" spc="-1" dirty="0">
               <a:latin typeface="Arial"/>
             </a:endParaRPr>
           </a:p>
@@ -28062,7 +28885,7 @@
       </p:sp>
       <p:sp>
         <p:nvSpPr>
-          <p:cNvPr id="176" name="CustomShape 2"/>
+          <p:cNvPr id="172" name="CustomShape 2"/>
           <p:cNvSpPr/>
           <p:nvPr/>
         </p:nvSpPr>
@@ -28093,11 +28916,11 @@
         </p:style>
         <p:txBody>
           <a:bodyPr lIns="90000" tIns="45000" rIns="90000" bIns="45000">
-            <a:normAutofit fontScale="89000" lnSpcReduction="10000"/>
+            <a:normAutofit/>
           </a:bodyPr>
           <a:lstStyle/>
           <a:p>
-            <a:pPr marL="514440" indent="-510480">
+            <a:pPr algn="ctr">
               <a:lnSpc>
                 <a:spcPct val="100000"/>
               </a:lnSpc>
@@ -28107,353 +28930,57 @@
               <a:spcAft>
                 <a:spcPts val="1001"/>
               </a:spcAft>
-              <a:buClr>
-                <a:srgbClr val="1F4E79"/>
-              </a:buClr>
-              <a:buFont typeface="Calibri Light"/>
-              <a:buAutoNum type="arabicPeriod"/>
-            </a:pPr>
-            <a:r>
-              <a:rPr lang="pt-BR" sz="3200" b="0" strike="noStrike" spc="-1">
+              <a:tabLst>
+                <a:tab pos="0" algn="l"/>
+              </a:tabLst>
+            </a:pPr>
+            <a:r>
+              <a:rPr lang="pt-BR" sz="3200" b="0" strike="noStrike" spc="-1" dirty="0">
                 <a:solidFill>
                   <a:srgbClr val="1F4E79"/>
                 </a:solidFill>
                 <a:latin typeface="Arial"/>
                 <a:ea typeface="DejaVu Sans"/>
               </a:rPr>
-              <a:t>Node.js. </a:t>
-            </a:r>
-            <a:r>
-              <a:rPr lang="pt-BR" sz="3200" b="1" strike="noStrike" spc="-1">
-                <a:solidFill>
-                  <a:srgbClr val="1F4E79"/>
-                </a:solidFill>
-                <a:latin typeface="Arial"/>
-                <a:ea typeface="DejaVu Sans"/>
-              </a:rPr>
-              <a:t>About</a:t>
-            </a:r>
-            <a:r>
-              <a:rPr lang="pt-BR" sz="3200" b="0" strike="noStrike" spc="-1">
-                <a:solidFill>
-                  <a:srgbClr val="1F4E79"/>
-                </a:solidFill>
-                <a:latin typeface="Arial"/>
-                <a:ea typeface="DejaVu Sans"/>
-              </a:rPr>
-              <a:t>. Disponível em: </a:t>
-            </a:r>
-            <a:r>
-              <a:rPr lang="pt-BR" sz="3200" b="0" u="sng" strike="noStrike" spc="-1">
-                <a:solidFill>
-                  <a:srgbClr val="0563C1"/>
-                </a:solidFill>
-                <a:uFillTx/>
-                <a:latin typeface="Arial"/>
-                <a:ea typeface="DejaVu Sans"/>
+              <a:t>JSON Web Token (JWT</a:t>
+            </a:r>
+            <a:r>
+              <a:rPr lang="pt-BR" sz="3200" spc="-1" dirty="0">
+                <a:solidFill>
+                  <a:srgbClr val="1F4E79"/>
+                </a:solidFill>
+              </a:rPr>
+              <a:t>) é um padrão (RFC-7519) que define como objetos JSON serão transmitidos e armazenados de modo seguro e compacto entre duas aplicações</a:t>
+            </a:r>
+            <a:r>
+              <a:rPr lang="pt-BR" sz="3200" spc="-1" dirty="0">
+                <a:solidFill>
+                  <a:srgbClr val="1F4E79"/>
+                </a:solidFill>
                 <a:hlinkClick r:id="rId3"/>
               </a:rPr>
-              <a:t>https://nodejs.org/en/about/</a:t>
-            </a:r>
-            <a:r>
-              <a:rPr lang="pt-BR" sz="3200" b="0" strike="noStrike" spc="-1">
-                <a:solidFill>
-                  <a:srgbClr val="1F4E79"/>
-                </a:solidFill>
-                <a:latin typeface="Arial"/>
-                <a:ea typeface="DejaVu Sans"/>
+              <a:t>*</a:t>
+            </a:r>
+            <a:r>
+              <a:rPr lang="pt-BR" sz="3200" spc="-1" dirty="0">
+                <a:solidFill>
+                  <a:srgbClr val="1F4E79"/>
+                </a:solidFill>
               </a:rPr>
               <a:t>.</a:t>
             </a:r>
-            <a:endParaRPr lang="pt-BR" sz="3200" b="0" strike="noStrike" spc="-1">
-              <a:latin typeface="Arial"/>
-            </a:endParaRPr>
-          </a:p>
-          <a:p>
-            <a:pPr marL="514440" indent="-510480">
-              <a:lnSpc>
-                <a:spcPct val="100000"/>
-              </a:lnSpc>
-              <a:spcBef>
-                <a:spcPts val="1001"/>
-              </a:spcBef>
-              <a:spcAft>
-                <a:spcPts val="1001"/>
-              </a:spcAft>
-              <a:buClr>
-                <a:srgbClr val="1F4E79"/>
-              </a:buClr>
-              <a:buFont typeface="Calibri Light"/>
-              <a:buAutoNum type="arabicPeriod"/>
-            </a:pPr>
-            <a:r>
-              <a:rPr lang="pt-BR" sz="3200" b="0" strike="noStrike" spc="-1">
-                <a:solidFill>
-                  <a:srgbClr val="1F4E79"/>
-                </a:solidFill>
-                <a:latin typeface="Arial"/>
-                <a:ea typeface="DejaVu Sans"/>
-              </a:rPr>
-              <a:t>Node.js. </a:t>
-            </a:r>
-            <a:r>
-              <a:rPr lang="pt-BR" sz="3200" b="1" strike="noStrike" spc="-1">
-                <a:solidFill>
-                  <a:srgbClr val="1F4E79"/>
-                </a:solidFill>
-                <a:latin typeface="Arial"/>
-                <a:ea typeface="DejaVu Sans"/>
-              </a:rPr>
-              <a:t>Download</a:t>
-            </a:r>
-            <a:r>
-              <a:rPr lang="pt-BR" sz="3200" b="0" strike="noStrike" spc="-1">
-                <a:solidFill>
-                  <a:srgbClr val="1F4E79"/>
-                </a:solidFill>
-                <a:latin typeface="Arial"/>
-                <a:ea typeface="DejaVu Sans"/>
-              </a:rPr>
-              <a:t>. Disponível em: </a:t>
-            </a:r>
-            <a:r>
-              <a:rPr lang="pt-BR" sz="3200" b="0" u="sng" strike="noStrike" spc="-1">
-                <a:solidFill>
-                  <a:srgbClr val="0563C1"/>
-                </a:solidFill>
-                <a:uFillTx/>
-                <a:latin typeface="Arial"/>
-                <a:ea typeface="DejaVu Sans"/>
-                <a:hlinkClick r:id="rId4"/>
-              </a:rPr>
-              <a:t>https://nodejs.org/en/download/</a:t>
-            </a:r>
-            <a:r>
-              <a:rPr lang="pt-BR" sz="3200" b="0" strike="noStrike" spc="-1">
-                <a:solidFill>
-                  <a:srgbClr val="1F4E79"/>
-                </a:solidFill>
-                <a:latin typeface="Arial"/>
-                <a:ea typeface="DejaVu Sans"/>
-              </a:rPr>
-              <a:t>.</a:t>
-            </a:r>
-            <a:endParaRPr lang="pt-BR" sz="3200" b="0" strike="noStrike" spc="-1">
-              <a:latin typeface="Arial"/>
-            </a:endParaRPr>
-          </a:p>
-          <a:p>
-            <a:pPr marL="514440" indent="-510480">
-              <a:lnSpc>
-                <a:spcPct val="100000"/>
-              </a:lnSpc>
-              <a:spcBef>
-                <a:spcPts val="1001"/>
-              </a:spcBef>
-              <a:spcAft>
-                <a:spcPts val="1001"/>
-              </a:spcAft>
-              <a:buClr>
-                <a:srgbClr val="1F4E79"/>
-              </a:buClr>
-              <a:buFont typeface="Calibri Light"/>
-              <a:buAutoNum type="arabicPeriod"/>
-            </a:pPr>
-            <a:r>
-              <a:rPr lang="pt-BR" sz="3200" b="0" strike="noStrike" spc="-1">
-                <a:solidFill>
-                  <a:srgbClr val="1F4E79"/>
-                </a:solidFill>
-                <a:latin typeface="Arial"/>
-                <a:ea typeface="DejaVu Sans"/>
-              </a:rPr>
-              <a:t>Yarn. </a:t>
-            </a:r>
-            <a:r>
-              <a:rPr lang="pt-BR" sz="3200" b="1" strike="noStrike" spc="-1">
-                <a:solidFill>
-                  <a:srgbClr val="1F4E79"/>
-                </a:solidFill>
-                <a:latin typeface="Arial"/>
-                <a:ea typeface="DejaVu Sans"/>
-              </a:rPr>
-              <a:t>Introduction</a:t>
-            </a:r>
-            <a:r>
-              <a:rPr lang="pt-BR" sz="3200" b="0" strike="noStrike" spc="-1">
-                <a:solidFill>
-                  <a:srgbClr val="1F4E79"/>
-                </a:solidFill>
-                <a:latin typeface="Arial"/>
-                <a:ea typeface="DejaVu Sans"/>
-              </a:rPr>
-              <a:t>. Disponível em: </a:t>
-            </a:r>
-            <a:r>
-              <a:rPr lang="pt-BR" sz="3200" b="0" u="sng" strike="noStrike" spc="-1">
-                <a:solidFill>
-                  <a:srgbClr val="0563C1"/>
-                </a:solidFill>
-                <a:uFillTx/>
-                <a:latin typeface="Arial"/>
-                <a:ea typeface="DejaVu Sans"/>
-                <a:hlinkClick r:id="rId5"/>
-              </a:rPr>
-              <a:t>https://yarnpkg.com/getting-started</a:t>
-            </a:r>
-            <a:r>
-              <a:rPr lang="pt-BR" sz="3200" b="0" strike="noStrike" spc="-1">
-                <a:solidFill>
-                  <a:srgbClr val="1F4E79"/>
-                </a:solidFill>
-                <a:latin typeface="Arial"/>
-                <a:ea typeface="DejaVu Sans"/>
-              </a:rPr>
-              <a:t>.</a:t>
-            </a:r>
-            <a:endParaRPr lang="pt-BR" sz="3200" b="0" strike="noStrike" spc="-1">
-              <a:latin typeface="Arial"/>
-            </a:endParaRPr>
-          </a:p>
-          <a:p>
-            <a:pPr marL="514440" indent="-510480">
-              <a:lnSpc>
-                <a:spcPct val="100000"/>
-              </a:lnSpc>
-              <a:spcBef>
-                <a:spcPts val="1001"/>
-              </a:spcBef>
-              <a:spcAft>
-                <a:spcPts val="1001"/>
-              </a:spcAft>
-              <a:buClr>
-                <a:srgbClr val="1F4E79"/>
-              </a:buClr>
-              <a:buFont typeface="Calibri Light"/>
-              <a:buAutoNum type="arabicPeriod"/>
-            </a:pPr>
-            <a:r>
-              <a:rPr lang="pt-BR" sz="3200" b="0" strike="noStrike" spc="-1">
-                <a:solidFill>
-                  <a:srgbClr val="1F4E79"/>
-                </a:solidFill>
-                <a:latin typeface="Arial"/>
-                <a:ea typeface="DejaVu Sans"/>
-              </a:rPr>
-              <a:t>Yarn. </a:t>
-            </a:r>
-            <a:r>
-              <a:rPr lang="pt-BR" sz="3200" b="1" strike="noStrike" spc="-1">
-                <a:solidFill>
-                  <a:srgbClr val="1F4E79"/>
-                </a:solidFill>
-                <a:latin typeface="Arial"/>
-                <a:ea typeface="DejaVu Sans"/>
-              </a:rPr>
-              <a:t>Installation</a:t>
-            </a:r>
-            <a:r>
-              <a:rPr lang="pt-BR" sz="3200" b="0" strike="noStrike" spc="-1">
-                <a:solidFill>
-                  <a:srgbClr val="1F4E79"/>
-                </a:solidFill>
-                <a:latin typeface="Arial"/>
-                <a:ea typeface="DejaVu Sans"/>
-              </a:rPr>
-              <a:t>. Disponível em: </a:t>
-            </a:r>
-            <a:r>
-              <a:rPr lang="pt-BR" sz="3200" b="0" u="sng" strike="noStrike" spc="-1">
-                <a:solidFill>
-                  <a:srgbClr val="0563C1"/>
-                </a:solidFill>
-                <a:uFillTx/>
-                <a:latin typeface="Arial"/>
-                <a:ea typeface="DejaVu Sans"/>
-                <a:hlinkClick r:id="rId6"/>
-              </a:rPr>
-              <a:t>https://classic.yarnpkg.com/en/docs/install#windows-stable</a:t>
-            </a:r>
-            <a:r>
-              <a:rPr lang="pt-BR" sz="3200" b="0" strike="noStrike" spc="-1">
-                <a:solidFill>
-                  <a:srgbClr val="1F4E79"/>
-                </a:solidFill>
-                <a:latin typeface="Arial"/>
-                <a:ea typeface="DejaVu Sans"/>
-              </a:rPr>
-              <a:t>.</a:t>
-            </a:r>
-            <a:endParaRPr lang="pt-BR" sz="3200" b="0" strike="noStrike" spc="-1">
-              <a:latin typeface="Arial"/>
-            </a:endParaRPr>
-          </a:p>
-          <a:p>
-            <a:pPr marL="514440" indent="-510480">
-              <a:lnSpc>
-                <a:spcPct val="100000"/>
-              </a:lnSpc>
-              <a:spcBef>
-                <a:spcPts val="1001"/>
-              </a:spcBef>
-              <a:spcAft>
-                <a:spcPts val="1001"/>
-              </a:spcAft>
-              <a:buClr>
-                <a:srgbClr val="1F4E79"/>
-              </a:buClr>
-              <a:buFont typeface="Calibri Light"/>
-              <a:buAutoNum type="arabicPeriod"/>
-            </a:pPr>
-            <a:r>
-              <a:rPr lang="pt-BR" sz="3200" b="0" strike="noStrike" spc="-1">
-                <a:solidFill>
-                  <a:srgbClr val="1F4E79"/>
-                </a:solidFill>
-                <a:latin typeface="Arial"/>
-                <a:ea typeface="DejaVu Sans"/>
-              </a:rPr>
-              <a:t>Express. </a:t>
-            </a:r>
-            <a:r>
-              <a:rPr lang="pt-BR" sz="3200" b="1" strike="noStrike" spc="-1">
-                <a:solidFill>
-                  <a:srgbClr val="1F4E79"/>
-                </a:solidFill>
-                <a:latin typeface="Arial"/>
-                <a:ea typeface="DejaVu Sans"/>
-              </a:rPr>
-              <a:t>Installing</a:t>
-            </a:r>
-            <a:r>
-              <a:rPr lang="pt-BR" sz="3200" b="0" strike="noStrike" spc="-1">
-                <a:solidFill>
-                  <a:srgbClr val="1F4E79"/>
-                </a:solidFill>
-                <a:latin typeface="Arial"/>
-                <a:ea typeface="DejaVu Sans"/>
-              </a:rPr>
-              <a:t>. Disponível em: </a:t>
-            </a:r>
-            <a:r>
-              <a:rPr lang="pt-BR" sz="3200" b="0" u="sng" strike="noStrike" spc="-1">
-                <a:solidFill>
-                  <a:srgbClr val="0563C1"/>
-                </a:solidFill>
-                <a:uFillTx/>
-                <a:latin typeface="Arial"/>
-                <a:ea typeface="DejaVu Sans"/>
-                <a:hlinkClick r:id="rId7"/>
-              </a:rPr>
-              <a:t>https://expressjs.com/en/starter/installing.html</a:t>
-            </a:r>
-            <a:endParaRPr lang="pt-BR" sz="3200" b="0" strike="noStrike" spc="-1">
+            <a:endParaRPr lang="pt-BR" sz="3200" b="0" strike="noStrike" spc="-1" dirty="0">
               <a:latin typeface="Arial"/>
             </a:endParaRPr>
           </a:p>
         </p:txBody>
       </p:sp>
     </p:spTree>
+    <p:extLst>
+      <p:ext uri="{BB962C8B-B14F-4D97-AF65-F5344CB8AC3E}">
+        <p14:creationId xmlns:p14="http://schemas.microsoft.com/office/powerpoint/2010/main" val="2534776303"/>
+      </p:ext>
+    </p:extLst>
   </p:cSld>
   <p:clrMapOvr>
     <a:masterClrMapping/>
@@ -28480,7 +29007,7 @@
       </p:grpSpPr>
       <p:sp>
         <p:nvSpPr>
-          <p:cNvPr id="177" name="CustomShape 1"/>
+          <p:cNvPr id="171" name="CustomShape 1"/>
           <p:cNvSpPr/>
           <p:nvPr/>
         </p:nvSpPr>
@@ -28521,16 +29048,16 @@
               </a:lnSpc>
             </a:pPr>
             <a:r>
-              <a:rPr lang="pt-BR" sz="5400" b="0" strike="noStrike" spc="-1">
+              <a:rPr lang="pt-BR" sz="5400" b="0" strike="noStrike" spc="-1" dirty="0">
                 <a:solidFill>
                   <a:srgbClr val="1F4E79"/>
                 </a:solidFill>
                 <a:latin typeface="Arial"/>
                 <a:ea typeface="DejaVu Sans"/>
               </a:rPr>
-              <a:t>Referências</a:t>
-            </a:r>
-            <a:endParaRPr lang="pt-BR" sz="5400" b="0" strike="noStrike" spc="-1">
+              <a:t>CORS</a:t>
+            </a:r>
+            <a:endParaRPr lang="pt-BR" sz="5400" b="0" strike="noStrike" spc="-1" dirty="0">
               <a:latin typeface="Arial"/>
             </a:endParaRPr>
           </a:p>
@@ -28538,7 +29065,7 @@
       </p:sp>
       <p:sp>
         <p:nvSpPr>
-          <p:cNvPr id="178" name="CustomShape 2"/>
+          <p:cNvPr id="172" name="CustomShape 2"/>
           <p:cNvSpPr/>
           <p:nvPr/>
         </p:nvSpPr>
@@ -28573,7 +29100,7 @@
           </a:bodyPr>
           <a:lstStyle/>
           <a:p>
-            <a:pPr marL="516240" indent="-512280">
+            <a:pPr algn="ctr">
               <a:lnSpc>
                 <a:spcPct val="100000"/>
               </a:lnSpc>
@@ -28583,245 +29110,32 @@
               <a:spcAft>
                 <a:spcPts val="1001"/>
               </a:spcAft>
-              <a:buClr>
-                <a:srgbClr val="1F4E79"/>
-              </a:buClr>
-              <a:buFont typeface="Arial"/>
-              <a:buAutoNum type="arabicPeriod" startAt="6"/>
-            </a:pPr>
-            <a:r>
-              <a:rPr lang="pt-BR" sz="3200" b="0" strike="noStrike" spc="-1">
+              <a:tabLst>
+                <a:tab pos="0" algn="l"/>
+              </a:tabLst>
+            </a:pPr>
+            <a:r>
+              <a:rPr lang="pt-BR" sz="3200" b="0" strike="noStrike" spc="-1" dirty="0">
                 <a:solidFill>
                   <a:srgbClr val="1F4E79"/>
                 </a:solidFill>
                 <a:latin typeface="Arial"/>
                 <a:ea typeface="DejaVu Sans"/>
               </a:rPr>
-              <a:t>NPM. </a:t>
-            </a:r>
-            <a:r>
-              <a:rPr lang="pt-BR" sz="3200" b="1" strike="noStrike" spc="-1">
-                <a:solidFill>
-                  <a:srgbClr val="1F4E79"/>
-                </a:solidFill>
-                <a:latin typeface="Arial"/>
-                <a:ea typeface="DejaVu Sans"/>
-              </a:rPr>
-              <a:t>Nodemon</a:t>
-            </a:r>
-            <a:r>
-              <a:rPr lang="pt-BR" sz="3200" b="0" strike="noStrike" spc="-1">
-                <a:solidFill>
-                  <a:srgbClr val="1F4E79"/>
-                </a:solidFill>
-                <a:latin typeface="Arial"/>
-                <a:ea typeface="DejaVu Sans"/>
-              </a:rPr>
-              <a:t>. Disponível em: </a:t>
-            </a:r>
-            <a:r>
-              <a:rPr lang="pt-BR" sz="3200" b="0" u="sng" strike="noStrike" spc="-1">
-                <a:solidFill>
-                  <a:srgbClr val="0563C1"/>
-                </a:solidFill>
-                <a:uFillTx/>
-                <a:latin typeface="Arial"/>
-                <a:ea typeface="DejaVu Sans"/>
-                <a:hlinkClick r:id="rId3"/>
-              </a:rPr>
-              <a:t>https://www.npmjs.com/package/nodemon</a:t>
-            </a:r>
-            <a:endParaRPr lang="pt-BR" sz="3200" b="0" strike="noStrike" spc="-1">
-              <a:latin typeface="Arial"/>
-            </a:endParaRPr>
-          </a:p>
-          <a:p>
-            <a:pPr marL="516240" indent="-512280">
-              <a:lnSpc>
-                <a:spcPct val="100000"/>
-              </a:lnSpc>
-              <a:spcBef>
-                <a:spcPts val="1001"/>
-              </a:spcBef>
-              <a:spcAft>
-                <a:spcPts val="1001"/>
-              </a:spcAft>
-              <a:buClr>
-                <a:srgbClr val="1F4E79"/>
-              </a:buClr>
-              <a:buFont typeface="Arial"/>
-              <a:buAutoNum type="arabicPeriod" startAt="6"/>
-            </a:pPr>
-            <a:r>
-              <a:rPr lang="pt-BR" sz="3200" b="0" strike="noStrike" spc="-1">
-                <a:solidFill>
-                  <a:srgbClr val="1F4E79"/>
-                </a:solidFill>
-                <a:latin typeface="Arial"/>
-                <a:ea typeface="DejaVu Sans"/>
-              </a:rPr>
-              <a:t>MDN Web Docs Mozilla. </a:t>
-            </a:r>
-            <a:r>
-              <a:rPr lang="pt-BR" sz="3200" b="1" strike="noStrike" spc="-1">
-                <a:solidFill>
-                  <a:srgbClr val="1F4E79"/>
-                </a:solidFill>
-                <a:latin typeface="Arial"/>
-                <a:ea typeface="DejaVu Sans"/>
-              </a:rPr>
-              <a:t>Métodos de requisição HTTP</a:t>
-            </a:r>
-            <a:r>
-              <a:rPr lang="pt-BR" sz="3200" b="0" strike="noStrike" spc="-1">
-                <a:solidFill>
-                  <a:srgbClr val="1F4E79"/>
-                </a:solidFill>
-                <a:latin typeface="Arial"/>
-                <a:ea typeface="DejaVu Sans"/>
-              </a:rPr>
-              <a:t>. Disponível em: </a:t>
-            </a:r>
-            <a:r>
-              <a:rPr lang="pt-BR" sz="3200" b="0" u="sng" strike="noStrike" spc="-1">
-                <a:solidFill>
-                  <a:srgbClr val="0563C1"/>
-                </a:solidFill>
-                <a:uFillTx/>
-                <a:latin typeface="Arial"/>
-                <a:ea typeface="DejaVu Sans"/>
-                <a:hlinkClick r:id="rId4"/>
-              </a:rPr>
-              <a:t>https://developer.mozilla.org/pt-BR/docs/Web/HTTP/Methods</a:t>
-            </a:r>
-            <a:r>
-              <a:rPr lang="pt-BR" sz="3200" b="0" strike="noStrike" spc="-1">
-                <a:solidFill>
-                  <a:srgbClr val="1F4E79"/>
-                </a:solidFill>
-                <a:latin typeface="Arial"/>
-                <a:ea typeface="DejaVu Sans"/>
-              </a:rPr>
-              <a:t>.</a:t>
-            </a:r>
-            <a:endParaRPr lang="pt-BR" sz="3200" b="0" strike="noStrike" spc="-1">
-              <a:latin typeface="Arial"/>
-            </a:endParaRPr>
-          </a:p>
-          <a:p>
-            <a:pPr marL="516240" indent="-512280">
-              <a:lnSpc>
-                <a:spcPct val="100000"/>
-              </a:lnSpc>
-              <a:spcBef>
-                <a:spcPts val="1001"/>
-              </a:spcBef>
-              <a:spcAft>
-                <a:spcPts val="1001"/>
-              </a:spcAft>
-              <a:buClr>
-                <a:srgbClr val="1F4E79"/>
-              </a:buClr>
-              <a:buFont typeface="Arial"/>
-              <a:buAutoNum type="arabicPeriod" startAt="6"/>
-            </a:pPr>
-            <a:r>
-              <a:rPr lang="pt-BR" sz="3200" b="0" strike="noStrike" spc="-1">
-                <a:solidFill>
-                  <a:srgbClr val="1F4E79"/>
-                </a:solidFill>
-                <a:latin typeface="Arial"/>
-                <a:ea typeface="DejaVu Sans"/>
-              </a:rPr>
-              <a:t>Insomnia. </a:t>
-            </a:r>
-            <a:r>
-              <a:rPr lang="pt-BR" sz="3200" b="1" strike="noStrike" spc="-1">
-                <a:solidFill>
-                  <a:srgbClr val="1F4E79"/>
-                </a:solidFill>
-                <a:latin typeface="Arial"/>
-                <a:ea typeface="DejaVu Sans"/>
-              </a:rPr>
-              <a:t>Download Insomnia</a:t>
-            </a:r>
-            <a:r>
-              <a:rPr lang="pt-BR" sz="3200" b="0" strike="noStrike" spc="-1">
-                <a:solidFill>
-                  <a:srgbClr val="1F4E79"/>
-                </a:solidFill>
-                <a:latin typeface="Arial"/>
-                <a:ea typeface="DejaVu Sans"/>
-              </a:rPr>
-              <a:t>. Disponível em: </a:t>
-            </a:r>
-            <a:r>
-              <a:rPr lang="pt-BR" sz="3200" b="0" u="sng" strike="noStrike" spc="-1">
-                <a:solidFill>
-                  <a:srgbClr val="0563C1"/>
-                </a:solidFill>
-                <a:uFillTx/>
-                <a:latin typeface="Arial"/>
-                <a:ea typeface="DejaVu Sans"/>
-                <a:hlinkClick r:id="rId5"/>
-              </a:rPr>
-              <a:t>https://insomnia.rest/download</a:t>
-            </a:r>
-            <a:endParaRPr lang="pt-BR" sz="3200" b="0" strike="noStrike" spc="-1">
-              <a:latin typeface="Arial"/>
-            </a:endParaRPr>
-          </a:p>
-          <a:p>
-            <a:pPr>
-              <a:lnSpc>
-                <a:spcPct val="100000"/>
-              </a:lnSpc>
-              <a:spcBef>
-                <a:spcPts val="1001"/>
-              </a:spcBef>
-              <a:spcAft>
-                <a:spcPts val="1001"/>
-              </a:spcAft>
-            </a:pPr>
-            <a:endParaRPr lang="pt-BR" sz="3200" b="0" strike="noStrike" spc="-1">
-              <a:latin typeface="Arial"/>
-            </a:endParaRPr>
-          </a:p>
-          <a:p>
-            <a:pPr marL="1800">
-              <a:lnSpc>
-                <a:spcPct val="100000"/>
-              </a:lnSpc>
-              <a:spcBef>
-                <a:spcPts val="1001"/>
-              </a:spcBef>
-              <a:spcAft>
-                <a:spcPts val="1001"/>
-              </a:spcAft>
-            </a:pPr>
-            <a:endParaRPr lang="pt-BR" sz="3200" b="0" strike="noStrike" spc="-1">
-              <a:latin typeface="Arial"/>
-            </a:endParaRPr>
-          </a:p>
-          <a:p>
-            <a:pPr marL="1800">
-              <a:lnSpc>
-                <a:spcPct val="100000"/>
-              </a:lnSpc>
-              <a:spcBef>
-                <a:spcPts val="1001"/>
-              </a:spcBef>
-              <a:spcAft>
-                <a:spcPts val="1001"/>
-              </a:spcAft>
-            </a:pPr>
-            <a:endParaRPr lang="pt-BR" sz="3200" b="0" strike="noStrike" spc="-1">
+              <a:t>CORS</a:t>
+            </a:r>
+            <a:endParaRPr lang="pt-BR" sz="3200" b="0" strike="noStrike" spc="-1" dirty="0">
               <a:latin typeface="Arial"/>
             </a:endParaRPr>
           </a:p>
         </p:txBody>
       </p:sp>
     </p:spTree>
+    <p:extLst>
+      <p:ext uri="{BB962C8B-B14F-4D97-AF65-F5344CB8AC3E}">
+        <p14:creationId xmlns:p14="http://schemas.microsoft.com/office/powerpoint/2010/main" val="357674113"/>
+      </p:ext>
+    </p:extLst>
   </p:cSld>
   <p:clrMapOvr>
     <a:masterClrMapping/>
@@ -28848,7 +29162,7 @@
       </p:grpSpPr>
       <p:sp>
         <p:nvSpPr>
-          <p:cNvPr id="179" name="CustomShape 1"/>
+          <p:cNvPr id="171" name="CustomShape 1"/>
           <p:cNvSpPr/>
           <p:nvPr/>
         </p:nvSpPr>
@@ -28896,7 +29210,7 @@
                 <a:latin typeface="Arial"/>
                 <a:ea typeface="DejaVu Sans"/>
               </a:rPr>
-              <a:t>Referências</a:t>
+              <a:t>ORM: Sequelize</a:t>
             </a:r>
             <a:endParaRPr lang="pt-BR" sz="5400" b="0" strike="noStrike" spc="-1">
               <a:latin typeface="Arial"/>
@@ -28906,7 +29220,7 @@
       </p:sp>
       <p:sp>
         <p:nvSpPr>
-          <p:cNvPr id="180" name="CustomShape 2"/>
+          <p:cNvPr id="172" name="CustomShape 2"/>
           <p:cNvSpPr/>
           <p:nvPr/>
         </p:nvSpPr>
@@ -28937,7 +29251,867 @@
         </p:style>
         <p:txBody>
           <a:bodyPr lIns="90000" tIns="45000" rIns="90000" bIns="45000">
-            <a:normAutofit lnSpcReduction="10000"/>
+            <a:normAutofit/>
+          </a:bodyPr>
+          <a:lstStyle/>
+          <a:p>
+            <a:pPr algn="ctr">
+              <a:lnSpc>
+                <a:spcPct val="100000"/>
+              </a:lnSpc>
+              <a:spcBef>
+                <a:spcPts val="1001"/>
+              </a:spcBef>
+              <a:spcAft>
+                <a:spcPts val="1001"/>
+              </a:spcAft>
+              <a:tabLst>
+                <a:tab pos="0" algn="l"/>
+              </a:tabLst>
+            </a:pPr>
+            <a:r>
+              <a:rPr lang="pt-BR" sz="3200" b="0" u="sng" strike="noStrike" spc="-1">
+                <a:solidFill>
+                  <a:srgbClr val="0563C1"/>
+                </a:solidFill>
+                <a:uFillTx/>
+                <a:latin typeface="Arial"/>
+                <a:ea typeface="DejaVu Sans"/>
+                <a:hlinkClick r:id="rId3"/>
+              </a:rPr>
+              <a:t>https://sequelize.org/master/manual/getting-started.html</a:t>
+            </a:r>
+            <a:endParaRPr lang="pt-BR" sz="3200" b="0" strike="noStrike" spc="-1">
+              <a:latin typeface="Arial"/>
+            </a:endParaRPr>
+          </a:p>
+          <a:p>
+            <a:pPr algn="ctr">
+              <a:lnSpc>
+                <a:spcPct val="100000"/>
+              </a:lnSpc>
+              <a:spcBef>
+                <a:spcPts val="1001"/>
+              </a:spcBef>
+              <a:spcAft>
+                <a:spcPts val="1001"/>
+              </a:spcAft>
+              <a:tabLst>
+                <a:tab pos="0" algn="l"/>
+              </a:tabLst>
+            </a:pPr>
+            <a:r>
+              <a:rPr lang="pt-BR" sz="3200" b="0" strike="noStrike" spc="-1">
+                <a:solidFill>
+                  <a:srgbClr val="1F4E79"/>
+                </a:solidFill>
+                <a:latin typeface="Arial"/>
+                <a:ea typeface="DejaVu Sans"/>
+              </a:rPr>
+              <a:t>https://levelup.gitconnected.com/creating-sequelize-associations-with-the-sequelize-cli-tool-d83caa902233</a:t>
+            </a:r>
+            <a:endParaRPr lang="pt-BR" sz="3200" b="0" strike="noStrike" spc="-1">
+              <a:latin typeface="Arial"/>
+            </a:endParaRPr>
+          </a:p>
+          <a:p>
+            <a:pPr algn="ctr">
+              <a:lnSpc>
+                <a:spcPct val="100000"/>
+              </a:lnSpc>
+              <a:spcBef>
+                <a:spcPts val="1001"/>
+              </a:spcBef>
+              <a:spcAft>
+                <a:spcPts val="1001"/>
+              </a:spcAft>
+              <a:tabLst>
+                <a:tab pos="0" algn="l"/>
+              </a:tabLst>
+            </a:pPr>
+            <a:endParaRPr lang="pt-BR" sz="3200" b="0" strike="noStrike" spc="-1">
+              <a:latin typeface="Arial"/>
+            </a:endParaRPr>
+          </a:p>
+        </p:txBody>
+      </p:sp>
+    </p:spTree>
+    <p:extLst>
+      <p:ext uri="{BB962C8B-B14F-4D97-AF65-F5344CB8AC3E}">
+        <p14:creationId xmlns:p14="http://schemas.microsoft.com/office/powerpoint/2010/main" val="1151283575"/>
+      </p:ext>
+    </p:extLst>
+  </p:cSld>
+  <p:clrMapOvr>
+    <a:masterClrMapping/>
+  </p:clrMapOvr>
+</p:sld>
+</file>
+
+<file path=ppt/slides/slide57.xml><?xml version="1.0" encoding="utf-8"?>
+<p:sld xmlns:a="http://schemas.openxmlformats.org/drawingml/2006/main" xmlns:r="http://schemas.openxmlformats.org/officeDocument/2006/relationships" xmlns:p="http://schemas.openxmlformats.org/presentationml/2006/main">
+  <p:cSld>
+    <p:spTree>
+      <p:nvGrpSpPr>
+        <p:cNvPr id="1" name=""/>
+        <p:cNvGrpSpPr/>
+        <p:nvPr/>
+      </p:nvGrpSpPr>
+      <p:grpSpPr>
+        <a:xfrm>
+          <a:off x="0" y="0"/>
+          <a:ext cx="0" cy="0"/>
+          <a:chOff x="0" y="0"/>
+          <a:chExt cx="0" cy="0"/>
+        </a:xfrm>
+      </p:grpSpPr>
+      <p:sp>
+        <p:nvSpPr>
+          <p:cNvPr id="173" name="CustomShape 1"/>
+          <p:cNvSpPr/>
+          <p:nvPr/>
+        </p:nvSpPr>
+        <p:spPr>
+          <a:xfrm>
+            <a:off x="0" y="224280"/>
+            <a:ext cx="12019320" cy="854640"/>
+          </a:xfrm>
+          <a:prstGeom prst="rect">
+            <a:avLst/>
+          </a:prstGeom>
+          <a:noFill/>
+          <a:ln>
+            <a:noFill/>
+          </a:ln>
+        </p:spPr>
+        <p:style>
+          <a:lnRef idx="0">
+            <a:scrgbClr r="0" g="0" b="0"/>
+          </a:lnRef>
+          <a:fillRef idx="0">
+            <a:scrgbClr r="0" g="0" b="0"/>
+          </a:fillRef>
+          <a:effectRef idx="0">
+            <a:scrgbClr r="0" g="0" b="0"/>
+          </a:effectRef>
+          <a:fontRef idx="minor"/>
+        </p:style>
+        <p:txBody>
+          <a:bodyPr lIns="90000" tIns="45000" rIns="90000" bIns="45000" anchor="ctr">
+            <a:noAutofit/>
+          </a:bodyPr>
+          <a:lstStyle/>
+          <a:p>
+            <a:pPr algn="ctr">
+              <a:lnSpc>
+                <a:spcPct val="90000"/>
+              </a:lnSpc>
+            </a:pPr>
+            <a:r>
+              <a:rPr lang="pt-BR" sz="5400" b="0" strike="noStrike" spc="-1">
+                <a:solidFill>
+                  <a:srgbClr val="1F4E79"/>
+                </a:solidFill>
+                <a:latin typeface="Arial"/>
+                <a:ea typeface="DejaVu Sans"/>
+              </a:rPr>
+              <a:t>Middleware</a:t>
+            </a:r>
+            <a:endParaRPr lang="pt-BR" sz="5400" b="0" strike="noStrike" spc="-1">
+              <a:latin typeface="Arial"/>
+            </a:endParaRPr>
+          </a:p>
+        </p:txBody>
+      </p:sp>
+      <p:sp>
+        <p:nvSpPr>
+          <p:cNvPr id="174" name="CustomShape 2"/>
+          <p:cNvSpPr/>
+          <p:nvPr/>
+        </p:nvSpPr>
+        <p:spPr>
+          <a:xfrm>
+            <a:off x="317520" y="1290960"/>
+            <a:ext cx="11701440" cy="4347360"/>
+          </a:xfrm>
+          <a:prstGeom prst="rect">
+            <a:avLst/>
+          </a:prstGeom>
+          <a:noFill/>
+          <a:ln>
+            <a:noFill/>
+          </a:ln>
+        </p:spPr>
+        <p:style>
+          <a:lnRef idx="0">
+            <a:scrgbClr r="0" g="0" b="0"/>
+          </a:lnRef>
+          <a:fillRef idx="0">
+            <a:scrgbClr r="0" g="0" b="0"/>
+          </a:fillRef>
+          <a:effectRef idx="0">
+            <a:scrgbClr r="0" g="0" b="0"/>
+          </a:effectRef>
+          <a:fontRef idx="minor"/>
+        </p:style>
+        <p:txBody>
+          <a:bodyPr lIns="90000" tIns="45000" rIns="90000" bIns="45000">
+            <a:normAutofit/>
+          </a:bodyPr>
+          <a:lstStyle/>
+          <a:p>
+            <a:pPr algn="ctr">
+              <a:lnSpc>
+                <a:spcPct val="100000"/>
+              </a:lnSpc>
+              <a:spcBef>
+                <a:spcPts val="1001"/>
+              </a:spcBef>
+              <a:spcAft>
+                <a:spcPts val="1001"/>
+              </a:spcAft>
+              <a:tabLst>
+                <a:tab pos="0" algn="l"/>
+              </a:tabLst>
+            </a:pPr>
+            <a:r>
+              <a:rPr lang="pt-BR" sz="3200" b="0" strike="noStrike" spc="-1">
+                <a:solidFill>
+                  <a:srgbClr val="1F4E79"/>
+                </a:solidFill>
+                <a:latin typeface="Arial"/>
+                <a:ea typeface="DejaVu Sans"/>
+              </a:rPr>
+              <a:t>São scripts que podem ser executados entre a comunicação de outros 2 serviços distintos.</a:t>
+            </a:r>
+            <a:endParaRPr lang="pt-BR" sz="3200" b="0" strike="noStrike" spc="-1">
+              <a:latin typeface="Arial"/>
+            </a:endParaRPr>
+          </a:p>
+          <a:p>
+            <a:pPr algn="ctr">
+              <a:lnSpc>
+                <a:spcPct val="100000"/>
+              </a:lnSpc>
+              <a:spcBef>
+                <a:spcPts val="1001"/>
+              </a:spcBef>
+              <a:spcAft>
+                <a:spcPts val="1001"/>
+              </a:spcAft>
+              <a:tabLst>
+                <a:tab pos="0" algn="l"/>
+              </a:tabLst>
+            </a:pPr>
+            <a:r>
+              <a:rPr lang="pt-BR" sz="3200" b="0" strike="noStrike" spc="-1">
+                <a:solidFill>
+                  <a:srgbClr val="1F4E79"/>
+                </a:solidFill>
+                <a:latin typeface="Arial"/>
+                <a:ea typeface="DejaVu Sans"/>
+              </a:rPr>
+              <a:t>Ele pode verificar e/ou manipular os dados antes da tarefa em execução prosseguir, ou mudar o fluxo da tarefa.</a:t>
+            </a:r>
+            <a:endParaRPr lang="pt-BR" sz="3200" b="0" strike="noStrike" spc="-1">
+              <a:latin typeface="Arial"/>
+            </a:endParaRPr>
+          </a:p>
+        </p:txBody>
+      </p:sp>
+    </p:spTree>
+  </p:cSld>
+  <p:clrMapOvr>
+    <a:masterClrMapping/>
+  </p:clrMapOvr>
+</p:sld>
+</file>
+
+<file path=ppt/slides/slide58.xml><?xml version="1.0" encoding="utf-8"?>
+<p:sld xmlns:a="http://schemas.openxmlformats.org/drawingml/2006/main" xmlns:r="http://schemas.openxmlformats.org/officeDocument/2006/relationships" xmlns:p="http://schemas.openxmlformats.org/presentationml/2006/main">
+  <p:cSld>
+    <p:spTree>
+      <p:nvGrpSpPr>
+        <p:cNvPr id="1" name=""/>
+        <p:cNvGrpSpPr/>
+        <p:nvPr/>
+      </p:nvGrpSpPr>
+      <p:grpSpPr>
+        <a:xfrm>
+          <a:off x="0" y="0"/>
+          <a:ext cx="0" cy="0"/>
+          <a:chOff x="0" y="0"/>
+          <a:chExt cx="0" cy="0"/>
+        </a:xfrm>
+      </p:grpSpPr>
+      <p:sp>
+        <p:nvSpPr>
+          <p:cNvPr id="175" name="CustomShape 1"/>
+          <p:cNvSpPr/>
+          <p:nvPr/>
+        </p:nvSpPr>
+        <p:spPr>
+          <a:xfrm>
+            <a:off x="0" y="224280"/>
+            <a:ext cx="12019320" cy="854640"/>
+          </a:xfrm>
+          <a:prstGeom prst="rect">
+            <a:avLst/>
+          </a:prstGeom>
+          <a:noFill/>
+          <a:ln>
+            <a:noFill/>
+          </a:ln>
+        </p:spPr>
+        <p:style>
+          <a:lnRef idx="0">
+            <a:scrgbClr r="0" g="0" b="0"/>
+          </a:lnRef>
+          <a:fillRef idx="0">
+            <a:scrgbClr r="0" g="0" b="0"/>
+          </a:fillRef>
+          <a:effectRef idx="0">
+            <a:scrgbClr r="0" g="0" b="0"/>
+          </a:effectRef>
+          <a:fontRef idx="minor"/>
+        </p:style>
+        <p:txBody>
+          <a:bodyPr lIns="90000" tIns="45000" rIns="90000" bIns="45000" anchor="ctr">
+            <a:noAutofit/>
+          </a:bodyPr>
+          <a:lstStyle/>
+          <a:p>
+            <a:pPr algn="ctr">
+              <a:lnSpc>
+                <a:spcPct val="90000"/>
+              </a:lnSpc>
+            </a:pPr>
+            <a:r>
+              <a:rPr lang="pt-BR" sz="5400" b="0" strike="noStrike" spc="-1">
+                <a:solidFill>
+                  <a:srgbClr val="1F4E79"/>
+                </a:solidFill>
+                <a:latin typeface="Arial"/>
+                <a:ea typeface="DejaVu Sans"/>
+              </a:rPr>
+              <a:t>Referências</a:t>
+            </a:r>
+            <a:endParaRPr lang="pt-BR" sz="5400" b="0" strike="noStrike" spc="-1">
+              <a:latin typeface="Arial"/>
+            </a:endParaRPr>
+          </a:p>
+        </p:txBody>
+      </p:sp>
+      <p:sp>
+        <p:nvSpPr>
+          <p:cNvPr id="176" name="CustomShape 2"/>
+          <p:cNvSpPr/>
+          <p:nvPr/>
+        </p:nvSpPr>
+        <p:spPr>
+          <a:xfrm>
+            <a:off x="317520" y="1290960"/>
+            <a:ext cx="11701440" cy="4347360"/>
+          </a:xfrm>
+          <a:prstGeom prst="rect">
+            <a:avLst/>
+          </a:prstGeom>
+          <a:noFill/>
+          <a:ln>
+            <a:noFill/>
+          </a:ln>
+        </p:spPr>
+        <p:style>
+          <a:lnRef idx="0">
+            <a:scrgbClr r="0" g="0" b="0"/>
+          </a:lnRef>
+          <a:fillRef idx="0">
+            <a:scrgbClr r="0" g="0" b="0"/>
+          </a:fillRef>
+          <a:effectRef idx="0">
+            <a:scrgbClr r="0" g="0" b="0"/>
+          </a:effectRef>
+          <a:fontRef idx="minor"/>
+        </p:style>
+        <p:txBody>
+          <a:bodyPr lIns="90000" tIns="45000" rIns="90000" bIns="45000">
+            <a:normAutofit fontScale="89000" lnSpcReduction="10000"/>
+          </a:bodyPr>
+          <a:lstStyle/>
+          <a:p>
+            <a:pPr marL="514440" indent="-510480">
+              <a:lnSpc>
+                <a:spcPct val="100000"/>
+              </a:lnSpc>
+              <a:spcBef>
+                <a:spcPts val="1001"/>
+              </a:spcBef>
+              <a:spcAft>
+                <a:spcPts val="1001"/>
+              </a:spcAft>
+              <a:buClr>
+                <a:srgbClr val="1F4E79"/>
+              </a:buClr>
+              <a:buFont typeface="Calibri Light"/>
+              <a:buAutoNum type="arabicPeriod"/>
+            </a:pPr>
+            <a:r>
+              <a:rPr lang="pt-BR" sz="3200" b="0" strike="noStrike" spc="-1">
+                <a:solidFill>
+                  <a:srgbClr val="1F4E79"/>
+                </a:solidFill>
+                <a:latin typeface="Arial"/>
+                <a:ea typeface="DejaVu Sans"/>
+              </a:rPr>
+              <a:t>Node.js. </a:t>
+            </a:r>
+            <a:r>
+              <a:rPr lang="pt-BR" sz="3200" b="1" strike="noStrike" spc="-1">
+                <a:solidFill>
+                  <a:srgbClr val="1F4E79"/>
+                </a:solidFill>
+                <a:latin typeface="Arial"/>
+                <a:ea typeface="DejaVu Sans"/>
+              </a:rPr>
+              <a:t>About</a:t>
+            </a:r>
+            <a:r>
+              <a:rPr lang="pt-BR" sz="3200" b="0" strike="noStrike" spc="-1">
+                <a:solidFill>
+                  <a:srgbClr val="1F4E79"/>
+                </a:solidFill>
+                <a:latin typeface="Arial"/>
+                <a:ea typeface="DejaVu Sans"/>
+              </a:rPr>
+              <a:t>. Disponível em: </a:t>
+            </a:r>
+            <a:r>
+              <a:rPr lang="pt-BR" sz="3200" b="0" u="sng" strike="noStrike" spc="-1">
+                <a:solidFill>
+                  <a:srgbClr val="0563C1"/>
+                </a:solidFill>
+                <a:uFillTx/>
+                <a:latin typeface="Arial"/>
+                <a:ea typeface="DejaVu Sans"/>
+                <a:hlinkClick r:id="rId3"/>
+              </a:rPr>
+              <a:t>https://nodejs.org/en/about/</a:t>
+            </a:r>
+            <a:r>
+              <a:rPr lang="pt-BR" sz="3200" b="0" strike="noStrike" spc="-1">
+                <a:solidFill>
+                  <a:srgbClr val="1F4E79"/>
+                </a:solidFill>
+                <a:latin typeface="Arial"/>
+                <a:ea typeface="DejaVu Sans"/>
+              </a:rPr>
+              <a:t>.</a:t>
+            </a:r>
+            <a:endParaRPr lang="pt-BR" sz="3200" b="0" strike="noStrike" spc="-1">
+              <a:latin typeface="Arial"/>
+            </a:endParaRPr>
+          </a:p>
+          <a:p>
+            <a:pPr marL="514440" indent="-510480">
+              <a:lnSpc>
+                <a:spcPct val="100000"/>
+              </a:lnSpc>
+              <a:spcBef>
+                <a:spcPts val="1001"/>
+              </a:spcBef>
+              <a:spcAft>
+                <a:spcPts val="1001"/>
+              </a:spcAft>
+              <a:buClr>
+                <a:srgbClr val="1F4E79"/>
+              </a:buClr>
+              <a:buFont typeface="Calibri Light"/>
+              <a:buAutoNum type="arabicPeriod"/>
+            </a:pPr>
+            <a:r>
+              <a:rPr lang="pt-BR" sz="3200" b="0" strike="noStrike" spc="-1">
+                <a:solidFill>
+                  <a:srgbClr val="1F4E79"/>
+                </a:solidFill>
+                <a:latin typeface="Arial"/>
+                <a:ea typeface="DejaVu Sans"/>
+              </a:rPr>
+              <a:t>Node.js. </a:t>
+            </a:r>
+            <a:r>
+              <a:rPr lang="pt-BR" sz="3200" b="1" strike="noStrike" spc="-1">
+                <a:solidFill>
+                  <a:srgbClr val="1F4E79"/>
+                </a:solidFill>
+                <a:latin typeface="Arial"/>
+                <a:ea typeface="DejaVu Sans"/>
+              </a:rPr>
+              <a:t>Download</a:t>
+            </a:r>
+            <a:r>
+              <a:rPr lang="pt-BR" sz="3200" b="0" strike="noStrike" spc="-1">
+                <a:solidFill>
+                  <a:srgbClr val="1F4E79"/>
+                </a:solidFill>
+                <a:latin typeface="Arial"/>
+                <a:ea typeface="DejaVu Sans"/>
+              </a:rPr>
+              <a:t>. Disponível em: </a:t>
+            </a:r>
+            <a:r>
+              <a:rPr lang="pt-BR" sz="3200" b="0" u="sng" strike="noStrike" spc="-1">
+                <a:solidFill>
+                  <a:srgbClr val="0563C1"/>
+                </a:solidFill>
+                <a:uFillTx/>
+                <a:latin typeface="Arial"/>
+                <a:ea typeface="DejaVu Sans"/>
+                <a:hlinkClick r:id="rId4"/>
+              </a:rPr>
+              <a:t>https://nodejs.org/en/download/</a:t>
+            </a:r>
+            <a:r>
+              <a:rPr lang="pt-BR" sz="3200" b="0" strike="noStrike" spc="-1">
+                <a:solidFill>
+                  <a:srgbClr val="1F4E79"/>
+                </a:solidFill>
+                <a:latin typeface="Arial"/>
+                <a:ea typeface="DejaVu Sans"/>
+              </a:rPr>
+              <a:t>.</a:t>
+            </a:r>
+            <a:endParaRPr lang="pt-BR" sz="3200" b="0" strike="noStrike" spc="-1">
+              <a:latin typeface="Arial"/>
+            </a:endParaRPr>
+          </a:p>
+          <a:p>
+            <a:pPr marL="514440" indent="-510480">
+              <a:lnSpc>
+                <a:spcPct val="100000"/>
+              </a:lnSpc>
+              <a:spcBef>
+                <a:spcPts val="1001"/>
+              </a:spcBef>
+              <a:spcAft>
+                <a:spcPts val="1001"/>
+              </a:spcAft>
+              <a:buClr>
+                <a:srgbClr val="1F4E79"/>
+              </a:buClr>
+              <a:buFont typeface="Calibri Light"/>
+              <a:buAutoNum type="arabicPeriod"/>
+            </a:pPr>
+            <a:r>
+              <a:rPr lang="pt-BR" sz="3200" b="0" strike="noStrike" spc="-1">
+                <a:solidFill>
+                  <a:srgbClr val="1F4E79"/>
+                </a:solidFill>
+                <a:latin typeface="Arial"/>
+                <a:ea typeface="DejaVu Sans"/>
+              </a:rPr>
+              <a:t>Yarn. </a:t>
+            </a:r>
+            <a:r>
+              <a:rPr lang="pt-BR" sz="3200" b="1" strike="noStrike" spc="-1">
+                <a:solidFill>
+                  <a:srgbClr val="1F4E79"/>
+                </a:solidFill>
+                <a:latin typeface="Arial"/>
+                <a:ea typeface="DejaVu Sans"/>
+              </a:rPr>
+              <a:t>Introduction</a:t>
+            </a:r>
+            <a:r>
+              <a:rPr lang="pt-BR" sz="3200" b="0" strike="noStrike" spc="-1">
+                <a:solidFill>
+                  <a:srgbClr val="1F4E79"/>
+                </a:solidFill>
+                <a:latin typeface="Arial"/>
+                <a:ea typeface="DejaVu Sans"/>
+              </a:rPr>
+              <a:t>. Disponível em: </a:t>
+            </a:r>
+            <a:r>
+              <a:rPr lang="pt-BR" sz="3200" b="0" u="sng" strike="noStrike" spc="-1">
+                <a:solidFill>
+                  <a:srgbClr val="0563C1"/>
+                </a:solidFill>
+                <a:uFillTx/>
+                <a:latin typeface="Arial"/>
+                <a:ea typeface="DejaVu Sans"/>
+                <a:hlinkClick r:id="rId5"/>
+              </a:rPr>
+              <a:t>https://yarnpkg.com/getting-started</a:t>
+            </a:r>
+            <a:r>
+              <a:rPr lang="pt-BR" sz="3200" b="0" strike="noStrike" spc="-1">
+                <a:solidFill>
+                  <a:srgbClr val="1F4E79"/>
+                </a:solidFill>
+                <a:latin typeface="Arial"/>
+                <a:ea typeface="DejaVu Sans"/>
+              </a:rPr>
+              <a:t>.</a:t>
+            </a:r>
+            <a:endParaRPr lang="pt-BR" sz="3200" b="0" strike="noStrike" spc="-1">
+              <a:latin typeface="Arial"/>
+            </a:endParaRPr>
+          </a:p>
+          <a:p>
+            <a:pPr marL="514440" indent="-510480">
+              <a:lnSpc>
+                <a:spcPct val="100000"/>
+              </a:lnSpc>
+              <a:spcBef>
+                <a:spcPts val="1001"/>
+              </a:spcBef>
+              <a:spcAft>
+                <a:spcPts val="1001"/>
+              </a:spcAft>
+              <a:buClr>
+                <a:srgbClr val="1F4E79"/>
+              </a:buClr>
+              <a:buFont typeface="Calibri Light"/>
+              <a:buAutoNum type="arabicPeriod"/>
+            </a:pPr>
+            <a:r>
+              <a:rPr lang="pt-BR" sz="3200" b="0" strike="noStrike" spc="-1">
+                <a:solidFill>
+                  <a:srgbClr val="1F4E79"/>
+                </a:solidFill>
+                <a:latin typeface="Arial"/>
+                <a:ea typeface="DejaVu Sans"/>
+              </a:rPr>
+              <a:t>Yarn. </a:t>
+            </a:r>
+            <a:r>
+              <a:rPr lang="pt-BR" sz="3200" b="1" strike="noStrike" spc="-1">
+                <a:solidFill>
+                  <a:srgbClr val="1F4E79"/>
+                </a:solidFill>
+                <a:latin typeface="Arial"/>
+                <a:ea typeface="DejaVu Sans"/>
+              </a:rPr>
+              <a:t>Installation</a:t>
+            </a:r>
+            <a:r>
+              <a:rPr lang="pt-BR" sz="3200" b="0" strike="noStrike" spc="-1">
+                <a:solidFill>
+                  <a:srgbClr val="1F4E79"/>
+                </a:solidFill>
+                <a:latin typeface="Arial"/>
+                <a:ea typeface="DejaVu Sans"/>
+              </a:rPr>
+              <a:t>. Disponível em: </a:t>
+            </a:r>
+            <a:r>
+              <a:rPr lang="pt-BR" sz="3200" b="0" u="sng" strike="noStrike" spc="-1">
+                <a:solidFill>
+                  <a:srgbClr val="0563C1"/>
+                </a:solidFill>
+                <a:uFillTx/>
+                <a:latin typeface="Arial"/>
+                <a:ea typeface="DejaVu Sans"/>
+                <a:hlinkClick r:id="rId6"/>
+              </a:rPr>
+              <a:t>https://classic.yarnpkg.com/en/docs/install#windows-stable</a:t>
+            </a:r>
+            <a:r>
+              <a:rPr lang="pt-BR" sz="3200" b="0" strike="noStrike" spc="-1">
+                <a:solidFill>
+                  <a:srgbClr val="1F4E79"/>
+                </a:solidFill>
+                <a:latin typeface="Arial"/>
+                <a:ea typeface="DejaVu Sans"/>
+              </a:rPr>
+              <a:t>.</a:t>
+            </a:r>
+            <a:endParaRPr lang="pt-BR" sz="3200" b="0" strike="noStrike" spc="-1">
+              <a:latin typeface="Arial"/>
+            </a:endParaRPr>
+          </a:p>
+          <a:p>
+            <a:pPr marL="514440" indent="-510480">
+              <a:lnSpc>
+                <a:spcPct val="100000"/>
+              </a:lnSpc>
+              <a:spcBef>
+                <a:spcPts val="1001"/>
+              </a:spcBef>
+              <a:spcAft>
+                <a:spcPts val="1001"/>
+              </a:spcAft>
+              <a:buClr>
+                <a:srgbClr val="1F4E79"/>
+              </a:buClr>
+              <a:buFont typeface="Calibri Light"/>
+              <a:buAutoNum type="arabicPeriod"/>
+            </a:pPr>
+            <a:r>
+              <a:rPr lang="pt-BR" sz="3200" b="0" strike="noStrike" spc="-1">
+                <a:solidFill>
+                  <a:srgbClr val="1F4E79"/>
+                </a:solidFill>
+                <a:latin typeface="Arial"/>
+                <a:ea typeface="DejaVu Sans"/>
+              </a:rPr>
+              <a:t>Express. </a:t>
+            </a:r>
+            <a:r>
+              <a:rPr lang="pt-BR" sz="3200" b="1" strike="noStrike" spc="-1">
+                <a:solidFill>
+                  <a:srgbClr val="1F4E79"/>
+                </a:solidFill>
+                <a:latin typeface="Arial"/>
+                <a:ea typeface="DejaVu Sans"/>
+              </a:rPr>
+              <a:t>Installing</a:t>
+            </a:r>
+            <a:r>
+              <a:rPr lang="pt-BR" sz="3200" b="0" strike="noStrike" spc="-1">
+                <a:solidFill>
+                  <a:srgbClr val="1F4E79"/>
+                </a:solidFill>
+                <a:latin typeface="Arial"/>
+                <a:ea typeface="DejaVu Sans"/>
+              </a:rPr>
+              <a:t>. Disponível em: </a:t>
+            </a:r>
+            <a:r>
+              <a:rPr lang="pt-BR" sz="3200" b="0" u="sng" strike="noStrike" spc="-1">
+                <a:solidFill>
+                  <a:srgbClr val="0563C1"/>
+                </a:solidFill>
+                <a:uFillTx/>
+                <a:latin typeface="Arial"/>
+                <a:ea typeface="DejaVu Sans"/>
+                <a:hlinkClick r:id="rId7"/>
+              </a:rPr>
+              <a:t>https://expressjs.com/en/starter/installing.html</a:t>
+            </a:r>
+            <a:endParaRPr lang="pt-BR" sz="3200" b="0" strike="noStrike" spc="-1">
+              <a:latin typeface="Arial"/>
+            </a:endParaRPr>
+          </a:p>
+        </p:txBody>
+      </p:sp>
+    </p:spTree>
+  </p:cSld>
+  <p:clrMapOvr>
+    <a:masterClrMapping/>
+  </p:clrMapOvr>
+</p:sld>
+</file>
+
+<file path=ppt/slides/slide59.xml><?xml version="1.0" encoding="utf-8"?>
+<p:sld xmlns:a="http://schemas.openxmlformats.org/drawingml/2006/main" xmlns:r="http://schemas.openxmlformats.org/officeDocument/2006/relationships" xmlns:p="http://schemas.openxmlformats.org/presentationml/2006/main">
+  <p:cSld>
+    <p:spTree>
+      <p:nvGrpSpPr>
+        <p:cNvPr id="1" name=""/>
+        <p:cNvGrpSpPr/>
+        <p:nvPr/>
+      </p:nvGrpSpPr>
+      <p:grpSpPr>
+        <a:xfrm>
+          <a:off x="0" y="0"/>
+          <a:ext cx="0" cy="0"/>
+          <a:chOff x="0" y="0"/>
+          <a:chExt cx="0" cy="0"/>
+        </a:xfrm>
+      </p:grpSpPr>
+      <p:sp>
+        <p:nvSpPr>
+          <p:cNvPr id="177" name="CustomShape 1"/>
+          <p:cNvSpPr/>
+          <p:nvPr/>
+        </p:nvSpPr>
+        <p:spPr>
+          <a:xfrm>
+            <a:off x="0" y="224280"/>
+            <a:ext cx="12019320" cy="854640"/>
+          </a:xfrm>
+          <a:prstGeom prst="rect">
+            <a:avLst/>
+          </a:prstGeom>
+          <a:noFill/>
+          <a:ln>
+            <a:noFill/>
+          </a:ln>
+        </p:spPr>
+        <p:style>
+          <a:lnRef idx="0">
+            <a:scrgbClr r="0" g="0" b="0"/>
+          </a:lnRef>
+          <a:fillRef idx="0">
+            <a:scrgbClr r="0" g="0" b="0"/>
+          </a:fillRef>
+          <a:effectRef idx="0">
+            <a:scrgbClr r="0" g="0" b="0"/>
+          </a:effectRef>
+          <a:fontRef idx="minor"/>
+        </p:style>
+        <p:txBody>
+          <a:bodyPr lIns="90000" tIns="45000" rIns="90000" bIns="45000" anchor="ctr">
+            <a:noAutofit/>
+          </a:bodyPr>
+          <a:lstStyle/>
+          <a:p>
+            <a:pPr algn="ctr">
+              <a:lnSpc>
+                <a:spcPct val="90000"/>
+              </a:lnSpc>
+            </a:pPr>
+            <a:r>
+              <a:rPr lang="pt-BR" sz="5400" b="0" strike="noStrike" spc="-1">
+                <a:solidFill>
+                  <a:srgbClr val="1F4E79"/>
+                </a:solidFill>
+                <a:latin typeface="Arial"/>
+                <a:ea typeface="DejaVu Sans"/>
+              </a:rPr>
+              <a:t>Referências</a:t>
+            </a:r>
+            <a:endParaRPr lang="pt-BR" sz="5400" b="0" strike="noStrike" spc="-1">
+              <a:latin typeface="Arial"/>
+            </a:endParaRPr>
+          </a:p>
+        </p:txBody>
+      </p:sp>
+      <p:sp>
+        <p:nvSpPr>
+          <p:cNvPr id="178" name="CustomShape 2"/>
+          <p:cNvSpPr/>
+          <p:nvPr/>
+        </p:nvSpPr>
+        <p:spPr>
+          <a:xfrm>
+            <a:off x="317520" y="1290960"/>
+            <a:ext cx="11701440" cy="4347360"/>
+          </a:xfrm>
+          <a:prstGeom prst="rect">
+            <a:avLst/>
+          </a:prstGeom>
+          <a:noFill/>
+          <a:ln>
+            <a:noFill/>
+          </a:ln>
+        </p:spPr>
+        <p:style>
+          <a:lnRef idx="0">
+            <a:scrgbClr r="0" g="0" b="0"/>
+          </a:lnRef>
+          <a:fillRef idx="0">
+            <a:scrgbClr r="0" g="0" b="0"/>
+          </a:fillRef>
+          <a:effectRef idx="0">
+            <a:scrgbClr r="0" g="0" b="0"/>
+          </a:effectRef>
+          <a:fontRef idx="minor"/>
+        </p:style>
+        <p:txBody>
+          <a:bodyPr lIns="90000" tIns="45000" rIns="90000" bIns="45000">
+            <a:normAutofit/>
           </a:bodyPr>
           <a:lstStyle/>
           <a:p>
@@ -28955,50 +30129,40 @@
                 <a:srgbClr val="1F4E79"/>
               </a:buClr>
               <a:buFont typeface="Arial"/>
-              <a:buAutoNum type="arabicPeriod" startAt="9"/>
-            </a:pPr>
-            <a:r>
-              <a:rPr lang="pt-BR" sz="3200" b="0" strike="noStrike" spc="-1" dirty="0" err="1">
+              <a:buAutoNum type="arabicPeriod" startAt="6"/>
+            </a:pPr>
+            <a:r>
+              <a:rPr lang="pt-BR" sz="3200" b="0" strike="noStrike" spc="-1">
                 <a:solidFill>
                   <a:srgbClr val="1F4E79"/>
                 </a:solidFill>
                 <a:latin typeface="Arial"/>
                 <a:ea typeface="DejaVu Sans"/>
               </a:rPr>
-              <a:t>Rocketseat</a:t>
-            </a:r>
-            <a:r>
-              <a:rPr lang="pt-BR" sz="3200" b="0" strike="noStrike" spc="-1" dirty="0">
+              <a:t>NPM. </a:t>
+            </a:r>
+            <a:r>
+              <a:rPr lang="pt-BR" sz="3200" b="1" strike="noStrike" spc="-1">
                 <a:solidFill>
                   <a:srgbClr val="1F4E79"/>
                 </a:solidFill>
                 <a:latin typeface="Arial"/>
                 <a:ea typeface="DejaVu Sans"/>
               </a:rPr>
-              <a:t>. </a:t>
-            </a:r>
-            <a:r>
-              <a:rPr lang="pt-BR" sz="3200" b="1" strike="noStrike" spc="-1" dirty="0">
+              <a:t>Nodemon</a:t>
+            </a:r>
+            <a:r>
+              <a:rPr lang="pt-BR" sz="3200" b="0" strike="noStrike" spc="-1">
                 <a:solidFill>
                   <a:srgbClr val="1F4E79"/>
                 </a:solidFill>
                 <a:latin typeface="Arial"/>
                 <a:ea typeface="DejaVu Sans"/>
               </a:rPr>
-              <a:t>Tipos de Parâmetros nas requisições REST</a:t>
-            </a:r>
-            <a:r>
-              <a:rPr lang="pt-BR" sz="3200" b="0" strike="noStrike" spc="-1" dirty="0">
-                <a:solidFill>
-                  <a:srgbClr val="1F4E79"/>
-                </a:solidFill>
-                <a:latin typeface="Arial"/>
-                <a:ea typeface="DejaVu Sans"/>
-              </a:rPr>
               <a:t>. Disponível em: </a:t>
             </a:r>
             <a:r>
-              <a:rPr lang="pt-BR" sz="3200" b="0" u="sng" strike="noStrike" spc="-1" dirty="0">
+              <a:rPr lang="pt-BR" sz="3200" b="0" u="sng" strike="noStrike" spc="-1">
                 <a:solidFill>
                   <a:srgbClr val="0563C1"/>
                 </a:solidFill>
@@ -29007,9 +30171,9 @@
                 <a:ea typeface="DejaVu Sans"/>
                 <a:hlinkClick r:id="rId3"/>
               </a:rPr>
-              <a:t>https://blog.rocketseat.com.br/tipos-de-parametros-nas-requisicoes-rest/</a:t>
-            </a:r>
-            <a:endParaRPr lang="pt-BR" sz="3200" b="0" strike="noStrike" spc="-1" dirty="0">
+              <a:t>https://www.npmjs.com/package/nodemon</a:t>
+            </a:r>
+            <a:endParaRPr lang="pt-BR" sz="3200" b="0" strike="noStrike" spc="-1">
               <a:latin typeface="Arial"/>
             </a:endParaRPr>
           </a:p>
@@ -29028,75 +30192,62 @@
                 <a:srgbClr val="1F4E79"/>
               </a:buClr>
               <a:buFont typeface="Arial"/>
-              <a:buAutoNum type="arabicPeriod" startAt="9"/>
-            </a:pPr>
-            <a:r>
-              <a:rPr lang="pt-BR" sz="3200" b="0" strike="noStrike" spc="-1" dirty="0" err="1">
+              <a:buAutoNum type="arabicPeriod" startAt="6"/>
+            </a:pPr>
+            <a:r>
+              <a:rPr lang="pt-BR" sz="3200" b="0" strike="noStrike" spc="-1">
                 <a:solidFill>
                   <a:srgbClr val="1F4E79"/>
                 </a:solidFill>
                 <a:latin typeface="Arial"/>
                 <a:ea typeface="DejaVu Sans"/>
               </a:rPr>
-              <a:t>Sequelize</a:t>
-            </a:r>
-            <a:r>
-              <a:rPr lang="pt-BR" sz="3200" b="0" strike="noStrike" spc="-1" dirty="0">
+              <a:t>MDN Web Docs Mozilla. </a:t>
+            </a:r>
+            <a:r>
+              <a:rPr lang="pt-BR" sz="3200" b="1" strike="noStrike" spc="-1">
                 <a:solidFill>
                   <a:srgbClr val="1F4E79"/>
                 </a:solidFill>
                 <a:latin typeface="Arial"/>
                 <a:ea typeface="DejaVu Sans"/>
               </a:rPr>
-              <a:t>. </a:t>
-            </a:r>
-            <a:r>
-              <a:rPr lang="pt-BR" sz="3200" b="1" strike="noStrike" spc="-1" dirty="0">
+              <a:t>Métodos de requisição HTTP</a:t>
+            </a:r>
+            <a:r>
+              <a:rPr lang="pt-BR" sz="3200" b="0" strike="noStrike" spc="-1">
                 <a:solidFill>
                   <a:srgbClr val="1F4E79"/>
                 </a:solidFill>
                 <a:latin typeface="Arial"/>
                 <a:ea typeface="DejaVu Sans"/>
               </a:rPr>
-              <a:t>API </a:t>
-            </a:r>
-            <a:r>
-              <a:rPr lang="pt-BR" sz="3200" b="1" strike="noStrike" spc="-1" dirty="0" err="1">
-                <a:solidFill>
-                  <a:srgbClr val="1F4E79"/>
-                </a:solidFill>
+              <a:t>. Disponível em: </a:t>
+            </a:r>
+            <a:r>
+              <a:rPr lang="pt-BR" sz="3200" b="0" u="sng" strike="noStrike" spc="-1">
+                <a:solidFill>
+                  <a:srgbClr val="0563C1"/>
+                </a:solidFill>
+                <a:uFillTx/>
                 <a:latin typeface="Arial"/>
                 <a:ea typeface="DejaVu Sans"/>
-              </a:rPr>
-              <a:t>Reference</a:t>
-            </a:r>
-            <a:r>
-              <a:rPr lang="pt-BR" sz="3200" b="0" strike="noStrike" spc="-1" dirty="0">
+                <a:hlinkClick r:id="rId4"/>
+              </a:rPr>
+              <a:t>https://developer.mozilla.org/pt-BR/docs/Web/HTTP/Methods</a:t>
+            </a:r>
+            <a:r>
+              <a:rPr lang="pt-BR" sz="3200" b="0" strike="noStrike" spc="-1">
                 <a:solidFill>
                   <a:srgbClr val="1F4E79"/>
                 </a:solidFill>
                 <a:latin typeface="Arial"/>
                 <a:ea typeface="DejaVu Sans"/>
               </a:rPr>
-              <a:t>. Disponível em: </a:t>
-            </a:r>
-            <a:r>
-              <a:rPr lang="pt-BR" sz="3200" b="0" strike="noStrike" spc="-1" dirty="0">
-                <a:solidFill>
-                  <a:srgbClr val="1F4E79"/>
-                </a:solidFill>
-                <a:latin typeface="Arial"/>
-                <a:ea typeface="DejaVu Sans"/>
-                <a:hlinkClick r:id="rId4"/>
-              </a:rPr>
-              <a:t>https://sequelize.org/master/index.html</a:t>
-            </a:r>
-            <a:endParaRPr lang="pt-BR" sz="3200" b="0" strike="noStrike" spc="-1" dirty="0">
-              <a:solidFill>
-                <a:srgbClr val="1F4E79"/>
-              </a:solidFill>
-              <a:latin typeface="Arial"/>
-              <a:ea typeface="DejaVu Sans"/>
+              <a:t>.</a:t>
+            </a:r>
+            <a:endParaRPr lang="pt-BR" sz="3200" b="0" strike="noStrike" spc="-1">
+              <a:latin typeface="Arial"/>
             </a:endParaRPr>
           </a:p>
           <a:p>
@@ -29114,122 +30265,56 @@
                 <a:srgbClr val="1F4E79"/>
               </a:buClr>
               <a:buFont typeface="Arial"/>
-              <a:buAutoNum type="arabicPeriod" startAt="9"/>
-            </a:pPr>
-            <a:r>
-              <a:rPr lang="pt-BR" sz="3200" spc="-1" dirty="0" err="1">
+              <a:buAutoNum type="arabicPeriod" startAt="6"/>
+            </a:pPr>
+            <a:r>
+              <a:rPr lang="pt-BR" sz="3200" b="0" strike="noStrike" spc="-1">
                 <a:solidFill>
                   <a:srgbClr val="1F4E79"/>
                 </a:solidFill>
                 <a:latin typeface="Arial"/>
-              </a:rPr>
-              <a:t>Sequelize</a:t>
-            </a:r>
-            <a:r>
-              <a:rPr lang="pt-BR" sz="3200" spc="-1" dirty="0">
+                <a:ea typeface="DejaVu Sans"/>
+              </a:rPr>
+              <a:t>Insomnia. </a:t>
+            </a:r>
+            <a:r>
+              <a:rPr lang="pt-BR" sz="3200" b="1" strike="noStrike" spc="-1">
                 <a:solidFill>
                   <a:srgbClr val="1F4E79"/>
                 </a:solidFill>
                 <a:latin typeface="Arial"/>
-              </a:rPr>
-              <a:t>. </a:t>
-            </a:r>
-            <a:r>
-              <a:rPr lang="pt-BR" sz="3200" b="1" spc="-1" dirty="0" err="1">
-                <a:solidFill>
-                  <a:srgbClr val="1F4E79"/>
-                </a:solidFill>
-              </a:rPr>
-              <a:t>Model</a:t>
-            </a:r>
-            <a:r>
-              <a:rPr lang="pt-BR" sz="3200" b="1" spc="-1" dirty="0">
-                <a:solidFill>
-                  <a:srgbClr val="1F4E79"/>
-                </a:solidFill>
-              </a:rPr>
-              <a:t> </a:t>
-            </a:r>
-            <a:r>
-              <a:rPr lang="pt-BR" sz="3200" b="1" spc="-1" dirty="0" err="1">
-                <a:solidFill>
-                  <a:srgbClr val="1F4E79"/>
-                </a:solidFill>
-              </a:rPr>
-              <a:t>Querying</a:t>
-            </a:r>
-            <a:r>
-              <a:rPr lang="pt-BR" sz="3200" b="1" spc="-1" dirty="0">
-                <a:solidFill>
-                  <a:srgbClr val="1F4E79"/>
-                </a:solidFill>
-              </a:rPr>
-              <a:t> - </a:t>
-            </a:r>
-            <a:r>
-              <a:rPr lang="pt-BR" sz="3200" b="1" spc="-1" dirty="0" err="1">
-                <a:solidFill>
-                  <a:srgbClr val="1F4E79"/>
-                </a:solidFill>
-              </a:rPr>
-              <a:t>Basics</a:t>
-            </a:r>
-            <a:r>
-              <a:rPr lang="pt-BR" sz="3200" spc="-1" dirty="0">
-                <a:solidFill>
-                  <a:srgbClr val="1F4E79"/>
-                </a:solidFill>
-              </a:rPr>
-              <a:t>. In: API </a:t>
-            </a:r>
-            <a:r>
-              <a:rPr lang="pt-BR" sz="3200" spc="-1" dirty="0" err="1">
+                <a:ea typeface="DejaVu Sans"/>
+              </a:rPr>
+              <a:t>Download Insomnia</a:t>
+            </a:r>
+            <a:r>
+              <a:rPr lang="pt-BR" sz="3200" b="0" strike="noStrike" spc="-1">
                 <a:solidFill>
                   <a:srgbClr val="1F4E79"/>
                 </a:solidFill>
                 <a:latin typeface="Arial"/>
-              </a:rPr>
-              <a:t>Reference</a:t>
-            </a:r>
-            <a:r>
-              <a:rPr lang="pt-BR" sz="3200" spc="-1" dirty="0">
-                <a:solidFill>
-                  <a:srgbClr val="1F4E79"/>
-                </a:solidFill>
+                <a:ea typeface="DejaVu Sans"/>
+              </a:rPr>
+              <a:t>. Disponível em: </a:t>
+            </a:r>
+            <a:r>
+              <a:rPr lang="pt-BR" sz="3200" b="0" u="sng" strike="noStrike" spc="-1">
+                <a:solidFill>
+                  <a:srgbClr val="0563C1"/>
+                </a:solidFill>
+                <a:uFillTx/>
                 <a:latin typeface="Arial"/>
-              </a:rPr>
-              <a:t>. </a:t>
-            </a:r>
-            <a:r>
-              <a:rPr lang="pt-BR" sz="3200" spc="-1" dirty="0">
-                <a:solidFill>
-                  <a:srgbClr val="1F4E79"/>
-                </a:solidFill>
-              </a:rPr>
-              <a:t>Disponível em: https://sequelize.org/</a:t>
-            </a:r>
-            <a:r>
-              <a:rPr lang="pt-BR" sz="3200" spc="-1" dirty="0" err="1">
-                <a:solidFill>
-                  <a:srgbClr val="1F4E79"/>
-                </a:solidFill>
-              </a:rPr>
-              <a:t>master</a:t>
-            </a:r>
-            <a:r>
-              <a:rPr lang="pt-BR" sz="3200" spc="-1" dirty="0">
-                <a:solidFill>
-                  <a:srgbClr val="1F4E79"/>
-                </a:solidFill>
-              </a:rPr>
-              <a:t>/manual/model-querying-basics.html.</a:t>
-            </a:r>
-            <a:endParaRPr lang="pt-BR" sz="3200" b="0" strike="noStrike" spc="-1" dirty="0">
-              <a:latin typeface="Arial"/>
-            </a:endParaRPr>
-          </a:p>
-          <a:p>
-            <a:pPr marL="1800">
+                <a:ea typeface="DejaVu Sans"/>
+                <a:hlinkClick r:id="rId5"/>
+              </a:rPr>
+              <a:t>https://insomnia.rest/download</a:t>
+            </a:r>
+            <a:endParaRPr lang="pt-BR" sz="3200" b="0" strike="noStrike" spc="-1">
+              <a:latin typeface="Arial"/>
+            </a:endParaRPr>
+          </a:p>
+          <a:p>
+            <a:pPr>
               <a:lnSpc>
                 <a:spcPct val="100000"/>
               </a:lnSpc>
@@ -29240,7 +30325,7 @@
                 <a:spcPts val="1001"/>
               </a:spcAft>
             </a:pPr>
-            <a:endParaRPr lang="pt-BR" sz="3200" b="0" strike="noStrike" spc="-1" dirty="0">
+            <a:endParaRPr lang="pt-BR" sz="3200" b="0" strike="noStrike" spc="-1">
               <a:latin typeface="Arial"/>
             </a:endParaRPr>
           </a:p>
@@ -29256,7 +30341,23 @@
                 <a:spcPts val="1001"/>
               </a:spcAft>
             </a:pPr>
-            <a:endParaRPr lang="pt-BR" sz="3200" b="0" strike="noStrike" spc="-1" dirty="0">
+            <a:endParaRPr lang="pt-BR" sz="3200" b="0" strike="noStrike" spc="-1">
+              <a:latin typeface="Arial"/>
+            </a:endParaRPr>
+          </a:p>
+          <a:p>
+            <a:pPr marL="1800">
+              <a:lnSpc>
+                <a:spcPct val="100000"/>
+              </a:lnSpc>
+              <a:spcBef>
+                <a:spcPts val="1001"/>
+              </a:spcBef>
+              <a:spcAft>
+                <a:spcPts val="1001"/>
+              </a:spcAft>
+            </a:pPr>
+            <a:endParaRPr lang="pt-BR" sz="3200" b="0" strike="noStrike" spc="-1">
               <a:latin typeface="Arial"/>
             </a:endParaRPr>
           </a:p>
@@ -29487,6 +30588,447 @@
               <a:t>.</a:t>
             </a:r>
             <a:endParaRPr lang="pt-BR" sz="3200" b="0" strike="noStrike" spc="-1">
+              <a:latin typeface="Arial"/>
+            </a:endParaRPr>
+          </a:p>
+        </p:txBody>
+      </p:sp>
+    </p:spTree>
+  </p:cSld>
+  <p:clrMapOvr>
+    <a:masterClrMapping/>
+  </p:clrMapOvr>
+</p:sld>
+</file>
+
+<file path=ppt/slides/slide60.xml><?xml version="1.0" encoding="utf-8"?>
+<p:sld xmlns:a="http://schemas.openxmlformats.org/drawingml/2006/main" xmlns:r="http://schemas.openxmlformats.org/officeDocument/2006/relationships" xmlns:p="http://schemas.openxmlformats.org/presentationml/2006/main">
+  <p:cSld>
+    <p:spTree>
+      <p:nvGrpSpPr>
+        <p:cNvPr id="1" name=""/>
+        <p:cNvGrpSpPr/>
+        <p:nvPr/>
+      </p:nvGrpSpPr>
+      <p:grpSpPr>
+        <a:xfrm>
+          <a:off x="0" y="0"/>
+          <a:ext cx="0" cy="0"/>
+          <a:chOff x="0" y="0"/>
+          <a:chExt cx="0" cy="0"/>
+        </a:xfrm>
+      </p:grpSpPr>
+      <p:sp>
+        <p:nvSpPr>
+          <p:cNvPr id="179" name="CustomShape 1"/>
+          <p:cNvSpPr/>
+          <p:nvPr/>
+        </p:nvSpPr>
+        <p:spPr>
+          <a:xfrm>
+            <a:off x="0" y="224280"/>
+            <a:ext cx="12019320" cy="854640"/>
+          </a:xfrm>
+          <a:prstGeom prst="rect">
+            <a:avLst/>
+          </a:prstGeom>
+          <a:noFill/>
+          <a:ln>
+            <a:noFill/>
+          </a:ln>
+        </p:spPr>
+        <p:style>
+          <a:lnRef idx="0">
+            <a:scrgbClr r="0" g="0" b="0"/>
+          </a:lnRef>
+          <a:fillRef idx="0">
+            <a:scrgbClr r="0" g="0" b="0"/>
+          </a:fillRef>
+          <a:effectRef idx="0">
+            <a:scrgbClr r="0" g="0" b="0"/>
+          </a:effectRef>
+          <a:fontRef idx="minor"/>
+        </p:style>
+        <p:txBody>
+          <a:bodyPr lIns="90000" tIns="45000" rIns="90000" bIns="45000" anchor="ctr">
+            <a:noAutofit/>
+          </a:bodyPr>
+          <a:lstStyle/>
+          <a:p>
+            <a:pPr algn="ctr">
+              <a:lnSpc>
+                <a:spcPct val="90000"/>
+              </a:lnSpc>
+            </a:pPr>
+            <a:r>
+              <a:rPr lang="pt-BR" sz="5400" b="0" strike="noStrike" spc="-1">
+                <a:solidFill>
+                  <a:srgbClr val="1F4E79"/>
+                </a:solidFill>
+                <a:latin typeface="Arial"/>
+                <a:ea typeface="DejaVu Sans"/>
+              </a:rPr>
+              <a:t>Referências</a:t>
+            </a:r>
+            <a:endParaRPr lang="pt-BR" sz="5400" b="0" strike="noStrike" spc="-1">
+              <a:latin typeface="Arial"/>
+            </a:endParaRPr>
+          </a:p>
+        </p:txBody>
+      </p:sp>
+      <p:sp>
+        <p:nvSpPr>
+          <p:cNvPr id="180" name="CustomShape 2"/>
+          <p:cNvSpPr/>
+          <p:nvPr/>
+        </p:nvSpPr>
+        <p:spPr>
+          <a:xfrm>
+            <a:off x="317520" y="1290960"/>
+            <a:ext cx="11701440" cy="4347360"/>
+          </a:xfrm>
+          <a:prstGeom prst="rect">
+            <a:avLst/>
+          </a:prstGeom>
+          <a:noFill/>
+          <a:ln>
+            <a:noFill/>
+          </a:ln>
+        </p:spPr>
+        <p:style>
+          <a:lnRef idx="0">
+            <a:scrgbClr r="0" g="0" b="0"/>
+          </a:lnRef>
+          <a:fillRef idx="0">
+            <a:scrgbClr r="0" g="0" b="0"/>
+          </a:fillRef>
+          <a:effectRef idx="0">
+            <a:scrgbClr r="0" g="0" b="0"/>
+          </a:effectRef>
+          <a:fontRef idx="minor"/>
+        </p:style>
+        <p:txBody>
+          <a:bodyPr lIns="90000" tIns="45000" rIns="90000" bIns="45000">
+            <a:normAutofit lnSpcReduction="10000"/>
+          </a:bodyPr>
+          <a:lstStyle/>
+          <a:p>
+            <a:pPr marL="516240" indent="-512280">
+              <a:lnSpc>
+                <a:spcPct val="100000"/>
+              </a:lnSpc>
+              <a:spcBef>
+                <a:spcPts val="1001"/>
+              </a:spcBef>
+              <a:spcAft>
+                <a:spcPts val="1001"/>
+              </a:spcAft>
+              <a:buClr>
+                <a:srgbClr val="1F4E79"/>
+              </a:buClr>
+              <a:buFont typeface="Arial"/>
+              <a:buAutoNum type="arabicPeriod" startAt="9"/>
+            </a:pPr>
+            <a:r>
+              <a:rPr lang="pt-BR" sz="3200" b="0" strike="noStrike" spc="-1" dirty="0" err="1">
+                <a:solidFill>
+                  <a:srgbClr val="1F4E79"/>
+                </a:solidFill>
+                <a:latin typeface="Arial"/>
+                <a:ea typeface="DejaVu Sans"/>
+              </a:rPr>
+              <a:t>Rocketseat</a:t>
+            </a:r>
+            <a:r>
+              <a:rPr lang="pt-BR" sz="3200" b="0" strike="noStrike" spc="-1" dirty="0">
+                <a:solidFill>
+                  <a:srgbClr val="1F4E79"/>
+                </a:solidFill>
+                <a:latin typeface="Arial"/>
+                <a:ea typeface="DejaVu Sans"/>
+              </a:rPr>
+              <a:t>. </a:t>
+            </a:r>
+            <a:r>
+              <a:rPr lang="pt-BR" sz="3200" b="1" strike="noStrike" spc="-1" dirty="0">
+                <a:solidFill>
+                  <a:srgbClr val="1F4E79"/>
+                </a:solidFill>
+                <a:latin typeface="Arial"/>
+                <a:ea typeface="DejaVu Sans"/>
+              </a:rPr>
+              <a:t>Tipos de Parâmetros nas requisições REST</a:t>
+            </a:r>
+            <a:r>
+              <a:rPr lang="pt-BR" sz="3200" b="0" strike="noStrike" spc="-1" dirty="0">
+                <a:solidFill>
+                  <a:srgbClr val="1F4E79"/>
+                </a:solidFill>
+                <a:latin typeface="Arial"/>
+                <a:ea typeface="DejaVu Sans"/>
+              </a:rPr>
+              <a:t>. Disponível em: </a:t>
+            </a:r>
+            <a:r>
+              <a:rPr lang="pt-BR" sz="3200" b="0" u="sng" strike="noStrike" spc="-1" dirty="0">
+                <a:solidFill>
+                  <a:srgbClr val="0563C1"/>
+                </a:solidFill>
+                <a:uFillTx/>
+                <a:latin typeface="Arial"/>
+                <a:ea typeface="DejaVu Sans"/>
+                <a:hlinkClick r:id="rId3"/>
+              </a:rPr>
+              <a:t>https://blog.rocketseat.com.br/tipos-de-parametros-nas-requisicoes-rest/</a:t>
+            </a:r>
+            <a:endParaRPr lang="pt-BR" sz="3200" b="0" strike="noStrike" spc="-1" dirty="0">
+              <a:latin typeface="Arial"/>
+            </a:endParaRPr>
+          </a:p>
+          <a:p>
+            <a:pPr marL="516240" indent="-512280">
+              <a:lnSpc>
+                <a:spcPct val="100000"/>
+              </a:lnSpc>
+              <a:spcBef>
+                <a:spcPts val="1001"/>
+              </a:spcBef>
+              <a:spcAft>
+                <a:spcPts val="1001"/>
+              </a:spcAft>
+              <a:buClr>
+                <a:srgbClr val="1F4E79"/>
+              </a:buClr>
+              <a:buFont typeface="Arial"/>
+              <a:buAutoNum type="arabicPeriod" startAt="9"/>
+            </a:pPr>
+            <a:r>
+              <a:rPr lang="pt-BR" sz="3200" b="0" strike="noStrike" spc="-1" dirty="0" err="1">
+                <a:solidFill>
+                  <a:srgbClr val="1F4E79"/>
+                </a:solidFill>
+                <a:latin typeface="Arial"/>
+                <a:ea typeface="DejaVu Sans"/>
+              </a:rPr>
+              <a:t>Sequelize</a:t>
+            </a:r>
+            <a:r>
+              <a:rPr lang="pt-BR" sz="3200" b="0" strike="noStrike" spc="-1" dirty="0">
+                <a:solidFill>
+                  <a:srgbClr val="1F4E79"/>
+                </a:solidFill>
+                <a:latin typeface="Arial"/>
+                <a:ea typeface="DejaVu Sans"/>
+              </a:rPr>
+              <a:t>. </a:t>
+            </a:r>
+            <a:r>
+              <a:rPr lang="pt-BR" sz="3200" b="1" strike="noStrike" spc="-1" dirty="0">
+                <a:solidFill>
+                  <a:srgbClr val="1F4E79"/>
+                </a:solidFill>
+                <a:latin typeface="Arial"/>
+                <a:ea typeface="DejaVu Sans"/>
+              </a:rPr>
+              <a:t>API </a:t>
+            </a:r>
+            <a:r>
+              <a:rPr lang="pt-BR" sz="3200" b="1" strike="noStrike" spc="-1" dirty="0" err="1">
+                <a:solidFill>
+                  <a:srgbClr val="1F4E79"/>
+                </a:solidFill>
+                <a:latin typeface="Arial"/>
+                <a:ea typeface="DejaVu Sans"/>
+              </a:rPr>
+              <a:t>Reference</a:t>
+            </a:r>
+            <a:r>
+              <a:rPr lang="pt-BR" sz="3200" b="0" strike="noStrike" spc="-1" dirty="0">
+                <a:solidFill>
+                  <a:srgbClr val="1F4E79"/>
+                </a:solidFill>
+                <a:latin typeface="Arial"/>
+                <a:ea typeface="DejaVu Sans"/>
+              </a:rPr>
+              <a:t>. Disponível em: </a:t>
+            </a:r>
+            <a:r>
+              <a:rPr lang="pt-BR" sz="3200" b="0" strike="noStrike" spc="-1" dirty="0">
+                <a:solidFill>
+                  <a:srgbClr val="1F4E79"/>
+                </a:solidFill>
+                <a:latin typeface="Arial"/>
+                <a:ea typeface="DejaVu Sans"/>
+                <a:hlinkClick r:id="rId4"/>
+              </a:rPr>
+              <a:t>https://sequelize.org/master/index.html</a:t>
+            </a:r>
+            <a:endParaRPr lang="pt-BR" sz="3200" b="0" strike="noStrike" spc="-1" dirty="0">
+              <a:solidFill>
+                <a:srgbClr val="1F4E79"/>
+              </a:solidFill>
+              <a:latin typeface="Arial"/>
+              <a:ea typeface="DejaVu Sans"/>
+            </a:endParaRPr>
+          </a:p>
+          <a:p>
+            <a:pPr marL="516240" indent="-512280">
+              <a:lnSpc>
+                <a:spcPct val="100000"/>
+              </a:lnSpc>
+              <a:spcBef>
+                <a:spcPts val="1001"/>
+              </a:spcBef>
+              <a:spcAft>
+                <a:spcPts val="1001"/>
+              </a:spcAft>
+              <a:buClr>
+                <a:srgbClr val="1F4E79"/>
+              </a:buClr>
+              <a:buFont typeface="Arial"/>
+              <a:buAutoNum type="arabicPeriod" startAt="9"/>
+            </a:pPr>
+            <a:r>
+              <a:rPr lang="pt-BR" sz="3200" spc="-1" dirty="0" err="1">
+                <a:solidFill>
+                  <a:srgbClr val="1F4E79"/>
+                </a:solidFill>
+                <a:latin typeface="Arial"/>
+              </a:rPr>
+              <a:t>Sequelize</a:t>
+            </a:r>
+            <a:r>
+              <a:rPr lang="pt-BR" sz="3200" spc="-1" dirty="0">
+                <a:solidFill>
+                  <a:srgbClr val="1F4E79"/>
+                </a:solidFill>
+                <a:latin typeface="Arial"/>
+              </a:rPr>
+              <a:t>. </a:t>
+            </a:r>
+            <a:r>
+              <a:rPr lang="pt-BR" sz="3200" b="1" spc="-1" dirty="0" err="1">
+                <a:solidFill>
+                  <a:srgbClr val="1F4E79"/>
+                </a:solidFill>
+              </a:rPr>
+              <a:t>Model</a:t>
+            </a:r>
+            <a:r>
+              <a:rPr lang="pt-BR" sz="3200" b="1" spc="-1" dirty="0">
+                <a:solidFill>
+                  <a:srgbClr val="1F4E79"/>
+                </a:solidFill>
+              </a:rPr>
+              <a:t> </a:t>
+            </a:r>
+            <a:r>
+              <a:rPr lang="pt-BR" sz="3200" b="1" spc="-1" dirty="0" err="1">
+                <a:solidFill>
+                  <a:srgbClr val="1F4E79"/>
+                </a:solidFill>
+              </a:rPr>
+              <a:t>Querying</a:t>
+            </a:r>
+            <a:r>
+              <a:rPr lang="pt-BR" sz="3200" b="1" spc="-1" dirty="0">
+                <a:solidFill>
+                  <a:srgbClr val="1F4E79"/>
+                </a:solidFill>
+              </a:rPr>
+              <a:t> - </a:t>
+            </a:r>
+            <a:r>
+              <a:rPr lang="pt-BR" sz="3200" b="1" spc="-1" dirty="0" err="1">
+                <a:solidFill>
+                  <a:srgbClr val="1F4E79"/>
+                </a:solidFill>
+              </a:rPr>
+              <a:t>Basics</a:t>
+            </a:r>
+            <a:r>
+              <a:rPr lang="pt-BR" sz="3200" spc="-1" dirty="0">
+                <a:solidFill>
+                  <a:srgbClr val="1F4E79"/>
+                </a:solidFill>
+              </a:rPr>
+              <a:t>. In: API </a:t>
+            </a:r>
+            <a:r>
+              <a:rPr lang="pt-BR" sz="3200" spc="-1" dirty="0" err="1">
+                <a:solidFill>
+                  <a:srgbClr val="1F4E79"/>
+                </a:solidFill>
+                <a:latin typeface="Arial"/>
+              </a:rPr>
+              <a:t>Reference</a:t>
+            </a:r>
+            <a:r>
+              <a:rPr lang="pt-BR" sz="3200" spc="-1" dirty="0">
+                <a:solidFill>
+                  <a:srgbClr val="1F4E79"/>
+                </a:solidFill>
+                <a:latin typeface="Arial"/>
+              </a:rPr>
+              <a:t>. </a:t>
+            </a:r>
+            <a:r>
+              <a:rPr lang="pt-BR" sz="3200" spc="-1" dirty="0">
+                <a:solidFill>
+                  <a:srgbClr val="1F4E79"/>
+                </a:solidFill>
+              </a:rPr>
+              <a:t>Disponível em: https://sequelize.org/</a:t>
+            </a:r>
+            <a:r>
+              <a:rPr lang="pt-BR" sz="3200" spc="-1" dirty="0" err="1">
+                <a:solidFill>
+                  <a:srgbClr val="1F4E79"/>
+                </a:solidFill>
+              </a:rPr>
+              <a:t>master</a:t>
+            </a:r>
+            <a:r>
+              <a:rPr lang="pt-BR" sz="3200" spc="-1" dirty="0">
+                <a:solidFill>
+                  <a:srgbClr val="1F4E79"/>
+                </a:solidFill>
+              </a:rPr>
+              <a:t>/manual/model-querying-basics.html.</a:t>
+            </a:r>
+            <a:endParaRPr lang="pt-BR" sz="3200" b="0" strike="noStrike" spc="-1" dirty="0">
+              <a:latin typeface="Arial"/>
+            </a:endParaRPr>
+          </a:p>
+          <a:p>
+            <a:pPr marL="1800">
+              <a:lnSpc>
+                <a:spcPct val="100000"/>
+              </a:lnSpc>
+              <a:spcBef>
+                <a:spcPts val="1001"/>
+              </a:spcBef>
+              <a:spcAft>
+                <a:spcPts val="1001"/>
+              </a:spcAft>
+            </a:pPr>
+            <a:endParaRPr lang="pt-BR" sz="3200" b="0" strike="noStrike" spc="-1" dirty="0">
+              <a:latin typeface="Arial"/>
+            </a:endParaRPr>
+          </a:p>
+          <a:p>
+            <a:pPr marL="1800">
+              <a:lnSpc>
+                <a:spcPct val="100000"/>
+              </a:lnSpc>
+              <a:spcBef>
+                <a:spcPts val="1001"/>
+              </a:spcBef>
+              <a:spcAft>
+                <a:spcPts val="1001"/>
+              </a:spcAft>
+            </a:pPr>
+            <a:endParaRPr lang="pt-BR" sz="3200" b="0" strike="noStrike" spc="-1" dirty="0">
               <a:latin typeface="Arial"/>
             </a:endParaRPr>
           </a:p>

--- a/node-js.pptx
+++ b/node-js.pptx
@@ -6,7 +6,7 @@
     <p:sldMasterId id="2147483661" r:id="rId2"/>
   </p:sldMasterIdLst>
   <p:notesMasterIdLst>
-    <p:notesMasterId r:id="rId63"/>
+    <p:notesMasterId r:id="rId68"/>
   </p:notesMasterIdLst>
   <p:sldIdLst>
     <p:sldId id="256" r:id="rId3"/>
@@ -62,13 +62,18 @@
     <p:sldId id="311" r:id="rId53"/>
     <p:sldId id="312" r:id="rId54"/>
     <p:sldId id="297" r:id="rId55"/>
-    <p:sldId id="313" r:id="rId56"/>
-    <p:sldId id="315" r:id="rId57"/>
-    <p:sldId id="316" r:id="rId58"/>
-    <p:sldId id="298" r:id="rId59"/>
-    <p:sldId id="299" r:id="rId60"/>
-    <p:sldId id="300" r:id="rId61"/>
-    <p:sldId id="301" r:id="rId62"/>
+    <p:sldId id="317" r:id="rId56"/>
+    <p:sldId id="319" r:id="rId57"/>
+    <p:sldId id="320" r:id="rId58"/>
+    <p:sldId id="321" r:id="rId59"/>
+    <p:sldId id="318" r:id="rId60"/>
+    <p:sldId id="313" r:id="rId61"/>
+    <p:sldId id="315" r:id="rId62"/>
+    <p:sldId id="316" r:id="rId63"/>
+    <p:sldId id="298" r:id="rId64"/>
+    <p:sldId id="299" r:id="rId65"/>
+    <p:sldId id="300" r:id="rId66"/>
+    <p:sldId id="301" r:id="rId67"/>
   </p:sldIdLst>
   <p:sldSz cx="12192000" cy="6858000"/>
   <p:notesSz cx="6858000" cy="9144000"/>
@@ -7398,7 +7403,7 @@
     </p:spTree>
     <p:extLst>
       <p:ext uri="{BB962C8B-B14F-4D97-AF65-F5344CB8AC3E}">
-        <p14:creationId xmlns:p14="http://schemas.microsoft.com/office/powerpoint/2010/main" val="2770302021"/>
+        <p14:creationId xmlns:p14="http://schemas.microsoft.com/office/powerpoint/2010/main" val="508429617"/>
       </p:ext>
     </p:extLst>
   </p:cSld>
@@ -7537,7 +7542,7 @@
     </p:spTree>
     <p:extLst>
       <p:ext uri="{BB962C8B-B14F-4D97-AF65-F5344CB8AC3E}">
-        <p14:creationId xmlns:p14="http://schemas.microsoft.com/office/powerpoint/2010/main" val="1083857770"/>
+        <p14:creationId xmlns:p14="http://schemas.microsoft.com/office/powerpoint/2010/main" val="1756971041"/>
       </p:ext>
     </p:extLst>
   </p:cSld>
@@ -7576,8 +7581,8 @@
         </p:nvSpPr>
         <p:spPr>
           <a:xfrm>
-            <a:off x="685800" y="1143000"/>
-            <a:ext cx="5482800" cy="3082320"/>
+            <a:off x="687388" y="1143000"/>
+            <a:ext cx="5480050" cy="3082925"/>
           </a:xfrm>
           <a:prstGeom prst="rect">
             <a:avLst/>
@@ -7676,7 +7681,7 @@
     </p:spTree>
     <p:extLst>
       <p:ext uri="{BB962C8B-B14F-4D97-AF65-F5344CB8AC3E}">
-        <p14:creationId xmlns:p14="http://schemas.microsoft.com/office/powerpoint/2010/main" val="1675101123"/>
+        <p14:creationId xmlns:p14="http://schemas.microsoft.com/office/powerpoint/2010/main" val="541101106"/>
       </p:ext>
     </p:extLst>
   </p:cSld>
@@ -7705,7 +7710,7 @@
       </p:grpSpPr>
       <p:sp>
         <p:nvSpPr>
-          <p:cNvPr id="307" name="PlaceHolder 1"/>
+          <p:cNvPr id="304" name="PlaceHolder 1"/>
           <p:cNvSpPr>
             <a:spLocks noGrp="1" noRot="1" noChangeAspect="1"/>
           </p:cNvSpPr>
@@ -7715,17 +7720,17 @@
         </p:nvSpPr>
         <p:spPr>
           <a:xfrm>
-            <a:off x="685800" y="1143000"/>
-            <a:ext cx="5482800" cy="3082320"/>
-          </a:xfrm>
-          <a:prstGeom prst="rect">
-            <a:avLst/>
-          </a:prstGeom>
-        </p:spPr>
-      </p:sp>
-      <p:sp>
-        <p:nvSpPr>
-          <p:cNvPr id="308" name="PlaceHolder 2"/>
+            <a:off x="687388" y="1143000"/>
+            <a:ext cx="5480050" cy="3082925"/>
+          </a:xfrm>
+          <a:prstGeom prst="rect">
+            <a:avLst/>
+          </a:prstGeom>
+        </p:spPr>
+      </p:sp>
+      <p:sp>
+        <p:nvSpPr>
+          <p:cNvPr id="305" name="PlaceHolder 2"/>
           <p:cNvSpPr>
             <a:spLocks noGrp="1"/>
           </p:cNvSpPr>
@@ -7756,7 +7761,7 @@
       </p:sp>
       <p:sp>
         <p:nvSpPr>
-          <p:cNvPr id="309" name="CustomShape 3"/>
+          <p:cNvPr id="306" name="CustomShape 3"/>
           <p:cNvSpPr/>
           <p:nvPr/>
         </p:nvSpPr>
@@ -7796,7 +7801,7 @@
                 <a:spcPct val="100000"/>
               </a:lnSpc>
             </a:pPr>
-            <a:fld id="{B0CFDC8E-E808-4FCA-BF70-6567A9414BBB}" type="slidenum">
+            <a:fld id="{F4C072A3-0E1D-4C79-A8AC-BB1726406D60}" type="slidenum">
               <a:rPr lang="pt-BR" sz="1200" b="0" strike="noStrike" spc="-1">
                 <a:solidFill>
                   <a:srgbClr val="000000"/>
@@ -7813,6 +7818,11 @@
         </p:txBody>
       </p:sp>
     </p:spTree>
+    <p:extLst>
+      <p:ext uri="{BB962C8B-B14F-4D97-AF65-F5344CB8AC3E}">
+        <p14:creationId xmlns:p14="http://schemas.microsoft.com/office/powerpoint/2010/main" val="1070448343"/>
+      </p:ext>
+    </p:extLst>
   </p:cSld>
   <p:clrMapOvr>
     <a:masterClrMapping/>
@@ -7839,7 +7849,7 @@
       </p:grpSpPr>
       <p:sp>
         <p:nvSpPr>
-          <p:cNvPr id="310" name="PlaceHolder 1"/>
+          <p:cNvPr id="304" name="PlaceHolder 1"/>
           <p:cNvSpPr>
             <a:spLocks noGrp="1" noRot="1" noChangeAspect="1"/>
           </p:cNvSpPr>
@@ -7859,7 +7869,7 @@
       </p:sp>
       <p:sp>
         <p:nvSpPr>
-          <p:cNvPr id="311" name="PlaceHolder 2"/>
+          <p:cNvPr id="305" name="PlaceHolder 2"/>
           <p:cNvSpPr>
             <a:spLocks noGrp="1"/>
           </p:cNvSpPr>
@@ -7869,7 +7879,7 @@
         </p:nvSpPr>
         <p:spPr>
           <a:xfrm>
-            <a:off x="685800" y="4400640"/>
+            <a:off x="685800" y="4320000"/>
             <a:ext cx="5482440" cy="3596400"/>
           </a:xfrm>
           <a:prstGeom prst="rect">
@@ -7890,7 +7900,7 @@
       </p:sp>
       <p:sp>
         <p:nvSpPr>
-          <p:cNvPr id="312" name="CustomShape 3"/>
+          <p:cNvPr id="306" name="CustomShape 3"/>
           <p:cNvSpPr/>
           <p:nvPr/>
         </p:nvSpPr>
@@ -7930,7 +7940,7 @@
                 <a:spcPct val="100000"/>
               </a:lnSpc>
             </a:pPr>
-            <a:fld id="{A4A9D5A6-6C48-4B43-8032-A4F02E798000}" type="slidenum">
+            <a:fld id="{F4C072A3-0E1D-4C79-A8AC-BB1726406D60}" type="slidenum">
               <a:rPr lang="pt-BR" sz="1200" b="0" strike="noStrike" spc="-1">
                 <a:solidFill>
                   <a:srgbClr val="000000"/>
@@ -7947,6 +7957,11 @@
         </p:txBody>
       </p:sp>
     </p:spTree>
+    <p:extLst>
+      <p:ext uri="{BB962C8B-B14F-4D97-AF65-F5344CB8AC3E}">
+        <p14:creationId xmlns:p14="http://schemas.microsoft.com/office/powerpoint/2010/main" val="1678018499"/>
+      </p:ext>
+    </p:extLst>
   </p:cSld>
   <p:clrMapOvr>
     <a:masterClrMapping/>
@@ -7973,7 +7988,7 @@
       </p:grpSpPr>
       <p:sp>
         <p:nvSpPr>
-          <p:cNvPr id="313" name="PlaceHolder 1"/>
+          <p:cNvPr id="304" name="PlaceHolder 1"/>
           <p:cNvSpPr>
             <a:spLocks noGrp="1" noRot="1" noChangeAspect="1"/>
           </p:cNvSpPr>
@@ -7983,17 +7998,17 @@
         </p:nvSpPr>
         <p:spPr>
           <a:xfrm>
-            <a:off x="685800" y="1143000"/>
-            <a:ext cx="5482800" cy="3082320"/>
-          </a:xfrm>
-          <a:prstGeom prst="rect">
-            <a:avLst/>
-          </a:prstGeom>
-        </p:spPr>
-      </p:sp>
-      <p:sp>
-        <p:nvSpPr>
-          <p:cNvPr id="314" name="PlaceHolder 2"/>
+            <a:off x="687388" y="1143000"/>
+            <a:ext cx="5480050" cy="3082925"/>
+          </a:xfrm>
+          <a:prstGeom prst="rect">
+            <a:avLst/>
+          </a:prstGeom>
+        </p:spPr>
+      </p:sp>
+      <p:sp>
+        <p:nvSpPr>
+          <p:cNvPr id="305" name="PlaceHolder 2"/>
           <p:cNvSpPr>
             <a:spLocks noGrp="1"/>
           </p:cNvSpPr>
@@ -8003,7 +8018,7 @@
         </p:nvSpPr>
         <p:spPr>
           <a:xfrm>
-            <a:off x="685800" y="4400640"/>
+            <a:off x="685800" y="4320000"/>
             <a:ext cx="5482440" cy="3596400"/>
           </a:xfrm>
           <a:prstGeom prst="rect">
@@ -8024,7 +8039,7 @@
       </p:sp>
       <p:sp>
         <p:nvSpPr>
-          <p:cNvPr id="315" name="CustomShape 3"/>
+          <p:cNvPr id="306" name="CustomShape 3"/>
           <p:cNvSpPr/>
           <p:nvPr/>
         </p:nvSpPr>
@@ -8064,7 +8079,7 @@
                 <a:spcPct val="100000"/>
               </a:lnSpc>
             </a:pPr>
-            <a:fld id="{B008546A-9EE6-49C8-B1DE-CF65AB5C1D04}" type="slidenum">
+            <a:fld id="{F4C072A3-0E1D-4C79-A8AC-BB1726406D60}" type="slidenum">
               <a:rPr lang="pt-BR" sz="1200" b="0" strike="noStrike" spc="-1">
                 <a:solidFill>
                   <a:srgbClr val="000000"/>
@@ -8081,6 +8096,11 @@
         </p:txBody>
       </p:sp>
     </p:spTree>
+    <p:extLst>
+      <p:ext uri="{BB962C8B-B14F-4D97-AF65-F5344CB8AC3E}">
+        <p14:creationId xmlns:p14="http://schemas.microsoft.com/office/powerpoint/2010/main" val="2770302021"/>
+      </p:ext>
+    </p:extLst>
   </p:cSld>
   <p:clrMapOvr>
     <a:masterClrMapping/>
@@ -8241,7 +8261,7 @@
       </p:grpSpPr>
       <p:sp>
         <p:nvSpPr>
-          <p:cNvPr id="316" name="PlaceHolder 1"/>
+          <p:cNvPr id="304" name="PlaceHolder 1"/>
           <p:cNvSpPr>
             <a:spLocks noGrp="1" noRot="1" noChangeAspect="1"/>
           </p:cNvSpPr>
@@ -8261,7 +8281,7 @@
       </p:sp>
       <p:sp>
         <p:nvSpPr>
-          <p:cNvPr id="317" name="PlaceHolder 2"/>
+          <p:cNvPr id="305" name="PlaceHolder 2"/>
           <p:cNvSpPr>
             <a:spLocks noGrp="1"/>
           </p:cNvSpPr>
@@ -8271,7 +8291,7 @@
         </p:nvSpPr>
         <p:spPr>
           <a:xfrm>
-            <a:off x="685800" y="4400640"/>
+            <a:off x="685800" y="4320000"/>
             <a:ext cx="5482440" cy="3596400"/>
           </a:xfrm>
           <a:prstGeom prst="rect">
@@ -8292,7 +8312,7 @@
       </p:sp>
       <p:sp>
         <p:nvSpPr>
-          <p:cNvPr id="318" name="CustomShape 3"/>
+          <p:cNvPr id="306" name="CustomShape 3"/>
           <p:cNvSpPr/>
           <p:nvPr/>
         </p:nvSpPr>
@@ -8332,6 +8352,686 @@
                 <a:spcPct val="100000"/>
               </a:lnSpc>
             </a:pPr>
+            <a:fld id="{F4C072A3-0E1D-4C79-A8AC-BB1726406D60}" type="slidenum">
+              <a:rPr lang="pt-BR" sz="1200" b="0" strike="noStrike" spc="-1">
+                <a:solidFill>
+                  <a:srgbClr val="000000"/>
+                </a:solidFill>
+                <a:latin typeface="Times New Roman"/>
+                <a:ea typeface="+mn-ea"/>
+              </a:rPr>
+              <a:t>60</a:t>
+            </a:fld>
+            <a:endParaRPr lang="pt-BR" sz="1200" b="0" strike="noStrike" spc="-1">
+              <a:latin typeface="Arial"/>
+            </a:endParaRPr>
+          </a:p>
+        </p:txBody>
+      </p:sp>
+    </p:spTree>
+    <p:extLst>
+      <p:ext uri="{BB962C8B-B14F-4D97-AF65-F5344CB8AC3E}">
+        <p14:creationId xmlns:p14="http://schemas.microsoft.com/office/powerpoint/2010/main" val="1083857770"/>
+      </p:ext>
+    </p:extLst>
+  </p:cSld>
+  <p:clrMapOvr>
+    <a:masterClrMapping/>
+  </p:clrMapOvr>
+</p:notes>
+</file>
+
+<file path=ppt/notesSlides/notesSlide61.xml><?xml version="1.0" encoding="utf-8"?>
+<p:notes xmlns:a="http://schemas.openxmlformats.org/drawingml/2006/main" xmlns:r="http://schemas.openxmlformats.org/officeDocument/2006/relationships" xmlns:p="http://schemas.openxmlformats.org/presentationml/2006/main">
+  <p:cSld>
+    <p:spTree>
+      <p:nvGrpSpPr>
+        <p:cNvPr id="1" name=""/>
+        <p:cNvGrpSpPr/>
+        <p:nvPr/>
+      </p:nvGrpSpPr>
+      <p:grpSpPr>
+        <a:xfrm>
+          <a:off x="0" y="0"/>
+          <a:ext cx="0" cy="0"/>
+          <a:chOff x="0" y="0"/>
+          <a:chExt cx="0" cy="0"/>
+        </a:xfrm>
+      </p:grpSpPr>
+      <p:sp>
+        <p:nvSpPr>
+          <p:cNvPr id="304" name="PlaceHolder 1"/>
+          <p:cNvSpPr>
+            <a:spLocks noGrp="1" noRot="1" noChangeAspect="1"/>
+          </p:cNvSpPr>
+          <p:nvPr>
+            <p:ph type="sldImg"/>
+          </p:nvPr>
+        </p:nvSpPr>
+        <p:spPr>
+          <a:xfrm>
+            <a:off x="685800" y="1143000"/>
+            <a:ext cx="5482800" cy="3082320"/>
+          </a:xfrm>
+          <a:prstGeom prst="rect">
+            <a:avLst/>
+          </a:prstGeom>
+        </p:spPr>
+      </p:sp>
+      <p:sp>
+        <p:nvSpPr>
+          <p:cNvPr id="305" name="PlaceHolder 2"/>
+          <p:cNvSpPr>
+            <a:spLocks noGrp="1"/>
+          </p:cNvSpPr>
+          <p:nvPr>
+            <p:ph type="body"/>
+          </p:nvPr>
+        </p:nvSpPr>
+        <p:spPr>
+          <a:xfrm>
+            <a:off x="685800" y="4320000"/>
+            <a:ext cx="5482440" cy="3596400"/>
+          </a:xfrm>
+          <a:prstGeom prst="rect">
+            <a:avLst/>
+          </a:prstGeom>
+        </p:spPr>
+        <p:txBody>
+          <a:bodyPr lIns="0" tIns="0" rIns="0" bIns="0">
+            <a:noAutofit/>
+          </a:bodyPr>
+          <a:lstStyle/>
+          <a:p>
+            <a:endParaRPr lang="pt-BR" sz="2000" b="0" strike="noStrike" spc="-1">
+              <a:latin typeface="Arial"/>
+            </a:endParaRPr>
+          </a:p>
+        </p:txBody>
+      </p:sp>
+      <p:sp>
+        <p:nvSpPr>
+          <p:cNvPr id="306" name="CustomShape 3"/>
+          <p:cNvSpPr/>
+          <p:nvPr/>
+        </p:nvSpPr>
+        <p:spPr>
+          <a:xfrm>
+            <a:off x="3884760" y="8685360"/>
+            <a:ext cx="2967840" cy="454680"/>
+          </a:xfrm>
+          <a:prstGeom prst="rect">
+            <a:avLst/>
+          </a:prstGeom>
+          <a:noFill/>
+          <a:ln>
+            <a:noFill/>
+          </a:ln>
+        </p:spPr>
+        <p:style>
+          <a:lnRef idx="0">
+            <a:scrgbClr r="0" g="0" b="0"/>
+          </a:lnRef>
+          <a:fillRef idx="0">
+            <a:scrgbClr r="0" g="0" b="0"/>
+          </a:fillRef>
+          <a:effectRef idx="0">
+            <a:scrgbClr r="0" g="0" b="0"/>
+          </a:effectRef>
+          <a:fontRef idx="minor"/>
+        </p:style>
+        <p:txBody>
+          <a:bodyPr lIns="90000" tIns="45000" rIns="90000" bIns="45000" anchor="b">
+            <a:noAutofit/>
+          </a:bodyPr>
+          <a:lstStyle/>
+          <a:p>
+            <a:pPr algn="r">
+              <a:lnSpc>
+                <a:spcPct val="100000"/>
+              </a:lnSpc>
+            </a:pPr>
+            <a:fld id="{F4C072A3-0E1D-4C79-A8AC-BB1726406D60}" type="slidenum">
+              <a:rPr lang="pt-BR" sz="1200" b="0" strike="noStrike" spc="-1">
+                <a:solidFill>
+                  <a:srgbClr val="000000"/>
+                </a:solidFill>
+                <a:latin typeface="Times New Roman"/>
+                <a:ea typeface="+mn-ea"/>
+              </a:rPr>
+              <a:t>61</a:t>
+            </a:fld>
+            <a:endParaRPr lang="pt-BR" sz="1200" b="0" strike="noStrike" spc="-1">
+              <a:latin typeface="Arial"/>
+            </a:endParaRPr>
+          </a:p>
+        </p:txBody>
+      </p:sp>
+    </p:spTree>
+    <p:extLst>
+      <p:ext uri="{BB962C8B-B14F-4D97-AF65-F5344CB8AC3E}">
+        <p14:creationId xmlns:p14="http://schemas.microsoft.com/office/powerpoint/2010/main" val="1675101123"/>
+      </p:ext>
+    </p:extLst>
+  </p:cSld>
+  <p:clrMapOvr>
+    <a:masterClrMapping/>
+  </p:clrMapOvr>
+</p:notes>
+</file>
+
+<file path=ppt/notesSlides/notesSlide62.xml><?xml version="1.0" encoding="utf-8"?>
+<p:notes xmlns:a="http://schemas.openxmlformats.org/drawingml/2006/main" xmlns:r="http://schemas.openxmlformats.org/officeDocument/2006/relationships" xmlns:p="http://schemas.openxmlformats.org/presentationml/2006/main">
+  <p:cSld>
+    <p:spTree>
+      <p:nvGrpSpPr>
+        <p:cNvPr id="1" name=""/>
+        <p:cNvGrpSpPr/>
+        <p:nvPr/>
+      </p:nvGrpSpPr>
+      <p:grpSpPr>
+        <a:xfrm>
+          <a:off x="0" y="0"/>
+          <a:ext cx="0" cy="0"/>
+          <a:chOff x="0" y="0"/>
+          <a:chExt cx="0" cy="0"/>
+        </a:xfrm>
+      </p:grpSpPr>
+      <p:sp>
+        <p:nvSpPr>
+          <p:cNvPr id="307" name="PlaceHolder 1"/>
+          <p:cNvSpPr>
+            <a:spLocks noGrp="1" noRot="1" noChangeAspect="1"/>
+          </p:cNvSpPr>
+          <p:nvPr>
+            <p:ph type="sldImg"/>
+          </p:nvPr>
+        </p:nvSpPr>
+        <p:spPr>
+          <a:xfrm>
+            <a:off x="685800" y="1143000"/>
+            <a:ext cx="5482800" cy="3082320"/>
+          </a:xfrm>
+          <a:prstGeom prst="rect">
+            <a:avLst/>
+          </a:prstGeom>
+        </p:spPr>
+      </p:sp>
+      <p:sp>
+        <p:nvSpPr>
+          <p:cNvPr id="308" name="PlaceHolder 2"/>
+          <p:cNvSpPr>
+            <a:spLocks noGrp="1"/>
+          </p:cNvSpPr>
+          <p:nvPr>
+            <p:ph type="body"/>
+          </p:nvPr>
+        </p:nvSpPr>
+        <p:spPr>
+          <a:xfrm>
+            <a:off x="685800" y="4320000"/>
+            <a:ext cx="5482440" cy="3596400"/>
+          </a:xfrm>
+          <a:prstGeom prst="rect">
+            <a:avLst/>
+          </a:prstGeom>
+        </p:spPr>
+        <p:txBody>
+          <a:bodyPr lIns="0" tIns="0" rIns="0" bIns="0">
+            <a:noAutofit/>
+          </a:bodyPr>
+          <a:lstStyle/>
+          <a:p>
+            <a:endParaRPr lang="pt-BR" sz="2000" b="0" strike="noStrike" spc="-1">
+              <a:latin typeface="Arial"/>
+            </a:endParaRPr>
+          </a:p>
+        </p:txBody>
+      </p:sp>
+      <p:sp>
+        <p:nvSpPr>
+          <p:cNvPr id="309" name="CustomShape 3"/>
+          <p:cNvSpPr/>
+          <p:nvPr/>
+        </p:nvSpPr>
+        <p:spPr>
+          <a:xfrm>
+            <a:off x="3884760" y="8685360"/>
+            <a:ext cx="2967840" cy="454680"/>
+          </a:xfrm>
+          <a:prstGeom prst="rect">
+            <a:avLst/>
+          </a:prstGeom>
+          <a:noFill/>
+          <a:ln>
+            <a:noFill/>
+          </a:ln>
+        </p:spPr>
+        <p:style>
+          <a:lnRef idx="0">
+            <a:scrgbClr r="0" g="0" b="0"/>
+          </a:lnRef>
+          <a:fillRef idx="0">
+            <a:scrgbClr r="0" g="0" b="0"/>
+          </a:fillRef>
+          <a:effectRef idx="0">
+            <a:scrgbClr r="0" g="0" b="0"/>
+          </a:effectRef>
+          <a:fontRef idx="minor"/>
+        </p:style>
+        <p:txBody>
+          <a:bodyPr lIns="90000" tIns="45000" rIns="90000" bIns="45000" anchor="b">
+            <a:noAutofit/>
+          </a:bodyPr>
+          <a:lstStyle/>
+          <a:p>
+            <a:pPr algn="r">
+              <a:lnSpc>
+                <a:spcPct val="100000"/>
+              </a:lnSpc>
+            </a:pPr>
+            <a:fld id="{B0CFDC8E-E808-4FCA-BF70-6567A9414BBB}" type="slidenum">
+              <a:rPr lang="pt-BR" sz="1200" b="0" strike="noStrike" spc="-1">
+                <a:solidFill>
+                  <a:srgbClr val="000000"/>
+                </a:solidFill>
+                <a:latin typeface="Times New Roman"/>
+                <a:ea typeface="+mn-ea"/>
+              </a:rPr>
+              <a:t>62</a:t>
+            </a:fld>
+            <a:endParaRPr lang="pt-BR" sz="1200" b="0" strike="noStrike" spc="-1">
+              <a:latin typeface="Arial"/>
+            </a:endParaRPr>
+          </a:p>
+        </p:txBody>
+      </p:sp>
+    </p:spTree>
+  </p:cSld>
+  <p:clrMapOvr>
+    <a:masterClrMapping/>
+  </p:clrMapOvr>
+</p:notes>
+</file>
+
+<file path=ppt/notesSlides/notesSlide63.xml><?xml version="1.0" encoding="utf-8"?>
+<p:notes xmlns:a="http://schemas.openxmlformats.org/drawingml/2006/main" xmlns:r="http://schemas.openxmlformats.org/officeDocument/2006/relationships" xmlns:p="http://schemas.openxmlformats.org/presentationml/2006/main">
+  <p:cSld>
+    <p:spTree>
+      <p:nvGrpSpPr>
+        <p:cNvPr id="1" name=""/>
+        <p:cNvGrpSpPr/>
+        <p:nvPr/>
+      </p:nvGrpSpPr>
+      <p:grpSpPr>
+        <a:xfrm>
+          <a:off x="0" y="0"/>
+          <a:ext cx="0" cy="0"/>
+          <a:chOff x="0" y="0"/>
+          <a:chExt cx="0" cy="0"/>
+        </a:xfrm>
+      </p:grpSpPr>
+      <p:sp>
+        <p:nvSpPr>
+          <p:cNvPr id="310" name="PlaceHolder 1"/>
+          <p:cNvSpPr>
+            <a:spLocks noGrp="1" noRot="1" noChangeAspect="1"/>
+          </p:cNvSpPr>
+          <p:nvPr>
+            <p:ph type="sldImg"/>
+          </p:nvPr>
+        </p:nvSpPr>
+        <p:spPr>
+          <a:xfrm>
+            <a:off x="687388" y="1143000"/>
+            <a:ext cx="5480050" cy="3082925"/>
+          </a:xfrm>
+          <a:prstGeom prst="rect">
+            <a:avLst/>
+          </a:prstGeom>
+        </p:spPr>
+      </p:sp>
+      <p:sp>
+        <p:nvSpPr>
+          <p:cNvPr id="311" name="PlaceHolder 2"/>
+          <p:cNvSpPr>
+            <a:spLocks noGrp="1"/>
+          </p:cNvSpPr>
+          <p:nvPr>
+            <p:ph type="body"/>
+          </p:nvPr>
+        </p:nvSpPr>
+        <p:spPr>
+          <a:xfrm>
+            <a:off x="685800" y="4400640"/>
+            <a:ext cx="5482440" cy="3596400"/>
+          </a:xfrm>
+          <a:prstGeom prst="rect">
+            <a:avLst/>
+          </a:prstGeom>
+        </p:spPr>
+        <p:txBody>
+          <a:bodyPr lIns="0" tIns="0" rIns="0" bIns="0">
+            <a:noAutofit/>
+          </a:bodyPr>
+          <a:lstStyle/>
+          <a:p>
+            <a:endParaRPr lang="pt-BR" sz="2000" b="0" strike="noStrike" spc="-1">
+              <a:latin typeface="Arial"/>
+            </a:endParaRPr>
+          </a:p>
+        </p:txBody>
+      </p:sp>
+      <p:sp>
+        <p:nvSpPr>
+          <p:cNvPr id="312" name="CustomShape 3"/>
+          <p:cNvSpPr/>
+          <p:nvPr/>
+        </p:nvSpPr>
+        <p:spPr>
+          <a:xfrm>
+            <a:off x="3884760" y="8685360"/>
+            <a:ext cx="2967840" cy="454680"/>
+          </a:xfrm>
+          <a:prstGeom prst="rect">
+            <a:avLst/>
+          </a:prstGeom>
+          <a:noFill/>
+          <a:ln>
+            <a:noFill/>
+          </a:ln>
+        </p:spPr>
+        <p:style>
+          <a:lnRef idx="0">
+            <a:scrgbClr r="0" g="0" b="0"/>
+          </a:lnRef>
+          <a:fillRef idx="0">
+            <a:scrgbClr r="0" g="0" b="0"/>
+          </a:fillRef>
+          <a:effectRef idx="0">
+            <a:scrgbClr r="0" g="0" b="0"/>
+          </a:effectRef>
+          <a:fontRef idx="minor"/>
+        </p:style>
+        <p:txBody>
+          <a:bodyPr lIns="90000" tIns="45000" rIns="90000" bIns="45000" anchor="b">
+            <a:noAutofit/>
+          </a:bodyPr>
+          <a:lstStyle/>
+          <a:p>
+            <a:pPr algn="r">
+              <a:lnSpc>
+                <a:spcPct val="100000"/>
+              </a:lnSpc>
+            </a:pPr>
+            <a:fld id="{A4A9D5A6-6C48-4B43-8032-A4F02E798000}" type="slidenum">
+              <a:rPr lang="pt-BR" sz="1200" b="0" strike="noStrike" spc="-1">
+                <a:solidFill>
+                  <a:srgbClr val="000000"/>
+                </a:solidFill>
+                <a:latin typeface="Times New Roman"/>
+                <a:ea typeface="+mn-ea"/>
+              </a:rPr>
+              <a:t>63</a:t>
+            </a:fld>
+            <a:endParaRPr lang="pt-BR" sz="1200" b="0" strike="noStrike" spc="-1">
+              <a:latin typeface="Arial"/>
+            </a:endParaRPr>
+          </a:p>
+        </p:txBody>
+      </p:sp>
+    </p:spTree>
+  </p:cSld>
+  <p:clrMapOvr>
+    <a:masterClrMapping/>
+  </p:clrMapOvr>
+</p:notes>
+</file>
+
+<file path=ppt/notesSlides/notesSlide64.xml><?xml version="1.0" encoding="utf-8"?>
+<p:notes xmlns:a="http://schemas.openxmlformats.org/drawingml/2006/main" xmlns:r="http://schemas.openxmlformats.org/officeDocument/2006/relationships" xmlns:p="http://schemas.openxmlformats.org/presentationml/2006/main">
+  <p:cSld>
+    <p:spTree>
+      <p:nvGrpSpPr>
+        <p:cNvPr id="1" name=""/>
+        <p:cNvGrpSpPr/>
+        <p:nvPr/>
+      </p:nvGrpSpPr>
+      <p:grpSpPr>
+        <a:xfrm>
+          <a:off x="0" y="0"/>
+          <a:ext cx="0" cy="0"/>
+          <a:chOff x="0" y="0"/>
+          <a:chExt cx="0" cy="0"/>
+        </a:xfrm>
+      </p:grpSpPr>
+      <p:sp>
+        <p:nvSpPr>
+          <p:cNvPr id="313" name="PlaceHolder 1"/>
+          <p:cNvSpPr>
+            <a:spLocks noGrp="1" noRot="1" noChangeAspect="1"/>
+          </p:cNvSpPr>
+          <p:nvPr>
+            <p:ph type="sldImg"/>
+          </p:nvPr>
+        </p:nvSpPr>
+        <p:spPr>
+          <a:xfrm>
+            <a:off x="685800" y="1143000"/>
+            <a:ext cx="5482800" cy="3082320"/>
+          </a:xfrm>
+          <a:prstGeom prst="rect">
+            <a:avLst/>
+          </a:prstGeom>
+        </p:spPr>
+      </p:sp>
+      <p:sp>
+        <p:nvSpPr>
+          <p:cNvPr id="314" name="PlaceHolder 2"/>
+          <p:cNvSpPr>
+            <a:spLocks noGrp="1"/>
+          </p:cNvSpPr>
+          <p:nvPr>
+            <p:ph type="body"/>
+          </p:nvPr>
+        </p:nvSpPr>
+        <p:spPr>
+          <a:xfrm>
+            <a:off x="685800" y="4400640"/>
+            <a:ext cx="5482440" cy="3596400"/>
+          </a:xfrm>
+          <a:prstGeom prst="rect">
+            <a:avLst/>
+          </a:prstGeom>
+        </p:spPr>
+        <p:txBody>
+          <a:bodyPr lIns="0" tIns="0" rIns="0" bIns="0">
+            <a:noAutofit/>
+          </a:bodyPr>
+          <a:lstStyle/>
+          <a:p>
+            <a:endParaRPr lang="pt-BR" sz="2000" b="0" strike="noStrike" spc="-1">
+              <a:latin typeface="Arial"/>
+            </a:endParaRPr>
+          </a:p>
+        </p:txBody>
+      </p:sp>
+      <p:sp>
+        <p:nvSpPr>
+          <p:cNvPr id="315" name="CustomShape 3"/>
+          <p:cNvSpPr/>
+          <p:nvPr/>
+        </p:nvSpPr>
+        <p:spPr>
+          <a:xfrm>
+            <a:off x="3884760" y="8685360"/>
+            <a:ext cx="2967840" cy="454680"/>
+          </a:xfrm>
+          <a:prstGeom prst="rect">
+            <a:avLst/>
+          </a:prstGeom>
+          <a:noFill/>
+          <a:ln>
+            <a:noFill/>
+          </a:ln>
+        </p:spPr>
+        <p:style>
+          <a:lnRef idx="0">
+            <a:scrgbClr r="0" g="0" b="0"/>
+          </a:lnRef>
+          <a:fillRef idx="0">
+            <a:scrgbClr r="0" g="0" b="0"/>
+          </a:fillRef>
+          <a:effectRef idx="0">
+            <a:scrgbClr r="0" g="0" b="0"/>
+          </a:effectRef>
+          <a:fontRef idx="minor"/>
+        </p:style>
+        <p:txBody>
+          <a:bodyPr lIns="90000" tIns="45000" rIns="90000" bIns="45000" anchor="b">
+            <a:noAutofit/>
+          </a:bodyPr>
+          <a:lstStyle/>
+          <a:p>
+            <a:pPr algn="r">
+              <a:lnSpc>
+                <a:spcPct val="100000"/>
+              </a:lnSpc>
+            </a:pPr>
+            <a:fld id="{B008546A-9EE6-49C8-B1DE-CF65AB5C1D04}" type="slidenum">
+              <a:rPr lang="pt-BR" sz="1200" b="0" strike="noStrike" spc="-1">
+                <a:solidFill>
+                  <a:srgbClr val="000000"/>
+                </a:solidFill>
+                <a:latin typeface="Times New Roman"/>
+                <a:ea typeface="+mn-ea"/>
+              </a:rPr>
+              <a:t>64</a:t>
+            </a:fld>
+            <a:endParaRPr lang="pt-BR" sz="1200" b="0" strike="noStrike" spc="-1">
+              <a:latin typeface="Arial"/>
+            </a:endParaRPr>
+          </a:p>
+        </p:txBody>
+      </p:sp>
+    </p:spTree>
+  </p:cSld>
+  <p:clrMapOvr>
+    <a:masterClrMapping/>
+  </p:clrMapOvr>
+</p:notes>
+</file>
+
+<file path=ppt/notesSlides/notesSlide65.xml><?xml version="1.0" encoding="utf-8"?>
+<p:notes xmlns:a="http://schemas.openxmlformats.org/drawingml/2006/main" xmlns:r="http://schemas.openxmlformats.org/officeDocument/2006/relationships" xmlns:p="http://schemas.openxmlformats.org/presentationml/2006/main">
+  <p:cSld>
+    <p:spTree>
+      <p:nvGrpSpPr>
+        <p:cNvPr id="1" name=""/>
+        <p:cNvGrpSpPr/>
+        <p:nvPr/>
+      </p:nvGrpSpPr>
+      <p:grpSpPr>
+        <a:xfrm>
+          <a:off x="0" y="0"/>
+          <a:ext cx="0" cy="0"/>
+          <a:chOff x="0" y="0"/>
+          <a:chExt cx="0" cy="0"/>
+        </a:xfrm>
+      </p:grpSpPr>
+      <p:sp>
+        <p:nvSpPr>
+          <p:cNvPr id="316" name="PlaceHolder 1"/>
+          <p:cNvSpPr>
+            <a:spLocks noGrp="1" noRot="1" noChangeAspect="1"/>
+          </p:cNvSpPr>
+          <p:nvPr>
+            <p:ph type="sldImg"/>
+          </p:nvPr>
+        </p:nvSpPr>
+        <p:spPr>
+          <a:xfrm>
+            <a:off x="687388" y="1143000"/>
+            <a:ext cx="5480050" cy="3082925"/>
+          </a:xfrm>
+          <a:prstGeom prst="rect">
+            <a:avLst/>
+          </a:prstGeom>
+        </p:spPr>
+      </p:sp>
+      <p:sp>
+        <p:nvSpPr>
+          <p:cNvPr id="317" name="PlaceHolder 2"/>
+          <p:cNvSpPr>
+            <a:spLocks noGrp="1"/>
+          </p:cNvSpPr>
+          <p:nvPr>
+            <p:ph type="body"/>
+          </p:nvPr>
+        </p:nvSpPr>
+        <p:spPr>
+          <a:xfrm>
+            <a:off x="685800" y="4400640"/>
+            <a:ext cx="5482440" cy="3596400"/>
+          </a:xfrm>
+          <a:prstGeom prst="rect">
+            <a:avLst/>
+          </a:prstGeom>
+        </p:spPr>
+        <p:txBody>
+          <a:bodyPr lIns="0" tIns="0" rIns="0" bIns="0">
+            <a:noAutofit/>
+          </a:bodyPr>
+          <a:lstStyle/>
+          <a:p>
+            <a:endParaRPr lang="pt-BR" sz="2000" b="0" strike="noStrike" spc="-1">
+              <a:latin typeface="Arial"/>
+            </a:endParaRPr>
+          </a:p>
+        </p:txBody>
+      </p:sp>
+      <p:sp>
+        <p:nvSpPr>
+          <p:cNvPr id="318" name="CustomShape 3"/>
+          <p:cNvSpPr/>
+          <p:nvPr/>
+        </p:nvSpPr>
+        <p:spPr>
+          <a:xfrm>
+            <a:off x="3884760" y="8685360"/>
+            <a:ext cx="2967840" cy="454680"/>
+          </a:xfrm>
+          <a:prstGeom prst="rect">
+            <a:avLst/>
+          </a:prstGeom>
+          <a:noFill/>
+          <a:ln>
+            <a:noFill/>
+          </a:ln>
+        </p:spPr>
+        <p:style>
+          <a:lnRef idx="0">
+            <a:scrgbClr r="0" g="0" b="0"/>
+          </a:lnRef>
+          <a:fillRef idx="0">
+            <a:scrgbClr r="0" g="0" b="0"/>
+          </a:fillRef>
+          <a:effectRef idx="0">
+            <a:scrgbClr r="0" g="0" b="0"/>
+          </a:effectRef>
+          <a:fontRef idx="minor"/>
+        </p:style>
+        <p:txBody>
+          <a:bodyPr lIns="90000" tIns="45000" rIns="90000" bIns="45000" anchor="b">
+            <a:noAutofit/>
+          </a:bodyPr>
+          <a:lstStyle/>
+          <a:p>
+            <a:pPr algn="r">
+              <a:lnSpc>
+                <a:spcPct val="100000"/>
+              </a:lnSpc>
+            </a:pPr>
             <a:fld id="{6CDBEE86-8171-4C12-86ED-7FE502965E94}" type="slidenum">
               <a:rPr lang="pt-BR" sz="1200" b="0" strike="noStrike" spc="-1">
                 <a:solidFill>
@@ -8340,7 +9040,7 @@
                 <a:latin typeface="Times New Roman"/>
                 <a:ea typeface="+mn-ea"/>
               </a:rPr>
-              <a:t>60</a:t>
+              <a:t>65</a:t>
             </a:fld>
             <a:endParaRPr lang="pt-BR" sz="1200" b="0" strike="noStrike" spc="-1">
               <a:latin typeface="Arial"/>
@@ -23883,13 +24583,22 @@
               </a:tabLst>
             </a:pPr>
             <a:r>
+              <a:rPr lang="pt-BR" sz="3200" spc="-1" dirty="0" err="1">
+                <a:solidFill>
+                  <a:srgbClr val="1F4E79"/>
+                </a:solidFill>
+                <a:latin typeface="Arial"/>
+              </a:rPr>
+              <a:t>name</a:t>
+            </a:r>
+            <a:r>
               <a:rPr lang="pt-BR" sz="3200" spc="-1" dirty="0">
                 <a:solidFill>
                   <a:srgbClr val="1F4E79"/>
                 </a:solidFill>
                 <a:latin typeface="Arial"/>
               </a:rPr>
-              <a:t>nome;</a:t>
+              <a:t>;</a:t>
             </a:r>
           </a:p>
           <a:p>
@@ -23946,13 +24655,22 @@
               </a:tabLst>
             </a:pPr>
             <a:r>
+              <a:rPr lang="pt-BR" sz="3200" spc="-1" dirty="0" err="1">
+                <a:solidFill>
+                  <a:srgbClr val="1F4E79"/>
+                </a:solidFill>
+                <a:latin typeface="Arial"/>
+              </a:rPr>
+              <a:t>password</a:t>
+            </a:r>
+            <a:r>
               <a:rPr lang="pt-BR" sz="3200" spc="-1" dirty="0">
                 <a:solidFill>
                   <a:srgbClr val="1F4E79"/>
                 </a:solidFill>
                 <a:latin typeface="Arial"/>
               </a:rPr>
-              <a:t>senha.</a:t>
+              <a:t>.</a:t>
             </a:r>
           </a:p>
           <a:p>
@@ -24603,6 +25321,42 @@
                 </a:solidFill>
                 <a:latin typeface="Courier New"/>
               </a:rPr>
+              <a:t>const</a:t>
+            </a:r>
+            <a:r>
+              <a:rPr lang="pt-BR" sz="3200" spc="-1" dirty="0">
+                <a:solidFill>
+                  <a:srgbClr val="1F4E79"/>
+                </a:solidFill>
+                <a:latin typeface="Courier New"/>
+              </a:rPr>
+              <a:t> </a:t>
+            </a:r>
+            <a:r>
+              <a:rPr lang="pt-BR" sz="3200" spc="-1" dirty="0" err="1">
+                <a:solidFill>
+                  <a:srgbClr val="1F4E79"/>
+                </a:solidFill>
+                <a:latin typeface="Courier New"/>
+              </a:rPr>
+              <a:t>prod</a:t>
+            </a:r>
+            <a:r>
+              <a:rPr lang="pt-BR" sz="3200" spc="-1" dirty="0">
+                <a:solidFill>
+                  <a:srgbClr val="1F4E79"/>
+                </a:solidFill>
+                <a:latin typeface="Courier New"/>
+              </a:rPr>
+              <a:t> = </a:t>
+            </a:r>
+            <a:r>
+              <a:rPr lang="pt-BR" sz="3200" spc="-1" dirty="0" err="1">
+                <a:solidFill>
+                  <a:srgbClr val="1F4E79"/>
+                </a:solidFill>
+                <a:latin typeface="Courier New"/>
+              </a:rPr>
               <a:t>await</a:t>
             </a:r>
             <a:r>
@@ -24736,7 +25490,7 @@
                 </a:solidFill>
                 <a:latin typeface="Courier New"/>
               </a:rPr>
-              <a:t>request.body</a:t>
+              <a:t>prod</a:t>
             </a:r>
             <a:r>
               <a:rPr lang="pt-BR" sz="3200" spc="-1" dirty="0">
@@ -28875,7 +29629,7 @@
                 <a:latin typeface="Arial"/>
                 <a:ea typeface="DejaVu Sans"/>
               </a:rPr>
-              <a:t>Autenticação com JWT</a:t>
+              <a:t>Organizando as rotas</a:t>
             </a:r>
             <a:endParaRPr lang="pt-BR" sz="5400" b="0" strike="noStrike" spc="-1" dirty="0">
               <a:latin typeface="Arial"/>
@@ -28942,33 +29696,203 @@
                 <a:latin typeface="Arial"/>
                 <a:ea typeface="DejaVu Sans"/>
               </a:rPr>
-              <a:t>JSON Web Token (JWT</a:t>
+              <a:t>No diretório </a:t>
+            </a:r>
+            <a:r>
+              <a:rPr lang="pt-BR" sz="3200" b="0" strike="noStrike" spc="-1" dirty="0" err="1">
+                <a:solidFill>
+                  <a:srgbClr val="1F4E79"/>
+                </a:solidFill>
+                <a:latin typeface="Courier New" panose="02070309020205020404" pitchFamily="49" charset="0"/>
+                <a:ea typeface="DejaVu Sans"/>
+                <a:cs typeface="Courier New" panose="02070309020205020404" pitchFamily="49" charset="0"/>
+              </a:rPr>
+              <a:t>src</a:t>
+            </a:r>
+            <a:r>
+              <a:rPr lang="pt-BR" sz="3200" b="0" strike="noStrike" spc="-1" dirty="0">
+                <a:solidFill>
+                  <a:srgbClr val="1F4E79"/>
+                </a:solidFill>
+                <a:latin typeface="Arial"/>
+                <a:ea typeface="DejaVu Sans"/>
+              </a:rPr>
+              <a:t>, renomeie um arquivo </a:t>
+            </a:r>
+            <a:r>
+              <a:rPr lang="pt-BR" sz="3200" b="0" strike="noStrike" spc="-1" dirty="0">
+                <a:solidFill>
+                  <a:srgbClr val="1F4E79"/>
+                </a:solidFill>
+                <a:latin typeface="Courier New" panose="02070309020205020404" pitchFamily="49" charset="0"/>
+                <a:ea typeface="DejaVu Sans"/>
+                <a:cs typeface="Courier New" panose="02070309020205020404" pitchFamily="49" charset="0"/>
+              </a:rPr>
+              <a:t>index.js</a:t>
+            </a:r>
+            <a:r>
+              <a:rPr lang="pt-BR" sz="3200" b="0" strike="noStrike" spc="-1" dirty="0">
+                <a:solidFill>
+                  <a:srgbClr val="1F4E79"/>
+                </a:solidFill>
+                <a:latin typeface="Arial"/>
+                <a:ea typeface="DejaVu Sans"/>
+              </a:rPr>
+              <a:t> para </a:t>
             </a:r>
             <a:r>
               <a:rPr lang="pt-BR" sz="3200" spc="-1" dirty="0">
                 <a:solidFill>
                   <a:srgbClr val="1F4E79"/>
                 </a:solidFill>
-              </a:rPr>
-              <a:t>) é um padrão (RFC-7519) que define como objetos JSON serão transmitidos e armazenados de modo seguro e compacto entre duas aplicações</a:t>
-            </a:r>
+                <a:latin typeface="Courier New" panose="02070309020205020404" pitchFamily="49" charset="0"/>
+                <a:cs typeface="Courier New" panose="02070309020205020404" pitchFamily="49" charset="0"/>
+              </a:rPr>
+              <a:t>server.js</a:t>
+            </a:r>
+            <a:r>
+              <a:rPr lang="pt-BR" sz="3200" b="0" strike="noStrike" spc="-1" dirty="0">
+                <a:solidFill>
+                  <a:srgbClr val="1F4E79"/>
+                </a:solidFill>
+                <a:latin typeface="Arial"/>
+                <a:ea typeface="DejaVu Sans"/>
+              </a:rPr>
+              <a:t> e crie um diretório chamado </a:t>
+            </a:r>
+            <a:r>
+              <a:rPr lang="pt-BR" sz="3200" b="0" strike="noStrike" spc="-1" dirty="0" err="1">
+                <a:solidFill>
+                  <a:srgbClr val="1F4E79"/>
+                </a:solidFill>
+                <a:latin typeface="Courier New" panose="02070309020205020404" pitchFamily="49" charset="0"/>
+                <a:ea typeface="DejaVu Sans"/>
+                <a:cs typeface="Courier New" panose="02070309020205020404" pitchFamily="49" charset="0"/>
+              </a:rPr>
+              <a:t>routes</a:t>
+            </a:r>
+            <a:r>
+              <a:rPr lang="pt-BR" sz="3200" b="0" strike="noStrike" spc="-1" dirty="0">
+                <a:solidFill>
+                  <a:srgbClr val="1F4E79"/>
+                </a:solidFill>
+                <a:latin typeface="Arial"/>
+                <a:ea typeface="DejaVu Sans"/>
+              </a:rPr>
+              <a:t>.</a:t>
+            </a:r>
+          </a:p>
+          <a:p>
+            <a:pPr algn="ctr">
+              <a:lnSpc>
+                <a:spcPct val="100000"/>
+              </a:lnSpc>
+              <a:spcBef>
+                <a:spcPts val="1001"/>
+              </a:spcBef>
+              <a:spcAft>
+                <a:spcPts val="1001"/>
+              </a:spcAft>
+              <a:tabLst>
+                <a:tab pos="0" algn="l"/>
+              </a:tabLst>
+            </a:pPr>
             <a:r>
               <a:rPr lang="pt-BR" sz="3200" spc="-1" dirty="0">
                 <a:solidFill>
                   <a:srgbClr val="1F4E79"/>
                 </a:solidFill>
-                <a:hlinkClick r:id="rId3"/>
-              </a:rPr>
-              <a:t>*</a:t>
+                <a:latin typeface="Arial"/>
+                <a:ea typeface="DejaVu Sans"/>
+              </a:rPr>
+              <a:t>As rotas devem ser organizadas no diretório </a:t>
+            </a:r>
+            <a:r>
+              <a:rPr lang="pt-BR" sz="3200" spc="-1" dirty="0" err="1">
+                <a:solidFill>
+                  <a:srgbClr val="1F4E79"/>
+                </a:solidFill>
+                <a:latin typeface="Courier New" panose="02070309020205020404" pitchFamily="49" charset="0"/>
+                <a:ea typeface="DejaVu Sans"/>
+                <a:cs typeface="Courier New" panose="02070309020205020404" pitchFamily="49" charset="0"/>
+              </a:rPr>
+              <a:t>routes</a:t>
             </a:r>
             <a:r>
               <a:rPr lang="pt-BR" sz="3200" spc="-1" dirty="0">
                 <a:solidFill>
                   <a:srgbClr val="1F4E79"/>
                 </a:solidFill>
+                <a:latin typeface="Arial"/>
+                <a:ea typeface="DejaVu Sans"/>
+              </a:rPr>
+              <a:t> em arquivos diferentes: </a:t>
+            </a:r>
+            <a:r>
+              <a:rPr lang="pt-BR" sz="3200" spc="-1" dirty="0">
+                <a:solidFill>
+                  <a:srgbClr val="1F4E79"/>
+                </a:solidFill>
+                <a:latin typeface="Courier New" panose="02070309020205020404" pitchFamily="49" charset="0"/>
+                <a:ea typeface="DejaVu Sans"/>
+                <a:cs typeface="Courier New" panose="02070309020205020404" pitchFamily="49" charset="0"/>
+              </a:rPr>
+              <a:t>products.routes.js</a:t>
+            </a:r>
+            <a:r>
+              <a:rPr lang="pt-BR" sz="3200" spc="-1" dirty="0">
+                <a:solidFill>
+                  <a:srgbClr val="1F4E79"/>
+                </a:solidFill>
+                <a:latin typeface="Arial"/>
+                <a:ea typeface="DejaVu Sans"/>
+              </a:rPr>
+              <a:t> e </a:t>
+            </a:r>
+            <a:r>
+              <a:rPr lang="pt-BR" sz="3200" spc="-1" dirty="0">
+                <a:solidFill>
+                  <a:srgbClr val="1F4E79"/>
+                </a:solidFill>
+                <a:latin typeface="Courier New" panose="02070309020205020404" pitchFamily="49" charset="0"/>
+                <a:ea typeface="DejaVu Sans"/>
+                <a:cs typeface="Courier New" panose="02070309020205020404" pitchFamily="49" charset="0"/>
+              </a:rPr>
+              <a:t>users.routes.js</a:t>
+            </a:r>
+            <a:r>
+              <a:rPr lang="pt-BR" sz="3200" spc="-1" dirty="0">
+                <a:solidFill>
+                  <a:srgbClr val="1F4E79"/>
+                </a:solidFill>
+                <a:latin typeface="Arial"/>
+                <a:ea typeface="DejaVu Sans"/>
               </a:rPr>
               <a:t>.</a:t>
             </a:r>
+            <a:endParaRPr lang="pt-BR" sz="3200" b="0" strike="noStrike" spc="-1" dirty="0">
+              <a:solidFill>
+                <a:srgbClr val="1F4E79"/>
+              </a:solidFill>
+              <a:latin typeface="Arial"/>
+              <a:ea typeface="DejaVu Sans"/>
+            </a:endParaRPr>
+          </a:p>
+          <a:p>
+            <a:pPr algn="ctr">
+              <a:lnSpc>
+                <a:spcPct val="100000"/>
+              </a:lnSpc>
+              <a:spcBef>
+                <a:spcPts val="1001"/>
+              </a:spcBef>
+              <a:spcAft>
+                <a:spcPts val="1001"/>
+              </a:spcAft>
+              <a:tabLst>
+                <a:tab pos="0" algn="l"/>
+              </a:tabLst>
+            </a:pPr>
             <a:endParaRPr lang="pt-BR" sz="3200" b="0" strike="noStrike" spc="-1" dirty="0">
               <a:latin typeface="Arial"/>
             </a:endParaRPr>
@@ -28978,7 +29902,7 @@
     </p:spTree>
     <p:extLst>
       <p:ext uri="{BB962C8B-B14F-4D97-AF65-F5344CB8AC3E}">
-        <p14:creationId xmlns:p14="http://schemas.microsoft.com/office/powerpoint/2010/main" val="2534776303"/>
+        <p14:creationId xmlns:p14="http://schemas.microsoft.com/office/powerpoint/2010/main" val="1450720078"/>
       </p:ext>
     </p:extLst>
   </p:cSld>
@@ -29055,7 +29979,7 @@
                 <a:latin typeface="Arial"/>
                 <a:ea typeface="DejaVu Sans"/>
               </a:rPr>
-              <a:t>CORS</a:t>
+              <a:t>Organizando as rotas</a:t>
             </a:r>
             <a:endParaRPr lang="pt-BR" sz="5400" b="0" strike="noStrike" spc="-1" dirty="0">
               <a:latin typeface="Arial"/>
@@ -29096,7 +30020,7 @@
         </p:style>
         <p:txBody>
           <a:bodyPr lIns="90000" tIns="45000" rIns="90000" bIns="45000">
-            <a:normAutofit/>
+            <a:normAutofit fontScale="77500" lnSpcReduction="20000"/>
           </a:bodyPr>
           <a:lstStyle/>
           <a:p>
@@ -29122,10 +30046,629 @@
                 <a:latin typeface="Arial"/>
                 <a:ea typeface="DejaVu Sans"/>
               </a:rPr>
-              <a:t>CORS</a:t>
+              <a:t>No diretório </a:t>
+            </a:r>
+            <a:r>
+              <a:rPr lang="pt-BR" sz="3200" b="0" strike="noStrike" spc="-1" dirty="0" err="1">
+                <a:solidFill>
+                  <a:srgbClr val="1F4E79"/>
+                </a:solidFill>
+                <a:latin typeface="Courier New" panose="02070309020205020404" pitchFamily="49" charset="0"/>
+                <a:ea typeface="DejaVu Sans"/>
+                <a:cs typeface="Courier New" panose="02070309020205020404" pitchFamily="49" charset="0"/>
+              </a:rPr>
+              <a:t>routes</a:t>
+            </a:r>
+            <a:r>
+              <a:rPr lang="pt-BR" sz="3200" b="0" strike="noStrike" spc="-1" dirty="0">
+                <a:solidFill>
+                  <a:srgbClr val="1F4E79"/>
+                </a:solidFill>
+                <a:latin typeface="Arial"/>
+                <a:ea typeface="DejaVu Sans"/>
+              </a:rPr>
+              <a:t>, crie um arquivo chamado </a:t>
+            </a:r>
+            <a:r>
+              <a:rPr lang="pt-BR" sz="3200" b="0" strike="noStrike" spc="-1" dirty="0">
+                <a:solidFill>
+                  <a:srgbClr val="1F4E79"/>
+                </a:solidFill>
+                <a:latin typeface="Courier New" panose="02070309020205020404" pitchFamily="49" charset="0"/>
+                <a:ea typeface="DejaVu Sans"/>
+                <a:cs typeface="Courier New" panose="02070309020205020404" pitchFamily="49" charset="0"/>
+              </a:rPr>
+              <a:t>index.js</a:t>
+            </a:r>
+            <a:r>
+              <a:rPr lang="pt-BR" sz="3200" b="0" strike="noStrike" spc="-1" dirty="0">
+                <a:solidFill>
+                  <a:srgbClr val="1F4E79"/>
+                </a:solidFill>
+                <a:latin typeface="Arial"/>
+                <a:ea typeface="DejaVu Sans"/>
+              </a:rPr>
+              <a:t> com o seguinte script:</a:t>
+            </a:r>
+          </a:p>
+          <a:p>
+            <a:pPr>
+              <a:lnSpc>
+                <a:spcPct val="100000"/>
+              </a:lnSpc>
+              <a:spcBef>
+                <a:spcPts val="1001"/>
+              </a:spcBef>
+              <a:spcAft>
+                <a:spcPts val="1001"/>
+              </a:spcAft>
+              <a:tabLst>
+                <a:tab pos="0" algn="l"/>
+              </a:tabLst>
+            </a:pPr>
+            <a:r>
+              <a:rPr lang="pt-BR" sz="3200" spc="-1" dirty="0" err="1">
+                <a:solidFill>
+                  <a:srgbClr val="1F4E79"/>
+                </a:solidFill>
+                <a:latin typeface="Courier New" panose="02070309020205020404" pitchFamily="49" charset="0"/>
+                <a:cs typeface="Courier New" panose="02070309020205020404" pitchFamily="49" charset="0"/>
+              </a:rPr>
+              <a:t>import</a:t>
+            </a:r>
+            <a:r>
+              <a:rPr lang="pt-BR" sz="3200" spc="-1" dirty="0">
+                <a:solidFill>
+                  <a:srgbClr val="1F4E79"/>
+                </a:solidFill>
+                <a:latin typeface="Courier New" panose="02070309020205020404" pitchFamily="49" charset="0"/>
+                <a:cs typeface="Courier New" panose="02070309020205020404" pitchFamily="49" charset="0"/>
+              </a:rPr>
+              <a:t> { </a:t>
+            </a:r>
+            <a:r>
+              <a:rPr lang="pt-BR" sz="3200" spc="-1" dirty="0" err="1">
+                <a:solidFill>
+                  <a:srgbClr val="1F4E79"/>
+                </a:solidFill>
+                <a:latin typeface="Courier New" panose="02070309020205020404" pitchFamily="49" charset="0"/>
+                <a:cs typeface="Courier New" panose="02070309020205020404" pitchFamily="49" charset="0"/>
+              </a:rPr>
+              <a:t>Router</a:t>
+            </a:r>
+            <a:r>
+              <a:rPr lang="pt-BR" sz="3200" spc="-1" dirty="0">
+                <a:solidFill>
+                  <a:srgbClr val="1F4E79"/>
+                </a:solidFill>
+                <a:latin typeface="Courier New" panose="02070309020205020404" pitchFamily="49" charset="0"/>
+                <a:cs typeface="Courier New" panose="02070309020205020404" pitchFamily="49" charset="0"/>
+              </a:rPr>
+              <a:t> } </a:t>
+            </a:r>
+            <a:r>
+              <a:rPr lang="pt-BR" sz="3200" spc="-1" dirty="0" err="1">
+                <a:solidFill>
+                  <a:srgbClr val="1F4E79"/>
+                </a:solidFill>
+                <a:latin typeface="Courier New" panose="02070309020205020404" pitchFamily="49" charset="0"/>
+                <a:cs typeface="Courier New" panose="02070309020205020404" pitchFamily="49" charset="0"/>
+              </a:rPr>
+              <a:t>from</a:t>
+            </a:r>
+            <a:r>
+              <a:rPr lang="pt-BR" sz="3200" spc="-1" dirty="0">
+                <a:solidFill>
+                  <a:srgbClr val="1F4E79"/>
+                </a:solidFill>
+                <a:latin typeface="Courier New" panose="02070309020205020404" pitchFamily="49" charset="0"/>
+                <a:cs typeface="Courier New" panose="02070309020205020404" pitchFamily="49" charset="0"/>
+              </a:rPr>
+              <a:t> '</a:t>
+            </a:r>
+            <a:r>
+              <a:rPr lang="pt-BR" sz="3200" spc="-1" dirty="0" err="1">
+                <a:solidFill>
+                  <a:srgbClr val="1F4E79"/>
+                </a:solidFill>
+                <a:latin typeface="Courier New" panose="02070309020205020404" pitchFamily="49" charset="0"/>
+                <a:cs typeface="Courier New" panose="02070309020205020404" pitchFamily="49" charset="0"/>
+              </a:rPr>
+              <a:t>express</a:t>
+            </a:r>
+            <a:r>
+              <a:rPr lang="pt-BR" sz="3200" spc="-1" dirty="0">
+                <a:solidFill>
+                  <a:srgbClr val="1F4E79"/>
+                </a:solidFill>
+                <a:latin typeface="Courier New" panose="02070309020205020404" pitchFamily="49" charset="0"/>
+                <a:cs typeface="Courier New" panose="02070309020205020404" pitchFamily="49" charset="0"/>
+              </a:rPr>
+              <a:t>';</a:t>
+            </a:r>
+          </a:p>
+          <a:p>
+            <a:pPr>
+              <a:lnSpc>
+                <a:spcPct val="100000"/>
+              </a:lnSpc>
+              <a:spcBef>
+                <a:spcPts val="1001"/>
+              </a:spcBef>
+              <a:spcAft>
+                <a:spcPts val="1001"/>
+              </a:spcAft>
+              <a:tabLst>
+                <a:tab pos="0" algn="l"/>
+              </a:tabLst>
+            </a:pPr>
+            <a:r>
+              <a:rPr lang="pt-BR" sz="3200" spc="-1" dirty="0" err="1">
+                <a:solidFill>
+                  <a:srgbClr val="1F4E79"/>
+                </a:solidFill>
+                <a:latin typeface="Courier New" panose="02070309020205020404" pitchFamily="49" charset="0"/>
+                <a:cs typeface="Courier New" panose="02070309020205020404" pitchFamily="49" charset="0"/>
+              </a:rPr>
+              <a:t>import</a:t>
+            </a:r>
+            <a:r>
+              <a:rPr lang="pt-BR" sz="3200" spc="-1" dirty="0">
+                <a:solidFill>
+                  <a:srgbClr val="1F4E79"/>
+                </a:solidFill>
+                <a:latin typeface="Courier New" panose="02070309020205020404" pitchFamily="49" charset="0"/>
+                <a:cs typeface="Courier New" panose="02070309020205020404" pitchFamily="49" charset="0"/>
+              </a:rPr>
+              <a:t> </a:t>
+            </a:r>
+            <a:r>
+              <a:rPr lang="pt-BR" sz="3200" spc="-1" dirty="0" err="1">
+                <a:solidFill>
+                  <a:srgbClr val="1F4E79"/>
+                </a:solidFill>
+                <a:latin typeface="Courier New" panose="02070309020205020404" pitchFamily="49" charset="0"/>
+                <a:cs typeface="Courier New" panose="02070309020205020404" pitchFamily="49" charset="0"/>
+              </a:rPr>
+              <a:t>productsRouter</a:t>
+            </a:r>
+            <a:r>
+              <a:rPr lang="pt-BR" sz="3200" spc="-1" dirty="0">
+                <a:solidFill>
+                  <a:srgbClr val="1F4E79"/>
+                </a:solidFill>
+                <a:latin typeface="Courier New" panose="02070309020205020404" pitchFamily="49" charset="0"/>
+                <a:cs typeface="Courier New" panose="02070309020205020404" pitchFamily="49" charset="0"/>
+              </a:rPr>
+              <a:t> </a:t>
+            </a:r>
+            <a:r>
+              <a:rPr lang="pt-BR" sz="3200" spc="-1" dirty="0" err="1">
+                <a:solidFill>
+                  <a:srgbClr val="1F4E79"/>
+                </a:solidFill>
+                <a:latin typeface="Courier New" panose="02070309020205020404" pitchFamily="49" charset="0"/>
+                <a:cs typeface="Courier New" panose="02070309020205020404" pitchFamily="49" charset="0"/>
+              </a:rPr>
+              <a:t>from</a:t>
+            </a:r>
+            <a:r>
+              <a:rPr lang="pt-BR" sz="3200" spc="-1" dirty="0">
+                <a:solidFill>
+                  <a:srgbClr val="1F4E79"/>
+                </a:solidFill>
+                <a:latin typeface="Courier New" panose="02070309020205020404" pitchFamily="49" charset="0"/>
+                <a:cs typeface="Courier New" panose="02070309020205020404" pitchFamily="49" charset="0"/>
+              </a:rPr>
+              <a:t> ‘./</a:t>
+            </a:r>
+            <a:r>
+              <a:rPr lang="pt-BR" sz="3200" spc="-1" dirty="0" err="1">
+                <a:solidFill>
+                  <a:srgbClr val="1F4E79"/>
+                </a:solidFill>
+                <a:latin typeface="Courier New" panose="02070309020205020404" pitchFamily="49" charset="0"/>
+                <a:cs typeface="Courier New" panose="02070309020205020404" pitchFamily="49" charset="0"/>
+              </a:rPr>
+              <a:t>products.routes</a:t>
+            </a:r>
+            <a:r>
+              <a:rPr lang="pt-BR" sz="3200" spc="-1" dirty="0">
+                <a:solidFill>
+                  <a:srgbClr val="1F4E79"/>
+                </a:solidFill>
+                <a:latin typeface="Courier New" panose="02070309020205020404" pitchFamily="49" charset="0"/>
+                <a:cs typeface="Courier New" panose="02070309020205020404" pitchFamily="49" charset="0"/>
+              </a:rPr>
+              <a:t>’;</a:t>
+            </a:r>
+          </a:p>
+          <a:p>
+            <a:pPr>
+              <a:lnSpc>
+                <a:spcPct val="100000"/>
+              </a:lnSpc>
+              <a:spcBef>
+                <a:spcPts val="1001"/>
+              </a:spcBef>
+              <a:spcAft>
+                <a:spcPts val="1001"/>
+              </a:spcAft>
+              <a:tabLst>
+                <a:tab pos="0" algn="l"/>
+              </a:tabLst>
+            </a:pPr>
+            <a:r>
+              <a:rPr lang="pt-BR" sz="3200" spc="-1" dirty="0" err="1">
+                <a:solidFill>
+                  <a:srgbClr val="1F4E79"/>
+                </a:solidFill>
+                <a:latin typeface="Courier New" panose="02070309020205020404" pitchFamily="49" charset="0"/>
+                <a:cs typeface="Courier New" panose="02070309020205020404" pitchFamily="49" charset="0"/>
+              </a:rPr>
+              <a:t>import</a:t>
+            </a:r>
+            <a:r>
+              <a:rPr lang="pt-BR" sz="3200" spc="-1" dirty="0">
+                <a:solidFill>
+                  <a:srgbClr val="1F4E79"/>
+                </a:solidFill>
+                <a:latin typeface="Courier New" panose="02070309020205020404" pitchFamily="49" charset="0"/>
+                <a:cs typeface="Courier New" panose="02070309020205020404" pitchFamily="49" charset="0"/>
+              </a:rPr>
+              <a:t> </a:t>
+            </a:r>
+            <a:r>
+              <a:rPr lang="pt-BR" sz="3200" spc="-1" dirty="0" err="1">
+                <a:solidFill>
+                  <a:srgbClr val="1F4E79"/>
+                </a:solidFill>
+                <a:latin typeface="Courier New" panose="02070309020205020404" pitchFamily="49" charset="0"/>
+                <a:cs typeface="Courier New" panose="02070309020205020404" pitchFamily="49" charset="0"/>
+              </a:rPr>
+              <a:t>usersRouter</a:t>
+            </a:r>
+            <a:r>
+              <a:rPr lang="pt-BR" sz="3200" spc="-1" dirty="0">
+                <a:solidFill>
+                  <a:srgbClr val="1F4E79"/>
+                </a:solidFill>
+                <a:latin typeface="Courier New" panose="02070309020205020404" pitchFamily="49" charset="0"/>
+                <a:cs typeface="Courier New" panose="02070309020205020404" pitchFamily="49" charset="0"/>
+              </a:rPr>
+              <a:t> </a:t>
+            </a:r>
+            <a:r>
+              <a:rPr lang="pt-BR" sz="3200" spc="-1" dirty="0" err="1">
+                <a:solidFill>
+                  <a:srgbClr val="1F4E79"/>
+                </a:solidFill>
+                <a:latin typeface="Courier New" panose="02070309020205020404" pitchFamily="49" charset="0"/>
+                <a:cs typeface="Courier New" panose="02070309020205020404" pitchFamily="49" charset="0"/>
+              </a:rPr>
+              <a:t>from</a:t>
+            </a:r>
+            <a:r>
+              <a:rPr lang="pt-BR" sz="3200" spc="-1" dirty="0">
+                <a:solidFill>
+                  <a:srgbClr val="1F4E79"/>
+                </a:solidFill>
+                <a:latin typeface="Courier New" panose="02070309020205020404" pitchFamily="49" charset="0"/>
+                <a:cs typeface="Courier New" panose="02070309020205020404" pitchFamily="49" charset="0"/>
+              </a:rPr>
+              <a:t> ‘./</a:t>
+            </a:r>
+            <a:r>
+              <a:rPr lang="pt-BR" sz="3200" spc="-1" dirty="0" err="1">
+                <a:solidFill>
+                  <a:srgbClr val="1F4E79"/>
+                </a:solidFill>
+                <a:latin typeface="Courier New" panose="02070309020205020404" pitchFamily="49" charset="0"/>
+                <a:cs typeface="Courier New" panose="02070309020205020404" pitchFamily="49" charset="0"/>
+              </a:rPr>
+              <a:t>users.routes</a:t>
+            </a:r>
+            <a:r>
+              <a:rPr lang="pt-BR" sz="3200" spc="-1" dirty="0">
+                <a:solidFill>
+                  <a:srgbClr val="1F4E79"/>
+                </a:solidFill>
+                <a:latin typeface="Courier New" panose="02070309020205020404" pitchFamily="49" charset="0"/>
+                <a:cs typeface="Courier New" panose="02070309020205020404" pitchFamily="49" charset="0"/>
+              </a:rPr>
+              <a:t>';</a:t>
+            </a:r>
+          </a:p>
+          <a:p>
+            <a:pPr>
+              <a:lnSpc>
+                <a:spcPct val="100000"/>
+              </a:lnSpc>
+              <a:spcBef>
+                <a:spcPts val="1001"/>
+              </a:spcBef>
+              <a:spcAft>
+                <a:spcPts val="1001"/>
+              </a:spcAft>
+              <a:tabLst>
+                <a:tab pos="0" algn="l"/>
+              </a:tabLst>
+            </a:pPr>
+            <a:r>
+              <a:rPr lang="pt-BR" sz="3200" spc="-1" dirty="0" err="1">
+                <a:solidFill>
+                  <a:srgbClr val="1F4E79"/>
+                </a:solidFill>
+                <a:latin typeface="Courier New" panose="02070309020205020404" pitchFamily="49" charset="0"/>
+                <a:cs typeface="Courier New" panose="02070309020205020404" pitchFamily="49" charset="0"/>
+              </a:rPr>
+              <a:t>const</a:t>
+            </a:r>
+            <a:r>
+              <a:rPr lang="pt-BR" sz="3200" spc="-1" dirty="0">
+                <a:solidFill>
+                  <a:srgbClr val="1F4E79"/>
+                </a:solidFill>
+                <a:latin typeface="Courier New" panose="02070309020205020404" pitchFamily="49" charset="0"/>
+                <a:cs typeface="Courier New" panose="02070309020205020404" pitchFamily="49" charset="0"/>
+              </a:rPr>
+              <a:t> </a:t>
+            </a:r>
+            <a:r>
+              <a:rPr lang="pt-BR" sz="3200" spc="-1" dirty="0" err="1">
+                <a:solidFill>
+                  <a:srgbClr val="1F4E79"/>
+                </a:solidFill>
+                <a:latin typeface="Courier New" panose="02070309020205020404" pitchFamily="49" charset="0"/>
+                <a:cs typeface="Courier New" panose="02070309020205020404" pitchFamily="49" charset="0"/>
+              </a:rPr>
+              <a:t>routes</a:t>
+            </a:r>
+            <a:r>
+              <a:rPr lang="pt-BR" sz="3200" spc="-1" dirty="0">
+                <a:solidFill>
+                  <a:srgbClr val="1F4E79"/>
+                </a:solidFill>
+                <a:latin typeface="Courier New" panose="02070309020205020404" pitchFamily="49" charset="0"/>
+                <a:cs typeface="Courier New" panose="02070309020205020404" pitchFamily="49" charset="0"/>
+              </a:rPr>
+              <a:t> = </a:t>
+            </a:r>
+            <a:r>
+              <a:rPr lang="pt-BR" sz="3200" spc="-1" dirty="0" err="1">
+                <a:solidFill>
+                  <a:srgbClr val="1F4E79"/>
+                </a:solidFill>
+                <a:latin typeface="Courier New" panose="02070309020205020404" pitchFamily="49" charset="0"/>
+                <a:cs typeface="Courier New" panose="02070309020205020404" pitchFamily="49" charset="0"/>
+              </a:rPr>
+              <a:t>Router</a:t>
+            </a:r>
+            <a:r>
+              <a:rPr lang="pt-BR" sz="3200" spc="-1" dirty="0">
+                <a:solidFill>
+                  <a:srgbClr val="1F4E79"/>
+                </a:solidFill>
+                <a:latin typeface="Courier New" panose="02070309020205020404" pitchFamily="49" charset="0"/>
+                <a:cs typeface="Courier New" panose="02070309020205020404" pitchFamily="49" charset="0"/>
+              </a:rPr>
+              <a:t>();</a:t>
+            </a:r>
+          </a:p>
+          <a:p>
+            <a:pPr>
+              <a:lnSpc>
+                <a:spcPct val="100000"/>
+              </a:lnSpc>
+              <a:spcBef>
+                <a:spcPts val="1001"/>
+              </a:spcBef>
+              <a:spcAft>
+                <a:spcPts val="1001"/>
+              </a:spcAft>
+              <a:tabLst>
+                <a:tab pos="0" algn="l"/>
+              </a:tabLst>
+            </a:pPr>
+            <a:r>
+              <a:rPr lang="pt-BR" sz="3200" spc="-1" dirty="0" err="1">
+                <a:solidFill>
+                  <a:srgbClr val="1F4E79"/>
+                </a:solidFill>
+                <a:latin typeface="Courier New" panose="02070309020205020404" pitchFamily="49" charset="0"/>
+                <a:cs typeface="Courier New" panose="02070309020205020404" pitchFamily="49" charset="0"/>
+              </a:rPr>
+              <a:t>routes.use</a:t>
+            </a:r>
+            <a:r>
+              <a:rPr lang="pt-BR" sz="3200" spc="-1" dirty="0">
+                <a:solidFill>
+                  <a:srgbClr val="1F4E79"/>
+                </a:solidFill>
+                <a:latin typeface="Courier New" panose="02070309020205020404" pitchFamily="49" charset="0"/>
+                <a:cs typeface="Courier New" panose="02070309020205020404" pitchFamily="49" charset="0"/>
+              </a:rPr>
+              <a:t>(‘/</a:t>
+            </a:r>
+            <a:r>
+              <a:rPr lang="pt-BR" sz="3200" spc="-1" dirty="0" err="1">
+                <a:solidFill>
+                  <a:srgbClr val="1F4E79"/>
+                </a:solidFill>
+                <a:latin typeface="Courier New" panose="02070309020205020404" pitchFamily="49" charset="0"/>
+                <a:cs typeface="Courier New" panose="02070309020205020404" pitchFamily="49" charset="0"/>
+              </a:rPr>
+              <a:t>products</a:t>
+            </a:r>
+            <a:r>
+              <a:rPr lang="pt-BR" sz="3200" spc="-1" dirty="0">
+                <a:solidFill>
+                  <a:srgbClr val="1F4E79"/>
+                </a:solidFill>
+                <a:latin typeface="Courier New" panose="02070309020205020404" pitchFamily="49" charset="0"/>
+                <a:cs typeface="Courier New" panose="02070309020205020404" pitchFamily="49" charset="0"/>
+              </a:rPr>
+              <a:t>’, </a:t>
+            </a:r>
+            <a:r>
+              <a:rPr lang="pt-BR" sz="3200" spc="-1" dirty="0" err="1">
+                <a:solidFill>
+                  <a:srgbClr val="1F4E79"/>
+                </a:solidFill>
+                <a:latin typeface="Courier New" panose="02070309020205020404" pitchFamily="49" charset="0"/>
+                <a:cs typeface="Courier New" panose="02070309020205020404" pitchFamily="49" charset="0"/>
+              </a:rPr>
+              <a:t>productsRouter</a:t>
+            </a:r>
+            <a:r>
+              <a:rPr lang="pt-BR" sz="3200" spc="-1" dirty="0">
+                <a:solidFill>
+                  <a:srgbClr val="1F4E79"/>
+                </a:solidFill>
+                <a:latin typeface="Courier New" panose="02070309020205020404" pitchFamily="49" charset="0"/>
+                <a:cs typeface="Courier New" panose="02070309020205020404" pitchFamily="49" charset="0"/>
+              </a:rPr>
+              <a:t>);</a:t>
+            </a:r>
+          </a:p>
+          <a:p>
+            <a:pPr>
+              <a:lnSpc>
+                <a:spcPct val="100000"/>
+              </a:lnSpc>
+              <a:spcBef>
+                <a:spcPts val="1001"/>
+              </a:spcBef>
+              <a:spcAft>
+                <a:spcPts val="1001"/>
+              </a:spcAft>
+              <a:tabLst>
+                <a:tab pos="0" algn="l"/>
+              </a:tabLst>
+            </a:pPr>
+            <a:r>
+              <a:rPr lang="pt-BR" sz="3200" spc="-1" dirty="0" err="1">
+                <a:solidFill>
+                  <a:srgbClr val="1F4E79"/>
+                </a:solidFill>
+                <a:latin typeface="Courier New" panose="02070309020205020404" pitchFamily="49" charset="0"/>
+                <a:cs typeface="Courier New" panose="02070309020205020404" pitchFamily="49" charset="0"/>
+              </a:rPr>
+              <a:t>routes.use</a:t>
+            </a:r>
+            <a:r>
+              <a:rPr lang="pt-BR" sz="3200" spc="-1" dirty="0">
+                <a:solidFill>
+                  <a:srgbClr val="1F4E79"/>
+                </a:solidFill>
+                <a:latin typeface="Courier New" panose="02070309020205020404" pitchFamily="49" charset="0"/>
+                <a:cs typeface="Courier New" panose="02070309020205020404" pitchFamily="49" charset="0"/>
+              </a:rPr>
+              <a:t>(‘/</a:t>
+            </a:r>
+            <a:r>
+              <a:rPr lang="pt-BR" sz="3200" spc="-1" dirty="0" err="1">
+                <a:solidFill>
+                  <a:srgbClr val="1F4E79"/>
+                </a:solidFill>
+                <a:latin typeface="Courier New" panose="02070309020205020404" pitchFamily="49" charset="0"/>
+                <a:cs typeface="Courier New" panose="02070309020205020404" pitchFamily="49" charset="0"/>
+              </a:rPr>
+              <a:t>users</a:t>
+            </a:r>
+            <a:r>
+              <a:rPr lang="pt-BR" sz="3200" spc="-1" dirty="0">
+                <a:solidFill>
+                  <a:srgbClr val="1F4E79"/>
+                </a:solidFill>
+                <a:latin typeface="Courier New" panose="02070309020205020404" pitchFamily="49" charset="0"/>
+                <a:cs typeface="Courier New" panose="02070309020205020404" pitchFamily="49" charset="0"/>
+              </a:rPr>
+              <a:t>’, </a:t>
+            </a:r>
+            <a:r>
+              <a:rPr lang="pt-BR" sz="3200" spc="-1" dirty="0" err="1">
+                <a:solidFill>
+                  <a:srgbClr val="1F4E79"/>
+                </a:solidFill>
+                <a:latin typeface="Courier New" panose="02070309020205020404" pitchFamily="49" charset="0"/>
+                <a:cs typeface="Courier New" panose="02070309020205020404" pitchFamily="49" charset="0"/>
+              </a:rPr>
+              <a:t>productsRouter</a:t>
+            </a:r>
+            <a:r>
+              <a:rPr lang="pt-BR" sz="3200" spc="-1" dirty="0">
+                <a:solidFill>
+                  <a:srgbClr val="1F4E79"/>
+                </a:solidFill>
+                <a:latin typeface="Courier New" panose="02070309020205020404" pitchFamily="49" charset="0"/>
+                <a:cs typeface="Courier New" panose="02070309020205020404" pitchFamily="49" charset="0"/>
+              </a:rPr>
+              <a:t>);</a:t>
+            </a:r>
+          </a:p>
+          <a:p>
+            <a:pPr>
+              <a:lnSpc>
+                <a:spcPct val="100000"/>
+              </a:lnSpc>
+              <a:spcBef>
+                <a:spcPts val="1001"/>
+              </a:spcBef>
+              <a:spcAft>
+                <a:spcPts val="1001"/>
+              </a:spcAft>
+              <a:tabLst>
+                <a:tab pos="0" algn="l"/>
+              </a:tabLst>
+            </a:pPr>
+            <a:r>
+              <a:rPr lang="pt-BR" sz="3200" spc="-1" dirty="0" err="1">
+                <a:solidFill>
+                  <a:srgbClr val="1F4E79"/>
+                </a:solidFill>
+                <a:latin typeface="Courier New" panose="02070309020205020404" pitchFamily="49" charset="0"/>
+                <a:cs typeface="Courier New" panose="02070309020205020404" pitchFamily="49" charset="0"/>
+              </a:rPr>
+              <a:t>export</a:t>
+            </a:r>
+            <a:r>
+              <a:rPr lang="pt-BR" sz="3200" spc="-1" dirty="0">
+                <a:solidFill>
+                  <a:srgbClr val="1F4E79"/>
+                </a:solidFill>
+                <a:latin typeface="Courier New" panose="02070309020205020404" pitchFamily="49" charset="0"/>
+                <a:cs typeface="Courier New" panose="02070309020205020404" pitchFamily="49" charset="0"/>
+              </a:rPr>
+              <a:t> default </a:t>
+            </a:r>
+            <a:r>
+              <a:rPr lang="pt-BR" sz="3200" spc="-1" dirty="0" err="1">
+                <a:solidFill>
+                  <a:srgbClr val="1F4E79"/>
+                </a:solidFill>
+                <a:latin typeface="Courier New" panose="02070309020205020404" pitchFamily="49" charset="0"/>
+                <a:cs typeface="Courier New" panose="02070309020205020404" pitchFamily="49" charset="0"/>
+              </a:rPr>
+              <a:t>routes</a:t>
+            </a:r>
+            <a:r>
+              <a:rPr lang="pt-BR" sz="3200" spc="-1" dirty="0">
+                <a:solidFill>
+                  <a:srgbClr val="1F4E79"/>
+                </a:solidFill>
+                <a:latin typeface="Courier New" panose="02070309020205020404" pitchFamily="49" charset="0"/>
+                <a:cs typeface="Courier New" panose="02070309020205020404" pitchFamily="49" charset="0"/>
+              </a:rPr>
+              <a:t>;</a:t>
             </a:r>
             <a:endParaRPr lang="pt-BR" sz="3200" b="0" strike="noStrike" spc="-1" dirty="0">
-              <a:latin typeface="Arial"/>
+              <a:solidFill>
+                <a:srgbClr val="1F4E79"/>
+              </a:solidFill>
+              <a:latin typeface="Courier New" panose="02070309020205020404" pitchFamily="49" charset="0"/>
+              <a:ea typeface="DejaVu Sans"/>
+              <a:cs typeface="Courier New" panose="02070309020205020404" pitchFamily="49" charset="0"/>
             </a:endParaRPr>
           </a:p>
         </p:txBody>
@@ -29133,7 +30676,7 @@
     </p:spTree>
     <p:extLst>
       <p:ext uri="{BB962C8B-B14F-4D97-AF65-F5344CB8AC3E}">
-        <p14:creationId xmlns:p14="http://schemas.microsoft.com/office/powerpoint/2010/main" val="357674113"/>
+        <p14:creationId xmlns:p14="http://schemas.microsoft.com/office/powerpoint/2010/main" val="1647749216"/>
       </p:ext>
     </p:extLst>
   </p:cSld>
@@ -29203,16 +30746,16 @@
               </a:lnSpc>
             </a:pPr>
             <a:r>
-              <a:rPr lang="pt-BR" sz="5400" b="0" strike="noStrike" spc="-1">
+              <a:rPr lang="pt-BR" sz="5400" b="0" strike="noStrike" spc="-1" dirty="0">
                 <a:solidFill>
                   <a:srgbClr val="1F4E79"/>
                 </a:solidFill>
                 <a:latin typeface="Arial"/>
                 <a:ea typeface="DejaVu Sans"/>
               </a:rPr>
-              <a:t>ORM: Sequelize</a:t>
-            </a:r>
-            <a:endParaRPr lang="pt-BR" sz="5400" b="0" strike="noStrike" spc="-1">
+              <a:t>Organizando as rotas</a:t>
+            </a:r>
+            <a:endParaRPr lang="pt-BR" sz="5400" b="0" strike="noStrike" spc="-1" dirty="0">
               <a:latin typeface="Arial"/>
             </a:endParaRPr>
           </a:p>
@@ -29270,67 +30813,75 @@
               </a:tabLst>
             </a:pPr>
             <a:r>
-              <a:rPr lang="pt-BR" sz="3200" b="0" u="sng" strike="noStrike" spc="-1">
-                <a:solidFill>
-                  <a:srgbClr val="0563C1"/>
-                </a:solidFill>
-                <a:uFillTx/>
+              <a:rPr lang="pt-BR" sz="3200" b="0" strike="noStrike" spc="-1" dirty="0">
+                <a:solidFill>
+                  <a:srgbClr val="1F4E79"/>
+                </a:solidFill>
                 <a:latin typeface="Arial"/>
                 <a:ea typeface="DejaVu Sans"/>
-                <a:hlinkClick r:id="rId3"/>
-              </a:rPr>
-              <a:t>https://sequelize.org/master/manual/getting-started.html</a:t>
-            </a:r>
-            <a:endParaRPr lang="pt-BR" sz="3200" b="0" strike="noStrike" spc="-1">
-              <a:latin typeface="Arial"/>
-            </a:endParaRPr>
-          </a:p>
-          <a:p>
-            <a:pPr algn="ctr">
-              <a:lnSpc>
-                <a:spcPct val="100000"/>
-              </a:lnSpc>
-              <a:spcBef>
-                <a:spcPts val="1001"/>
-              </a:spcBef>
-              <a:spcAft>
-                <a:spcPts val="1001"/>
-              </a:spcAft>
-              <a:tabLst>
-                <a:tab pos="0" algn="l"/>
-              </a:tabLst>
-            </a:pPr>
-            <a:r>
-              <a:rPr lang="pt-BR" sz="3200" b="0" strike="noStrike" spc="-1">
+              </a:rPr>
+              <a:t>As rotas criadas no arquivo </a:t>
+            </a:r>
+            <a:r>
+              <a:rPr lang="pt-BR" sz="3200" b="0" strike="noStrike" spc="-1" dirty="0" err="1">
+                <a:solidFill>
+                  <a:srgbClr val="1F4E79"/>
+                </a:solidFill>
+                <a:latin typeface="Courier New" panose="02070309020205020404" pitchFamily="49" charset="0"/>
+                <a:ea typeface="DejaVu Sans"/>
+                <a:cs typeface="Courier New" panose="02070309020205020404" pitchFamily="49" charset="0"/>
+              </a:rPr>
+              <a:t>src</a:t>
+            </a:r>
+            <a:r>
+              <a:rPr lang="pt-BR" sz="3200" b="0" strike="noStrike" spc="-1" dirty="0">
+                <a:solidFill>
+                  <a:srgbClr val="1F4E79"/>
+                </a:solidFill>
+                <a:latin typeface="Courier New" panose="02070309020205020404" pitchFamily="49" charset="0"/>
+                <a:ea typeface="DejaVu Sans"/>
+                <a:cs typeface="Courier New" panose="02070309020205020404" pitchFamily="49" charset="0"/>
+              </a:rPr>
+              <a:t>/index.js</a:t>
+            </a:r>
+            <a:r>
+              <a:rPr lang="pt-BR" sz="3200" b="0" strike="noStrike" spc="-1" dirty="0">
                 <a:solidFill>
                   <a:srgbClr val="1F4E79"/>
                 </a:solidFill>
                 <a:latin typeface="Arial"/>
                 <a:ea typeface="DejaVu Sans"/>
               </a:rPr>
-              <a:t>https://levelup.gitconnected.com/creating-sequelize-associations-with-the-sequelize-cli-tool-d83caa902233</a:t>
-            </a:r>
-            <a:endParaRPr lang="pt-BR" sz="3200" b="0" strike="noStrike" spc="-1">
-              <a:latin typeface="Arial"/>
-            </a:endParaRPr>
-          </a:p>
-          <a:p>
-            <a:pPr algn="ctr">
-              <a:lnSpc>
-                <a:spcPct val="100000"/>
-              </a:lnSpc>
-              <a:spcBef>
-                <a:spcPts val="1001"/>
-              </a:spcBef>
-              <a:spcAft>
-                <a:spcPts val="1001"/>
-              </a:spcAft>
-              <a:tabLst>
-                <a:tab pos="0" algn="l"/>
-              </a:tabLst>
-            </a:pPr>
-            <a:endParaRPr lang="pt-BR" sz="3200" b="0" strike="noStrike" spc="-1">
-              <a:latin typeface="Arial"/>
+              <a:t> devem ser colocadas nos arquivos correspondentes, dentro do diretório </a:t>
+            </a:r>
+            <a:r>
+              <a:rPr lang="pt-BR" sz="3200" b="0" strike="noStrike" spc="-1" dirty="0" err="1">
+                <a:solidFill>
+                  <a:srgbClr val="1F4E79"/>
+                </a:solidFill>
+                <a:latin typeface="Courier New" panose="02070309020205020404" pitchFamily="49" charset="0"/>
+                <a:ea typeface="DejaVu Sans"/>
+                <a:cs typeface="Courier New" panose="02070309020205020404" pitchFamily="49" charset="0"/>
+              </a:rPr>
+              <a:t>routes</a:t>
+            </a:r>
+            <a:r>
+              <a:rPr lang="pt-BR" sz="3200" b="0" strike="noStrike" spc="-1" dirty="0">
+                <a:solidFill>
+                  <a:srgbClr val="1F4E79"/>
+                </a:solidFill>
+                <a:latin typeface="Arial"/>
+                <a:ea typeface="DejaVu Sans"/>
+              </a:rPr>
+              <a:t>.</a:t>
+            </a:r>
+            <a:endParaRPr lang="pt-BR" sz="3200" b="0" strike="noStrike" spc="-1" dirty="0">
+              <a:solidFill>
+                <a:srgbClr val="1F4E79"/>
+              </a:solidFill>
+              <a:latin typeface="Courier New" panose="02070309020205020404" pitchFamily="49" charset="0"/>
+              <a:ea typeface="DejaVu Sans"/>
+              <a:cs typeface="Courier New" panose="02070309020205020404" pitchFamily="49" charset="0"/>
             </a:endParaRPr>
           </a:p>
         </p:txBody>
@@ -29338,7 +30889,7 @@
     </p:spTree>
     <p:extLst>
       <p:ext uri="{BB962C8B-B14F-4D97-AF65-F5344CB8AC3E}">
-        <p14:creationId xmlns:p14="http://schemas.microsoft.com/office/powerpoint/2010/main" val="1151283575"/>
+        <p14:creationId xmlns:p14="http://schemas.microsoft.com/office/powerpoint/2010/main" val="1596415679"/>
       </p:ext>
     </p:extLst>
   </p:cSld>
@@ -29367,7 +30918,7 @@
       </p:grpSpPr>
       <p:sp>
         <p:nvSpPr>
-          <p:cNvPr id="173" name="CustomShape 1"/>
+          <p:cNvPr id="171" name="CustomShape 1"/>
           <p:cNvSpPr/>
           <p:nvPr/>
         </p:nvSpPr>
@@ -29408,16 +30959,16 @@
               </a:lnSpc>
             </a:pPr>
             <a:r>
-              <a:rPr lang="pt-BR" sz="5400" b="0" strike="noStrike" spc="-1">
+              <a:rPr lang="pt-BR" sz="5400" b="0" strike="noStrike" spc="-1" dirty="0">
                 <a:solidFill>
                   <a:srgbClr val="1F4E79"/>
                 </a:solidFill>
                 <a:latin typeface="Arial"/>
                 <a:ea typeface="DejaVu Sans"/>
               </a:rPr>
-              <a:t>Middleware</a:t>
-            </a:r>
-            <a:endParaRPr lang="pt-BR" sz="5400" b="0" strike="noStrike" spc="-1">
+              <a:t>Organizando as rotas</a:t>
+            </a:r>
+            <a:endParaRPr lang="pt-BR" sz="5400" b="0" strike="noStrike" spc="-1" dirty="0">
               <a:latin typeface="Arial"/>
             </a:endParaRPr>
           </a:p>
@@ -29425,7 +30976,7 @@
       </p:sp>
       <p:sp>
         <p:nvSpPr>
-          <p:cNvPr id="174" name="CustomShape 2"/>
+          <p:cNvPr id="172" name="CustomShape 2"/>
           <p:cNvSpPr/>
           <p:nvPr/>
         </p:nvSpPr>
@@ -29456,7 +31007,7 @@
         </p:style>
         <p:txBody>
           <a:bodyPr lIns="90000" tIns="45000" rIns="90000" bIns="45000">
-            <a:normAutofit/>
+            <a:normAutofit fontScale="85000" lnSpcReduction="20000"/>
           </a:bodyPr>
           <a:lstStyle/>
           <a:p>
@@ -29475,21 +31026,50 @@
               </a:tabLst>
             </a:pPr>
             <a:r>
-              <a:rPr lang="pt-BR" sz="3200" b="0" strike="noStrike" spc="-1">
+              <a:rPr lang="pt-BR" sz="3200" b="0" strike="noStrike" spc="-1" dirty="0">
                 <a:solidFill>
                   <a:srgbClr val="1F4E79"/>
                 </a:solidFill>
                 <a:latin typeface="Arial"/>
                 <a:ea typeface="DejaVu Sans"/>
               </a:rPr>
-              <a:t>São scripts que podem ser executados entre a comunicação de outros 2 serviços distintos.</a:t>
-            </a:r>
-            <a:endParaRPr lang="pt-BR" sz="3200" b="0" strike="noStrike" spc="-1">
-              <a:latin typeface="Arial"/>
-            </a:endParaRPr>
-          </a:p>
-          <a:p>
-            <a:pPr algn="ctr">
+              <a:t>O arquivo </a:t>
+            </a:r>
+            <a:r>
+              <a:rPr lang="pt-BR" sz="3200" b="0" strike="noStrike" spc="-1" dirty="0" err="1">
+                <a:solidFill>
+                  <a:srgbClr val="1F4E79"/>
+                </a:solidFill>
+                <a:latin typeface="Courier New" panose="02070309020205020404" pitchFamily="49" charset="0"/>
+                <a:ea typeface="DejaVu Sans"/>
+                <a:cs typeface="Courier New" panose="02070309020205020404" pitchFamily="49" charset="0"/>
+              </a:rPr>
+              <a:t>src</a:t>
+            </a:r>
+            <a:r>
+              <a:rPr lang="pt-BR" sz="3200" b="0" strike="noStrike" spc="-1" dirty="0">
+                <a:solidFill>
+                  <a:srgbClr val="1F4E79"/>
+                </a:solidFill>
+                <a:latin typeface="Courier New" panose="02070309020205020404" pitchFamily="49" charset="0"/>
+                <a:ea typeface="DejaVu Sans"/>
+                <a:cs typeface="Courier New" panose="02070309020205020404" pitchFamily="49" charset="0"/>
+              </a:rPr>
+              <a:t>/server.js</a:t>
+            </a:r>
+            <a:r>
+              <a:rPr lang="pt-BR" sz="3200" b="0" strike="noStrike" spc="-1" dirty="0">
+                <a:solidFill>
+                  <a:srgbClr val="1F4E79"/>
+                </a:solidFill>
+                <a:latin typeface="Arial"/>
+                <a:ea typeface="DejaVu Sans"/>
+              </a:rPr>
+              <a:t> ficará conforme abaixo:</a:t>
+            </a:r>
+          </a:p>
+          <a:p>
+            <a:pPr>
               <a:lnSpc>
                 <a:spcPct val="100000"/>
               </a:lnSpc>
@@ -29504,22 +31084,462 @@
               </a:tabLst>
             </a:pPr>
             <a:r>
-              <a:rPr lang="pt-BR" sz="3200" b="0" strike="noStrike" spc="-1">
-                <a:solidFill>
-                  <a:srgbClr val="1F4E79"/>
-                </a:solidFill>
-                <a:latin typeface="Arial"/>
-                <a:ea typeface="DejaVu Sans"/>
-              </a:rPr>
-              <a:t>Ele pode verificar e/ou manipular os dados antes da tarefa em execução prosseguir, ou mudar o fluxo da tarefa.</a:t>
-            </a:r>
-            <a:endParaRPr lang="pt-BR" sz="3200" b="0" strike="noStrike" spc="-1">
-              <a:latin typeface="Arial"/>
+              <a:rPr lang="pt-BR" sz="3200" spc="-1" dirty="0" err="1">
+                <a:solidFill>
+                  <a:srgbClr val="1F4E79"/>
+                </a:solidFill>
+                <a:latin typeface="Courier New" panose="02070309020205020404" pitchFamily="49" charset="0"/>
+                <a:cs typeface="Courier New" panose="02070309020205020404" pitchFamily="49" charset="0"/>
+              </a:rPr>
+              <a:t>import</a:t>
+            </a:r>
+            <a:r>
+              <a:rPr lang="pt-BR" sz="3200" spc="-1" dirty="0">
+                <a:solidFill>
+                  <a:srgbClr val="1F4E79"/>
+                </a:solidFill>
+                <a:latin typeface="Courier New" panose="02070309020205020404" pitchFamily="49" charset="0"/>
+                <a:cs typeface="Courier New" panose="02070309020205020404" pitchFamily="49" charset="0"/>
+              </a:rPr>
+              <a:t> </a:t>
+            </a:r>
+            <a:r>
+              <a:rPr lang="pt-BR" sz="3200" spc="-1" dirty="0" err="1">
+                <a:solidFill>
+                  <a:srgbClr val="1F4E79"/>
+                </a:solidFill>
+                <a:latin typeface="Courier New" panose="02070309020205020404" pitchFamily="49" charset="0"/>
+                <a:cs typeface="Courier New" panose="02070309020205020404" pitchFamily="49" charset="0"/>
+              </a:rPr>
+              <a:t>express</a:t>
+            </a:r>
+            <a:r>
+              <a:rPr lang="pt-BR" sz="3200" spc="-1" dirty="0">
+                <a:solidFill>
+                  <a:srgbClr val="1F4E79"/>
+                </a:solidFill>
+                <a:latin typeface="Courier New" panose="02070309020205020404" pitchFamily="49" charset="0"/>
+                <a:cs typeface="Courier New" panose="02070309020205020404" pitchFamily="49" charset="0"/>
+              </a:rPr>
+              <a:t> </a:t>
+            </a:r>
+            <a:r>
+              <a:rPr lang="pt-BR" sz="3200" spc="-1" dirty="0" err="1">
+                <a:solidFill>
+                  <a:srgbClr val="1F4E79"/>
+                </a:solidFill>
+                <a:latin typeface="Courier New" panose="02070309020205020404" pitchFamily="49" charset="0"/>
+                <a:cs typeface="Courier New" panose="02070309020205020404" pitchFamily="49" charset="0"/>
+              </a:rPr>
+              <a:t>from</a:t>
+            </a:r>
+            <a:r>
+              <a:rPr lang="pt-BR" sz="3200" spc="-1" dirty="0">
+                <a:solidFill>
+                  <a:srgbClr val="1F4E79"/>
+                </a:solidFill>
+                <a:latin typeface="Courier New" panose="02070309020205020404" pitchFamily="49" charset="0"/>
+                <a:cs typeface="Courier New" panose="02070309020205020404" pitchFamily="49" charset="0"/>
+              </a:rPr>
+              <a:t> '</a:t>
+            </a:r>
+            <a:r>
+              <a:rPr lang="pt-BR" sz="3200" spc="-1" dirty="0" err="1">
+                <a:solidFill>
+                  <a:srgbClr val="1F4E79"/>
+                </a:solidFill>
+                <a:latin typeface="Courier New" panose="02070309020205020404" pitchFamily="49" charset="0"/>
+                <a:cs typeface="Courier New" panose="02070309020205020404" pitchFamily="49" charset="0"/>
+              </a:rPr>
+              <a:t>express</a:t>
+            </a:r>
+            <a:r>
+              <a:rPr lang="pt-BR" sz="3200" spc="-1" dirty="0">
+                <a:solidFill>
+                  <a:srgbClr val="1F4E79"/>
+                </a:solidFill>
+                <a:latin typeface="Courier New" panose="02070309020205020404" pitchFamily="49" charset="0"/>
+                <a:cs typeface="Courier New" panose="02070309020205020404" pitchFamily="49" charset="0"/>
+              </a:rPr>
+              <a:t>';</a:t>
+            </a:r>
+          </a:p>
+          <a:p>
+            <a:pPr>
+              <a:lnSpc>
+                <a:spcPct val="100000"/>
+              </a:lnSpc>
+              <a:spcBef>
+                <a:spcPts val="1001"/>
+              </a:spcBef>
+              <a:spcAft>
+                <a:spcPts val="1001"/>
+              </a:spcAft>
+              <a:tabLst>
+                <a:tab pos="0" algn="l"/>
+              </a:tabLst>
+            </a:pPr>
+            <a:r>
+              <a:rPr lang="pt-BR" sz="3200" spc="-1" dirty="0" err="1">
+                <a:solidFill>
+                  <a:srgbClr val="1F4E79"/>
+                </a:solidFill>
+                <a:latin typeface="Courier New" panose="02070309020205020404" pitchFamily="49" charset="0"/>
+                <a:cs typeface="Courier New" panose="02070309020205020404" pitchFamily="49" charset="0"/>
+              </a:rPr>
+              <a:t>import</a:t>
+            </a:r>
+            <a:r>
+              <a:rPr lang="pt-BR" sz="3200" spc="-1" dirty="0">
+                <a:solidFill>
+                  <a:srgbClr val="1F4E79"/>
+                </a:solidFill>
+                <a:latin typeface="Courier New" panose="02070309020205020404" pitchFamily="49" charset="0"/>
+                <a:cs typeface="Courier New" panose="02070309020205020404" pitchFamily="49" charset="0"/>
+              </a:rPr>
+              <a:t> </a:t>
+            </a:r>
+            <a:r>
+              <a:rPr lang="pt-BR" sz="3200" spc="-1" dirty="0" err="1">
+                <a:solidFill>
+                  <a:srgbClr val="1F4E79"/>
+                </a:solidFill>
+                <a:latin typeface="Courier New" panose="02070309020205020404" pitchFamily="49" charset="0"/>
+                <a:cs typeface="Courier New" panose="02070309020205020404" pitchFamily="49" charset="0"/>
+              </a:rPr>
+              <a:t>routes</a:t>
+            </a:r>
+            <a:r>
+              <a:rPr lang="pt-BR" sz="3200" spc="-1" dirty="0">
+                <a:solidFill>
+                  <a:srgbClr val="1F4E79"/>
+                </a:solidFill>
+                <a:latin typeface="Courier New" panose="02070309020205020404" pitchFamily="49" charset="0"/>
+                <a:cs typeface="Courier New" panose="02070309020205020404" pitchFamily="49" charset="0"/>
+              </a:rPr>
+              <a:t> </a:t>
+            </a:r>
+            <a:r>
+              <a:rPr lang="pt-BR" sz="3200" spc="-1" dirty="0" err="1">
+                <a:solidFill>
+                  <a:srgbClr val="1F4E79"/>
+                </a:solidFill>
+                <a:latin typeface="Courier New" panose="02070309020205020404" pitchFamily="49" charset="0"/>
+                <a:cs typeface="Courier New" panose="02070309020205020404" pitchFamily="49" charset="0"/>
+              </a:rPr>
+              <a:t>from</a:t>
+            </a:r>
+            <a:r>
+              <a:rPr lang="pt-BR" sz="3200" spc="-1" dirty="0">
+                <a:solidFill>
+                  <a:srgbClr val="1F4E79"/>
+                </a:solidFill>
+                <a:latin typeface="Courier New" panose="02070309020205020404" pitchFamily="49" charset="0"/>
+                <a:cs typeface="Courier New" panose="02070309020205020404" pitchFamily="49" charset="0"/>
+              </a:rPr>
+              <a:t> './</a:t>
+            </a:r>
+            <a:r>
+              <a:rPr lang="pt-BR" sz="3200" spc="-1" dirty="0" err="1">
+                <a:solidFill>
+                  <a:srgbClr val="1F4E79"/>
+                </a:solidFill>
+                <a:latin typeface="Courier New" panose="02070309020205020404" pitchFamily="49" charset="0"/>
+                <a:cs typeface="Courier New" panose="02070309020205020404" pitchFamily="49" charset="0"/>
+              </a:rPr>
+              <a:t>routes</a:t>
+            </a:r>
+            <a:r>
+              <a:rPr lang="pt-BR" sz="3200" spc="-1" dirty="0">
+                <a:solidFill>
+                  <a:srgbClr val="1F4E79"/>
+                </a:solidFill>
+                <a:latin typeface="Courier New" panose="02070309020205020404" pitchFamily="49" charset="0"/>
+                <a:cs typeface="Courier New" panose="02070309020205020404" pitchFamily="49" charset="0"/>
+              </a:rPr>
+              <a:t>';</a:t>
+            </a:r>
+          </a:p>
+          <a:p>
+            <a:pPr>
+              <a:lnSpc>
+                <a:spcPct val="100000"/>
+              </a:lnSpc>
+              <a:spcBef>
+                <a:spcPts val="1001"/>
+              </a:spcBef>
+              <a:spcAft>
+                <a:spcPts val="1001"/>
+              </a:spcAft>
+              <a:tabLst>
+                <a:tab pos="0" algn="l"/>
+              </a:tabLst>
+            </a:pPr>
+            <a:r>
+              <a:rPr lang="pt-BR" sz="3200" spc="-1" dirty="0" err="1">
+                <a:solidFill>
+                  <a:srgbClr val="1F4E79"/>
+                </a:solidFill>
+                <a:latin typeface="Courier New" panose="02070309020205020404" pitchFamily="49" charset="0"/>
+                <a:cs typeface="Courier New" panose="02070309020205020404" pitchFamily="49" charset="0"/>
+              </a:rPr>
+              <a:t>const</a:t>
+            </a:r>
+            <a:r>
+              <a:rPr lang="pt-BR" sz="3200" spc="-1" dirty="0">
+                <a:solidFill>
+                  <a:srgbClr val="1F4E79"/>
+                </a:solidFill>
+                <a:latin typeface="Courier New" panose="02070309020205020404" pitchFamily="49" charset="0"/>
+                <a:cs typeface="Courier New" panose="02070309020205020404" pitchFamily="49" charset="0"/>
+              </a:rPr>
+              <a:t> app = </a:t>
+            </a:r>
+            <a:r>
+              <a:rPr lang="pt-BR" sz="3200" spc="-1" dirty="0" err="1">
+                <a:solidFill>
+                  <a:srgbClr val="1F4E79"/>
+                </a:solidFill>
+                <a:latin typeface="Courier New" panose="02070309020205020404" pitchFamily="49" charset="0"/>
+                <a:cs typeface="Courier New" panose="02070309020205020404" pitchFamily="49" charset="0"/>
+              </a:rPr>
+              <a:t>express</a:t>
+            </a:r>
+            <a:r>
+              <a:rPr lang="pt-BR" sz="3200" spc="-1" dirty="0">
+                <a:solidFill>
+                  <a:srgbClr val="1F4E79"/>
+                </a:solidFill>
+                <a:latin typeface="Courier New" panose="02070309020205020404" pitchFamily="49" charset="0"/>
+                <a:cs typeface="Courier New" panose="02070309020205020404" pitchFamily="49" charset="0"/>
+              </a:rPr>
+              <a:t>();</a:t>
+            </a:r>
+          </a:p>
+          <a:p>
+            <a:pPr>
+              <a:lnSpc>
+                <a:spcPct val="100000"/>
+              </a:lnSpc>
+              <a:spcBef>
+                <a:spcPts val="1001"/>
+              </a:spcBef>
+              <a:spcAft>
+                <a:spcPts val="1001"/>
+              </a:spcAft>
+              <a:tabLst>
+                <a:tab pos="0" algn="l"/>
+              </a:tabLst>
+            </a:pPr>
+            <a:r>
+              <a:rPr lang="pt-BR" sz="3200" spc="-1" dirty="0" err="1">
+                <a:solidFill>
+                  <a:srgbClr val="1F4E79"/>
+                </a:solidFill>
+                <a:latin typeface="Courier New" panose="02070309020205020404" pitchFamily="49" charset="0"/>
+                <a:cs typeface="Courier New" panose="02070309020205020404" pitchFamily="49" charset="0"/>
+              </a:rPr>
+              <a:t>app.use</a:t>
+            </a:r>
+            <a:r>
+              <a:rPr lang="pt-BR" sz="3200" spc="-1" dirty="0">
+                <a:solidFill>
+                  <a:srgbClr val="1F4E79"/>
+                </a:solidFill>
+                <a:latin typeface="Courier New" panose="02070309020205020404" pitchFamily="49" charset="0"/>
+                <a:cs typeface="Courier New" panose="02070309020205020404" pitchFamily="49" charset="0"/>
+              </a:rPr>
+              <a:t>(</a:t>
+            </a:r>
+            <a:r>
+              <a:rPr lang="pt-BR" sz="3200" spc="-1" dirty="0" err="1">
+                <a:solidFill>
+                  <a:srgbClr val="1F4E79"/>
+                </a:solidFill>
+                <a:latin typeface="Courier New" panose="02070309020205020404" pitchFamily="49" charset="0"/>
+                <a:cs typeface="Courier New" panose="02070309020205020404" pitchFamily="49" charset="0"/>
+              </a:rPr>
+              <a:t>express.json</a:t>
+            </a:r>
+            <a:r>
+              <a:rPr lang="pt-BR" sz="3200" spc="-1" dirty="0">
+                <a:solidFill>
+                  <a:srgbClr val="1F4E79"/>
+                </a:solidFill>
+                <a:latin typeface="Courier New" panose="02070309020205020404" pitchFamily="49" charset="0"/>
+                <a:cs typeface="Courier New" panose="02070309020205020404" pitchFamily="49" charset="0"/>
+              </a:rPr>
+              <a:t>());</a:t>
+            </a:r>
+          </a:p>
+          <a:p>
+            <a:pPr>
+              <a:lnSpc>
+                <a:spcPct val="100000"/>
+              </a:lnSpc>
+              <a:spcBef>
+                <a:spcPts val="1001"/>
+              </a:spcBef>
+              <a:spcAft>
+                <a:spcPts val="1001"/>
+              </a:spcAft>
+              <a:tabLst>
+                <a:tab pos="0" algn="l"/>
+              </a:tabLst>
+            </a:pPr>
+            <a:r>
+              <a:rPr lang="pt-BR" sz="3200" spc="-1" dirty="0" err="1">
+                <a:solidFill>
+                  <a:srgbClr val="1F4E79"/>
+                </a:solidFill>
+                <a:latin typeface="Courier New" panose="02070309020205020404" pitchFamily="49" charset="0"/>
+                <a:cs typeface="Courier New" panose="02070309020205020404" pitchFamily="49" charset="0"/>
+              </a:rPr>
+              <a:t>app.use</a:t>
+            </a:r>
+            <a:r>
+              <a:rPr lang="pt-BR" sz="3200" spc="-1" dirty="0">
+                <a:solidFill>
+                  <a:srgbClr val="1F4E79"/>
+                </a:solidFill>
+                <a:latin typeface="Courier New" panose="02070309020205020404" pitchFamily="49" charset="0"/>
+                <a:cs typeface="Courier New" panose="02070309020205020404" pitchFamily="49" charset="0"/>
+              </a:rPr>
+              <a:t>(</a:t>
+            </a:r>
+            <a:r>
+              <a:rPr lang="pt-BR" sz="3200" spc="-1" dirty="0" err="1">
+                <a:solidFill>
+                  <a:srgbClr val="1F4E79"/>
+                </a:solidFill>
+                <a:latin typeface="Courier New" panose="02070309020205020404" pitchFamily="49" charset="0"/>
+                <a:cs typeface="Courier New" panose="02070309020205020404" pitchFamily="49" charset="0"/>
+              </a:rPr>
+              <a:t>routes</a:t>
+            </a:r>
+            <a:r>
+              <a:rPr lang="pt-BR" sz="3200" spc="-1" dirty="0">
+                <a:solidFill>
+                  <a:srgbClr val="1F4E79"/>
+                </a:solidFill>
+                <a:latin typeface="Courier New" panose="02070309020205020404" pitchFamily="49" charset="0"/>
+                <a:cs typeface="Courier New" panose="02070309020205020404" pitchFamily="49" charset="0"/>
+              </a:rPr>
+              <a:t>);</a:t>
+            </a:r>
+          </a:p>
+          <a:p>
+            <a:pPr>
+              <a:lnSpc>
+                <a:spcPct val="100000"/>
+              </a:lnSpc>
+              <a:spcBef>
+                <a:spcPts val="1001"/>
+              </a:spcBef>
+              <a:spcAft>
+                <a:spcPts val="1001"/>
+              </a:spcAft>
+              <a:tabLst>
+                <a:tab pos="0" algn="l"/>
+              </a:tabLst>
+            </a:pPr>
+            <a:r>
+              <a:rPr lang="pt-BR" sz="3200" spc="-1" dirty="0" err="1">
+                <a:solidFill>
+                  <a:srgbClr val="1F4E79"/>
+                </a:solidFill>
+                <a:latin typeface="Courier New" panose="02070309020205020404" pitchFamily="49" charset="0"/>
+                <a:cs typeface="Courier New" panose="02070309020205020404" pitchFamily="49" charset="0"/>
+              </a:rPr>
+              <a:t>app.listen</a:t>
+            </a:r>
+            <a:r>
+              <a:rPr lang="pt-BR" sz="3200" spc="-1" dirty="0">
+                <a:solidFill>
+                  <a:srgbClr val="1F4E79"/>
+                </a:solidFill>
+                <a:latin typeface="Courier New" panose="02070309020205020404" pitchFamily="49" charset="0"/>
+                <a:cs typeface="Courier New" panose="02070309020205020404" pitchFamily="49" charset="0"/>
+              </a:rPr>
+              <a:t>(3333,() =&gt; { console.log('Server </a:t>
+            </a:r>
+            <a:r>
+              <a:rPr lang="pt-BR" sz="3200" spc="-1" dirty="0" err="1">
+                <a:solidFill>
+                  <a:srgbClr val="1F4E79"/>
+                </a:solidFill>
+                <a:latin typeface="Courier New" panose="02070309020205020404" pitchFamily="49" charset="0"/>
+                <a:cs typeface="Courier New" panose="02070309020205020404" pitchFamily="49" charset="0"/>
+              </a:rPr>
+              <a:t>started</a:t>
+            </a:r>
+            <a:r>
+              <a:rPr lang="pt-BR" sz="3200" spc="-1" dirty="0">
+                <a:solidFill>
+                  <a:srgbClr val="1F4E79"/>
+                </a:solidFill>
+                <a:latin typeface="Courier New" panose="02070309020205020404" pitchFamily="49" charset="0"/>
+                <a:cs typeface="Courier New" panose="02070309020205020404" pitchFamily="49" charset="0"/>
+              </a:rPr>
+              <a:t> </a:t>
+            </a:r>
+            <a:r>
+              <a:rPr lang="pt-BR" sz="3200" spc="-1" dirty="0" err="1">
+                <a:solidFill>
+                  <a:srgbClr val="1F4E79"/>
+                </a:solidFill>
+                <a:latin typeface="Courier New" panose="02070309020205020404" pitchFamily="49" charset="0"/>
+                <a:cs typeface="Courier New" panose="02070309020205020404" pitchFamily="49" charset="0"/>
+              </a:rPr>
+              <a:t>on</a:t>
+            </a:r>
+            <a:r>
+              <a:rPr lang="pt-BR" sz="3200" spc="-1" dirty="0">
+                <a:solidFill>
+                  <a:srgbClr val="1F4E79"/>
+                </a:solidFill>
+                <a:latin typeface="Courier New" panose="02070309020205020404" pitchFamily="49" charset="0"/>
+                <a:cs typeface="Courier New" panose="02070309020205020404" pitchFamily="49" charset="0"/>
+              </a:rPr>
+              <a:t> </a:t>
+            </a:r>
+            <a:r>
+              <a:rPr lang="pt-BR" sz="3200" spc="-1" dirty="0" err="1">
+                <a:solidFill>
+                  <a:srgbClr val="1F4E79"/>
+                </a:solidFill>
+                <a:latin typeface="Courier New" panose="02070309020205020404" pitchFamily="49" charset="0"/>
+                <a:cs typeface="Courier New" panose="02070309020205020404" pitchFamily="49" charset="0"/>
+              </a:rPr>
+              <a:t>port</a:t>
+            </a:r>
+            <a:r>
+              <a:rPr lang="pt-BR" sz="3200" spc="-1" dirty="0">
+                <a:solidFill>
+                  <a:srgbClr val="1F4E79"/>
+                </a:solidFill>
+                <a:latin typeface="Courier New" panose="02070309020205020404" pitchFamily="49" charset="0"/>
+                <a:cs typeface="Courier New" panose="02070309020205020404" pitchFamily="49" charset="0"/>
+              </a:rPr>
+              <a:t> 3333!’); });</a:t>
+            </a:r>
+            <a:endParaRPr lang="pt-BR" sz="3200" b="0" strike="noStrike" spc="-1" dirty="0">
+              <a:solidFill>
+                <a:srgbClr val="1F4E79"/>
+              </a:solidFill>
+              <a:latin typeface="Courier New" panose="02070309020205020404" pitchFamily="49" charset="0"/>
+              <a:ea typeface="DejaVu Sans"/>
+              <a:cs typeface="Courier New" panose="02070309020205020404" pitchFamily="49" charset="0"/>
             </a:endParaRPr>
           </a:p>
         </p:txBody>
       </p:sp>
     </p:spTree>
+    <p:extLst>
+      <p:ext uri="{BB962C8B-B14F-4D97-AF65-F5344CB8AC3E}">
+        <p14:creationId xmlns:p14="http://schemas.microsoft.com/office/powerpoint/2010/main" val="2055744896"/>
+      </p:ext>
+    </p:extLst>
   </p:cSld>
   <p:clrMapOvr>
     <a:masterClrMapping/>
@@ -29546,7 +31566,7 @@
       </p:grpSpPr>
       <p:sp>
         <p:nvSpPr>
-          <p:cNvPr id="175" name="CustomShape 1"/>
+          <p:cNvPr id="171" name="CustomShape 1"/>
           <p:cNvSpPr/>
           <p:nvPr/>
         </p:nvSpPr>
@@ -29587,16 +31607,16 @@
               </a:lnSpc>
             </a:pPr>
             <a:r>
-              <a:rPr lang="pt-BR" sz="5400" b="0" strike="noStrike" spc="-1">
+              <a:rPr lang="pt-BR" sz="5400" b="0" strike="noStrike" spc="-1" dirty="0">
                 <a:solidFill>
                   <a:srgbClr val="1F4E79"/>
                 </a:solidFill>
                 <a:latin typeface="Arial"/>
                 <a:ea typeface="DejaVu Sans"/>
               </a:rPr>
-              <a:t>Referências</a:t>
-            </a:r>
-            <a:endParaRPr lang="pt-BR" sz="5400" b="0" strike="noStrike" spc="-1">
+              <a:t>Validando credenciais</a:t>
+            </a:r>
+            <a:endParaRPr lang="pt-BR" sz="5400" b="0" strike="noStrike" spc="-1" dirty="0">
               <a:latin typeface="Arial"/>
             </a:endParaRPr>
           </a:p>
@@ -29604,7 +31624,7 @@
       </p:sp>
       <p:sp>
         <p:nvSpPr>
-          <p:cNvPr id="176" name="CustomShape 2"/>
+          <p:cNvPr id="172" name="CustomShape 2"/>
           <p:cNvSpPr/>
           <p:nvPr/>
         </p:nvSpPr>
@@ -29635,11 +31655,11 @@
         </p:style>
         <p:txBody>
           <a:bodyPr lIns="90000" tIns="45000" rIns="90000" bIns="45000">
-            <a:normAutofit fontScale="89000" lnSpcReduction="10000"/>
+            <a:normAutofit/>
           </a:bodyPr>
           <a:lstStyle/>
           <a:p>
-            <a:pPr marL="514440" indent="-510480">
+            <a:pPr algn="ctr">
               <a:lnSpc>
                 <a:spcPct val="100000"/>
               </a:lnSpc>
@@ -29649,353 +31669,57 @@
               <a:spcAft>
                 <a:spcPts val="1001"/>
               </a:spcAft>
-              <a:buClr>
-                <a:srgbClr val="1F4E79"/>
-              </a:buClr>
-              <a:buFont typeface="Calibri Light"/>
-              <a:buAutoNum type="arabicPeriod"/>
-            </a:pPr>
-            <a:r>
-              <a:rPr lang="pt-BR" sz="3200" b="0" strike="noStrike" spc="-1">
+              <a:tabLst>
+                <a:tab pos="0" algn="l"/>
+              </a:tabLst>
+            </a:pPr>
+            <a:r>
+              <a:rPr lang="pt-BR" sz="3200" b="0" strike="noStrike" spc="-1" dirty="0">
                 <a:solidFill>
                   <a:srgbClr val="1F4E79"/>
                 </a:solidFill>
                 <a:latin typeface="Arial"/>
                 <a:ea typeface="DejaVu Sans"/>
               </a:rPr>
-              <a:t>Node.js. </a:t>
-            </a:r>
-            <a:r>
-              <a:rPr lang="pt-BR" sz="3200" b="1" strike="noStrike" spc="-1">
-                <a:solidFill>
-                  <a:srgbClr val="1F4E79"/>
-                </a:solidFill>
-                <a:latin typeface="Arial"/>
-                <a:ea typeface="DejaVu Sans"/>
-              </a:rPr>
-              <a:t>About</a:t>
-            </a:r>
-            <a:r>
-              <a:rPr lang="pt-BR" sz="3200" b="0" strike="noStrike" spc="-1">
-                <a:solidFill>
-                  <a:srgbClr val="1F4E79"/>
-                </a:solidFill>
-                <a:latin typeface="Arial"/>
-                <a:ea typeface="DejaVu Sans"/>
-              </a:rPr>
-              <a:t>. Disponível em: </a:t>
-            </a:r>
-            <a:r>
-              <a:rPr lang="pt-BR" sz="3200" b="0" u="sng" strike="noStrike" spc="-1">
-                <a:solidFill>
-                  <a:srgbClr val="0563C1"/>
-                </a:solidFill>
-                <a:uFillTx/>
-                <a:latin typeface="Arial"/>
-                <a:ea typeface="DejaVu Sans"/>
+              <a:t>JSON Web Token (JWT</a:t>
+            </a:r>
+            <a:r>
+              <a:rPr lang="pt-BR" sz="3200" spc="-1" dirty="0">
+                <a:solidFill>
+                  <a:srgbClr val="1F4E79"/>
+                </a:solidFill>
+              </a:rPr>
+              <a:t>) é um padrão (RFC-7519) que define como objetos JSON serão transmitidos e armazenados de modo seguro e compacto entre duas aplicações</a:t>
+            </a:r>
+            <a:r>
+              <a:rPr lang="pt-BR" sz="3200" spc="-1" dirty="0">
+                <a:solidFill>
+                  <a:srgbClr val="1F4E79"/>
+                </a:solidFill>
                 <a:hlinkClick r:id="rId3"/>
               </a:rPr>
-              <a:t>https://nodejs.org/en/about/</a:t>
-            </a:r>
-            <a:r>
-              <a:rPr lang="pt-BR" sz="3200" b="0" strike="noStrike" spc="-1">
-                <a:solidFill>
-                  <a:srgbClr val="1F4E79"/>
-                </a:solidFill>
-                <a:latin typeface="Arial"/>
-                <a:ea typeface="DejaVu Sans"/>
+              <a:t>*</a:t>
+            </a:r>
+            <a:r>
+              <a:rPr lang="pt-BR" sz="3200" spc="-1" dirty="0">
+                <a:solidFill>
+                  <a:srgbClr val="1F4E79"/>
+                </a:solidFill>
               </a:rPr>
               <a:t>.</a:t>
             </a:r>
-            <a:endParaRPr lang="pt-BR" sz="3200" b="0" strike="noStrike" spc="-1">
-              <a:latin typeface="Arial"/>
-            </a:endParaRPr>
-          </a:p>
-          <a:p>
-            <a:pPr marL="514440" indent="-510480">
-              <a:lnSpc>
-                <a:spcPct val="100000"/>
-              </a:lnSpc>
-              <a:spcBef>
-                <a:spcPts val="1001"/>
-              </a:spcBef>
-              <a:spcAft>
-                <a:spcPts val="1001"/>
-              </a:spcAft>
-              <a:buClr>
-                <a:srgbClr val="1F4E79"/>
-              </a:buClr>
-              <a:buFont typeface="Calibri Light"/>
-              <a:buAutoNum type="arabicPeriod"/>
-            </a:pPr>
-            <a:r>
-              <a:rPr lang="pt-BR" sz="3200" b="0" strike="noStrike" spc="-1">
-                <a:solidFill>
-                  <a:srgbClr val="1F4E79"/>
-                </a:solidFill>
-                <a:latin typeface="Arial"/>
-                <a:ea typeface="DejaVu Sans"/>
-              </a:rPr>
-              <a:t>Node.js. </a:t>
-            </a:r>
-            <a:r>
-              <a:rPr lang="pt-BR" sz="3200" b="1" strike="noStrike" spc="-1">
-                <a:solidFill>
-                  <a:srgbClr val="1F4E79"/>
-                </a:solidFill>
-                <a:latin typeface="Arial"/>
-                <a:ea typeface="DejaVu Sans"/>
-              </a:rPr>
-              <a:t>Download</a:t>
-            </a:r>
-            <a:r>
-              <a:rPr lang="pt-BR" sz="3200" b="0" strike="noStrike" spc="-1">
-                <a:solidFill>
-                  <a:srgbClr val="1F4E79"/>
-                </a:solidFill>
-                <a:latin typeface="Arial"/>
-                <a:ea typeface="DejaVu Sans"/>
-              </a:rPr>
-              <a:t>. Disponível em: </a:t>
-            </a:r>
-            <a:r>
-              <a:rPr lang="pt-BR" sz="3200" b="0" u="sng" strike="noStrike" spc="-1">
-                <a:solidFill>
-                  <a:srgbClr val="0563C1"/>
-                </a:solidFill>
-                <a:uFillTx/>
-                <a:latin typeface="Arial"/>
-                <a:ea typeface="DejaVu Sans"/>
-                <a:hlinkClick r:id="rId4"/>
-              </a:rPr>
-              <a:t>https://nodejs.org/en/download/</a:t>
-            </a:r>
-            <a:r>
-              <a:rPr lang="pt-BR" sz="3200" b="0" strike="noStrike" spc="-1">
-                <a:solidFill>
-                  <a:srgbClr val="1F4E79"/>
-                </a:solidFill>
-                <a:latin typeface="Arial"/>
-                <a:ea typeface="DejaVu Sans"/>
-              </a:rPr>
-              <a:t>.</a:t>
-            </a:r>
-            <a:endParaRPr lang="pt-BR" sz="3200" b="0" strike="noStrike" spc="-1">
-              <a:latin typeface="Arial"/>
-            </a:endParaRPr>
-          </a:p>
-          <a:p>
-            <a:pPr marL="514440" indent="-510480">
-              <a:lnSpc>
-                <a:spcPct val="100000"/>
-              </a:lnSpc>
-              <a:spcBef>
-                <a:spcPts val="1001"/>
-              </a:spcBef>
-              <a:spcAft>
-                <a:spcPts val="1001"/>
-              </a:spcAft>
-              <a:buClr>
-                <a:srgbClr val="1F4E79"/>
-              </a:buClr>
-              <a:buFont typeface="Calibri Light"/>
-              <a:buAutoNum type="arabicPeriod"/>
-            </a:pPr>
-            <a:r>
-              <a:rPr lang="pt-BR" sz="3200" b="0" strike="noStrike" spc="-1">
-                <a:solidFill>
-                  <a:srgbClr val="1F4E79"/>
-                </a:solidFill>
-                <a:latin typeface="Arial"/>
-                <a:ea typeface="DejaVu Sans"/>
-              </a:rPr>
-              <a:t>Yarn. </a:t>
-            </a:r>
-            <a:r>
-              <a:rPr lang="pt-BR" sz="3200" b="1" strike="noStrike" spc="-1">
-                <a:solidFill>
-                  <a:srgbClr val="1F4E79"/>
-                </a:solidFill>
-                <a:latin typeface="Arial"/>
-                <a:ea typeface="DejaVu Sans"/>
-              </a:rPr>
-              <a:t>Introduction</a:t>
-            </a:r>
-            <a:r>
-              <a:rPr lang="pt-BR" sz="3200" b="0" strike="noStrike" spc="-1">
-                <a:solidFill>
-                  <a:srgbClr val="1F4E79"/>
-                </a:solidFill>
-                <a:latin typeface="Arial"/>
-                <a:ea typeface="DejaVu Sans"/>
-              </a:rPr>
-              <a:t>. Disponível em: </a:t>
-            </a:r>
-            <a:r>
-              <a:rPr lang="pt-BR" sz="3200" b="0" u="sng" strike="noStrike" spc="-1">
-                <a:solidFill>
-                  <a:srgbClr val="0563C1"/>
-                </a:solidFill>
-                <a:uFillTx/>
-                <a:latin typeface="Arial"/>
-                <a:ea typeface="DejaVu Sans"/>
-                <a:hlinkClick r:id="rId5"/>
-              </a:rPr>
-              <a:t>https://yarnpkg.com/getting-started</a:t>
-            </a:r>
-            <a:r>
-              <a:rPr lang="pt-BR" sz="3200" b="0" strike="noStrike" spc="-1">
-                <a:solidFill>
-                  <a:srgbClr val="1F4E79"/>
-                </a:solidFill>
-                <a:latin typeface="Arial"/>
-                <a:ea typeface="DejaVu Sans"/>
-              </a:rPr>
-              <a:t>.</a:t>
-            </a:r>
-            <a:endParaRPr lang="pt-BR" sz="3200" b="0" strike="noStrike" spc="-1">
-              <a:latin typeface="Arial"/>
-            </a:endParaRPr>
-          </a:p>
-          <a:p>
-            <a:pPr marL="514440" indent="-510480">
-              <a:lnSpc>
-                <a:spcPct val="100000"/>
-              </a:lnSpc>
-              <a:spcBef>
-                <a:spcPts val="1001"/>
-              </a:spcBef>
-              <a:spcAft>
-                <a:spcPts val="1001"/>
-              </a:spcAft>
-              <a:buClr>
-                <a:srgbClr val="1F4E79"/>
-              </a:buClr>
-              <a:buFont typeface="Calibri Light"/>
-              <a:buAutoNum type="arabicPeriod"/>
-            </a:pPr>
-            <a:r>
-              <a:rPr lang="pt-BR" sz="3200" b="0" strike="noStrike" spc="-1">
-                <a:solidFill>
-                  <a:srgbClr val="1F4E79"/>
-                </a:solidFill>
-                <a:latin typeface="Arial"/>
-                <a:ea typeface="DejaVu Sans"/>
-              </a:rPr>
-              <a:t>Yarn. </a:t>
-            </a:r>
-            <a:r>
-              <a:rPr lang="pt-BR" sz="3200" b="1" strike="noStrike" spc="-1">
-                <a:solidFill>
-                  <a:srgbClr val="1F4E79"/>
-                </a:solidFill>
-                <a:latin typeface="Arial"/>
-                <a:ea typeface="DejaVu Sans"/>
-              </a:rPr>
-              <a:t>Installation</a:t>
-            </a:r>
-            <a:r>
-              <a:rPr lang="pt-BR" sz="3200" b="0" strike="noStrike" spc="-1">
-                <a:solidFill>
-                  <a:srgbClr val="1F4E79"/>
-                </a:solidFill>
-                <a:latin typeface="Arial"/>
-                <a:ea typeface="DejaVu Sans"/>
-              </a:rPr>
-              <a:t>. Disponível em: </a:t>
-            </a:r>
-            <a:r>
-              <a:rPr lang="pt-BR" sz="3200" b="0" u="sng" strike="noStrike" spc="-1">
-                <a:solidFill>
-                  <a:srgbClr val="0563C1"/>
-                </a:solidFill>
-                <a:uFillTx/>
-                <a:latin typeface="Arial"/>
-                <a:ea typeface="DejaVu Sans"/>
-                <a:hlinkClick r:id="rId6"/>
-              </a:rPr>
-              <a:t>https://classic.yarnpkg.com/en/docs/install#windows-stable</a:t>
-            </a:r>
-            <a:r>
-              <a:rPr lang="pt-BR" sz="3200" b="0" strike="noStrike" spc="-1">
-                <a:solidFill>
-                  <a:srgbClr val="1F4E79"/>
-                </a:solidFill>
-                <a:latin typeface="Arial"/>
-                <a:ea typeface="DejaVu Sans"/>
-              </a:rPr>
-              <a:t>.</a:t>
-            </a:r>
-            <a:endParaRPr lang="pt-BR" sz="3200" b="0" strike="noStrike" spc="-1">
-              <a:latin typeface="Arial"/>
-            </a:endParaRPr>
-          </a:p>
-          <a:p>
-            <a:pPr marL="514440" indent="-510480">
-              <a:lnSpc>
-                <a:spcPct val="100000"/>
-              </a:lnSpc>
-              <a:spcBef>
-                <a:spcPts val="1001"/>
-              </a:spcBef>
-              <a:spcAft>
-                <a:spcPts val="1001"/>
-              </a:spcAft>
-              <a:buClr>
-                <a:srgbClr val="1F4E79"/>
-              </a:buClr>
-              <a:buFont typeface="Calibri Light"/>
-              <a:buAutoNum type="arabicPeriod"/>
-            </a:pPr>
-            <a:r>
-              <a:rPr lang="pt-BR" sz="3200" b="0" strike="noStrike" spc="-1">
-                <a:solidFill>
-                  <a:srgbClr val="1F4E79"/>
-                </a:solidFill>
-                <a:latin typeface="Arial"/>
-                <a:ea typeface="DejaVu Sans"/>
-              </a:rPr>
-              <a:t>Express. </a:t>
-            </a:r>
-            <a:r>
-              <a:rPr lang="pt-BR" sz="3200" b="1" strike="noStrike" spc="-1">
-                <a:solidFill>
-                  <a:srgbClr val="1F4E79"/>
-                </a:solidFill>
-                <a:latin typeface="Arial"/>
-                <a:ea typeface="DejaVu Sans"/>
-              </a:rPr>
-              <a:t>Installing</a:t>
-            </a:r>
-            <a:r>
-              <a:rPr lang="pt-BR" sz="3200" b="0" strike="noStrike" spc="-1">
-                <a:solidFill>
-                  <a:srgbClr val="1F4E79"/>
-                </a:solidFill>
-                <a:latin typeface="Arial"/>
-                <a:ea typeface="DejaVu Sans"/>
-              </a:rPr>
-              <a:t>. Disponível em: </a:t>
-            </a:r>
-            <a:r>
-              <a:rPr lang="pt-BR" sz="3200" b="0" u="sng" strike="noStrike" spc="-1">
-                <a:solidFill>
-                  <a:srgbClr val="0563C1"/>
-                </a:solidFill>
-                <a:uFillTx/>
-                <a:latin typeface="Arial"/>
-                <a:ea typeface="DejaVu Sans"/>
-                <a:hlinkClick r:id="rId7"/>
-              </a:rPr>
-              <a:t>https://expressjs.com/en/starter/installing.html</a:t>
-            </a:r>
-            <a:endParaRPr lang="pt-BR" sz="3200" b="0" strike="noStrike" spc="-1">
+            <a:endParaRPr lang="pt-BR" sz="3200" b="0" strike="noStrike" spc="-1" dirty="0">
               <a:latin typeface="Arial"/>
             </a:endParaRPr>
           </a:p>
         </p:txBody>
       </p:sp>
     </p:spTree>
+    <p:extLst>
+      <p:ext uri="{BB962C8B-B14F-4D97-AF65-F5344CB8AC3E}">
+        <p14:creationId xmlns:p14="http://schemas.microsoft.com/office/powerpoint/2010/main" val="2172348179"/>
+      </p:ext>
+    </p:extLst>
   </p:cSld>
   <p:clrMapOvr>
     <a:masterClrMapping/>
@@ -30022,7 +31746,7 @@
       </p:grpSpPr>
       <p:sp>
         <p:nvSpPr>
-          <p:cNvPr id="177" name="CustomShape 1"/>
+          <p:cNvPr id="171" name="CustomShape 1"/>
           <p:cNvSpPr/>
           <p:nvPr/>
         </p:nvSpPr>
@@ -30063,16 +31787,16 @@
               </a:lnSpc>
             </a:pPr>
             <a:r>
-              <a:rPr lang="pt-BR" sz="5400" b="0" strike="noStrike" spc="-1">
+              <a:rPr lang="pt-BR" sz="5400" b="0" strike="noStrike" spc="-1" dirty="0">
                 <a:solidFill>
                   <a:srgbClr val="1F4E79"/>
                 </a:solidFill>
                 <a:latin typeface="Arial"/>
                 <a:ea typeface="DejaVu Sans"/>
               </a:rPr>
-              <a:t>Referências</a:t>
-            </a:r>
-            <a:endParaRPr lang="pt-BR" sz="5400" b="0" strike="noStrike" spc="-1">
+              <a:t>Autenticação com JWT</a:t>
+            </a:r>
+            <a:endParaRPr lang="pt-BR" sz="5400" b="0" strike="noStrike" spc="-1" dirty="0">
               <a:latin typeface="Arial"/>
             </a:endParaRPr>
           </a:p>
@@ -30080,7 +31804,7 @@
       </p:sp>
       <p:sp>
         <p:nvSpPr>
-          <p:cNvPr id="178" name="CustomShape 2"/>
+          <p:cNvPr id="172" name="CustomShape 2"/>
           <p:cNvSpPr/>
           <p:nvPr/>
         </p:nvSpPr>
@@ -30115,7 +31839,7 @@
           </a:bodyPr>
           <a:lstStyle/>
           <a:p>
-            <a:pPr marL="516240" indent="-512280">
+            <a:pPr algn="ctr">
               <a:lnSpc>
                 <a:spcPct val="100000"/>
               </a:lnSpc>
@@ -30125,245 +31849,57 @@
               <a:spcAft>
                 <a:spcPts val="1001"/>
               </a:spcAft>
-              <a:buClr>
-                <a:srgbClr val="1F4E79"/>
-              </a:buClr>
-              <a:buFont typeface="Arial"/>
-              <a:buAutoNum type="arabicPeriod" startAt="6"/>
-            </a:pPr>
-            <a:r>
-              <a:rPr lang="pt-BR" sz="3200" b="0" strike="noStrike" spc="-1">
+              <a:tabLst>
+                <a:tab pos="0" algn="l"/>
+              </a:tabLst>
+            </a:pPr>
+            <a:r>
+              <a:rPr lang="pt-BR" sz="3200" b="0" strike="noStrike" spc="-1" dirty="0">
                 <a:solidFill>
                   <a:srgbClr val="1F4E79"/>
                 </a:solidFill>
                 <a:latin typeface="Arial"/>
                 <a:ea typeface="DejaVu Sans"/>
               </a:rPr>
-              <a:t>NPM. </a:t>
-            </a:r>
-            <a:r>
-              <a:rPr lang="pt-BR" sz="3200" b="1" strike="noStrike" spc="-1">
-                <a:solidFill>
-                  <a:srgbClr val="1F4E79"/>
-                </a:solidFill>
-                <a:latin typeface="Arial"/>
-                <a:ea typeface="DejaVu Sans"/>
-              </a:rPr>
-              <a:t>Nodemon</a:t>
-            </a:r>
-            <a:r>
-              <a:rPr lang="pt-BR" sz="3200" b="0" strike="noStrike" spc="-1">
-                <a:solidFill>
-                  <a:srgbClr val="1F4E79"/>
-                </a:solidFill>
-                <a:latin typeface="Arial"/>
-                <a:ea typeface="DejaVu Sans"/>
-              </a:rPr>
-              <a:t>. Disponível em: </a:t>
-            </a:r>
-            <a:r>
-              <a:rPr lang="pt-BR" sz="3200" b="0" u="sng" strike="noStrike" spc="-1">
-                <a:solidFill>
-                  <a:srgbClr val="0563C1"/>
-                </a:solidFill>
-                <a:uFillTx/>
-                <a:latin typeface="Arial"/>
-                <a:ea typeface="DejaVu Sans"/>
+              <a:t>JSON Web Token (JWT</a:t>
+            </a:r>
+            <a:r>
+              <a:rPr lang="pt-BR" sz="3200" spc="-1" dirty="0">
+                <a:solidFill>
+                  <a:srgbClr val="1F4E79"/>
+                </a:solidFill>
+              </a:rPr>
+              <a:t>) é um padrão (RFC-7519) que define como objetos JSON serão transmitidos e armazenados de modo seguro e compacto entre duas aplicações</a:t>
+            </a:r>
+            <a:r>
+              <a:rPr lang="pt-BR" sz="3200" spc="-1" dirty="0">
+                <a:solidFill>
+                  <a:srgbClr val="1F4E79"/>
+                </a:solidFill>
                 <a:hlinkClick r:id="rId3"/>
               </a:rPr>
-              <a:t>https://www.npmjs.com/package/nodemon</a:t>
-            </a:r>
-            <a:endParaRPr lang="pt-BR" sz="3200" b="0" strike="noStrike" spc="-1">
-              <a:latin typeface="Arial"/>
-            </a:endParaRPr>
-          </a:p>
-          <a:p>
-            <a:pPr marL="516240" indent="-512280">
-              <a:lnSpc>
-                <a:spcPct val="100000"/>
-              </a:lnSpc>
-              <a:spcBef>
-                <a:spcPts val="1001"/>
-              </a:spcBef>
-              <a:spcAft>
-                <a:spcPts val="1001"/>
-              </a:spcAft>
-              <a:buClr>
-                <a:srgbClr val="1F4E79"/>
-              </a:buClr>
-              <a:buFont typeface="Arial"/>
-              <a:buAutoNum type="arabicPeriod" startAt="6"/>
-            </a:pPr>
-            <a:r>
-              <a:rPr lang="pt-BR" sz="3200" b="0" strike="noStrike" spc="-1">
-                <a:solidFill>
-                  <a:srgbClr val="1F4E79"/>
-                </a:solidFill>
-                <a:latin typeface="Arial"/>
-                <a:ea typeface="DejaVu Sans"/>
-              </a:rPr>
-              <a:t>MDN Web Docs Mozilla. </a:t>
-            </a:r>
-            <a:r>
-              <a:rPr lang="pt-BR" sz="3200" b="1" strike="noStrike" spc="-1">
-                <a:solidFill>
-                  <a:srgbClr val="1F4E79"/>
-                </a:solidFill>
-                <a:latin typeface="Arial"/>
-                <a:ea typeface="DejaVu Sans"/>
-              </a:rPr>
-              <a:t>Métodos de requisição HTTP</a:t>
-            </a:r>
-            <a:r>
-              <a:rPr lang="pt-BR" sz="3200" b="0" strike="noStrike" spc="-1">
-                <a:solidFill>
-                  <a:srgbClr val="1F4E79"/>
-                </a:solidFill>
-                <a:latin typeface="Arial"/>
-                <a:ea typeface="DejaVu Sans"/>
-              </a:rPr>
-              <a:t>. Disponível em: </a:t>
-            </a:r>
-            <a:r>
-              <a:rPr lang="pt-BR" sz="3200" b="0" u="sng" strike="noStrike" spc="-1">
-                <a:solidFill>
-                  <a:srgbClr val="0563C1"/>
-                </a:solidFill>
-                <a:uFillTx/>
-                <a:latin typeface="Arial"/>
-                <a:ea typeface="DejaVu Sans"/>
-                <a:hlinkClick r:id="rId4"/>
-              </a:rPr>
-              <a:t>https://developer.mozilla.org/pt-BR/docs/Web/HTTP/Methods</a:t>
-            </a:r>
-            <a:r>
-              <a:rPr lang="pt-BR" sz="3200" b="0" strike="noStrike" spc="-1">
-                <a:solidFill>
-                  <a:srgbClr val="1F4E79"/>
-                </a:solidFill>
-                <a:latin typeface="Arial"/>
-                <a:ea typeface="DejaVu Sans"/>
+              <a:t>*</a:t>
+            </a:r>
+            <a:r>
+              <a:rPr lang="pt-BR" sz="3200" spc="-1" dirty="0">
+                <a:solidFill>
+                  <a:srgbClr val="1F4E79"/>
+                </a:solidFill>
               </a:rPr>
               <a:t>.</a:t>
             </a:r>
-            <a:endParaRPr lang="pt-BR" sz="3200" b="0" strike="noStrike" spc="-1">
-              <a:latin typeface="Arial"/>
-            </a:endParaRPr>
-          </a:p>
-          <a:p>
-            <a:pPr marL="516240" indent="-512280">
-              <a:lnSpc>
-                <a:spcPct val="100000"/>
-              </a:lnSpc>
-              <a:spcBef>
-                <a:spcPts val="1001"/>
-              </a:spcBef>
-              <a:spcAft>
-                <a:spcPts val="1001"/>
-              </a:spcAft>
-              <a:buClr>
-                <a:srgbClr val="1F4E79"/>
-              </a:buClr>
-              <a:buFont typeface="Arial"/>
-              <a:buAutoNum type="arabicPeriod" startAt="6"/>
-            </a:pPr>
-            <a:r>
-              <a:rPr lang="pt-BR" sz="3200" b="0" strike="noStrike" spc="-1">
-                <a:solidFill>
-                  <a:srgbClr val="1F4E79"/>
-                </a:solidFill>
-                <a:latin typeface="Arial"/>
-                <a:ea typeface="DejaVu Sans"/>
-              </a:rPr>
-              <a:t>Insomnia. </a:t>
-            </a:r>
-            <a:r>
-              <a:rPr lang="pt-BR" sz="3200" b="1" strike="noStrike" spc="-1">
-                <a:solidFill>
-                  <a:srgbClr val="1F4E79"/>
-                </a:solidFill>
-                <a:latin typeface="Arial"/>
-                <a:ea typeface="DejaVu Sans"/>
-              </a:rPr>
-              <a:t>Download Insomnia</a:t>
-            </a:r>
-            <a:r>
-              <a:rPr lang="pt-BR" sz="3200" b="0" strike="noStrike" spc="-1">
-                <a:solidFill>
-                  <a:srgbClr val="1F4E79"/>
-                </a:solidFill>
-                <a:latin typeface="Arial"/>
-                <a:ea typeface="DejaVu Sans"/>
-              </a:rPr>
-              <a:t>. Disponível em: </a:t>
-            </a:r>
-            <a:r>
-              <a:rPr lang="pt-BR" sz="3200" b="0" u="sng" strike="noStrike" spc="-1">
-                <a:solidFill>
-                  <a:srgbClr val="0563C1"/>
-                </a:solidFill>
-                <a:uFillTx/>
-                <a:latin typeface="Arial"/>
-                <a:ea typeface="DejaVu Sans"/>
-                <a:hlinkClick r:id="rId5"/>
-              </a:rPr>
-              <a:t>https://insomnia.rest/download</a:t>
-            </a:r>
-            <a:endParaRPr lang="pt-BR" sz="3200" b="0" strike="noStrike" spc="-1">
-              <a:latin typeface="Arial"/>
-            </a:endParaRPr>
-          </a:p>
-          <a:p>
-            <a:pPr>
-              <a:lnSpc>
-                <a:spcPct val="100000"/>
-              </a:lnSpc>
-              <a:spcBef>
-                <a:spcPts val="1001"/>
-              </a:spcBef>
-              <a:spcAft>
-                <a:spcPts val="1001"/>
-              </a:spcAft>
-            </a:pPr>
-            <a:endParaRPr lang="pt-BR" sz="3200" b="0" strike="noStrike" spc="-1">
-              <a:latin typeface="Arial"/>
-            </a:endParaRPr>
-          </a:p>
-          <a:p>
-            <a:pPr marL="1800">
-              <a:lnSpc>
-                <a:spcPct val="100000"/>
-              </a:lnSpc>
-              <a:spcBef>
-                <a:spcPts val="1001"/>
-              </a:spcBef>
-              <a:spcAft>
-                <a:spcPts val="1001"/>
-              </a:spcAft>
-            </a:pPr>
-            <a:endParaRPr lang="pt-BR" sz="3200" b="0" strike="noStrike" spc="-1">
-              <a:latin typeface="Arial"/>
-            </a:endParaRPr>
-          </a:p>
-          <a:p>
-            <a:pPr marL="1800">
-              <a:lnSpc>
-                <a:spcPct val="100000"/>
-              </a:lnSpc>
-              <a:spcBef>
-                <a:spcPts val="1001"/>
-              </a:spcBef>
-              <a:spcAft>
-                <a:spcPts val="1001"/>
-              </a:spcAft>
-            </a:pPr>
-            <a:endParaRPr lang="pt-BR" sz="3200" b="0" strike="noStrike" spc="-1">
+            <a:endParaRPr lang="pt-BR" sz="3200" b="0" strike="noStrike" spc="-1" dirty="0">
               <a:latin typeface="Arial"/>
             </a:endParaRPr>
           </a:p>
         </p:txBody>
       </p:sp>
     </p:spTree>
+    <p:extLst>
+      <p:ext uri="{BB962C8B-B14F-4D97-AF65-F5344CB8AC3E}">
+        <p14:creationId xmlns:p14="http://schemas.microsoft.com/office/powerpoint/2010/main" val="2534776303"/>
+      </p:ext>
+    </p:extLst>
   </p:cSld>
   <p:clrMapOvr>
     <a:masterClrMapping/>
@@ -30602,6 +32138,1389 @@
 </file>
 
 <file path=ppt/slides/slide60.xml><?xml version="1.0" encoding="utf-8"?>
+<p:sld xmlns:a="http://schemas.openxmlformats.org/drawingml/2006/main" xmlns:r="http://schemas.openxmlformats.org/officeDocument/2006/relationships" xmlns:p="http://schemas.openxmlformats.org/presentationml/2006/main">
+  <p:cSld>
+    <p:spTree>
+      <p:nvGrpSpPr>
+        <p:cNvPr id="1" name=""/>
+        <p:cNvGrpSpPr/>
+        <p:nvPr/>
+      </p:nvGrpSpPr>
+      <p:grpSpPr>
+        <a:xfrm>
+          <a:off x="0" y="0"/>
+          <a:ext cx="0" cy="0"/>
+          <a:chOff x="0" y="0"/>
+          <a:chExt cx="0" cy="0"/>
+        </a:xfrm>
+      </p:grpSpPr>
+      <p:sp>
+        <p:nvSpPr>
+          <p:cNvPr id="171" name="CustomShape 1"/>
+          <p:cNvSpPr/>
+          <p:nvPr/>
+        </p:nvSpPr>
+        <p:spPr>
+          <a:xfrm>
+            <a:off x="0" y="224280"/>
+            <a:ext cx="12019320" cy="854640"/>
+          </a:xfrm>
+          <a:prstGeom prst="rect">
+            <a:avLst/>
+          </a:prstGeom>
+          <a:noFill/>
+          <a:ln>
+            <a:noFill/>
+          </a:ln>
+        </p:spPr>
+        <p:style>
+          <a:lnRef idx="0">
+            <a:scrgbClr r="0" g="0" b="0"/>
+          </a:lnRef>
+          <a:fillRef idx="0">
+            <a:scrgbClr r="0" g="0" b="0"/>
+          </a:fillRef>
+          <a:effectRef idx="0">
+            <a:scrgbClr r="0" g="0" b="0"/>
+          </a:effectRef>
+          <a:fontRef idx="minor"/>
+        </p:style>
+        <p:txBody>
+          <a:bodyPr lIns="90000" tIns="45000" rIns="90000" bIns="45000" anchor="ctr">
+            <a:noAutofit/>
+          </a:bodyPr>
+          <a:lstStyle/>
+          <a:p>
+            <a:pPr algn="ctr">
+              <a:lnSpc>
+                <a:spcPct val="90000"/>
+              </a:lnSpc>
+            </a:pPr>
+            <a:r>
+              <a:rPr lang="pt-BR" sz="5400" b="0" strike="noStrike" spc="-1" dirty="0">
+                <a:solidFill>
+                  <a:srgbClr val="1F4E79"/>
+                </a:solidFill>
+                <a:latin typeface="Arial"/>
+                <a:ea typeface="DejaVu Sans"/>
+              </a:rPr>
+              <a:t>CORS</a:t>
+            </a:r>
+            <a:endParaRPr lang="pt-BR" sz="5400" b="0" strike="noStrike" spc="-1" dirty="0">
+              <a:latin typeface="Arial"/>
+            </a:endParaRPr>
+          </a:p>
+        </p:txBody>
+      </p:sp>
+      <p:sp>
+        <p:nvSpPr>
+          <p:cNvPr id="172" name="CustomShape 2"/>
+          <p:cNvSpPr/>
+          <p:nvPr/>
+        </p:nvSpPr>
+        <p:spPr>
+          <a:xfrm>
+            <a:off x="317520" y="1290960"/>
+            <a:ext cx="11701440" cy="4347360"/>
+          </a:xfrm>
+          <a:prstGeom prst="rect">
+            <a:avLst/>
+          </a:prstGeom>
+          <a:noFill/>
+          <a:ln>
+            <a:noFill/>
+          </a:ln>
+        </p:spPr>
+        <p:style>
+          <a:lnRef idx="0">
+            <a:scrgbClr r="0" g="0" b="0"/>
+          </a:lnRef>
+          <a:fillRef idx="0">
+            <a:scrgbClr r="0" g="0" b="0"/>
+          </a:fillRef>
+          <a:effectRef idx="0">
+            <a:scrgbClr r="0" g="0" b="0"/>
+          </a:effectRef>
+          <a:fontRef idx="minor"/>
+        </p:style>
+        <p:txBody>
+          <a:bodyPr lIns="90000" tIns="45000" rIns="90000" bIns="45000">
+            <a:normAutofit/>
+          </a:bodyPr>
+          <a:lstStyle/>
+          <a:p>
+            <a:pPr algn="ctr">
+              <a:lnSpc>
+                <a:spcPct val="100000"/>
+              </a:lnSpc>
+              <a:spcBef>
+                <a:spcPts val="1001"/>
+              </a:spcBef>
+              <a:spcAft>
+                <a:spcPts val="1001"/>
+              </a:spcAft>
+              <a:tabLst>
+                <a:tab pos="0" algn="l"/>
+              </a:tabLst>
+            </a:pPr>
+            <a:r>
+              <a:rPr lang="pt-BR" sz="3200" b="0" strike="noStrike" spc="-1" dirty="0">
+                <a:solidFill>
+                  <a:srgbClr val="1F4E79"/>
+                </a:solidFill>
+                <a:latin typeface="Arial"/>
+                <a:ea typeface="DejaVu Sans"/>
+              </a:rPr>
+              <a:t>CORS</a:t>
+            </a:r>
+            <a:endParaRPr lang="pt-BR" sz="3200" b="0" strike="noStrike" spc="-1" dirty="0">
+              <a:latin typeface="Arial"/>
+            </a:endParaRPr>
+          </a:p>
+        </p:txBody>
+      </p:sp>
+    </p:spTree>
+    <p:extLst>
+      <p:ext uri="{BB962C8B-B14F-4D97-AF65-F5344CB8AC3E}">
+        <p14:creationId xmlns:p14="http://schemas.microsoft.com/office/powerpoint/2010/main" val="357674113"/>
+      </p:ext>
+    </p:extLst>
+  </p:cSld>
+  <p:clrMapOvr>
+    <a:masterClrMapping/>
+  </p:clrMapOvr>
+</p:sld>
+</file>
+
+<file path=ppt/slides/slide61.xml><?xml version="1.0" encoding="utf-8"?>
+<p:sld xmlns:a="http://schemas.openxmlformats.org/drawingml/2006/main" xmlns:r="http://schemas.openxmlformats.org/officeDocument/2006/relationships" xmlns:p="http://schemas.openxmlformats.org/presentationml/2006/main">
+  <p:cSld>
+    <p:spTree>
+      <p:nvGrpSpPr>
+        <p:cNvPr id="1" name=""/>
+        <p:cNvGrpSpPr/>
+        <p:nvPr/>
+      </p:nvGrpSpPr>
+      <p:grpSpPr>
+        <a:xfrm>
+          <a:off x="0" y="0"/>
+          <a:ext cx="0" cy="0"/>
+          <a:chOff x="0" y="0"/>
+          <a:chExt cx="0" cy="0"/>
+        </a:xfrm>
+      </p:grpSpPr>
+      <p:sp>
+        <p:nvSpPr>
+          <p:cNvPr id="171" name="CustomShape 1"/>
+          <p:cNvSpPr/>
+          <p:nvPr/>
+        </p:nvSpPr>
+        <p:spPr>
+          <a:xfrm>
+            <a:off x="0" y="224280"/>
+            <a:ext cx="12019320" cy="854640"/>
+          </a:xfrm>
+          <a:prstGeom prst="rect">
+            <a:avLst/>
+          </a:prstGeom>
+          <a:noFill/>
+          <a:ln>
+            <a:noFill/>
+          </a:ln>
+        </p:spPr>
+        <p:style>
+          <a:lnRef idx="0">
+            <a:scrgbClr r="0" g="0" b="0"/>
+          </a:lnRef>
+          <a:fillRef idx="0">
+            <a:scrgbClr r="0" g="0" b="0"/>
+          </a:fillRef>
+          <a:effectRef idx="0">
+            <a:scrgbClr r="0" g="0" b="0"/>
+          </a:effectRef>
+          <a:fontRef idx="minor"/>
+        </p:style>
+        <p:txBody>
+          <a:bodyPr lIns="90000" tIns="45000" rIns="90000" bIns="45000" anchor="ctr">
+            <a:noAutofit/>
+          </a:bodyPr>
+          <a:lstStyle/>
+          <a:p>
+            <a:pPr algn="ctr">
+              <a:lnSpc>
+                <a:spcPct val="90000"/>
+              </a:lnSpc>
+            </a:pPr>
+            <a:r>
+              <a:rPr lang="pt-BR" sz="5400" b="0" strike="noStrike" spc="-1">
+                <a:solidFill>
+                  <a:srgbClr val="1F4E79"/>
+                </a:solidFill>
+                <a:latin typeface="Arial"/>
+                <a:ea typeface="DejaVu Sans"/>
+              </a:rPr>
+              <a:t>ORM: Sequelize</a:t>
+            </a:r>
+            <a:endParaRPr lang="pt-BR" sz="5400" b="0" strike="noStrike" spc="-1">
+              <a:latin typeface="Arial"/>
+            </a:endParaRPr>
+          </a:p>
+        </p:txBody>
+      </p:sp>
+      <p:sp>
+        <p:nvSpPr>
+          <p:cNvPr id="172" name="CustomShape 2"/>
+          <p:cNvSpPr/>
+          <p:nvPr/>
+        </p:nvSpPr>
+        <p:spPr>
+          <a:xfrm>
+            <a:off x="317520" y="1290960"/>
+            <a:ext cx="11701440" cy="4347360"/>
+          </a:xfrm>
+          <a:prstGeom prst="rect">
+            <a:avLst/>
+          </a:prstGeom>
+          <a:noFill/>
+          <a:ln>
+            <a:noFill/>
+          </a:ln>
+        </p:spPr>
+        <p:style>
+          <a:lnRef idx="0">
+            <a:scrgbClr r="0" g="0" b="0"/>
+          </a:lnRef>
+          <a:fillRef idx="0">
+            <a:scrgbClr r="0" g="0" b="0"/>
+          </a:fillRef>
+          <a:effectRef idx="0">
+            <a:scrgbClr r="0" g="0" b="0"/>
+          </a:effectRef>
+          <a:fontRef idx="minor"/>
+        </p:style>
+        <p:txBody>
+          <a:bodyPr lIns="90000" tIns="45000" rIns="90000" bIns="45000">
+            <a:normAutofit/>
+          </a:bodyPr>
+          <a:lstStyle/>
+          <a:p>
+            <a:pPr algn="ctr">
+              <a:lnSpc>
+                <a:spcPct val="100000"/>
+              </a:lnSpc>
+              <a:spcBef>
+                <a:spcPts val="1001"/>
+              </a:spcBef>
+              <a:spcAft>
+                <a:spcPts val="1001"/>
+              </a:spcAft>
+              <a:tabLst>
+                <a:tab pos="0" algn="l"/>
+              </a:tabLst>
+            </a:pPr>
+            <a:r>
+              <a:rPr lang="pt-BR" sz="3200" b="0" u="sng" strike="noStrike" spc="-1">
+                <a:solidFill>
+                  <a:srgbClr val="0563C1"/>
+                </a:solidFill>
+                <a:uFillTx/>
+                <a:latin typeface="Arial"/>
+                <a:ea typeface="DejaVu Sans"/>
+                <a:hlinkClick r:id="rId3"/>
+              </a:rPr>
+              <a:t>https://sequelize.org/master/manual/getting-started.html</a:t>
+            </a:r>
+            <a:endParaRPr lang="pt-BR" sz="3200" b="0" strike="noStrike" spc="-1">
+              <a:latin typeface="Arial"/>
+            </a:endParaRPr>
+          </a:p>
+          <a:p>
+            <a:pPr algn="ctr">
+              <a:lnSpc>
+                <a:spcPct val="100000"/>
+              </a:lnSpc>
+              <a:spcBef>
+                <a:spcPts val="1001"/>
+              </a:spcBef>
+              <a:spcAft>
+                <a:spcPts val="1001"/>
+              </a:spcAft>
+              <a:tabLst>
+                <a:tab pos="0" algn="l"/>
+              </a:tabLst>
+            </a:pPr>
+            <a:r>
+              <a:rPr lang="pt-BR" sz="3200" b="0" strike="noStrike" spc="-1">
+                <a:solidFill>
+                  <a:srgbClr val="1F4E79"/>
+                </a:solidFill>
+                <a:latin typeface="Arial"/>
+                <a:ea typeface="DejaVu Sans"/>
+              </a:rPr>
+              <a:t>https://levelup.gitconnected.com/creating-sequelize-associations-with-the-sequelize-cli-tool-d83caa902233</a:t>
+            </a:r>
+            <a:endParaRPr lang="pt-BR" sz="3200" b="0" strike="noStrike" spc="-1">
+              <a:latin typeface="Arial"/>
+            </a:endParaRPr>
+          </a:p>
+          <a:p>
+            <a:pPr algn="ctr">
+              <a:lnSpc>
+                <a:spcPct val="100000"/>
+              </a:lnSpc>
+              <a:spcBef>
+                <a:spcPts val="1001"/>
+              </a:spcBef>
+              <a:spcAft>
+                <a:spcPts val="1001"/>
+              </a:spcAft>
+              <a:tabLst>
+                <a:tab pos="0" algn="l"/>
+              </a:tabLst>
+            </a:pPr>
+            <a:endParaRPr lang="pt-BR" sz="3200" b="0" strike="noStrike" spc="-1">
+              <a:latin typeface="Arial"/>
+            </a:endParaRPr>
+          </a:p>
+        </p:txBody>
+      </p:sp>
+    </p:spTree>
+    <p:extLst>
+      <p:ext uri="{BB962C8B-B14F-4D97-AF65-F5344CB8AC3E}">
+        <p14:creationId xmlns:p14="http://schemas.microsoft.com/office/powerpoint/2010/main" val="1151283575"/>
+      </p:ext>
+    </p:extLst>
+  </p:cSld>
+  <p:clrMapOvr>
+    <a:masterClrMapping/>
+  </p:clrMapOvr>
+</p:sld>
+</file>
+
+<file path=ppt/slides/slide62.xml><?xml version="1.0" encoding="utf-8"?>
+<p:sld xmlns:a="http://schemas.openxmlformats.org/drawingml/2006/main" xmlns:r="http://schemas.openxmlformats.org/officeDocument/2006/relationships" xmlns:p="http://schemas.openxmlformats.org/presentationml/2006/main">
+  <p:cSld>
+    <p:spTree>
+      <p:nvGrpSpPr>
+        <p:cNvPr id="1" name=""/>
+        <p:cNvGrpSpPr/>
+        <p:nvPr/>
+      </p:nvGrpSpPr>
+      <p:grpSpPr>
+        <a:xfrm>
+          <a:off x="0" y="0"/>
+          <a:ext cx="0" cy="0"/>
+          <a:chOff x="0" y="0"/>
+          <a:chExt cx="0" cy="0"/>
+        </a:xfrm>
+      </p:grpSpPr>
+      <p:sp>
+        <p:nvSpPr>
+          <p:cNvPr id="173" name="CustomShape 1"/>
+          <p:cNvSpPr/>
+          <p:nvPr/>
+        </p:nvSpPr>
+        <p:spPr>
+          <a:xfrm>
+            <a:off x="0" y="224280"/>
+            <a:ext cx="12019320" cy="854640"/>
+          </a:xfrm>
+          <a:prstGeom prst="rect">
+            <a:avLst/>
+          </a:prstGeom>
+          <a:noFill/>
+          <a:ln>
+            <a:noFill/>
+          </a:ln>
+        </p:spPr>
+        <p:style>
+          <a:lnRef idx="0">
+            <a:scrgbClr r="0" g="0" b="0"/>
+          </a:lnRef>
+          <a:fillRef idx="0">
+            <a:scrgbClr r="0" g="0" b="0"/>
+          </a:fillRef>
+          <a:effectRef idx="0">
+            <a:scrgbClr r="0" g="0" b="0"/>
+          </a:effectRef>
+          <a:fontRef idx="minor"/>
+        </p:style>
+        <p:txBody>
+          <a:bodyPr lIns="90000" tIns="45000" rIns="90000" bIns="45000" anchor="ctr">
+            <a:noAutofit/>
+          </a:bodyPr>
+          <a:lstStyle/>
+          <a:p>
+            <a:pPr algn="ctr">
+              <a:lnSpc>
+                <a:spcPct val="90000"/>
+              </a:lnSpc>
+            </a:pPr>
+            <a:r>
+              <a:rPr lang="pt-BR" sz="5400" b="0" strike="noStrike" spc="-1">
+                <a:solidFill>
+                  <a:srgbClr val="1F4E79"/>
+                </a:solidFill>
+                <a:latin typeface="Arial"/>
+                <a:ea typeface="DejaVu Sans"/>
+              </a:rPr>
+              <a:t>Middleware</a:t>
+            </a:r>
+            <a:endParaRPr lang="pt-BR" sz="5400" b="0" strike="noStrike" spc="-1">
+              <a:latin typeface="Arial"/>
+            </a:endParaRPr>
+          </a:p>
+        </p:txBody>
+      </p:sp>
+      <p:sp>
+        <p:nvSpPr>
+          <p:cNvPr id="174" name="CustomShape 2"/>
+          <p:cNvSpPr/>
+          <p:nvPr/>
+        </p:nvSpPr>
+        <p:spPr>
+          <a:xfrm>
+            <a:off x="317520" y="1290960"/>
+            <a:ext cx="11701440" cy="4347360"/>
+          </a:xfrm>
+          <a:prstGeom prst="rect">
+            <a:avLst/>
+          </a:prstGeom>
+          <a:noFill/>
+          <a:ln>
+            <a:noFill/>
+          </a:ln>
+        </p:spPr>
+        <p:style>
+          <a:lnRef idx="0">
+            <a:scrgbClr r="0" g="0" b="0"/>
+          </a:lnRef>
+          <a:fillRef idx="0">
+            <a:scrgbClr r="0" g="0" b="0"/>
+          </a:fillRef>
+          <a:effectRef idx="0">
+            <a:scrgbClr r="0" g="0" b="0"/>
+          </a:effectRef>
+          <a:fontRef idx="minor"/>
+        </p:style>
+        <p:txBody>
+          <a:bodyPr lIns="90000" tIns="45000" rIns="90000" bIns="45000">
+            <a:normAutofit/>
+          </a:bodyPr>
+          <a:lstStyle/>
+          <a:p>
+            <a:pPr algn="ctr">
+              <a:lnSpc>
+                <a:spcPct val="100000"/>
+              </a:lnSpc>
+              <a:spcBef>
+                <a:spcPts val="1001"/>
+              </a:spcBef>
+              <a:spcAft>
+                <a:spcPts val="1001"/>
+              </a:spcAft>
+              <a:tabLst>
+                <a:tab pos="0" algn="l"/>
+              </a:tabLst>
+            </a:pPr>
+            <a:r>
+              <a:rPr lang="pt-BR" sz="3200" b="0" strike="noStrike" spc="-1">
+                <a:solidFill>
+                  <a:srgbClr val="1F4E79"/>
+                </a:solidFill>
+                <a:latin typeface="Arial"/>
+                <a:ea typeface="DejaVu Sans"/>
+              </a:rPr>
+              <a:t>São scripts que podem ser executados entre a comunicação de outros 2 serviços distintos.</a:t>
+            </a:r>
+            <a:endParaRPr lang="pt-BR" sz="3200" b="0" strike="noStrike" spc="-1">
+              <a:latin typeface="Arial"/>
+            </a:endParaRPr>
+          </a:p>
+          <a:p>
+            <a:pPr algn="ctr">
+              <a:lnSpc>
+                <a:spcPct val="100000"/>
+              </a:lnSpc>
+              <a:spcBef>
+                <a:spcPts val="1001"/>
+              </a:spcBef>
+              <a:spcAft>
+                <a:spcPts val="1001"/>
+              </a:spcAft>
+              <a:tabLst>
+                <a:tab pos="0" algn="l"/>
+              </a:tabLst>
+            </a:pPr>
+            <a:r>
+              <a:rPr lang="pt-BR" sz="3200" b="0" strike="noStrike" spc="-1">
+                <a:solidFill>
+                  <a:srgbClr val="1F4E79"/>
+                </a:solidFill>
+                <a:latin typeface="Arial"/>
+                <a:ea typeface="DejaVu Sans"/>
+              </a:rPr>
+              <a:t>Ele pode verificar e/ou manipular os dados antes da tarefa em execução prosseguir, ou mudar o fluxo da tarefa.</a:t>
+            </a:r>
+            <a:endParaRPr lang="pt-BR" sz="3200" b="0" strike="noStrike" spc="-1">
+              <a:latin typeface="Arial"/>
+            </a:endParaRPr>
+          </a:p>
+        </p:txBody>
+      </p:sp>
+    </p:spTree>
+  </p:cSld>
+  <p:clrMapOvr>
+    <a:masterClrMapping/>
+  </p:clrMapOvr>
+</p:sld>
+</file>
+
+<file path=ppt/slides/slide63.xml><?xml version="1.0" encoding="utf-8"?>
+<p:sld xmlns:a="http://schemas.openxmlformats.org/drawingml/2006/main" xmlns:r="http://schemas.openxmlformats.org/officeDocument/2006/relationships" xmlns:p="http://schemas.openxmlformats.org/presentationml/2006/main">
+  <p:cSld>
+    <p:spTree>
+      <p:nvGrpSpPr>
+        <p:cNvPr id="1" name=""/>
+        <p:cNvGrpSpPr/>
+        <p:nvPr/>
+      </p:nvGrpSpPr>
+      <p:grpSpPr>
+        <a:xfrm>
+          <a:off x="0" y="0"/>
+          <a:ext cx="0" cy="0"/>
+          <a:chOff x="0" y="0"/>
+          <a:chExt cx="0" cy="0"/>
+        </a:xfrm>
+      </p:grpSpPr>
+      <p:sp>
+        <p:nvSpPr>
+          <p:cNvPr id="175" name="CustomShape 1"/>
+          <p:cNvSpPr/>
+          <p:nvPr/>
+        </p:nvSpPr>
+        <p:spPr>
+          <a:xfrm>
+            <a:off x="0" y="224280"/>
+            <a:ext cx="12019320" cy="854640"/>
+          </a:xfrm>
+          <a:prstGeom prst="rect">
+            <a:avLst/>
+          </a:prstGeom>
+          <a:noFill/>
+          <a:ln>
+            <a:noFill/>
+          </a:ln>
+        </p:spPr>
+        <p:style>
+          <a:lnRef idx="0">
+            <a:scrgbClr r="0" g="0" b="0"/>
+          </a:lnRef>
+          <a:fillRef idx="0">
+            <a:scrgbClr r="0" g="0" b="0"/>
+          </a:fillRef>
+          <a:effectRef idx="0">
+            <a:scrgbClr r="0" g="0" b="0"/>
+          </a:effectRef>
+          <a:fontRef idx="minor"/>
+        </p:style>
+        <p:txBody>
+          <a:bodyPr lIns="90000" tIns="45000" rIns="90000" bIns="45000" anchor="ctr">
+            <a:noAutofit/>
+          </a:bodyPr>
+          <a:lstStyle/>
+          <a:p>
+            <a:pPr algn="ctr">
+              <a:lnSpc>
+                <a:spcPct val="90000"/>
+              </a:lnSpc>
+            </a:pPr>
+            <a:r>
+              <a:rPr lang="pt-BR" sz="5400" b="0" strike="noStrike" spc="-1">
+                <a:solidFill>
+                  <a:srgbClr val="1F4E79"/>
+                </a:solidFill>
+                <a:latin typeface="Arial"/>
+                <a:ea typeface="DejaVu Sans"/>
+              </a:rPr>
+              <a:t>Referências</a:t>
+            </a:r>
+            <a:endParaRPr lang="pt-BR" sz="5400" b="0" strike="noStrike" spc="-1">
+              <a:latin typeface="Arial"/>
+            </a:endParaRPr>
+          </a:p>
+        </p:txBody>
+      </p:sp>
+      <p:sp>
+        <p:nvSpPr>
+          <p:cNvPr id="176" name="CustomShape 2"/>
+          <p:cNvSpPr/>
+          <p:nvPr/>
+        </p:nvSpPr>
+        <p:spPr>
+          <a:xfrm>
+            <a:off x="317520" y="1290960"/>
+            <a:ext cx="11701440" cy="4347360"/>
+          </a:xfrm>
+          <a:prstGeom prst="rect">
+            <a:avLst/>
+          </a:prstGeom>
+          <a:noFill/>
+          <a:ln>
+            <a:noFill/>
+          </a:ln>
+        </p:spPr>
+        <p:style>
+          <a:lnRef idx="0">
+            <a:scrgbClr r="0" g="0" b="0"/>
+          </a:lnRef>
+          <a:fillRef idx="0">
+            <a:scrgbClr r="0" g="0" b="0"/>
+          </a:fillRef>
+          <a:effectRef idx="0">
+            <a:scrgbClr r="0" g="0" b="0"/>
+          </a:effectRef>
+          <a:fontRef idx="minor"/>
+        </p:style>
+        <p:txBody>
+          <a:bodyPr lIns="90000" tIns="45000" rIns="90000" bIns="45000">
+            <a:normAutofit fontScale="89000" lnSpcReduction="10000"/>
+          </a:bodyPr>
+          <a:lstStyle/>
+          <a:p>
+            <a:pPr marL="514440" indent="-510480">
+              <a:lnSpc>
+                <a:spcPct val="100000"/>
+              </a:lnSpc>
+              <a:spcBef>
+                <a:spcPts val="1001"/>
+              </a:spcBef>
+              <a:spcAft>
+                <a:spcPts val="1001"/>
+              </a:spcAft>
+              <a:buClr>
+                <a:srgbClr val="1F4E79"/>
+              </a:buClr>
+              <a:buFont typeface="Calibri Light"/>
+              <a:buAutoNum type="arabicPeriod"/>
+            </a:pPr>
+            <a:r>
+              <a:rPr lang="pt-BR" sz="3200" b="0" strike="noStrike" spc="-1">
+                <a:solidFill>
+                  <a:srgbClr val="1F4E79"/>
+                </a:solidFill>
+                <a:latin typeface="Arial"/>
+                <a:ea typeface="DejaVu Sans"/>
+              </a:rPr>
+              <a:t>Node.js. </a:t>
+            </a:r>
+            <a:r>
+              <a:rPr lang="pt-BR" sz="3200" b="1" strike="noStrike" spc="-1">
+                <a:solidFill>
+                  <a:srgbClr val="1F4E79"/>
+                </a:solidFill>
+                <a:latin typeface="Arial"/>
+                <a:ea typeface="DejaVu Sans"/>
+              </a:rPr>
+              <a:t>About</a:t>
+            </a:r>
+            <a:r>
+              <a:rPr lang="pt-BR" sz="3200" b="0" strike="noStrike" spc="-1">
+                <a:solidFill>
+                  <a:srgbClr val="1F4E79"/>
+                </a:solidFill>
+                <a:latin typeface="Arial"/>
+                <a:ea typeface="DejaVu Sans"/>
+              </a:rPr>
+              <a:t>. Disponível em: </a:t>
+            </a:r>
+            <a:r>
+              <a:rPr lang="pt-BR" sz="3200" b="0" u="sng" strike="noStrike" spc="-1">
+                <a:solidFill>
+                  <a:srgbClr val="0563C1"/>
+                </a:solidFill>
+                <a:uFillTx/>
+                <a:latin typeface="Arial"/>
+                <a:ea typeface="DejaVu Sans"/>
+                <a:hlinkClick r:id="rId3"/>
+              </a:rPr>
+              <a:t>https://nodejs.org/en/about/</a:t>
+            </a:r>
+            <a:r>
+              <a:rPr lang="pt-BR" sz="3200" b="0" strike="noStrike" spc="-1">
+                <a:solidFill>
+                  <a:srgbClr val="1F4E79"/>
+                </a:solidFill>
+                <a:latin typeface="Arial"/>
+                <a:ea typeface="DejaVu Sans"/>
+              </a:rPr>
+              <a:t>.</a:t>
+            </a:r>
+            <a:endParaRPr lang="pt-BR" sz="3200" b="0" strike="noStrike" spc="-1">
+              <a:latin typeface="Arial"/>
+            </a:endParaRPr>
+          </a:p>
+          <a:p>
+            <a:pPr marL="514440" indent="-510480">
+              <a:lnSpc>
+                <a:spcPct val="100000"/>
+              </a:lnSpc>
+              <a:spcBef>
+                <a:spcPts val="1001"/>
+              </a:spcBef>
+              <a:spcAft>
+                <a:spcPts val="1001"/>
+              </a:spcAft>
+              <a:buClr>
+                <a:srgbClr val="1F4E79"/>
+              </a:buClr>
+              <a:buFont typeface="Calibri Light"/>
+              <a:buAutoNum type="arabicPeriod"/>
+            </a:pPr>
+            <a:r>
+              <a:rPr lang="pt-BR" sz="3200" b="0" strike="noStrike" spc="-1">
+                <a:solidFill>
+                  <a:srgbClr val="1F4E79"/>
+                </a:solidFill>
+                <a:latin typeface="Arial"/>
+                <a:ea typeface="DejaVu Sans"/>
+              </a:rPr>
+              <a:t>Node.js. </a:t>
+            </a:r>
+            <a:r>
+              <a:rPr lang="pt-BR" sz="3200" b="1" strike="noStrike" spc="-1">
+                <a:solidFill>
+                  <a:srgbClr val="1F4E79"/>
+                </a:solidFill>
+                <a:latin typeface="Arial"/>
+                <a:ea typeface="DejaVu Sans"/>
+              </a:rPr>
+              <a:t>Download</a:t>
+            </a:r>
+            <a:r>
+              <a:rPr lang="pt-BR" sz="3200" b="0" strike="noStrike" spc="-1">
+                <a:solidFill>
+                  <a:srgbClr val="1F4E79"/>
+                </a:solidFill>
+                <a:latin typeface="Arial"/>
+                <a:ea typeface="DejaVu Sans"/>
+              </a:rPr>
+              <a:t>. Disponível em: </a:t>
+            </a:r>
+            <a:r>
+              <a:rPr lang="pt-BR" sz="3200" b="0" u="sng" strike="noStrike" spc="-1">
+                <a:solidFill>
+                  <a:srgbClr val="0563C1"/>
+                </a:solidFill>
+                <a:uFillTx/>
+                <a:latin typeface="Arial"/>
+                <a:ea typeface="DejaVu Sans"/>
+                <a:hlinkClick r:id="rId4"/>
+              </a:rPr>
+              <a:t>https://nodejs.org/en/download/</a:t>
+            </a:r>
+            <a:r>
+              <a:rPr lang="pt-BR" sz="3200" b="0" strike="noStrike" spc="-1">
+                <a:solidFill>
+                  <a:srgbClr val="1F4E79"/>
+                </a:solidFill>
+                <a:latin typeface="Arial"/>
+                <a:ea typeface="DejaVu Sans"/>
+              </a:rPr>
+              <a:t>.</a:t>
+            </a:r>
+            <a:endParaRPr lang="pt-BR" sz="3200" b="0" strike="noStrike" spc="-1">
+              <a:latin typeface="Arial"/>
+            </a:endParaRPr>
+          </a:p>
+          <a:p>
+            <a:pPr marL="514440" indent="-510480">
+              <a:lnSpc>
+                <a:spcPct val="100000"/>
+              </a:lnSpc>
+              <a:spcBef>
+                <a:spcPts val="1001"/>
+              </a:spcBef>
+              <a:spcAft>
+                <a:spcPts val="1001"/>
+              </a:spcAft>
+              <a:buClr>
+                <a:srgbClr val="1F4E79"/>
+              </a:buClr>
+              <a:buFont typeface="Calibri Light"/>
+              <a:buAutoNum type="arabicPeriod"/>
+            </a:pPr>
+            <a:r>
+              <a:rPr lang="pt-BR" sz="3200" b="0" strike="noStrike" spc="-1">
+                <a:solidFill>
+                  <a:srgbClr val="1F4E79"/>
+                </a:solidFill>
+                <a:latin typeface="Arial"/>
+                <a:ea typeface="DejaVu Sans"/>
+              </a:rPr>
+              <a:t>Yarn. </a:t>
+            </a:r>
+            <a:r>
+              <a:rPr lang="pt-BR" sz="3200" b="1" strike="noStrike" spc="-1">
+                <a:solidFill>
+                  <a:srgbClr val="1F4E79"/>
+                </a:solidFill>
+                <a:latin typeface="Arial"/>
+                <a:ea typeface="DejaVu Sans"/>
+              </a:rPr>
+              <a:t>Introduction</a:t>
+            </a:r>
+            <a:r>
+              <a:rPr lang="pt-BR" sz="3200" b="0" strike="noStrike" spc="-1">
+                <a:solidFill>
+                  <a:srgbClr val="1F4E79"/>
+                </a:solidFill>
+                <a:latin typeface="Arial"/>
+                <a:ea typeface="DejaVu Sans"/>
+              </a:rPr>
+              <a:t>. Disponível em: </a:t>
+            </a:r>
+            <a:r>
+              <a:rPr lang="pt-BR" sz="3200" b="0" u="sng" strike="noStrike" spc="-1">
+                <a:solidFill>
+                  <a:srgbClr val="0563C1"/>
+                </a:solidFill>
+                <a:uFillTx/>
+                <a:latin typeface="Arial"/>
+                <a:ea typeface="DejaVu Sans"/>
+                <a:hlinkClick r:id="rId5"/>
+              </a:rPr>
+              <a:t>https://yarnpkg.com/getting-started</a:t>
+            </a:r>
+            <a:r>
+              <a:rPr lang="pt-BR" sz="3200" b="0" strike="noStrike" spc="-1">
+                <a:solidFill>
+                  <a:srgbClr val="1F4E79"/>
+                </a:solidFill>
+                <a:latin typeface="Arial"/>
+                <a:ea typeface="DejaVu Sans"/>
+              </a:rPr>
+              <a:t>.</a:t>
+            </a:r>
+            <a:endParaRPr lang="pt-BR" sz="3200" b="0" strike="noStrike" spc="-1">
+              <a:latin typeface="Arial"/>
+            </a:endParaRPr>
+          </a:p>
+          <a:p>
+            <a:pPr marL="514440" indent="-510480">
+              <a:lnSpc>
+                <a:spcPct val="100000"/>
+              </a:lnSpc>
+              <a:spcBef>
+                <a:spcPts val="1001"/>
+              </a:spcBef>
+              <a:spcAft>
+                <a:spcPts val="1001"/>
+              </a:spcAft>
+              <a:buClr>
+                <a:srgbClr val="1F4E79"/>
+              </a:buClr>
+              <a:buFont typeface="Calibri Light"/>
+              <a:buAutoNum type="arabicPeriod"/>
+            </a:pPr>
+            <a:r>
+              <a:rPr lang="pt-BR" sz="3200" b="0" strike="noStrike" spc="-1">
+                <a:solidFill>
+                  <a:srgbClr val="1F4E79"/>
+                </a:solidFill>
+                <a:latin typeface="Arial"/>
+                <a:ea typeface="DejaVu Sans"/>
+              </a:rPr>
+              <a:t>Yarn. </a:t>
+            </a:r>
+            <a:r>
+              <a:rPr lang="pt-BR" sz="3200" b="1" strike="noStrike" spc="-1">
+                <a:solidFill>
+                  <a:srgbClr val="1F4E79"/>
+                </a:solidFill>
+                <a:latin typeface="Arial"/>
+                <a:ea typeface="DejaVu Sans"/>
+              </a:rPr>
+              <a:t>Installation</a:t>
+            </a:r>
+            <a:r>
+              <a:rPr lang="pt-BR" sz="3200" b="0" strike="noStrike" spc="-1">
+                <a:solidFill>
+                  <a:srgbClr val="1F4E79"/>
+                </a:solidFill>
+                <a:latin typeface="Arial"/>
+                <a:ea typeface="DejaVu Sans"/>
+              </a:rPr>
+              <a:t>. Disponível em: </a:t>
+            </a:r>
+            <a:r>
+              <a:rPr lang="pt-BR" sz="3200" b="0" u="sng" strike="noStrike" spc="-1">
+                <a:solidFill>
+                  <a:srgbClr val="0563C1"/>
+                </a:solidFill>
+                <a:uFillTx/>
+                <a:latin typeface="Arial"/>
+                <a:ea typeface="DejaVu Sans"/>
+                <a:hlinkClick r:id="rId6"/>
+              </a:rPr>
+              <a:t>https://classic.yarnpkg.com/en/docs/install#windows-stable</a:t>
+            </a:r>
+            <a:r>
+              <a:rPr lang="pt-BR" sz="3200" b="0" strike="noStrike" spc="-1">
+                <a:solidFill>
+                  <a:srgbClr val="1F4E79"/>
+                </a:solidFill>
+                <a:latin typeface="Arial"/>
+                <a:ea typeface="DejaVu Sans"/>
+              </a:rPr>
+              <a:t>.</a:t>
+            </a:r>
+            <a:endParaRPr lang="pt-BR" sz="3200" b="0" strike="noStrike" spc="-1">
+              <a:latin typeface="Arial"/>
+            </a:endParaRPr>
+          </a:p>
+          <a:p>
+            <a:pPr marL="514440" indent="-510480">
+              <a:lnSpc>
+                <a:spcPct val="100000"/>
+              </a:lnSpc>
+              <a:spcBef>
+                <a:spcPts val="1001"/>
+              </a:spcBef>
+              <a:spcAft>
+                <a:spcPts val="1001"/>
+              </a:spcAft>
+              <a:buClr>
+                <a:srgbClr val="1F4E79"/>
+              </a:buClr>
+              <a:buFont typeface="Calibri Light"/>
+              <a:buAutoNum type="arabicPeriod"/>
+            </a:pPr>
+            <a:r>
+              <a:rPr lang="pt-BR" sz="3200" b="0" strike="noStrike" spc="-1">
+                <a:solidFill>
+                  <a:srgbClr val="1F4E79"/>
+                </a:solidFill>
+                <a:latin typeface="Arial"/>
+                <a:ea typeface="DejaVu Sans"/>
+              </a:rPr>
+              <a:t>Express. </a:t>
+            </a:r>
+            <a:r>
+              <a:rPr lang="pt-BR" sz="3200" b="1" strike="noStrike" spc="-1">
+                <a:solidFill>
+                  <a:srgbClr val="1F4E79"/>
+                </a:solidFill>
+                <a:latin typeface="Arial"/>
+                <a:ea typeface="DejaVu Sans"/>
+              </a:rPr>
+              <a:t>Installing</a:t>
+            </a:r>
+            <a:r>
+              <a:rPr lang="pt-BR" sz="3200" b="0" strike="noStrike" spc="-1">
+                <a:solidFill>
+                  <a:srgbClr val="1F4E79"/>
+                </a:solidFill>
+                <a:latin typeface="Arial"/>
+                <a:ea typeface="DejaVu Sans"/>
+              </a:rPr>
+              <a:t>. Disponível em: </a:t>
+            </a:r>
+            <a:r>
+              <a:rPr lang="pt-BR" sz="3200" b="0" u="sng" strike="noStrike" spc="-1">
+                <a:solidFill>
+                  <a:srgbClr val="0563C1"/>
+                </a:solidFill>
+                <a:uFillTx/>
+                <a:latin typeface="Arial"/>
+                <a:ea typeface="DejaVu Sans"/>
+                <a:hlinkClick r:id="rId7"/>
+              </a:rPr>
+              <a:t>https://expressjs.com/en/starter/installing.html</a:t>
+            </a:r>
+            <a:endParaRPr lang="pt-BR" sz="3200" b="0" strike="noStrike" spc="-1">
+              <a:latin typeface="Arial"/>
+            </a:endParaRPr>
+          </a:p>
+        </p:txBody>
+      </p:sp>
+    </p:spTree>
+  </p:cSld>
+  <p:clrMapOvr>
+    <a:masterClrMapping/>
+  </p:clrMapOvr>
+</p:sld>
+</file>
+
+<file path=ppt/slides/slide64.xml><?xml version="1.0" encoding="utf-8"?>
+<p:sld xmlns:a="http://schemas.openxmlformats.org/drawingml/2006/main" xmlns:r="http://schemas.openxmlformats.org/officeDocument/2006/relationships" xmlns:p="http://schemas.openxmlformats.org/presentationml/2006/main">
+  <p:cSld>
+    <p:spTree>
+      <p:nvGrpSpPr>
+        <p:cNvPr id="1" name=""/>
+        <p:cNvGrpSpPr/>
+        <p:nvPr/>
+      </p:nvGrpSpPr>
+      <p:grpSpPr>
+        <a:xfrm>
+          <a:off x="0" y="0"/>
+          <a:ext cx="0" cy="0"/>
+          <a:chOff x="0" y="0"/>
+          <a:chExt cx="0" cy="0"/>
+        </a:xfrm>
+      </p:grpSpPr>
+      <p:sp>
+        <p:nvSpPr>
+          <p:cNvPr id="177" name="CustomShape 1"/>
+          <p:cNvSpPr/>
+          <p:nvPr/>
+        </p:nvSpPr>
+        <p:spPr>
+          <a:xfrm>
+            <a:off x="0" y="224280"/>
+            <a:ext cx="12019320" cy="854640"/>
+          </a:xfrm>
+          <a:prstGeom prst="rect">
+            <a:avLst/>
+          </a:prstGeom>
+          <a:noFill/>
+          <a:ln>
+            <a:noFill/>
+          </a:ln>
+        </p:spPr>
+        <p:style>
+          <a:lnRef idx="0">
+            <a:scrgbClr r="0" g="0" b="0"/>
+          </a:lnRef>
+          <a:fillRef idx="0">
+            <a:scrgbClr r="0" g="0" b="0"/>
+          </a:fillRef>
+          <a:effectRef idx="0">
+            <a:scrgbClr r="0" g="0" b="0"/>
+          </a:effectRef>
+          <a:fontRef idx="minor"/>
+        </p:style>
+        <p:txBody>
+          <a:bodyPr lIns="90000" tIns="45000" rIns="90000" bIns="45000" anchor="ctr">
+            <a:noAutofit/>
+          </a:bodyPr>
+          <a:lstStyle/>
+          <a:p>
+            <a:pPr algn="ctr">
+              <a:lnSpc>
+                <a:spcPct val="90000"/>
+              </a:lnSpc>
+            </a:pPr>
+            <a:r>
+              <a:rPr lang="pt-BR" sz="5400" b="0" strike="noStrike" spc="-1">
+                <a:solidFill>
+                  <a:srgbClr val="1F4E79"/>
+                </a:solidFill>
+                <a:latin typeface="Arial"/>
+                <a:ea typeface="DejaVu Sans"/>
+              </a:rPr>
+              <a:t>Referências</a:t>
+            </a:r>
+            <a:endParaRPr lang="pt-BR" sz="5400" b="0" strike="noStrike" spc="-1">
+              <a:latin typeface="Arial"/>
+            </a:endParaRPr>
+          </a:p>
+        </p:txBody>
+      </p:sp>
+      <p:sp>
+        <p:nvSpPr>
+          <p:cNvPr id="178" name="CustomShape 2"/>
+          <p:cNvSpPr/>
+          <p:nvPr/>
+        </p:nvSpPr>
+        <p:spPr>
+          <a:xfrm>
+            <a:off x="317520" y="1290960"/>
+            <a:ext cx="11701440" cy="4347360"/>
+          </a:xfrm>
+          <a:prstGeom prst="rect">
+            <a:avLst/>
+          </a:prstGeom>
+          <a:noFill/>
+          <a:ln>
+            <a:noFill/>
+          </a:ln>
+        </p:spPr>
+        <p:style>
+          <a:lnRef idx="0">
+            <a:scrgbClr r="0" g="0" b="0"/>
+          </a:lnRef>
+          <a:fillRef idx="0">
+            <a:scrgbClr r="0" g="0" b="0"/>
+          </a:fillRef>
+          <a:effectRef idx="0">
+            <a:scrgbClr r="0" g="0" b="0"/>
+          </a:effectRef>
+          <a:fontRef idx="minor"/>
+        </p:style>
+        <p:txBody>
+          <a:bodyPr lIns="90000" tIns="45000" rIns="90000" bIns="45000">
+            <a:normAutofit/>
+          </a:bodyPr>
+          <a:lstStyle/>
+          <a:p>
+            <a:pPr marL="516240" indent="-512280">
+              <a:lnSpc>
+                <a:spcPct val="100000"/>
+              </a:lnSpc>
+              <a:spcBef>
+                <a:spcPts val="1001"/>
+              </a:spcBef>
+              <a:spcAft>
+                <a:spcPts val="1001"/>
+              </a:spcAft>
+              <a:buClr>
+                <a:srgbClr val="1F4E79"/>
+              </a:buClr>
+              <a:buFont typeface="Arial"/>
+              <a:buAutoNum type="arabicPeriod" startAt="6"/>
+            </a:pPr>
+            <a:r>
+              <a:rPr lang="pt-BR" sz="3200" b="0" strike="noStrike" spc="-1">
+                <a:solidFill>
+                  <a:srgbClr val="1F4E79"/>
+                </a:solidFill>
+                <a:latin typeface="Arial"/>
+                <a:ea typeface="DejaVu Sans"/>
+              </a:rPr>
+              <a:t>NPM. </a:t>
+            </a:r>
+            <a:r>
+              <a:rPr lang="pt-BR" sz="3200" b="1" strike="noStrike" spc="-1">
+                <a:solidFill>
+                  <a:srgbClr val="1F4E79"/>
+                </a:solidFill>
+                <a:latin typeface="Arial"/>
+                <a:ea typeface="DejaVu Sans"/>
+              </a:rPr>
+              <a:t>Nodemon</a:t>
+            </a:r>
+            <a:r>
+              <a:rPr lang="pt-BR" sz="3200" b="0" strike="noStrike" spc="-1">
+                <a:solidFill>
+                  <a:srgbClr val="1F4E79"/>
+                </a:solidFill>
+                <a:latin typeface="Arial"/>
+                <a:ea typeface="DejaVu Sans"/>
+              </a:rPr>
+              <a:t>. Disponível em: </a:t>
+            </a:r>
+            <a:r>
+              <a:rPr lang="pt-BR" sz="3200" b="0" u="sng" strike="noStrike" spc="-1">
+                <a:solidFill>
+                  <a:srgbClr val="0563C1"/>
+                </a:solidFill>
+                <a:uFillTx/>
+                <a:latin typeface="Arial"/>
+                <a:ea typeface="DejaVu Sans"/>
+                <a:hlinkClick r:id="rId3"/>
+              </a:rPr>
+              <a:t>https://www.npmjs.com/package/nodemon</a:t>
+            </a:r>
+            <a:endParaRPr lang="pt-BR" sz="3200" b="0" strike="noStrike" spc="-1">
+              <a:latin typeface="Arial"/>
+            </a:endParaRPr>
+          </a:p>
+          <a:p>
+            <a:pPr marL="516240" indent="-512280">
+              <a:lnSpc>
+                <a:spcPct val="100000"/>
+              </a:lnSpc>
+              <a:spcBef>
+                <a:spcPts val="1001"/>
+              </a:spcBef>
+              <a:spcAft>
+                <a:spcPts val="1001"/>
+              </a:spcAft>
+              <a:buClr>
+                <a:srgbClr val="1F4E79"/>
+              </a:buClr>
+              <a:buFont typeface="Arial"/>
+              <a:buAutoNum type="arabicPeriod" startAt="6"/>
+            </a:pPr>
+            <a:r>
+              <a:rPr lang="pt-BR" sz="3200" b="0" strike="noStrike" spc="-1">
+                <a:solidFill>
+                  <a:srgbClr val="1F4E79"/>
+                </a:solidFill>
+                <a:latin typeface="Arial"/>
+                <a:ea typeface="DejaVu Sans"/>
+              </a:rPr>
+              <a:t>MDN Web Docs Mozilla. </a:t>
+            </a:r>
+            <a:r>
+              <a:rPr lang="pt-BR" sz="3200" b="1" strike="noStrike" spc="-1">
+                <a:solidFill>
+                  <a:srgbClr val="1F4E79"/>
+                </a:solidFill>
+                <a:latin typeface="Arial"/>
+                <a:ea typeface="DejaVu Sans"/>
+              </a:rPr>
+              <a:t>Métodos de requisição HTTP</a:t>
+            </a:r>
+            <a:r>
+              <a:rPr lang="pt-BR" sz="3200" b="0" strike="noStrike" spc="-1">
+                <a:solidFill>
+                  <a:srgbClr val="1F4E79"/>
+                </a:solidFill>
+                <a:latin typeface="Arial"/>
+                <a:ea typeface="DejaVu Sans"/>
+              </a:rPr>
+              <a:t>. Disponível em: </a:t>
+            </a:r>
+            <a:r>
+              <a:rPr lang="pt-BR" sz="3200" b="0" u="sng" strike="noStrike" spc="-1">
+                <a:solidFill>
+                  <a:srgbClr val="0563C1"/>
+                </a:solidFill>
+                <a:uFillTx/>
+                <a:latin typeface="Arial"/>
+                <a:ea typeface="DejaVu Sans"/>
+                <a:hlinkClick r:id="rId4"/>
+              </a:rPr>
+              <a:t>https://developer.mozilla.org/pt-BR/docs/Web/HTTP/Methods</a:t>
+            </a:r>
+            <a:r>
+              <a:rPr lang="pt-BR" sz="3200" b="0" strike="noStrike" spc="-1">
+                <a:solidFill>
+                  <a:srgbClr val="1F4E79"/>
+                </a:solidFill>
+                <a:latin typeface="Arial"/>
+                <a:ea typeface="DejaVu Sans"/>
+              </a:rPr>
+              <a:t>.</a:t>
+            </a:r>
+            <a:endParaRPr lang="pt-BR" sz="3200" b="0" strike="noStrike" spc="-1">
+              <a:latin typeface="Arial"/>
+            </a:endParaRPr>
+          </a:p>
+          <a:p>
+            <a:pPr marL="516240" indent="-512280">
+              <a:lnSpc>
+                <a:spcPct val="100000"/>
+              </a:lnSpc>
+              <a:spcBef>
+                <a:spcPts val="1001"/>
+              </a:spcBef>
+              <a:spcAft>
+                <a:spcPts val="1001"/>
+              </a:spcAft>
+              <a:buClr>
+                <a:srgbClr val="1F4E79"/>
+              </a:buClr>
+              <a:buFont typeface="Arial"/>
+              <a:buAutoNum type="arabicPeriod" startAt="6"/>
+            </a:pPr>
+            <a:r>
+              <a:rPr lang="pt-BR" sz="3200" b="0" strike="noStrike" spc="-1">
+                <a:solidFill>
+                  <a:srgbClr val="1F4E79"/>
+                </a:solidFill>
+                <a:latin typeface="Arial"/>
+                <a:ea typeface="DejaVu Sans"/>
+              </a:rPr>
+              <a:t>Insomnia. </a:t>
+            </a:r>
+            <a:r>
+              <a:rPr lang="pt-BR" sz="3200" b="1" strike="noStrike" spc="-1">
+                <a:solidFill>
+                  <a:srgbClr val="1F4E79"/>
+                </a:solidFill>
+                <a:latin typeface="Arial"/>
+                <a:ea typeface="DejaVu Sans"/>
+              </a:rPr>
+              <a:t>Download Insomnia</a:t>
+            </a:r>
+            <a:r>
+              <a:rPr lang="pt-BR" sz="3200" b="0" strike="noStrike" spc="-1">
+                <a:solidFill>
+                  <a:srgbClr val="1F4E79"/>
+                </a:solidFill>
+                <a:latin typeface="Arial"/>
+                <a:ea typeface="DejaVu Sans"/>
+              </a:rPr>
+              <a:t>. Disponível em: </a:t>
+            </a:r>
+            <a:r>
+              <a:rPr lang="pt-BR" sz="3200" b="0" u="sng" strike="noStrike" spc="-1">
+                <a:solidFill>
+                  <a:srgbClr val="0563C1"/>
+                </a:solidFill>
+                <a:uFillTx/>
+                <a:latin typeface="Arial"/>
+                <a:ea typeface="DejaVu Sans"/>
+                <a:hlinkClick r:id="rId5"/>
+              </a:rPr>
+              <a:t>https://insomnia.rest/download</a:t>
+            </a:r>
+            <a:endParaRPr lang="pt-BR" sz="3200" b="0" strike="noStrike" spc="-1">
+              <a:latin typeface="Arial"/>
+            </a:endParaRPr>
+          </a:p>
+          <a:p>
+            <a:pPr>
+              <a:lnSpc>
+                <a:spcPct val="100000"/>
+              </a:lnSpc>
+              <a:spcBef>
+                <a:spcPts val="1001"/>
+              </a:spcBef>
+              <a:spcAft>
+                <a:spcPts val="1001"/>
+              </a:spcAft>
+            </a:pPr>
+            <a:endParaRPr lang="pt-BR" sz="3200" b="0" strike="noStrike" spc="-1">
+              <a:latin typeface="Arial"/>
+            </a:endParaRPr>
+          </a:p>
+          <a:p>
+            <a:pPr marL="1800">
+              <a:lnSpc>
+                <a:spcPct val="100000"/>
+              </a:lnSpc>
+              <a:spcBef>
+                <a:spcPts val="1001"/>
+              </a:spcBef>
+              <a:spcAft>
+                <a:spcPts val="1001"/>
+              </a:spcAft>
+            </a:pPr>
+            <a:endParaRPr lang="pt-BR" sz="3200" b="0" strike="noStrike" spc="-1">
+              <a:latin typeface="Arial"/>
+            </a:endParaRPr>
+          </a:p>
+          <a:p>
+            <a:pPr marL="1800">
+              <a:lnSpc>
+                <a:spcPct val="100000"/>
+              </a:lnSpc>
+              <a:spcBef>
+                <a:spcPts val="1001"/>
+              </a:spcBef>
+              <a:spcAft>
+                <a:spcPts val="1001"/>
+              </a:spcAft>
+            </a:pPr>
+            <a:endParaRPr lang="pt-BR" sz="3200" b="0" strike="noStrike" spc="-1">
+              <a:latin typeface="Arial"/>
+            </a:endParaRPr>
+          </a:p>
+        </p:txBody>
+      </p:sp>
+    </p:spTree>
+  </p:cSld>
+  <p:clrMapOvr>
+    <a:masterClrMapping/>
+  </p:clrMapOvr>
+</p:sld>
+</file>
+
+<file path=ppt/slides/slide65.xml><?xml version="1.0" encoding="utf-8"?>
 <p:sld xmlns:a="http://schemas.openxmlformats.org/drawingml/2006/main" xmlns:r="http://schemas.openxmlformats.org/officeDocument/2006/relationships" xmlns:p="http://schemas.openxmlformats.org/presentationml/2006/main">
   <p:cSld>
     <p:spTree>

--- a/node-js.pptx
+++ b/node-js.pptx
@@ -6,7 +6,7 @@
     <p:sldMasterId id="2147483661" r:id="rId2"/>
   </p:sldMasterIdLst>
   <p:notesMasterIdLst>
-    <p:notesMasterId r:id="rId73"/>
+    <p:notesMasterId r:id="rId79"/>
   </p:notesMasterIdLst>
   <p:sldIdLst>
     <p:sldId id="256" r:id="rId3"/>
@@ -72,13 +72,19 @@
     <p:sldId id="318" r:id="rId63"/>
     <p:sldId id="325" r:id="rId64"/>
     <p:sldId id="313" r:id="rId65"/>
-    <p:sldId id="326" r:id="rId66"/>
-    <p:sldId id="315" r:id="rId67"/>
-    <p:sldId id="316" r:id="rId68"/>
-    <p:sldId id="298" r:id="rId69"/>
-    <p:sldId id="299" r:id="rId70"/>
-    <p:sldId id="300" r:id="rId71"/>
-    <p:sldId id="301" r:id="rId72"/>
+    <p:sldId id="327" r:id="rId66"/>
+    <p:sldId id="328" r:id="rId67"/>
+    <p:sldId id="326" r:id="rId68"/>
+    <p:sldId id="329" r:id="rId69"/>
+    <p:sldId id="330" r:id="rId70"/>
+    <p:sldId id="298" r:id="rId71"/>
+    <p:sldId id="331" r:id="rId72"/>
+    <p:sldId id="332" r:id="rId73"/>
+    <p:sldId id="315" r:id="rId74"/>
+    <p:sldId id="333" r:id="rId75"/>
+    <p:sldId id="299" r:id="rId76"/>
+    <p:sldId id="300" r:id="rId77"/>
+    <p:sldId id="301" r:id="rId78"/>
   </p:sldIdLst>
   <p:sldSz cx="12192000" cy="6858000"/>
   <p:notesSz cx="6858000" cy="9144000"/>
@@ -8932,7 +8938,7 @@
     </p:spTree>
     <p:extLst>
       <p:ext uri="{BB962C8B-B14F-4D97-AF65-F5344CB8AC3E}">
-        <p14:creationId xmlns:p14="http://schemas.microsoft.com/office/powerpoint/2010/main" val="2237718854"/>
+        <p14:creationId xmlns:p14="http://schemas.microsoft.com/office/powerpoint/2010/main" val="3451035706"/>
       </p:ext>
     </p:extLst>
   </p:cSld>
@@ -9071,7 +9077,7 @@
     </p:spTree>
     <p:extLst>
       <p:ext uri="{BB962C8B-B14F-4D97-AF65-F5344CB8AC3E}">
-        <p14:creationId xmlns:p14="http://schemas.microsoft.com/office/powerpoint/2010/main" val="1083857770"/>
+        <p14:creationId xmlns:p14="http://schemas.microsoft.com/office/powerpoint/2010/main" val="739668009"/>
       </p:ext>
     </p:extLst>
   </p:cSld>
@@ -9110,8 +9116,8 @@
         </p:nvSpPr>
         <p:spPr>
           <a:xfrm>
-            <a:off x="685800" y="1143000"/>
-            <a:ext cx="5482800" cy="3082320"/>
+            <a:off x="687388" y="1143000"/>
+            <a:ext cx="5480050" cy="3082925"/>
           </a:xfrm>
           <a:prstGeom prst="rect">
             <a:avLst/>
@@ -9210,7 +9216,7 @@
     </p:spTree>
     <p:extLst>
       <p:ext uri="{BB962C8B-B14F-4D97-AF65-F5344CB8AC3E}">
-        <p14:creationId xmlns:p14="http://schemas.microsoft.com/office/powerpoint/2010/main" val="1675101123"/>
+        <p14:creationId xmlns:p14="http://schemas.microsoft.com/office/powerpoint/2010/main" val="2237718854"/>
       </p:ext>
     </p:extLst>
   </p:cSld>
@@ -9239,7 +9245,7 @@
       </p:grpSpPr>
       <p:sp>
         <p:nvSpPr>
-          <p:cNvPr id="307" name="PlaceHolder 1"/>
+          <p:cNvPr id="304" name="PlaceHolder 1"/>
           <p:cNvSpPr>
             <a:spLocks noGrp="1" noRot="1" noChangeAspect="1"/>
           </p:cNvSpPr>
@@ -9249,17 +9255,17 @@
         </p:nvSpPr>
         <p:spPr>
           <a:xfrm>
-            <a:off x="685800" y="1143000"/>
-            <a:ext cx="5482800" cy="3082320"/>
-          </a:xfrm>
-          <a:prstGeom prst="rect">
-            <a:avLst/>
-          </a:prstGeom>
-        </p:spPr>
-      </p:sp>
-      <p:sp>
-        <p:nvSpPr>
-          <p:cNvPr id="308" name="PlaceHolder 2"/>
+            <a:off x="687388" y="1143000"/>
+            <a:ext cx="5480050" cy="3082925"/>
+          </a:xfrm>
+          <a:prstGeom prst="rect">
+            <a:avLst/>
+          </a:prstGeom>
+        </p:spPr>
+      </p:sp>
+      <p:sp>
+        <p:nvSpPr>
+          <p:cNvPr id="305" name="PlaceHolder 2"/>
           <p:cNvSpPr>
             <a:spLocks noGrp="1"/>
           </p:cNvSpPr>
@@ -9290,7 +9296,7 @@
       </p:sp>
       <p:sp>
         <p:nvSpPr>
-          <p:cNvPr id="309" name="CustomShape 3"/>
+          <p:cNvPr id="306" name="CustomShape 3"/>
           <p:cNvSpPr/>
           <p:nvPr/>
         </p:nvSpPr>
@@ -9330,7 +9336,7 @@
                 <a:spcPct val="100000"/>
               </a:lnSpc>
             </a:pPr>
-            <a:fld id="{B0CFDC8E-E808-4FCA-BF70-6567A9414BBB}" type="slidenum">
+            <a:fld id="{F4C072A3-0E1D-4C79-A8AC-BB1726406D60}" type="slidenum">
               <a:rPr lang="pt-BR" sz="1200" b="0" strike="noStrike" spc="-1">
                 <a:solidFill>
                   <a:srgbClr val="000000"/>
@@ -9347,6 +9353,11 @@
         </p:txBody>
       </p:sp>
     </p:spTree>
+    <p:extLst>
+      <p:ext uri="{BB962C8B-B14F-4D97-AF65-F5344CB8AC3E}">
+        <p14:creationId xmlns:p14="http://schemas.microsoft.com/office/powerpoint/2010/main" val="3667145720"/>
+      </p:ext>
+    </p:extLst>
   </p:cSld>
   <p:clrMapOvr>
     <a:masterClrMapping/>
@@ -9373,7 +9384,7 @@
       </p:grpSpPr>
       <p:sp>
         <p:nvSpPr>
-          <p:cNvPr id="310" name="PlaceHolder 1"/>
+          <p:cNvPr id="304" name="PlaceHolder 1"/>
           <p:cNvSpPr>
             <a:spLocks noGrp="1" noRot="1" noChangeAspect="1"/>
           </p:cNvSpPr>
@@ -9393,7 +9404,7 @@
       </p:sp>
       <p:sp>
         <p:nvSpPr>
-          <p:cNvPr id="311" name="PlaceHolder 2"/>
+          <p:cNvPr id="305" name="PlaceHolder 2"/>
           <p:cNvSpPr>
             <a:spLocks noGrp="1"/>
           </p:cNvSpPr>
@@ -9403,7 +9414,7 @@
         </p:nvSpPr>
         <p:spPr>
           <a:xfrm>
-            <a:off x="685800" y="4400640"/>
+            <a:off x="685800" y="4320000"/>
             <a:ext cx="5482440" cy="3596400"/>
           </a:xfrm>
           <a:prstGeom prst="rect">
@@ -9416,7 +9427,7 @@
           </a:bodyPr>
           <a:lstStyle/>
           <a:p>
-            <a:endParaRPr lang="pt-BR" sz="2000" b="0" strike="noStrike" spc="-1">
+            <a:endParaRPr lang="pt-BR" sz="2000" b="0" strike="noStrike" spc="-1" dirty="0">
               <a:latin typeface="Arial"/>
             </a:endParaRPr>
           </a:p>
@@ -9424,7 +9435,7 @@
       </p:sp>
       <p:sp>
         <p:nvSpPr>
-          <p:cNvPr id="312" name="CustomShape 3"/>
+          <p:cNvPr id="306" name="CustomShape 3"/>
           <p:cNvSpPr/>
           <p:nvPr/>
         </p:nvSpPr>
@@ -9464,7 +9475,7 @@
                 <a:spcPct val="100000"/>
               </a:lnSpc>
             </a:pPr>
-            <a:fld id="{A4A9D5A6-6C48-4B43-8032-A4F02E798000}" type="slidenum">
+            <a:fld id="{F4C072A3-0E1D-4C79-A8AC-BB1726406D60}" type="slidenum">
               <a:rPr lang="pt-BR" sz="1200" b="0" strike="noStrike" spc="-1">
                 <a:solidFill>
                   <a:srgbClr val="000000"/>
@@ -9481,6 +9492,11 @@
         </p:txBody>
       </p:sp>
     </p:spTree>
+    <p:extLst>
+      <p:ext uri="{BB962C8B-B14F-4D97-AF65-F5344CB8AC3E}">
+        <p14:creationId xmlns:p14="http://schemas.microsoft.com/office/powerpoint/2010/main" val="3655447607"/>
+      </p:ext>
+    </p:extLst>
   </p:cSld>
   <p:clrMapOvr>
     <a:masterClrMapping/>
@@ -9507,7 +9523,7 @@
       </p:grpSpPr>
       <p:sp>
         <p:nvSpPr>
-          <p:cNvPr id="313" name="PlaceHolder 1"/>
+          <p:cNvPr id="307" name="PlaceHolder 1"/>
           <p:cNvSpPr>
             <a:spLocks noGrp="1" noRot="1" noChangeAspect="1"/>
           </p:cNvSpPr>
@@ -9527,7 +9543,7 @@
       </p:sp>
       <p:sp>
         <p:nvSpPr>
-          <p:cNvPr id="314" name="PlaceHolder 2"/>
+          <p:cNvPr id="308" name="PlaceHolder 2"/>
           <p:cNvSpPr>
             <a:spLocks noGrp="1"/>
           </p:cNvSpPr>
@@ -9537,7 +9553,7 @@
         </p:nvSpPr>
         <p:spPr>
           <a:xfrm>
-            <a:off x="685800" y="4400640"/>
+            <a:off x="685800" y="4320000"/>
             <a:ext cx="5482440" cy="3596400"/>
           </a:xfrm>
           <a:prstGeom prst="rect">
@@ -9558,7 +9574,7 @@
       </p:sp>
       <p:sp>
         <p:nvSpPr>
-          <p:cNvPr id="315" name="CustomShape 3"/>
+          <p:cNvPr id="309" name="CustomShape 3"/>
           <p:cNvSpPr/>
           <p:nvPr/>
         </p:nvSpPr>
@@ -9598,7 +9614,7 @@
                 <a:spcPct val="100000"/>
               </a:lnSpc>
             </a:pPr>
-            <a:fld id="{B008546A-9EE6-49C8-B1DE-CF65AB5C1D04}" type="slidenum">
+            <a:fld id="{B0CFDC8E-E808-4FCA-BF70-6567A9414BBB}" type="slidenum">
               <a:rPr lang="pt-BR" sz="1200" b="0" strike="noStrike" spc="-1">
                 <a:solidFill>
                   <a:srgbClr val="000000"/>
@@ -9907,7 +9923,7 @@
       </p:grpSpPr>
       <p:sp>
         <p:nvSpPr>
-          <p:cNvPr id="316" name="PlaceHolder 1"/>
+          <p:cNvPr id="304" name="PlaceHolder 1"/>
           <p:cNvSpPr>
             <a:spLocks noGrp="1" noRot="1" noChangeAspect="1"/>
           </p:cNvSpPr>
@@ -9927,7 +9943,7 @@
       </p:sp>
       <p:sp>
         <p:nvSpPr>
-          <p:cNvPr id="317" name="PlaceHolder 2"/>
+          <p:cNvPr id="305" name="PlaceHolder 2"/>
           <p:cNvSpPr>
             <a:spLocks noGrp="1"/>
           </p:cNvSpPr>
@@ -9937,7 +9953,7 @@
         </p:nvSpPr>
         <p:spPr>
           <a:xfrm>
-            <a:off x="685800" y="4400640"/>
+            <a:off x="685800" y="4320000"/>
             <a:ext cx="5482440" cy="3596400"/>
           </a:xfrm>
           <a:prstGeom prst="rect">
@@ -9950,7 +9966,7 @@
           </a:bodyPr>
           <a:lstStyle/>
           <a:p>
-            <a:endParaRPr lang="pt-BR" sz="2000" b="0" strike="noStrike" spc="-1">
+            <a:endParaRPr lang="pt-BR" sz="2000" b="0" strike="noStrike" spc="-1" dirty="0">
               <a:latin typeface="Arial"/>
             </a:endParaRPr>
           </a:p>
@@ -9958,7 +9974,7 @@
       </p:sp>
       <p:sp>
         <p:nvSpPr>
-          <p:cNvPr id="318" name="CustomShape 3"/>
+          <p:cNvPr id="306" name="CustomShape 3"/>
           <p:cNvSpPr/>
           <p:nvPr/>
         </p:nvSpPr>
@@ -9998,6 +10014,854 @@
                 <a:spcPct val="100000"/>
               </a:lnSpc>
             </a:pPr>
+            <a:fld id="{F4C072A3-0E1D-4C79-A8AC-BB1726406D60}" type="slidenum">
+              <a:rPr lang="pt-BR" sz="1200" b="0" strike="noStrike" spc="-1">
+                <a:solidFill>
+                  <a:srgbClr val="000000"/>
+                </a:solidFill>
+                <a:latin typeface="Times New Roman"/>
+                <a:ea typeface="+mn-ea"/>
+              </a:rPr>
+              <a:t>70</a:t>
+            </a:fld>
+            <a:endParaRPr lang="pt-BR" sz="1200" b="0" strike="noStrike" spc="-1">
+              <a:latin typeface="Arial"/>
+            </a:endParaRPr>
+          </a:p>
+        </p:txBody>
+      </p:sp>
+    </p:spTree>
+    <p:extLst>
+      <p:ext uri="{BB962C8B-B14F-4D97-AF65-F5344CB8AC3E}">
+        <p14:creationId xmlns:p14="http://schemas.microsoft.com/office/powerpoint/2010/main" val="4155291739"/>
+      </p:ext>
+    </p:extLst>
+  </p:cSld>
+  <p:clrMapOvr>
+    <a:masterClrMapping/>
+  </p:clrMapOvr>
+</p:notes>
+</file>
+
+<file path=ppt/notesSlides/notesSlide71.xml><?xml version="1.0" encoding="utf-8"?>
+<p:notes xmlns:a="http://schemas.openxmlformats.org/drawingml/2006/main" xmlns:r="http://schemas.openxmlformats.org/officeDocument/2006/relationships" xmlns:p="http://schemas.openxmlformats.org/presentationml/2006/main">
+  <p:cSld>
+    <p:spTree>
+      <p:nvGrpSpPr>
+        <p:cNvPr id="1" name=""/>
+        <p:cNvGrpSpPr/>
+        <p:nvPr/>
+      </p:nvGrpSpPr>
+      <p:grpSpPr>
+        <a:xfrm>
+          <a:off x="0" y="0"/>
+          <a:ext cx="0" cy="0"/>
+          <a:chOff x="0" y="0"/>
+          <a:chExt cx="0" cy="0"/>
+        </a:xfrm>
+      </p:grpSpPr>
+      <p:sp>
+        <p:nvSpPr>
+          <p:cNvPr id="304" name="PlaceHolder 1"/>
+          <p:cNvSpPr>
+            <a:spLocks noGrp="1" noRot="1" noChangeAspect="1"/>
+          </p:cNvSpPr>
+          <p:nvPr>
+            <p:ph type="sldImg"/>
+          </p:nvPr>
+        </p:nvSpPr>
+        <p:spPr>
+          <a:xfrm>
+            <a:off x="687388" y="1143000"/>
+            <a:ext cx="5480050" cy="3082925"/>
+          </a:xfrm>
+          <a:prstGeom prst="rect">
+            <a:avLst/>
+          </a:prstGeom>
+        </p:spPr>
+      </p:sp>
+      <p:sp>
+        <p:nvSpPr>
+          <p:cNvPr id="305" name="PlaceHolder 2"/>
+          <p:cNvSpPr>
+            <a:spLocks noGrp="1"/>
+          </p:cNvSpPr>
+          <p:nvPr>
+            <p:ph type="body"/>
+          </p:nvPr>
+        </p:nvSpPr>
+        <p:spPr>
+          <a:xfrm>
+            <a:off x="685800" y="4320000"/>
+            <a:ext cx="5482440" cy="3596400"/>
+          </a:xfrm>
+          <a:prstGeom prst="rect">
+            <a:avLst/>
+          </a:prstGeom>
+        </p:spPr>
+        <p:txBody>
+          <a:bodyPr lIns="0" tIns="0" rIns="0" bIns="0">
+            <a:noAutofit/>
+          </a:bodyPr>
+          <a:lstStyle/>
+          <a:p>
+            <a:endParaRPr lang="pt-BR" sz="2000" b="0" strike="noStrike" spc="-1" dirty="0">
+              <a:latin typeface="Arial"/>
+            </a:endParaRPr>
+          </a:p>
+        </p:txBody>
+      </p:sp>
+      <p:sp>
+        <p:nvSpPr>
+          <p:cNvPr id="306" name="CustomShape 3"/>
+          <p:cNvSpPr/>
+          <p:nvPr/>
+        </p:nvSpPr>
+        <p:spPr>
+          <a:xfrm>
+            <a:off x="3884760" y="8685360"/>
+            <a:ext cx="2967840" cy="454680"/>
+          </a:xfrm>
+          <a:prstGeom prst="rect">
+            <a:avLst/>
+          </a:prstGeom>
+          <a:noFill/>
+          <a:ln>
+            <a:noFill/>
+          </a:ln>
+        </p:spPr>
+        <p:style>
+          <a:lnRef idx="0">
+            <a:scrgbClr r="0" g="0" b="0"/>
+          </a:lnRef>
+          <a:fillRef idx="0">
+            <a:scrgbClr r="0" g="0" b="0"/>
+          </a:fillRef>
+          <a:effectRef idx="0">
+            <a:scrgbClr r="0" g="0" b="0"/>
+          </a:effectRef>
+          <a:fontRef idx="minor"/>
+        </p:style>
+        <p:txBody>
+          <a:bodyPr lIns="90000" tIns="45000" rIns="90000" bIns="45000" anchor="b">
+            <a:noAutofit/>
+          </a:bodyPr>
+          <a:lstStyle/>
+          <a:p>
+            <a:pPr algn="r">
+              <a:lnSpc>
+                <a:spcPct val="100000"/>
+              </a:lnSpc>
+            </a:pPr>
+            <a:fld id="{F4C072A3-0E1D-4C79-A8AC-BB1726406D60}" type="slidenum">
+              <a:rPr lang="pt-BR" sz="1200" b="0" strike="noStrike" spc="-1">
+                <a:solidFill>
+                  <a:srgbClr val="000000"/>
+                </a:solidFill>
+                <a:latin typeface="Times New Roman"/>
+                <a:ea typeface="+mn-ea"/>
+              </a:rPr>
+              <a:t>71</a:t>
+            </a:fld>
+            <a:endParaRPr lang="pt-BR" sz="1200" b="0" strike="noStrike" spc="-1">
+              <a:latin typeface="Arial"/>
+            </a:endParaRPr>
+          </a:p>
+        </p:txBody>
+      </p:sp>
+    </p:spTree>
+    <p:extLst>
+      <p:ext uri="{BB962C8B-B14F-4D97-AF65-F5344CB8AC3E}">
+        <p14:creationId xmlns:p14="http://schemas.microsoft.com/office/powerpoint/2010/main" val="1491974509"/>
+      </p:ext>
+    </p:extLst>
+  </p:cSld>
+  <p:clrMapOvr>
+    <a:masterClrMapping/>
+  </p:clrMapOvr>
+</p:notes>
+</file>
+
+<file path=ppt/notesSlides/notesSlide72.xml><?xml version="1.0" encoding="utf-8"?>
+<p:notes xmlns:a="http://schemas.openxmlformats.org/drawingml/2006/main" xmlns:r="http://schemas.openxmlformats.org/officeDocument/2006/relationships" xmlns:p="http://schemas.openxmlformats.org/presentationml/2006/main">
+  <p:cSld>
+    <p:spTree>
+      <p:nvGrpSpPr>
+        <p:cNvPr id="1" name=""/>
+        <p:cNvGrpSpPr/>
+        <p:nvPr/>
+      </p:nvGrpSpPr>
+      <p:grpSpPr>
+        <a:xfrm>
+          <a:off x="0" y="0"/>
+          <a:ext cx="0" cy="0"/>
+          <a:chOff x="0" y="0"/>
+          <a:chExt cx="0" cy="0"/>
+        </a:xfrm>
+      </p:grpSpPr>
+      <p:sp>
+        <p:nvSpPr>
+          <p:cNvPr id="304" name="PlaceHolder 1"/>
+          <p:cNvSpPr>
+            <a:spLocks noGrp="1" noRot="1" noChangeAspect="1"/>
+          </p:cNvSpPr>
+          <p:nvPr>
+            <p:ph type="sldImg"/>
+          </p:nvPr>
+        </p:nvSpPr>
+        <p:spPr>
+          <a:xfrm>
+            <a:off x="687388" y="1143000"/>
+            <a:ext cx="5480050" cy="3082925"/>
+          </a:xfrm>
+          <a:prstGeom prst="rect">
+            <a:avLst/>
+          </a:prstGeom>
+        </p:spPr>
+      </p:sp>
+      <p:sp>
+        <p:nvSpPr>
+          <p:cNvPr id="305" name="PlaceHolder 2"/>
+          <p:cNvSpPr>
+            <a:spLocks noGrp="1"/>
+          </p:cNvSpPr>
+          <p:nvPr>
+            <p:ph type="body"/>
+          </p:nvPr>
+        </p:nvSpPr>
+        <p:spPr>
+          <a:xfrm>
+            <a:off x="685800" y="4320000"/>
+            <a:ext cx="5482440" cy="3596400"/>
+          </a:xfrm>
+          <a:prstGeom prst="rect">
+            <a:avLst/>
+          </a:prstGeom>
+        </p:spPr>
+        <p:txBody>
+          <a:bodyPr lIns="0" tIns="0" rIns="0" bIns="0">
+            <a:noAutofit/>
+          </a:bodyPr>
+          <a:lstStyle/>
+          <a:p>
+            <a:r>
+              <a:rPr lang="pt-BR" sz="2000" spc="-1" dirty="0">
+                <a:solidFill>
+                  <a:srgbClr val="1F4E79"/>
+                </a:solidFill>
+              </a:rPr>
+              <a:t>Um aplicativo Web executa uma requisição </a:t>
+            </a:r>
+            <a:r>
+              <a:rPr lang="pt-BR" sz="2000" spc="-1" dirty="0" err="1">
+                <a:solidFill>
+                  <a:srgbClr val="1F4E79"/>
+                </a:solidFill>
+              </a:rPr>
+              <a:t>cross-origin</a:t>
+            </a:r>
+            <a:r>
+              <a:rPr lang="pt-BR" sz="2000" spc="-1" dirty="0">
+                <a:solidFill>
+                  <a:srgbClr val="1F4E79"/>
+                </a:solidFill>
+              </a:rPr>
+              <a:t> HTTP ao solicitar um recurso que tenha uma origem diferente (domínio, protocolo e porta) da sua própria origem.</a:t>
+            </a:r>
+            <a:endParaRPr lang="pt-BR" sz="2000" b="0" strike="noStrike" spc="-1" dirty="0">
+              <a:latin typeface="Arial"/>
+            </a:endParaRPr>
+          </a:p>
+        </p:txBody>
+      </p:sp>
+      <p:sp>
+        <p:nvSpPr>
+          <p:cNvPr id="306" name="CustomShape 3"/>
+          <p:cNvSpPr/>
+          <p:nvPr/>
+        </p:nvSpPr>
+        <p:spPr>
+          <a:xfrm>
+            <a:off x="3884760" y="8685360"/>
+            <a:ext cx="2967840" cy="454680"/>
+          </a:xfrm>
+          <a:prstGeom prst="rect">
+            <a:avLst/>
+          </a:prstGeom>
+          <a:noFill/>
+          <a:ln>
+            <a:noFill/>
+          </a:ln>
+        </p:spPr>
+        <p:style>
+          <a:lnRef idx="0">
+            <a:scrgbClr r="0" g="0" b="0"/>
+          </a:lnRef>
+          <a:fillRef idx="0">
+            <a:scrgbClr r="0" g="0" b="0"/>
+          </a:fillRef>
+          <a:effectRef idx="0">
+            <a:scrgbClr r="0" g="0" b="0"/>
+          </a:effectRef>
+          <a:fontRef idx="minor"/>
+        </p:style>
+        <p:txBody>
+          <a:bodyPr lIns="90000" tIns="45000" rIns="90000" bIns="45000" anchor="b">
+            <a:noAutofit/>
+          </a:bodyPr>
+          <a:lstStyle/>
+          <a:p>
+            <a:pPr algn="r">
+              <a:lnSpc>
+                <a:spcPct val="100000"/>
+              </a:lnSpc>
+            </a:pPr>
+            <a:fld id="{F4C072A3-0E1D-4C79-A8AC-BB1726406D60}" type="slidenum">
+              <a:rPr lang="pt-BR" sz="1200" b="0" strike="noStrike" spc="-1">
+                <a:solidFill>
+                  <a:srgbClr val="000000"/>
+                </a:solidFill>
+                <a:latin typeface="Times New Roman"/>
+                <a:ea typeface="+mn-ea"/>
+              </a:rPr>
+              <a:t>72</a:t>
+            </a:fld>
+            <a:endParaRPr lang="pt-BR" sz="1200" b="0" strike="noStrike" spc="-1">
+              <a:latin typeface="Arial"/>
+            </a:endParaRPr>
+          </a:p>
+        </p:txBody>
+      </p:sp>
+    </p:spTree>
+    <p:extLst>
+      <p:ext uri="{BB962C8B-B14F-4D97-AF65-F5344CB8AC3E}">
+        <p14:creationId xmlns:p14="http://schemas.microsoft.com/office/powerpoint/2010/main" val="1083857770"/>
+      </p:ext>
+    </p:extLst>
+  </p:cSld>
+  <p:clrMapOvr>
+    <a:masterClrMapping/>
+  </p:clrMapOvr>
+</p:notes>
+</file>
+
+<file path=ppt/notesSlides/notesSlide73.xml><?xml version="1.0" encoding="utf-8"?>
+<p:notes xmlns:a="http://schemas.openxmlformats.org/drawingml/2006/main" xmlns:r="http://schemas.openxmlformats.org/officeDocument/2006/relationships" xmlns:p="http://schemas.openxmlformats.org/presentationml/2006/main">
+  <p:cSld>
+    <p:spTree>
+      <p:nvGrpSpPr>
+        <p:cNvPr id="1" name=""/>
+        <p:cNvGrpSpPr/>
+        <p:nvPr/>
+      </p:nvGrpSpPr>
+      <p:grpSpPr>
+        <a:xfrm>
+          <a:off x="0" y="0"/>
+          <a:ext cx="0" cy="0"/>
+          <a:chOff x="0" y="0"/>
+          <a:chExt cx="0" cy="0"/>
+        </a:xfrm>
+      </p:grpSpPr>
+      <p:sp>
+        <p:nvSpPr>
+          <p:cNvPr id="304" name="PlaceHolder 1"/>
+          <p:cNvSpPr>
+            <a:spLocks noGrp="1" noRot="1" noChangeAspect="1"/>
+          </p:cNvSpPr>
+          <p:nvPr>
+            <p:ph type="sldImg"/>
+          </p:nvPr>
+        </p:nvSpPr>
+        <p:spPr>
+          <a:xfrm>
+            <a:off x="687388" y="1143000"/>
+            <a:ext cx="5480050" cy="3082925"/>
+          </a:xfrm>
+          <a:prstGeom prst="rect">
+            <a:avLst/>
+          </a:prstGeom>
+        </p:spPr>
+      </p:sp>
+      <p:sp>
+        <p:nvSpPr>
+          <p:cNvPr id="305" name="PlaceHolder 2"/>
+          <p:cNvSpPr>
+            <a:spLocks noGrp="1"/>
+          </p:cNvSpPr>
+          <p:nvPr>
+            <p:ph type="body"/>
+          </p:nvPr>
+        </p:nvSpPr>
+        <p:spPr>
+          <a:xfrm>
+            <a:off x="685800" y="4320000"/>
+            <a:ext cx="5482440" cy="3596400"/>
+          </a:xfrm>
+          <a:prstGeom prst="rect">
+            <a:avLst/>
+          </a:prstGeom>
+        </p:spPr>
+        <p:txBody>
+          <a:bodyPr lIns="0" tIns="0" rIns="0" bIns="0">
+            <a:noAutofit/>
+          </a:bodyPr>
+          <a:lstStyle/>
+          <a:p>
+            <a:endParaRPr lang="pt-BR" sz="2000" b="0" strike="noStrike" spc="-1" dirty="0">
+              <a:latin typeface="Arial"/>
+            </a:endParaRPr>
+          </a:p>
+        </p:txBody>
+      </p:sp>
+      <p:sp>
+        <p:nvSpPr>
+          <p:cNvPr id="306" name="CustomShape 3"/>
+          <p:cNvSpPr/>
+          <p:nvPr/>
+        </p:nvSpPr>
+        <p:spPr>
+          <a:xfrm>
+            <a:off x="3884760" y="8685360"/>
+            <a:ext cx="2967840" cy="454680"/>
+          </a:xfrm>
+          <a:prstGeom prst="rect">
+            <a:avLst/>
+          </a:prstGeom>
+          <a:noFill/>
+          <a:ln>
+            <a:noFill/>
+          </a:ln>
+        </p:spPr>
+        <p:style>
+          <a:lnRef idx="0">
+            <a:scrgbClr r="0" g="0" b="0"/>
+          </a:lnRef>
+          <a:fillRef idx="0">
+            <a:scrgbClr r="0" g="0" b="0"/>
+          </a:fillRef>
+          <a:effectRef idx="0">
+            <a:scrgbClr r="0" g="0" b="0"/>
+          </a:effectRef>
+          <a:fontRef idx="minor"/>
+        </p:style>
+        <p:txBody>
+          <a:bodyPr lIns="90000" tIns="45000" rIns="90000" bIns="45000" anchor="b">
+            <a:noAutofit/>
+          </a:bodyPr>
+          <a:lstStyle/>
+          <a:p>
+            <a:pPr algn="r">
+              <a:lnSpc>
+                <a:spcPct val="100000"/>
+              </a:lnSpc>
+            </a:pPr>
+            <a:fld id="{F4C072A3-0E1D-4C79-A8AC-BB1726406D60}" type="slidenum">
+              <a:rPr lang="pt-BR" sz="1200" b="0" strike="noStrike" spc="-1">
+                <a:solidFill>
+                  <a:srgbClr val="000000"/>
+                </a:solidFill>
+                <a:latin typeface="Times New Roman"/>
+                <a:ea typeface="+mn-ea"/>
+              </a:rPr>
+              <a:t>73</a:t>
+            </a:fld>
+            <a:endParaRPr lang="pt-BR" sz="1200" b="0" strike="noStrike" spc="-1">
+              <a:latin typeface="Arial"/>
+            </a:endParaRPr>
+          </a:p>
+        </p:txBody>
+      </p:sp>
+    </p:spTree>
+    <p:extLst>
+      <p:ext uri="{BB962C8B-B14F-4D97-AF65-F5344CB8AC3E}">
+        <p14:creationId xmlns:p14="http://schemas.microsoft.com/office/powerpoint/2010/main" val="396069306"/>
+      </p:ext>
+    </p:extLst>
+  </p:cSld>
+  <p:clrMapOvr>
+    <a:masterClrMapping/>
+  </p:clrMapOvr>
+</p:notes>
+</file>
+
+<file path=ppt/notesSlides/notesSlide74.xml><?xml version="1.0" encoding="utf-8"?>
+<p:notes xmlns:a="http://schemas.openxmlformats.org/drawingml/2006/main" xmlns:r="http://schemas.openxmlformats.org/officeDocument/2006/relationships" xmlns:p="http://schemas.openxmlformats.org/presentationml/2006/main">
+  <p:cSld>
+    <p:spTree>
+      <p:nvGrpSpPr>
+        <p:cNvPr id="1" name=""/>
+        <p:cNvGrpSpPr/>
+        <p:nvPr/>
+      </p:nvGrpSpPr>
+      <p:grpSpPr>
+        <a:xfrm>
+          <a:off x="0" y="0"/>
+          <a:ext cx="0" cy="0"/>
+          <a:chOff x="0" y="0"/>
+          <a:chExt cx="0" cy="0"/>
+        </a:xfrm>
+      </p:grpSpPr>
+      <p:sp>
+        <p:nvSpPr>
+          <p:cNvPr id="310" name="PlaceHolder 1"/>
+          <p:cNvSpPr>
+            <a:spLocks noGrp="1" noRot="1" noChangeAspect="1"/>
+          </p:cNvSpPr>
+          <p:nvPr>
+            <p:ph type="sldImg"/>
+          </p:nvPr>
+        </p:nvSpPr>
+        <p:spPr>
+          <a:xfrm>
+            <a:off x="687388" y="1143000"/>
+            <a:ext cx="5480050" cy="3082925"/>
+          </a:xfrm>
+          <a:prstGeom prst="rect">
+            <a:avLst/>
+          </a:prstGeom>
+        </p:spPr>
+      </p:sp>
+      <p:sp>
+        <p:nvSpPr>
+          <p:cNvPr id="311" name="PlaceHolder 2"/>
+          <p:cNvSpPr>
+            <a:spLocks noGrp="1"/>
+          </p:cNvSpPr>
+          <p:nvPr>
+            <p:ph type="body"/>
+          </p:nvPr>
+        </p:nvSpPr>
+        <p:spPr>
+          <a:xfrm>
+            <a:off x="685800" y="4400640"/>
+            <a:ext cx="5482440" cy="3596400"/>
+          </a:xfrm>
+          <a:prstGeom prst="rect">
+            <a:avLst/>
+          </a:prstGeom>
+        </p:spPr>
+        <p:txBody>
+          <a:bodyPr lIns="0" tIns="0" rIns="0" bIns="0">
+            <a:noAutofit/>
+          </a:bodyPr>
+          <a:lstStyle/>
+          <a:p>
+            <a:endParaRPr lang="pt-BR" sz="2000" b="0" strike="noStrike" spc="-1">
+              <a:latin typeface="Arial"/>
+            </a:endParaRPr>
+          </a:p>
+        </p:txBody>
+      </p:sp>
+      <p:sp>
+        <p:nvSpPr>
+          <p:cNvPr id="312" name="CustomShape 3"/>
+          <p:cNvSpPr/>
+          <p:nvPr/>
+        </p:nvSpPr>
+        <p:spPr>
+          <a:xfrm>
+            <a:off x="3884760" y="8685360"/>
+            <a:ext cx="2967840" cy="454680"/>
+          </a:xfrm>
+          <a:prstGeom prst="rect">
+            <a:avLst/>
+          </a:prstGeom>
+          <a:noFill/>
+          <a:ln>
+            <a:noFill/>
+          </a:ln>
+        </p:spPr>
+        <p:style>
+          <a:lnRef idx="0">
+            <a:scrgbClr r="0" g="0" b="0"/>
+          </a:lnRef>
+          <a:fillRef idx="0">
+            <a:scrgbClr r="0" g="0" b="0"/>
+          </a:fillRef>
+          <a:effectRef idx="0">
+            <a:scrgbClr r="0" g="0" b="0"/>
+          </a:effectRef>
+          <a:fontRef idx="minor"/>
+        </p:style>
+        <p:txBody>
+          <a:bodyPr lIns="90000" tIns="45000" rIns="90000" bIns="45000" anchor="b">
+            <a:noAutofit/>
+          </a:bodyPr>
+          <a:lstStyle/>
+          <a:p>
+            <a:pPr algn="r">
+              <a:lnSpc>
+                <a:spcPct val="100000"/>
+              </a:lnSpc>
+            </a:pPr>
+            <a:fld id="{A4A9D5A6-6C48-4B43-8032-A4F02E798000}" type="slidenum">
+              <a:rPr lang="pt-BR" sz="1200" b="0" strike="noStrike" spc="-1">
+                <a:solidFill>
+                  <a:srgbClr val="000000"/>
+                </a:solidFill>
+                <a:latin typeface="Times New Roman"/>
+                <a:ea typeface="+mn-ea"/>
+              </a:rPr>
+              <a:t>74</a:t>
+            </a:fld>
+            <a:endParaRPr lang="pt-BR" sz="1200" b="0" strike="noStrike" spc="-1">
+              <a:latin typeface="Arial"/>
+            </a:endParaRPr>
+          </a:p>
+        </p:txBody>
+      </p:sp>
+    </p:spTree>
+  </p:cSld>
+  <p:clrMapOvr>
+    <a:masterClrMapping/>
+  </p:clrMapOvr>
+</p:notes>
+</file>
+
+<file path=ppt/notesSlides/notesSlide75.xml><?xml version="1.0" encoding="utf-8"?>
+<p:notes xmlns:a="http://schemas.openxmlformats.org/drawingml/2006/main" xmlns:r="http://schemas.openxmlformats.org/officeDocument/2006/relationships" xmlns:p="http://schemas.openxmlformats.org/presentationml/2006/main">
+  <p:cSld>
+    <p:spTree>
+      <p:nvGrpSpPr>
+        <p:cNvPr id="1" name=""/>
+        <p:cNvGrpSpPr/>
+        <p:nvPr/>
+      </p:nvGrpSpPr>
+      <p:grpSpPr>
+        <a:xfrm>
+          <a:off x="0" y="0"/>
+          <a:ext cx="0" cy="0"/>
+          <a:chOff x="0" y="0"/>
+          <a:chExt cx="0" cy="0"/>
+        </a:xfrm>
+      </p:grpSpPr>
+      <p:sp>
+        <p:nvSpPr>
+          <p:cNvPr id="313" name="PlaceHolder 1"/>
+          <p:cNvSpPr>
+            <a:spLocks noGrp="1" noRot="1" noChangeAspect="1"/>
+          </p:cNvSpPr>
+          <p:nvPr>
+            <p:ph type="sldImg"/>
+          </p:nvPr>
+        </p:nvSpPr>
+        <p:spPr>
+          <a:xfrm>
+            <a:off x="685800" y="1143000"/>
+            <a:ext cx="5482800" cy="3082320"/>
+          </a:xfrm>
+          <a:prstGeom prst="rect">
+            <a:avLst/>
+          </a:prstGeom>
+        </p:spPr>
+      </p:sp>
+      <p:sp>
+        <p:nvSpPr>
+          <p:cNvPr id="314" name="PlaceHolder 2"/>
+          <p:cNvSpPr>
+            <a:spLocks noGrp="1"/>
+          </p:cNvSpPr>
+          <p:nvPr>
+            <p:ph type="body"/>
+          </p:nvPr>
+        </p:nvSpPr>
+        <p:spPr>
+          <a:xfrm>
+            <a:off x="685800" y="4400640"/>
+            <a:ext cx="5482440" cy="3596400"/>
+          </a:xfrm>
+          <a:prstGeom prst="rect">
+            <a:avLst/>
+          </a:prstGeom>
+        </p:spPr>
+        <p:txBody>
+          <a:bodyPr lIns="0" tIns="0" rIns="0" bIns="0">
+            <a:noAutofit/>
+          </a:bodyPr>
+          <a:lstStyle/>
+          <a:p>
+            <a:endParaRPr lang="pt-BR" sz="2000" b="0" strike="noStrike" spc="-1">
+              <a:latin typeface="Arial"/>
+            </a:endParaRPr>
+          </a:p>
+        </p:txBody>
+      </p:sp>
+      <p:sp>
+        <p:nvSpPr>
+          <p:cNvPr id="315" name="CustomShape 3"/>
+          <p:cNvSpPr/>
+          <p:nvPr/>
+        </p:nvSpPr>
+        <p:spPr>
+          <a:xfrm>
+            <a:off x="3884760" y="8685360"/>
+            <a:ext cx="2967840" cy="454680"/>
+          </a:xfrm>
+          <a:prstGeom prst="rect">
+            <a:avLst/>
+          </a:prstGeom>
+          <a:noFill/>
+          <a:ln>
+            <a:noFill/>
+          </a:ln>
+        </p:spPr>
+        <p:style>
+          <a:lnRef idx="0">
+            <a:scrgbClr r="0" g="0" b="0"/>
+          </a:lnRef>
+          <a:fillRef idx="0">
+            <a:scrgbClr r="0" g="0" b="0"/>
+          </a:fillRef>
+          <a:effectRef idx="0">
+            <a:scrgbClr r="0" g="0" b="0"/>
+          </a:effectRef>
+          <a:fontRef idx="minor"/>
+        </p:style>
+        <p:txBody>
+          <a:bodyPr lIns="90000" tIns="45000" rIns="90000" bIns="45000" anchor="b">
+            <a:noAutofit/>
+          </a:bodyPr>
+          <a:lstStyle/>
+          <a:p>
+            <a:pPr algn="r">
+              <a:lnSpc>
+                <a:spcPct val="100000"/>
+              </a:lnSpc>
+            </a:pPr>
+            <a:fld id="{B008546A-9EE6-49C8-B1DE-CF65AB5C1D04}" type="slidenum">
+              <a:rPr lang="pt-BR" sz="1200" b="0" strike="noStrike" spc="-1">
+                <a:solidFill>
+                  <a:srgbClr val="000000"/>
+                </a:solidFill>
+                <a:latin typeface="Times New Roman"/>
+                <a:ea typeface="+mn-ea"/>
+              </a:rPr>
+              <a:t>75</a:t>
+            </a:fld>
+            <a:endParaRPr lang="pt-BR" sz="1200" b="0" strike="noStrike" spc="-1">
+              <a:latin typeface="Arial"/>
+            </a:endParaRPr>
+          </a:p>
+        </p:txBody>
+      </p:sp>
+    </p:spTree>
+  </p:cSld>
+  <p:clrMapOvr>
+    <a:masterClrMapping/>
+  </p:clrMapOvr>
+</p:notes>
+</file>
+
+<file path=ppt/notesSlides/notesSlide76.xml><?xml version="1.0" encoding="utf-8"?>
+<p:notes xmlns:a="http://schemas.openxmlformats.org/drawingml/2006/main" xmlns:r="http://schemas.openxmlformats.org/officeDocument/2006/relationships" xmlns:p="http://schemas.openxmlformats.org/presentationml/2006/main">
+  <p:cSld>
+    <p:spTree>
+      <p:nvGrpSpPr>
+        <p:cNvPr id="1" name=""/>
+        <p:cNvGrpSpPr/>
+        <p:nvPr/>
+      </p:nvGrpSpPr>
+      <p:grpSpPr>
+        <a:xfrm>
+          <a:off x="0" y="0"/>
+          <a:ext cx="0" cy="0"/>
+          <a:chOff x="0" y="0"/>
+          <a:chExt cx="0" cy="0"/>
+        </a:xfrm>
+      </p:grpSpPr>
+      <p:sp>
+        <p:nvSpPr>
+          <p:cNvPr id="316" name="PlaceHolder 1"/>
+          <p:cNvSpPr>
+            <a:spLocks noGrp="1" noRot="1" noChangeAspect="1"/>
+          </p:cNvSpPr>
+          <p:nvPr>
+            <p:ph type="sldImg"/>
+          </p:nvPr>
+        </p:nvSpPr>
+        <p:spPr>
+          <a:xfrm>
+            <a:off x="687388" y="1143000"/>
+            <a:ext cx="5480050" cy="3082925"/>
+          </a:xfrm>
+          <a:prstGeom prst="rect">
+            <a:avLst/>
+          </a:prstGeom>
+        </p:spPr>
+      </p:sp>
+      <p:sp>
+        <p:nvSpPr>
+          <p:cNvPr id="317" name="PlaceHolder 2"/>
+          <p:cNvSpPr>
+            <a:spLocks noGrp="1"/>
+          </p:cNvSpPr>
+          <p:nvPr>
+            <p:ph type="body"/>
+          </p:nvPr>
+        </p:nvSpPr>
+        <p:spPr>
+          <a:xfrm>
+            <a:off x="685800" y="4400640"/>
+            <a:ext cx="5482440" cy="3596400"/>
+          </a:xfrm>
+          <a:prstGeom prst="rect">
+            <a:avLst/>
+          </a:prstGeom>
+        </p:spPr>
+        <p:txBody>
+          <a:bodyPr lIns="0" tIns="0" rIns="0" bIns="0">
+            <a:noAutofit/>
+          </a:bodyPr>
+          <a:lstStyle/>
+          <a:p>
+            <a:endParaRPr lang="pt-BR" sz="2000" b="0" strike="noStrike" spc="-1">
+              <a:latin typeface="Arial"/>
+            </a:endParaRPr>
+          </a:p>
+        </p:txBody>
+      </p:sp>
+      <p:sp>
+        <p:nvSpPr>
+          <p:cNvPr id="318" name="CustomShape 3"/>
+          <p:cNvSpPr/>
+          <p:nvPr/>
+        </p:nvSpPr>
+        <p:spPr>
+          <a:xfrm>
+            <a:off x="3884760" y="8685360"/>
+            <a:ext cx="2967840" cy="454680"/>
+          </a:xfrm>
+          <a:prstGeom prst="rect">
+            <a:avLst/>
+          </a:prstGeom>
+          <a:noFill/>
+          <a:ln>
+            <a:noFill/>
+          </a:ln>
+        </p:spPr>
+        <p:style>
+          <a:lnRef idx="0">
+            <a:scrgbClr r="0" g="0" b="0"/>
+          </a:lnRef>
+          <a:fillRef idx="0">
+            <a:scrgbClr r="0" g="0" b="0"/>
+          </a:fillRef>
+          <a:effectRef idx="0">
+            <a:scrgbClr r="0" g="0" b="0"/>
+          </a:effectRef>
+          <a:fontRef idx="minor"/>
+        </p:style>
+        <p:txBody>
+          <a:bodyPr lIns="90000" tIns="45000" rIns="90000" bIns="45000" anchor="b">
+            <a:noAutofit/>
+          </a:bodyPr>
+          <a:lstStyle/>
+          <a:p>
+            <a:pPr algn="r">
+              <a:lnSpc>
+                <a:spcPct val="100000"/>
+              </a:lnSpc>
+            </a:pPr>
             <a:fld id="{6CDBEE86-8171-4C12-86ED-7FE502965E94}" type="slidenum">
               <a:rPr lang="pt-BR" sz="1200" b="0" strike="noStrike" spc="-1">
                 <a:solidFill>
@@ -10006,7 +10870,7 @@
                 <a:latin typeface="Times New Roman"/>
                 <a:ea typeface="+mn-ea"/>
               </a:rPr>
-              <a:t>70</a:t>
+              <a:t>76</a:t>
             </a:fld>
             <a:endParaRPr lang="pt-BR" sz="1200" b="0" strike="noStrike" spc="-1">
               <a:latin typeface="Arial"/>
@@ -14364,7 +15228,7 @@
     <mc:Choice Requires="p14">
       <p:transition spd="slow" p14:dur="2000" advTm="17000"/>
     </mc:Choice>
-    <mc:Fallback xmlns="" xmlns:p15="http://schemas.microsoft.com/office/powerpoint/2012/main">
+    <mc:Fallback xmlns:p15="http://schemas.microsoft.com/office/powerpoint/2012/main" xmlns="">
       <p:transition spd="slow" advTm="17000"/>
     </mc:Fallback>
   </mc:AlternateContent>
@@ -34935,7 +35799,7 @@
                 <a:latin typeface="Arial"/>
                 <a:ea typeface="DejaVu Sans"/>
               </a:rPr>
-              <a:t>Autenticação com JWT</a:t>
+              <a:t>Validação de credenciais</a:t>
             </a:r>
             <a:endParaRPr lang="pt-BR" sz="5400" b="0" strike="noStrike" spc="-1" dirty="0">
               <a:latin typeface="Arial"/>
@@ -35002,24 +35866,26 @@
                 <a:latin typeface="Arial"/>
                 <a:ea typeface="DejaVu Sans"/>
               </a:rPr>
-              <a:t>JSON Web Token (JWT</a:t>
+              <a:t>No arquivo</a:t>
             </a:r>
             <a:r>
               <a:rPr lang="pt-BR" sz="3200" spc="-1" dirty="0">
                 <a:solidFill>
                   <a:srgbClr val="1F4E79"/>
                 </a:solidFill>
-              </a:rPr>
-              <a:t>) é um padrão (RFC-7519) que define como objetos JSON serão transmitidos e armazenados de modo seguro e compacto entre duas aplicações</a:t>
+                <a:latin typeface="Arial"/>
+              </a:rPr>
+              <a:t> </a:t>
             </a:r>
             <a:r>
               <a:rPr lang="pt-BR" sz="3200" spc="-1" dirty="0">
                 <a:solidFill>
                   <a:srgbClr val="1F4E79"/>
                 </a:solidFill>
-                <a:hlinkClick r:id="rId3"/>
-              </a:rPr>
-              <a:t>*</a:t>
+                <a:latin typeface="Courier New" panose="02070309020205020404" pitchFamily="49" charset="0"/>
+                <a:cs typeface="Courier New" panose="02070309020205020404" pitchFamily="49" charset="0"/>
+              </a:rPr>
+              <a:t>sessions.routes.js</a:t>
             </a:r>
             <a:r>
               <a:rPr lang="pt-BR" sz="3200" spc="-1" dirty="0">
@@ -35027,7 +35893,301 @@
                   <a:srgbClr val="1F4E79"/>
                 </a:solidFill>
               </a:rPr>
-              <a:t>.</a:t>
+              <a:t> definiremos uma rota POST que, primeiro, recupera a senha armazenada:</a:t>
+            </a:r>
+          </a:p>
+          <a:p>
+            <a:pPr>
+              <a:lnSpc>
+                <a:spcPct val="100000"/>
+              </a:lnSpc>
+              <a:spcBef>
+                <a:spcPts val="1001"/>
+              </a:spcBef>
+              <a:spcAft>
+                <a:spcPts val="1001"/>
+              </a:spcAft>
+              <a:tabLst>
+                <a:tab pos="0" algn="l"/>
+              </a:tabLst>
+            </a:pPr>
+            <a:r>
+              <a:rPr lang="pt-BR" sz="3200" spc="-1" dirty="0" err="1">
+                <a:solidFill>
+                  <a:srgbClr val="1F4E79"/>
+                </a:solidFill>
+                <a:latin typeface="Courier New" panose="02070309020205020404" pitchFamily="49" charset="0"/>
+                <a:cs typeface="Courier New" panose="02070309020205020404" pitchFamily="49" charset="0"/>
+              </a:rPr>
+              <a:t>const</a:t>
+            </a:r>
+            <a:r>
+              <a:rPr lang="pt-BR" sz="3200" spc="-1" dirty="0">
+                <a:solidFill>
+                  <a:srgbClr val="1F4E79"/>
+                </a:solidFill>
+                <a:latin typeface="Courier New" panose="02070309020205020404" pitchFamily="49" charset="0"/>
+                <a:cs typeface="Courier New" panose="02070309020205020404" pitchFamily="49" charset="0"/>
+              </a:rPr>
+              <a:t> { </a:t>
+            </a:r>
+            <a:r>
+              <a:rPr lang="pt-BR" sz="3200" spc="-1" dirty="0" err="1">
+                <a:solidFill>
+                  <a:srgbClr val="1F4E79"/>
+                </a:solidFill>
+                <a:latin typeface="Courier New" panose="02070309020205020404" pitchFamily="49" charset="0"/>
+                <a:cs typeface="Courier New" panose="02070309020205020404" pitchFamily="49" charset="0"/>
+              </a:rPr>
+              <a:t>email</a:t>
+            </a:r>
+            <a:r>
+              <a:rPr lang="pt-BR" sz="3200" spc="-1" dirty="0">
+                <a:solidFill>
+                  <a:srgbClr val="1F4E79"/>
+                </a:solidFill>
+                <a:latin typeface="Courier New" panose="02070309020205020404" pitchFamily="49" charset="0"/>
+                <a:cs typeface="Courier New" panose="02070309020205020404" pitchFamily="49" charset="0"/>
+              </a:rPr>
+              <a:t>, </a:t>
+            </a:r>
+            <a:r>
+              <a:rPr lang="pt-BR" sz="3200" spc="-1" dirty="0" err="1">
+                <a:solidFill>
+                  <a:srgbClr val="1F4E79"/>
+                </a:solidFill>
+                <a:latin typeface="Courier New" panose="02070309020205020404" pitchFamily="49" charset="0"/>
+                <a:cs typeface="Courier New" panose="02070309020205020404" pitchFamily="49" charset="0"/>
+              </a:rPr>
+              <a:t>password</a:t>
+            </a:r>
+            <a:r>
+              <a:rPr lang="pt-BR" sz="3200" spc="-1" dirty="0">
+                <a:solidFill>
+                  <a:srgbClr val="1F4E79"/>
+                </a:solidFill>
+                <a:latin typeface="Courier New" panose="02070309020205020404" pitchFamily="49" charset="0"/>
+                <a:cs typeface="Courier New" panose="02070309020205020404" pitchFamily="49" charset="0"/>
+              </a:rPr>
+              <a:t> } = </a:t>
+            </a:r>
+            <a:r>
+              <a:rPr lang="pt-BR" sz="3200" spc="-1" dirty="0" err="1">
+                <a:solidFill>
+                  <a:srgbClr val="1F4E79"/>
+                </a:solidFill>
+                <a:latin typeface="Courier New" panose="02070309020205020404" pitchFamily="49" charset="0"/>
+                <a:cs typeface="Courier New" panose="02070309020205020404" pitchFamily="49" charset="0"/>
+              </a:rPr>
+              <a:t>request.body</a:t>
+            </a:r>
+            <a:r>
+              <a:rPr lang="pt-BR" sz="3200" spc="-1" dirty="0">
+                <a:solidFill>
+                  <a:srgbClr val="1F4E79"/>
+                </a:solidFill>
+                <a:latin typeface="Courier New" panose="02070309020205020404" pitchFamily="49" charset="0"/>
+                <a:cs typeface="Courier New" panose="02070309020205020404" pitchFamily="49" charset="0"/>
+              </a:rPr>
+              <a:t>;</a:t>
+            </a:r>
+          </a:p>
+          <a:p>
+            <a:pPr>
+              <a:lnSpc>
+                <a:spcPct val="100000"/>
+              </a:lnSpc>
+              <a:spcBef>
+                <a:spcPts val="1001"/>
+              </a:spcBef>
+              <a:spcAft>
+                <a:spcPts val="1001"/>
+              </a:spcAft>
+              <a:tabLst>
+                <a:tab pos="0" algn="l"/>
+              </a:tabLst>
+            </a:pPr>
+            <a:r>
+              <a:rPr lang="pt-BR" sz="3200" spc="-1" dirty="0">
+                <a:solidFill>
+                  <a:srgbClr val="1F4E79"/>
+                </a:solidFill>
+                <a:latin typeface="Courier New" panose="02070309020205020404" pitchFamily="49" charset="0"/>
+                <a:cs typeface="Courier New" panose="02070309020205020404" pitchFamily="49" charset="0"/>
+              </a:rPr>
+              <a:t>		</a:t>
+            </a:r>
+            <a:r>
+              <a:rPr lang="pt-BR" sz="3200" spc="-1" dirty="0" err="1">
+                <a:solidFill>
+                  <a:srgbClr val="1F4E79"/>
+                </a:solidFill>
+                <a:latin typeface="Courier New" panose="02070309020205020404" pitchFamily="49" charset="0"/>
+                <a:cs typeface="Courier New" panose="02070309020205020404" pitchFamily="49" charset="0"/>
+              </a:rPr>
+              <a:t>const</a:t>
+            </a:r>
+            <a:r>
+              <a:rPr lang="pt-BR" sz="3200" spc="-1" dirty="0">
+                <a:solidFill>
+                  <a:srgbClr val="1F4E79"/>
+                </a:solidFill>
+                <a:latin typeface="Courier New" panose="02070309020205020404" pitchFamily="49" charset="0"/>
+                <a:cs typeface="Courier New" panose="02070309020205020404" pitchFamily="49" charset="0"/>
+              </a:rPr>
+              <a:t> </a:t>
+            </a:r>
+            <a:r>
+              <a:rPr lang="pt-BR" sz="3200" spc="-1" dirty="0" err="1">
+                <a:solidFill>
+                  <a:srgbClr val="1F4E79"/>
+                </a:solidFill>
+                <a:latin typeface="Courier New" panose="02070309020205020404" pitchFamily="49" charset="0"/>
+                <a:cs typeface="Courier New" panose="02070309020205020404" pitchFamily="49" charset="0"/>
+              </a:rPr>
+              <a:t>user</a:t>
+            </a:r>
+            <a:r>
+              <a:rPr lang="pt-BR" sz="3200" spc="-1" dirty="0">
+                <a:solidFill>
+                  <a:srgbClr val="1F4E79"/>
+                </a:solidFill>
+                <a:latin typeface="Courier New" panose="02070309020205020404" pitchFamily="49" charset="0"/>
+                <a:cs typeface="Courier New" panose="02070309020205020404" pitchFamily="49" charset="0"/>
+              </a:rPr>
+              <a:t> = </a:t>
+            </a:r>
+            <a:r>
+              <a:rPr lang="pt-BR" sz="3200" spc="-1" dirty="0" err="1">
+                <a:solidFill>
+                  <a:srgbClr val="1F4E79"/>
+                </a:solidFill>
+                <a:latin typeface="Courier New" panose="02070309020205020404" pitchFamily="49" charset="0"/>
+                <a:cs typeface="Courier New" panose="02070309020205020404" pitchFamily="49" charset="0"/>
+              </a:rPr>
+              <a:t>await</a:t>
+            </a:r>
+            <a:r>
+              <a:rPr lang="pt-BR" sz="3200" spc="-1" dirty="0">
+                <a:solidFill>
+                  <a:srgbClr val="1F4E79"/>
+                </a:solidFill>
+                <a:latin typeface="Courier New" panose="02070309020205020404" pitchFamily="49" charset="0"/>
+                <a:cs typeface="Courier New" panose="02070309020205020404" pitchFamily="49" charset="0"/>
+              </a:rPr>
+              <a:t> </a:t>
+            </a:r>
+            <a:r>
+              <a:rPr lang="pt-BR" sz="3200" spc="-1" dirty="0" err="1">
+                <a:solidFill>
+                  <a:srgbClr val="1F4E79"/>
+                </a:solidFill>
+                <a:latin typeface="Courier New" panose="02070309020205020404" pitchFamily="49" charset="0"/>
+                <a:cs typeface="Courier New" panose="02070309020205020404" pitchFamily="49" charset="0"/>
+              </a:rPr>
+              <a:t>User.findOne</a:t>
+            </a:r>
+            <a:r>
+              <a:rPr lang="pt-BR" sz="3200" spc="-1" dirty="0">
+                <a:solidFill>
+                  <a:srgbClr val="1F4E79"/>
+                </a:solidFill>
+                <a:latin typeface="Courier New" panose="02070309020205020404" pitchFamily="49" charset="0"/>
+                <a:cs typeface="Courier New" panose="02070309020205020404" pitchFamily="49" charset="0"/>
+              </a:rPr>
+              <a:t>({</a:t>
+            </a:r>
+          </a:p>
+          <a:p>
+            <a:pPr>
+              <a:lnSpc>
+                <a:spcPct val="100000"/>
+              </a:lnSpc>
+              <a:spcBef>
+                <a:spcPts val="1001"/>
+              </a:spcBef>
+              <a:spcAft>
+                <a:spcPts val="1001"/>
+              </a:spcAft>
+              <a:tabLst>
+                <a:tab pos="0" algn="l"/>
+              </a:tabLst>
+            </a:pPr>
+            <a:r>
+              <a:rPr lang="pt-BR" sz="3200" spc="-1" dirty="0">
+                <a:solidFill>
+                  <a:srgbClr val="1F4E79"/>
+                </a:solidFill>
+                <a:latin typeface="Courier New" panose="02070309020205020404" pitchFamily="49" charset="0"/>
+                <a:cs typeface="Courier New" panose="02070309020205020404" pitchFamily="49" charset="0"/>
+              </a:rPr>
+              <a:t>		</a:t>
+            </a:r>
+            <a:r>
+              <a:rPr lang="pt-BR" sz="3200" spc="-1" dirty="0" err="1">
+                <a:solidFill>
+                  <a:srgbClr val="1F4E79"/>
+                </a:solidFill>
+                <a:latin typeface="Courier New" panose="02070309020205020404" pitchFamily="49" charset="0"/>
+                <a:cs typeface="Courier New" panose="02070309020205020404" pitchFamily="49" charset="0"/>
+              </a:rPr>
+              <a:t>where</a:t>
+            </a:r>
+            <a:r>
+              <a:rPr lang="pt-BR" sz="3200" spc="-1" dirty="0">
+                <a:solidFill>
+                  <a:srgbClr val="1F4E79"/>
+                </a:solidFill>
+                <a:latin typeface="Courier New" panose="02070309020205020404" pitchFamily="49" charset="0"/>
+                <a:cs typeface="Courier New" panose="02070309020205020404" pitchFamily="49" charset="0"/>
+              </a:rPr>
+              <a:t>: { </a:t>
+            </a:r>
+            <a:r>
+              <a:rPr lang="pt-BR" sz="3200" spc="-1" dirty="0" err="1">
+                <a:solidFill>
+                  <a:srgbClr val="1F4E79"/>
+                </a:solidFill>
+                <a:latin typeface="Courier New" panose="02070309020205020404" pitchFamily="49" charset="0"/>
+                <a:cs typeface="Courier New" panose="02070309020205020404" pitchFamily="49" charset="0"/>
+              </a:rPr>
+              <a:t>email</a:t>
+            </a:r>
+            <a:r>
+              <a:rPr lang="pt-BR" sz="3200" spc="-1" dirty="0">
+                <a:solidFill>
+                  <a:srgbClr val="1F4E79"/>
+                </a:solidFill>
+                <a:latin typeface="Courier New" panose="02070309020205020404" pitchFamily="49" charset="0"/>
+                <a:cs typeface="Courier New" panose="02070309020205020404" pitchFamily="49" charset="0"/>
+              </a:rPr>
+              <a:t> }</a:t>
+            </a:r>
+          </a:p>
+          <a:p>
+            <a:pPr>
+              <a:lnSpc>
+                <a:spcPct val="100000"/>
+              </a:lnSpc>
+              <a:spcBef>
+                <a:spcPts val="1001"/>
+              </a:spcBef>
+              <a:spcAft>
+                <a:spcPts val="1001"/>
+              </a:spcAft>
+              <a:tabLst>
+                <a:tab pos="0" algn="l"/>
+              </a:tabLst>
+            </a:pPr>
+            <a:r>
+              <a:rPr lang="pt-BR" sz="3200" spc="-1" dirty="0">
+                <a:solidFill>
+                  <a:srgbClr val="1F4E79"/>
+                </a:solidFill>
+                <a:latin typeface="Courier New" panose="02070309020205020404" pitchFamily="49" charset="0"/>
+                <a:cs typeface="Courier New" panose="02070309020205020404" pitchFamily="49" charset="0"/>
+              </a:rPr>
+              <a:t>});</a:t>
             </a:r>
             <a:endParaRPr lang="pt-BR" sz="3200" b="0" strike="noStrike" spc="-1" dirty="0">
               <a:latin typeface="Arial"/>
@@ -35038,7 +36198,7 @@
     </p:spTree>
     <p:extLst>
       <p:ext uri="{BB962C8B-B14F-4D97-AF65-F5344CB8AC3E}">
-        <p14:creationId xmlns:p14="http://schemas.microsoft.com/office/powerpoint/2010/main" val="3441381727"/>
+        <p14:creationId xmlns:p14="http://schemas.microsoft.com/office/powerpoint/2010/main" val="578657952"/>
       </p:ext>
     </p:extLst>
   </p:cSld>
@@ -35115,7 +36275,7 @@
                 <a:latin typeface="Arial"/>
                 <a:ea typeface="DejaVu Sans"/>
               </a:rPr>
-              <a:t>CORS</a:t>
+              <a:t>Validação de credenciais</a:t>
             </a:r>
             <a:endParaRPr lang="pt-BR" sz="5400" b="0" strike="noStrike" spc="-1" dirty="0">
               <a:latin typeface="Arial"/>
@@ -35156,7 +36316,7 @@
         </p:style>
         <p:txBody>
           <a:bodyPr lIns="90000" tIns="45000" rIns="90000" bIns="45000">
-            <a:normAutofit/>
+            <a:normAutofit fontScale="85000" lnSpcReduction="10000"/>
           </a:bodyPr>
           <a:lstStyle/>
           <a:p>
@@ -35182,18 +36342,429 @@
                 <a:latin typeface="Arial"/>
                 <a:ea typeface="DejaVu Sans"/>
               </a:rPr>
-              <a:t>CORS</a:t>
-            </a:r>
-            <a:endParaRPr lang="pt-BR" sz="3200" b="0" strike="noStrike" spc="-1" dirty="0">
-              <a:latin typeface="Arial"/>
-            </a:endParaRPr>
+              <a:t>Depois compara com a senha fornecida</a:t>
+            </a:r>
+            <a:r>
+              <a:rPr lang="pt-BR" sz="3200" spc="-1" dirty="0">
+                <a:solidFill>
+                  <a:srgbClr val="1F4E79"/>
+                </a:solidFill>
+              </a:rPr>
+              <a:t>:</a:t>
+            </a:r>
+          </a:p>
+          <a:p>
+            <a:pPr>
+              <a:lnSpc>
+                <a:spcPct val="100000"/>
+              </a:lnSpc>
+              <a:spcBef>
+                <a:spcPts val="1001"/>
+              </a:spcBef>
+              <a:spcAft>
+                <a:spcPts val="1001"/>
+              </a:spcAft>
+              <a:tabLst>
+                <a:tab pos="0" algn="l"/>
+              </a:tabLst>
+            </a:pPr>
+            <a:r>
+              <a:rPr lang="pt-BR" sz="3200" spc="-1" dirty="0" err="1">
+                <a:solidFill>
+                  <a:srgbClr val="1F4E79"/>
+                </a:solidFill>
+                <a:latin typeface="Courier New" panose="02070309020205020404" pitchFamily="49" charset="0"/>
+                <a:cs typeface="Courier New" panose="02070309020205020404" pitchFamily="49" charset="0"/>
+              </a:rPr>
+              <a:t>const</a:t>
+            </a:r>
+            <a:r>
+              <a:rPr lang="pt-BR" sz="3200" spc="-1" dirty="0">
+                <a:solidFill>
+                  <a:srgbClr val="1F4E79"/>
+                </a:solidFill>
+                <a:latin typeface="Courier New" panose="02070309020205020404" pitchFamily="49" charset="0"/>
+                <a:cs typeface="Courier New" panose="02070309020205020404" pitchFamily="49" charset="0"/>
+              </a:rPr>
+              <a:t> </a:t>
+            </a:r>
+            <a:r>
+              <a:rPr lang="pt-BR" sz="3200" spc="-1" dirty="0" err="1">
+                <a:solidFill>
+                  <a:srgbClr val="1F4E79"/>
+                </a:solidFill>
+                <a:latin typeface="Courier New" panose="02070309020205020404" pitchFamily="49" charset="0"/>
+                <a:cs typeface="Courier New" panose="02070309020205020404" pitchFamily="49" charset="0"/>
+              </a:rPr>
+              <a:t>passwordMatched</a:t>
+            </a:r>
+            <a:r>
+              <a:rPr lang="pt-BR" sz="3200" spc="-1" dirty="0">
+                <a:solidFill>
+                  <a:srgbClr val="1F4E79"/>
+                </a:solidFill>
+                <a:latin typeface="Courier New" panose="02070309020205020404" pitchFamily="49" charset="0"/>
+                <a:cs typeface="Courier New" panose="02070309020205020404" pitchFamily="49" charset="0"/>
+              </a:rPr>
+              <a:t> =</a:t>
+            </a:r>
+          </a:p>
+          <a:p>
+            <a:pPr>
+              <a:lnSpc>
+                <a:spcPct val="100000"/>
+              </a:lnSpc>
+              <a:spcBef>
+                <a:spcPts val="1001"/>
+              </a:spcBef>
+              <a:spcAft>
+                <a:spcPts val="1001"/>
+              </a:spcAft>
+              <a:tabLst>
+                <a:tab pos="0" algn="l"/>
+              </a:tabLst>
+            </a:pPr>
+            <a:r>
+              <a:rPr lang="pt-BR" sz="3200" spc="-1" dirty="0">
+                <a:solidFill>
+                  <a:srgbClr val="1F4E79"/>
+                </a:solidFill>
+                <a:latin typeface="Courier New" panose="02070309020205020404" pitchFamily="49" charset="0"/>
+                <a:cs typeface="Courier New" panose="02070309020205020404" pitchFamily="49" charset="0"/>
+              </a:rPr>
+              <a:t>		</a:t>
+            </a:r>
+            <a:r>
+              <a:rPr lang="pt-BR" sz="3200" spc="-1" dirty="0" err="1">
+                <a:solidFill>
+                  <a:srgbClr val="1F4E79"/>
+                </a:solidFill>
+                <a:latin typeface="Courier New" panose="02070309020205020404" pitchFamily="49" charset="0"/>
+                <a:cs typeface="Courier New" panose="02070309020205020404" pitchFamily="49" charset="0"/>
+              </a:rPr>
+              <a:t>await</a:t>
+            </a:r>
+            <a:r>
+              <a:rPr lang="pt-BR" sz="3200" spc="-1" dirty="0">
+                <a:solidFill>
+                  <a:srgbClr val="1F4E79"/>
+                </a:solidFill>
+                <a:latin typeface="Courier New" panose="02070309020205020404" pitchFamily="49" charset="0"/>
+                <a:cs typeface="Courier New" panose="02070309020205020404" pitchFamily="49" charset="0"/>
+              </a:rPr>
+              <a:t> </a:t>
+            </a:r>
+            <a:r>
+              <a:rPr lang="pt-BR" sz="3200" spc="-1" dirty="0" err="1">
+                <a:solidFill>
+                  <a:srgbClr val="1F4E79"/>
+                </a:solidFill>
+                <a:latin typeface="Courier New" panose="02070309020205020404" pitchFamily="49" charset="0"/>
+                <a:cs typeface="Courier New" panose="02070309020205020404" pitchFamily="49" charset="0"/>
+              </a:rPr>
+              <a:t>bcryptjs.compare</a:t>
+            </a:r>
+            <a:r>
+              <a:rPr lang="pt-BR" sz="3200" spc="-1" dirty="0">
+                <a:solidFill>
+                  <a:srgbClr val="1F4E79"/>
+                </a:solidFill>
+                <a:latin typeface="Courier New" panose="02070309020205020404" pitchFamily="49" charset="0"/>
+                <a:cs typeface="Courier New" panose="02070309020205020404" pitchFamily="49" charset="0"/>
+              </a:rPr>
+              <a:t>(</a:t>
+            </a:r>
+            <a:r>
+              <a:rPr lang="pt-BR" sz="3200" spc="-1" dirty="0" err="1">
+                <a:solidFill>
+                  <a:srgbClr val="1F4E79"/>
+                </a:solidFill>
+                <a:latin typeface="Courier New" panose="02070309020205020404" pitchFamily="49" charset="0"/>
+                <a:cs typeface="Courier New" panose="02070309020205020404" pitchFamily="49" charset="0"/>
+              </a:rPr>
+              <a:t>password</a:t>
+            </a:r>
+            <a:r>
+              <a:rPr lang="pt-BR" sz="3200" spc="-1" dirty="0">
+                <a:solidFill>
+                  <a:srgbClr val="1F4E79"/>
+                </a:solidFill>
+                <a:latin typeface="Courier New" panose="02070309020205020404" pitchFamily="49" charset="0"/>
+                <a:cs typeface="Courier New" panose="02070309020205020404" pitchFamily="49" charset="0"/>
+              </a:rPr>
+              <a:t>, </a:t>
+            </a:r>
+            <a:r>
+              <a:rPr lang="pt-BR" sz="3200" spc="-1" dirty="0" err="1">
+                <a:solidFill>
+                  <a:srgbClr val="1F4E79"/>
+                </a:solidFill>
+                <a:latin typeface="Courier New" panose="02070309020205020404" pitchFamily="49" charset="0"/>
+                <a:cs typeface="Courier New" panose="02070309020205020404" pitchFamily="49" charset="0"/>
+              </a:rPr>
+              <a:t>user.password</a:t>
+            </a:r>
+            <a:r>
+              <a:rPr lang="pt-BR" sz="3200" spc="-1" dirty="0">
+                <a:solidFill>
+                  <a:srgbClr val="1F4E79"/>
+                </a:solidFill>
+                <a:latin typeface="Courier New" panose="02070309020205020404" pitchFamily="49" charset="0"/>
+                <a:cs typeface="Courier New" panose="02070309020205020404" pitchFamily="49" charset="0"/>
+              </a:rPr>
+              <a:t>);</a:t>
+            </a:r>
+          </a:p>
+          <a:p>
+            <a:pPr>
+              <a:lnSpc>
+                <a:spcPct val="100000"/>
+              </a:lnSpc>
+              <a:spcBef>
+                <a:spcPts val="1001"/>
+              </a:spcBef>
+              <a:spcAft>
+                <a:spcPts val="1001"/>
+              </a:spcAft>
+              <a:tabLst>
+                <a:tab pos="0" algn="l"/>
+              </a:tabLst>
+            </a:pPr>
+            <a:r>
+              <a:rPr lang="pt-BR" sz="3200" spc="-1" dirty="0">
+                <a:solidFill>
+                  <a:srgbClr val="1F4E79"/>
+                </a:solidFill>
+                <a:latin typeface="Courier New" panose="02070309020205020404" pitchFamily="49" charset="0"/>
+                <a:cs typeface="Courier New" panose="02070309020205020404" pitchFamily="49" charset="0"/>
+              </a:rPr>
+              <a:t>		</a:t>
+            </a:r>
+            <a:r>
+              <a:rPr lang="pt-BR" sz="3200" spc="-1" dirty="0" err="1">
+                <a:solidFill>
+                  <a:srgbClr val="1F4E79"/>
+                </a:solidFill>
+                <a:latin typeface="Courier New" panose="02070309020205020404" pitchFamily="49" charset="0"/>
+                <a:cs typeface="Courier New" panose="02070309020205020404" pitchFamily="49" charset="0"/>
+              </a:rPr>
+              <a:t>if</a:t>
+            </a:r>
+            <a:r>
+              <a:rPr lang="pt-BR" sz="3200" spc="-1" dirty="0">
+                <a:solidFill>
+                  <a:srgbClr val="1F4E79"/>
+                </a:solidFill>
+                <a:latin typeface="Courier New" panose="02070309020205020404" pitchFamily="49" charset="0"/>
+                <a:cs typeface="Courier New" panose="02070309020205020404" pitchFamily="49" charset="0"/>
+              </a:rPr>
+              <a:t> (!</a:t>
+            </a:r>
+            <a:r>
+              <a:rPr lang="pt-BR" sz="3200" spc="-1" dirty="0" err="1">
+                <a:solidFill>
+                  <a:srgbClr val="1F4E79"/>
+                </a:solidFill>
+                <a:latin typeface="Courier New" panose="02070309020205020404" pitchFamily="49" charset="0"/>
+                <a:cs typeface="Courier New" panose="02070309020205020404" pitchFamily="49" charset="0"/>
+              </a:rPr>
+              <a:t>passwordMatched</a:t>
+            </a:r>
+            <a:r>
+              <a:rPr lang="pt-BR" sz="3200" spc="-1" dirty="0">
+                <a:solidFill>
+                  <a:srgbClr val="1F4E79"/>
+                </a:solidFill>
+                <a:latin typeface="Courier New" panose="02070309020205020404" pitchFamily="49" charset="0"/>
+                <a:cs typeface="Courier New" panose="02070309020205020404" pitchFamily="49" charset="0"/>
+              </a:rPr>
+              <a:t>)</a:t>
+            </a:r>
+          </a:p>
+          <a:p>
+            <a:pPr>
+              <a:lnSpc>
+                <a:spcPct val="100000"/>
+              </a:lnSpc>
+              <a:spcBef>
+                <a:spcPts val="1001"/>
+              </a:spcBef>
+              <a:spcAft>
+                <a:spcPts val="1001"/>
+              </a:spcAft>
+              <a:tabLst>
+                <a:tab pos="0" algn="l"/>
+              </a:tabLst>
+            </a:pPr>
+            <a:r>
+              <a:rPr lang="pt-BR" sz="3200" spc="-1" dirty="0">
+                <a:solidFill>
+                  <a:srgbClr val="1F4E79"/>
+                </a:solidFill>
+                <a:latin typeface="Courier New" panose="02070309020205020404" pitchFamily="49" charset="0"/>
+                <a:cs typeface="Courier New" panose="02070309020205020404" pitchFamily="49" charset="0"/>
+              </a:rPr>
+              <a:t>			</a:t>
+            </a:r>
+            <a:r>
+              <a:rPr lang="pt-BR" sz="3200" spc="-1" dirty="0" err="1">
+                <a:solidFill>
+                  <a:srgbClr val="1F4E79"/>
+                </a:solidFill>
+                <a:latin typeface="Courier New" panose="02070309020205020404" pitchFamily="49" charset="0"/>
+                <a:cs typeface="Courier New" panose="02070309020205020404" pitchFamily="49" charset="0"/>
+              </a:rPr>
+              <a:t>return</a:t>
+            </a:r>
+            <a:r>
+              <a:rPr lang="pt-BR" sz="3200" spc="-1" dirty="0">
+                <a:solidFill>
+                  <a:srgbClr val="1F4E79"/>
+                </a:solidFill>
+                <a:latin typeface="Courier New" panose="02070309020205020404" pitchFamily="49" charset="0"/>
+                <a:cs typeface="Courier New" panose="02070309020205020404" pitchFamily="49" charset="0"/>
+              </a:rPr>
+              <a:t> </a:t>
+            </a:r>
+            <a:r>
+              <a:rPr lang="pt-BR" sz="3200" spc="-1" dirty="0" err="1">
+                <a:solidFill>
+                  <a:srgbClr val="1F4E79"/>
+                </a:solidFill>
+                <a:latin typeface="Courier New" panose="02070309020205020404" pitchFamily="49" charset="0"/>
+                <a:cs typeface="Courier New" panose="02070309020205020404" pitchFamily="49" charset="0"/>
+              </a:rPr>
+              <a:t>response.status</a:t>
+            </a:r>
+            <a:r>
+              <a:rPr lang="pt-BR" sz="3200" spc="-1" dirty="0">
+                <a:solidFill>
+                  <a:srgbClr val="1F4E79"/>
+                </a:solidFill>
+                <a:latin typeface="Courier New" panose="02070309020205020404" pitchFamily="49" charset="0"/>
+                <a:cs typeface="Courier New" panose="02070309020205020404" pitchFamily="49" charset="0"/>
+              </a:rPr>
+              <a:t>(404).</a:t>
+            </a:r>
+            <a:r>
+              <a:rPr lang="pt-BR" sz="3200" spc="-1" dirty="0" err="1">
+                <a:solidFill>
+                  <a:srgbClr val="1F4E79"/>
+                </a:solidFill>
+                <a:latin typeface="Courier New" panose="02070309020205020404" pitchFamily="49" charset="0"/>
+                <a:cs typeface="Courier New" panose="02070309020205020404" pitchFamily="49" charset="0"/>
+              </a:rPr>
+              <a:t>json</a:t>
+            </a:r>
+            <a:r>
+              <a:rPr lang="pt-BR" sz="3200" spc="-1" dirty="0">
+                <a:solidFill>
+                  <a:srgbClr val="1F4E79"/>
+                </a:solidFill>
+                <a:latin typeface="Courier New" panose="02070309020205020404" pitchFamily="49" charset="0"/>
+                <a:cs typeface="Courier New" panose="02070309020205020404" pitchFamily="49" charset="0"/>
+              </a:rPr>
+              <a:t>(</a:t>
+            </a:r>
+          </a:p>
+          <a:p>
+            <a:pPr>
+              <a:lnSpc>
+                <a:spcPct val="100000"/>
+              </a:lnSpc>
+              <a:spcBef>
+                <a:spcPts val="1001"/>
+              </a:spcBef>
+              <a:spcAft>
+                <a:spcPts val="1001"/>
+              </a:spcAft>
+              <a:tabLst>
+                <a:tab pos="0" algn="l"/>
+              </a:tabLst>
+            </a:pPr>
+            <a:r>
+              <a:rPr lang="pt-BR" sz="3200" spc="-1" dirty="0">
+                <a:solidFill>
+                  <a:srgbClr val="1F4E79"/>
+                </a:solidFill>
+                <a:latin typeface="Courier New" panose="02070309020205020404" pitchFamily="49" charset="0"/>
+                <a:cs typeface="Courier New" panose="02070309020205020404" pitchFamily="49" charset="0"/>
+              </a:rPr>
+              <a:t>				{</a:t>
+            </a:r>
+            <a:r>
+              <a:rPr lang="pt-BR" sz="3200" spc="-1" dirty="0" err="1">
+                <a:solidFill>
+                  <a:srgbClr val="1F4E79"/>
+                </a:solidFill>
+                <a:latin typeface="Courier New" panose="02070309020205020404" pitchFamily="49" charset="0"/>
+                <a:cs typeface="Courier New" panose="02070309020205020404" pitchFamily="49" charset="0"/>
+              </a:rPr>
+              <a:t>error</a:t>
+            </a:r>
+            <a:r>
+              <a:rPr lang="pt-BR" sz="3200" spc="-1" dirty="0">
+                <a:solidFill>
+                  <a:srgbClr val="1F4E79"/>
+                </a:solidFill>
+                <a:latin typeface="Courier New" panose="02070309020205020404" pitchFamily="49" charset="0"/>
+                <a:cs typeface="Courier New" panose="02070309020205020404" pitchFamily="49" charset="0"/>
+              </a:rPr>
+              <a:t>: '</a:t>
+            </a:r>
+            <a:r>
+              <a:rPr lang="pt-BR" sz="3200" spc="-1" dirty="0" err="1">
+                <a:solidFill>
+                  <a:srgbClr val="1F4E79"/>
+                </a:solidFill>
+                <a:latin typeface="Courier New" panose="02070309020205020404" pitchFamily="49" charset="0"/>
+                <a:cs typeface="Courier New" panose="02070309020205020404" pitchFamily="49" charset="0"/>
+              </a:rPr>
+              <a:t>Email</a:t>
+            </a:r>
+            <a:r>
+              <a:rPr lang="pt-BR" sz="3200" spc="-1" dirty="0">
+                <a:solidFill>
+                  <a:srgbClr val="1F4E79"/>
+                </a:solidFill>
+                <a:latin typeface="Courier New" panose="02070309020205020404" pitchFamily="49" charset="0"/>
+                <a:cs typeface="Courier New" panose="02070309020205020404" pitchFamily="49" charset="0"/>
+              </a:rPr>
+              <a:t> e/ou senha incorreto(s).’}</a:t>
+            </a:r>
+          </a:p>
+          <a:p>
+            <a:pPr>
+              <a:lnSpc>
+                <a:spcPct val="100000"/>
+              </a:lnSpc>
+              <a:spcBef>
+                <a:spcPts val="1001"/>
+              </a:spcBef>
+              <a:spcAft>
+                <a:spcPts val="1001"/>
+              </a:spcAft>
+              <a:tabLst>
+                <a:tab pos="0" algn="l"/>
+              </a:tabLst>
+            </a:pPr>
+            <a:r>
+              <a:rPr lang="pt-BR" sz="3200" spc="-1" dirty="0">
+                <a:solidFill>
+                  <a:srgbClr val="1F4E79"/>
+                </a:solidFill>
+                <a:latin typeface="Courier New" panose="02070309020205020404" pitchFamily="49" charset="0"/>
+                <a:cs typeface="Courier New" panose="02070309020205020404" pitchFamily="49" charset="0"/>
+              </a:rPr>
+              <a:t>			);</a:t>
+            </a:r>
           </a:p>
         </p:txBody>
       </p:sp>
     </p:spTree>
     <p:extLst>
       <p:ext uri="{BB962C8B-B14F-4D97-AF65-F5344CB8AC3E}">
-        <p14:creationId xmlns:p14="http://schemas.microsoft.com/office/powerpoint/2010/main" val="357674113"/>
+        <p14:creationId xmlns:p14="http://schemas.microsoft.com/office/powerpoint/2010/main" val="2723036893"/>
       </p:ext>
     </p:extLst>
   </p:cSld>
@@ -35263,16 +36834,36 @@
               </a:lnSpc>
             </a:pPr>
             <a:r>
-              <a:rPr lang="pt-BR" sz="5400" b="0" strike="noStrike" spc="-1">
+              <a:rPr lang="pt-BR" sz="5400" b="0" strike="noStrike" spc="-1" dirty="0">
                 <a:solidFill>
                   <a:srgbClr val="1F4E79"/>
                 </a:solidFill>
                 <a:latin typeface="Arial"/>
                 <a:ea typeface="DejaVu Sans"/>
               </a:rPr>
-              <a:t>ORM: Sequelize</a:t>
-            </a:r>
-            <a:endParaRPr lang="pt-BR" sz="5400" b="0" strike="noStrike" spc="-1">
+              <a:t>Geração de </a:t>
+            </a:r>
+            <a:r>
+              <a:rPr lang="pt-BR" sz="5400" b="0" strike="noStrike" spc="-1" dirty="0" err="1">
+                <a:solidFill>
+                  <a:srgbClr val="1F4E79"/>
+                </a:solidFill>
+                <a:latin typeface="Arial"/>
+                <a:ea typeface="DejaVu Sans"/>
+              </a:rPr>
+              <a:t>token</a:t>
+            </a:r>
+            <a:r>
+              <a:rPr lang="pt-BR" sz="5400" b="0" strike="noStrike" spc="-1" dirty="0">
+                <a:solidFill>
+                  <a:srgbClr val="1F4E79"/>
+                </a:solidFill>
+                <a:latin typeface="Arial"/>
+                <a:ea typeface="DejaVu Sans"/>
+              </a:rPr>
+              <a:t> - JWT</a:t>
+            </a:r>
+            <a:endParaRPr lang="pt-BR" sz="5400" b="0" strike="noStrike" spc="-1" dirty="0">
               <a:latin typeface="Arial"/>
             </a:endParaRPr>
           </a:p>
@@ -35330,66 +36921,41 @@
               </a:tabLst>
             </a:pPr>
             <a:r>
-              <a:rPr lang="pt-BR" sz="3200" b="0" u="sng" strike="noStrike" spc="-1">
-                <a:solidFill>
-                  <a:srgbClr val="0563C1"/>
-                </a:solidFill>
-                <a:uFillTx/>
+              <a:rPr lang="pt-BR" sz="3200" b="0" strike="noStrike" spc="-1" dirty="0">
+                <a:solidFill>
+                  <a:srgbClr val="1F4E79"/>
+                </a:solidFill>
                 <a:latin typeface="Arial"/>
                 <a:ea typeface="DejaVu Sans"/>
+              </a:rPr>
+              <a:t>JSON Web Token (JWT</a:t>
+            </a:r>
+            <a:r>
+              <a:rPr lang="pt-BR" sz="3200" spc="-1" dirty="0">
+                <a:solidFill>
+                  <a:srgbClr val="1F4E79"/>
+                </a:solidFill>
+              </a:rPr>
+              <a:t>) é um padrão (RFC-7519) que define como objetos JSON serão transmitidos e armazenados de modo seguro e compacto entre duas aplicações</a:t>
+            </a:r>
+            <a:r>
+              <a:rPr lang="pt-BR" sz="3200" spc="-1" dirty="0">
+                <a:solidFill>
+                  <a:srgbClr val="1F4E79"/>
+                </a:solidFill>
                 <a:hlinkClick r:id="rId3"/>
               </a:rPr>
-              <a:t>https://sequelize.org/master/manual/getting-started.html</a:t>
-            </a:r>
-            <a:endParaRPr lang="pt-BR" sz="3200" b="0" strike="noStrike" spc="-1">
-              <a:latin typeface="Arial"/>
-            </a:endParaRPr>
-          </a:p>
-          <a:p>
-            <a:pPr algn="ctr">
-              <a:lnSpc>
-                <a:spcPct val="100000"/>
-              </a:lnSpc>
-              <a:spcBef>
-                <a:spcPts val="1001"/>
-              </a:spcBef>
-              <a:spcAft>
-                <a:spcPts val="1001"/>
-              </a:spcAft>
-              <a:tabLst>
-                <a:tab pos="0" algn="l"/>
-              </a:tabLst>
-            </a:pPr>
-            <a:r>
-              <a:rPr lang="pt-BR" sz="3200" b="0" strike="noStrike" spc="-1">
-                <a:solidFill>
-                  <a:srgbClr val="1F4E79"/>
-                </a:solidFill>
-                <a:latin typeface="Arial"/>
-                <a:ea typeface="DejaVu Sans"/>
-              </a:rPr>
-              <a:t>https://levelup.gitconnected.com/creating-sequelize-associations-with-the-sequelize-cli-tool-d83caa902233</a:t>
-            </a:r>
-            <a:endParaRPr lang="pt-BR" sz="3200" b="0" strike="noStrike" spc="-1">
-              <a:latin typeface="Arial"/>
-            </a:endParaRPr>
-          </a:p>
-          <a:p>
-            <a:pPr algn="ctr">
-              <a:lnSpc>
-                <a:spcPct val="100000"/>
-              </a:lnSpc>
-              <a:spcBef>
-                <a:spcPts val="1001"/>
-              </a:spcBef>
-              <a:spcAft>
-                <a:spcPts val="1001"/>
-              </a:spcAft>
-              <a:tabLst>
-                <a:tab pos="0" algn="l"/>
-              </a:tabLst>
-            </a:pPr>
-            <a:endParaRPr lang="pt-BR" sz="3200" b="0" strike="noStrike" spc="-1">
+              <a:t>*</a:t>
+            </a:r>
+            <a:r>
+              <a:rPr lang="pt-BR" sz="3200" spc="-1" dirty="0">
+                <a:solidFill>
+                  <a:srgbClr val="1F4E79"/>
+                </a:solidFill>
+              </a:rPr>
+              <a:t>.</a:t>
+            </a:r>
+            <a:endParaRPr lang="pt-BR" sz="3200" b="0" strike="noStrike" spc="-1" dirty="0">
               <a:latin typeface="Arial"/>
             </a:endParaRPr>
           </a:p>
@@ -35398,7 +36964,7 @@
     </p:spTree>
     <p:extLst>
       <p:ext uri="{BB962C8B-B14F-4D97-AF65-F5344CB8AC3E}">
-        <p14:creationId xmlns:p14="http://schemas.microsoft.com/office/powerpoint/2010/main" val="1151283575"/>
+        <p14:creationId xmlns:p14="http://schemas.microsoft.com/office/powerpoint/2010/main" val="3441381727"/>
       </p:ext>
     </p:extLst>
   </p:cSld>
@@ -35427,7 +36993,7 @@
       </p:grpSpPr>
       <p:sp>
         <p:nvSpPr>
-          <p:cNvPr id="173" name="CustomShape 1"/>
+          <p:cNvPr id="171" name="CustomShape 1"/>
           <p:cNvSpPr/>
           <p:nvPr/>
         </p:nvSpPr>
@@ -35468,16 +37034,16 @@
               </a:lnSpc>
             </a:pPr>
             <a:r>
-              <a:rPr lang="pt-BR" sz="5400" b="0" strike="noStrike" spc="-1">
+              <a:rPr lang="pt-BR" sz="5400" b="0" strike="noStrike" spc="-1" dirty="0">
                 <a:solidFill>
                   <a:srgbClr val="1F4E79"/>
                 </a:solidFill>
                 <a:latin typeface="Arial"/>
                 <a:ea typeface="DejaVu Sans"/>
               </a:rPr>
-              <a:t>Middleware</a:t>
-            </a:r>
-            <a:endParaRPr lang="pt-BR" sz="5400" b="0" strike="noStrike" spc="-1">
+              <a:t>Instalando o JWT</a:t>
+            </a:r>
+            <a:endParaRPr lang="pt-BR" sz="5400" b="0" strike="noStrike" spc="-1" dirty="0">
               <a:latin typeface="Arial"/>
             </a:endParaRPr>
           </a:p>
@@ -35485,7 +37051,7 @@
       </p:sp>
       <p:sp>
         <p:nvSpPr>
-          <p:cNvPr id="174" name="CustomShape 2"/>
+          <p:cNvPr id="172" name="CustomShape 2"/>
           <p:cNvSpPr/>
           <p:nvPr/>
         </p:nvSpPr>
@@ -35535,18 +37101,15 @@
               </a:tabLst>
             </a:pPr>
             <a:r>
-              <a:rPr lang="pt-BR" sz="3200" b="0" strike="noStrike" spc="-1">
+              <a:rPr lang="pt-BR" sz="3200" b="0" strike="noStrike" spc="-1" dirty="0">
                 <a:solidFill>
                   <a:srgbClr val="1F4E79"/>
                 </a:solidFill>
                 <a:latin typeface="Arial"/>
                 <a:ea typeface="DejaVu Sans"/>
               </a:rPr>
-              <a:t>São scripts que podem ser executados entre a comunicação de outros 2 serviços distintos.</a:t>
-            </a:r>
-            <a:endParaRPr lang="pt-BR" sz="3200" b="0" strike="noStrike" spc="-1">
-              <a:latin typeface="Arial"/>
-            </a:endParaRPr>
+              <a:t>Execute o seguinte comando:</a:t>
+            </a:r>
           </a:p>
           <a:p>
             <a:pPr algn="ctr">
@@ -35564,22 +37127,68 @@
               </a:tabLst>
             </a:pPr>
             <a:r>
-              <a:rPr lang="pt-BR" sz="3200" b="0" strike="noStrike" spc="-1">
-                <a:solidFill>
-                  <a:srgbClr val="1F4E79"/>
-                </a:solidFill>
-                <a:latin typeface="Arial"/>
-                <a:ea typeface="DejaVu Sans"/>
-              </a:rPr>
-              <a:t>Ele pode verificar e/ou manipular os dados antes da tarefa em execução prosseguir, ou mudar o fluxo da tarefa.</a:t>
-            </a:r>
-            <a:endParaRPr lang="pt-BR" sz="3200" b="0" strike="noStrike" spc="-1">
-              <a:latin typeface="Arial"/>
+              <a:rPr lang="pt-BR" sz="3200" spc="-1" dirty="0" err="1">
+                <a:solidFill>
+                  <a:srgbClr val="1F4E79"/>
+                </a:solidFill>
+                <a:latin typeface="Courier New" panose="02070309020205020404" pitchFamily="49" charset="0"/>
+                <a:cs typeface="Courier New" panose="02070309020205020404" pitchFamily="49" charset="0"/>
+              </a:rPr>
+              <a:t>yarn</a:t>
+            </a:r>
+            <a:r>
+              <a:rPr lang="pt-BR" sz="3200" spc="-1" dirty="0">
+                <a:solidFill>
+                  <a:srgbClr val="1F4E79"/>
+                </a:solidFill>
+                <a:latin typeface="Courier New" panose="02070309020205020404" pitchFamily="49" charset="0"/>
+                <a:cs typeface="Courier New" panose="02070309020205020404" pitchFamily="49" charset="0"/>
+              </a:rPr>
+              <a:t> </a:t>
+            </a:r>
+            <a:r>
+              <a:rPr lang="pt-BR" sz="3200" spc="-1" dirty="0" err="1">
+                <a:solidFill>
+                  <a:srgbClr val="1F4E79"/>
+                </a:solidFill>
+                <a:latin typeface="Courier New" panose="02070309020205020404" pitchFamily="49" charset="0"/>
+                <a:cs typeface="Courier New" panose="02070309020205020404" pitchFamily="49" charset="0"/>
+              </a:rPr>
+              <a:t>add</a:t>
+            </a:r>
+            <a:r>
+              <a:rPr lang="pt-BR" sz="3200" spc="-1" dirty="0">
+                <a:solidFill>
+                  <a:srgbClr val="1F4E79"/>
+                </a:solidFill>
+                <a:latin typeface="Courier New" panose="02070309020205020404" pitchFamily="49" charset="0"/>
+                <a:cs typeface="Courier New" panose="02070309020205020404" pitchFamily="49" charset="0"/>
+              </a:rPr>
+              <a:t> </a:t>
+            </a:r>
+            <a:r>
+              <a:rPr lang="pt-BR" sz="3200" spc="-1" dirty="0" err="1">
+                <a:solidFill>
+                  <a:srgbClr val="1F4E79"/>
+                </a:solidFill>
+                <a:latin typeface="Courier New" panose="02070309020205020404" pitchFamily="49" charset="0"/>
+                <a:cs typeface="Courier New" panose="02070309020205020404" pitchFamily="49" charset="0"/>
+              </a:rPr>
+              <a:t>jsonwebtoken</a:t>
+            </a:r>
+            <a:endParaRPr lang="pt-BR" sz="3200" b="0" strike="noStrike" spc="-1" dirty="0">
+              <a:latin typeface="Courier New" panose="02070309020205020404" pitchFamily="49" charset="0"/>
+              <a:cs typeface="Courier New" panose="02070309020205020404" pitchFamily="49" charset="0"/>
             </a:endParaRPr>
           </a:p>
         </p:txBody>
       </p:sp>
     </p:spTree>
+    <p:extLst>
+      <p:ext uri="{BB962C8B-B14F-4D97-AF65-F5344CB8AC3E}">
+        <p14:creationId xmlns:p14="http://schemas.microsoft.com/office/powerpoint/2010/main" val="244498977"/>
+      </p:ext>
+    </p:extLst>
   </p:cSld>
   <p:clrMapOvr>
     <a:masterClrMapping/>
@@ -35606,7 +37215,7 @@
       </p:grpSpPr>
       <p:sp>
         <p:nvSpPr>
-          <p:cNvPr id="175" name="CustomShape 1"/>
+          <p:cNvPr id="171" name="CustomShape 1"/>
           <p:cNvSpPr/>
           <p:nvPr/>
         </p:nvSpPr>
@@ -35647,16 +37256,36 @@
               </a:lnSpc>
             </a:pPr>
             <a:r>
-              <a:rPr lang="pt-BR" sz="5400" b="0" strike="noStrike" spc="-1">
+              <a:rPr lang="pt-BR" sz="5400" b="0" strike="noStrike" spc="-1" dirty="0">
                 <a:solidFill>
                   <a:srgbClr val="1F4E79"/>
                 </a:solidFill>
                 <a:latin typeface="Arial"/>
                 <a:ea typeface="DejaVu Sans"/>
               </a:rPr>
-              <a:t>Referências</a:t>
-            </a:r>
-            <a:endParaRPr lang="pt-BR" sz="5400" b="0" strike="noStrike" spc="-1">
+              <a:t>Retornando o </a:t>
+            </a:r>
+            <a:r>
+              <a:rPr lang="pt-BR" sz="5400" b="0" strike="noStrike" spc="-1" dirty="0" err="1">
+                <a:solidFill>
+                  <a:srgbClr val="1F4E79"/>
+                </a:solidFill>
+                <a:latin typeface="Arial"/>
+                <a:ea typeface="DejaVu Sans"/>
+              </a:rPr>
+              <a:t>token</a:t>
+            </a:r>
+            <a:r>
+              <a:rPr lang="pt-BR" sz="5400" b="0" strike="noStrike" spc="-1" dirty="0">
+                <a:solidFill>
+                  <a:srgbClr val="1F4E79"/>
+                </a:solidFill>
+                <a:latin typeface="Arial"/>
+                <a:ea typeface="DejaVu Sans"/>
+              </a:rPr>
+              <a:t> - JWT</a:t>
+            </a:r>
+            <a:endParaRPr lang="pt-BR" sz="5400" b="0" strike="noStrike" spc="-1" dirty="0">
               <a:latin typeface="Arial"/>
             </a:endParaRPr>
           </a:p>
@@ -35664,7 +37293,7 @@
       </p:sp>
       <p:sp>
         <p:nvSpPr>
-          <p:cNvPr id="176" name="CustomShape 2"/>
+          <p:cNvPr id="172" name="CustomShape 2"/>
           <p:cNvSpPr/>
           <p:nvPr/>
         </p:nvSpPr>
@@ -35695,11 +37324,11 @@
         </p:style>
         <p:txBody>
           <a:bodyPr lIns="90000" tIns="45000" rIns="90000" bIns="45000">
-            <a:normAutofit fontScale="89000" lnSpcReduction="10000"/>
+            <a:normAutofit fontScale="92500"/>
           </a:bodyPr>
           <a:lstStyle/>
           <a:p>
-            <a:pPr marL="514440" indent="-510480">
+            <a:pPr algn="ctr">
               <a:lnSpc>
                 <a:spcPct val="100000"/>
               </a:lnSpc>
@@ -35709,70 +37338,43 @@
               <a:spcAft>
                 <a:spcPts val="1001"/>
               </a:spcAft>
-              <a:buClr>
-                <a:srgbClr val="1F4E79"/>
-              </a:buClr>
-              <a:buFont typeface="Calibri Light"/>
-              <a:buAutoNum type="arabicPeriod"/>
-            </a:pPr>
-            <a:r>
-              <a:rPr lang="pt-BR" sz="3200" b="0" strike="noStrike" spc="-1">
+              <a:tabLst>
+                <a:tab pos="0" algn="l"/>
+              </a:tabLst>
+            </a:pPr>
+            <a:r>
+              <a:rPr lang="pt-BR" sz="3200" b="0" strike="noStrike" spc="-1" dirty="0">
                 <a:solidFill>
                   <a:srgbClr val="1F4E79"/>
                 </a:solidFill>
                 <a:latin typeface="Arial"/>
                 <a:ea typeface="DejaVu Sans"/>
               </a:rPr>
-              <a:t>Node.js. </a:t>
-            </a:r>
-            <a:r>
-              <a:rPr lang="pt-BR" sz="3200" b="1" strike="noStrike" spc="-1">
+              <a:t>Retorne o </a:t>
+            </a:r>
+            <a:r>
+              <a:rPr lang="pt-BR" sz="3200" b="0" strike="noStrike" spc="-1" dirty="0" err="1">
                 <a:solidFill>
                   <a:srgbClr val="1F4E79"/>
                 </a:solidFill>
                 <a:latin typeface="Arial"/>
                 <a:ea typeface="DejaVu Sans"/>
               </a:rPr>
-              <a:t>About</a:t>
-            </a:r>
-            <a:r>
-              <a:rPr lang="pt-BR" sz="3200" b="0" strike="noStrike" spc="-1">
+              <a:t>token</a:t>
+            </a:r>
+            <a:r>
+              <a:rPr lang="pt-BR" sz="3200" b="0" strike="noStrike" spc="-1" dirty="0">
                 <a:solidFill>
                   <a:srgbClr val="1F4E79"/>
                 </a:solidFill>
                 <a:latin typeface="Arial"/>
                 <a:ea typeface="DejaVu Sans"/>
               </a:rPr>
-              <a:t>. Disponível em: </a:t>
-            </a:r>
-            <a:r>
-              <a:rPr lang="pt-BR" sz="3200" b="0" u="sng" strike="noStrike" spc="-1">
-                <a:solidFill>
-                  <a:srgbClr val="0563C1"/>
-                </a:solidFill>
-                <a:uFillTx/>
-                <a:latin typeface="Arial"/>
-                <a:ea typeface="DejaVu Sans"/>
-                <a:hlinkClick r:id="rId3"/>
-              </a:rPr>
-              <a:t>https://nodejs.org/en/about/</a:t>
-            </a:r>
-            <a:r>
-              <a:rPr lang="pt-BR" sz="3200" b="0" strike="noStrike" spc="-1">
-                <a:solidFill>
-                  <a:srgbClr val="1F4E79"/>
-                </a:solidFill>
-                <a:latin typeface="Arial"/>
-                <a:ea typeface="DejaVu Sans"/>
-              </a:rPr>
-              <a:t>.</a:t>
-            </a:r>
-            <a:endParaRPr lang="pt-BR" sz="3200" b="0" strike="noStrike" spc="-1">
-              <a:latin typeface="Arial"/>
-            </a:endParaRPr>
-          </a:p>
-          <a:p>
-            <a:pPr marL="514440" indent="-510480">
+              <a:t> gerado junto com as informações do usuário:</a:t>
+            </a:r>
+          </a:p>
+          <a:p>
+            <a:pPr>
               <a:lnSpc>
                 <a:spcPct val="100000"/>
               </a:lnSpc>
@@ -35782,70 +37384,93 @@
               <a:spcAft>
                 <a:spcPts val="1001"/>
               </a:spcAft>
-              <a:buClr>
-                <a:srgbClr val="1F4E79"/>
-              </a:buClr>
-              <a:buFont typeface="Calibri Light"/>
-              <a:buAutoNum type="arabicPeriod"/>
-            </a:pPr>
-            <a:r>
-              <a:rPr lang="pt-BR" sz="3200" b="0" strike="noStrike" spc="-1">
-                <a:solidFill>
-                  <a:srgbClr val="1F4E79"/>
-                </a:solidFill>
-                <a:latin typeface="Arial"/>
-                <a:ea typeface="DejaVu Sans"/>
-              </a:rPr>
-              <a:t>Node.js. </a:t>
-            </a:r>
-            <a:r>
-              <a:rPr lang="pt-BR" sz="3200" b="1" strike="noStrike" spc="-1">
-                <a:solidFill>
-                  <a:srgbClr val="1F4E79"/>
-                </a:solidFill>
-                <a:latin typeface="Arial"/>
-                <a:ea typeface="DejaVu Sans"/>
-              </a:rPr>
-              <a:t>Download</a:t>
-            </a:r>
-            <a:r>
-              <a:rPr lang="pt-BR" sz="3200" b="0" strike="noStrike" spc="-1">
-                <a:solidFill>
-                  <a:srgbClr val="1F4E79"/>
-                </a:solidFill>
-                <a:latin typeface="Arial"/>
-                <a:ea typeface="DejaVu Sans"/>
-              </a:rPr>
-              <a:t>. Disponível em: </a:t>
-            </a:r>
-            <a:r>
-              <a:rPr lang="pt-BR" sz="3200" b="0" u="sng" strike="noStrike" spc="-1">
-                <a:solidFill>
-                  <a:srgbClr val="0563C1"/>
-                </a:solidFill>
-                <a:uFillTx/>
-                <a:latin typeface="Arial"/>
-                <a:ea typeface="DejaVu Sans"/>
-                <a:hlinkClick r:id="rId4"/>
-              </a:rPr>
-              <a:t>https://nodejs.org/en/download/</a:t>
-            </a:r>
-            <a:r>
-              <a:rPr lang="pt-BR" sz="3200" b="0" strike="noStrike" spc="-1">
-                <a:solidFill>
-                  <a:srgbClr val="1F4E79"/>
-                </a:solidFill>
-                <a:latin typeface="Arial"/>
-                <a:ea typeface="DejaVu Sans"/>
-              </a:rPr>
-              <a:t>.</a:t>
-            </a:r>
-            <a:endParaRPr lang="pt-BR" sz="3200" b="0" strike="noStrike" spc="-1">
-              <a:latin typeface="Arial"/>
-            </a:endParaRPr>
-          </a:p>
-          <a:p>
-            <a:pPr marL="514440" indent="-510480">
+              <a:tabLst>
+                <a:tab pos="0" algn="l"/>
+              </a:tabLst>
+            </a:pPr>
+            <a:r>
+              <a:rPr lang="pt-BR" sz="3200" spc="-1" dirty="0" err="1">
+                <a:solidFill>
+                  <a:srgbClr val="1F4E79"/>
+                </a:solidFill>
+                <a:latin typeface="Courier New" panose="02070309020205020404" pitchFamily="49" charset="0"/>
+                <a:cs typeface="Courier New" panose="02070309020205020404" pitchFamily="49" charset="0"/>
+              </a:rPr>
+              <a:t>const</a:t>
+            </a:r>
+            <a:r>
+              <a:rPr lang="pt-BR" sz="3200" spc="-1" dirty="0">
+                <a:solidFill>
+                  <a:srgbClr val="1F4E79"/>
+                </a:solidFill>
+                <a:latin typeface="Courier New" panose="02070309020205020404" pitchFamily="49" charset="0"/>
+                <a:cs typeface="Courier New" panose="02070309020205020404" pitchFamily="49" charset="0"/>
+              </a:rPr>
+              <a:t> </a:t>
+            </a:r>
+            <a:r>
+              <a:rPr lang="pt-BR" sz="3200" spc="-1" dirty="0" err="1">
+                <a:solidFill>
+                  <a:srgbClr val="1F4E79"/>
+                </a:solidFill>
+                <a:latin typeface="Courier New" panose="02070309020205020404" pitchFamily="49" charset="0"/>
+                <a:cs typeface="Courier New" panose="02070309020205020404" pitchFamily="49" charset="0"/>
+              </a:rPr>
+              <a:t>token</a:t>
+            </a:r>
+            <a:r>
+              <a:rPr lang="pt-BR" sz="3200" spc="-1" dirty="0">
+                <a:solidFill>
+                  <a:srgbClr val="1F4E79"/>
+                </a:solidFill>
+                <a:latin typeface="Courier New" panose="02070309020205020404" pitchFamily="49" charset="0"/>
+                <a:cs typeface="Courier New" panose="02070309020205020404" pitchFamily="49" charset="0"/>
+              </a:rPr>
+              <a:t> = </a:t>
+            </a:r>
+            <a:r>
+              <a:rPr lang="pt-BR" sz="3200" spc="-1" dirty="0" err="1">
+                <a:solidFill>
+                  <a:srgbClr val="1F4E79"/>
+                </a:solidFill>
+                <a:latin typeface="Courier New" panose="02070309020205020404" pitchFamily="49" charset="0"/>
+                <a:cs typeface="Courier New" panose="02070309020205020404" pitchFamily="49" charset="0"/>
+              </a:rPr>
+              <a:t>jwt.sign</a:t>
+            </a:r>
+            <a:r>
+              <a:rPr lang="pt-BR" sz="3200" spc="-1" dirty="0">
+                <a:solidFill>
+                  <a:srgbClr val="1F4E79"/>
+                </a:solidFill>
+                <a:latin typeface="Courier New" panose="02070309020205020404" pitchFamily="49" charset="0"/>
+                <a:cs typeface="Courier New" panose="02070309020205020404" pitchFamily="49" charset="0"/>
+              </a:rPr>
+              <a:t>({}, '</a:t>
+            </a:r>
+            <a:r>
+              <a:rPr lang="pt-BR" sz="3200" spc="-1" dirty="0" err="1">
+                <a:solidFill>
+                  <a:srgbClr val="1F4E79"/>
+                </a:solidFill>
+                <a:latin typeface="Courier New" panose="02070309020205020404" pitchFamily="49" charset="0"/>
+                <a:cs typeface="Courier New" panose="02070309020205020404" pitchFamily="49" charset="0"/>
+              </a:rPr>
+              <a:t>secretkey</a:t>
+            </a:r>
+            <a:r>
+              <a:rPr lang="pt-BR" sz="3200" spc="-1" dirty="0">
+                <a:solidFill>
+                  <a:srgbClr val="1F4E79"/>
+                </a:solidFill>
+                <a:latin typeface="Courier New" panose="02070309020205020404" pitchFamily="49" charset="0"/>
+                <a:cs typeface="Courier New" panose="02070309020205020404" pitchFamily="49" charset="0"/>
+              </a:rPr>
+              <a:t>', {</a:t>
+            </a:r>
+          </a:p>
+          <a:p>
+            <a:pPr>
               <a:lnSpc>
                 <a:spcPct val="100000"/>
               </a:lnSpc>
@@ -35855,70 +37480,63 @@
               <a:spcAft>
                 <a:spcPts val="1001"/>
               </a:spcAft>
-              <a:buClr>
-                <a:srgbClr val="1F4E79"/>
-              </a:buClr>
-              <a:buFont typeface="Calibri Light"/>
-              <a:buAutoNum type="arabicPeriod"/>
-            </a:pPr>
-            <a:r>
-              <a:rPr lang="pt-BR" sz="3200" b="0" strike="noStrike" spc="-1">
-                <a:solidFill>
-                  <a:srgbClr val="1F4E79"/>
-                </a:solidFill>
-                <a:latin typeface="Arial"/>
-                <a:ea typeface="DejaVu Sans"/>
-              </a:rPr>
-              <a:t>Yarn. </a:t>
-            </a:r>
-            <a:r>
-              <a:rPr lang="pt-BR" sz="3200" b="1" strike="noStrike" spc="-1">
-                <a:solidFill>
-                  <a:srgbClr val="1F4E79"/>
-                </a:solidFill>
-                <a:latin typeface="Arial"/>
-                <a:ea typeface="DejaVu Sans"/>
-              </a:rPr>
-              <a:t>Introduction</a:t>
-            </a:r>
-            <a:r>
-              <a:rPr lang="pt-BR" sz="3200" b="0" strike="noStrike" spc="-1">
-                <a:solidFill>
-                  <a:srgbClr val="1F4E79"/>
-                </a:solidFill>
-                <a:latin typeface="Arial"/>
-                <a:ea typeface="DejaVu Sans"/>
-              </a:rPr>
-              <a:t>. Disponível em: </a:t>
-            </a:r>
-            <a:r>
-              <a:rPr lang="pt-BR" sz="3200" b="0" u="sng" strike="noStrike" spc="-1">
-                <a:solidFill>
-                  <a:srgbClr val="0563C1"/>
-                </a:solidFill>
-                <a:uFillTx/>
-                <a:latin typeface="Arial"/>
-                <a:ea typeface="DejaVu Sans"/>
-                <a:hlinkClick r:id="rId5"/>
-              </a:rPr>
-              <a:t>https://yarnpkg.com/getting-started</a:t>
-            </a:r>
-            <a:r>
-              <a:rPr lang="pt-BR" sz="3200" b="0" strike="noStrike" spc="-1">
-                <a:solidFill>
-                  <a:srgbClr val="1F4E79"/>
-                </a:solidFill>
-                <a:latin typeface="Arial"/>
-                <a:ea typeface="DejaVu Sans"/>
-              </a:rPr>
-              <a:t>.</a:t>
-            </a:r>
-            <a:endParaRPr lang="pt-BR" sz="3200" b="0" strike="noStrike" spc="-1">
-              <a:latin typeface="Arial"/>
-            </a:endParaRPr>
-          </a:p>
-          <a:p>
-            <a:pPr marL="514440" indent="-510480">
+              <a:tabLst>
+                <a:tab pos="0" algn="l"/>
+              </a:tabLst>
+            </a:pPr>
+            <a:r>
+              <a:rPr lang="pt-BR" sz="3200" spc="-1" dirty="0">
+                <a:solidFill>
+                  <a:srgbClr val="1F4E79"/>
+                </a:solidFill>
+                <a:latin typeface="Courier New" panose="02070309020205020404" pitchFamily="49" charset="0"/>
+                <a:cs typeface="Courier New" panose="02070309020205020404" pitchFamily="49" charset="0"/>
+              </a:rPr>
+              <a:t>    </a:t>
+            </a:r>
+            <a:r>
+              <a:rPr lang="pt-BR" sz="3200" spc="-1" dirty="0" err="1">
+                <a:solidFill>
+                  <a:srgbClr val="1F4E79"/>
+                </a:solidFill>
+                <a:latin typeface="Courier New" panose="02070309020205020404" pitchFamily="49" charset="0"/>
+                <a:cs typeface="Courier New" panose="02070309020205020404" pitchFamily="49" charset="0"/>
+              </a:rPr>
+              <a:t>subject</a:t>
+            </a:r>
+            <a:r>
+              <a:rPr lang="pt-BR" sz="3200" spc="-1" dirty="0">
+                <a:solidFill>
+                  <a:srgbClr val="1F4E79"/>
+                </a:solidFill>
+                <a:latin typeface="Courier New" panose="02070309020205020404" pitchFamily="49" charset="0"/>
+                <a:cs typeface="Courier New" panose="02070309020205020404" pitchFamily="49" charset="0"/>
+              </a:rPr>
+              <a:t>: </a:t>
+            </a:r>
+            <a:r>
+              <a:rPr lang="pt-BR" sz="3200" spc="-1" dirty="0" err="1">
+                <a:solidFill>
+                  <a:srgbClr val="1F4E79"/>
+                </a:solidFill>
+                <a:latin typeface="Courier New" panose="02070309020205020404" pitchFamily="49" charset="0"/>
+                <a:cs typeface="Courier New" panose="02070309020205020404" pitchFamily="49" charset="0"/>
+              </a:rPr>
+              <a:t>user.id.toString</a:t>
+            </a:r>
+            <a:r>
+              <a:rPr lang="pt-BR" sz="3200" spc="-1" dirty="0">
+                <a:solidFill>
+                  <a:srgbClr val="1F4E79"/>
+                </a:solidFill>
+                <a:latin typeface="Courier New" panose="02070309020205020404" pitchFamily="49" charset="0"/>
+                <a:cs typeface="Courier New" panose="02070309020205020404" pitchFamily="49" charset="0"/>
+              </a:rPr>
+              <a:t>(),</a:t>
+            </a:r>
+          </a:p>
+          <a:p>
+            <a:pPr>
               <a:lnSpc>
                 <a:spcPct val="100000"/>
               </a:lnSpc>
@@ -35928,70 +37546,43 @@
               <a:spcAft>
                 <a:spcPts val="1001"/>
               </a:spcAft>
-              <a:buClr>
-                <a:srgbClr val="1F4E79"/>
-              </a:buClr>
-              <a:buFont typeface="Calibri Light"/>
-              <a:buAutoNum type="arabicPeriod"/>
-            </a:pPr>
-            <a:r>
-              <a:rPr lang="pt-BR" sz="3200" b="0" strike="noStrike" spc="-1">
-                <a:solidFill>
-                  <a:srgbClr val="1F4E79"/>
-                </a:solidFill>
-                <a:latin typeface="Arial"/>
-                <a:ea typeface="DejaVu Sans"/>
-              </a:rPr>
-              <a:t>Yarn. </a:t>
-            </a:r>
-            <a:r>
-              <a:rPr lang="pt-BR" sz="3200" b="1" strike="noStrike" spc="-1">
-                <a:solidFill>
-                  <a:srgbClr val="1F4E79"/>
-                </a:solidFill>
-                <a:latin typeface="Arial"/>
-                <a:ea typeface="DejaVu Sans"/>
-              </a:rPr>
-              <a:t>Installation</a:t>
-            </a:r>
-            <a:r>
-              <a:rPr lang="pt-BR" sz="3200" b="0" strike="noStrike" spc="-1">
-                <a:solidFill>
-                  <a:srgbClr val="1F4E79"/>
-                </a:solidFill>
-                <a:latin typeface="Arial"/>
-                <a:ea typeface="DejaVu Sans"/>
-              </a:rPr>
-              <a:t>. Disponível em: </a:t>
-            </a:r>
-            <a:r>
-              <a:rPr lang="pt-BR" sz="3200" b="0" u="sng" strike="noStrike" spc="-1">
-                <a:solidFill>
-                  <a:srgbClr val="0563C1"/>
-                </a:solidFill>
-                <a:uFillTx/>
-                <a:latin typeface="Arial"/>
-                <a:ea typeface="DejaVu Sans"/>
-                <a:hlinkClick r:id="rId6"/>
-              </a:rPr>
-              <a:t>https://classic.yarnpkg.com/en/docs/install#windows-stable</a:t>
-            </a:r>
-            <a:r>
-              <a:rPr lang="pt-BR" sz="3200" b="0" strike="noStrike" spc="-1">
-                <a:solidFill>
-                  <a:srgbClr val="1F4E79"/>
-                </a:solidFill>
-                <a:latin typeface="Arial"/>
-                <a:ea typeface="DejaVu Sans"/>
-              </a:rPr>
-              <a:t>.</a:t>
-            </a:r>
-            <a:endParaRPr lang="pt-BR" sz="3200" b="0" strike="noStrike" spc="-1">
-              <a:latin typeface="Arial"/>
-            </a:endParaRPr>
-          </a:p>
-          <a:p>
-            <a:pPr marL="514440" indent="-510480">
+              <a:tabLst>
+                <a:tab pos="0" algn="l"/>
+              </a:tabLst>
+            </a:pPr>
+            <a:r>
+              <a:rPr lang="pt-BR" sz="3200" spc="-1" dirty="0">
+                <a:solidFill>
+                  <a:srgbClr val="1F4E79"/>
+                </a:solidFill>
+                <a:latin typeface="Courier New" panose="02070309020205020404" pitchFamily="49" charset="0"/>
+                <a:cs typeface="Courier New" panose="02070309020205020404" pitchFamily="49" charset="0"/>
+              </a:rPr>
+              <a:t>		</a:t>
+            </a:r>
+            <a:r>
+              <a:rPr lang="pt-BR" sz="3200" spc="-1" dirty="0" err="1">
+                <a:solidFill>
+                  <a:srgbClr val="1F4E79"/>
+                </a:solidFill>
+                <a:latin typeface="Courier New" panose="02070309020205020404" pitchFamily="49" charset="0"/>
+                <a:cs typeface="Courier New" panose="02070309020205020404" pitchFamily="49" charset="0"/>
+              </a:rPr>
+              <a:t>expiresIn</a:t>
+            </a:r>
+            <a:r>
+              <a:rPr lang="pt-BR" sz="3200" spc="-1" dirty="0">
+                <a:solidFill>
+                  <a:srgbClr val="1F4E79"/>
+                </a:solidFill>
+                <a:latin typeface="Courier New" panose="02070309020205020404" pitchFamily="49" charset="0"/>
+                <a:cs typeface="Courier New" panose="02070309020205020404" pitchFamily="49" charset="0"/>
+              </a:rPr>
+              <a:t>: '1d',</a:t>
+            </a:r>
+          </a:p>
+          <a:p>
+            <a:pPr>
               <a:lnSpc>
                 <a:spcPct val="100000"/>
               </a:lnSpc>
@@ -36001,61 +37592,149 @@
               <a:spcAft>
                 <a:spcPts val="1001"/>
               </a:spcAft>
-              <a:buClr>
-                <a:srgbClr val="1F4E79"/>
-              </a:buClr>
-              <a:buFont typeface="Calibri Light"/>
-              <a:buAutoNum type="arabicPeriod"/>
-            </a:pPr>
-            <a:r>
-              <a:rPr lang="pt-BR" sz="3200" b="0" strike="noStrike" spc="-1">
-                <a:solidFill>
-                  <a:srgbClr val="1F4E79"/>
-                </a:solidFill>
-                <a:latin typeface="Arial"/>
-                <a:ea typeface="DejaVu Sans"/>
-              </a:rPr>
-              <a:t>Express. </a:t>
-            </a:r>
-            <a:r>
-              <a:rPr lang="pt-BR" sz="3200" b="1" strike="noStrike" spc="-1">
-                <a:solidFill>
-                  <a:srgbClr val="1F4E79"/>
-                </a:solidFill>
-                <a:latin typeface="Arial"/>
-                <a:ea typeface="DejaVu Sans"/>
-              </a:rPr>
-              <a:t>Installing</a:t>
-            </a:r>
-            <a:r>
-              <a:rPr lang="pt-BR" sz="3200" b="0" strike="noStrike" spc="-1">
-                <a:solidFill>
-                  <a:srgbClr val="1F4E79"/>
-                </a:solidFill>
-                <a:latin typeface="Arial"/>
-                <a:ea typeface="DejaVu Sans"/>
-              </a:rPr>
-              <a:t>. Disponível em: </a:t>
-            </a:r>
-            <a:r>
-              <a:rPr lang="pt-BR" sz="3200" b="0" u="sng" strike="noStrike" spc="-1">
-                <a:solidFill>
-                  <a:srgbClr val="0563C1"/>
-                </a:solidFill>
-                <a:uFillTx/>
-                <a:latin typeface="Arial"/>
-                <a:ea typeface="DejaVu Sans"/>
-                <a:hlinkClick r:id="rId7"/>
-              </a:rPr>
-              <a:t>https://expressjs.com/en/starter/installing.html</a:t>
-            </a:r>
-            <a:endParaRPr lang="pt-BR" sz="3200" b="0" strike="noStrike" spc="-1">
-              <a:latin typeface="Arial"/>
+              <a:tabLst>
+                <a:tab pos="0" algn="l"/>
+              </a:tabLst>
+            </a:pPr>
+            <a:r>
+              <a:rPr lang="pt-BR" sz="3200" spc="-1" dirty="0">
+                <a:solidFill>
+                  <a:srgbClr val="1F4E79"/>
+                </a:solidFill>
+                <a:latin typeface="Courier New" panose="02070309020205020404" pitchFamily="49" charset="0"/>
+                <a:cs typeface="Courier New" panose="02070309020205020404" pitchFamily="49" charset="0"/>
+              </a:rPr>
+              <a:t>});</a:t>
+            </a:r>
+          </a:p>
+          <a:p>
+            <a:pPr>
+              <a:lnSpc>
+                <a:spcPct val="100000"/>
+              </a:lnSpc>
+              <a:spcBef>
+                <a:spcPts val="1001"/>
+              </a:spcBef>
+              <a:spcAft>
+                <a:spcPts val="1001"/>
+              </a:spcAft>
+              <a:tabLst>
+                <a:tab pos="0" algn="l"/>
+              </a:tabLst>
+            </a:pPr>
+            <a:r>
+              <a:rPr lang="pt-BR" sz="3200" spc="-1" dirty="0" err="1">
+                <a:solidFill>
+                  <a:srgbClr val="1F4E79"/>
+                </a:solidFill>
+                <a:latin typeface="Courier New" panose="02070309020205020404" pitchFamily="49" charset="0"/>
+                <a:cs typeface="Courier New" panose="02070309020205020404" pitchFamily="49" charset="0"/>
+              </a:rPr>
+              <a:t>return</a:t>
+            </a:r>
+            <a:r>
+              <a:rPr lang="pt-BR" sz="3200" spc="-1" dirty="0">
+                <a:solidFill>
+                  <a:srgbClr val="1F4E79"/>
+                </a:solidFill>
+                <a:latin typeface="Courier New" panose="02070309020205020404" pitchFamily="49" charset="0"/>
+                <a:cs typeface="Courier New" panose="02070309020205020404" pitchFamily="49" charset="0"/>
+              </a:rPr>
+              <a:t> </a:t>
+            </a:r>
+            <a:r>
+              <a:rPr lang="pt-BR" sz="3200" spc="-1" dirty="0" err="1">
+                <a:solidFill>
+                  <a:srgbClr val="1F4E79"/>
+                </a:solidFill>
+                <a:latin typeface="Courier New" panose="02070309020205020404" pitchFamily="49" charset="0"/>
+                <a:cs typeface="Courier New" panose="02070309020205020404" pitchFamily="49" charset="0"/>
+              </a:rPr>
+              <a:t>response.status</a:t>
+            </a:r>
+            <a:r>
+              <a:rPr lang="pt-BR" sz="3200" spc="-1" dirty="0">
+                <a:solidFill>
+                  <a:srgbClr val="1F4E79"/>
+                </a:solidFill>
+                <a:latin typeface="Courier New" panose="02070309020205020404" pitchFamily="49" charset="0"/>
+                <a:cs typeface="Courier New" panose="02070309020205020404" pitchFamily="49" charset="0"/>
+              </a:rPr>
+              <a:t>(201).</a:t>
+            </a:r>
+            <a:r>
+              <a:rPr lang="pt-BR" sz="3200" spc="-1" dirty="0" err="1">
+                <a:solidFill>
+                  <a:srgbClr val="1F4E79"/>
+                </a:solidFill>
+                <a:latin typeface="Courier New" panose="02070309020205020404" pitchFamily="49" charset="0"/>
+                <a:cs typeface="Courier New" panose="02070309020205020404" pitchFamily="49" charset="0"/>
+              </a:rPr>
+              <a:t>json</a:t>
+            </a:r>
+            <a:r>
+              <a:rPr lang="pt-BR" sz="3200" spc="-1" dirty="0">
+                <a:solidFill>
+                  <a:srgbClr val="1F4E79"/>
+                </a:solidFill>
+                <a:latin typeface="Courier New" panose="02070309020205020404" pitchFamily="49" charset="0"/>
+                <a:cs typeface="Courier New" panose="02070309020205020404" pitchFamily="49" charset="0"/>
+              </a:rPr>
+              <a:t>({ </a:t>
+            </a:r>
+            <a:r>
+              <a:rPr lang="pt-BR" sz="3200" spc="-1" dirty="0" err="1">
+                <a:solidFill>
+                  <a:srgbClr val="1F4E79"/>
+                </a:solidFill>
+                <a:latin typeface="Courier New" panose="02070309020205020404" pitchFamily="49" charset="0"/>
+                <a:cs typeface="Courier New" panose="02070309020205020404" pitchFamily="49" charset="0"/>
+              </a:rPr>
+              <a:t>user</a:t>
+            </a:r>
+            <a:r>
+              <a:rPr lang="pt-BR" sz="3200" spc="-1" dirty="0">
+                <a:solidFill>
+                  <a:srgbClr val="1F4E79"/>
+                </a:solidFill>
+                <a:latin typeface="Courier New" panose="02070309020205020404" pitchFamily="49" charset="0"/>
+                <a:cs typeface="Courier New" panose="02070309020205020404" pitchFamily="49" charset="0"/>
+              </a:rPr>
+              <a:t>, </a:t>
+            </a:r>
+            <a:r>
+              <a:rPr lang="pt-BR" sz="3200" spc="-1" dirty="0" err="1">
+                <a:solidFill>
+                  <a:srgbClr val="1F4E79"/>
+                </a:solidFill>
+                <a:latin typeface="Courier New" panose="02070309020205020404" pitchFamily="49" charset="0"/>
+                <a:cs typeface="Courier New" panose="02070309020205020404" pitchFamily="49" charset="0"/>
+              </a:rPr>
+              <a:t>token</a:t>
+            </a:r>
+            <a:r>
+              <a:rPr lang="pt-BR" sz="3200" spc="-1" dirty="0">
+                <a:solidFill>
+                  <a:srgbClr val="1F4E79"/>
+                </a:solidFill>
+                <a:latin typeface="Courier New" panose="02070309020205020404" pitchFamily="49" charset="0"/>
+                <a:cs typeface="Courier New" panose="02070309020205020404" pitchFamily="49" charset="0"/>
+              </a:rPr>
+              <a:t> });</a:t>
+            </a:r>
+            <a:endParaRPr lang="pt-BR" sz="3200" b="0" strike="noStrike" spc="-1" dirty="0">
+              <a:latin typeface="Courier New" panose="02070309020205020404" pitchFamily="49" charset="0"/>
+              <a:cs typeface="Courier New" panose="02070309020205020404" pitchFamily="49" charset="0"/>
             </a:endParaRPr>
           </a:p>
         </p:txBody>
       </p:sp>
     </p:spTree>
+    <p:extLst>
+      <p:ext uri="{BB962C8B-B14F-4D97-AF65-F5344CB8AC3E}">
+        <p14:creationId xmlns:p14="http://schemas.microsoft.com/office/powerpoint/2010/main" val="1808502347"/>
+      </p:ext>
+    </p:extLst>
   </p:cSld>
   <p:clrMapOvr>
     <a:masterClrMapping/>
@@ -36082,7 +37761,7 @@
       </p:grpSpPr>
       <p:sp>
         <p:nvSpPr>
-          <p:cNvPr id="177" name="CustomShape 1"/>
+          <p:cNvPr id="173" name="CustomShape 1"/>
           <p:cNvSpPr/>
           <p:nvPr/>
         </p:nvSpPr>
@@ -36130,7 +37809,7 @@
                 <a:latin typeface="Arial"/>
                 <a:ea typeface="DejaVu Sans"/>
               </a:rPr>
-              <a:t>Referências</a:t>
+              <a:t>Middleware</a:t>
             </a:r>
             <a:endParaRPr lang="pt-BR" sz="5400" b="0" strike="noStrike" spc="-1">
               <a:latin typeface="Arial"/>
@@ -36140,7 +37819,7 @@
       </p:sp>
       <p:sp>
         <p:nvSpPr>
-          <p:cNvPr id="178" name="CustomShape 2"/>
+          <p:cNvPr id="174" name="CustomShape 2"/>
           <p:cNvSpPr/>
           <p:nvPr/>
         </p:nvSpPr>
@@ -36175,7 +37854,7 @@
           </a:bodyPr>
           <a:lstStyle/>
           <a:p>
-            <a:pPr marL="516240" indent="-512280">
+            <a:pPr algn="ctr">
               <a:lnSpc>
                 <a:spcPct val="100000"/>
               </a:lnSpc>
@@ -36185,11 +37864,9 @@
               <a:spcAft>
                 <a:spcPts val="1001"/>
               </a:spcAft>
-              <a:buClr>
-                <a:srgbClr val="1F4E79"/>
-              </a:buClr>
-              <a:buFont typeface="Arial"/>
-              <a:buAutoNum type="arabicPeriod" startAt="6"/>
+              <a:tabLst>
+                <a:tab pos="0" algn="l"/>
+              </a:tabLst>
             </a:pPr>
             <a:r>
               <a:rPr lang="pt-BR" sz="3200" b="0" strike="noStrike" spc="-1">
@@ -36199,46 +37876,14 @@
                 <a:latin typeface="Arial"/>
                 <a:ea typeface="DejaVu Sans"/>
               </a:rPr>
-              <a:t>NPM. </a:t>
-            </a:r>
-            <a:r>
-              <a:rPr lang="pt-BR" sz="3200" b="1" strike="noStrike" spc="-1">
-                <a:solidFill>
-                  <a:srgbClr val="1F4E79"/>
-                </a:solidFill>
-                <a:latin typeface="Arial"/>
-                <a:ea typeface="DejaVu Sans"/>
-              </a:rPr>
-              <a:t>Nodemon</a:t>
-            </a:r>
-            <a:r>
-              <a:rPr lang="pt-BR" sz="3200" b="0" strike="noStrike" spc="-1">
-                <a:solidFill>
-                  <a:srgbClr val="1F4E79"/>
-                </a:solidFill>
-                <a:latin typeface="Arial"/>
-                <a:ea typeface="DejaVu Sans"/>
-              </a:rPr>
-              <a:t>. Disponível em: </a:t>
-            </a:r>
-            <a:r>
-              <a:rPr lang="pt-BR" sz="3200" b="0" u="sng" strike="noStrike" spc="-1">
-                <a:solidFill>
-                  <a:srgbClr val="0563C1"/>
-                </a:solidFill>
-                <a:uFillTx/>
-                <a:latin typeface="Arial"/>
-                <a:ea typeface="DejaVu Sans"/>
-                <a:hlinkClick r:id="rId3"/>
-              </a:rPr>
-              <a:t>https://www.npmjs.com/package/nodemon</a:t>
+              <a:t>São scripts que podem ser executados entre a comunicação de outros 2 serviços distintos.</a:t>
             </a:r>
             <a:endParaRPr lang="pt-BR" sz="3200" b="0" strike="noStrike" spc="-1">
               <a:latin typeface="Arial"/>
             </a:endParaRPr>
           </a:p>
           <a:p>
-            <a:pPr marL="516240" indent="-512280">
+            <a:pPr algn="ctr">
               <a:lnSpc>
                 <a:spcPct val="100000"/>
               </a:lnSpc>
@@ -36248,11 +37893,9 @@
               <a:spcAft>
                 <a:spcPts val="1001"/>
               </a:spcAft>
-              <a:buClr>
-                <a:srgbClr val="1F4E79"/>
-              </a:buClr>
-              <a:buFont typeface="Arial"/>
-              <a:buAutoNum type="arabicPeriod" startAt="6"/>
+              <a:tabLst>
+                <a:tab pos="0" algn="l"/>
+              </a:tabLst>
             </a:pPr>
             <a:r>
               <a:rPr lang="pt-BR" sz="3200" b="0" strike="noStrike" spc="-1">
@@ -36262,161 +37905,8 @@
                 <a:latin typeface="Arial"/>
                 <a:ea typeface="DejaVu Sans"/>
               </a:rPr>
-              <a:t>MDN Web Docs Mozilla. </a:t>
-            </a:r>
-            <a:r>
-              <a:rPr lang="pt-BR" sz="3200" b="1" strike="noStrike" spc="-1">
-                <a:solidFill>
-                  <a:srgbClr val="1F4E79"/>
-                </a:solidFill>
-                <a:latin typeface="Arial"/>
-                <a:ea typeface="DejaVu Sans"/>
-              </a:rPr>
-              <a:t>Métodos de requisição HTTP</a:t>
-            </a:r>
-            <a:r>
-              <a:rPr lang="pt-BR" sz="3200" b="0" strike="noStrike" spc="-1">
-                <a:solidFill>
-                  <a:srgbClr val="1F4E79"/>
-                </a:solidFill>
-                <a:latin typeface="Arial"/>
-                <a:ea typeface="DejaVu Sans"/>
-              </a:rPr>
-              <a:t>. Disponível em: </a:t>
-            </a:r>
-            <a:r>
-              <a:rPr lang="pt-BR" sz="3200" b="0" u="sng" strike="noStrike" spc="-1">
-                <a:solidFill>
-                  <a:srgbClr val="0563C1"/>
-                </a:solidFill>
-                <a:uFillTx/>
-                <a:latin typeface="Arial"/>
-                <a:ea typeface="DejaVu Sans"/>
-                <a:hlinkClick r:id="rId4"/>
-              </a:rPr>
-              <a:t>https://developer.mozilla.org/pt-BR/docs/Web/HTTP/Methods</a:t>
-            </a:r>
-            <a:r>
-              <a:rPr lang="pt-BR" sz="3200" b="0" strike="noStrike" spc="-1">
-                <a:solidFill>
-                  <a:srgbClr val="1F4E79"/>
-                </a:solidFill>
-                <a:latin typeface="Arial"/>
-                <a:ea typeface="DejaVu Sans"/>
-              </a:rPr>
-              <a:t>.</a:t>
-            </a:r>
-            <a:endParaRPr lang="pt-BR" sz="3200" b="0" strike="noStrike" spc="-1">
-              <a:latin typeface="Arial"/>
-            </a:endParaRPr>
-          </a:p>
-          <a:p>
-            <a:pPr marL="516240" indent="-512280">
-              <a:lnSpc>
-                <a:spcPct val="100000"/>
-              </a:lnSpc>
-              <a:spcBef>
-                <a:spcPts val="1001"/>
-              </a:spcBef>
-              <a:spcAft>
-                <a:spcPts val="1001"/>
-              </a:spcAft>
-              <a:buClr>
-                <a:srgbClr val="1F4E79"/>
-              </a:buClr>
-              <a:buFont typeface="Arial"/>
-              <a:buAutoNum type="arabicPeriod" startAt="6"/>
-            </a:pPr>
-            <a:r>
-              <a:rPr lang="pt-BR" sz="3200" b="0" strike="noStrike" spc="-1">
-                <a:solidFill>
-                  <a:srgbClr val="1F4E79"/>
-                </a:solidFill>
-                <a:latin typeface="Arial"/>
-                <a:ea typeface="DejaVu Sans"/>
-              </a:rPr>
-              <a:t>Insomnia. </a:t>
-            </a:r>
-            <a:r>
-              <a:rPr lang="pt-BR" sz="3200" b="1" strike="noStrike" spc="-1">
-                <a:solidFill>
-                  <a:srgbClr val="1F4E79"/>
-                </a:solidFill>
-                <a:latin typeface="Arial"/>
-                <a:ea typeface="DejaVu Sans"/>
-              </a:rPr>
-              <a:t>Download Insomnia</a:t>
-            </a:r>
-            <a:r>
-              <a:rPr lang="pt-BR" sz="3200" b="0" strike="noStrike" spc="-1">
-                <a:solidFill>
-                  <a:srgbClr val="1F4E79"/>
-                </a:solidFill>
-                <a:latin typeface="Arial"/>
-                <a:ea typeface="DejaVu Sans"/>
-              </a:rPr>
-              <a:t>. Disponível em: </a:t>
-            </a:r>
-            <a:r>
-              <a:rPr lang="pt-BR" sz="3200" b="0" u="sng" strike="noStrike" spc="-1">
-                <a:solidFill>
-                  <a:srgbClr val="0563C1"/>
-                </a:solidFill>
-                <a:uFillTx/>
-                <a:latin typeface="Arial"/>
-                <a:ea typeface="DejaVu Sans"/>
-                <a:hlinkClick r:id="rId5"/>
-              </a:rPr>
-              <a:t>https://insomnia.rest/download</a:t>
-            </a:r>
-            <a:endParaRPr lang="pt-BR" sz="3200" b="0" strike="noStrike" spc="-1">
-              <a:latin typeface="Arial"/>
-            </a:endParaRPr>
-          </a:p>
-          <a:p>
-            <a:pPr>
-              <a:lnSpc>
-                <a:spcPct val="100000"/>
-              </a:lnSpc>
-              <a:spcBef>
-                <a:spcPts val="1001"/>
-              </a:spcBef>
-              <a:spcAft>
-                <a:spcPts val="1001"/>
-              </a:spcAft>
-            </a:pPr>
-            <a:endParaRPr lang="pt-BR" sz="3200" b="0" strike="noStrike" spc="-1">
-              <a:latin typeface="Arial"/>
-            </a:endParaRPr>
-          </a:p>
-          <a:p>
-            <a:pPr marL="1800">
-              <a:lnSpc>
-                <a:spcPct val="100000"/>
-              </a:lnSpc>
-              <a:spcBef>
-                <a:spcPts val="1001"/>
-              </a:spcBef>
-              <a:spcAft>
-                <a:spcPts val="1001"/>
-              </a:spcAft>
-            </a:pPr>
-            <a:endParaRPr lang="pt-BR" sz="3200" b="0" strike="noStrike" spc="-1">
-              <a:latin typeface="Arial"/>
-            </a:endParaRPr>
-          </a:p>
-          <a:p>
-            <a:pPr marL="1800">
-              <a:lnSpc>
-                <a:spcPct val="100000"/>
-              </a:lnSpc>
-              <a:spcBef>
-                <a:spcPts val="1001"/>
-              </a:spcBef>
-              <a:spcAft>
-                <a:spcPts val="1001"/>
-              </a:spcAft>
-            </a:pPr>
+              <a:t>Ele pode verificar e/ou manipular os dados antes da tarefa em execução prosseguir, ou mudar o fluxo da tarefa.</a:t>
+            </a:r>
             <a:endParaRPr lang="pt-BR" sz="3200" b="0" strike="noStrike" spc="-1">
               <a:latin typeface="Arial"/>
             </a:endParaRPr>
@@ -36611,6 +38101,2578 @@
 </file>
 
 <file path=ppt/slides/slide70.xml><?xml version="1.0" encoding="utf-8"?>
+<p:sld xmlns:a="http://schemas.openxmlformats.org/drawingml/2006/main" xmlns:r="http://schemas.openxmlformats.org/officeDocument/2006/relationships" xmlns:p="http://schemas.openxmlformats.org/presentationml/2006/main">
+  <p:cSld>
+    <p:spTree>
+      <p:nvGrpSpPr>
+        <p:cNvPr id="1" name=""/>
+        <p:cNvGrpSpPr/>
+        <p:nvPr/>
+      </p:nvGrpSpPr>
+      <p:grpSpPr>
+        <a:xfrm>
+          <a:off x="0" y="0"/>
+          <a:ext cx="0" cy="0"/>
+          <a:chOff x="0" y="0"/>
+          <a:chExt cx="0" cy="0"/>
+        </a:xfrm>
+      </p:grpSpPr>
+      <p:sp>
+        <p:nvSpPr>
+          <p:cNvPr id="171" name="CustomShape 1"/>
+          <p:cNvSpPr/>
+          <p:nvPr/>
+        </p:nvSpPr>
+        <p:spPr>
+          <a:xfrm>
+            <a:off x="0" y="224280"/>
+            <a:ext cx="12019320" cy="854640"/>
+          </a:xfrm>
+          <a:prstGeom prst="rect">
+            <a:avLst/>
+          </a:prstGeom>
+          <a:noFill/>
+          <a:ln>
+            <a:noFill/>
+          </a:ln>
+        </p:spPr>
+        <p:style>
+          <a:lnRef idx="0">
+            <a:scrgbClr r="0" g="0" b="0"/>
+          </a:lnRef>
+          <a:fillRef idx="0">
+            <a:scrgbClr r="0" g="0" b="0"/>
+          </a:fillRef>
+          <a:effectRef idx="0">
+            <a:scrgbClr r="0" g="0" b="0"/>
+          </a:effectRef>
+          <a:fontRef idx="minor"/>
+        </p:style>
+        <p:txBody>
+          <a:bodyPr lIns="90000" tIns="45000" rIns="90000" bIns="45000" anchor="ctr">
+            <a:noAutofit/>
+          </a:bodyPr>
+          <a:lstStyle/>
+          <a:p>
+            <a:pPr algn="ctr">
+              <a:lnSpc>
+                <a:spcPct val="90000"/>
+              </a:lnSpc>
+            </a:pPr>
+            <a:r>
+              <a:rPr lang="pt-BR" sz="5400" b="0" strike="noStrike" spc="-1" dirty="0">
+                <a:solidFill>
+                  <a:srgbClr val="1F4E79"/>
+                </a:solidFill>
+                <a:latin typeface="Arial"/>
+                <a:ea typeface="DejaVu Sans"/>
+              </a:rPr>
+              <a:t>Verificando o </a:t>
+            </a:r>
+            <a:r>
+              <a:rPr lang="pt-BR" sz="5400" b="0" strike="noStrike" spc="-1" dirty="0" err="1">
+                <a:solidFill>
+                  <a:srgbClr val="1F4E79"/>
+                </a:solidFill>
+                <a:latin typeface="Arial"/>
+                <a:ea typeface="DejaVu Sans"/>
+              </a:rPr>
+              <a:t>token</a:t>
+            </a:r>
+            <a:r>
+              <a:rPr lang="pt-BR" sz="5400" b="0" strike="noStrike" spc="-1" dirty="0">
+                <a:solidFill>
+                  <a:srgbClr val="1F4E79"/>
+                </a:solidFill>
+                <a:latin typeface="Arial"/>
+                <a:ea typeface="DejaVu Sans"/>
+              </a:rPr>
+              <a:t> - JWT</a:t>
+            </a:r>
+            <a:endParaRPr lang="pt-BR" sz="5400" b="0" strike="noStrike" spc="-1" dirty="0">
+              <a:latin typeface="Arial"/>
+            </a:endParaRPr>
+          </a:p>
+        </p:txBody>
+      </p:sp>
+      <p:sp>
+        <p:nvSpPr>
+          <p:cNvPr id="172" name="CustomShape 2"/>
+          <p:cNvSpPr/>
+          <p:nvPr/>
+        </p:nvSpPr>
+        <p:spPr>
+          <a:xfrm>
+            <a:off x="317520" y="1290960"/>
+            <a:ext cx="11701440" cy="4347360"/>
+          </a:xfrm>
+          <a:prstGeom prst="rect">
+            <a:avLst/>
+          </a:prstGeom>
+          <a:noFill/>
+          <a:ln>
+            <a:noFill/>
+          </a:ln>
+        </p:spPr>
+        <p:style>
+          <a:lnRef idx="0">
+            <a:scrgbClr r="0" g="0" b="0"/>
+          </a:lnRef>
+          <a:fillRef idx="0">
+            <a:scrgbClr r="0" g="0" b="0"/>
+          </a:fillRef>
+          <a:effectRef idx="0">
+            <a:scrgbClr r="0" g="0" b="0"/>
+          </a:effectRef>
+          <a:fontRef idx="minor"/>
+        </p:style>
+        <p:txBody>
+          <a:bodyPr lIns="90000" tIns="45000" rIns="90000" bIns="45000">
+            <a:normAutofit fontScale="55000" lnSpcReduction="20000"/>
+          </a:bodyPr>
+          <a:lstStyle/>
+          <a:p>
+            <a:pPr algn="ctr">
+              <a:lnSpc>
+                <a:spcPct val="100000"/>
+              </a:lnSpc>
+              <a:spcBef>
+                <a:spcPts val="1001"/>
+              </a:spcBef>
+              <a:spcAft>
+                <a:spcPts val="1001"/>
+              </a:spcAft>
+              <a:tabLst>
+                <a:tab pos="0" algn="l"/>
+              </a:tabLst>
+            </a:pPr>
+            <a:r>
+              <a:rPr lang="pt-BR" sz="3200" b="0" strike="noStrike" spc="-1" dirty="0">
+                <a:solidFill>
+                  <a:srgbClr val="1F4E79"/>
+                </a:solidFill>
+                <a:latin typeface="Arial"/>
+                <a:ea typeface="DejaVu Sans"/>
+              </a:rPr>
+              <a:t>Crie um middleware no arquivo </a:t>
+            </a:r>
+            <a:r>
+              <a:rPr lang="pt-BR" sz="3200" b="0" strike="noStrike" spc="-1" dirty="0">
+                <a:solidFill>
+                  <a:srgbClr val="1F4E79"/>
+                </a:solidFill>
+                <a:latin typeface="Courier New" panose="02070309020205020404" pitchFamily="49" charset="0"/>
+                <a:ea typeface="DejaVu Sans"/>
+                <a:cs typeface="Courier New" panose="02070309020205020404" pitchFamily="49" charset="0"/>
+              </a:rPr>
+              <a:t>index.js</a:t>
+            </a:r>
+            <a:r>
+              <a:rPr lang="pt-BR" sz="3200" b="0" strike="noStrike" spc="-1" dirty="0">
+                <a:solidFill>
+                  <a:srgbClr val="1F4E79"/>
+                </a:solidFill>
+                <a:latin typeface="Arial"/>
+                <a:ea typeface="DejaVu Sans"/>
+              </a:rPr>
+              <a:t> no diretório </a:t>
+            </a:r>
+            <a:r>
+              <a:rPr lang="pt-BR" sz="3200" b="0" strike="noStrike" spc="-1" dirty="0" err="1">
+                <a:solidFill>
+                  <a:srgbClr val="1F4E79"/>
+                </a:solidFill>
+                <a:latin typeface="Courier New" panose="02070309020205020404" pitchFamily="49" charset="0"/>
+                <a:ea typeface="DejaVu Sans"/>
+                <a:cs typeface="Courier New" panose="02070309020205020404" pitchFamily="49" charset="0"/>
+              </a:rPr>
+              <a:t>routes</a:t>
+            </a:r>
+            <a:r>
+              <a:rPr lang="pt-BR" sz="3200" b="0" strike="noStrike" spc="-1" dirty="0">
+                <a:solidFill>
+                  <a:srgbClr val="1F4E79"/>
+                </a:solidFill>
+                <a:latin typeface="Arial"/>
+                <a:ea typeface="DejaVu Sans"/>
+              </a:rPr>
+              <a:t> para verificar o </a:t>
+            </a:r>
+            <a:r>
+              <a:rPr lang="pt-BR" sz="3200" b="0" strike="noStrike" spc="-1" dirty="0" err="1">
+                <a:solidFill>
+                  <a:srgbClr val="1F4E79"/>
+                </a:solidFill>
+                <a:latin typeface="Arial"/>
+                <a:ea typeface="DejaVu Sans"/>
+              </a:rPr>
+              <a:t>token</a:t>
+            </a:r>
+            <a:r>
+              <a:rPr lang="pt-BR" sz="3200" b="0" strike="noStrike" spc="-1" dirty="0">
+                <a:solidFill>
+                  <a:srgbClr val="1F4E79"/>
+                </a:solidFill>
+                <a:latin typeface="Arial"/>
+                <a:ea typeface="DejaVu Sans"/>
+              </a:rPr>
+              <a:t> recebido:</a:t>
+            </a:r>
+          </a:p>
+          <a:p>
+            <a:pPr>
+              <a:lnSpc>
+                <a:spcPct val="100000"/>
+              </a:lnSpc>
+              <a:spcBef>
+                <a:spcPts val="1001"/>
+              </a:spcBef>
+              <a:spcAft>
+                <a:spcPts val="1001"/>
+              </a:spcAft>
+              <a:tabLst>
+                <a:tab pos="0" algn="l"/>
+              </a:tabLst>
+            </a:pPr>
+            <a:r>
+              <a:rPr lang="pt-BR" sz="3200" spc="-1" dirty="0" err="1">
+                <a:solidFill>
+                  <a:srgbClr val="1F4E79"/>
+                </a:solidFill>
+                <a:latin typeface="Courier New" panose="02070309020205020404" pitchFamily="49" charset="0"/>
+                <a:cs typeface="Courier New" panose="02070309020205020404" pitchFamily="49" charset="0"/>
+              </a:rPr>
+              <a:t>function</a:t>
+            </a:r>
+            <a:r>
+              <a:rPr lang="pt-BR" sz="3200" spc="-1" dirty="0">
+                <a:solidFill>
+                  <a:srgbClr val="1F4E79"/>
+                </a:solidFill>
+                <a:latin typeface="Courier New" panose="02070309020205020404" pitchFamily="49" charset="0"/>
+                <a:cs typeface="Courier New" panose="02070309020205020404" pitchFamily="49" charset="0"/>
+              </a:rPr>
+              <a:t> </a:t>
+            </a:r>
+            <a:r>
+              <a:rPr lang="pt-BR" sz="3200" spc="-1" dirty="0" err="1">
+                <a:solidFill>
+                  <a:srgbClr val="1F4E79"/>
+                </a:solidFill>
+                <a:latin typeface="Courier New" panose="02070309020205020404" pitchFamily="49" charset="0"/>
+                <a:cs typeface="Courier New" panose="02070309020205020404" pitchFamily="49" charset="0"/>
+              </a:rPr>
+              <a:t>ensureAuthenticated</a:t>
+            </a:r>
+            <a:r>
+              <a:rPr lang="pt-BR" sz="3200" spc="-1" dirty="0">
+                <a:solidFill>
+                  <a:srgbClr val="1F4E79"/>
+                </a:solidFill>
+                <a:latin typeface="Courier New" panose="02070309020205020404" pitchFamily="49" charset="0"/>
+                <a:cs typeface="Courier New" panose="02070309020205020404" pitchFamily="49" charset="0"/>
+              </a:rPr>
+              <a:t>(</a:t>
+            </a:r>
+            <a:r>
+              <a:rPr lang="pt-BR" sz="3200" spc="-1" dirty="0" err="1">
+                <a:solidFill>
+                  <a:srgbClr val="1F4E79"/>
+                </a:solidFill>
+                <a:latin typeface="Courier New" panose="02070309020205020404" pitchFamily="49" charset="0"/>
+                <a:cs typeface="Courier New" panose="02070309020205020404" pitchFamily="49" charset="0"/>
+              </a:rPr>
+              <a:t>request</a:t>
+            </a:r>
+            <a:r>
+              <a:rPr lang="pt-BR" sz="3200" spc="-1" dirty="0">
+                <a:solidFill>
+                  <a:srgbClr val="1F4E79"/>
+                </a:solidFill>
+                <a:latin typeface="Courier New" panose="02070309020205020404" pitchFamily="49" charset="0"/>
+                <a:cs typeface="Courier New" panose="02070309020205020404" pitchFamily="49" charset="0"/>
+              </a:rPr>
+              <a:t>, response, </a:t>
+            </a:r>
+            <a:r>
+              <a:rPr lang="pt-BR" sz="3200" spc="-1" dirty="0" err="1">
+                <a:solidFill>
+                  <a:srgbClr val="1F4E79"/>
+                </a:solidFill>
+                <a:latin typeface="Courier New" panose="02070309020205020404" pitchFamily="49" charset="0"/>
+                <a:cs typeface="Courier New" panose="02070309020205020404" pitchFamily="49" charset="0"/>
+              </a:rPr>
+              <a:t>next</a:t>
+            </a:r>
+            <a:r>
+              <a:rPr lang="pt-BR" sz="3200" spc="-1" dirty="0">
+                <a:solidFill>
+                  <a:srgbClr val="1F4E79"/>
+                </a:solidFill>
+                <a:latin typeface="Courier New" panose="02070309020205020404" pitchFamily="49" charset="0"/>
+                <a:cs typeface="Courier New" panose="02070309020205020404" pitchFamily="49" charset="0"/>
+              </a:rPr>
+              <a:t>) {</a:t>
+            </a:r>
+          </a:p>
+          <a:p>
+            <a:pPr>
+              <a:lnSpc>
+                <a:spcPct val="100000"/>
+              </a:lnSpc>
+              <a:spcBef>
+                <a:spcPts val="1001"/>
+              </a:spcBef>
+              <a:spcAft>
+                <a:spcPts val="1001"/>
+              </a:spcAft>
+              <a:tabLst>
+                <a:tab pos="0" algn="l"/>
+              </a:tabLst>
+            </a:pPr>
+            <a:r>
+              <a:rPr lang="pt-BR" sz="3200" spc="-1" dirty="0">
+                <a:solidFill>
+                  <a:srgbClr val="1F4E79"/>
+                </a:solidFill>
+                <a:latin typeface="Courier New" panose="02070309020205020404" pitchFamily="49" charset="0"/>
+                <a:cs typeface="Courier New" panose="02070309020205020404" pitchFamily="49" charset="0"/>
+              </a:rPr>
+              <a:t>		</a:t>
+            </a:r>
+            <a:r>
+              <a:rPr lang="pt-BR" sz="3200" spc="-1" dirty="0" err="1">
+                <a:solidFill>
+                  <a:srgbClr val="1F4E79"/>
+                </a:solidFill>
+                <a:latin typeface="Courier New" panose="02070309020205020404" pitchFamily="49" charset="0"/>
+                <a:cs typeface="Courier New" panose="02070309020205020404" pitchFamily="49" charset="0"/>
+              </a:rPr>
+              <a:t>const</a:t>
+            </a:r>
+            <a:r>
+              <a:rPr lang="pt-BR" sz="3200" spc="-1" dirty="0">
+                <a:solidFill>
+                  <a:srgbClr val="1F4E79"/>
+                </a:solidFill>
+                <a:latin typeface="Courier New" panose="02070309020205020404" pitchFamily="49" charset="0"/>
+                <a:cs typeface="Courier New" panose="02070309020205020404" pitchFamily="49" charset="0"/>
+              </a:rPr>
+              <a:t> </a:t>
+            </a:r>
+            <a:r>
+              <a:rPr lang="pt-BR" sz="3200" spc="-1" dirty="0" err="1">
+                <a:solidFill>
+                  <a:srgbClr val="1F4E79"/>
+                </a:solidFill>
+                <a:latin typeface="Courier New" panose="02070309020205020404" pitchFamily="49" charset="0"/>
+                <a:cs typeface="Courier New" panose="02070309020205020404" pitchFamily="49" charset="0"/>
+              </a:rPr>
+              <a:t>authHeader</a:t>
+            </a:r>
+            <a:r>
+              <a:rPr lang="pt-BR" sz="3200" spc="-1" dirty="0">
+                <a:solidFill>
+                  <a:srgbClr val="1F4E79"/>
+                </a:solidFill>
+                <a:latin typeface="Courier New" panose="02070309020205020404" pitchFamily="49" charset="0"/>
+                <a:cs typeface="Courier New" panose="02070309020205020404" pitchFamily="49" charset="0"/>
+              </a:rPr>
+              <a:t> = </a:t>
+            </a:r>
+            <a:r>
+              <a:rPr lang="pt-BR" sz="3200" spc="-1" dirty="0" err="1">
+                <a:solidFill>
+                  <a:srgbClr val="1F4E79"/>
+                </a:solidFill>
+                <a:latin typeface="Courier New" panose="02070309020205020404" pitchFamily="49" charset="0"/>
+                <a:cs typeface="Courier New" panose="02070309020205020404" pitchFamily="49" charset="0"/>
+              </a:rPr>
+              <a:t>request.headers.authorization</a:t>
+            </a:r>
+            <a:r>
+              <a:rPr lang="pt-BR" sz="3200" spc="-1" dirty="0">
+                <a:solidFill>
+                  <a:srgbClr val="1F4E79"/>
+                </a:solidFill>
+                <a:latin typeface="Courier New" panose="02070309020205020404" pitchFamily="49" charset="0"/>
+                <a:cs typeface="Courier New" panose="02070309020205020404" pitchFamily="49" charset="0"/>
+              </a:rPr>
+              <a:t>;</a:t>
+            </a:r>
+          </a:p>
+          <a:p>
+            <a:pPr>
+              <a:lnSpc>
+                <a:spcPct val="100000"/>
+              </a:lnSpc>
+              <a:spcBef>
+                <a:spcPts val="1001"/>
+              </a:spcBef>
+              <a:spcAft>
+                <a:spcPts val="1001"/>
+              </a:spcAft>
+              <a:tabLst>
+                <a:tab pos="0" algn="l"/>
+              </a:tabLst>
+            </a:pPr>
+            <a:r>
+              <a:rPr lang="pt-BR" sz="3200" spc="-1" dirty="0">
+                <a:solidFill>
+                  <a:srgbClr val="1F4E79"/>
+                </a:solidFill>
+                <a:latin typeface="Courier New" panose="02070309020205020404" pitchFamily="49" charset="0"/>
+                <a:cs typeface="Courier New" panose="02070309020205020404" pitchFamily="49" charset="0"/>
+              </a:rPr>
+              <a:t>		</a:t>
+            </a:r>
+            <a:r>
+              <a:rPr lang="pt-BR" sz="3200" spc="-1" dirty="0" err="1">
+                <a:solidFill>
+                  <a:srgbClr val="1F4E79"/>
+                </a:solidFill>
+                <a:latin typeface="Courier New" panose="02070309020205020404" pitchFamily="49" charset="0"/>
+                <a:cs typeface="Courier New" panose="02070309020205020404" pitchFamily="49" charset="0"/>
+              </a:rPr>
+              <a:t>const</a:t>
+            </a:r>
+            <a:r>
+              <a:rPr lang="pt-BR" sz="3200" spc="-1" dirty="0">
+                <a:solidFill>
+                  <a:srgbClr val="1F4E79"/>
+                </a:solidFill>
+                <a:latin typeface="Courier New" panose="02070309020205020404" pitchFamily="49" charset="0"/>
+                <a:cs typeface="Courier New" panose="02070309020205020404" pitchFamily="49" charset="0"/>
+              </a:rPr>
+              <a:t> [, </a:t>
+            </a:r>
+            <a:r>
+              <a:rPr lang="pt-BR" sz="3200" spc="-1" dirty="0" err="1">
+                <a:solidFill>
+                  <a:srgbClr val="1F4E79"/>
+                </a:solidFill>
+                <a:latin typeface="Courier New" panose="02070309020205020404" pitchFamily="49" charset="0"/>
+                <a:cs typeface="Courier New" panose="02070309020205020404" pitchFamily="49" charset="0"/>
+              </a:rPr>
+              <a:t>token</a:t>
+            </a:r>
+            <a:r>
+              <a:rPr lang="pt-BR" sz="3200" spc="-1" dirty="0">
+                <a:solidFill>
+                  <a:srgbClr val="1F4E79"/>
+                </a:solidFill>
+                <a:latin typeface="Courier New" panose="02070309020205020404" pitchFamily="49" charset="0"/>
+                <a:cs typeface="Courier New" panose="02070309020205020404" pitchFamily="49" charset="0"/>
+              </a:rPr>
+              <a:t>] = </a:t>
+            </a:r>
+            <a:r>
+              <a:rPr lang="pt-BR" sz="3200" spc="-1" dirty="0" err="1">
+                <a:solidFill>
+                  <a:srgbClr val="1F4E79"/>
+                </a:solidFill>
+                <a:latin typeface="Courier New" panose="02070309020205020404" pitchFamily="49" charset="0"/>
+                <a:cs typeface="Courier New" panose="02070309020205020404" pitchFamily="49" charset="0"/>
+              </a:rPr>
+              <a:t>authHeader.split</a:t>
+            </a:r>
+            <a:r>
+              <a:rPr lang="pt-BR" sz="3200" spc="-1" dirty="0">
+                <a:solidFill>
+                  <a:srgbClr val="1F4E79"/>
+                </a:solidFill>
+                <a:latin typeface="Courier New" panose="02070309020205020404" pitchFamily="49" charset="0"/>
+                <a:cs typeface="Courier New" panose="02070309020205020404" pitchFamily="49" charset="0"/>
+              </a:rPr>
+              <a:t>(' ');</a:t>
+            </a:r>
+          </a:p>
+          <a:p>
+            <a:pPr>
+              <a:lnSpc>
+                <a:spcPct val="100000"/>
+              </a:lnSpc>
+              <a:spcBef>
+                <a:spcPts val="1001"/>
+              </a:spcBef>
+              <a:spcAft>
+                <a:spcPts val="1001"/>
+              </a:spcAft>
+              <a:tabLst>
+                <a:tab pos="0" algn="l"/>
+              </a:tabLst>
+            </a:pPr>
+            <a:r>
+              <a:rPr lang="pt-BR" sz="3200" spc="-1" dirty="0" err="1">
+                <a:solidFill>
+                  <a:srgbClr val="1F4E79"/>
+                </a:solidFill>
+                <a:latin typeface="Courier New" panose="02070309020205020404" pitchFamily="49" charset="0"/>
+                <a:cs typeface="Courier New" panose="02070309020205020404" pitchFamily="49" charset="0"/>
+              </a:rPr>
+              <a:t>try</a:t>
+            </a:r>
+            <a:r>
+              <a:rPr lang="pt-BR" sz="3200" spc="-1" dirty="0">
+                <a:solidFill>
+                  <a:srgbClr val="1F4E79"/>
+                </a:solidFill>
+                <a:latin typeface="Courier New" panose="02070309020205020404" pitchFamily="49" charset="0"/>
+                <a:cs typeface="Courier New" panose="02070309020205020404" pitchFamily="49" charset="0"/>
+              </a:rPr>
+              <a:t> {</a:t>
+            </a:r>
+          </a:p>
+          <a:p>
+            <a:pPr>
+              <a:lnSpc>
+                <a:spcPct val="100000"/>
+              </a:lnSpc>
+              <a:spcBef>
+                <a:spcPts val="1001"/>
+              </a:spcBef>
+              <a:spcAft>
+                <a:spcPts val="1001"/>
+              </a:spcAft>
+              <a:tabLst>
+                <a:tab pos="0" algn="l"/>
+              </a:tabLst>
+            </a:pPr>
+            <a:r>
+              <a:rPr lang="pt-BR" sz="3200" spc="-1" dirty="0">
+                <a:solidFill>
+                  <a:srgbClr val="1F4E79"/>
+                </a:solidFill>
+                <a:latin typeface="Courier New" panose="02070309020205020404" pitchFamily="49" charset="0"/>
+                <a:cs typeface="Courier New" panose="02070309020205020404" pitchFamily="49" charset="0"/>
+              </a:rPr>
+              <a:t>        </a:t>
+            </a:r>
+            <a:r>
+              <a:rPr lang="pt-BR" sz="3200" spc="-1" dirty="0" err="1">
+                <a:solidFill>
+                  <a:srgbClr val="1F4E79"/>
+                </a:solidFill>
+                <a:latin typeface="Courier New" panose="02070309020205020404" pitchFamily="49" charset="0"/>
+                <a:cs typeface="Courier New" panose="02070309020205020404" pitchFamily="49" charset="0"/>
+              </a:rPr>
+              <a:t>jwt.verify</a:t>
+            </a:r>
+            <a:r>
+              <a:rPr lang="pt-BR" sz="3200" spc="-1" dirty="0">
+                <a:solidFill>
+                  <a:srgbClr val="1F4E79"/>
+                </a:solidFill>
+                <a:latin typeface="Courier New" panose="02070309020205020404" pitchFamily="49" charset="0"/>
+                <a:cs typeface="Courier New" panose="02070309020205020404" pitchFamily="49" charset="0"/>
+              </a:rPr>
+              <a:t>(</a:t>
+            </a:r>
+            <a:r>
+              <a:rPr lang="pt-BR" sz="3200" spc="-1" dirty="0" err="1">
+                <a:solidFill>
+                  <a:srgbClr val="1F4E79"/>
+                </a:solidFill>
+                <a:latin typeface="Courier New" panose="02070309020205020404" pitchFamily="49" charset="0"/>
+                <a:cs typeface="Courier New" panose="02070309020205020404" pitchFamily="49" charset="0"/>
+              </a:rPr>
+              <a:t>token</a:t>
+            </a:r>
+            <a:r>
+              <a:rPr lang="pt-BR" sz="3200" spc="-1" dirty="0">
+                <a:solidFill>
+                  <a:srgbClr val="1F4E79"/>
+                </a:solidFill>
+                <a:latin typeface="Courier New" panose="02070309020205020404" pitchFamily="49" charset="0"/>
+                <a:cs typeface="Courier New" panose="02070309020205020404" pitchFamily="49" charset="0"/>
+              </a:rPr>
+              <a:t>, '</a:t>
+            </a:r>
+            <a:r>
+              <a:rPr lang="pt-BR" sz="3200" spc="-1" dirty="0" err="1">
+                <a:solidFill>
+                  <a:srgbClr val="1F4E79"/>
+                </a:solidFill>
+                <a:latin typeface="Courier New" panose="02070309020205020404" pitchFamily="49" charset="0"/>
+                <a:cs typeface="Courier New" panose="02070309020205020404" pitchFamily="49" charset="0"/>
+              </a:rPr>
+              <a:t>secretkey</a:t>
+            </a:r>
+            <a:r>
+              <a:rPr lang="pt-BR" sz="3200" spc="-1" dirty="0">
+                <a:solidFill>
+                  <a:srgbClr val="1F4E79"/>
+                </a:solidFill>
+                <a:latin typeface="Courier New" panose="02070309020205020404" pitchFamily="49" charset="0"/>
+                <a:cs typeface="Courier New" panose="02070309020205020404" pitchFamily="49" charset="0"/>
+              </a:rPr>
+              <a:t>');</a:t>
+            </a:r>
+          </a:p>
+          <a:p>
+            <a:pPr>
+              <a:lnSpc>
+                <a:spcPct val="100000"/>
+              </a:lnSpc>
+              <a:spcBef>
+                <a:spcPts val="1001"/>
+              </a:spcBef>
+              <a:spcAft>
+                <a:spcPts val="1001"/>
+              </a:spcAft>
+              <a:tabLst>
+                <a:tab pos="0" algn="l"/>
+              </a:tabLst>
+            </a:pPr>
+            <a:r>
+              <a:rPr lang="pt-BR" sz="3200" spc="-1" dirty="0">
+                <a:solidFill>
+                  <a:srgbClr val="1F4E79"/>
+                </a:solidFill>
+                <a:latin typeface="Courier New" panose="02070309020205020404" pitchFamily="49" charset="0"/>
+                <a:cs typeface="Courier New" panose="02070309020205020404" pitchFamily="49" charset="0"/>
+              </a:rPr>
+              <a:t>        </a:t>
+            </a:r>
+            <a:r>
+              <a:rPr lang="pt-BR" sz="3200" spc="-1" dirty="0" err="1">
+                <a:solidFill>
+                  <a:srgbClr val="1F4E79"/>
+                </a:solidFill>
+                <a:latin typeface="Courier New" panose="02070309020205020404" pitchFamily="49" charset="0"/>
+                <a:cs typeface="Courier New" panose="02070309020205020404" pitchFamily="49" charset="0"/>
+              </a:rPr>
+              <a:t>return</a:t>
+            </a:r>
+            <a:r>
+              <a:rPr lang="pt-BR" sz="3200" spc="-1" dirty="0">
+                <a:solidFill>
+                  <a:srgbClr val="1F4E79"/>
+                </a:solidFill>
+                <a:latin typeface="Courier New" panose="02070309020205020404" pitchFamily="49" charset="0"/>
+                <a:cs typeface="Courier New" panose="02070309020205020404" pitchFamily="49" charset="0"/>
+              </a:rPr>
+              <a:t> </a:t>
+            </a:r>
+            <a:r>
+              <a:rPr lang="pt-BR" sz="3200" spc="-1" dirty="0" err="1">
+                <a:solidFill>
+                  <a:srgbClr val="1F4E79"/>
+                </a:solidFill>
+                <a:latin typeface="Courier New" panose="02070309020205020404" pitchFamily="49" charset="0"/>
+                <a:cs typeface="Courier New" panose="02070309020205020404" pitchFamily="49" charset="0"/>
+              </a:rPr>
+              <a:t>next</a:t>
+            </a:r>
+            <a:r>
+              <a:rPr lang="pt-BR" sz="3200" spc="-1" dirty="0">
+                <a:solidFill>
+                  <a:srgbClr val="1F4E79"/>
+                </a:solidFill>
+                <a:latin typeface="Courier New" panose="02070309020205020404" pitchFamily="49" charset="0"/>
+                <a:cs typeface="Courier New" panose="02070309020205020404" pitchFamily="49" charset="0"/>
+              </a:rPr>
+              <a:t>();</a:t>
+            </a:r>
+          </a:p>
+          <a:p>
+            <a:pPr>
+              <a:lnSpc>
+                <a:spcPct val="100000"/>
+              </a:lnSpc>
+              <a:spcBef>
+                <a:spcPts val="1001"/>
+              </a:spcBef>
+              <a:spcAft>
+                <a:spcPts val="1001"/>
+              </a:spcAft>
+              <a:tabLst>
+                <a:tab pos="0" algn="l"/>
+              </a:tabLst>
+            </a:pPr>
+            <a:r>
+              <a:rPr lang="pt-BR" sz="3200" spc="-1" dirty="0">
+                <a:solidFill>
+                  <a:srgbClr val="1F4E79"/>
+                </a:solidFill>
+                <a:latin typeface="Courier New" panose="02070309020205020404" pitchFamily="49" charset="0"/>
+                <a:cs typeface="Courier New" panose="02070309020205020404" pitchFamily="49" charset="0"/>
+              </a:rPr>
+              <a:t>    } catch(</a:t>
+            </a:r>
+            <a:r>
+              <a:rPr lang="pt-BR" sz="3200" spc="-1" dirty="0" err="1">
+                <a:solidFill>
+                  <a:srgbClr val="1F4E79"/>
+                </a:solidFill>
+                <a:latin typeface="Courier New" panose="02070309020205020404" pitchFamily="49" charset="0"/>
+                <a:cs typeface="Courier New" panose="02070309020205020404" pitchFamily="49" charset="0"/>
+              </a:rPr>
+              <a:t>error</a:t>
+            </a:r>
+            <a:r>
+              <a:rPr lang="pt-BR" sz="3200" spc="-1" dirty="0">
+                <a:solidFill>
+                  <a:srgbClr val="1F4E79"/>
+                </a:solidFill>
+                <a:latin typeface="Courier New" panose="02070309020205020404" pitchFamily="49" charset="0"/>
+                <a:cs typeface="Courier New" panose="02070309020205020404" pitchFamily="49" charset="0"/>
+              </a:rPr>
+              <a:t>){ </a:t>
+            </a:r>
+            <a:r>
+              <a:rPr lang="pt-BR" sz="3200" spc="-1" dirty="0" err="1">
+                <a:solidFill>
+                  <a:srgbClr val="1F4E79"/>
+                </a:solidFill>
+                <a:latin typeface="Courier New" panose="02070309020205020404" pitchFamily="49" charset="0"/>
+                <a:cs typeface="Courier New" panose="02070309020205020404" pitchFamily="49" charset="0"/>
+              </a:rPr>
+              <a:t>return</a:t>
+            </a:r>
+            <a:r>
+              <a:rPr lang="pt-BR" sz="3200" spc="-1" dirty="0">
+                <a:solidFill>
+                  <a:srgbClr val="1F4E79"/>
+                </a:solidFill>
+                <a:latin typeface="Courier New" panose="02070309020205020404" pitchFamily="49" charset="0"/>
+                <a:cs typeface="Courier New" panose="02070309020205020404" pitchFamily="49" charset="0"/>
+              </a:rPr>
+              <a:t> </a:t>
+            </a:r>
+            <a:r>
+              <a:rPr lang="pt-BR" sz="3200" spc="-1" dirty="0" err="1">
+                <a:solidFill>
+                  <a:srgbClr val="1F4E79"/>
+                </a:solidFill>
+                <a:latin typeface="Courier New" panose="02070309020205020404" pitchFamily="49" charset="0"/>
+                <a:cs typeface="Courier New" panose="02070309020205020404" pitchFamily="49" charset="0"/>
+              </a:rPr>
+              <a:t>response.status</a:t>
+            </a:r>
+            <a:r>
+              <a:rPr lang="pt-BR" sz="3200" spc="-1" dirty="0">
+                <a:solidFill>
+                  <a:srgbClr val="1F4E79"/>
+                </a:solidFill>
+                <a:latin typeface="Courier New" panose="02070309020205020404" pitchFamily="49" charset="0"/>
+                <a:cs typeface="Courier New" panose="02070309020205020404" pitchFamily="49" charset="0"/>
+              </a:rPr>
+              <a:t>(403).</a:t>
+            </a:r>
+            <a:r>
+              <a:rPr lang="pt-BR" sz="3200" spc="-1" dirty="0" err="1">
+                <a:solidFill>
+                  <a:srgbClr val="1F4E79"/>
+                </a:solidFill>
+                <a:latin typeface="Courier New" panose="02070309020205020404" pitchFamily="49" charset="0"/>
+                <a:cs typeface="Courier New" panose="02070309020205020404" pitchFamily="49" charset="0"/>
+              </a:rPr>
+              <a:t>json</a:t>
+            </a:r>
+            <a:r>
+              <a:rPr lang="pt-BR" sz="3200" spc="-1" dirty="0">
+                <a:solidFill>
+                  <a:srgbClr val="1F4E79"/>
+                </a:solidFill>
+                <a:latin typeface="Courier New" panose="02070309020205020404" pitchFamily="49" charset="0"/>
+                <a:cs typeface="Courier New" panose="02070309020205020404" pitchFamily="49" charset="0"/>
+              </a:rPr>
+              <a:t>({</a:t>
+            </a:r>
+            <a:r>
+              <a:rPr lang="pt-BR" sz="3200" spc="-1" dirty="0" err="1">
+                <a:solidFill>
+                  <a:srgbClr val="1F4E79"/>
+                </a:solidFill>
+                <a:latin typeface="Courier New" panose="02070309020205020404" pitchFamily="49" charset="0"/>
+                <a:cs typeface="Courier New" panose="02070309020205020404" pitchFamily="49" charset="0"/>
+              </a:rPr>
+              <a:t>message</a:t>
+            </a:r>
+            <a:r>
+              <a:rPr lang="pt-BR" sz="3200" spc="-1" dirty="0">
+                <a:solidFill>
+                  <a:srgbClr val="1F4E79"/>
+                </a:solidFill>
+                <a:latin typeface="Courier New" panose="02070309020205020404" pitchFamily="49" charset="0"/>
+                <a:cs typeface="Courier New" panose="02070309020205020404" pitchFamily="49" charset="0"/>
+              </a:rPr>
+              <a:t>: 'Token inválido’}); }</a:t>
+            </a:r>
+          </a:p>
+          <a:p>
+            <a:pPr>
+              <a:lnSpc>
+                <a:spcPct val="100000"/>
+              </a:lnSpc>
+              <a:spcBef>
+                <a:spcPts val="1001"/>
+              </a:spcBef>
+              <a:spcAft>
+                <a:spcPts val="1001"/>
+              </a:spcAft>
+              <a:tabLst>
+                <a:tab pos="0" algn="l"/>
+              </a:tabLst>
+            </a:pPr>
+            <a:r>
+              <a:rPr lang="pt-BR" sz="3200" spc="-1" dirty="0">
+                <a:solidFill>
+                  <a:srgbClr val="1F4E79"/>
+                </a:solidFill>
+                <a:latin typeface="Courier New" panose="02070309020205020404" pitchFamily="49" charset="0"/>
+                <a:cs typeface="Courier New" panose="02070309020205020404" pitchFamily="49" charset="0"/>
+              </a:rPr>
+              <a:t>}</a:t>
+            </a:r>
+            <a:endParaRPr lang="pt-BR" sz="3200" b="0" strike="noStrike" spc="-1" dirty="0">
+              <a:latin typeface="Courier New" panose="02070309020205020404" pitchFamily="49" charset="0"/>
+              <a:cs typeface="Courier New" panose="02070309020205020404" pitchFamily="49" charset="0"/>
+            </a:endParaRPr>
+          </a:p>
+        </p:txBody>
+      </p:sp>
+    </p:spTree>
+    <p:extLst>
+      <p:ext uri="{BB962C8B-B14F-4D97-AF65-F5344CB8AC3E}">
+        <p14:creationId xmlns:p14="http://schemas.microsoft.com/office/powerpoint/2010/main" val="2888934826"/>
+      </p:ext>
+    </p:extLst>
+  </p:cSld>
+  <p:clrMapOvr>
+    <a:masterClrMapping/>
+  </p:clrMapOvr>
+</p:sld>
+</file>
+
+<file path=ppt/slides/slide71.xml><?xml version="1.0" encoding="utf-8"?>
+<p:sld xmlns:a="http://schemas.openxmlformats.org/drawingml/2006/main" xmlns:r="http://schemas.openxmlformats.org/officeDocument/2006/relationships" xmlns:p="http://schemas.openxmlformats.org/presentationml/2006/main">
+  <p:cSld>
+    <p:spTree>
+      <p:nvGrpSpPr>
+        <p:cNvPr id="1" name=""/>
+        <p:cNvGrpSpPr/>
+        <p:nvPr/>
+      </p:nvGrpSpPr>
+      <p:grpSpPr>
+        <a:xfrm>
+          <a:off x="0" y="0"/>
+          <a:ext cx="0" cy="0"/>
+          <a:chOff x="0" y="0"/>
+          <a:chExt cx="0" cy="0"/>
+        </a:xfrm>
+      </p:grpSpPr>
+      <p:sp>
+        <p:nvSpPr>
+          <p:cNvPr id="171" name="CustomShape 1"/>
+          <p:cNvSpPr/>
+          <p:nvPr/>
+        </p:nvSpPr>
+        <p:spPr>
+          <a:xfrm>
+            <a:off x="0" y="224280"/>
+            <a:ext cx="12019320" cy="854640"/>
+          </a:xfrm>
+          <a:prstGeom prst="rect">
+            <a:avLst/>
+          </a:prstGeom>
+          <a:noFill/>
+          <a:ln>
+            <a:noFill/>
+          </a:ln>
+        </p:spPr>
+        <p:style>
+          <a:lnRef idx="0">
+            <a:scrgbClr r="0" g="0" b="0"/>
+          </a:lnRef>
+          <a:fillRef idx="0">
+            <a:scrgbClr r="0" g="0" b="0"/>
+          </a:fillRef>
+          <a:effectRef idx="0">
+            <a:scrgbClr r="0" g="0" b="0"/>
+          </a:effectRef>
+          <a:fontRef idx="minor"/>
+        </p:style>
+        <p:txBody>
+          <a:bodyPr lIns="90000" tIns="45000" rIns="90000" bIns="45000" anchor="ctr">
+            <a:noAutofit/>
+          </a:bodyPr>
+          <a:lstStyle/>
+          <a:p>
+            <a:pPr algn="ctr">
+              <a:lnSpc>
+                <a:spcPct val="90000"/>
+              </a:lnSpc>
+            </a:pPr>
+            <a:r>
+              <a:rPr lang="pt-BR" sz="5400" b="0" strike="noStrike" spc="-1" dirty="0">
+                <a:solidFill>
+                  <a:srgbClr val="1F4E79"/>
+                </a:solidFill>
+                <a:latin typeface="Arial"/>
+                <a:ea typeface="DejaVu Sans"/>
+              </a:rPr>
+              <a:t>Especificando rotas autenticadas</a:t>
+            </a:r>
+            <a:endParaRPr lang="pt-BR" sz="5400" b="0" strike="noStrike" spc="-1" dirty="0">
+              <a:latin typeface="Arial"/>
+            </a:endParaRPr>
+          </a:p>
+        </p:txBody>
+      </p:sp>
+      <p:sp>
+        <p:nvSpPr>
+          <p:cNvPr id="172" name="CustomShape 2"/>
+          <p:cNvSpPr/>
+          <p:nvPr/>
+        </p:nvSpPr>
+        <p:spPr>
+          <a:xfrm>
+            <a:off x="317520" y="1290960"/>
+            <a:ext cx="11701440" cy="4347360"/>
+          </a:xfrm>
+          <a:prstGeom prst="rect">
+            <a:avLst/>
+          </a:prstGeom>
+          <a:noFill/>
+          <a:ln>
+            <a:noFill/>
+          </a:ln>
+        </p:spPr>
+        <p:style>
+          <a:lnRef idx="0">
+            <a:scrgbClr r="0" g="0" b="0"/>
+          </a:lnRef>
+          <a:fillRef idx="0">
+            <a:scrgbClr r="0" g="0" b="0"/>
+          </a:fillRef>
+          <a:effectRef idx="0">
+            <a:scrgbClr r="0" g="0" b="0"/>
+          </a:effectRef>
+          <a:fontRef idx="minor"/>
+        </p:style>
+        <p:txBody>
+          <a:bodyPr lIns="90000" tIns="45000" rIns="90000" bIns="45000">
+            <a:normAutofit/>
+          </a:bodyPr>
+          <a:lstStyle/>
+          <a:p>
+            <a:pPr algn="ctr">
+              <a:lnSpc>
+                <a:spcPct val="100000"/>
+              </a:lnSpc>
+              <a:spcBef>
+                <a:spcPts val="1001"/>
+              </a:spcBef>
+              <a:spcAft>
+                <a:spcPts val="1001"/>
+              </a:spcAft>
+              <a:tabLst>
+                <a:tab pos="0" algn="l"/>
+              </a:tabLst>
+            </a:pPr>
+            <a:r>
+              <a:rPr lang="pt-BR" sz="3200" b="0" strike="noStrike" spc="-1" dirty="0">
+                <a:solidFill>
+                  <a:srgbClr val="1F4E79"/>
+                </a:solidFill>
+                <a:latin typeface="Arial"/>
+                <a:ea typeface="DejaVu Sans"/>
+              </a:rPr>
+              <a:t>O middleware deve ser executado apenas em rotas autenticadas:</a:t>
+            </a:r>
+          </a:p>
+          <a:p>
+            <a:pPr>
+              <a:lnSpc>
+                <a:spcPct val="100000"/>
+              </a:lnSpc>
+              <a:spcBef>
+                <a:spcPts val="1001"/>
+              </a:spcBef>
+              <a:spcAft>
+                <a:spcPts val="1001"/>
+              </a:spcAft>
+              <a:tabLst>
+                <a:tab pos="0" algn="l"/>
+              </a:tabLst>
+            </a:pPr>
+            <a:r>
+              <a:rPr lang="pt-BR" sz="3200" spc="-1" dirty="0" err="1">
+                <a:solidFill>
+                  <a:srgbClr val="1F4E79"/>
+                </a:solidFill>
+                <a:latin typeface="Courier New" panose="02070309020205020404" pitchFamily="49" charset="0"/>
+                <a:cs typeface="Courier New" panose="02070309020205020404" pitchFamily="49" charset="0"/>
+              </a:rPr>
+              <a:t>routes.use</a:t>
+            </a:r>
+            <a:r>
+              <a:rPr lang="pt-BR" sz="3200" spc="-1" dirty="0">
+                <a:solidFill>
+                  <a:srgbClr val="1F4E79"/>
+                </a:solidFill>
+                <a:latin typeface="Courier New" panose="02070309020205020404" pitchFamily="49" charset="0"/>
+                <a:cs typeface="Courier New" panose="02070309020205020404" pitchFamily="49" charset="0"/>
+              </a:rPr>
+              <a:t>('/</a:t>
+            </a:r>
+            <a:r>
+              <a:rPr lang="pt-BR" sz="3200" spc="-1" dirty="0" err="1">
+                <a:solidFill>
+                  <a:srgbClr val="1F4E79"/>
+                </a:solidFill>
+                <a:latin typeface="Courier New" panose="02070309020205020404" pitchFamily="49" charset="0"/>
+                <a:cs typeface="Courier New" panose="02070309020205020404" pitchFamily="49" charset="0"/>
+              </a:rPr>
+              <a:t>sessions</a:t>
+            </a:r>
+            <a:r>
+              <a:rPr lang="pt-BR" sz="3200" spc="-1" dirty="0">
+                <a:solidFill>
+                  <a:srgbClr val="1F4E79"/>
+                </a:solidFill>
+                <a:latin typeface="Courier New" panose="02070309020205020404" pitchFamily="49" charset="0"/>
+                <a:cs typeface="Courier New" panose="02070309020205020404" pitchFamily="49" charset="0"/>
+              </a:rPr>
+              <a:t>', </a:t>
+            </a:r>
+            <a:r>
+              <a:rPr lang="pt-BR" sz="3200" spc="-1" dirty="0" err="1">
+                <a:solidFill>
+                  <a:srgbClr val="1F4E79"/>
+                </a:solidFill>
+                <a:latin typeface="Courier New" panose="02070309020205020404" pitchFamily="49" charset="0"/>
+                <a:cs typeface="Courier New" panose="02070309020205020404" pitchFamily="49" charset="0"/>
+              </a:rPr>
+              <a:t>sessionsRouter</a:t>
+            </a:r>
+            <a:r>
+              <a:rPr lang="pt-BR" sz="3200" spc="-1" dirty="0">
+                <a:solidFill>
+                  <a:srgbClr val="1F4E79"/>
+                </a:solidFill>
+                <a:latin typeface="Courier New" panose="02070309020205020404" pitchFamily="49" charset="0"/>
+                <a:cs typeface="Courier New" panose="02070309020205020404" pitchFamily="49" charset="0"/>
+              </a:rPr>
+              <a:t>);</a:t>
+            </a:r>
+          </a:p>
+          <a:p>
+            <a:pPr>
+              <a:lnSpc>
+                <a:spcPct val="100000"/>
+              </a:lnSpc>
+              <a:spcBef>
+                <a:spcPts val="1001"/>
+              </a:spcBef>
+              <a:spcAft>
+                <a:spcPts val="1001"/>
+              </a:spcAft>
+              <a:tabLst>
+                <a:tab pos="0" algn="l"/>
+              </a:tabLst>
+            </a:pPr>
+            <a:r>
+              <a:rPr lang="pt-BR" sz="3200" spc="-1" dirty="0" err="1">
+                <a:solidFill>
+                  <a:srgbClr val="1F4E79"/>
+                </a:solidFill>
+                <a:latin typeface="Courier New" panose="02070309020205020404" pitchFamily="49" charset="0"/>
+                <a:cs typeface="Courier New" panose="02070309020205020404" pitchFamily="49" charset="0"/>
+              </a:rPr>
+              <a:t>routes.use</a:t>
+            </a:r>
+            <a:r>
+              <a:rPr lang="pt-BR" sz="3200" spc="-1" dirty="0">
+                <a:solidFill>
+                  <a:srgbClr val="1F4E79"/>
+                </a:solidFill>
+                <a:latin typeface="Courier New" panose="02070309020205020404" pitchFamily="49" charset="0"/>
+                <a:cs typeface="Courier New" panose="02070309020205020404" pitchFamily="49" charset="0"/>
+              </a:rPr>
+              <a:t>(</a:t>
+            </a:r>
+            <a:r>
+              <a:rPr lang="pt-BR" sz="3200" spc="-1" dirty="0" err="1">
+                <a:solidFill>
+                  <a:srgbClr val="1F4E79"/>
+                </a:solidFill>
+                <a:latin typeface="Courier New" panose="02070309020205020404" pitchFamily="49" charset="0"/>
+                <a:cs typeface="Courier New" panose="02070309020205020404" pitchFamily="49" charset="0"/>
+              </a:rPr>
+              <a:t>ensureAuthenticated</a:t>
+            </a:r>
+            <a:r>
+              <a:rPr lang="pt-BR" sz="3200" spc="-1" dirty="0">
+                <a:solidFill>
+                  <a:srgbClr val="1F4E79"/>
+                </a:solidFill>
+                <a:latin typeface="Courier New" panose="02070309020205020404" pitchFamily="49" charset="0"/>
+                <a:cs typeface="Courier New" panose="02070309020205020404" pitchFamily="49" charset="0"/>
+              </a:rPr>
+              <a:t>);</a:t>
+            </a:r>
+          </a:p>
+          <a:p>
+            <a:pPr>
+              <a:lnSpc>
+                <a:spcPct val="100000"/>
+              </a:lnSpc>
+              <a:spcBef>
+                <a:spcPts val="1001"/>
+              </a:spcBef>
+              <a:spcAft>
+                <a:spcPts val="1001"/>
+              </a:spcAft>
+              <a:tabLst>
+                <a:tab pos="0" algn="l"/>
+              </a:tabLst>
+            </a:pPr>
+            <a:r>
+              <a:rPr lang="pt-BR" sz="3200" spc="-1" dirty="0" err="1">
+                <a:solidFill>
+                  <a:srgbClr val="1F4E79"/>
+                </a:solidFill>
+                <a:latin typeface="Courier New" panose="02070309020205020404" pitchFamily="49" charset="0"/>
+                <a:cs typeface="Courier New" panose="02070309020205020404" pitchFamily="49" charset="0"/>
+              </a:rPr>
+              <a:t>routes.use</a:t>
+            </a:r>
+            <a:r>
+              <a:rPr lang="pt-BR" sz="3200" spc="-1" dirty="0">
+                <a:solidFill>
+                  <a:srgbClr val="1F4E79"/>
+                </a:solidFill>
+                <a:latin typeface="Courier New" panose="02070309020205020404" pitchFamily="49" charset="0"/>
+                <a:cs typeface="Courier New" panose="02070309020205020404" pitchFamily="49" charset="0"/>
+              </a:rPr>
+              <a:t>('/</a:t>
+            </a:r>
+            <a:r>
+              <a:rPr lang="pt-BR" sz="3200" spc="-1" dirty="0" err="1">
+                <a:solidFill>
+                  <a:srgbClr val="1F4E79"/>
+                </a:solidFill>
+                <a:latin typeface="Courier New" panose="02070309020205020404" pitchFamily="49" charset="0"/>
+                <a:cs typeface="Courier New" panose="02070309020205020404" pitchFamily="49" charset="0"/>
+              </a:rPr>
+              <a:t>products</a:t>
+            </a:r>
+            <a:r>
+              <a:rPr lang="pt-BR" sz="3200" spc="-1" dirty="0">
+                <a:solidFill>
+                  <a:srgbClr val="1F4E79"/>
+                </a:solidFill>
+                <a:latin typeface="Courier New" panose="02070309020205020404" pitchFamily="49" charset="0"/>
+                <a:cs typeface="Courier New" panose="02070309020205020404" pitchFamily="49" charset="0"/>
+              </a:rPr>
+              <a:t>', </a:t>
+            </a:r>
+            <a:r>
+              <a:rPr lang="pt-BR" sz="3200" spc="-1" dirty="0" err="1">
+                <a:solidFill>
+                  <a:srgbClr val="1F4E79"/>
+                </a:solidFill>
+                <a:latin typeface="Courier New" panose="02070309020205020404" pitchFamily="49" charset="0"/>
+                <a:cs typeface="Courier New" panose="02070309020205020404" pitchFamily="49" charset="0"/>
+              </a:rPr>
+              <a:t>productsRouter</a:t>
+            </a:r>
+            <a:r>
+              <a:rPr lang="pt-BR" sz="3200" spc="-1" dirty="0">
+                <a:solidFill>
+                  <a:srgbClr val="1F4E79"/>
+                </a:solidFill>
+                <a:latin typeface="Courier New" panose="02070309020205020404" pitchFamily="49" charset="0"/>
+                <a:cs typeface="Courier New" panose="02070309020205020404" pitchFamily="49" charset="0"/>
+              </a:rPr>
+              <a:t>);</a:t>
+            </a:r>
+          </a:p>
+          <a:p>
+            <a:pPr>
+              <a:lnSpc>
+                <a:spcPct val="100000"/>
+              </a:lnSpc>
+              <a:spcBef>
+                <a:spcPts val="1001"/>
+              </a:spcBef>
+              <a:spcAft>
+                <a:spcPts val="1001"/>
+              </a:spcAft>
+              <a:tabLst>
+                <a:tab pos="0" algn="l"/>
+              </a:tabLst>
+            </a:pPr>
+            <a:r>
+              <a:rPr lang="pt-BR" sz="3200" spc="-1" dirty="0" err="1">
+                <a:solidFill>
+                  <a:srgbClr val="1F4E79"/>
+                </a:solidFill>
+                <a:latin typeface="Courier New" panose="02070309020205020404" pitchFamily="49" charset="0"/>
+                <a:cs typeface="Courier New" panose="02070309020205020404" pitchFamily="49" charset="0"/>
+              </a:rPr>
+              <a:t>routes.use</a:t>
+            </a:r>
+            <a:r>
+              <a:rPr lang="pt-BR" sz="3200" spc="-1" dirty="0">
+                <a:solidFill>
+                  <a:srgbClr val="1F4E79"/>
+                </a:solidFill>
+                <a:latin typeface="Courier New" panose="02070309020205020404" pitchFamily="49" charset="0"/>
+                <a:cs typeface="Courier New" panose="02070309020205020404" pitchFamily="49" charset="0"/>
+              </a:rPr>
+              <a:t>('/</a:t>
+            </a:r>
+            <a:r>
+              <a:rPr lang="pt-BR" sz="3200" spc="-1" dirty="0" err="1">
+                <a:solidFill>
+                  <a:srgbClr val="1F4E79"/>
+                </a:solidFill>
+                <a:latin typeface="Courier New" panose="02070309020205020404" pitchFamily="49" charset="0"/>
+                <a:cs typeface="Courier New" panose="02070309020205020404" pitchFamily="49" charset="0"/>
+              </a:rPr>
+              <a:t>users</a:t>
+            </a:r>
+            <a:r>
+              <a:rPr lang="pt-BR" sz="3200" spc="-1" dirty="0">
+                <a:solidFill>
+                  <a:srgbClr val="1F4E79"/>
+                </a:solidFill>
+                <a:latin typeface="Courier New" panose="02070309020205020404" pitchFamily="49" charset="0"/>
+                <a:cs typeface="Courier New" panose="02070309020205020404" pitchFamily="49" charset="0"/>
+              </a:rPr>
+              <a:t>', </a:t>
+            </a:r>
+            <a:r>
+              <a:rPr lang="pt-BR" sz="3200" spc="-1" dirty="0" err="1">
+                <a:solidFill>
+                  <a:srgbClr val="1F4E79"/>
+                </a:solidFill>
+                <a:latin typeface="Courier New" panose="02070309020205020404" pitchFamily="49" charset="0"/>
+                <a:cs typeface="Courier New" panose="02070309020205020404" pitchFamily="49" charset="0"/>
+              </a:rPr>
+              <a:t>usersRouter</a:t>
+            </a:r>
+            <a:r>
+              <a:rPr lang="pt-BR" sz="3200" spc="-1" dirty="0">
+                <a:solidFill>
+                  <a:srgbClr val="1F4E79"/>
+                </a:solidFill>
+                <a:latin typeface="Courier New" panose="02070309020205020404" pitchFamily="49" charset="0"/>
+                <a:cs typeface="Courier New" panose="02070309020205020404" pitchFamily="49" charset="0"/>
+              </a:rPr>
+              <a:t>);</a:t>
+            </a:r>
+            <a:endParaRPr lang="pt-BR" sz="3200" b="0" strike="noStrike" spc="-1" dirty="0">
+              <a:latin typeface="Courier New" panose="02070309020205020404" pitchFamily="49" charset="0"/>
+              <a:cs typeface="Courier New" panose="02070309020205020404" pitchFamily="49" charset="0"/>
+            </a:endParaRPr>
+          </a:p>
+        </p:txBody>
+      </p:sp>
+    </p:spTree>
+    <p:extLst>
+      <p:ext uri="{BB962C8B-B14F-4D97-AF65-F5344CB8AC3E}">
+        <p14:creationId xmlns:p14="http://schemas.microsoft.com/office/powerpoint/2010/main" val="3190076563"/>
+      </p:ext>
+    </p:extLst>
+  </p:cSld>
+  <p:clrMapOvr>
+    <a:masterClrMapping/>
+  </p:clrMapOvr>
+</p:sld>
+</file>
+
+<file path=ppt/slides/slide72.xml><?xml version="1.0" encoding="utf-8"?>
+<p:sld xmlns:a="http://schemas.openxmlformats.org/drawingml/2006/main" xmlns:r="http://schemas.openxmlformats.org/officeDocument/2006/relationships" xmlns:p="http://schemas.openxmlformats.org/presentationml/2006/main">
+  <p:cSld>
+    <p:spTree>
+      <p:nvGrpSpPr>
+        <p:cNvPr id="1" name=""/>
+        <p:cNvGrpSpPr/>
+        <p:nvPr/>
+      </p:nvGrpSpPr>
+      <p:grpSpPr>
+        <a:xfrm>
+          <a:off x="0" y="0"/>
+          <a:ext cx="0" cy="0"/>
+          <a:chOff x="0" y="0"/>
+          <a:chExt cx="0" cy="0"/>
+        </a:xfrm>
+      </p:grpSpPr>
+      <p:sp>
+        <p:nvSpPr>
+          <p:cNvPr id="171" name="CustomShape 1"/>
+          <p:cNvSpPr/>
+          <p:nvPr/>
+        </p:nvSpPr>
+        <p:spPr>
+          <a:xfrm>
+            <a:off x="0" y="224280"/>
+            <a:ext cx="12019320" cy="854640"/>
+          </a:xfrm>
+          <a:prstGeom prst="rect">
+            <a:avLst/>
+          </a:prstGeom>
+          <a:noFill/>
+          <a:ln>
+            <a:noFill/>
+          </a:ln>
+        </p:spPr>
+        <p:style>
+          <a:lnRef idx="0">
+            <a:scrgbClr r="0" g="0" b="0"/>
+          </a:lnRef>
+          <a:fillRef idx="0">
+            <a:scrgbClr r="0" g="0" b="0"/>
+          </a:fillRef>
+          <a:effectRef idx="0">
+            <a:scrgbClr r="0" g="0" b="0"/>
+          </a:effectRef>
+          <a:fontRef idx="minor"/>
+        </p:style>
+        <p:txBody>
+          <a:bodyPr lIns="90000" tIns="45000" rIns="90000" bIns="45000" anchor="ctr">
+            <a:noAutofit/>
+          </a:bodyPr>
+          <a:lstStyle/>
+          <a:p>
+            <a:pPr algn="ctr">
+              <a:lnSpc>
+                <a:spcPct val="90000"/>
+              </a:lnSpc>
+            </a:pPr>
+            <a:r>
+              <a:rPr lang="pt-BR" sz="5400" b="0" strike="noStrike" spc="-1" dirty="0">
+                <a:solidFill>
+                  <a:srgbClr val="1F4E79"/>
+                </a:solidFill>
+                <a:latin typeface="Arial"/>
+                <a:ea typeface="DejaVu Sans"/>
+              </a:rPr>
+              <a:t>CORS</a:t>
+            </a:r>
+            <a:r>
+              <a:rPr lang="pt-BR" sz="5400" b="0" strike="noStrike" spc="-1" dirty="0">
+                <a:solidFill>
+                  <a:srgbClr val="1F4E79"/>
+                </a:solidFill>
+                <a:latin typeface="Arial"/>
+                <a:ea typeface="DejaVu Sans"/>
+                <a:hlinkClick r:id="rId3"/>
+              </a:rPr>
+              <a:t>*</a:t>
+            </a:r>
+            <a:endParaRPr lang="pt-BR" sz="5400" b="0" strike="noStrike" spc="-1" dirty="0">
+              <a:latin typeface="Arial"/>
+            </a:endParaRPr>
+          </a:p>
+        </p:txBody>
+      </p:sp>
+      <p:sp>
+        <p:nvSpPr>
+          <p:cNvPr id="172" name="CustomShape 2"/>
+          <p:cNvSpPr/>
+          <p:nvPr/>
+        </p:nvSpPr>
+        <p:spPr>
+          <a:xfrm>
+            <a:off x="317520" y="1290960"/>
+            <a:ext cx="11701440" cy="4347360"/>
+          </a:xfrm>
+          <a:prstGeom prst="rect">
+            <a:avLst/>
+          </a:prstGeom>
+          <a:noFill/>
+          <a:ln>
+            <a:noFill/>
+          </a:ln>
+        </p:spPr>
+        <p:style>
+          <a:lnRef idx="0">
+            <a:scrgbClr r="0" g="0" b="0"/>
+          </a:lnRef>
+          <a:fillRef idx="0">
+            <a:scrgbClr r="0" g="0" b="0"/>
+          </a:fillRef>
+          <a:effectRef idx="0">
+            <a:scrgbClr r="0" g="0" b="0"/>
+          </a:effectRef>
+          <a:fontRef idx="minor"/>
+        </p:style>
+        <p:txBody>
+          <a:bodyPr lIns="90000" tIns="45000" rIns="90000" bIns="45000">
+            <a:normAutofit/>
+          </a:bodyPr>
+          <a:lstStyle/>
+          <a:p>
+            <a:pPr algn="ctr">
+              <a:lnSpc>
+                <a:spcPct val="100000"/>
+              </a:lnSpc>
+              <a:spcBef>
+                <a:spcPts val="1001"/>
+              </a:spcBef>
+              <a:spcAft>
+                <a:spcPts val="1001"/>
+              </a:spcAft>
+              <a:tabLst>
+                <a:tab pos="0" algn="l"/>
+              </a:tabLst>
+            </a:pPr>
+            <a:r>
+              <a:rPr lang="pt-BR" sz="3200" spc="-1" dirty="0">
+                <a:solidFill>
+                  <a:srgbClr val="1F4E79"/>
+                </a:solidFill>
+              </a:rPr>
+              <a:t>Cross-</a:t>
+            </a:r>
+            <a:r>
+              <a:rPr lang="pt-BR" sz="3200" spc="-1" dirty="0" err="1">
+                <a:solidFill>
+                  <a:srgbClr val="1F4E79"/>
+                </a:solidFill>
+              </a:rPr>
+              <a:t>Origin</a:t>
+            </a:r>
+            <a:r>
+              <a:rPr lang="pt-BR" sz="3200" spc="-1" dirty="0">
+                <a:solidFill>
+                  <a:srgbClr val="1F4E79"/>
+                </a:solidFill>
+              </a:rPr>
+              <a:t> </a:t>
+            </a:r>
+            <a:r>
+              <a:rPr lang="pt-BR" sz="3200" spc="-1" dirty="0" err="1">
+                <a:solidFill>
+                  <a:srgbClr val="1F4E79"/>
+                </a:solidFill>
+              </a:rPr>
+              <a:t>Resource</a:t>
+            </a:r>
+            <a:r>
+              <a:rPr lang="pt-BR" sz="3200" spc="-1" dirty="0">
+                <a:solidFill>
+                  <a:srgbClr val="1F4E79"/>
+                </a:solidFill>
+              </a:rPr>
+              <a:t> </a:t>
+            </a:r>
+            <a:r>
+              <a:rPr lang="pt-BR" sz="3200" spc="-1" dirty="0" err="1">
+                <a:solidFill>
+                  <a:srgbClr val="1F4E79"/>
+                </a:solidFill>
+              </a:rPr>
+              <a:t>Sharing</a:t>
+            </a:r>
+            <a:r>
+              <a:rPr lang="pt-BR" sz="3200" spc="-1" dirty="0">
+                <a:solidFill>
+                  <a:srgbClr val="1F4E79"/>
+                </a:solidFill>
+              </a:rPr>
+              <a:t> (Compartilhamento de recursos com origens diferentes) é um mecanismo que usa cabeçalhos adicionais HTTP para informar a um navegador que permita que um aplicativo Web seja executado em uma origem (domínio) com permissão para acessar recursos selecionados de um servidor em uma origem distinta.</a:t>
+            </a:r>
+            <a:endParaRPr lang="pt-BR" sz="3200" b="0" strike="noStrike" spc="-1" dirty="0">
+              <a:latin typeface="Arial"/>
+            </a:endParaRPr>
+          </a:p>
+        </p:txBody>
+      </p:sp>
+    </p:spTree>
+    <p:extLst>
+      <p:ext uri="{BB962C8B-B14F-4D97-AF65-F5344CB8AC3E}">
+        <p14:creationId xmlns:p14="http://schemas.microsoft.com/office/powerpoint/2010/main" val="357674113"/>
+      </p:ext>
+    </p:extLst>
+  </p:cSld>
+  <p:clrMapOvr>
+    <a:masterClrMapping/>
+  </p:clrMapOvr>
+</p:sld>
+</file>
+
+<file path=ppt/slides/slide73.xml><?xml version="1.0" encoding="utf-8"?>
+<p:sld xmlns:a="http://schemas.openxmlformats.org/drawingml/2006/main" xmlns:r="http://schemas.openxmlformats.org/officeDocument/2006/relationships" xmlns:p="http://schemas.openxmlformats.org/presentationml/2006/main">
+  <p:cSld>
+    <p:spTree>
+      <p:nvGrpSpPr>
+        <p:cNvPr id="1" name=""/>
+        <p:cNvGrpSpPr/>
+        <p:nvPr/>
+      </p:nvGrpSpPr>
+      <p:grpSpPr>
+        <a:xfrm>
+          <a:off x="0" y="0"/>
+          <a:ext cx="0" cy="0"/>
+          <a:chOff x="0" y="0"/>
+          <a:chExt cx="0" cy="0"/>
+        </a:xfrm>
+      </p:grpSpPr>
+      <p:sp>
+        <p:nvSpPr>
+          <p:cNvPr id="171" name="CustomShape 1"/>
+          <p:cNvSpPr/>
+          <p:nvPr/>
+        </p:nvSpPr>
+        <p:spPr>
+          <a:xfrm>
+            <a:off x="0" y="224280"/>
+            <a:ext cx="12019320" cy="854640"/>
+          </a:xfrm>
+          <a:prstGeom prst="rect">
+            <a:avLst/>
+          </a:prstGeom>
+          <a:noFill/>
+          <a:ln>
+            <a:noFill/>
+          </a:ln>
+        </p:spPr>
+        <p:style>
+          <a:lnRef idx="0">
+            <a:scrgbClr r="0" g="0" b="0"/>
+          </a:lnRef>
+          <a:fillRef idx="0">
+            <a:scrgbClr r="0" g="0" b="0"/>
+          </a:fillRef>
+          <a:effectRef idx="0">
+            <a:scrgbClr r="0" g="0" b="0"/>
+          </a:effectRef>
+          <a:fontRef idx="minor"/>
+        </p:style>
+        <p:txBody>
+          <a:bodyPr lIns="90000" tIns="45000" rIns="90000" bIns="45000" anchor="ctr">
+            <a:noAutofit/>
+          </a:bodyPr>
+          <a:lstStyle/>
+          <a:p>
+            <a:pPr algn="ctr">
+              <a:lnSpc>
+                <a:spcPct val="90000"/>
+              </a:lnSpc>
+            </a:pPr>
+            <a:r>
+              <a:rPr lang="pt-BR" sz="5400" b="0" strike="noStrike" spc="-1" dirty="0">
+                <a:solidFill>
+                  <a:srgbClr val="1F4E79"/>
+                </a:solidFill>
+                <a:latin typeface="Arial"/>
+                <a:ea typeface="DejaVu Sans"/>
+              </a:rPr>
+              <a:t>Instalando o pacote </a:t>
+            </a:r>
+            <a:r>
+              <a:rPr lang="pt-BR" sz="5400" b="0" strike="noStrike" spc="-1" dirty="0" err="1">
+                <a:solidFill>
+                  <a:srgbClr val="1F4E79"/>
+                </a:solidFill>
+                <a:latin typeface="Arial"/>
+                <a:ea typeface="DejaVu Sans"/>
+              </a:rPr>
+              <a:t>cors</a:t>
+            </a:r>
+            <a:endParaRPr lang="pt-BR" sz="5400" b="0" strike="noStrike" spc="-1" dirty="0">
+              <a:latin typeface="Arial"/>
+            </a:endParaRPr>
+          </a:p>
+        </p:txBody>
+      </p:sp>
+      <p:sp>
+        <p:nvSpPr>
+          <p:cNvPr id="172" name="CustomShape 2"/>
+          <p:cNvSpPr/>
+          <p:nvPr/>
+        </p:nvSpPr>
+        <p:spPr>
+          <a:xfrm>
+            <a:off x="317520" y="1290960"/>
+            <a:ext cx="11701440" cy="4347360"/>
+          </a:xfrm>
+          <a:prstGeom prst="rect">
+            <a:avLst/>
+          </a:prstGeom>
+          <a:noFill/>
+          <a:ln>
+            <a:noFill/>
+          </a:ln>
+        </p:spPr>
+        <p:style>
+          <a:lnRef idx="0">
+            <a:scrgbClr r="0" g="0" b="0"/>
+          </a:lnRef>
+          <a:fillRef idx="0">
+            <a:scrgbClr r="0" g="0" b="0"/>
+          </a:fillRef>
+          <a:effectRef idx="0">
+            <a:scrgbClr r="0" g="0" b="0"/>
+          </a:effectRef>
+          <a:fontRef idx="minor"/>
+        </p:style>
+        <p:txBody>
+          <a:bodyPr lIns="90000" tIns="45000" rIns="90000" bIns="45000">
+            <a:normAutofit/>
+          </a:bodyPr>
+          <a:lstStyle/>
+          <a:p>
+            <a:pPr algn="ctr">
+              <a:lnSpc>
+                <a:spcPct val="100000"/>
+              </a:lnSpc>
+              <a:spcBef>
+                <a:spcPts val="1001"/>
+              </a:spcBef>
+              <a:spcAft>
+                <a:spcPts val="1001"/>
+              </a:spcAft>
+              <a:tabLst>
+                <a:tab pos="0" algn="l"/>
+              </a:tabLst>
+            </a:pPr>
+            <a:r>
+              <a:rPr lang="pt-BR" sz="3200" spc="-1" dirty="0">
+                <a:solidFill>
+                  <a:srgbClr val="1F4E79"/>
+                </a:solidFill>
+              </a:rPr>
+              <a:t>Execute o seguinte comando:</a:t>
+            </a:r>
+          </a:p>
+          <a:p>
+            <a:pPr algn="ctr">
+              <a:lnSpc>
+                <a:spcPct val="100000"/>
+              </a:lnSpc>
+              <a:spcBef>
+                <a:spcPts val="1001"/>
+              </a:spcBef>
+              <a:spcAft>
+                <a:spcPts val="1001"/>
+              </a:spcAft>
+              <a:tabLst>
+                <a:tab pos="0" algn="l"/>
+              </a:tabLst>
+            </a:pPr>
+            <a:r>
+              <a:rPr lang="pt-BR" sz="3200" spc="-1" dirty="0" err="1">
+                <a:solidFill>
+                  <a:srgbClr val="1F4E79"/>
+                </a:solidFill>
+                <a:latin typeface="Courier New" panose="02070309020205020404" pitchFamily="49" charset="0"/>
+                <a:cs typeface="Courier New" panose="02070309020205020404" pitchFamily="49" charset="0"/>
+              </a:rPr>
+              <a:t>yarn</a:t>
+            </a:r>
+            <a:r>
+              <a:rPr lang="pt-BR" sz="3200" spc="-1" dirty="0">
+                <a:solidFill>
+                  <a:srgbClr val="1F4E79"/>
+                </a:solidFill>
+                <a:latin typeface="Courier New" panose="02070309020205020404" pitchFamily="49" charset="0"/>
+                <a:cs typeface="Courier New" panose="02070309020205020404" pitchFamily="49" charset="0"/>
+              </a:rPr>
+              <a:t> </a:t>
+            </a:r>
+            <a:r>
+              <a:rPr lang="pt-BR" sz="3200" spc="-1" dirty="0" err="1">
+                <a:solidFill>
+                  <a:srgbClr val="1F4E79"/>
+                </a:solidFill>
+                <a:latin typeface="Courier New" panose="02070309020205020404" pitchFamily="49" charset="0"/>
+                <a:cs typeface="Courier New" panose="02070309020205020404" pitchFamily="49" charset="0"/>
+              </a:rPr>
+              <a:t>add</a:t>
+            </a:r>
+            <a:r>
+              <a:rPr lang="pt-BR" sz="3200" spc="-1" dirty="0">
+                <a:solidFill>
+                  <a:srgbClr val="1F4E79"/>
+                </a:solidFill>
+                <a:latin typeface="Courier New" panose="02070309020205020404" pitchFamily="49" charset="0"/>
+                <a:cs typeface="Courier New" panose="02070309020205020404" pitchFamily="49" charset="0"/>
+              </a:rPr>
+              <a:t> </a:t>
+            </a:r>
+            <a:r>
+              <a:rPr lang="pt-BR" sz="3200" spc="-1" dirty="0" err="1">
+                <a:solidFill>
+                  <a:srgbClr val="1F4E79"/>
+                </a:solidFill>
+                <a:latin typeface="Courier New" panose="02070309020205020404" pitchFamily="49" charset="0"/>
+                <a:cs typeface="Courier New" panose="02070309020205020404" pitchFamily="49" charset="0"/>
+              </a:rPr>
+              <a:t>cors</a:t>
+            </a:r>
+            <a:endParaRPr lang="pt-BR" sz="3200" b="0" strike="noStrike" spc="-1" dirty="0">
+              <a:latin typeface="Courier New" panose="02070309020205020404" pitchFamily="49" charset="0"/>
+              <a:cs typeface="Courier New" panose="02070309020205020404" pitchFamily="49" charset="0"/>
+            </a:endParaRPr>
+          </a:p>
+        </p:txBody>
+      </p:sp>
+    </p:spTree>
+    <p:extLst>
+      <p:ext uri="{BB962C8B-B14F-4D97-AF65-F5344CB8AC3E}">
+        <p14:creationId xmlns:p14="http://schemas.microsoft.com/office/powerpoint/2010/main" val="2232856991"/>
+      </p:ext>
+    </p:extLst>
+  </p:cSld>
+  <p:clrMapOvr>
+    <a:masterClrMapping/>
+  </p:clrMapOvr>
+</p:sld>
+</file>
+
+<file path=ppt/slides/slide74.xml><?xml version="1.0" encoding="utf-8"?>
+<p:sld xmlns:a="http://schemas.openxmlformats.org/drawingml/2006/main" xmlns:r="http://schemas.openxmlformats.org/officeDocument/2006/relationships" xmlns:p="http://schemas.openxmlformats.org/presentationml/2006/main">
+  <p:cSld>
+    <p:spTree>
+      <p:nvGrpSpPr>
+        <p:cNvPr id="1" name=""/>
+        <p:cNvGrpSpPr/>
+        <p:nvPr/>
+      </p:nvGrpSpPr>
+      <p:grpSpPr>
+        <a:xfrm>
+          <a:off x="0" y="0"/>
+          <a:ext cx="0" cy="0"/>
+          <a:chOff x="0" y="0"/>
+          <a:chExt cx="0" cy="0"/>
+        </a:xfrm>
+      </p:grpSpPr>
+      <p:sp>
+        <p:nvSpPr>
+          <p:cNvPr id="175" name="CustomShape 1"/>
+          <p:cNvSpPr/>
+          <p:nvPr/>
+        </p:nvSpPr>
+        <p:spPr>
+          <a:xfrm>
+            <a:off x="0" y="224280"/>
+            <a:ext cx="12019320" cy="854640"/>
+          </a:xfrm>
+          <a:prstGeom prst="rect">
+            <a:avLst/>
+          </a:prstGeom>
+          <a:noFill/>
+          <a:ln>
+            <a:noFill/>
+          </a:ln>
+        </p:spPr>
+        <p:style>
+          <a:lnRef idx="0">
+            <a:scrgbClr r="0" g="0" b="0"/>
+          </a:lnRef>
+          <a:fillRef idx="0">
+            <a:scrgbClr r="0" g="0" b="0"/>
+          </a:fillRef>
+          <a:effectRef idx="0">
+            <a:scrgbClr r="0" g="0" b="0"/>
+          </a:effectRef>
+          <a:fontRef idx="minor"/>
+        </p:style>
+        <p:txBody>
+          <a:bodyPr lIns="90000" tIns="45000" rIns="90000" bIns="45000" anchor="ctr">
+            <a:noAutofit/>
+          </a:bodyPr>
+          <a:lstStyle/>
+          <a:p>
+            <a:pPr algn="ctr">
+              <a:lnSpc>
+                <a:spcPct val="90000"/>
+              </a:lnSpc>
+            </a:pPr>
+            <a:r>
+              <a:rPr lang="pt-BR" sz="5400" b="0" strike="noStrike" spc="-1">
+                <a:solidFill>
+                  <a:srgbClr val="1F4E79"/>
+                </a:solidFill>
+                <a:latin typeface="Arial"/>
+                <a:ea typeface="DejaVu Sans"/>
+              </a:rPr>
+              <a:t>Referências</a:t>
+            </a:r>
+            <a:endParaRPr lang="pt-BR" sz="5400" b="0" strike="noStrike" spc="-1">
+              <a:latin typeface="Arial"/>
+            </a:endParaRPr>
+          </a:p>
+        </p:txBody>
+      </p:sp>
+      <p:sp>
+        <p:nvSpPr>
+          <p:cNvPr id="176" name="CustomShape 2"/>
+          <p:cNvSpPr/>
+          <p:nvPr/>
+        </p:nvSpPr>
+        <p:spPr>
+          <a:xfrm>
+            <a:off x="317520" y="1290960"/>
+            <a:ext cx="11701440" cy="4347360"/>
+          </a:xfrm>
+          <a:prstGeom prst="rect">
+            <a:avLst/>
+          </a:prstGeom>
+          <a:noFill/>
+          <a:ln>
+            <a:noFill/>
+          </a:ln>
+        </p:spPr>
+        <p:style>
+          <a:lnRef idx="0">
+            <a:scrgbClr r="0" g="0" b="0"/>
+          </a:lnRef>
+          <a:fillRef idx="0">
+            <a:scrgbClr r="0" g="0" b="0"/>
+          </a:fillRef>
+          <a:effectRef idx="0">
+            <a:scrgbClr r="0" g="0" b="0"/>
+          </a:effectRef>
+          <a:fontRef idx="minor"/>
+        </p:style>
+        <p:txBody>
+          <a:bodyPr lIns="90000" tIns="45000" rIns="90000" bIns="45000">
+            <a:normAutofit fontScale="89000" lnSpcReduction="10000"/>
+          </a:bodyPr>
+          <a:lstStyle/>
+          <a:p>
+            <a:pPr marL="514440" indent="-510480">
+              <a:lnSpc>
+                <a:spcPct val="100000"/>
+              </a:lnSpc>
+              <a:spcBef>
+                <a:spcPts val="1001"/>
+              </a:spcBef>
+              <a:spcAft>
+                <a:spcPts val="1001"/>
+              </a:spcAft>
+              <a:buClr>
+                <a:srgbClr val="1F4E79"/>
+              </a:buClr>
+              <a:buFont typeface="Calibri Light"/>
+              <a:buAutoNum type="arabicPeriod"/>
+            </a:pPr>
+            <a:r>
+              <a:rPr lang="pt-BR" sz="3200" b="0" strike="noStrike" spc="-1">
+                <a:solidFill>
+                  <a:srgbClr val="1F4E79"/>
+                </a:solidFill>
+                <a:latin typeface="Arial"/>
+                <a:ea typeface="DejaVu Sans"/>
+              </a:rPr>
+              <a:t>Node.js. </a:t>
+            </a:r>
+            <a:r>
+              <a:rPr lang="pt-BR" sz="3200" b="1" strike="noStrike" spc="-1">
+                <a:solidFill>
+                  <a:srgbClr val="1F4E79"/>
+                </a:solidFill>
+                <a:latin typeface="Arial"/>
+                <a:ea typeface="DejaVu Sans"/>
+              </a:rPr>
+              <a:t>About</a:t>
+            </a:r>
+            <a:r>
+              <a:rPr lang="pt-BR" sz="3200" b="0" strike="noStrike" spc="-1">
+                <a:solidFill>
+                  <a:srgbClr val="1F4E79"/>
+                </a:solidFill>
+                <a:latin typeface="Arial"/>
+                <a:ea typeface="DejaVu Sans"/>
+              </a:rPr>
+              <a:t>. Disponível em: </a:t>
+            </a:r>
+            <a:r>
+              <a:rPr lang="pt-BR" sz="3200" b="0" u="sng" strike="noStrike" spc="-1">
+                <a:solidFill>
+                  <a:srgbClr val="0563C1"/>
+                </a:solidFill>
+                <a:uFillTx/>
+                <a:latin typeface="Arial"/>
+                <a:ea typeface="DejaVu Sans"/>
+                <a:hlinkClick r:id="rId3"/>
+              </a:rPr>
+              <a:t>https://nodejs.org/en/about/</a:t>
+            </a:r>
+            <a:r>
+              <a:rPr lang="pt-BR" sz="3200" b="0" strike="noStrike" spc="-1">
+                <a:solidFill>
+                  <a:srgbClr val="1F4E79"/>
+                </a:solidFill>
+                <a:latin typeface="Arial"/>
+                <a:ea typeface="DejaVu Sans"/>
+              </a:rPr>
+              <a:t>.</a:t>
+            </a:r>
+            <a:endParaRPr lang="pt-BR" sz="3200" b="0" strike="noStrike" spc="-1">
+              <a:latin typeface="Arial"/>
+            </a:endParaRPr>
+          </a:p>
+          <a:p>
+            <a:pPr marL="514440" indent="-510480">
+              <a:lnSpc>
+                <a:spcPct val="100000"/>
+              </a:lnSpc>
+              <a:spcBef>
+                <a:spcPts val="1001"/>
+              </a:spcBef>
+              <a:spcAft>
+                <a:spcPts val="1001"/>
+              </a:spcAft>
+              <a:buClr>
+                <a:srgbClr val="1F4E79"/>
+              </a:buClr>
+              <a:buFont typeface="Calibri Light"/>
+              <a:buAutoNum type="arabicPeriod"/>
+            </a:pPr>
+            <a:r>
+              <a:rPr lang="pt-BR" sz="3200" b="0" strike="noStrike" spc="-1">
+                <a:solidFill>
+                  <a:srgbClr val="1F4E79"/>
+                </a:solidFill>
+                <a:latin typeface="Arial"/>
+                <a:ea typeface="DejaVu Sans"/>
+              </a:rPr>
+              <a:t>Node.js. </a:t>
+            </a:r>
+            <a:r>
+              <a:rPr lang="pt-BR" sz="3200" b="1" strike="noStrike" spc="-1">
+                <a:solidFill>
+                  <a:srgbClr val="1F4E79"/>
+                </a:solidFill>
+                <a:latin typeface="Arial"/>
+                <a:ea typeface="DejaVu Sans"/>
+              </a:rPr>
+              <a:t>Download</a:t>
+            </a:r>
+            <a:r>
+              <a:rPr lang="pt-BR" sz="3200" b="0" strike="noStrike" spc="-1">
+                <a:solidFill>
+                  <a:srgbClr val="1F4E79"/>
+                </a:solidFill>
+                <a:latin typeface="Arial"/>
+                <a:ea typeface="DejaVu Sans"/>
+              </a:rPr>
+              <a:t>. Disponível em: </a:t>
+            </a:r>
+            <a:r>
+              <a:rPr lang="pt-BR" sz="3200" b="0" u="sng" strike="noStrike" spc="-1">
+                <a:solidFill>
+                  <a:srgbClr val="0563C1"/>
+                </a:solidFill>
+                <a:uFillTx/>
+                <a:latin typeface="Arial"/>
+                <a:ea typeface="DejaVu Sans"/>
+                <a:hlinkClick r:id="rId4"/>
+              </a:rPr>
+              <a:t>https://nodejs.org/en/download/</a:t>
+            </a:r>
+            <a:r>
+              <a:rPr lang="pt-BR" sz="3200" b="0" strike="noStrike" spc="-1">
+                <a:solidFill>
+                  <a:srgbClr val="1F4E79"/>
+                </a:solidFill>
+                <a:latin typeface="Arial"/>
+                <a:ea typeface="DejaVu Sans"/>
+              </a:rPr>
+              <a:t>.</a:t>
+            </a:r>
+            <a:endParaRPr lang="pt-BR" sz="3200" b="0" strike="noStrike" spc="-1">
+              <a:latin typeface="Arial"/>
+            </a:endParaRPr>
+          </a:p>
+          <a:p>
+            <a:pPr marL="514440" indent="-510480">
+              <a:lnSpc>
+                <a:spcPct val="100000"/>
+              </a:lnSpc>
+              <a:spcBef>
+                <a:spcPts val="1001"/>
+              </a:spcBef>
+              <a:spcAft>
+                <a:spcPts val="1001"/>
+              </a:spcAft>
+              <a:buClr>
+                <a:srgbClr val="1F4E79"/>
+              </a:buClr>
+              <a:buFont typeface="Calibri Light"/>
+              <a:buAutoNum type="arabicPeriod"/>
+            </a:pPr>
+            <a:r>
+              <a:rPr lang="pt-BR" sz="3200" b="0" strike="noStrike" spc="-1">
+                <a:solidFill>
+                  <a:srgbClr val="1F4E79"/>
+                </a:solidFill>
+                <a:latin typeface="Arial"/>
+                <a:ea typeface="DejaVu Sans"/>
+              </a:rPr>
+              <a:t>Yarn. </a:t>
+            </a:r>
+            <a:r>
+              <a:rPr lang="pt-BR" sz="3200" b="1" strike="noStrike" spc="-1">
+                <a:solidFill>
+                  <a:srgbClr val="1F4E79"/>
+                </a:solidFill>
+                <a:latin typeface="Arial"/>
+                <a:ea typeface="DejaVu Sans"/>
+              </a:rPr>
+              <a:t>Introduction</a:t>
+            </a:r>
+            <a:r>
+              <a:rPr lang="pt-BR" sz="3200" b="0" strike="noStrike" spc="-1">
+                <a:solidFill>
+                  <a:srgbClr val="1F4E79"/>
+                </a:solidFill>
+                <a:latin typeface="Arial"/>
+                <a:ea typeface="DejaVu Sans"/>
+              </a:rPr>
+              <a:t>. Disponível em: </a:t>
+            </a:r>
+            <a:r>
+              <a:rPr lang="pt-BR" sz="3200" b="0" u="sng" strike="noStrike" spc="-1">
+                <a:solidFill>
+                  <a:srgbClr val="0563C1"/>
+                </a:solidFill>
+                <a:uFillTx/>
+                <a:latin typeface="Arial"/>
+                <a:ea typeface="DejaVu Sans"/>
+                <a:hlinkClick r:id="rId5"/>
+              </a:rPr>
+              <a:t>https://yarnpkg.com/getting-started</a:t>
+            </a:r>
+            <a:r>
+              <a:rPr lang="pt-BR" sz="3200" b="0" strike="noStrike" spc="-1">
+                <a:solidFill>
+                  <a:srgbClr val="1F4E79"/>
+                </a:solidFill>
+                <a:latin typeface="Arial"/>
+                <a:ea typeface="DejaVu Sans"/>
+              </a:rPr>
+              <a:t>.</a:t>
+            </a:r>
+            <a:endParaRPr lang="pt-BR" sz="3200" b="0" strike="noStrike" spc="-1">
+              <a:latin typeface="Arial"/>
+            </a:endParaRPr>
+          </a:p>
+          <a:p>
+            <a:pPr marL="514440" indent="-510480">
+              <a:lnSpc>
+                <a:spcPct val="100000"/>
+              </a:lnSpc>
+              <a:spcBef>
+                <a:spcPts val="1001"/>
+              </a:spcBef>
+              <a:spcAft>
+                <a:spcPts val="1001"/>
+              </a:spcAft>
+              <a:buClr>
+                <a:srgbClr val="1F4E79"/>
+              </a:buClr>
+              <a:buFont typeface="Calibri Light"/>
+              <a:buAutoNum type="arabicPeriod"/>
+            </a:pPr>
+            <a:r>
+              <a:rPr lang="pt-BR" sz="3200" b="0" strike="noStrike" spc="-1">
+                <a:solidFill>
+                  <a:srgbClr val="1F4E79"/>
+                </a:solidFill>
+                <a:latin typeface="Arial"/>
+                <a:ea typeface="DejaVu Sans"/>
+              </a:rPr>
+              <a:t>Yarn. </a:t>
+            </a:r>
+            <a:r>
+              <a:rPr lang="pt-BR" sz="3200" b="1" strike="noStrike" spc="-1">
+                <a:solidFill>
+                  <a:srgbClr val="1F4E79"/>
+                </a:solidFill>
+                <a:latin typeface="Arial"/>
+                <a:ea typeface="DejaVu Sans"/>
+              </a:rPr>
+              <a:t>Installation</a:t>
+            </a:r>
+            <a:r>
+              <a:rPr lang="pt-BR" sz="3200" b="0" strike="noStrike" spc="-1">
+                <a:solidFill>
+                  <a:srgbClr val="1F4E79"/>
+                </a:solidFill>
+                <a:latin typeface="Arial"/>
+                <a:ea typeface="DejaVu Sans"/>
+              </a:rPr>
+              <a:t>. Disponível em: </a:t>
+            </a:r>
+            <a:r>
+              <a:rPr lang="pt-BR" sz="3200" b="0" u="sng" strike="noStrike" spc="-1">
+                <a:solidFill>
+                  <a:srgbClr val="0563C1"/>
+                </a:solidFill>
+                <a:uFillTx/>
+                <a:latin typeface="Arial"/>
+                <a:ea typeface="DejaVu Sans"/>
+                <a:hlinkClick r:id="rId6"/>
+              </a:rPr>
+              <a:t>https://classic.yarnpkg.com/en/docs/install#windows-stable</a:t>
+            </a:r>
+            <a:r>
+              <a:rPr lang="pt-BR" sz="3200" b="0" strike="noStrike" spc="-1">
+                <a:solidFill>
+                  <a:srgbClr val="1F4E79"/>
+                </a:solidFill>
+                <a:latin typeface="Arial"/>
+                <a:ea typeface="DejaVu Sans"/>
+              </a:rPr>
+              <a:t>.</a:t>
+            </a:r>
+            <a:endParaRPr lang="pt-BR" sz="3200" b="0" strike="noStrike" spc="-1">
+              <a:latin typeface="Arial"/>
+            </a:endParaRPr>
+          </a:p>
+          <a:p>
+            <a:pPr marL="514440" indent="-510480">
+              <a:lnSpc>
+                <a:spcPct val="100000"/>
+              </a:lnSpc>
+              <a:spcBef>
+                <a:spcPts val="1001"/>
+              </a:spcBef>
+              <a:spcAft>
+                <a:spcPts val="1001"/>
+              </a:spcAft>
+              <a:buClr>
+                <a:srgbClr val="1F4E79"/>
+              </a:buClr>
+              <a:buFont typeface="Calibri Light"/>
+              <a:buAutoNum type="arabicPeriod"/>
+            </a:pPr>
+            <a:r>
+              <a:rPr lang="pt-BR" sz="3200" b="0" strike="noStrike" spc="-1">
+                <a:solidFill>
+                  <a:srgbClr val="1F4E79"/>
+                </a:solidFill>
+                <a:latin typeface="Arial"/>
+                <a:ea typeface="DejaVu Sans"/>
+              </a:rPr>
+              <a:t>Express. </a:t>
+            </a:r>
+            <a:r>
+              <a:rPr lang="pt-BR" sz="3200" b="1" strike="noStrike" spc="-1">
+                <a:solidFill>
+                  <a:srgbClr val="1F4E79"/>
+                </a:solidFill>
+                <a:latin typeface="Arial"/>
+                <a:ea typeface="DejaVu Sans"/>
+              </a:rPr>
+              <a:t>Installing</a:t>
+            </a:r>
+            <a:r>
+              <a:rPr lang="pt-BR" sz="3200" b="0" strike="noStrike" spc="-1">
+                <a:solidFill>
+                  <a:srgbClr val="1F4E79"/>
+                </a:solidFill>
+                <a:latin typeface="Arial"/>
+                <a:ea typeface="DejaVu Sans"/>
+              </a:rPr>
+              <a:t>. Disponível em: </a:t>
+            </a:r>
+            <a:r>
+              <a:rPr lang="pt-BR" sz="3200" b="0" u="sng" strike="noStrike" spc="-1">
+                <a:solidFill>
+                  <a:srgbClr val="0563C1"/>
+                </a:solidFill>
+                <a:uFillTx/>
+                <a:latin typeface="Arial"/>
+                <a:ea typeface="DejaVu Sans"/>
+                <a:hlinkClick r:id="rId7"/>
+              </a:rPr>
+              <a:t>https://expressjs.com/en/starter/installing.html</a:t>
+            </a:r>
+            <a:endParaRPr lang="pt-BR" sz="3200" b="0" strike="noStrike" spc="-1">
+              <a:latin typeface="Arial"/>
+            </a:endParaRPr>
+          </a:p>
+        </p:txBody>
+      </p:sp>
+    </p:spTree>
+  </p:cSld>
+  <p:clrMapOvr>
+    <a:masterClrMapping/>
+  </p:clrMapOvr>
+</p:sld>
+</file>
+
+<file path=ppt/slides/slide75.xml><?xml version="1.0" encoding="utf-8"?>
+<p:sld xmlns:a="http://schemas.openxmlformats.org/drawingml/2006/main" xmlns:r="http://schemas.openxmlformats.org/officeDocument/2006/relationships" xmlns:p="http://schemas.openxmlformats.org/presentationml/2006/main">
+  <p:cSld>
+    <p:spTree>
+      <p:nvGrpSpPr>
+        <p:cNvPr id="1" name=""/>
+        <p:cNvGrpSpPr/>
+        <p:nvPr/>
+      </p:nvGrpSpPr>
+      <p:grpSpPr>
+        <a:xfrm>
+          <a:off x="0" y="0"/>
+          <a:ext cx="0" cy="0"/>
+          <a:chOff x="0" y="0"/>
+          <a:chExt cx="0" cy="0"/>
+        </a:xfrm>
+      </p:grpSpPr>
+      <p:sp>
+        <p:nvSpPr>
+          <p:cNvPr id="177" name="CustomShape 1"/>
+          <p:cNvSpPr/>
+          <p:nvPr/>
+        </p:nvSpPr>
+        <p:spPr>
+          <a:xfrm>
+            <a:off x="0" y="224280"/>
+            <a:ext cx="12019320" cy="854640"/>
+          </a:xfrm>
+          <a:prstGeom prst="rect">
+            <a:avLst/>
+          </a:prstGeom>
+          <a:noFill/>
+          <a:ln>
+            <a:noFill/>
+          </a:ln>
+        </p:spPr>
+        <p:style>
+          <a:lnRef idx="0">
+            <a:scrgbClr r="0" g="0" b="0"/>
+          </a:lnRef>
+          <a:fillRef idx="0">
+            <a:scrgbClr r="0" g="0" b="0"/>
+          </a:fillRef>
+          <a:effectRef idx="0">
+            <a:scrgbClr r="0" g="0" b="0"/>
+          </a:effectRef>
+          <a:fontRef idx="minor"/>
+        </p:style>
+        <p:txBody>
+          <a:bodyPr lIns="90000" tIns="45000" rIns="90000" bIns="45000" anchor="ctr">
+            <a:noAutofit/>
+          </a:bodyPr>
+          <a:lstStyle/>
+          <a:p>
+            <a:pPr algn="ctr">
+              <a:lnSpc>
+                <a:spcPct val="90000"/>
+              </a:lnSpc>
+            </a:pPr>
+            <a:r>
+              <a:rPr lang="pt-BR" sz="5400" b="0" strike="noStrike" spc="-1">
+                <a:solidFill>
+                  <a:srgbClr val="1F4E79"/>
+                </a:solidFill>
+                <a:latin typeface="Arial"/>
+                <a:ea typeface="DejaVu Sans"/>
+              </a:rPr>
+              <a:t>Referências</a:t>
+            </a:r>
+            <a:endParaRPr lang="pt-BR" sz="5400" b="0" strike="noStrike" spc="-1">
+              <a:latin typeface="Arial"/>
+            </a:endParaRPr>
+          </a:p>
+        </p:txBody>
+      </p:sp>
+      <p:sp>
+        <p:nvSpPr>
+          <p:cNvPr id="178" name="CustomShape 2"/>
+          <p:cNvSpPr/>
+          <p:nvPr/>
+        </p:nvSpPr>
+        <p:spPr>
+          <a:xfrm>
+            <a:off x="317520" y="1290960"/>
+            <a:ext cx="11701440" cy="4347360"/>
+          </a:xfrm>
+          <a:prstGeom prst="rect">
+            <a:avLst/>
+          </a:prstGeom>
+          <a:noFill/>
+          <a:ln>
+            <a:noFill/>
+          </a:ln>
+        </p:spPr>
+        <p:style>
+          <a:lnRef idx="0">
+            <a:scrgbClr r="0" g="0" b="0"/>
+          </a:lnRef>
+          <a:fillRef idx="0">
+            <a:scrgbClr r="0" g="0" b="0"/>
+          </a:fillRef>
+          <a:effectRef idx="0">
+            <a:scrgbClr r="0" g="0" b="0"/>
+          </a:effectRef>
+          <a:fontRef idx="minor"/>
+        </p:style>
+        <p:txBody>
+          <a:bodyPr lIns="90000" tIns="45000" rIns="90000" bIns="45000">
+            <a:normAutofit/>
+          </a:bodyPr>
+          <a:lstStyle/>
+          <a:p>
+            <a:pPr marL="516240" indent="-512280">
+              <a:lnSpc>
+                <a:spcPct val="100000"/>
+              </a:lnSpc>
+              <a:spcBef>
+                <a:spcPts val="1001"/>
+              </a:spcBef>
+              <a:spcAft>
+                <a:spcPts val="1001"/>
+              </a:spcAft>
+              <a:buClr>
+                <a:srgbClr val="1F4E79"/>
+              </a:buClr>
+              <a:buFont typeface="Arial"/>
+              <a:buAutoNum type="arabicPeriod" startAt="6"/>
+            </a:pPr>
+            <a:r>
+              <a:rPr lang="pt-BR" sz="3200" b="0" strike="noStrike" spc="-1">
+                <a:solidFill>
+                  <a:srgbClr val="1F4E79"/>
+                </a:solidFill>
+                <a:latin typeface="Arial"/>
+                <a:ea typeface="DejaVu Sans"/>
+              </a:rPr>
+              <a:t>NPM. </a:t>
+            </a:r>
+            <a:r>
+              <a:rPr lang="pt-BR" sz="3200" b="1" strike="noStrike" spc="-1">
+                <a:solidFill>
+                  <a:srgbClr val="1F4E79"/>
+                </a:solidFill>
+                <a:latin typeface="Arial"/>
+                <a:ea typeface="DejaVu Sans"/>
+              </a:rPr>
+              <a:t>Nodemon</a:t>
+            </a:r>
+            <a:r>
+              <a:rPr lang="pt-BR" sz="3200" b="0" strike="noStrike" spc="-1">
+                <a:solidFill>
+                  <a:srgbClr val="1F4E79"/>
+                </a:solidFill>
+                <a:latin typeface="Arial"/>
+                <a:ea typeface="DejaVu Sans"/>
+              </a:rPr>
+              <a:t>. Disponível em: </a:t>
+            </a:r>
+            <a:r>
+              <a:rPr lang="pt-BR" sz="3200" b="0" u="sng" strike="noStrike" spc="-1">
+                <a:solidFill>
+                  <a:srgbClr val="0563C1"/>
+                </a:solidFill>
+                <a:uFillTx/>
+                <a:latin typeface="Arial"/>
+                <a:ea typeface="DejaVu Sans"/>
+                <a:hlinkClick r:id="rId3"/>
+              </a:rPr>
+              <a:t>https://www.npmjs.com/package/nodemon</a:t>
+            </a:r>
+            <a:endParaRPr lang="pt-BR" sz="3200" b="0" strike="noStrike" spc="-1">
+              <a:latin typeface="Arial"/>
+            </a:endParaRPr>
+          </a:p>
+          <a:p>
+            <a:pPr marL="516240" indent="-512280">
+              <a:lnSpc>
+                <a:spcPct val="100000"/>
+              </a:lnSpc>
+              <a:spcBef>
+                <a:spcPts val="1001"/>
+              </a:spcBef>
+              <a:spcAft>
+                <a:spcPts val="1001"/>
+              </a:spcAft>
+              <a:buClr>
+                <a:srgbClr val="1F4E79"/>
+              </a:buClr>
+              <a:buFont typeface="Arial"/>
+              <a:buAutoNum type="arabicPeriod" startAt="6"/>
+            </a:pPr>
+            <a:r>
+              <a:rPr lang="pt-BR" sz="3200" b="0" strike="noStrike" spc="-1">
+                <a:solidFill>
+                  <a:srgbClr val="1F4E79"/>
+                </a:solidFill>
+                <a:latin typeface="Arial"/>
+                <a:ea typeface="DejaVu Sans"/>
+              </a:rPr>
+              <a:t>MDN Web Docs Mozilla. </a:t>
+            </a:r>
+            <a:r>
+              <a:rPr lang="pt-BR" sz="3200" b="1" strike="noStrike" spc="-1">
+                <a:solidFill>
+                  <a:srgbClr val="1F4E79"/>
+                </a:solidFill>
+                <a:latin typeface="Arial"/>
+                <a:ea typeface="DejaVu Sans"/>
+              </a:rPr>
+              <a:t>Métodos de requisição HTTP</a:t>
+            </a:r>
+            <a:r>
+              <a:rPr lang="pt-BR" sz="3200" b="0" strike="noStrike" spc="-1">
+                <a:solidFill>
+                  <a:srgbClr val="1F4E79"/>
+                </a:solidFill>
+                <a:latin typeface="Arial"/>
+                <a:ea typeface="DejaVu Sans"/>
+              </a:rPr>
+              <a:t>. Disponível em: </a:t>
+            </a:r>
+            <a:r>
+              <a:rPr lang="pt-BR" sz="3200" b="0" u="sng" strike="noStrike" spc="-1">
+                <a:solidFill>
+                  <a:srgbClr val="0563C1"/>
+                </a:solidFill>
+                <a:uFillTx/>
+                <a:latin typeface="Arial"/>
+                <a:ea typeface="DejaVu Sans"/>
+                <a:hlinkClick r:id="rId4"/>
+              </a:rPr>
+              <a:t>https://developer.mozilla.org/pt-BR/docs/Web/HTTP/Methods</a:t>
+            </a:r>
+            <a:r>
+              <a:rPr lang="pt-BR" sz="3200" b="0" strike="noStrike" spc="-1">
+                <a:solidFill>
+                  <a:srgbClr val="1F4E79"/>
+                </a:solidFill>
+                <a:latin typeface="Arial"/>
+                <a:ea typeface="DejaVu Sans"/>
+              </a:rPr>
+              <a:t>.</a:t>
+            </a:r>
+            <a:endParaRPr lang="pt-BR" sz="3200" b="0" strike="noStrike" spc="-1">
+              <a:latin typeface="Arial"/>
+            </a:endParaRPr>
+          </a:p>
+          <a:p>
+            <a:pPr marL="516240" indent="-512280">
+              <a:lnSpc>
+                <a:spcPct val="100000"/>
+              </a:lnSpc>
+              <a:spcBef>
+                <a:spcPts val="1001"/>
+              </a:spcBef>
+              <a:spcAft>
+                <a:spcPts val="1001"/>
+              </a:spcAft>
+              <a:buClr>
+                <a:srgbClr val="1F4E79"/>
+              </a:buClr>
+              <a:buFont typeface="Arial"/>
+              <a:buAutoNum type="arabicPeriod" startAt="6"/>
+            </a:pPr>
+            <a:r>
+              <a:rPr lang="pt-BR" sz="3200" b="0" strike="noStrike" spc="-1">
+                <a:solidFill>
+                  <a:srgbClr val="1F4E79"/>
+                </a:solidFill>
+                <a:latin typeface="Arial"/>
+                <a:ea typeface="DejaVu Sans"/>
+              </a:rPr>
+              <a:t>Insomnia. </a:t>
+            </a:r>
+            <a:r>
+              <a:rPr lang="pt-BR" sz="3200" b="1" strike="noStrike" spc="-1">
+                <a:solidFill>
+                  <a:srgbClr val="1F4E79"/>
+                </a:solidFill>
+                <a:latin typeface="Arial"/>
+                <a:ea typeface="DejaVu Sans"/>
+              </a:rPr>
+              <a:t>Download Insomnia</a:t>
+            </a:r>
+            <a:r>
+              <a:rPr lang="pt-BR" sz="3200" b="0" strike="noStrike" spc="-1">
+                <a:solidFill>
+                  <a:srgbClr val="1F4E79"/>
+                </a:solidFill>
+                <a:latin typeface="Arial"/>
+                <a:ea typeface="DejaVu Sans"/>
+              </a:rPr>
+              <a:t>. Disponível em: </a:t>
+            </a:r>
+            <a:r>
+              <a:rPr lang="pt-BR" sz="3200" b="0" u="sng" strike="noStrike" spc="-1">
+                <a:solidFill>
+                  <a:srgbClr val="0563C1"/>
+                </a:solidFill>
+                <a:uFillTx/>
+                <a:latin typeface="Arial"/>
+                <a:ea typeface="DejaVu Sans"/>
+                <a:hlinkClick r:id="rId5"/>
+              </a:rPr>
+              <a:t>https://insomnia.rest/download</a:t>
+            </a:r>
+            <a:endParaRPr lang="pt-BR" sz="3200" b="0" strike="noStrike" spc="-1">
+              <a:latin typeface="Arial"/>
+            </a:endParaRPr>
+          </a:p>
+          <a:p>
+            <a:pPr>
+              <a:lnSpc>
+                <a:spcPct val="100000"/>
+              </a:lnSpc>
+              <a:spcBef>
+                <a:spcPts val="1001"/>
+              </a:spcBef>
+              <a:spcAft>
+                <a:spcPts val="1001"/>
+              </a:spcAft>
+            </a:pPr>
+            <a:endParaRPr lang="pt-BR" sz="3200" b="0" strike="noStrike" spc="-1">
+              <a:latin typeface="Arial"/>
+            </a:endParaRPr>
+          </a:p>
+          <a:p>
+            <a:pPr marL="1800">
+              <a:lnSpc>
+                <a:spcPct val="100000"/>
+              </a:lnSpc>
+              <a:spcBef>
+                <a:spcPts val="1001"/>
+              </a:spcBef>
+              <a:spcAft>
+                <a:spcPts val="1001"/>
+              </a:spcAft>
+            </a:pPr>
+            <a:endParaRPr lang="pt-BR" sz="3200" b="0" strike="noStrike" spc="-1">
+              <a:latin typeface="Arial"/>
+            </a:endParaRPr>
+          </a:p>
+          <a:p>
+            <a:pPr marL="1800">
+              <a:lnSpc>
+                <a:spcPct val="100000"/>
+              </a:lnSpc>
+              <a:spcBef>
+                <a:spcPts val="1001"/>
+              </a:spcBef>
+              <a:spcAft>
+                <a:spcPts val="1001"/>
+              </a:spcAft>
+            </a:pPr>
+            <a:endParaRPr lang="pt-BR" sz="3200" b="0" strike="noStrike" spc="-1">
+              <a:latin typeface="Arial"/>
+            </a:endParaRPr>
+          </a:p>
+        </p:txBody>
+      </p:sp>
+    </p:spTree>
+  </p:cSld>
+  <p:clrMapOvr>
+    <a:masterClrMapping/>
+  </p:clrMapOvr>
+</p:sld>
+</file>
+
+<file path=ppt/slides/slide76.xml><?xml version="1.0" encoding="utf-8"?>
 <p:sld xmlns:a="http://schemas.openxmlformats.org/drawingml/2006/main" xmlns:r="http://schemas.openxmlformats.org/officeDocument/2006/relationships" xmlns:p="http://schemas.openxmlformats.org/presentationml/2006/main">
   <p:cSld>
     <p:spTree>

--- a/node-js.pptx
+++ b/node-js.pptx
@@ -15228,7 +15228,7 @@
     <mc:Choice Requires="p14">
       <p:transition spd="slow" p14:dur="2000" advTm="17000"/>
     </mc:Choice>
-    <mc:Fallback xmlns:p15="http://schemas.microsoft.com/office/powerpoint/2012/main" xmlns="">
+    <mc:Fallback xmlns="" xmlns:p15="http://schemas.microsoft.com/office/powerpoint/2012/main">
       <p:transition spd="slow" advTm="17000"/>
     </mc:Fallback>
   </mc:AlternateContent>
@@ -41477,7 +41477,7 @@
               </a:tabLst>
             </a:pPr>
             <a:r>
-              <a:rPr lang="pt-BR" sz="3200" b="0" strike="noStrike" spc="-1">
+              <a:rPr lang="pt-BR" sz="3200" b="0" strike="noStrike" spc="-1" dirty="0">
                 <a:solidFill>
                   <a:srgbClr val="1F4E79"/>
                 </a:solidFill>
@@ -41486,7 +41486,7 @@
               </a:rPr>
               <a:t>Execute o seguinte comando para iniciar o projeto:</a:t>
             </a:r>
-            <a:endParaRPr lang="pt-BR" sz="3200" b="0" strike="noStrike" spc="-1">
+            <a:endParaRPr lang="pt-BR" sz="3200" b="0" strike="noStrike" spc="-1" dirty="0">
               <a:latin typeface="Arial"/>
             </a:endParaRPr>
           </a:p>
@@ -41506,16 +41506,46 @@
               </a:tabLst>
             </a:pPr>
             <a:r>
-              <a:rPr lang="pt-BR" sz="3200" b="0" strike="noStrike" spc="-1">
-                <a:solidFill>
-                  <a:srgbClr val="1F4E79"/>
-                </a:solidFill>
-                <a:latin typeface="Courier New"/>
-                <a:ea typeface="DejaVu Sans"/>
-              </a:rPr>
-              <a:t>yarn init –y</a:t>
-            </a:r>
-            <a:endParaRPr lang="pt-BR" sz="3200" b="0" strike="noStrike" spc="-1">
+              <a:rPr lang="pt-BR" sz="3200" b="0" strike="noStrike" spc="-1" dirty="0" err="1">
+                <a:solidFill>
+                  <a:srgbClr val="1F4E79"/>
+                </a:solidFill>
+                <a:latin typeface="Courier New"/>
+                <a:ea typeface="DejaVu Sans"/>
+              </a:rPr>
+              <a:t>yarn</a:t>
+            </a:r>
+            <a:r>
+              <a:rPr lang="pt-BR" sz="3200" b="0" strike="noStrike" spc="-1" dirty="0">
+                <a:solidFill>
+                  <a:srgbClr val="1F4E79"/>
+                </a:solidFill>
+                <a:latin typeface="Courier New"/>
+                <a:ea typeface="DejaVu Sans"/>
+              </a:rPr>
+              <a:t> </a:t>
+            </a:r>
+            <a:r>
+              <a:rPr lang="pt-BR" sz="3200" b="0" strike="noStrike" spc="-1" dirty="0" err="1">
+                <a:solidFill>
+                  <a:srgbClr val="1F4E79"/>
+                </a:solidFill>
+                <a:latin typeface="Courier New"/>
+                <a:ea typeface="DejaVu Sans"/>
+              </a:rPr>
+              <a:t>init</a:t>
+            </a:r>
+            <a:r>
+              <a:rPr lang="pt-BR" sz="3200" b="0" strike="noStrike" spc="-1" dirty="0">
+                <a:solidFill>
+                  <a:srgbClr val="1F4E79"/>
+                </a:solidFill>
+                <a:latin typeface="Courier New"/>
+                <a:ea typeface="DejaVu Sans"/>
+              </a:rPr>
+              <a:t> –y</a:t>
+            </a:r>
+            <a:endParaRPr lang="pt-BR" sz="3200" b="0" strike="noStrike" spc="-1" dirty="0">
               <a:latin typeface="Arial"/>
             </a:endParaRPr>
           </a:p>
@@ -41535,16 +41565,36 @@
               </a:tabLst>
             </a:pPr>
             <a:r>
-              <a:rPr lang="pt-BR" sz="3200" b="0" strike="noStrike" spc="-1">
+              <a:rPr lang="pt-BR" sz="3200" b="0" strike="noStrike" spc="-1" dirty="0">
                 <a:solidFill>
                   <a:srgbClr val="1F4E79"/>
                 </a:solidFill>
                 <a:latin typeface="Arial"/>
                 <a:ea typeface="DejaVu Sans"/>
               </a:rPr>
-              <a:t>e o próximo comando para abrir o diretório atual no VS Code:</a:t>
-            </a:r>
-            <a:endParaRPr lang="pt-BR" sz="3200" b="0" strike="noStrike" spc="-1">
+              <a:t>e o próximo comando para abrir o diretório atual no VS </a:t>
+            </a:r>
+            <a:r>
+              <a:rPr lang="pt-BR" sz="3200" b="0" strike="noStrike" spc="-1" dirty="0" err="1">
+                <a:solidFill>
+                  <a:srgbClr val="1F4E79"/>
+                </a:solidFill>
+                <a:latin typeface="Arial"/>
+                <a:ea typeface="DejaVu Sans"/>
+              </a:rPr>
+              <a:t>Code</a:t>
+            </a:r>
+            <a:r>
+              <a:rPr lang="pt-BR" sz="3200" b="0" strike="noStrike" spc="-1" dirty="0">
+                <a:solidFill>
+                  <a:srgbClr val="1F4E79"/>
+                </a:solidFill>
+                <a:latin typeface="Arial"/>
+                <a:ea typeface="DejaVu Sans"/>
+              </a:rPr>
+              <a:t>:</a:t>
+            </a:r>
+            <a:endParaRPr lang="pt-BR" sz="3200" b="0" strike="noStrike" spc="-1" dirty="0">
               <a:latin typeface="Arial"/>
             </a:endParaRPr>
           </a:p>
@@ -41564,16 +41614,26 @@
               </a:tabLst>
             </a:pPr>
             <a:r>
-              <a:rPr lang="pt-BR" sz="3200" b="0" strike="noStrike" spc="-1">
-                <a:solidFill>
-                  <a:srgbClr val="1F4E79"/>
-                </a:solidFill>
-                <a:latin typeface="Courier New"/>
-                <a:ea typeface="DejaVu Sans"/>
-              </a:rPr>
-              <a:t>code .</a:t>
-            </a:r>
-            <a:endParaRPr lang="pt-BR" sz="3200" b="0" strike="noStrike" spc="-1">
+              <a:rPr lang="pt-BR" sz="3200" b="0" strike="noStrike" spc="-1" dirty="0" err="1">
+                <a:solidFill>
+                  <a:srgbClr val="1F4E79"/>
+                </a:solidFill>
+                <a:latin typeface="Courier New"/>
+                <a:ea typeface="DejaVu Sans"/>
+              </a:rPr>
+              <a:t>code</a:t>
+            </a:r>
+            <a:r>
+              <a:rPr lang="pt-BR" sz="3200" b="0" strike="noStrike" spc="-1" dirty="0">
+                <a:solidFill>
+                  <a:srgbClr val="1F4E79"/>
+                </a:solidFill>
+                <a:latin typeface="Courier New"/>
+                <a:ea typeface="DejaVu Sans"/>
+              </a:rPr>
+              <a:t> .</a:t>
+            </a:r>
+            <a:endParaRPr lang="pt-BR" sz="3200" b="0" strike="noStrike" spc="-1" dirty="0">
               <a:latin typeface="Arial"/>
             </a:endParaRPr>
           </a:p>

--- a/node-js.pptx
+++ b/node-js.pptx
@@ -6,7 +6,7 @@
     <p:sldMasterId id="2147483661" r:id="rId2"/>
   </p:sldMasterIdLst>
   <p:notesMasterIdLst>
-    <p:notesMasterId r:id="rId79"/>
+    <p:notesMasterId r:id="rId80"/>
   </p:notesMasterIdLst>
   <p:sldIdLst>
     <p:sldId id="256" r:id="rId3"/>
@@ -82,9 +82,10 @@
     <p:sldId id="332" r:id="rId73"/>
     <p:sldId id="315" r:id="rId74"/>
     <p:sldId id="333" r:id="rId75"/>
-    <p:sldId id="299" r:id="rId76"/>
-    <p:sldId id="300" r:id="rId77"/>
-    <p:sldId id="301" r:id="rId78"/>
+    <p:sldId id="334" r:id="rId76"/>
+    <p:sldId id="299" r:id="rId77"/>
+    <p:sldId id="300" r:id="rId78"/>
+    <p:sldId id="301" r:id="rId79"/>
   </p:sldIdLst>
   <p:sldSz cx="12192000" cy="6858000"/>
   <p:notesSz cx="6858000" cy="9144000"/>
@@ -10503,7 +10504,7 @@
       </p:grpSpPr>
       <p:sp>
         <p:nvSpPr>
-          <p:cNvPr id="310" name="PlaceHolder 1"/>
+          <p:cNvPr id="304" name="PlaceHolder 1"/>
           <p:cNvSpPr>
             <a:spLocks noGrp="1" noRot="1" noChangeAspect="1"/>
           </p:cNvSpPr>
@@ -10523,7 +10524,7 @@
       </p:sp>
       <p:sp>
         <p:nvSpPr>
-          <p:cNvPr id="311" name="PlaceHolder 2"/>
+          <p:cNvPr id="305" name="PlaceHolder 2"/>
           <p:cNvSpPr>
             <a:spLocks noGrp="1"/>
           </p:cNvSpPr>
@@ -10533,7 +10534,7 @@
         </p:nvSpPr>
         <p:spPr>
           <a:xfrm>
-            <a:off x="685800" y="4400640"/>
+            <a:off x="685800" y="4320000"/>
             <a:ext cx="5482440" cy="3596400"/>
           </a:xfrm>
           <a:prstGeom prst="rect">
@@ -10546,7 +10547,7 @@
           </a:bodyPr>
           <a:lstStyle/>
           <a:p>
-            <a:endParaRPr lang="pt-BR" sz="2000" b="0" strike="noStrike" spc="-1">
+            <a:endParaRPr lang="pt-BR" sz="2000" b="0" strike="noStrike" spc="-1" dirty="0">
               <a:latin typeface="Arial"/>
             </a:endParaRPr>
           </a:p>
@@ -10554,7 +10555,7 @@
       </p:sp>
       <p:sp>
         <p:nvSpPr>
-          <p:cNvPr id="312" name="CustomShape 3"/>
+          <p:cNvPr id="306" name="CustomShape 3"/>
           <p:cNvSpPr/>
           <p:nvPr/>
         </p:nvSpPr>
@@ -10594,7 +10595,7 @@
                 <a:spcPct val="100000"/>
               </a:lnSpc>
             </a:pPr>
-            <a:fld id="{A4A9D5A6-6C48-4B43-8032-A4F02E798000}" type="slidenum">
+            <a:fld id="{F4C072A3-0E1D-4C79-A8AC-BB1726406D60}" type="slidenum">
               <a:rPr lang="pt-BR" sz="1200" b="0" strike="noStrike" spc="-1">
                 <a:solidFill>
                   <a:srgbClr val="000000"/>
@@ -10611,6 +10612,11 @@
         </p:txBody>
       </p:sp>
     </p:spTree>
+    <p:extLst>
+      <p:ext uri="{BB962C8B-B14F-4D97-AF65-F5344CB8AC3E}">
+        <p14:creationId xmlns:p14="http://schemas.microsoft.com/office/powerpoint/2010/main" val="4000879183"/>
+      </p:ext>
+    </p:extLst>
   </p:cSld>
   <p:clrMapOvr>
     <a:masterClrMapping/>
@@ -10637,7 +10643,7 @@
       </p:grpSpPr>
       <p:sp>
         <p:nvSpPr>
-          <p:cNvPr id="313" name="PlaceHolder 1"/>
+          <p:cNvPr id="310" name="PlaceHolder 1"/>
           <p:cNvSpPr>
             <a:spLocks noGrp="1" noRot="1" noChangeAspect="1"/>
           </p:cNvSpPr>
@@ -10647,17 +10653,17 @@
         </p:nvSpPr>
         <p:spPr>
           <a:xfrm>
-            <a:off x="685800" y="1143000"/>
-            <a:ext cx="5482800" cy="3082320"/>
-          </a:xfrm>
-          <a:prstGeom prst="rect">
-            <a:avLst/>
-          </a:prstGeom>
-        </p:spPr>
-      </p:sp>
-      <p:sp>
-        <p:nvSpPr>
-          <p:cNvPr id="314" name="PlaceHolder 2"/>
+            <a:off x="687388" y="1143000"/>
+            <a:ext cx="5480050" cy="3082925"/>
+          </a:xfrm>
+          <a:prstGeom prst="rect">
+            <a:avLst/>
+          </a:prstGeom>
+        </p:spPr>
+      </p:sp>
+      <p:sp>
+        <p:nvSpPr>
+          <p:cNvPr id="311" name="PlaceHolder 2"/>
           <p:cNvSpPr>
             <a:spLocks noGrp="1"/>
           </p:cNvSpPr>
@@ -10688,7 +10694,7 @@
       </p:sp>
       <p:sp>
         <p:nvSpPr>
-          <p:cNvPr id="315" name="CustomShape 3"/>
+          <p:cNvPr id="312" name="CustomShape 3"/>
           <p:cNvSpPr/>
           <p:nvPr/>
         </p:nvSpPr>
@@ -10728,7 +10734,7 @@
                 <a:spcPct val="100000"/>
               </a:lnSpc>
             </a:pPr>
-            <a:fld id="{B008546A-9EE6-49C8-B1DE-CF65AB5C1D04}" type="slidenum">
+            <a:fld id="{A4A9D5A6-6C48-4B43-8032-A4F02E798000}" type="slidenum">
               <a:rPr lang="pt-BR" sz="1200" b="0" strike="noStrike" spc="-1">
                 <a:solidFill>
                   <a:srgbClr val="000000"/>
@@ -10771,7 +10777,7 @@
       </p:grpSpPr>
       <p:sp>
         <p:nvSpPr>
-          <p:cNvPr id="316" name="PlaceHolder 1"/>
+          <p:cNvPr id="313" name="PlaceHolder 1"/>
           <p:cNvSpPr>
             <a:spLocks noGrp="1" noRot="1" noChangeAspect="1"/>
           </p:cNvSpPr>
@@ -10781,17 +10787,17 @@
         </p:nvSpPr>
         <p:spPr>
           <a:xfrm>
-            <a:off x="687388" y="1143000"/>
-            <a:ext cx="5480050" cy="3082925"/>
-          </a:xfrm>
-          <a:prstGeom prst="rect">
-            <a:avLst/>
-          </a:prstGeom>
-        </p:spPr>
-      </p:sp>
-      <p:sp>
-        <p:nvSpPr>
-          <p:cNvPr id="317" name="PlaceHolder 2"/>
+            <a:off x="685800" y="1143000"/>
+            <a:ext cx="5482800" cy="3082320"/>
+          </a:xfrm>
+          <a:prstGeom prst="rect">
+            <a:avLst/>
+          </a:prstGeom>
+        </p:spPr>
+      </p:sp>
+      <p:sp>
+        <p:nvSpPr>
+          <p:cNvPr id="314" name="PlaceHolder 2"/>
           <p:cNvSpPr>
             <a:spLocks noGrp="1"/>
           </p:cNvSpPr>
@@ -10822,7 +10828,7 @@
       </p:sp>
       <p:sp>
         <p:nvSpPr>
-          <p:cNvPr id="318" name="CustomShape 3"/>
+          <p:cNvPr id="315" name="CustomShape 3"/>
           <p:cNvSpPr/>
           <p:nvPr/>
         </p:nvSpPr>
@@ -10862,6 +10868,140 @@
                 <a:spcPct val="100000"/>
               </a:lnSpc>
             </a:pPr>
+            <a:fld id="{B008546A-9EE6-49C8-B1DE-CF65AB5C1D04}" type="slidenum">
+              <a:rPr lang="pt-BR" sz="1200" b="0" strike="noStrike" spc="-1">
+                <a:solidFill>
+                  <a:srgbClr val="000000"/>
+                </a:solidFill>
+                <a:latin typeface="Times New Roman"/>
+                <a:ea typeface="+mn-ea"/>
+              </a:rPr>
+              <a:t>76</a:t>
+            </a:fld>
+            <a:endParaRPr lang="pt-BR" sz="1200" b="0" strike="noStrike" spc="-1">
+              <a:latin typeface="Arial"/>
+            </a:endParaRPr>
+          </a:p>
+        </p:txBody>
+      </p:sp>
+    </p:spTree>
+  </p:cSld>
+  <p:clrMapOvr>
+    <a:masterClrMapping/>
+  </p:clrMapOvr>
+</p:notes>
+</file>
+
+<file path=ppt/notesSlides/notesSlide77.xml><?xml version="1.0" encoding="utf-8"?>
+<p:notes xmlns:a="http://schemas.openxmlformats.org/drawingml/2006/main" xmlns:r="http://schemas.openxmlformats.org/officeDocument/2006/relationships" xmlns:p="http://schemas.openxmlformats.org/presentationml/2006/main">
+  <p:cSld>
+    <p:spTree>
+      <p:nvGrpSpPr>
+        <p:cNvPr id="1" name=""/>
+        <p:cNvGrpSpPr/>
+        <p:nvPr/>
+      </p:nvGrpSpPr>
+      <p:grpSpPr>
+        <a:xfrm>
+          <a:off x="0" y="0"/>
+          <a:ext cx="0" cy="0"/>
+          <a:chOff x="0" y="0"/>
+          <a:chExt cx="0" cy="0"/>
+        </a:xfrm>
+      </p:grpSpPr>
+      <p:sp>
+        <p:nvSpPr>
+          <p:cNvPr id="316" name="PlaceHolder 1"/>
+          <p:cNvSpPr>
+            <a:spLocks noGrp="1" noRot="1" noChangeAspect="1"/>
+          </p:cNvSpPr>
+          <p:nvPr>
+            <p:ph type="sldImg"/>
+          </p:nvPr>
+        </p:nvSpPr>
+        <p:spPr>
+          <a:xfrm>
+            <a:off x="687388" y="1143000"/>
+            <a:ext cx="5480050" cy="3082925"/>
+          </a:xfrm>
+          <a:prstGeom prst="rect">
+            <a:avLst/>
+          </a:prstGeom>
+        </p:spPr>
+      </p:sp>
+      <p:sp>
+        <p:nvSpPr>
+          <p:cNvPr id="317" name="PlaceHolder 2"/>
+          <p:cNvSpPr>
+            <a:spLocks noGrp="1"/>
+          </p:cNvSpPr>
+          <p:nvPr>
+            <p:ph type="body"/>
+          </p:nvPr>
+        </p:nvSpPr>
+        <p:spPr>
+          <a:xfrm>
+            <a:off x="685800" y="4400640"/>
+            <a:ext cx="5482440" cy="3596400"/>
+          </a:xfrm>
+          <a:prstGeom prst="rect">
+            <a:avLst/>
+          </a:prstGeom>
+        </p:spPr>
+        <p:txBody>
+          <a:bodyPr lIns="0" tIns="0" rIns="0" bIns="0">
+            <a:noAutofit/>
+          </a:bodyPr>
+          <a:lstStyle/>
+          <a:p>
+            <a:endParaRPr lang="pt-BR" sz="2000" b="0" strike="noStrike" spc="-1">
+              <a:latin typeface="Arial"/>
+            </a:endParaRPr>
+          </a:p>
+        </p:txBody>
+      </p:sp>
+      <p:sp>
+        <p:nvSpPr>
+          <p:cNvPr id="318" name="CustomShape 3"/>
+          <p:cNvSpPr/>
+          <p:nvPr/>
+        </p:nvSpPr>
+        <p:spPr>
+          <a:xfrm>
+            <a:off x="3884760" y="8685360"/>
+            <a:ext cx="2967840" cy="454680"/>
+          </a:xfrm>
+          <a:prstGeom prst="rect">
+            <a:avLst/>
+          </a:prstGeom>
+          <a:noFill/>
+          <a:ln>
+            <a:noFill/>
+          </a:ln>
+        </p:spPr>
+        <p:style>
+          <a:lnRef idx="0">
+            <a:scrgbClr r="0" g="0" b="0"/>
+          </a:lnRef>
+          <a:fillRef idx="0">
+            <a:scrgbClr r="0" g="0" b="0"/>
+          </a:fillRef>
+          <a:effectRef idx="0">
+            <a:scrgbClr r="0" g="0" b="0"/>
+          </a:effectRef>
+          <a:fontRef idx="minor"/>
+        </p:style>
+        <p:txBody>
+          <a:bodyPr lIns="90000" tIns="45000" rIns="90000" bIns="45000" anchor="b">
+            <a:noAutofit/>
+          </a:bodyPr>
+          <a:lstStyle/>
+          <a:p>
+            <a:pPr algn="r">
+              <a:lnSpc>
+                <a:spcPct val="100000"/>
+              </a:lnSpc>
+            </a:pPr>
             <a:fld id="{6CDBEE86-8171-4C12-86ED-7FE502965E94}" type="slidenum">
               <a:rPr lang="pt-BR" sz="1200" b="0" strike="noStrike" spc="-1">
                 <a:solidFill>
@@ -10870,7 +11010,7 @@
                 <a:latin typeface="Times New Roman"/>
                 <a:ea typeface="+mn-ea"/>
               </a:rPr>
-              <a:t>76</a:t>
+              <a:t>77</a:t>
             </a:fld>
             <a:endParaRPr lang="pt-BR" sz="1200" b="0" strike="noStrike" spc="-1">
               <a:latin typeface="Arial"/>
@@ -15228,7 +15368,7 @@
     <mc:Choice Requires="p14">
       <p:transition spd="slow" p14:dur="2000" advTm="17000"/>
     </mc:Choice>
-    <mc:Fallback xmlns="" xmlns:p15="http://schemas.microsoft.com/office/powerpoint/2012/main">
+    <mc:Fallback xmlns:p15="http://schemas.microsoft.com/office/powerpoint/2012/main" xmlns="">
       <p:transition spd="slow" advTm="17000"/>
     </mc:Fallback>
   </mc:AlternateContent>
@@ -39847,7 +39987,7 @@
       </p:grpSpPr>
       <p:sp>
         <p:nvSpPr>
-          <p:cNvPr id="175" name="CustomShape 1"/>
+          <p:cNvPr id="171" name="CustomShape 1"/>
           <p:cNvSpPr/>
           <p:nvPr/>
         </p:nvSpPr>
@@ -39888,16 +40028,26 @@
               </a:lnSpc>
             </a:pPr>
             <a:r>
-              <a:rPr lang="pt-BR" sz="5400" b="0" strike="noStrike" spc="-1">
+              <a:rPr lang="pt-BR" sz="5400" b="0" strike="noStrike" spc="-1" dirty="0">
                 <a:solidFill>
                   <a:srgbClr val="1F4E79"/>
                 </a:solidFill>
                 <a:latin typeface="Arial"/>
                 <a:ea typeface="DejaVu Sans"/>
               </a:rPr>
-              <a:t>Referências</a:t>
-            </a:r>
-            <a:endParaRPr lang="pt-BR" sz="5400" b="0" strike="noStrike" spc="-1">
+              <a:t>Usando o pacote </a:t>
+            </a:r>
+            <a:r>
+              <a:rPr lang="pt-BR" sz="5400" b="0" strike="noStrike" spc="-1" dirty="0" err="1">
+                <a:solidFill>
+                  <a:srgbClr val="1F4E79"/>
+                </a:solidFill>
+                <a:latin typeface="Arial"/>
+                <a:ea typeface="DejaVu Sans"/>
+              </a:rPr>
+              <a:t>cors</a:t>
+            </a:r>
+            <a:endParaRPr lang="pt-BR" sz="5400" b="0" strike="noStrike" spc="-1" dirty="0">
               <a:latin typeface="Arial"/>
             </a:endParaRPr>
           </a:p>
@@ -39905,7 +40055,7 @@
       </p:sp>
       <p:sp>
         <p:nvSpPr>
-          <p:cNvPr id="176" name="CustomShape 2"/>
+          <p:cNvPr id="172" name="CustomShape 2"/>
           <p:cNvSpPr/>
           <p:nvPr/>
         </p:nvSpPr>
@@ -39936,11 +40086,11 @@
         </p:style>
         <p:txBody>
           <a:bodyPr lIns="90000" tIns="45000" rIns="90000" bIns="45000">
-            <a:normAutofit fontScale="89000" lnSpcReduction="10000"/>
+            <a:normAutofit/>
           </a:bodyPr>
           <a:lstStyle/>
           <a:p>
-            <a:pPr marL="514440" indent="-510480">
+            <a:pPr algn="ctr">
               <a:lnSpc>
                 <a:spcPct val="100000"/>
               </a:lnSpc>
@@ -39950,70 +40100,75 @@
               <a:spcAft>
                 <a:spcPts val="1001"/>
               </a:spcAft>
-              <a:buClr>
-                <a:srgbClr val="1F4E79"/>
-              </a:buClr>
-              <a:buFont typeface="Calibri Light"/>
-              <a:buAutoNum type="arabicPeriod"/>
-            </a:pPr>
-            <a:r>
-              <a:rPr lang="pt-BR" sz="3200" b="0" strike="noStrike" spc="-1">
-                <a:solidFill>
-                  <a:srgbClr val="1F4E79"/>
-                </a:solidFill>
-                <a:latin typeface="Arial"/>
-                <a:ea typeface="DejaVu Sans"/>
-              </a:rPr>
-              <a:t>Node.js. </a:t>
-            </a:r>
-            <a:r>
-              <a:rPr lang="pt-BR" sz="3200" b="1" strike="noStrike" spc="-1">
-                <a:solidFill>
-                  <a:srgbClr val="1F4E79"/>
-                </a:solidFill>
-                <a:latin typeface="Arial"/>
-                <a:ea typeface="DejaVu Sans"/>
-              </a:rPr>
-              <a:t>About</a:t>
-            </a:r>
-            <a:r>
-              <a:rPr lang="pt-BR" sz="3200" b="0" strike="noStrike" spc="-1">
-                <a:solidFill>
-                  <a:srgbClr val="1F4E79"/>
-                </a:solidFill>
-                <a:latin typeface="Arial"/>
-                <a:ea typeface="DejaVu Sans"/>
-              </a:rPr>
-              <a:t>. Disponível em: </a:t>
-            </a:r>
-            <a:r>
-              <a:rPr lang="pt-BR" sz="3200" b="0" u="sng" strike="noStrike" spc="-1">
-                <a:solidFill>
-                  <a:srgbClr val="0563C1"/>
-                </a:solidFill>
-                <a:uFillTx/>
-                <a:latin typeface="Arial"/>
-                <a:ea typeface="DejaVu Sans"/>
-                <a:hlinkClick r:id="rId3"/>
-              </a:rPr>
-              <a:t>https://nodejs.org/en/about/</a:t>
-            </a:r>
-            <a:r>
-              <a:rPr lang="pt-BR" sz="3200" b="0" strike="noStrike" spc="-1">
-                <a:solidFill>
-                  <a:srgbClr val="1F4E79"/>
-                </a:solidFill>
-                <a:latin typeface="Arial"/>
-                <a:ea typeface="DejaVu Sans"/>
-              </a:rPr>
-              <a:t>.</a:t>
-            </a:r>
-            <a:endParaRPr lang="pt-BR" sz="3200" b="0" strike="noStrike" spc="-1">
-              <a:latin typeface="Arial"/>
-            </a:endParaRPr>
-          </a:p>
-          <a:p>
-            <a:pPr marL="514440" indent="-510480">
+              <a:tabLst>
+                <a:tab pos="0" algn="l"/>
+              </a:tabLst>
+            </a:pPr>
+            <a:r>
+              <a:rPr lang="pt-BR" sz="3200" spc="-1" dirty="0">
+                <a:solidFill>
+                  <a:srgbClr val="1F4E79"/>
+                </a:solidFill>
+              </a:rPr>
+              <a:t>Importe o middleware </a:t>
+            </a:r>
+            <a:r>
+              <a:rPr lang="pt-BR" sz="3200" spc="-1" dirty="0" err="1">
+                <a:solidFill>
+                  <a:srgbClr val="1F4E79"/>
+                </a:solidFill>
+                <a:latin typeface="Courier New" panose="02070309020205020404" pitchFamily="49" charset="0"/>
+                <a:cs typeface="Courier New" panose="02070309020205020404" pitchFamily="49" charset="0"/>
+              </a:rPr>
+              <a:t>cors</a:t>
+            </a:r>
+            <a:r>
+              <a:rPr lang="pt-BR" sz="3200" spc="-1" dirty="0">
+                <a:solidFill>
+                  <a:srgbClr val="1F4E79"/>
+                </a:solidFill>
+              </a:rPr>
+              <a:t> no arquivo </a:t>
+            </a:r>
+            <a:r>
+              <a:rPr lang="pt-BR" sz="3200" spc="-1" dirty="0">
+                <a:solidFill>
+                  <a:srgbClr val="1F4E79"/>
+                </a:solidFill>
+                <a:latin typeface="Courier New" panose="02070309020205020404" pitchFamily="49" charset="0"/>
+                <a:cs typeface="Courier New" panose="02070309020205020404" pitchFamily="49" charset="0"/>
+              </a:rPr>
+              <a:t>index.js</a:t>
+            </a:r>
+            <a:r>
+              <a:rPr lang="pt-BR" sz="3200" spc="-1" dirty="0">
+                <a:solidFill>
+                  <a:srgbClr val="1F4E79"/>
+                </a:solidFill>
+              </a:rPr>
+              <a:t> no diretório </a:t>
+            </a:r>
+            <a:r>
+              <a:rPr lang="pt-BR" sz="3200" spc="-1" dirty="0" err="1">
+                <a:solidFill>
+                  <a:srgbClr val="1F4E79"/>
+                </a:solidFill>
+                <a:latin typeface="Courier New" panose="02070309020205020404" pitchFamily="49" charset="0"/>
+                <a:cs typeface="Courier New" panose="02070309020205020404" pitchFamily="49" charset="0"/>
+              </a:rPr>
+              <a:t>routes</a:t>
+            </a:r>
+            <a:r>
+              <a:rPr lang="pt-BR" sz="3200" spc="-1" dirty="0">
+                <a:solidFill>
+                  <a:srgbClr val="1F4E79"/>
+                </a:solidFill>
+              </a:rPr>
+              <a:t> e configure seu uso:</a:t>
+            </a:r>
+          </a:p>
+          <a:p>
+            <a:pPr>
               <a:lnSpc>
                 <a:spcPct val="100000"/>
               </a:lnSpc>
@@ -40023,70 +40178,93 @@
               <a:spcAft>
                 <a:spcPts val="1001"/>
               </a:spcAft>
-              <a:buClr>
-                <a:srgbClr val="1F4E79"/>
-              </a:buClr>
-              <a:buFont typeface="Calibri Light"/>
-              <a:buAutoNum type="arabicPeriod"/>
-            </a:pPr>
-            <a:r>
-              <a:rPr lang="pt-BR" sz="3200" b="0" strike="noStrike" spc="-1">
-                <a:solidFill>
-                  <a:srgbClr val="1F4E79"/>
-                </a:solidFill>
-                <a:latin typeface="Arial"/>
-                <a:ea typeface="DejaVu Sans"/>
-              </a:rPr>
-              <a:t>Node.js. </a:t>
-            </a:r>
-            <a:r>
-              <a:rPr lang="pt-BR" sz="3200" b="1" strike="noStrike" spc="-1">
-                <a:solidFill>
-                  <a:srgbClr val="1F4E79"/>
-                </a:solidFill>
-                <a:latin typeface="Arial"/>
-                <a:ea typeface="DejaVu Sans"/>
-              </a:rPr>
-              <a:t>Download</a:t>
-            </a:r>
-            <a:r>
-              <a:rPr lang="pt-BR" sz="3200" b="0" strike="noStrike" spc="-1">
-                <a:solidFill>
-                  <a:srgbClr val="1F4E79"/>
-                </a:solidFill>
-                <a:latin typeface="Arial"/>
-                <a:ea typeface="DejaVu Sans"/>
-              </a:rPr>
-              <a:t>. Disponível em: </a:t>
-            </a:r>
-            <a:r>
-              <a:rPr lang="pt-BR" sz="3200" b="0" u="sng" strike="noStrike" spc="-1">
-                <a:solidFill>
-                  <a:srgbClr val="0563C1"/>
-                </a:solidFill>
-                <a:uFillTx/>
-                <a:latin typeface="Arial"/>
-                <a:ea typeface="DejaVu Sans"/>
-                <a:hlinkClick r:id="rId4"/>
-              </a:rPr>
-              <a:t>https://nodejs.org/en/download/</a:t>
-            </a:r>
-            <a:r>
-              <a:rPr lang="pt-BR" sz="3200" b="0" strike="noStrike" spc="-1">
-                <a:solidFill>
-                  <a:srgbClr val="1F4E79"/>
-                </a:solidFill>
-                <a:latin typeface="Arial"/>
-                <a:ea typeface="DejaVu Sans"/>
-              </a:rPr>
-              <a:t>.</a:t>
-            </a:r>
-            <a:endParaRPr lang="pt-BR" sz="3200" b="0" strike="noStrike" spc="-1">
-              <a:latin typeface="Arial"/>
-            </a:endParaRPr>
-          </a:p>
-          <a:p>
-            <a:pPr marL="514440" indent="-510480">
+              <a:tabLst>
+                <a:tab pos="0" algn="l"/>
+              </a:tabLst>
+            </a:pPr>
+            <a:r>
+              <a:rPr lang="pt-BR" sz="3200" spc="-1" dirty="0" err="1">
+                <a:solidFill>
+                  <a:srgbClr val="1F4E79"/>
+                </a:solidFill>
+                <a:latin typeface="Courier New" panose="02070309020205020404" pitchFamily="49" charset="0"/>
+                <a:cs typeface="Courier New" panose="02070309020205020404" pitchFamily="49" charset="0"/>
+              </a:rPr>
+              <a:t>const</a:t>
+            </a:r>
+            <a:r>
+              <a:rPr lang="pt-BR" sz="3200" spc="-1" dirty="0">
+                <a:solidFill>
+                  <a:srgbClr val="1F4E79"/>
+                </a:solidFill>
+                <a:latin typeface="Courier New" panose="02070309020205020404" pitchFamily="49" charset="0"/>
+                <a:cs typeface="Courier New" panose="02070309020205020404" pitchFamily="49" charset="0"/>
+              </a:rPr>
+              <a:t> </a:t>
+            </a:r>
+            <a:r>
+              <a:rPr lang="pt-BR" sz="3200" spc="-1" dirty="0" err="1">
+                <a:solidFill>
+                  <a:srgbClr val="1F4E79"/>
+                </a:solidFill>
+                <a:latin typeface="Courier New" panose="02070309020205020404" pitchFamily="49" charset="0"/>
+                <a:cs typeface="Courier New" panose="02070309020205020404" pitchFamily="49" charset="0"/>
+              </a:rPr>
+              <a:t>cors</a:t>
+            </a:r>
+            <a:r>
+              <a:rPr lang="pt-BR" sz="3200" spc="-1" dirty="0">
+                <a:solidFill>
+                  <a:srgbClr val="1F4E79"/>
+                </a:solidFill>
+                <a:latin typeface="Courier New" panose="02070309020205020404" pitchFamily="49" charset="0"/>
+                <a:cs typeface="Courier New" panose="02070309020205020404" pitchFamily="49" charset="0"/>
+              </a:rPr>
+              <a:t> = </a:t>
+            </a:r>
+            <a:r>
+              <a:rPr lang="pt-BR" sz="3200" spc="-1" dirty="0" err="1">
+                <a:solidFill>
+                  <a:srgbClr val="1F4E79"/>
+                </a:solidFill>
+                <a:latin typeface="Courier New" panose="02070309020205020404" pitchFamily="49" charset="0"/>
+                <a:cs typeface="Courier New" panose="02070309020205020404" pitchFamily="49" charset="0"/>
+              </a:rPr>
+              <a:t>require</a:t>
+            </a:r>
+            <a:r>
+              <a:rPr lang="pt-BR" sz="3200" spc="-1" dirty="0">
+                <a:solidFill>
+                  <a:srgbClr val="1F4E79"/>
+                </a:solidFill>
+                <a:latin typeface="Courier New" panose="02070309020205020404" pitchFamily="49" charset="0"/>
+                <a:cs typeface="Courier New" panose="02070309020205020404" pitchFamily="49" charset="0"/>
+              </a:rPr>
+              <a:t>(‘</a:t>
+            </a:r>
+            <a:r>
+              <a:rPr lang="pt-BR" sz="3200" spc="-1" dirty="0" err="1">
+                <a:solidFill>
+                  <a:srgbClr val="1F4E79"/>
+                </a:solidFill>
+                <a:latin typeface="Courier New" panose="02070309020205020404" pitchFamily="49" charset="0"/>
+                <a:cs typeface="Courier New" panose="02070309020205020404" pitchFamily="49" charset="0"/>
+              </a:rPr>
+              <a:t>cors</a:t>
+            </a:r>
+            <a:r>
+              <a:rPr lang="pt-BR" sz="3200" spc="-1" dirty="0">
+                <a:solidFill>
+                  <a:srgbClr val="1F4E79"/>
+                </a:solidFill>
+                <a:latin typeface="Courier New" panose="02070309020205020404" pitchFamily="49" charset="0"/>
+                <a:cs typeface="Courier New" panose="02070309020205020404" pitchFamily="49" charset="0"/>
+              </a:rPr>
+              <a:t>’);</a:t>
+            </a:r>
+          </a:p>
+          <a:p>
+            <a:pPr>
               <a:lnSpc>
                 <a:spcPct val="100000"/>
               </a:lnSpc>
@@ -40096,207 +40274,59 @@
               <a:spcAft>
                 <a:spcPts val="1001"/>
               </a:spcAft>
-              <a:buClr>
-                <a:srgbClr val="1F4E79"/>
-              </a:buClr>
-              <a:buFont typeface="Calibri Light"/>
-              <a:buAutoNum type="arabicPeriod"/>
-            </a:pPr>
-            <a:r>
-              <a:rPr lang="pt-BR" sz="3200" b="0" strike="noStrike" spc="-1">
-                <a:solidFill>
-                  <a:srgbClr val="1F4E79"/>
-                </a:solidFill>
-                <a:latin typeface="Arial"/>
-                <a:ea typeface="DejaVu Sans"/>
-              </a:rPr>
-              <a:t>Yarn. </a:t>
-            </a:r>
-            <a:r>
-              <a:rPr lang="pt-BR" sz="3200" b="1" strike="noStrike" spc="-1">
-                <a:solidFill>
-                  <a:srgbClr val="1F4E79"/>
-                </a:solidFill>
-                <a:latin typeface="Arial"/>
-                <a:ea typeface="DejaVu Sans"/>
-              </a:rPr>
-              <a:t>Introduction</a:t>
-            </a:r>
-            <a:r>
-              <a:rPr lang="pt-BR" sz="3200" b="0" strike="noStrike" spc="-1">
-                <a:solidFill>
-                  <a:srgbClr val="1F4E79"/>
-                </a:solidFill>
-                <a:latin typeface="Arial"/>
-                <a:ea typeface="DejaVu Sans"/>
-              </a:rPr>
-              <a:t>. Disponível em: </a:t>
-            </a:r>
-            <a:r>
-              <a:rPr lang="pt-BR" sz="3200" b="0" u="sng" strike="noStrike" spc="-1">
-                <a:solidFill>
-                  <a:srgbClr val="0563C1"/>
-                </a:solidFill>
-                <a:uFillTx/>
-                <a:latin typeface="Arial"/>
-                <a:ea typeface="DejaVu Sans"/>
-                <a:hlinkClick r:id="rId5"/>
-              </a:rPr>
-              <a:t>https://yarnpkg.com/getting-started</a:t>
-            </a:r>
-            <a:r>
-              <a:rPr lang="pt-BR" sz="3200" b="0" strike="noStrike" spc="-1">
-                <a:solidFill>
-                  <a:srgbClr val="1F4E79"/>
-                </a:solidFill>
-                <a:latin typeface="Arial"/>
-                <a:ea typeface="DejaVu Sans"/>
-              </a:rPr>
-              <a:t>.</a:t>
-            </a:r>
-            <a:endParaRPr lang="pt-BR" sz="3200" b="0" strike="noStrike" spc="-1">
-              <a:latin typeface="Arial"/>
-            </a:endParaRPr>
-          </a:p>
-          <a:p>
-            <a:pPr marL="514440" indent="-510480">
-              <a:lnSpc>
-                <a:spcPct val="100000"/>
-              </a:lnSpc>
-              <a:spcBef>
-                <a:spcPts val="1001"/>
-              </a:spcBef>
-              <a:spcAft>
-                <a:spcPts val="1001"/>
-              </a:spcAft>
-              <a:buClr>
-                <a:srgbClr val="1F4E79"/>
-              </a:buClr>
-              <a:buFont typeface="Calibri Light"/>
-              <a:buAutoNum type="arabicPeriod"/>
-            </a:pPr>
-            <a:r>
-              <a:rPr lang="pt-BR" sz="3200" b="0" strike="noStrike" spc="-1">
-                <a:solidFill>
-                  <a:srgbClr val="1F4E79"/>
-                </a:solidFill>
-                <a:latin typeface="Arial"/>
-                <a:ea typeface="DejaVu Sans"/>
-              </a:rPr>
-              <a:t>Yarn. </a:t>
-            </a:r>
-            <a:r>
-              <a:rPr lang="pt-BR" sz="3200" b="1" strike="noStrike" spc="-1">
-                <a:solidFill>
-                  <a:srgbClr val="1F4E79"/>
-                </a:solidFill>
-                <a:latin typeface="Arial"/>
-                <a:ea typeface="DejaVu Sans"/>
-              </a:rPr>
-              <a:t>Installation</a:t>
-            </a:r>
-            <a:r>
-              <a:rPr lang="pt-BR" sz="3200" b="0" strike="noStrike" spc="-1">
-                <a:solidFill>
-                  <a:srgbClr val="1F4E79"/>
-                </a:solidFill>
-                <a:latin typeface="Arial"/>
-                <a:ea typeface="DejaVu Sans"/>
-              </a:rPr>
-              <a:t>. Disponível em: </a:t>
-            </a:r>
-            <a:r>
-              <a:rPr lang="pt-BR" sz="3200" b="0" u="sng" strike="noStrike" spc="-1">
-                <a:solidFill>
-                  <a:srgbClr val="0563C1"/>
-                </a:solidFill>
-                <a:uFillTx/>
-                <a:latin typeface="Arial"/>
-                <a:ea typeface="DejaVu Sans"/>
-                <a:hlinkClick r:id="rId6"/>
-              </a:rPr>
-              <a:t>https://classic.yarnpkg.com/en/docs/install#windows-stable</a:t>
-            </a:r>
-            <a:r>
-              <a:rPr lang="pt-BR" sz="3200" b="0" strike="noStrike" spc="-1">
-                <a:solidFill>
-                  <a:srgbClr val="1F4E79"/>
-                </a:solidFill>
-                <a:latin typeface="Arial"/>
-                <a:ea typeface="DejaVu Sans"/>
-              </a:rPr>
-              <a:t>.</a:t>
-            </a:r>
-            <a:endParaRPr lang="pt-BR" sz="3200" b="0" strike="noStrike" spc="-1">
-              <a:latin typeface="Arial"/>
-            </a:endParaRPr>
-          </a:p>
-          <a:p>
-            <a:pPr marL="514440" indent="-510480">
-              <a:lnSpc>
-                <a:spcPct val="100000"/>
-              </a:lnSpc>
-              <a:spcBef>
-                <a:spcPts val="1001"/>
-              </a:spcBef>
-              <a:spcAft>
-                <a:spcPts val="1001"/>
-              </a:spcAft>
-              <a:buClr>
-                <a:srgbClr val="1F4E79"/>
-              </a:buClr>
-              <a:buFont typeface="Calibri Light"/>
-              <a:buAutoNum type="arabicPeriod"/>
-            </a:pPr>
-            <a:r>
-              <a:rPr lang="pt-BR" sz="3200" b="0" strike="noStrike" spc="-1">
-                <a:solidFill>
-                  <a:srgbClr val="1F4E79"/>
-                </a:solidFill>
-                <a:latin typeface="Arial"/>
-                <a:ea typeface="DejaVu Sans"/>
-              </a:rPr>
-              <a:t>Express. </a:t>
-            </a:r>
-            <a:r>
-              <a:rPr lang="pt-BR" sz="3200" b="1" strike="noStrike" spc="-1">
-                <a:solidFill>
-                  <a:srgbClr val="1F4E79"/>
-                </a:solidFill>
-                <a:latin typeface="Arial"/>
-                <a:ea typeface="DejaVu Sans"/>
-              </a:rPr>
-              <a:t>Installing</a:t>
-            </a:r>
-            <a:r>
-              <a:rPr lang="pt-BR" sz="3200" b="0" strike="noStrike" spc="-1">
-                <a:solidFill>
-                  <a:srgbClr val="1F4E79"/>
-                </a:solidFill>
-                <a:latin typeface="Arial"/>
-                <a:ea typeface="DejaVu Sans"/>
-              </a:rPr>
-              <a:t>. Disponível em: </a:t>
-            </a:r>
-            <a:r>
-              <a:rPr lang="pt-BR" sz="3200" b="0" u="sng" strike="noStrike" spc="-1">
-                <a:solidFill>
-                  <a:srgbClr val="0563C1"/>
-                </a:solidFill>
-                <a:uFillTx/>
-                <a:latin typeface="Arial"/>
-                <a:ea typeface="DejaVu Sans"/>
-                <a:hlinkClick r:id="rId7"/>
-              </a:rPr>
-              <a:t>https://expressjs.com/en/starter/installing.html</a:t>
-            </a:r>
-            <a:endParaRPr lang="pt-BR" sz="3200" b="0" strike="noStrike" spc="-1">
-              <a:latin typeface="Arial"/>
-            </a:endParaRPr>
+              <a:tabLst>
+                <a:tab pos="0" algn="l"/>
+              </a:tabLst>
+            </a:pPr>
+            <a:r>
+              <a:rPr lang="pt-BR" sz="3200" spc="-1" dirty="0" err="1">
+                <a:solidFill>
+                  <a:srgbClr val="1F4E79"/>
+                </a:solidFill>
+                <a:latin typeface="Courier New" panose="02070309020205020404" pitchFamily="49" charset="0"/>
+                <a:cs typeface="Courier New" panose="02070309020205020404" pitchFamily="49" charset="0"/>
+              </a:rPr>
+              <a:t>route.use</a:t>
+            </a:r>
+            <a:r>
+              <a:rPr lang="pt-BR" sz="3200" spc="-1" dirty="0">
+                <a:solidFill>
+                  <a:srgbClr val="1F4E79"/>
+                </a:solidFill>
+                <a:latin typeface="Courier New" panose="02070309020205020404" pitchFamily="49" charset="0"/>
+                <a:cs typeface="Courier New" panose="02070309020205020404" pitchFamily="49" charset="0"/>
+              </a:rPr>
+              <a:t>(</a:t>
+            </a:r>
+            <a:r>
+              <a:rPr lang="pt-BR" sz="3200" spc="-1" dirty="0" err="1">
+                <a:solidFill>
+                  <a:srgbClr val="1F4E79"/>
+                </a:solidFill>
+                <a:latin typeface="Courier New" panose="02070309020205020404" pitchFamily="49" charset="0"/>
+                <a:cs typeface="Courier New" panose="02070309020205020404" pitchFamily="49" charset="0"/>
+              </a:rPr>
+              <a:t>cors</a:t>
+            </a:r>
+            <a:r>
+              <a:rPr lang="pt-BR" sz="3200" spc="-1" dirty="0">
+                <a:solidFill>
+                  <a:srgbClr val="1F4E79"/>
+                </a:solidFill>
+                <a:latin typeface="Courier New" panose="02070309020205020404" pitchFamily="49" charset="0"/>
+                <a:cs typeface="Courier New" panose="02070309020205020404" pitchFamily="49" charset="0"/>
+              </a:rPr>
+              <a:t>());</a:t>
+            </a:r>
           </a:p>
         </p:txBody>
       </p:sp>
     </p:spTree>
+    <p:extLst>
+      <p:ext uri="{BB962C8B-B14F-4D97-AF65-F5344CB8AC3E}">
+        <p14:creationId xmlns:p14="http://schemas.microsoft.com/office/powerpoint/2010/main" val="2850644582"/>
+      </p:ext>
+    </p:extLst>
   </p:cSld>
   <p:clrMapOvr>
     <a:masterClrMapping/>
@@ -40323,7 +40353,7 @@
       </p:grpSpPr>
       <p:sp>
         <p:nvSpPr>
-          <p:cNvPr id="177" name="CustomShape 1"/>
+          <p:cNvPr id="175" name="CustomShape 1"/>
           <p:cNvSpPr/>
           <p:nvPr/>
         </p:nvSpPr>
@@ -40381,7 +40411,7 @@
       </p:sp>
       <p:sp>
         <p:nvSpPr>
-          <p:cNvPr id="178" name="CustomShape 2"/>
+          <p:cNvPr id="176" name="CustomShape 2"/>
           <p:cNvSpPr/>
           <p:nvPr/>
         </p:nvSpPr>
@@ -40412,11 +40442,11 @@
         </p:style>
         <p:txBody>
           <a:bodyPr lIns="90000" tIns="45000" rIns="90000" bIns="45000">
-            <a:normAutofit/>
+            <a:normAutofit fontScale="89000" lnSpcReduction="10000"/>
           </a:bodyPr>
           <a:lstStyle/>
           <a:p>
-            <a:pPr marL="516240" indent="-512280">
+            <a:pPr marL="514440" indent="-510480">
               <a:lnSpc>
                 <a:spcPct val="100000"/>
               </a:lnSpc>
@@ -40429,8 +40459,8 @@
               <a:buClr>
                 <a:srgbClr val="1F4E79"/>
               </a:buClr>
-              <a:buFont typeface="Arial"/>
-              <a:buAutoNum type="arabicPeriod" startAt="6"/>
+              <a:buFont typeface="Calibri Light"/>
+              <a:buAutoNum type="arabicPeriod"/>
             </a:pPr>
             <a:r>
               <a:rPr lang="pt-BR" sz="3200" b="0" strike="noStrike" spc="-1">
@@ -40440,7 +40470,7 @@
                 <a:latin typeface="Arial"/>
                 <a:ea typeface="DejaVu Sans"/>
               </a:rPr>
-              <a:t>NPM. </a:t>
+              <a:t>Node.js. </a:t>
             </a:r>
             <a:r>
               <a:rPr lang="pt-BR" sz="3200" b="1" strike="noStrike" spc="-1">
@@ -40450,7 +40480,7 @@
                 <a:latin typeface="Arial"/>
                 <a:ea typeface="DejaVu Sans"/>
               </a:rPr>
-              <a:t>Nodemon</a:t>
+              <a:t>About</a:t>
             </a:r>
             <a:r>
               <a:rPr lang="pt-BR" sz="3200" b="0" strike="noStrike" spc="-1">
@@ -40472,14 +40502,24 @@
                 <a:ea typeface="DejaVu Sans"/>
                 <a:hlinkClick r:id="rId3"/>
               </a:rPr>
-              <a:t>https://www.npmjs.com/package/nodemon</a:t>
+              <a:t>https://nodejs.org/en/about/</a:t>
+            </a:r>
+            <a:r>
+              <a:rPr lang="pt-BR" sz="3200" b="0" strike="noStrike" spc="-1">
+                <a:solidFill>
+                  <a:srgbClr val="1F4E79"/>
+                </a:solidFill>
+                <a:latin typeface="Arial"/>
+                <a:ea typeface="DejaVu Sans"/>
+              </a:rPr>
+              <a:t>.</a:t>
             </a:r>
             <a:endParaRPr lang="pt-BR" sz="3200" b="0" strike="noStrike" spc="-1">
               <a:latin typeface="Arial"/>
             </a:endParaRPr>
           </a:p>
           <a:p>
-            <a:pPr marL="516240" indent="-512280">
+            <a:pPr marL="514440" indent="-510480">
               <a:lnSpc>
                 <a:spcPct val="100000"/>
               </a:lnSpc>
@@ -40492,8 +40532,8 @@
               <a:buClr>
                 <a:srgbClr val="1F4E79"/>
               </a:buClr>
-              <a:buFont typeface="Arial"/>
-              <a:buAutoNum type="arabicPeriod" startAt="6"/>
+              <a:buFont typeface="Calibri Light"/>
+              <a:buAutoNum type="arabicPeriod"/>
             </a:pPr>
             <a:r>
               <a:rPr lang="pt-BR" sz="3200" b="0" strike="noStrike" spc="-1">
@@ -40503,7 +40543,7 @@
                 <a:latin typeface="Arial"/>
                 <a:ea typeface="DejaVu Sans"/>
               </a:rPr>
-              <a:t>MDN Web Docs Mozilla. </a:t>
+              <a:t>Node.js. </a:t>
             </a:r>
             <a:r>
               <a:rPr lang="pt-BR" sz="3200" b="1" strike="noStrike" spc="-1">
@@ -40513,7 +40553,7 @@
                 <a:latin typeface="Arial"/>
                 <a:ea typeface="DejaVu Sans"/>
               </a:rPr>
-              <a:t>Métodos de requisição HTTP</a:t>
+              <a:t>Download</a:t>
             </a:r>
             <a:r>
               <a:rPr lang="pt-BR" sz="3200" b="0" strike="noStrike" spc="-1">
@@ -40535,7 +40575,7 @@
                 <a:ea typeface="DejaVu Sans"/>
                 <a:hlinkClick r:id="rId4"/>
               </a:rPr>
-              <a:t>https://developer.mozilla.org/pt-BR/docs/Web/HTTP/Methods</a:t>
+              <a:t>https://nodejs.org/en/download/</a:t>
             </a:r>
             <a:r>
               <a:rPr lang="pt-BR" sz="3200" b="0" strike="noStrike" spc="-1">
@@ -40552,7 +40592,7 @@
             </a:endParaRPr>
           </a:p>
           <a:p>
-            <a:pPr marL="516240" indent="-512280">
+            <a:pPr marL="514440" indent="-510480">
               <a:lnSpc>
                 <a:spcPct val="100000"/>
               </a:lnSpc>
@@ -40565,8 +40605,8 @@
               <a:buClr>
                 <a:srgbClr val="1F4E79"/>
               </a:buClr>
-              <a:buFont typeface="Arial"/>
-              <a:buAutoNum type="arabicPeriod" startAt="6"/>
+              <a:buFont typeface="Calibri Light"/>
+              <a:buAutoNum type="arabicPeriod"/>
             </a:pPr>
             <a:r>
               <a:rPr lang="pt-BR" sz="3200" b="0" strike="noStrike" spc="-1">
@@ -40576,7 +40616,7 @@
                 <a:latin typeface="Arial"/>
                 <a:ea typeface="DejaVu Sans"/>
               </a:rPr>
-              <a:t>Insomnia. </a:t>
+              <a:t>Yarn. </a:t>
             </a:r>
             <a:r>
               <a:rPr lang="pt-BR" sz="3200" b="1" strike="noStrike" spc="-1">
@@ -40586,7 +40626,7 @@
                 <a:latin typeface="Arial"/>
                 <a:ea typeface="DejaVu Sans"/>
               </a:rPr>
-              <a:t>Download Insomnia</a:t>
+              <a:t>Introduction</a:t>
             </a:r>
             <a:r>
               <a:rPr lang="pt-BR" sz="3200" b="0" strike="noStrike" spc="-1">
@@ -40608,14 +40648,24 @@
                 <a:ea typeface="DejaVu Sans"/>
                 <a:hlinkClick r:id="rId5"/>
               </a:rPr>
-              <a:t>https://insomnia.rest/download</a:t>
+              <a:t>https://yarnpkg.com/getting-started</a:t>
+            </a:r>
+            <a:r>
+              <a:rPr lang="pt-BR" sz="3200" b="0" strike="noStrike" spc="-1">
+                <a:solidFill>
+                  <a:srgbClr val="1F4E79"/>
+                </a:solidFill>
+                <a:latin typeface="Arial"/>
+                <a:ea typeface="DejaVu Sans"/>
+              </a:rPr>
+              <a:t>.</a:t>
             </a:r>
             <a:endParaRPr lang="pt-BR" sz="3200" b="0" strike="noStrike" spc="-1">
               <a:latin typeface="Arial"/>
             </a:endParaRPr>
           </a:p>
           <a:p>
-            <a:pPr>
+            <a:pPr marL="514440" indent="-510480">
               <a:lnSpc>
                 <a:spcPct val="100000"/>
               </a:lnSpc>
@@ -40625,13 +40675,70 @@
               <a:spcAft>
                 <a:spcPts val="1001"/>
               </a:spcAft>
-            </a:pPr>
+              <a:buClr>
+                <a:srgbClr val="1F4E79"/>
+              </a:buClr>
+              <a:buFont typeface="Calibri Light"/>
+              <a:buAutoNum type="arabicPeriod"/>
+            </a:pPr>
+            <a:r>
+              <a:rPr lang="pt-BR" sz="3200" b="0" strike="noStrike" spc="-1">
+                <a:solidFill>
+                  <a:srgbClr val="1F4E79"/>
+                </a:solidFill>
+                <a:latin typeface="Arial"/>
+                <a:ea typeface="DejaVu Sans"/>
+              </a:rPr>
+              <a:t>Yarn. </a:t>
+            </a:r>
+            <a:r>
+              <a:rPr lang="pt-BR" sz="3200" b="1" strike="noStrike" spc="-1">
+                <a:solidFill>
+                  <a:srgbClr val="1F4E79"/>
+                </a:solidFill>
+                <a:latin typeface="Arial"/>
+                <a:ea typeface="DejaVu Sans"/>
+              </a:rPr>
+              <a:t>Installation</a:t>
+            </a:r>
+            <a:r>
+              <a:rPr lang="pt-BR" sz="3200" b="0" strike="noStrike" spc="-1">
+                <a:solidFill>
+                  <a:srgbClr val="1F4E79"/>
+                </a:solidFill>
+                <a:latin typeface="Arial"/>
+                <a:ea typeface="DejaVu Sans"/>
+              </a:rPr>
+              <a:t>. Disponível em: </a:t>
+            </a:r>
+            <a:r>
+              <a:rPr lang="pt-BR" sz="3200" b="0" u="sng" strike="noStrike" spc="-1">
+                <a:solidFill>
+                  <a:srgbClr val="0563C1"/>
+                </a:solidFill>
+                <a:uFillTx/>
+                <a:latin typeface="Arial"/>
+                <a:ea typeface="DejaVu Sans"/>
+                <a:hlinkClick r:id="rId6"/>
+              </a:rPr>
+              <a:t>https://classic.yarnpkg.com/en/docs/install#windows-stable</a:t>
+            </a:r>
+            <a:r>
+              <a:rPr lang="pt-BR" sz="3200" b="0" strike="noStrike" spc="-1">
+                <a:solidFill>
+                  <a:srgbClr val="1F4E79"/>
+                </a:solidFill>
+                <a:latin typeface="Arial"/>
+                <a:ea typeface="DejaVu Sans"/>
+              </a:rPr>
+              <a:t>.</a:t>
+            </a:r>
             <a:endParaRPr lang="pt-BR" sz="3200" b="0" strike="noStrike" spc="-1">
               <a:latin typeface="Arial"/>
             </a:endParaRPr>
           </a:p>
           <a:p>
-            <a:pPr marL="1800">
+            <a:pPr marL="514440" indent="-510480">
               <a:lnSpc>
                 <a:spcPct val="100000"/>
               </a:lnSpc>
@@ -40641,23 +40748,54 @@
               <a:spcAft>
                 <a:spcPts val="1001"/>
               </a:spcAft>
-            </a:pPr>
-            <a:endParaRPr lang="pt-BR" sz="3200" b="0" strike="noStrike" spc="-1">
-              <a:latin typeface="Arial"/>
-            </a:endParaRPr>
-          </a:p>
-          <a:p>
-            <a:pPr marL="1800">
-              <a:lnSpc>
-                <a:spcPct val="100000"/>
-              </a:lnSpc>
-              <a:spcBef>
-                <a:spcPts val="1001"/>
-              </a:spcBef>
-              <a:spcAft>
-                <a:spcPts val="1001"/>
-              </a:spcAft>
-            </a:pPr>
+              <a:buClr>
+                <a:srgbClr val="1F4E79"/>
+              </a:buClr>
+              <a:buFont typeface="Calibri Light"/>
+              <a:buAutoNum type="arabicPeriod"/>
+            </a:pPr>
+            <a:r>
+              <a:rPr lang="pt-BR" sz="3200" b="0" strike="noStrike" spc="-1">
+                <a:solidFill>
+                  <a:srgbClr val="1F4E79"/>
+                </a:solidFill>
+                <a:latin typeface="Arial"/>
+                <a:ea typeface="DejaVu Sans"/>
+              </a:rPr>
+              <a:t>Express. </a:t>
+            </a:r>
+            <a:r>
+              <a:rPr lang="pt-BR" sz="3200" b="1" strike="noStrike" spc="-1">
+                <a:solidFill>
+                  <a:srgbClr val="1F4E79"/>
+                </a:solidFill>
+                <a:latin typeface="Arial"/>
+                <a:ea typeface="DejaVu Sans"/>
+              </a:rPr>
+              <a:t>Installing</a:t>
+            </a:r>
+            <a:r>
+              <a:rPr lang="pt-BR" sz="3200" b="0" strike="noStrike" spc="-1">
+                <a:solidFill>
+                  <a:srgbClr val="1F4E79"/>
+                </a:solidFill>
+                <a:latin typeface="Arial"/>
+                <a:ea typeface="DejaVu Sans"/>
+              </a:rPr>
+              <a:t>. Disponível em: </a:t>
+            </a:r>
+            <a:r>
+              <a:rPr lang="pt-BR" sz="3200" b="0" u="sng" strike="noStrike" spc="-1">
+                <a:solidFill>
+                  <a:srgbClr val="0563C1"/>
+                </a:solidFill>
+                <a:uFillTx/>
+                <a:latin typeface="Arial"/>
+                <a:ea typeface="DejaVu Sans"/>
+                <a:hlinkClick r:id="rId7"/>
+              </a:rPr>
+              <a:t>https://expressjs.com/en/starter/installing.html</a:t>
+            </a:r>
             <a:endParaRPr lang="pt-BR" sz="3200" b="0" strike="noStrike" spc="-1">
               <a:latin typeface="Arial"/>
             </a:endParaRPr>
@@ -40673,6 +40811,374 @@
 </file>
 
 <file path=ppt/slides/slide76.xml><?xml version="1.0" encoding="utf-8"?>
+<p:sld xmlns:a="http://schemas.openxmlformats.org/drawingml/2006/main" xmlns:r="http://schemas.openxmlformats.org/officeDocument/2006/relationships" xmlns:p="http://schemas.openxmlformats.org/presentationml/2006/main">
+  <p:cSld>
+    <p:spTree>
+      <p:nvGrpSpPr>
+        <p:cNvPr id="1" name=""/>
+        <p:cNvGrpSpPr/>
+        <p:nvPr/>
+      </p:nvGrpSpPr>
+      <p:grpSpPr>
+        <a:xfrm>
+          <a:off x="0" y="0"/>
+          <a:ext cx="0" cy="0"/>
+          <a:chOff x="0" y="0"/>
+          <a:chExt cx="0" cy="0"/>
+        </a:xfrm>
+      </p:grpSpPr>
+      <p:sp>
+        <p:nvSpPr>
+          <p:cNvPr id="177" name="CustomShape 1"/>
+          <p:cNvSpPr/>
+          <p:nvPr/>
+        </p:nvSpPr>
+        <p:spPr>
+          <a:xfrm>
+            <a:off x="0" y="224280"/>
+            <a:ext cx="12019320" cy="854640"/>
+          </a:xfrm>
+          <a:prstGeom prst="rect">
+            <a:avLst/>
+          </a:prstGeom>
+          <a:noFill/>
+          <a:ln>
+            <a:noFill/>
+          </a:ln>
+        </p:spPr>
+        <p:style>
+          <a:lnRef idx="0">
+            <a:scrgbClr r="0" g="0" b="0"/>
+          </a:lnRef>
+          <a:fillRef idx="0">
+            <a:scrgbClr r="0" g="0" b="0"/>
+          </a:fillRef>
+          <a:effectRef idx="0">
+            <a:scrgbClr r="0" g="0" b="0"/>
+          </a:effectRef>
+          <a:fontRef idx="minor"/>
+        </p:style>
+        <p:txBody>
+          <a:bodyPr lIns="90000" tIns="45000" rIns="90000" bIns="45000" anchor="ctr">
+            <a:noAutofit/>
+          </a:bodyPr>
+          <a:lstStyle/>
+          <a:p>
+            <a:pPr algn="ctr">
+              <a:lnSpc>
+                <a:spcPct val="90000"/>
+              </a:lnSpc>
+            </a:pPr>
+            <a:r>
+              <a:rPr lang="pt-BR" sz="5400" b="0" strike="noStrike" spc="-1">
+                <a:solidFill>
+                  <a:srgbClr val="1F4E79"/>
+                </a:solidFill>
+                <a:latin typeface="Arial"/>
+                <a:ea typeface="DejaVu Sans"/>
+              </a:rPr>
+              <a:t>Referências</a:t>
+            </a:r>
+            <a:endParaRPr lang="pt-BR" sz="5400" b="0" strike="noStrike" spc="-1">
+              <a:latin typeface="Arial"/>
+            </a:endParaRPr>
+          </a:p>
+        </p:txBody>
+      </p:sp>
+      <p:sp>
+        <p:nvSpPr>
+          <p:cNvPr id="178" name="CustomShape 2"/>
+          <p:cNvSpPr/>
+          <p:nvPr/>
+        </p:nvSpPr>
+        <p:spPr>
+          <a:xfrm>
+            <a:off x="317520" y="1290960"/>
+            <a:ext cx="11701440" cy="4347360"/>
+          </a:xfrm>
+          <a:prstGeom prst="rect">
+            <a:avLst/>
+          </a:prstGeom>
+          <a:noFill/>
+          <a:ln>
+            <a:noFill/>
+          </a:ln>
+        </p:spPr>
+        <p:style>
+          <a:lnRef idx="0">
+            <a:scrgbClr r="0" g="0" b="0"/>
+          </a:lnRef>
+          <a:fillRef idx="0">
+            <a:scrgbClr r="0" g="0" b="0"/>
+          </a:fillRef>
+          <a:effectRef idx="0">
+            <a:scrgbClr r="0" g="0" b="0"/>
+          </a:effectRef>
+          <a:fontRef idx="minor"/>
+        </p:style>
+        <p:txBody>
+          <a:bodyPr lIns="90000" tIns="45000" rIns="90000" bIns="45000">
+            <a:normAutofit/>
+          </a:bodyPr>
+          <a:lstStyle/>
+          <a:p>
+            <a:pPr marL="516240" indent="-512280">
+              <a:lnSpc>
+                <a:spcPct val="100000"/>
+              </a:lnSpc>
+              <a:spcBef>
+                <a:spcPts val="1001"/>
+              </a:spcBef>
+              <a:spcAft>
+                <a:spcPts val="1001"/>
+              </a:spcAft>
+              <a:buClr>
+                <a:srgbClr val="1F4E79"/>
+              </a:buClr>
+              <a:buFont typeface="Arial"/>
+              <a:buAutoNum type="arabicPeriod" startAt="6"/>
+            </a:pPr>
+            <a:r>
+              <a:rPr lang="pt-BR" sz="3200" b="0" strike="noStrike" spc="-1">
+                <a:solidFill>
+                  <a:srgbClr val="1F4E79"/>
+                </a:solidFill>
+                <a:latin typeface="Arial"/>
+                <a:ea typeface="DejaVu Sans"/>
+              </a:rPr>
+              <a:t>NPM. </a:t>
+            </a:r>
+            <a:r>
+              <a:rPr lang="pt-BR" sz="3200" b="1" strike="noStrike" spc="-1">
+                <a:solidFill>
+                  <a:srgbClr val="1F4E79"/>
+                </a:solidFill>
+                <a:latin typeface="Arial"/>
+                <a:ea typeface="DejaVu Sans"/>
+              </a:rPr>
+              <a:t>Nodemon</a:t>
+            </a:r>
+            <a:r>
+              <a:rPr lang="pt-BR" sz="3200" b="0" strike="noStrike" spc="-1">
+                <a:solidFill>
+                  <a:srgbClr val="1F4E79"/>
+                </a:solidFill>
+                <a:latin typeface="Arial"/>
+                <a:ea typeface="DejaVu Sans"/>
+              </a:rPr>
+              <a:t>. Disponível em: </a:t>
+            </a:r>
+            <a:r>
+              <a:rPr lang="pt-BR" sz="3200" b="0" u="sng" strike="noStrike" spc="-1">
+                <a:solidFill>
+                  <a:srgbClr val="0563C1"/>
+                </a:solidFill>
+                <a:uFillTx/>
+                <a:latin typeface="Arial"/>
+                <a:ea typeface="DejaVu Sans"/>
+                <a:hlinkClick r:id="rId3"/>
+              </a:rPr>
+              <a:t>https://www.npmjs.com/package/nodemon</a:t>
+            </a:r>
+            <a:endParaRPr lang="pt-BR" sz="3200" b="0" strike="noStrike" spc="-1">
+              <a:latin typeface="Arial"/>
+            </a:endParaRPr>
+          </a:p>
+          <a:p>
+            <a:pPr marL="516240" indent="-512280">
+              <a:lnSpc>
+                <a:spcPct val="100000"/>
+              </a:lnSpc>
+              <a:spcBef>
+                <a:spcPts val="1001"/>
+              </a:spcBef>
+              <a:spcAft>
+                <a:spcPts val="1001"/>
+              </a:spcAft>
+              <a:buClr>
+                <a:srgbClr val="1F4E79"/>
+              </a:buClr>
+              <a:buFont typeface="Arial"/>
+              <a:buAutoNum type="arabicPeriod" startAt="6"/>
+            </a:pPr>
+            <a:r>
+              <a:rPr lang="pt-BR" sz="3200" b="0" strike="noStrike" spc="-1">
+                <a:solidFill>
+                  <a:srgbClr val="1F4E79"/>
+                </a:solidFill>
+                <a:latin typeface="Arial"/>
+                <a:ea typeface="DejaVu Sans"/>
+              </a:rPr>
+              <a:t>MDN Web Docs Mozilla. </a:t>
+            </a:r>
+            <a:r>
+              <a:rPr lang="pt-BR" sz="3200" b="1" strike="noStrike" spc="-1">
+                <a:solidFill>
+                  <a:srgbClr val="1F4E79"/>
+                </a:solidFill>
+                <a:latin typeface="Arial"/>
+                <a:ea typeface="DejaVu Sans"/>
+              </a:rPr>
+              <a:t>Métodos de requisição HTTP</a:t>
+            </a:r>
+            <a:r>
+              <a:rPr lang="pt-BR" sz="3200" b="0" strike="noStrike" spc="-1">
+                <a:solidFill>
+                  <a:srgbClr val="1F4E79"/>
+                </a:solidFill>
+                <a:latin typeface="Arial"/>
+                <a:ea typeface="DejaVu Sans"/>
+              </a:rPr>
+              <a:t>. Disponível em: </a:t>
+            </a:r>
+            <a:r>
+              <a:rPr lang="pt-BR" sz="3200" b="0" u="sng" strike="noStrike" spc="-1">
+                <a:solidFill>
+                  <a:srgbClr val="0563C1"/>
+                </a:solidFill>
+                <a:uFillTx/>
+                <a:latin typeface="Arial"/>
+                <a:ea typeface="DejaVu Sans"/>
+                <a:hlinkClick r:id="rId4"/>
+              </a:rPr>
+              <a:t>https://developer.mozilla.org/pt-BR/docs/Web/HTTP/Methods</a:t>
+            </a:r>
+            <a:r>
+              <a:rPr lang="pt-BR" sz="3200" b="0" strike="noStrike" spc="-1">
+                <a:solidFill>
+                  <a:srgbClr val="1F4E79"/>
+                </a:solidFill>
+                <a:latin typeface="Arial"/>
+                <a:ea typeface="DejaVu Sans"/>
+              </a:rPr>
+              <a:t>.</a:t>
+            </a:r>
+            <a:endParaRPr lang="pt-BR" sz="3200" b="0" strike="noStrike" spc="-1">
+              <a:latin typeface="Arial"/>
+            </a:endParaRPr>
+          </a:p>
+          <a:p>
+            <a:pPr marL="516240" indent="-512280">
+              <a:lnSpc>
+                <a:spcPct val="100000"/>
+              </a:lnSpc>
+              <a:spcBef>
+                <a:spcPts val="1001"/>
+              </a:spcBef>
+              <a:spcAft>
+                <a:spcPts val="1001"/>
+              </a:spcAft>
+              <a:buClr>
+                <a:srgbClr val="1F4E79"/>
+              </a:buClr>
+              <a:buFont typeface="Arial"/>
+              <a:buAutoNum type="arabicPeriod" startAt="6"/>
+            </a:pPr>
+            <a:r>
+              <a:rPr lang="pt-BR" sz="3200" b="0" strike="noStrike" spc="-1">
+                <a:solidFill>
+                  <a:srgbClr val="1F4E79"/>
+                </a:solidFill>
+                <a:latin typeface="Arial"/>
+                <a:ea typeface="DejaVu Sans"/>
+              </a:rPr>
+              <a:t>Insomnia. </a:t>
+            </a:r>
+            <a:r>
+              <a:rPr lang="pt-BR" sz="3200" b="1" strike="noStrike" spc="-1">
+                <a:solidFill>
+                  <a:srgbClr val="1F4E79"/>
+                </a:solidFill>
+                <a:latin typeface="Arial"/>
+                <a:ea typeface="DejaVu Sans"/>
+              </a:rPr>
+              <a:t>Download Insomnia</a:t>
+            </a:r>
+            <a:r>
+              <a:rPr lang="pt-BR" sz="3200" b="0" strike="noStrike" spc="-1">
+                <a:solidFill>
+                  <a:srgbClr val="1F4E79"/>
+                </a:solidFill>
+                <a:latin typeface="Arial"/>
+                <a:ea typeface="DejaVu Sans"/>
+              </a:rPr>
+              <a:t>. Disponível em: </a:t>
+            </a:r>
+            <a:r>
+              <a:rPr lang="pt-BR" sz="3200" b="0" u="sng" strike="noStrike" spc="-1">
+                <a:solidFill>
+                  <a:srgbClr val="0563C1"/>
+                </a:solidFill>
+                <a:uFillTx/>
+                <a:latin typeface="Arial"/>
+                <a:ea typeface="DejaVu Sans"/>
+                <a:hlinkClick r:id="rId5"/>
+              </a:rPr>
+              <a:t>https://insomnia.rest/download</a:t>
+            </a:r>
+            <a:endParaRPr lang="pt-BR" sz="3200" b="0" strike="noStrike" spc="-1">
+              <a:latin typeface="Arial"/>
+            </a:endParaRPr>
+          </a:p>
+          <a:p>
+            <a:pPr>
+              <a:lnSpc>
+                <a:spcPct val="100000"/>
+              </a:lnSpc>
+              <a:spcBef>
+                <a:spcPts val="1001"/>
+              </a:spcBef>
+              <a:spcAft>
+                <a:spcPts val="1001"/>
+              </a:spcAft>
+            </a:pPr>
+            <a:endParaRPr lang="pt-BR" sz="3200" b="0" strike="noStrike" spc="-1">
+              <a:latin typeface="Arial"/>
+            </a:endParaRPr>
+          </a:p>
+          <a:p>
+            <a:pPr marL="1800">
+              <a:lnSpc>
+                <a:spcPct val="100000"/>
+              </a:lnSpc>
+              <a:spcBef>
+                <a:spcPts val="1001"/>
+              </a:spcBef>
+              <a:spcAft>
+                <a:spcPts val="1001"/>
+              </a:spcAft>
+            </a:pPr>
+            <a:endParaRPr lang="pt-BR" sz="3200" b="0" strike="noStrike" spc="-1">
+              <a:latin typeface="Arial"/>
+            </a:endParaRPr>
+          </a:p>
+          <a:p>
+            <a:pPr marL="1800">
+              <a:lnSpc>
+                <a:spcPct val="100000"/>
+              </a:lnSpc>
+              <a:spcBef>
+                <a:spcPts val="1001"/>
+              </a:spcBef>
+              <a:spcAft>
+                <a:spcPts val="1001"/>
+              </a:spcAft>
+            </a:pPr>
+            <a:endParaRPr lang="pt-BR" sz="3200" b="0" strike="noStrike" spc="-1">
+              <a:latin typeface="Arial"/>
+            </a:endParaRPr>
+          </a:p>
+        </p:txBody>
+      </p:sp>
+    </p:spTree>
+  </p:cSld>
+  <p:clrMapOvr>
+    <a:masterClrMapping/>
+  </p:clrMapOvr>
+</p:sld>
+</file>
+
+<file path=ppt/slides/slide77.xml><?xml version="1.0" encoding="utf-8"?>
 <p:sld xmlns:a="http://schemas.openxmlformats.org/drawingml/2006/main" xmlns:r="http://schemas.openxmlformats.org/officeDocument/2006/relationships" xmlns:p="http://schemas.openxmlformats.org/presentationml/2006/main">
   <p:cSld>
     <p:spTree>

--- a/node-js.pptx
+++ b/node-js.pptx
@@ -6,7 +6,7 @@
     <p:sldMasterId id="2147483661" r:id="rId2"/>
   </p:sldMasterIdLst>
   <p:notesMasterIdLst>
-    <p:notesMasterId r:id="rId80"/>
+    <p:notesMasterId r:id="rId85"/>
   </p:notesMasterIdLst>
   <p:sldIdLst>
     <p:sldId id="256" r:id="rId3"/>
@@ -83,9 +83,14 @@
     <p:sldId id="315" r:id="rId74"/>
     <p:sldId id="333" r:id="rId75"/>
     <p:sldId id="334" r:id="rId76"/>
-    <p:sldId id="299" r:id="rId77"/>
-    <p:sldId id="300" r:id="rId78"/>
-    <p:sldId id="301" r:id="rId79"/>
+    <p:sldId id="335" r:id="rId77"/>
+    <p:sldId id="336" r:id="rId78"/>
+    <p:sldId id="337" r:id="rId79"/>
+    <p:sldId id="338" r:id="rId80"/>
+    <p:sldId id="339" r:id="rId81"/>
+    <p:sldId id="299" r:id="rId82"/>
+    <p:sldId id="300" r:id="rId83"/>
+    <p:sldId id="301" r:id="rId84"/>
   </p:sldIdLst>
   <p:sldSz cx="12192000" cy="6858000"/>
   <p:notesSz cx="6858000" cy="9144000"/>
@@ -10643,7 +10648,7 @@
       </p:grpSpPr>
       <p:sp>
         <p:nvSpPr>
-          <p:cNvPr id="310" name="PlaceHolder 1"/>
+          <p:cNvPr id="304" name="PlaceHolder 1"/>
           <p:cNvSpPr>
             <a:spLocks noGrp="1" noRot="1" noChangeAspect="1"/>
           </p:cNvSpPr>
@@ -10663,7 +10668,7 @@
       </p:sp>
       <p:sp>
         <p:nvSpPr>
-          <p:cNvPr id="311" name="PlaceHolder 2"/>
+          <p:cNvPr id="305" name="PlaceHolder 2"/>
           <p:cNvSpPr>
             <a:spLocks noGrp="1"/>
           </p:cNvSpPr>
@@ -10673,7 +10678,7 @@
         </p:nvSpPr>
         <p:spPr>
           <a:xfrm>
-            <a:off x="685800" y="4400640"/>
+            <a:off x="685800" y="4320000"/>
             <a:ext cx="5482440" cy="3596400"/>
           </a:xfrm>
           <a:prstGeom prst="rect">
@@ -10686,7 +10691,7 @@
           </a:bodyPr>
           <a:lstStyle/>
           <a:p>
-            <a:endParaRPr lang="pt-BR" sz="2000" b="0" strike="noStrike" spc="-1">
+            <a:endParaRPr lang="pt-BR" sz="2000" b="0" strike="noStrike" spc="-1" dirty="0">
               <a:latin typeface="Arial"/>
             </a:endParaRPr>
           </a:p>
@@ -10694,7 +10699,7 @@
       </p:sp>
       <p:sp>
         <p:nvSpPr>
-          <p:cNvPr id="312" name="CustomShape 3"/>
+          <p:cNvPr id="306" name="CustomShape 3"/>
           <p:cNvSpPr/>
           <p:nvPr/>
         </p:nvSpPr>
@@ -10734,7 +10739,7 @@
                 <a:spcPct val="100000"/>
               </a:lnSpc>
             </a:pPr>
-            <a:fld id="{A4A9D5A6-6C48-4B43-8032-A4F02E798000}" type="slidenum">
+            <a:fld id="{F4C072A3-0E1D-4C79-A8AC-BB1726406D60}" type="slidenum">
               <a:rPr lang="pt-BR" sz="1200" b="0" strike="noStrike" spc="-1">
                 <a:solidFill>
                   <a:srgbClr val="000000"/>
@@ -10751,6 +10756,11 @@
         </p:txBody>
       </p:sp>
     </p:spTree>
+    <p:extLst>
+      <p:ext uri="{BB962C8B-B14F-4D97-AF65-F5344CB8AC3E}">
+        <p14:creationId xmlns:p14="http://schemas.microsoft.com/office/powerpoint/2010/main" val="371744376"/>
+      </p:ext>
+    </p:extLst>
   </p:cSld>
   <p:clrMapOvr>
     <a:masterClrMapping/>
@@ -10777,7 +10787,7 @@
       </p:grpSpPr>
       <p:sp>
         <p:nvSpPr>
-          <p:cNvPr id="313" name="PlaceHolder 1"/>
+          <p:cNvPr id="304" name="PlaceHolder 1"/>
           <p:cNvSpPr>
             <a:spLocks noGrp="1" noRot="1" noChangeAspect="1"/>
           </p:cNvSpPr>
@@ -10787,17 +10797,17 @@
         </p:nvSpPr>
         <p:spPr>
           <a:xfrm>
-            <a:off x="685800" y="1143000"/>
-            <a:ext cx="5482800" cy="3082320"/>
-          </a:xfrm>
-          <a:prstGeom prst="rect">
-            <a:avLst/>
-          </a:prstGeom>
-        </p:spPr>
-      </p:sp>
-      <p:sp>
-        <p:nvSpPr>
-          <p:cNvPr id="314" name="PlaceHolder 2"/>
+            <a:off x="687388" y="1143000"/>
+            <a:ext cx="5480050" cy="3082925"/>
+          </a:xfrm>
+          <a:prstGeom prst="rect">
+            <a:avLst/>
+          </a:prstGeom>
+        </p:spPr>
+      </p:sp>
+      <p:sp>
+        <p:nvSpPr>
+          <p:cNvPr id="305" name="PlaceHolder 2"/>
           <p:cNvSpPr>
             <a:spLocks noGrp="1"/>
           </p:cNvSpPr>
@@ -10807,7 +10817,7 @@
         </p:nvSpPr>
         <p:spPr>
           <a:xfrm>
-            <a:off x="685800" y="4400640"/>
+            <a:off x="685800" y="4320000"/>
             <a:ext cx="5482440" cy="3596400"/>
           </a:xfrm>
           <a:prstGeom prst="rect">
@@ -10820,7 +10830,7 @@
           </a:bodyPr>
           <a:lstStyle/>
           <a:p>
-            <a:endParaRPr lang="pt-BR" sz="2000" b="0" strike="noStrike" spc="-1">
+            <a:endParaRPr lang="pt-BR" sz="2000" b="0" strike="noStrike" spc="-1" dirty="0">
               <a:latin typeface="Arial"/>
             </a:endParaRPr>
           </a:p>
@@ -10828,7 +10838,7 @@
       </p:sp>
       <p:sp>
         <p:nvSpPr>
-          <p:cNvPr id="315" name="CustomShape 3"/>
+          <p:cNvPr id="306" name="CustomShape 3"/>
           <p:cNvSpPr/>
           <p:nvPr/>
         </p:nvSpPr>
@@ -10868,7 +10878,7 @@
                 <a:spcPct val="100000"/>
               </a:lnSpc>
             </a:pPr>
-            <a:fld id="{B008546A-9EE6-49C8-B1DE-CF65AB5C1D04}" type="slidenum">
+            <a:fld id="{F4C072A3-0E1D-4C79-A8AC-BB1726406D60}" type="slidenum">
               <a:rPr lang="pt-BR" sz="1200" b="0" strike="noStrike" spc="-1">
                 <a:solidFill>
                   <a:srgbClr val="000000"/>
@@ -10885,6 +10895,11 @@
         </p:txBody>
       </p:sp>
     </p:spTree>
+    <p:extLst>
+      <p:ext uri="{BB962C8B-B14F-4D97-AF65-F5344CB8AC3E}">
+        <p14:creationId xmlns:p14="http://schemas.microsoft.com/office/powerpoint/2010/main" val="3687433754"/>
+      </p:ext>
+    </p:extLst>
   </p:cSld>
   <p:clrMapOvr>
     <a:masterClrMapping/>
@@ -10911,7 +10926,7 @@
       </p:grpSpPr>
       <p:sp>
         <p:nvSpPr>
-          <p:cNvPr id="316" name="PlaceHolder 1"/>
+          <p:cNvPr id="304" name="PlaceHolder 1"/>
           <p:cNvSpPr>
             <a:spLocks noGrp="1" noRot="1" noChangeAspect="1"/>
           </p:cNvSpPr>
@@ -10931,7 +10946,7 @@
       </p:sp>
       <p:sp>
         <p:nvSpPr>
-          <p:cNvPr id="317" name="PlaceHolder 2"/>
+          <p:cNvPr id="305" name="PlaceHolder 2"/>
           <p:cNvSpPr>
             <a:spLocks noGrp="1"/>
           </p:cNvSpPr>
@@ -10941,7 +10956,7 @@
         </p:nvSpPr>
         <p:spPr>
           <a:xfrm>
-            <a:off x="685800" y="4400640"/>
+            <a:off x="685800" y="4320000"/>
             <a:ext cx="5482440" cy="3596400"/>
           </a:xfrm>
           <a:prstGeom prst="rect">
@@ -10954,7 +10969,7 @@
           </a:bodyPr>
           <a:lstStyle/>
           <a:p>
-            <a:endParaRPr lang="pt-BR" sz="2000" b="0" strike="noStrike" spc="-1">
+            <a:endParaRPr lang="pt-BR" sz="2000" b="0" strike="noStrike" spc="-1" dirty="0">
               <a:latin typeface="Arial"/>
             </a:endParaRPr>
           </a:p>
@@ -10962,7 +10977,7 @@
       </p:sp>
       <p:sp>
         <p:nvSpPr>
-          <p:cNvPr id="318" name="CustomShape 3"/>
+          <p:cNvPr id="306" name="CustomShape 3"/>
           <p:cNvSpPr/>
           <p:nvPr/>
         </p:nvSpPr>
@@ -11002,7 +11017,7 @@
                 <a:spcPct val="100000"/>
               </a:lnSpc>
             </a:pPr>
-            <a:fld id="{6CDBEE86-8171-4C12-86ED-7FE502965E94}" type="slidenum">
+            <a:fld id="{F4C072A3-0E1D-4C79-A8AC-BB1726406D60}" type="slidenum">
               <a:rPr lang="pt-BR" sz="1200" b="0" strike="noStrike" spc="-1">
                 <a:solidFill>
                   <a:srgbClr val="000000"/>
@@ -11019,6 +11034,289 @@
         </p:txBody>
       </p:sp>
     </p:spTree>
+    <p:extLst>
+      <p:ext uri="{BB962C8B-B14F-4D97-AF65-F5344CB8AC3E}">
+        <p14:creationId xmlns:p14="http://schemas.microsoft.com/office/powerpoint/2010/main" val="870909995"/>
+      </p:ext>
+    </p:extLst>
+  </p:cSld>
+  <p:clrMapOvr>
+    <a:masterClrMapping/>
+  </p:clrMapOvr>
+</p:notes>
+</file>
+
+<file path=ppt/notesSlides/notesSlide78.xml><?xml version="1.0" encoding="utf-8"?>
+<p:notes xmlns:a="http://schemas.openxmlformats.org/drawingml/2006/main" xmlns:r="http://schemas.openxmlformats.org/officeDocument/2006/relationships" xmlns:p="http://schemas.openxmlformats.org/presentationml/2006/main">
+  <p:cSld>
+    <p:spTree>
+      <p:nvGrpSpPr>
+        <p:cNvPr id="1" name=""/>
+        <p:cNvGrpSpPr/>
+        <p:nvPr/>
+      </p:nvGrpSpPr>
+      <p:grpSpPr>
+        <a:xfrm>
+          <a:off x="0" y="0"/>
+          <a:ext cx="0" cy="0"/>
+          <a:chOff x="0" y="0"/>
+          <a:chExt cx="0" cy="0"/>
+        </a:xfrm>
+      </p:grpSpPr>
+      <p:sp>
+        <p:nvSpPr>
+          <p:cNvPr id="304" name="PlaceHolder 1"/>
+          <p:cNvSpPr>
+            <a:spLocks noGrp="1" noRot="1" noChangeAspect="1"/>
+          </p:cNvSpPr>
+          <p:nvPr>
+            <p:ph type="sldImg"/>
+          </p:nvPr>
+        </p:nvSpPr>
+        <p:spPr>
+          <a:xfrm>
+            <a:off x="687388" y="1143000"/>
+            <a:ext cx="5480050" cy="3082925"/>
+          </a:xfrm>
+          <a:prstGeom prst="rect">
+            <a:avLst/>
+          </a:prstGeom>
+        </p:spPr>
+      </p:sp>
+      <p:sp>
+        <p:nvSpPr>
+          <p:cNvPr id="305" name="PlaceHolder 2"/>
+          <p:cNvSpPr>
+            <a:spLocks noGrp="1"/>
+          </p:cNvSpPr>
+          <p:nvPr>
+            <p:ph type="body"/>
+          </p:nvPr>
+        </p:nvSpPr>
+        <p:spPr>
+          <a:xfrm>
+            <a:off x="685800" y="4320000"/>
+            <a:ext cx="5482440" cy="3596400"/>
+          </a:xfrm>
+          <a:prstGeom prst="rect">
+            <a:avLst/>
+          </a:prstGeom>
+        </p:spPr>
+        <p:txBody>
+          <a:bodyPr lIns="0" tIns="0" rIns="0" bIns="0">
+            <a:noAutofit/>
+          </a:bodyPr>
+          <a:lstStyle/>
+          <a:p>
+            <a:endParaRPr lang="pt-BR" sz="2000" b="0" strike="noStrike" spc="-1" dirty="0">
+              <a:latin typeface="Arial"/>
+            </a:endParaRPr>
+          </a:p>
+        </p:txBody>
+      </p:sp>
+      <p:sp>
+        <p:nvSpPr>
+          <p:cNvPr id="306" name="CustomShape 3"/>
+          <p:cNvSpPr/>
+          <p:nvPr/>
+        </p:nvSpPr>
+        <p:spPr>
+          <a:xfrm>
+            <a:off x="3884760" y="8685360"/>
+            <a:ext cx="2967840" cy="454680"/>
+          </a:xfrm>
+          <a:prstGeom prst="rect">
+            <a:avLst/>
+          </a:prstGeom>
+          <a:noFill/>
+          <a:ln>
+            <a:noFill/>
+          </a:ln>
+        </p:spPr>
+        <p:style>
+          <a:lnRef idx="0">
+            <a:scrgbClr r="0" g="0" b="0"/>
+          </a:lnRef>
+          <a:fillRef idx="0">
+            <a:scrgbClr r="0" g="0" b="0"/>
+          </a:fillRef>
+          <a:effectRef idx="0">
+            <a:scrgbClr r="0" g="0" b="0"/>
+          </a:effectRef>
+          <a:fontRef idx="minor"/>
+        </p:style>
+        <p:txBody>
+          <a:bodyPr lIns="90000" tIns="45000" rIns="90000" bIns="45000" anchor="b">
+            <a:noAutofit/>
+          </a:bodyPr>
+          <a:lstStyle/>
+          <a:p>
+            <a:pPr algn="r">
+              <a:lnSpc>
+                <a:spcPct val="100000"/>
+              </a:lnSpc>
+            </a:pPr>
+            <a:fld id="{F4C072A3-0E1D-4C79-A8AC-BB1726406D60}" type="slidenum">
+              <a:rPr lang="pt-BR" sz="1200" b="0" strike="noStrike" spc="-1">
+                <a:solidFill>
+                  <a:srgbClr val="000000"/>
+                </a:solidFill>
+                <a:latin typeface="Times New Roman"/>
+                <a:ea typeface="+mn-ea"/>
+              </a:rPr>
+              <a:t>78</a:t>
+            </a:fld>
+            <a:endParaRPr lang="pt-BR" sz="1200" b="0" strike="noStrike" spc="-1">
+              <a:latin typeface="Arial"/>
+            </a:endParaRPr>
+          </a:p>
+        </p:txBody>
+      </p:sp>
+    </p:spTree>
+    <p:extLst>
+      <p:ext uri="{BB962C8B-B14F-4D97-AF65-F5344CB8AC3E}">
+        <p14:creationId xmlns:p14="http://schemas.microsoft.com/office/powerpoint/2010/main" val="2114966371"/>
+      </p:ext>
+    </p:extLst>
+  </p:cSld>
+  <p:clrMapOvr>
+    <a:masterClrMapping/>
+  </p:clrMapOvr>
+</p:notes>
+</file>
+
+<file path=ppt/notesSlides/notesSlide79.xml><?xml version="1.0" encoding="utf-8"?>
+<p:notes xmlns:a="http://schemas.openxmlformats.org/drawingml/2006/main" xmlns:r="http://schemas.openxmlformats.org/officeDocument/2006/relationships" xmlns:p="http://schemas.openxmlformats.org/presentationml/2006/main">
+  <p:cSld>
+    <p:spTree>
+      <p:nvGrpSpPr>
+        <p:cNvPr id="1" name=""/>
+        <p:cNvGrpSpPr/>
+        <p:nvPr/>
+      </p:nvGrpSpPr>
+      <p:grpSpPr>
+        <a:xfrm>
+          <a:off x="0" y="0"/>
+          <a:ext cx="0" cy="0"/>
+          <a:chOff x="0" y="0"/>
+          <a:chExt cx="0" cy="0"/>
+        </a:xfrm>
+      </p:grpSpPr>
+      <p:sp>
+        <p:nvSpPr>
+          <p:cNvPr id="304" name="PlaceHolder 1"/>
+          <p:cNvSpPr>
+            <a:spLocks noGrp="1" noRot="1" noChangeAspect="1"/>
+          </p:cNvSpPr>
+          <p:nvPr>
+            <p:ph type="sldImg"/>
+          </p:nvPr>
+        </p:nvSpPr>
+        <p:spPr>
+          <a:xfrm>
+            <a:off x="687388" y="1143000"/>
+            <a:ext cx="5480050" cy="3082925"/>
+          </a:xfrm>
+          <a:prstGeom prst="rect">
+            <a:avLst/>
+          </a:prstGeom>
+        </p:spPr>
+      </p:sp>
+      <p:sp>
+        <p:nvSpPr>
+          <p:cNvPr id="305" name="PlaceHolder 2"/>
+          <p:cNvSpPr>
+            <a:spLocks noGrp="1"/>
+          </p:cNvSpPr>
+          <p:nvPr>
+            <p:ph type="body"/>
+          </p:nvPr>
+        </p:nvSpPr>
+        <p:spPr>
+          <a:xfrm>
+            <a:off x="685800" y="4320000"/>
+            <a:ext cx="5482440" cy="3596400"/>
+          </a:xfrm>
+          <a:prstGeom prst="rect">
+            <a:avLst/>
+          </a:prstGeom>
+        </p:spPr>
+        <p:txBody>
+          <a:bodyPr lIns="0" tIns="0" rIns="0" bIns="0">
+            <a:noAutofit/>
+          </a:bodyPr>
+          <a:lstStyle/>
+          <a:p>
+            <a:endParaRPr lang="pt-BR" sz="2000" b="0" strike="noStrike" spc="-1" dirty="0">
+              <a:latin typeface="Arial"/>
+            </a:endParaRPr>
+          </a:p>
+        </p:txBody>
+      </p:sp>
+      <p:sp>
+        <p:nvSpPr>
+          <p:cNvPr id="306" name="CustomShape 3"/>
+          <p:cNvSpPr/>
+          <p:nvPr/>
+        </p:nvSpPr>
+        <p:spPr>
+          <a:xfrm>
+            <a:off x="3884760" y="8685360"/>
+            <a:ext cx="2967840" cy="454680"/>
+          </a:xfrm>
+          <a:prstGeom prst="rect">
+            <a:avLst/>
+          </a:prstGeom>
+          <a:noFill/>
+          <a:ln>
+            <a:noFill/>
+          </a:ln>
+        </p:spPr>
+        <p:style>
+          <a:lnRef idx="0">
+            <a:scrgbClr r="0" g="0" b="0"/>
+          </a:lnRef>
+          <a:fillRef idx="0">
+            <a:scrgbClr r="0" g="0" b="0"/>
+          </a:fillRef>
+          <a:effectRef idx="0">
+            <a:scrgbClr r="0" g="0" b="0"/>
+          </a:effectRef>
+          <a:fontRef idx="minor"/>
+        </p:style>
+        <p:txBody>
+          <a:bodyPr lIns="90000" tIns="45000" rIns="90000" bIns="45000" anchor="b">
+            <a:noAutofit/>
+          </a:bodyPr>
+          <a:lstStyle/>
+          <a:p>
+            <a:pPr algn="r">
+              <a:lnSpc>
+                <a:spcPct val="100000"/>
+              </a:lnSpc>
+            </a:pPr>
+            <a:fld id="{F4C072A3-0E1D-4C79-A8AC-BB1726406D60}" type="slidenum">
+              <a:rPr lang="pt-BR" sz="1200" b="0" strike="noStrike" spc="-1">
+                <a:solidFill>
+                  <a:srgbClr val="000000"/>
+                </a:solidFill>
+                <a:latin typeface="Times New Roman"/>
+                <a:ea typeface="+mn-ea"/>
+              </a:rPr>
+              <a:t>79</a:t>
+            </a:fld>
+            <a:endParaRPr lang="pt-BR" sz="1200" b="0" strike="noStrike" spc="-1">
+              <a:latin typeface="Arial"/>
+            </a:endParaRPr>
+          </a:p>
+        </p:txBody>
+      </p:sp>
+    </p:spTree>
+    <p:extLst>
+      <p:ext uri="{BB962C8B-B14F-4D97-AF65-F5344CB8AC3E}">
+        <p14:creationId xmlns:p14="http://schemas.microsoft.com/office/powerpoint/2010/main" val="2438856964"/>
+      </p:ext>
+    </p:extLst>
   </p:cSld>
   <p:clrMapOvr>
     <a:masterClrMapping/>
@@ -11145,6 +11443,408 @@
                 <a:ea typeface="+mn-ea"/>
               </a:rPr>
               <a:t>8</a:t>
+            </a:fld>
+            <a:endParaRPr lang="pt-BR" sz="1200" b="0" strike="noStrike" spc="-1">
+              <a:latin typeface="Arial"/>
+            </a:endParaRPr>
+          </a:p>
+        </p:txBody>
+      </p:sp>
+    </p:spTree>
+  </p:cSld>
+  <p:clrMapOvr>
+    <a:masterClrMapping/>
+  </p:clrMapOvr>
+</p:notes>
+</file>
+
+<file path=ppt/notesSlides/notesSlide80.xml><?xml version="1.0" encoding="utf-8"?>
+<p:notes xmlns:a="http://schemas.openxmlformats.org/drawingml/2006/main" xmlns:r="http://schemas.openxmlformats.org/officeDocument/2006/relationships" xmlns:p="http://schemas.openxmlformats.org/presentationml/2006/main">
+  <p:cSld>
+    <p:spTree>
+      <p:nvGrpSpPr>
+        <p:cNvPr id="1" name=""/>
+        <p:cNvGrpSpPr/>
+        <p:nvPr/>
+      </p:nvGrpSpPr>
+      <p:grpSpPr>
+        <a:xfrm>
+          <a:off x="0" y="0"/>
+          <a:ext cx="0" cy="0"/>
+          <a:chOff x="0" y="0"/>
+          <a:chExt cx="0" cy="0"/>
+        </a:xfrm>
+      </p:grpSpPr>
+      <p:sp>
+        <p:nvSpPr>
+          <p:cNvPr id="310" name="PlaceHolder 1"/>
+          <p:cNvSpPr>
+            <a:spLocks noGrp="1" noRot="1" noChangeAspect="1"/>
+          </p:cNvSpPr>
+          <p:nvPr>
+            <p:ph type="sldImg"/>
+          </p:nvPr>
+        </p:nvSpPr>
+        <p:spPr>
+          <a:xfrm>
+            <a:off x="687388" y="1143000"/>
+            <a:ext cx="5480050" cy="3082925"/>
+          </a:xfrm>
+          <a:prstGeom prst="rect">
+            <a:avLst/>
+          </a:prstGeom>
+        </p:spPr>
+      </p:sp>
+      <p:sp>
+        <p:nvSpPr>
+          <p:cNvPr id="311" name="PlaceHolder 2"/>
+          <p:cNvSpPr>
+            <a:spLocks noGrp="1"/>
+          </p:cNvSpPr>
+          <p:nvPr>
+            <p:ph type="body"/>
+          </p:nvPr>
+        </p:nvSpPr>
+        <p:spPr>
+          <a:xfrm>
+            <a:off x="685800" y="4400640"/>
+            <a:ext cx="5482440" cy="3596400"/>
+          </a:xfrm>
+          <a:prstGeom prst="rect">
+            <a:avLst/>
+          </a:prstGeom>
+        </p:spPr>
+        <p:txBody>
+          <a:bodyPr lIns="0" tIns="0" rIns="0" bIns="0">
+            <a:noAutofit/>
+          </a:bodyPr>
+          <a:lstStyle/>
+          <a:p>
+            <a:endParaRPr lang="pt-BR" sz="2000" b="0" strike="noStrike" spc="-1">
+              <a:latin typeface="Arial"/>
+            </a:endParaRPr>
+          </a:p>
+        </p:txBody>
+      </p:sp>
+      <p:sp>
+        <p:nvSpPr>
+          <p:cNvPr id="312" name="CustomShape 3"/>
+          <p:cNvSpPr/>
+          <p:nvPr/>
+        </p:nvSpPr>
+        <p:spPr>
+          <a:xfrm>
+            <a:off x="3884760" y="8685360"/>
+            <a:ext cx="2967840" cy="454680"/>
+          </a:xfrm>
+          <a:prstGeom prst="rect">
+            <a:avLst/>
+          </a:prstGeom>
+          <a:noFill/>
+          <a:ln>
+            <a:noFill/>
+          </a:ln>
+        </p:spPr>
+        <p:style>
+          <a:lnRef idx="0">
+            <a:scrgbClr r="0" g="0" b="0"/>
+          </a:lnRef>
+          <a:fillRef idx="0">
+            <a:scrgbClr r="0" g="0" b="0"/>
+          </a:fillRef>
+          <a:effectRef idx="0">
+            <a:scrgbClr r="0" g="0" b="0"/>
+          </a:effectRef>
+          <a:fontRef idx="minor"/>
+        </p:style>
+        <p:txBody>
+          <a:bodyPr lIns="90000" tIns="45000" rIns="90000" bIns="45000" anchor="b">
+            <a:noAutofit/>
+          </a:bodyPr>
+          <a:lstStyle/>
+          <a:p>
+            <a:pPr algn="r">
+              <a:lnSpc>
+                <a:spcPct val="100000"/>
+              </a:lnSpc>
+            </a:pPr>
+            <a:fld id="{A4A9D5A6-6C48-4B43-8032-A4F02E798000}" type="slidenum">
+              <a:rPr lang="pt-BR" sz="1200" b="0" strike="noStrike" spc="-1">
+                <a:solidFill>
+                  <a:srgbClr val="000000"/>
+                </a:solidFill>
+                <a:latin typeface="Times New Roman"/>
+                <a:ea typeface="+mn-ea"/>
+              </a:rPr>
+              <a:t>80</a:t>
+            </a:fld>
+            <a:endParaRPr lang="pt-BR" sz="1200" b="0" strike="noStrike" spc="-1">
+              <a:latin typeface="Arial"/>
+            </a:endParaRPr>
+          </a:p>
+        </p:txBody>
+      </p:sp>
+    </p:spTree>
+  </p:cSld>
+  <p:clrMapOvr>
+    <a:masterClrMapping/>
+  </p:clrMapOvr>
+</p:notes>
+</file>
+
+<file path=ppt/notesSlides/notesSlide81.xml><?xml version="1.0" encoding="utf-8"?>
+<p:notes xmlns:a="http://schemas.openxmlformats.org/drawingml/2006/main" xmlns:r="http://schemas.openxmlformats.org/officeDocument/2006/relationships" xmlns:p="http://schemas.openxmlformats.org/presentationml/2006/main">
+  <p:cSld>
+    <p:spTree>
+      <p:nvGrpSpPr>
+        <p:cNvPr id="1" name=""/>
+        <p:cNvGrpSpPr/>
+        <p:nvPr/>
+      </p:nvGrpSpPr>
+      <p:grpSpPr>
+        <a:xfrm>
+          <a:off x="0" y="0"/>
+          <a:ext cx="0" cy="0"/>
+          <a:chOff x="0" y="0"/>
+          <a:chExt cx="0" cy="0"/>
+        </a:xfrm>
+      </p:grpSpPr>
+      <p:sp>
+        <p:nvSpPr>
+          <p:cNvPr id="313" name="PlaceHolder 1"/>
+          <p:cNvSpPr>
+            <a:spLocks noGrp="1" noRot="1" noChangeAspect="1"/>
+          </p:cNvSpPr>
+          <p:nvPr>
+            <p:ph type="sldImg"/>
+          </p:nvPr>
+        </p:nvSpPr>
+        <p:spPr>
+          <a:xfrm>
+            <a:off x="685800" y="1143000"/>
+            <a:ext cx="5482800" cy="3082320"/>
+          </a:xfrm>
+          <a:prstGeom prst="rect">
+            <a:avLst/>
+          </a:prstGeom>
+        </p:spPr>
+      </p:sp>
+      <p:sp>
+        <p:nvSpPr>
+          <p:cNvPr id="314" name="PlaceHolder 2"/>
+          <p:cNvSpPr>
+            <a:spLocks noGrp="1"/>
+          </p:cNvSpPr>
+          <p:nvPr>
+            <p:ph type="body"/>
+          </p:nvPr>
+        </p:nvSpPr>
+        <p:spPr>
+          <a:xfrm>
+            <a:off x="685800" y="4400640"/>
+            <a:ext cx="5482440" cy="3596400"/>
+          </a:xfrm>
+          <a:prstGeom prst="rect">
+            <a:avLst/>
+          </a:prstGeom>
+        </p:spPr>
+        <p:txBody>
+          <a:bodyPr lIns="0" tIns="0" rIns="0" bIns="0">
+            <a:noAutofit/>
+          </a:bodyPr>
+          <a:lstStyle/>
+          <a:p>
+            <a:endParaRPr lang="pt-BR" sz="2000" b="0" strike="noStrike" spc="-1">
+              <a:latin typeface="Arial"/>
+            </a:endParaRPr>
+          </a:p>
+        </p:txBody>
+      </p:sp>
+      <p:sp>
+        <p:nvSpPr>
+          <p:cNvPr id="315" name="CustomShape 3"/>
+          <p:cNvSpPr/>
+          <p:nvPr/>
+        </p:nvSpPr>
+        <p:spPr>
+          <a:xfrm>
+            <a:off x="3884760" y="8685360"/>
+            <a:ext cx="2967840" cy="454680"/>
+          </a:xfrm>
+          <a:prstGeom prst="rect">
+            <a:avLst/>
+          </a:prstGeom>
+          <a:noFill/>
+          <a:ln>
+            <a:noFill/>
+          </a:ln>
+        </p:spPr>
+        <p:style>
+          <a:lnRef idx="0">
+            <a:scrgbClr r="0" g="0" b="0"/>
+          </a:lnRef>
+          <a:fillRef idx="0">
+            <a:scrgbClr r="0" g="0" b="0"/>
+          </a:fillRef>
+          <a:effectRef idx="0">
+            <a:scrgbClr r="0" g="0" b="0"/>
+          </a:effectRef>
+          <a:fontRef idx="minor"/>
+        </p:style>
+        <p:txBody>
+          <a:bodyPr lIns="90000" tIns="45000" rIns="90000" bIns="45000" anchor="b">
+            <a:noAutofit/>
+          </a:bodyPr>
+          <a:lstStyle/>
+          <a:p>
+            <a:pPr algn="r">
+              <a:lnSpc>
+                <a:spcPct val="100000"/>
+              </a:lnSpc>
+            </a:pPr>
+            <a:fld id="{B008546A-9EE6-49C8-B1DE-CF65AB5C1D04}" type="slidenum">
+              <a:rPr lang="pt-BR" sz="1200" b="0" strike="noStrike" spc="-1">
+                <a:solidFill>
+                  <a:srgbClr val="000000"/>
+                </a:solidFill>
+                <a:latin typeface="Times New Roman"/>
+                <a:ea typeface="+mn-ea"/>
+              </a:rPr>
+              <a:t>81</a:t>
+            </a:fld>
+            <a:endParaRPr lang="pt-BR" sz="1200" b="0" strike="noStrike" spc="-1">
+              <a:latin typeface="Arial"/>
+            </a:endParaRPr>
+          </a:p>
+        </p:txBody>
+      </p:sp>
+    </p:spTree>
+  </p:cSld>
+  <p:clrMapOvr>
+    <a:masterClrMapping/>
+  </p:clrMapOvr>
+</p:notes>
+</file>
+
+<file path=ppt/notesSlides/notesSlide82.xml><?xml version="1.0" encoding="utf-8"?>
+<p:notes xmlns:a="http://schemas.openxmlformats.org/drawingml/2006/main" xmlns:r="http://schemas.openxmlformats.org/officeDocument/2006/relationships" xmlns:p="http://schemas.openxmlformats.org/presentationml/2006/main">
+  <p:cSld>
+    <p:spTree>
+      <p:nvGrpSpPr>
+        <p:cNvPr id="1" name=""/>
+        <p:cNvGrpSpPr/>
+        <p:nvPr/>
+      </p:nvGrpSpPr>
+      <p:grpSpPr>
+        <a:xfrm>
+          <a:off x="0" y="0"/>
+          <a:ext cx="0" cy="0"/>
+          <a:chOff x="0" y="0"/>
+          <a:chExt cx="0" cy="0"/>
+        </a:xfrm>
+      </p:grpSpPr>
+      <p:sp>
+        <p:nvSpPr>
+          <p:cNvPr id="316" name="PlaceHolder 1"/>
+          <p:cNvSpPr>
+            <a:spLocks noGrp="1" noRot="1" noChangeAspect="1"/>
+          </p:cNvSpPr>
+          <p:nvPr>
+            <p:ph type="sldImg"/>
+          </p:nvPr>
+        </p:nvSpPr>
+        <p:spPr>
+          <a:xfrm>
+            <a:off x="687388" y="1143000"/>
+            <a:ext cx="5480050" cy="3082925"/>
+          </a:xfrm>
+          <a:prstGeom prst="rect">
+            <a:avLst/>
+          </a:prstGeom>
+        </p:spPr>
+      </p:sp>
+      <p:sp>
+        <p:nvSpPr>
+          <p:cNvPr id="317" name="PlaceHolder 2"/>
+          <p:cNvSpPr>
+            <a:spLocks noGrp="1"/>
+          </p:cNvSpPr>
+          <p:nvPr>
+            <p:ph type="body"/>
+          </p:nvPr>
+        </p:nvSpPr>
+        <p:spPr>
+          <a:xfrm>
+            <a:off x="685800" y="4400640"/>
+            <a:ext cx="5482440" cy="3596400"/>
+          </a:xfrm>
+          <a:prstGeom prst="rect">
+            <a:avLst/>
+          </a:prstGeom>
+        </p:spPr>
+        <p:txBody>
+          <a:bodyPr lIns="0" tIns="0" rIns="0" bIns="0">
+            <a:noAutofit/>
+          </a:bodyPr>
+          <a:lstStyle/>
+          <a:p>
+            <a:endParaRPr lang="pt-BR" sz="2000" b="0" strike="noStrike" spc="-1">
+              <a:latin typeface="Arial"/>
+            </a:endParaRPr>
+          </a:p>
+        </p:txBody>
+      </p:sp>
+      <p:sp>
+        <p:nvSpPr>
+          <p:cNvPr id="318" name="CustomShape 3"/>
+          <p:cNvSpPr/>
+          <p:nvPr/>
+        </p:nvSpPr>
+        <p:spPr>
+          <a:xfrm>
+            <a:off x="3884760" y="8685360"/>
+            <a:ext cx="2967840" cy="454680"/>
+          </a:xfrm>
+          <a:prstGeom prst="rect">
+            <a:avLst/>
+          </a:prstGeom>
+          <a:noFill/>
+          <a:ln>
+            <a:noFill/>
+          </a:ln>
+        </p:spPr>
+        <p:style>
+          <a:lnRef idx="0">
+            <a:scrgbClr r="0" g="0" b="0"/>
+          </a:lnRef>
+          <a:fillRef idx="0">
+            <a:scrgbClr r="0" g="0" b="0"/>
+          </a:fillRef>
+          <a:effectRef idx="0">
+            <a:scrgbClr r="0" g="0" b="0"/>
+          </a:effectRef>
+          <a:fontRef idx="minor"/>
+        </p:style>
+        <p:txBody>
+          <a:bodyPr lIns="90000" tIns="45000" rIns="90000" bIns="45000" anchor="b">
+            <a:noAutofit/>
+          </a:bodyPr>
+          <a:lstStyle/>
+          <a:p>
+            <a:pPr algn="r">
+              <a:lnSpc>
+                <a:spcPct val="100000"/>
+              </a:lnSpc>
+            </a:pPr>
+            <a:fld id="{6CDBEE86-8171-4C12-86ED-7FE502965E94}" type="slidenum">
+              <a:rPr lang="pt-BR" sz="1200" b="0" strike="noStrike" spc="-1">
+                <a:solidFill>
+                  <a:srgbClr val="000000"/>
+                </a:solidFill>
+                <a:latin typeface="Times New Roman"/>
+                <a:ea typeface="+mn-ea"/>
+              </a:rPr>
+              <a:t>82</a:t>
             </a:fld>
             <a:endParaRPr lang="pt-BR" sz="1200" b="0" strike="noStrike" spc="-1">
               <a:latin typeface="Arial"/>
@@ -40353,7 +41053,7 @@
       </p:grpSpPr>
       <p:sp>
         <p:nvSpPr>
-          <p:cNvPr id="175" name="CustomShape 1"/>
+          <p:cNvPr id="171" name="CustomShape 1"/>
           <p:cNvSpPr/>
           <p:nvPr/>
         </p:nvSpPr>
@@ -40394,16 +41094,16 @@
               </a:lnSpc>
             </a:pPr>
             <a:r>
-              <a:rPr lang="pt-BR" sz="5400" b="0" strike="noStrike" spc="-1">
+              <a:rPr lang="pt-BR" sz="5400" b="0" strike="noStrike" spc="-1" dirty="0" err="1">
                 <a:solidFill>
                   <a:srgbClr val="1F4E79"/>
                 </a:solidFill>
                 <a:latin typeface="Arial"/>
                 <a:ea typeface="DejaVu Sans"/>
               </a:rPr>
-              <a:t>Referências</a:t>
-            </a:r>
-            <a:endParaRPr lang="pt-BR" sz="5400" b="0" strike="noStrike" spc="-1">
+              <a:t>Deploy</a:t>
+            </a:r>
+            <a:endParaRPr lang="pt-BR" sz="5400" b="0" strike="noStrike" spc="-1" dirty="0">
               <a:latin typeface="Arial"/>
             </a:endParaRPr>
           </a:p>
@@ -40411,7 +41111,7 @@
       </p:sp>
       <p:sp>
         <p:nvSpPr>
-          <p:cNvPr id="176" name="CustomShape 2"/>
+          <p:cNvPr id="172" name="CustomShape 2"/>
           <p:cNvSpPr/>
           <p:nvPr/>
         </p:nvSpPr>
@@ -40442,11 +41142,11 @@
         </p:style>
         <p:txBody>
           <a:bodyPr lIns="90000" tIns="45000" rIns="90000" bIns="45000">
-            <a:normAutofit fontScale="89000" lnSpcReduction="10000"/>
+            <a:normAutofit/>
           </a:bodyPr>
           <a:lstStyle/>
           <a:p>
-            <a:pPr marL="514440" indent="-510480">
+            <a:pPr algn="ctr">
               <a:lnSpc>
                 <a:spcPct val="100000"/>
               </a:lnSpc>
@@ -40456,70 +41156,27 @@
               <a:spcAft>
                 <a:spcPts val="1001"/>
               </a:spcAft>
-              <a:buClr>
+              <a:tabLst>
+                <a:tab pos="0" algn="l"/>
+              </a:tabLst>
+            </a:pPr>
+            <a:r>
+              <a:rPr lang="pt-BR" sz="3200" spc="-1" dirty="0">
+                <a:solidFill>
+                  <a:srgbClr val="1F4E79"/>
+                </a:solidFill>
+                <a:hlinkClick r:id="rId3"/>
+              </a:rPr>
+              <a:t>https://vercel.com/</a:t>
+            </a:r>
+            <a:endParaRPr lang="pt-BR" sz="3200" spc="-1" dirty="0">
+              <a:solidFill>
                 <a:srgbClr val="1F4E79"/>
-              </a:buClr>
-              <a:buFont typeface="Calibri Light"/>
-              <a:buAutoNum type="arabicPeriod"/>
-            </a:pPr>
-            <a:r>
-              <a:rPr lang="pt-BR" sz="3200" b="0" strike="noStrike" spc="-1">
-                <a:solidFill>
-                  <a:srgbClr val="1F4E79"/>
-                </a:solidFill>
-                <a:latin typeface="Arial"/>
-                <a:ea typeface="DejaVu Sans"/>
-              </a:rPr>
-              <a:t>Node.js. </a:t>
-            </a:r>
-            <a:r>
-              <a:rPr lang="pt-BR" sz="3200" b="1" strike="noStrike" spc="-1">
-                <a:solidFill>
-                  <a:srgbClr val="1F4E79"/>
-                </a:solidFill>
-                <a:latin typeface="Arial"/>
-                <a:ea typeface="DejaVu Sans"/>
-              </a:rPr>
-              <a:t>About</a:t>
-            </a:r>
-            <a:r>
-              <a:rPr lang="pt-BR" sz="3200" b="0" strike="noStrike" spc="-1">
-                <a:solidFill>
-                  <a:srgbClr val="1F4E79"/>
-                </a:solidFill>
-                <a:latin typeface="Arial"/>
-                <a:ea typeface="DejaVu Sans"/>
-              </a:rPr>
-              <a:t>. Disponível em: </a:t>
-            </a:r>
-            <a:r>
-              <a:rPr lang="pt-BR" sz="3200" b="0" u="sng" strike="noStrike" spc="-1">
-                <a:solidFill>
-                  <a:srgbClr val="0563C1"/>
-                </a:solidFill>
-                <a:uFillTx/>
-                <a:latin typeface="Arial"/>
-                <a:ea typeface="DejaVu Sans"/>
-                <a:hlinkClick r:id="rId3"/>
-              </a:rPr>
-              <a:t>https://nodejs.org/en/about/</a:t>
-            </a:r>
-            <a:r>
-              <a:rPr lang="pt-BR" sz="3200" b="0" strike="noStrike" spc="-1">
-                <a:solidFill>
-                  <a:srgbClr val="1F4E79"/>
-                </a:solidFill>
-                <a:latin typeface="Arial"/>
-                <a:ea typeface="DejaVu Sans"/>
-              </a:rPr>
-              <a:t>.</a:t>
-            </a:r>
-            <a:endParaRPr lang="pt-BR" sz="3200" b="0" strike="noStrike" spc="-1">
-              <a:latin typeface="Arial"/>
-            </a:endParaRPr>
-          </a:p>
-          <a:p>
-            <a:pPr marL="514440" indent="-510480">
+              </a:solidFill>
+            </a:endParaRPr>
+          </a:p>
+          <a:p>
+            <a:pPr algn="ctr">
               <a:lnSpc>
                 <a:spcPct val="100000"/>
               </a:lnSpc>
@@ -40529,70 +41186,21 @@
               <a:spcAft>
                 <a:spcPts val="1001"/>
               </a:spcAft>
-              <a:buClr>
-                <a:srgbClr val="1F4E79"/>
-              </a:buClr>
-              <a:buFont typeface="Calibri Light"/>
-              <a:buAutoNum type="arabicPeriod"/>
-            </a:pPr>
-            <a:r>
-              <a:rPr lang="pt-BR" sz="3200" b="0" strike="noStrike" spc="-1">
-                <a:solidFill>
-                  <a:srgbClr val="1F4E79"/>
-                </a:solidFill>
-                <a:latin typeface="Arial"/>
-                <a:ea typeface="DejaVu Sans"/>
-              </a:rPr>
-              <a:t>Node.js. </a:t>
-            </a:r>
-            <a:r>
-              <a:rPr lang="pt-BR" sz="3200" b="1" strike="noStrike" spc="-1">
-                <a:solidFill>
-                  <a:srgbClr val="1F4E79"/>
-                </a:solidFill>
-                <a:latin typeface="Arial"/>
-                <a:ea typeface="DejaVu Sans"/>
-              </a:rPr>
-              <a:t>Download</a:t>
-            </a:r>
-            <a:r>
-              <a:rPr lang="pt-BR" sz="3200" b="0" strike="noStrike" spc="-1">
-                <a:solidFill>
-                  <a:srgbClr val="1F4E79"/>
-                </a:solidFill>
-                <a:latin typeface="Arial"/>
-                <a:ea typeface="DejaVu Sans"/>
-              </a:rPr>
-              <a:t>. Disponível em: </a:t>
-            </a:r>
-            <a:r>
-              <a:rPr lang="pt-BR" sz="3200" b="0" u="sng" strike="noStrike" spc="-1">
-                <a:solidFill>
-                  <a:srgbClr val="0563C1"/>
-                </a:solidFill>
-                <a:uFillTx/>
-                <a:latin typeface="Arial"/>
-                <a:ea typeface="DejaVu Sans"/>
-                <a:hlinkClick r:id="rId4"/>
-              </a:rPr>
-              <a:t>https://nodejs.org/en/download/</a:t>
-            </a:r>
-            <a:r>
-              <a:rPr lang="pt-BR" sz="3200" b="0" strike="noStrike" spc="-1">
-                <a:solidFill>
-                  <a:srgbClr val="1F4E79"/>
-                </a:solidFill>
-                <a:latin typeface="Arial"/>
-                <a:ea typeface="DejaVu Sans"/>
-              </a:rPr>
-              <a:t>.</a:t>
-            </a:r>
-            <a:endParaRPr lang="pt-BR" sz="3200" b="0" strike="noStrike" spc="-1">
-              <a:latin typeface="Arial"/>
-            </a:endParaRPr>
-          </a:p>
-          <a:p>
-            <a:pPr marL="514440" indent="-510480">
+              <a:tabLst>
+                <a:tab pos="0" algn="l"/>
+              </a:tabLst>
+            </a:pPr>
+            <a:r>
+              <a:rPr lang="pt-BR" sz="3200" spc="-1" dirty="0">
+                <a:solidFill>
+                  <a:srgbClr val="1F4E79"/>
+                </a:solidFill>
+              </a:rPr>
+              <a:t>Dashboard &gt; new Project</a:t>
+            </a:r>
+          </a:p>
+          <a:p>
+            <a:pPr algn="ctr">
               <a:lnSpc>
                 <a:spcPct val="100000"/>
               </a:lnSpc>
@@ -40602,207 +41210,86 @@
               <a:spcAft>
                 <a:spcPts val="1001"/>
               </a:spcAft>
-              <a:buClr>
+              <a:tabLst>
+                <a:tab pos="0" algn="l"/>
+              </a:tabLst>
+            </a:pPr>
+            <a:r>
+              <a:rPr lang="pt-BR" sz="3200" spc="-1" dirty="0">
+                <a:solidFill>
+                  <a:srgbClr val="1F4E79"/>
+                </a:solidFill>
+              </a:rPr>
+              <a:t>Press </a:t>
+            </a:r>
+            <a:r>
+              <a:rPr lang="pt-BR" sz="3200" spc="-1" dirty="0" err="1">
+                <a:solidFill>
+                  <a:srgbClr val="1F4E79"/>
+                </a:solidFill>
+              </a:rPr>
+              <a:t>import</a:t>
+            </a:r>
+            <a:r>
+              <a:rPr lang="pt-BR" sz="3200" spc="-1" dirty="0">
+                <a:solidFill>
+                  <a:srgbClr val="1F4E79"/>
+                </a:solidFill>
+              </a:rPr>
+              <a:t> </a:t>
+            </a:r>
+            <a:r>
+              <a:rPr lang="pt-BR" sz="3200" spc="-1" dirty="0" err="1">
+                <a:solidFill>
+                  <a:srgbClr val="1F4E79"/>
+                </a:solidFill>
+              </a:rPr>
+              <a:t>button</a:t>
+            </a:r>
+            <a:endParaRPr lang="pt-BR" sz="3200" spc="-1" dirty="0">
+              <a:solidFill>
                 <a:srgbClr val="1F4E79"/>
-              </a:buClr>
-              <a:buFont typeface="Calibri Light"/>
-              <a:buAutoNum type="arabicPeriod"/>
-            </a:pPr>
-            <a:r>
-              <a:rPr lang="pt-BR" sz="3200" b="0" strike="noStrike" spc="-1">
-                <a:solidFill>
-                  <a:srgbClr val="1F4E79"/>
-                </a:solidFill>
-                <a:latin typeface="Arial"/>
-                <a:ea typeface="DejaVu Sans"/>
-              </a:rPr>
-              <a:t>Yarn. </a:t>
-            </a:r>
-            <a:r>
-              <a:rPr lang="pt-BR" sz="3200" b="1" strike="noStrike" spc="-1">
-                <a:solidFill>
-                  <a:srgbClr val="1F4E79"/>
-                </a:solidFill>
-                <a:latin typeface="Arial"/>
-                <a:ea typeface="DejaVu Sans"/>
-              </a:rPr>
-              <a:t>Introduction</a:t>
-            </a:r>
-            <a:r>
-              <a:rPr lang="pt-BR" sz="3200" b="0" strike="noStrike" spc="-1">
-                <a:solidFill>
-                  <a:srgbClr val="1F4E79"/>
-                </a:solidFill>
-                <a:latin typeface="Arial"/>
-          